--- a/발표자료/API 텀프로젝트 발표자료.pptx
+++ b/발표자료/API 텀프로젝트 발표자료.pptx
@@ -6,7 +6,7 @@
   </p:sldMasterIdLst>
   <p:sldIdLst>
     <p:sldId id="256" r:id="rId2"/>
-    <p:sldId id="257" r:id="rId3"/>
+    <p:sldId id="263" r:id="rId3"/>
     <p:sldId id="258" r:id="rId4"/>
     <p:sldId id="259" r:id="rId5"/>
     <p:sldId id="260" r:id="rId6"/>
@@ -110,7 +110,16 @@
       </a:defRPr>
     </a:lvl9pPr>
   </p:defaultTextStyle>
+  <p:extLst>
+    <p:ext uri="{EFAFB233-063F-42B5-8137-9DF3F51BA10A}">
+      <p15:sldGuideLst xmlns:p15="http://schemas.microsoft.com/office/powerpoint/2012/main"/>
+    </p:ext>
+  </p:extLst>
 </p:presentation>
+</file>
+
+<file path=ppt/revisionInfo.xml><?xml version="1.0" encoding="utf-8"?>
+<p1510:revInfo xmlns:a="http://schemas.openxmlformats.org/drawingml/2006/main" xmlns:r="http://schemas.openxmlformats.org/officeDocument/2006/relationships" xmlns:p1510="http://schemas.microsoft.com/office/powerpoint/2015/10/main"/>
 </file>
 
 <file path=ppt/slideLayouts/slideLayout1.xml><?xml version="1.0" encoding="utf-8"?>
@@ -244,7 +253,7 @@
           <a:p>
             <a:fld id="{42904C78-06FB-426E-8932-DB863AFFAC91}" type="datetimeFigureOut">
               <a:rPr lang="ko-KR" altLang="en-US" smtClean="0"/>
-              <a:t>2017-06-17</a:t>
+              <a:t>2017-06-18</a:t>
             </a:fld>
             <a:endParaRPr lang="ko-KR" altLang="en-US"/>
           </a:p>
@@ -414,7 +423,7 @@
           <a:p>
             <a:fld id="{42904C78-06FB-426E-8932-DB863AFFAC91}" type="datetimeFigureOut">
               <a:rPr lang="ko-KR" altLang="en-US" smtClean="0"/>
-              <a:t>2017-06-17</a:t>
+              <a:t>2017-06-18</a:t>
             </a:fld>
             <a:endParaRPr lang="ko-KR" altLang="en-US"/>
           </a:p>
@@ -594,7 +603,7 @@
           <a:p>
             <a:fld id="{42904C78-06FB-426E-8932-DB863AFFAC91}" type="datetimeFigureOut">
               <a:rPr lang="ko-KR" altLang="en-US" smtClean="0"/>
-              <a:t>2017-06-17</a:t>
+              <a:t>2017-06-18</a:t>
             </a:fld>
             <a:endParaRPr lang="ko-KR" altLang="en-US"/>
           </a:p>
@@ -764,7 +773,7 @@
           <a:p>
             <a:fld id="{42904C78-06FB-426E-8932-DB863AFFAC91}" type="datetimeFigureOut">
               <a:rPr lang="ko-KR" altLang="en-US" smtClean="0"/>
-              <a:t>2017-06-17</a:t>
+              <a:t>2017-06-18</a:t>
             </a:fld>
             <a:endParaRPr lang="ko-KR" altLang="en-US"/>
           </a:p>
@@ -1008,7 +1017,7 @@
           <a:p>
             <a:fld id="{42904C78-06FB-426E-8932-DB863AFFAC91}" type="datetimeFigureOut">
               <a:rPr lang="ko-KR" altLang="en-US" smtClean="0"/>
-              <a:t>2017-06-17</a:t>
+              <a:t>2017-06-18</a:t>
             </a:fld>
             <a:endParaRPr lang="ko-KR" altLang="en-US"/>
           </a:p>
@@ -1240,7 +1249,7 @@
           <a:p>
             <a:fld id="{42904C78-06FB-426E-8932-DB863AFFAC91}" type="datetimeFigureOut">
               <a:rPr lang="ko-KR" altLang="en-US" smtClean="0"/>
-              <a:t>2017-06-17</a:t>
+              <a:t>2017-06-18</a:t>
             </a:fld>
             <a:endParaRPr lang="ko-KR" altLang="en-US"/>
           </a:p>
@@ -1607,7 +1616,7 @@
           <a:p>
             <a:fld id="{42904C78-06FB-426E-8932-DB863AFFAC91}" type="datetimeFigureOut">
               <a:rPr lang="ko-KR" altLang="en-US" smtClean="0"/>
-              <a:t>2017-06-17</a:t>
+              <a:t>2017-06-18</a:t>
             </a:fld>
             <a:endParaRPr lang="ko-KR" altLang="en-US"/>
           </a:p>
@@ -1725,7 +1734,7 @@
           <a:p>
             <a:fld id="{42904C78-06FB-426E-8932-DB863AFFAC91}" type="datetimeFigureOut">
               <a:rPr lang="ko-KR" altLang="en-US" smtClean="0"/>
-              <a:t>2017-06-17</a:t>
+              <a:t>2017-06-18</a:t>
             </a:fld>
             <a:endParaRPr lang="ko-KR" altLang="en-US"/>
           </a:p>
@@ -1820,7 +1829,7 @@
           <a:p>
             <a:fld id="{42904C78-06FB-426E-8932-DB863AFFAC91}" type="datetimeFigureOut">
               <a:rPr lang="ko-KR" altLang="en-US" smtClean="0"/>
-              <a:t>2017-06-17</a:t>
+              <a:t>2017-06-18</a:t>
             </a:fld>
             <a:endParaRPr lang="ko-KR" altLang="en-US"/>
           </a:p>
@@ -2097,7 +2106,7 @@
           <a:p>
             <a:fld id="{42904C78-06FB-426E-8932-DB863AFFAC91}" type="datetimeFigureOut">
               <a:rPr lang="ko-KR" altLang="en-US" smtClean="0"/>
-              <a:t>2017-06-17</a:t>
+              <a:t>2017-06-18</a:t>
             </a:fld>
             <a:endParaRPr lang="ko-KR" altLang="en-US"/>
           </a:p>
@@ -2354,7 +2363,7 @@
           <a:p>
             <a:fld id="{42904C78-06FB-426E-8932-DB863AFFAC91}" type="datetimeFigureOut">
               <a:rPr lang="ko-KR" altLang="en-US" smtClean="0"/>
-              <a:t>2017-06-17</a:t>
+              <a:t>2017-06-18</a:t>
             </a:fld>
             <a:endParaRPr lang="ko-KR" altLang="en-US"/>
           </a:p>
@@ -2567,7 +2576,7 @@
           <a:p>
             <a:fld id="{42904C78-06FB-426E-8932-DB863AFFAC91}" type="datetimeFigureOut">
               <a:rPr lang="ko-KR" altLang="en-US" smtClean="0"/>
-              <a:t>2017-06-17</a:t>
+              <a:t>2017-06-18</a:t>
             </a:fld>
             <a:endParaRPr lang="ko-KR" altLang="en-US"/>
           </a:p>
@@ -3185,8 +3194,8 @@
         </p:nvSpPr>
         <p:spPr>
           <a:xfrm>
-            <a:off x="2111906" y="2692412"/>
-            <a:ext cx="3100529" cy="1323439"/>
+            <a:off x="2427698" y="2692412"/>
+            <a:ext cx="2517036" cy="1323439"/>
           </a:xfrm>
           <a:prstGeom prst="rect">
             <a:avLst/>
@@ -3204,8 +3213,8 @@
                 <a:solidFill>
                   <a:schemeClr val="bg1"/>
                 </a:solidFill>
-                <a:latin typeface="나눔바른펜" panose="020B0503000000000000" pitchFamily="50" charset="-127"/>
-                <a:ea typeface="나눔바른펜" panose="020B0503000000000000" pitchFamily="50" charset="-127"/>
+                <a:latin typeface="나눔스퀘어 Light" panose="020B0600000101010101" pitchFamily="50" charset="-127"/>
+                <a:ea typeface="나눔스퀘어 Light" panose="020B0600000101010101" pitchFamily="50" charset="-127"/>
               </a:rPr>
               <a:t>WIN API</a:t>
             </a:r>
@@ -3216,21 +3225,18 @@
                 <a:solidFill>
                   <a:schemeClr val="bg1"/>
                 </a:solidFill>
-                <a:latin typeface="나눔바른펜" panose="020B0503000000000000" pitchFamily="50" charset="-127"/>
-                <a:ea typeface="나눔바른펜" panose="020B0503000000000000" pitchFamily="50" charset="-127"/>
+                <a:latin typeface="나눔스퀘어 Light" panose="020B0600000101010101" pitchFamily="50" charset="-127"/>
+                <a:ea typeface="나눔스퀘어 Light" panose="020B0600000101010101" pitchFamily="50" charset="-127"/>
               </a:rPr>
               <a:t>텀프로젝트</a:t>
             </a:r>
-            <a:r>
-              <a:rPr lang="ko-KR" altLang="en-US" sz="4000" dirty="0">
-                <a:solidFill>
-                  <a:schemeClr val="bg1"/>
-                </a:solidFill>
-                <a:latin typeface="나눔바른펜" panose="020B0503000000000000" pitchFamily="50" charset="-127"/>
-                <a:ea typeface="나눔바른펜" panose="020B0503000000000000" pitchFamily="50" charset="-127"/>
-              </a:rPr>
-              <a:t> 발표</a:t>
-            </a:r>
+            <a:endParaRPr lang="ko-KR" altLang="en-US" sz="4000" dirty="0">
+              <a:solidFill>
+                <a:schemeClr val="bg1"/>
+              </a:solidFill>
+              <a:latin typeface="나눔스퀘어 Light" panose="020B0600000101010101" pitchFamily="50" charset="-127"/>
+              <a:ea typeface="나눔스퀘어 Light" panose="020B0600000101010101" pitchFamily="50" charset="-127"/>
+            </a:endParaRPr>
           </a:p>
         </p:txBody>
       </p:sp>
@@ -3242,8 +3248,8 @@
         </p:nvSpPr>
         <p:spPr>
           <a:xfrm>
-            <a:off x="6614031" y="5361826"/>
-            <a:ext cx="1954381" cy="707886"/>
+            <a:off x="6088377" y="5361471"/>
+            <a:ext cx="2457724" cy="707886"/>
           </a:xfrm>
           <a:prstGeom prst="rect">
             <a:avLst/>
@@ -3261,8 +3267,8 @@
                 <a:solidFill>
                   <a:schemeClr val="bg1"/>
                 </a:solidFill>
-                <a:latin typeface="나눔바른펜" panose="020B0503000000000000" pitchFamily="50" charset="-127"/>
-                <a:ea typeface="나눔바른펜" panose="020B0503000000000000" pitchFamily="50" charset="-127"/>
+                <a:latin typeface="나눔스퀘어 Light" panose="020B0600000101010101" pitchFamily="50" charset="-127"/>
+                <a:ea typeface="나눔스퀘어 Light" panose="020B0600000101010101" pitchFamily="50" charset="-127"/>
               </a:rPr>
               <a:t>2016180025 </a:t>
             </a:r>
@@ -3271,8 +3277,8 @@
                 <a:solidFill>
                   <a:schemeClr val="bg1"/>
                 </a:solidFill>
-                <a:latin typeface="나눔바른펜" panose="020B0503000000000000" pitchFamily="50" charset="-127"/>
-                <a:ea typeface="나눔바른펜" panose="020B0503000000000000" pitchFamily="50" charset="-127"/>
+                <a:latin typeface="나눔스퀘어 Light" panose="020B0600000101010101" pitchFamily="50" charset="-127"/>
+                <a:ea typeface="나눔스퀘어 Light" panose="020B0600000101010101" pitchFamily="50" charset="-127"/>
               </a:rPr>
               <a:t>송주희</a:t>
             </a:r>
@@ -3280,8 +3286,8 @@
               <a:solidFill>
                 <a:schemeClr val="bg1"/>
               </a:solidFill>
-              <a:latin typeface="나눔바른펜" panose="020B0503000000000000" pitchFamily="50" charset="-127"/>
-              <a:ea typeface="나눔바른펜" panose="020B0503000000000000" pitchFamily="50" charset="-127"/>
+              <a:latin typeface="나눔스퀘어 Light" panose="020B0600000101010101" pitchFamily="50" charset="-127"/>
+              <a:ea typeface="나눔스퀘어 Light" panose="020B0600000101010101" pitchFamily="50" charset="-127"/>
             </a:endParaRPr>
           </a:p>
           <a:p>
@@ -3290,8 +3296,8 @@
                 <a:solidFill>
                   <a:schemeClr val="bg1"/>
                 </a:solidFill>
-                <a:latin typeface="나눔바른펜" panose="020B0503000000000000" pitchFamily="50" charset="-127"/>
-                <a:ea typeface="나눔바른펜" panose="020B0503000000000000" pitchFamily="50" charset="-127"/>
+                <a:latin typeface="나눔스퀘어 Light" panose="020B0600000101010101" pitchFamily="50" charset="-127"/>
+                <a:ea typeface="나눔스퀘어 Light" panose="020B0600000101010101" pitchFamily="50" charset="-127"/>
               </a:rPr>
               <a:t>2016180033 </a:t>
             </a:r>
@@ -3300,8 +3306,8 @@
                 <a:solidFill>
                   <a:schemeClr val="bg1"/>
                 </a:solidFill>
-                <a:latin typeface="나눔바른펜" panose="020B0503000000000000" pitchFamily="50" charset="-127"/>
-                <a:ea typeface="나눔바른펜" panose="020B0503000000000000" pitchFamily="50" charset="-127"/>
+                <a:latin typeface="나눔스퀘어 Light" panose="020B0600000101010101" pitchFamily="50" charset="-127"/>
+                <a:ea typeface="나눔스퀘어 Light" panose="020B0600000101010101" pitchFamily="50" charset="-127"/>
               </a:rPr>
               <a:t>이세영</a:t>
             </a:r>
@@ -3374,271 +3380,14 @@
       </p:grpSpPr>
       <p:sp>
         <p:nvSpPr>
-          <p:cNvPr id="4" name="직사각형 3"/>
-          <p:cNvSpPr/>
-          <p:nvPr/>
-        </p:nvSpPr>
-        <p:spPr>
-          <a:xfrm>
-            <a:off x="7683910" y="705348"/>
-            <a:ext cx="1460090" cy="464575"/>
-          </a:xfrm>
-          <a:prstGeom prst="rect">
-            <a:avLst/>
-          </a:prstGeom>
-          <a:solidFill>
-            <a:srgbClr val="F02802"/>
-          </a:solidFill>
-          <a:ln>
-            <a:noFill/>
-          </a:ln>
-        </p:spPr>
-        <p:style>
-          <a:lnRef idx="2">
-            <a:schemeClr val="accent1">
-              <a:shade val="50000"/>
-            </a:schemeClr>
-          </a:lnRef>
-          <a:fillRef idx="1">
-            <a:schemeClr val="accent1"/>
-          </a:fillRef>
-          <a:effectRef idx="0">
-            <a:schemeClr val="accent1"/>
-          </a:effectRef>
-          <a:fontRef idx="minor">
-            <a:schemeClr val="lt1"/>
-          </a:fontRef>
-        </p:style>
-        <p:txBody>
-          <a:bodyPr rot="0" spcFirstLastPara="0" vertOverflow="overflow" horzOverflow="overflow" vert="horz" wrap="square" lIns="68580" tIns="34290" rIns="68580" bIns="34290" numCol="1" spcCol="0" rtlCol="0" fromWordArt="0" anchor="ctr" anchorCtr="0" forceAA="0" compatLnSpc="1">
-            <a:prstTxWarp prst="textNoShape">
-              <a:avLst/>
-            </a:prstTxWarp>
-            <a:noAutofit/>
-          </a:bodyPr>
-          <a:lstStyle/>
-          <a:p>
-            <a:pPr algn="ctr"/>
-            <a:endParaRPr lang="ko-KR" altLang="en-US" sz="1350"/>
-          </a:p>
-        </p:txBody>
-      </p:sp>
-      <p:sp>
-        <p:nvSpPr>
-          <p:cNvPr id="5" name="직사각형 4"/>
-          <p:cNvSpPr/>
-          <p:nvPr/>
-        </p:nvSpPr>
-        <p:spPr>
-          <a:xfrm>
-            <a:off x="8558074" y="1169923"/>
-            <a:ext cx="585926" cy="464575"/>
-          </a:xfrm>
-          <a:prstGeom prst="rect">
-            <a:avLst/>
-          </a:prstGeom>
-          <a:solidFill>
-            <a:srgbClr val="FFC000"/>
-          </a:solidFill>
-          <a:ln>
-            <a:noFill/>
-          </a:ln>
-        </p:spPr>
-        <p:style>
-          <a:lnRef idx="2">
-            <a:schemeClr val="accent1">
-              <a:shade val="50000"/>
-            </a:schemeClr>
-          </a:lnRef>
-          <a:fillRef idx="1">
-            <a:schemeClr val="accent1"/>
-          </a:fillRef>
-          <a:effectRef idx="0">
-            <a:schemeClr val="accent1"/>
-          </a:effectRef>
-          <a:fontRef idx="minor">
-            <a:schemeClr val="lt1"/>
-          </a:fontRef>
-        </p:style>
-        <p:txBody>
-          <a:bodyPr rot="0" spcFirstLastPara="0" vertOverflow="overflow" horzOverflow="overflow" vert="horz" wrap="square" lIns="68580" tIns="34290" rIns="68580" bIns="34290" numCol="1" spcCol="0" rtlCol="0" fromWordArt="0" anchor="ctr" anchorCtr="0" forceAA="0" compatLnSpc="1">
-            <a:prstTxWarp prst="textNoShape">
-              <a:avLst/>
-            </a:prstTxWarp>
-            <a:noAutofit/>
-          </a:bodyPr>
-          <a:lstStyle/>
-          <a:p>
-            <a:pPr algn="ctr"/>
-            <a:endParaRPr lang="ko-KR" altLang="en-US" sz="1350"/>
-          </a:p>
-        </p:txBody>
-      </p:sp>
-      <p:sp>
-        <p:nvSpPr>
-          <p:cNvPr id="6" name="직사각형 5"/>
-          <p:cNvSpPr/>
-          <p:nvPr/>
-        </p:nvSpPr>
-        <p:spPr>
-          <a:xfrm>
-            <a:off x="8558074" y="1634498"/>
-            <a:ext cx="585926" cy="464575"/>
-          </a:xfrm>
-          <a:prstGeom prst="rect">
-            <a:avLst/>
-          </a:prstGeom>
-          <a:solidFill>
-            <a:srgbClr val="00B050"/>
-          </a:solidFill>
-          <a:ln>
-            <a:noFill/>
-          </a:ln>
-        </p:spPr>
-        <p:style>
-          <a:lnRef idx="2">
-            <a:schemeClr val="accent1">
-              <a:shade val="50000"/>
-            </a:schemeClr>
-          </a:lnRef>
-          <a:fillRef idx="1">
-            <a:schemeClr val="accent1"/>
-          </a:fillRef>
-          <a:effectRef idx="0">
-            <a:schemeClr val="accent1"/>
-          </a:effectRef>
-          <a:fontRef idx="minor">
-            <a:schemeClr val="lt1"/>
-          </a:fontRef>
-        </p:style>
-        <p:txBody>
-          <a:bodyPr rot="0" spcFirstLastPara="0" vertOverflow="overflow" horzOverflow="overflow" vert="horz" wrap="square" lIns="68580" tIns="34290" rIns="68580" bIns="34290" numCol="1" spcCol="0" rtlCol="0" fromWordArt="0" anchor="ctr" anchorCtr="0" forceAA="0" compatLnSpc="1">
-            <a:prstTxWarp prst="textNoShape">
-              <a:avLst/>
-            </a:prstTxWarp>
-            <a:noAutofit/>
-          </a:bodyPr>
-          <a:lstStyle/>
-          <a:p>
-            <a:pPr algn="ctr"/>
-            <a:endParaRPr lang="ko-KR" altLang="en-US" sz="1350"/>
-          </a:p>
-        </p:txBody>
-      </p:sp>
-      <p:sp>
-        <p:nvSpPr>
-          <p:cNvPr id="7" name="직사각형 6"/>
-          <p:cNvSpPr/>
-          <p:nvPr/>
-        </p:nvSpPr>
-        <p:spPr>
-          <a:xfrm>
-            <a:off x="8558073" y="2099073"/>
-            <a:ext cx="585926" cy="464575"/>
-          </a:xfrm>
-          <a:prstGeom prst="rect">
-            <a:avLst/>
-          </a:prstGeom>
-          <a:solidFill>
-            <a:srgbClr val="00B9F6"/>
-          </a:solidFill>
-          <a:ln>
-            <a:noFill/>
-          </a:ln>
-        </p:spPr>
-        <p:style>
-          <a:lnRef idx="2">
-            <a:schemeClr val="accent1">
-              <a:shade val="50000"/>
-            </a:schemeClr>
-          </a:lnRef>
-          <a:fillRef idx="1">
-            <a:schemeClr val="accent1"/>
-          </a:fillRef>
-          <a:effectRef idx="0">
-            <a:schemeClr val="accent1"/>
-          </a:effectRef>
-          <a:fontRef idx="minor">
-            <a:schemeClr val="lt1"/>
-          </a:fontRef>
-        </p:style>
-        <p:txBody>
-          <a:bodyPr rot="0" spcFirstLastPara="0" vertOverflow="overflow" horzOverflow="overflow" vert="horz" wrap="square" lIns="68580" tIns="34290" rIns="68580" bIns="34290" numCol="1" spcCol="0" rtlCol="0" fromWordArt="0" anchor="ctr" anchorCtr="0" forceAA="0" compatLnSpc="1">
-            <a:prstTxWarp prst="textNoShape">
-              <a:avLst/>
-            </a:prstTxWarp>
-            <a:noAutofit/>
-          </a:bodyPr>
-          <a:lstStyle/>
-          <a:p>
-            <a:pPr algn="ctr"/>
-            <a:endParaRPr lang="ko-KR" altLang="en-US"/>
-          </a:p>
-        </p:txBody>
-      </p:sp>
-      <p:sp>
-        <p:nvSpPr>
-          <p:cNvPr id="8" name="직사각형 7"/>
-          <p:cNvSpPr/>
-          <p:nvPr/>
-        </p:nvSpPr>
-        <p:spPr>
-          <a:xfrm>
-            <a:off x="8558073" y="2563648"/>
-            <a:ext cx="585926" cy="464575"/>
-          </a:xfrm>
-          <a:prstGeom prst="rect">
-            <a:avLst/>
-          </a:prstGeom>
-          <a:solidFill>
-            <a:schemeClr val="bg2">
-              <a:lumMod val="50000"/>
-            </a:schemeClr>
-          </a:solidFill>
-          <a:ln>
-            <a:noFill/>
-          </a:ln>
-        </p:spPr>
-        <p:style>
-          <a:lnRef idx="2">
-            <a:schemeClr val="accent1">
-              <a:shade val="50000"/>
-            </a:schemeClr>
-          </a:lnRef>
-          <a:fillRef idx="1">
-            <a:schemeClr val="accent1"/>
-          </a:fillRef>
-          <a:effectRef idx="0">
-            <a:schemeClr val="accent1"/>
-          </a:effectRef>
-          <a:fontRef idx="minor">
-            <a:schemeClr val="lt1"/>
-          </a:fontRef>
-        </p:style>
-        <p:txBody>
-          <a:bodyPr rot="0" spcFirstLastPara="0" vertOverflow="overflow" horzOverflow="overflow" vert="horz" wrap="square" lIns="68580" tIns="34290" rIns="68580" bIns="34290" numCol="1" spcCol="0" rtlCol="0" fromWordArt="0" anchor="ctr" anchorCtr="0" forceAA="0" compatLnSpc="1">
-            <a:prstTxWarp prst="textNoShape">
-              <a:avLst/>
-            </a:prstTxWarp>
-            <a:noAutofit/>
-          </a:bodyPr>
-          <a:lstStyle/>
-          <a:p>
-            <a:pPr algn="ctr"/>
-            <a:endParaRPr lang="ko-KR" altLang="en-US"/>
-          </a:p>
-        </p:txBody>
-      </p:sp>
-      <p:sp>
-        <p:nvSpPr>
           <p:cNvPr id="9" name="TextBox 8"/>
           <p:cNvSpPr txBox="1"/>
           <p:nvPr/>
         </p:nvSpPr>
         <p:spPr>
           <a:xfrm>
-            <a:off x="745726" y="618835"/>
-            <a:ext cx="1393330" cy="1015663"/>
+            <a:off x="270904" y="2930496"/>
+            <a:ext cx="2014013" cy="1015663"/>
           </a:xfrm>
           <a:prstGeom prst="rect">
             <a:avLst/>
@@ -3652,15 +3401,22 @@
           <a:lstStyle/>
           <a:p>
             <a:r>
-              <a:rPr lang="ko-KR" altLang="en-US" sz="6000" dirty="0">
+              <a:rPr lang="en-US" altLang="ko-KR" sz="6000" dirty="0">
                 <a:solidFill>
                   <a:schemeClr val="bg1"/>
                 </a:solidFill>
-                <a:latin typeface="나눔바른펜" panose="020B0503000000000000" pitchFamily="50" charset="-127"/>
-                <a:ea typeface="나눔바른펜" panose="020B0503000000000000" pitchFamily="50" charset="-127"/>
+                <a:latin typeface="나눔스퀘어 Light" panose="020B0600000101010101" pitchFamily="50" charset="-127"/>
+                <a:ea typeface="나눔스퀘어 Light" panose="020B0600000101010101" pitchFamily="50" charset="-127"/>
               </a:rPr>
-              <a:t>목차</a:t>
-            </a:r>
+              <a:t>Index</a:t>
+            </a:r>
+            <a:endParaRPr lang="ko-KR" altLang="en-US" sz="6000" dirty="0">
+              <a:solidFill>
+                <a:schemeClr val="bg1"/>
+              </a:solidFill>
+              <a:latin typeface="나눔스퀘어 Light" panose="020B0600000101010101" pitchFamily="50" charset="-127"/>
+              <a:ea typeface="나눔스퀘어 Light" panose="020B0600000101010101" pitchFamily="50" charset="-127"/>
+            </a:endParaRPr>
           </a:p>
         </p:txBody>
       </p:sp>
@@ -3672,8 +3428,8 @@
         </p:nvSpPr>
         <p:spPr>
           <a:xfrm>
-            <a:off x="745726" y="1876669"/>
-            <a:ext cx="2364750" cy="3701719"/>
+            <a:off x="4039338" y="1545502"/>
+            <a:ext cx="3414181" cy="3785652"/>
           </a:xfrm>
           <a:prstGeom prst="rect">
             <a:avLst/>
@@ -3681,7 +3437,7 @@
           <a:noFill/>
         </p:spPr>
         <p:txBody>
-          <a:bodyPr wrap="none" rtlCol="0">
+          <a:bodyPr wrap="square" rtlCol="0">
             <a:spAutoFit/>
           </a:bodyPr>
           <a:lstStyle/>
@@ -3699,8 +3455,8 @@
                 <a:solidFill>
                   <a:schemeClr val="bg1"/>
                 </a:solidFill>
-                <a:latin typeface="나눔바른펜" panose="020B0503000000000000" pitchFamily="50" charset="-127"/>
-                <a:ea typeface="나눔바른펜" panose="020B0503000000000000" pitchFamily="50" charset="-127"/>
+                <a:latin typeface="나눔스퀘어 Light" panose="020B0600000101010101" pitchFamily="50" charset="-127"/>
+                <a:ea typeface="나눔스퀘어 Light" panose="020B0600000101010101" pitchFamily="50" charset="-127"/>
               </a:rPr>
               <a:t>게임소개</a:t>
             </a:r>
@@ -3708,8 +3464,62 @@
               <a:solidFill>
                 <a:schemeClr val="bg1"/>
               </a:solidFill>
-              <a:latin typeface="나눔바른펜" panose="020B0503000000000000" pitchFamily="50" charset="-127"/>
-              <a:ea typeface="나눔바른펜" panose="020B0503000000000000" pitchFamily="50" charset="-127"/>
+              <a:latin typeface="나눔스퀘어 Light" panose="020B0600000101010101" pitchFamily="50" charset="-127"/>
+              <a:ea typeface="나눔스퀘어 Light" panose="020B0600000101010101" pitchFamily="50" charset="-127"/>
+            </a:endParaRPr>
+          </a:p>
+          <a:p>
+            <a:pPr marL="1028700" lvl="1" indent="-571500">
+              <a:lnSpc>
+                <a:spcPct val="150000"/>
+              </a:lnSpc>
+              <a:buSzPct val="80000"/>
+              <a:buFont typeface="Wingdings" panose="05000000000000000000" pitchFamily="2" charset="2"/>
+              <a:buChar char="§"/>
+            </a:pPr>
+            <a:r>
+              <a:rPr lang="ko-KR" altLang="en-US" sz="4000" dirty="0">
+                <a:solidFill>
+                  <a:schemeClr val="bg1"/>
+                </a:solidFill>
+                <a:latin typeface="나눔스퀘어 Light" panose="020B0600000101010101" pitchFamily="50" charset="-127"/>
+                <a:ea typeface="나눔스퀘어 Light" panose="020B0600000101010101" pitchFamily="50" charset="-127"/>
+              </a:rPr>
+              <a:t>구현내용</a:t>
+            </a:r>
+            <a:endParaRPr lang="en-US" altLang="ko-KR" sz="4000" dirty="0">
+              <a:solidFill>
+                <a:schemeClr val="bg1"/>
+              </a:solidFill>
+              <a:latin typeface="나눔스퀘어 Light" panose="020B0600000101010101" pitchFamily="50" charset="-127"/>
+              <a:ea typeface="나눔스퀘어 Light" panose="020B0600000101010101" pitchFamily="50" charset="-127"/>
+            </a:endParaRPr>
+          </a:p>
+          <a:p>
+            <a:pPr marL="1028700" lvl="1" indent="-571500">
+              <a:lnSpc>
+                <a:spcPct val="150000"/>
+              </a:lnSpc>
+              <a:buSzPct val="80000"/>
+              <a:buFont typeface="Wingdings" panose="05000000000000000000" pitchFamily="2" charset="2"/>
+              <a:buChar char="§"/>
+            </a:pPr>
+            <a:r>
+              <a:rPr lang="ko-KR" altLang="en-US" sz="4000" dirty="0">
+                <a:solidFill>
+                  <a:schemeClr val="bg1"/>
+                </a:solidFill>
+                <a:latin typeface="나눔스퀘어 Light" panose="020B0600000101010101" pitchFamily="50" charset="-127"/>
+                <a:ea typeface="나눔스퀘어 Light" panose="020B0600000101010101" pitchFamily="50" charset="-127"/>
+              </a:rPr>
+              <a:t>역할분배</a:t>
+            </a:r>
+            <a:endParaRPr lang="en-US" altLang="ko-KR" sz="4000" dirty="0">
+              <a:solidFill>
+                <a:schemeClr val="bg1"/>
+              </a:solidFill>
+              <a:latin typeface="나눔스퀘어 Light" panose="020B0600000101010101" pitchFamily="50" charset="-127"/>
+              <a:ea typeface="나눔스퀘어 Light" panose="020B0600000101010101" pitchFamily="50" charset="-127"/>
             </a:endParaRPr>
           </a:p>
           <a:p>
@@ -3726,72 +3536,212 @@
                 <a:solidFill>
                   <a:schemeClr val="bg1"/>
                 </a:solidFill>
-                <a:latin typeface="나눔바른펜" panose="020B0503000000000000" pitchFamily="50" charset="-127"/>
-                <a:ea typeface="나눔바른펜" panose="020B0503000000000000" pitchFamily="50" charset="-127"/>
-              </a:rPr>
-              <a:t>구현내용</a:t>
-            </a:r>
-            <a:endParaRPr lang="en-US" altLang="ko-KR" sz="4000" dirty="0">
-              <a:solidFill>
-                <a:schemeClr val="bg1"/>
-              </a:solidFill>
-              <a:latin typeface="나눔바른펜" panose="020B0503000000000000" pitchFamily="50" charset="-127"/>
-              <a:ea typeface="나눔바른펜" panose="020B0503000000000000" pitchFamily="50" charset="-127"/>
-            </a:endParaRPr>
-          </a:p>
-          <a:p>
-            <a:pPr marL="571500" indent="-571500">
-              <a:lnSpc>
-                <a:spcPct val="150000"/>
-              </a:lnSpc>
-              <a:buSzPct val="80000"/>
-              <a:buFont typeface="Wingdings" panose="05000000000000000000" pitchFamily="2" charset="2"/>
-              <a:buChar char="§"/>
-            </a:pPr>
-            <a:r>
-              <a:rPr lang="ko-KR" altLang="en-US" sz="4000" dirty="0">
-                <a:solidFill>
-                  <a:schemeClr val="bg1"/>
-                </a:solidFill>
-                <a:latin typeface="나눔바른펜" panose="020B0503000000000000" pitchFamily="50" charset="-127"/>
-                <a:ea typeface="나눔바른펜" panose="020B0503000000000000" pitchFamily="50" charset="-127"/>
-              </a:rPr>
-              <a:t>역할분배</a:t>
-            </a:r>
-            <a:endParaRPr lang="en-US" altLang="ko-KR" sz="4000" dirty="0">
-              <a:solidFill>
-                <a:schemeClr val="bg1"/>
-              </a:solidFill>
-              <a:latin typeface="나눔바른펜" panose="020B0503000000000000" pitchFamily="50" charset="-127"/>
-              <a:ea typeface="나눔바른펜" panose="020B0503000000000000" pitchFamily="50" charset="-127"/>
-            </a:endParaRPr>
-          </a:p>
-          <a:p>
-            <a:pPr marL="571500" indent="-571500">
-              <a:lnSpc>
-                <a:spcPct val="150000"/>
-              </a:lnSpc>
-              <a:buSzPct val="80000"/>
-              <a:buFont typeface="Wingdings" panose="05000000000000000000" pitchFamily="2" charset="2"/>
-              <a:buChar char="§"/>
-            </a:pPr>
-            <a:r>
-              <a:rPr lang="ko-KR" altLang="en-US" sz="4000" dirty="0">
-                <a:solidFill>
-                  <a:schemeClr val="bg1"/>
-                </a:solidFill>
-                <a:latin typeface="나눔바른펜" panose="020B0503000000000000" pitchFamily="50" charset="-127"/>
-                <a:ea typeface="나눔바른펜" panose="020B0503000000000000" pitchFamily="50" charset="-127"/>
+                <a:latin typeface="나눔스퀘어 Light" panose="020B0600000101010101" pitchFamily="50" charset="-127"/>
+                <a:ea typeface="나눔스퀘어 Light" panose="020B0600000101010101" pitchFamily="50" charset="-127"/>
               </a:rPr>
               <a:t>제작일정</a:t>
             </a:r>
+          </a:p>
+        </p:txBody>
+      </p:sp>
+      <p:sp>
+        <p:nvSpPr>
+          <p:cNvPr id="10" name="타원 9"/>
+          <p:cNvSpPr/>
+          <p:nvPr/>
+        </p:nvSpPr>
+        <p:spPr>
+          <a:xfrm>
+            <a:off x="-2172066" y="975150"/>
+            <a:ext cx="5040923" cy="4926358"/>
+          </a:xfrm>
+          <a:prstGeom prst="ellipse">
+            <a:avLst/>
+          </a:prstGeom>
+          <a:noFill/>
+          <a:ln w="19050">
+            <a:gradFill>
+              <a:gsLst>
+                <a:gs pos="0">
+                  <a:schemeClr val="accent1">
+                    <a:lumMod val="5000"/>
+                    <a:lumOff val="95000"/>
+                  </a:schemeClr>
+                </a:gs>
+                <a:gs pos="74000">
+                  <a:schemeClr val="accent1">
+                    <a:lumMod val="45000"/>
+                    <a:lumOff val="55000"/>
+                  </a:schemeClr>
+                </a:gs>
+                <a:gs pos="83000">
+                  <a:schemeClr val="accent1">
+                    <a:lumMod val="45000"/>
+                    <a:lumOff val="55000"/>
+                  </a:schemeClr>
+                </a:gs>
+                <a:gs pos="100000">
+                  <a:schemeClr val="accent1">
+                    <a:lumMod val="30000"/>
+                    <a:lumOff val="70000"/>
+                  </a:schemeClr>
+                </a:gs>
+              </a:gsLst>
+              <a:lin ang="5400000" scaled="1"/>
+            </a:gradFill>
+          </a:ln>
+        </p:spPr>
+        <p:style>
+          <a:lnRef idx="2">
+            <a:schemeClr val="accent1">
+              <a:shade val="50000"/>
+            </a:schemeClr>
+          </a:lnRef>
+          <a:fillRef idx="1">
+            <a:schemeClr val="accent1"/>
+          </a:fillRef>
+          <a:effectRef idx="0">
+            <a:schemeClr val="accent1"/>
+          </a:effectRef>
+          <a:fontRef idx="minor">
+            <a:schemeClr val="lt1"/>
+          </a:fontRef>
+        </p:style>
+        <p:txBody>
+          <a:bodyPr rtlCol="0" anchor="ctr"/>
+          <a:lstStyle/>
+          <a:p>
+            <a:pPr algn="ctr"/>
+            <a:endParaRPr lang="en-US" altLang="ko-KR" dirty="0"/>
+          </a:p>
+          <a:p>
+            <a:pPr algn="ctr"/>
+            <a:endParaRPr lang="ko-KR" altLang="en-US" dirty="0"/>
+          </a:p>
+        </p:txBody>
+      </p:sp>
+      <p:sp>
+        <p:nvSpPr>
+          <p:cNvPr id="12" name="타원 11"/>
+          <p:cNvSpPr/>
+          <p:nvPr/>
+        </p:nvSpPr>
+        <p:spPr>
+          <a:xfrm>
+            <a:off x="-2525973" y="1247178"/>
+            <a:ext cx="5020840" cy="4906731"/>
+          </a:xfrm>
+          <a:prstGeom prst="ellipse">
+            <a:avLst/>
+          </a:prstGeom>
+          <a:noFill/>
+          <a:ln w="19050">
+            <a:gradFill flip="none" rotWithShape="1">
+              <a:gsLst>
+                <a:gs pos="0">
+                  <a:srgbClr val="FFC000">
+                    <a:alpha val="81000"/>
+                  </a:srgbClr>
+                </a:gs>
+                <a:gs pos="100000">
+                  <a:srgbClr val="FF0000">
+                    <a:alpha val="67000"/>
+                  </a:srgbClr>
+                </a:gs>
+              </a:gsLst>
+              <a:lin ang="16200000" scaled="1"/>
+              <a:tileRect/>
+            </a:gradFill>
+          </a:ln>
+        </p:spPr>
+        <p:style>
+          <a:lnRef idx="2">
+            <a:schemeClr val="accent1">
+              <a:shade val="50000"/>
+            </a:schemeClr>
+          </a:lnRef>
+          <a:fillRef idx="1">
+            <a:schemeClr val="accent1"/>
+          </a:fillRef>
+          <a:effectRef idx="0">
+            <a:schemeClr val="accent1"/>
+          </a:effectRef>
+          <a:fontRef idx="minor">
+            <a:schemeClr val="lt1"/>
+          </a:fontRef>
+        </p:style>
+        <p:txBody>
+          <a:bodyPr rtlCol="0" anchor="ctr"/>
+          <a:lstStyle/>
+          <a:p>
+            <a:pPr algn="ctr"/>
+            <a:endParaRPr lang="ko-KR" altLang="en-US" dirty="0"/>
+          </a:p>
+        </p:txBody>
+      </p:sp>
+      <p:sp>
+        <p:nvSpPr>
+          <p:cNvPr id="13" name="타원 12"/>
+          <p:cNvSpPr/>
+          <p:nvPr/>
+        </p:nvSpPr>
+        <p:spPr>
+          <a:xfrm>
+            <a:off x="-1953058" y="723104"/>
+            <a:ext cx="4447925" cy="4906731"/>
+          </a:xfrm>
+          <a:prstGeom prst="ellipse">
+            <a:avLst/>
+          </a:prstGeom>
+          <a:noFill/>
+          <a:ln w="19050">
+            <a:gradFill flip="none" rotWithShape="1">
+              <a:gsLst>
+                <a:gs pos="0">
+                  <a:srgbClr val="FFDF79">
+                    <a:alpha val="80784"/>
+                  </a:srgbClr>
+                </a:gs>
+                <a:gs pos="100000">
+                  <a:srgbClr val="FF5B5B">
+                    <a:alpha val="66667"/>
+                  </a:srgbClr>
+                </a:gs>
+              </a:gsLst>
+              <a:lin ang="16200000" scaled="1"/>
+              <a:tileRect/>
+            </a:gradFill>
+          </a:ln>
+        </p:spPr>
+        <p:style>
+          <a:lnRef idx="2">
+            <a:schemeClr val="accent1">
+              <a:shade val="50000"/>
+            </a:schemeClr>
+          </a:lnRef>
+          <a:fillRef idx="1">
+            <a:schemeClr val="accent1"/>
+          </a:fillRef>
+          <a:effectRef idx="0">
+            <a:schemeClr val="accent1"/>
+          </a:effectRef>
+          <a:fontRef idx="minor">
+            <a:schemeClr val="lt1"/>
+          </a:fontRef>
+        </p:style>
+        <p:txBody>
+          <a:bodyPr rtlCol="0" anchor="ctr"/>
+          <a:lstStyle/>
+          <a:p>
+            <a:pPr algn="ctr"/>
+            <a:endParaRPr lang="ko-KR" altLang="en-US" dirty="0"/>
           </a:p>
         </p:txBody>
       </p:sp>
     </p:spTree>
     <p:extLst>
       <p:ext uri="{BB962C8B-B14F-4D97-AF65-F5344CB8AC3E}">
-        <p14:creationId xmlns:p14="http://schemas.microsoft.com/office/powerpoint/2010/main" val="724243477"/>
+        <p14:creationId xmlns:p14="http://schemas.microsoft.com/office/powerpoint/2010/main" val="1241990079"/>
       </p:ext>
     </p:extLst>
   </p:cSld>
@@ -3831,20 +3781,23 @@
       </p:grpSpPr>
       <p:sp>
         <p:nvSpPr>
-          <p:cNvPr id="4" name="직사각형 3"/>
+          <p:cNvPr id="18" name="직사각형 17"/>
           <p:cNvSpPr/>
           <p:nvPr/>
         </p:nvSpPr>
         <p:spPr>
-          <a:xfrm>
-            <a:off x="8558072" y="705348"/>
-            <a:ext cx="585927" cy="464575"/>
+          <a:xfrm rot="20700000">
+            <a:off x="-1829960" y="1179248"/>
+            <a:ext cx="12986795" cy="5392260"/>
           </a:xfrm>
           <a:prstGeom prst="rect">
             <a:avLst/>
           </a:prstGeom>
           <a:solidFill>
-            <a:srgbClr val="F02802"/>
+            <a:schemeClr val="bg1">
+              <a:lumMod val="50000"/>
+              <a:alpha val="10000"/>
+            </a:schemeClr>
           </a:solidFill>
           <a:ln>
             <a:noFill/>
@@ -3867,38 +3820,98 @@
           </a:fontRef>
         </p:style>
         <p:txBody>
-          <a:bodyPr rot="0" spcFirstLastPara="0" vertOverflow="overflow" horzOverflow="overflow" vert="horz" wrap="square" lIns="68580" tIns="34290" rIns="68580" bIns="34290" numCol="1" spcCol="0" rtlCol="0" fromWordArt="0" anchor="ctr" anchorCtr="0" forceAA="0" compatLnSpc="1">
-            <a:prstTxWarp prst="textNoShape">
-              <a:avLst/>
-            </a:prstTxWarp>
-            <a:noAutofit/>
-          </a:bodyPr>
+          <a:bodyPr rtlCol="0" anchor="ctr"/>
           <a:lstStyle/>
           <a:p>
             <a:pPr algn="ctr"/>
-            <a:endParaRPr lang="ko-KR" altLang="en-US" sz="1350"/>
-          </a:p>
-        </p:txBody>
-      </p:sp>
-      <p:sp>
-        <p:nvSpPr>
-          <p:cNvPr id="5" name="직사각형 4"/>
-          <p:cNvSpPr/>
+            <a:endParaRPr lang="ko-KR" altLang="en-US"/>
+          </a:p>
+        </p:txBody>
+      </p:sp>
+      <p:sp>
+        <p:nvSpPr>
+          <p:cNvPr id="9" name="TextBox 8"/>
+          <p:cNvSpPr txBox="1"/>
           <p:nvPr/>
         </p:nvSpPr>
         <p:spPr>
           <a:xfrm>
-            <a:off x="7683910" y="1169923"/>
-            <a:ext cx="1460090" cy="464575"/>
+            <a:off x="674235" y="604195"/>
+            <a:ext cx="2422458" cy="830997"/>
           </a:xfrm>
           <a:prstGeom prst="rect">
             <a:avLst/>
           </a:prstGeom>
-          <a:solidFill>
-            <a:srgbClr val="FFC000"/>
-          </a:solidFill>
-          <a:ln>
-            <a:noFill/>
+          <a:noFill/>
+        </p:spPr>
+        <p:txBody>
+          <a:bodyPr wrap="none" rtlCol="0">
+            <a:spAutoFit/>
+          </a:bodyPr>
+          <a:lstStyle/>
+          <a:p>
+            <a:r>
+              <a:rPr lang="ko-KR" altLang="en-US" sz="4800" dirty="0">
+                <a:solidFill>
+                  <a:schemeClr val="bg1"/>
+                </a:solidFill>
+                <a:latin typeface="나눔스퀘어 Light" panose="020B0600000101010101" pitchFamily="50" charset="-127"/>
+                <a:ea typeface="나눔스퀘어 Light" panose="020B0600000101010101" pitchFamily="50" charset="-127"/>
+              </a:rPr>
+              <a:t>게임소개</a:t>
+            </a:r>
+          </a:p>
+        </p:txBody>
+      </p:sp>
+      <p:sp>
+        <p:nvSpPr>
+          <p:cNvPr id="11" name="타원 10"/>
+          <p:cNvSpPr/>
+          <p:nvPr/>
+        </p:nvSpPr>
+        <p:spPr>
+          <a:xfrm>
+            <a:off x="-1218601" y="-162445"/>
+            <a:ext cx="5839799" cy="5707078"/>
+          </a:xfrm>
+          <a:prstGeom prst="ellipse">
+            <a:avLst/>
+          </a:prstGeom>
+          <a:noFill/>
+          <a:ln w="19050">
+            <a:gradFill>
+              <a:gsLst>
+                <a:gs pos="0">
+                  <a:schemeClr val="accent1">
+                    <a:lumMod val="5000"/>
+                    <a:lumOff val="95000"/>
+                    <a:alpha val="50000"/>
+                  </a:schemeClr>
+                </a:gs>
+                <a:gs pos="74000">
+                  <a:schemeClr val="accent1">
+                    <a:lumMod val="45000"/>
+                    <a:lumOff val="55000"/>
+                    <a:alpha val="50000"/>
+                  </a:schemeClr>
+                </a:gs>
+                <a:gs pos="83000">
+                  <a:schemeClr val="accent1">
+                    <a:lumMod val="45000"/>
+                    <a:lumOff val="55000"/>
+                    <a:alpha val="50000"/>
+                  </a:schemeClr>
+                </a:gs>
+                <a:gs pos="100000">
+                  <a:schemeClr val="accent1">
+                    <a:lumMod val="30000"/>
+                    <a:lumOff val="70000"/>
+                    <a:alpha val="50000"/>
+                  </a:schemeClr>
+                </a:gs>
+              </a:gsLst>
+              <a:lin ang="5400000" scaled="1"/>
+            </a:gradFill>
           </a:ln>
         </p:spPr>
         <p:style>
@@ -3918,38 +3931,56 @@
           </a:fontRef>
         </p:style>
         <p:txBody>
-          <a:bodyPr rot="0" spcFirstLastPara="0" vertOverflow="overflow" horzOverflow="overflow" vert="horz" wrap="square" lIns="68580" tIns="34290" rIns="68580" bIns="34290" numCol="1" spcCol="0" rtlCol="0" fromWordArt="0" anchor="ctr" anchorCtr="0" forceAA="0" compatLnSpc="1">
-            <a:prstTxWarp prst="textNoShape">
-              <a:avLst/>
-            </a:prstTxWarp>
-            <a:noAutofit/>
-          </a:bodyPr>
+          <a:bodyPr rtlCol="0" anchor="ctr"/>
           <a:lstStyle/>
           <a:p>
             <a:pPr algn="ctr"/>
-            <a:endParaRPr lang="ko-KR" altLang="en-US" sz="1350"/>
-          </a:p>
-        </p:txBody>
-      </p:sp>
-      <p:sp>
-        <p:nvSpPr>
-          <p:cNvPr id="6" name="직사각형 5"/>
+            <a:endParaRPr lang="en-US" altLang="ko-KR" dirty="0">
+              <a:latin typeface="나눔스퀘어 Light" panose="020B0600000101010101" pitchFamily="50" charset="-127"/>
+              <a:ea typeface="나눔스퀘어 Light" panose="020B0600000101010101" pitchFamily="50" charset="-127"/>
+            </a:endParaRPr>
+          </a:p>
+          <a:p>
+            <a:pPr algn="ctr"/>
+            <a:endParaRPr lang="ko-KR" altLang="en-US" dirty="0">
+              <a:latin typeface="나눔스퀘어 Light" panose="020B0600000101010101" pitchFamily="50" charset="-127"/>
+              <a:ea typeface="나눔스퀘어 Light" panose="020B0600000101010101" pitchFamily="50" charset="-127"/>
+            </a:endParaRPr>
+          </a:p>
+        </p:txBody>
+      </p:sp>
+      <p:sp>
+        <p:nvSpPr>
+          <p:cNvPr id="12" name="타원 11"/>
           <p:cNvSpPr/>
           <p:nvPr/>
         </p:nvSpPr>
         <p:spPr>
           <a:xfrm>
-            <a:off x="8558074" y="1634498"/>
-            <a:ext cx="585926" cy="464575"/>
-          </a:xfrm>
-          <a:prstGeom prst="rect">
+            <a:off x="-1572508" y="114575"/>
+            <a:ext cx="5816534" cy="5684341"/>
+          </a:xfrm>
+          <a:prstGeom prst="ellipse">
             <a:avLst/>
           </a:prstGeom>
-          <a:solidFill>
-            <a:srgbClr val="00B050"/>
-          </a:solidFill>
-          <a:ln>
-            <a:noFill/>
+          <a:noFill/>
+          <a:ln w="19050">
+            <a:gradFill flip="none" rotWithShape="1">
+              <a:gsLst>
+                <a:gs pos="0">
+                  <a:srgbClr val="FFC000">
+                    <a:alpha val="50000"/>
+                  </a:srgbClr>
+                </a:gs>
+                <a:gs pos="100000">
+                  <a:srgbClr val="FF0000">
+                    <a:alpha val="50000"/>
+                  </a:srgbClr>
+                </a:gs>
+              </a:gsLst>
+              <a:lin ang="16200000" scaled="1"/>
+              <a:tileRect/>
+            </a:gradFill>
           </a:ln>
         </p:spPr>
         <p:style>
@@ -3969,38 +4000,46 @@
           </a:fontRef>
         </p:style>
         <p:txBody>
-          <a:bodyPr rot="0" spcFirstLastPara="0" vertOverflow="overflow" horzOverflow="overflow" vert="horz" wrap="square" lIns="68580" tIns="34290" rIns="68580" bIns="34290" numCol="1" spcCol="0" rtlCol="0" fromWordArt="0" anchor="ctr" anchorCtr="0" forceAA="0" compatLnSpc="1">
-            <a:prstTxWarp prst="textNoShape">
-              <a:avLst/>
-            </a:prstTxWarp>
-            <a:noAutofit/>
-          </a:bodyPr>
+          <a:bodyPr rtlCol="0" anchor="ctr"/>
           <a:lstStyle/>
           <a:p>
             <a:pPr algn="ctr"/>
-            <a:endParaRPr lang="ko-KR" altLang="en-US" sz="1350"/>
-          </a:p>
-        </p:txBody>
-      </p:sp>
-      <p:sp>
-        <p:nvSpPr>
-          <p:cNvPr id="7" name="직사각형 6"/>
+            <a:endParaRPr lang="ko-KR" altLang="en-US" dirty="0"/>
+          </a:p>
+        </p:txBody>
+      </p:sp>
+      <p:sp>
+        <p:nvSpPr>
+          <p:cNvPr id="13" name="타원 12"/>
           <p:cNvSpPr/>
           <p:nvPr/>
         </p:nvSpPr>
         <p:spPr>
           <a:xfrm>
-            <a:off x="8558073" y="2099073"/>
-            <a:ext cx="585926" cy="464575"/>
-          </a:xfrm>
-          <a:prstGeom prst="rect">
+            <a:off x="-999593" y="-409499"/>
+            <a:ext cx="5152825" cy="5684341"/>
+          </a:xfrm>
+          <a:prstGeom prst="ellipse">
             <a:avLst/>
           </a:prstGeom>
-          <a:solidFill>
-            <a:srgbClr val="00B9F6"/>
-          </a:solidFill>
-          <a:ln>
-            <a:noFill/>
+          <a:noFill/>
+          <a:ln w="19050">
+            <a:gradFill flip="none" rotWithShape="1">
+              <a:gsLst>
+                <a:gs pos="0">
+                  <a:srgbClr val="FFDF79">
+                    <a:alpha val="50000"/>
+                  </a:srgbClr>
+                </a:gs>
+                <a:gs pos="100000">
+                  <a:srgbClr val="FF5B5B">
+                    <a:alpha val="50000"/>
+                  </a:srgbClr>
+                </a:gs>
+              </a:gsLst>
+              <a:lin ang="16200000" scaled="1"/>
+              <a:tileRect/>
+            </a:gradFill>
           </a:ln>
         </p:spPr>
         <p:style>
@@ -4020,104 +4059,14 @@
           </a:fontRef>
         </p:style>
         <p:txBody>
-          <a:bodyPr rot="0" spcFirstLastPara="0" vertOverflow="overflow" horzOverflow="overflow" vert="horz" wrap="square" lIns="68580" tIns="34290" rIns="68580" bIns="34290" numCol="1" spcCol="0" rtlCol="0" fromWordArt="0" anchor="ctr" anchorCtr="0" forceAA="0" compatLnSpc="1">
-            <a:prstTxWarp prst="textNoShape">
-              <a:avLst/>
-            </a:prstTxWarp>
-            <a:noAutofit/>
-          </a:bodyPr>
+          <a:bodyPr rtlCol="0" anchor="ctr"/>
           <a:lstStyle/>
           <a:p>
             <a:pPr algn="ctr"/>
-            <a:endParaRPr lang="ko-KR" altLang="en-US"/>
-          </a:p>
-        </p:txBody>
-      </p:sp>
-      <p:sp>
-        <p:nvSpPr>
-          <p:cNvPr id="8" name="직사각형 7"/>
-          <p:cNvSpPr/>
-          <p:nvPr/>
-        </p:nvSpPr>
-        <p:spPr>
-          <a:xfrm>
-            <a:off x="8558073" y="2563648"/>
-            <a:ext cx="585926" cy="464575"/>
-          </a:xfrm>
-          <a:prstGeom prst="rect">
-            <a:avLst/>
-          </a:prstGeom>
-          <a:solidFill>
-            <a:schemeClr val="bg2">
-              <a:lumMod val="50000"/>
-            </a:schemeClr>
-          </a:solidFill>
-          <a:ln>
-            <a:noFill/>
-          </a:ln>
-        </p:spPr>
-        <p:style>
-          <a:lnRef idx="2">
-            <a:schemeClr val="accent1">
-              <a:shade val="50000"/>
-            </a:schemeClr>
-          </a:lnRef>
-          <a:fillRef idx="1">
-            <a:schemeClr val="accent1"/>
-          </a:fillRef>
-          <a:effectRef idx="0">
-            <a:schemeClr val="accent1"/>
-          </a:effectRef>
-          <a:fontRef idx="minor">
-            <a:schemeClr val="lt1"/>
-          </a:fontRef>
-        </p:style>
-        <p:txBody>
-          <a:bodyPr rot="0" spcFirstLastPara="0" vertOverflow="overflow" horzOverflow="overflow" vert="horz" wrap="square" lIns="68580" tIns="34290" rIns="68580" bIns="34290" numCol="1" spcCol="0" rtlCol="0" fromWordArt="0" anchor="ctr" anchorCtr="0" forceAA="0" compatLnSpc="1">
-            <a:prstTxWarp prst="textNoShape">
-              <a:avLst/>
-            </a:prstTxWarp>
-            <a:noAutofit/>
-          </a:bodyPr>
-          <a:lstStyle/>
-          <a:p>
-            <a:pPr algn="ctr"/>
-            <a:endParaRPr lang="ko-KR" altLang="en-US"/>
-          </a:p>
-        </p:txBody>
-      </p:sp>
-      <p:sp>
-        <p:nvSpPr>
-          <p:cNvPr id="9" name="TextBox 8"/>
-          <p:cNvSpPr txBox="1"/>
-          <p:nvPr/>
-        </p:nvSpPr>
-        <p:spPr>
-          <a:xfrm>
-            <a:off x="745726" y="618835"/>
-            <a:ext cx="2585964" cy="1015663"/>
-          </a:xfrm>
-          <a:prstGeom prst="rect">
-            <a:avLst/>
-          </a:prstGeom>
-          <a:noFill/>
-        </p:spPr>
-        <p:txBody>
-          <a:bodyPr wrap="none" rtlCol="0">
-            <a:spAutoFit/>
-          </a:bodyPr>
-          <a:lstStyle/>
-          <a:p>
-            <a:r>
-              <a:rPr lang="ko-KR" altLang="en-US" sz="6000" dirty="0">
-                <a:solidFill>
-                  <a:schemeClr val="bg1"/>
-                </a:solidFill>
-                <a:latin typeface="나눔바른펜" panose="020B0503000000000000" pitchFamily="50" charset="-127"/>
-                <a:ea typeface="나눔바른펜" panose="020B0503000000000000" pitchFamily="50" charset="-127"/>
-              </a:rPr>
-              <a:t>게임소개</a:t>
-            </a:r>
+            <a:endParaRPr lang="ko-KR" altLang="en-US" dirty="0">
+              <a:latin typeface="나눔스퀘어 Light" panose="020B0600000101010101" pitchFamily="50" charset="-127"/>
+              <a:ea typeface="나눔스퀘어 Light" panose="020B0600000101010101" pitchFamily="50" charset="-127"/>
+            </a:endParaRPr>
           </a:p>
         </p:txBody>
       </p:sp>
@@ -4129,8 +4078,8 @@
         </p:nvSpPr>
         <p:spPr>
           <a:xfrm>
-            <a:off x="745726" y="1876669"/>
-            <a:ext cx="4939173" cy="3785652"/>
+            <a:off x="674235" y="2075283"/>
+            <a:ext cx="4411785" cy="3046988"/>
           </a:xfrm>
           <a:prstGeom prst="rect">
             <a:avLst/>
@@ -4152,22 +4101,22 @@
               <a:buChar char="§"/>
             </a:pPr>
             <a:r>
-              <a:rPr lang="ko-KR" altLang="en-US" sz="4000" dirty="0">
+              <a:rPr lang="ko-KR" altLang="en-US" sz="3200" dirty="0">
                 <a:solidFill>
                   <a:schemeClr val="bg1"/>
                 </a:solidFill>
-                <a:latin typeface="나눔바른펜" panose="020B0503000000000000" pitchFamily="50" charset="-127"/>
-                <a:ea typeface="나눔바른펜" panose="020B0503000000000000" pitchFamily="50" charset="-127"/>
+                <a:latin typeface="나눔스퀘어 Light" panose="020B0600000101010101" pitchFamily="50" charset="-127"/>
+                <a:ea typeface="나눔스퀘어 Light" panose="020B0600000101010101" pitchFamily="50" charset="-127"/>
               </a:rPr>
               <a:t>게임제목 </a:t>
             </a:r>
             <a:r>
-              <a:rPr lang="en-US" altLang="ko-KR" sz="4000" dirty="0">
+              <a:rPr lang="en-US" altLang="ko-KR" sz="3200" dirty="0">
                 <a:solidFill>
                   <a:schemeClr val="bg1"/>
                 </a:solidFill>
-                <a:latin typeface="나눔바른펜" panose="020B0503000000000000" pitchFamily="50" charset="-127"/>
-                <a:ea typeface="나눔바른펜" panose="020B0503000000000000" pitchFamily="50" charset="-127"/>
+                <a:latin typeface="나눔스퀘어 Light" panose="020B0600000101010101" pitchFamily="50" charset="-127"/>
+                <a:ea typeface="나눔스퀘어 Light" panose="020B0600000101010101" pitchFamily="50" charset="-127"/>
               </a:rPr>
               <a:t>: Satellite</a:t>
             </a:r>
@@ -4182,51 +4131,41 @@
               <a:buChar char="§"/>
             </a:pPr>
             <a:r>
-              <a:rPr lang="ko-KR" altLang="en-US" sz="4000" dirty="0">
+              <a:rPr lang="ko-KR" altLang="en-US" sz="3200" dirty="0">
                 <a:solidFill>
                   <a:schemeClr val="bg1"/>
                 </a:solidFill>
-                <a:latin typeface="나눔바른펜" panose="020B0503000000000000" pitchFamily="50" charset="-127"/>
-                <a:ea typeface="나눔바른펜" panose="020B0503000000000000" pitchFamily="50" charset="-127"/>
+                <a:latin typeface="나눔스퀘어 Light" panose="020B0600000101010101" pitchFamily="50" charset="-127"/>
+                <a:ea typeface="나눔스퀘어 Light" panose="020B0600000101010101" pitchFamily="50" charset="-127"/>
               </a:rPr>
               <a:t>장르</a:t>
             </a:r>
             <a:r>
-              <a:rPr lang="en-US" altLang="ko-KR" sz="4000" dirty="0">
+              <a:rPr lang="en-US" altLang="ko-KR" sz="3200" dirty="0">
                 <a:solidFill>
                   <a:schemeClr val="bg1"/>
                 </a:solidFill>
-                <a:latin typeface="나눔바른펜" panose="020B0503000000000000" pitchFamily="50" charset="-127"/>
-                <a:ea typeface="나눔바른펜" panose="020B0503000000000000" pitchFamily="50" charset="-127"/>
+                <a:latin typeface="나눔스퀘어 Light" panose="020B0600000101010101" pitchFamily="50" charset="-127"/>
+                <a:ea typeface="나눔스퀘어 Light" panose="020B0600000101010101" pitchFamily="50" charset="-127"/>
               </a:rPr>
-              <a:t>			:</a:t>
-            </a:r>
-            <a:r>
-              <a:rPr lang="ko-KR" altLang="en-US" sz="4000" dirty="0">
+              <a:t>		   :</a:t>
+            </a:r>
+            <a:r>
+              <a:rPr lang="ko-KR" altLang="en-US" sz="3200" dirty="0">
                 <a:solidFill>
                   <a:schemeClr val="bg1"/>
                 </a:solidFill>
-                <a:latin typeface="나눔바른펜" panose="020B0503000000000000" pitchFamily="50" charset="-127"/>
-                <a:ea typeface="나눔바른펜" panose="020B0503000000000000" pitchFamily="50" charset="-127"/>
+                <a:latin typeface="나눔스퀘어 Light" panose="020B0600000101010101" pitchFamily="50" charset="-127"/>
+                <a:ea typeface="나눔스퀘어 Light" panose="020B0600000101010101" pitchFamily="50" charset="-127"/>
               </a:rPr>
-              <a:t> </a:t>
-            </a:r>
-            <a:r>
-              <a:rPr lang="ko-KR" altLang="en-US" sz="4000" dirty="0" err="1">
-                <a:solidFill>
-                  <a:schemeClr val="bg1"/>
-                </a:solidFill>
-                <a:latin typeface="나눔바른펜" panose="020B0503000000000000" pitchFamily="50" charset="-127"/>
-                <a:ea typeface="나눔바른펜" panose="020B0503000000000000" pitchFamily="50" charset="-127"/>
-              </a:rPr>
-              <a:t>탄막디펜스</a:t>
-            </a:r>
-            <a:endParaRPr lang="en-US" altLang="ko-KR" sz="4000" dirty="0">
+              <a:t> 디펜스</a:t>
+            </a:r>
+            <a:endParaRPr lang="en-US" altLang="ko-KR" sz="3200" dirty="0">
               <a:solidFill>
                 <a:schemeClr val="bg1"/>
               </a:solidFill>
-              <a:latin typeface="나눔바른펜" panose="020B0503000000000000" pitchFamily="50" charset="-127"/>
-              <a:ea typeface="나눔바른펜" panose="020B0503000000000000" pitchFamily="50" charset="-127"/>
+              <a:latin typeface="나눔스퀘어 Light" panose="020B0600000101010101" pitchFamily="50" charset="-127"/>
+              <a:ea typeface="나눔스퀘어 Light" panose="020B0600000101010101" pitchFamily="50" charset="-127"/>
             </a:endParaRPr>
           </a:p>
           <a:p>
@@ -4239,41 +4178,41 @@
               <a:buChar char="§"/>
             </a:pPr>
             <a:r>
-              <a:rPr lang="ko-KR" altLang="en-US" sz="4000" dirty="0">
+              <a:rPr lang="ko-KR" altLang="en-US" sz="3200" dirty="0">
                 <a:solidFill>
                   <a:schemeClr val="bg1"/>
                 </a:solidFill>
-                <a:latin typeface="나눔바른펜" panose="020B0503000000000000" pitchFamily="50" charset="-127"/>
-                <a:ea typeface="나눔바른펜" panose="020B0503000000000000" pitchFamily="50" charset="-127"/>
+                <a:latin typeface="나눔스퀘어 Light" panose="020B0600000101010101" pitchFamily="50" charset="-127"/>
+                <a:ea typeface="나눔스퀘어 Light" panose="020B0600000101010101" pitchFamily="50" charset="-127"/>
               </a:rPr>
               <a:t>게임목적 </a:t>
             </a:r>
             <a:r>
-              <a:rPr lang="en-US" altLang="ko-KR" sz="4000" dirty="0">
+              <a:rPr lang="en-US" altLang="ko-KR" sz="3200" dirty="0">
                 <a:solidFill>
                   <a:schemeClr val="bg1"/>
                 </a:solidFill>
-                <a:latin typeface="나눔바른펜" panose="020B0503000000000000" pitchFamily="50" charset="-127"/>
-                <a:ea typeface="나눔바른펜" panose="020B0503000000000000" pitchFamily="50" charset="-127"/>
+                <a:latin typeface="나눔스퀘어 Light" panose="020B0600000101010101" pitchFamily="50" charset="-127"/>
+                <a:ea typeface="나눔스퀘어 Light" panose="020B0600000101010101" pitchFamily="50" charset="-127"/>
               </a:rPr>
               <a:t>: </a:t>
             </a:r>
             <a:r>
-              <a:rPr lang="ko-KR" altLang="en-US" sz="4000" dirty="0">
+              <a:rPr lang="ko-KR" altLang="en-US" sz="3200" dirty="0">
                 <a:solidFill>
                   <a:schemeClr val="bg1"/>
                 </a:solidFill>
-                <a:latin typeface="나눔바른펜" panose="020B0503000000000000" pitchFamily="50" charset="-127"/>
-                <a:ea typeface="나눔바른펜" panose="020B0503000000000000" pitchFamily="50" charset="-127"/>
+                <a:latin typeface="나눔스퀘어 Light" panose="020B0600000101010101" pitchFamily="50" charset="-127"/>
+                <a:ea typeface="나눔스퀘어 Light" panose="020B0600000101010101" pitchFamily="50" charset="-127"/>
               </a:rPr>
               <a:t>행성방어</a:t>
             </a:r>
-            <a:endParaRPr lang="en-US" altLang="ko-KR" sz="4000" dirty="0">
+            <a:endParaRPr lang="en-US" altLang="ko-KR" sz="3200" dirty="0">
               <a:solidFill>
                 <a:schemeClr val="bg1"/>
               </a:solidFill>
-              <a:latin typeface="나눔바른펜" panose="020B0503000000000000" pitchFamily="50" charset="-127"/>
-              <a:ea typeface="나눔바른펜" panose="020B0503000000000000" pitchFamily="50" charset="-127"/>
+              <a:latin typeface="나눔스퀘어 Light" panose="020B0600000101010101" pitchFamily="50" charset="-127"/>
+              <a:ea typeface="나눔스퀘어 Light" panose="020B0600000101010101" pitchFamily="50" charset="-127"/>
             </a:endParaRPr>
           </a:p>
           <a:p>
@@ -4284,22 +4223,22 @@
               <a:buSzPct val="80000"/>
             </a:pPr>
             <a:r>
-              <a:rPr lang="en-US" altLang="ko-KR" sz="4000" dirty="0">
+              <a:rPr lang="en-US" altLang="ko-KR" sz="3200" dirty="0">
                 <a:solidFill>
                   <a:schemeClr val="bg1"/>
                 </a:solidFill>
-                <a:latin typeface="나눔바른펜" panose="020B0503000000000000" pitchFamily="50" charset="-127"/>
-                <a:ea typeface="나눔바른펜" panose="020B0503000000000000" pitchFamily="50" charset="-127"/>
+                <a:latin typeface="나눔스퀘어 Light" panose="020B0600000101010101" pitchFamily="50" charset="-127"/>
+                <a:ea typeface="나눔스퀘어 Light" panose="020B0600000101010101" pitchFamily="50" charset="-127"/>
               </a:rPr>
-              <a:t>					  </a:t>
-            </a:r>
-            <a:r>
-              <a:rPr lang="ko-KR" altLang="en-US" sz="4000" dirty="0">
+              <a:t>			         </a:t>
+            </a:r>
+            <a:r>
+              <a:rPr lang="ko-KR" altLang="en-US" sz="3200" dirty="0">
                 <a:solidFill>
                   <a:schemeClr val="bg1"/>
                 </a:solidFill>
-                <a:latin typeface="나눔바른펜" panose="020B0503000000000000" pitchFamily="50" charset="-127"/>
-                <a:ea typeface="나눔바른펜" panose="020B0503000000000000" pitchFamily="50" charset="-127"/>
+                <a:latin typeface="나눔스퀘어 Light" panose="020B0600000101010101" pitchFamily="50" charset="-127"/>
+                <a:ea typeface="나눔스퀘어 Light" panose="020B0600000101010101" pitchFamily="50" charset="-127"/>
               </a:rPr>
               <a:t>소행성파괴</a:t>
             </a:r>
@@ -5285,7 +5224,7 @@
         <p:spPr>
           <a:xfrm>
             <a:off x="745726" y="618835"/>
-            <a:ext cx="2608406" cy="1015663"/>
+            <a:ext cx="2611612" cy="1015663"/>
           </a:xfrm>
           <a:prstGeom prst="rect">
             <a:avLst/>
@@ -5306,7 +5245,7 @@
                 <a:latin typeface="나눔바른펜" panose="020B0503000000000000" pitchFamily="50" charset="-127"/>
                 <a:ea typeface="나눔바른펜" panose="020B0503000000000000" pitchFamily="50" charset="-127"/>
               </a:rPr>
-              <a:t>제작일정</a:t>
+              <a:t>제작과정</a:t>
             </a:r>
           </a:p>
         </p:txBody>
@@ -5394,7 +5333,10 @@
           <a:lstStyle/>
           <a:p>
             <a:pPr algn="ctr"/>
-            <a:endParaRPr lang="ko-KR" altLang="en-US"/>
+            <a:endParaRPr lang="ko-KR" altLang="en-US">
+              <a:latin typeface="나눔바른펜" panose="020B0503000000000000" pitchFamily="50" charset="-127"/>
+              <a:ea typeface="나눔바른펜" panose="020B0503000000000000" pitchFamily="50" charset="-127"/>
+            </a:endParaRPr>
           </a:p>
         </p:txBody>
       </p:sp>
@@ -5440,7 +5382,10 @@
           <a:lstStyle/>
           <a:p>
             <a:pPr algn="ctr"/>
-            <a:endParaRPr lang="ko-KR" altLang="en-US"/>
+            <a:endParaRPr lang="ko-KR" altLang="en-US">
+              <a:latin typeface="나눔바른펜" panose="020B0503000000000000" pitchFamily="50" charset="-127"/>
+              <a:ea typeface="나눔바른펜" panose="020B0503000000000000" pitchFamily="50" charset="-127"/>
+            </a:endParaRPr>
           </a:p>
         </p:txBody>
       </p:sp>
@@ -5524,7 +5469,10 @@
           <a:lstStyle/>
           <a:p>
             <a:pPr algn="ctr"/>
-            <a:endParaRPr lang="ko-KR" altLang="en-US"/>
+            <a:endParaRPr lang="ko-KR" altLang="en-US">
+              <a:latin typeface="나눔바른펜" panose="020B0503000000000000" pitchFamily="50" charset="-127"/>
+              <a:ea typeface="나눔바른펜" panose="020B0503000000000000" pitchFamily="50" charset="-127"/>
+            </a:endParaRPr>
           </a:p>
         </p:txBody>
       </p:sp>
@@ -5608,7 +5556,10 @@
           <a:lstStyle/>
           <a:p>
             <a:pPr algn="ctr"/>
-            <a:endParaRPr lang="ko-KR" altLang="en-US"/>
+            <a:endParaRPr lang="ko-KR" altLang="en-US">
+              <a:latin typeface="나눔바른펜" panose="020B0503000000000000" pitchFamily="50" charset="-127"/>
+              <a:ea typeface="나눔바른펜" panose="020B0503000000000000" pitchFamily="50" charset="-127"/>
+            </a:endParaRPr>
           </a:p>
         </p:txBody>
       </p:sp>
@@ -5692,7 +5643,10 @@
           <a:lstStyle/>
           <a:p>
             <a:pPr algn="ctr"/>
-            <a:endParaRPr lang="ko-KR" altLang="en-US"/>
+            <a:endParaRPr lang="ko-KR" altLang="en-US">
+              <a:latin typeface="나눔바른펜" panose="020B0503000000000000" pitchFamily="50" charset="-127"/>
+              <a:ea typeface="나눔바른펜" panose="020B0503000000000000" pitchFamily="50" charset="-127"/>
+            </a:endParaRPr>
           </a:p>
         </p:txBody>
       </p:sp>
@@ -5734,6 +5688,452 @@
           </a:fontRef>
         </p:style>
       </p:cxnSp>
+      <p:sp>
+        <p:nvSpPr>
+          <p:cNvPr id="36" name="TextBox 35"/>
+          <p:cNvSpPr txBox="1"/>
+          <p:nvPr/>
+        </p:nvSpPr>
+        <p:spPr>
+          <a:xfrm>
+            <a:off x="464729" y="1108962"/>
+            <a:ext cx="1492716" cy="1631216"/>
+          </a:xfrm>
+          <a:prstGeom prst="rect">
+            <a:avLst/>
+          </a:prstGeom>
+          <a:noFill/>
+        </p:spPr>
+        <p:txBody>
+          <a:bodyPr wrap="none" rtlCol="0">
+            <a:spAutoFit/>
+          </a:bodyPr>
+          <a:lstStyle/>
+          <a:p>
+            <a:r>
+              <a:rPr lang="en-US" altLang="ko-KR" sz="2000" dirty="0">
+                <a:solidFill>
+                  <a:schemeClr val="bg1"/>
+                </a:solidFill>
+                <a:latin typeface="나눔바른펜" panose="020B0503000000000000" pitchFamily="50" charset="-127"/>
+                <a:ea typeface="나눔바른펜" panose="020B0503000000000000" pitchFamily="50" charset="-127"/>
+              </a:rPr>
+              <a:t>1/4 (~ 6/7)</a:t>
+            </a:r>
+          </a:p>
+          <a:p>
+            <a:r>
+              <a:rPr lang="ko-KR" altLang="en-US" sz="2000" dirty="0">
+                <a:solidFill>
+                  <a:schemeClr val="bg1"/>
+                </a:solidFill>
+                <a:latin typeface="나눔바른펜" panose="020B0503000000000000" pitchFamily="50" charset="-127"/>
+                <a:ea typeface="나눔바른펜" panose="020B0503000000000000" pitchFamily="50" charset="-127"/>
+              </a:rPr>
+              <a:t>프레임워크</a:t>
+            </a:r>
+            <a:endParaRPr lang="en-US" altLang="ko-KR" sz="2000" dirty="0">
+              <a:solidFill>
+                <a:schemeClr val="bg1"/>
+              </a:solidFill>
+              <a:latin typeface="나눔바른펜" panose="020B0503000000000000" pitchFamily="50" charset="-127"/>
+              <a:ea typeface="나눔바른펜" panose="020B0503000000000000" pitchFamily="50" charset="-127"/>
+            </a:endParaRPr>
+          </a:p>
+          <a:p>
+            <a:r>
+              <a:rPr lang="ko-KR" altLang="en-US" sz="2000" dirty="0">
+                <a:solidFill>
+                  <a:schemeClr val="bg1"/>
+                </a:solidFill>
+                <a:latin typeface="나눔바른펜" panose="020B0503000000000000" pitchFamily="50" charset="-127"/>
+                <a:ea typeface="나눔바른펜" panose="020B0503000000000000" pitchFamily="50" charset="-127"/>
+              </a:rPr>
+              <a:t>부모클래스</a:t>
+            </a:r>
+            <a:endParaRPr lang="en-US" altLang="ko-KR" sz="2000" dirty="0">
+              <a:solidFill>
+                <a:schemeClr val="bg1"/>
+              </a:solidFill>
+              <a:latin typeface="나눔바른펜" panose="020B0503000000000000" pitchFamily="50" charset="-127"/>
+              <a:ea typeface="나눔바른펜" panose="020B0503000000000000" pitchFamily="50" charset="-127"/>
+            </a:endParaRPr>
+          </a:p>
+          <a:p>
+            <a:r>
+              <a:rPr lang="ko-KR" altLang="en-US" sz="2000" dirty="0">
+                <a:solidFill>
+                  <a:schemeClr val="bg1"/>
+                </a:solidFill>
+                <a:latin typeface="나눔바른펜" panose="020B0503000000000000" pitchFamily="50" charset="-127"/>
+                <a:ea typeface="나눔바른펜" panose="020B0503000000000000" pitchFamily="50" charset="-127"/>
+              </a:rPr>
+              <a:t>리소스제작</a:t>
+            </a:r>
+            <a:endParaRPr lang="en-US" altLang="ko-KR" sz="2000" dirty="0">
+              <a:solidFill>
+                <a:schemeClr val="bg1"/>
+              </a:solidFill>
+              <a:latin typeface="나눔바른펜" panose="020B0503000000000000" pitchFamily="50" charset="-127"/>
+              <a:ea typeface="나눔바른펜" panose="020B0503000000000000" pitchFamily="50" charset="-127"/>
+            </a:endParaRPr>
+          </a:p>
+          <a:p>
+            <a:r>
+              <a:rPr lang="ko-KR" altLang="en-US" sz="2000" dirty="0">
+                <a:solidFill>
+                  <a:schemeClr val="bg1"/>
+                </a:solidFill>
+                <a:latin typeface="나눔바른펜" panose="020B0503000000000000" pitchFamily="50" charset="-127"/>
+                <a:ea typeface="나눔바른펜" panose="020B0503000000000000" pitchFamily="50" charset="-127"/>
+              </a:rPr>
+              <a:t>로고 및 </a:t>
+            </a:r>
+            <a:r>
+              <a:rPr lang="ko-KR" altLang="en-US" sz="2000" dirty="0" err="1">
+                <a:solidFill>
+                  <a:schemeClr val="bg1"/>
+                </a:solidFill>
+                <a:latin typeface="나눔바른펜" panose="020B0503000000000000" pitchFamily="50" charset="-127"/>
+                <a:ea typeface="나눔바른펜" panose="020B0503000000000000" pitchFamily="50" charset="-127"/>
+              </a:rPr>
+              <a:t>인트로</a:t>
+            </a:r>
+            <a:endParaRPr lang="ko-KR" altLang="en-US" sz="2000" dirty="0">
+              <a:solidFill>
+                <a:schemeClr val="bg1"/>
+              </a:solidFill>
+              <a:latin typeface="나눔바른펜" panose="020B0503000000000000" pitchFamily="50" charset="-127"/>
+              <a:ea typeface="나눔바른펜" panose="020B0503000000000000" pitchFamily="50" charset="-127"/>
+            </a:endParaRPr>
+          </a:p>
+        </p:txBody>
+      </p:sp>
+      <p:sp>
+        <p:nvSpPr>
+          <p:cNvPr id="37" name="TextBox 36"/>
+          <p:cNvSpPr txBox="1"/>
+          <p:nvPr/>
+        </p:nvSpPr>
+        <p:spPr>
+          <a:xfrm>
+            <a:off x="2477246" y="4184586"/>
+            <a:ext cx="1383712" cy="1631216"/>
+          </a:xfrm>
+          <a:prstGeom prst="rect">
+            <a:avLst/>
+          </a:prstGeom>
+          <a:noFill/>
+        </p:spPr>
+        <p:txBody>
+          <a:bodyPr wrap="none" rtlCol="0">
+            <a:spAutoFit/>
+          </a:bodyPr>
+          <a:lstStyle/>
+          <a:p>
+            <a:r>
+              <a:rPr lang="en-US" altLang="ko-KR" sz="2000" dirty="0">
+                <a:solidFill>
+                  <a:schemeClr val="bg1"/>
+                </a:solidFill>
+                <a:latin typeface="나눔바른펜" panose="020B0503000000000000" pitchFamily="50" charset="-127"/>
+                <a:ea typeface="나눔바른펜" panose="020B0503000000000000" pitchFamily="50" charset="-127"/>
+              </a:rPr>
+              <a:t>2/4 (~ 6/11)</a:t>
+            </a:r>
+          </a:p>
+          <a:p>
+            <a:r>
+              <a:rPr lang="ko-KR" altLang="en-US" sz="2000" dirty="0" err="1">
+                <a:solidFill>
+                  <a:schemeClr val="bg1"/>
+                </a:solidFill>
+                <a:latin typeface="나눔바른펜" panose="020B0503000000000000" pitchFamily="50" charset="-127"/>
+                <a:ea typeface="나눔바른펜" panose="020B0503000000000000" pitchFamily="50" charset="-127"/>
+              </a:rPr>
+              <a:t>차일드클래스</a:t>
+            </a:r>
+            <a:endParaRPr lang="en-US" altLang="ko-KR" sz="2000" dirty="0">
+              <a:solidFill>
+                <a:schemeClr val="bg1"/>
+              </a:solidFill>
+              <a:latin typeface="나눔바른펜" panose="020B0503000000000000" pitchFamily="50" charset="-127"/>
+              <a:ea typeface="나눔바른펜" panose="020B0503000000000000" pitchFamily="50" charset="-127"/>
+            </a:endParaRPr>
+          </a:p>
+          <a:p>
+            <a:r>
+              <a:rPr lang="ko-KR" altLang="en-US" sz="2000" dirty="0">
+                <a:solidFill>
+                  <a:schemeClr val="bg1"/>
+                </a:solidFill>
+                <a:latin typeface="나눔바른펜" panose="020B0503000000000000" pitchFamily="50" charset="-127"/>
+                <a:ea typeface="나눔바른펜" panose="020B0503000000000000" pitchFamily="50" charset="-127"/>
+              </a:rPr>
+              <a:t>사운드클래스</a:t>
+            </a:r>
+            <a:endParaRPr lang="en-US" altLang="ko-KR" sz="2000" dirty="0">
+              <a:solidFill>
+                <a:schemeClr val="bg1"/>
+              </a:solidFill>
+              <a:latin typeface="나눔바른펜" panose="020B0503000000000000" pitchFamily="50" charset="-127"/>
+              <a:ea typeface="나눔바른펜" panose="020B0503000000000000" pitchFamily="50" charset="-127"/>
+            </a:endParaRPr>
+          </a:p>
+          <a:p>
+            <a:r>
+              <a:rPr lang="ko-KR" altLang="en-US" sz="2000" dirty="0">
+                <a:solidFill>
+                  <a:schemeClr val="bg1"/>
+                </a:solidFill>
+                <a:latin typeface="나눔바른펜" panose="020B0503000000000000" pitchFamily="50" charset="-127"/>
+                <a:ea typeface="나눔바른펜" panose="020B0503000000000000" pitchFamily="50" charset="-127"/>
+              </a:rPr>
+              <a:t>리소스제작</a:t>
+            </a:r>
+            <a:endParaRPr lang="en-US" altLang="ko-KR" sz="2000" dirty="0">
+              <a:solidFill>
+                <a:schemeClr val="bg1"/>
+              </a:solidFill>
+              <a:latin typeface="나눔바른펜" panose="020B0503000000000000" pitchFamily="50" charset="-127"/>
+              <a:ea typeface="나눔바른펜" panose="020B0503000000000000" pitchFamily="50" charset="-127"/>
+            </a:endParaRPr>
+          </a:p>
+          <a:p>
+            <a:r>
+              <a:rPr lang="ko-KR" altLang="en-US" sz="2000" dirty="0" err="1">
+                <a:solidFill>
+                  <a:schemeClr val="bg1"/>
+                </a:solidFill>
+                <a:latin typeface="나눔바른펜" panose="020B0503000000000000" pitchFamily="50" charset="-127"/>
+                <a:ea typeface="나눔바른펜" panose="020B0503000000000000" pitchFamily="50" charset="-127"/>
+              </a:rPr>
+              <a:t>게임콘텐츠</a:t>
+            </a:r>
+            <a:r>
+              <a:rPr lang="en-US" altLang="ko-KR" sz="2000" dirty="0">
+                <a:solidFill>
+                  <a:schemeClr val="bg1"/>
+                </a:solidFill>
+                <a:latin typeface="나눔바른펜" panose="020B0503000000000000" pitchFamily="50" charset="-127"/>
+                <a:ea typeface="나눔바른펜" panose="020B0503000000000000" pitchFamily="50" charset="-127"/>
+              </a:rPr>
+              <a:t>1</a:t>
+            </a:r>
+            <a:endParaRPr lang="ko-KR" altLang="en-US" sz="2000" dirty="0">
+              <a:solidFill>
+                <a:schemeClr val="bg1"/>
+              </a:solidFill>
+              <a:latin typeface="나눔바른펜" panose="020B0503000000000000" pitchFamily="50" charset="-127"/>
+              <a:ea typeface="나눔바른펜" panose="020B0503000000000000" pitchFamily="50" charset="-127"/>
+            </a:endParaRPr>
+          </a:p>
+        </p:txBody>
+      </p:sp>
+      <p:sp>
+        <p:nvSpPr>
+          <p:cNvPr id="38" name="TextBox 37"/>
+          <p:cNvSpPr txBox="1"/>
+          <p:nvPr/>
+        </p:nvSpPr>
+        <p:spPr>
+          <a:xfrm>
+            <a:off x="6180854" y="2971643"/>
+            <a:ext cx="2545890" cy="400110"/>
+          </a:xfrm>
+          <a:prstGeom prst="rect">
+            <a:avLst/>
+          </a:prstGeom>
+          <a:noFill/>
+        </p:spPr>
+        <p:txBody>
+          <a:bodyPr wrap="none" rtlCol="0">
+            <a:spAutoFit/>
+          </a:bodyPr>
+          <a:lstStyle/>
+          <a:p>
+            <a:r>
+              <a:rPr lang="ko-KR" altLang="en-US" sz="2000" dirty="0">
+                <a:solidFill>
+                  <a:schemeClr val="bg1"/>
+                </a:solidFill>
+                <a:latin typeface="나눔바른펜" panose="020B0503000000000000" pitchFamily="50" charset="-127"/>
+                <a:ea typeface="나눔바른펜" panose="020B0503000000000000" pitchFamily="50" charset="-127"/>
+              </a:rPr>
+              <a:t>제작기간 </a:t>
+            </a:r>
+            <a:r>
+              <a:rPr lang="en-US" altLang="ko-KR" sz="2000" dirty="0">
+                <a:solidFill>
+                  <a:schemeClr val="bg1"/>
+                </a:solidFill>
+                <a:latin typeface="나눔바른펜" panose="020B0503000000000000" pitchFamily="50" charset="-127"/>
+                <a:ea typeface="나눔바른펜" panose="020B0503000000000000" pitchFamily="50" charset="-127"/>
+              </a:rPr>
+              <a:t>: 6 / 4 ~ 6 / 20</a:t>
+            </a:r>
+            <a:endParaRPr lang="ko-KR" altLang="en-US" sz="2000" dirty="0">
+              <a:solidFill>
+                <a:schemeClr val="bg1"/>
+              </a:solidFill>
+              <a:latin typeface="나눔바른펜" panose="020B0503000000000000" pitchFamily="50" charset="-127"/>
+              <a:ea typeface="나눔바른펜" panose="020B0503000000000000" pitchFamily="50" charset="-127"/>
+            </a:endParaRPr>
+          </a:p>
+        </p:txBody>
+      </p:sp>
+      <p:sp>
+        <p:nvSpPr>
+          <p:cNvPr id="39" name="TextBox 38"/>
+          <p:cNvSpPr txBox="1"/>
+          <p:nvPr/>
+        </p:nvSpPr>
+        <p:spPr>
+          <a:xfrm>
+            <a:off x="4658638" y="1643351"/>
+            <a:ext cx="1670650" cy="1015663"/>
+          </a:xfrm>
+          <a:prstGeom prst="rect">
+            <a:avLst/>
+          </a:prstGeom>
+          <a:noFill/>
+        </p:spPr>
+        <p:txBody>
+          <a:bodyPr wrap="none" rtlCol="0">
+            <a:spAutoFit/>
+          </a:bodyPr>
+          <a:lstStyle/>
+          <a:p>
+            <a:r>
+              <a:rPr lang="en-US" altLang="ko-KR" sz="2000" dirty="0">
+                <a:solidFill>
+                  <a:schemeClr val="bg1"/>
+                </a:solidFill>
+                <a:latin typeface="나눔바른펜" panose="020B0503000000000000" pitchFamily="50" charset="-127"/>
+                <a:ea typeface="나눔바른펜" panose="020B0503000000000000" pitchFamily="50" charset="-127"/>
+              </a:rPr>
+              <a:t>3/4 (~ 6/16)</a:t>
+            </a:r>
+          </a:p>
+          <a:p>
+            <a:r>
+              <a:rPr lang="ko-KR" altLang="en-US" sz="2000" dirty="0">
+                <a:solidFill>
+                  <a:schemeClr val="bg1"/>
+                </a:solidFill>
+                <a:latin typeface="나눔바른펜" panose="020B0503000000000000" pitchFamily="50" charset="-127"/>
+                <a:ea typeface="나눔바른펜" panose="020B0503000000000000" pitchFamily="50" charset="-127"/>
+              </a:rPr>
+              <a:t>필터 및 폴더정리</a:t>
+            </a:r>
+            <a:endParaRPr lang="en-US" altLang="ko-KR" sz="2000" dirty="0">
+              <a:solidFill>
+                <a:schemeClr val="bg1"/>
+              </a:solidFill>
+              <a:latin typeface="나눔바른펜" panose="020B0503000000000000" pitchFamily="50" charset="-127"/>
+              <a:ea typeface="나눔바른펜" panose="020B0503000000000000" pitchFamily="50" charset="-127"/>
+            </a:endParaRPr>
+          </a:p>
+          <a:p>
+            <a:r>
+              <a:rPr lang="ko-KR" altLang="en-US" sz="2000" dirty="0" err="1">
+                <a:solidFill>
+                  <a:schemeClr val="bg1"/>
+                </a:solidFill>
+                <a:latin typeface="나눔바른펜" panose="020B0503000000000000" pitchFamily="50" charset="-127"/>
+                <a:ea typeface="나눔바른펜" panose="020B0503000000000000" pitchFamily="50" charset="-127"/>
+              </a:rPr>
+              <a:t>게임콘텐츠</a:t>
+            </a:r>
+            <a:r>
+              <a:rPr lang="en-US" altLang="ko-KR" sz="2000" dirty="0">
+                <a:solidFill>
+                  <a:schemeClr val="bg1"/>
+                </a:solidFill>
+                <a:latin typeface="나눔바른펜" panose="020B0503000000000000" pitchFamily="50" charset="-127"/>
+                <a:ea typeface="나눔바른펜" panose="020B0503000000000000" pitchFamily="50" charset="-127"/>
+              </a:rPr>
+              <a:t>2</a:t>
+            </a:r>
+          </a:p>
+        </p:txBody>
+      </p:sp>
+      <p:sp>
+        <p:nvSpPr>
+          <p:cNvPr id="40" name="TextBox 39"/>
+          <p:cNvSpPr txBox="1"/>
+          <p:nvPr/>
+        </p:nvSpPr>
+        <p:spPr>
+          <a:xfrm>
+            <a:off x="6351300" y="4266286"/>
+            <a:ext cx="1467068" cy="1015663"/>
+          </a:xfrm>
+          <a:prstGeom prst="rect">
+            <a:avLst/>
+          </a:prstGeom>
+          <a:noFill/>
+        </p:spPr>
+        <p:txBody>
+          <a:bodyPr wrap="none" rtlCol="0">
+            <a:spAutoFit/>
+          </a:bodyPr>
+          <a:lstStyle/>
+          <a:p>
+            <a:r>
+              <a:rPr lang="en-US" altLang="ko-KR" sz="2000" dirty="0">
+                <a:solidFill>
+                  <a:schemeClr val="bg1"/>
+                </a:solidFill>
+                <a:latin typeface="나눔바른펜" panose="020B0503000000000000" pitchFamily="50" charset="-127"/>
+                <a:ea typeface="나눔바른펜" panose="020B0503000000000000" pitchFamily="50" charset="-127"/>
+              </a:rPr>
+              <a:t>4/4 (~ 6/20)</a:t>
+            </a:r>
+          </a:p>
+          <a:p>
+            <a:r>
+              <a:rPr lang="ko-KR" altLang="en-US" sz="2000" dirty="0">
+                <a:solidFill>
+                  <a:schemeClr val="bg1"/>
+                </a:solidFill>
+                <a:latin typeface="나눔바른펜" panose="020B0503000000000000" pitchFamily="50" charset="-127"/>
+                <a:ea typeface="나눔바른펜" panose="020B0503000000000000" pitchFamily="50" charset="-127"/>
+              </a:rPr>
+              <a:t>리소스수정</a:t>
+            </a:r>
+            <a:endParaRPr lang="en-US" altLang="ko-KR" sz="2000" dirty="0">
+              <a:solidFill>
+                <a:schemeClr val="bg1"/>
+              </a:solidFill>
+              <a:latin typeface="나눔바른펜" panose="020B0503000000000000" pitchFamily="50" charset="-127"/>
+              <a:ea typeface="나눔바른펜" panose="020B0503000000000000" pitchFamily="50" charset="-127"/>
+            </a:endParaRPr>
+          </a:p>
+          <a:p>
+            <a:r>
+              <a:rPr lang="ko-KR" altLang="en-US" sz="2000" dirty="0" err="1">
+                <a:solidFill>
+                  <a:schemeClr val="bg1"/>
+                </a:solidFill>
+                <a:latin typeface="나눔바른펜" panose="020B0503000000000000" pitchFamily="50" charset="-127"/>
+                <a:ea typeface="나눔바른펜" panose="020B0503000000000000" pitchFamily="50" charset="-127"/>
+              </a:rPr>
+              <a:t>게임콘텐츠</a:t>
+            </a:r>
+            <a:r>
+              <a:rPr lang="en-US" altLang="ko-KR" sz="2000" dirty="0">
+                <a:solidFill>
+                  <a:schemeClr val="bg1"/>
+                </a:solidFill>
+                <a:latin typeface="나눔바른펜" panose="020B0503000000000000" pitchFamily="50" charset="-127"/>
+                <a:ea typeface="나눔바른펜" panose="020B0503000000000000" pitchFamily="50" charset="-127"/>
+              </a:rPr>
+              <a:t>3</a:t>
+            </a:r>
+          </a:p>
+        </p:txBody>
+      </p:sp>
     </p:spTree>
     <p:extLst>
       <p:ext uri="{BB962C8B-B14F-4D97-AF65-F5344CB8AC3E}">

--- a/발표자료/API 텀프로젝트 발표자료.pptx
+++ b/발표자료/API 텀프로젝트 발표자료.pptx
@@ -12,6 +12,11 @@
     <p:sldId id="260" r:id="rId6"/>
     <p:sldId id="261" r:id="rId7"/>
     <p:sldId id="262" r:id="rId8"/>
+    <p:sldId id="265" r:id="rId9"/>
+    <p:sldId id="268" r:id="rId10"/>
+    <p:sldId id="267" r:id="rId11"/>
+    <p:sldId id="266" r:id="rId12"/>
+    <p:sldId id="264" r:id="rId13"/>
   </p:sldIdLst>
   <p:sldSz cx="9144000" cy="6858000" type="screen4x3"/>
   <p:notesSz cx="6858000" cy="9144000"/>
@@ -3350,6 +3355,2744 @@
 </p:sld>
 </file>
 
+<file path=ppt/slides/slide10.xml><?xml version="1.0" encoding="utf-8"?>
+<p:sld xmlns:a="http://schemas.openxmlformats.org/drawingml/2006/main" xmlns:r="http://schemas.openxmlformats.org/officeDocument/2006/relationships" xmlns:p="http://schemas.openxmlformats.org/presentationml/2006/main">
+  <p:cSld>
+    <p:bg>
+      <p:bgPr>
+        <a:solidFill>
+          <a:schemeClr val="tx1">
+            <a:lumMod val="85000"/>
+            <a:lumOff val="15000"/>
+          </a:schemeClr>
+        </a:solidFill>
+        <a:effectLst/>
+      </p:bgPr>
+    </p:bg>
+    <p:spTree>
+      <p:nvGrpSpPr>
+        <p:cNvPr id="1" name=""/>
+        <p:cNvGrpSpPr/>
+        <p:nvPr/>
+      </p:nvGrpSpPr>
+      <p:grpSpPr>
+        <a:xfrm>
+          <a:off x="0" y="0"/>
+          <a:ext cx="0" cy="0"/>
+          <a:chOff x="0" y="0"/>
+          <a:chExt cx="0" cy="0"/>
+        </a:xfrm>
+      </p:grpSpPr>
+      <p:sp>
+        <p:nvSpPr>
+          <p:cNvPr id="3" name="내용 개체 틀 2">
+            <a:extLst>
+              <a:ext uri="{FF2B5EF4-FFF2-40B4-BE49-F238E27FC236}">
+                <a16:creationId xmlns:a16="http://schemas.microsoft.com/office/drawing/2014/main" id="{972CE041-03FA-4BFB-AA4E-6057DEA64598}"/>
+              </a:ext>
+            </a:extLst>
+          </p:cNvPr>
+          <p:cNvSpPr>
+            <a:spLocks noGrp="1"/>
+          </p:cNvSpPr>
+          <p:nvPr>
+            <p:ph idx="1"/>
+          </p:nvPr>
+        </p:nvSpPr>
+        <p:spPr>
+          <a:xfrm>
+            <a:off x="628650" y="1825625"/>
+            <a:ext cx="7886700" cy="738023"/>
+          </a:xfrm>
+        </p:spPr>
+        <p:txBody>
+          <a:bodyPr/>
+          <a:lstStyle/>
+          <a:p>
+            <a:r>
+              <a:rPr lang="ko-KR" altLang="en-US" dirty="0">
+                <a:solidFill>
+                  <a:schemeClr val="bg1"/>
+                </a:solidFill>
+              </a:rPr>
+              <a:t>그리기 과정</a:t>
+            </a:r>
+            <a:endParaRPr lang="en-US" altLang="ko-KR" dirty="0">
+              <a:solidFill>
+                <a:schemeClr val="bg1"/>
+              </a:solidFill>
+            </a:endParaRPr>
+          </a:p>
+          <a:p>
+            <a:endParaRPr lang="en-US" altLang="ko-KR" dirty="0">
+              <a:solidFill>
+                <a:schemeClr val="bg1"/>
+              </a:solidFill>
+            </a:endParaRPr>
+          </a:p>
+          <a:p>
+            <a:endParaRPr lang="ko-KR" altLang="en-US" dirty="0">
+              <a:solidFill>
+                <a:schemeClr val="bg1"/>
+              </a:solidFill>
+            </a:endParaRPr>
+          </a:p>
+        </p:txBody>
+      </p:sp>
+      <p:sp>
+        <p:nvSpPr>
+          <p:cNvPr id="4" name="직사각형 3">
+            <a:extLst>
+              <a:ext uri="{FF2B5EF4-FFF2-40B4-BE49-F238E27FC236}">
+                <a16:creationId xmlns:a16="http://schemas.microsoft.com/office/drawing/2014/main" id="{88D854C0-A088-4C53-A201-2EAED2CC311D}"/>
+              </a:ext>
+            </a:extLst>
+          </p:cNvPr>
+          <p:cNvSpPr/>
+          <p:nvPr/>
+        </p:nvSpPr>
+        <p:spPr>
+          <a:xfrm>
+            <a:off x="8558072" y="705348"/>
+            <a:ext cx="585927" cy="464575"/>
+          </a:xfrm>
+          <a:prstGeom prst="rect">
+            <a:avLst/>
+          </a:prstGeom>
+          <a:solidFill>
+            <a:srgbClr val="F02802"/>
+          </a:solidFill>
+          <a:ln>
+            <a:noFill/>
+          </a:ln>
+        </p:spPr>
+        <p:style>
+          <a:lnRef idx="2">
+            <a:schemeClr val="accent1">
+              <a:shade val="50000"/>
+            </a:schemeClr>
+          </a:lnRef>
+          <a:fillRef idx="1">
+            <a:schemeClr val="accent1"/>
+          </a:fillRef>
+          <a:effectRef idx="0">
+            <a:schemeClr val="accent1"/>
+          </a:effectRef>
+          <a:fontRef idx="minor">
+            <a:schemeClr val="lt1"/>
+          </a:fontRef>
+        </p:style>
+        <p:txBody>
+          <a:bodyPr rot="0" spcFirstLastPara="0" vertOverflow="overflow" horzOverflow="overflow" vert="horz" wrap="square" lIns="68580" tIns="34290" rIns="68580" bIns="34290" numCol="1" spcCol="0" rtlCol="0" fromWordArt="0" anchor="ctr" anchorCtr="0" forceAA="0" compatLnSpc="1">
+            <a:prstTxWarp prst="textNoShape">
+              <a:avLst/>
+            </a:prstTxWarp>
+            <a:noAutofit/>
+          </a:bodyPr>
+          <a:lstStyle/>
+          <a:p>
+            <a:pPr algn="ctr"/>
+            <a:endParaRPr lang="ko-KR" altLang="en-US" sz="1350"/>
+          </a:p>
+        </p:txBody>
+      </p:sp>
+      <p:sp>
+        <p:nvSpPr>
+          <p:cNvPr id="5" name="직사각형 4">
+            <a:extLst>
+              <a:ext uri="{FF2B5EF4-FFF2-40B4-BE49-F238E27FC236}">
+                <a16:creationId xmlns:a16="http://schemas.microsoft.com/office/drawing/2014/main" id="{D79F1DD2-F00C-4D6C-AFAB-08BC2B78C93F}"/>
+              </a:ext>
+            </a:extLst>
+          </p:cNvPr>
+          <p:cNvSpPr/>
+          <p:nvPr/>
+        </p:nvSpPr>
+        <p:spPr>
+          <a:xfrm>
+            <a:off x="8558074" y="1169923"/>
+            <a:ext cx="585926" cy="464575"/>
+          </a:xfrm>
+          <a:prstGeom prst="rect">
+            <a:avLst/>
+          </a:prstGeom>
+          <a:solidFill>
+            <a:srgbClr val="FFC000"/>
+          </a:solidFill>
+          <a:ln>
+            <a:noFill/>
+          </a:ln>
+        </p:spPr>
+        <p:style>
+          <a:lnRef idx="2">
+            <a:schemeClr val="accent1">
+              <a:shade val="50000"/>
+            </a:schemeClr>
+          </a:lnRef>
+          <a:fillRef idx="1">
+            <a:schemeClr val="accent1"/>
+          </a:fillRef>
+          <a:effectRef idx="0">
+            <a:schemeClr val="accent1"/>
+          </a:effectRef>
+          <a:fontRef idx="minor">
+            <a:schemeClr val="lt1"/>
+          </a:fontRef>
+        </p:style>
+        <p:txBody>
+          <a:bodyPr rot="0" spcFirstLastPara="0" vertOverflow="overflow" horzOverflow="overflow" vert="horz" wrap="square" lIns="68580" tIns="34290" rIns="68580" bIns="34290" numCol="1" spcCol="0" rtlCol="0" fromWordArt="0" anchor="ctr" anchorCtr="0" forceAA="0" compatLnSpc="1">
+            <a:prstTxWarp prst="textNoShape">
+              <a:avLst/>
+            </a:prstTxWarp>
+            <a:noAutofit/>
+          </a:bodyPr>
+          <a:lstStyle/>
+          <a:p>
+            <a:pPr algn="ctr"/>
+            <a:endParaRPr lang="ko-KR" altLang="en-US" sz="1350"/>
+          </a:p>
+        </p:txBody>
+      </p:sp>
+      <p:sp>
+        <p:nvSpPr>
+          <p:cNvPr id="6" name="직사각형 5">
+            <a:extLst>
+              <a:ext uri="{FF2B5EF4-FFF2-40B4-BE49-F238E27FC236}">
+                <a16:creationId xmlns:a16="http://schemas.microsoft.com/office/drawing/2014/main" id="{21AE5ACF-1C54-4BD0-B099-D290D4268E11}"/>
+              </a:ext>
+            </a:extLst>
+          </p:cNvPr>
+          <p:cNvSpPr/>
+          <p:nvPr/>
+        </p:nvSpPr>
+        <p:spPr>
+          <a:xfrm>
+            <a:off x="8558074" y="1634498"/>
+            <a:ext cx="585926" cy="464575"/>
+          </a:xfrm>
+          <a:prstGeom prst="rect">
+            <a:avLst/>
+          </a:prstGeom>
+          <a:solidFill>
+            <a:srgbClr val="00B050"/>
+          </a:solidFill>
+          <a:ln>
+            <a:noFill/>
+          </a:ln>
+        </p:spPr>
+        <p:style>
+          <a:lnRef idx="2">
+            <a:schemeClr val="accent1">
+              <a:shade val="50000"/>
+            </a:schemeClr>
+          </a:lnRef>
+          <a:fillRef idx="1">
+            <a:schemeClr val="accent1"/>
+          </a:fillRef>
+          <a:effectRef idx="0">
+            <a:schemeClr val="accent1"/>
+          </a:effectRef>
+          <a:fontRef idx="minor">
+            <a:schemeClr val="lt1"/>
+          </a:fontRef>
+        </p:style>
+        <p:txBody>
+          <a:bodyPr rot="0" spcFirstLastPara="0" vertOverflow="overflow" horzOverflow="overflow" vert="horz" wrap="square" lIns="68580" tIns="34290" rIns="68580" bIns="34290" numCol="1" spcCol="0" rtlCol="0" fromWordArt="0" anchor="ctr" anchorCtr="0" forceAA="0" compatLnSpc="1">
+            <a:prstTxWarp prst="textNoShape">
+              <a:avLst/>
+            </a:prstTxWarp>
+            <a:noAutofit/>
+          </a:bodyPr>
+          <a:lstStyle/>
+          <a:p>
+            <a:pPr algn="ctr"/>
+            <a:endParaRPr lang="ko-KR" altLang="en-US" sz="1350"/>
+          </a:p>
+        </p:txBody>
+      </p:sp>
+      <p:sp>
+        <p:nvSpPr>
+          <p:cNvPr id="7" name="직사각형 6">
+            <a:extLst>
+              <a:ext uri="{FF2B5EF4-FFF2-40B4-BE49-F238E27FC236}">
+                <a16:creationId xmlns:a16="http://schemas.microsoft.com/office/drawing/2014/main" id="{2DDD51C6-C234-477F-82D3-909C3EB63704}"/>
+              </a:ext>
+            </a:extLst>
+          </p:cNvPr>
+          <p:cNvSpPr/>
+          <p:nvPr/>
+        </p:nvSpPr>
+        <p:spPr>
+          <a:xfrm>
+            <a:off x="7683910" y="2099073"/>
+            <a:ext cx="1460090" cy="464575"/>
+          </a:xfrm>
+          <a:prstGeom prst="rect">
+            <a:avLst/>
+          </a:prstGeom>
+          <a:solidFill>
+            <a:srgbClr val="00B9F6"/>
+          </a:solidFill>
+          <a:ln>
+            <a:noFill/>
+          </a:ln>
+        </p:spPr>
+        <p:style>
+          <a:lnRef idx="2">
+            <a:schemeClr val="accent1">
+              <a:shade val="50000"/>
+            </a:schemeClr>
+          </a:lnRef>
+          <a:fillRef idx="1">
+            <a:schemeClr val="accent1"/>
+          </a:fillRef>
+          <a:effectRef idx="0">
+            <a:schemeClr val="accent1"/>
+          </a:effectRef>
+          <a:fontRef idx="minor">
+            <a:schemeClr val="lt1"/>
+          </a:fontRef>
+        </p:style>
+        <p:txBody>
+          <a:bodyPr rot="0" spcFirstLastPara="0" vertOverflow="overflow" horzOverflow="overflow" vert="horz" wrap="square" lIns="68580" tIns="34290" rIns="68580" bIns="34290" numCol="1" spcCol="0" rtlCol="0" fromWordArt="0" anchor="ctr" anchorCtr="0" forceAA="0" compatLnSpc="1">
+            <a:prstTxWarp prst="textNoShape">
+              <a:avLst/>
+            </a:prstTxWarp>
+            <a:noAutofit/>
+          </a:bodyPr>
+          <a:lstStyle/>
+          <a:p>
+            <a:pPr algn="ctr"/>
+            <a:endParaRPr lang="ko-KR" altLang="en-US"/>
+          </a:p>
+        </p:txBody>
+      </p:sp>
+      <p:sp>
+        <p:nvSpPr>
+          <p:cNvPr id="8" name="직사각형 7">
+            <a:extLst>
+              <a:ext uri="{FF2B5EF4-FFF2-40B4-BE49-F238E27FC236}">
+                <a16:creationId xmlns:a16="http://schemas.microsoft.com/office/drawing/2014/main" id="{44D9E954-10CD-4D1C-9BB9-C52BCDB20A43}"/>
+              </a:ext>
+            </a:extLst>
+          </p:cNvPr>
+          <p:cNvSpPr/>
+          <p:nvPr/>
+        </p:nvSpPr>
+        <p:spPr>
+          <a:xfrm>
+            <a:off x="8558072" y="2563648"/>
+            <a:ext cx="585927" cy="464575"/>
+          </a:xfrm>
+          <a:prstGeom prst="rect">
+            <a:avLst/>
+          </a:prstGeom>
+          <a:solidFill>
+            <a:schemeClr val="bg2">
+              <a:lumMod val="50000"/>
+            </a:schemeClr>
+          </a:solidFill>
+          <a:ln>
+            <a:noFill/>
+          </a:ln>
+        </p:spPr>
+        <p:style>
+          <a:lnRef idx="2">
+            <a:schemeClr val="accent1">
+              <a:shade val="50000"/>
+            </a:schemeClr>
+          </a:lnRef>
+          <a:fillRef idx="1">
+            <a:schemeClr val="accent1"/>
+          </a:fillRef>
+          <a:effectRef idx="0">
+            <a:schemeClr val="accent1"/>
+          </a:effectRef>
+          <a:fontRef idx="minor">
+            <a:schemeClr val="lt1"/>
+          </a:fontRef>
+        </p:style>
+        <p:txBody>
+          <a:bodyPr rot="0" spcFirstLastPara="0" vertOverflow="overflow" horzOverflow="overflow" vert="horz" wrap="square" lIns="68580" tIns="34290" rIns="68580" bIns="34290" numCol="1" spcCol="0" rtlCol="0" fromWordArt="0" anchor="ctr" anchorCtr="0" forceAA="0" compatLnSpc="1">
+            <a:prstTxWarp prst="textNoShape">
+              <a:avLst/>
+            </a:prstTxWarp>
+            <a:noAutofit/>
+          </a:bodyPr>
+          <a:lstStyle/>
+          <a:p>
+            <a:pPr algn="ctr"/>
+            <a:endParaRPr lang="ko-KR" altLang="en-US"/>
+          </a:p>
+        </p:txBody>
+      </p:sp>
+      <p:sp>
+        <p:nvSpPr>
+          <p:cNvPr id="9" name="TextBox 8">
+            <a:extLst>
+              <a:ext uri="{FF2B5EF4-FFF2-40B4-BE49-F238E27FC236}">
+                <a16:creationId xmlns:a16="http://schemas.microsoft.com/office/drawing/2014/main" id="{DA4C68B3-2F4C-4149-8004-6F33AAE7274E}"/>
+              </a:ext>
+            </a:extLst>
+          </p:cNvPr>
+          <p:cNvSpPr txBox="1"/>
+          <p:nvPr/>
+        </p:nvSpPr>
+        <p:spPr>
+          <a:xfrm>
+            <a:off x="745726" y="618835"/>
+            <a:ext cx="7307963" cy="1015663"/>
+          </a:xfrm>
+          <a:prstGeom prst="rect">
+            <a:avLst/>
+          </a:prstGeom>
+          <a:noFill/>
+        </p:spPr>
+        <p:txBody>
+          <a:bodyPr wrap="none" rtlCol="0">
+            <a:spAutoFit/>
+          </a:bodyPr>
+          <a:lstStyle/>
+          <a:p>
+            <a:r>
+              <a:rPr lang="en-US" altLang="ko-KR" sz="6000" dirty="0">
+                <a:solidFill>
+                  <a:schemeClr val="bg1"/>
+                </a:solidFill>
+              </a:rPr>
+              <a:t>Alpha </a:t>
+            </a:r>
+            <a:r>
+              <a:rPr lang="en-US" altLang="ko-KR" sz="6000" dirty="0" err="1">
+                <a:solidFill>
+                  <a:schemeClr val="bg1"/>
+                </a:solidFill>
+              </a:rPr>
+              <a:t>img</a:t>
+            </a:r>
+            <a:r>
+              <a:rPr lang="ko-KR" altLang="en-US" sz="6000" dirty="0">
+                <a:solidFill>
+                  <a:schemeClr val="bg1"/>
+                </a:solidFill>
+              </a:rPr>
+              <a:t> </a:t>
+            </a:r>
+            <a:r>
+              <a:rPr lang="en-US" altLang="ko-KR" sz="6000" dirty="0">
+                <a:solidFill>
+                  <a:schemeClr val="bg1"/>
+                </a:solidFill>
+              </a:rPr>
+              <a:t>rotate draw </a:t>
+            </a:r>
+          </a:p>
+        </p:txBody>
+      </p:sp>
+      <p:grpSp>
+        <p:nvGrpSpPr>
+          <p:cNvPr id="14" name="그룹 13">
+            <a:extLst>
+              <a:ext uri="{FF2B5EF4-FFF2-40B4-BE49-F238E27FC236}">
+                <a16:creationId xmlns:a16="http://schemas.microsoft.com/office/drawing/2014/main" id="{4B9002FC-FE28-4B48-A97D-E04409BA6847}"/>
+              </a:ext>
+            </a:extLst>
+          </p:cNvPr>
+          <p:cNvGrpSpPr/>
+          <p:nvPr/>
+        </p:nvGrpSpPr>
+        <p:grpSpPr>
+          <a:xfrm>
+            <a:off x="486601" y="3028223"/>
+            <a:ext cx="772357" cy="781235"/>
+            <a:chOff x="1722267" y="3124940"/>
+            <a:chExt cx="772357" cy="781235"/>
+          </a:xfrm>
+        </p:grpSpPr>
+        <p:sp>
+          <p:nvSpPr>
+            <p:cNvPr id="2" name="별: 꼭짓점 6개 1">
+              <a:extLst>
+                <a:ext uri="{FF2B5EF4-FFF2-40B4-BE49-F238E27FC236}">
+                  <a16:creationId xmlns:a16="http://schemas.microsoft.com/office/drawing/2014/main" id="{5EBF6C72-F8E0-442A-BB9E-717A60103512}"/>
+                </a:ext>
+              </a:extLst>
+            </p:cNvPr>
+            <p:cNvSpPr/>
+            <p:nvPr/>
+          </p:nvSpPr>
+          <p:spPr>
+            <a:xfrm>
+              <a:off x="1722267" y="3284738"/>
+              <a:ext cx="772357" cy="621437"/>
+            </a:xfrm>
+            <a:prstGeom prst="star6">
+              <a:avLst/>
+            </a:prstGeom>
+          </p:spPr>
+          <p:style>
+            <a:lnRef idx="2">
+              <a:schemeClr val="accent1">
+                <a:shade val="50000"/>
+              </a:schemeClr>
+            </a:lnRef>
+            <a:fillRef idx="1">
+              <a:schemeClr val="accent1"/>
+            </a:fillRef>
+            <a:effectRef idx="0">
+              <a:schemeClr val="accent1"/>
+            </a:effectRef>
+            <a:fontRef idx="minor">
+              <a:schemeClr val="lt1"/>
+            </a:fontRef>
+          </p:style>
+          <p:txBody>
+            <a:bodyPr rtlCol="0" anchor="ctr"/>
+            <a:lstStyle/>
+            <a:p>
+              <a:pPr algn="ctr"/>
+              <a:endParaRPr lang="ko-KR" altLang="en-US"/>
+            </a:p>
+          </p:txBody>
+        </p:sp>
+        <p:cxnSp>
+          <p:nvCxnSpPr>
+            <p:cNvPr id="12" name="직선 연결선 11">
+              <a:extLst>
+                <a:ext uri="{FF2B5EF4-FFF2-40B4-BE49-F238E27FC236}">
+                  <a16:creationId xmlns:a16="http://schemas.microsoft.com/office/drawing/2014/main" id="{F9F6CD15-D26F-411A-9A84-8897EE97BAAA}"/>
+                </a:ext>
+              </a:extLst>
+            </p:cNvPr>
+            <p:cNvCxnSpPr>
+              <a:cxnSpLocks/>
+            </p:cNvCxnSpPr>
+            <p:nvPr/>
+          </p:nvCxnSpPr>
+          <p:spPr>
+            <a:xfrm flipV="1">
+              <a:off x="2112885" y="3124940"/>
+              <a:ext cx="0" cy="488272"/>
+            </a:xfrm>
+            <a:prstGeom prst="line">
+              <a:avLst/>
+            </a:prstGeom>
+            <a:ln>
+              <a:solidFill>
+                <a:schemeClr val="bg1"/>
+              </a:solidFill>
+            </a:ln>
+          </p:spPr>
+          <p:style>
+            <a:lnRef idx="1">
+              <a:schemeClr val="accent1"/>
+            </a:lnRef>
+            <a:fillRef idx="0">
+              <a:schemeClr val="accent1"/>
+            </a:fillRef>
+            <a:effectRef idx="0">
+              <a:schemeClr val="accent1"/>
+            </a:effectRef>
+            <a:fontRef idx="minor">
+              <a:schemeClr val="tx1"/>
+            </a:fontRef>
+          </p:style>
+        </p:cxnSp>
+      </p:grpSp>
+      <p:sp>
+        <p:nvSpPr>
+          <p:cNvPr id="16" name="별: 꼭짓점 6개 15">
+            <a:extLst>
+              <a:ext uri="{FF2B5EF4-FFF2-40B4-BE49-F238E27FC236}">
+                <a16:creationId xmlns:a16="http://schemas.microsoft.com/office/drawing/2014/main" id="{286C5129-E368-47FA-A914-1DEABE0F7EC7}"/>
+              </a:ext>
+            </a:extLst>
+          </p:cNvPr>
+          <p:cNvSpPr/>
+          <p:nvPr/>
+        </p:nvSpPr>
+        <p:spPr>
+          <a:xfrm rot="2747528">
+            <a:off x="2163447" y="3188225"/>
+            <a:ext cx="772357" cy="621437"/>
+          </a:xfrm>
+          <a:prstGeom prst="star6">
+            <a:avLst/>
+          </a:prstGeom>
+          <a:solidFill>
+            <a:schemeClr val="accent1"/>
+          </a:solidFill>
+          <a:ln>
+            <a:solidFill>
+              <a:schemeClr val="accent1">
+                <a:alpha val="25000"/>
+              </a:schemeClr>
+            </a:solidFill>
+          </a:ln>
+        </p:spPr>
+        <p:style>
+          <a:lnRef idx="2">
+            <a:schemeClr val="accent1">
+              <a:shade val="50000"/>
+            </a:schemeClr>
+          </a:lnRef>
+          <a:fillRef idx="1">
+            <a:schemeClr val="accent1"/>
+          </a:fillRef>
+          <a:effectRef idx="0">
+            <a:schemeClr val="accent1"/>
+          </a:effectRef>
+          <a:fontRef idx="minor">
+            <a:schemeClr val="lt1"/>
+          </a:fontRef>
+        </p:style>
+        <p:txBody>
+          <a:bodyPr rtlCol="0" anchor="ctr"/>
+          <a:lstStyle/>
+          <a:p>
+            <a:pPr algn="ctr"/>
+            <a:endParaRPr lang="ko-KR" altLang="en-US"/>
+          </a:p>
+        </p:txBody>
+      </p:sp>
+      <p:cxnSp>
+        <p:nvCxnSpPr>
+          <p:cNvPr id="17" name="직선 연결선 16">
+            <a:extLst>
+              <a:ext uri="{FF2B5EF4-FFF2-40B4-BE49-F238E27FC236}">
+                <a16:creationId xmlns:a16="http://schemas.microsoft.com/office/drawing/2014/main" id="{B7610B36-952C-4C34-A4D1-3FD31B34E3A1}"/>
+              </a:ext>
+            </a:extLst>
+          </p:cNvPr>
+          <p:cNvCxnSpPr>
+            <a:cxnSpLocks/>
+          </p:cNvCxnSpPr>
+          <p:nvPr/>
+        </p:nvCxnSpPr>
+        <p:spPr>
+          <a:xfrm rot="2747528" flipV="1">
+            <a:off x="2714994" y="3100143"/>
+            <a:ext cx="0" cy="488272"/>
+          </a:xfrm>
+          <a:prstGeom prst="line">
+            <a:avLst/>
+          </a:prstGeom>
+          <a:ln>
+            <a:solidFill>
+              <a:schemeClr val="bg1"/>
+            </a:solidFill>
+          </a:ln>
+        </p:spPr>
+        <p:style>
+          <a:lnRef idx="1">
+            <a:schemeClr val="accent1"/>
+          </a:lnRef>
+          <a:fillRef idx="0">
+            <a:schemeClr val="accent1"/>
+          </a:fillRef>
+          <a:effectRef idx="0">
+            <a:schemeClr val="accent1"/>
+          </a:effectRef>
+          <a:fontRef idx="minor">
+            <a:schemeClr val="tx1"/>
+          </a:fontRef>
+        </p:style>
+      </p:cxnSp>
+      <p:sp>
+        <p:nvSpPr>
+          <p:cNvPr id="18" name="직사각형 17">
+            <a:extLst>
+              <a:ext uri="{FF2B5EF4-FFF2-40B4-BE49-F238E27FC236}">
+                <a16:creationId xmlns:a16="http://schemas.microsoft.com/office/drawing/2014/main" id="{52CEC46F-23CF-4862-9CB5-D9D0E8908913}"/>
+              </a:ext>
+            </a:extLst>
+          </p:cNvPr>
+          <p:cNvSpPr/>
+          <p:nvPr/>
+        </p:nvSpPr>
+        <p:spPr>
+          <a:xfrm>
+            <a:off x="2139519" y="3081489"/>
+            <a:ext cx="798990" cy="828000"/>
+          </a:xfrm>
+          <a:prstGeom prst="rect">
+            <a:avLst/>
+          </a:prstGeom>
+          <a:noFill/>
+        </p:spPr>
+        <p:style>
+          <a:lnRef idx="2">
+            <a:schemeClr val="accent1">
+              <a:shade val="50000"/>
+            </a:schemeClr>
+          </a:lnRef>
+          <a:fillRef idx="1">
+            <a:schemeClr val="accent1"/>
+          </a:fillRef>
+          <a:effectRef idx="0">
+            <a:schemeClr val="accent1"/>
+          </a:effectRef>
+          <a:fontRef idx="minor">
+            <a:schemeClr val="lt1"/>
+          </a:fontRef>
+        </p:style>
+        <p:txBody>
+          <a:bodyPr rtlCol="0" anchor="ctr"/>
+          <a:lstStyle/>
+          <a:p>
+            <a:pPr algn="ctr"/>
+            <a:endParaRPr lang="ko-KR" altLang="en-US"/>
+          </a:p>
+        </p:txBody>
+      </p:sp>
+      <p:grpSp>
+        <p:nvGrpSpPr>
+          <p:cNvPr id="21" name="그룹 20">
+            <a:extLst>
+              <a:ext uri="{FF2B5EF4-FFF2-40B4-BE49-F238E27FC236}">
+                <a16:creationId xmlns:a16="http://schemas.microsoft.com/office/drawing/2014/main" id="{BF64EE8A-8808-4377-B393-D64A2EDE5B0C}"/>
+              </a:ext>
+            </a:extLst>
+          </p:cNvPr>
+          <p:cNvGrpSpPr/>
+          <p:nvPr/>
+        </p:nvGrpSpPr>
+        <p:grpSpPr>
+          <a:xfrm rot="18864007">
+            <a:off x="3420177" y="3053417"/>
+            <a:ext cx="819611" cy="828000"/>
+            <a:chOff x="1883546" y="3180623"/>
+            <a:chExt cx="819611" cy="828000"/>
+          </a:xfrm>
+        </p:grpSpPr>
+        <p:cxnSp>
+          <p:nvCxnSpPr>
+            <p:cNvPr id="19" name="직선 연결선 18">
+              <a:extLst>
+                <a:ext uri="{FF2B5EF4-FFF2-40B4-BE49-F238E27FC236}">
+                  <a16:creationId xmlns:a16="http://schemas.microsoft.com/office/drawing/2014/main" id="{6B306001-993A-42A0-A771-D2A8E4556E48}"/>
+                </a:ext>
+              </a:extLst>
+            </p:cNvPr>
+            <p:cNvCxnSpPr>
+              <a:cxnSpLocks/>
+            </p:cNvCxnSpPr>
+            <p:nvPr/>
+          </p:nvCxnSpPr>
+          <p:spPr>
+            <a:xfrm rot="2747528" flipV="1">
+              <a:off x="2459021" y="3199277"/>
+              <a:ext cx="0" cy="488272"/>
+            </a:xfrm>
+            <a:prstGeom prst="line">
+              <a:avLst/>
+            </a:prstGeom>
+            <a:ln>
+              <a:solidFill>
+                <a:schemeClr val="bg1"/>
+              </a:solidFill>
+            </a:ln>
+          </p:spPr>
+          <p:style>
+            <a:lnRef idx="1">
+              <a:schemeClr val="accent1"/>
+            </a:lnRef>
+            <a:fillRef idx="0">
+              <a:schemeClr val="accent1"/>
+            </a:fillRef>
+            <a:effectRef idx="0">
+              <a:schemeClr val="accent1"/>
+            </a:effectRef>
+            <a:fontRef idx="minor">
+              <a:schemeClr val="tx1"/>
+            </a:fontRef>
+          </p:style>
+        </p:cxnSp>
+        <p:sp>
+          <p:nvSpPr>
+            <p:cNvPr id="20" name="직사각형 19">
+              <a:extLst>
+                <a:ext uri="{FF2B5EF4-FFF2-40B4-BE49-F238E27FC236}">
+                  <a16:creationId xmlns:a16="http://schemas.microsoft.com/office/drawing/2014/main" id="{62C68066-1EE3-4FF3-97ED-088BAFC2A94C}"/>
+                </a:ext>
+              </a:extLst>
+            </p:cNvPr>
+            <p:cNvSpPr/>
+            <p:nvPr/>
+          </p:nvSpPr>
+          <p:spPr>
+            <a:xfrm>
+              <a:off x="1883546" y="3180623"/>
+              <a:ext cx="798990" cy="828000"/>
+            </a:xfrm>
+            <a:prstGeom prst="rect">
+              <a:avLst/>
+            </a:prstGeom>
+            <a:noFill/>
+          </p:spPr>
+          <p:style>
+            <a:lnRef idx="2">
+              <a:schemeClr val="accent1">
+                <a:shade val="50000"/>
+              </a:schemeClr>
+            </a:lnRef>
+            <a:fillRef idx="1">
+              <a:schemeClr val="accent1"/>
+            </a:fillRef>
+            <a:effectRef idx="0">
+              <a:schemeClr val="accent1"/>
+            </a:effectRef>
+            <a:fontRef idx="minor">
+              <a:schemeClr val="lt1"/>
+            </a:fontRef>
+          </p:style>
+          <p:txBody>
+            <a:bodyPr rtlCol="0" anchor="ctr"/>
+            <a:lstStyle/>
+            <a:p>
+              <a:pPr algn="ctr"/>
+              <a:endParaRPr lang="ko-KR" altLang="en-US"/>
+            </a:p>
+          </p:txBody>
+        </p:sp>
+      </p:grpSp>
+      <p:grpSp>
+        <p:nvGrpSpPr>
+          <p:cNvPr id="51" name="그룹 50">
+            <a:extLst>
+              <a:ext uri="{FF2B5EF4-FFF2-40B4-BE49-F238E27FC236}">
+                <a16:creationId xmlns:a16="http://schemas.microsoft.com/office/drawing/2014/main" id="{3F5EAF58-3123-4294-8F73-138DF10848E0}"/>
+              </a:ext>
+            </a:extLst>
+          </p:cNvPr>
+          <p:cNvGrpSpPr/>
+          <p:nvPr/>
+        </p:nvGrpSpPr>
+        <p:grpSpPr>
+          <a:xfrm>
+            <a:off x="4819603" y="3057611"/>
+            <a:ext cx="828000" cy="819611"/>
+            <a:chOff x="4677559" y="3057611"/>
+            <a:chExt cx="828000" cy="819611"/>
+          </a:xfrm>
+        </p:grpSpPr>
+        <p:grpSp>
+          <p:nvGrpSpPr>
+            <p:cNvPr id="30" name="그룹 29">
+              <a:extLst>
+                <a:ext uri="{FF2B5EF4-FFF2-40B4-BE49-F238E27FC236}">
+                  <a16:creationId xmlns:a16="http://schemas.microsoft.com/office/drawing/2014/main" id="{6DA5B945-5518-4C14-9E3E-BA099407D158}"/>
+                </a:ext>
+              </a:extLst>
+            </p:cNvPr>
+            <p:cNvGrpSpPr/>
+            <p:nvPr/>
+          </p:nvGrpSpPr>
+          <p:grpSpPr>
+            <a:xfrm rot="18864007">
+              <a:off x="4681753" y="3053417"/>
+              <a:ext cx="819611" cy="828000"/>
+              <a:chOff x="1883546" y="3180623"/>
+              <a:chExt cx="819611" cy="828000"/>
+            </a:xfrm>
+          </p:grpSpPr>
+          <p:cxnSp>
+            <p:nvCxnSpPr>
+              <p:cNvPr id="31" name="직선 연결선 30">
+                <a:extLst>
+                  <a:ext uri="{FF2B5EF4-FFF2-40B4-BE49-F238E27FC236}">
+                    <a16:creationId xmlns:a16="http://schemas.microsoft.com/office/drawing/2014/main" id="{87409F69-2275-43E0-A951-143CDA8DEBED}"/>
+                  </a:ext>
+                </a:extLst>
+              </p:cNvPr>
+              <p:cNvCxnSpPr>
+                <a:cxnSpLocks/>
+              </p:cNvCxnSpPr>
+              <p:nvPr/>
+            </p:nvCxnSpPr>
+            <p:spPr>
+              <a:xfrm rot="2747528" flipV="1">
+                <a:off x="2459021" y="3199277"/>
+                <a:ext cx="0" cy="488272"/>
+              </a:xfrm>
+              <a:prstGeom prst="line">
+                <a:avLst/>
+              </a:prstGeom>
+              <a:ln>
+                <a:solidFill>
+                  <a:schemeClr val="bg1"/>
+                </a:solidFill>
+              </a:ln>
+            </p:spPr>
+            <p:style>
+              <a:lnRef idx="1">
+                <a:schemeClr val="accent1"/>
+              </a:lnRef>
+              <a:fillRef idx="0">
+                <a:schemeClr val="accent1"/>
+              </a:fillRef>
+              <a:effectRef idx="0">
+                <a:schemeClr val="accent1"/>
+              </a:effectRef>
+              <a:fontRef idx="minor">
+                <a:schemeClr val="tx1"/>
+              </a:fontRef>
+            </p:style>
+          </p:cxnSp>
+          <p:sp>
+            <p:nvSpPr>
+              <p:cNvPr id="32" name="직사각형 31">
+                <a:extLst>
+                  <a:ext uri="{FF2B5EF4-FFF2-40B4-BE49-F238E27FC236}">
+                    <a16:creationId xmlns:a16="http://schemas.microsoft.com/office/drawing/2014/main" id="{4B4E844F-41A0-4639-8D65-00935B9D2899}"/>
+                  </a:ext>
+                </a:extLst>
+              </p:cNvPr>
+              <p:cNvSpPr/>
+              <p:nvPr/>
+            </p:nvSpPr>
+            <p:spPr>
+              <a:xfrm>
+                <a:off x="1883546" y="3180623"/>
+                <a:ext cx="798990" cy="828000"/>
+              </a:xfrm>
+              <a:prstGeom prst="rect">
+                <a:avLst/>
+              </a:prstGeom>
+              <a:noFill/>
+            </p:spPr>
+            <p:style>
+              <a:lnRef idx="2">
+                <a:schemeClr val="accent1">
+                  <a:shade val="50000"/>
+                </a:schemeClr>
+              </a:lnRef>
+              <a:fillRef idx="1">
+                <a:schemeClr val="accent1"/>
+              </a:fillRef>
+              <a:effectRef idx="0">
+                <a:schemeClr val="accent1"/>
+              </a:effectRef>
+              <a:fontRef idx="minor">
+                <a:schemeClr val="lt1"/>
+              </a:fontRef>
+            </p:style>
+            <p:txBody>
+              <a:bodyPr rtlCol="0" anchor="ctr"/>
+              <a:lstStyle/>
+              <a:p>
+                <a:pPr algn="ctr"/>
+                <a:endParaRPr lang="ko-KR" altLang="en-US"/>
+              </a:p>
+            </p:txBody>
+          </p:sp>
+        </p:grpSp>
+        <p:sp>
+          <p:nvSpPr>
+            <p:cNvPr id="34" name="별: 꼭짓점 6개 33">
+              <a:extLst>
+                <a:ext uri="{FF2B5EF4-FFF2-40B4-BE49-F238E27FC236}">
+                  <a16:creationId xmlns:a16="http://schemas.microsoft.com/office/drawing/2014/main" id="{A19EFE0C-96D9-40BC-8F8C-808F8B511D92}"/>
+                </a:ext>
+              </a:extLst>
+            </p:cNvPr>
+            <p:cNvSpPr/>
+            <p:nvPr/>
+          </p:nvSpPr>
+          <p:spPr>
+            <a:xfrm>
+              <a:off x="4703559" y="3162324"/>
+              <a:ext cx="772357" cy="621437"/>
+            </a:xfrm>
+            <a:prstGeom prst="star6">
+              <a:avLst/>
+            </a:prstGeom>
+            <a:solidFill>
+              <a:schemeClr val="accent1">
+                <a:alpha val="25000"/>
+              </a:schemeClr>
+            </a:solidFill>
+            <a:ln>
+              <a:solidFill>
+                <a:schemeClr val="accent1">
+                  <a:shade val="50000"/>
+                  <a:alpha val="25000"/>
+                </a:schemeClr>
+              </a:solidFill>
+            </a:ln>
+          </p:spPr>
+          <p:style>
+            <a:lnRef idx="2">
+              <a:schemeClr val="accent1">
+                <a:shade val="50000"/>
+              </a:schemeClr>
+            </a:lnRef>
+            <a:fillRef idx="1">
+              <a:schemeClr val="accent1"/>
+            </a:fillRef>
+            <a:effectRef idx="0">
+              <a:schemeClr val="accent1"/>
+            </a:effectRef>
+            <a:fontRef idx="minor">
+              <a:schemeClr val="lt1"/>
+            </a:fontRef>
+          </p:style>
+          <p:txBody>
+            <a:bodyPr rtlCol="0" anchor="ctr"/>
+            <a:lstStyle/>
+            <a:p>
+              <a:pPr algn="ctr"/>
+              <a:endParaRPr lang="ko-KR" altLang="en-US" dirty="0"/>
+            </a:p>
+          </p:txBody>
+        </p:sp>
+      </p:grpSp>
+      <p:grpSp>
+        <p:nvGrpSpPr>
+          <p:cNvPr id="52" name="그룹 51">
+            <a:extLst>
+              <a:ext uri="{FF2B5EF4-FFF2-40B4-BE49-F238E27FC236}">
+                <a16:creationId xmlns:a16="http://schemas.microsoft.com/office/drawing/2014/main" id="{029CEF3C-1F3D-4898-95E4-A222DBF8D8B1}"/>
+              </a:ext>
+            </a:extLst>
+          </p:cNvPr>
+          <p:cNvGrpSpPr/>
+          <p:nvPr/>
+        </p:nvGrpSpPr>
+        <p:grpSpPr>
+          <a:xfrm>
+            <a:off x="6391268" y="3028223"/>
+            <a:ext cx="852690" cy="852980"/>
+            <a:chOff x="5994079" y="3036992"/>
+            <a:chExt cx="852690" cy="852980"/>
+          </a:xfrm>
+        </p:grpSpPr>
+        <p:grpSp>
+          <p:nvGrpSpPr>
+            <p:cNvPr id="36" name="그룹 35">
+              <a:extLst>
+                <a:ext uri="{FF2B5EF4-FFF2-40B4-BE49-F238E27FC236}">
+                  <a16:creationId xmlns:a16="http://schemas.microsoft.com/office/drawing/2014/main" id="{127A34A9-5363-478E-83DF-CD8BE79A6024}"/>
+                </a:ext>
+              </a:extLst>
+            </p:cNvPr>
+            <p:cNvGrpSpPr/>
+            <p:nvPr/>
+          </p:nvGrpSpPr>
+          <p:grpSpPr>
+            <a:xfrm rot="30795">
+              <a:off x="5994079" y="3061972"/>
+              <a:ext cx="819611" cy="828000"/>
+              <a:chOff x="1883546" y="3180623"/>
+              <a:chExt cx="819611" cy="828000"/>
+            </a:xfrm>
+          </p:grpSpPr>
+          <p:cxnSp>
+            <p:nvCxnSpPr>
+              <p:cNvPr id="37" name="직선 연결선 36">
+                <a:extLst>
+                  <a:ext uri="{FF2B5EF4-FFF2-40B4-BE49-F238E27FC236}">
+                    <a16:creationId xmlns:a16="http://schemas.microsoft.com/office/drawing/2014/main" id="{E65E95DA-1DBB-4671-ABA4-F1BD81A6B954}"/>
+                  </a:ext>
+                </a:extLst>
+              </p:cNvPr>
+              <p:cNvCxnSpPr>
+                <a:cxnSpLocks/>
+              </p:cNvCxnSpPr>
+              <p:nvPr/>
+            </p:nvCxnSpPr>
+            <p:spPr>
+              <a:xfrm rot="2747528" flipV="1">
+                <a:off x="2459021" y="3199277"/>
+                <a:ext cx="0" cy="488272"/>
+              </a:xfrm>
+              <a:prstGeom prst="line">
+                <a:avLst/>
+              </a:prstGeom>
+              <a:ln>
+                <a:solidFill>
+                  <a:schemeClr val="bg1"/>
+                </a:solidFill>
+              </a:ln>
+            </p:spPr>
+            <p:style>
+              <a:lnRef idx="1">
+                <a:schemeClr val="accent1"/>
+              </a:lnRef>
+              <a:fillRef idx="0">
+                <a:schemeClr val="accent1"/>
+              </a:fillRef>
+              <a:effectRef idx="0">
+                <a:schemeClr val="accent1"/>
+              </a:effectRef>
+              <a:fontRef idx="minor">
+                <a:schemeClr val="tx1"/>
+              </a:fontRef>
+            </p:style>
+          </p:cxnSp>
+          <p:sp>
+            <p:nvSpPr>
+              <p:cNvPr id="38" name="직사각형 37">
+                <a:extLst>
+                  <a:ext uri="{FF2B5EF4-FFF2-40B4-BE49-F238E27FC236}">
+                    <a16:creationId xmlns:a16="http://schemas.microsoft.com/office/drawing/2014/main" id="{2515B3EC-FC51-42D0-ACFA-173F9EAEFB3C}"/>
+                  </a:ext>
+                </a:extLst>
+              </p:cNvPr>
+              <p:cNvSpPr/>
+              <p:nvPr/>
+            </p:nvSpPr>
+            <p:spPr>
+              <a:xfrm>
+                <a:off x="1883546" y="3180623"/>
+                <a:ext cx="798990" cy="828000"/>
+              </a:xfrm>
+              <a:prstGeom prst="rect">
+                <a:avLst/>
+              </a:prstGeom>
+              <a:noFill/>
+            </p:spPr>
+            <p:style>
+              <a:lnRef idx="2">
+                <a:schemeClr val="accent1">
+                  <a:shade val="50000"/>
+                </a:schemeClr>
+              </a:lnRef>
+              <a:fillRef idx="1">
+                <a:schemeClr val="accent1"/>
+              </a:fillRef>
+              <a:effectRef idx="0">
+                <a:schemeClr val="accent1"/>
+              </a:effectRef>
+              <a:fontRef idx="minor">
+                <a:schemeClr val="lt1"/>
+              </a:fontRef>
+            </p:style>
+            <p:txBody>
+              <a:bodyPr rtlCol="0" anchor="ctr"/>
+              <a:lstStyle/>
+              <a:p>
+                <a:pPr algn="ctr"/>
+                <a:endParaRPr lang="ko-KR" altLang="en-US"/>
+              </a:p>
+            </p:txBody>
+          </p:sp>
+        </p:grpSp>
+        <p:grpSp>
+          <p:nvGrpSpPr>
+            <p:cNvPr id="39" name="그룹 38">
+              <a:extLst>
+                <a:ext uri="{FF2B5EF4-FFF2-40B4-BE49-F238E27FC236}">
+                  <a16:creationId xmlns:a16="http://schemas.microsoft.com/office/drawing/2014/main" id="{B67C2226-CD33-4E03-9CFB-7F61898B298B}"/>
+                </a:ext>
+              </a:extLst>
+            </p:cNvPr>
+            <p:cNvGrpSpPr/>
+            <p:nvPr/>
+          </p:nvGrpSpPr>
+          <p:grpSpPr>
+            <a:xfrm rot="2766788">
+              <a:off x="6069973" y="3032553"/>
+              <a:ext cx="772357" cy="781235"/>
+              <a:chOff x="1722267" y="3124940"/>
+              <a:chExt cx="772357" cy="781235"/>
+            </a:xfrm>
+          </p:grpSpPr>
+          <p:sp>
+            <p:nvSpPr>
+              <p:cNvPr id="40" name="별: 꼭짓점 6개 39">
+                <a:extLst>
+                  <a:ext uri="{FF2B5EF4-FFF2-40B4-BE49-F238E27FC236}">
+                    <a16:creationId xmlns:a16="http://schemas.microsoft.com/office/drawing/2014/main" id="{30E463DF-80AF-459B-9164-72D1E63458DB}"/>
+                  </a:ext>
+                </a:extLst>
+              </p:cNvPr>
+              <p:cNvSpPr/>
+              <p:nvPr/>
+            </p:nvSpPr>
+            <p:spPr>
+              <a:xfrm>
+                <a:off x="1722267" y="3284738"/>
+                <a:ext cx="772357" cy="621437"/>
+              </a:xfrm>
+              <a:prstGeom prst="star6">
+                <a:avLst/>
+              </a:prstGeom>
+              <a:solidFill>
+                <a:schemeClr val="accent1">
+                  <a:alpha val="25000"/>
+                </a:schemeClr>
+              </a:solidFill>
+              <a:ln>
+                <a:solidFill>
+                  <a:schemeClr val="accent1">
+                    <a:shade val="50000"/>
+                    <a:alpha val="25000"/>
+                  </a:schemeClr>
+                </a:solidFill>
+              </a:ln>
+            </p:spPr>
+            <p:style>
+              <a:lnRef idx="2">
+                <a:schemeClr val="accent1">
+                  <a:shade val="50000"/>
+                </a:schemeClr>
+              </a:lnRef>
+              <a:fillRef idx="1">
+                <a:schemeClr val="accent1"/>
+              </a:fillRef>
+              <a:effectRef idx="0">
+                <a:schemeClr val="accent1"/>
+              </a:effectRef>
+              <a:fontRef idx="minor">
+                <a:schemeClr val="lt1"/>
+              </a:fontRef>
+            </p:style>
+            <p:txBody>
+              <a:bodyPr rtlCol="0" anchor="ctr"/>
+              <a:lstStyle/>
+              <a:p>
+                <a:pPr algn="ctr"/>
+                <a:endParaRPr lang="ko-KR" altLang="en-US"/>
+              </a:p>
+            </p:txBody>
+          </p:sp>
+          <p:cxnSp>
+            <p:nvCxnSpPr>
+              <p:cNvPr id="41" name="직선 연결선 40">
+                <a:extLst>
+                  <a:ext uri="{FF2B5EF4-FFF2-40B4-BE49-F238E27FC236}">
+                    <a16:creationId xmlns:a16="http://schemas.microsoft.com/office/drawing/2014/main" id="{AF8DC8A5-43E5-4CFF-9486-46BAC6D984DC}"/>
+                  </a:ext>
+                </a:extLst>
+              </p:cNvPr>
+              <p:cNvCxnSpPr>
+                <a:cxnSpLocks/>
+              </p:cNvCxnSpPr>
+              <p:nvPr/>
+            </p:nvCxnSpPr>
+            <p:spPr>
+              <a:xfrm flipV="1">
+                <a:off x="2112885" y="3124940"/>
+                <a:ext cx="0" cy="488272"/>
+              </a:xfrm>
+              <a:prstGeom prst="line">
+                <a:avLst/>
+              </a:prstGeom>
+              <a:ln>
+                <a:solidFill>
+                  <a:schemeClr val="bg1"/>
+                </a:solidFill>
+              </a:ln>
+            </p:spPr>
+            <p:style>
+              <a:lnRef idx="1">
+                <a:schemeClr val="accent1"/>
+              </a:lnRef>
+              <a:fillRef idx="0">
+                <a:schemeClr val="accent1"/>
+              </a:fillRef>
+              <a:effectRef idx="0">
+                <a:schemeClr val="accent1"/>
+              </a:effectRef>
+              <a:fontRef idx="minor">
+                <a:schemeClr val="tx1"/>
+              </a:fontRef>
+            </p:style>
+          </p:cxnSp>
+        </p:grpSp>
+      </p:grpSp>
+      <p:sp>
+        <p:nvSpPr>
+          <p:cNvPr id="46" name="TextBox 45">
+            <a:extLst>
+              <a:ext uri="{FF2B5EF4-FFF2-40B4-BE49-F238E27FC236}">
+                <a16:creationId xmlns:a16="http://schemas.microsoft.com/office/drawing/2014/main" id="{37A17348-C003-4A8F-9120-DB671AA93C6E}"/>
+              </a:ext>
+            </a:extLst>
+          </p:cNvPr>
+          <p:cNvSpPr txBox="1"/>
+          <p:nvPr/>
+        </p:nvSpPr>
+        <p:spPr>
+          <a:xfrm>
+            <a:off x="239470" y="3819041"/>
+            <a:ext cx="1428461" cy="784830"/>
+          </a:xfrm>
+          <a:prstGeom prst="rect">
+            <a:avLst/>
+          </a:prstGeom>
+          <a:noFill/>
+        </p:spPr>
+        <p:txBody>
+          <a:bodyPr wrap="square" rtlCol="0">
+            <a:spAutoFit/>
+          </a:bodyPr>
+          <a:lstStyle/>
+          <a:p>
+            <a:r>
+              <a:rPr lang="ko-KR" altLang="en-US" sz="1500" dirty="0">
+                <a:solidFill>
+                  <a:schemeClr val="bg1"/>
+                </a:solidFill>
+              </a:rPr>
+              <a:t>원본</a:t>
+            </a:r>
+            <a:r>
+              <a:rPr lang="en-US" altLang="ko-KR" sz="1500" dirty="0">
+                <a:solidFill>
+                  <a:schemeClr val="bg1"/>
+                </a:solidFill>
+              </a:rPr>
+              <a:t>-alpha </a:t>
+            </a:r>
+            <a:r>
+              <a:rPr lang="en-US" altLang="ko-KR" sz="1500" dirty="0" err="1">
+                <a:solidFill>
+                  <a:schemeClr val="bg1"/>
+                </a:solidFill>
+              </a:rPr>
+              <a:t>img</a:t>
+            </a:r>
+            <a:endParaRPr lang="en-US" altLang="ko-KR" sz="1500" dirty="0">
+              <a:solidFill>
+                <a:schemeClr val="bg1"/>
+              </a:solidFill>
+            </a:endParaRPr>
+          </a:p>
+          <a:p>
+            <a:r>
+              <a:rPr lang="en-US" altLang="ko-KR" sz="1500" dirty="0">
+                <a:solidFill>
+                  <a:schemeClr val="bg1"/>
+                </a:solidFill>
+              </a:rPr>
+              <a:t>Delta</a:t>
+            </a:r>
+            <a:r>
+              <a:rPr lang="ko-KR" altLang="en-US" sz="1500" dirty="0">
+                <a:solidFill>
+                  <a:schemeClr val="bg1"/>
+                </a:solidFill>
+              </a:rPr>
+              <a:t>만큼 </a:t>
+            </a:r>
+            <a:r>
+              <a:rPr lang="ko-KR" altLang="en-US" sz="1500" dirty="0" err="1">
+                <a:solidFill>
+                  <a:schemeClr val="bg1"/>
+                </a:solidFill>
+              </a:rPr>
+              <a:t>회전해야함</a:t>
+            </a:r>
+            <a:endParaRPr lang="ko-KR" altLang="en-US" sz="1500" dirty="0">
+              <a:solidFill>
+                <a:schemeClr val="bg1"/>
+              </a:solidFill>
+            </a:endParaRPr>
+          </a:p>
+        </p:txBody>
+      </p:sp>
+      <p:sp>
+        <p:nvSpPr>
+          <p:cNvPr id="48" name="TextBox 47">
+            <a:extLst>
+              <a:ext uri="{FF2B5EF4-FFF2-40B4-BE49-F238E27FC236}">
+                <a16:creationId xmlns:a16="http://schemas.microsoft.com/office/drawing/2014/main" id="{168AD978-157C-422A-84D7-9A119B2296CF}"/>
+              </a:ext>
+            </a:extLst>
+          </p:cNvPr>
+          <p:cNvSpPr txBox="1"/>
+          <p:nvPr/>
+        </p:nvSpPr>
+        <p:spPr>
+          <a:xfrm>
+            <a:off x="1894706" y="3992415"/>
+            <a:ext cx="1206498" cy="1015663"/>
+          </a:xfrm>
+          <a:prstGeom prst="rect">
+            <a:avLst/>
+          </a:prstGeom>
+          <a:noFill/>
+        </p:spPr>
+        <p:txBody>
+          <a:bodyPr wrap="square" rtlCol="0">
+            <a:spAutoFit/>
+          </a:bodyPr>
+          <a:lstStyle/>
+          <a:p>
+            <a:r>
+              <a:rPr lang="ko-KR" altLang="en-US" sz="1500">
+                <a:solidFill>
+                  <a:schemeClr val="bg1"/>
+                </a:solidFill>
+              </a:rPr>
+              <a:t>이미지가 회전되어 그려질 배경확보</a:t>
+            </a:r>
+            <a:endParaRPr lang="ko-KR" altLang="en-US" sz="1500" dirty="0">
+              <a:solidFill>
+                <a:schemeClr val="bg1"/>
+              </a:solidFill>
+            </a:endParaRPr>
+          </a:p>
+        </p:txBody>
+      </p:sp>
+      <p:sp>
+        <p:nvSpPr>
+          <p:cNvPr id="49" name="TextBox 48">
+            <a:extLst>
+              <a:ext uri="{FF2B5EF4-FFF2-40B4-BE49-F238E27FC236}">
+                <a16:creationId xmlns:a16="http://schemas.microsoft.com/office/drawing/2014/main" id="{5898894B-23FA-4327-A2FC-189E16B99FDA}"/>
+              </a:ext>
+            </a:extLst>
+          </p:cNvPr>
+          <p:cNvSpPr txBox="1"/>
+          <p:nvPr/>
+        </p:nvSpPr>
+        <p:spPr>
+          <a:xfrm>
+            <a:off x="3101204" y="4049873"/>
+            <a:ext cx="1479673" cy="553998"/>
+          </a:xfrm>
+          <a:prstGeom prst="rect">
+            <a:avLst/>
+          </a:prstGeom>
+          <a:noFill/>
+        </p:spPr>
+        <p:txBody>
+          <a:bodyPr wrap="square" rtlCol="0">
+            <a:spAutoFit/>
+          </a:bodyPr>
+          <a:lstStyle/>
+          <a:p>
+            <a:r>
+              <a:rPr lang="ko-KR" altLang="en-US" sz="1500" dirty="0">
+                <a:solidFill>
+                  <a:schemeClr val="bg1"/>
+                </a:solidFill>
+              </a:rPr>
+              <a:t>확보한 배경 </a:t>
+            </a:r>
+            <a:endParaRPr lang="en-US" altLang="ko-KR" sz="1500" dirty="0">
+              <a:solidFill>
+                <a:schemeClr val="bg1"/>
+              </a:solidFill>
+            </a:endParaRPr>
+          </a:p>
+          <a:p>
+            <a:r>
+              <a:rPr lang="en-US" altLang="ko-KR" sz="1500" dirty="0">
+                <a:solidFill>
+                  <a:schemeClr val="bg1"/>
+                </a:solidFill>
+              </a:rPr>
+              <a:t>–delta</a:t>
+            </a:r>
+            <a:r>
+              <a:rPr lang="ko-KR" altLang="en-US" sz="1500" dirty="0">
+                <a:solidFill>
+                  <a:schemeClr val="bg1"/>
+                </a:solidFill>
+              </a:rPr>
+              <a:t>만큼</a:t>
+            </a:r>
+            <a:r>
+              <a:rPr lang="en-US" altLang="ko-KR" sz="1500" dirty="0">
+                <a:solidFill>
+                  <a:schemeClr val="bg1"/>
+                </a:solidFill>
+              </a:rPr>
+              <a:t> </a:t>
+            </a:r>
+            <a:r>
+              <a:rPr lang="ko-KR" altLang="en-US" sz="1500" dirty="0">
+                <a:solidFill>
+                  <a:schemeClr val="bg1"/>
+                </a:solidFill>
+              </a:rPr>
+              <a:t>회전</a:t>
+            </a:r>
+          </a:p>
+        </p:txBody>
+      </p:sp>
+      <p:sp>
+        <p:nvSpPr>
+          <p:cNvPr id="50" name="TextBox 49">
+            <a:extLst>
+              <a:ext uri="{FF2B5EF4-FFF2-40B4-BE49-F238E27FC236}">
+                <a16:creationId xmlns:a16="http://schemas.microsoft.com/office/drawing/2014/main" id="{4E4B846B-670E-4AC8-97E3-B2AC0D12B5D5}"/>
+              </a:ext>
+            </a:extLst>
+          </p:cNvPr>
+          <p:cNvSpPr txBox="1"/>
+          <p:nvPr/>
+        </p:nvSpPr>
+        <p:spPr>
+          <a:xfrm>
+            <a:off x="4651085" y="4046390"/>
+            <a:ext cx="1479673" cy="784830"/>
+          </a:xfrm>
+          <a:prstGeom prst="rect">
+            <a:avLst/>
+          </a:prstGeom>
+          <a:noFill/>
+        </p:spPr>
+        <p:txBody>
+          <a:bodyPr wrap="square" rtlCol="0">
+            <a:spAutoFit/>
+          </a:bodyPr>
+          <a:lstStyle/>
+          <a:p>
+            <a:r>
+              <a:rPr lang="ko-KR" altLang="en-US" sz="1500" dirty="0" err="1">
+                <a:solidFill>
+                  <a:schemeClr val="bg1"/>
+                </a:solidFill>
+              </a:rPr>
+              <a:t>씨이미지</a:t>
+            </a:r>
+            <a:r>
+              <a:rPr lang="en-US" altLang="ko-KR" sz="1500" dirty="0">
+                <a:solidFill>
+                  <a:schemeClr val="bg1"/>
+                </a:solidFill>
+              </a:rPr>
+              <a:t>-draw</a:t>
+            </a:r>
+            <a:r>
+              <a:rPr lang="ko-KR" altLang="en-US" sz="1500" dirty="0">
+                <a:solidFill>
+                  <a:schemeClr val="bg1"/>
+                </a:solidFill>
+              </a:rPr>
+              <a:t>로 투명하게 그림</a:t>
+            </a:r>
+          </a:p>
+        </p:txBody>
+      </p:sp>
+      <p:sp>
+        <p:nvSpPr>
+          <p:cNvPr id="53" name="TextBox 52">
+            <a:extLst>
+              <a:ext uri="{FF2B5EF4-FFF2-40B4-BE49-F238E27FC236}">
+                <a16:creationId xmlns:a16="http://schemas.microsoft.com/office/drawing/2014/main" id="{53CB130A-C3A4-4F02-A594-FB7D3ADBBCA6}"/>
+              </a:ext>
+            </a:extLst>
+          </p:cNvPr>
+          <p:cNvSpPr txBox="1"/>
+          <p:nvPr/>
+        </p:nvSpPr>
+        <p:spPr>
+          <a:xfrm>
+            <a:off x="6222152" y="4036998"/>
+            <a:ext cx="1479673" cy="323165"/>
+          </a:xfrm>
+          <a:prstGeom prst="rect">
+            <a:avLst/>
+          </a:prstGeom>
+          <a:noFill/>
+        </p:spPr>
+        <p:txBody>
+          <a:bodyPr wrap="square" rtlCol="0">
+            <a:spAutoFit/>
+          </a:bodyPr>
+          <a:lstStyle/>
+          <a:p>
+            <a:r>
+              <a:rPr lang="en-US" altLang="ko-KR" sz="1500" dirty="0">
+                <a:solidFill>
+                  <a:schemeClr val="bg1"/>
+                </a:solidFill>
+              </a:rPr>
+              <a:t>delta</a:t>
+            </a:r>
+            <a:r>
+              <a:rPr lang="ko-KR" altLang="en-US" sz="1500" dirty="0">
+                <a:solidFill>
+                  <a:schemeClr val="bg1"/>
+                </a:solidFill>
+              </a:rPr>
+              <a:t>만큼</a:t>
+            </a:r>
+            <a:r>
+              <a:rPr lang="en-US" altLang="ko-KR" sz="1500" dirty="0">
+                <a:solidFill>
+                  <a:schemeClr val="bg1"/>
+                </a:solidFill>
+              </a:rPr>
+              <a:t> </a:t>
+            </a:r>
+            <a:r>
+              <a:rPr lang="ko-KR" altLang="en-US" sz="1500" dirty="0">
+                <a:solidFill>
+                  <a:schemeClr val="bg1"/>
+                </a:solidFill>
+              </a:rPr>
+              <a:t>회전</a:t>
+            </a:r>
+          </a:p>
+        </p:txBody>
+      </p:sp>
+    </p:spTree>
+    <p:extLst>
+      <p:ext uri="{BB962C8B-B14F-4D97-AF65-F5344CB8AC3E}">
+        <p14:creationId xmlns:p14="http://schemas.microsoft.com/office/powerpoint/2010/main" val="1269153967"/>
+      </p:ext>
+    </p:extLst>
+  </p:cSld>
+  <p:clrMapOvr>
+    <a:overrideClrMapping bg1="lt1" tx1="dk1" bg2="lt2" tx2="dk2" accent1="accent1" accent2="accent2" accent3="accent3" accent4="accent4" accent5="accent5" accent6="accent6" hlink="hlink" folHlink="folHlink"/>
+  </p:clrMapOvr>
+</p:sld>
+</file>
+
+<file path=ppt/slides/slide11.xml><?xml version="1.0" encoding="utf-8"?>
+<p:sld xmlns:a="http://schemas.openxmlformats.org/drawingml/2006/main" xmlns:r="http://schemas.openxmlformats.org/officeDocument/2006/relationships" xmlns:p="http://schemas.openxmlformats.org/presentationml/2006/main">
+  <p:cSld>
+    <p:bg>
+      <p:bgPr>
+        <a:solidFill>
+          <a:schemeClr val="tx1">
+            <a:lumMod val="85000"/>
+            <a:lumOff val="15000"/>
+          </a:schemeClr>
+        </a:solidFill>
+        <a:effectLst/>
+      </p:bgPr>
+    </p:bg>
+    <p:spTree>
+      <p:nvGrpSpPr>
+        <p:cNvPr id="1" name=""/>
+        <p:cNvGrpSpPr/>
+        <p:nvPr/>
+      </p:nvGrpSpPr>
+      <p:grpSpPr>
+        <a:xfrm>
+          <a:off x="0" y="0"/>
+          <a:ext cx="0" cy="0"/>
+          <a:chOff x="0" y="0"/>
+          <a:chExt cx="0" cy="0"/>
+        </a:xfrm>
+      </p:grpSpPr>
+      <p:sp>
+        <p:nvSpPr>
+          <p:cNvPr id="3" name="내용 개체 틀 2">
+            <a:extLst>
+              <a:ext uri="{FF2B5EF4-FFF2-40B4-BE49-F238E27FC236}">
+                <a16:creationId xmlns:a16="http://schemas.microsoft.com/office/drawing/2014/main" id="{972CE041-03FA-4BFB-AA4E-6057DEA64598}"/>
+              </a:ext>
+            </a:extLst>
+          </p:cNvPr>
+          <p:cNvSpPr>
+            <a:spLocks noGrp="1"/>
+          </p:cNvSpPr>
+          <p:nvPr>
+            <p:ph idx="1"/>
+          </p:nvPr>
+        </p:nvSpPr>
+        <p:spPr>
+          <a:xfrm>
+            <a:off x="628650" y="1825624"/>
+            <a:ext cx="7886700" cy="5032375"/>
+          </a:xfrm>
+        </p:spPr>
+        <p:txBody>
+          <a:bodyPr>
+            <a:normAutofit/>
+          </a:bodyPr>
+          <a:lstStyle/>
+          <a:p>
+            <a:r>
+              <a:rPr lang="ko-KR" altLang="en-US" dirty="0">
+                <a:solidFill>
+                  <a:schemeClr val="bg1"/>
+                </a:solidFill>
+              </a:rPr>
+              <a:t>적을 많이 생성했더니 </a:t>
+            </a:r>
+            <a:r>
+              <a:rPr lang="ko-KR" altLang="en-US" dirty="0" err="1">
+                <a:solidFill>
+                  <a:schemeClr val="bg1"/>
+                </a:solidFill>
+              </a:rPr>
+              <a:t>느려져</a:t>
+            </a:r>
+            <a:r>
+              <a:rPr lang="ko-KR" altLang="en-US" dirty="0">
+                <a:solidFill>
+                  <a:schemeClr val="bg1"/>
+                </a:solidFill>
+              </a:rPr>
+              <a:t> 버렸다</a:t>
+            </a:r>
+            <a:r>
+              <a:rPr lang="en-US" altLang="ko-KR" dirty="0">
+                <a:solidFill>
+                  <a:schemeClr val="bg1"/>
+                </a:solidFill>
+              </a:rPr>
+              <a:t>!</a:t>
+            </a:r>
+          </a:p>
+          <a:p>
+            <a:endParaRPr lang="en-US" altLang="ko-KR" dirty="0">
+              <a:solidFill>
+                <a:schemeClr val="bg1"/>
+              </a:solidFill>
+            </a:endParaRPr>
+          </a:p>
+          <a:p>
+            <a:pPr lvl="1">
+              <a:buFont typeface="Wingdings" panose="05000000000000000000" pitchFamily="2" charset="2"/>
+              <a:buChar char="à"/>
+            </a:pPr>
+            <a:r>
+              <a:rPr lang="ko-KR" altLang="en-US" dirty="0">
+                <a:solidFill>
+                  <a:schemeClr val="bg1"/>
+                </a:solidFill>
+              </a:rPr>
+              <a:t>적클래스</a:t>
+            </a:r>
+            <a:r>
+              <a:rPr lang="en-US" altLang="ko-KR" dirty="0">
+                <a:solidFill>
+                  <a:schemeClr val="bg1"/>
+                </a:solidFill>
+              </a:rPr>
+              <a:t>, </a:t>
+            </a:r>
+            <a:r>
+              <a:rPr lang="ko-KR" altLang="en-US" dirty="0">
+                <a:solidFill>
+                  <a:schemeClr val="bg1"/>
+                </a:solidFill>
+              </a:rPr>
+              <a:t>총알은 위치만 들고있게 아무것도 상속받지 말고 만들어볼까</a:t>
+            </a:r>
+            <a:r>
+              <a:rPr lang="en-US" altLang="ko-KR" dirty="0">
+                <a:solidFill>
+                  <a:schemeClr val="bg1"/>
+                </a:solidFill>
+              </a:rPr>
+              <a:t>??</a:t>
+            </a:r>
+          </a:p>
+          <a:p>
+            <a:pPr lvl="1">
+              <a:buFont typeface="Wingdings" panose="05000000000000000000" pitchFamily="2" charset="2"/>
+              <a:buChar char=""/>
+            </a:pPr>
+            <a:r>
+              <a:rPr lang="ko-KR" altLang="en-US" dirty="0">
+                <a:solidFill>
+                  <a:schemeClr val="bg1"/>
+                </a:solidFill>
+              </a:rPr>
+              <a:t>총알과 적 사이에 충돌검사를 공간분할로 처리해볼까</a:t>
+            </a:r>
+            <a:r>
+              <a:rPr lang="en-US" altLang="ko-KR" dirty="0">
+                <a:solidFill>
+                  <a:schemeClr val="bg1"/>
+                </a:solidFill>
+              </a:rPr>
+              <a:t>??</a:t>
+            </a:r>
+          </a:p>
+          <a:p>
+            <a:pPr lvl="1">
+              <a:buFont typeface="Wingdings" panose="05000000000000000000" pitchFamily="2" charset="2"/>
+              <a:buChar char=""/>
+            </a:pPr>
+            <a:r>
+              <a:rPr lang="ko-KR" altLang="en-US" dirty="0" err="1">
+                <a:solidFill>
+                  <a:schemeClr val="bg1"/>
+                </a:solidFill>
+              </a:rPr>
+              <a:t>투명값을</a:t>
+            </a:r>
+            <a:r>
+              <a:rPr lang="ko-KR" altLang="en-US" dirty="0">
+                <a:solidFill>
+                  <a:schemeClr val="bg1"/>
+                </a:solidFill>
+              </a:rPr>
+              <a:t> 사용하지 말아볼까</a:t>
+            </a:r>
+            <a:r>
+              <a:rPr lang="en-US" altLang="ko-KR" dirty="0">
+                <a:solidFill>
+                  <a:schemeClr val="bg1"/>
+                </a:solidFill>
+              </a:rPr>
+              <a:t>…</a:t>
+            </a:r>
+          </a:p>
+          <a:p>
+            <a:pPr lvl="1">
+              <a:buFont typeface="Wingdings" panose="05000000000000000000" pitchFamily="2" charset="2"/>
+              <a:buChar char=""/>
+            </a:pPr>
+            <a:endParaRPr lang="en-US" altLang="ko-KR" dirty="0">
+              <a:solidFill>
+                <a:schemeClr val="bg1"/>
+              </a:solidFill>
+            </a:endParaRPr>
+          </a:p>
+          <a:p>
+            <a:pPr lvl="1">
+              <a:buFont typeface="Wingdings" panose="05000000000000000000" pitchFamily="2" charset="2"/>
+              <a:buChar char=""/>
+            </a:pPr>
+            <a:endParaRPr lang="en-US" altLang="ko-KR" dirty="0">
+              <a:solidFill>
+                <a:schemeClr val="bg1"/>
+              </a:solidFill>
+            </a:endParaRPr>
+          </a:p>
+          <a:p>
+            <a:r>
+              <a:rPr lang="ko-KR" altLang="en-US" dirty="0">
+                <a:solidFill>
+                  <a:schemeClr val="bg1"/>
+                </a:solidFill>
+              </a:rPr>
+              <a:t>결과</a:t>
+            </a:r>
+            <a:r>
+              <a:rPr lang="en-US" altLang="ko-KR" dirty="0">
+                <a:solidFill>
+                  <a:schemeClr val="bg1"/>
+                </a:solidFill>
+              </a:rPr>
+              <a:t> : </a:t>
+            </a:r>
+            <a:r>
+              <a:rPr lang="ko-KR" altLang="en-US" dirty="0">
+                <a:solidFill>
+                  <a:schemeClr val="bg1"/>
+                </a:solidFill>
+              </a:rPr>
+              <a:t>회전 이미지를 </a:t>
+            </a:r>
+            <a:r>
+              <a:rPr lang="en-US" altLang="ko-KR" dirty="0" err="1">
+                <a:solidFill>
+                  <a:schemeClr val="bg1"/>
+                </a:solidFill>
+              </a:rPr>
+              <a:t>plgblt</a:t>
+            </a:r>
+            <a:r>
+              <a:rPr lang="ko-KR" altLang="en-US" dirty="0">
+                <a:solidFill>
+                  <a:schemeClr val="bg1"/>
+                </a:solidFill>
+              </a:rPr>
+              <a:t>대신 </a:t>
+            </a:r>
+            <a:r>
+              <a:rPr lang="ko-KR" altLang="en-US" dirty="0" err="1">
+                <a:solidFill>
+                  <a:schemeClr val="bg1"/>
+                </a:solidFill>
+              </a:rPr>
+              <a:t>스프라이트</a:t>
+            </a:r>
+            <a:r>
+              <a:rPr lang="ko-KR" altLang="en-US" dirty="0">
+                <a:solidFill>
+                  <a:schemeClr val="bg1"/>
+                </a:solidFill>
+              </a:rPr>
+              <a:t> 이미지로 바꾸니까  </a:t>
+            </a:r>
+            <a:r>
+              <a:rPr lang="ko-KR" altLang="en-US" dirty="0" err="1">
+                <a:solidFill>
+                  <a:schemeClr val="bg1"/>
+                </a:solidFill>
+              </a:rPr>
+              <a:t>잘됌</a:t>
+            </a:r>
+            <a:r>
+              <a:rPr lang="en-US" altLang="ko-KR" dirty="0">
+                <a:solidFill>
+                  <a:schemeClr val="bg1"/>
+                </a:solidFill>
+              </a:rPr>
+              <a:t>!</a:t>
+            </a:r>
+          </a:p>
+        </p:txBody>
+      </p:sp>
+      <p:sp>
+        <p:nvSpPr>
+          <p:cNvPr id="4" name="직사각형 3">
+            <a:extLst>
+              <a:ext uri="{FF2B5EF4-FFF2-40B4-BE49-F238E27FC236}">
+                <a16:creationId xmlns:a16="http://schemas.microsoft.com/office/drawing/2014/main" id="{88D854C0-A088-4C53-A201-2EAED2CC311D}"/>
+              </a:ext>
+            </a:extLst>
+          </p:cNvPr>
+          <p:cNvSpPr/>
+          <p:nvPr/>
+        </p:nvSpPr>
+        <p:spPr>
+          <a:xfrm>
+            <a:off x="8558072" y="705348"/>
+            <a:ext cx="585927" cy="464575"/>
+          </a:xfrm>
+          <a:prstGeom prst="rect">
+            <a:avLst/>
+          </a:prstGeom>
+          <a:solidFill>
+            <a:srgbClr val="F02802"/>
+          </a:solidFill>
+          <a:ln>
+            <a:noFill/>
+          </a:ln>
+        </p:spPr>
+        <p:style>
+          <a:lnRef idx="2">
+            <a:schemeClr val="accent1">
+              <a:shade val="50000"/>
+            </a:schemeClr>
+          </a:lnRef>
+          <a:fillRef idx="1">
+            <a:schemeClr val="accent1"/>
+          </a:fillRef>
+          <a:effectRef idx="0">
+            <a:schemeClr val="accent1"/>
+          </a:effectRef>
+          <a:fontRef idx="minor">
+            <a:schemeClr val="lt1"/>
+          </a:fontRef>
+        </p:style>
+        <p:txBody>
+          <a:bodyPr rot="0" spcFirstLastPara="0" vertOverflow="overflow" horzOverflow="overflow" vert="horz" wrap="square" lIns="68580" tIns="34290" rIns="68580" bIns="34290" numCol="1" spcCol="0" rtlCol="0" fromWordArt="0" anchor="ctr" anchorCtr="0" forceAA="0" compatLnSpc="1">
+            <a:prstTxWarp prst="textNoShape">
+              <a:avLst/>
+            </a:prstTxWarp>
+            <a:noAutofit/>
+          </a:bodyPr>
+          <a:lstStyle/>
+          <a:p>
+            <a:pPr algn="ctr"/>
+            <a:endParaRPr lang="ko-KR" altLang="en-US" sz="1350"/>
+          </a:p>
+        </p:txBody>
+      </p:sp>
+      <p:sp>
+        <p:nvSpPr>
+          <p:cNvPr id="5" name="직사각형 4">
+            <a:extLst>
+              <a:ext uri="{FF2B5EF4-FFF2-40B4-BE49-F238E27FC236}">
+                <a16:creationId xmlns:a16="http://schemas.microsoft.com/office/drawing/2014/main" id="{D79F1DD2-F00C-4D6C-AFAB-08BC2B78C93F}"/>
+              </a:ext>
+            </a:extLst>
+          </p:cNvPr>
+          <p:cNvSpPr/>
+          <p:nvPr/>
+        </p:nvSpPr>
+        <p:spPr>
+          <a:xfrm>
+            <a:off x="8558074" y="1169923"/>
+            <a:ext cx="585926" cy="464575"/>
+          </a:xfrm>
+          <a:prstGeom prst="rect">
+            <a:avLst/>
+          </a:prstGeom>
+          <a:solidFill>
+            <a:srgbClr val="FFC000"/>
+          </a:solidFill>
+          <a:ln>
+            <a:noFill/>
+          </a:ln>
+        </p:spPr>
+        <p:style>
+          <a:lnRef idx="2">
+            <a:schemeClr val="accent1">
+              <a:shade val="50000"/>
+            </a:schemeClr>
+          </a:lnRef>
+          <a:fillRef idx="1">
+            <a:schemeClr val="accent1"/>
+          </a:fillRef>
+          <a:effectRef idx="0">
+            <a:schemeClr val="accent1"/>
+          </a:effectRef>
+          <a:fontRef idx="minor">
+            <a:schemeClr val="lt1"/>
+          </a:fontRef>
+        </p:style>
+        <p:txBody>
+          <a:bodyPr rot="0" spcFirstLastPara="0" vertOverflow="overflow" horzOverflow="overflow" vert="horz" wrap="square" lIns="68580" tIns="34290" rIns="68580" bIns="34290" numCol="1" spcCol="0" rtlCol="0" fromWordArt="0" anchor="ctr" anchorCtr="0" forceAA="0" compatLnSpc="1">
+            <a:prstTxWarp prst="textNoShape">
+              <a:avLst/>
+            </a:prstTxWarp>
+            <a:noAutofit/>
+          </a:bodyPr>
+          <a:lstStyle/>
+          <a:p>
+            <a:pPr algn="ctr"/>
+            <a:endParaRPr lang="ko-KR" altLang="en-US" sz="1350"/>
+          </a:p>
+        </p:txBody>
+      </p:sp>
+      <p:sp>
+        <p:nvSpPr>
+          <p:cNvPr id="6" name="직사각형 5">
+            <a:extLst>
+              <a:ext uri="{FF2B5EF4-FFF2-40B4-BE49-F238E27FC236}">
+                <a16:creationId xmlns:a16="http://schemas.microsoft.com/office/drawing/2014/main" id="{21AE5ACF-1C54-4BD0-B099-D290D4268E11}"/>
+              </a:ext>
+            </a:extLst>
+          </p:cNvPr>
+          <p:cNvSpPr/>
+          <p:nvPr/>
+        </p:nvSpPr>
+        <p:spPr>
+          <a:xfrm>
+            <a:off x="8558074" y="1634498"/>
+            <a:ext cx="585926" cy="464575"/>
+          </a:xfrm>
+          <a:prstGeom prst="rect">
+            <a:avLst/>
+          </a:prstGeom>
+          <a:solidFill>
+            <a:srgbClr val="00B050"/>
+          </a:solidFill>
+          <a:ln>
+            <a:noFill/>
+          </a:ln>
+        </p:spPr>
+        <p:style>
+          <a:lnRef idx="2">
+            <a:schemeClr val="accent1">
+              <a:shade val="50000"/>
+            </a:schemeClr>
+          </a:lnRef>
+          <a:fillRef idx="1">
+            <a:schemeClr val="accent1"/>
+          </a:fillRef>
+          <a:effectRef idx="0">
+            <a:schemeClr val="accent1"/>
+          </a:effectRef>
+          <a:fontRef idx="minor">
+            <a:schemeClr val="lt1"/>
+          </a:fontRef>
+        </p:style>
+        <p:txBody>
+          <a:bodyPr rot="0" spcFirstLastPara="0" vertOverflow="overflow" horzOverflow="overflow" vert="horz" wrap="square" lIns="68580" tIns="34290" rIns="68580" bIns="34290" numCol="1" spcCol="0" rtlCol="0" fromWordArt="0" anchor="ctr" anchorCtr="0" forceAA="0" compatLnSpc="1">
+            <a:prstTxWarp prst="textNoShape">
+              <a:avLst/>
+            </a:prstTxWarp>
+            <a:noAutofit/>
+          </a:bodyPr>
+          <a:lstStyle/>
+          <a:p>
+            <a:pPr algn="ctr"/>
+            <a:endParaRPr lang="ko-KR" altLang="en-US" sz="1350"/>
+          </a:p>
+        </p:txBody>
+      </p:sp>
+      <p:sp>
+        <p:nvSpPr>
+          <p:cNvPr id="7" name="직사각형 6">
+            <a:extLst>
+              <a:ext uri="{FF2B5EF4-FFF2-40B4-BE49-F238E27FC236}">
+                <a16:creationId xmlns:a16="http://schemas.microsoft.com/office/drawing/2014/main" id="{2DDD51C6-C234-477F-82D3-909C3EB63704}"/>
+              </a:ext>
+            </a:extLst>
+          </p:cNvPr>
+          <p:cNvSpPr/>
+          <p:nvPr/>
+        </p:nvSpPr>
+        <p:spPr>
+          <a:xfrm>
+            <a:off x="7683910" y="2099073"/>
+            <a:ext cx="1460090" cy="464575"/>
+          </a:xfrm>
+          <a:prstGeom prst="rect">
+            <a:avLst/>
+          </a:prstGeom>
+          <a:solidFill>
+            <a:srgbClr val="00B9F6"/>
+          </a:solidFill>
+          <a:ln>
+            <a:noFill/>
+          </a:ln>
+        </p:spPr>
+        <p:style>
+          <a:lnRef idx="2">
+            <a:schemeClr val="accent1">
+              <a:shade val="50000"/>
+            </a:schemeClr>
+          </a:lnRef>
+          <a:fillRef idx="1">
+            <a:schemeClr val="accent1"/>
+          </a:fillRef>
+          <a:effectRef idx="0">
+            <a:schemeClr val="accent1"/>
+          </a:effectRef>
+          <a:fontRef idx="minor">
+            <a:schemeClr val="lt1"/>
+          </a:fontRef>
+        </p:style>
+        <p:txBody>
+          <a:bodyPr rot="0" spcFirstLastPara="0" vertOverflow="overflow" horzOverflow="overflow" vert="horz" wrap="square" lIns="68580" tIns="34290" rIns="68580" bIns="34290" numCol="1" spcCol="0" rtlCol="0" fromWordArt="0" anchor="ctr" anchorCtr="0" forceAA="0" compatLnSpc="1">
+            <a:prstTxWarp prst="textNoShape">
+              <a:avLst/>
+            </a:prstTxWarp>
+            <a:noAutofit/>
+          </a:bodyPr>
+          <a:lstStyle/>
+          <a:p>
+            <a:pPr algn="ctr"/>
+            <a:endParaRPr lang="ko-KR" altLang="en-US"/>
+          </a:p>
+        </p:txBody>
+      </p:sp>
+      <p:sp>
+        <p:nvSpPr>
+          <p:cNvPr id="8" name="직사각형 7">
+            <a:extLst>
+              <a:ext uri="{FF2B5EF4-FFF2-40B4-BE49-F238E27FC236}">
+                <a16:creationId xmlns:a16="http://schemas.microsoft.com/office/drawing/2014/main" id="{44D9E954-10CD-4D1C-9BB9-C52BCDB20A43}"/>
+              </a:ext>
+            </a:extLst>
+          </p:cNvPr>
+          <p:cNvSpPr/>
+          <p:nvPr/>
+        </p:nvSpPr>
+        <p:spPr>
+          <a:xfrm>
+            <a:off x="8558072" y="2563648"/>
+            <a:ext cx="585927" cy="464575"/>
+          </a:xfrm>
+          <a:prstGeom prst="rect">
+            <a:avLst/>
+          </a:prstGeom>
+          <a:solidFill>
+            <a:schemeClr val="bg2">
+              <a:lumMod val="50000"/>
+            </a:schemeClr>
+          </a:solidFill>
+          <a:ln>
+            <a:noFill/>
+          </a:ln>
+        </p:spPr>
+        <p:style>
+          <a:lnRef idx="2">
+            <a:schemeClr val="accent1">
+              <a:shade val="50000"/>
+            </a:schemeClr>
+          </a:lnRef>
+          <a:fillRef idx="1">
+            <a:schemeClr val="accent1"/>
+          </a:fillRef>
+          <a:effectRef idx="0">
+            <a:schemeClr val="accent1"/>
+          </a:effectRef>
+          <a:fontRef idx="minor">
+            <a:schemeClr val="lt1"/>
+          </a:fontRef>
+        </p:style>
+        <p:txBody>
+          <a:bodyPr rot="0" spcFirstLastPara="0" vertOverflow="overflow" horzOverflow="overflow" vert="horz" wrap="square" lIns="68580" tIns="34290" rIns="68580" bIns="34290" numCol="1" spcCol="0" rtlCol="0" fromWordArt="0" anchor="ctr" anchorCtr="0" forceAA="0" compatLnSpc="1">
+            <a:prstTxWarp prst="textNoShape">
+              <a:avLst/>
+            </a:prstTxWarp>
+            <a:noAutofit/>
+          </a:bodyPr>
+          <a:lstStyle/>
+          <a:p>
+            <a:pPr algn="ctr"/>
+            <a:endParaRPr lang="ko-KR" altLang="en-US"/>
+          </a:p>
+        </p:txBody>
+      </p:sp>
+      <p:sp>
+        <p:nvSpPr>
+          <p:cNvPr id="9" name="TextBox 8">
+            <a:extLst>
+              <a:ext uri="{FF2B5EF4-FFF2-40B4-BE49-F238E27FC236}">
+                <a16:creationId xmlns:a16="http://schemas.microsoft.com/office/drawing/2014/main" id="{DA4C68B3-2F4C-4149-8004-6F33AAE7274E}"/>
+              </a:ext>
+            </a:extLst>
+          </p:cNvPr>
+          <p:cNvSpPr txBox="1"/>
+          <p:nvPr/>
+        </p:nvSpPr>
+        <p:spPr>
+          <a:xfrm>
+            <a:off x="745726" y="618835"/>
+            <a:ext cx="5150769" cy="1015663"/>
+          </a:xfrm>
+          <a:prstGeom prst="rect">
+            <a:avLst/>
+          </a:prstGeom>
+          <a:noFill/>
+        </p:spPr>
+        <p:txBody>
+          <a:bodyPr wrap="none" rtlCol="0">
+            <a:spAutoFit/>
+          </a:bodyPr>
+          <a:lstStyle/>
+          <a:p>
+            <a:r>
+              <a:rPr lang="ko-KR" altLang="en-US" sz="6000" dirty="0">
+                <a:solidFill>
+                  <a:schemeClr val="bg1"/>
+                </a:solidFill>
+              </a:rPr>
+              <a:t>모든 일의 원흉</a:t>
+            </a:r>
+          </a:p>
+        </p:txBody>
+      </p:sp>
+    </p:spTree>
+    <p:extLst>
+      <p:ext uri="{BB962C8B-B14F-4D97-AF65-F5344CB8AC3E}">
+        <p14:creationId xmlns:p14="http://schemas.microsoft.com/office/powerpoint/2010/main" val="3602127356"/>
+      </p:ext>
+    </p:extLst>
+  </p:cSld>
+  <p:clrMapOvr>
+    <a:overrideClrMapping bg1="lt1" tx1="dk1" bg2="lt2" tx2="dk2" accent1="accent1" accent2="accent2" accent3="accent3" accent4="accent4" accent5="accent5" accent6="accent6" hlink="hlink" folHlink="folHlink"/>
+  </p:clrMapOvr>
+</p:sld>
+</file>
+
+<file path=ppt/slides/slide12.xml><?xml version="1.0" encoding="utf-8"?>
+<p:sld xmlns:a="http://schemas.openxmlformats.org/drawingml/2006/main" xmlns:r="http://schemas.openxmlformats.org/officeDocument/2006/relationships" xmlns:p="http://schemas.openxmlformats.org/presentationml/2006/main">
+  <p:cSld>
+    <p:bg>
+      <p:bgPr>
+        <a:solidFill>
+          <a:schemeClr val="tx1">
+            <a:lumMod val="85000"/>
+            <a:lumOff val="15000"/>
+          </a:schemeClr>
+        </a:solidFill>
+        <a:effectLst/>
+      </p:bgPr>
+    </p:bg>
+    <p:spTree>
+      <p:nvGrpSpPr>
+        <p:cNvPr id="1" name=""/>
+        <p:cNvGrpSpPr/>
+        <p:nvPr/>
+      </p:nvGrpSpPr>
+      <p:grpSpPr>
+        <a:xfrm>
+          <a:off x="0" y="0"/>
+          <a:ext cx="0" cy="0"/>
+          <a:chOff x="0" y="0"/>
+          <a:chExt cx="0" cy="0"/>
+        </a:xfrm>
+      </p:grpSpPr>
+      <p:sp>
+        <p:nvSpPr>
+          <p:cNvPr id="3" name="내용 개체 틀 2">
+            <a:extLst>
+              <a:ext uri="{FF2B5EF4-FFF2-40B4-BE49-F238E27FC236}">
+                <a16:creationId xmlns:a16="http://schemas.microsoft.com/office/drawing/2014/main" id="{B8B9E738-B42D-4970-AA9A-EA5D6F9F4628}"/>
+              </a:ext>
+            </a:extLst>
+          </p:cNvPr>
+          <p:cNvSpPr>
+            <a:spLocks noGrp="1"/>
+          </p:cNvSpPr>
+          <p:nvPr>
+            <p:ph idx="1"/>
+          </p:nvPr>
+        </p:nvSpPr>
+        <p:spPr/>
+        <p:txBody>
+          <a:bodyPr/>
+          <a:lstStyle/>
+          <a:p>
+            <a:r>
+              <a:rPr lang="en-US" altLang="ko-KR" dirty="0">
+                <a:solidFill>
+                  <a:schemeClr val="bg1"/>
+                </a:solidFill>
+              </a:rPr>
+              <a:t>HELP, </a:t>
+            </a:r>
+            <a:r>
+              <a:rPr lang="en-US" altLang="ko-KR" dirty="0" err="1">
+                <a:solidFill>
+                  <a:schemeClr val="bg1"/>
+                </a:solidFill>
+              </a:rPr>
+              <a:t>Resorce</a:t>
+            </a:r>
+            <a:endParaRPr lang="en-US" altLang="ko-KR" dirty="0">
+              <a:solidFill>
+                <a:schemeClr val="bg1"/>
+              </a:solidFill>
+            </a:endParaRPr>
+          </a:p>
+          <a:p>
+            <a:r>
+              <a:rPr lang="en-US" altLang="ko-KR" dirty="0">
+                <a:solidFill>
+                  <a:schemeClr val="bg1"/>
+                </a:solidFill>
+              </a:rPr>
+              <a:t>true(16)</a:t>
+            </a:r>
+          </a:p>
+          <a:p>
+            <a:r>
+              <a:rPr lang="en-US" altLang="ko-KR" dirty="0">
+                <a:solidFill>
+                  <a:schemeClr val="bg1"/>
+                </a:solidFill>
+              </a:rPr>
+              <a:t>Update()-&gt;</a:t>
+            </a:r>
+            <a:r>
+              <a:rPr lang="en-US" altLang="ko-KR" dirty="0" err="1">
+                <a:solidFill>
+                  <a:schemeClr val="bg1"/>
+                </a:solidFill>
+              </a:rPr>
+              <a:t>Init</a:t>
+            </a:r>
+            <a:r>
+              <a:rPr lang="en-US" altLang="ko-KR" dirty="0">
+                <a:solidFill>
+                  <a:schemeClr val="bg1"/>
+                </a:solidFill>
+              </a:rPr>
+              <a:t>()</a:t>
+            </a:r>
+          </a:p>
+          <a:p>
+            <a:r>
+              <a:rPr lang="en-US" altLang="ko-KR" dirty="0" err="1">
+                <a:solidFill>
+                  <a:schemeClr val="bg1"/>
+                </a:solidFill>
+              </a:rPr>
+              <a:t>DeleteObject</a:t>
+            </a:r>
+            <a:r>
+              <a:rPr lang="en-US" altLang="ko-KR" dirty="0">
+                <a:solidFill>
+                  <a:schemeClr val="bg1"/>
+                </a:solidFill>
+              </a:rPr>
+              <a:t>(</a:t>
+            </a:r>
+            <a:r>
+              <a:rPr lang="en-US" altLang="ko-KR" dirty="0" err="1">
+                <a:solidFill>
+                  <a:schemeClr val="bg1"/>
+                </a:solidFill>
+              </a:rPr>
+              <a:t>oldbr</a:t>
+            </a:r>
+            <a:r>
+              <a:rPr lang="en-US" altLang="ko-KR" dirty="0">
+                <a:solidFill>
+                  <a:schemeClr val="bg1"/>
+                </a:solidFill>
+              </a:rPr>
+              <a:t>)</a:t>
+            </a:r>
+          </a:p>
+          <a:p>
+            <a:endParaRPr lang="en-US" altLang="ko-KR" dirty="0">
+              <a:solidFill>
+                <a:schemeClr val="bg1"/>
+              </a:solidFill>
+            </a:endParaRPr>
+          </a:p>
+          <a:p>
+            <a:endParaRPr lang="en-US" altLang="ko-KR" dirty="0"/>
+          </a:p>
+        </p:txBody>
+      </p:sp>
+      <p:sp>
+        <p:nvSpPr>
+          <p:cNvPr id="4" name="직사각형 3">
+            <a:extLst>
+              <a:ext uri="{FF2B5EF4-FFF2-40B4-BE49-F238E27FC236}">
+                <a16:creationId xmlns:a16="http://schemas.microsoft.com/office/drawing/2014/main" id="{75182B62-496D-402C-ABCE-8E61DCEC8C95}"/>
+              </a:ext>
+            </a:extLst>
+          </p:cNvPr>
+          <p:cNvSpPr/>
+          <p:nvPr/>
+        </p:nvSpPr>
+        <p:spPr>
+          <a:xfrm>
+            <a:off x="8558072" y="705348"/>
+            <a:ext cx="585927" cy="464575"/>
+          </a:xfrm>
+          <a:prstGeom prst="rect">
+            <a:avLst/>
+          </a:prstGeom>
+          <a:solidFill>
+            <a:srgbClr val="F02802"/>
+          </a:solidFill>
+          <a:ln>
+            <a:noFill/>
+          </a:ln>
+        </p:spPr>
+        <p:style>
+          <a:lnRef idx="2">
+            <a:schemeClr val="accent1">
+              <a:shade val="50000"/>
+            </a:schemeClr>
+          </a:lnRef>
+          <a:fillRef idx="1">
+            <a:schemeClr val="accent1"/>
+          </a:fillRef>
+          <a:effectRef idx="0">
+            <a:schemeClr val="accent1"/>
+          </a:effectRef>
+          <a:fontRef idx="minor">
+            <a:schemeClr val="lt1"/>
+          </a:fontRef>
+        </p:style>
+        <p:txBody>
+          <a:bodyPr rot="0" spcFirstLastPara="0" vertOverflow="overflow" horzOverflow="overflow" vert="horz" wrap="square" lIns="68580" tIns="34290" rIns="68580" bIns="34290" numCol="1" spcCol="0" rtlCol="0" fromWordArt="0" anchor="ctr" anchorCtr="0" forceAA="0" compatLnSpc="1">
+            <a:prstTxWarp prst="textNoShape">
+              <a:avLst/>
+            </a:prstTxWarp>
+            <a:noAutofit/>
+          </a:bodyPr>
+          <a:lstStyle/>
+          <a:p>
+            <a:pPr algn="ctr"/>
+            <a:endParaRPr lang="ko-KR" altLang="en-US" sz="1350"/>
+          </a:p>
+        </p:txBody>
+      </p:sp>
+      <p:sp>
+        <p:nvSpPr>
+          <p:cNvPr id="5" name="직사각형 4">
+            <a:extLst>
+              <a:ext uri="{FF2B5EF4-FFF2-40B4-BE49-F238E27FC236}">
+                <a16:creationId xmlns:a16="http://schemas.microsoft.com/office/drawing/2014/main" id="{84BE0762-15DC-4D93-A0A2-9D41C8F4C3EB}"/>
+              </a:ext>
+            </a:extLst>
+          </p:cNvPr>
+          <p:cNvSpPr/>
+          <p:nvPr/>
+        </p:nvSpPr>
+        <p:spPr>
+          <a:xfrm>
+            <a:off x="8558074" y="1169923"/>
+            <a:ext cx="585926" cy="464575"/>
+          </a:xfrm>
+          <a:prstGeom prst="rect">
+            <a:avLst/>
+          </a:prstGeom>
+          <a:solidFill>
+            <a:srgbClr val="FFC000"/>
+          </a:solidFill>
+          <a:ln>
+            <a:noFill/>
+          </a:ln>
+        </p:spPr>
+        <p:style>
+          <a:lnRef idx="2">
+            <a:schemeClr val="accent1">
+              <a:shade val="50000"/>
+            </a:schemeClr>
+          </a:lnRef>
+          <a:fillRef idx="1">
+            <a:schemeClr val="accent1"/>
+          </a:fillRef>
+          <a:effectRef idx="0">
+            <a:schemeClr val="accent1"/>
+          </a:effectRef>
+          <a:fontRef idx="minor">
+            <a:schemeClr val="lt1"/>
+          </a:fontRef>
+        </p:style>
+        <p:txBody>
+          <a:bodyPr rot="0" spcFirstLastPara="0" vertOverflow="overflow" horzOverflow="overflow" vert="horz" wrap="square" lIns="68580" tIns="34290" rIns="68580" bIns="34290" numCol="1" spcCol="0" rtlCol="0" fromWordArt="0" anchor="ctr" anchorCtr="0" forceAA="0" compatLnSpc="1">
+            <a:prstTxWarp prst="textNoShape">
+              <a:avLst/>
+            </a:prstTxWarp>
+            <a:noAutofit/>
+          </a:bodyPr>
+          <a:lstStyle/>
+          <a:p>
+            <a:pPr algn="ctr"/>
+            <a:endParaRPr lang="ko-KR" altLang="en-US" sz="1350"/>
+          </a:p>
+        </p:txBody>
+      </p:sp>
+      <p:sp>
+        <p:nvSpPr>
+          <p:cNvPr id="6" name="직사각형 5">
+            <a:extLst>
+              <a:ext uri="{FF2B5EF4-FFF2-40B4-BE49-F238E27FC236}">
+                <a16:creationId xmlns:a16="http://schemas.microsoft.com/office/drawing/2014/main" id="{27FE21D4-D965-4502-A539-DCB19AAB75CF}"/>
+              </a:ext>
+            </a:extLst>
+          </p:cNvPr>
+          <p:cNvSpPr/>
+          <p:nvPr/>
+        </p:nvSpPr>
+        <p:spPr>
+          <a:xfrm>
+            <a:off x="8558074" y="1634498"/>
+            <a:ext cx="585926" cy="464575"/>
+          </a:xfrm>
+          <a:prstGeom prst="rect">
+            <a:avLst/>
+          </a:prstGeom>
+          <a:solidFill>
+            <a:srgbClr val="00B050"/>
+          </a:solidFill>
+          <a:ln>
+            <a:noFill/>
+          </a:ln>
+        </p:spPr>
+        <p:style>
+          <a:lnRef idx="2">
+            <a:schemeClr val="accent1">
+              <a:shade val="50000"/>
+            </a:schemeClr>
+          </a:lnRef>
+          <a:fillRef idx="1">
+            <a:schemeClr val="accent1"/>
+          </a:fillRef>
+          <a:effectRef idx="0">
+            <a:schemeClr val="accent1"/>
+          </a:effectRef>
+          <a:fontRef idx="minor">
+            <a:schemeClr val="lt1"/>
+          </a:fontRef>
+        </p:style>
+        <p:txBody>
+          <a:bodyPr rot="0" spcFirstLastPara="0" vertOverflow="overflow" horzOverflow="overflow" vert="horz" wrap="square" lIns="68580" tIns="34290" rIns="68580" bIns="34290" numCol="1" spcCol="0" rtlCol="0" fromWordArt="0" anchor="ctr" anchorCtr="0" forceAA="0" compatLnSpc="1">
+            <a:prstTxWarp prst="textNoShape">
+              <a:avLst/>
+            </a:prstTxWarp>
+            <a:noAutofit/>
+          </a:bodyPr>
+          <a:lstStyle/>
+          <a:p>
+            <a:pPr algn="ctr"/>
+            <a:endParaRPr lang="ko-KR" altLang="en-US" sz="1350"/>
+          </a:p>
+        </p:txBody>
+      </p:sp>
+      <p:sp>
+        <p:nvSpPr>
+          <p:cNvPr id="7" name="직사각형 6">
+            <a:extLst>
+              <a:ext uri="{FF2B5EF4-FFF2-40B4-BE49-F238E27FC236}">
+                <a16:creationId xmlns:a16="http://schemas.microsoft.com/office/drawing/2014/main" id="{1A57168C-BDF9-445D-B376-111826E95199}"/>
+              </a:ext>
+            </a:extLst>
+          </p:cNvPr>
+          <p:cNvSpPr/>
+          <p:nvPr/>
+        </p:nvSpPr>
+        <p:spPr>
+          <a:xfrm>
+            <a:off x="8558073" y="2099073"/>
+            <a:ext cx="585926" cy="464575"/>
+          </a:xfrm>
+          <a:prstGeom prst="rect">
+            <a:avLst/>
+          </a:prstGeom>
+          <a:solidFill>
+            <a:srgbClr val="00B9F6"/>
+          </a:solidFill>
+          <a:ln>
+            <a:noFill/>
+          </a:ln>
+        </p:spPr>
+        <p:style>
+          <a:lnRef idx="2">
+            <a:schemeClr val="accent1">
+              <a:shade val="50000"/>
+            </a:schemeClr>
+          </a:lnRef>
+          <a:fillRef idx="1">
+            <a:schemeClr val="accent1"/>
+          </a:fillRef>
+          <a:effectRef idx="0">
+            <a:schemeClr val="accent1"/>
+          </a:effectRef>
+          <a:fontRef idx="minor">
+            <a:schemeClr val="lt1"/>
+          </a:fontRef>
+        </p:style>
+        <p:txBody>
+          <a:bodyPr rot="0" spcFirstLastPara="0" vertOverflow="overflow" horzOverflow="overflow" vert="horz" wrap="square" lIns="68580" tIns="34290" rIns="68580" bIns="34290" numCol="1" spcCol="0" rtlCol="0" fromWordArt="0" anchor="ctr" anchorCtr="0" forceAA="0" compatLnSpc="1">
+            <a:prstTxWarp prst="textNoShape">
+              <a:avLst/>
+            </a:prstTxWarp>
+            <a:noAutofit/>
+          </a:bodyPr>
+          <a:lstStyle/>
+          <a:p>
+            <a:pPr algn="ctr"/>
+            <a:endParaRPr lang="ko-KR" altLang="en-US"/>
+          </a:p>
+        </p:txBody>
+      </p:sp>
+      <p:sp>
+        <p:nvSpPr>
+          <p:cNvPr id="8" name="직사각형 7">
+            <a:extLst>
+              <a:ext uri="{FF2B5EF4-FFF2-40B4-BE49-F238E27FC236}">
+                <a16:creationId xmlns:a16="http://schemas.microsoft.com/office/drawing/2014/main" id="{14876079-5434-41B4-9E4D-8CB7F578E007}"/>
+              </a:ext>
+            </a:extLst>
+          </p:cNvPr>
+          <p:cNvSpPr/>
+          <p:nvPr/>
+        </p:nvSpPr>
+        <p:spPr>
+          <a:xfrm>
+            <a:off x="7683910" y="2563648"/>
+            <a:ext cx="1460089" cy="464575"/>
+          </a:xfrm>
+          <a:prstGeom prst="rect">
+            <a:avLst/>
+          </a:prstGeom>
+          <a:solidFill>
+            <a:schemeClr val="bg2">
+              <a:lumMod val="50000"/>
+            </a:schemeClr>
+          </a:solidFill>
+          <a:ln>
+            <a:noFill/>
+          </a:ln>
+        </p:spPr>
+        <p:style>
+          <a:lnRef idx="2">
+            <a:schemeClr val="accent1">
+              <a:shade val="50000"/>
+            </a:schemeClr>
+          </a:lnRef>
+          <a:fillRef idx="1">
+            <a:schemeClr val="accent1"/>
+          </a:fillRef>
+          <a:effectRef idx="0">
+            <a:schemeClr val="accent1"/>
+          </a:effectRef>
+          <a:fontRef idx="minor">
+            <a:schemeClr val="lt1"/>
+          </a:fontRef>
+        </p:style>
+        <p:txBody>
+          <a:bodyPr rot="0" spcFirstLastPara="0" vertOverflow="overflow" horzOverflow="overflow" vert="horz" wrap="square" lIns="68580" tIns="34290" rIns="68580" bIns="34290" numCol="1" spcCol="0" rtlCol="0" fromWordArt="0" anchor="ctr" anchorCtr="0" forceAA="0" compatLnSpc="1">
+            <a:prstTxWarp prst="textNoShape">
+              <a:avLst/>
+            </a:prstTxWarp>
+            <a:noAutofit/>
+          </a:bodyPr>
+          <a:lstStyle/>
+          <a:p>
+            <a:pPr algn="ctr"/>
+            <a:endParaRPr lang="ko-KR" altLang="en-US"/>
+          </a:p>
+        </p:txBody>
+      </p:sp>
+      <p:sp>
+        <p:nvSpPr>
+          <p:cNvPr id="9" name="TextBox 8">
+            <a:extLst>
+              <a:ext uri="{FF2B5EF4-FFF2-40B4-BE49-F238E27FC236}">
+                <a16:creationId xmlns:a16="http://schemas.microsoft.com/office/drawing/2014/main" id="{98BA4068-8AB7-43EE-9DD1-194C3A4D3E4D}"/>
+              </a:ext>
+            </a:extLst>
+          </p:cNvPr>
+          <p:cNvSpPr txBox="1"/>
+          <p:nvPr/>
+        </p:nvSpPr>
+        <p:spPr>
+          <a:xfrm>
+            <a:off x="745726" y="618835"/>
+            <a:ext cx="6112571" cy="1015663"/>
+          </a:xfrm>
+          <a:prstGeom prst="rect">
+            <a:avLst/>
+          </a:prstGeom>
+          <a:noFill/>
+        </p:spPr>
+        <p:txBody>
+          <a:bodyPr wrap="none" rtlCol="0">
+            <a:spAutoFit/>
+          </a:bodyPr>
+          <a:lstStyle/>
+          <a:p>
+            <a:r>
+              <a:rPr lang="ko-KR" altLang="en-US" sz="6000" dirty="0">
+                <a:solidFill>
+                  <a:schemeClr val="bg1"/>
+                </a:solidFill>
+                <a:latin typeface="나눔바른펜" panose="020B0503000000000000" pitchFamily="50" charset="-127"/>
+                <a:ea typeface="나눔바른펜" panose="020B0503000000000000" pitchFamily="50" charset="-127"/>
+              </a:rPr>
+              <a:t>오늘의 코딩 목록</a:t>
+            </a:r>
+          </a:p>
+        </p:txBody>
+      </p:sp>
+      <p:pic>
+        <p:nvPicPr>
+          <p:cNvPr id="10" name="그림 9">
+            <a:extLst>
+              <a:ext uri="{FF2B5EF4-FFF2-40B4-BE49-F238E27FC236}">
+                <a16:creationId xmlns:a16="http://schemas.microsoft.com/office/drawing/2014/main" id="{564065DD-F26A-4D41-8AED-7EC1EDD9EE52}"/>
+              </a:ext>
+            </a:extLst>
+          </p:cNvPr>
+          <p:cNvPicPr>
+            <a:picLocks noChangeAspect="1"/>
+          </p:cNvPicPr>
+          <p:nvPr/>
+        </p:nvPicPr>
+        <p:blipFill>
+          <a:blip r:embed="rId3"/>
+          <a:stretch>
+            <a:fillRect/>
+          </a:stretch>
+        </p:blipFill>
+        <p:spPr>
+          <a:xfrm>
+            <a:off x="745726" y="4001294"/>
+            <a:ext cx="6762750" cy="304800"/>
+          </a:xfrm>
+          <a:prstGeom prst="rect">
+            <a:avLst/>
+          </a:prstGeom>
+        </p:spPr>
+      </p:pic>
+    </p:spTree>
+    <p:extLst>
+      <p:ext uri="{BB962C8B-B14F-4D97-AF65-F5344CB8AC3E}">
+        <p14:creationId xmlns:p14="http://schemas.microsoft.com/office/powerpoint/2010/main" val="1458136404"/>
+      </p:ext>
+    </p:extLst>
+  </p:cSld>
+  <p:clrMapOvr>
+    <a:overrideClrMapping bg1="lt1" tx1="dk1" bg2="lt2" tx2="dk2" accent1="accent1" accent2="accent2" accent3="accent3" accent4="accent4" accent5="accent5" accent6="accent6" hlink="hlink" folHlink="folHlink"/>
+  </p:clrMapOvr>
+</p:sld>
+</file>
+
 <file path=ppt/slides/slide2.xml><?xml version="1.0" encoding="utf-8"?>
 <p:sld xmlns:a="http://schemas.openxmlformats.org/drawingml/2006/main" xmlns:r="http://schemas.openxmlformats.org/officeDocument/2006/relationships" xmlns:p="http://schemas.openxmlformats.org/presentationml/2006/main">
   <p:cSld>
@@ -3781,6 +6524,444 @@
       </p:grpSpPr>
       <p:sp>
         <p:nvSpPr>
+          <p:cNvPr id="9" name="TextBox 8"/>
+          <p:cNvSpPr txBox="1"/>
+          <p:nvPr/>
+        </p:nvSpPr>
+        <p:spPr>
+          <a:xfrm>
+            <a:off x="674235" y="604195"/>
+            <a:ext cx="2422458" cy="830997"/>
+          </a:xfrm>
+          <a:prstGeom prst="rect">
+            <a:avLst/>
+          </a:prstGeom>
+          <a:noFill/>
+        </p:spPr>
+        <p:txBody>
+          <a:bodyPr wrap="none" rtlCol="0">
+            <a:spAutoFit/>
+          </a:bodyPr>
+          <a:lstStyle/>
+          <a:p>
+            <a:r>
+              <a:rPr lang="ko-KR" altLang="en-US" sz="4800" dirty="0">
+                <a:solidFill>
+                  <a:schemeClr val="bg1"/>
+                </a:solidFill>
+                <a:latin typeface="나눔스퀘어 Light" panose="020B0600000101010101" pitchFamily="50" charset="-127"/>
+                <a:ea typeface="나눔스퀘어 Light" panose="020B0600000101010101" pitchFamily="50" charset="-127"/>
+              </a:rPr>
+              <a:t>게임소개</a:t>
+            </a:r>
+          </a:p>
+        </p:txBody>
+      </p:sp>
+      <p:sp>
+        <p:nvSpPr>
+          <p:cNvPr id="10" name="TextBox 9"/>
+          <p:cNvSpPr txBox="1"/>
+          <p:nvPr/>
+        </p:nvSpPr>
+        <p:spPr>
+          <a:xfrm>
+            <a:off x="674235" y="2075283"/>
+            <a:ext cx="4411785" cy="3046988"/>
+          </a:xfrm>
+          <a:prstGeom prst="rect">
+            <a:avLst/>
+          </a:prstGeom>
+          <a:noFill/>
+        </p:spPr>
+        <p:txBody>
+          <a:bodyPr wrap="none" rtlCol="0">
+            <a:spAutoFit/>
+          </a:bodyPr>
+          <a:lstStyle/>
+          <a:p>
+            <a:pPr marL="571500" indent="-571500">
+              <a:lnSpc>
+                <a:spcPct val="150000"/>
+              </a:lnSpc>
+              <a:buSzPct val="80000"/>
+              <a:buFont typeface="Wingdings" panose="05000000000000000000" pitchFamily="2" charset="2"/>
+              <a:buChar char="§"/>
+            </a:pPr>
+            <a:r>
+              <a:rPr lang="ko-KR" altLang="en-US" sz="3200" dirty="0">
+                <a:solidFill>
+                  <a:schemeClr val="bg1"/>
+                </a:solidFill>
+                <a:latin typeface="나눔스퀘어 Light" panose="020B0600000101010101" pitchFamily="50" charset="-127"/>
+                <a:ea typeface="나눔스퀘어 Light" panose="020B0600000101010101" pitchFamily="50" charset="-127"/>
+              </a:rPr>
+              <a:t>게임제목 </a:t>
+            </a:r>
+            <a:r>
+              <a:rPr lang="en-US" altLang="ko-KR" sz="3200" dirty="0">
+                <a:solidFill>
+                  <a:schemeClr val="bg1"/>
+                </a:solidFill>
+                <a:latin typeface="나눔스퀘어 Light" panose="020B0600000101010101" pitchFamily="50" charset="-127"/>
+                <a:ea typeface="나눔스퀘어 Light" panose="020B0600000101010101" pitchFamily="50" charset="-127"/>
+              </a:rPr>
+              <a:t>: Satellite</a:t>
+            </a:r>
+          </a:p>
+          <a:p>
+            <a:pPr marL="571500" indent="-571500">
+              <a:lnSpc>
+                <a:spcPct val="150000"/>
+              </a:lnSpc>
+              <a:buSzPct val="80000"/>
+              <a:buFont typeface="Wingdings" panose="05000000000000000000" pitchFamily="2" charset="2"/>
+              <a:buChar char="§"/>
+            </a:pPr>
+            <a:r>
+              <a:rPr lang="ko-KR" altLang="en-US" sz="3200" dirty="0">
+                <a:solidFill>
+                  <a:schemeClr val="bg1"/>
+                </a:solidFill>
+                <a:latin typeface="나눔스퀘어 Light" panose="020B0600000101010101" pitchFamily="50" charset="-127"/>
+                <a:ea typeface="나눔스퀘어 Light" panose="020B0600000101010101" pitchFamily="50" charset="-127"/>
+              </a:rPr>
+              <a:t>장르</a:t>
+            </a:r>
+            <a:r>
+              <a:rPr lang="en-US" altLang="ko-KR" sz="3200" dirty="0">
+                <a:solidFill>
+                  <a:schemeClr val="bg1"/>
+                </a:solidFill>
+                <a:latin typeface="나눔스퀘어 Light" panose="020B0600000101010101" pitchFamily="50" charset="-127"/>
+                <a:ea typeface="나눔스퀘어 Light" panose="020B0600000101010101" pitchFamily="50" charset="-127"/>
+              </a:rPr>
+              <a:t>		   :</a:t>
+            </a:r>
+            <a:r>
+              <a:rPr lang="ko-KR" altLang="en-US" sz="3200" dirty="0">
+                <a:solidFill>
+                  <a:schemeClr val="bg1"/>
+                </a:solidFill>
+                <a:latin typeface="나눔스퀘어 Light" panose="020B0600000101010101" pitchFamily="50" charset="-127"/>
+                <a:ea typeface="나눔스퀘어 Light" panose="020B0600000101010101" pitchFamily="50" charset="-127"/>
+              </a:rPr>
+              <a:t> 디펜스</a:t>
+            </a:r>
+            <a:endParaRPr lang="en-US" altLang="ko-KR" sz="3200" dirty="0">
+              <a:solidFill>
+                <a:schemeClr val="bg1"/>
+              </a:solidFill>
+              <a:latin typeface="나눔스퀘어 Light" panose="020B0600000101010101" pitchFamily="50" charset="-127"/>
+              <a:ea typeface="나눔스퀘어 Light" panose="020B0600000101010101" pitchFamily="50" charset="-127"/>
+            </a:endParaRPr>
+          </a:p>
+          <a:p>
+            <a:pPr marL="571500" indent="-571500">
+              <a:lnSpc>
+                <a:spcPct val="150000"/>
+              </a:lnSpc>
+              <a:buSzPct val="80000"/>
+              <a:buFont typeface="Wingdings" panose="05000000000000000000" pitchFamily="2" charset="2"/>
+              <a:buChar char="§"/>
+            </a:pPr>
+            <a:r>
+              <a:rPr lang="ko-KR" altLang="en-US" sz="3200" dirty="0">
+                <a:solidFill>
+                  <a:schemeClr val="bg1"/>
+                </a:solidFill>
+                <a:latin typeface="나눔스퀘어 Light" panose="020B0600000101010101" pitchFamily="50" charset="-127"/>
+                <a:ea typeface="나눔스퀘어 Light" panose="020B0600000101010101" pitchFamily="50" charset="-127"/>
+              </a:rPr>
+              <a:t>게임목적 </a:t>
+            </a:r>
+            <a:r>
+              <a:rPr lang="en-US" altLang="ko-KR" sz="3200" dirty="0">
+                <a:solidFill>
+                  <a:schemeClr val="bg1"/>
+                </a:solidFill>
+                <a:latin typeface="나눔스퀘어 Light" panose="020B0600000101010101" pitchFamily="50" charset="-127"/>
+                <a:ea typeface="나눔스퀘어 Light" panose="020B0600000101010101" pitchFamily="50" charset="-127"/>
+              </a:rPr>
+              <a:t>: </a:t>
+            </a:r>
+            <a:r>
+              <a:rPr lang="ko-KR" altLang="en-US" sz="3200" dirty="0">
+                <a:solidFill>
+                  <a:schemeClr val="bg1"/>
+                </a:solidFill>
+                <a:latin typeface="나눔스퀘어 Light" panose="020B0600000101010101" pitchFamily="50" charset="-127"/>
+                <a:ea typeface="나눔스퀘어 Light" panose="020B0600000101010101" pitchFamily="50" charset="-127"/>
+              </a:rPr>
+              <a:t>행성방어</a:t>
+            </a:r>
+            <a:endParaRPr lang="en-US" altLang="ko-KR" sz="3200" dirty="0">
+              <a:solidFill>
+                <a:schemeClr val="bg1"/>
+              </a:solidFill>
+              <a:latin typeface="나눔스퀘어 Light" panose="020B0600000101010101" pitchFamily="50" charset="-127"/>
+              <a:ea typeface="나눔스퀘어 Light" panose="020B0600000101010101" pitchFamily="50" charset="-127"/>
+            </a:endParaRPr>
+          </a:p>
+          <a:p>
+            <a:pPr>
+              <a:lnSpc>
+                <a:spcPct val="150000"/>
+              </a:lnSpc>
+              <a:buSzPct val="80000"/>
+            </a:pPr>
+            <a:r>
+              <a:rPr lang="en-US" altLang="ko-KR" sz="3200" dirty="0">
+                <a:solidFill>
+                  <a:schemeClr val="bg1"/>
+                </a:solidFill>
+                <a:latin typeface="나눔스퀘어 Light" panose="020B0600000101010101" pitchFamily="50" charset="-127"/>
+                <a:ea typeface="나눔스퀘어 Light" panose="020B0600000101010101" pitchFamily="50" charset="-127"/>
+              </a:rPr>
+              <a:t>			         </a:t>
+            </a:r>
+            <a:r>
+              <a:rPr lang="ko-KR" altLang="en-US" sz="3200" dirty="0">
+                <a:solidFill>
+                  <a:schemeClr val="bg1"/>
+                </a:solidFill>
+                <a:latin typeface="나눔스퀘어 Light" panose="020B0600000101010101" pitchFamily="50" charset="-127"/>
+                <a:ea typeface="나눔스퀘어 Light" panose="020B0600000101010101" pitchFamily="50" charset="-127"/>
+              </a:rPr>
+              <a:t>소행성파괴</a:t>
+            </a:r>
+          </a:p>
+        </p:txBody>
+      </p:sp>
+      <p:grpSp>
+        <p:nvGrpSpPr>
+          <p:cNvPr id="2" name="그룹 1">
+            <a:extLst>
+              <a:ext uri="{FF2B5EF4-FFF2-40B4-BE49-F238E27FC236}">
+                <a16:creationId xmlns:a16="http://schemas.microsoft.com/office/drawing/2014/main" id="{11D15916-331D-4D05-8508-AE7199C2AF1A}"/>
+              </a:ext>
+            </a:extLst>
+          </p:cNvPr>
+          <p:cNvGrpSpPr/>
+          <p:nvPr/>
+        </p:nvGrpSpPr>
+        <p:grpSpPr>
+          <a:xfrm>
+            <a:off x="-1572508" y="-409499"/>
+            <a:ext cx="6193706" cy="6208415"/>
+            <a:chOff x="-1572508" y="-409499"/>
+            <a:chExt cx="6193706" cy="6208415"/>
+          </a:xfrm>
+        </p:grpSpPr>
+        <p:sp>
+          <p:nvSpPr>
+            <p:cNvPr id="11" name="타원 10"/>
+            <p:cNvSpPr/>
+            <p:nvPr/>
+          </p:nvSpPr>
+          <p:spPr>
+            <a:xfrm>
+              <a:off x="-1218601" y="-162445"/>
+              <a:ext cx="5839799" cy="5707078"/>
+            </a:xfrm>
+            <a:prstGeom prst="ellipse">
+              <a:avLst/>
+            </a:prstGeom>
+            <a:noFill/>
+            <a:ln w="19050">
+              <a:gradFill>
+                <a:gsLst>
+                  <a:gs pos="0">
+                    <a:schemeClr val="accent1">
+                      <a:lumMod val="5000"/>
+                      <a:lumOff val="95000"/>
+                      <a:alpha val="50000"/>
+                    </a:schemeClr>
+                  </a:gs>
+                  <a:gs pos="74000">
+                    <a:schemeClr val="accent1">
+                      <a:lumMod val="45000"/>
+                      <a:lumOff val="55000"/>
+                      <a:alpha val="50000"/>
+                    </a:schemeClr>
+                  </a:gs>
+                  <a:gs pos="83000">
+                    <a:schemeClr val="accent1">
+                      <a:lumMod val="45000"/>
+                      <a:lumOff val="55000"/>
+                      <a:alpha val="50000"/>
+                    </a:schemeClr>
+                  </a:gs>
+                  <a:gs pos="100000">
+                    <a:schemeClr val="accent1">
+                      <a:lumMod val="30000"/>
+                      <a:lumOff val="70000"/>
+                      <a:alpha val="50000"/>
+                    </a:schemeClr>
+                  </a:gs>
+                </a:gsLst>
+                <a:lin ang="5400000" scaled="1"/>
+              </a:gradFill>
+            </a:ln>
+          </p:spPr>
+          <p:style>
+            <a:lnRef idx="2">
+              <a:schemeClr val="accent1">
+                <a:shade val="50000"/>
+              </a:schemeClr>
+            </a:lnRef>
+            <a:fillRef idx="1">
+              <a:schemeClr val="accent1"/>
+            </a:fillRef>
+            <a:effectRef idx="0">
+              <a:schemeClr val="accent1"/>
+            </a:effectRef>
+            <a:fontRef idx="minor">
+              <a:schemeClr val="lt1"/>
+            </a:fontRef>
+          </p:style>
+          <p:txBody>
+            <a:bodyPr rtlCol="0" anchor="ctr"/>
+            <a:lstStyle/>
+            <a:p>
+              <a:pPr algn="ctr"/>
+              <a:endParaRPr lang="en-US" altLang="ko-KR" dirty="0">
+                <a:latin typeface="나눔스퀘어 Light" panose="020B0600000101010101" pitchFamily="50" charset="-127"/>
+                <a:ea typeface="나눔스퀘어 Light" panose="020B0600000101010101" pitchFamily="50" charset="-127"/>
+              </a:endParaRPr>
+            </a:p>
+            <a:p>
+              <a:pPr algn="ctr"/>
+              <a:endParaRPr lang="ko-KR" altLang="en-US" dirty="0">
+                <a:latin typeface="나눔스퀘어 Light" panose="020B0600000101010101" pitchFamily="50" charset="-127"/>
+                <a:ea typeface="나눔스퀘어 Light" panose="020B0600000101010101" pitchFamily="50" charset="-127"/>
+              </a:endParaRPr>
+            </a:p>
+          </p:txBody>
+        </p:sp>
+        <p:sp>
+          <p:nvSpPr>
+            <p:cNvPr id="12" name="타원 11"/>
+            <p:cNvSpPr/>
+            <p:nvPr/>
+          </p:nvSpPr>
+          <p:spPr>
+            <a:xfrm>
+              <a:off x="-1572508" y="114575"/>
+              <a:ext cx="5816534" cy="5684341"/>
+            </a:xfrm>
+            <a:prstGeom prst="ellipse">
+              <a:avLst/>
+            </a:prstGeom>
+            <a:noFill/>
+            <a:ln w="19050">
+              <a:gradFill flip="none" rotWithShape="1">
+                <a:gsLst>
+                  <a:gs pos="0">
+                    <a:srgbClr val="FFC000">
+                      <a:alpha val="50000"/>
+                    </a:srgbClr>
+                  </a:gs>
+                  <a:gs pos="100000">
+                    <a:srgbClr val="FF0000">
+                      <a:alpha val="50000"/>
+                    </a:srgbClr>
+                  </a:gs>
+                </a:gsLst>
+                <a:lin ang="16200000" scaled="1"/>
+                <a:tileRect/>
+              </a:gradFill>
+            </a:ln>
+          </p:spPr>
+          <p:style>
+            <a:lnRef idx="2">
+              <a:schemeClr val="accent1">
+                <a:shade val="50000"/>
+              </a:schemeClr>
+            </a:lnRef>
+            <a:fillRef idx="1">
+              <a:schemeClr val="accent1"/>
+            </a:fillRef>
+            <a:effectRef idx="0">
+              <a:schemeClr val="accent1"/>
+            </a:effectRef>
+            <a:fontRef idx="minor">
+              <a:schemeClr val="lt1"/>
+            </a:fontRef>
+          </p:style>
+          <p:txBody>
+            <a:bodyPr rtlCol="0" anchor="ctr"/>
+            <a:lstStyle/>
+            <a:p>
+              <a:pPr algn="ctr"/>
+              <a:endParaRPr lang="ko-KR" altLang="en-US" dirty="0"/>
+            </a:p>
+          </p:txBody>
+        </p:sp>
+        <p:sp>
+          <p:nvSpPr>
+            <p:cNvPr id="13" name="타원 12"/>
+            <p:cNvSpPr/>
+            <p:nvPr/>
+          </p:nvSpPr>
+          <p:spPr>
+            <a:xfrm>
+              <a:off x="-999593" y="-409499"/>
+              <a:ext cx="5152825" cy="5684341"/>
+            </a:xfrm>
+            <a:prstGeom prst="ellipse">
+              <a:avLst/>
+            </a:prstGeom>
+            <a:noFill/>
+            <a:ln w="19050">
+              <a:gradFill flip="none" rotWithShape="1">
+                <a:gsLst>
+                  <a:gs pos="0">
+                    <a:srgbClr val="FFDF79">
+                      <a:alpha val="50000"/>
+                    </a:srgbClr>
+                  </a:gs>
+                  <a:gs pos="100000">
+                    <a:srgbClr val="FF5B5B">
+                      <a:alpha val="50000"/>
+                    </a:srgbClr>
+                  </a:gs>
+                </a:gsLst>
+                <a:lin ang="16200000" scaled="1"/>
+                <a:tileRect/>
+              </a:gradFill>
+            </a:ln>
+          </p:spPr>
+          <p:style>
+            <a:lnRef idx="2">
+              <a:schemeClr val="accent1">
+                <a:shade val="50000"/>
+              </a:schemeClr>
+            </a:lnRef>
+            <a:fillRef idx="1">
+              <a:schemeClr val="accent1"/>
+            </a:fillRef>
+            <a:effectRef idx="0">
+              <a:schemeClr val="accent1"/>
+            </a:effectRef>
+            <a:fontRef idx="minor">
+              <a:schemeClr val="lt1"/>
+            </a:fontRef>
+          </p:style>
+          <p:txBody>
+            <a:bodyPr rtlCol="0" anchor="ctr"/>
+            <a:lstStyle/>
+            <a:p>
+              <a:pPr algn="ctr"/>
+              <a:endParaRPr lang="ko-KR" altLang="en-US" dirty="0">
+                <a:latin typeface="나눔스퀘어 Light" panose="020B0600000101010101" pitchFamily="50" charset="-127"/>
+                <a:ea typeface="나눔스퀘어 Light" panose="020B0600000101010101" pitchFamily="50" charset="-127"/>
+              </a:endParaRPr>
+            </a:p>
+          </p:txBody>
+        </p:sp>
+      </p:grpSp>
+      <p:sp>
+        <p:nvSpPr>
           <p:cNvPr id="18" name="직사각형 17"/>
           <p:cNvSpPr/>
           <p:nvPr/>
@@ -3825,423 +7006,6 @@
           <a:p>
             <a:pPr algn="ctr"/>
             <a:endParaRPr lang="ko-KR" altLang="en-US"/>
-          </a:p>
-        </p:txBody>
-      </p:sp>
-      <p:sp>
-        <p:nvSpPr>
-          <p:cNvPr id="9" name="TextBox 8"/>
-          <p:cNvSpPr txBox="1"/>
-          <p:nvPr/>
-        </p:nvSpPr>
-        <p:spPr>
-          <a:xfrm>
-            <a:off x="674235" y="604195"/>
-            <a:ext cx="2422458" cy="830997"/>
-          </a:xfrm>
-          <a:prstGeom prst="rect">
-            <a:avLst/>
-          </a:prstGeom>
-          <a:noFill/>
-        </p:spPr>
-        <p:txBody>
-          <a:bodyPr wrap="none" rtlCol="0">
-            <a:spAutoFit/>
-          </a:bodyPr>
-          <a:lstStyle/>
-          <a:p>
-            <a:r>
-              <a:rPr lang="ko-KR" altLang="en-US" sz="4800" dirty="0">
-                <a:solidFill>
-                  <a:schemeClr val="bg1"/>
-                </a:solidFill>
-                <a:latin typeface="나눔스퀘어 Light" panose="020B0600000101010101" pitchFamily="50" charset="-127"/>
-                <a:ea typeface="나눔스퀘어 Light" panose="020B0600000101010101" pitchFamily="50" charset="-127"/>
-              </a:rPr>
-              <a:t>게임소개</a:t>
-            </a:r>
-          </a:p>
-        </p:txBody>
-      </p:sp>
-      <p:sp>
-        <p:nvSpPr>
-          <p:cNvPr id="11" name="타원 10"/>
-          <p:cNvSpPr/>
-          <p:nvPr/>
-        </p:nvSpPr>
-        <p:spPr>
-          <a:xfrm>
-            <a:off x="-1218601" y="-162445"/>
-            <a:ext cx="5839799" cy="5707078"/>
-          </a:xfrm>
-          <a:prstGeom prst="ellipse">
-            <a:avLst/>
-          </a:prstGeom>
-          <a:noFill/>
-          <a:ln w="19050">
-            <a:gradFill>
-              <a:gsLst>
-                <a:gs pos="0">
-                  <a:schemeClr val="accent1">
-                    <a:lumMod val="5000"/>
-                    <a:lumOff val="95000"/>
-                    <a:alpha val="50000"/>
-                  </a:schemeClr>
-                </a:gs>
-                <a:gs pos="74000">
-                  <a:schemeClr val="accent1">
-                    <a:lumMod val="45000"/>
-                    <a:lumOff val="55000"/>
-                    <a:alpha val="50000"/>
-                  </a:schemeClr>
-                </a:gs>
-                <a:gs pos="83000">
-                  <a:schemeClr val="accent1">
-                    <a:lumMod val="45000"/>
-                    <a:lumOff val="55000"/>
-                    <a:alpha val="50000"/>
-                  </a:schemeClr>
-                </a:gs>
-                <a:gs pos="100000">
-                  <a:schemeClr val="accent1">
-                    <a:lumMod val="30000"/>
-                    <a:lumOff val="70000"/>
-                    <a:alpha val="50000"/>
-                  </a:schemeClr>
-                </a:gs>
-              </a:gsLst>
-              <a:lin ang="5400000" scaled="1"/>
-            </a:gradFill>
-          </a:ln>
-        </p:spPr>
-        <p:style>
-          <a:lnRef idx="2">
-            <a:schemeClr val="accent1">
-              <a:shade val="50000"/>
-            </a:schemeClr>
-          </a:lnRef>
-          <a:fillRef idx="1">
-            <a:schemeClr val="accent1"/>
-          </a:fillRef>
-          <a:effectRef idx="0">
-            <a:schemeClr val="accent1"/>
-          </a:effectRef>
-          <a:fontRef idx="minor">
-            <a:schemeClr val="lt1"/>
-          </a:fontRef>
-        </p:style>
-        <p:txBody>
-          <a:bodyPr rtlCol="0" anchor="ctr"/>
-          <a:lstStyle/>
-          <a:p>
-            <a:pPr algn="ctr"/>
-            <a:endParaRPr lang="en-US" altLang="ko-KR" dirty="0">
-              <a:latin typeface="나눔스퀘어 Light" panose="020B0600000101010101" pitchFamily="50" charset="-127"/>
-              <a:ea typeface="나눔스퀘어 Light" panose="020B0600000101010101" pitchFamily="50" charset="-127"/>
-            </a:endParaRPr>
-          </a:p>
-          <a:p>
-            <a:pPr algn="ctr"/>
-            <a:endParaRPr lang="ko-KR" altLang="en-US" dirty="0">
-              <a:latin typeface="나눔스퀘어 Light" panose="020B0600000101010101" pitchFamily="50" charset="-127"/>
-              <a:ea typeface="나눔스퀘어 Light" panose="020B0600000101010101" pitchFamily="50" charset="-127"/>
-            </a:endParaRPr>
-          </a:p>
-        </p:txBody>
-      </p:sp>
-      <p:sp>
-        <p:nvSpPr>
-          <p:cNvPr id="12" name="타원 11"/>
-          <p:cNvSpPr/>
-          <p:nvPr/>
-        </p:nvSpPr>
-        <p:spPr>
-          <a:xfrm>
-            <a:off x="-1572508" y="114575"/>
-            <a:ext cx="5816534" cy="5684341"/>
-          </a:xfrm>
-          <a:prstGeom prst="ellipse">
-            <a:avLst/>
-          </a:prstGeom>
-          <a:noFill/>
-          <a:ln w="19050">
-            <a:gradFill flip="none" rotWithShape="1">
-              <a:gsLst>
-                <a:gs pos="0">
-                  <a:srgbClr val="FFC000">
-                    <a:alpha val="50000"/>
-                  </a:srgbClr>
-                </a:gs>
-                <a:gs pos="100000">
-                  <a:srgbClr val="FF0000">
-                    <a:alpha val="50000"/>
-                  </a:srgbClr>
-                </a:gs>
-              </a:gsLst>
-              <a:lin ang="16200000" scaled="1"/>
-              <a:tileRect/>
-            </a:gradFill>
-          </a:ln>
-        </p:spPr>
-        <p:style>
-          <a:lnRef idx="2">
-            <a:schemeClr val="accent1">
-              <a:shade val="50000"/>
-            </a:schemeClr>
-          </a:lnRef>
-          <a:fillRef idx="1">
-            <a:schemeClr val="accent1"/>
-          </a:fillRef>
-          <a:effectRef idx="0">
-            <a:schemeClr val="accent1"/>
-          </a:effectRef>
-          <a:fontRef idx="minor">
-            <a:schemeClr val="lt1"/>
-          </a:fontRef>
-        </p:style>
-        <p:txBody>
-          <a:bodyPr rtlCol="0" anchor="ctr"/>
-          <a:lstStyle/>
-          <a:p>
-            <a:pPr algn="ctr"/>
-            <a:endParaRPr lang="ko-KR" altLang="en-US" dirty="0"/>
-          </a:p>
-        </p:txBody>
-      </p:sp>
-      <p:sp>
-        <p:nvSpPr>
-          <p:cNvPr id="13" name="타원 12"/>
-          <p:cNvSpPr/>
-          <p:nvPr/>
-        </p:nvSpPr>
-        <p:spPr>
-          <a:xfrm>
-            <a:off x="-999593" y="-409499"/>
-            <a:ext cx="5152825" cy="5684341"/>
-          </a:xfrm>
-          <a:prstGeom prst="ellipse">
-            <a:avLst/>
-          </a:prstGeom>
-          <a:noFill/>
-          <a:ln w="19050">
-            <a:gradFill flip="none" rotWithShape="1">
-              <a:gsLst>
-                <a:gs pos="0">
-                  <a:srgbClr val="FFDF79">
-                    <a:alpha val="50000"/>
-                  </a:srgbClr>
-                </a:gs>
-                <a:gs pos="100000">
-                  <a:srgbClr val="FF5B5B">
-                    <a:alpha val="50000"/>
-                  </a:srgbClr>
-                </a:gs>
-              </a:gsLst>
-              <a:lin ang="16200000" scaled="1"/>
-              <a:tileRect/>
-            </a:gradFill>
-          </a:ln>
-        </p:spPr>
-        <p:style>
-          <a:lnRef idx="2">
-            <a:schemeClr val="accent1">
-              <a:shade val="50000"/>
-            </a:schemeClr>
-          </a:lnRef>
-          <a:fillRef idx="1">
-            <a:schemeClr val="accent1"/>
-          </a:fillRef>
-          <a:effectRef idx="0">
-            <a:schemeClr val="accent1"/>
-          </a:effectRef>
-          <a:fontRef idx="minor">
-            <a:schemeClr val="lt1"/>
-          </a:fontRef>
-        </p:style>
-        <p:txBody>
-          <a:bodyPr rtlCol="0" anchor="ctr"/>
-          <a:lstStyle/>
-          <a:p>
-            <a:pPr algn="ctr"/>
-            <a:endParaRPr lang="ko-KR" altLang="en-US" dirty="0">
-              <a:latin typeface="나눔스퀘어 Light" panose="020B0600000101010101" pitchFamily="50" charset="-127"/>
-              <a:ea typeface="나눔스퀘어 Light" panose="020B0600000101010101" pitchFamily="50" charset="-127"/>
-            </a:endParaRPr>
-          </a:p>
-        </p:txBody>
-      </p:sp>
-      <p:sp>
-        <p:nvSpPr>
-          <p:cNvPr id="10" name="TextBox 9"/>
-          <p:cNvSpPr txBox="1"/>
-          <p:nvPr/>
-        </p:nvSpPr>
-        <p:spPr>
-          <a:xfrm>
-            <a:off x="674235" y="2075283"/>
-            <a:ext cx="4411785" cy="3046988"/>
-          </a:xfrm>
-          <a:prstGeom prst="rect">
-            <a:avLst/>
-          </a:prstGeom>
-          <a:noFill/>
-        </p:spPr>
-        <p:txBody>
-          <a:bodyPr wrap="none" rtlCol="0">
-            <a:spAutoFit/>
-          </a:bodyPr>
-          <a:lstStyle/>
-          <a:p>
-            <a:pPr marL="571500" indent="-571500">
-              <a:lnSpc>
-                <a:spcPct val="150000"/>
-              </a:lnSpc>
-              <a:buSzPct val="80000"/>
-              <a:buFont typeface="Wingdings" panose="05000000000000000000" pitchFamily="2" charset="2"/>
-              <a:buChar char="§"/>
-            </a:pPr>
-            <a:r>
-              <a:rPr lang="ko-KR" altLang="en-US" sz="3200" dirty="0">
-                <a:solidFill>
-                  <a:schemeClr val="bg1"/>
-                </a:solidFill>
-                <a:latin typeface="나눔스퀘어 Light" panose="020B0600000101010101" pitchFamily="50" charset="-127"/>
-                <a:ea typeface="나눔스퀘어 Light" panose="020B0600000101010101" pitchFamily="50" charset="-127"/>
-              </a:rPr>
-              <a:t>게임제목 </a:t>
-            </a:r>
-            <a:r>
-              <a:rPr lang="en-US" altLang="ko-KR" sz="3200" dirty="0">
-                <a:solidFill>
-                  <a:schemeClr val="bg1"/>
-                </a:solidFill>
-                <a:latin typeface="나눔스퀘어 Light" panose="020B0600000101010101" pitchFamily="50" charset="-127"/>
-                <a:ea typeface="나눔스퀘어 Light" panose="020B0600000101010101" pitchFamily="50" charset="-127"/>
-              </a:rPr>
-              <a:t>: Satellite</a:t>
-            </a:r>
-          </a:p>
-          <a:p>
-            <a:pPr marL="571500" indent="-571500">
-              <a:lnSpc>
-                <a:spcPct val="150000"/>
-              </a:lnSpc>
-              <a:buSzPct val="80000"/>
-              <a:buFont typeface="Wingdings" panose="05000000000000000000" pitchFamily="2" charset="2"/>
-              <a:buChar char="§"/>
-            </a:pPr>
-            <a:r>
-              <a:rPr lang="ko-KR" altLang="en-US" sz="3200" dirty="0">
-                <a:solidFill>
-                  <a:schemeClr val="bg1"/>
-                </a:solidFill>
-                <a:latin typeface="나눔스퀘어 Light" panose="020B0600000101010101" pitchFamily="50" charset="-127"/>
-                <a:ea typeface="나눔스퀘어 Light" panose="020B0600000101010101" pitchFamily="50" charset="-127"/>
-              </a:rPr>
-              <a:t>장르</a:t>
-            </a:r>
-            <a:r>
-              <a:rPr lang="en-US" altLang="ko-KR" sz="3200" dirty="0">
-                <a:solidFill>
-                  <a:schemeClr val="bg1"/>
-                </a:solidFill>
-                <a:latin typeface="나눔스퀘어 Light" panose="020B0600000101010101" pitchFamily="50" charset="-127"/>
-                <a:ea typeface="나눔스퀘어 Light" panose="020B0600000101010101" pitchFamily="50" charset="-127"/>
-              </a:rPr>
-              <a:t>		   :</a:t>
-            </a:r>
-            <a:r>
-              <a:rPr lang="ko-KR" altLang="en-US" sz="3200" dirty="0">
-                <a:solidFill>
-                  <a:schemeClr val="bg1"/>
-                </a:solidFill>
-                <a:latin typeface="나눔스퀘어 Light" panose="020B0600000101010101" pitchFamily="50" charset="-127"/>
-                <a:ea typeface="나눔스퀘어 Light" panose="020B0600000101010101" pitchFamily="50" charset="-127"/>
-              </a:rPr>
-              <a:t> 디펜스</a:t>
-            </a:r>
-            <a:endParaRPr lang="en-US" altLang="ko-KR" sz="3200" dirty="0">
-              <a:solidFill>
-                <a:schemeClr val="bg1"/>
-              </a:solidFill>
-              <a:latin typeface="나눔스퀘어 Light" panose="020B0600000101010101" pitchFamily="50" charset="-127"/>
-              <a:ea typeface="나눔스퀘어 Light" panose="020B0600000101010101" pitchFamily="50" charset="-127"/>
-            </a:endParaRPr>
-          </a:p>
-          <a:p>
-            <a:pPr marL="571500" indent="-571500">
-              <a:lnSpc>
-                <a:spcPct val="150000"/>
-              </a:lnSpc>
-              <a:buSzPct val="80000"/>
-              <a:buFont typeface="Wingdings" panose="05000000000000000000" pitchFamily="2" charset="2"/>
-              <a:buChar char="§"/>
-            </a:pPr>
-            <a:r>
-              <a:rPr lang="ko-KR" altLang="en-US" sz="3200" dirty="0">
-                <a:solidFill>
-                  <a:schemeClr val="bg1"/>
-                </a:solidFill>
-                <a:latin typeface="나눔스퀘어 Light" panose="020B0600000101010101" pitchFamily="50" charset="-127"/>
-                <a:ea typeface="나눔스퀘어 Light" panose="020B0600000101010101" pitchFamily="50" charset="-127"/>
-              </a:rPr>
-              <a:t>게임목적 </a:t>
-            </a:r>
-            <a:r>
-              <a:rPr lang="en-US" altLang="ko-KR" sz="3200" dirty="0">
-                <a:solidFill>
-                  <a:schemeClr val="bg1"/>
-                </a:solidFill>
-                <a:latin typeface="나눔스퀘어 Light" panose="020B0600000101010101" pitchFamily="50" charset="-127"/>
-                <a:ea typeface="나눔스퀘어 Light" panose="020B0600000101010101" pitchFamily="50" charset="-127"/>
-              </a:rPr>
-              <a:t>: </a:t>
-            </a:r>
-            <a:r>
-              <a:rPr lang="ko-KR" altLang="en-US" sz="3200" dirty="0">
-                <a:solidFill>
-                  <a:schemeClr val="bg1"/>
-                </a:solidFill>
-                <a:latin typeface="나눔스퀘어 Light" panose="020B0600000101010101" pitchFamily="50" charset="-127"/>
-                <a:ea typeface="나눔스퀘어 Light" panose="020B0600000101010101" pitchFamily="50" charset="-127"/>
-              </a:rPr>
-              <a:t>행성방어</a:t>
-            </a:r>
-            <a:endParaRPr lang="en-US" altLang="ko-KR" sz="3200" dirty="0">
-              <a:solidFill>
-                <a:schemeClr val="bg1"/>
-              </a:solidFill>
-              <a:latin typeface="나눔스퀘어 Light" panose="020B0600000101010101" pitchFamily="50" charset="-127"/>
-              <a:ea typeface="나눔스퀘어 Light" panose="020B0600000101010101" pitchFamily="50" charset="-127"/>
-            </a:endParaRPr>
-          </a:p>
-          <a:p>
-            <a:pPr>
-              <a:lnSpc>
-                <a:spcPct val="150000"/>
-              </a:lnSpc>
-              <a:buSzPct val="80000"/>
-            </a:pPr>
-            <a:r>
-              <a:rPr lang="en-US" altLang="ko-KR" sz="3200" dirty="0">
-                <a:solidFill>
-                  <a:schemeClr val="bg1"/>
-                </a:solidFill>
-                <a:latin typeface="나눔스퀘어 Light" panose="020B0600000101010101" pitchFamily="50" charset="-127"/>
-                <a:ea typeface="나눔스퀘어 Light" panose="020B0600000101010101" pitchFamily="50" charset="-127"/>
-              </a:rPr>
-              <a:t>			         </a:t>
-            </a:r>
-            <a:r>
-              <a:rPr lang="ko-KR" altLang="en-US" sz="3200" dirty="0">
-                <a:solidFill>
-                  <a:schemeClr val="bg1"/>
-                </a:solidFill>
-                <a:latin typeface="나눔스퀘어 Light" panose="020B0600000101010101" pitchFamily="50" charset="-127"/>
-                <a:ea typeface="나눔스퀘어 Light" panose="020B0600000101010101" pitchFamily="50" charset="-127"/>
-              </a:rPr>
-              <a:t>소행성파괴</a:t>
-            </a:r>
           </a:p>
         </p:txBody>
       </p:sp>
@@ -6143,6 +8907,1104 @@
   </p:cSld>
   <p:clrMapOvr>
     <a:masterClrMapping/>
+  </p:clrMapOvr>
+</p:sld>
+</file>
+
+<file path=ppt/slides/slide8.xml><?xml version="1.0" encoding="utf-8"?>
+<p:sld xmlns:a="http://schemas.openxmlformats.org/drawingml/2006/main" xmlns:r="http://schemas.openxmlformats.org/officeDocument/2006/relationships" xmlns:p="http://schemas.openxmlformats.org/presentationml/2006/main">
+  <p:cSld>
+    <p:bg>
+      <p:bgPr>
+        <a:solidFill>
+          <a:schemeClr val="tx1">
+            <a:lumMod val="85000"/>
+            <a:lumOff val="15000"/>
+          </a:schemeClr>
+        </a:solidFill>
+        <a:effectLst/>
+      </p:bgPr>
+    </p:bg>
+    <p:spTree>
+      <p:nvGrpSpPr>
+        <p:cNvPr id="1" name=""/>
+        <p:cNvGrpSpPr/>
+        <p:nvPr/>
+      </p:nvGrpSpPr>
+      <p:grpSpPr>
+        <a:xfrm>
+          <a:off x="0" y="0"/>
+          <a:ext cx="0" cy="0"/>
+          <a:chOff x="0" y="0"/>
+          <a:chExt cx="0" cy="0"/>
+        </a:xfrm>
+      </p:grpSpPr>
+      <p:sp>
+        <p:nvSpPr>
+          <p:cNvPr id="3" name="내용 개체 틀 2">
+            <a:extLst>
+              <a:ext uri="{FF2B5EF4-FFF2-40B4-BE49-F238E27FC236}">
+                <a16:creationId xmlns:a16="http://schemas.microsoft.com/office/drawing/2014/main" id="{972CE041-03FA-4BFB-AA4E-6057DEA64598}"/>
+              </a:ext>
+            </a:extLst>
+          </p:cNvPr>
+          <p:cNvSpPr>
+            <a:spLocks noGrp="1"/>
+          </p:cNvSpPr>
+          <p:nvPr>
+            <p:ph idx="1"/>
+          </p:nvPr>
+        </p:nvSpPr>
+        <p:spPr/>
+        <p:txBody>
+          <a:bodyPr/>
+          <a:lstStyle/>
+          <a:p>
+            <a:r>
+              <a:rPr lang="ko-KR" altLang="en-US" dirty="0" err="1">
+                <a:solidFill>
+                  <a:schemeClr val="bg1"/>
+                </a:solidFill>
+              </a:rPr>
+              <a:t>차일드</a:t>
+            </a:r>
+            <a:r>
+              <a:rPr lang="ko-KR" altLang="en-US" dirty="0">
+                <a:solidFill>
+                  <a:schemeClr val="bg1"/>
+                </a:solidFill>
+              </a:rPr>
+              <a:t> 씬</a:t>
+            </a:r>
+            <a:endParaRPr lang="en-US" altLang="ko-KR" dirty="0">
+              <a:solidFill>
+                <a:schemeClr val="bg1"/>
+              </a:solidFill>
+            </a:endParaRPr>
+          </a:p>
+          <a:p>
+            <a:r>
+              <a:rPr lang="en-US" altLang="ko-KR" dirty="0">
+                <a:solidFill>
+                  <a:schemeClr val="bg1"/>
+                </a:solidFill>
+              </a:rPr>
+              <a:t>Alpha </a:t>
+            </a:r>
+            <a:r>
+              <a:rPr lang="en-US" altLang="ko-KR" dirty="0" err="1">
+                <a:solidFill>
+                  <a:schemeClr val="bg1"/>
+                </a:solidFill>
+              </a:rPr>
+              <a:t>img</a:t>
+            </a:r>
+            <a:r>
+              <a:rPr lang="ko-KR" altLang="en-US" dirty="0">
+                <a:solidFill>
+                  <a:schemeClr val="bg1"/>
+                </a:solidFill>
+              </a:rPr>
+              <a:t> </a:t>
+            </a:r>
+            <a:r>
+              <a:rPr lang="en-US" altLang="ko-KR" dirty="0">
+                <a:solidFill>
+                  <a:schemeClr val="bg1"/>
+                </a:solidFill>
+              </a:rPr>
+              <a:t>rotate draw </a:t>
+            </a:r>
+          </a:p>
+          <a:p>
+            <a:r>
+              <a:rPr lang="ko-KR" altLang="en-US" dirty="0">
+                <a:solidFill>
+                  <a:schemeClr val="bg1"/>
+                </a:solidFill>
+              </a:rPr>
+              <a:t>모든 일의 원흉</a:t>
+            </a:r>
+            <a:r>
+              <a:rPr lang="en-US" altLang="ko-KR" dirty="0">
+                <a:solidFill>
+                  <a:schemeClr val="bg1"/>
+                </a:solidFill>
+              </a:rPr>
+              <a:t>- </a:t>
+            </a:r>
+            <a:r>
+              <a:rPr lang="ko-KR" altLang="en-US" dirty="0" err="1">
+                <a:solidFill>
+                  <a:schemeClr val="bg1"/>
+                </a:solidFill>
+              </a:rPr>
+              <a:t>느려진</a:t>
+            </a:r>
+            <a:r>
+              <a:rPr lang="ko-KR" altLang="en-US" dirty="0">
+                <a:solidFill>
+                  <a:schemeClr val="bg1"/>
+                </a:solidFill>
+              </a:rPr>
+              <a:t> 프로젝트</a:t>
+            </a:r>
+          </a:p>
+        </p:txBody>
+      </p:sp>
+      <p:sp>
+        <p:nvSpPr>
+          <p:cNvPr id="4" name="직사각형 3">
+            <a:extLst>
+              <a:ext uri="{FF2B5EF4-FFF2-40B4-BE49-F238E27FC236}">
+                <a16:creationId xmlns:a16="http://schemas.microsoft.com/office/drawing/2014/main" id="{88D854C0-A088-4C53-A201-2EAED2CC311D}"/>
+              </a:ext>
+            </a:extLst>
+          </p:cNvPr>
+          <p:cNvSpPr/>
+          <p:nvPr/>
+        </p:nvSpPr>
+        <p:spPr>
+          <a:xfrm>
+            <a:off x="8558072" y="705348"/>
+            <a:ext cx="585927" cy="464575"/>
+          </a:xfrm>
+          <a:prstGeom prst="rect">
+            <a:avLst/>
+          </a:prstGeom>
+          <a:solidFill>
+            <a:srgbClr val="F02802"/>
+          </a:solidFill>
+          <a:ln>
+            <a:noFill/>
+          </a:ln>
+        </p:spPr>
+        <p:style>
+          <a:lnRef idx="2">
+            <a:schemeClr val="accent1">
+              <a:shade val="50000"/>
+            </a:schemeClr>
+          </a:lnRef>
+          <a:fillRef idx="1">
+            <a:schemeClr val="accent1"/>
+          </a:fillRef>
+          <a:effectRef idx="0">
+            <a:schemeClr val="accent1"/>
+          </a:effectRef>
+          <a:fontRef idx="minor">
+            <a:schemeClr val="lt1"/>
+          </a:fontRef>
+        </p:style>
+        <p:txBody>
+          <a:bodyPr rot="0" spcFirstLastPara="0" vertOverflow="overflow" horzOverflow="overflow" vert="horz" wrap="square" lIns="68580" tIns="34290" rIns="68580" bIns="34290" numCol="1" spcCol="0" rtlCol="0" fromWordArt="0" anchor="ctr" anchorCtr="0" forceAA="0" compatLnSpc="1">
+            <a:prstTxWarp prst="textNoShape">
+              <a:avLst/>
+            </a:prstTxWarp>
+            <a:noAutofit/>
+          </a:bodyPr>
+          <a:lstStyle/>
+          <a:p>
+            <a:pPr algn="ctr"/>
+            <a:endParaRPr lang="ko-KR" altLang="en-US" sz="1350"/>
+          </a:p>
+        </p:txBody>
+      </p:sp>
+      <p:sp>
+        <p:nvSpPr>
+          <p:cNvPr id="5" name="직사각형 4">
+            <a:extLst>
+              <a:ext uri="{FF2B5EF4-FFF2-40B4-BE49-F238E27FC236}">
+                <a16:creationId xmlns:a16="http://schemas.microsoft.com/office/drawing/2014/main" id="{D79F1DD2-F00C-4D6C-AFAB-08BC2B78C93F}"/>
+              </a:ext>
+            </a:extLst>
+          </p:cNvPr>
+          <p:cNvSpPr/>
+          <p:nvPr/>
+        </p:nvSpPr>
+        <p:spPr>
+          <a:xfrm>
+            <a:off x="8558074" y="1169923"/>
+            <a:ext cx="585926" cy="464575"/>
+          </a:xfrm>
+          <a:prstGeom prst="rect">
+            <a:avLst/>
+          </a:prstGeom>
+          <a:solidFill>
+            <a:srgbClr val="FFC000"/>
+          </a:solidFill>
+          <a:ln>
+            <a:noFill/>
+          </a:ln>
+        </p:spPr>
+        <p:style>
+          <a:lnRef idx="2">
+            <a:schemeClr val="accent1">
+              <a:shade val="50000"/>
+            </a:schemeClr>
+          </a:lnRef>
+          <a:fillRef idx="1">
+            <a:schemeClr val="accent1"/>
+          </a:fillRef>
+          <a:effectRef idx="0">
+            <a:schemeClr val="accent1"/>
+          </a:effectRef>
+          <a:fontRef idx="minor">
+            <a:schemeClr val="lt1"/>
+          </a:fontRef>
+        </p:style>
+        <p:txBody>
+          <a:bodyPr rot="0" spcFirstLastPara="0" vertOverflow="overflow" horzOverflow="overflow" vert="horz" wrap="square" lIns="68580" tIns="34290" rIns="68580" bIns="34290" numCol="1" spcCol="0" rtlCol="0" fromWordArt="0" anchor="ctr" anchorCtr="0" forceAA="0" compatLnSpc="1">
+            <a:prstTxWarp prst="textNoShape">
+              <a:avLst/>
+            </a:prstTxWarp>
+            <a:noAutofit/>
+          </a:bodyPr>
+          <a:lstStyle/>
+          <a:p>
+            <a:pPr algn="ctr"/>
+            <a:endParaRPr lang="ko-KR" altLang="en-US" sz="1350"/>
+          </a:p>
+        </p:txBody>
+      </p:sp>
+      <p:sp>
+        <p:nvSpPr>
+          <p:cNvPr id="6" name="직사각형 5">
+            <a:extLst>
+              <a:ext uri="{FF2B5EF4-FFF2-40B4-BE49-F238E27FC236}">
+                <a16:creationId xmlns:a16="http://schemas.microsoft.com/office/drawing/2014/main" id="{21AE5ACF-1C54-4BD0-B099-D290D4268E11}"/>
+              </a:ext>
+            </a:extLst>
+          </p:cNvPr>
+          <p:cNvSpPr/>
+          <p:nvPr/>
+        </p:nvSpPr>
+        <p:spPr>
+          <a:xfrm>
+            <a:off x="8558074" y="1634498"/>
+            <a:ext cx="585926" cy="464575"/>
+          </a:xfrm>
+          <a:prstGeom prst="rect">
+            <a:avLst/>
+          </a:prstGeom>
+          <a:solidFill>
+            <a:srgbClr val="00B050"/>
+          </a:solidFill>
+          <a:ln>
+            <a:noFill/>
+          </a:ln>
+        </p:spPr>
+        <p:style>
+          <a:lnRef idx="2">
+            <a:schemeClr val="accent1">
+              <a:shade val="50000"/>
+            </a:schemeClr>
+          </a:lnRef>
+          <a:fillRef idx="1">
+            <a:schemeClr val="accent1"/>
+          </a:fillRef>
+          <a:effectRef idx="0">
+            <a:schemeClr val="accent1"/>
+          </a:effectRef>
+          <a:fontRef idx="minor">
+            <a:schemeClr val="lt1"/>
+          </a:fontRef>
+        </p:style>
+        <p:txBody>
+          <a:bodyPr rot="0" spcFirstLastPara="0" vertOverflow="overflow" horzOverflow="overflow" vert="horz" wrap="square" lIns="68580" tIns="34290" rIns="68580" bIns="34290" numCol="1" spcCol="0" rtlCol="0" fromWordArt="0" anchor="ctr" anchorCtr="0" forceAA="0" compatLnSpc="1">
+            <a:prstTxWarp prst="textNoShape">
+              <a:avLst/>
+            </a:prstTxWarp>
+            <a:noAutofit/>
+          </a:bodyPr>
+          <a:lstStyle/>
+          <a:p>
+            <a:pPr algn="ctr"/>
+            <a:endParaRPr lang="ko-KR" altLang="en-US" sz="1350"/>
+          </a:p>
+        </p:txBody>
+      </p:sp>
+      <p:sp>
+        <p:nvSpPr>
+          <p:cNvPr id="7" name="직사각형 6">
+            <a:extLst>
+              <a:ext uri="{FF2B5EF4-FFF2-40B4-BE49-F238E27FC236}">
+                <a16:creationId xmlns:a16="http://schemas.microsoft.com/office/drawing/2014/main" id="{2DDD51C6-C234-477F-82D3-909C3EB63704}"/>
+              </a:ext>
+            </a:extLst>
+          </p:cNvPr>
+          <p:cNvSpPr/>
+          <p:nvPr/>
+        </p:nvSpPr>
+        <p:spPr>
+          <a:xfrm>
+            <a:off x="7683910" y="2099073"/>
+            <a:ext cx="1460090" cy="464575"/>
+          </a:xfrm>
+          <a:prstGeom prst="rect">
+            <a:avLst/>
+          </a:prstGeom>
+          <a:solidFill>
+            <a:srgbClr val="00B9F6"/>
+          </a:solidFill>
+          <a:ln>
+            <a:noFill/>
+          </a:ln>
+        </p:spPr>
+        <p:style>
+          <a:lnRef idx="2">
+            <a:schemeClr val="accent1">
+              <a:shade val="50000"/>
+            </a:schemeClr>
+          </a:lnRef>
+          <a:fillRef idx="1">
+            <a:schemeClr val="accent1"/>
+          </a:fillRef>
+          <a:effectRef idx="0">
+            <a:schemeClr val="accent1"/>
+          </a:effectRef>
+          <a:fontRef idx="minor">
+            <a:schemeClr val="lt1"/>
+          </a:fontRef>
+        </p:style>
+        <p:txBody>
+          <a:bodyPr rot="0" spcFirstLastPara="0" vertOverflow="overflow" horzOverflow="overflow" vert="horz" wrap="square" lIns="68580" tIns="34290" rIns="68580" bIns="34290" numCol="1" spcCol="0" rtlCol="0" fromWordArt="0" anchor="ctr" anchorCtr="0" forceAA="0" compatLnSpc="1">
+            <a:prstTxWarp prst="textNoShape">
+              <a:avLst/>
+            </a:prstTxWarp>
+            <a:noAutofit/>
+          </a:bodyPr>
+          <a:lstStyle/>
+          <a:p>
+            <a:pPr algn="ctr"/>
+            <a:endParaRPr lang="ko-KR" altLang="en-US"/>
+          </a:p>
+        </p:txBody>
+      </p:sp>
+      <p:sp>
+        <p:nvSpPr>
+          <p:cNvPr id="8" name="직사각형 7">
+            <a:extLst>
+              <a:ext uri="{FF2B5EF4-FFF2-40B4-BE49-F238E27FC236}">
+                <a16:creationId xmlns:a16="http://schemas.microsoft.com/office/drawing/2014/main" id="{44D9E954-10CD-4D1C-9BB9-C52BCDB20A43}"/>
+              </a:ext>
+            </a:extLst>
+          </p:cNvPr>
+          <p:cNvSpPr/>
+          <p:nvPr/>
+        </p:nvSpPr>
+        <p:spPr>
+          <a:xfrm>
+            <a:off x="8558072" y="2563648"/>
+            <a:ext cx="585927" cy="464575"/>
+          </a:xfrm>
+          <a:prstGeom prst="rect">
+            <a:avLst/>
+          </a:prstGeom>
+          <a:solidFill>
+            <a:schemeClr val="bg2">
+              <a:lumMod val="50000"/>
+            </a:schemeClr>
+          </a:solidFill>
+          <a:ln>
+            <a:noFill/>
+          </a:ln>
+        </p:spPr>
+        <p:style>
+          <a:lnRef idx="2">
+            <a:schemeClr val="accent1">
+              <a:shade val="50000"/>
+            </a:schemeClr>
+          </a:lnRef>
+          <a:fillRef idx="1">
+            <a:schemeClr val="accent1"/>
+          </a:fillRef>
+          <a:effectRef idx="0">
+            <a:schemeClr val="accent1"/>
+          </a:effectRef>
+          <a:fontRef idx="minor">
+            <a:schemeClr val="lt1"/>
+          </a:fontRef>
+        </p:style>
+        <p:txBody>
+          <a:bodyPr rot="0" spcFirstLastPara="0" vertOverflow="overflow" horzOverflow="overflow" vert="horz" wrap="square" lIns="68580" tIns="34290" rIns="68580" bIns="34290" numCol="1" spcCol="0" rtlCol="0" fromWordArt="0" anchor="ctr" anchorCtr="0" forceAA="0" compatLnSpc="1">
+            <a:prstTxWarp prst="textNoShape">
+              <a:avLst/>
+            </a:prstTxWarp>
+            <a:noAutofit/>
+          </a:bodyPr>
+          <a:lstStyle/>
+          <a:p>
+            <a:pPr algn="ctr"/>
+            <a:endParaRPr lang="ko-KR" altLang="en-US"/>
+          </a:p>
+        </p:txBody>
+      </p:sp>
+      <p:sp>
+        <p:nvSpPr>
+          <p:cNvPr id="9" name="TextBox 8">
+            <a:extLst>
+              <a:ext uri="{FF2B5EF4-FFF2-40B4-BE49-F238E27FC236}">
+                <a16:creationId xmlns:a16="http://schemas.microsoft.com/office/drawing/2014/main" id="{DA4C68B3-2F4C-4149-8004-6F33AAE7274E}"/>
+              </a:ext>
+            </a:extLst>
+          </p:cNvPr>
+          <p:cNvSpPr txBox="1"/>
+          <p:nvPr/>
+        </p:nvSpPr>
+        <p:spPr>
+          <a:xfrm>
+            <a:off x="745726" y="618835"/>
+            <a:ext cx="5570756" cy="1015663"/>
+          </a:xfrm>
+          <a:prstGeom prst="rect">
+            <a:avLst/>
+          </a:prstGeom>
+          <a:noFill/>
+        </p:spPr>
+        <p:txBody>
+          <a:bodyPr wrap="none" rtlCol="0">
+            <a:spAutoFit/>
+          </a:bodyPr>
+          <a:lstStyle/>
+          <a:p>
+            <a:r>
+              <a:rPr lang="ko-KR" altLang="en-US" sz="6000" dirty="0">
+                <a:solidFill>
+                  <a:schemeClr val="bg1"/>
+                </a:solidFill>
+                <a:latin typeface="나눔바른펜" panose="020B0503000000000000" pitchFamily="50" charset="-127"/>
+                <a:ea typeface="나눔바른펜" panose="020B0503000000000000" pitchFamily="50" charset="-127"/>
+              </a:rPr>
+              <a:t>주요제작리스트</a:t>
+            </a:r>
+          </a:p>
+        </p:txBody>
+      </p:sp>
+    </p:spTree>
+    <p:extLst>
+      <p:ext uri="{BB962C8B-B14F-4D97-AF65-F5344CB8AC3E}">
+        <p14:creationId xmlns:p14="http://schemas.microsoft.com/office/powerpoint/2010/main" val="45783522"/>
+      </p:ext>
+    </p:extLst>
+  </p:cSld>
+  <p:clrMapOvr>
+    <a:overrideClrMapping bg1="lt1" tx1="dk1" bg2="lt2" tx2="dk2" accent1="accent1" accent2="accent2" accent3="accent3" accent4="accent4" accent5="accent5" accent6="accent6" hlink="hlink" folHlink="folHlink"/>
+  </p:clrMapOvr>
+</p:sld>
+</file>
+
+<file path=ppt/slides/slide9.xml><?xml version="1.0" encoding="utf-8"?>
+<p:sld xmlns:a="http://schemas.openxmlformats.org/drawingml/2006/main" xmlns:r="http://schemas.openxmlformats.org/officeDocument/2006/relationships" xmlns:p="http://schemas.openxmlformats.org/presentationml/2006/main">
+  <p:cSld>
+    <p:bg>
+      <p:bgPr>
+        <a:solidFill>
+          <a:schemeClr val="tx1">
+            <a:lumMod val="85000"/>
+            <a:lumOff val="15000"/>
+          </a:schemeClr>
+        </a:solidFill>
+        <a:effectLst/>
+      </p:bgPr>
+    </p:bg>
+    <p:spTree>
+      <p:nvGrpSpPr>
+        <p:cNvPr id="1" name=""/>
+        <p:cNvGrpSpPr/>
+        <p:nvPr/>
+      </p:nvGrpSpPr>
+      <p:grpSpPr>
+        <a:xfrm>
+          <a:off x="0" y="0"/>
+          <a:ext cx="0" cy="0"/>
+          <a:chOff x="0" y="0"/>
+          <a:chExt cx="0" cy="0"/>
+        </a:xfrm>
+      </p:grpSpPr>
+      <p:sp>
+        <p:nvSpPr>
+          <p:cNvPr id="3" name="내용 개체 틀 2">
+            <a:extLst>
+              <a:ext uri="{FF2B5EF4-FFF2-40B4-BE49-F238E27FC236}">
+                <a16:creationId xmlns:a16="http://schemas.microsoft.com/office/drawing/2014/main" id="{972CE041-03FA-4BFB-AA4E-6057DEA64598}"/>
+              </a:ext>
+            </a:extLst>
+          </p:cNvPr>
+          <p:cNvSpPr>
+            <a:spLocks noGrp="1"/>
+          </p:cNvSpPr>
+          <p:nvPr>
+            <p:ph idx="1"/>
+          </p:nvPr>
+        </p:nvSpPr>
+        <p:spPr>
+          <a:xfrm>
+            <a:off x="628650" y="1825625"/>
+            <a:ext cx="7886700" cy="4351338"/>
+          </a:xfrm>
+        </p:spPr>
+        <p:txBody>
+          <a:bodyPr/>
+          <a:lstStyle/>
+          <a:p>
+            <a:r>
+              <a:rPr lang="en-US" altLang="ko-KR" dirty="0">
+                <a:solidFill>
+                  <a:schemeClr val="bg1"/>
+                </a:solidFill>
+              </a:rPr>
+              <a:t>Scene </a:t>
+            </a:r>
+            <a:r>
+              <a:rPr lang="ko-KR" altLang="en-US" dirty="0">
+                <a:solidFill>
+                  <a:schemeClr val="bg1"/>
+                </a:solidFill>
+              </a:rPr>
+              <a:t>만으로 불가능 했던 것</a:t>
+            </a:r>
+            <a:r>
+              <a:rPr lang="en-US" altLang="ko-KR" dirty="0">
+                <a:solidFill>
+                  <a:schemeClr val="bg1"/>
+                </a:solidFill>
+              </a:rPr>
+              <a:t>: </a:t>
+            </a:r>
+          </a:p>
+          <a:p>
+            <a:pPr marL="457200" lvl="1" indent="0">
+              <a:buNone/>
+            </a:pPr>
+            <a:r>
+              <a:rPr lang="en-US" altLang="ko-KR" dirty="0">
+                <a:solidFill>
+                  <a:schemeClr val="bg1"/>
+                </a:solidFill>
+              </a:rPr>
+              <a:t>game</a:t>
+            </a:r>
+            <a:r>
+              <a:rPr lang="ko-KR" altLang="en-US" dirty="0">
+                <a:solidFill>
+                  <a:schemeClr val="bg1"/>
+                </a:solidFill>
+              </a:rPr>
+              <a:t>과 </a:t>
+            </a:r>
+            <a:r>
+              <a:rPr lang="en-US" altLang="ko-KR" dirty="0">
+                <a:solidFill>
+                  <a:schemeClr val="bg1"/>
+                </a:solidFill>
+              </a:rPr>
+              <a:t>edit</a:t>
+            </a:r>
+            <a:r>
+              <a:rPr lang="ko-KR" altLang="en-US" dirty="0" err="1">
+                <a:solidFill>
+                  <a:schemeClr val="bg1"/>
+                </a:solidFill>
+              </a:rPr>
+              <a:t>씬과의</a:t>
+            </a:r>
+            <a:r>
+              <a:rPr lang="ko-KR" altLang="en-US" dirty="0">
+                <a:solidFill>
+                  <a:schemeClr val="bg1"/>
+                </a:solidFill>
+              </a:rPr>
+              <a:t> 상호작용 불가능</a:t>
+            </a:r>
+            <a:endParaRPr lang="en-US" altLang="ko-KR" dirty="0">
+              <a:solidFill>
+                <a:schemeClr val="bg1"/>
+              </a:solidFill>
+            </a:endParaRPr>
+          </a:p>
+          <a:p>
+            <a:endParaRPr lang="en-US" altLang="ko-KR" dirty="0">
+              <a:solidFill>
+                <a:schemeClr val="bg1"/>
+              </a:solidFill>
+            </a:endParaRPr>
+          </a:p>
+          <a:p>
+            <a:r>
+              <a:rPr lang="en-US" altLang="ko-KR" dirty="0">
+                <a:solidFill>
+                  <a:schemeClr val="bg1"/>
+                </a:solidFill>
+              </a:rPr>
+              <a:t>Scene</a:t>
+            </a:r>
+            <a:r>
+              <a:rPr lang="ko-KR" altLang="en-US" dirty="0">
+                <a:solidFill>
+                  <a:schemeClr val="bg1"/>
+                </a:solidFill>
+              </a:rPr>
+              <a:t>이 </a:t>
+            </a:r>
+            <a:r>
+              <a:rPr lang="en-US" altLang="ko-KR" dirty="0" err="1">
+                <a:solidFill>
+                  <a:schemeClr val="bg1"/>
+                </a:solidFill>
+              </a:rPr>
+              <a:t>FrameWork</a:t>
+            </a:r>
+            <a:r>
+              <a:rPr lang="en-US" altLang="ko-KR" dirty="0">
+                <a:solidFill>
+                  <a:schemeClr val="bg1"/>
+                </a:solidFill>
+              </a:rPr>
+              <a:t> </a:t>
+            </a:r>
+            <a:r>
+              <a:rPr lang="ko-KR" altLang="en-US" dirty="0">
+                <a:solidFill>
+                  <a:schemeClr val="bg1"/>
+                </a:solidFill>
+              </a:rPr>
+              <a:t>에 </a:t>
+            </a:r>
+            <a:r>
+              <a:rPr lang="ko-KR" altLang="en-US" dirty="0" err="1">
+                <a:solidFill>
+                  <a:schemeClr val="bg1"/>
+                </a:solidFill>
+              </a:rPr>
+              <a:t>들려있듯이</a:t>
+            </a:r>
+            <a:r>
+              <a:rPr lang="ko-KR" altLang="en-US" dirty="0">
+                <a:solidFill>
+                  <a:schemeClr val="bg1"/>
+                </a:solidFill>
+              </a:rPr>
+              <a:t> </a:t>
+            </a:r>
+            <a:r>
+              <a:rPr lang="en-US" altLang="ko-KR" dirty="0">
+                <a:solidFill>
+                  <a:schemeClr val="bg1"/>
+                </a:solidFill>
+              </a:rPr>
+              <a:t>Scene</a:t>
+            </a:r>
+            <a:r>
+              <a:rPr lang="ko-KR" altLang="en-US" dirty="0">
+                <a:solidFill>
+                  <a:schemeClr val="bg1"/>
+                </a:solidFill>
+              </a:rPr>
+              <a:t>에 </a:t>
+            </a:r>
+            <a:r>
+              <a:rPr lang="en-US" altLang="ko-KR" dirty="0" err="1">
+                <a:solidFill>
+                  <a:schemeClr val="bg1"/>
+                </a:solidFill>
+              </a:rPr>
+              <a:t>ChildScene</a:t>
+            </a:r>
+            <a:r>
+              <a:rPr lang="ko-KR" altLang="en-US" dirty="0">
+                <a:solidFill>
+                  <a:schemeClr val="bg1"/>
+                </a:solidFill>
+              </a:rPr>
+              <a:t>을 들려주었음</a:t>
+            </a:r>
+            <a:endParaRPr lang="en-US" altLang="ko-KR" dirty="0">
+              <a:solidFill>
+                <a:schemeClr val="bg1"/>
+              </a:solidFill>
+            </a:endParaRPr>
+          </a:p>
+          <a:p>
+            <a:r>
+              <a:rPr lang="en-US" altLang="ko-KR" dirty="0" err="1">
+                <a:solidFill>
+                  <a:schemeClr val="bg1"/>
+                </a:solidFill>
+              </a:rPr>
+              <a:t>ChildGetMessge</a:t>
+            </a:r>
+            <a:r>
+              <a:rPr lang="en-US" altLang="ko-KR" dirty="0">
+                <a:solidFill>
+                  <a:schemeClr val="bg1"/>
+                </a:solidFill>
+              </a:rPr>
+              <a:t> </a:t>
+            </a:r>
+            <a:r>
+              <a:rPr lang="ko-KR" altLang="en-US" dirty="0">
+                <a:solidFill>
+                  <a:schemeClr val="bg1"/>
+                </a:solidFill>
+              </a:rPr>
+              <a:t>함수로 상호작용 처리</a:t>
+            </a:r>
+            <a:endParaRPr lang="en-US" altLang="ko-KR" dirty="0">
+              <a:solidFill>
+                <a:schemeClr val="bg1"/>
+              </a:solidFill>
+            </a:endParaRPr>
+          </a:p>
+        </p:txBody>
+      </p:sp>
+      <p:sp>
+        <p:nvSpPr>
+          <p:cNvPr id="4" name="직사각형 3">
+            <a:extLst>
+              <a:ext uri="{FF2B5EF4-FFF2-40B4-BE49-F238E27FC236}">
+                <a16:creationId xmlns:a16="http://schemas.microsoft.com/office/drawing/2014/main" id="{88D854C0-A088-4C53-A201-2EAED2CC311D}"/>
+              </a:ext>
+            </a:extLst>
+          </p:cNvPr>
+          <p:cNvSpPr/>
+          <p:nvPr/>
+        </p:nvSpPr>
+        <p:spPr>
+          <a:xfrm>
+            <a:off x="8558072" y="705348"/>
+            <a:ext cx="585927" cy="464575"/>
+          </a:xfrm>
+          <a:prstGeom prst="rect">
+            <a:avLst/>
+          </a:prstGeom>
+          <a:solidFill>
+            <a:srgbClr val="F02802"/>
+          </a:solidFill>
+          <a:ln>
+            <a:noFill/>
+          </a:ln>
+        </p:spPr>
+        <p:style>
+          <a:lnRef idx="2">
+            <a:schemeClr val="accent1">
+              <a:shade val="50000"/>
+            </a:schemeClr>
+          </a:lnRef>
+          <a:fillRef idx="1">
+            <a:schemeClr val="accent1"/>
+          </a:fillRef>
+          <a:effectRef idx="0">
+            <a:schemeClr val="accent1"/>
+          </a:effectRef>
+          <a:fontRef idx="minor">
+            <a:schemeClr val="lt1"/>
+          </a:fontRef>
+        </p:style>
+        <p:txBody>
+          <a:bodyPr rot="0" spcFirstLastPara="0" vertOverflow="overflow" horzOverflow="overflow" vert="horz" wrap="square" lIns="68580" tIns="34290" rIns="68580" bIns="34290" numCol="1" spcCol="0" rtlCol="0" fromWordArt="0" anchor="ctr" anchorCtr="0" forceAA="0" compatLnSpc="1">
+            <a:prstTxWarp prst="textNoShape">
+              <a:avLst/>
+            </a:prstTxWarp>
+            <a:noAutofit/>
+          </a:bodyPr>
+          <a:lstStyle/>
+          <a:p>
+            <a:pPr algn="ctr"/>
+            <a:endParaRPr lang="ko-KR" altLang="en-US" sz="1350"/>
+          </a:p>
+        </p:txBody>
+      </p:sp>
+      <p:sp>
+        <p:nvSpPr>
+          <p:cNvPr id="5" name="직사각형 4">
+            <a:extLst>
+              <a:ext uri="{FF2B5EF4-FFF2-40B4-BE49-F238E27FC236}">
+                <a16:creationId xmlns:a16="http://schemas.microsoft.com/office/drawing/2014/main" id="{D79F1DD2-F00C-4D6C-AFAB-08BC2B78C93F}"/>
+              </a:ext>
+            </a:extLst>
+          </p:cNvPr>
+          <p:cNvSpPr/>
+          <p:nvPr/>
+        </p:nvSpPr>
+        <p:spPr>
+          <a:xfrm>
+            <a:off x="8558074" y="1169923"/>
+            <a:ext cx="585926" cy="464575"/>
+          </a:xfrm>
+          <a:prstGeom prst="rect">
+            <a:avLst/>
+          </a:prstGeom>
+          <a:solidFill>
+            <a:srgbClr val="FFC000"/>
+          </a:solidFill>
+          <a:ln>
+            <a:noFill/>
+          </a:ln>
+        </p:spPr>
+        <p:style>
+          <a:lnRef idx="2">
+            <a:schemeClr val="accent1">
+              <a:shade val="50000"/>
+            </a:schemeClr>
+          </a:lnRef>
+          <a:fillRef idx="1">
+            <a:schemeClr val="accent1"/>
+          </a:fillRef>
+          <a:effectRef idx="0">
+            <a:schemeClr val="accent1"/>
+          </a:effectRef>
+          <a:fontRef idx="minor">
+            <a:schemeClr val="lt1"/>
+          </a:fontRef>
+        </p:style>
+        <p:txBody>
+          <a:bodyPr rot="0" spcFirstLastPara="0" vertOverflow="overflow" horzOverflow="overflow" vert="horz" wrap="square" lIns="68580" tIns="34290" rIns="68580" bIns="34290" numCol="1" spcCol="0" rtlCol="0" fromWordArt="0" anchor="ctr" anchorCtr="0" forceAA="0" compatLnSpc="1">
+            <a:prstTxWarp prst="textNoShape">
+              <a:avLst/>
+            </a:prstTxWarp>
+            <a:noAutofit/>
+          </a:bodyPr>
+          <a:lstStyle/>
+          <a:p>
+            <a:pPr algn="ctr"/>
+            <a:endParaRPr lang="ko-KR" altLang="en-US" sz="1350"/>
+          </a:p>
+        </p:txBody>
+      </p:sp>
+      <p:sp>
+        <p:nvSpPr>
+          <p:cNvPr id="6" name="직사각형 5">
+            <a:extLst>
+              <a:ext uri="{FF2B5EF4-FFF2-40B4-BE49-F238E27FC236}">
+                <a16:creationId xmlns:a16="http://schemas.microsoft.com/office/drawing/2014/main" id="{21AE5ACF-1C54-4BD0-B099-D290D4268E11}"/>
+              </a:ext>
+            </a:extLst>
+          </p:cNvPr>
+          <p:cNvSpPr/>
+          <p:nvPr/>
+        </p:nvSpPr>
+        <p:spPr>
+          <a:xfrm>
+            <a:off x="8558074" y="1634498"/>
+            <a:ext cx="585926" cy="464575"/>
+          </a:xfrm>
+          <a:prstGeom prst="rect">
+            <a:avLst/>
+          </a:prstGeom>
+          <a:solidFill>
+            <a:srgbClr val="00B050"/>
+          </a:solidFill>
+          <a:ln>
+            <a:noFill/>
+          </a:ln>
+        </p:spPr>
+        <p:style>
+          <a:lnRef idx="2">
+            <a:schemeClr val="accent1">
+              <a:shade val="50000"/>
+            </a:schemeClr>
+          </a:lnRef>
+          <a:fillRef idx="1">
+            <a:schemeClr val="accent1"/>
+          </a:fillRef>
+          <a:effectRef idx="0">
+            <a:schemeClr val="accent1"/>
+          </a:effectRef>
+          <a:fontRef idx="minor">
+            <a:schemeClr val="lt1"/>
+          </a:fontRef>
+        </p:style>
+        <p:txBody>
+          <a:bodyPr rot="0" spcFirstLastPara="0" vertOverflow="overflow" horzOverflow="overflow" vert="horz" wrap="square" lIns="68580" tIns="34290" rIns="68580" bIns="34290" numCol="1" spcCol="0" rtlCol="0" fromWordArt="0" anchor="ctr" anchorCtr="0" forceAA="0" compatLnSpc="1">
+            <a:prstTxWarp prst="textNoShape">
+              <a:avLst/>
+            </a:prstTxWarp>
+            <a:noAutofit/>
+          </a:bodyPr>
+          <a:lstStyle/>
+          <a:p>
+            <a:pPr algn="ctr"/>
+            <a:endParaRPr lang="ko-KR" altLang="en-US" sz="1350"/>
+          </a:p>
+        </p:txBody>
+      </p:sp>
+      <p:sp>
+        <p:nvSpPr>
+          <p:cNvPr id="7" name="직사각형 6">
+            <a:extLst>
+              <a:ext uri="{FF2B5EF4-FFF2-40B4-BE49-F238E27FC236}">
+                <a16:creationId xmlns:a16="http://schemas.microsoft.com/office/drawing/2014/main" id="{2DDD51C6-C234-477F-82D3-909C3EB63704}"/>
+              </a:ext>
+            </a:extLst>
+          </p:cNvPr>
+          <p:cNvSpPr/>
+          <p:nvPr/>
+        </p:nvSpPr>
+        <p:spPr>
+          <a:xfrm>
+            <a:off x="7683910" y="2099073"/>
+            <a:ext cx="1460090" cy="464575"/>
+          </a:xfrm>
+          <a:prstGeom prst="rect">
+            <a:avLst/>
+          </a:prstGeom>
+          <a:solidFill>
+            <a:srgbClr val="00B9F6"/>
+          </a:solidFill>
+          <a:ln>
+            <a:noFill/>
+          </a:ln>
+        </p:spPr>
+        <p:style>
+          <a:lnRef idx="2">
+            <a:schemeClr val="accent1">
+              <a:shade val="50000"/>
+            </a:schemeClr>
+          </a:lnRef>
+          <a:fillRef idx="1">
+            <a:schemeClr val="accent1"/>
+          </a:fillRef>
+          <a:effectRef idx="0">
+            <a:schemeClr val="accent1"/>
+          </a:effectRef>
+          <a:fontRef idx="minor">
+            <a:schemeClr val="lt1"/>
+          </a:fontRef>
+        </p:style>
+        <p:txBody>
+          <a:bodyPr rot="0" spcFirstLastPara="0" vertOverflow="overflow" horzOverflow="overflow" vert="horz" wrap="square" lIns="68580" tIns="34290" rIns="68580" bIns="34290" numCol="1" spcCol="0" rtlCol="0" fromWordArt="0" anchor="ctr" anchorCtr="0" forceAA="0" compatLnSpc="1">
+            <a:prstTxWarp prst="textNoShape">
+              <a:avLst/>
+            </a:prstTxWarp>
+            <a:noAutofit/>
+          </a:bodyPr>
+          <a:lstStyle/>
+          <a:p>
+            <a:pPr algn="ctr"/>
+            <a:endParaRPr lang="ko-KR" altLang="en-US"/>
+          </a:p>
+        </p:txBody>
+      </p:sp>
+      <p:sp>
+        <p:nvSpPr>
+          <p:cNvPr id="8" name="직사각형 7">
+            <a:extLst>
+              <a:ext uri="{FF2B5EF4-FFF2-40B4-BE49-F238E27FC236}">
+                <a16:creationId xmlns:a16="http://schemas.microsoft.com/office/drawing/2014/main" id="{44D9E954-10CD-4D1C-9BB9-C52BCDB20A43}"/>
+              </a:ext>
+            </a:extLst>
+          </p:cNvPr>
+          <p:cNvSpPr/>
+          <p:nvPr/>
+        </p:nvSpPr>
+        <p:spPr>
+          <a:xfrm>
+            <a:off x="8558072" y="2563648"/>
+            <a:ext cx="585927" cy="464575"/>
+          </a:xfrm>
+          <a:prstGeom prst="rect">
+            <a:avLst/>
+          </a:prstGeom>
+          <a:solidFill>
+            <a:schemeClr val="bg2">
+              <a:lumMod val="50000"/>
+            </a:schemeClr>
+          </a:solidFill>
+          <a:ln>
+            <a:noFill/>
+          </a:ln>
+        </p:spPr>
+        <p:style>
+          <a:lnRef idx="2">
+            <a:schemeClr val="accent1">
+              <a:shade val="50000"/>
+            </a:schemeClr>
+          </a:lnRef>
+          <a:fillRef idx="1">
+            <a:schemeClr val="accent1"/>
+          </a:fillRef>
+          <a:effectRef idx="0">
+            <a:schemeClr val="accent1"/>
+          </a:effectRef>
+          <a:fontRef idx="minor">
+            <a:schemeClr val="lt1"/>
+          </a:fontRef>
+        </p:style>
+        <p:txBody>
+          <a:bodyPr rot="0" spcFirstLastPara="0" vertOverflow="overflow" horzOverflow="overflow" vert="horz" wrap="square" lIns="68580" tIns="34290" rIns="68580" bIns="34290" numCol="1" spcCol="0" rtlCol="0" fromWordArt="0" anchor="ctr" anchorCtr="0" forceAA="0" compatLnSpc="1">
+            <a:prstTxWarp prst="textNoShape">
+              <a:avLst/>
+            </a:prstTxWarp>
+            <a:noAutofit/>
+          </a:bodyPr>
+          <a:lstStyle/>
+          <a:p>
+            <a:pPr algn="ctr"/>
+            <a:endParaRPr lang="ko-KR" altLang="en-US"/>
+          </a:p>
+        </p:txBody>
+      </p:sp>
+      <p:sp>
+        <p:nvSpPr>
+          <p:cNvPr id="9" name="TextBox 8">
+            <a:extLst>
+              <a:ext uri="{FF2B5EF4-FFF2-40B4-BE49-F238E27FC236}">
+                <a16:creationId xmlns:a16="http://schemas.microsoft.com/office/drawing/2014/main" id="{DA4C68B3-2F4C-4149-8004-6F33AAE7274E}"/>
+              </a:ext>
+            </a:extLst>
+          </p:cNvPr>
+          <p:cNvSpPr txBox="1"/>
+          <p:nvPr/>
+        </p:nvSpPr>
+        <p:spPr>
+          <a:xfrm>
+            <a:off x="745726" y="618835"/>
+            <a:ext cx="3437159" cy="1015663"/>
+          </a:xfrm>
+          <a:prstGeom prst="rect">
+            <a:avLst/>
+          </a:prstGeom>
+          <a:noFill/>
+        </p:spPr>
+        <p:txBody>
+          <a:bodyPr wrap="none" rtlCol="0">
+            <a:spAutoFit/>
+          </a:bodyPr>
+          <a:lstStyle/>
+          <a:p>
+            <a:r>
+              <a:rPr lang="ko-KR" altLang="en-US" sz="6000" dirty="0" err="1">
+                <a:solidFill>
+                  <a:schemeClr val="bg1"/>
+                </a:solidFill>
+              </a:rPr>
+              <a:t>차일드</a:t>
+            </a:r>
+            <a:r>
+              <a:rPr lang="ko-KR" altLang="en-US" sz="6000" dirty="0">
+                <a:solidFill>
+                  <a:schemeClr val="bg1"/>
+                </a:solidFill>
+              </a:rPr>
+              <a:t> 씬</a:t>
+            </a:r>
+            <a:endParaRPr lang="en-US" altLang="ko-KR" sz="6000" dirty="0">
+              <a:solidFill>
+                <a:schemeClr val="bg1"/>
+              </a:solidFill>
+            </a:endParaRPr>
+          </a:p>
+        </p:txBody>
+      </p:sp>
+    </p:spTree>
+    <p:extLst>
+      <p:ext uri="{BB962C8B-B14F-4D97-AF65-F5344CB8AC3E}">
+        <p14:creationId xmlns:p14="http://schemas.microsoft.com/office/powerpoint/2010/main" val="1042890885"/>
+      </p:ext>
+    </p:extLst>
+  </p:cSld>
+  <p:clrMapOvr>
+    <a:overrideClrMapping bg1="lt1" tx1="dk1" bg2="lt2" tx2="dk2" accent1="accent1" accent2="accent2" accent3="accent3" accent4="accent4" accent5="accent5" accent6="accent6" hlink="hlink" folHlink="folHlink"/>
   </p:clrMapOvr>
 </p:sld>
 </file>
@@ -6406,4 +10268,219 @@
     </a:ext>
   </a:extLst>
 </a:theme>
+</file>
+
+<file path=ppt/theme/themeOverride1.xml><?xml version="1.0" encoding="utf-8"?>
+<a:themeOverride xmlns:a="http://schemas.openxmlformats.org/drawingml/2006/main">
+  <a:clrScheme name="Office 테마">
+    <a:dk1>
+      <a:sysClr val="windowText" lastClr="000000"/>
+    </a:dk1>
+    <a:lt1>
+      <a:sysClr val="window" lastClr="FFFFFF"/>
+    </a:lt1>
+    <a:dk2>
+      <a:srgbClr val="44546A"/>
+    </a:dk2>
+    <a:lt2>
+      <a:srgbClr val="E7E6E6"/>
+    </a:lt2>
+    <a:accent1>
+      <a:srgbClr val="4472C4"/>
+    </a:accent1>
+    <a:accent2>
+      <a:srgbClr val="ED7D31"/>
+    </a:accent2>
+    <a:accent3>
+      <a:srgbClr val="A5A5A5"/>
+    </a:accent3>
+    <a:accent4>
+      <a:srgbClr val="FFC000"/>
+    </a:accent4>
+    <a:accent5>
+      <a:srgbClr val="5B9BD5"/>
+    </a:accent5>
+    <a:accent6>
+      <a:srgbClr val="70AD47"/>
+    </a:accent6>
+    <a:hlink>
+      <a:srgbClr val="0563C1"/>
+    </a:hlink>
+    <a:folHlink>
+      <a:srgbClr val="954F72"/>
+    </a:folHlink>
+  </a:clrScheme>
+</a:themeOverride>
+</file>
+
+<file path=ppt/theme/themeOverride2.xml><?xml version="1.0" encoding="utf-8"?>
+<a:themeOverride xmlns:a="http://schemas.openxmlformats.org/drawingml/2006/main">
+  <a:clrScheme name="Office 테마">
+    <a:dk1>
+      <a:sysClr val="windowText" lastClr="000000"/>
+    </a:dk1>
+    <a:lt1>
+      <a:sysClr val="window" lastClr="FFFFFF"/>
+    </a:lt1>
+    <a:dk2>
+      <a:srgbClr val="44546A"/>
+    </a:dk2>
+    <a:lt2>
+      <a:srgbClr val="E7E6E6"/>
+    </a:lt2>
+    <a:accent1>
+      <a:srgbClr val="4472C4"/>
+    </a:accent1>
+    <a:accent2>
+      <a:srgbClr val="ED7D31"/>
+    </a:accent2>
+    <a:accent3>
+      <a:srgbClr val="A5A5A5"/>
+    </a:accent3>
+    <a:accent4>
+      <a:srgbClr val="FFC000"/>
+    </a:accent4>
+    <a:accent5>
+      <a:srgbClr val="5B9BD5"/>
+    </a:accent5>
+    <a:accent6>
+      <a:srgbClr val="70AD47"/>
+    </a:accent6>
+    <a:hlink>
+      <a:srgbClr val="0563C1"/>
+    </a:hlink>
+    <a:folHlink>
+      <a:srgbClr val="954F72"/>
+    </a:folHlink>
+  </a:clrScheme>
+</a:themeOverride>
+</file>
+
+<file path=ppt/theme/themeOverride3.xml><?xml version="1.0" encoding="utf-8"?>
+<a:themeOverride xmlns:a="http://schemas.openxmlformats.org/drawingml/2006/main">
+  <a:clrScheme name="Office 테마">
+    <a:dk1>
+      <a:sysClr val="windowText" lastClr="000000"/>
+    </a:dk1>
+    <a:lt1>
+      <a:sysClr val="window" lastClr="FFFFFF"/>
+    </a:lt1>
+    <a:dk2>
+      <a:srgbClr val="44546A"/>
+    </a:dk2>
+    <a:lt2>
+      <a:srgbClr val="E7E6E6"/>
+    </a:lt2>
+    <a:accent1>
+      <a:srgbClr val="4472C4"/>
+    </a:accent1>
+    <a:accent2>
+      <a:srgbClr val="ED7D31"/>
+    </a:accent2>
+    <a:accent3>
+      <a:srgbClr val="A5A5A5"/>
+    </a:accent3>
+    <a:accent4>
+      <a:srgbClr val="FFC000"/>
+    </a:accent4>
+    <a:accent5>
+      <a:srgbClr val="5B9BD5"/>
+    </a:accent5>
+    <a:accent6>
+      <a:srgbClr val="70AD47"/>
+    </a:accent6>
+    <a:hlink>
+      <a:srgbClr val="0563C1"/>
+    </a:hlink>
+    <a:folHlink>
+      <a:srgbClr val="954F72"/>
+    </a:folHlink>
+  </a:clrScheme>
+</a:themeOverride>
+</file>
+
+<file path=ppt/theme/themeOverride4.xml><?xml version="1.0" encoding="utf-8"?>
+<a:themeOverride xmlns:a="http://schemas.openxmlformats.org/drawingml/2006/main">
+  <a:clrScheme name="Office 테마">
+    <a:dk1>
+      <a:sysClr val="windowText" lastClr="000000"/>
+    </a:dk1>
+    <a:lt1>
+      <a:sysClr val="window" lastClr="FFFFFF"/>
+    </a:lt1>
+    <a:dk2>
+      <a:srgbClr val="44546A"/>
+    </a:dk2>
+    <a:lt2>
+      <a:srgbClr val="E7E6E6"/>
+    </a:lt2>
+    <a:accent1>
+      <a:srgbClr val="4472C4"/>
+    </a:accent1>
+    <a:accent2>
+      <a:srgbClr val="ED7D31"/>
+    </a:accent2>
+    <a:accent3>
+      <a:srgbClr val="A5A5A5"/>
+    </a:accent3>
+    <a:accent4>
+      <a:srgbClr val="FFC000"/>
+    </a:accent4>
+    <a:accent5>
+      <a:srgbClr val="5B9BD5"/>
+    </a:accent5>
+    <a:accent6>
+      <a:srgbClr val="70AD47"/>
+    </a:accent6>
+    <a:hlink>
+      <a:srgbClr val="0563C1"/>
+    </a:hlink>
+    <a:folHlink>
+      <a:srgbClr val="954F72"/>
+    </a:folHlink>
+  </a:clrScheme>
+</a:themeOverride>
+</file>
+
+<file path=ppt/theme/themeOverride5.xml><?xml version="1.0" encoding="utf-8"?>
+<a:themeOverride xmlns:a="http://schemas.openxmlformats.org/drawingml/2006/main">
+  <a:clrScheme name="Office 테마">
+    <a:dk1>
+      <a:sysClr val="windowText" lastClr="000000"/>
+    </a:dk1>
+    <a:lt1>
+      <a:sysClr val="window" lastClr="FFFFFF"/>
+    </a:lt1>
+    <a:dk2>
+      <a:srgbClr val="44546A"/>
+    </a:dk2>
+    <a:lt2>
+      <a:srgbClr val="E7E6E6"/>
+    </a:lt2>
+    <a:accent1>
+      <a:srgbClr val="4472C4"/>
+    </a:accent1>
+    <a:accent2>
+      <a:srgbClr val="ED7D31"/>
+    </a:accent2>
+    <a:accent3>
+      <a:srgbClr val="A5A5A5"/>
+    </a:accent3>
+    <a:accent4>
+      <a:srgbClr val="FFC000"/>
+    </a:accent4>
+    <a:accent5>
+      <a:srgbClr val="5B9BD5"/>
+    </a:accent5>
+    <a:accent6>
+      <a:srgbClr val="70AD47"/>
+    </a:accent6>
+    <a:hlink>
+      <a:srgbClr val="0563C1"/>
+    </a:hlink>
+    <a:folHlink>
+      <a:srgbClr val="954F72"/>
+    </a:folHlink>
+  </a:clrScheme>
+</a:themeOverride>
 </file>
--- a/발표자료/API 텀프로젝트 발표자료.pptx
+++ b/발표자료/API 텀프로젝트 발표자료.pptx
@@ -123,6 +123,18 @@
 </p:presentation>
 </file>
 
+<file path=ppt/commentAuthors.xml><?xml version="1.0" encoding="utf-8"?>
+<p:cmAuthorLst xmlns:a="http://schemas.openxmlformats.org/drawingml/2006/main" xmlns:r="http://schemas.openxmlformats.org/officeDocument/2006/relationships" xmlns:p="http://schemas.openxmlformats.org/presentationml/2006/main">
+  <p:cmAuthor id="1" name="송주희" initials="송" lastIdx="3" clrIdx="0">
+    <p:extLst>
+      <p:ext uri="{19B8F6BF-5375-455C-9EA6-DF929625EA0E}">
+        <p15:presenceInfo xmlns:p15="http://schemas.microsoft.com/office/powerpoint/2012/main" userId="0c9b95620b356ef4" providerId="Windows Live"/>
+      </p:ext>
+    </p:extLst>
+  </p:cmAuthor>
+</p:cmAuthorLst>
+</file>
+
 <file path=ppt/revisionInfo.xml><?xml version="1.0" encoding="utf-8"?>
 <p1510:revInfo xmlns:a="http://schemas.openxmlformats.org/drawingml/2006/main" xmlns:r="http://schemas.openxmlformats.org/officeDocument/2006/relationships" xmlns:p1510="http://schemas.microsoft.com/office/powerpoint/2015/10/main"/>
 </file>
@@ -672,6 +684,17 @@
 <file path=ppt/slideLayouts/slideLayout2.xml><?xml version="1.0" encoding="utf-8"?>
 <p:sldLayout xmlns:a="http://schemas.openxmlformats.org/drawingml/2006/main" xmlns:r="http://schemas.openxmlformats.org/officeDocument/2006/relationships" xmlns:p="http://schemas.openxmlformats.org/presentationml/2006/main" type="obj" preserve="1">
   <p:cSld name="제목 및 내용">
+    <p:bg>
+      <p:bgPr>
+        <a:solidFill>
+          <a:schemeClr val="tx1">
+            <a:lumMod val="85000"/>
+            <a:lumOff val="15000"/>
+          </a:schemeClr>
+        </a:solidFill>
+        <a:effectLst/>
+      </p:bgPr>
+    </p:bg>
     <p:spTree>
       <p:nvGrpSpPr>
         <p:cNvPr id="1" name=""/>
@@ -2433,9 +2456,15 @@
 <p:sldMaster xmlns:a="http://schemas.openxmlformats.org/drawingml/2006/main" xmlns:r="http://schemas.openxmlformats.org/officeDocument/2006/relationships" xmlns:p="http://schemas.openxmlformats.org/presentationml/2006/main">
   <p:cSld>
     <p:bg>
-      <p:bgRef idx="1001">
-        <a:schemeClr val="bg1"/>
-      </p:bgRef>
+      <p:bgPr>
+        <a:solidFill>
+          <a:schemeClr val="tx1">
+            <a:lumMod val="85000"/>
+            <a:lumOff val="15000"/>
+          </a:schemeClr>
+        </a:solidFill>
+        <a:effectLst/>
+      </p:bgPr>
     </p:bg>
     <p:spTree>
       <p:nvGrpSpPr>
@@ -2477,7 +2506,7 @@
           <a:lstStyle/>
           <a:p>
             <a:r>
-              <a:rPr lang="ko-KR" altLang="en-US"/>
+              <a:rPr lang="ko-KR" altLang="en-US" dirty="0"/>
               <a:t>마스터 제목 스타일 편집</a:t>
             </a:r>
             <a:endParaRPr lang="en-US" dirty="0"/>
@@ -2511,35 +2540,35 @@
           <a:p>
             <a:pPr lvl="0"/>
             <a:r>
-              <a:rPr lang="ko-KR" altLang="en-US"/>
+              <a:rPr lang="ko-KR" altLang="en-US" dirty="0"/>
               <a:t>마스터 텍스트 스타일 편집</a:t>
             </a:r>
           </a:p>
           <a:p>
             <a:pPr lvl="1"/>
             <a:r>
-              <a:rPr lang="ko-KR" altLang="en-US"/>
+              <a:rPr lang="ko-KR" altLang="en-US" dirty="0"/>
               <a:t>둘째 수준</a:t>
             </a:r>
           </a:p>
           <a:p>
             <a:pPr lvl="2"/>
             <a:r>
-              <a:rPr lang="ko-KR" altLang="en-US"/>
+              <a:rPr lang="ko-KR" altLang="en-US" dirty="0"/>
               <a:t>셋째 수준</a:t>
             </a:r>
           </a:p>
           <a:p>
             <a:pPr lvl="3"/>
             <a:r>
-              <a:rPr lang="ko-KR" altLang="en-US"/>
+              <a:rPr lang="ko-KR" altLang="en-US" dirty="0"/>
               <a:t>넷째 수준</a:t>
             </a:r>
           </a:p>
           <a:p>
             <a:pPr lvl="4"/>
             <a:r>
-              <a:rPr lang="ko-KR" altLang="en-US"/>
+              <a:rPr lang="ko-KR" altLang="en-US" dirty="0"/>
               <a:t>다섯째 수준</a:t>
             </a:r>
             <a:endParaRPr lang="en-US" dirty="0"/>
@@ -2698,7 +2727,7 @@
         <a:buNone/>
         <a:defRPr sz="4400" kern="1200">
           <a:solidFill>
-            <a:schemeClr val="tx1"/>
+            <a:schemeClr val="bg1"/>
           </a:solidFill>
           <a:latin typeface="+mj-lt"/>
           <a:ea typeface="+mj-ea"/>
@@ -2718,7 +2747,7 @@
         <a:buChar char="•"/>
         <a:defRPr sz="2800" kern="1200">
           <a:solidFill>
-            <a:schemeClr val="tx1"/>
+            <a:schemeClr val="bg1"/>
           </a:solidFill>
           <a:latin typeface="+mn-lt"/>
           <a:ea typeface="+mn-ea"/>
@@ -2736,7 +2765,7 @@
         <a:buChar char="•"/>
         <a:defRPr sz="2400" kern="1200">
           <a:solidFill>
-            <a:schemeClr val="tx1"/>
+            <a:schemeClr val="bg1"/>
           </a:solidFill>
           <a:latin typeface="+mn-lt"/>
           <a:ea typeface="+mn-ea"/>
@@ -2754,7 +2783,7 @@
         <a:buChar char="•"/>
         <a:defRPr sz="2000" kern="1200">
           <a:solidFill>
-            <a:schemeClr val="tx1"/>
+            <a:schemeClr val="bg1"/>
           </a:solidFill>
           <a:latin typeface="+mn-lt"/>
           <a:ea typeface="+mn-ea"/>
@@ -2772,7 +2801,7 @@
         <a:buChar char="•"/>
         <a:defRPr sz="1800" kern="1200">
           <a:solidFill>
-            <a:schemeClr val="tx1"/>
+            <a:schemeClr val="bg1"/>
           </a:solidFill>
           <a:latin typeface="+mn-lt"/>
           <a:ea typeface="+mn-ea"/>
@@ -2790,7 +2819,7 @@
         <a:buChar char="•"/>
         <a:defRPr sz="1800" kern="1200">
           <a:solidFill>
-            <a:schemeClr val="tx1"/>
+            <a:schemeClr val="bg1"/>
           </a:solidFill>
           <a:latin typeface="+mn-lt"/>
           <a:ea typeface="+mn-ea"/>
@@ -2997,200 +3026,221 @@
           <a:chExt cx="0" cy="0"/>
         </a:xfrm>
       </p:grpSpPr>
-      <p:sp>
-        <p:nvSpPr>
-          <p:cNvPr id="4" name="타원 3"/>
-          <p:cNvSpPr/>
+      <p:grpSp>
+        <p:nvGrpSpPr>
+          <p:cNvPr id="2" name="그룹 1">
+            <a:extLst>
+              <a:ext uri="{FF2B5EF4-FFF2-40B4-BE49-F238E27FC236}">
+                <a16:creationId xmlns:a16="http://schemas.microsoft.com/office/drawing/2014/main" id="{782876F8-19F2-4266-8AD5-034259A24D5D}"/>
+              </a:ext>
+            </a:extLst>
+          </p:cNvPr>
+          <p:cNvGrpSpPr/>
           <p:nvPr/>
-        </p:nvSpPr>
-        <p:spPr>
-          <a:xfrm>
-            <a:off x="1219201" y="890953"/>
-            <a:ext cx="5040923" cy="4926358"/>
-          </a:xfrm>
-          <a:prstGeom prst="ellipse">
-            <a:avLst/>
-          </a:prstGeom>
-          <a:noFill/>
-          <a:ln w="19050">
-            <a:gradFill>
-              <a:gsLst>
-                <a:gs pos="0">
-                  <a:schemeClr val="accent1">
-                    <a:lumMod val="5000"/>
-                    <a:lumOff val="95000"/>
-                  </a:schemeClr>
-                </a:gs>
-                <a:gs pos="74000">
-                  <a:schemeClr val="accent1">
-                    <a:lumMod val="45000"/>
-                    <a:lumOff val="55000"/>
-                  </a:schemeClr>
-                </a:gs>
-                <a:gs pos="83000">
-                  <a:schemeClr val="accent1">
-                    <a:lumMod val="45000"/>
-                    <a:lumOff val="55000"/>
-                  </a:schemeClr>
-                </a:gs>
-                <a:gs pos="100000">
-                  <a:schemeClr val="accent1">
-                    <a:lumMod val="30000"/>
-                    <a:lumOff val="70000"/>
-                  </a:schemeClr>
-                </a:gs>
-              </a:gsLst>
-              <a:lin ang="5400000" scaled="1"/>
-            </a:gradFill>
-          </a:ln>
-        </p:spPr>
-        <p:style>
-          <a:lnRef idx="2">
-            <a:schemeClr val="accent1">
-              <a:shade val="50000"/>
-            </a:schemeClr>
-          </a:lnRef>
-          <a:fillRef idx="1">
-            <a:schemeClr val="accent1"/>
-          </a:fillRef>
-          <a:effectRef idx="0">
-            <a:schemeClr val="accent1"/>
-          </a:effectRef>
-          <a:fontRef idx="minor">
-            <a:schemeClr val="lt1"/>
-          </a:fontRef>
-        </p:style>
-        <p:txBody>
-          <a:bodyPr rtlCol="0" anchor="ctr"/>
-          <a:lstStyle/>
-          <a:p>
-            <a:pPr algn="ctr"/>
-            <a:endParaRPr lang="en-US" altLang="ko-KR" dirty="0"/>
-          </a:p>
-          <a:p>
-            <a:pPr algn="ctr"/>
-            <a:endParaRPr lang="ko-KR" altLang="en-US" dirty="0"/>
-          </a:p>
-        </p:txBody>
-      </p:sp>
-      <p:sp>
-        <p:nvSpPr>
-          <p:cNvPr id="6" name="타원 5"/>
-          <p:cNvSpPr/>
-          <p:nvPr/>
-        </p:nvSpPr>
-        <p:spPr>
-          <a:xfrm>
-            <a:off x="865294" y="1162981"/>
-            <a:ext cx="5020840" cy="4906731"/>
-          </a:xfrm>
-          <a:prstGeom prst="ellipse">
-            <a:avLst/>
-          </a:prstGeom>
-          <a:noFill/>
-          <a:ln w="19050">
-            <a:gradFill flip="none" rotWithShape="1">
-              <a:gsLst>
-                <a:gs pos="0">
-                  <a:srgbClr val="FFC000">
-                    <a:alpha val="81000"/>
-                  </a:srgbClr>
-                </a:gs>
-                <a:gs pos="100000">
-                  <a:srgbClr val="FF0000">
-                    <a:alpha val="67000"/>
-                  </a:srgbClr>
-                </a:gs>
-              </a:gsLst>
-              <a:lin ang="16200000" scaled="1"/>
-              <a:tileRect/>
-            </a:gradFill>
-          </a:ln>
-        </p:spPr>
-        <p:style>
-          <a:lnRef idx="2">
-            <a:schemeClr val="accent1">
-              <a:shade val="50000"/>
-            </a:schemeClr>
-          </a:lnRef>
-          <a:fillRef idx="1">
-            <a:schemeClr val="accent1"/>
-          </a:fillRef>
-          <a:effectRef idx="0">
-            <a:schemeClr val="accent1"/>
-          </a:effectRef>
-          <a:fontRef idx="minor">
-            <a:schemeClr val="lt1"/>
-          </a:fontRef>
-        </p:style>
-        <p:txBody>
-          <a:bodyPr rtlCol="0" anchor="ctr"/>
-          <a:lstStyle/>
-          <a:p>
-            <a:pPr algn="ctr"/>
-            <a:endParaRPr lang="ko-KR" altLang="en-US" dirty="0"/>
-          </a:p>
-        </p:txBody>
-      </p:sp>
-      <p:sp>
-        <p:nvSpPr>
-          <p:cNvPr id="9" name="타원 8"/>
-          <p:cNvSpPr/>
-          <p:nvPr/>
-        </p:nvSpPr>
-        <p:spPr>
-          <a:xfrm>
-            <a:off x="1438209" y="638907"/>
-            <a:ext cx="4447925" cy="4906731"/>
-          </a:xfrm>
-          <a:prstGeom prst="ellipse">
-            <a:avLst/>
-          </a:prstGeom>
-          <a:noFill/>
-          <a:ln w="19050">
-            <a:gradFill flip="none" rotWithShape="1">
-              <a:gsLst>
-                <a:gs pos="0">
-                  <a:srgbClr val="FFDF79">
-                    <a:alpha val="80784"/>
-                  </a:srgbClr>
-                </a:gs>
-                <a:gs pos="100000">
-                  <a:srgbClr val="FF5B5B">
-                    <a:alpha val="66667"/>
-                  </a:srgbClr>
-                </a:gs>
-              </a:gsLst>
-              <a:lin ang="16200000" scaled="1"/>
-              <a:tileRect/>
-            </a:gradFill>
-          </a:ln>
-        </p:spPr>
-        <p:style>
-          <a:lnRef idx="2">
-            <a:schemeClr val="accent1">
-              <a:shade val="50000"/>
-            </a:schemeClr>
-          </a:lnRef>
-          <a:fillRef idx="1">
-            <a:schemeClr val="accent1"/>
-          </a:fillRef>
-          <a:effectRef idx="0">
-            <a:schemeClr val="accent1"/>
-          </a:effectRef>
-          <a:fontRef idx="minor">
-            <a:schemeClr val="lt1"/>
-          </a:fontRef>
-        </p:style>
-        <p:txBody>
-          <a:bodyPr rtlCol="0" anchor="ctr"/>
-          <a:lstStyle/>
-          <a:p>
-            <a:pPr algn="ctr"/>
-            <a:endParaRPr lang="ko-KR" altLang="en-US" dirty="0"/>
-          </a:p>
-        </p:txBody>
-      </p:sp>
+        </p:nvGrpSpPr>
+        <p:grpSpPr>
+          <a:xfrm>
+            <a:off x="865294" y="638907"/>
+            <a:ext cx="5394830" cy="5430805"/>
+            <a:chOff x="865294" y="638907"/>
+            <a:chExt cx="5394830" cy="5430805"/>
+          </a:xfrm>
+        </p:grpSpPr>
+        <p:sp>
+          <p:nvSpPr>
+            <p:cNvPr id="4" name="타원 3"/>
+            <p:cNvSpPr/>
+            <p:nvPr/>
+          </p:nvSpPr>
+          <p:spPr>
+            <a:xfrm>
+              <a:off x="1219201" y="890953"/>
+              <a:ext cx="5040923" cy="4926358"/>
+            </a:xfrm>
+            <a:prstGeom prst="ellipse">
+              <a:avLst/>
+            </a:prstGeom>
+            <a:noFill/>
+            <a:ln w="19050">
+              <a:gradFill>
+                <a:gsLst>
+                  <a:gs pos="0">
+                    <a:schemeClr val="accent1">
+                      <a:lumMod val="5000"/>
+                      <a:lumOff val="95000"/>
+                    </a:schemeClr>
+                  </a:gs>
+                  <a:gs pos="74000">
+                    <a:schemeClr val="accent1">
+                      <a:lumMod val="45000"/>
+                      <a:lumOff val="55000"/>
+                    </a:schemeClr>
+                  </a:gs>
+                  <a:gs pos="83000">
+                    <a:schemeClr val="accent1">
+                      <a:lumMod val="45000"/>
+                      <a:lumOff val="55000"/>
+                    </a:schemeClr>
+                  </a:gs>
+                  <a:gs pos="100000">
+                    <a:schemeClr val="accent1">
+                      <a:lumMod val="30000"/>
+                      <a:lumOff val="70000"/>
+                    </a:schemeClr>
+                  </a:gs>
+                </a:gsLst>
+                <a:lin ang="5400000" scaled="1"/>
+              </a:gradFill>
+            </a:ln>
+          </p:spPr>
+          <p:style>
+            <a:lnRef idx="2">
+              <a:schemeClr val="accent1">
+                <a:shade val="50000"/>
+              </a:schemeClr>
+            </a:lnRef>
+            <a:fillRef idx="1">
+              <a:schemeClr val="accent1"/>
+            </a:fillRef>
+            <a:effectRef idx="0">
+              <a:schemeClr val="accent1"/>
+            </a:effectRef>
+            <a:fontRef idx="minor">
+              <a:schemeClr val="lt1"/>
+            </a:fontRef>
+          </p:style>
+          <p:txBody>
+            <a:bodyPr rtlCol="0" anchor="ctr"/>
+            <a:lstStyle/>
+            <a:p>
+              <a:pPr algn="ctr"/>
+              <a:endParaRPr lang="en-US" altLang="ko-KR" dirty="0"/>
+            </a:p>
+            <a:p>
+              <a:pPr algn="ctr"/>
+              <a:endParaRPr lang="ko-KR" altLang="en-US" dirty="0"/>
+            </a:p>
+          </p:txBody>
+        </p:sp>
+        <p:sp>
+          <p:nvSpPr>
+            <p:cNvPr id="6" name="타원 5"/>
+            <p:cNvSpPr/>
+            <p:nvPr/>
+          </p:nvSpPr>
+          <p:spPr>
+            <a:xfrm>
+              <a:off x="865294" y="1162981"/>
+              <a:ext cx="5020840" cy="4906731"/>
+            </a:xfrm>
+            <a:prstGeom prst="ellipse">
+              <a:avLst/>
+            </a:prstGeom>
+            <a:noFill/>
+            <a:ln w="19050">
+              <a:gradFill flip="none" rotWithShape="1">
+                <a:gsLst>
+                  <a:gs pos="0">
+                    <a:srgbClr val="FFC000">
+                      <a:alpha val="81000"/>
+                    </a:srgbClr>
+                  </a:gs>
+                  <a:gs pos="100000">
+                    <a:srgbClr val="FF0000">
+                      <a:alpha val="67000"/>
+                    </a:srgbClr>
+                  </a:gs>
+                </a:gsLst>
+                <a:lin ang="16200000" scaled="1"/>
+                <a:tileRect/>
+              </a:gradFill>
+            </a:ln>
+          </p:spPr>
+          <p:style>
+            <a:lnRef idx="2">
+              <a:schemeClr val="accent1">
+                <a:shade val="50000"/>
+              </a:schemeClr>
+            </a:lnRef>
+            <a:fillRef idx="1">
+              <a:schemeClr val="accent1"/>
+            </a:fillRef>
+            <a:effectRef idx="0">
+              <a:schemeClr val="accent1"/>
+            </a:effectRef>
+            <a:fontRef idx="minor">
+              <a:schemeClr val="lt1"/>
+            </a:fontRef>
+          </p:style>
+          <p:txBody>
+            <a:bodyPr rtlCol="0" anchor="ctr"/>
+            <a:lstStyle/>
+            <a:p>
+              <a:pPr algn="ctr"/>
+              <a:endParaRPr lang="ko-KR" altLang="en-US" dirty="0"/>
+            </a:p>
+          </p:txBody>
+        </p:sp>
+        <p:sp>
+          <p:nvSpPr>
+            <p:cNvPr id="9" name="타원 8"/>
+            <p:cNvSpPr/>
+            <p:nvPr/>
+          </p:nvSpPr>
+          <p:spPr>
+            <a:xfrm>
+              <a:off x="1438209" y="638907"/>
+              <a:ext cx="4447925" cy="4906731"/>
+            </a:xfrm>
+            <a:prstGeom prst="ellipse">
+              <a:avLst/>
+            </a:prstGeom>
+            <a:noFill/>
+            <a:ln w="19050">
+              <a:gradFill flip="none" rotWithShape="1">
+                <a:gsLst>
+                  <a:gs pos="0">
+                    <a:srgbClr val="FFDF79">
+                      <a:alpha val="80784"/>
+                    </a:srgbClr>
+                  </a:gs>
+                  <a:gs pos="100000">
+                    <a:srgbClr val="FF5B5B">
+                      <a:alpha val="66667"/>
+                    </a:srgbClr>
+                  </a:gs>
+                </a:gsLst>
+                <a:lin ang="16200000" scaled="1"/>
+                <a:tileRect/>
+              </a:gradFill>
+            </a:ln>
+          </p:spPr>
+          <p:style>
+            <a:lnRef idx="2">
+              <a:schemeClr val="accent1">
+                <a:shade val="50000"/>
+              </a:schemeClr>
+            </a:lnRef>
+            <a:fillRef idx="1">
+              <a:schemeClr val="accent1"/>
+            </a:fillRef>
+            <a:effectRef idx="0">
+              <a:schemeClr val="accent1"/>
+            </a:effectRef>
+            <a:fontRef idx="minor">
+              <a:schemeClr val="lt1"/>
+            </a:fontRef>
+          </p:style>
+          <p:txBody>
+            <a:bodyPr rtlCol="0" anchor="ctr"/>
+            <a:lstStyle/>
+            <a:p>
+              <a:pPr algn="ctr"/>
+              <a:endParaRPr lang="ko-KR" altLang="en-US" dirty="0"/>
+            </a:p>
+          </p:txBody>
+        </p:sp>
+      </p:grpSp>
       <p:sp>
         <p:nvSpPr>
           <p:cNvPr id="11" name="TextBox 10"/>
@@ -3383,6 +3433,154 @@
           <a:chExt cx="0" cy="0"/>
         </a:xfrm>
       </p:grpSpPr>
+      <p:pic>
+        <p:nvPicPr>
+          <p:cNvPr id="43" name="그림 42">
+            <a:extLst>
+              <a:ext uri="{FF2B5EF4-FFF2-40B4-BE49-F238E27FC236}">
+                <a16:creationId xmlns:a16="http://schemas.microsoft.com/office/drawing/2014/main" id="{BEBAC2EE-C006-4F8B-976F-ACF769FEE006}"/>
+              </a:ext>
+            </a:extLst>
+          </p:cNvPr>
+          <p:cNvPicPr>
+            <a:picLocks noChangeAspect="1"/>
+          </p:cNvPicPr>
+          <p:nvPr/>
+        </p:nvPicPr>
+        <p:blipFill>
+          <a:blip r:embed="rId3">
+            <a:extLst>
+              <a:ext uri="{28A0092B-C50C-407E-A947-70E740481C1C}">
+                <a14:useLocalDpi xmlns:a14="http://schemas.microsoft.com/office/drawing/2010/main" val="0"/>
+              </a:ext>
+            </a:extLst>
+          </a:blip>
+          <a:stretch>
+            <a:fillRect/>
+          </a:stretch>
+        </p:blipFill>
+        <p:spPr>
+          <a:xfrm rot="18872706">
+            <a:off x="4840291" y="3063733"/>
+            <a:ext cx="798000" cy="828000"/>
+          </a:xfrm>
+          <a:prstGeom prst="rect">
+            <a:avLst/>
+          </a:prstGeom>
+        </p:spPr>
+      </p:pic>
+      <p:sp>
+        <p:nvSpPr>
+          <p:cNvPr id="42" name="직사각형 41">
+            <a:extLst>
+              <a:ext uri="{FF2B5EF4-FFF2-40B4-BE49-F238E27FC236}">
+                <a16:creationId xmlns:a16="http://schemas.microsoft.com/office/drawing/2014/main" id="{CF35418B-D629-491F-89F5-D666E23C5A3A}"/>
+              </a:ext>
+            </a:extLst>
+          </p:cNvPr>
+          <p:cNvSpPr/>
+          <p:nvPr/>
+        </p:nvSpPr>
+        <p:spPr>
+          <a:xfrm>
+            <a:off x="6374621" y="3065287"/>
+            <a:ext cx="798990" cy="803649"/>
+          </a:xfrm>
+          <a:prstGeom prst="rect">
+            <a:avLst/>
+          </a:prstGeom>
+          <a:pattFill prst="wdDnDiag">
+            <a:fgClr>
+              <a:schemeClr val="accent4"/>
+            </a:fgClr>
+            <a:bgClr>
+              <a:schemeClr val="accent4">
+                <a:lumMod val="50000"/>
+              </a:schemeClr>
+            </a:bgClr>
+          </a:pattFill>
+        </p:spPr>
+        <p:style>
+          <a:lnRef idx="2">
+            <a:schemeClr val="accent1">
+              <a:shade val="50000"/>
+            </a:schemeClr>
+          </a:lnRef>
+          <a:fillRef idx="1">
+            <a:schemeClr val="accent1"/>
+          </a:fillRef>
+          <a:effectRef idx="0">
+            <a:schemeClr val="accent1"/>
+          </a:effectRef>
+          <a:fontRef idx="minor">
+            <a:schemeClr val="lt1"/>
+          </a:fontRef>
+        </p:style>
+        <p:txBody>
+          <a:bodyPr rtlCol="0" anchor="ctr"/>
+          <a:lstStyle/>
+          <a:p>
+            <a:pPr algn="ctr"/>
+            <a:endParaRPr lang="ko-KR" altLang="en-US"/>
+          </a:p>
+        </p:txBody>
+      </p:sp>
+      <p:sp>
+        <p:nvSpPr>
+          <p:cNvPr id="10" name="직사각형 9">
+            <a:extLst>
+              <a:ext uri="{FF2B5EF4-FFF2-40B4-BE49-F238E27FC236}">
+                <a16:creationId xmlns:a16="http://schemas.microsoft.com/office/drawing/2014/main" id="{BFBB1470-A95D-457F-8C59-E1598C10E6ED}"/>
+              </a:ext>
+            </a:extLst>
+          </p:cNvPr>
+          <p:cNvSpPr/>
+          <p:nvPr/>
+        </p:nvSpPr>
+        <p:spPr>
+          <a:xfrm>
+            <a:off x="1976800" y="2899695"/>
+            <a:ext cx="1124403" cy="1137304"/>
+          </a:xfrm>
+          <a:prstGeom prst="rect">
+            <a:avLst/>
+          </a:prstGeom>
+          <a:pattFill prst="wdDnDiag">
+            <a:fgClr>
+              <a:schemeClr val="accent4"/>
+            </a:fgClr>
+            <a:bgClr>
+              <a:schemeClr val="accent4">
+                <a:lumMod val="50000"/>
+              </a:schemeClr>
+            </a:bgClr>
+          </a:pattFill>
+        </p:spPr>
+        <p:style>
+          <a:lnRef idx="2">
+            <a:schemeClr val="accent1">
+              <a:shade val="50000"/>
+            </a:schemeClr>
+          </a:lnRef>
+          <a:fillRef idx="1">
+            <a:schemeClr val="accent1"/>
+          </a:fillRef>
+          <a:effectRef idx="0">
+            <a:schemeClr val="accent1"/>
+          </a:effectRef>
+          <a:fontRef idx="minor">
+            <a:schemeClr val="lt1"/>
+          </a:fontRef>
+        </p:style>
+        <p:txBody>
+          <a:bodyPr rtlCol="0" anchor="ctr"/>
+          <a:lstStyle/>
+          <a:p>
+            <a:pPr algn="ctr"/>
+            <a:endParaRPr lang="ko-KR" altLang="en-US" dirty="0"/>
+          </a:p>
+        </p:txBody>
+      </p:sp>
       <p:sp>
         <p:nvSpPr>
           <p:cNvPr id="3" name="내용 개체 틀 2">
@@ -3899,152 +4097,174 @@
           </p:style>
         </p:cxnSp>
       </p:grpSp>
-      <p:sp>
-        <p:nvSpPr>
-          <p:cNvPr id="16" name="별: 꼭짓점 6개 15">
+      <p:grpSp>
+        <p:nvGrpSpPr>
+          <p:cNvPr id="15" name="그룹 14">
             <a:extLst>
               <a:ext uri="{FF2B5EF4-FFF2-40B4-BE49-F238E27FC236}">
-                <a16:creationId xmlns:a16="http://schemas.microsoft.com/office/drawing/2014/main" id="{286C5129-E368-47FA-A914-1DEABE0F7EC7}"/>
+                <a16:creationId xmlns:a16="http://schemas.microsoft.com/office/drawing/2014/main" id="{437F54AE-1B8F-4983-9373-EDB18F4A3B6E}"/>
               </a:ext>
             </a:extLst>
           </p:cNvPr>
-          <p:cNvSpPr/>
+          <p:cNvGrpSpPr/>
           <p:nvPr/>
-        </p:nvSpPr>
-        <p:spPr>
-          <a:xfrm rot="2747528">
-            <a:off x="2163447" y="3188225"/>
-            <a:ext cx="772357" cy="621437"/>
-          </a:xfrm>
-          <a:prstGeom prst="star6">
-            <a:avLst/>
-          </a:prstGeom>
-          <a:solidFill>
-            <a:schemeClr val="accent1"/>
-          </a:solidFill>
-          <a:ln>
+        </p:nvGrpSpPr>
+        <p:grpSpPr>
+          <a:xfrm>
+            <a:off x="2139519" y="3081489"/>
+            <a:ext cx="819611" cy="828000"/>
+            <a:chOff x="2139519" y="3081489"/>
+            <a:chExt cx="819611" cy="828000"/>
+          </a:xfrm>
+        </p:grpSpPr>
+        <p:sp>
+          <p:nvSpPr>
+            <p:cNvPr id="16" name="별: 꼭짓점 6개 15">
+              <a:extLst>
+                <a:ext uri="{FF2B5EF4-FFF2-40B4-BE49-F238E27FC236}">
+                  <a16:creationId xmlns:a16="http://schemas.microsoft.com/office/drawing/2014/main" id="{286C5129-E368-47FA-A914-1DEABE0F7EC7}"/>
+                </a:ext>
+              </a:extLst>
+            </p:cNvPr>
+            <p:cNvSpPr/>
+            <p:nvPr/>
+          </p:nvSpPr>
+          <p:spPr>
+            <a:xfrm rot="2747528">
+              <a:off x="2163447" y="3188225"/>
+              <a:ext cx="772357" cy="621437"/>
+            </a:xfrm>
+            <a:prstGeom prst="star6">
+              <a:avLst/>
+            </a:prstGeom>
             <a:solidFill>
+              <a:schemeClr val="accent1"/>
+            </a:solidFill>
+            <a:ln>
+              <a:solidFill>
+                <a:schemeClr val="accent1">
+                  <a:alpha val="25000"/>
+                </a:schemeClr>
+              </a:solidFill>
+            </a:ln>
+          </p:spPr>
+          <p:style>
+            <a:lnRef idx="2">
               <a:schemeClr val="accent1">
-                <a:alpha val="25000"/>
+                <a:shade val="50000"/>
               </a:schemeClr>
-            </a:solidFill>
-          </a:ln>
-        </p:spPr>
-        <p:style>
-          <a:lnRef idx="2">
-            <a:schemeClr val="accent1">
-              <a:shade val="50000"/>
-            </a:schemeClr>
-          </a:lnRef>
-          <a:fillRef idx="1">
-            <a:schemeClr val="accent1"/>
-          </a:fillRef>
-          <a:effectRef idx="0">
-            <a:schemeClr val="accent1"/>
-          </a:effectRef>
-          <a:fontRef idx="minor">
-            <a:schemeClr val="lt1"/>
-          </a:fontRef>
-        </p:style>
-        <p:txBody>
-          <a:bodyPr rtlCol="0" anchor="ctr"/>
-          <a:lstStyle/>
-          <a:p>
-            <a:pPr algn="ctr"/>
-            <a:endParaRPr lang="ko-KR" altLang="en-US"/>
-          </a:p>
-        </p:txBody>
-      </p:sp>
-      <p:cxnSp>
-        <p:nvCxnSpPr>
-          <p:cNvPr id="17" name="직선 연결선 16">
-            <a:extLst>
-              <a:ext uri="{FF2B5EF4-FFF2-40B4-BE49-F238E27FC236}">
-                <a16:creationId xmlns:a16="http://schemas.microsoft.com/office/drawing/2014/main" id="{B7610B36-952C-4C34-A4D1-3FD31B34E3A1}"/>
-              </a:ext>
-            </a:extLst>
-          </p:cNvPr>
-          <p:cNvCxnSpPr>
-            <a:cxnSpLocks/>
-          </p:cNvCxnSpPr>
-          <p:nvPr/>
-        </p:nvCxnSpPr>
-        <p:spPr>
-          <a:xfrm rot="2747528" flipV="1">
-            <a:off x="2714994" y="3100143"/>
-            <a:ext cx="0" cy="488272"/>
-          </a:xfrm>
-          <a:prstGeom prst="line">
-            <a:avLst/>
-          </a:prstGeom>
-          <a:ln>
-            <a:solidFill>
-              <a:schemeClr val="bg1"/>
-            </a:solidFill>
-          </a:ln>
-        </p:spPr>
-        <p:style>
-          <a:lnRef idx="1">
-            <a:schemeClr val="accent1"/>
-          </a:lnRef>
-          <a:fillRef idx="0">
-            <a:schemeClr val="accent1"/>
-          </a:fillRef>
-          <a:effectRef idx="0">
-            <a:schemeClr val="accent1"/>
-          </a:effectRef>
-          <a:fontRef idx="minor">
-            <a:schemeClr val="tx1"/>
-          </a:fontRef>
-        </p:style>
-      </p:cxnSp>
-      <p:sp>
-        <p:nvSpPr>
-          <p:cNvPr id="18" name="직사각형 17">
-            <a:extLst>
-              <a:ext uri="{FF2B5EF4-FFF2-40B4-BE49-F238E27FC236}">
-                <a16:creationId xmlns:a16="http://schemas.microsoft.com/office/drawing/2014/main" id="{52CEC46F-23CF-4862-9CB5-D9D0E8908913}"/>
-              </a:ext>
-            </a:extLst>
-          </p:cNvPr>
-          <p:cNvSpPr/>
-          <p:nvPr/>
-        </p:nvSpPr>
-        <p:spPr>
-          <a:xfrm>
-            <a:off x="2139519" y="3081489"/>
-            <a:ext cx="798990" cy="828000"/>
-          </a:xfrm>
-          <a:prstGeom prst="rect">
-            <a:avLst/>
-          </a:prstGeom>
-          <a:noFill/>
-        </p:spPr>
-        <p:style>
-          <a:lnRef idx="2">
-            <a:schemeClr val="accent1">
-              <a:shade val="50000"/>
-            </a:schemeClr>
-          </a:lnRef>
-          <a:fillRef idx="1">
-            <a:schemeClr val="accent1"/>
-          </a:fillRef>
-          <a:effectRef idx="0">
-            <a:schemeClr val="accent1"/>
-          </a:effectRef>
-          <a:fontRef idx="minor">
-            <a:schemeClr val="lt1"/>
-          </a:fontRef>
-        </p:style>
-        <p:txBody>
-          <a:bodyPr rtlCol="0" anchor="ctr"/>
-          <a:lstStyle/>
-          <a:p>
-            <a:pPr algn="ctr"/>
-            <a:endParaRPr lang="ko-KR" altLang="en-US"/>
-          </a:p>
-        </p:txBody>
-      </p:sp>
+            </a:lnRef>
+            <a:fillRef idx="1">
+              <a:schemeClr val="accent1"/>
+            </a:fillRef>
+            <a:effectRef idx="0">
+              <a:schemeClr val="accent1"/>
+            </a:effectRef>
+            <a:fontRef idx="minor">
+              <a:schemeClr val="lt1"/>
+            </a:fontRef>
+          </p:style>
+          <p:txBody>
+            <a:bodyPr rtlCol="0" anchor="ctr"/>
+            <a:lstStyle/>
+            <a:p>
+              <a:pPr algn="ctr"/>
+              <a:endParaRPr lang="ko-KR" altLang="en-US" dirty="0"/>
+            </a:p>
+          </p:txBody>
+        </p:sp>
+        <p:cxnSp>
+          <p:nvCxnSpPr>
+            <p:cNvPr id="17" name="직선 연결선 16">
+              <a:extLst>
+                <a:ext uri="{FF2B5EF4-FFF2-40B4-BE49-F238E27FC236}">
+                  <a16:creationId xmlns:a16="http://schemas.microsoft.com/office/drawing/2014/main" id="{B7610B36-952C-4C34-A4D1-3FD31B34E3A1}"/>
+                </a:ext>
+              </a:extLst>
+            </p:cNvPr>
+            <p:cNvCxnSpPr>
+              <a:cxnSpLocks/>
+            </p:cNvCxnSpPr>
+            <p:nvPr/>
+          </p:nvCxnSpPr>
+          <p:spPr>
+            <a:xfrm rot="2747528" flipV="1">
+              <a:off x="2714994" y="3100143"/>
+              <a:ext cx="0" cy="488272"/>
+            </a:xfrm>
+            <a:prstGeom prst="line">
+              <a:avLst/>
+            </a:prstGeom>
+            <a:ln>
+              <a:solidFill>
+                <a:schemeClr val="bg1"/>
+              </a:solidFill>
+            </a:ln>
+          </p:spPr>
+          <p:style>
+            <a:lnRef idx="1">
+              <a:schemeClr val="accent1"/>
+            </a:lnRef>
+            <a:fillRef idx="0">
+              <a:schemeClr val="accent1"/>
+            </a:fillRef>
+            <a:effectRef idx="0">
+              <a:schemeClr val="accent1"/>
+            </a:effectRef>
+            <a:fontRef idx="minor">
+              <a:schemeClr val="tx1"/>
+            </a:fontRef>
+          </p:style>
+        </p:cxnSp>
+        <p:sp>
+          <p:nvSpPr>
+            <p:cNvPr id="18" name="직사각형 17">
+              <a:extLst>
+                <a:ext uri="{FF2B5EF4-FFF2-40B4-BE49-F238E27FC236}">
+                  <a16:creationId xmlns:a16="http://schemas.microsoft.com/office/drawing/2014/main" id="{52CEC46F-23CF-4862-9CB5-D9D0E8908913}"/>
+                </a:ext>
+              </a:extLst>
+            </p:cNvPr>
+            <p:cNvSpPr/>
+            <p:nvPr/>
+          </p:nvSpPr>
+          <p:spPr>
+            <a:xfrm>
+              <a:off x="2139519" y="3081489"/>
+              <a:ext cx="798990" cy="828000"/>
+            </a:xfrm>
+            <a:prstGeom prst="rect">
+              <a:avLst/>
+            </a:prstGeom>
+            <a:noFill/>
+            <a:ln w="38100"/>
+          </p:spPr>
+          <p:style>
+            <a:lnRef idx="2">
+              <a:schemeClr val="accent1">
+                <a:shade val="50000"/>
+              </a:schemeClr>
+            </a:lnRef>
+            <a:fillRef idx="1">
+              <a:schemeClr val="accent1"/>
+            </a:fillRef>
+            <a:effectRef idx="0">
+              <a:schemeClr val="accent1"/>
+            </a:effectRef>
+            <a:fontRef idx="minor">
+              <a:schemeClr val="lt1"/>
+            </a:fontRef>
+          </p:style>
+          <p:txBody>
+            <a:bodyPr rtlCol="0" anchor="ctr"/>
+            <a:lstStyle/>
+            <a:p>
+              <a:pPr algn="ctr"/>
+              <a:endParaRPr lang="ko-KR" altLang="en-US" dirty="0"/>
+            </a:p>
+          </p:txBody>
+        </p:sp>
+      </p:grpSp>
       <p:grpSp>
         <p:nvGrpSpPr>
           <p:cNvPr id="21" name="그룹 20">
@@ -4309,14 +4529,14 @@
             </a:prstGeom>
             <a:solidFill>
               <a:schemeClr val="accent1">
-                <a:alpha val="25000"/>
+                <a:alpha val="50000"/>
               </a:schemeClr>
             </a:solidFill>
             <a:ln>
               <a:solidFill>
                 <a:schemeClr val="accent1">
                   <a:shade val="50000"/>
-                  <a:alpha val="25000"/>
+                  <a:alpha val="50000"/>
                 </a:schemeClr>
               </a:solidFill>
             </a:ln>
@@ -4347,261 +4567,6 @@
           </p:txBody>
         </p:sp>
       </p:grpSp>
-      <p:grpSp>
-        <p:nvGrpSpPr>
-          <p:cNvPr id="52" name="그룹 51">
-            <a:extLst>
-              <a:ext uri="{FF2B5EF4-FFF2-40B4-BE49-F238E27FC236}">
-                <a16:creationId xmlns:a16="http://schemas.microsoft.com/office/drawing/2014/main" id="{029CEF3C-1F3D-4898-95E4-A222DBF8D8B1}"/>
-              </a:ext>
-            </a:extLst>
-          </p:cNvPr>
-          <p:cNvGrpSpPr/>
-          <p:nvPr/>
-        </p:nvGrpSpPr>
-        <p:grpSpPr>
-          <a:xfrm>
-            <a:off x="6391268" y="3028223"/>
-            <a:ext cx="852690" cy="852980"/>
-            <a:chOff x="5994079" y="3036992"/>
-            <a:chExt cx="852690" cy="852980"/>
-          </a:xfrm>
-        </p:grpSpPr>
-        <p:grpSp>
-          <p:nvGrpSpPr>
-            <p:cNvPr id="36" name="그룹 35">
-              <a:extLst>
-                <a:ext uri="{FF2B5EF4-FFF2-40B4-BE49-F238E27FC236}">
-                  <a16:creationId xmlns:a16="http://schemas.microsoft.com/office/drawing/2014/main" id="{127A34A9-5363-478E-83DF-CD8BE79A6024}"/>
-                </a:ext>
-              </a:extLst>
-            </p:cNvPr>
-            <p:cNvGrpSpPr/>
-            <p:nvPr/>
-          </p:nvGrpSpPr>
-          <p:grpSpPr>
-            <a:xfrm rot="30795">
-              <a:off x="5994079" y="3061972"/>
-              <a:ext cx="819611" cy="828000"/>
-              <a:chOff x="1883546" y="3180623"/>
-              <a:chExt cx="819611" cy="828000"/>
-            </a:xfrm>
-          </p:grpSpPr>
-          <p:cxnSp>
-            <p:nvCxnSpPr>
-              <p:cNvPr id="37" name="직선 연결선 36">
-                <a:extLst>
-                  <a:ext uri="{FF2B5EF4-FFF2-40B4-BE49-F238E27FC236}">
-                    <a16:creationId xmlns:a16="http://schemas.microsoft.com/office/drawing/2014/main" id="{E65E95DA-1DBB-4671-ABA4-F1BD81A6B954}"/>
-                  </a:ext>
-                </a:extLst>
-              </p:cNvPr>
-              <p:cNvCxnSpPr>
-                <a:cxnSpLocks/>
-              </p:cNvCxnSpPr>
-              <p:nvPr/>
-            </p:nvCxnSpPr>
-            <p:spPr>
-              <a:xfrm rot="2747528" flipV="1">
-                <a:off x="2459021" y="3199277"/>
-                <a:ext cx="0" cy="488272"/>
-              </a:xfrm>
-              <a:prstGeom prst="line">
-                <a:avLst/>
-              </a:prstGeom>
-              <a:ln>
-                <a:solidFill>
-                  <a:schemeClr val="bg1"/>
-                </a:solidFill>
-              </a:ln>
-            </p:spPr>
-            <p:style>
-              <a:lnRef idx="1">
-                <a:schemeClr val="accent1"/>
-              </a:lnRef>
-              <a:fillRef idx="0">
-                <a:schemeClr val="accent1"/>
-              </a:fillRef>
-              <a:effectRef idx="0">
-                <a:schemeClr val="accent1"/>
-              </a:effectRef>
-              <a:fontRef idx="minor">
-                <a:schemeClr val="tx1"/>
-              </a:fontRef>
-            </p:style>
-          </p:cxnSp>
-          <p:sp>
-            <p:nvSpPr>
-              <p:cNvPr id="38" name="직사각형 37">
-                <a:extLst>
-                  <a:ext uri="{FF2B5EF4-FFF2-40B4-BE49-F238E27FC236}">
-                    <a16:creationId xmlns:a16="http://schemas.microsoft.com/office/drawing/2014/main" id="{2515B3EC-FC51-42D0-ACFA-173F9EAEFB3C}"/>
-                  </a:ext>
-                </a:extLst>
-              </p:cNvPr>
-              <p:cNvSpPr/>
-              <p:nvPr/>
-            </p:nvSpPr>
-            <p:spPr>
-              <a:xfrm>
-                <a:off x="1883546" y="3180623"/>
-                <a:ext cx="798990" cy="828000"/>
-              </a:xfrm>
-              <a:prstGeom prst="rect">
-                <a:avLst/>
-              </a:prstGeom>
-              <a:noFill/>
-            </p:spPr>
-            <p:style>
-              <a:lnRef idx="2">
-                <a:schemeClr val="accent1">
-                  <a:shade val="50000"/>
-                </a:schemeClr>
-              </a:lnRef>
-              <a:fillRef idx="1">
-                <a:schemeClr val="accent1"/>
-              </a:fillRef>
-              <a:effectRef idx="0">
-                <a:schemeClr val="accent1"/>
-              </a:effectRef>
-              <a:fontRef idx="minor">
-                <a:schemeClr val="lt1"/>
-              </a:fontRef>
-            </p:style>
-            <p:txBody>
-              <a:bodyPr rtlCol="0" anchor="ctr"/>
-              <a:lstStyle/>
-              <a:p>
-                <a:pPr algn="ctr"/>
-                <a:endParaRPr lang="ko-KR" altLang="en-US"/>
-              </a:p>
-            </p:txBody>
-          </p:sp>
-        </p:grpSp>
-        <p:grpSp>
-          <p:nvGrpSpPr>
-            <p:cNvPr id="39" name="그룹 38">
-              <a:extLst>
-                <a:ext uri="{FF2B5EF4-FFF2-40B4-BE49-F238E27FC236}">
-                  <a16:creationId xmlns:a16="http://schemas.microsoft.com/office/drawing/2014/main" id="{B67C2226-CD33-4E03-9CFB-7F61898B298B}"/>
-                </a:ext>
-              </a:extLst>
-            </p:cNvPr>
-            <p:cNvGrpSpPr/>
-            <p:nvPr/>
-          </p:nvGrpSpPr>
-          <p:grpSpPr>
-            <a:xfrm rot="2766788">
-              <a:off x="6069973" y="3032553"/>
-              <a:ext cx="772357" cy="781235"/>
-              <a:chOff x="1722267" y="3124940"/>
-              <a:chExt cx="772357" cy="781235"/>
-            </a:xfrm>
-          </p:grpSpPr>
-          <p:sp>
-            <p:nvSpPr>
-              <p:cNvPr id="40" name="별: 꼭짓점 6개 39">
-                <a:extLst>
-                  <a:ext uri="{FF2B5EF4-FFF2-40B4-BE49-F238E27FC236}">
-                    <a16:creationId xmlns:a16="http://schemas.microsoft.com/office/drawing/2014/main" id="{30E463DF-80AF-459B-9164-72D1E63458DB}"/>
-                  </a:ext>
-                </a:extLst>
-              </p:cNvPr>
-              <p:cNvSpPr/>
-              <p:nvPr/>
-            </p:nvSpPr>
-            <p:spPr>
-              <a:xfrm>
-                <a:off x="1722267" y="3284738"/>
-                <a:ext cx="772357" cy="621437"/>
-              </a:xfrm>
-              <a:prstGeom prst="star6">
-                <a:avLst/>
-              </a:prstGeom>
-              <a:solidFill>
-                <a:schemeClr val="accent1">
-                  <a:alpha val="25000"/>
-                </a:schemeClr>
-              </a:solidFill>
-              <a:ln>
-                <a:solidFill>
-                  <a:schemeClr val="accent1">
-                    <a:shade val="50000"/>
-                    <a:alpha val="25000"/>
-                  </a:schemeClr>
-                </a:solidFill>
-              </a:ln>
-            </p:spPr>
-            <p:style>
-              <a:lnRef idx="2">
-                <a:schemeClr val="accent1">
-                  <a:shade val="50000"/>
-                </a:schemeClr>
-              </a:lnRef>
-              <a:fillRef idx="1">
-                <a:schemeClr val="accent1"/>
-              </a:fillRef>
-              <a:effectRef idx="0">
-                <a:schemeClr val="accent1"/>
-              </a:effectRef>
-              <a:fontRef idx="minor">
-                <a:schemeClr val="lt1"/>
-              </a:fontRef>
-            </p:style>
-            <p:txBody>
-              <a:bodyPr rtlCol="0" anchor="ctr"/>
-              <a:lstStyle/>
-              <a:p>
-                <a:pPr algn="ctr"/>
-                <a:endParaRPr lang="ko-KR" altLang="en-US"/>
-              </a:p>
-            </p:txBody>
-          </p:sp>
-          <p:cxnSp>
-            <p:nvCxnSpPr>
-              <p:cNvPr id="41" name="직선 연결선 40">
-                <a:extLst>
-                  <a:ext uri="{FF2B5EF4-FFF2-40B4-BE49-F238E27FC236}">
-                    <a16:creationId xmlns:a16="http://schemas.microsoft.com/office/drawing/2014/main" id="{AF8DC8A5-43E5-4CFF-9486-46BAC6D984DC}"/>
-                  </a:ext>
-                </a:extLst>
-              </p:cNvPr>
-              <p:cNvCxnSpPr>
-                <a:cxnSpLocks/>
-              </p:cNvCxnSpPr>
-              <p:nvPr/>
-            </p:nvCxnSpPr>
-            <p:spPr>
-              <a:xfrm flipV="1">
-                <a:off x="2112885" y="3124940"/>
-                <a:ext cx="0" cy="488272"/>
-              </a:xfrm>
-              <a:prstGeom prst="line">
-                <a:avLst/>
-              </a:prstGeom>
-              <a:ln>
-                <a:solidFill>
-                  <a:schemeClr val="bg1"/>
-                </a:solidFill>
-              </a:ln>
-            </p:spPr>
-            <p:style>
-              <a:lnRef idx="1">
-                <a:schemeClr val="accent1"/>
-              </a:lnRef>
-              <a:fillRef idx="0">
-                <a:schemeClr val="accent1"/>
-              </a:fillRef>
-              <a:effectRef idx="0">
-                <a:schemeClr val="accent1"/>
-              </a:effectRef>
-              <a:fontRef idx="minor">
-                <a:schemeClr val="tx1"/>
-              </a:fontRef>
-            </p:style>
-          </p:cxnSp>
-        </p:grpSp>
-      </p:grpSp>
       <p:sp>
         <p:nvSpPr>
           <p:cNvPr id="46" name="TextBox 45">
@@ -4930,6 +4895,267 @@
               </a:rPr>
               <a:t>회전</a:t>
             </a:r>
+          </a:p>
+        </p:txBody>
+      </p:sp>
+      <p:pic>
+        <p:nvPicPr>
+          <p:cNvPr id="13" name="그림 12">
+            <a:extLst>
+              <a:ext uri="{FF2B5EF4-FFF2-40B4-BE49-F238E27FC236}">
+                <a16:creationId xmlns:a16="http://schemas.microsoft.com/office/drawing/2014/main" id="{1914EE3E-919D-48CF-9C95-0E28DDD1D494}"/>
+              </a:ext>
+            </a:extLst>
+          </p:cNvPr>
+          <p:cNvPicPr>
+            <a:picLocks noChangeAspect="1"/>
+          </p:cNvPicPr>
+          <p:nvPr/>
+        </p:nvPicPr>
+        <p:blipFill>
+          <a:blip r:embed="rId3">
+            <a:extLst>
+              <a:ext uri="{28A0092B-C50C-407E-A947-70E740481C1C}">
+                <a14:useLocalDpi xmlns:a14="http://schemas.microsoft.com/office/drawing/2010/main" val="0"/>
+              </a:ext>
+            </a:extLst>
+          </a:blip>
+          <a:stretch>
+            <a:fillRect/>
+          </a:stretch>
+        </p:blipFill>
+        <p:spPr>
+          <a:xfrm rot="18872706">
+            <a:off x="3428849" y="3063733"/>
+            <a:ext cx="798000" cy="828000"/>
+          </a:xfrm>
+          <a:prstGeom prst="rect">
+            <a:avLst/>
+          </a:prstGeom>
+        </p:spPr>
+      </p:pic>
+      <p:grpSp>
+        <p:nvGrpSpPr>
+          <p:cNvPr id="45" name="그룹 44">
+            <a:extLst>
+              <a:ext uri="{FF2B5EF4-FFF2-40B4-BE49-F238E27FC236}">
+                <a16:creationId xmlns:a16="http://schemas.microsoft.com/office/drawing/2014/main" id="{FA502E16-8151-45F0-AE72-226AF8AD36E6}"/>
+              </a:ext>
+            </a:extLst>
+          </p:cNvPr>
+          <p:cNvGrpSpPr/>
+          <p:nvPr/>
+        </p:nvGrpSpPr>
+        <p:grpSpPr>
+          <a:xfrm>
+            <a:off x="6372794" y="3054855"/>
+            <a:ext cx="819611" cy="828000"/>
+            <a:chOff x="2139519" y="3081489"/>
+            <a:chExt cx="819611" cy="828000"/>
+          </a:xfrm>
+        </p:grpSpPr>
+        <p:sp>
+          <p:nvSpPr>
+            <p:cNvPr id="47" name="별: 꼭짓점 6개 46">
+              <a:extLst>
+                <a:ext uri="{FF2B5EF4-FFF2-40B4-BE49-F238E27FC236}">
+                  <a16:creationId xmlns:a16="http://schemas.microsoft.com/office/drawing/2014/main" id="{CD7B4C8E-0BC1-4501-970B-633693E2F718}"/>
+                </a:ext>
+              </a:extLst>
+            </p:cNvPr>
+            <p:cNvSpPr/>
+            <p:nvPr/>
+          </p:nvSpPr>
+          <p:spPr>
+            <a:xfrm rot="2747528">
+              <a:off x="2163447" y="3188225"/>
+              <a:ext cx="772357" cy="621437"/>
+            </a:xfrm>
+            <a:prstGeom prst="star6">
+              <a:avLst/>
+            </a:prstGeom>
+            <a:solidFill>
+              <a:schemeClr val="accent1">
+                <a:alpha val="50000"/>
+              </a:schemeClr>
+            </a:solidFill>
+            <a:ln>
+              <a:solidFill>
+                <a:schemeClr val="accent1">
+                  <a:alpha val="50000"/>
+                </a:schemeClr>
+              </a:solidFill>
+            </a:ln>
+          </p:spPr>
+          <p:style>
+            <a:lnRef idx="2">
+              <a:schemeClr val="accent1">
+                <a:shade val="50000"/>
+              </a:schemeClr>
+            </a:lnRef>
+            <a:fillRef idx="1">
+              <a:schemeClr val="accent1"/>
+            </a:fillRef>
+            <a:effectRef idx="0">
+              <a:schemeClr val="accent1"/>
+            </a:effectRef>
+            <a:fontRef idx="minor">
+              <a:schemeClr val="lt1"/>
+            </a:fontRef>
+          </p:style>
+          <p:txBody>
+            <a:bodyPr rtlCol="0" anchor="ctr"/>
+            <a:lstStyle/>
+            <a:p>
+              <a:pPr algn="ctr"/>
+              <a:endParaRPr lang="ko-KR" altLang="en-US" dirty="0"/>
+            </a:p>
+          </p:txBody>
+        </p:sp>
+        <p:cxnSp>
+          <p:nvCxnSpPr>
+            <p:cNvPr id="54" name="직선 연결선 53">
+              <a:extLst>
+                <a:ext uri="{FF2B5EF4-FFF2-40B4-BE49-F238E27FC236}">
+                  <a16:creationId xmlns:a16="http://schemas.microsoft.com/office/drawing/2014/main" id="{4FC1A790-9FC4-42F5-9DE3-614567755C85}"/>
+                </a:ext>
+              </a:extLst>
+            </p:cNvPr>
+            <p:cNvCxnSpPr>
+              <a:cxnSpLocks/>
+            </p:cNvCxnSpPr>
+            <p:nvPr/>
+          </p:nvCxnSpPr>
+          <p:spPr>
+            <a:xfrm rot="2747528" flipV="1">
+              <a:off x="2714994" y="3100143"/>
+              <a:ext cx="0" cy="488272"/>
+            </a:xfrm>
+            <a:prstGeom prst="line">
+              <a:avLst/>
+            </a:prstGeom>
+            <a:ln>
+              <a:solidFill>
+                <a:schemeClr val="bg1"/>
+              </a:solidFill>
+            </a:ln>
+          </p:spPr>
+          <p:style>
+            <a:lnRef idx="1">
+              <a:schemeClr val="accent1"/>
+            </a:lnRef>
+            <a:fillRef idx="0">
+              <a:schemeClr val="accent1"/>
+            </a:fillRef>
+            <a:effectRef idx="0">
+              <a:schemeClr val="accent1"/>
+            </a:effectRef>
+            <a:fontRef idx="minor">
+              <a:schemeClr val="tx1"/>
+            </a:fontRef>
+          </p:style>
+        </p:cxnSp>
+        <p:sp>
+          <p:nvSpPr>
+            <p:cNvPr id="55" name="직사각형 54">
+              <a:extLst>
+                <a:ext uri="{FF2B5EF4-FFF2-40B4-BE49-F238E27FC236}">
+                  <a16:creationId xmlns:a16="http://schemas.microsoft.com/office/drawing/2014/main" id="{E5D7211C-FBA9-4357-8876-51B0E2B069BF}"/>
+                </a:ext>
+              </a:extLst>
+            </p:cNvPr>
+            <p:cNvSpPr/>
+            <p:nvPr/>
+          </p:nvSpPr>
+          <p:spPr>
+            <a:xfrm>
+              <a:off x="2139519" y="3081489"/>
+              <a:ext cx="798990" cy="828000"/>
+            </a:xfrm>
+            <a:prstGeom prst="rect">
+              <a:avLst/>
+            </a:prstGeom>
+            <a:noFill/>
+          </p:spPr>
+          <p:style>
+            <a:lnRef idx="2">
+              <a:schemeClr val="accent1">
+                <a:shade val="50000"/>
+              </a:schemeClr>
+            </a:lnRef>
+            <a:fillRef idx="1">
+              <a:schemeClr val="accent1"/>
+            </a:fillRef>
+            <a:effectRef idx="0">
+              <a:schemeClr val="accent1"/>
+            </a:effectRef>
+            <a:fontRef idx="minor">
+              <a:schemeClr val="lt1"/>
+            </a:fontRef>
+          </p:style>
+          <p:txBody>
+            <a:bodyPr rtlCol="0" anchor="ctr"/>
+            <a:lstStyle/>
+            <a:p>
+              <a:pPr algn="ctr"/>
+              <a:endParaRPr lang="ko-KR" altLang="en-US"/>
+            </a:p>
+          </p:txBody>
+        </p:sp>
+      </p:grpSp>
+      <p:sp>
+        <p:nvSpPr>
+          <p:cNvPr id="56" name="직사각형 55">
+            <a:extLst>
+              <a:ext uri="{FF2B5EF4-FFF2-40B4-BE49-F238E27FC236}">
+                <a16:creationId xmlns:a16="http://schemas.microsoft.com/office/drawing/2014/main" id="{C9198099-8735-481E-B9F1-A232AAE1121C}"/>
+              </a:ext>
+            </a:extLst>
+          </p:cNvPr>
+          <p:cNvSpPr/>
+          <p:nvPr/>
+        </p:nvSpPr>
+        <p:spPr>
+          <a:xfrm>
+            <a:off x="9370326" y="3383457"/>
+            <a:ext cx="798990" cy="827999"/>
+          </a:xfrm>
+          <a:prstGeom prst="rect">
+            <a:avLst/>
+          </a:prstGeom>
+          <a:pattFill prst="wdDnDiag">
+            <a:fgClr>
+              <a:schemeClr val="accent4"/>
+            </a:fgClr>
+            <a:bgClr>
+              <a:schemeClr val="accent4">
+                <a:lumMod val="50000"/>
+              </a:schemeClr>
+            </a:bgClr>
+          </a:pattFill>
+        </p:spPr>
+        <p:style>
+          <a:lnRef idx="2">
+            <a:schemeClr val="accent1">
+              <a:shade val="50000"/>
+            </a:schemeClr>
+          </a:lnRef>
+          <a:fillRef idx="1">
+            <a:schemeClr val="accent1"/>
+          </a:fillRef>
+          <a:effectRef idx="0">
+            <a:schemeClr val="accent1"/>
+          </a:effectRef>
+          <a:fontRef idx="minor">
+            <a:schemeClr val="lt1"/>
+          </a:fontRef>
+        </p:style>
+        <p:txBody>
+          <a:bodyPr rtlCol="0" anchor="ctr"/>
+          <a:lstStyle/>
+          <a:p>
+            <a:pPr algn="ctr"/>
+            <a:endParaRPr lang="ko-KR" altLang="en-US"/>
           </a:p>
         </p:txBody>
       </p:sp>
@@ -5642,12 +5868,20 @@
           </a:p>
           <a:p>
             <a:r>
+              <a:rPr lang="ko-KR" altLang="en-US" dirty="0">
+                <a:solidFill>
+                  <a:schemeClr val="bg1"/>
+                </a:solidFill>
+              </a:rPr>
+              <a:t>쓰레기 값의 </a:t>
+            </a:r>
+            <a:r>
               <a:rPr lang="en-US" altLang="ko-KR" dirty="0">
                 <a:solidFill>
                   <a:schemeClr val="bg1"/>
                 </a:solidFill>
               </a:rPr>
-              <a:t>true(16)</a:t>
+              <a:t>bool</a:t>
             </a:r>
           </a:p>
           <a:p>
@@ -5709,6 +5943,61 @@
               </a:rPr>
               <a:t>)</a:t>
             </a:r>
+          </a:p>
+          <a:p>
+            <a:r>
+              <a:rPr lang="en-US" altLang="ko-KR" dirty="0">
+                <a:solidFill>
+                  <a:schemeClr val="bg1"/>
+                </a:solidFill>
+              </a:rPr>
+              <a:t>~</a:t>
+            </a:r>
+            <a:r>
+              <a:rPr lang="en-US" altLang="ko-KR" dirty="0" err="1">
+                <a:solidFill>
+                  <a:schemeClr val="bg1"/>
+                </a:solidFill>
+              </a:rPr>
+              <a:t>CEnemy</a:t>
+            </a:r>
+            <a:r>
+              <a:rPr lang="en-US" altLang="ko-KR" dirty="0">
+                <a:solidFill>
+                  <a:schemeClr val="bg1"/>
+                </a:solidFill>
+              </a:rPr>
+              <a:t>(){ delete </a:t>
+            </a:r>
+            <a:r>
+              <a:rPr lang="en-US" altLang="ko-KR" dirty="0" err="1">
+                <a:solidFill>
+                  <a:schemeClr val="bg1"/>
+                </a:solidFill>
+              </a:rPr>
+              <a:t>m_ptr</a:t>
+            </a:r>
+            <a:r>
+              <a:rPr lang="en-US" altLang="ko-KR" dirty="0">
+                <a:solidFill>
+                  <a:schemeClr val="bg1"/>
+                </a:solidFill>
+              </a:rPr>
+              <a:t>;} </a:t>
+            </a:r>
+            <a:r>
+              <a:rPr lang="ko-KR" altLang="en-US" dirty="0">
+                <a:solidFill>
+                  <a:schemeClr val="bg1"/>
+                </a:solidFill>
+              </a:rPr>
+              <a:t>와중에 복사생성하기</a:t>
+            </a:r>
+            <a:endParaRPr lang="en-US" altLang="ko-KR" dirty="0">
+              <a:solidFill>
+                <a:schemeClr val="bg1"/>
+              </a:solidFill>
+            </a:endParaRPr>
           </a:p>
           <a:p>
             <a:endParaRPr lang="en-US" altLang="ko-KR" dirty="0">
@@ -6050,36 +6339,6 @@
           </a:p>
         </p:txBody>
       </p:sp>
-      <p:pic>
-        <p:nvPicPr>
-          <p:cNvPr id="10" name="그림 9">
-            <a:extLst>
-              <a:ext uri="{FF2B5EF4-FFF2-40B4-BE49-F238E27FC236}">
-                <a16:creationId xmlns:a16="http://schemas.microsoft.com/office/drawing/2014/main" id="{564065DD-F26A-4D41-8AED-7EC1EDD9EE52}"/>
-              </a:ext>
-            </a:extLst>
-          </p:cNvPr>
-          <p:cNvPicPr>
-            <a:picLocks noChangeAspect="1"/>
-          </p:cNvPicPr>
-          <p:nvPr/>
-        </p:nvPicPr>
-        <p:blipFill>
-          <a:blip r:embed="rId3"/>
-          <a:stretch>
-            <a:fillRect/>
-          </a:stretch>
-        </p:blipFill>
-        <p:spPr>
-          <a:xfrm>
-            <a:off x="745726" y="4001294"/>
-            <a:ext cx="6762750" cy="304800"/>
-          </a:xfrm>
-          <a:prstGeom prst="rect">
-            <a:avLst/>
-          </a:prstGeom>
-        </p:spPr>
-      </p:pic>
     </p:spTree>
     <p:extLst>
       <p:ext uri="{BB962C8B-B14F-4D97-AF65-F5344CB8AC3E}">
@@ -7345,6 +7604,293 @@
           </a:p>
         </p:txBody>
       </p:sp>
+      <p:sp>
+        <p:nvSpPr>
+          <p:cNvPr id="10" name="직사각형 9">
+            <a:extLst>
+              <a:ext uri="{FF2B5EF4-FFF2-40B4-BE49-F238E27FC236}">
+                <a16:creationId xmlns:a16="http://schemas.microsoft.com/office/drawing/2014/main" id="{34EC4BBC-3BC1-463B-88C7-AED9A69A6062}"/>
+              </a:ext>
+            </a:extLst>
+          </p:cNvPr>
+          <p:cNvSpPr/>
+          <p:nvPr/>
+        </p:nvSpPr>
+        <p:spPr>
+          <a:xfrm>
+            <a:off x="9144000" y="705348"/>
+            <a:ext cx="585927" cy="464575"/>
+          </a:xfrm>
+          <a:prstGeom prst="rect">
+            <a:avLst/>
+          </a:prstGeom>
+          <a:solidFill>
+            <a:schemeClr val="accent2"/>
+          </a:solidFill>
+          <a:ln>
+            <a:noFill/>
+          </a:ln>
+        </p:spPr>
+        <p:style>
+          <a:lnRef idx="2">
+            <a:schemeClr val="accent1">
+              <a:shade val="50000"/>
+            </a:schemeClr>
+          </a:lnRef>
+          <a:fillRef idx="1">
+            <a:schemeClr val="accent1"/>
+          </a:fillRef>
+          <a:effectRef idx="0">
+            <a:schemeClr val="accent1"/>
+          </a:effectRef>
+          <a:fontRef idx="minor">
+            <a:schemeClr val="lt1"/>
+          </a:fontRef>
+        </p:style>
+        <p:txBody>
+          <a:bodyPr rot="0" spcFirstLastPara="0" vertOverflow="overflow" horzOverflow="overflow" vert="horz" wrap="square" lIns="68580" tIns="34290" rIns="68580" bIns="34290" numCol="1" spcCol="0" rtlCol="0" fromWordArt="0" anchor="ctr" anchorCtr="0" forceAA="0" compatLnSpc="1">
+            <a:prstTxWarp prst="textNoShape">
+              <a:avLst/>
+            </a:prstTxWarp>
+            <a:noAutofit/>
+          </a:bodyPr>
+          <a:lstStyle/>
+          <a:p>
+            <a:pPr algn="ctr"/>
+            <a:endParaRPr lang="ko-KR" altLang="en-US" sz="1350"/>
+          </a:p>
+        </p:txBody>
+      </p:sp>
+      <p:sp>
+        <p:nvSpPr>
+          <p:cNvPr id="11" name="직사각형 10">
+            <a:extLst>
+              <a:ext uri="{FF2B5EF4-FFF2-40B4-BE49-F238E27FC236}">
+                <a16:creationId xmlns:a16="http://schemas.microsoft.com/office/drawing/2014/main" id="{0EF11228-DCF2-4F60-BFEC-3404D801F843}"/>
+              </a:ext>
+            </a:extLst>
+          </p:cNvPr>
+          <p:cNvSpPr/>
+          <p:nvPr/>
+        </p:nvSpPr>
+        <p:spPr>
+          <a:xfrm>
+            <a:off x="9144002" y="1169923"/>
+            <a:ext cx="585926" cy="464575"/>
+          </a:xfrm>
+          <a:prstGeom prst="rect">
+            <a:avLst/>
+          </a:prstGeom>
+          <a:solidFill>
+            <a:schemeClr val="accent4"/>
+          </a:solidFill>
+          <a:ln>
+            <a:noFill/>
+          </a:ln>
+        </p:spPr>
+        <p:style>
+          <a:lnRef idx="2">
+            <a:schemeClr val="accent1">
+              <a:shade val="50000"/>
+            </a:schemeClr>
+          </a:lnRef>
+          <a:fillRef idx="1">
+            <a:schemeClr val="accent1"/>
+          </a:fillRef>
+          <a:effectRef idx="0">
+            <a:schemeClr val="accent1"/>
+          </a:effectRef>
+          <a:fontRef idx="minor">
+            <a:schemeClr val="lt1"/>
+          </a:fontRef>
+        </p:style>
+        <p:txBody>
+          <a:bodyPr rot="0" spcFirstLastPara="0" vertOverflow="overflow" horzOverflow="overflow" vert="horz" wrap="square" lIns="68580" tIns="34290" rIns="68580" bIns="34290" numCol="1" spcCol="0" rtlCol="0" fromWordArt="0" anchor="ctr" anchorCtr="0" forceAA="0" compatLnSpc="1">
+            <a:prstTxWarp prst="textNoShape">
+              <a:avLst/>
+            </a:prstTxWarp>
+            <a:noAutofit/>
+          </a:bodyPr>
+          <a:lstStyle/>
+          <a:p>
+            <a:pPr algn="ctr"/>
+            <a:endParaRPr lang="ko-KR" altLang="en-US" sz="1350"/>
+          </a:p>
+        </p:txBody>
+      </p:sp>
+      <p:sp>
+        <p:nvSpPr>
+          <p:cNvPr id="12" name="직사각형 11">
+            <a:extLst>
+              <a:ext uri="{FF2B5EF4-FFF2-40B4-BE49-F238E27FC236}">
+                <a16:creationId xmlns:a16="http://schemas.microsoft.com/office/drawing/2014/main" id="{22E1CB8A-E336-48F3-9D74-7364E6B1398D}"/>
+              </a:ext>
+            </a:extLst>
+          </p:cNvPr>
+          <p:cNvSpPr/>
+          <p:nvPr/>
+        </p:nvSpPr>
+        <p:spPr>
+          <a:xfrm>
+            <a:off x="9144000" y="1634498"/>
+            <a:ext cx="585927" cy="464575"/>
+          </a:xfrm>
+          <a:prstGeom prst="rect">
+            <a:avLst/>
+          </a:prstGeom>
+          <a:solidFill>
+            <a:schemeClr val="accent6"/>
+          </a:solidFill>
+          <a:ln>
+            <a:noFill/>
+          </a:ln>
+        </p:spPr>
+        <p:style>
+          <a:lnRef idx="2">
+            <a:schemeClr val="accent1">
+              <a:shade val="50000"/>
+            </a:schemeClr>
+          </a:lnRef>
+          <a:fillRef idx="1">
+            <a:schemeClr val="accent1"/>
+          </a:fillRef>
+          <a:effectRef idx="0">
+            <a:schemeClr val="accent1"/>
+          </a:effectRef>
+          <a:fontRef idx="minor">
+            <a:schemeClr val="lt1"/>
+          </a:fontRef>
+        </p:style>
+        <p:txBody>
+          <a:bodyPr rot="0" spcFirstLastPara="0" vertOverflow="overflow" horzOverflow="overflow" vert="horz" wrap="square" lIns="68580" tIns="34290" rIns="68580" bIns="34290" numCol="1" spcCol="0" rtlCol="0" fromWordArt="0" anchor="ctr" anchorCtr="0" forceAA="0" compatLnSpc="1">
+            <a:prstTxWarp prst="textNoShape">
+              <a:avLst/>
+            </a:prstTxWarp>
+            <a:noAutofit/>
+          </a:bodyPr>
+          <a:lstStyle/>
+          <a:p>
+            <a:pPr algn="ctr"/>
+            <a:endParaRPr lang="ko-KR" altLang="en-US" sz="1350"/>
+          </a:p>
+        </p:txBody>
+      </p:sp>
+      <p:sp>
+        <p:nvSpPr>
+          <p:cNvPr id="13" name="직사각형 12">
+            <a:extLst>
+              <a:ext uri="{FF2B5EF4-FFF2-40B4-BE49-F238E27FC236}">
+                <a16:creationId xmlns:a16="http://schemas.microsoft.com/office/drawing/2014/main" id="{4A12DC26-3A80-4ECC-8101-4DE0A485759D}"/>
+              </a:ext>
+            </a:extLst>
+          </p:cNvPr>
+          <p:cNvSpPr/>
+          <p:nvPr/>
+        </p:nvSpPr>
+        <p:spPr>
+          <a:xfrm>
+            <a:off x="9144001" y="2099073"/>
+            <a:ext cx="585926" cy="464575"/>
+          </a:xfrm>
+          <a:prstGeom prst="rect">
+            <a:avLst/>
+          </a:prstGeom>
+          <a:solidFill>
+            <a:schemeClr val="accent5"/>
+          </a:solidFill>
+          <a:ln>
+            <a:noFill/>
+          </a:ln>
+        </p:spPr>
+        <p:style>
+          <a:lnRef idx="2">
+            <a:schemeClr val="accent1">
+              <a:shade val="50000"/>
+            </a:schemeClr>
+          </a:lnRef>
+          <a:fillRef idx="1">
+            <a:schemeClr val="accent1"/>
+          </a:fillRef>
+          <a:effectRef idx="0">
+            <a:schemeClr val="accent1"/>
+          </a:effectRef>
+          <a:fontRef idx="minor">
+            <a:schemeClr val="lt1"/>
+          </a:fontRef>
+        </p:style>
+        <p:txBody>
+          <a:bodyPr rot="0" spcFirstLastPara="0" vertOverflow="overflow" horzOverflow="overflow" vert="horz" wrap="square" lIns="68580" tIns="34290" rIns="68580" bIns="34290" numCol="1" spcCol="0" rtlCol="0" fromWordArt="0" anchor="ctr" anchorCtr="0" forceAA="0" compatLnSpc="1">
+            <a:prstTxWarp prst="textNoShape">
+              <a:avLst/>
+            </a:prstTxWarp>
+            <a:noAutofit/>
+          </a:bodyPr>
+          <a:lstStyle/>
+          <a:p>
+            <a:pPr algn="ctr"/>
+            <a:endParaRPr lang="ko-KR" altLang="en-US"/>
+          </a:p>
+        </p:txBody>
+      </p:sp>
+      <p:sp>
+        <p:nvSpPr>
+          <p:cNvPr id="14" name="직사각형 13">
+            <a:extLst>
+              <a:ext uri="{FF2B5EF4-FFF2-40B4-BE49-F238E27FC236}">
+                <a16:creationId xmlns:a16="http://schemas.microsoft.com/office/drawing/2014/main" id="{7AFE10F0-7B67-4801-A845-A376E95D5507}"/>
+              </a:ext>
+            </a:extLst>
+          </p:cNvPr>
+          <p:cNvSpPr/>
+          <p:nvPr/>
+        </p:nvSpPr>
+        <p:spPr>
+          <a:xfrm>
+            <a:off x="9144001" y="2563648"/>
+            <a:ext cx="585926" cy="464575"/>
+          </a:xfrm>
+          <a:prstGeom prst="rect">
+            <a:avLst/>
+          </a:prstGeom>
+          <a:solidFill>
+            <a:schemeClr val="bg2">
+              <a:lumMod val="75000"/>
+            </a:schemeClr>
+          </a:solidFill>
+          <a:ln>
+            <a:noFill/>
+          </a:ln>
+        </p:spPr>
+        <p:style>
+          <a:lnRef idx="2">
+            <a:schemeClr val="accent1">
+              <a:shade val="50000"/>
+            </a:schemeClr>
+          </a:lnRef>
+          <a:fillRef idx="1">
+            <a:schemeClr val="accent1"/>
+          </a:fillRef>
+          <a:effectRef idx="0">
+            <a:schemeClr val="accent1"/>
+          </a:effectRef>
+          <a:fontRef idx="minor">
+            <a:schemeClr val="lt1"/>
+          </a:fontRef>
+        </p:style>
+        <p:txBody>
+          <a:bodyPr rot="0" spcFirstLastPara="0" vertOverflow="overflow" horzOverflow="overflow" vert="horz" wrap="square" lIns="68580" tIns="34290" rIns="68580" bIns="34290" numCol="1" spcCol="0" rtlCol="0" fromWordArt="0" anchor="ctr" anchorCtr="0" forceAA="0" compatLnSpc="1">
+            <a:prstTxWarp prst="textNoShape">
+              <a:avLst/>
+            </a:prstTxWarp>
+            <a:noAutofit/>
+          </a:bodyPr>
+          <a:lstStyle/>
+          <a:p>
+            <a:pPr algn="ctr"/>
+            <a:endParaRPr lang="ko-KR" altLang="en-US"/>
+          </a:p>
+        </p:txBody>
+      </p:sp>
     </p:spTree>
     <p:extLst>
       <p:ext uri="{BB962C8B-B14F-4D97-AF65-F5344CB8AC3E}">
@@ -10012,7 +10558,7 @@
 <file path=ppt/theme/theme1.xml><?xml version="1.0" encoding="utf-8"?>
 <a:theme xmlns:a="http://schemas.openxmlformats.org/drawingml/2006/main" name="Office 테마">
   <a:themeElements>
-    <a:clrScheme name="Office 테마">
+    <a:clrScheme name="Office">
       <a:dk1>
         <a:sysClr val="windowText" lastClr="000000"/>
       </a:dk1>

--- a/발표자료/API 텀프로젝트 발표자료.pptx
+++ b/발표자료/API 텀프로젝트 발표자료.pptx
@@ -8,15 +8,13 @@
     <p:sldId id="256" r:id="rId2"/>
     <p:sldId id="263" r:id="rId3"/>
     <p:sldId id="258" r:id="rId4"/>
-    <p:sldId id="259" r:id="rId5"/>
-    <p:sldId id="260" r:id="rId6"/>
-    <p:sldId id="261" r:id="rId7"/>
-    <p:sldId id="262" r:id="rId8"/>
-    <p:sldId id="265" r:id="rId9"/>
-    <p:sldId id="268" r:id="rId10"/>
-    <p:sldId id="267" r:id="rId11"/>
-    <p:sldId id="266" r:id="rId12"/>
-    <p:sldId id="264" r:id="rId13"/>
+    <p:sldId id="265" r:id="rId5"/>
+    <p:sldId id="268" r:id="rId6"/>
+    <p:sldId id="267" r:id="rId7"/>
+    <p:sldId id="266" r:id="rId8"/>
+    <p:sldId id="264" r:id="rId9"/>
+    <p:sldId id="261" r:id="rId10"/>
+    <p:sldId id="262" r:id="rId11"/>
   </p:sldIdLst>
   <p:sldSz cx="9144000" cy="6858000" type="screen4x3"/>
   <p:notesSz cx="6858000" cy="9144000"/>
@@ -3433,6 +3431,3169 @@
           <a:chExt cx="0" cy="0"/>
         </a:xfrm>
       </p:grpSpPr>
+      <p:sp>
+        <p:nvSpPr>
+          <p:cNvPr id="2" name="사각형: 둥근 모서리 1"/>
+          <p:cNvSpPr/>
+          <p:nvPr/>
+        </p:nvSpPr>
+        <p:spPr>
+          <a:xfrm>
+            <a:off x="435000" y="3439531"/>
+            <a:ext cx="8291744" cy="88776"/>
+          </a:xfrm>
+          <a:prstGeom prst="roundRect">
+            <a:avLst/>
+          </a:prstGeom>
+          <a:noFill/>
+          <a:ln w="19050">
+            <a:solidFill>
+              <a:schemeClr val="bg1"/>
+            </a:solidFill>
+          </a:ln>
+        </p:spPr>
+        <p:style>
+          <a:lnRef idx="2">
+            <a:schemeClr val="accent1">
+              <a:shade val="50000"/>
+            </a:schemeClr>
+          </a:lnRef>
+          <a:fillRef idx="1">
+            <a:schemeClr val="accent1"/>
+          </a:fillRef>
+          <a:effectRef idx="0">
+            <a:schemeClr val="accent1"/>
+          </a:effectRef>
+          <a:fontRef idx="minor">
+            <a:schemeClr val="lt1"/>
+          </a:fontRef>
+        </p:style>
+        <p:txBody>
+          <a:bodyPr rtlCol="0" anchor="ctr"/>
+          <a:lstStyle/>
+          <a:p>
+            <a:pPr algn="ctr"/>
+            <a:endParaRPr lang="ko-KR" altLang="en-US">
+              <a:latin typeface="나눔바른펜" panose="020B0503000000000000" pitchFamily="50" charset="-127"/>
+              <a:ea typeface="나눔바른펜" panose="020B0503000000000000" pitchFamily="50" charset="-127"/>
+            </a:endParaRPr>
+          </a:p>
+        </p:txBody>
+      </p:sp>
+      <p:sp>
+        <p:nvSpPr>
+          <p:cNvPr id="3" name="타원 2"/>
+          <p:cNvSpPr/>
+          <p:nvPr/>
+        </p:nvSpPr>
+        <p:spPr>
+          <a:xfrm>
+            <a:off x="1144505" y="2976414"/>
+            <a:ext cx="133165" cy="133165"/>
+          </a:xfrm>
+          <a:prstGeom prst="ellipse">
+            <a:avLst/>
+          </a:prstGeom>
+          <a:solidFill>
+            <a:schemeClr val="bg1"/>
+          </a:solidFill>
+          <a:ln>
+            <a:noFill/>
+          </a:ln>
+        </p:spPr>
+        <p:style>
+          <a:lnRef idx="2">
+            <a:schemeClr val="accent1">
+              <a:shade val="50000"/>
+            </a:schemeClr>
+          </a:lnRef>
+          <a:fillRef idx="1">
+            <a:schemeClr val="accent1"/>
+          </a:fillRef>
+          <a:effectRef idx="0">
+            <a:schemeClr val="accent1"/>
+          </a:effectRef>
+          <a:fontRef idx="minor">
+            <a:schemeClr val="lt1"/>
+          </a:fontRef>
+        </p:style>
+        <p:txBody>
+          <a:bodyPr rtlCol="0" anchor="ctr"/>
+          <a:lstStyle/>
+          <a:p>
+            <a:pPr algn="ctr"/>
+            <a:endParaRPr lang="ko-KR" altLang="en-US">
+              <a:latin typeface="나눔바른펜" panose="020B0503000000000000" pitchFamily="50" charset="-127"/>
+              <a:ea typeface="나눔바른펜" panose="020B0503000000000000" pitchFamily="50" charset="-127"/>
+            </a:endParaRPr>
+          </a:p>
+        </p:txBody>
+      </p:sp>
+      <p:cxnSp>
+        <p:nvCxnSpPr>
+          <p:cNvPr id="17" name="직선 연결선 16"/>
+          <p:cNvCxnSpPr>
+            <a:cxnSpLocks/>
+          </p:cNvCxnSpPr>
+          <p:nvPr/>
+        </p:nvCxnSpPr>
+        <p:spPr>
+          <a:xfrm>
+            <a:off x="1238192" y="3065190"/>
+            <a:ext cx="519488" cy="374341"/>
+          </a:xfrm>
+          <a:prstGeom prst="line">
+            <a:avLst/>
+          </a:prstGeom>
+          <a:ln w="19050">
+            <a:solidFill>
+              <a:schemeClr val="bg1"/>
+            </a:solidFill>
+            <a:prstDash val="dash"/>
+          </a:ln>
+        </p:spPr>
+        <p:style>
+          <a:lnRef idx="1">
+            <a:schemeClr val="accent1"/>
+          </a:lnRef>
+          <a:fillRef idx="0">
+            <a:schemeClr val="accent1"/>
+          </a:fillRef>
+          <a:effectRef idx="0">
+            <a:schemeClr val="accent1"/>
+          </a:effectRef>
+          <a:fontRef idx="minor">
+            <a:schemeClr val="tx1"/>
+          </a:fontRef>
+        </p:style>
+      </p:cxnSp>
+      <p:sp>
+        <p:nvSpPr>
+          <p:cNvPr id="24" name="타원 23"/>
+          <p:cNvSpPr/>
+          <p:nvPr/>
+        </p:nvSpPr>
+        <p:spPr>
+          <a:xfrm>
+            <a:off x="5300744" y="2981765"/>
+            <a:ext cx="133165" cy="133165"/>
+          </a:xfrm>
+          <a:prstGeom prst="ellipse">
+            <a:avLst/>
+          </a:prstGeom>
+          <a:solidFill>
+            <a:schemeClr val="bg1"/>
+          </a:solidFill>
+          <a:ln>
+            <a:noFill/>
+          </a:ln>
+        </p:spPr>
+        <p:style>
+          <a:lnRef idx="2">
+            <a:schemeClr val="accent1">
+              <a:shade val="50000"/>
+            </a:schemeClr>
+          </a:lnRef>
+          <a:fillRef idx="1">
+            <a:schemeClr val="accent1"/>
+          </a:fillRef>
+          <a:effectRef idx="0">
+            <a:schemeClr val="accent1"/>
+          </a:effectRef>
+          <a:fontRef idx="minor">
+            <a:schemeClr val="lt1"/>
+          </a:fontRef>
+        </p:style>
+        <p:txBody>
+          <a:bodyPr rtlCol="0" anchor="ctr"/>
+          <a:lstStyle/>
+          <a:p>
+            <a:pPr algn="ctr"/>
+            <a:endParaRPr lang="ko-KR" altLang="en-US">
+              <a:latin typeface="나눔바른펜" panose="020B0503000000000000" pitchFamily="50" charset="-127"/>
+              <a:ea typeface="나눔바른펜" panose="020B0503000000000000" pitchFamily="50" charset="-127"/>
+            </a:endParaRPr>
+          </a:p>
+        </p:txBody>
+      </p:sp>
+      <p:cxnSp>
+        <p:nvCxnSpPr>
+          <p:cNvPr id="25" name="직선 연결선 24"/>
+          <p:cNvCxnSpPr>
+            <a:cxnSpLocks/>
+          </p:cNvCxnSpPr>
+          <p:nvPr/>
+        </p:nvCxnSpPr>
+        <p:spPr>
+          <a:xfrm>
+            <a:off x="5367327" y="3065190"/>
+            <a:ext cx="519488" cy="374341"/>
+          </a:xfrm>
+          <a:prstGeom prst="line">
+            <a:avLst/>
+          </a:prstGeom>
+          <a:ln w="19050">
+            <a:solidFill>
+              <a:schemeClr val="bg1"/>
+            </a:solidFill>
+            <a:prstDash val="dash"/>
+          </a:ln>
+        </p:spPr>
+        <p:style>
+          <a:lnRef idx="1">
+            <a:schemeClr val="accent1"/>
+          </a:lnRef>
+          <a:fillRef idx="0">
+            <a:schemeClr val="accent1"/>
+          </a:fillRef>
+          <a:effectRef idx="0">
+            <a:schemeClr val="accent1"/>
+          </a:effectRef>
+          <a:fontRef idx="minor">
+            <a:schemeClr val="tx1"/>
+          </a:fontRef>
+        </p:style>
+      </p:cxnSp>
+      <p:sp>
+        <p:nvSpPr>
+          <p:cNvPr id="26" name="타원 25"/>
+          <p:cNvSpPr/>
+          <p:nvPr/>
+        </p:nvSpPr>
+        <p:spPr>
+          <a:xfrm>
+            <a:off x="3101719" y="3830714"/>
+            <a:ext cx="133165" cy="133165"/>
+          </a:xfrm>
+          <a:prstGeom prst="ellipse">
+            <a:avLst/>
+          </a:prstGeom>
+          <a:solidFill>
+            <a:schemeClr val="bg1"/>
+          </a:solidFill>
+          <a:ln>
+            <a:noFill/>
+          </a:ln>
+        </p:spPr>
+        <p:style>
+          <a:lnRef idx="2">
+            <a:schemeClr val="accent1">
+              <a:shade val="50000"/>
+            </a:schemeClr>
+          </a:lnRef>
+          <a:fillRef idx="1">
+            <a:schemeClr val="accent1"/>
+          </a:fillRef>
+          <a:effectRef idx="0">
+            <a:schemeClr val="accent1"/>
+          </a:effectRef>
+          <a:fontRef idx="minor">
+            <a:schemeClr val="lt1"/>
+          </a:fontRef>
+        </p:style>
+        <p:txBody>
+          <a:bodyPr rtlCol="0" anchor="ctr"/>
+          <a:lstStyle/>
+          <a:p>
+            <a:pPr algn="ctr"/>
+            <a:endParaRPr lang="ko-KR" altLang="en-US">
+              <a:latin typeface="나눔바른펜" panose="020B0503000000000000" pitchFamily="50" charset="-127"/>
+              <a:ea typeface="나눔바른펜" panose="020B0503000000000000" pitchFamily="50" charset="-127"/>
+            </a:endParaRPr>
+          </a:p>
+        </p:txBody>
+      </p:sp>
+      <p:cxnSp>
+        <p:nvCxnSpPr>
+          <p:cNvPr id="27" name="직선 연결선 26"/>
+          <p:cNvCxnSpPr>
+            <a:cxnSpLocks/>
+          </p:cNvCxnSpPr>
+          <p:nvPr/>
+        </p:nvCxnSpPr>
+        <p:spPr>
+          <a:xfrm flipH="1">
+            <a:off x="3234885" y="3522956"/>
+            <a:ext cx="342816" cy="328102"/>
+          </a:xfrm>
+          <a:prstGeom prst="line">
+            <a:avLst/>
+          </a:prstGeom>
+          <a:ln w="19050">
+            <a:solidFill>
+              <a:schemeClr val="bg1"/>
+            </a:solidFill>
+            <a:prstDash val="dash"/>
+          </a:ln>
+        </p:spPr>
+        <p:style>
+          <a:lnRef idx="1">
+            <a:schemeClr val="accent1"/>
+          </a:lnRef>
+          <a:fillRef idx="0">
+            <a:schemeClr val="accent1"/>
+          </a:fillRef>
+          <a:effectRef idx="0">
+            <a:schemeClr val="accent1"/>
+          </a:effectRef>
+          <a:fontRef idx="minor">
+            <a:schemeClr val="tx1"/>
+          </a:fontRef>
+        </p:style>
+      </p:cxnSp>
+      <p:sp>
+        <p:nvSpPr>
+          <p:cNvPr id="33" name="타원 32"/>
+          <p:cNvSpPr/>
+          <p:nvPr/>
+        </p:nvSpPr>
+        <p:spPr>
+          <a:xfrm>
+            <a:off x="7018252" y="3830714"/>
+            <a:ext cx="133165" cy="133165"/>
+          </a:xfrm>
+          <a:prstGeom prst="ellipse">
+            <a:avLst/>
+          </a:prstGeom>
+          <a:solidFill>
+            <a:schemeClr val="bg1"/>
+          </a:solidFill>
+          <a:ln>
+            <a:noFill/>
+          </a:ln>
+        </p:spPr>
+        <p:style>
+          <a:lnRef idx="2">
+            <a:schemeClr val="accent1">
+              <a:shade val="50000"/>
+            </a:schemeClr>
+          </a:lnRef>
+          <a:fillRef idx="1">
+            <a:schemeClr val="accent1"/>
+          </a:fillRef>
+          <a:effectRef idx="0">
+            <a:schemeClr val="accent1"/>
+          </a:effectRef>
+          <a:fontRef idx="minor">
+            <a:schemeClr val="lt1"/>
+          </a:fontRef>
+        </p:style>
+        <p:txBody>
+          <a:bodyPr rtlCol="0" anchor="ctr"/>
+          <a:lstStyle/>
+          <a:p>
+            <a:pPr algn="ctr"/>
+            <a:endParaRPr lang="ko-KR" altLang="en-US">
+              <a:latin typeface="나눔바른펜" panose="020B0503000000000000" pitchFamily="50" charset="-127"/>
+              <a:ea typeface="나눔바른펜" panose="020B0503000000000000" pitchFamily="50" charset="-127"/>
+            </a:endParaRPr>
+          </a:p>
+        </p:txBody>
+      </p:sp>
+      <p:cxnSp>
+        <p:nvCxnSpPr>
+          <p:cNvPr id="34" name="직선 연결선 33"/>
+          <p:cNvCxnSpPr>
+            <a:cxnSpLocks/>
+          </p:cNvCxnSpPr>
+          <p:nvPr/>
+        </p:nvCxnSpPr>
+        <p:spPr>
+          <a:xfrm flipH="1">
+            <a:off x="7151418" y="3522956"/>
+            <a:ext cx="342816" cy="328102"/>
+          </a:xfrm>
+          <a:prstGeom prst="line">
+            <a:avLst/>
+          </a:prstGeom>
+          <a:ln w="19050">
+            <a:solidFill>
+              <a:schemeClr val="bg1"/>
+            </a:solidFill>
+            <a:prstDash val="dash"/>
+          </a:ln>
+        </p:spPr>
+        <p:style>
+          <a:lnRef idx="1">
+            <a:schemeClr val="accent1"/>
+          </a:lnRef>
+          <a:fillRef idx="0">
+            <a:schemeClr val="accent1"/>
+          </a:fillRef>
+          <a:effectRef idx="0">
+            <a:schemeClr val="accent1"/>
+          </a:effectRef>
+          <a:fontRef idx="minor">
+            <a:schemeClr val="tx1"/>
+          </a:fontRef>
+        </p:style>
+      </p:cxnSp>
+      <p:sp>
+        <p:nvSpPr>
+          <p:cNvPr id="36" name="TextBox 35"/>
+          <p:cNvSpPr txBox="1"/>
+          <p:nvPr/>
+        </p:nvSpPr>
+        <p:spPr>
+          <a:xfrm>
+            <a:off x="464729" y="1108962"/>
+            <a:ext cx="1492716" cy="1631216"/>
+          </a:xfrm>
+          <a:prstGeom prst="rect">
+            <a:avLst/>
+          </a:prstGeom>
+          <a:noFill/>
+        </p:spPr>
+        <p:txBody>
+          <a:bodyPr wrap="none" rtlCol="0">
+            <a:spAutoFit/>
+          </a:bodyPr>
+          <a:lstStyle/>
+          <a:p>
+            <a:r>
+              <a:rPr lang="en-US" altLang="ko-KR" sz="2000" dirty="0">
+                <a:solidFill>
+                  <a:schemeClr val="bg1"/>
+                </a:solidFill>
+                <a:latin typeface="나눔바른펜" panose="020B0503000000000000" pitchFamily="50" charset="-127"/>
+                <a:ea typeface="나눔바른펜" panose="020B0503000000000000" pitchFamily="50" charset="-127"/>
+              </a:rPr>
+              <a:t>1/4 (~ 6/7)</a:t>
+            </a:r>
+          </a:p>
+          <a:p>
+            <a:r>
+              <a:rPr lang="ko-KR" altLang="en-US" sz="2000" dirty="0">
+                <a:solidFill>
+                  <a:schemeClr val="bg1"/>
+                </a:solidFill>
+                <a:latin typeface="나눔바른펜" panose="020B0503000000000000" pitchFamily="50" charset="-127"/>
+                <a:ea typeface="나눔바른펜" panose="020B0503000000000000" pitchFamily="50" charset="-127"/>
+              </a:rPr>
+              <a:t>프레임워크</a:t>
+            </a:r>
+            <a:endParaRPr lang="en-US" altLang="ko-KR" sz="2000" dirty="0">
+              <a:solidFill>
+                <a:schemeClr val="bg1"/>
+              </a:solidFill>
+              <a:latin typeface="나눔바른펜" panose="020B0503000000000000" pitchFamily="50" charset="-127"/>
+              <a:ea typeface="나눔바른펜" panose="020B0503000000000000" pitchFamily="50" charset="-127"/>
+            </a:endParaRPr>
+          </a:p>
+          <a:p>
+            <a:r>
+              <a:rPr lang="ko-KR" altLang="en-US" sz="2000" dirty="0">
+                <a:solidFill>
+                  <a:schemeClr val="bg1"/>
+                </a:solidFill>
+                <a:latin typeface="나눔바른펜" panose="020B0503000000000000" pitchFamily="50" charset="-127"/>
+                <a:ea typeface="나눔바른펜" panose="020B0503000000000000" pitchFamily="50" charset="-127"/>
+              </a:rPr>
+              <a:t>부모클래스</a:t>
+            </a:r>
+            <a:endParaRPr lang="en-US" altLang="ko-KR" sz="2000" dirty="0">
+              <a:solidFill>
+                <a:schemeClr val="bg1"/>
+              </a:solidFill>
+              <a:latin typeface="나눔바른펜" panose="020B0503000000000000" pitchFamily="50" charset="-127"/>
+              <a:ea typeface="나눔바른펜" panose="020B0503000000000000" pitchFamily="50" charset="-127"/>
+            </a:endParaRPr>
+          </a:p>
+          <a:p>
+            <a:r>
+              <a:rPr lang="ko-KR" altLang="en-US" sz="2000" dirty="0">
+                <a:solidFill>
+                  <a:schemeClr val="bg1"/>
+                </a:solidFill>
+                <a:latin typeface="나눔바른펜" panose="020B0503000000000000" pitchFamily="50" charset="-127"/>
+                <a:ea typeface="나눔바른펜" panose="020B0503000000000000" pitchFamily="50" charset="-127"/>
+              </a:rPr>
+              <a:t>리소스제작</a:t>
+            </a:r>
+            <a:endParaRPr lang="en-US" altLang="ko-KR" sz="2000" dirty="0">
+              <a:solidFill>
+                <a:schemeClr val="bg1"/>
+              </a:solidFill>
+              <a:latin typeface="나눔바른펜" panose="020B0503000000000000" pitchFamily="50" charset="-127"/>
+              <a:ea typeface="나눔바른펜" panose="020B0503000000000000" pitchFamily="50" charset="-127"/>
+            </a:endParaRPr>
+          </a:p>
+          <a:p>
+            <a:r>
+              <a:rPr lang="ko-KR" altLang="en-US" sz="2000" dirty="0">
+                <a:solidFill>
+                  <a:schemeClr val="bg1"/>
+                </a:solidFill>
+                <a:latin typeface="나눔바른펜" panose="020B0503000000000000" pitchFamily="50" charset="-127"/>
+                <a:ea typeface="나눔바른펜" panose="020B0503000000000000" pitchFamily="50" charset="-127"/>
+              </a:rPr>
+              <a:t>로고 및 </a:t>
+            </a:r>
+            <a:r>
+              <a:rPr lang="ko-KR" altLang="en-US" sz="2000" dirty="0" err="1">
+                <a:solidFill>
+                  <a:schemeClr val="bg1"/>
+                </a:solidFill>
+                <a:latin typeface="나눔바른펜" panose="020B0503000000000000" pitchFamily="50" charset="-127"/>
+                <a:ea typeface="나눔바른펜" panose="020B0503000000000000" pitchFamily="50" charset="-127"/>
+              </a:rPr>
+              <a:t>인트로</a:t>
+            </a:r>
+            <a:endParaRPr lang="ko-KR" altLang="en-US" sz="2000" dirty="0">
+              <a:solidFill>
+                <a:schemeClr val="bg1"/>
+              </a:solidFill>
+              <a:latin typeface="나눔바른펜" panose="020B0503000000000000" pitchFamily="50" charset="-127"/>
+              <a:ea typeface="나눔바른펜" panose="020B0503000000000000" pitchFamily="50" charset="-127"/>
+            </a:endParaRPr>
+          </a:p>
+        </p:txBody>
+      </p:sp>
+      <p:sp>
+        <p:nvSpPr>
+          <p:cNvPr id="37" name="TextBox 36"/>
+          <p:cNvSpPr txBox="1"/>
+          <p:nvPr/>
+        </p:nvSpPr>
+        <p:spPr>
+          <a:xfrm>
+            <a:off x="2477246" y="4184586"/>
+            <a:ext cx="1383712" cy="1631216"/>
+          </a:xfrm>
+          <a:prstGeom prst="rect">
+            <a:avLst/>
+          </a:prstGeom>
+          <a:noFill/>
+        </p:spPr>
+        <p:txBody>
+          <a:bodyPr wrap="none" rtlCol="0">
+            <a:spAutoFit/>
+          </a:bodyPr>
+          <a:lstStyle/>
+          <a:p>
+            <a:r>
+              <a:rPr lang="en-US" altLang="ko-KR" sz="2000" dirty="0">
+                <a:solidFill>
+                  <a:schemeClr val="bg1"/>
+                </a:solidFill>
+                <a:latin typeface="나눔바른펜" panose="020B0503000000000000" pitchFamily="50" charset="-127"/>
+                <a:ea typeface="나눔바른펜" panose="020B0503000000000000" pitchFamily="50" charset="-127"/>
+              </a:rPr>
+              <a:t>2/4 (~ 6/11)</a:t>
+            </a:r>
+          </a:p>
+          <a:p>
+            <a:r>
+              <a:rPr lang="ko-KR" altLang="en-US" sz="2000" dirty="0" err="1">
+                <a:solidFill>
+                  <a:schemeClr val="bg1"/>
+                </a:solidFill>
+                <a:latin typeface="나눔바른펜" panose="020B0503000000000000" pitchFamily="50" charset="-127"/>
+                <a:ea typeface="나눔바른펜" panose="020B0503000000000000" pitchFamily="50" charset="-127"/>
+              </a:rPr>
+              <a:t>차일드클래스</a:t>
+            </a:r>
+            <a:endParaRPr lang="en-US" altLang="ko-KR" sz="2000" dirty="0">
+              <a:solidFill>
+                <a:schemeClr val="bg1"/>
+              </a:solidFill>
+              <a:latin typeface="나눔바른펜" panose="020B0503000000000000" pitchFamily="50" charset="-127"/>
+              <a:ea typeface="나눔바른펜" panose="020B0503000000000000" pitchFamily="50" charset="-127"/>
+            </a:endParaRPr>
+          </a:p>
+          <a:p>
+            <a:r>
+              <a:rPr lang="ko-KR" altLang="en-US" sz="2000" dirty="0">
+                <a:solidFill>
+                  <a:schemeClr val="bg1"/>
+                </a:solidFill>
+                <a:latin typeface="나눔바른펜" panose="020B0503000000000000" pitchFamily="50" charset="-127"/>
+                <a:ea typeface="나눔바른펜" panose="020B0503000000000000" pitchFamily="50" charset="-127"/>
+              </a:rPr>
+              <a:t>사운드클래스</a:t>
+            </a:r>
+            <a:endParaRPr lang="en-US" altLang="ko-KR" sz="2000" dirty="0">
+              <a:solidFill>
+                <a:schemeClr val="bg1"/>
+              </a:solidFill>
+              <a:latin typeface="나눔바른펜" panose="020B0503000000000000" pitchFamily="50" charset="-127"/>
+              <a:ea typeface="나눔바른펜" panose="020B0503000000000000" pitchFamily="50" charset="-127"/>
+            </a:endParaRPr>
+          </a:p>
+          <a:p>
+            <a:r>
+              <a:rPr lang="ko-KR" altLang="en-US" sz="2000" dirty="0">
+                <a:solidFill>
+                  <a:schemeClr val="bg1"/>
+                </a:solidFill>
+                <a:latin typeface="나눔바른펜" panose="020B0503000000000000" pitchFamily="50" charset="-127"/>
+                <a:ea typeface="나눔바른펜" panose="020B0503000000000000" pitchFamily="50" charset="-127"/>
+              </a:rPr>
+              <a:t>리소스제작</a:t>
+            </a:r>
+            <a:endParaRPr lang="en-US" altLang="ko-KR" sz="2000" dirty="0">
+              <a:solidFill>
+                <a:schemeClr val="bg1"/>
+              </a:solidFill>
+              <a:latin typeface="나눔바른펜" panose="020B0503000000000000" pitchFamily="50" charset="-127"/>
+              <a:ea typeface="나눔바른펜" panose="020B0503000000000000" pitchFamily="50" charset="-127"/>
+            </a:endParaRPr>
+          </a:p>
+          <a:p>
+            <a:r>
+              <a:rPr lang="ko-KR" altLang="en-US" sz="2000" dirty="0" err="1">
+                <a:solidFill>
+                  <a:schemeClr val="bg1"/>
+                </a:solidFill>
+                <a:latin typeface="나눔바른펜" panose="020B0503000000000000" pitchFamily="50" charset="-127"/>
+                <a:ea typeface="나눔바른펜" panose="020B0503000000000000" pitchFamily="50" charset="-127"/>
+              </a:rPr>
+              <a:t>게임콘텐츠</a:t>
+            </a:r>
+            <a:r>
+              <a:rPr lang="en-US" altLang="ko-KR" sz="2000" dirty="0">
+                <a:solidFill>
+                  <a:schemeClr val="bg1"/>
+                </a:solidFill>
+                <a:latin typeface="나눔바른펜" panose="020B0503000000000000" pitchFamily="50" charset="-127"/>
+                <a:ea typeface="나눔바른펜" panose="020B0503000000000000" pitchFamily="50" charset="-127"/>
+              </a:rPr>
+              <a:t>1</a:t>
+            </a:r>
+            <a:endParaRPr lang="ko-KR" altLang="en-US" sz="2000" dirty="0">
+              <a:solidFill>
+                <a:schemeClr val="bg1"/>
+              </a:solidFill>
+              <a:latin typeface="나눔바른펜" panose="020B0503000000000000" pitchFamily="50" charset="-127"/>
+              <a:ea typeface="나눔바른펜" panose="020B0503000000000000" pitchFamily="50" charset="-127"/>
+            </a:endParaRPr>
+          </a:p>
+        </p:txBody>
+      </p:sp>
+      <p:sp>
+        <p:nvSpPr>
+          <p:cNvPr id="38" name="TextBox 37"/>
+          <p:cNvSpPr txBox="1"/>
+          <p:nvPr/>
+        </p:nvSpPr>
+        <p:spPr>
+          <a:xfrm>
+            <a:off x="6180854" y="2971643"/>
+            <a:ext cx="2545890" cy="400110"/>
+          </a:xfrm>
+          <a:prstGeom prst="rect">
+            <a:avLst/>
+          </a:prstGeom>
+          <a:noFill/>
+        </p:spPr>
+        <p:txBody>
+          <a:bodyPr wrap="none" rtlCol="0">
+            <a:spAutoFit/>
+          </a:bodyPr>
+          <a:lstStyle/>
+          <a:p>
+            <a:r>
+              <a:rPr lang="ko-KR" altLang="en-US" sz="2000" dirty="0">
+                <a:solidFill>
+                  <a:schemeClr val="bg1"/>
+                </a:solidFill>
+                <a:latin typeface="나눔바른펜" panose="020B0503000000000000" pitchFamily="50" charset="-127"/>
+                <a:ea typeface="나눔바른펜" panose="020B0503000000000000" pitchFamily="50" charset="-127"/>
+              </a:rPr>
+              <a:t>제작기간 </a:t>
+            </a:r>
+            <a:r>
+              <a:rPr lang="en-US" altLang="ko-KR" sz="2000" dirty="0">
+                <a:solidFill>
+                  <a:schemeClr val="bg1"/>
+                </a:solidFill>
+                <a:latin typeface="나눔바른펜" panose="020B0503000000000000" pitchFamily="50" charset="-127"/>
+                <a:ea typeface="나눔바른펜" panose="020B0503000000000000" pitchFamily="50" charset="-127"/>
+              </a:rPr>
+              <a:t>: 6 / 4 ~ 6 / 20</a:t>
+            </a:r>
+            <a:endParaRPr lang="ko-KR" altLang="en-US" sz="2000" dirty="0">
+              <a:solidFill>
+                <a:schemeClr val="bg1"/>
+              </a:solidFill>
+              <a:latin typeface="나눔바른펜" panose="020B0503000000000000" pitchFamily="50" charset="-127"/>
+              <a:ea typeface="나눔바른펜" panose="020B0503000000000000" pitchFamily="50" charset="-127"/>
+            </a:endParaRPr>
+          </a:p>
+        </p:txBody>
+      </p:sp>
+      <p:sp>
+        <p:nvSpPr>
+          <p:cNvPr id="39" name="TextBox 38"/>
+          <p:cNvSpPr txBox="1"/>
+          <p:nvPr/>
+        </p:nvSpPr>
+        <p:spPr>
+          <a:xfrm>
+            <a:off x="4658638" y="1643351"/>
+            <a:ext cx="1670650" cy="1015663"/>
+          </a:xfrm>
+          <a:prstGeom prst="rect">
+            <a:avLst/>
+          </a:prstGeom>
+          <a:noFill/>
+        </p:spPr>
+        <p:txBody>
+          <a:bodyPr wrap="none" rtlCol="0">
+            <a:spAutoFit/>
+          </a:bodyPr>
+          <a:lstStyle/>
+          <a:p>
+            <a:r>
+              <a:rPr lang="en-US" altLang="ko-KR" sz="2000" dirty="0">
+                <a:solidFill>
+                  <a:schemeClr val="bg1"/>
+                </a:solidFill>
+                <a:latin typeface="나눔바른펜" panose="020B0503000000000000" pitchFamily="50" charset="-127"/>
+                <a:ea typeface="나눔바른펜" panose="020B0503000000000000" pitchFamily="50" charset="-127"/>
+              </a:rPr>
+              <a:t>3/4 (~ 6/16)</a:t>
+            </a:r>
+          </a:p>
+          <a:p>
+            <a:r>
+              <a:rPr lang="ko-KR" altLang="en-US" sz="2000" dirty="0">
+                <a:solidFill>
+                  <a:schemeClr val="bg1"/>
+                </a:solidFill>
+                <a:latin typeface="나눔바른펜" panose="020B0503000000000000" pitchFamily="50" charset="-127"/>
+                <a:ea typeface="나눔바른펜" panose="020B0503000000000000" pitchFamily="50" charset="-127"/>
+              </a:rPr>
+              <a:t>필터 및 폴더정리</a:t>
+            </a:r>
+            <a:endParaRPr lang="en-US" altLang="ko-KR" sz="2000" dirty="0">
+              <a:solidFill>
+                <a:schemeClr val="bg1"/>
+              </a:solidFill>
+              <a:latin typeface="나눔바른펜" panose="020B0503000000000000" pitchFamily="50" charset="-127"/>
+              <a:ea typeface="나눔바른펜" panose="020B0503000000000000" pitchFamily="50" charset="-127"/>
+            </a:endParaRPr>
+          </a:p>
+          <a:p>
+            <a:r>
+              <a:rPr lang="ko-KR" altLang="en-US" sz="2000" dirty="0" err="1">
+                <a:solidFill>
+                  <a:schemeClr val="bg1"/>
+                </a:solidFill>
+                <a:latin typeface="나눔바른펜" panose="020B0503000000000000" pitchFamily="50" charset="-127"/>
+                <a:ea typeface="나눔바른펜" panose="020B0503000000000000" pitchFamily="50" charset="-127"/>
+              </a:rPr>
+              <a:t>게임콘텐츠</a:t>
+            </a:r>
+            <a:r>
+              <a:rPr lang="en-US" altLang="ko-KR" sz="2000" dirty="0">
+                <a:solidFill>
+                  <a:schemeClr val="bg1"/>
+                </a:solidFill>
+                <a:latin typeface="나눔바른펜" panose="020B0503000000000000" pitchFamily="50" charset="-127"/>
+                <a:ea typeface="나눔바른펜" panose="020B0503000000000000" pitchFamily="50" charset="-127"/>
+              </a:rPr>
+              <a:t>2</a:t>
+            </a:r>
+          </a:p>
+        </p:txBody>
+      </p:sp>
+      <p:sp>
+        <p:nvSpPr>
+          <p:cNvPr id="40" name="TextBox 39"/>
+          <p:cNvSpPr txBox="1"/>
+          <p:nvPr/>
+        </p:nvSpPr>
+        <p:spPr>
+          <a:xfrm>
+            <a:off x="6351300" y="4266286"/>
+            <a:ext cx="1467068" cy="1323439"/>
+          </a:xfrm>
+          <a:prstGeom prst="rect">
+            <a:avLst/>
+          </a:prstGeom>
+          <a:noFill/>
+        </p:spPr>
+        <p:txBody>
+          <a:bodyPr wrap="none" rtlCol="0">
+            <a:spAutoFit/>
+          </a:bodyPr>
+          <a:lstStyle/>
+          <a:p>
+            <a:r>
+              <a:rPr lang="en-US" altLang="ko-KR" sz="2000" dirty="0">
+                <a:solidFill>
+                  <a:schemeClr val="bg1"/>
+                </a:solidFill>
+                <a:latin typeface="나눔바른펜" panose="020B0503000000000000" pitchFamily="50" charset="-127"/>
+                <a:ea typeface="나눔바른펜" panose="020B0503000000000000" pitchFamily="50" charset="-127"/>
+              </a:rPr>
+              <a:t>4/4 (~ 6/20)</a:t>
+            </a:r>
+          </a:p>
+          <a:p>
+            <a:r>
+              <a:rPr lang="ko-KR" altLang="en-US" sz="2000" dirty="0">
+                <a:solidFill>
+                  <a:schemeClr val="bg1"/>
+                </a:solidFill>
+                <a:latin typeface="나눔바른펜" panose="020B0503000000000000" pitchFamily="50" charset="-127"/>
+                <a:ea typeface="나눔바른펜" panose="020B0503000000000000" pitchFamily="50" charset="-127"/>
+              </a:rPr>
+              <a:t>리소스수정</a:t>
+            </a:r>
+            <a:endParaRPr lang="en-US" altLang="ko-KR" sz="2000" dirty="0">
+              <a:solidFill>
+                <a:schemeClr val="bg1"/>
+              </a:solidFill>
+              <a:latin typeface="나눔바른펜" panose="020B0503000000000000" pitchFamily="50" charset="-127"/>
+              <a:ea typeface="나눔바른펜" panose="020B0503000000000000" pitchFamily="50" charset="-127"/>
+            </a:endParaRPr>
+          </a:p>
+          <a:p>
+            <a:r>
+              <a:rPr lang="ko-KR" altLang="en-US" sz="2000" dirty="0">
+                <a:solidFill>
+                  <a:schemeClr val="bg1"/>
+                </a:solidFill>
+                <a:latin typeface="나눔바른펜" panose="020B0503000000000000" pitchFamily="50" charset="-127"/>
+                <a:ea typeface="나눔바른펜" panose="020B0503000000000000" pitchFamily="50" charset="-127"/>
+              </a:rPr>
+              <a:t>밸런스조정</a:t>
+            </a:r>
+            <a:endParaRPr lang="en-US" altLang="ko-KR" sz="2000" dirty="0">
+              <a:solidFill>
+                <a:schemeClr val="bg1"/>
+              </a:solidFill>
+              <a:latin typeface="나눔바른펜" panose="020B0503000000000000" pitchFamily="50" charset="-127"/>
+              <a:ea typeface="나눔바른펜" panose="020B0503000000000000" pitchFamily="50" charset="-127"/>
+            </a:endParaRPr>
+          </a:p>
+          <a:p>
+            <a:r>
+              <a:rPr lang="ko-KR" altLang="en-US" sz="2000" dirty="0" err="1">
+                <a:solidFill>
+                  <a:schemeClr val="bg1"/>
+                </a:solidFill>
+                <a:latin typeface="나눔바른펜" panose="020B0503000000000000" pitchFamily="50" charset="-127"/>
+                <a:ea typeface="나눔바른펜" panose="020B0503000000000000" pitchFamily="50" charset="-127"/>
+              </a:rPr>
+              <a:t>게임콘텐츠</a:t>
+            </a:r>
+            <a:r>
+              <a:rPr lang="en-US" altLang="ko-KR" sz="2000" dirty="0">
+                <a:solidFill>
+                  <a:schemeClr val="bg1"/>
+                </a:solidFill>
+                <a:latin typeface="나눔바른펜" panose="020B0503000000000000" pitchFamily="50" charset="-127"/>
+                <a:ea typeface="나눔바른펜" panose="020B0503000000000000" pitchFamily="50" charset="-127"/>
+              </a:rPr>
+              <a:t>3</a:t>
+            </a:r>
+          </a:p>
+        </p:txBody>
+      </p:sp>
+      <p:grpSp>
+        <p:nvGrpSpPr>
+          <p:cNvPr id="21" name="그룹 20">
+            <a:extLst>
+              <a:ext uri="{FF2B5EF4-FFF2-40B4-BE49-F238E27FC236}">
+                <a16:creationId xmlns:a16="http://schemas.microsoft.com/office/drawing/2014/main" id="{6BD7BCD9-81B2-4253-B726-778D51E9202C}"/>
+              </a:ext>
+            </a:extLst>
+          </p:cNvPr>
+          <p:cNvGrpSpPr/>
+          <p:nvPr/>
+        </p:nvGrpSpPr>
+        <p:grpSpPr>
+          <a:xfrm>
+            <a:off x="-2917584" y="4855801"/>
+            <a:ext cx="5394830" cy="5430805"/>
+            <a:chOff x="865294" y="638907"/>
+            <a:chExt cx="5394830" cy="5430805"/>
+          </a:xfrm>
+        </p:grpSpPr>
+        <p:sp>
+          <p:nvSpPr>
+            <p:cNvPr id="22" name="타원 21">
+              <a:extLst>
+                <a:ext uri="{FF2B5EF4-FFF2-40B4-BE49-F238E27FC236}">
+                  <a16:creationId xmlns:a16="http://schemas.microsoft.com/office/drawing/2014/main" id="{C8B375C2-28ED-420D-8426-49AC21982817}"/>
+                </a:ext>
+              </a:extLst>
+            </p:cNvPr>
+            <p:cNvSpPr/>
+            <p:nvPr/>
+          </p:nvSpPr>
+          <p:spPr>
+            <a:xfrm>
+              <a:off x="1219201" y="890953"/>
+              <a:ext cx="5040923" cy="4926358"/>
+            </a:xfrm>
+            <a:prstGeom prst="ellipse">
+              <a:avLst/>
+            </a:prstGeom>
+            <a:noFill/>
+            <a:ln w="19050">
+              <a:gradFill>
+                <a:gsLst>
+                  <a:gs pos="0">
+                    <a:schemeClr val="accent1">
+                      <a:lumMod val="5000"/>
+                      <a:lumOff val="95000"/>
+                    </a:schemeClr>
+                  </a:gs>
+                  <a:gs pos="74000">
+                    <a:schemeClr val="accent1">
+                      <a:lumMod val="45000"/>
+                      <a:lumOff val="55000"/>
+                    </a:schemeClr>
+                  </a:gs>
+                  <a:gs pos="83000">
+                    <a:schemeClr val="accent1">
+                      <a:lumMod val="45000"/>
+                      <a:lumOff val="55000"/>
+                    </a:schemeClr>
+                  </a:gs>
+                  <a:gs pos="100000">
+                    <a:schemeClr val="accent1">
+                      <a:lumMod val="30000"/>
+                      <a:lumOff val="70000"/>
+                    </a:schemeClr>
+                  </a:gs>
+                </a:gsLst>
+                <a:lin ang="5400000" scaled="1"/>
+              </a:gradFill>
+            </a:ln>
+          </p:spPr>
+          <p:style>
+            <a:lnRef idx="2">
+              <a:schemeClr val="accent1">
+                <a:shade val="50000"/>
+              </a:schemeClr>
+            </a:lnRef>
+            <a:fillRef idx="1">
+              <a:schemeClr val="accent1"/>
+            </a:fillRef>
+            <a:effectRef idx="0">
+              <a:schemeClr val="accent1"/>
+            </a:effectRef>
+            <a:fontRef idx="minor">
+              <a:schemeClr val="lt1"/>
+            </a:fontRef>
+          </p:style>
+          <p:txBody>
+            <a:bodyPr rtlCol="0" anchor="ctr"/>
+            <a:lstStyle/>
+            <a:p>
+              <a:pPr algn="ctr"/>
+              <a:endParaRPr lang="en-US" altLang="ko-KR" dirty="0"/>
+            </a:p>
+            <a:p>
+              <a:pPr algn="ctr"/>
+              <a:endParaRPr lang="ko-KR" altLang="en-US" dirty="0"/>
+            </a:p>
+          </p:txBody>
+        </p:sp>
+        <p:sp>
+          <p:nvSpPr>
+            <p:cNvPr id="23" name="타원 22">
+              <a:extLst>
+                <a:ext uri="{FF2B5EF4-FFF2-40B4-BE49-F238E27FC236}">
+                  <a16:creationId xmlns:a16="http://schemas.microsoft.com/office/drawing/2014/main" id="{28D59ECF-DA15-400F-A91C-5023B8854F28}"/>
+                </a:ext>
+              </a:extLst>
+            </p:cNvPr>
+            <p:cNvSpPr/>
+            <p:nvPr/>
+          </p:nvSpPr>
+          <p:spPr>
+            <a:xfrm>
+              <a:off x="865294" y="1162981"/>
+              <a:ext cx="5020840" cy="4906731"/>
+            </a:xfrm>
+            <a:prstGeom prst="ellipse">
+              <a:avLst/>
+            </a:prstGeom>
+            <a:noFill/>
+            <a:ln w="19050">
+              <a:gradFill flip="none" rotWithShape="1">
+                <a:gsLst>
+                  <a:gs pos="0">
+                    <a:srgbClr val="FFC000">
+                      <a:alpha val="81000"/>
+                    </a:srgbClr>
+                  </a:gs>
+                  <a:gs pos="100000">
+                    <a:srgbClr val="FF0000">
+                      <a:alpha val="67000"/>
+                    </a:srgbClr>
+                  </a:gs>
+                </a:gsLst>
+                <a:lin ang="16200000" scaled="1"/>
+                <a:tileRect/>
+              </a:gradFill>
+            </a:ln>
+          </p:spPr>
+          <p:style>
+            <a:lnRef idx="2">
+              <a:schemeClr val="accent1">
+                <a:shade val="50000"/>
+              </a:schemeClr>
+            </a:lnRef>
+            <a:fillRef idx="1">
+              <a:schemeClr val="accent1"/>
+            </a:fillRef>
+            <a:effectRef idx="0">
+              <a:schemeClr val="accent1"/>
+            </a:effectRef>
+            <a:fontRef idx="minor">
+              <a:schemeClr val="lt1"/>
+            </a:fontRef>
+          </p:style>
+          <p:txBody>
+            <a:bodyPr rtlCol="0" anchor="ctr"/>
+            <a:lstStyle/>
+            <a:p>
+              <a:pPr algn="ctr"/>
+              <a:endParaRPr lang="ko-KR" altLang="en-US" dirty="0"/>
+            </a:p>
+          </p:txBody>
+        </p:sp>
+        <p:sp>
+          <p:nvSpPr>
+            <p:cNvPr id="28" name="타원 27">
+              <a:extLst>
+                <a:ext uri="{FF2B5EF4-FFF2-40B4-BE49-F238E27FC236}">
+                  <a16:creationId xmlns:a16="http://schemas.microsoft.com/office/drawing/2014/main" id="{8D99AA0B-F0A1-46C4-995D-70E59081B08A}"/>
+                </a:ext>
+              </a:extLst>
+            </p:cNvPr>
+            <p:cNvSpPr/>
+            <p:nvPr/>
+          </p:nvSpPr>
+          <p:spPr>
+            <a:xfrm>
+              <a:off x="1438209" y="638907"/>
+              <a:ext cx="4447925" cy="4906731"/>
+            </a:xfrm>
+            <a:prstGeom prst="ellipse">
+              <a:avLst/>
+            </a:prstGeom>
+            <a:noFill/>
+            <a:ln w="19050">
+              <a:gradFill flip="none" rotWithShape="1">
+                <a:gsLst>
+                  <a:gs pos="0">
+                    <a:srgbClr val="FFDF79">
+                      <a:alpha val="80784"/>
+                    </a:srgbClr>
+                  </a:gs>
+                  <a:gs pos="100000">
+                    <a:srgbClr val="FF5B5B">
+                      <a:alpha val="66667"/>
+                    </a:srgbClr>
+                  </a:gs>
+                </a:gsLst>
+                <a:lin ang="16200000" scaled="1"/>
+                <a:tileRect/>
+              </a:gradFill>
+            </a:ln>
+          </p:spPr>
+          <p:style>
+            <a:lnRef idx="2">
+              <a:schemeClr val="accent1">
+                <a:shade val="50000"/>
+              </a:schemeClr>
+            </a:lnRef>
+            <a:fillRef idx="1">
+              <a:schemeClr val="accent1"/>
+            </a:fillRef>
+            <a:effectRef idx="0">
+              <a:schemeClr val="accent1"/>
+            </a:effectRef>
+            <a:fontRef idx="minor">
+              <a:schemeClr val="lt1"/>
+            </a:fontRef>
+          </p:style>
+          <p:txBody>
+            <a:bodyPr rtlCol="0" anchor="ctr"/>
+            <a:lstStyle/>
+            <a:p>
+              <a:pPr algn="ctr"/>
+              <a:endParaRPr lang="ko-KR" altLang="en-US" dirty="0"/>
+            </a:p>
+          </p:txBody>
+        </p:sp>
+      </p:grpSp>
+    </p:spTree>
+    <p:extLst>
+      <p:ext uri="{BB962C8B-B14F-4D97-AF65-F5344CB8AC3E}">
+        <p14:creationId xmlns:p14="http://schemas.microsoft.com/office/powerpoint/2010/main" val="3867889150"/>
+      </p:ext>
+    </p:extLst>
+  </p:cSld>
+  <p:clrMapOvr>
+    <a:masterClrMapping/>
+  </p:clrMapOvr>
+</p:sld>
+</file>
+
+<file path=ppt/slides/slide2.xml><?xml version="1.0" encoding="utf-8"?>
+<p:sld xmlns:a="http://schemas.openxmlformats.org/drawingml/2006/main" xmlns:r="http://schemas.openxmlformats.org/officeDocument/2006/relationships" xmlns:p="http://schemas.openxmlformats.org/presentationml/2006/main">
+  <p:cSld>
+    <p:bg>
+      <p:bgPr>
+        <a:solidFill>
+          <a:schemeClr val="tx1">
+            <a:lumMod val="85000"/>
+            <a:lumOff val="15000"/>
+          </a:schemeClr>
+        </a:solidFill>
+        <a:effectLst/>
+      </p:bgPr>
+    </p:bg>
+    <p:spTree>
+      <p:nvGrpSpPr>
+        <p:cNvPr id="1" name=""/>
+        <p:cNvGrpSpPr/>
+        <p:nvPr/>
+      </p:nvGrpSpPr>
+      <p:grpSpPr>
+        <a:xfrm>
+          <a:off x="0" y="0"/>
+          <a:ext cx="0" cy="0"/>
+          <a:chOff x="0" y="0"/>
+          <a:chExt cx="0" cy="0"/>
+        </a:xfrm>
+      </p:grpSpPr>
+      <p:sp>
+        <p:nvSpPr>
+          <p:cNvPr id="9" name="TextBox 8"/>
+          <p:cNvSpPr txBox="1"/>
+          <p:nvPr/>
+        </p:nvSpPr>
+        <p:spPr>
+          <a:xfrm>
+            <a:off x="270904" y="2930496"/>
+            <a:ext cx="2014013" cy="1015663"/>
+          </a:xfrm>
+          <a:prstGeom prst="rect">
+            <a:avLst/>
+          </a:prstGeom>
+          <a:noFill/>
+        </p:spPr>
+        <p:txBody>
+          <a:bodyPr wrap="none" rtlCol="0">
+            <a:spAutoFit/>
+          </a:bodyPr>
+          <a:lstStyle/>
+          <a:p>
+            <a:r>
+              <a:rPr lang="en-US" altLang="ko-KR" sz="6000" dirty="0">
+                <a:solidFill>
+                  <a:schemeClr val="bg1"/>
+                </a:solidFill>
+                <a:latin typeface="나눔스퀘어 Light" panose="020B0600000101010101" pitchFamily="50" charset="-127"/>
+                <a:ea typeface="나눔스퀘어 Light" panose="020B0600000101010101" pitchFamily="50" charset="-127"/>
+              </a:rPr>
+              <a:t>Index</a:t>
+            </a:r>
+            <a:endParaRPr lang="ko-KR" altLang="en-US" sz="6000" dirty="0">
+              <a:solidFill>
+                <a:schemeClr val="bg1"/>
+              </a:solidFill>
+              <a:latin typeface="나눔스퀘어 Light" panose="020B0600000101010101" pitchFamily="50" charset="-127"/>
+              <a:ea typeface="나눔스퀘어 Light" panose="020B0600000101010101" pitchFamily="50" charset="-127"/>
+            </a:endParaRPr>
+          </a:p>
+        </p:txBody>
+      </p:sp>
+      <p:sp>
+        <p:nvSpPr>
+          <p:cNvPr id="11" name="TextBox 10"/>
+          <p:cNvSpPr txBox="1"/>
+          <p:nvPr/>
+        </p:nvSpPr>
+        <p:spPr>
+          <a:xfrm>
+            <a:off x="4039338" y="1545502"/>
+            <a:ext cx="3414181" cy="3785652"/>
+          </a:xfrm>
+          <a:prstGeom prst="rect">
+            <a:avLst/>
+          </a:prstGeom>
+          <a:noFill/>
+        </p:spPr>
+        <p:txBody>
+          <a:bodyPr wrap="square" rtlCol="0">
+            <a:spAutoFit/>
+          </a:bodyPr>
+          <a:lstStyle/>
+          <a:p>
+            <a:pPr marL="571500" indent="-571500">
+              <a:lnSpc>
+                <a:spcPct val="150000"/>
+              </a:lnSpc>
+              <a:buSzPct val="80000"/>
+              <a:buFont typeface="Wingdings" panose="05000000000000000000" pitchFamily="2" charset="2"/>
+              <a:buChar char="§"/>
+            </a:pPr>
+            <a:r>
+              <a:rPr lang="ko-KR" altLang="en-US" sz="4000" dirty="0">
+                <a:solidFill>
+                  <a:schemeClr val="bg1"/>
+                </a:solidFill>
+                <a:latin typeface="나눔스퀘어 Light" panose="020B0600000101010101" pitchFamily="50" charset="-127"/>
+                <a:ea typeface="나눔스퀘어 Light" panose="020B0600000101010101" pitchFamily="50" charset="-127"/>
+              </a:rPr>
+              <a:t>게임소개</a:t>
+            </a:r>
+            <a:endParaRPr lang="en-US" altLang="ko-KR" sz="4000" dirty="0">
+              <a:solidFill>
+                <a:schemeClr val="bg1"/>
+              </a:solidFill>
+              <a:latin typeface="나눔스퀘어 Light" panose="020B0600000101010101" pitchFamily="50" charset="-127"/>
+              <a:ea typeface="나눔스퀘어 Light" panose="020B0600000101010101" pitchFamily="50" charset="-127"/>
+            </a:endParaRPr>
+          </a:p>
+          <a:p>
+            <a:pPr marL="1028700" lvl="1" indent="-571500">
+              <a:lnSpc>
+                <a:spcPct val="150000"/>
+              </a:lnSpc>
+              <a:buSzPct val="80000"/>
+              <a:buFont typeface="Wingdings" panose="05000000000000000000" pitchFamily="2" charset="2"/>
+              <a:buChar char="§"/>
+            </a:pPr>
+            <a:r>
+              <a:rPr lang="ko-KR" altLang="en-US" sz="4000" dirty="0">
+                <a:solidFill>
+                  <a:schemeClr val="bg1"/>
+                </a:solidFill>
+                <a:latin typeface="나눔스퀘어 Light" panose="020B0600000101010101" pitchFamily="50" charset="-127"/>
+                <a:ea typeface="나눔스퀘어 Light" panose="020B0600000101010101" pitchFamily="50" charset="-127"/>
+              </a:rPr>
+              <a:t>구현내용</a:t>
+            </a:r>
+            <a:endParaRPr lang="en-US" altLang="ko-KR" sz="4000" dirty="0">
+              <a:solidFill>
+                <a:schemeClr val="bg1"/>
+              </a:solidFill>
+              <a:latin typeface="나눔스퀘어 Light" panose="020B0600000101010101" pitchFamily="50" charset="-127"/>
+              <a:ea typeface="나눔스퀘어 Light" panose="020B0600000101010101" pitchFamily="50" charset="-127"/>
+            </a:endParaRPr>
+          </a:p>
+          <a:p>
+            <a:pPr marL="1028700" lvl="1" indent="-571500">
+              <a:lnSpc>
+                <a:spcPct val="150000"/>
+              </a:lnSpc>
+              <a:buSzPct val="80000"/>
+              <a:buFont typeface="Wingdings" panose="05000000000000000000" pitchFamily="2" charset="2"/>
+              <a:buChar char="§"/>
+            </a:pPr>
+            <a:r>
+              <a:rPr lang="ko-KR" altLang="en-US" sz="4000" dirty="0">
+                <a:solidFill>
+                  <a:schemeClr val="bg1"/>
+                </a:solidFill>
+                <a:latin typeface="나눔스퀘어 Light" panose="020B0600000101010101" pitchFamily="50" charset="-127"/>
+                <a:ea typeface="나눔스퀘어 Light" panose="020B0600000101010101" pitchFamily="50" charset="-127"/>
+              </a:rPr>
+              <a:t>역할분배</a:t>
+            </a:r>
+            <a:endParaRPr lang="en-US" altLang="ko-KR" sz="4000" dirty="0">
+              <a:solidFill>
+                <a:schemeClr val="bg1"/>
+              </a:solidFill>
+              <a:latin typeface="나눔스퀘어 Light" panose="020B0600000101010101" pitchFamily="50" charset="-127"/>
+              <a:ea typeface="나눔스퀘어 Light" panose="020B0600000101010101" pitchFamily="50" charset="-127"/>
+            </a:endParaRPr>
+          </a:p>
+          <a:p>
+            <a:pPr marL="571500" indent="-571500">
+              <a:lnSpc>
+                <a:spcPct val="150000"/>
+              </a:lnSpc>
+              <a:buSzPct val="80000"/>
+              <a:buFont typeface="Wingdings" panose="05000000000000000000" pitchFamily="2" charset="2"/>
+              <a:buChar char="§"/>
+            </a:pPr>
+            <a:r>
+              <a:rPr lang="ko-KR" altLang="en-US" sz="4000" dirty="0">
+                <a:solidFill>
+                  <a:schemeClr val="bg1"/>
+                </a:solidFill>
+                <a:latin typeface="나눔스퀘어 Light" panose="020B0600000101010101" pitchFamily="50" charset="-127"/>
+                <a:ea typeface="나눔스퀘어 Light" panose="020B0600000101010101" pitchFamily="50" charset="-127"/>
+              </a:rPr>
+              <a:t>제작과정</a:t>
+            </a:r>
+          </a:p>
+        </p:txBody>
+      </p:sp>
+      <p:sp>
+        <p:nvSpPr>
+          <p:cNvPr id="10" name="타원 9"/>
+          <p:cNvSpPr/>
+          <p:nvPr/>
+        </p:nvSpPr>
+        <p:spPr>
+          <a:xfrm>
+            <a:off x="-2172066" y="975150"/>
+            <a:ext cx="5040923" cy="4926358"/>
+          </a:xfrm>
+          <a:prstGeom prst="ellipse">
+            <a:avLst/>
+          </a:prstGeom>
+          <a:noFill/>
+          <a:ln w="19050">
+            <a:gradFill>
+              <a:gsLst>
+                <a:gs pos="0">
+                  <a:schemeClr val="accent1">
+                    <a:lumMod val="5000"/>
+                    <a:lumOff val="95000"/>
+                  </a:schemeClr>
+                </a:gs>
+                <a:gs pos="74000">
+                  <a:schemeClr val="accent1">
+                    <a:lumMod val="45000"/>
+                    <a:lumOff val="55000"/>
+                  </a:schemeClr>
+                </a:gs>
+                <a:gs pos="83000">
+                  <a:schemeClr val="accent1">
+                    <a:lumMod val="45000"/>
+                    <a:lumOff val="55000"/>
+                  </a:schemeClr>
+                </a:gs>
+                <a:gs pos="100000">
+                  <a:schemeClr val="accent1">
+                    <a:lumMod val="30000"/>
+                    <a:lumOff val="70000"/>
+                  </a:schemeClr>
+                </a:gs>
+              </a:gsLst>
+              <a:lin ang="5400000" scaled="1"/>
+            </a:gradFill>
+          </a:ln>
+        </p:spPr>
+        <p:style>
+          <a:lnRef idx="2">
+            <a:schemeClr val="accent1">
+              <a:shade val="50000"/>
+            </a:schemeClr>
+          </a:lnRef>
+          <a:fillRef idx="1">
+            <a:schemeClr val="accent1"/>
+          </a:fillRef>
+          <a:effectRef idx="0">
+            <a:schemeClr val="accent1"/>
+          </a:effectRef>
+          <a:fontRef idx="minor">
+            <a:schemeClr val="lt1"/>
+          </a:fontRef>
+        </p:style>
+        <p:txBody>
+          <a:bodyPr rtlCol="0" anchor="ctr"/>
+          <a:lstStyle/>
+          <a:p>
+            <a:pPr algn="ctr"/>
+            <a:endParaRPr lang="en-US" altLang="ko-KR" dirty="0"/>
+          </a:p>
+          <a:p>
+            <a:pPr algn="ctr"/>
+            <a:endParaRPr lang="ko-KR" altLang="en-US" dirty="0"/>
+          </a:p>
+        </p:txBody>
+      </p:sp>
+      <p:sp>
+        <p:nvSpPr>
+          <p:cNvPr id="12" name="타원 11"/>
+          <p:cNvSpPr/>
+          <p:nvPr/>
+        </p:nvSpPr>
+        <p:spPr>
+          <a:xfrm>
+            <a:off x="-2525973" y="1247178"/>
+            <a:ext cx="5020840" cy="4906731"/>
+          </a:xfrm>
+          <a:prstGeom prst="ellipse">
+            <a:avLst/>
+          </a:prstGeom>
+          <a:noFill/>
+          <a:ln w="19050">
+            <a:gradFill flip="none" rotWithShape="1">
+              <a:gsLst>
+                <a:gs pos="0">
+                  <a:srgbClr val="FFC000">
+                    <a:alpha val="81000"/>
+                  </a:srgbClr>
+                </a:gs>
+                <a:gs pos="100000">
+                  <a:srgbClr val="FF0000">
+                    <a:alpha val="67000"/>
+                  </a:srgbClr>
+                </a:gs>
+              </a:gsLst>
+              <a:lin ang="16200000" scaled="1"/>
+              <a:tileRect/>
+            </a:gradFill>
+          </a:ln>
+        </p:spPr>
+        <p:style>
+          <a:lnRef idx="2">
+            <a:schemeClr val="accent1">
+              <a:shade val="50000"/>
+            </a:schemeClr>
+          </a:lnRef>
+          <a:fillRef idx="1">
+            <a:schemeClr val="accent1"/>
+          </a:fillRef>
+          <a:effectRef idx="0">
+            <a:schemeClr val="accent1"/>
+          </a:effectRef>
+          <a:fontRef idx="minor">
+            <a:schemeClr val="lt1"/>
+          </a:fontRef>
+        </p:style>
+        <p:txBody>
+          <a:bodyPr rtlCol="0" anchor="ctr"/>
+          <a:lstStyle/>
+          <a:p>
+            <a:pPr algn="ctr"/>
+            <a:endParaRPr lang="ko-KR" altLang="en-US" dirty="0"/>
+          </a:p>
+        </p:txBody>
+      </p:sp>
+      <p:sp>
+        <p:nvSpPr>
+          <p:cNvPr id="13" name="타원 12"/>
+          <p:cNvSpPr/>
+          <p:nvPr/>
+        </p:nvSpPr>
+        <p:spPr>
+          <a:xfrm>
+            <a:off x="-1953058" y="723104"/>
+            <a:ext cx="4447925" cy="4906731"/>
+          </a:xfrm>
+          <a:prstGeom prst="ellipse">
+            <a:avLst/>
+          </a:prstGeom>
+          <a:noFill/>
+          <a:ln w="19050">
+            <a:gradFill flip="none" rotWithShape="1">
+              <a:gsLst>
+                <a:gs pos="0">
+                  <a:srgbClr val="FFDF79">
+                    <a:alpha val="80784"/>
+                  </a:srgbClr>
+                </a:gs>
+                <a:gs pos="100000">
+                  <a:srgbClr val="FF5B5B">
+                    <a:alpha val="66667"/>
+                  </a:srgbClr>
+                </a:gs>
+              </a:gsLst>
+              <a:lin ang="16200000" scaled="1"/>
+              <a:tileRect/>
+            </a:gradFill>
+          </a:ln>
+        </p:spPr>
+        <p:style>
+          <a:lnRef idx="2">
+            <a:schemeClr val="accent1">
+              <a:shade val="50000"/>
+            </a:schemeClr>
+          </a:lnRef>
+          <a:fillRef idx="1">
+            <a:schemeClr val="accent1"/>
+          </a:fillRef>
+          <a:effectRef idx="0">
+            <a:schemeClr val="accent1"/>
+          </a:effectRef>
+          <a:fontRef idx="minor">
+            <a:schemeClr val="lt1"/>
+          </a:fontRef>
+        </p:style>
+        <p:txBody>
+          <a:bodyPr rtlCol="0" anchor="ctr"/>
+          <a:lstStyle/>
+          <a:p>
+            <a:pPr algn="ctr"/>
+            <a:endParaRPr lang="ko-KR" altLang="en-US" dirty="0"/>
+          </a:p>
+        </p:txBody>
+      </p:sp>
+    </p:spTree>
+    <p:extLst>
+      <p:ext uri="{BB962C8B-B14F-4D97-AF65-F5344CB8AC3E}">
+        <p14:creationId xmlns:p14="http://schemas.microsoft.com/office/powerpoint/2010/main" val="1241990079"/>
+      </p:ext>
+    </p:extLst>
+  </p:cSld>
+  <p:clrMapOvr>
+    <a:masterClrMapping/>
+  </p:clrMapOvr>
+</p:sld>
+</file>
+
+<file path=ppt/slides/slide3.xml><?xml version="1.0" encoding="utf-8"?>
+<p:sld xmlns:a="http://schemas.openxmlformats.org/drawingml/2006/main" xmlns:r="http://schemas.openxmlformats.org/officeDocument/2006/relationships" xmlns:p="http://schemas.openxmlformats.org/presentationml/2006/main">
+  <p:cSld>
+    <p:bg>
+      <p:bgPr>
+        <a:solidFill>
+          <a:schemeClr val="tx1">
+            <a:lumMod val="85000"/>
+            <a:lumOff val="15000"/>
+          </a:schemeClr>
+        </a:solidFill>
+        <a:effectLst/>
+      </p:bgPr>
+    </p:bg>
+    <p:spTree>
+      <p:nvGrpSpPr>
+        <p:cNvPr id="1" name=""/>
+        <p:cNvGrpSpPr/>
+        <p:nvPr/>
+      </p:nvGrpSpPr>
+      <p:grpSpPr>
+        <a:xfrm>
+          <a:off x="0" y="0"/>
+          <a:ext cx="0" cy="0"/>
+          <a:chOff x="0" y="0"/>
+          <a:chExt cx="0" cy="0"/>
+        </a:xfrm>
+      </p:grpSpPr>
+      <p:sp>
+        <p:nvSpPr>
+          <p:cNvPr id="9" name="TextBox 8"/>
+          <p:cNvSpPr txBox="1"/>
+          <p:nvPr/>
+        </p:nvSpPr>
+        <p:spPr>
+          <a:xfrm>
+            <a:off x="674235" y="604195"/>
+            <a:ext cx="2422458" cy="830997"/>
+          </a:xfrm>
+          <a:prstGeom prst="rect">
+            <a:avLst/>
+          </a:prstGeom>
+          <a:noFill/>
+        </p:spPr>
+        <p:txBody>
+          <a:bodyPr wrap="none" rtlCol="0">
+            <a:spAutoFit/>
+          </a:bodyPr>
+          <a:lstStyle/>
+          <a:p>
+            <a:r>
+              <a:rPr lang="ko-KR" altLang="en-US" sz="4800" dirty="0">
+                <a:solidFill>
+                  <a:schemeClr val="bg1"/>
+                </a:solidFill>
+                <a:latin typeface="나눔스퀘어 Light" panose="020B0600000101010101" pitchFamily="50" charset="-127"/>
+                <a:ea typeface="나눔스퀘어 Light" panose="020B0600000101010101" pitchFamily="50" charset="-127"/>
+              </a:rPr>
+              <a:t>게임소개</a:t>
+            </a:r>
+          </a:p>
+        </p:txBody>
+      </p:sp>
+      <p:sp>
+        <p:nvSpPr>
+          <p:cNvPr id="10" name="TextBox 9"/>
+          <p:cNvSpPr txBox="1"/>
+          <p:nvPr/>
+        </p:nvSpPr>
+        <p:spPr>
+          <a:xfrm>
+            <a:off x="674235" y="2075283"/>
+            <a:ext cx="3744936" cy="3046988"/>
+          </a:xfrm>
+          <a:prstGeom prst="rect">
+            <a:avLst/>
+          </a:prstGeom>
+          <a:noFill/>
+        </p:spPr>
+        <p:txBody>
+          <a:bodyPr wrap="none" rtlCol="0">
+            <a:spAutoFit/>
+          </a:bodyPr>
+          <a:lstStyle/>
+          <a:p>
+            <a:pPr marL="571500" indent="-571500">
+              <a:lnSpc>
+                <a:spcPct val="150000"/>
+              </a:lnSpc>
+              <a:buSzPct val="80000"/>
+              <a:buFont typeface="Wingdings" panose="05000000000000000000" pitchFamily="2" charset="2"/>
+              <a:buChar char="§"/>
+            </a:pPr>
+            <a:r>
+              <a:rPr lang="ko-KR" altLang="en-US" sz="3200" dirty="0">
+                <a:solidFill>
+                  <a:schemeClr val="bg1"/>
+                </a:solidFill>
+                <a:latin typeface="나눔스퀘어 Light" panose="020B0600000101010101" pitchFamily="50" charset="-127"/>
+                <a:ea typeface="나눔스퀘어 Light" panose="020B0600000101010101" pitchFamily="50" charset="-127"/>
+              </a:rPr>
+              <a:t>제목 </a:t>
+            </a:r>
+            <a:r>
+              <a:rPr lang="en-US" altLang="ko-KR" sz="3200" dirty="0">
+                <a:solidFill>
+                  <a:schemeClr val="bg1"/>
+                </a:solidFill>
+                <a:latin typeface="나눔스퀘어 Light" panose="020B0600000101010101" pitchFamily="50" charset="-127"/>
+                <a:ea typeface="나눔스퀘어 Light" panose="020B0600000101010101" pitchFamily="50" charset="-127"/>
+              </a:rPr>
+              <a:t>: Satellite</a:t>
+            </a:r>
+          </a:p>
+          <a:p>
+            <a:pPr marL="571500" indent="-571500">
+              <a:lnSpc>
+                <a:spcPct val="150000"/>
+              </a:lnSpc>
+              <a:buSzPct val="80000"/>
+              <a:buFont typeface="Wingdings" panose="05000000000000000000" pitchFamily="2" charset="2"/>
+              <a:buChar char="§"/>
+            </a:pPr>
+            <a:r>
+              <a:rPr lang="ko-KR" altLang="en-US" sz="3200" dirty="0">
+                <a:solidFill>
+                  <a:schemeClr val="bg1"/>
+                </a:solidFill>
+                <a:latin typeface="나눔스퀘어 Light" panose="020B0600000101010101" pitchFamily="50" charset="-127"/>
+                <a:ea typeface="나눔스퀘어 Light" panose="020B0600000101010101" pitchFamily="50" charset="-127"/>
+              </a:rPr>
+              <a:t>장르</a:t>
+            </a:r>
+            <a:r>
+              <a:rPr lang="en-US" altLang="ko-KR" sz="3200" dirty="0">
+                <a:solidFill>
+                  <a:schemeClr val="bg1"/>
+                </a:solidFill>
+                <a:latin typeface="나눔스퀘어 Light" panose="020B0600000101010101" pitchFamily="50" charset="-127"/>
+                <a:ea typeface="나눔스퀘어 Light" panose="020B0600000101010101" pitchFamily="50" charset="-127"/>
+              </a:rPr>
+              <a:t> :</a:t>
+            </a:r>
+            <a:r>
+              <a:rPr lang="ko-KR" altLang="en-US" sz="3200" dirty="0">
+                <a:solidFill>
+                  <a:schemeClr val="bg1"/>
+                </a:solidFill>
+                <a:latin typeface="나눔스퀘어 Light" panose="020B0600000101010101" pitchFamily="50" charset="-127"/>
+                <a:ea typeface="나눔스퀘어 Light" panose="020B0600000101010101" pitchFamily="50" charset="-127"/>
+              </a:rPr>
+              <a:t> 디펜스</a:t>
+            </a:r>
+            <a:endParaRPr lang="en-US" altLang="ko-KR" sz="3200" dirty="0">
+              <a:solidFill>
+                <a:schemeClr val="bg1"/>
+              </a:solidFill>
+              <a:latin typeface="나눔스퀘어 Light" panose="020B0600000101010101" pitchFamily="50" charset="-127"/>
+              <a:ea typeface="나눔스퀘어 Light" panose="020B0600000101010101" pitchFamily="50" charset="-127"/>
+            </a:endParaRPr>
+          </a:p>
+          <a:p>
+            <a:pPr marL="571500" indent="-571500">
+              <a:lnSpc>
+                <a:spcPct val="150000"/>
+              </a:lnSpc>
+              <a:buSzPct val="80000"/>
+              <a:buFont typeface="Wingdings" panose="05000000000000000000" pitchFamily="2" charset="2"/>
+              <a:buChar char="§"/>
+            </a:pPr>
+            <a:r>
+              <a:rPr lang="ko-KR" altLang="en-US" sz="3200" dirty="0">
+                <a:solidFill>
+                  <a:schemeClr val="bg1"/>
+                </a:solidFill>
+                <a:latin typeface="나눔스퀘어 Light" panose="020B0600000101010101" pitchFamily="50" charset="-127"/>
+                <a:ea typeface="나눔스퀘어 Light" panose="020B0600000101010101" pitchFamily="50" charset="-127"/>
+              </a:rPr>
+              <a:t>목적 </a:t>
+            </a:r>
+            <a:r>
+              <a:rPr lang="en-US" altLang="ko-KR" sz="3200" dirty="0">
+                <a:solidFill>
+                  <a:schemeClr val="bg1"/>
+                </a:solidFill>
+                <a:latin typeface="나눔스퀘어 Light" panose="020B0600000101010101" pitchFamily="50" charset="-127"/>
+                <a:ea typeface="나눔스퀘어 Light" panose="020B0600000101010101" pitchFamily="50" charset="-127"/>
+              </a:rPr>
+              <a:t>: </a:t>
+            </a:r>
+            <a:r>
+              <a:rPr lang="ko-KR" altLang="en-US" sz="3200" dirty="0">
+                <a:solidFill>
+                  <a:schemeClr val="bg1"/>
+                </a:solidFill>
+                <a:latin typeface="나눔스퀘어 Light" panose="020B0600000101010101" pitchFamily="50" charset="-127"/>
+                <a:ea typeface="나눔스퀘어 Light" panose="020B0600000101010101" pitchFamily="50" charset="-127"/>
+              </a:rPr>
+              <a:t>행성방어</a:t>
+            </a:r>
+            <a:endParaRPr lang="en-US" altLang="ko-KR" sz="3200" dirty="0">
+              <a:solidFill>
+                <a:schemeClr val="bg1"/>
+              </a:solidFill>
+              <a:latin typeface="나눔스퀘어 Light" panose="020B0600000101010101" pitchFamily="50" charset="-127"/>
+              <a:ea typeface="나눔스퀘어 Light" panose="020B0600000101010101" pitchFamily="50" charset="-127"/>
+            </a:endParaRPr>
+          </a:p>
+          <a:p>
+            <a:pPr>
+              <a:lnSpc>
+                <a:spcPct val="150000"/>
+              </a:lnSpc>
+              <a:buSzPct val="80000"/>
+            </a:pPr>
+            <a:r>
+              <a:rPr lang="en-US" altLang="ko-KR" sz="3200" dirty="0">
+                <a:solidFill>
+                  <a:schemeClr val="bg1"/>
+                </a:solidFill>
+                <a:latin typeface="나눔스퀘어 Light" panose="020B0600000101010101" pitchFamily="50" charset="-127"/>
+                <a:ea typeface="나눔스퀘어 Light" panose="020B0600000101010101" pitchFamily="50" charset="-127"/>
+              </a:rPr>
+              <a:t>			  </a:t>
+            </a:r>
+            <a:r>
+              <a:rPr lang="ko-KR" altLang="en-US" sz="3200" dirty="0">
+                <a:solidFill>
+                  <a:schemeClr val="bg1"/>
+                </a:solidFill>
+                <a:latin typeface="나눔스퀘어 Light" panose="020B0600000101010101" pitchFamily="50" charset="-127"/>
+                <a:ea typeface="나눔스퀘어 Light" panose="020B0600000101010101" pitchFamily="50" charset="-127"/>
+              </a:rPr>
+              <a:t>소행성파괴</a:t>
+            </a:r>
+          </a:p>
+        </p:txBody>
+      </p:sp>
+      <p:grpSp>
+        <p:nvGrpSpPr>
+          <p:cNvPr id="2" name="그룹 1">
+            <a:extLst>
+              <a:ext uri="{FF2B5EF4-FFF2-40B4-BE49-F238E27FC236}">
+                <a16:creationId xmlns:a16="http://schemas.microsoft.com/office/drawing/2014/main" id="{11D15916-331D-4D05-8508-AE7199C2AF1A}"/>
+              </a:ext>
+            </a:extLst>
+          </p:cNvPr>
+          <p:cNvGrpSpPr/>
+          <p:nvPr/>
+        </p:nvGrpSpPr>
+        <p:grpSpPr>
+          <a:xfrm>
+            <a:off x="-1572508" y="-409499"/>
+            <a:ext cx="6193706" cy="6208415"/>
+            <a:chOff x="-1572508" y="-409499"/>
+            <a:chExt cx="6193706" cy="6208415"/>
+          </a:xfrm>
+        </p:grpSpPr>
+        <p:sp>
+          <p:nvSpPr>
+            <p:cNvPr id="11" name="타원 10"/>
+            <p:cNvSpPr/>
+            <p:nvPr/>
+          </p:nvSpPr>
+          <p:spPr>
+            <a:xfrm>
+              <a:off x="-1218601" y="-162445"/>
+              <a:ext cx="5839799" cy="5707078"/>
+            </a:xfrm>
+            <a:prstGeom prst="ellipse">
+              <a:avLst/>
+            </a:prstGeom>
+            <a:noFill/>
+            <a:ln w="19050">
+              <a:gradFill>
+                <a:gsLst>
+                  <a:gs pos="0">
+                    <a:schemeClr val="accent1">
+                      <a:lumMod val="5000"/>
+                      <a:lumOff val="95000"/>
+                      <a:alpha val="50000"/>
+                    </a:schemeClr>
+                  </a:gs>
+                  <a:gs pos="74000">
+                    <a:schemeClr val="accent1">
+                      <a:lumMod val="45000"/>
+                      <a:lumOff val="55000"/>
+                      <a:alpha val="50000"/>
+                    </a:schemeClr>
+                  </a:gs>
+                  <a:gs pos="83000">
+                    <a:schemeClr val="accent1">
+                      <a:lumMod val="45000"/>
+                      <a:lumOff val="55000"/>
+                      <a:alpha val="50000"/>
+                    </a:schemeClr>
+                  </a:gs>
+                  <a:gs pos="100000">
+                    <a:schemeClr val="accent1">
+                      <a:lumMod val="30000"/>
+                      <a:lumOff val="70000"/>
+                      <a:alpha val="50000"/>
+                    </a:schemeClr>
+                  </a:gs>
+                </a:gsLst>
+                <a:lin ang="5400000" scaled="1"/>
+              </a:gradFill>
+            </a:ln>
+          </p:spPr>
+          <p:style>
+            <a:lnRef idx="2">
+              <a:schemeClr val="accent1">
+                <a:shade val="50000"/>
+              </a:schemeClr>
+            </a:lnRef>
+            <a:fillRef idx="1">
+              <a:schemeClr val="accent1"/>
+            </a:fillRef>
+            <a:effectRef idx="0">
+              <a:schemeClr val="accent1"/>
+            </a:effectRef>
+            <a:fontRef idx="minor">
+              <a:schemeClr val="lt1"/>
+            </a:fontRef>
+          </p:style>
+          <p:txBody>
+            <a:bodyPr rtlCol="0" anchor="ctr"/>
+            <a:lstStyle/>
+            <a:p>
+              <a:pPr algn="ctr"/>
+              <a:endParaRPr lang="en-US" altLang="ko-KR" dirty="0">
+                <a:latin typeface="나눔스퀘어 Light" panose="020B0600000101010101" pitchFamily="50" charset="-127"/>
+                <a:ea typeface="나눔스퀘어 Light" panose="020B0600000101010101" pitchFamily="50" charset="-127"/>
+              </a:endParaRPr>
+            </a:p>
+            <a:p>
+              <a:pPr algn="ctr"/>
+              <a:endParaRPr lang="ko-KR" altLang="en-US" dirty="0">
+                <a:latin typeface="나눔스퀘어 Light" panose="020B0600000101010101" pitchFamily="50" charset="-127"/>
+                <a:ea typeface="나눔스퀘어 Light" panose="020B0600000101010101" pitchFamily="50" charset="-127"/>
+              </a:endParaRPr>
+            </a:p>
+          </p:txBody>
+        </p:sp>
+        <p:sp>
+          <p:nvSpPr>
+            <p:cNvPr id="12" name="타원 11"/>
+            <p:cNvSpPr/>
+            <p:nvPr/>
+          </p:nvSpPr>
+          <p:spPr>
+            <a:xfrm>
+              <a:off x="-1572508" y="114575"/>
+              <a:ext cx="5816534" cy="5684341"/>
+            </a:xfrm>
+            <a:prstGeom prst="ellipse">
+              <a:avLst/>
+            </a:prstGeom>
+            <a:noFill/>
+            <a:ln w="19050">
+              <a:gradFill flip="none" rotWithShape="1">
+                <a:gsLst>
+                  <a:gs pos="0">
+                    <a:srgbClr val="FFC000">
+                      <a:alpha val="50000"/>
+                    </a:srgbClr>
+                  </a:gs>
+                  <a:gs pos="100000">
+                    <a:srgbClr val="FF0000">
+                      <a:alpha val="50000"/>
+                    </a:srgbClr>
+                  </a:gs>
+                </a:gsLst>
+                <a:lin ang="16200000" scaled="1"/>
+                <a:tileRect/>
+              </a:gradFill>
+            </a:ln>
+          </p:spPr>
+          <p:style>
+            <a:lnRef idx="2">
+              <a:schemeClr val="accent1">
+                <a:shade val="50000"/>
+              </a:schemeClr>
+            </a:lnRef>
+            <a:fillRef idx="1">
+              <a:schemeClr val="accent1"/>
+            </a:fillRef>
+            <a:effectRef idx="0">
+              <a:schemeClr val="accent1"/>
+            </a:effectRef>
+            <a:fontRef idx="minor">
+              <a:schemeClr val="lt1"/>
+            </a:fontRef>
+          </p:style>
+          <p:txBody>
+            <a:bodyPr rtlCol="0" anchor="ctr"/>
+            <a:lstStyle/>
+            <a:p>
+              <a:pPr algn="ctr"/>
+              <a:endParaRPr lang="ko-KR" altLang="en-US" dirty="0"/>
+            </a:p>
+          </p:txBody>
+        </p:sp>
+        <p:sp>
+          <p:nvSpPr>
+            <p:cNvPr id="13" name="타원 12"/>
+            <p:cNvSpPr/>
+            <p:nvPr/>
+          </p:nvSpPr>
+          <p:spPr>
+            <a:xfrm>
+              <a:off x="-999593" y="-409499"/>
+              <a:ext cx="5152825" cy="5684341"/>
+            </a:xfrm>
+            <a:prstGeom prst="ellipse">
+              <a:avLst/>
+            </a:prstGeom>
+            <a:noFill/>
+            <a:ln w="19050">
+              <a:gradFill flip="none" rotWithShape="1">
+                <a:gsLst>
+                  <a:gs pos="0">
+                    <a:srgbClr val="FFDF79">
+                      <a:alpha val="50000"/>
+                    </a:srgbClr>
+                  </a:gs>
+                  <a:gs pos="100000">
+                    <a:srgbClr val="FF5B5B">
+                      <a:alpha val="50000"/>
+                    </a:srgbClr>
+                  </a:gs>
+                </a:gsLst>
+                <a:lin ang="16200000" scaled="1"/>
+                <a:tileRect/>
+              </a:gradFill>
+            </a:ln>
+          </p:spPr>
+          <p:style>
+            <a:lnRef idx="2">
+              <a:schemeClr val="accent1">
+                <a:shade val="50000"/>
+              </a:schemeClr>
+            </a:lnRef>
+            <a:fillRef idx="1">
+              <a:schemeClr val="accent1"/>
+            </a:fillRef>
+            <a:effectRef idx="0">
+              <a:schemeClr val="accent1"/>
+            </a:effectRef>
+            <a:fontRef idx="minor">
+              <a:schemeClr val="lt1"/>
+            </a:fontRef>
+          </p:style>
+          <p:txBody>
+            <a:bodyPr rtlCol="0" anchor="ctr"/>
+            <a:lstStyle/>
+            <a:p>
+              <a:pPr algn="ctr"/>
+              <a:endParaRPr lang="ko-KR" altLang="en-US" dirty="0">
+                <a:latin typeface="나눔스퀘어 Light" panose="020B0600000101010101" pitchFamily="50" charset="-127"/>
+                <a:ea typeface="나눔스퀘어 Light" panose="020B0600000101010101" pitchFamily="50" charset="-127"/>
+              </a:endParaRPr>
+            </a:p>
+          </p:txBody>
+        </p:sp>
+      </p:grpSp>
+      <p:sp>
+        <p:nvSpPr>
+          <p:cNvPr id="18" name="직사각형 17"/>
+          <p:cNvSpPr/>
+          <p:nvPr/>
+        </p:nvSpPr>
+        <p:spPr>
+          <a:xfrm rot="20700000">
+            <a:off x="-1829960" y="1179248"/>
+            <a:ext cx="12986795" cy="5392260"/>
+          </a:xfrm>
+          <a:prstGeom prst="rect">
+            <a:avLst/>
+          </a:prstGeom>
+          <a:solidFill>
+            <a:schemeClr val="bg1">
+              <a:lumMod val="50000"/>
+              <a:alpha val="10000"/>
+            </a:schemeClr>
+          </a:solidFill>
+          <a:ln>
+            <a:noFill/>
+          </a:ln>
+        </p:spPr>
+        <p:style>
+          <a:lnRef idx="2">
+            <a:schemeClr val="accent1">
+              <a:shade val="50000"/>
+            </a:schemeClr>
+          </a:lnRef>
+          <a:fillRef idx="1">
+            <a:schemeClr val="accent1"/>
+          </a:fillRef>
+          <a:effectRef idx="0">
+            <a:schemeClr val="accent1"/>
+          </a:effectRef>
+          <a:fontRef idx="minor">
+            <a:schemeClr val="lt1"/>
+          </a:fontRef>
+        </p:style>
+        <p:txBody>
+          <a:bodyPr rtlCol="0" anchor="ctr"/>
+          <a:lstStyle/>
+          <a:p>
+            <a:pPr algn="ctr"/>
+            <a:endParaRPr lang="ko-KR" altLang="en-US" dirty="0"/>
+          </a:p>
+        </p:txBody>
+      </p:sp>
+    </p:spTree>
+    <p:extLst>
+      <p:ext uri="{BB962C8B-B14F-4D97-AF65-F5344CB8AC3E}">
+        <p14:creationId xmlns:p14="http://schemas.microsoft.com/office/powerpoint/2010/main" val="1915591509"/>
+      </p:ext>
+    </p:extLst>
+  </p:cSld>
+  <p:clrMapOvr>
+    <a:masterClrMapping/>
+  </p:clrMapOvr>
+</p:sld>
+</file>
+
+<file path=ppt/slides/slide4.xml><?xml version="1.0" encoding="utf-8"?>
+<p:sld xmlns:a="http://schemas.openxmlformats.org/drawingml/2006/main" xmlns:r="http://schemas.openxmlformats.org/officeDocument/2006/relationships" xmlns:p="http://schemas.openxmlformats.org/presentationml/2006/main">
+  <p:cSld>
+    <p:bg>
+      <p:bgPr>
+        <a:solidFill>
+          <a:schemeClr val="tx1">
+            <a:lumMod val="85000"/>
+            <a:lumOff val="15000"/>
+          </a:schemeClr>
+        </a:solidFill>
+        <a:effectLst/>
+      </p:bgPr>
+    </p:bg>
+    <p:spTree>
+      <p:nvGrpSpPr>
+        <p:cNvPr id="1" name=""/>
+        <p:cNvGrpSpPr/>
+        <p:nvPr/>
+      </p:nvGrpSpPr>
+      <p:grpSpPr>
+        <a:xfrm>
+          <a:off x="0" y="0"/>
+          <a:ext cx="0" cy="0"/>
+          <a:chOff x="0" y="0"/>
+          <a:chExt cx="0" cy="0"/>
+        </a:xfrm>
+      </p:grpSpPr>
+      <p:sp>
+        <p:nvSpPr>
+          <p:cNvPr id="3" name="내용 개체 틀 2">
+            <a:extLst>
+              <a:ext uri="{FF2B5EF4-FFF2-40B4-BE49-F238E27FC236}">
+                <a16:creationId xmlns:a16="http://schemas.microsoft.com/office/drawing/2014/main" id="{972CE041-03FA-4BFB-AA4E-6057DEA64598}"/>
+              </a:ext>
+            </a:extLst>
+          </p:cNvPr>
+          <p:cNvSpPr>
+            <a:spLocks noGrp="1"/>
+          </p:cNvSpPr>
+          <p:nvPr>
+            <p:ph idx="1"/>
+          </p:nvPr>
+        </p:nvSpPr>
+        <p:spPr/>
+        <p:txBody>
+          <a:bodyPr/>
+          <a:lstStyle/>
+          <a:p>
+            <a:r>
+              <a:rPr lang="ko-KR" altLang="en-US" dirty="0" err="1">
+                <a:solidFill>
+                  <a:schemeClr val="bg1"/>
+                </a:solidFill>
+              </a:rPr>
+              <a:t>차일드</a:t>
+            </a:r>
+            <a:r>
+              <a:rPr lang="ko-KR" altLang="en-US" dirty="0">
+                <a:solidFill>
+                  <a:schemeClr val="bg1"/>
+                </a:solidFill>
+              </a:rPr>
+              <a:t> 씬</a:t>
+            </a:r>
+            <a:endParaRPr lang="en-US" altLang="ko-KR" dirty="0">
+              <a:solidFill>
+                <a:schemeClr val="bg1"/>
+              </a:solidFill>
+            </a:endParaRPr>
+          </a:p>
+          <a:p>
+            <a:r>
+              <a:rPr lang="en-US" altLang="ko-KR" dirty="0">
+                <a:solidFill>
+                  <a:schemeClr val="bg1"/>
+                </a:solidFill>
+              </a:rPr>
+              <a:t>Alpha </a:t>
+            </a:r>
+            <a:r>
+              <a:rPr lang="en-US" altLang="ko-KR" dirty="0" err="1">
+                <a:solidFill>
+                  <a:schemeClr val="bg1"/>
+                </a:solidFill>
+              </a:rPr>
+              <a:t>img</a:t>
+            </a:r>
+            <a:r>
+              <a:rPr lang="ko-KR" altLang="en-US" dirty="0">
+                <a:solidFill>
+                  <a:schemeClr val="bg1"/>
+                </a:solidFill>
+              </a:rPr>
+              <a:t> </a:t>
+            </a:r>
+            <a:r>
+              <a:rPr lang="en-US" altLang="ko-KR" dirty="0">
+                <a:solidFill>
+                  <a:schemeClr val="bg1"/>
+                </a:solidFill>
+              </a:rPr>
+              <a:t>rotate draw </a:t>
+            </a:r>
+          </a:p>
+          <a:p>
+            <a:r>
+              <a:rPr lang="ko-KR" altLang="en-US" dirty="0">
+                <a:solidFill>
+                  <a:schemeClr val="bg1"/>
+                </a:solidFill>
+              </a:rPr>
+              <a:t>모든 일의 원흉</a:t>
+            </a:r>
+            <a:r>
+              <a:rPr lang="en-US" altLang="ko-KR" dirty="0">
+                <a:solidFill>
+                  <a:schemeClr val="bg1"/>
+                </a:solidFill>
+              </a:rPr>
+              <a:t>- </a:t>
+            </a:r>
+            <a:r>
+              <a:rPr lang="ko-KR" altLang="en-US" dirty="0" err="1">
+                <a:solidFill>
+                  <a:schemeClr val="bg1"/>
+                </a:solidFill>
+              </a:rPr>
+              <a:t>느려진</a:t>
+            </a:r>
+            <a:r>
+              <a:rPr lang="ko-KR" altLang="en-US" dirty="0">
+                <a:solidFill>
+                  <a:schemeClr val="bg1"/>
+                </a:solidFill>
+              </a:rPr>
+              <a:t> 프로젝트</a:t>
+            </a:r>
+          </a:p>
+        </p:txBody>
+      </p:sp>
+      <p:sp>
+        <p:nvSpPr>
+          <p:cNvPr id="4" name="직사각형 3">
+            <a:extLst>
+              <a:ext uri="{FF2B5EF4-FFF2-40B4-BE49-F238E27FC236}">
+                <a16:creationId xmlns:a16="http://schemas.microsoft.com/office/drawing/2014/main" id="{88D854C0-A088-4C53-A201-2EAED2CC311D}"/>
+              </a:ext>
+            </a:extLst>
+          </p:cNvPr>
+          <p:cNvSpPr/>
+          <p:nvPr/>
+        </p:nvSpPr>
+        <p:spPr>
+          <a:xfrm>
+            <a:off x="8558072" y="705348"/>
+            <a:ext cx="585927" cy="464575"/>
+          </a:xfrm>
+          <a:prstGeom prst="rect">
+            <a:avLst/>
+          </a:prstGeom>
+          <a:solidFill>
+            <a:srgbClr val="F02802"/>
+          </a:solidFill>
+          <a:ln>
+            <a:noFill/>
+          </a:ln>
+        </p:spPr>
+        <p:style>
+          <a:lnRef idx="2">
+            <a:schemeClr val="accent1">
+              <a:shade val="50000"/>
+            </a:schemeClr>
+          </a:lnRef>
+          <a:fillRef idx="1">
+            <a:schemeClr val="accent1"/>
+          </a:fillRef>
+          <a:effectRef idx="0">
+            <a:schemeClr val="accent1"/>
+          </a:effectRef>
+          <a:fontRef idx="minor">
+            <a:schemeClr val="lt1"/>
+          </a:fontRef>
+        </p:style>
+        <p:txBody>
+          <a:bodyPr rot="0" spcFirstLastPara="0" vertOverflow="overflow" horzOverflow="overflow" vert="horz" wrap="square" lIns="68580" tIns="34290" rIns="68580" bIns="34290" numCol="1" spcCol="0" rtlCol="0" fromWordArt="0" anchor="ctr" anchorCtr="0" forceAA="0" compatLnSpc="1">
+            <a:prstTxWarp prst="textNoShape">
+              <a:avLst/>
+            </a:prstTxWarp>
+            <a:noAutofit/>
+          </a:bodyPr>
+          <a:lstStyle/>
+          <a:p>
+            <a:pPr algn="ctr"/>
+            <a:endParaRPr lang="ko-KR" altLang="en-US" sz="1350"/>
+          </a:p>
+        </p:txBody>
+      </p:sp>
+      <p:sp>
+        <p:nvSpPr>
+          <p:cNvPr id="5" name="직사각형 4">
+            <a:extLst>
+              <a:ext uri="{FF2B5EF4-FFF2-40B4-BE49-F238E27FC236}">
+                <a16:creationId xmlns:a16="http://schemas.microsoft.com/office/drawing/2014/main" id="{D79F1DD2-F00C-4D6C-AFAB-08BC2B78C93F}"/>
+              </a:ext>
+            </a:extLst>
+          </p:cNvPr>
+          <p:cNvSpPr/>
+          <p:nvPr/>
+        </p:nvSpPr>
+        <p:spPr>
+          <a:xfrm>
+            <a:off x="8558074" y="1169923"/>
+            <a:ext cx="585926" cy="464575"/>
+          </a:xfrm>
+          <a:prstGeom prst="rect">
+            <a:avLst/>
+          </a:prstGeom>
+          <a:solidFill>
+            <a:srgbClr val="FFC000"/>
+          </a:solidFill>
+          <a:ln>
+            <a:noFill/>
+          </a:ln>
+        </p:spPr>
+        <p:style>
+          <a:lnRef idx="2">
+            <a:schemeClr val="accent1">
+              <a:shade val="50000"/>
+            </a:schemeClr>
+          </a:lnRef>
+          <a:fillRef idx="1">
+            <a:schemeClr val="accent1"/>
+          </a:fillRef>
+          <a:effectRef idx="0">
+            <a:schemeClr val="accent1"/>
+          </a:effectRef>
+          <a:fontRef idx="minor">
+            <a:schemeClr val="lt1"/>
+          </a:fontRef>
+        </p:style>
+        <p:txBody>
+          <a:bodyPr rot="0" spcFirstLastPara="0" vertOverflow="overflow" horzOverflow="overflow" vert="horz" wrap="square" lIns="68580" tIns="34290" rIns="68580" bIns="34290" numCol="1" spcCol="0" rtlCol="0" fromWordArt="0" anchor="ctr" anchorCtr="0" forceAA="0" compatLnSpc="1">
+            <a:prstTxWarp prst="textNoShape">
+              <a:avLst/>
+            </a:prstTxWarp>
+            <a:noAutofit/>
+          </a:bodyPr>
+          <a:lstStyle/>
+          <a:p>
+            <a:pPr algn="ctr"/>
+            <a:endParaRPr lang="ko-KR" altLang="en-US" sz="1350"/>
+          </a:p>
+        </p:txBody>
+      </p:sp>
+      <p:sp>
+        <p:nvSpPr>
+          <p:cNvPr id="6" name="직사각형 5">
+            <a:extLst>
+              <a:ext uri="{FF2B5EF4-FFF2-40B4-BE49-F238E27FC236}">
+                <a16:creationId xmlns:a16="http://schemas.microsoft.com/office/drawing/2014/main" id="{21AE5ACF-1C54-4BD0-B099-D290D4268E11}"/>
+              </a:ext>
+            </a:extLst>
+          </p:cNvPr>
+          <p:cNvSpPr/>
+          <p:nvPr/>
+        </p:nvSpPr>
+        <p:spPr>
+          <a:xfrm>
+            <a:off x="8558074" y="1634498"/>
+            <a:ext cx="585926" cy="464575"/>
+          </a:xfrm>
+          <a:prstGeom prst="rect">
+            <a:avLst/>
+          </a:prstGeom>
+          <a:solidFill>
+            <a:srgbClr val="00B050"/>
+          </a:solidFill>
+          <a:ln>
+            <a:noFill/>
+          </a:ln>
+        </p:spPr>
+        <p:style>
+          <a:lnRef idx="2">
+            <a:schemeClr val="accent1">
+              <a:shade val="50000"/>
+            </a:schemeClr>
+          </a:lnRef>
+          <a:fillRef idx="1">
+            <a:schemeClr val="accent1"/>
+          </a:fillRef>
+          <a:effectRef idx="0">
+            <a:schemeClr val="accent1"/>
+          </a:effectRef>
+          <a:fontRef idx="minor">
+            <a:schemeClr val="lt1"/>
+          </a:fontRef>
+        </p:style>
+        <p:txBody>
+          <a:bodyPr rot="0" spcFirstLastPara="0" vertOverflow="overflow" horzOverflow="overflow" vert="horz" wrap="square" lIns="68580" tIns="34290" rIns="68580" bIns="34290" numCol="1" spcCol="0" rtlCol="0" fromWordArt="0" anchor="ctr" anchorCtr="0" forceAA="0" compatLnSpc="1">
+            <a:prstTxWarp prst="textNoShape">
+              <a:avLst/>
+            </a:prstTxWarp>
+            <a:noAutofit/>
+          </a:bodyPr>
+          <a:lstStyle/>
+          <a:p>
+            <a:pPr algn="ctr"/>
+            <a:endParaRPr lang="ko-KR" altLang="en-US" sz="1350"/>
+          </a:p>
+        </p:txBody>
+      </p:sp>
+      <p:sp>
+        <p:nvSpPr>
+          <p:cNvPr id="7" name="직사각형 6">
+            <a:extLst>
+              <a:ext uri="{FF2B5EF4-FFF2-40B4-BE49-F238E27FC236}">
+                <a16:creationId xmlns:a16="http://schemas.microsoft.com/office/drawing/2014/main" id="{2DDD51C6-C234-477F-82D3-909C3EB63704}"/>
+              </a:ext>
+            </a:extLst>
+          </p:cNvPr>
+          <p:cNvSpPr/>
+          <p:nvPr/>
+        </p:nvSpPr>
+        <p:spPr>
+          <a:xfrm>
+            <a:off x="7683910" y="2099073"/>
+            <a:ext cx="1460090" cy="464575"/>
+          </a:xfrm>
+          <a:prstGeom prst="rect">
+            <a:avLst/>
+          </a:prstGeom>
+          <a:solidFill>
+            <a:srgbClr val="00B9F6"/>
+          </a:solidFill>
+          <a:ln>
+            <a:noFill/>
+          </a:ln>
+        </p:spPr>
+        <p:style>
+          <a:lnRef idx="2">
+            <a:schemeClr val="accent1">
+              <a:shade val="50000"/>
+            </a:schemeClr>
+          </a:lnRef>
+          <a:fillRef idx="1">
+            <a:schemeClr val="accent1"/>
+          </a:fillRef>
+          <a:effectRef idx="0">
+            <a:schemeClr val="accent1"/>
+          </a:effectRef>
+          <a:fontRef idx="minor">
+            <a:schemeClr val="lt1"/>
+          </a:fontRef>
+        </p:style>
+        <p:txBody>
+          <a:bodyPr rot="0" spcFirstLastPara="0" vertOverflow="overflow" horzOverflow="overflow" vert="horz" wrap="square" lIns="68580" tIns="34290" rIns="68580" bIns="34290" numCol="1" spcCol="0" rtlCol="0" fromWordArt="0" anchor="ctr" anchorCtr="0" forceAA="0" compatLnSpc="1">
+            <a:prstTxWarp prst="textNoShape">
+              <a:avLst/>
+            </a:prstTxWarp>
+            <a:noAutofit/>
+          </a:bodyPr>
+          <a:lstStyle/>
+          <a:p>
+            <a:pPr algn="ctr"/>
+            <a:endParaRPr lang="ko-KR" altLang="en-US"/>
+          </a:p>
+        </p:txBody>
+      </p:sp>
+      <p:sp>
+        <p:nvSpPr>
+          <p:cNvPr id="8" name="직사각형 7">
+            <a:extLst>
+              <a:ext uri="{FF2B5EF4-FFF2-40B4-BE49-F238E27FC236}">
+                <a16:creationId xmlns:a16="http://schemas.microsoft.com/office/drawing/2014/main" id="{44D9E954-10CD-4D1C-9BB9-C52BCDB20A43}"/>
+              </a:ext>
+            </a:extLst>
+          </p:cNvPr>
+          <p:cNvSpPr/>
+          <p:nvPr/>
+        </p:nvSpPr>
+        <p:spPr>
+          <a:xfrm>
+            <a:off x="8558072" y="2563648"/>
+            <a:ext cx="585927" cy="464575"/>
+          </a:xfrm>
+          <a:prstGeom prst="rect">
+            <a:avLst/>
+          </a:prstGeom>
+          <a:solidFill>
+            <a:schemeClr val="bg2">
+              <a:lumMod val="50000"/>
+            </a:schemeClr>
+          </a:solidFill>
+          <a:ln>
+            <a:noFill/>
+          </a:ln>
+        </p:spPr>
+        <p:style>
+          <a:lnRef idx="2">
+            <a:schemeClr val="accent1">
+              <a:shade val="50000"/>
+            </a:schemeClr>
+          </a:lnRef>
+          <a:fillRef idx="1">
+            <a:schemeClr val="accent1"/>
+          </a:fillRef>
+          <a:effectRef idx="0">
+            <a:schemeClr val="accent1"/>
+          </a:effectRef>
+          <a:fontRef idx="minor">
+            <a:schemeClr val="lt1"/>
+          </a:fontRef>
+        </p:style>
+        <p:txBody>
+          <a:bodyPr rot="0" spcFirstLastPara="0" vertOverflow="overflow" horzOverflow="overflow" vert="horz" wrap="square" lIns="68580" tIns="34290" rIns="68580" bIns="34290" numCol="1" spcCol="0" rtlCol="0" fromWordArt="0" anchor="ctr" anchorCtr="0" forceAA="0" compatLnSpc="1">
+            <a:prstTxWarp prst="textNoShape">
+              <a:avLst/>
+            </a:prstTxWarp>
+            <a:noAutofit/>
+          </a:bodyPr>
+          <a:lstStyle/>
+          <a:p>
+            <a:pPr algn="ctr"/>
+            <a:endParaRPr lang="ko-KR" altLang="en-US"/>
+          </a:p>
+        </p:txBody>
+      </p:sp>
+      <p:sp>
+        <p:nvSpPr>
+          <p:cNvPr id="9" name="TextBox 8">
+            <a:extLst>
+              <a:ext uri="{FF2B5EF4-FFF2-40B4-BE49-F238E27FC236}">
+                <a16:creationId xmlns:a16="http://schemas.microsoft.com/office/drawing/2014/main" id="{DA4C68B3-2F4C-4149-8004-6F33AAE7274E}"/>
+              </a:ext>
+            </a:extLst>
+          </p:cNvPr>
+          <p:cNvSpPr txBox="1"/>
+          <p:nvPr/>
+        </p:nvSpPr>
+        <p:spPr>
+          <a:xfrm>
+            <a:off x="745726" y="618835"/>
+            <a:ext cx="5570756" cy="1015663"/>
+          </a:xfrm>
+          <a:prstGeom prst="rect">
+            <a:avLst/>
+          </a:prstGeom>
+          <a:noFill/>
+        </p:spPr>
+        <p:txBody>
+          <a:bodyPr wrap="none" rtlCol="0">
+            <a:spAutoFit/>
+          </a:bodyPr>
+          <a:lstStyle/>
+          <a:p>
+            <a:r>
+              <a:rPr lang="ko-KR" altLang="en-US" sz="6000" dirty="0">
+                <a:solidFill>
+                  <a:schemeClr val="bg1"/>
+                </a:solidFill>
+                <a:latin typeface="나눔바른펜" panose="020B0503000000000000" pitchFamily="50" charset="-127"/>
+                <a:ea typeface="나눔바른펜" panose="020B0503000000000000" pitchFamily="50" charset="-127"/>
+              </a:rPr>
+              <a:t>주요제작리스트</a:t>
+            </a:r>
+          </a:p>
+        </p:txBody>
+      </p:sp>
+    </p:spTree>
+    <p:extLst>
+      <p:ext uri="{BB962C8B-B14F-4D97-AF65-F5344CB8AC3E}">
+        <p14:creationId xmlns:p14="http://schemas.microsoft.com/office/powerpoint/2010/main" val="45783522"/>
+      </p:ext>
+    </p:extLst>
+  </p:cSld>
+  <p:clrMapOvr>
+    <a:overrideClrMapping bg1="lt1" tx1="dk1" bg2="lt2" tx2="dk2" accent1="accent1" accent2="accent2" accent3="accent3" accent4="accent4" accent5="accent5" accent6="accent6" hlink="hlink" folHlink="folHlink"/>
+  </p:clrMapOvr>
+</p:sld>
+</file>
+
+<file path=ppt/slides/slide5.xml><?xml version="1.0" encoding="utf-8"?>
+<p:sld xmlns:a="http://schemas.openxmlformats.org/drawingml/2006/main" xmlns:r="http://schemas.openxmlformats.org/officeDocument/2006/relationships" xmlns:p="http://schemas.openxmlformats.org/presentationml/2006/main">
+  <p:cSld>
+    <p:bg>
+      <p:bgPr>
+        <a:solidFill>
+          <a:schemeClr val="tx1">
+            <a:lumMod val="85000"/>
+            <a:lumOff val="15000"/>
+          </a:schemeClr>
+        </a:solidFill>
+        <a:effectLst/>
+      </p:bgPr>
+    </p:bg>
+    <p:spTree>
+      <p:nvGrpSpPr>
+        <p:cNvPr id="1" name=""/>
+        <p:cNvGrpSpPr/>
+        <p:nvPr/>
+      </p:nvGrpSpPr>
+      <p:grpSpPr>
+        <a:xfrm>
+          <a:off x="0" y="0"/>
+          <a:ext cx="0" cy="0"/>
+          <a:chOff x="0" y="0"/>
+          <a:chExt cx="0" cy="0"/>
+        </a:xfrm>
+      </p:grpSpPr>
+      <p:sp>
+        <p:nvSpPr>
+          <p:cNvPr id="3" name="내용 개체 틀 2">
+            <a:extLst>
+              <a:ext uri="{FF2B5EF4-FFF2-40B4-BE49-F238E27FC236}">
+                <a16:creationId xmlns:a16="http://schemas.microsoft.com/office/drawing/2014/main" id="{972CE041-03FA-4BFB-AA4E-6057DEA64598}"/>
+              </a:ext>
+            </a:extLst>
+          </p:cNvPr>
+          <p:cNvSpPr>
+            <a:spLocks noGrp="1"/>
+          </p:cNvSpPr>
+          <p:nvPr>
+            <p:ph idx="1"/>
+          </p:nvPr>
+        </p:nvSpPr>
+        <p:spPr>
+          <a:xfrm>
+            <a:off x="628650" y="1825625"/>
+            <a:ext cx="7886700" cy="4351338"/>
+          </a:xfrm>
+        </p:spPr>
+        <p:txBody>
+          <a:bodyPr/>
+          <a:lstStyle/>
+          <a:p>
+            <a:r>
+              <a:rPr lang="en-US" altLang="ko-KR" dirty="0">
+                <a:solidFill>
+                  <a:schemeClr val="bg1"/>
+                </a:solidFill>
+              </a:rPr>
+              <a:t>Scene </a:t>
+            </a:r>
+            <a:r>
+              <a:rPr lang="ko-KR" altLang="en-US" dirty="0">
+                <a:solidFill>
+                  <a:schemeClr val="bg1"/>
+                </a:solidFill>
+              </a:rPr>
+              <a:t>만으로 불가능 했던 것</a:t>
+            </a:r>
+            <a:r>
+              <a:rPr lang="en-US" altLang="ko-KR" dirty="0">
+                <a:solidFill>
+                  <a:schemeClr val="bg1"/>
+                </a:solidFill>
+              </a:rPr>
+              <a:t>: </a:t>
+            </a:r>
+          </a:p>
+          <a:p>
+            <a:pPr marL="457200" lvl="1" indent="0">
+              <a:buNone/>
+            </a:pPr>
+            <a:r>
+              <a:rPr lang="en-US" altLang="ko-KR" dirty="0">
+                <a:solidFill>
+                  <a:schemeClr val="bg1"/>
+                </a:solidFill>
+              </a:rPr>
+              <a:t>game</a:t>
+            </a:r>
+            <a:r>
+              <a:rPr lang="ko-KR" altLang="en-US" dirty="0">
+                <a:solidFill>
+                  <a:schemeClr val="bg1"/>
+                </a:solidFill>
+              </a:rPr>
+              <a:t>과 </a:t>
+            </a:r>
+            <a:r>
+              <a:rPr lang="en-US" altLang="ko-KR" dirty="0">
+                <a:solidFill>
+                  <a:schemeClr val="bg1"/>
+                </a:solidFill>
+              </a:rPr>
+              <a:t>edit</a:t>
+            </a:r>
+            <a:r>
+              <a:rPr lang="ko-KR" altLang="en-US" dirty="0" err="1">
+                <a:solidFill>
+                  <a:schemeClr val="bg1"/>
+                </a:solidFill>
+              </a:rPr>
+              <a:t>씬과의</a:t>
+            </a:r>
+            <a:r>
+              <a:rPr lang="ko-KR" altLang="en-US" dirty="0">
+                <a:solidFill>
+                  <a:schemeClr val="bg1"/>
+                </a:solidFill>
+              </a:rPr>
+              <a:t> 상호작용 불가능</a:t>
+            </a:r>
+            <a:endParaRPr lang="en-US" altLang="ko-KR" dirty="0">
+              <a:solidFill>
+                <a:schemeClr val="bg1"/>
+              </a:solidFill>
+            </a:endParaRPr>
+          </a:p>
+          <a:p>
+            <a:endParaRPr lang="en-US" altLang="ko-KR" dirty="0">
+              <a:solidFill>
+                <a:schemeClr val="bg1"/>
+              </a:solidFill>
+            </a:endParaRPr>
+          </a:p>
+          <a:p>
+            <a:r>
+              <a:rPr lang="en-US" altLang="ko-KR" dirty="0">
+                <a:solidFill>
+                  <a:schemeClr val="bg1"/>
+                </a:solidFill>
+              </a:rPr>
+              <a:t>Scene</a:t>
+            </a:r>
+            <a:r>
+              <a:rPr lang="ko-KR" altLang="en-US" dirty="0">
+                <a:solidFill>
+                  <a:schemeClr val="bg1"/>
+                </a:solidFill>
+              </a:rPr>
+              <a:t>이 </a:t>
+            </a:r>
+            <a:r>
+              <a:rPr lang="en-US" altLang="ko-KR" dirty="0" err="1">
+                <a:solidFill>
+                  <a:schemeClr val="bg1"/>
+                </a:solidFill>
+              </a:rPr>
+              <a:t>FrameWork</a:t>
+            </a:r>
+            <a:r>
+              <a:rPr lang="en-US" altLang="ko-KR" dirty="0">
+                <a:solidFill>
+                  <a:schemeClr val="bg1"/>
+                </a:solidFill>
+              </a:rPr>
+              <a:t> </a:t>
+            </a:r>
+            <a:r>
+              <a:rPr lang="ko-KR" altLang="en-US" dirty="0">
+                <a:solidFill>
+                  <a:schemeClr val="bg1"/>
+                </a:solidFill>
+              </a:rPr>
+              <a:t>에 </a:t>
+            </a:r>
+            <a:r>
+              <a:rPr lang="ko-KR" altLang="en-US" dirty="0" err="1">
+                <a:solidFill>
+                  <a:schemeClr val="bg1"/>
+                </a:solidFill>
+              </a:rPr>
+              <a:t>들려있듯이</a:t>
+            </a:r>
+            <a:r>
+              <a:rPr lang="ko-KR" altLang="en-US" dirty="0">
+                <a:solidFill>
+                  <a:schemeClr val="bg1"/>
+                </a:solidFill>
+              </a:rPr>
+              <a:t> </a:t>
+            </a:r>
+            <a:r>
+              <a:rPr lang="en-US" altLang="ko-KR" dirty="0">
+                <a:solidFill>
+                  <a:schemeClr val="bg1"/>
+                </a:solidFill>
+              </a:rPr>
+              <a:t>Scene</a:t>
+            </a:r>
+            <a:r>
+              <a:rPr lang="ko-KR" altLang="en-US" dirty="0">
+                <a:solidFill>
+                  <a:schemeClr val="bg1"/>
+                </a:solidFill>
+              </a:rPr>
+              <a:t>에 </a:t>
+            </a:r>
+            <a:r>
+              <a:rPr lang="en-US" altLang="ko-KR" dirty="0" err="1">
+                <a:solidFill>
+                  <a:schemeClr val="bg1"/>
+                </a:solidFill>
+              </a:rPr>
+              <a:t>ChildScene</a:t>
+            </a:r>
+            <a:r>
+              <a:rPr lang="ko-KR" altLang="en-US" dirty="0">
+                <a:solidFill>
+                  <a:schemeClr val="bg1"/>
+                </a:solidFill>
+              </a:rPr>
+              <a:t>을 들려주었음</a:t>
+            </a:r>
+            <a:endParaRPr lang="en-US" altLang="ko-KR" dirty="0">
+              <a:solidFill>
+                <a:schemeClr val="bg1"/>
+              </a:solidFill>
+            </a:endParaRPr>
+          </a:p>
+          <a:p>
+            <a:r>
+              <a:rPr lang="en-US" altLang="ko-KR" dirty="0" err="1">
+                <a:solidFill>
+                  <a:schemeClr val="bg1"/>
+                </a:solidFill>
+              </a:rPr>
+              <a:t>ChildGetMessge</a:t>
+            </a:r>
+            <a:r>
+              <a:rPr lang="en-US" altLang="ko-KR" dirty="0">
+                <a:solidFill>
+                  <a:schemeClr val="bg1"/>
+                </a:solidFill>
+              </a:rPr>
+              <a:t> </a:t>
+            </a:r>
+            <a:r>
+              <a:rPr lang="ko-KR" altLang="en-US" dirty="0">
+                <a:solidFill>
+                  <a:schemeClr val="bg1"/>
+                </a:solidFill>
+              </a:rPr>
+              <a:t>함수로 상호작용 처리</a:t>
+            </a:r>
+            <a:endParaRPr lang="en-US" altLang="ko-KR" dirty="0">
+              <a:solidFill>
+                <a:schemeClr val="bg1"/>
+              </a:solidFill>
+            </a:endParaRPr>
+          </a:p>
+        </p:txBody>
+      </p:sp>
+      <p:sp>
+        <p:nvSpPr>
+          <p:cNvPr id="4" name="직사각형 3">
+            <a:extLst>
+              <a:ext uri="{FF2B5EF4-FFF2-40B4-BE49-F238E27FC236}">
+                <a16:creationId xmlns:a16="http://schemas.microsoft.com/office/drawing/2014/main" id="{88D854C0-A088-4C53-A201-2EAED2CC311D}"/>
+              </a:ext>
+            </a:extLst>
+          </p:cNvPr>
+          <p:cNvSpPr/>
+          <p:nvPr/>
+        </p:nvSpPr>
+        <p:spPr>
+          <a:xfrm>
+            <a:off x="8558072" y="705348"/>
+            <a:ext cx="585927" cy="464575"/>
+          </a:xfrm>
+          <a:prstGeom prst="rect">
+            <a:avLst/>
+          </a:prstGeom>
+          <a:solidFill>
+            <a:srgbClr val="F02802"/>
+          </a:solidFill>
+          <a:ln>
+            <a:noFill/>
+          </a:ln>
+        </p:spPr>
+        <p:style>
+          <a:lnRef idx="2">
+            <a:schemeClr val="accent1">
+              <a:shade val="50000"/>
+            </a:schemeClr>
+          </a:lnRef>
+          <a:fillRef idx="1">
+            <a:schemeClr val="accent1"/>
+          </a:fillRef>
+          <a:effectRef idx="0">
+            <a:schemeClr val="accent1"/>
+          </a:effectRef>
+          <a:fontRef idx="minor">
+            <a:schemeClr val="lt1"/>
+          </a:fontRef>
+        </p:style>
+        <p:txBody>
+          <a:bodyPr rot="0" spcFirstLastPara="0" vertOverflow="overflow" horzOverflow="overflow" vert="horz" wrap="square" lIns="68580" tIns="34290" rIns="68580" bIns="34290" numCol="1" spcCol="0" rtlCol="0" fromWordArt="0" anchor="ctr" anchorCtr="0" forceAA="0" compatLnSpc="1">
+            <a:prstTxWarp prst="textNoShape">
+              <a:avLst/>
+            </a:prstTxWarp>
+            <a:noAutofit/>
+          </a:bodyPr>
+          <a:lstStyle/>
+          <a:p>
+            <a:pPr algn="ctr"/>
+            <a:endParaRPr lang="ko-KR" altLang="en-US" sz="1350"/>
+          </a:p>
+        </p:txBody>
+      </p:sp>
+      <p:sp>
+        <p:nvSpPr>
+          <p:cNvPr id="5" name="직사각형 4">
+            <a:extLst>
+              <a:ext uri="{FF2B5EF4-FFF2-40B4-BE49-F238E27FC236}">
+                <a16:creationId xmlns:a16="http://schemas.microsoft.com/office/drawing/2014/main" id="{D79F1DD2-F00C-4D6C-AFAB-08BC2B78C93F}"/>
+              </a:ext>
+            </a:extLst>
+          </p:cNvPr>
+          <p:cNvSpPr/>
+          <p:nvPr/>
+        </p:nvSpPr>
+        <p:spPr>
+          <a:xfrm>
+            <a:off x="8558074" y="1169923"/>
+            <a:ext cx="585926" cy="464575"/>
+          </a:xfrm>
+          <a:prstGeom prst="rect">
+            <a:avLst/>
+          </a:prstGeom>
+          <a:solidFill>
+            <a:srgbClr val="FFC000"/>
+          </a:solidFill>
+          <a:ln>
+            <a:noFill/>
+          </a:ln>
+        </p:spPr>
+        <p:style>
+          <a:lnRef idx="2">
+            <a:schemeClr val="accent1">
+              <a:shade val="50000"/>
+            </a:schemeClr>
+          </a:lnRef>
+          <a:fillRef idx="1">
+            <a:schemeClr val="accent1"/>
+          </a:fillRef>
+          <a:effectRef idx="0">
+            <a:schemeClr val="accent1"/>
+          </a:effectRef>
+          <a:fontRef idx="minor">
+            <a:schemeClr val="lt1"/>
+          </a:fontRef>
+        </p:style>
+        <p:txBody>
+          <a:bodyPr rot="0" spcFirstLastPara="0" vertOverflow="overflow" horzOverflow="overflow" vert="horz" wrap="square" lIns="68580" tIns="34290" rIns="68580" bIns="34290" numCol="1" spcCol="0" rtlCol="0" fromWordArt="0" anchor="ctr" anchorCtr="0" forceAA="0" compatLnSpc="1">
+            <a:prstTxWarp prst="textNoShape">
+              <a:avLst/>
+            </a:prstTxWarp>
+            <a:noAutofit/>
+          </a:bodyPr>
+          <a:lstStyle/>
+          <a:p>
+            <a:pPr algn="ctr"/>
+            <a:endParaRPr lang="ko-KR" altLang="en-US" sz="1350"/>
+          </a:p>
+        </p:txBody>
+      </p:sp>
+      <p:sp>
+        <p:nvSpPr>
+          <p:cNvPr id="6" name="직사각형 5">
+            <a:extLst>
+              <a:ext uri="{FF2B5EF4-FFF2-40B4-BE49-F238E27FC236}">
+                <a16:creationId xmlns:a16="http://schemas.microsoft.com/office/drawing/2014/main" id="{21AE5ACF-1C54-4BD0-B099-D290D4268E11}"/>
+              </a:ext>
+            </a:extLst>
+          </p:cNvPr>
+          <p:cNvSpPr/>
+          <p:nvPr/>
+        </p:nvSpPr>
+        <p:spPr>
+          <a:xfrm>
+            <a:off x="8558074" y="1634498"/>
+            <a:ext cx="585926" cy="464575"/>
+          </a:xfrm>
+          <a:prstGeom prst="rect">
+            <a:avLst/>
+          </a:prstGeom>
+          <a:solidFill>
+            <a:srgbClr val="00B050"/>
+          </a:solidFill>
+          <a:ln>
+            <a:noFill/>
+          </a:ln>
+        </p:spPr>
+        <p:style>
+          <a:lnRef idx="2">
+            <a:schemeClr val="accent1">
+              <a:shade val="50000"/>
+            </a:schemeClr>
+          </a:lnRef>
+          <a:fillRef idx="1">
+            <a:schemeClr val="accent1"/>
+          </a:fillRef>
+          <a:effectRef idx="0">
+            <a:schemeClr val="accent1"/>
+          </a:effectRef>
+          <a:fontRef idx="minor">
+            <a:schemeClr val="lt1"/>
+          </a:fontRef>
+        </p:style>
+        <p:txBody>
+          <a:bodyPr rot="0" spcFirstLastPara="0" vertOverflow="overflow" horzOverflow="overflow" vert="horz" wrap="square" lIns="68580" tIns="34290" rIns="68580" bIns="34290" numCol="1" spcCol="0" rtlCol="0" fromWordArt="0" anchor="ctr" anchorCtr="0" forceAA="0" compatLnSpc="1">
+            <a:prstTxWarp prst="textNoShape">
+              <a:avLst/>
+            </a:prstTxWarp>
+            <a:noAutofit/>
+          </a:bodyPr>
+          <a:lstStyle/>
+          <a:p>
+            <a:pPr algn="ctr"/>
+            <a:endParaRPr lang="ko-KR" altLang="en-US" sz="1350"/>
+          </a:p>
+        </p:txBody>
+      </p:sp>
+      <p:sp>
+        <p:nvSpPr>
+          <p:cNvPr id="7" name="직사각형 6">
+            <a:extLst>
+              <a:ext uri="{FF2B5EF4-FFF2-40B4-BE49-F238E27FC236}">
+                <a16:creationId xmlns:a16="http://schemas.microsoft.com/office/drawing/2014/main" id="{2DDD51C6-C234-477F-82D3-909C3EB63704}"/>
+              </a:ext>
+            </a:extLst>
+          </p:cNvPr>
+          <p:cNvSpPr/>
+          <p:nvPr/>
+        </p:nvSpPr>
+        <p:spPr>
+          <a:xfrm>
+            <a:off x="7683910" y="2099073"/>
+            <a:ext cx="1460090" cy="464575"/>
+          </a:xfrm>
+          <a:prstGeom prst="rect">
+            <a:avLst/>
+          </a:prstGeom>
+          <a:solidFill>
+            <a:srgbClr val="00B9F6"/>
+          </a:solidFill>
+          <a:ln>
+            <a:noFill/>
+          </a:ln>
+        </p:spPr>
+        <p:style>
+          <a:lnRef idx="2">
+            <a:schemeClr val="accent1">
+              <a:shade val="50000"/>
+            </a:schemeClr>
+          </a:lnRef>
+          <a:fillRef idx="1">
+            <a:schemeClr val="accent1"/>
+          </a:fillRef>
+          <a:effectRef idx="0">
+            <a:schemeClr val="accent1"/>
+          </a:effectRef>
+          <a:fontRef idx="minor">
+            <a:schemeClr val="lt1"/>
+          </a:fontRef>
+        </p:style>
+        <p:txBody>
+          <a:bodyPr rot="0" spcFirstLastPara="0" vertOverflow="overflow" horzOverflow="overflow" vert="horz" wrap="square" lIns="68580" tIns="34290" rIns="68580" bIns="34290" numCol="1" spcCol="0" rtlCol="0" fromWordArt="0" anchor="ctr" anchorCtr="0" forceAA="0" compatLnSpc="1">
+            <a:prstTxWarp prst="textNoShape">
+              <a:avLst/>
+            </a:prstTxWarp>
+            <a:noAutofit/>
+          </a:bodyPr>
+          <a:lstStyle/>
+          <a:p>
+            <a:pPr algn="ctr"/>
+            <a:endParaRPr lang="ko-KR" altLang="en-US"/>
+          </a:p>
+        </p:txBody>
+      </p:sp>
+      <p:sp>
+        <p:nvSpPr>
+          <p:cNvPr id="8" name="직사각형 7">
+            <a:extLst>
+              <a:ext uri="{FF2B5EF4-FFF2-40B4-BE49-F238E27FC236}">
+                <a16:creationId xmlns:a16="http://schemas.microsoft.com/office/drawing/2014/main" id="{44D9E954-10CD-4D1C-9BB9-C52BCDB20A43}"/>
+              </a:ext>
+            </a:extLst>
+          </p:cNvPr>
+          <p:cNvSpPr/>
+          <p:nvPr/>
+        </p:nvSpPr>
+        <p:spPr>
+          <a:xfrm>
+            <a:off x="8558072" y="2563648"/>
+            <a:ext cx="585927" cy="464575"/>
+          </a:xfrm>
+          <a:prstGeom prst="rect">
+            <a:avLst/>
+          </a:prstGeom>
+          <a:solidFill>
+            <a:schemeClr val="bg2">
+              <a:lumMod val="50000"/>
+            </a:schemeClr>
+          </a:solidFill>
+          <a:ln>
+            <a:noFill/>
+          </a:ln>
+        </p:spPr>
+        <p:style>
+          <a:lnRef idx="2">
+            <a:schemeClr val="accent1">
+              <a:shade val="50000"/>
+            </a:schemeClr>
+          </a:lnRef>
+          <a:fillRef idx="1">
+            <a:schemeClr val="accent1"/>
+          </a:fillRef>
+          <a:effectRef idx="0">
+            <a:schemeClr val="accent1"/>
+          </a:effectRef>
+          <a:fontRef idx="minor">
+            <a:schemeClr val="lt1"/>
+          </a:fontRef>
+        </p:style>
+        <p:txBody>
+          <a:bodyPr rot="0" spcFirstLastPara="0" vertOverflow="overflow" horzOverflow="overflow" vert="horz" wrap="square" lIns="68580" tIns="34290" rIns="68580" bIns="34290" numCol="1" spcCol="0" rtlCol="0" fromWordArt="0" anchor="ctr" anchorCtr="0" forceAA="0" compatLnSpc="1">
+            <a:prstTxWarp prst="textNoShape">
+              <a:avLst/>
+            </a:prstTxWarp>
+            <a:noAutofit/>
+          </a:bodyPr>
+          <a:lstStyle/>
+          <a:p>
+            <a:pPr algn="ctr"/>
+            <a:endParaRPr lang="ko-KR" altLang="en-US"/>
+          </a:p>
+        </p:txBody>
+      </p:sp>
+      <p:sp>
+        <p:nvSpPr>
+          <p:cNvPr id="9" name="TextBox 8">
+            <a:extLst>
+              <a:ext uri="{FF2B5EF4-FFF2-40B4-BE49-F238E27FC236}">
+                <a16:creationId xmlns:a16="http://schemas.microsoft.com/office/drawing/2014/main" id="{DA4C68B3-2F4C-4149-8004-6F33AAE7274E}"/>
+              </a:ext>
+            </a:extLst>
+          </p:cNvPr>
+          <p:cNvSpPr txBox="1"/>
+          <p:nvPr/>
+        </p:nvSpPr>
+        <p:spPr>
+          <a:xfrm>
+            <a:off x="745726" y="618835"/>
+            <a:ext cx="3437159" cy="1015663"/>
+          </a:xfrm>
+          <a:prstGeom prst="rect">
+            <a:avLst/>
+          </a:prstGeom>
+          <a:noFill/>
+        </p:spPr>
+        <p:txBody>
+          <a:bodyPr wrap="none" rtlCol="0">
+            <a:spAutoFit/>
+          </a:bodyPr>
+          <a:lstStyle/>
+          <a:p>
+            <a:r>
+              <a:rPr lang="ko-KR" altLang="en-US" sz="6000" dirty="0" err="1">
+                <a:solidFill>
+                  <a:schemeClr val="bg1"/>
+                </a:solidFill>
+              </a:rPr>
+              <a:t>차일드</a:t>
+            </a:r>
+            <a:r>
+              <a:rPr lang="ko-KR" altLang="en-US" sz="6000" dirty="0">
+                <a:solidFill>
+                  <a:schemeClr val="bg1"/>
+                </a:solidFill>
+              </a:rPr>
+              <a:t> 씬</a:t>
+            </a:r>
+            <a:endParaRPr lang="en-US" altLang="ko-KR" sz="6000" dirty="0">
+              <a:solidFill>
+                <a:schemeClr val="bg1"/>
+              </a:solidFill>
+            </a:endParaRPr>
+          </a:p>
+        </p:txBody>
+      </p:sp>
+    </p:spTree>
+    <p:extLst>
+      <p:ext uri="{BB962C8B-B14F-4D97-AF65-F5344CB8AC3E}">
+        <p14:creationId xmlns:p14="http://schemas.microsoft.com/office/powerpoint/2010/main" val="1042890885"/>
+      </p:ext>
+    </p:extLst>
+  </p:cSld>
+  <p:clrMapOvr>
+    <a:overrideClrMapping bg1="lt1" tx1="dk1" bg2="lt2" tx2="dk2" accent1="accent1" accent2="accent2" accent3="accent3" accent4="accent4" accent5="accent5" accent6="accent6" hlink="hlink" folHlink="folHlink"/>
+  </p:clrMapOvr>
+</p:sld>
+</file>
+
+<file path=ppt/slides/slide6.xml><?xml version="1.0" encoding="utf-8"?>
+<p:sld xmlns:a="http://schemas.openxmlformats.org/drawingml/2006/main" xmlns:r="http://schemas.openxmlformats.org/officeDocument/2006/relationships" xmlns:p="http://schemas.openxmlformats.org/presentationml/2006/main">
+  <p:cSld>
+    <p:bg>
+      <p:bgPr>
+        <a:solidFill>
+          <a:schemeClr val="tx1">
+            <a:lumMod val="85000"/>
+            <a:lumOff val="15000"/>
+          </a:schemeClr>
+        </a:solidFill>
+        <a:effectLst/>
+      </p:bgPr>
+    </p:bg>
+    <p:spTree>
+      <p:nvGrpSpPr>
+        <p:cNvPr id="1" name=""/>
+        <p:cNvGrpSpPr/>
+        <p:nvPr/>
+      </p:nvGrpSpPr>
+      <p:grpSpPr>
+        <a:xfrm>
+          <a:off x="0" y="0"/>
+          <a:ext cx="0" cy="0"/>
+          <a:chOff x="0" y="0"/>
+          <a:chExt cx="0" cy="0"/>
+        </a:xfrm>
+      </p:grpSpPr>
       <p:pic>
         <p:nvPicPr>
           <p:cNvPr id="43" name="그림 42">
@@ -5172,7 +8333,7 @@
 </p:sld>
 </file>
 
-<file path=ppt/slides/slide11.xml><?xml version="1.0" encoding="utf-8"?>
+<file path=ppt/slides/slide7.xml><?xml version="1.0" encoding="utf-8"?>
 <p:sld xmlns:a="http://schemas.openxmlformats.org/drawingml/2006/main" xmlns:r="http://schemas.openxmlformats.org/officeDocument/2006/relationships" xmlns:p="http://schemas.openxmlformats.org/presentationml/2006/main">
   <p:cSld>
     <p:bg>
@@ -5795,3668 +8956,6 @@
 </p:sld>
 </file>
 
-<file path=ppt/slides/slide12.xml><?xml version="1.0" encoding="utf-8"?>
-<p:sld xmlns:a="http://schemas.openxmlformats.org/drawingml/2006/main" xmlns:r="http://schemas.openxmlformats.org/officeDocument/2006/relationships" xmlns:p="http://schemas.openxmlformats.org/presentationml/2006/main">
-  <p:cSld>
-    <p:bg>
-      <p:bgPr>
-        <a:solidFill>
-          <a:schemeClr val="tx1">
-            <a:lumMod val="85000"/>
-            <a:lumOff val="15000"/>
-          </a:schemeClr>
-        </a:solidFill>
-        <a:effectLst/>
-      </p:bgPr>
-    </p:bg>
-    <p:spTree>
-      <p:nvGrpSpPr>
-        <p:cNvPr id="1" name=""/>
-        <p:cNvGrpSpPr/>
-        <p:nvPr/>
-      </p:nvGrpSpPr>
-      <p:grpSpPr>
-        <a:xfrm>
-          <a:off x="0" y="0"/>
-          <a:ext cx="0" cy="0"/>
-          <a:chOff x="0" y="0"/>
-          <a:chExt cx="0" cy="0"/>
-        </a:xfrm>
-      </p:grpSpPr>
-      <p:sp>
-        <p:nvSpPr>
-          <p:cNvPr id="3" name="내용 개체 틀 2">
-            <a:extLst>
-              <a:ext uri="{FF2B5EF4-FFF2-40B4-BE49-F238E27FC236}">
-                <a16:creationId xmlns:a16="http://schemas.microsoft.com/office/drawing/2014/main" id="{B8B9E738-B42D-4970-AA9A-EA5D6F9F4628}"/>
-              </a:ext>
-            </a:extLst>
-          </p:cNvPr>
-          <p:cNvSpPr>
-            <a:spLocks noGrp="1"/>
-          </p:cNvSpPr>
-          <p:nvPr>
-            <p:ph idx="1"/>
-          </p:nvPr>
-        </p:nvSpPr>
-        <p:spPr/>
-        <p:txBody>
-          <a:bodyPr/>
-          <a:lstStyle/>
-          <a:p>
-            <a:r>
-              <a:rPr lang="en-US" altLang="ko-KR" dirty="0">
-                <a:solidFill>
-                  <a:schemeClr val="bg1"/>
-                </a:solidFill>
-              </a:rPr>
-              <a:t>HELP, </a:t>
-            </a:r>
-            <a:r>
-              <a:rPr lang="en-US" altLang="ko-KR" dirty="0" err="1">
-                <a:solidFill>
-                  <a:schemeClr val="bg1"/>
-                </a:solidFill>
-              </a:rPr>
-              <a:t>Resorce</a:t>
-            </a:r>
-            <a:endParaRPr lang="en-US" altLang="ko-KR" dirty="0">
-              <a:solidFill>
-                <a:schemeClr val="bg1"/>
-              </a:solidFill>
-            </a:endParaRPr>
-          </a:p>
-          <a:p>
-            <a:r>
-              <a:rPr lang="ko-KR" altLang="en-US" dirty="0">
-                <a:solidFill>
-                  <a:schemeClr val="bg1"/>
-                </a:solidFill>
-              </a:rPr>
-              <a:t>쓰레기 값의 </a:t>
-            </a:r>
-            <a:r>
-              <a:rPr lang="en-US" altLang="ko-KR" dirty="0">
-                <a:solidFill>
-                  <a:schemeClr val="bg1"/>
-                </a:solidFill>
-              </a:rPr>
-              <a:t>bool</a:t>
-            </a:r>
-          </a:p>
-          <a:p>
-            <a:r>
-              <a:rPr lang="en-US" altLang="ko-KR" dirty="0">
-                <a:solidFill>
-                  <a:schemeClr val="bg1"/>
-                </a:solidFill>
-              </a:rPr>
-              <a:t>Update()-&gt;</a:t>
-            </a:r>
-            <a:r>
-              <a:rPr lang="en-US" altLang="ko-KR" dirty="0" err="1">
-                <a:solidFill>
-                  <a:schemeClr val="bg1"/>
-                </a:solidFill>
-              </a:rPr>
-              <a:t>Init</a:t>
-            </a:r>
-            <a:r>
-              <a:rPr lang="en-US" altLang="ko-KR" dirty="0">
-                <a:solidFill>
-                  <a:schemeClr val="bg1"/>
-                </a:solidFill>
-              </a:rPr>
-              <a:t>()</a:t>
-            </a:r>
-          </a:p>
-          <a:p>
-            <a:r>
-              <a:rPr lang="en-US" altLang="ko-KR" dirty="0" err="1">
-                <a:solidFill>
-                  <a:schemeClr val="bg1"/>
-                </a:solidFill>
-              </a:rPr>
-              <a:t>DeleteObject</a:t>
-            </a:r>
-            <a:r>
-              <a:rPr lang="en-US" altLang="ko-KR" dirty="0">
-                <a:solidFill>
-                  <a:schemeClr val="bg1"/>
-                </a:solidFill>
-              </a:rPr>
-              <a:t>(</a:t>
-            </a:r>
-            <a:r>
-              <a:rPr lang="en-US" altLang="ko-KR" dirty="0" err="1">
-                <a:solidFill>
-                  <a:schemeClr val="bg1"/>
-                </a:solidFill>
-              </a:rPr>
-              <a:t>oldbr</a:t>
-            </a:r>
-            <a:r>
-              <a:rPr lang="en-US" altLang="ko-KR" dirty="0">
-                <a:solidFill>
-                  <a:schemeClr val="bg1"/>
-                </a:solidFill>
-              </a:rPr>
-              <a:t>)</a:t>
-            </a:r>
-          </a:p>
-          <a:p>
-            <a:r>
-              <a:rPr lang="en-US" altLang="ko-KR" dirty="0">
-                <a:solidFill>
-                  <a:schemeClr val="bg1"/>
-                </a:solidFill>
-              </a:rPr>
-              <a:t>~</a:t>
-            </a:r>
-            <a:r>
-              <a:rPr lang="en-US" altLang="ko-KR" dirty="0" err="1">
-                <a:solidFill>
-                  <a:schemeClr val="bg1"/>
-                </a:solidFill>
-              </a:rPr>
-              <a:t>CEnemy</a:t>
-            </a:r>
-            <a:r>
-              <a:rPr lang="en-US" altLang="ko-KR" dirty="0">
-                <a:solidFill>
-                  <a:schemeClr val="bg1"/>
-                </a:solidFill>
-              </a:rPr>
-              <a:t>(){ delete </a:t>
-            </a:r>
-            <a:r>
-              <a:rPr lang="en-US" altLang="ko-KR" dirty="0" err="1">
-                <a:solidFill>
-                  <a:schemeClr val="bg1"/>
-                </a:solidFill>
-              </a:rPr>
-              <a:t>m_ptr</a:t>
-            </a:r>
-            <a:r>
-              <a:rPr lang="en-US" altLang="ko-KR" dirty="0">
-                <a:solidFill>
-                  <a:schemeClr val="bg1"/>
-                </a:solidFill>
-              </a:rPr>
-              <a:t>;} </a:t>
-            </a:r>
-            <a:r>
-              <a:rPr lang="ko-KR" altLang="en-US" dirty="0">
-                <a:solidFill>
-                  <a:schemeClr val="bg1"/>
-                </a:solidFill>
-              </a:rPr>
-              <a:t>와중에 복사생성하기</a:t>
-            </a:r>
-            <a:endParaRPr lang="en-US" altLang="ko-KR" dirty="0">
-              <a:solidFill>
-                <a:schemeClr val="bg1"/>
-              </a:solidFill>
-            </a:endParaRPr>
-          </a:p>
-          <a:p>
-            <a:endParaRPr lang="en-US" altLang="ko-KR" dirty="0">
-              <a:solidFill>
-                <a:schemeClr val="bg1"/>
-              </a:solidFill>
-            </a:endParaRPr>
-          </a:p>
-          <a:p>
-            <a:endParaRPr lang="en-US" altLang="ko-KR" dirty="0"/>
-          </a:p>
-        </p:txBody>
-      </p:sp>
-      <p:sp>
-        <p:nvSpPr>
-          <p:cNvPr id="4" name="직사각형 3">
-            <a:extLst>
-              <a:ext uri="{FF2B5EF4-FFF2-40B4-BE49-F238E27FC236}">
-                <a16:creationId xmlns:a16="http://schemas.microsoft.com/office/drawing/2014/main" id="{75182B62-496D-402C-ABCE-8E61DCEC8C95}"/>
-              </a:ext>
-            </a:extLst>
-          </p:cNvPr>
-          <p:cNvSpPr/>
-          <p:nvPr/>
-        </p:nvSpPr>
-        <p:spPr>
-          <a:xfrm>
-            <a:off x="8558072" y="705348"/>
-            <a:ext cx="585927" cy="464575"/>
-          </a:xfrm>
-          <a:prstGeom prst="rect">
-            <a:avLst/>
-          </a:prstGeom>
-          <a:solidFill>
-            <a:srgbClr val="F02802"/>
-          </a:solidFill>
-          <a:ln>
-            <a:noFill/>
-          </a:ln>
-        </p:spPr>
-        <p:style>
-          <a:lnRef idx="2">
-            <a:schemeClr val="accent1">
-              <a:shade val="50000"/>
-            </a:schemeClr>
-          </a:lnRef>
-          <a:fillRef idx="1">
-            <a:schemeClr val="accent1"/>
-          </a:fillRef>
-          <a:effectRef idx="0">
-            <a:schemeClr val="accent1"/>
-          </a:effectRef>
-          <a:fontRef idx="minor">
-            <a:schemeClr val="lt1"/>
-          </a:fontRef>
-        </p:style>
-        <p:txBody>
-          <a:bodyPr rot="0" spcFirstLastPara="0" vertOverflow="overflow" horzOverflow="overflow" vert="horz" wrap="square" lIns="68580" tIns="34290" rIns="68580" bIns="34290" numCol="1" spcCol="0" rtlCol="0" fromWordArt="0" anchor="ctr" anchorCtr="0" forceAA="0" compatLnSpc="1">
-            <a:prstTxWarp prst="textNoShape">
-              <a:avLst/>
-            </a:prstTxWarp>
-            <a:noAutofit/>
-          </a:bodyPr>
-          <a:lstStyle/>
-          <a:p>
-            <a:pPr algn="ctr"/>
-            <a:endParaRPr lang="ko-KR" altLang="en-US" sz="1350"/>
-          </a:p>
-        </p:txBody>
-      </p:sp>
-      <p:sp>
-        <p:nvSpPr>
-          <p:cNvPr id="5" name="직사각형 4">
-            <a:extLst>
-              <a:ext uri="{FF2B5EF4-FFF2-40B4-BE49-F238E27FC236}">
-                <a16:creationId xmlns:a16="http://schemas.microsoft.com/office/drawing/2014/main" id="{84BE0762-15DC-4D93-A0A2-9D41C8F4C3EB}"/>
-              </a:ext>
-            </a:extLst>
-          </p:cNvPr>
-          <p:cNvSpPr/>
-          <p:nvPr/>
-        </p:nvSpPr>
-        <p:spPr>
-          <a:xfrm>
-            <a:off x="8558074" y="1169923"/>
-            <a:ext cx="585926" cy="464575"/>
-          </a:xfrm>
-          <a:prstGeom prst="rect">
-            <a:avLst/>
-          </a:prstGeom>
-          <a:solidFill>
-            <a:srgbClr val="FFC000"/>
-          </a:solidFill>
-          <a:ln>
-            <a:noFill/>
-          </a:ln>
-        </p:spPr>
-        <p:style>
-          <a:lnRef idx="2">
-            <a:schemeClr val="accent1">
-              <a:shade val="50000"/>
-            </a:schemeClr>
-          </a:lnRef>
-          <a:fillRef idx="1">
-            <a:schemeClr val="accent1"/>
-          </a:fillRef>
-          <a:effectRef idx="0">
-            <a:schemeClr val="accent1"/>
-          </a:effectRef>
-          <a:fontRef idx="minor">
-            <a:schemeClr val="lt1"/>
-          </a:fontRef>
-        </p:style>
-        <p:txBody>
-          <a:bodyPr rot="0" spcFirstLastPara="0" vertOverflow="overflow" horzOverflow="overflow" vert="horz" wrap="square" lIns="68580" tIns="34290" rIns="68580" bIns="34290" numCol="1" spcCol="0" rtlCol="0" fromWordArt="0" anchor="ctr" anchorCtr="0" forceAA="0" compatLnSpc="1">
-            <a:prstTxWarp prst="textNoShape">
-              <a:avLst/>
-            </a:prstTxWarp>
-            <a:noAutofit/>
-          </a:bodyPr>
-          <a:lstStyle/>
-          <a:p>
-            <a:pPr algn="ctr"/>
-            <a:endParaRPr lang="ko-KR" altLang="en-US" sz="1350"/>
-          </a:p>
-        </p:txBody>
-      </p:sp>
-      <p:sp>
-        <p:nvSpPr>
-          <p:cNvPr id="6" name="직사각형 5">
-            <a:extLst>
-              <a:ext uri="{FF2B5EF4-FFF2-40B4-BE49-F238E27FC236}">
-                <a16:creationId xmlns:a16="http://schemas.microsoft.com/office/drawing/2014/main" id="{27FE21D4-D965-4502-A539-DCB19AAB75CF}"/>
-              </a:ext>
-            </a:extLst>
-          </p:cNvPr>
-          <p:cNvSpPr/>
-          <p:nvPr/>
-        </p:nvSpPr>
-        <p:spPr>
-          <a:xfrm>
-            <a:off x="8558074" y="1634498"/>
-            <a:ext cx="585926" cy="464575"/>
-          </a:xfrm>
-          <a:prstGeom prst="rect">
-            <a:avLst/>
-          </a:prstGeom>
-          <a:solidFill>
-            <a:srgbClr val="00B050"/>
-          </a:solidFill>
-          <a:ln>
-            <a:noFill/>
-          </a:ln>
-        </p:spPr>
-        <p:style>
-          <a:lnRef idx="2">
-            <a:schemeClr val="accent1">
-              <a:shade val="50000"/>
-            </a:schemeClr>
-          </a:lnRef>
-          <a:fillRef idx="1">
-            <a:schemeClr val="accent1"/>
-          </a:fillRef>
-          <a:effectRef idx="0">
-            <a:schemeClr val="accent1"/>
-          </a:effectRef>
-          <a:fontRef idx="minor">
-            <a:schemeClr val="lt1"/>
-          </a:fontRef>
-        </p:style>
-        <p:txBody>
-          <a:bodyPr rot="0" spcFirstLastPara="0" vertOverflow="overflow" horzOverflow="overflow" vert="horz" wrap="square" lIns="68580" tIns="34290" rIns="68580" bIns="34290" numCol="1" spcCol="0" rtlCol="0" fromWordArt="0" anchor="ctr" anchorCtr="0" forceAA="0" compatLnSpc="1">
-            <a:prstTxWarp prst="textNoShape">
-              <a:avLst/>
-            </a:prstTxWarp>
-            <a:noAutofit/>
-          </a:bodyPr>
-          <a:lstStyle/>
-          <a:p>
-            <a:pPr algn="ctr"/>
-            <a:endParaRPr lang="ko-KR" altLang="en-US" sz="1350"/>
-          </a:p>
-        </p:txBody>
-      </p:sp>
-      <p:sp>
-        <p:nvSpPr>
-          <p:cNvPr id="7" name="직사각형 6">
-            <a:extLst>
-              <a:ext uri="{FF2B5EF4-FFF2-40B4-BE49-F238E27FC236}">
-                <a16:creationId xmlns:a16="http://schemas.microsoft.com/office/drawing/2014/main" id="{1A57168C-BDF9-445D-B376-111826E95199}"/>
-              </a:ext>
-            </a:extLst>
-          </p:cNvPr>
-          <p:cNvSpPr/>
-          <p:nvPr/>
-        </p:nvSpPr>
-        <p:spPr>
-          <a:xfrm>
-            <a:off x="8558073" y="2099073"/>
-            <a:ext cx="585926" cy="464575"/>
-          </a:xfrm>
-          <a:prstGeom prst="rect">
-            <a:avLst/>
-          </a:prstGeom>
-          <a:solidFill>
-            <a:srgbClr val="00B9F6"/>
-          </a:solidFill>
-          <a:ln>
-            <a:noFill/>
-          </a:ln>
-        </p:spPr>
-        <p:style>
-          <a:lnRef idx="2">
-            <a:schemeClr val="accent1">
-              <a:shade val="50000"/>
-            </a:schemeClr>
-          </a:lnRef>
-          <a:fillRef idx="1">
-            <a:schemeClr val="accent1"/>
-          </a:fillRef>
-          <a:effectRef idx="0">
-            <a:schemeClr val="accent1"/>
-          </a:effectRef>
-          <a:fontRef idx="minor">
-            <a:schemeClr val="lt1"/>
-          </a:fontRef>
-        </p:style>
-        <p:txBody>
-          <a:bodyPr rot="0" spcFirstLastPara="0" vertOverflow="overflow" horzOverflow="overflow" vert="horz" wrap="square" lIns="68580" tIns="34290" rIns="68580" bIns="34290" numCol="1" spcCol="0" rtlCol="0" fromWordArt="0" anchor="ctr" anchorCtr="0" forceAA="0" compatLnSpc="1">
-            <a:prstTxWarp prst="textNoShape">
-              <a:avLst/>
-            </a:prstTxWarp>
-            <a:noAutofit/>
-          </a:bodyPr>
-          <a:lstStyle/>
-          <a:p>
-            <a:pPr algn="ctr"/>
-            <a:endParaRPr lang="ko-KR" altLang="en-US"/>
-          </a:p>
-        </p:txBody>
-      </p:sp>
-      <p:sp>
-        <p:nvSpPr>
-          <p:cNvPr id="8" name="직사각형 7">
-            <a:extLst>
-              <a:ext uri="{FF2B5EF4-FFF2-40B4-BE49-F238E27FC236}">
-                <a16:creationId xmlns:a16="http://schemas.microsoft.com/office/drawing/2014/main" id="{14876079-5434-41B4-9E4D-8CB7F578E007}"/>
-              </a:ext>
-            </a:extLst>
-          </p:cNvPr>
-          <p:cNvSpPr/>
-          <p:nvPr/>
-        </p:nvSpPr>
-        <p:spPr>
-          <a:xfrm>
-            <a:off x="7683910" y="2563648"/>
-            <a:ext cx="1460089" cy="464575"/>
-          </a:xfrm>
-          <a:prstGeom prst="rect">
-            <a:avLst/>
-          </a:prstGeom>
-          <a:solidFill>
-            <a:schemeClr val="bg2">
-              <a:lumMod val="50000"/>
-            </a:schemeClr>
-          </a:solidFill>
-          <a:ln>
-            <a:noFill/>
-          </a:ln>
-        </p:spPr>
-        <p:style>
-          <a:lnRef idx="2">
-            <a:schemeClr val="accent1">
-              <a:shade val="50000"/>
-            </a:schemeClr>
-          </a:lnRef>
-          <a:fillRef idx="1">
-            <a:schemeClr val="accent1"/>
-          </a:fillRef>
-          <a:effectRef idx="0">
-            <a:schemeClr val="accent1"/>
-          </a:effectRef>
-          <a:fontRef idx="minor">
-            <a:schemeClr val="lt1"/>
-          </a:fontRef>
-        </p:style>
-        <p:txBody>
-          <a:bodyPr rot="0" spcFirstLastPara="0" vertOverflow="overflow" horzOverflow="overflow" vert="horz" wrap="square" lIns="68580" tIns="34290" rIns="68580" bIns="34290" numCol="1" spcCol="0" rtlCol="0" fromWordArt="0" anchor="ctr" anchorCtr="0" forceAA="0" compatLnSpc="1">
-            <a:prstTxWarp prst="textNoShape">
-              <a:avLst/>
-            </a:prstTxWarp>
-            <a:noAutofit/>
-          </a:bodyPr>
-          <a:lstStyle/>
-          <a:p>
-            <a:pPr algn="ctr"/>
-            <a:endParaRPr lang="ko-KR" altLang="en-US"/>
-          </a:p>
-        </p:txBody>
-      </p:sp>
-      <p:sp>
-        <p:nvSpPr>
-          <p:cNvPr id="9" name="TextBox 8">
-            <a:extLst>
-              <a:ext uri="{FF2B5EF4-FFF2-40B4-BE49-F238E27FC236}">
-                <a16:creationId xmlns:a16="http://schemas.microsoft.com/office/drawing/2014/main" id="{98BA4068-8AB7-43EE-9DD1-194C3A4D3E4D}"/>
-              </a:ext>
-            </a:extLst>
-          </p:cNvPr>
-          <p:cNvSpPr txBox="1"/>
-          <p:nvPr/>
-        </p:nvSpPr>
-        <p:spPr>
-          <a:xfrm>
-            <a:off x="745726" y="618835"/>
-            <a:ext cx="6112571" cy="1015663"/>
-          </a:xfrm>
-          <a:prstGeom prst="rect">
-            <a:avLst/>
-          </a:prstGeom>
-          <a:noFill/>
-        </p:spPr>
-        <p:txBody>
-          <a:bodyPr wrap="none" rtlCol="0">
-            <a:spAutoFit/>
-          </a:bodyPr>
-          <a:lstStyle/>
-          <a:p>
-            <a:r>
-              <a:rPr lang="ko-KR" altLang="en-US" sz="6000" dirty="0">
-                <a:solidFill>
-                  <a:schemeClr val="bg1"/>
-                </a:solidFill>
-                <a:latin typeface="나눔바른펜" panose="020B0503000000000000" pitchFamily="50" charset="-127"/>
-                <a:ea typeface="나눔바른펜" panose="020B0503000000000000" pitchFamily="50" charset="-127"/>
-              </a:rPr>
-              <a:t>오늘의 코딩 목록</a:t>
-            </a:r>
-          </a:p>
-        </p:txBody>
-      </p:sp>
-    </p:spTree>
-    <p:extLst>
-      <p:ext uri="{BB962C8B-B14F-4D97-AF65-F5344CB8AC3E}">
-        <p14:creationId xmlns:p14="http://schemas.microsoft.com/office/powerpoint/2010/main" val="1458136404"/>
-      </p:ext>
-    </p:extLst>
-  </p:cSld>
-  <p:clrMapOvr>
-    <a:overrideClrMapping bg1="lt1" tx1="dk1" bg2="lt2" tx2="dk2" accent1="accent1" accent2="accent2" accent3="accent3" accent4="accent4" accent5="accent5" accent6="accent6" hlink="hlink" folHlink="folHlink"/>
-  </p:clrMapOvr>
-</p:sld>
-</file>
-
-<file path=ppt/slides/slide2.xml><?xml version="1.0" encoding="utf-8"?>
-<p:sld xmlns:a="http://schemas.openxmlformats.org/drawingml/2006/main" xmlns:r="http://schemas.openxmlformats.org/officeDocument/2006/relationships" xmlns:p="http://schemas.openxmlformats.org/presentationml/2006/main">
-  <p:cSld>
-    <p:bg>
-      <p:bgPr>
-        <a:solidFill>
-          <a:schemeClr val="tx1">
-            <a:lumMod val="85000"/>
-            <a:lumOff val="15000"/>
-          </a:schemeClr>
-        </a:solidFill>
-        <a:effectLst/>
-      </p:bgPr>
-    </p:bg>
-    <p:spTree>
-      <p:nvGrpSpPr>
-        <p:cNvPr id="1" name=""/>
-        <p:cNvGrpSpPr/>
-        <p:nvPr/>
-      </p:nvGrpSpPr>
-      <p:grpSpPr>
-        <a:xfrm>
-          <a:off x="0" y="0"/>
-          <a:ext cx="0" cy="0"/>
-          <a:chOff x="0" y="0"/>
-          <a:chExt cx="0" cy="0"/>
-        </a:xfrm>
-      </p:grpSpPr>
-      <p:sp>
-        <p:nvSpPr>
-          <p:cNvPr id="9" name="TextBox 8"/>
-          <p:cNvSpPr txBox="1"/>
-          <p:nvPr/>
-        </p:nvSpPr>
-        <p:spPr>
-          <a:xfrm>
-            <a:off x="270904" y="2930496"/>
-            <a:ext cx="2014013" cy="1015663"/>
-          </a:xfrm>
-          <a:prstGeom prst="rect">
-            <a:avLst/>
-          </a:prstGeom>
-          <a:noFill/>
-        </p:spPr>
-        <p:txBody>
-          <a:bodyPr wrap="none" rtlCol="0">
-            <a:spAutoFit/>
-          </a:bodyPr>
-          <a:lstStyle/>
-          <a:p>
-            <a:r>
-              <a:rPr lang="en-US" altLang="ko-KR" sz="6000" dirty="0">
-                <a:solidFill>
-                  <a:schemeClr val="bg1"/>
-                </a:solidFill>
-                <a:latin typeface="나눔스퀘어 Light" panose="020B0600000101010101" pitchFamily="50" charset="-127"/>
-                <a:ea typeface="나눔스퀘어 Light" panose="020B0600000101010101" pitchFamily="50" charset="-127"/>
-              </a:rPr>
-              <a:t>Index</a:t>
-            </a:r>
-            <a:endParaRPr lang="ko-KR" altLang="en-US" sz="6000" dirty="0">
-              <a:solidFill>
-                <a:schemeClr val="bg1"/>
-              </a:solidFill>
-              <a:latin typeface="나눔스퀘어 Light" panose="020B0600000101010101" pitchFamily="50" charset="-127"/>
-              <a:ea typeface="나눔스퀘어 Light" panose="020B0600000101010101" pitchFamily="50" charset="-127"/>
-            </a:endParaRPr>
-          </a:p>
-        </p:txBody>
-      </p:sp>
-      <p:sp>
-        <p:nvSpPr>
-          <p:cNvPr id="11" name="TextBox 10"/>
-          <p:cNvSpPr txBox="1"/>
-          <p:nvPr/>
-        </p:nvSpPr>
-        <p:spPr>
-          <a:xfrm>
-            <a:off x="4039338" y="1545502"/>
-            <a:ext cx="3414181" cy="3785652"/>
-          </a:xfrm>
-          <a:prstGeom prst="rect">
-            <a:avLst/>
-          </a:prstGeom>
-          <a:noFill/>
-        </p:spPr>
-        <p:txBody>
-          <a:bodyPr wrap="square" rtlCol="0">
-            <a:spAutoFit/>
-          </a:bodyPr>
-          <a:lstStyle/>
-          <a:p>
-            <a:pPr marL="571500" indent="-571500">
-              <a:lnSpc>
-                <a:spcPct val="150000"/>
-              </a:lnSpc>
-              <a:buSzPct val="80000"/>
-              <a:buFont typeface="Wingdings" panose="05000000000000000000" pitchFamily="2" charset="2"/>
-              <a:buChar char="§"/>
-            </a:pPr>
-            <a:r>
-              <a:rPr lang="ko-KR" altLang="en-US" sz="4000" dirty="0">
-                <a:solidFill>
-                  <a:schemeClr val="bg1"/>
-                </a:solidFill>
-                <a:latin typeface="나눔스퀘어 Light" panose="020B0600000101010101" pitchFamily="50" charset="-127"/>
-                <a:ea typeface="나눔스퀘어 Light" panose="020B0600000101010101" pitchFamily="50" charset="-127"/>
-              </a:rPr>
-              <a:t>게임소개</a:t>
-            </a:r>
-            <a:endParaRPr lang="en-US" altLang="ko-KR" sz="4000" dirty="0">
-              <a:solidFill>
-                <a:schemeClr val="bg1"/>
-              </a:solidFill>
-              <a:latin typeface="나눔스퀘어 Light" panose="020B0600000101010101" pitchFamily="50" charset="-127"/>
-              <a:ea typeface="나눔스퀘어 Light" panose="020B0600000101010101" pitchFamily="50" charset="-127"/>
-            </a:endParaRPr>
-          </a:p>
-          <a:p>
-            <a:pPr marL="1028700" lvl="1" indent="-571500">
-              <a:lnSpc>
-                <a:spcPct val="150000"/>
-              </a:lnSpc>
-              <a:buSzPct val="80000"/>
-              <a:buFont typeface="Wingdings" panose="05000000000000000000" pitchFamily="2" charset="2"/>
-              <a:buChar char="§"/>
-            </a:pPr>
-            <a:r>
-              <a:rPr lang="ko-KR" altLang="en-US" sz="4000" dirty="0">
-                <a:solidFill>
-                  <a:schemeClr val="bg1"/>
-                </a:solidFill>
-                <a:latin typeface="나눔스퀘어 Light" panose="020B0600000101010101" pitchFamily="50" charset="-127"/>
-                <a:ea typeface="나눔스퀘어 Light" panose="020B0600000101010101" pitchFamily="50" charset="-127"/>
-              </a:rPr>
-              <a:t>구현내용</a:t>
-            </a:r>
-            <a:endParaRPr lang="en-US" altLang="ko-KR" sz="4000" dirty="0">
-              <a:solidFill>
-                <a:schemeClr val="bg1"/>
-              </a:solidFill>
-              <a:latin typeface="나눔스퀘어 Light" panose="020B0600000101010101" pitchFamily="50" charset="-127"/>
-              <a:ea typeface="나눔스퀘어 Light" panose="020B0600000101010101" pitchFamily="50" charset="-127"/>
-            </a:endParaRPr>
-          </a:p>
-          <a:p>
-            <a:pPr marL="1028700" lvl="1" indent="-571500">
-              <a:lnSpc>
-                <a:spcPct val="150000"/>
-              </a:lnSpc>
-              <a:buSzPct val="80000"/>
-              <a:buFont typeface="Wingdings" panose="05000000000000000000" pitchFamily="2" charset="2"/>
-              <a:buChar char="§"/>
-            </a:pPr>
-            <a:r>
-              <a:rPr lang="ko-KR" altLang="en-US" sz="4000" dirty="0">
-                <a:solidFill>
-                  <a:schemeClr val="bg1"/>
-                </a:solidFill>
-                <a:latin typeface="나눔스퀘어 Light" panose="020B0600000101010101" pitchFamily="50" charset="-127"/>
-                <a:ea typeface="나눔스퀘어 Light" panose="020B0600000101010101" pitchFamily="50" charset="-127"/>
-              </a:rPr>
-              <a:t>역할분배</a:t>
-            </a:r>
-            <a:endParaRPr lang="en-US" altLang="ko-KR" sz="4000" dirty="0">
-              <a:solidFill>
-                <a:schemeClr val="bg1"/>
-              </a:solidFill>
-              <a:latin typeface="나눔스퀘어 Light" panose="020B0600000101010101" pitchFamily="50" charset="-127"/>
-              <a:ea typeface="나눔스퀘어 Light" panose="020B0600000101010101" pitchFamily="50" charset="-127"/>
-            </a:endParaRPr>
-          </a:p>
-          <a:p>
-            <a:pPr marL="571500" indent="-571500">
-              <a:lnSpc>
-                <a:spcPct val="150000"/>
-              </a:lnSpc>
-              <a:buSzPct val="80000"/>
-              <a:buFont typeface="Wingdings" panose="05000000000000000000" pitchFamily="2" charset="2"/>
-              <a:buChar char="§"/>
-            </a:pPr>
-            <a:r>
-              <a:rPr lang="ko-KR" altLang="en-US" sz="4000" dirty="0">
-                <a:solidFill>
-                  <a:schemeClr val="bg1"/>
-                </a:solidFill>
-                <a:latin typeface="나눔스퀘어 Light" panose="020B0600000101010101" pitchFamily="50" charset="-127"/>
-                <a:ea typeface="나눔스퀘어 Light" panose="020B0600000101010101" pitchFamily="50" charset="-127"/>
-              </a:rPr>
-              <a:t>제작일정</a:t>
-            </a:r>
-          </a:p>
-        </p:txBody>
-      </p:sp>
-      <p:sp>
-        <p:nvSpPr>
-          <p:cNvPr id="10" name="타원 9"/>
-          <p:cNvSpPr/>
-          <p:nvPr/>
-        </p:nvSpPr>
-        <p:spPr>
-          <a:xfrm>
-            <a:off x="-2172066" y="975150"/>
-            <a:ext cx="5040923" cy="4926358"/>
-          </a:xfrm>
-          <a:prstGeom prst="ellipse">
-            <a:avLst/>
-          </a:prstGeom>
-          <a:noFill/>
-          <a:ln w="19050">
-            <a:gradFill>
-              <a:gsLst>
-                <a:gs pos="0">
-                  <a:schemeClr val="accent1">
-                    <a:lumMod val="5000"/>
-                    <a:lumOff val="95000"/>
-                  </a:schemeClr>
-                </a:gs>
-                <a:gs pos="74000">
-                  <a:schemeClr val="accent1">
-                    <a:lumMod val="45000"/>
-                    <a:lumOff val="55000"/>
-                  </a:schemeClr>
-                </a:gs>
-                <a:gs pos="83000">
-                  <a:schemeClr val="accent1">
-                    <a:lumMod val="45000"/>
-                    <a:lumOff val="55000"/>
-                  </a:schemeClr>
-                </a:gs>
-                <a:gs pos="100000">
-                  <a:schemeClr val="accent1">
-                    <a:lumMod val="30000"/>
-                    <a:lumOff val="70000"/>
-                  </a:schemeClr>
-                </a:gs>
-              </a:gsLst>
-              <a:lin ang="5400000" scaled="1"/>
-            </a:gradFill>
-          </a:ln>
-        </p:spPr>
-        <p:style>
-          <a:lnRef idx="2">
-            <a:schemeClr val="accent1">
-              <a:shade val="50000"/>
-            </a:schemeClr>
-          </a:lnRef>
-          <a:fillRef idx="1">
-            <a:schemeClr val="accent1"/>
-          </a:fillRef>
-          <a:effectRef idx="0">
-            <a:schemeClr val="accent1"/>
-          </a:effectRef>
-          <a:fontRef idx="minor">
-            <a:schemeClr val="lt1"/>
-          </a:fontRef>
-        </p:style>
-        <p:txBody>
-          <a:bodyPr rtlCol="0" anchor="ctr"/>
-          <a:lstStyle/>
-          <a:p>
-            <a:pPr algn="ctr"/>
-            <a:endParaRPr lang="en-US" altLang="ko-KR" dirty="0"/>
-          </a:p>
-          <a:p>
-            <a:pPr algn="ctr"/>
-            <a:endParaRPr lang="ko-KR" altLang="en-US" dirty="0"/>
-          </a:p>
-        </p:txBody>
-      </p:sp>
-      <p:sp>
-        <p:nvSpPr>
-          <p:cNvPr id="12" name="타원 11"/>
-          <p:cNvSpPr/>
-          <p:nvPr/>
-        </p:nvSpPr>
-        <p:spPr>
-          <a:xfrm>
-            <a:off x="-2525973" y="1247178"/>
-            <a:ext cx="5020840" cy="4906731"/>
-          </a:xfrm>
-          <a:prstGeom prst="ellipse">
-            <a:avLst/>
-          </a:prstGeom>
-          <a:noFill/>
-          <a:ln w="19050">
-            <a:gradFill flip="none" rotWithShape="1">
-              <a:gsLst>
-                <a:gs pos="0">
-                  <a:srgbClr val="FFC000">
-                    <a:alpha val="81000"/>
-                  </a:srgbClr>
-                </a:gs>
-                <a:gs pos="100000">
-                  <a:srgbClr val="FF0000">
-                    <a:alpha val="67000"/>
-                  </a:srgbClr>
-                </a:gs>
-              </a:gsLst>
-              <a:lin ang="16200000" scaled="1"/>
-              <a:tileRect/>
-            </a:gradFill>
-          </a:ln>
-        </p:spPr>
-        <p:style>
-          <a:lnRef idx="2">
-            <a:schemeClr val="accent1">
-              <a:shade val="50000"/>
-            </a:schemeClr>
-          </a:lnRef>
-          <a:fillRef idx="1">
-            <a:schemeClr val="accent1"/>
-          </a:fillRef>
-          <a:effectRef idx="0">
-            <a:schemeClr val="accent1"/>
-          </a:effectRef>
-          <a:fontRef idx="minor">
-            <a:schemeClr val="lt1"/>
-          </a:fontRef>
-        </p:style>
-        <p:txBody>
-          <a:bodyPr rtlCol="0" anchor="ctr"/>
-          <a:lstStyle/>
-          <a:p>
-            <a:pPr algn="ctr"/>
-            <a:endParaRPr lang="ko-KR" altLang="en-US" dirty="0"/>
-          </a:p>
-        </p:txBody>
-      </p:sp>
-      <p:sp>
-        <p:nvSpPr>
-          <p:cNvPr id="13" name="타원 12"/>
-          <p:cNvSpPr/>
-          <p:nvPr/>
-        </p:nvSpPr>
-        <p:spPr>
-          <a:xfrm>
-            <a:off x="-1953058" y="723104"/>
-            <a:ext cx="4447925" cy="4906731"/>
-          </a:xfrm>
-          <a:prstGeom prst="ellipse">
-            <a:avLst/>
-          </a:prstGeom>
-          <a:noFill/>
-          <a:ln w="19050">
-            <a:gradFill flip="none" rotWithShape="1">
-              <a:gsLst>
-                <a:gs pos="0">
-                  <a:srgbClr val="FFDF79">
-                    <a:alpha val="80784"/>
-                  </a:srgbClr>
-                </a:gs>
-                <a:gs pos="100000">
-                  <a:srgbClr val="FF5B5B">
-                    <a:alpha val="66667"/>
-                  </a:srgbClr>
-                </a:gs>
-              </a:gsLst>
-              <a:lin ang="16200000" scaled="1"/>
-              <a:tileRect/>
-            </a:gradFill>
-          </a:ln>
-        </p:spPr>
-        <p:style>
-          <a:lnRef idx="2">
-            <a:schemeClr val="accent1">
-              <a:shade val="50000"/>
-            </a:schemeClr>
-          </a:lnRef>
-          <a:fillRef idx="1">
-            <a:schemeClr val="accent1"/>
-          </a:fillRef>
-          <a:effectRef idx="0">
-            <a:schemeClr val="accent1"/>
-          </a:effectRef>
-          <a:fontRef idx="minor">
-            <a:schemeClr val="lt1"/>
-          </a:fontRef>
-        </p:style>
-        <p:txBody>
-          <a:bodyPr rtlCol="0" anchor="ctr"/>
-          <a:lstStyle/>
-          <a:p>
-            <a:pPr algn="ctr"/>
-            <a:endParaRPr lang="ko-KR" altLang="en-US" dirty="0"/>
-          </a:p>
-        </p:txBody>
-      </p:sp>
-    </p:spTree>
-    <p:extLst>
-      <p:ext uri="{BB962C8B-B14F-4D97-AF65-F5344CB8AC3E}">
-        <p14:creationId xmlns:p14="http://schemas.microsoft.com/office/powerpoint/2010/main" val="1241990079"/>
-      </p:ext>
-    </p:extLst>
-  </p:cSld>
-  <p:clrMapOvr>
-    <a:masterClrMapping/>
-  </p:clrMapOvr>
-</p:sld>
-</file>
-
-<file path=ppt/slides/slide3.xml><?xml version="1.0" encoding="utf-8"?>
-<p:sld xmlns:a="http://schemas.openxmlformats.org/drawingml/2006/main" xmlns:r="http://schemas.openxmlformats.org/officeDocument/2006/relationships" xmlns:p="http://schemas.openxmlformats.org/presentationml/2006/main">
-  <p:cSld>
-    <p:bg>
-      <p:bgPr>
-        <a:solidFill>
-          <a:schemeClr val="tx1">
-            <a:lumMod val="85000"/>
-            <a:lumOff val="15000"/>
-          </a:schemeClr>
-        </a:solidFill>
-        <a:effectLst/>
-      </p:bgPr>
-    </p:bg>
-    <p:spTree>
-      <p:nvGrpSpPr>
-        <p:cNvPr id="1" name=""/>
-        <p:cNvGrpSpPr/>
-        <p:nvPr/>
-      </p:nvGrpSpPr>
-      <p:grpSpPr>
-        <a:xfrm>
-          <a:off x="0" y="0"/>
-          <a:ext cx="0" cy="0"/>
-          <a:chOff x="0" y="0"/>
-          <a:chExt cx="0" cy="0"/>
-        </a:xfrm>
-      </p:grpSpPr>
-      <p:sp>
-        <p:nvSpPr>
-          <p:cNvPr id="9" name="TextBox 8"/>
-          <p:cNvSpPr txBox="1"/>
-          <p:nvPr/>
-        </p:nvSpPr>
-        <p:spPr>
-          <a:xfrm>
-            <a:off x="674235" y="604195"/>
-            <a:ext cx="2422458" cy="830997"/>
-          </a:xfrm>
-          <a:prstGeom prst="rect">
-            <a:avLst/>
-          </a:prstGeom>
-          <a:noFill/>
-        </p:spPr>
-        <p:txBody>
-          <a:bodyPr wrap="none" rtlCol="0">
-            <a:spAutoFit/>
-          </a:bodyPr>
-          <a:lstStyle/>
-          <a:p>
-            <a:r>
-              <a:rPr lang="ko-KR" altLang="en-US" sz="4800" dirty="0">
-                <a:solidFill>
-                  <a:schemeClr val="bg1"/>
-                </a:solidFill>
-                <a:latin typeface="나눔스퀘어 Light" panose="020B0600000101010101" pitchFamily="50" charset="-127"/>
-                <a:ea typeface="나눔스퀘어 Light" panose="020B0600000101010101" pitchFamily="50" charset="-127"/>
-              </a:rPr>
-              <a:t>게임소개</a:t>
-            </a:r>
-          </a:p>
-        </p:txBody>
-      </p:sp>
-      <p:sp>
-        <p:nvSpPr>
-          <p:cNvPr id="10" name="TextBox 9"/>
-          <p:cNvSpPr txBox="1"/>
-          <p:nvPr/>
-        </p:nvSpPr>
-        <p:spPr>
-          <a:xfrm>
-            <a:off x="674235" y="2075283"/>
-            <a:ext cx="4411785" cy="3046988"/>
-          </a:xfrm>
-          <a:prstGeom prst="rect">
-            <a:avLst/>
-          </a:prstGeom>
-          <a:noFill/>
-        </p:spPr>
-        <p:txBody>
-          <a:bodyPr wrap="none" rtlCol="0">
-            <a:spAutoFit/>
-          </a:bodyPr>
-          <a:lstStyle/>
-          <a:p>
-            <a:pPr marL="571500" indent="-571500">
-              <a:lnSpc>
-                <a:spcPct val="150000"/>
-              </a:lnSpc>
-              <a:buSzPct val="80000"/>
-              <a:buFont typeface="Wingdings" panose="05000000000000000000" pitchFamily="2" charset="2"/>
-              <a:buChar char="§"/>
-            </a:pPr>
-            <a:r>
-              <a:rPr lang="ko-KR" altLang="en-US" sz="3200" dirty="0">
-                <a:solidFill>
-                  <a:schemeClr val="bg1"/>
-                </a:solidFill>
-                <a:latin typeface="나눔스퀘어 Light" panose="020B0600000101010101" pitchFamily="50" charset="-127"/>
-                <a:ea typeface="나눔스퀘어 Light" panose="020B0600000101010101" pitchFamily="50" charset="-127"/>
-              </a:rPr>
-              <a:t>게임제목 </a:t>
-            </a:r>
-            <a:r>
-              <a:rPr lang="en-US" altLang="ko-KR" sz="3200" dirty="0">
-                <a:solidFill>
-                  <a:schemeClr val="bg1"/>
-                </a:solidFill>
-                <a:latin typeface="나눔스퀘어 Light" panose="020B0600000101010101" pitchFamily="50" charset="-127"/>
-                <a:ea typeface="나눔스퀘어 Light" panose="020B0600000101010101" pitchFamily="50" charset="-127"/>
-              </a:rPr>
-              <a:t>: Satellite</a:t>
-            </a:r>
-          </a:p>
-          <a:p>
-            <a:pPr marL="571500" indent="-571500">
-              <a:lnSpc>
-                <a:spcPct val="150000"/>
-              </a:lnSpc>
-              <a:buSzPct val="80000"/>
-              <a:buFont typeface="Wingdings" panose="05000000000000000000" pitchFamily="2" charset="2"/>
-              <a:buChar char="§"/>
-            </a:pPr>
-            <a:r>
-              <a:rPr lang="ko-KR" altLang="en-US" sz="3200" dirty="0">
-                <a:solidFill>
-                  <a:schemeClr val="bg1"/>
-                </a:solidFill>
-                <a:latin typeface="나눔스퀘어 Light" panose="020B0600000101010101" pitchFamily="50" charset="-127"/>
-                <a:ea typeface="나눔스퀘어 Light" panose="020B0600000101010101" pitchFamily="50" charset="-127"/>
-              </a:rPr>
-              <a:t>장르</a:t>
-            </a:r>
-            <a:r>
-              <a:rPr lang="en-US" altLang="ko-KR" sz="3200" dirty="0">
-                <a:solidFill>
-                  <a:schemeClr val="bg1"/>
-                </a:solidFill>
-                <a:latin typeface="나눔스퀘어 Light" panose="020B0600000101010101" pitchFamily="50" charset="-127"/>
-                <a:ea typeface="나눔스퀘어 Light" panose="020B0600000101010101" pitchFamily="50" charset="-127"/>
-              </a:rPr>
-              <a:t>		   :</a:t>
-            </a:r>
-            <a:r>
-              <a:rPr lang="ko-KR" altLang="en-US" sz="3200" dirty="0">
-                <a:solidFill>
-                  <a:schemeClr val="bg1"/>
-                </a:solidFill>
-                <a:latin typeface="나눔스퀘어 Light" panose="020B0600000101010101" pitchFamily="50" charset="-127"/>
-                <a:ea typeface="나눔스퀘어 Light" panose="020B0600000101010101" pitchFamily="50" charset="-127"/>
-              </a:rPr>
-              <a:t> 디펜스</a:t>
-            </a:r>
-            <a:endParaRPr lang="en-US" altLang="ko-KR" sz="3200" dirty="0">
-              <a:solidFill>
-                <a:schemeClr val="bg1"/>
-              </a:solidFill>
-              <a:latin typeface="나눔스퀘어 Light" panose="020B0600000101010101" pitchFamily="50" charset="-127"/>
-              <a:ea typeface="나눔스퀘어 Light" panose="020B0600000101010101" pitchFamily="50" charset="-127"/>
-            </a:endParaRPr>
-          </a:p>
-          <a:p>
-            <a:pPr marL="571500" indent="-571500">
-              <a:lnSpc>
-                <a:spcPct val="150000"/>
-              </a:lnSpc>
-              <a:buSzPct val="80000"/>
-              <a:buFont typeface="Wingdings" panose="05000000000000000000" pitchFamily="2" charset="2"/>
-              <a:buChar char="§"/>
-            </a:pPr>
-            <a:r>
-              <a:rPr lang="ko-KR" altLang="en-US" sz="3200" dirty="0">
-                <a:solidFill>
-                  <a:schemeClr val="bg1"/>
-                </a:solidFill>
-                <a:latin typeface="나눔스퀘어 Light" panose="020B0600000101010101" pitchFamily="50" charset="-127"/>
-                <a:ea typeface="나눔스퀘어 Light" panose="020B0600000101010101" pitchFamily="50" charset="-127"/>
-              </a:rPr>
-              <a:t>게임목적 </a:t>
-            </a:r>
-            <a:r>
-              <a:rPr lang="en-US" altLang="ko-KR" sz="3200" dirty="0">
-                <a:solidFill>
-                  <a:schemeClr val="bg1"/>
-                </a:solidFill>
-                <a:latin typeface="나눔스퀘어 Light" panose="020B0600000101010101" pitchFamily="50" charset="-127"/>
-                <a:ea typeface="나눔스퀘어 Light" panose="020B0600000101010101" pitchFamily="50" charset="-127"/>
-              </a:rPr>
-              <a:t>: </a:t>
-            </a:r>
-            <a:r>
-              <a:rPr lang="ko-KR" altLang="en-US" sz="3200" dirty="0">
-                <a:solidFill>
-                  <a:schemeClr val="bg1"/>
-                </a:solidFill>
-                <a:latin typeface="나눔스퀘어 Light" panose="020B0600000101010101" pitchFamily="50" charset="-127"/>
-                <a:ea typeface="나눔스퀘어 Light" panose="020B0600000101010101" pitchFamily="50" charset="-127"/>
-              </a:rPr>
-              <a:t>행성방어</a:t>
-            </a:r>
-            <a:endParaRPr lang="en-US" altLang="ko-KR" sz="3200" dirty="0">
-              <a:solidFill>
-                <a:schemeClr val="bg1"/>
-              </a:solidFill>
-              <a:latin typeface="나눔스퀘어 Light" panose="020B0600000101010101" pitchFamily="50" charset="-127"/>
-              <a:ea typeface="나눔스퀘어 Light" panose="020B0600000101010101" pitchFamily="50" charset="-127"/>
-            </a:endParaRPr>
-          </a:p>
-          <a:p>
-            <a:pPr>
-              <a:lnSpc>
-                <a:spcPct val="150000"/>
-              </a:lnSpc>
-              <a:buSzPct val="80000"/>
-            </a:pPr>
-            <a:r>
-              <a:rPr lang="en-US" altLang="ko-KR" sz="3200" dirty="0">
-                <a:solidFill>
-                  <a:schemeClr val="bg1"/>
-                </a:solidFill>
-                <a:latin typeface="나눔스퀘어 Light" panose="020B0600000101010101" pitchFamily="50" charset="-127"/>
-                <a:ea typeface="나눔스퀘어 Light" panose="020B0600000101010101" pitchFamily="50" charset="-127"/>
-              </a:rPr>
-              <a:t>			         </a:t>
-            </a:r>
-            <a:r>
-              <a:rPr lang="ko-KR" altLang="en-US" sz="3200" dirty="0">
-                <a:solidFill>
-                  <a:schemeClr val="bg1"/>
-                </a:solidFill>
-                <a:latin typeface="나눔스퀘어 Light" panose="020B0600000101010101" pitchFamily="50" charset="-127"/>
-                <a:ea typeface="나눔스퀘어 Light" panose="020B0600000101010101" pitchFamily="50" charset="-127"/>
-              </a:rPr>
-              <a:t>소행성파괴</a:t>
-            </a:r>
-          </a:p>
-        </p:txBody>
-      </p:sp>
-      <p:grpSp>
-        <p:nvGrpSpPr>
-          <p:cNvPr id="2" name="그룹 1">
-            <a:extLst>
-              <a:ext uri="{FF2B5EF4-FFF2-40B4-BE49-F238E27FC236}">
-                <a16:creationId xmlns:a16="http://schemas.microsoft.com/office/drawing/2014/main" id="{11D15916-331D-4D05-8508-AE7199C2AF1A}"/>
-              </a:ext>
-            </a:extLst>
-          </p:cNvPr>
-          <p:cNvGrpSpPr/>
-          <p:nvPr/>
-        </p:nvGrpSpPr>
-        <p:grpSpPr>
-          <a:xfrm>
-            <a:off x="-1572508" y="-409499"/>
-            <a:ext cx="6193706" cy="6208415"/>
-            <a:chOff x="-1572508" y="-409499"/>
-            <a:chExt cx="6193706" cy="6208415"/>
-          </a:xfrm>
-        </p:grpSpPr>
-        <p:sp>
-          <p:nvSpPr>
-            <p:cNvPr id="11" name="타원 10"/>
-            <p:cNvSpPr/>
-            <p:nvPr/>
-          </p:nvSpPr>
-          <p:spPr>
-            <a:xfrm>
-              <a:off x="-1218601" y="-162445"/>
-              <a:ext cx="5839799" cy="5707078"/>
-            </a:xfrm>
-            <a:prstGeom prst="ellipse">
-              <a:avLst/>
-            </a:prstGeom>
-            <a:noFill/>
-            <a:ln w="19050">
-              <a:gradFill>
-                <a:gsLst>
-                  <a:gs pos="0">
-                    <a:schemeClr val="accent1">
-                      <a:lumMod val="5000"/>
-                      <a:lumOff val="95000"/>
-                      <a:alpha val="50000"/>
-                    </a:schemeClr>
-                  </a:gs>
-                  <a:gs pos="74000">
-                    <a:schemeClr val="accent1">
-                      <a:lumMod val="45000"/>
-                      <a:lumOff val="55000"/>
-                      <a:alpha val="50000"/>
-                    </a:schemeClr>
-                  </a:gs>
-                  <a:gs pos="83000">
-                    <a:schemeClr val="accent1">
-                      <a:lumMod val="45000"/>
-                      <a:lumOff val="55000"/>
-                      <a:alpha val="50000"/>
-                    </a:schemeClr>
-                  </a:gs>
-                  <a:gs pos="100000">
-                    <a:schemeClr val="accent1">
-                      <a:lumMod val="30000"/>
-                      <a:lumOff val="70000"/>
-                      <a:alpha val="50000"/>
-                    </a:schemeClr>
-                  </a:gs>
-                </a:gsLst>
-                <a:lin ang="5400000" scaled="1"/>
-              </a:gradFill>
-            </a:ln>
-          </p:spPr>
-          <p:style>
-            <a:lnRef idx="2">
-              <a:schemeClr val="accent1">
-                <a:shade val="50000"/>
-              </a:schemeClr>
-            </a:lnRef>
-            <a:fillRef idx="1">
-              <a:schemeClr val="accent1"/>
-            </a:fillRef>
-            <a:effectRef idx="0">
-              <a:schemeClr val="accent1"/>
-            </a:effectRef>
-            <a:fontRef idx="minor">
-              <a:schemeClr val="lt1"/>
-            </a:fontRef>
-          </p:style>
-          <p:txBody>
-            <a:bodyPr rtlCol="0" anchor="ctr"/>
-            <a:lstStyle/>
-            <a:p>
-              <a:pPr algn="ctr"/>
-              <a:endParaRPr lang="en-US" altLang="ko-KR" dirty="0">
-                <a:latin typeface="나눔스퀘어 Light" panose="020B0600000101010101" pitchFamily="50" charset="-127"/>
-                <a:ea typeface="나눔스퀘어 Light" panose="020B0600000101010101" pitchFamily="50" charset="-127"/>
-              </a:endParaRPr>
-            </a:p>
-            <a:p>
-              <a:pPr algn="ctr"/>
-              <a:endParaRPr lang="ko-KR" altLang="en-US" dirty="0">
-                <a:latin typeface="나눔스퀘어 Light" panose="020B0600000101010101" pitchFamily="50" charset="-127"/>
-                <a:ea typeface="나눔스퀘어 Light" panose="020B0600000101010101" pitchFamily="50" charset="-127"/>
-              </a:endParaRPr>
-            </a:p>
-          </p:txBody>
-        </p:sp>
-        <p:sp>
-          <p:nvSpPr>
-            <p:cNvPr id="12" name="타원 11"/>
-            <p:cNvSpPr/>
-            <p:nvPr/>
-          </p:nvSpPr>
-          <p:spPr>
-            <a:xfrm>
-              <a:off x="-1572508" y="114575"/>
-              <a:ext cx="5816534" cy="5684341"/>
-            </a:xfrm>
-            <a:prstGeom prst="ellipse">
-              <a:avLst/>
-            </a:prstGeom>
-            <a:noFill/>
-            <a:ln w="19050">
-              <a:gradFill flip="none" rotWithShape="1">
-                <a:gsLst>
-                  <a:gs pos="0">
-                    <a:srgbClr val="FFC000">
-                      <a:alpha val="50000"/>
-                    </a:srgbClr>
-                  </a:gs>
-                  <a:gs pos="100000">
-                    <a:srgbClr val="FF0000">
-                      <a:alpha val="50000"/>
-                    </a:srgbClr>
-                  </a:gs>
-                </a:gsLst>
-                <a:lin ang="16200000" scaled="1"/>
-                <a:tileRect/>
-              </a:gradFill>
-            </a:ln>
-          </p:spPr>
-          <p:style>
-            <a:lnRef idx="2">
-              <a:schemeClr val="accent1">
-                <a:shade val="50000"/>
-              </a:schemeClr>
-            </a:lnRef>
-            <a:fillRef idx="1">
-              <a:schemeClr val="accent1"/>
-            </a:fillRef>
-            <a:effectRef idx="0">
-              <a:schemeClr val="accent1"/>
-            </a:effectRef>
-            <a:fontRef idx="minor">
-              <a:schemeClr val="lt1"/>
-            </a:fontRef>
-          </p:style>
-          <p:txBody>
-            <a:bodyPr rtlCol="0" anchor="ctr"/>
-            <a:lstStyle/>
-            <a:p>
-              <a:pPr algn="ctr"/>
-              <a:endParaRPr lang="ko-KR" altLang="en-US" dirty="0"/>
-            </a:p>
-          </p:txBody>
-        </p:sp>
-        <p:sp>
-          <p:nvSpPr>
-            <p:cNvPr id="13" name="타원 12"/>
-            <p:cNvSpPr/>
-            <p:nvPr/>
-          </p:nvSpPr>
-          <p:spPr>
-            <a:xfrm>
-              <a:off x="-999593" y="-409499"/>
-              <a:ext cx="5152825" cy="5684341"/>
-            </a:xfrm>
-            <a:prstGeom prst="ellipse">
-              <a:avLst/>
-            </a:prstGeom>
-            <a:noFill/>
-            <a:ln w="19050">
-              <a:gradFill flip="none" rotWithShape="1">
-                <a:gsLst>
-                  <a:gs pos="0">
-                    <a:srgbClr val="FFDF79">
-                      <a:alpha val="50000"/>
-                    </a:srgbClr>
-                  </a:gs>
-                  <a:gs pos="100000">
-                    <a:srgbClr val="FF5B5B">
-                      <a:alpha val="50000"/>
-                    </a:srgbClr>
-                  </a:gs>
-                </a:gsLst>
-                <a:lin ang="16200000" scaled="1"/>
-                <a:tileRect/>
-              </a:gradFill>
-            </a:ln>
-          </p:spPr>
-          <p:style>
-            <a:lnRef idx="2">
-              <a:schemeClr val="accent1">
-                <a:shade val="50000"/>
-              </a:schemeClr>
-            </a:lnRef>
-            <a:fillRef idx="1">
-              <a:schemeClr val="accent1"/>
-            </a:fillRef>
-            <a:effectRef idx="0">
-              <a:schemeClr val="accent1"/>
-            </a:effectRef>
-            <a:fontRef idx="minor">
-              <a:schemeClr val="lt1"/>
-            </a:fontRef>
-          </p:style>
-          <p:txBody>
-            <a:bodyPr rtlCol="0" anchor="ctr"/>
-            <a:lstStyle/>
-            <a:p>
-              <a:pPr algn="ctr"/>
-              <a:endParaRPr lang="ko-KR" altLang="en-US" dirty="0">
-                <a:latin typeface="나눔스퀘어 Light" panose="020B0600000101010101" pitchFamily="50" charset="-127"/>
-                <a:ea typeface="나눔스퀘어 Light" panose="020B0600000101010101" pitchFamily="50" charset="-127"/>
-              </a:endParaRPr>
-            </a:p>
-          </p:txBody>
-        </p:sp>
-      </p:grpSp>
-      <p:sp>
-        <p:nvSpPr>
-          <p:cNvPr id="18" name="직사각형 17"/>
-          <p:cNvSpPr/>
-          <p:nvPr/>
-        </p:nvSpPr>
-        <p:spPr>
-          <a:xfrm rot="20700000">
-            <a:off x="-1829960" y="1179248"/>
-            <a:ext cx="12986795" cy="5392260"/>
-          </a:xfrm>
-          <a:prstGeom prst="rect">
-            <a:avLst/>
-          </a:prstGeom>
-          <a:solidFill>
-            <a:schemeClr val="bg1">
-              <a:lumMod val="50000"/>
-              <a:alpha val="10000"/>
-            </a:schemeClr>
-          </a:solidFill>
-          <a:ln>
-            <a:noFill/>
-          </a:ln>
-        </p:spPr>
-        <p:style>
-          <a:lnRef idx="2">
-            <a:schemeClr val="accent1">
-              <a:shade val="50000"/>
-            </a:schemeClr>
-          </a:lnRef>
-          <a:fillRef idx="1">
-            <a:schemeClr val="accent1"/>
-          </a:fillRef>
-          <a:effectRef idx="0">
-            <a:schemeClr val="accent1"/>
-          </a:effectRef>
-          <a:fontRef idx="minor">
-            <a:schemeClr val="lt1"/>
-          </a:fontRef>
-        </p:style>
-        <p:txBody>
-          <a:bodyPr rtlCol="0" anchor="ctr"/>
-          <a:lstStyle/>
-          <a:p>
-            <a:pPr algn="ctr"/>
-            <a:endParaRPr lang="ko-KR" altLang="en-US"/>
-          </a:p>
-        </p:txBody>
-      </p:sp>
-    </p:spTree>
-    <p:extLst>
-      <p:ext uri="{BB962C8B-B14F-4D97-AF65-F5344CB8AC3E}">
-        <p14:creationId xmlns:p14="http://schemas.microsoft.com/office/powerpoint/2010/main" val="1915591509"/>
-      </p:ext>
-    </p:extLst>
-  </p:cSld>
-  <p:clrMapOvr>
-    <a:masterClrMapping/>
-  </p:clrMapOvr>
-</p:sld>
-</file>
-
-<file path=ppt/slides/slide4.xml><?xml version="1.0" encoding="utf-8"?>
-<p:sld xmlns:a="http://schemas.openxmlformats.org/drawingml/2006/main" xmlns:r="http://schemas.openxmlformats.org/officeDocument/2006/relationships" xmlns:p="http://schemas.openxmlformats.org/presentationml/2006/main">
-  <p:cSld>
-    <p:bg>
-      <p:bgPr>
-        <a:solidFill>
-          <a:schemeClr val="tx1">
-            <a:lumMod val="85000"/>
-            <a:lumOff val="15000"/>
-          </a:schemeClr>
-        </a:solidFill>
-        <a:effectLst/>
-      </p:bgPr>
-    </p:bg>
-    <p:spTree>
-      <p:nvGrpSpPr>
-        <p:cNvPr id="1" name=""/>
-        <p:cNvGrpSpPr/>
-        <p:nvPr/>
-      </p:nvGrpSpPr>
-      <p:grpSpPr>
-        <a:xfrm>
-          <a:off x="0" y="0"/>
-          <a:ext cx="0" cy="0"/>
-          <a:chOff x="0" y="0"/>
-          <a:chExt cx="0" cy="0"/>
-        </a:xfrm>
-      </p:grpSpPr>
-      <p:sp>
-        <p:nvSpPr>
-          <p:cNvPr id="4" name="직사각형 3"/>
-          <p:cNvSpPr/>
-          <p:nvPr/>
-        </p:nvSpPr>
-        <p:spPr>
-          <a:xfrm>
-            <a:off x="8558072" y="705348"/>
-            <a:ext cx="585927" cy="464575"/>
-          </a:xfrm>
-          <a:prstGeom prst="rect">
-            <a:avLst/>
-          </a:prstGeom>
-          <a:solidFill>
-            <a:srgbClr val="F02802"/>
-          </a:solidFill>
-          <a:ln>
-            <a:noFill/>
-          </a:ln>
-        </p:spPr>
-        <p:style>
-          <a:lnRef idx="2">
-            <a:schemeClr val="accent1">
-              <a:shade val="50000"/>
-            </a:schemeClr>
-          </a:lnRef>
-          <a:fillRef idx="1">
-            <a:schemeClr val="accent1"/>
-          </a:fillRef>
-          <a:effectRef idx="0">
-            <a:schemeClr val="accent1"/>
-          </a:effectRef>
-          <a:fontRef idx="minor">
-            <a:schemeClr val="lt1"/>
-          </a:fontRef>
-        </p:style>
-        <p:txBody>
-          <a:bodyPr rot="0" spcFirstLastPara="0" vertOverflow="overflow" horzOverflow="overflow" vert="horz" wrap="square" lIns="68580" tIns="34290" rIns="68580" bIns="34290" numCol="1" spcCol="0" rtlCol="0" fromWordArt="0" anchor="ctr" anchorCtr="0" forceAA="0" compatLnSpc="1">
-            <a:prstTxWarp prst="textNoShape">
-              <a:avLst/>
-            </a:prstTxWarp>
-            <a:noAutofit/>
-          </a:bodyPr>
-          <a:lstStyle/>
-          <a:p>
-            <a:pPr algn="ctr"/>
-            <a:endParaRPr lang="ko-KR" altLang="en-US" sz="1350"/>
-          </a:p>
-        </p:txBody>
-      </p:sp>
-      <p:sp>
-        <p:nvSpPr>
-          <p:cNvPr id="5" name="직사각형 4"/>
-          <p:cNvSpPr/>
-          <p:nvPr/>
-        </p:nvSpPr>
-        <p:spPr>
-          <a:xfrm>
-            <a:off x="8558074" y="1169923"/>
-            <a:ext cx="585926" cy="464575"/>
-          </a:xfrm>
-          <a:prstGeom prst="rect">
-            <a:avLst/>
-          </a:prstGeom>
-          <a:solidFill>
-            <a:srgbClr val="FFC000"/>
-          </a:solidFill>
-          <a:ln>
-            <a:noFill/>
-          </a:ln>
-        </p:spPr>
-        <p:style>
-          <a:lnRef idx="2">
-            <a:schemeClr val="accent1">
-              <a:shade val="50000"/>
-            </a:schemeClr>
-          </a:lnRef>
-          <a:fillRef idx="1">
-            <a:schemeClr val="accent1"/>
-          </a:fillRef>
-          <a:effectRef idx="0">
-            <a:schemeClr val="accent1"/>
-          </a:effectRef>
-          <a:fontRef idx="minor">
-            <a:schemeClr val="lt1"/>
-          </a:fontRef>
-        </p:style>
-        <p:txBody>
-          <a:bodyPr rot="0" spcFirstLastPara="0" vertOverflow="overflow" horzOverflow="overflow" vert="horz" wrap="square" lIns="68580" tIns="34290" rIns="68580" bIns="34290" numCol="1" spcCol="0" rtlCol="0" fromWordArt="0" anchor="ctr" anchorCtr="0" forceAA="0" compatLnSpc="1">
-            <a:prstTxWarp prst="textNoShape">
-              <a:avLst/>
-            </a:prstTxWarp>
-            <a:noAutofit/>
-          </a:bodyPr>
-          <a:lstStyle/>
-          <a:p>
-            <a:pPr algn="ctr"/>
-            <a:endParaRPr lang="ko-KR" altLang="en-US" sz="1350"/>
-          </a:p>
-        </p:txBody>
-      </p:sp>
-      <p:sp>
-        <p:nvSpPr>
-          <p:cNvPr id="6" name="직사각형 5"/>
-          <p:cNvSpPr/>
-          <p:nvPr/>
-        </p:nvSpPr>
-        <p:spPr>
-          <a:xfrm>
-            <a:off x="7683910" y="1634498"/>
-            <a:ext cx="1460089" cy="464575"/>
-          </a:xfrm>
-          <a:prstGeom prst="rect">
-            <a:avLst/>
-          </a:prstGeom>
-          <a:solidFill>
-            <a:srgbClr val="00B050"/>
-          </a:solidFill>
-          <a:ln>
-            <a:noFill/>
-          </a:ln>
-        </p:spPr>
-        <p:style>
-          <a:lnRef idx="2">
-            <a:schemeClr val="accent1">
-              <a:shade val="50000"/>
-            </a:schemeClr>
-          </a:lnRef>
-          <a:fillRef idx="1">
-            <a:schemeClr val="accent1"/>
-          </a:fillRef>
-          <a:effectRef idx="0">
-            <a:schemeClr val="accent1"/>
-          </a:effectRef>
-          <a:fontRef idx="minor">
-            <a:schemeClr val="lt1"/>
-          </a:fontRef>
-        </p:style>
-        <p:txBody>
-          <a:bodyPr rot="0" spcFirstLastPara="0" vertOverflow="overflow" horzOverflow="overflow" vert="horz" wrap="square" lIns="68580" tIns="34290" rIns="68580" bIns="34290" numCol="1" spcCol="0" rtlCol="0" fromWordArt="0" anchor="ctr" anchorCtr="0" forceAA="0" compatLnSpc="1">
-            <a:prstTxWarp prst="textNoShape">
-              <a:avLst/>
-            </a:prstTxWarp>
-            <a:noAutofit/>
-          </a:bodyPr>
-          <a:lstStyle/>
-          <a:p>
-            <a:pPr algn="ctr"/>
-            <a:endParaRPr lang="ko-KR" altLang="en-US" sz="1350"/>
-          </a:p>
-        </p:txBody>
-      </p:sp>
-      <p:sp>
-        <p:nvSpPr>
-          <p:cNvPr id="7" name="직사각형 6"/>
-          <p:cNvSpPr/>
-          <p:nvPr/>
-        </p:nvSpPr>
-        <p:spPr>
-          <a:xfrm>
-            <a:off x="8558073" y="2099073"/>
-            <a:ext cx="585926" cy="464575"/>
-          </a:xfrm>
-          <a:prstGeom prst="rect">
-            <a:avLst/>
-          </a:prstGeom>
-          <a:solidFill>
-            <a:srgbClr val="00B9F6"/>
-          </a:solidFill>
-          <a:ln>
-            <a:noFill/>
-          </a:ln>
-        </p:spPr>
-        <p:style>
-          <a:lnRef idx="2">
-            <a:schemeClr val="accent1">
-              <a:shade val="50000"/>
-            </a:schemeClr>
-          </a:lnRef>
-          <a:fillRef idx="1">
-            <a:schemeClr val="accent1"/>
-          </a:fillRef>
-          <a:effectRef idx="0">
-            <a:schemeClr val="accent1"/>
-          </a:effectRef>
-          <a:fontRef idx="minor">
-            <a:schemeClr val="lt1"/>
-          </a:fontRef>
-        </p:style>
-        <p:txBody>
-          <a:bodyPr rot="0" spcFirstLastPara="0" vertOverflow="overflow" horzOverflow="overflow" vert="horz" wrap="square" lIns="68580" tIns="34290" rIns="68580" bIns="34290" numCol="1" spcCol="0" rtlCol="0" fromWordArt="0" anchor="ctr" anchorCtr="0" forceAA="0" compatLnSpc="1">
-            <a:prstTxWarp prst="textNoShape">
-              <a:avLst/>
-            </a:prstTxWarp>
-            <a:noAutofit/>
-          </a:bodyPr>
-          <a:lstStyle/>
-          <a:p>
-            <a:pPr algn="ctr"/>
-            <a:endParaRPr lang="ko-KR" altLang="en-US"/>
-          </a:p>
-        </p:txBody>
-      </p:sp>
-      <p:sp>
-        <p:nvSpPr>
-          <p:cNvPr id="8" name="직사각형 7"/>
-          <p:cNvSpPr/>
-          <p:nvPr/>
-        </p:nvSpPr>
-        <p:spPr>
-          <a:xfrm>
-            <a:off x="8558073" y="2563648"/>
-            <a:ext cx="585926" cy="464575"/>
-          </a:xfrm>
-          <a:prstGeom prst="rect">
-            <a:avLst/>
-          </a:prstGeom>
-          <a:solidFill>
-            <a:schemeClr val="bg2">
-              <a:lumMod val="50000"/>
-            </a:schemeClr>
-          </a:solidFill>
-          <a:ln>
-            <a:noFill/>
-          </a:ln>
-        </p:spPr>
-        <p:style>
-          <a:lnRef idx="2">
-            <a:schemeClr val="accent1">
-              <a:shade val="50000"/>
-            </a:schemeClr>
-          </a:lnRef>
-          <a:fillRef idx="1">
-            <a:schemeClr val="accent1"/>
-          </a:fillRef>
-          <a:effectRef idx="0">
-            <a:schemeClr val="accent1"/>
-          </a:effectRef>
-          <a:fontRef idx="minor">
-            <a:schemeClr val="lt1"/>
-          </a:fontRef>
-        </p:style>
-        <p:txBody>
-          <a:bodyPr rot="0" spcFirstLastPara="0" vertOverflow="overflow" horzOverflow="overflow" vert="horz" wrap="square" lIns="68580" tIns="34290" rIns="68580" bIns="34290" numCol="1" spcCol="0" rtlCol="0" fromWordArt="0" anchor="ctr" anchorCtr="0" forceAA="0" compatLnSpc="1">
-            <a:prstTxWarp prst="textNoShape">
-              <a:avLst/>
-            </a:prstTxWarp>
-            <a:noAutofit/>
-          </a:bodyPr>
-          <a:lstStyle/>
-          <a:p>
-            <a:pPr algn="ctr"/>
-            <a:endParaRPr lang="ko-KR" altLang="en-US"/>
-          </a:p>
-        </p:txBody>
-      </p:sp>
-      <p:sp>
-        <p:nvSpPr>
-          <p:cNvPr id="9" name="TextBox 8"/>
-          <p:cNvSpPr txBox="1"/>
-          <p:nvPr/>
-        </p:nvSpPr>
-        <p:spPr>
-          <a:xfrm>
-            <a:off x="630316" y="311059"/>
-            <a:ext cx="2458237" cy="1323439"/>
-          </a:xfrm>
-          <a:prstGeom prst="rect">
-            <a:avLst/>
-          </a:prstGeom>
-          <a:noFill/>
-        </p:spPr>
-        <p:txBody>
-          <a:bodyPr wrap="none" rtlCol="0">
-            <a:spAutoFit/>
-          </a:bodyPr>
-          <a:lstStyle/>
-          <a:p>
-            <a:r>
-              <a:rPr lang="en-US" altLang="ko-KR" sz="8000" dirty="0">
-                <a:solidFill>
-                  <a:srgbClr val="D22802"/>
-                </a:solidFill>
-              </a:rPr>
-              <a:t>Index</a:t>
-            </a:r>
-            <a:endParaRPr lang="ko-KR" altLang="en-US" sz="8000" dirty="0">
-              <a:solidFill>
-                <a:srgbClr val="D22802"/>
-              </a:solidFill>
-            </a:endParaRPr>
-          </a:p>
-        </p:txBody>
-      </p:sp>
-      <p:sp>
-        <p:nvSpPr>
-          <p:cNvPr id="10" name="직사각형 9">
-            <a:extLst>
-              <a:ext uri="{FF2B5EF4-FFF2-40B4-BE49-F238E27FC236}">
-                <a16:creationId xmlns:a16="http://schemas.microsoft.com/office/drawing/2014/main" id="{34EC4BBC-3BC1-463B-88C7-AED9A69A6062}"/>
-              </a:ext>
-            </a:extLst>
-          </p:cNvPr>
-          <p:cNvSpPr/>
-          <p:nvPr/>
-        </p:nvSpPr>
-        <p:spPr>
-          <a:xfrm>
-            <a:off x="9144000" y="705348"/>
-            <a:ext cx="585927" cy="464575"/>
-          </a:xfrm>
-          <a:prstGeom prst="rect">
-            <a:avLst/>
-          </a:prstGeom>
-          <a:solidFill>
-            <a:schemeClr val="accent2"/>
-          </a:solidFill>
-          <a:ln>
-            <a:noFill/>
-          </a:ln>
-        </p:spPr>
-        <p:style>
-          <a:lnRef idx="2">
-            <a:schemeClr val="accent1">
-              <a:shade val="50000"/>
-            </a:schemeClr>
-          </a:lnRef>
-          <a:fillRef idx="1">
-            <a:schemeClr val="accent1"/>
-          </a:fillRef>
-          <a:effectRef idx="0">
-            <a:schemeClr val="accent1"/>
-          </a:effectRef>
-          <a:fontRef idx="minor">
-            <a:schemeClr val="lt1"/>
-          </a:fontRef>
-        </p:style>
-        <p:txBody>
-          <a:bodyPr rot="0" spcFirstLastPara="0" vertOverflow="overflow" horzOverflow="overflow" vert="horz" wrap="square" lIns="68580" tIns="34290" rIns="68580" bIns="34290" numCol="1" spcCol="0" rtlCol="0" fromWordArt="0" anchor="ctr" anchorCtr="0" forceAA="0" compatLnSpc="1">
-            <a:prstTxWarp prst="textNoShape">
-              <a:avLst/>
-            </a:prstTxWarp>
-            <a:noAutofit/>
-          </a:bodyPr>
-          <a:lstStyle/>
-          <a:p>
-            <a:pPr algn="ctr"/>
-            <a:endParaRPr lang="ko-KR" altLang="en-US" sz="1350"/>
-          </a:p>
-        </p:txBody>
-      </p:sp>
-      <p:sp>
-        <p:nvSpPr>
-          <p:cNvPr id="11" name="직사각형 10">
-            <a:extLst>
-              <a:ext uri="{FF2B5EF4-FFF2-40B4-BE49-F238E27FC236}">
-                <a16:creationId xmlns:a16="http://schemas.microsoft.com/office/drawing/2014/main" id="{0EF11228-DCF2-4F60-BFEC-3404D801F843}"/>
-              </a:ext>
-            </a:extLst>
-          </p:cNvPr>
-          <p:cNvSpPr/>
-          <p:nvPr/>
-        </p:nvSpPr>
-        <p:spPr>
-          <a:xfrm>
-            <a:off x="9144002" y="1169923"/>
-            <a:ext cx="585926" cy="464575"/>
-          </a:xfrm>
-          <a:prstGeom prst="rect">
-            <a:avLst/>
-          </a:prstGeom>
-          <a:solidFill>
-            <a:schemeClr val="accent4"/>
-          </a:solidFill>
-          <a:ln>
-            <a:noFill/>
-          </a:ln>
-        </p:spPr>
-        <p:style>
-          <a:lnRef idx="2">
-            <a:schemeClr val="accent1">
-              <a:shade val="50000"/>
-            </a:schemeClr>
-          </a:lnRef>
-          <a:fillRef idx="1">
-            <a:schemeClr val="accent1"/>
-          </a:fillRef>
-          <a:effectRef idx="0">
-            <a:schemeClr val="accent1"/>
-          </a:effectRef>
-          <a:fontRef idx="minor">
-            <a:schemeClr val="lt1"/>
-          </a:fontRef>
-        </p:style>
-        <p:txBody>
-          <a:bodyPr rot="0" spcFirstLastPara="0" vertOverflow="overflow" horzOverflow="overflow" vert="horz" wrap="square" lIns="68580" tIns="34290" rIns="68580" bIns="34290" numCol="1" spcCol="0" rtlCol="0" fromWordArt="0" anchor="ctr" anchorCtr="0" forceAA="0" compatLnSpc="1">
-            <a:prstTxWarp prst="textNoShape">
-              <a:avLst/>
-            </a:prstTxWarp>
-            <a:noAutofit/>
-          </a:bodyPr>
-          <a:lstStyle/>
-          <a:p>
-            <a:pPr algn="ctr"/>
-            <a:endParaRPr lang="ko-KR" altLang="en-US" sz="1350"/>
-          </a:p>
-        </p:txBody>
-      </p:sp>
-      <p:sp>
-        <p:nvSpPr>
-          <p:cNvPr id="12" name="직사각형 11">
-            <a:extLst>
-              <a:ext uri="{FF2B5EF4-FFF2-40B4-BE49-F238E27FC236}">
-                <a16:creationId xmlns:a16="http://schemas.microsoft.com/office/drawing/2014/main" id="{22E1CB8A-E336-48F3-9D74-7364E6B1398D}"/>
-              </a:ext>
-            </a:extLst>
-          </p:cNvPr>
-          <p:cNvSpPr/>
-          <p:nvPr/>
-        </p:nvSpPr>
-        <p:spPr>
-          <a:xfrm>
-            <a:off x="9144000" y="1634498"/>
-            <a:ext cx="585927" cy="464575"/>
-          </a:xfrm>
-          <a:prstGeom prst="rect">
-            <a:avLst/>
-          </a:prstGeom>
-          <a:solidFill>
-            <a:schemeClr val="accent6"/>
-          </a:solidFill>
-          <a:ln>
-            <a:noFill/>
-          </a:ln>
-        </p:spPr>
-        <p:style>
-          <a:lnRef idx="2">
-            <a:schemeClr val="accent1">
-              <a:shade val="50000"/>
-            </a:schemeClr>
-          </a:lnRef>
-          <a:fillRef idx="1">
-            <a:schemeClr val="accent1"/>
-          </a:fillRef>
-          <a:effectRef idx="0">
-            <a:schemeClr val="accent1"/>
-          </a:effectRef>
-          <a:fontRef idx="minor">
-            <a:schemeClr val="lt1"/>
-          </a:fontRef>
-        </p:style>
-        <p:txBody>
-          <a:bodyPr rot="0" spcFirstLastPara="0" vertOverflow="overflow" horzOverflow="overflow" vert="horz" wrap="square" lIns="68580" tIns="34290" rIns="68580" bIns="34290" numCol="1" spcCol="0" rtlCol="0" fromWordArt="0" anchor="ctr" anchorCtr="0" forceAA="0" compatLnSpc="1">
-            <a:prstTxWarp prst="textNoShape">
-              <a:avLst/>
-            </a:prstTxWarp>
-            <a:noAutofit/>
-          </a:bodyPr>
-          <a:lstStyle/>
-          <a:p>
-            <a:pPr algn="ctr"/>
-            <a:endParaRPr lang="ko-KR" altLang="en-US" sz="1350"/>
-          </a:p>
-        </p:txBody>
-      </p:sp>
-      <p:sp>
-        <p:nvSpPr>
-          <p:cNvPr id="13" name="직사각형 12">
-            <a:extLst>
-              <a:ext uri="{FF2B5EF4-FFF2-40B4-BE49-F238E27FC236}">
-                <a16:creationId xmlns:a16="http://schemas.microsoft.com/office/drawing/2014/main" id="{4A12DC26-3A80-4ECC-8101-4DE0A485759D}"/>
-              </a:ext>
-            </a:extLst>
-          </p:cNvPr>
-          <p:cNvSpPr/>
-          <p:nvPr/>
-        </p:nvSpPr>
-        <p:spPr>
-          <a:xfrm>
-            <a:off x="9144001" y="2099073"/>
-            <a:ext cx="585926" cy="464575"/>
-          </a:xfrm>
-          <a:prstGeom prst="rect">
-            <a:avLst/>
-          </a:prstGeom>
-          <a:solidFill>
-            <a:schemeClr val="accent5"/>
-          </a:solidFill>
-          <a:ln>
-            <a:noFill/>
-          </a:ln>
-        </p:spPr>
-        <p:style>
-          <a:lnRef idx="2">
-            <a:schemeClr val="accent1">
-              <a:shade val="50000"/>
-            </a:schemeClr>
-          </a:lnRef>
-          <a:fillRef idx="1">
-            <a:schemeClr val="accent1"/>
-          </a:fillRef>
-          <a:effectRef idx="0">
-            <a:schemeClr val="accent1"/>
-          </a:effectRef>
-          <a:fontRef idx="minor">
-            <a:schemeClr val="lt1"/>
-          </a:fontRef>
-        </p:style>
-        <p:txBody>
-          <a:bodyPr rot="0" spcFirstLastPara="0" vertOverflow="overflow" horzOverflow="overflow" vert="horz" wrap="square" lIns="68580" tIns="34290" rIns="68580" bIns="34290" numCol="1" spcCol="0" rtlCol="0" fromWordArt="0" anchor="ctr" anchorCtr="0" forceAA="0" compatLnSpc="1">
-            <a:prstTxWarp prst="textNoShape">
-              <a:avLst/>
-            </a:prstTxWarp>
-            <a:noAutofit/>
-          </a:bodyPr>
-          <a:lstStyle/>
-          <a:p>
-            <a:pPr algn="ctr"/>
-            <a:endParaRPr lang="ko-KR" altLang="en-US"/>
-          </a:p>
-        </p:txBody>
-      </p:sp>
-      <p:sp>
-        <p:nvSpPr>
-          <p:cNvPr id="14" name="직사각형 13">
-            <a:extLst>
-              <a:ext uri="{FF2B5EF4-FFF2-40B4-BE49-F238E27FC236}">
-                <a16:creationId xmlns:a16="http://schemas.microsoft.com/office/drawing/2014/main" id="{7AFE10F0-7B67-4801-A845-A376E95D5507}"/>
-              </a:ext>
-            </a:extLst>
-          </p:cNvPr>
-          <p:cNvSpPr/>
-          <p:nvPr/>
-        </p:nvSpPr>
-        <p:spPr>
-          <a:xfrm>
-            <a:off x="9144001" y="2563648"/>
-            <a:ext cx="585926" cy="464575"/>
-          </a:xfrm>
-          <a:prstGeom prst="rect">
-            <a:avLst/>
-          </a:prstGeom>
-          <a:solidFill>
-            <a:schemeClr val="bg2">
-              <a:lumMod val="75000"/>
-            </a:schemeClr>
-          </a:solidFill>
-          <a:ln>
-            <a:noFill/>
-          </a:ln>
-        </p:spPr>
-        <p:style>
-          <a:lnRef idx="2">
-            <a:schemeClr val="accent1">
-              <a:shade val="50000"/>
-            </a:schemeClr>
-          </a:lnRef>
-          <a:fillRef idx="1">
-            <a:schemeClr val="accent1"/>
-          </a:fillRef>
-          <a:effectRef idx="0">
-            <a:schemeClr val="accent1"/>
-          </a:effectRef>
-          <a:fontRef idx="minor">
-            <a:schemeClr val="lt1"/>
-          </a:fontRef>
-        </p:style>
-        <p:txBody>
-          <a:bodyPr rot="0" spcFirstLastPara="0" vertOverflow="overflow" horzOverflow="overflow" vert="horz" wrap="square" lIns="68580" tIns="34290" rIns="68580" bIns="34290" numCol="1" spcCol="0" rtlCol="0" fromWordArt="0" anchor="ctr" anchorCtr="0" forceAA="0" compatLnSpc="1">
-            <a:prstTxWarp prst="textNoShape">
-              <a:avLst/>
-            </a:prstTxWarp>
-            <a:noAutofit/>
-          </a:bodyPr>
-          <a:lstStyle/>
-          <a:p>
-            <a:pPr algn="ctr"/>
-            <a:endParaRPr lang="ko-KR" altLang="en-US"/>
-          </a:p>
-        </p:txBody>
-      </p:sp>
-    </p:spTree>
-    <p:extLst>
-      <p:ext uri="{BB962C8B-B14F-4D97-AF65-F5344CB8AC3E}">
-        <p14:creationId xmlns:p14="http://schemas.microsoft.com/office/powerpoint/2010/main" val="833650184"/>
-      </p:ext>
-    </p:extLst>
-  </p:cSld>
-  <p:clrMapOvr>
-    <a:masterClrMapping/>
-  </p:clrMapOvr>
-</p:sld>
-</file>
-
-<file path=ppt/slides/slide5.xml><?xml version="1.0" encoding="utf-8"?>
-<p:sld xmlns:a="http://schemas.openxmlformats.org/drawingml/2006/main" xmlns:r="http://schemas.openxmlformats.org/officeDocument/2006/relationships" xmlns:p="http://schemas.openxmlformats.org/presentationml/2006/main">
-  <p:cSld>
-    <p:bg>
-      <p:bgPr>
-        <a:solidFill>
-          <a:schemeClr val="tx1">
-            <a:lumMod val="85000"/>
-            <a:lumOff val="15000"/>
-          </a:schemeClr>
-        </a:solidFill>
-        <a:effectLst/>
-      </p:bgPr>
-    </p:bg>
-    <p:spTree>
-      <p:nvGrpSpPr>
-        <p:cNvPr id="1" name=""/>
-        <p:cNvGrpSpPr/>
-        <p:nvPr/>
-      </p:nvGrpSpPr>
-      <p:grpSpPr>
-        <a:xfrm>
-          <a:off x="0" y="0"/>
-          <a:ext cx="0" cy="0"/>
-          <a:chOff x="0" y="0"/>
-          <a:chExt cx="0" cy="0"/>
-        </a:xfrm>
-      </p:grpSpPr>
-      <p:sp>
-        <p:nvSpPr>
-          <p:cNvPr id="4" name="직사각형 3"/>
-          <p:cNvSpPr/>
-          <p:nvPr/>
-        </p:nvSpPr>
-        <p:spPr>
-          <a:xfrm>
-            <a:off x="8558072" y="705348"/>
-            <a:ext cx="585927" cy="464575"/>
-          </a:xfrm>
-          <a:prstGeom prst="rect">
-            <a:avLst/>
-          </a:prstGeom>
-          <a:solidFill>
-            <a:srgbClr val="F02802"/>
-          </a:solidFill>
-          <a:ln>
-            <a:noFill/>
-          </a:ln>
-        </p:spPr>
-        <p:style>
-          <a:lnRef idx="2">
-            <a:schemeClr val="accent1">
-              <a:shade val="50000"/>
-            </a:schemeClr>
-          </a:lnRef>
-          <a:fillRef idx="1">
-            <a:schemeClr val="accent1"/>
-          </a:fillRef>
-          <a:effectRef idx="0">
-            <a:schemeClr val="accent1"/>
-          </a:effectRef>
-          <a:fontRef idx="minor">
-            <a:schemeClr val="lt1"/>
-          </a:fontRef>
-        </p:style>
-        <p:txBody>
-          <a:bodyPr rot="0" spcFirstLastPara="0" vertOverflow="overflow" horzOverflow="overflow" vert="horz" wrap="square" lIns="68580" tIns="34290" rIns="68580" bIns="34290" numCol="1" spcCol="0" rtlCol="0" fromWordArt="0" anchor="ctr" anchorCtr="0" forceAA="0" compatLnSpc="1">
-            <a:prstTxWarp prst="textNoShape">
-              <a:avLst/>
-            </a:prstTxWarp>
-            <a:noAutofit/>
-          </a:bodyPr>
-          <a:lstStyle/>
-          <a:p>
-            <a:pPr algn="ctr"/>
-            <a:endParaRPr lang="ko-KR" altLang="en-US" sz="1350"/>
-          </a:p>
-        </p:txBody>
-      </p:sp>
-      <p:sp>
-        <p:nvSpPr>
-          <p:cNvPr id="5" name="직사각형 4"/>
-          <p:cNvSpPr/>
-          <p:nvPr/>
-        </p:nvSpPr>
-        <p:spPr>
-          <a:xfrm>
-            <a:off x="8558074" y="1169923"/>
-            <a:ext cx="585926" cy="464575"/>
-          </a:xfrm>
-          <a:prstGeom prst="rect">
-            <a:avLst/>
-          </a:prstGeom>
-          <a:solidFill>
-            <a:srgbClr val="FFC000"/>
-          </a:solidFill>
-          <a:ln>
-            <a:noFill/>
-          </a:ln>
-        </p:spPr>
-        <p:style>
-          <a:lnRef idx="2">
-            <a:schemeClr val="accent1">
-              <a:shade val="50000"/>
-            </a:schemeClr>
-          </a:lnRef>
-          <a:fillRef idx="1">
-            <a:schemeClr val="accent1"/>
-          </a:fillRef>
-          <a:effectRef idx="0">
-            <a:schemeClr val="accent1"/>
-          </a:effectRef>
-          <a:fontRef idx="minor">
-            <a:schemeClr val="lt1"/>
-          </a:fontRef>
-        </p:style>
-        <p:txBody>
-          <a:bodyPr rot="0" spcFirstLastPara="0" vertOverflow="overflow" horzOverflow="overflow" vert="horz" wrap="square" lIns="68580" tIns="34290" rIns="68580" bIns="34290" numCol="1" spcCol="0" rtlCol="0" fromWordArt="0" anchor="ctr" anchorCtr="0" forceAA="0" compatLnSpc="1">
-            <a:prstTxWarp prst="textNoShape">
-              <a:avLst/>
-            </a:prstTxWarp>
-            <a:noAutofit/>
-          </a:bodyPr>
-          <a:lstStyle/>
-          <a:p>
-            <a:pPr algn="ctr"/>
-            <a:endParaRPr lang="ko-KR" altLang="en-US" sz="1350"/>
-          </a:p>
-        </p:txBody>
-      </p:sp>
-      <p:sp>
-        <p:nvSpPr>
-          <p:cNvPr id="6" name="직사각형 5"/>
-          <p:cNvSpPr/>
-          <p:nvPr/>
-        </p:nvSpPr>
-        <p:spPr>
-          <a:xfrm>
-            <a:off x="8558074" y="1634498"/>
-            <a:ext cx="585926" cy="464575"/>
-          </a:xfrm>
-          <a:prstGeom prst="rect">
-            <a:avLst/>
-          </a:prstGeom>
-          <a:solidFill>
-            <a:srgbClr val="00B050"/>
-          </a:solidFill>
-          <a:ln>
-            <a:noFill/>
-          </a:ln>
-        </p:spPr>
-        <p:style>
-          <a:lnRef idx="2">
-            <a:schemeClr val="accent1">
-              <a:shade val="50000"/>
-            </a:schemeClr>
-          </a:lnRef>
-          <a:fillRef idx="1">
-            <a:schemeClr val="accent1"/>
-          </a:fillRef>
-          <a:effectRef idx="0">
-            <a:schemeClr val="accent1"/>
-          </a:effectRef>
-          <a:fontRef idx="minor">
-            <a:schemeClr val="lt1"/>
-          </a:fontRef>
-        </p:style>
-        <p:txBody>
-          <a:bodyPr rot="0" spcFirstLastPara="0" vertOverflow="overflow" horzOverflow="overflow" vert="horz" wrap="square" lIns="68580" tIns="34290" rIns="68580" bIns="34290" numCol="1" spcCol="0" rtlCol="0" fromWordArt="0" anchor="ctr" anchorCtr="0" forceAA="0" compatLnSpc="1">
-            <a:prstTxWarp prst="textNoShape">
-              <a:avLst/>
-            </a:prstTxWarp>
-            <a:noAutofit/>
-          </a:bodyPr>
-          <a:lstStyle/>
-          <a:p>
-            <a:pPr algn="ctr"/>
-            <a:endParaRPr lang="ko-KR" altLang="en-US" sz="1350"/>
-          </a:p>
-        </p:txBody>
-      </p:sp>
-      <p:sp>
-        <p:nvSpPr>
-          <p:cNvPr id="7" name="직사각형 6"/>
-          <p:cNvSpPr/>
-          <p:nvPr/>
-        </p:nvSpPr>
-        <p:spPr>
-          <a:xfrm>
-            <a:off x="7683910" y="2099073"/>
-            <a:ext cx="1460089" cy="464575"/>
-          </a:xfrm>
-          <a:prstGeom prst="rect">
-            <a:avLst/>
-          </a:prstGeom>
-          <a:solidFill>
-            <a:srgbClr val="00B9F6"/>
-          </a:solidFill>
-          <a:ln>
-            <a:noFill/>
-          </a:ln>
-        </p:spPr>
-        <p:style>
-          <a:lnRef idx="2">
-            <a:schemeClr val="accent1">
-              <a:shade val="50000"/>
-            </a:schemeClr>
-          </a:lnRef>
-          <a:fillRef idx="1">
-            <a:schemeClr val="accent1"/>
-          </a:fillRef>
-          <a:effectRef idx="0">
-            <a:schemeClr val="accent1"/>
-          </a:effectRef>
-          <a:fontRef idx="minor">
-            <a:schemeClr val="lt1"/>
-          </a:fontRef>
-        </p:style>
-        <p:txBody>
-          <a:bodyPr rot="0" spcFirstLastPara="0" vertOverflow="overflow" horzOverflow="overflow" vert="horz" wrap="square" lIns="68580" tIns="34290" rIns="68580" bIns="34290" numCol="1" spcCol="0" rtlCol="0" fromWordArt="0" anchor="ctr" anchorCtr="0" forceAA="0" compatLnSpc="1">
-            <a:prstTxWarp prst="textNoShape">
-              <a:avLst/>
-            </a:prstTxWarp>
-            <a:noAutofit/>
-          </a:bodyPr>
-          <a:lstStyle/>
-          <a:p>
-            <a:pPr algn="ctr"/>
-            <a:endParaRPr lang="ko-KR" altLang="en-US"/>
-          </a:p>
-        </p:txBody>
-      </p:sp>
-      <p:sp>
-        <p:nvSpPr>
-          <p:cNvPr id="8" name="직사각형 7"/>
-          <p:cNvSpPr/>
-          <p:nvPr/>
-        </p:nvSpPr>
-        <p:spPr>
-          <a:xfrm>
-            <a:off x="8558073" y="2563648"/>
-            <a:ext cx="585926" cy="464575"/>
-          </a:xfrm>
-          <a:prstGeom prst="rect">
-            <a:avLst/>
-          </a:prstGeom>
-          <a:solidFill>
-            <a:schemeClr val="bg2">
-              <a:lumMod val="50000"/>
-            </a:schemeClr>
-          </a:solidFill>
-          <a:ln>
-            <a:noFill/>
-          </a:ln>
-        </p:spPr>
-        <p:style>
-          <a:lnRef idx="2">
-            <a:schemeClr val="accent1">
-              <a:shade val="50000"/>
-            </a:schemeClr>
-          </a:lnRef>
-          <a:fillRef idx="1">
-            <a:schemeClr val="accent1"/>
-          </a:fillRef>
-          <a:effectRef idx="0">
-            <a:schemeClr val="accent1"/>
-          </a:effectRef>
-          <a:fontRef idx="minor">
-            <a:schemeClr val="lt1"/>
-          </a:fontRef>
-        </p:style>
-        <p:txBody>
-          <a:bodyPr rot="0" spcFirstLastPara="0" vertOverflow="overflow" horzOverflow="overflow" vert="horz" wrap="square" lIns="68580" tIns="34290" rIns="68580" bIns="34290" numCol="1" spcCol="0" rtlCol="0" fromWordArt="0" anchor="ctr" anchorCtr="0" forceAA="0" compatLnSpc="1">
-            <a:prstTxWarp prst="textNoShape">
-              <a:avLst/>
-            </a:prstTxWarp>
-            <a:noAutofit/>
-          </a:bodyPr>
-          <a:lstStyle/>
-          <a:p>
-            <a:pPr algn="ctr"/>
-            <a:endParaRPr lang="ko-KR" altLang="en-US"/>
-          </a:p>
-        </p:txBody>
-      </p:sp>
-      <p:sp>
-        <p:nvSpPr>
-          <p:cNvPr id="9" name="TextBox 8"/>
-          <p:cNvSpPr txBox="1"/>
-          <p:nvPr/>
-        </p:nvSpPr>
-        <p:spPr>
-          <a:xfrm>
-            <a:off x="630316" y="311059"/>
-            <a:ext cx="2458237" cy="1323439"/>
-          </a:xfrm>
-          <a:prstGeom prst="rect">
-            <a:avLst/>
-          </a:prstGeom>
-          <a:noFill/>
-        </p:spPr>
-        <p:txBody>
-          <a:bodyPr wrap="none" rtlCol="0">
-            <a:spAutoFit/>
-          </a:bodyPr>
-          <a:lstStyle/>
-          <a:p>
-            <a:r>
-              <a:rPr lang="en-US" altLang="ko-KR" sz="8000" dirty="0">
-                <a:solidFill>
-                  <a:srgbClr val="D22802"/>
-                </a:solidFill>
-              </a:rPr>
-              <a:t>Index</a:t>
-            </a:r>
-            <a:endParaRPr lang="ko-KR" altLang="en-US" sz="8000" dirty="0">
-              <a:solidFill>
-                <a:srgbClr val="D22802"/>
-              </a:solidFill>
-            </a:endParaRPr>
-          </a:p>
-        </p:txBody>
-      </p:sp>
-    </p:spTree>
-    <p:extLst>
-      <p:ext uri="{BB962C8B-B14F-4D97-AF65-F5344CB8AC3E}">
-        <p14:creationId xmlns:p14="http://schemas.microsoft.com/office/powerpoint/2010/main" val="4228461966"/>
-      </p:ext>
-    </p:extLst>
-  </p:cSld>
-  <p:clrMapOvr>
-    <a:masterClrMapping/>
-  </p:clrMapOvr>
-</p:sld>
-</file>
-
-<file path=ppt/slides/slide6.xml><?xml version="1.0" encoding="utf-8"?>
-<p:sld xmlns:a="http://schemas.openxmlformats.org/drawingml/2006/main" xmlns:r="http://schemas.openxmlformats.org/officeDocument/2006/relationships" xmlns:p="http://schemas.openxmlformats.org/presentationml/2006/main">
-  <p:cSld>
-    <p:bg>
-      <p:bgPr>
-        <a:solidFill>
-          <a:schemeClr val="tx1">
-            <a:lumMod val="85000"/>
-            <a:lumOff val="15000"/>
-          </a:schemeClr>
-        </a:solidFill>
-        <a:effectLst/>
-      </p:bgPr>
-    </p:bg>
-    <p:spTree>
-      <p:nvGrpSpPr>
-        <p:cNvPr id="1" name=""/>
-        <p:cNvGrpSpPr/>
-        <p:nvPr/>
-      </p:nvGrpSpPr>
-      <p:grpSpPr>
-        <a:xfrm>
-          <a:off x="0" y="0"/>
-          <a:ext cx="0" cy="0"/>
-          <a:chOff x="0" y="0"/>
-          <a:chExt cx="0" cy="0"/>
-        </a:xfrm>
-      </p:grpSpPr>
-      <p:sp>
-        <p:nvSpPr>
-          <p:cNvPr id="4" name="직사각형 3"/>
-          <p:cNvSpPr/>
-          <p:nvPr/>
-        </p:nvSpPr>
-        <p:spPr>
-          <a:xfrm>
-            <a:off x="8558072" y="705348"/>
-            <a:ext cx="585927" cy="464575"/>
-          </a:xfrm>
-          <a:prstGeom prst="rect">
-            <a:avLst/>
-          </a:prstGeom>
-          <a:solidFill>
-            <a:srgbClr val="F02802"/>
-          </a:solidFill>
-          <a:ln>
-            <a:noFill/>
-          </a:ln>
-        </p:spPr>
-        <p:style>
-          <a:lnRef idx="2">
-            <a:schemeClr val="accent1">
-              <a:shade val="50000"/>
-            </a:schemeClr>
-          </a:lnRef>
-          <a:fillRef idx="1">
-            <a:schemeClr val="accent1"/>
-          </a:fillRef>
-          <a:effectRef idx="0">
-            <a:schemeClr val="accent1"/>
-          </a:effectRef>
-          <a:fontRef idx="minor">
-            <a:schemeClr val="lt1"/>
-          </a:fontRef>
-        </p:style>
-        <p:txBody>
-          <a:bodyPr rot="0" spcFirstLastPara="0" vertOverflow="overflow" horzOverflow="overflow" vert="horz" wrap="square" lIns="68580" tIns="34290" rIns="68580" bIns="34290" numCol="1" spcCol="0" rtlCol="0" fromWordArt="0" anchor="ctr" anchorCtr="0" forceAA="0" compatLnSpc="1">
-            <a:prstTxWarp prst="textNoShape">
-              <a:avLst/>
-            </a:prstTxWarp>
-            <a:noAutofit/>
-          </a:bodyPr>
-          <a:lstStyle/>
-          <a:p>
-            <a:pPr algn="ctr"/>
-            <a:endParaRPr lang="ko-KR" altLang="en-US" sz="1350"/>
-          </a:p>
-        </p:txBody>
-      </p:sp>
-      <p:sp>
-        <p:nvSpPr>
-          <p:cNvPr id="5" name="직사각형 4"/>
-          <p:cNvSpPr/>
-          <p:nvPr/>
-        </p:nvSpPr>
-        <p:spPr>
-          <a:xfrm>
-            <a:off x="8558074" y="1169923"/>
-            <a:ext cx="585926" cy="464575"/>
-          </a:xfrm>
-          <a:prstGeom prst="rect">
-            <a:avLst/>
-          </a:prstGeom>
-          <a:solidFill>
-            <a:srgbClr val="FFC000"/>
-          </a:solidFill>
-          <a:ln>
-            <a:noFill/>
-          </a:ln>
-        </p:spPr>
-        <p:style>
-          <a:lnRef idx="2">
-            <a:schemeClr val="accent1">
-              <a:shade val="50000"/>
-            </a:schemeClr>
-          </a:lnRef>
-          <a:fillRef idx="1">
-            <a:schemeClr val="accent1"/>
-          </a:fillRef>
-          <a:effectRef idx="0">
-            <a:schemeClr val="accent1"/>
-          </a:effectRef>
-          <a:fontRef idx="minor">
-            <a:schemeClr val="lt1"/>
-          </a:fontRef>
-        </p:style>
-        <p:txBody>
-          <a:bodyPr rot="0" spcFirstLastPara="0" vertOverflow="overflow" horzOverflow="overflow" vert="horz" wrap="square" lIns="68580" tIns="34290" rIns="68580" bIns="34290" numCol="1" spcCol="0" rtlCol="0" fromWordArt="0" anchor="ctr" anchorCtr="0" forceAA="0" compatLnSpc="1">
-            <a:prstTxWarp prst="textNoShape">
-              <a:avLst/>
-            </a:prstTxWarp>
-            <a:noAutofit/>
-          </a:bodyPr>
-          <a:lstStyle/>
-          <a:p>
-            <a:pPr algn="ctr"/>
-            <a:endParaRPr lang="ko-KR" altLang="en-US" sz="1350"/>
-          </a:p>
-        </p:txBody>
-      </p:sp>
-      <p:sp>
-        <p:nvSpPr>
-          <p:cNvPr id="6" name="직사각형 5"/>
-          <p:cNvSpPr/>
-          <p:nvPr/>
-        </p:nvSpPr>
-        <p:spPr>
-          <a:xfrm>
-            <a:off x="8558074" y="1634498"/>
-            <a:ext cx="585926" cy="464575"/>
-          </a:xfrm>
-          <a:prstGeom prst="rect">
-            <a:avLst/>
-          </a:prstGeom>
-          <a:solidFill>
-            <a:srgbClr val="00B050"/>
-          </a:solidFill>
-          <a:ln>
-            <a:noFill/>
-          </a:ln>
-        </p:spPr>
-        <p:style>
-          <a:lnRef idx="2">
-            <a:schemeClr val="accent1">
-              <a:shade val="50000"/>
-            </a:schemeClr>
-          </a:lnRef>
-          <a:fillRef idx="1">
-            <a:schemeClr val="accent1"/>
-          </a:fillRef>
-          <a:effectRef idx="0">
-            <a:schemeClr val="accent1"/>
-          </a:effectRef>
-          <a:fontRef idx="minor">
-            <a:schemeClr val="lt1"/>
-          </a:fontRef>
-        </p:style>
-        <p:txBody>
-          <a:bodyPr rot="0" spcFirstLastPara="0" vertOverflow="overflow" horzOverflow="overflow" vert="horz" wrap="square" lIns="68580" tIns="34290" rIns="68580" bIns="34290" numCol="1" spcCol="0" rtlCol="0" fromWordArt="0" anchor="ctr" anchorCtr="0" forceAA="0" compatLnSpc="1">
-            <a:prstTxWarp prst="textNoShape">
-              <a:avLst/>
-            </a:prstTxWarp>
-            <a:noAutofit/>
-          </a:bodyPr>
-          <a:lstStyle/>
-          <a:p>
-            <a:pPr algn="ctr"/>
-            <a:endParaRPr lang="ko-KR" altLang="en-US" sz="1350"/>
-          </a:p>
-        </p:txBody>
-      </p:sp>
-      <p:sp>
-        <p:nvSpPr>
-          <p:cNvPr id="7" name="직사각형 6"/>
-          <p:cNvSpPr/>
-          <p:nvPr/>
-        </p:nvSpPr>
-        <p:spPr>
-          <a:xfrm>
-            <a:off x="8558073" y="2099073"/>
-            <a:ext cx="585926" cy="464575"/>
-          </a:xfrm>
-          <a:prstGeom prst="rect">
-            <a:avLst/>
-          </a:prstGeom>
-          <a:solidFill>
-            <a:srgbClr val="00B9F6"/>
-          </a:solidFill>
-          <a:ln>
-            <a:noFill/>
-          </a:ln>
-        </p:spPr>
-        <p:style>
-          <a:lnRef idx="2">
-            <a:schemeClr val="accent1">
-              <a:shade val="50000"/>
-            </a:schemeClr>
-          </a:lnRef>
-          <a:fillRef idx="1">
-            <a:schemeClr val="accent1"/>
-          </a:fillRef>
-          <a:effectRef idx="0">
-            <a:schemeClr val="accent1"/>
-          </a:effectRef>
-          <a:fontRef idx="minor">
-            <a:schemeClr val="lt1"/>
-          </a:fontRef>
-        </p:style>
-        <p:txBody>
-          <a:bodyPr rot="0" spcFirstLastPara="0" vertOverflow="overflow" horzOverflow="overflow" vert="horz" wrap="square" lIns="68580" tIns="34290" rIns="68580" bIns="34290" numCol="1" spcCol="0" rtlCol="0" fromWordArt="0" anchor="ctr" anchorCtr="0" forceAA="0" compatLnSpc="1">
-            <a:prstTxWarp prst="textNoShape">
-              <a:avLst/>
-            </a:prstTxWarp>
-            <a:noAutofit/>
-          </a:bodyPr>
-          <a:lstStyle/>
-          <a:p>
-            <a:pPr algn="ctr"/>
-            <a:endParaRPr lang="ko-KR" altLang="en-US"/>
-          </a:p>
-        </p:txBody>
-      </p:sp>
-      <p:sp>
-        <p:nvSpPr>
-          <p:cNvPr id="8" name="직사각형 7"/>
-          <p:cNvSpPr/>
-          <p:nvPr/>
-        </p:nvSpPr>
-        <p:spPr>
-          <a:xfrm>
-            <a:off x="7683910" y="2563648"/>
-            <a:ext cx="1460089" cy="464575"/>
-          </a:xfrm>
-          <a:prstGeom prst="rect">
-            <a:avLst/>
-          </a:prstGeom>
-          <a:solidFill>
-            <a:schemeClr val="bg2">
-              <a:lumMod val="50000"/>
-            </a:schemeClr>
-          </a:solidFill>
-          <a:ln>
-            <a:noFill/>
-          </a:ln>
-        </p:spPr>
-        <p:style>
-          <a:lnRef idx="2">
-            <a:schemeClr val="accent1">
-              <a:shade val="50000"/>
-            </a:schemeClr>
-          </a:lnRef>
-          <a:fillRef idx="1">
-            <a:schemeClr val="accent1"/>
-          </a:fillRef>
-          <a:effectRef idx="0">
-            <a:schemeClr val="accent1"/>
-          </a:effectRef>
-          <a:fontRef idx="minor">
-            <a:schemeClr val="lt1"/>
-          </a:fontRef>
-        </p:style>
-        <p:txBody>
-          <a:bodyPr rot="0" spcFirstLastPara="0" vertOverflow="overflow" horzOverflow="overflow" vert="horz" wrap="square" lIns="68580" tIns="34290" rIns="68580" bIns="34290" numCol="1" spcCol="0" rtlCol="0" fromWordArt="0" anchor="ctr" anchorCtr="0" forceAA="0" compatLnSpc="1">
-            <a:prstTxWarp prst="textNoShape">
-              <a:avLst/>
-            </a:prstTxWarp>
-            <a:noAutofit/>
-          </a:bodyPr>
-          <a:lstStyle/>
-          <a:p>
-            <a:pPr algn="ctr"/>
-            <a:endParaRPr lang="ko-KR" altLang="en-US"/>
-          </a:p>
-        </p:txBody>
-      </p:sp>
-      <p:sp>
-        <p:nvSpPr>
-          <p:cNvPr id="10" name="TextBox 9"/>
-          <p:cNvSpPr txBox="1"/>
-          <p:nvPr/>
-        </p:nvSpPr>
-        <p:spPr>
-          <a:xfrm>
-            <a:off x="745726" y="618835"/>
-            <a:ext cx="2611612" cy="1015663"/>
-          </a:xfrm>
-          <a:prstGeom prst="rect">
-            <a:avLst/>
-          </a:prstGeom>
-          <a:noFill/>
-        </p:spPr>
-        <p:txBody>
-          <a:bodyPr wrap="none" rtlCol="0">
-            <a:spAutoFit/>
-          </a:bodyPr>
-          <a:lstStyle/>
-          <a:p>
-            <a:r>
-              <a:rPr lang="ko-KR" altLang="en-US" sz="6000" dirty="0">
-                <a:solidFill>
-                  <a:schemeClr val="bg1"/>
-                </a:solidFill>
-                <a:latin typeface="나눔바른펜" panose="020B0503000000000000" pitchFamily="50" charset="-127"/>
-                <a:ea typeface="나눔바른펜" panose="020B0503000000000000" pitchFamily="50" charset="-127"/>
-              </a:rPr>
-              <a:t>제작과정</a:t>
-            </a:r>
-          </a:p>
-        </p:txBody>
-      </p:sp>
-    </p:spTree>
-    <p:extLst>
-      <p:ext uri="{BB962C8B-B14F-4D97-AF65-F5344CB8AC3E}">
-        <p14:creationId xmlns:p14="http://schemas.microsoft.com/office/powerpoint/2010/main" val="3325879335"/>
-      </p:ext>
-    </p:extLst>
-  </p:cSld>
-  <p:clrMapOvr>
-    <a:masterClrMapping/>
-  </p:clrMapOvr>
-</p:sld>
-</file>
-
-<file path=ppt/slides/slide7.xml><?xml version="1.0" encoding="utf-8"?>
-<p:sld xmlns:a="http://schemas.openxmlformats.org/drawingml/2006/main" xmlns:r="http://schemas.openxmlformats.org/officeDocument/2006/relationships" xmlns:p="http://schemas.openxmlformats.org/presentationml/2006/main">
-  <p:cSld>
-    <p:bg>
-      <p:bgPr>
-        <a:solidFill>
-          <a:schemeClr val="tx1">
-            <a:lumMod val="85000"/>
-            <a:lumOff val="15000"/>
-          </a:schemeClr>
-        </a:solidFill>
-        <a:effectLst/>
-      </p:bgPr>
-    </p:bg>
-    <p:spTree>
-      <p:nvGrpSpPr>
-        <p:cNvPr id="1" name=""/>
-        <p:cNvGrpSpPr/>
-        <p:nvPr/>
-      </p:nvGrpSpPr>
-      <p:grpSpPr>
-        <a:xfrm>
-          <a:off x="0" y="0"/>
-          <a:ext cx="0" cy="0"/>
-          <a:chOff x="0" y="0"/>
-          <a:chExt cx="0" cy="0"/>
-        </a:xfrm>
-      </p:grpSpPr>
-      <p:sp>
-        <p:nvSpPr>
-          <p:cNvPr id="2" name="사각형: 둥근 모서리 1"/>
-          <p:cNvSpPr/>
-          <p:nvPr/>
-        </p:nvSpPr>
-        <p:spPr>
-          <a:xfrm>
-            <a:off x="435000" y="3439531"/>
-            <a:ext cx="8291744" cy="88776"/>
-          </a:xfrm>
-          <a:prstGeom prst="roundRect">
-            <a:avLst/>
-          </a:prstGeom>
-          <a:noFill/>
-          <a:ln w="19050">
-            <a:solidFill>
-              <a:schemeClr val="bg1"/>
-            </a:solidFill>
-          </a:ln>
-        </p:spPr>
-        <p:style>
-          <a:lnRef idx="2">
-            <a:schemeClr val="accent1">
-              <a:shade val="50000"/>
-            </a:schemeClr>
-          </a:lnRef>
-          <a:fillRef idx="1">
-            <a:schemeClr val="accent1"/>
-          </a:fillRef>
-          <a:effectRef idx="0">
-            <a:schemeClr val="accent1"/>
-          </a:effectRef>
-          <a:fontRef idx="minor">
-            <a:schemeClr val="lt1"/>
-          </a:fontRef>
-        </p:style>
-        <p:txBody>
-          <a:bodyPr rtlCol="0" anchor="ctr"/>
-          <a:lstStyle/>
-          <a:p>
-            <a:pPr algn="ctr"/>
-            <a:endParaRPr lang="ko-KR" altLang="en-US">
-              <a:latin typeface="나눔바른펜" panose="020B0503000000000000" pitchFamily="50" charset="-127"/>
-              <a:ea typeface="나눔바른펜" panose="020B0503000000000000" pitchFamily="50" charset="-127"/>
-            </a:endParaRPr>
-          </a:p>
-        </p:txBody>
-      </p:sp>
-      <p:sp>
-        <p:nvSpPr>
-          <p:cNvPr id="3" name="타원 2"/>
-          <p:cNvSpPr/>
-          <p:nvPr/>
-        </p:nvSpPr>
-        <p:spPr>
-          <a:xfrm>
-            <a:off x="1144505" y="2976414"/>
-            <a:ext cx="133165" cy="133165"/>
-          </a:xfrm>
-          <a:prstGeom prst="ellipse">
-            <a:avLst/>
-          </a:prstGeom>
-          <a:solidFill>
-            <a:schemeClr val="bg1"/>
-          </a:solidFill>
-          <a:ln>
-            <a:noFill/>
-          </a:ln>
-        </p:spPr>
-        <p:style>
-          <a:lnRef idx="2">
-            <a:schemeClr val="accent1">
-              <a:shade val="50000"/>
-            </a:schemeClr>
-          </a:lnRef>
-          <a:fillRef idx="1">
-            <a:schemeClr val="accent1"/>
-          </a:fillRef>
-          <a:effectRef idx="0">
-            <a:schemeClr val="accent1"/>
-          </a:effectRef>
-          <a:fontRef idx="minor">
-            <a:schemeClr val="lt1"/>
-          </a:fontRef>
-        </p:style>
-        <p:txBody>
-          <a:bodyPr rtlCol="0" anchor="ctr"/>
-          <a:lstStyle/>
-          <a:p>
-            <a:pPr algn="ctr"/>
-            <a:endParaRPr lang="ko-KR" altLang="en-US">
-              <a:latin typeface="나눔바른펜" panose="020B0503000000000000" pitchFamily="50" charset="-127"/>
-              <a:ea typeface="나눔바른펜" panose="020B0503000000000000" pitchFamily="50" charset="-127"/>
-            </a:endParaRPr>
-          </a:p>
-        </p:txBody>
-      </p:sp>
-      <p:cxnSp>
-        <p:nvCxnSpPr>
-          <p:cNvPr id="17" name="직선 연결선 16"/>
-          <p:cNvCxnSpPr>
-            <a:cxnSpLocks/>
-          </p:cNvCxnSpPr>
-          <p:nvPr/>
-        </p:nvCxnSpPr>
-        <p:spPr>
-          <a:xfrm>
-            <a:off x="1238192" y="3065190"/>
-            <a:ext cx="519488" cy="374341"/>
-          </a:xfrm>
-          <a:prstGeom prst="line">
-            <a:avLst/>
-          </a:prstGeom>
-          <a:ln w="19050">
-            <a:solidFill>
-              <a:schemeClr val="bg1"/>
-            </a:solidFill>
-            <a:prstDash val="dash"/>
-          </a:ln>
-        </p:spPr>
-        <p:style>
-          <a:lnRef idx="1">
-            <a:schemeClr val="accent1"/>
-          </a:lnRef>
-          <a:fillRef idx="0">
-            <a:schemeClr val="accent1"/>
-          </a:fillRef>
-          <a:effectRef idx="0">
-            <a:schemeClr val="accent1"/>
-          </a:effectRef>
-          <a:fontRef idx="minor">
-            <a:schemeClr val="tx1"/>
-          </a:fontRef>
-        </p:style>
-      </p:cxnSp>
-      <p:sp>
-        <p:nvSpPr>
-          <p:cNvPr id="24" name="타원 23"/>
-          <p:cNvSpPr/>
-          <p:nvPr/>
-        </p:nvSpPr>
-        <p:spPr>
-          <a:xfrm>
-            <a:off x="5300744" y="2981765"/>
-            <a:ext cx="133165" cy="133165"/>
-          </a:xfrm>
-          <a:prstGeom prst="ellipse">
-            <a:avLst/>
-          </a:prstGeom>
-          <a:solidFill>
-            <a:schemeClr val="bg1"/>
-          </a:solidFill>
-          <a:ln>
-            <a:noFill/>
-          </a:ln>
-        </p:spPr>
-        <p:style>
-          <a:lnRef idx="2">
-            <a:schemeClr val="accent1">
-              <a:shade val="50000"/>
-            </a:schemeClr>
-          </a:lnRef>
-          <a:fillRef idx="1">
-            <a:schemeClr val="accent1"/>
-          </a:fillRef>
-          <a:effectRef idx="0">
-            <a:schemeClr val="accent1"/>
-          </a:effectRef>
-          <a:fontRef idx="minor">
-            <a:schemeClr val="lt1"/>
-          </a:fontRef>
-        </p:style>
-        <p:txBody>
-          <a:bodyPr rtlCol="0" anchor="ctr"/>
-          <a:lstStyle/>
-          <a:p>
-            <a:pPr algn="ctr"/>
-            <a:endParaRPr lang="ko-KR" altLang="en-US">
-              <a:latin typeface="나눔바른펜" panose="020B0503000000000000" pitchFamily="50" charset="-127"/>
-              <a:ea typeface="나눔바른펜" panose="020B0503000000000000" pitchFamily="50" charset="-127"/>
-            </a:endParaRPr>
-          </a:p>
-        </p:txBody>
-      </p:sp>
-      <p:cxnSp>
-        <p:nvCxnSpPr>
-          <p:cNvPr id="25" name="직선 연결선 24"/>
-          <p:cNvCxnSpPr>
-            <a:cxnSpLocks/>
-          </p:cNvCxnSpPr>
-          <p:nvPr/>
-        </p:nvCxnSpPr>
-        <p:spPr>
-          <a:xfrm>
-            <a:off x="5367327" y="3065190"/>
-            <a:ext cx="519488" cy="374341"/>
-          </a:xfrm>
-          <a:prstGeom prst="line">
-            <a:avLst/>
-          </a:prstGeom>
-          <a:ln w="19050">
-            <a:solidFill>
-              <a:schemeClr val="bg1"/>
-            </a:solidFill>
-            <a:prstDash val="dash"/>
-          </a:ln>
-        </p:spPr>
-        <p:style>
-          <a:lnRef idx="1">
-            <a:schemeClr val="accent1"/>
-          </a:lnRef>
-          <a:fillRef idx="0">
-            <a:schemeClr val="accent1"/>
-          </a:fillRef>
-          <a:effectRef idx="0">
-            <a:schemeClr val="accent1"/>
-          </a:effectRef>
-          <a:fontRef idx="minor">
-            <a:schemeClr val="tx1"/>
-          </a:fontRef>
-        </p:style>
-      </p:cxnSp>
-      <p:sp>
-        <p:nvSpPr>
-          <p:cNvPr id="26" name="타원 25"/>
-          <p:cNvSpPr/>
-          <p:nvPr/>
-        </p:nvSpPr>
-        <p:spPr>
-          <a:xfrm>
-            <a:off x="3101719" y="3830714"/>
-            <a:ext cx="133165" cy="133165"/>
-          </a:xfrm>
-          <a:prstGeom prst="ellipse">
-            <a:avLst/>
-          </a:prstGeom>
-          <a:solidFill>
-            <a:schemeClr val="bg1"/>
-          </a:solidFill>
-          <a:ln>
-            <a:noFill/>
-          </a:ln>
-        </p:spPr>
-        <p:style>
-          <a:lnRef idx="2">
-            <a:schemeClr val="accent1">
-              <a:shade val="50000"/>
-            </a:schemeClr>
-          </a:lnRef>
-          <a:fillRef idx="1">
-            <a:schemeClr val="accent1"/>
-          </a:fillRef>
-          <a:effectRef idx="0">
-            <a:schemeClr val="accent1"/>
-          </a:effectRef>
-          <a:fontRef idx="minor">
-            <a:schemeClr val="lt1"/>
-          </a:fontRef>
-        </p:style>
-        <p:txBody>
-          <a:bodyPr rtlCol="0" anchor="ctr"/>
-          <a:lstStyle/>
-          <a:p>
-            <a:pPr algn="ctr"/>
-            <a:endParaRPr lang="ko-KR" altLang="en-US">
-              <a:latin typeface="나눔바른펜" panose="020B0503000000000000" pitchFamily="50" charset="-127"/>
-              <a:ea typeface="나눔바른펜" panose="020B0503000000000000" pitchFamily="50" charset="-127"/>
-            </a:endParaRPr>
-          </a:p>
-        </p:txBody>
-      </p:sp>
-      <p:cxnSp>
-        <p:nvCxnSpPr>
-          <p:cNvPr id="27" name="직선 연결선 26"/>
-          <p:cNvCxnSpPr>
-            <a:cxnSpLocks/>
-          </p:cNvCxnSpPr>
-          <p:nvPr/>
-        </p:nvCxnSpPr>
-        <p:spPr>
-          <a:xfrm flipH="1">
-            <a:off x="3234885" y="3522956"/>
-            <a:ext cx="342816" cy="328102"/>
-          </a:xfrm>
-          <a:prstGeom prst="line">
-            <a:avLst/>
-          </a:prstGeom>
-          <a:ln w="19050">
-            <a:solidFill>
-              <a:schemeClr val="bg1"/>
-            </a:solidFill>
-            <a:prstDash val="dash"/>
-          </a:ln>
-        </p:spPr>
-        <p:style>
-          <a:lnRef idx="1">
-            <a:schemeClr val="accent1"/>
-          </a:lnRef>
-          <a:fillRef idx="0">
-            <a:schemeClr val="accent1"/>
-          </a:fillRef>
-          <a:effectRef idx="0">
-            <a:schemeClr val="accent1"/>
-          </a:effectRef>
-          <a:fontRef idx="minor">
-            <a:schemeClr val="tx1"/>
-          </a:fontRef>
-        </p:style>
-      </p:cxnSp>
-      <p:sp>
-        <p:nvSpPr>
-          <p:cNvPr id="33" name="타원 32"/>
-          <p:cNvSpPr/>
-          <p:nvPr/>
-        </p:nvSpPr>
-        <p:spPr>
-          <a:xfrm>
-            <a:off x="7018252" y="3830714"/>
-            <a:ext cx="133165" cy="133165"/>
-          </a:xfrm>
-          <a:prstGeom prst="ellipse">
-            <a:avLst/>
-          </a:prstGeom>
-          <a:solidFill>
-            <a:schemeClr val="bg1"/>
-          </a:solidFill>
-          <a:ln>
-            <a:noFill/>
-          </a:ln>
-        </p:spPr>
-        <p:style>
-          <a:lnRef idx="2">
-            <a:schemeClr val="accent1">
-              <a:shade val="50000"/>
-            </a:schemeClr>
-          </a:lnRef>
-          <a:fillRef idx="1">
-            <a:schemeClr val="accent1"/>
-          </a:fillRef>
-          <a:effectRef idx="0">
-            <a:schemeClr val="accent1"/>
-          </a:effectRef>
-          <a:fontRef idx="minor">
-            <a:schemeClr val="lt1"/>
-          </a:fontRef>
-        </p:style>
-        <p:txBody>
-          <a:bodyPr rtlCol="0" anchor="ctr"/>
-          <a:lstStyle/>
-          <a:p>
-            <a:pPr algn="ctr"/>
-            <a:endParaRPr lang="ko-KR" altLang="en-US">
-              <a:latin typeface="나눔바른펜" panose="020B0503000000000000" pitchFamily="50" charset="-127"/>
-              <a:ea typeface="나눔바른펜" panose="020B0503000000000000" pitchFamily="50" charset="-127"/>
-            </a:endParaRPr>
-          </a:p>
-        </p:txBody>
-      </p:sp>
-      <p:cxnSp>
-        <p:nvCxnSpPr>
-          <p:cNvPr id="34" name="직선 연결선 33"/>
-          <p:cNvCxnSpPr>
-            <a:cxnSpLocks/>
-          </p:cNvCxnSpPr>
-          <p:nvPr/>
-        </p:nvCxnSpPr>
-        <p:spPr>
-          <a:xfrm flipH="1">
-            <a:off x="7151418" y="3522956"/>
-            <a:ext cx="342816" cy="328102"/>
-          </a:xfrm>
-          <a:prstGeom prst="line">
-            <a:avLst/>
-          </a:prstGeom>
-          <a:ln w="19050">
-            <a:solidFill>
-              <a:schemeClr val="bg1"/>
-            </a:solidFill>
-            <a:prstDash val="dash"/>
-          </a:ln>
-        </p:spPr>
-        <p:style>
-          <a:lnRef idx="1">
-            <a:schemeClr val="accent1"/>
-          </a:lnRef>
-          <a:fillRef idx="0">
-            <a:schemeClr val="accent1"/>
-          </a:fillRef>
-          <a:effectRef idx="0">
-            <a:schemeClr val="accent1"/>
-          </a:effectRef>
-          <a:fontRef idx="minor">
-            <a:schemeClr val="tx1"/>
-          </a:fontRef>
-        </p:style>
-      </p:cxnSp>
-      <p:sp>
-        <p:nvSpPr>
-          <p:cNvPr id="36" name="TextBox 35"/>
-          <p:cNvSpPr txBox="1"/>
-          <p:nvPr/>
-        </p:nvSpPr>
-        <p:spPr>
-          <a:xfrm>
-            <a:off x="464729" y="1108962"/>
-            <a:ext cx="1492716" cy="1631216"/>
-          </a:xfrm>
-          <a:prstGeom prst="rect">
-            <a:avLst/>
-          </a:prstGeom>
-          <a:noFill/>
-        </p:spPr>
-        <p:txBody>
-          <a:bodyPr wrap="none" rtlCol="0">
-            <a:spAutoFit/>
-          </a:bodyPr>
-          <a:lstStyle/>
-          <a:p>
-            <a:r>
-              <a:rPr lang="en-US" altLang="ko-KR" sz="2000" dirty="0">
-                <a:solidFill>
-                  <a:schemeClr val="bg1"/>
-                </a:solidFill>
-                <a:latin typeface="나눔바른펜" panose="020B0503000000000000" pitchFamily="50" charset="-127"/>
-                <a:ea typeface="나눔바른펜" panose="020B0503000000000000" pitchFamily="50" charset="-127"/>
-              </a:rPr>
-              <a:t>1/4 (~ 6/7)</a:t>
-            </a:r>
-          </a:p>
-          <a:p>
-            <a:r>
-              <a:rPr lang="ko-KR" altLang="en-US" sz="2000" dirty="0">
-                <a:solidFill>
-                  <a:schemeClr val="bg1"/>
-                </a:solidFill>
-                <a:latin typeface="나눔바른펜" panose="020B0503000000000000" pitchFamily="50" charset="-127"/>
-                <a:ea typeface="나눔바른펜" panose="020B0503000000000000" pitchFamily="50" charset="-127"/>
-              </a:rPr>
-              <a:t>프레임워크</a:t>
-            </a:r>
-            <a:endParaRPr lang="en-US" altLang="ko-KR" sz="2000" dirty="0">
-              <a:solidFill>
-                <a:schemeClr val="bg1"/>
-              </a:solidFill>
-              <a:latin typeface="나눔바른펜" panose="020B0503000000000000" pitchFamily="50" charset="-127"/>
-              <a:ea typeface="나눔바른펜" panose="020B0503000000000000" pitchFamily="50" charset="-127"/>
-            </a:endParaRPr>
-          </a:p>
-          <a:p>
-            <a:r>
-              <a:rPr lang="ko-KR" altLang="en-US" sz="2000" dirty="0">
-                <a:solidFill>
-                  <a:schemeClr val="bg1"/>
-                </a:solidFill>
-                <a:latin typeface="나눔바른펜" panose="020B0503000000000000" pitchFamily="50" charset="-127"/>
-                <a:ea typeface="나눔바른펜" panose="020B0503000000000000" pitchFamily="50" charset="-127"/>
-              </a:rPr>
-              <a:t>부모클래스</a:t>
-            </a:r>
-            <a:endParaRPr lang="en-US" altLang="ko-KR" sz="2000" dirty="0">
-              <a:solidFill>
-                <a:schemeClr val="bg1"/>
-              </a:solidFill>
-              <a:latin typeface="나눔바른펜" panose="020B0503000000000000" pitchFamily="50" charset="-127"/>
-              <a:ea typeface="나눔바른펜" panose="020B0503000000000000" pitchFamily="50" charset="-127"/>
-            </a:endParaRPr>
-          </a:p>
-          <a:p>
-            <a:r>
-              <a:rPr lang="ko-KR" altLang="en-US" sz="2000" dirty="0">
-                <a:solidFill>
-                  <a:schemeClr val="bg1"/>
-                </a:solidFill>
-                <a:latin typeface="나눔바른펜" panose="020B0503000000000000" pitchFamily="50" charset="-127"/>
-                <a:ea typeface="나눔바른펜" panose="020B0503000000000000" pitchFamily="50" charset="-127"/>
-              </a:rPr>
-              <a:t>리소스제작</a:t>
-            </a:r>
-            <a:endParaRPr lang="en-US" altLang="ko-KR" sz="2000" dirty="0">
-              <a:solidFill>
-                <a:schemeClr val="bg1"/>
-              </a:solidFill>
-              <a:latin typeface="나눔바른펜" panose="020B0503000000000000" pitchFamily="50" charset="-127"/>
-              <a:ea typeface="나눔바른펜" panose="020B0503000000000000" pitchFamily="50" charset="-127"/>
-            </a:endParaRPr>
-          </a:p>
-          <a:p>
-            <a:r>
-              <a:rPr lang="ko-KR" altLang="en-US" sz="2000" dirty="0">
-                <a:solidFill>
-                  <a:schemeClr val="bg1"/>
-                </a:solidFill>
-                <a:latin typeface="나눔바른펜" panose="020B0503000000000000" pitchFamily="50" charset="-127"/>
-                <a:ea typeface="나눔바른펜" panose="020B0503000000000000" pitchFamily="50" charset="-127"/>
-              </a:rPr>
-              <a:t>로고 및 </a:t>
-            </a:r>
-            <a:r>
-              <a:rPr lang="ko-KR" altLang="en-US" sz="2000" dirty="0" err="1">
-                <a:solidFill>
-                  <a:schemeClr val="bg1"/>
-                </a:solidFill>
-                <a:latin typeface="나눔바른펜" panose="020B0503000000000000" pitchFamily="50" charset="-127"/>
-                <a:ea typeface="나눔바른펜" panose="020B0503000000000000" pitchFamily="50" charset="-127"/>
-              </a:rPr>
-              <a:t>인트로</a:t>
-            </a:r>
-            <a:endParaRPr lang="ko-KR" altLang="en-US" sz="2000" dirty="0">
-              <a:solidFill>
-                <a:schemeClr val="bg1"/>
-              </a:solidFill>
-              <a:latin typeface="나눔바른펜" panose="020B0503000000000000" pitchFamily="50" charset="-127"/>
-              <a:ea typeface="나눔바른펜" panose="020B0503000000000000" pitchFamily="50" charset="-127"/>
-            </a:endParaRPr>
-          </a:p>
-        </p:txBody>
-      </p:sp>
-      <p:sp>
-        <p:nvSpPr>
-          <p:cNvPr id="37" name="TextBox 36"/>
-          <p:cNvSpPr txBox="1"/>
-          <p:nvPr/>
-        </p:nvSpPr>
-        <p:spPr>
-          <a:xfrm>
-            <a:off x="2477246" y="4184586"/>
-            <a:ext cx="1383712" cy="1631216"/>
-          </a:xfrm>
-          <a:prstGeom prst="rect">
-            <a:avLst/>
-          </a:prstGeom>
-          <a:noFill/>
-        </p:spPr>
-        <p:txBody>
-          <a:bodyPr wrap="none" rtlCol="0">
-            <a:spAutoFit/>
-          </a:bodyPr>
-          <a:lstStyle/>
-          <a:p>
-            <a:r>
-              <a:rPr lang="en-US" altLang="ko-KR" sz="2000" dirty="0">
-                <a:solidFill>
-                  <a:schemeClr val="bg1"/>
-                </a:solidFill>
-                <a:latin typeface="나눔바른펜" panose="020B0503000000000000" pitchFamily="50" charset="-127"/>
-                <a:ea typeface="나눔바른펜" panose="020B0503000000000000" pitchFamily="50" charset="-127"/>
-              </a:rPr>
-              <a:t>2/4 (~ 6/11)</a:t>
-            </a:r>
-          </a:p>
-          <a:p>
-            <a:r>
-              <a:rPr lang="ko-KR" altLang="en-US" sz="2000" dirty="0" err="1">
-                <a:solidFill>
-                  <a:schemeClr val="bg1"/>
-                </a:solidFill>
-                <a:latin typeface="나눔바른펜" panose="020B0503000000000000" pitchFamily="50" charset="-127"/>
-                <a:ea typeface="나눔바른펜" panose="020B0503000000000000" pitchFamily="50" charset="-127"/>
-              </a:rPr>
-              <a:t>차일드클래스</a:t>
-            </a:r>
-            <a:endParaRPr lang="en-US" altLang="ko-KR" sz="2000" dirty="0">
-              <a:solidFill>
-                <a:schemeClr val="bg1"/>
-              </a:solidFill>
-              <a:latin typeface="나눔바른펜" panose="020B0503000000000000" pitchFamily="50" charset="-127"/>
-              <a:ea typeface="나눔바른펜" panose="020B0503000000000000" pitchFamily="50" charset="-127"/>
-            </a:endParaRPr>
-          </a:p>
-          <a:p>
-            <a:r>
-              <a:rPr lang="ko-KR" altLang="en-US" sz="2000" dirty="0">
-                <a:solidFill>
-                  <a:schemeClr val="bg1"/>
-                </a:solidFill>
-                <a:latin typeface="나눔바른펜" panose="020B0503000000000000" pitchFamily="50" charset="-127"/>
-                <a:ea typeface="나눔바른펜" panose="020B0503000000000000" pitchFamily="50" charset="-127"/>
-              </a:rPr>
-              <a:t>사운드클래스</a:t>
-            </a:r>
-            <a:endParaRPr lang="en-US" altLang="ko-KR" sz="2000" dirty="0">
-              <a:solidFill>
-                <a:schemeClr val="bg1"/>
-              </a:solidFill>
-              <a:latin typeface="나눔바른펜" panose="020B0503000000000000" pitchFamily="50" charset="-127"/>
-              <a:ea typeface="나눔바른펜" panose="020B0503000000000000" pitchFamily="50" charset="-127"/>
-            </a:endParaRPr>
-          </a:p>
-          <a:p>
-            <a:r>
-              <a:rPr lang="ko-KR" altLang="en-US" sz="2000" dirty="0">
-                <a:solidFill>
-                  <a:schemeClr val="bg1"/>
-                </a:solidFill>
-                <a:latin typeface="나눔바른펜" panose="020B0503000000000000" pitchFamily="50" charset="-127"/>
-                <a:ea typeface="나눔바른펜" panose="020B0503000000000000" pitchFamily="50" charset="-127"/>
-              </a:rPr>
-              <a:t>리소스제작</a:t>
-            </a:r>
-            <a:endParaRPr lang="en-US" altLang="ko-KR" sz="2000" dirty="0">
-              <a:solidFill>
-                <a:schemeClr val="bg1"/>
-              </a:solidFill>
-              <a:latin typeface="나눔바른펜" panose="020B0503000000000000" pitchFamily="50" charset="-127"/>
-              <a:ea typeface="나눔바른펜" panose="020B0503000000000000" pitchFamily="50" charset="-127"/>
-            </a:endParaRPr>
-          </a:p>
-          <a:p>
-            <a:r>
-              <a:rPr lang="ko-KR" altLang="en-US" sz="2000" dirty="0" err="1">
-                <a:solidFill>
-                  <a:schemeClr val="bg1"/>
-                </a:solidFill>
-                <a:latin typeface="나눔바른펜" panose="020B0503000000000000" pitchFamily="50" charset="-127"/>
-                <a:ea typeface="나눔바른펜" panose="020B0503000000000000" pitchFamily="50" charset="-127"/>
-              </a:rPr>
-              <a:t>게임콘텐츠</a:t>
-            </a:r>
-            <a:r>
-              <a:rPr lang="en-US" altLang="ko-KR" sz="2000" dirty="0">
-                <a:solidFill>
-                  <a:schemeClr val="bg1"/>
-                </a:solidFill>
-                <a:latin typeface="나눔바른펜" panose="020B0503000000000000" pitchFamily="50" charset="-127"/>
-                <a:ea typeface="나눔바른펜" panose="020B0503000000000000" pitchFamily="50" charset="-127"/>
-              </a:rPr>
-              <a:t>1</a:t>
-            </a:r>
-            <a:endParaRPr lang="ko-KR" altLang="en-US" sz="2000" dirty="0">
-              <a:solidFill>
-                <a:schemeClr val="bg1"/>
-              </a:solidFill>
-              <a:latin typeface="나눔바른펜" panose="020B0503000000000000" pitchFamily="50" charset="-127"/>
-              <a:ea typeface="나눔바른펜" panose="020B0503000000000000" pitchFamily="50" charset="-127"/>
-            </a:endParaRPr>
-          </a:p>
-        </p:txBody>
-      </p:sp>
-      <p:sp>
-        <p:nvSpPr>
-          <p:cNvPr id="38" name="TextBox 37"/>
-          <p:cNvSpPr txBox="1"/>
-          <p:nvPr/>
-        </p:nvSpPr>
-        <p:spPr>
-          <a:xfrm>
-            <a:off x="6180854" y="2971643"/>
-            <a:ext cx="2545890" cy="400110"/>
-          </a:xfrm>
-          <a:prstGeom prst="rect">
-            <a:avLst/>
-          </a:prstGeom>
-          <a:noFill/>
-        </p:spPr>
-        <p:txBody>
-          <a:bodyPr wrap="none" rtlCol="0">
-            <a:spAutoFit/>
-          </a:bodyPr>
-          <a:lstStyle/>
-          <a:p>
-            <a:r>
-              <a:rPr lang="ko-KR" altLang="en-US" sz="2000" dirty="0">
-                <a:solidFill>
-                  <a:schemeClr val="bg1"/>
-                </a:solidFill>
-                <a:latin typeface="나눔바른펜" panose="020B0503000000000000" pitchFamily="50" charset="-127"/>
-                <a:ea typeface="나눔바른펜" panose="020B0503000000000000" pitchFamily="50" charset="-127"/>
-              </a:rPr>
-              <a:t>제작기간 </a:t>
-            </a:r>
-            <a:r>
-              <a:rPr lang="en-US" altLang="ko-KR" sz="2000" dirty="0">
-                <a:solidFill>
-                  <a:schemeClr val="bg1"/>
-                </a:solidFill>
-                <a:latin typeface="나눔바른펜" panose="020B0503000000000000" pitchFamily="50" charset="-127"/>
-                <a:ea typeface="나눔바른펜" panose="020B0503000000000000" pitchFamily="50" charset="-127"/>
-              </a:rPr>
-              <a:t>: 6 / 4 ~ 6 / 20</a:t>
-            </a:r>
-            <a:endParaRPr lang="ko-KR" altLang="en-US" sz="2000" dirty="0">
-              <a:solidFill>
-                <a:schemeClr val="bg1"/>
-              </a:solidFill>
-              <a:latin typeface="나눔바른펜" panose="020B0503000000000000" pitchFamily="50" charset="-127"/>
-              <a:ea typeface="나눔바른펜" panose="020B0503000000000000" pitchFamily="50" charset="-127"/>
-            </a:endParaRPr>
-          </a:p>
-        </p:txBody>
-      </p:sp>
-      <p:sp>
-        <p:nvSpPr>
-          <p:cNvPr id="39" name="TextBox 38"/>
-          <p:cNvSpPr txBox="1"/>
-          <p:nvPr/>
-        </p:nvSpPr>
-        <p:spPr>
-          <a:xfrm>
-            <a:off x="4658638" y="1643351"/>
-            <a:ext cx="1670650" cy="1015663"/>
-          </a:xfrm>
-          <a:prstGeom prst="rect">
-            <a:avLst/>
-          </a:prstGeom>
-          <a:noFill/>
-        </p:spPr>
-        <p:txBody>
-          <a:bodyPr wrap="none" rtlCol="0">
-            <a:spAutoFit/>
-          </a:bodyPr>
-          <a:lstStyle/>
-          <a:p>
-            <a:r>
-              <a:rPr lang="en-US" altLang="ko-KR" sz="2000" dirty="0">
-                <a:solidFill>
-                  <a:schemeClr val="bg1"/>
-                </a:solidFill>
-                <a:latin typeface="나눔바른펜" panose="020B0503000000000000" pitchFamily="50" charset="-127"/>
-                <a:ea typeface="나눔바른펜" panose="020B0503000000000000" pitchFamily="50" charset="-127"/>
-              </a:rPr>
-              <a:t>3/4 (~ 6/16)</a:t>
-            </a:r>
-          </a:p>
-          <a:p>
-            <a:r>
-              <a:rPr lang="ko-KR" altLang="en-US" sz="2000" dirty="0">
-                <a:solidFill>
-                  <a:schemeClr val="bg1"/>
-                </a:solidFill>
-                <a:latin typeface="나눔바른펜" panose="020B0503000000000000" pitchFamily="50" charset="-127"/>
-                <a:ea typeface="나눔바른펜" panose="020B0503000000000000" pitchFamily="50" charset="-127"/>
-              </a:rPr>
-              <a:t>필터 및 폴더정리</a:t>
-            </a:r>
-            <a:endParaRPr lang="en-US" altLang="ko-KR" sz="2000" dirty="0">
-              <a:solidFill>
-                <a:schemeClr val="bg1"/>
-              </a:solidFill>
-              <a:latin typeface="나눔바른펜" panose="020B0503000000000000" pitchFamily="50" charset="-127"/>
-              <a:ea typeface="나눔바른펜" panose="020B0503000000000000" pitchFamily="50" charset="-127"/>
-            </a:endParaRPr>
-          </a:p>
-          <a:p>
-            <a:r>
-              <a:rPr lang="ko-KR" altLang="en-US" sz="2000" dirty="0" err="1">
-                <a:solidFill>
-                  <a:schemeClr val="bg1"/>
-                </a:solidFill>
-                <a:latin typeface="나눔바른펜" panose="020B0503000000000000" pitchFamily="50" charset="-127"/>
-                <a:ea typeface="나눔바른펜" panose="020B0503000000000000" pitchFamily="50" charset="-127"/>
-              </a:rPr>
-              <a:t>게임콘텐츠</a:t>
-            </a:r>
-            <a:r>
-              <a:rPr lang="en-US" altLang="ko-KR" sz="2000" dirty="0">
-                <a:solidFill>
-                  <a:schemeClr val="bg1"/>
-                </a:solidFill>
-                <a:latin typeface="나눔바른펜" panose="020B0503000000000000" pitchFamily="50" charset="-127"/>
-                <a:ea typeface="나눔바른펜" panose="020B0503000000000000" pitchFamily="50" charset="-127"/>
-              </a:rPr>
-              <a:t>2</a:t>
-            </a:r>
-          </a:p>
-        </p:txBody>
-      </p:sp>
-      <p:sp>
-        <p:nvSpPr>
-          <p:cNvPr id="40" name="TextBox 39"/>
-          <p:cNvSpPr txBox="1"/>
-          <p:nvPr/>
-        </p:nvSpPr>
-        <p:spPr>
-          <a:xfrm>
-            <a:off x="6351300" y="4266286"/>
-            <a:ext cx="1467068" cy="1015663"/>
-          </a:xfrm>
-          <a:prstGeom prst="rect">
-            <a:avLst/>
-          </a:prstGeom>
-          <a:noFill/>
-        </p:spPr>
-        <p:txBody>
-          <a:bodyPr wrap="none" rtlCol="0">
-            <a:spAutoFit/>
-          </a:bodyPr>
-          <a:lstStyle/>
-          <a:p>
-            <a:r>
-              <a:rPr lang="en-US" altLang="ko-KR" sz="2000" dirty="0">
-                <a:solidFill>
-                  <a:schemeClr val="bg1"/>
-                </a:solidFill>
-                <a:latin typeface="나눔바른펜" panose="020B0503000000000000" pitchFamily="50" charset="-127"/>
-                <a:ea typeface="나눔바른펜" panose="020B0503000000000000" pitchFamily="50" charset="-127"/>
-              </a:rPr>
-              <a:t>4/4 (~ 6/20)</a:t>
-            </a:r>
-          </a:p>
-          <a:p>
-            <a:r>
-              <a:rPr lang="ko-KR" altLang="en-US" sz="2000" dirty="0">
-                <a:solidFill>
-                  <a:schemeClr val="bg1"/>
-                </a:solidFill>
-                <a:latin typeface="나눔바른펜" panose="020B0503000000000000" pitchFamily="50" charset="-127"/>
-                <a:ea typeface="나눔바른펜" panose="020B0503000000000000" pitchFamily="50" charset="-127"/>
-              </a:rPr>
-              <a:t>리소스수정</a:t>
-            </a:r>
-            <a:endParaRPr lang="en-US" altLang="ko-KR" sz="2000" dirty="0">
-              <a:solidFill>
-                <a:schemeClr val="bg1"/>
-              </a:solidFill>
-              <a:latin typeface="나눔바른펜" panose="020B0503000000000000" pitchFamily="50" charset="-127"/>
-              <a:ea typeface="나눔바른펜" panose="020B0503000000000000" pitchFamily="50" charset="-127"/>
-            </a:endParaRPr>
-          </a:p>
-          <a:p>
-            <a:r>
-              <a:rPr lang="ko-KR" altLang="en-US" sz="2000" dirty="0" err="1">
-                <a:solidFill>
-                  <a:schemeClr val="bg1"/>
-                </a:solidFill>
-                <a:latin typeface="나눔바른펜" panose="020B0503000000000000" pitchFamily="50" charset="-127"/>
-                <a:ea typeface="나눔바른펜" panose="020B0503000000000000" pitchFamily="50" charset="-127"/>
-              </a:rPr>
-              <a:t>게임콘텐츠</a:t>
-            </a:r>
-            <a:r>
-              <a:rPr lang="en-US" altLang="ko-KR" sz="2000" dirty="0">
-                <a:solidFill>
-                  <a:schemeClr val="bg1"/>
-                </a:solidFill>
-                <a:latin typeface="나눔바른펜" panose="020B0503000000000000" pitchFamily="50" charset="-127"/>
-                <a:ea typeface="나눔바른펜" panose="020B0503000000000000" pitchFamily="50" charset="-127"/>
-              </a:rPr>
-              <a:t>3</a:t>
-            </a:r>
-          </a:p>
-        </p:txBody>
-      </p:sp>
-    </p:spTree>
-    <p:extLst>
-      <p:ext uri="{BB962C8B-B14F-4D97-AF65-F5344CB8AC3E}">
-        <p14:creationId xmlns:p14="http://schemas.microsoft.com/office/powerpoint/2010/main" val="3867889150"/>
-      </p:ext>
-    </p:extLst>
-  </p:cSld>
-  <p:clrMapOvr>
-    <a:masterClrMapping/>
-  </p:clrMapOvr>
-</p:sld>
-</file>
-
 <file path=ppt/slides/slide8.xml><?xml version="1.0" encoding="utf-8"?>
 <p:sld xmlns:a="http://schemas.openxmlformats.org/drawingml/2006/main" xmlns:r="http://schemas.openxmlformats.org/officeDocument/2006/relationships" xmlns:p="http://schemas.openxmlformats.org/presentationml/2006/main">
   <p:cSld>
@@ -9487,368 +8986,511 @@
       </p:grpSpPr>
       <p:sp>
         <p:nvSpPr>
-          <p:cNvPr id="3" name="내용 개체 틀 2">
+          <p:cNvPr id="9" name="TextBox 8">
             <a:extLst>
               <a:ext uri="{FF2B5EF4-FFF2-40B4-BE49-F238E27FC236}">
-                <a16:creationId xmlns:a16="http://schemas.microsoft.com/office/drawing/2014/main" id="{972CE041-03FA-4BFB-AA4E-6057DEA64598}"/>
+                <a16:creationId xmlns:a16="http://schemas.microsoft.com/office/drawing/2014/main" id="{98BA4068-8AB7-43EE-9DD1-194C3A4D3E4D}"/>
               </a:ext>
             </a:extLst>
           </p:cNvPr>
-          <p:cNvSpPr>
-            <a:spLocks noGrp="1"/>
-          </p:cNvSpPr>
-          <p:nvPr>
-            <p:ph idx="1"/>
-          </p:nvPr>
-        </p:nvSpPr>
-        <p:spPr/>
-        <p:txBody>
-          <a:bodyPr/>
-          <a:lstStyle/>
-          <a:p>
-            <a:r>
-              <a:rPr lang="ko-KR" altLang="en-US" dirty="0" err="1">
-                <a:solidFill>
-                  <a:schemeClr val="bg1"/>
-                </a:solidFill>
-              </a:rPr>
-              <a:t>차일드</a:t>
-            </a:r>
-            <a:r>
-              <a:rPr lang="ko-KR" altLang="en-US" dirty="0">
-                <a:solidFill>
-                  <a:schemeClr val="bg1"/>
-                </a:solidFill>
-              </a:rPr>
-              <a:t> 씬</a:t>
-            </a:r>
-            <a:endParaRPr lang="en-US" altLang="ko-KR" dirty="0">
+          <p:cNvSpPr txBox="1"/>
+          <p:nvPr/>
+        </p:nvSpPr>
+        <p:spPr>
+          <a:xfrm>
+            <a:off x="628650" y="708258"/>
+            <a:ext cx="3507692" cy="923330"/>
+          </a:xfrm>
+          <a:prstGeom prst="rect">
+            <a:avLst/>
+          </a:prstGeom>
+          <a:noFill/>
+        </p:spPr>
+        <p:txBody>
+          <a:bodyPr wrap="none" rtlCol="0">
+            <a:spAutoFit/>
+          </a:bodyPr>
+          <a:lstStyle/>
+          <a:p>
+            <a:r>
+              <a:rPr lang="ko-KR" altLang="en-US" sz="5400" dirty="0">
+                <a:solidFill>
+                  <a:schemeClr val="bg1"/>
+                </a:solidFill>
+                <a:latin typeface="나눔스퀘어 Light" panose="020B0600000101010101" pitchFamily="50" charset="-127"/>
+                <a:ea typeface="나눔스퀘어 Light" panose="020B0600000101010101" pitchFamily="50" charset="-127"/>
+              </a:rPr>
+              <a:t>오늘의 코딩</a:t>
+            </a:r>
+          </a:p>
+        </p:txBody>
+      </p:sp>
+      <p:sp>
+        <p:nvSpPr>
+          <p:cNvPr id="12" name="TextBox 11">
+            <a:extLst>
+              <a:ext uri="{FF2B5EF4-FFF2-40B4-BE49-F238E27FC236}">
+                <a16:creationId xmlns:a16="http://schemas.microsoft.com/office/drawing/2014/main" id="{ACC81FBE-4D9B-4CF4-8733-423A2722136A}"/>
+              </a:ext>
+            </a:extLst>
+          </p:cNvPr>
+          <p:cNvSpPr txBox="1"/>
+          <p:nvPr/>
+        </p:nvSpPr>
+        <p:spPr>
+          <a:xfrm>
+            <a:off x="628650" y="1750975"/>
+            <a:ext cx="4982774" cy="3970318"/>
+          </a:xfrm>
+          <a:prstGeom prst="rect">
+            <a:avLst/>
+          </a:prstGeom>
+          <a:noFill/>
+        </p:spPr>
+        <p:txBody>
+          <a:bodyPr wrap="none" rtlCol="0">
+            <a:spAutoFit/>
+          </a:bodyPr>
+          <a:lstStyle/>
+          <a:p>
+            <a:pPr marL="571500" indent="-571500">
+              <a:lnSpc>
+                <a:spcPct val="150000"/>
+              </a:lnSpc>
+              <a:buSzPct val="80000"/>
+              <a:buFont typeface="Wingdings" panose="05000000000000000000" pitchFamily="2" charset="2"/>
+              <a:buChar char="§"/>
+            </a:pPr>
+            <a:r>
+              <a:rPr lang="en-US" altLang="ko-KR" sz="2800" dirty="0">
+                <a:solidFill>
+                  <a:schemeClr val="bg1"/>
+                </a:solidFill>
+                <a:latin typeface="나눔스퀘어 Light" panose="020B0600000101010101" pitchFamily="50" charset="-127"/>
+                <a:ea typeface="나눔스퀘어 Light" panose="020B0600000101010101" pitchFamily="50" charset="-127"/>
+              </a:rPr>
+              <a:t>HELP, </a:t>
+            </a:r>
+            <a:r>
+              <a:rPr lang="en-US" altLang="ko-KR" sz="2800" dirty="0" err="1">
+                <a:solidFill>
+                  <a:schemeClr val="bg1"/>
+                </a:solidFill>
+                <a:latin typeface="나눔스퀘어 Light" panose="020B0600000101010101" pitchFamily="50" charset="-127"/>
+                <a:ea typeface="나눔스퀘어 Light" panose="020B0600000101010101" pitchFamily="50" charset="-127"/>
+              </a:rPr>
+              <a:t>Resorce</a:t>
+            </a:r>
+            <a:endParaRPr lang="en-US" altLang="ko-KR" sz="2800" dirty="0">
               <a:solidFill>
                 <a:schemeClr val="bg1"/>
               </a:solidFill>
+              <a:latin typeface="나눔스퀘어 Light" panose="020B0600000101010101" pitchFamily="50" charset="-127"/>
+              <a:ea typeface="나눔스퀘어 Light" panose="020B0600000101010101" pitchFamily="50" charset="-127"/>
             </a:endParaRPr>
           </a:p>
           <a:p>
-            <a:r>
-              <a:rPr lang="en-US" altLang="ko-KR" dirty="0">
-                <a:solidFill>
-                  <a:schemeClr val="bg1"/>
-                </a:solidFill>
-              </a:rPr>
-              <a:t>Alpha </a:t>
-            </a:r>
-            <a:r>
-              <a:rPr lang="en-US" altLang="ko-KR" dirty="0" err="1">
-                <a:solidFill>
-                  <a:schemeClr val="bg1"/>
-                </a:solidFill>
-              </a:rPr>
-              <a:t>img</a:t>
-            </a:r>
-            <a:r>
-              <a:rPr lang="ko-KR" altLang="en-US" dirty="0">
-                <a:solidFill>
-                  <a:schemeClr val="bg1"/>
-                </a:solidFill>
-              </a:rPr>
-              <a:t> </a:t>
-            </a:r>
-            <a:r>
-              <a:rPr lang="en-US" altLang="ko-KR" dirty="0">
-                <a:solidFill>
-                  <a:schemeClr val="bg1"/>
-                </a:solidFill>
-              </a:rPr>
-              <a:t>rotate draw </a:t>
-            </a:r>
-          </a:p>
-          <a:p>
-            <a:r>
-              <a:rPr lang="ko-KR" altLang="en-US" dirty="0">
-                <a:solidFill>
-                  <a:schemeClr val="bg1"/>
-                </a:solidFill>
-              </a:rPr>
-              <a:t>모든 일의 원흉</a:t>
-            </a:r>
-            <a:r>
-              <a:rPr lang="en-US" altLang="ko-KR" dirty="0">
-                <a:solidFill>
-                  <a:schemeClr val="bg1"/>
-                </a:solidFill>
-              </a:rPr>
-              <a:t>- </a:t>
-            </a:r>
-            <a:r>
-              <a:rPr lang="ko-KR" altLang="en-US" dirty="0" err="1">
-                <a:solidFill>
-                  <a:schemeClr val="bg1"/>
-                </a:solidFill>
-              </a:rPr>
-              <a:t>느려진</a:t>
-            </a:r>
-            <a:r>
-              <a:rPr lang="ko-KR" altLang="en-US" dirty="0">
-                <a:solidFill>
-                  <a:schemeClr val="bg1"/>
-                </a:solidFill>
-              </a:rPr>
-              <a:t> 프로젝트</a:t>
-            </a:r>
-          </a:p>
-        </p:txBody>
-      </p:sp>
-      <p:sp>
-        <p:nvSpPr>
-          <p:cNvPr id="4" name="직사각형 3">
-            <a:extLst>
-              <a:ext uri="{FF2B5EF4-FFF2-40B4-BE49-F238E27FC236}">
-                <a16:creationId xmlns:a16="http://schemas.microsoft.com/office/drawing/2014/main" id="{88D854C0-A088-4C53-A201-2EAED2CC311D}"/>
-              </a:ext>
-            </a:extLst>
-          </p:cNvPr>
-          <p:cNvSpPr/>
-          <p:nvPr/>
-        </p:nvSpPr>
-        <p:spPr>
+            <a:pPr marL="571500" indent="-571500">
+              <a:lnSpc>
+                <a:spcPct val="150000"/>
+              </a:lnSpc>
+              <a:buSzPct val="80000"/>
+              <a:buFont typeface="Wingdings" panose="05000000000000000000" pitchFamily="2" charset="2"/>
+              <a:buChar char="§"/>
+            </a:pPr>
+            <a:r>
+              <a:rPr lang="ko-KR" altLang="en-US" sz="2800" dirty="0">
+                <a:solidFill>
+                  <a:schemeClr val="bg1"/>
+                </a:solidFill>
+                <a:latin typeface="나눔스퀘어 Light" panose="020B0600000101010101" pitchFamily="50" charset="-127"/>
+                <a:ea typeface="나눔스퀘어 Light" panose="020B0600000101010101" pitchFamily="50" charset="-127"/>
+              </a:rPr>
+              <a:t>쓰레기 값의 </a:t>
+            </a:r>
+            <a:r>
+              <a:rPr lang="en-US" altLang="ko-KR" sz="2800" dirty="0">
+                <a:solidFill>
+                  <a:schemeClr val="bg1"/>
+                </a:solidFill>
+                <a:latin typeface="나눔스퀘어 Light" panose="020B0600000101010101" pitchFamily="50" charset="-127"/>
+                <a:ea typeface="나눔스퀘어 Light" panose="020B0600000101010101" pitchFamily="50" charset="-127"/>
+              </a:rPr>
+              <a:t>bool</a:t>
+            </a:r>
+          </a:p>
+          <a:p>
+            <a:pPr marL="571500" indent="-571500">
+              <a:lnSpc>
+                <a:spcPct val="150000"/>
+              </a:lnSpc>
+              <a:buSzPct val="80000"/>
+              <a:buFont typeface="Wingdings" panose="05000000000000000000" pitchFamily="2" charset="2"/>
+              <a:buChar char="§"/>
+            </a:pPr>
+            <a:r>
+              <a:rPr lang="en-US" altLang="ko-KR" sz="2800" dirty="0">
+                <a:solidFill>
+                  <a:schemeClr val="bg1"/>
+                </a:solidFill>
+                <a:latin typeface="나눔스퀘어 Light" panose="020B0600000101010101" pitchFamily="50" charset="-127"/>
+                <a:ea typeface="나눔스퀘어 Light" panose="020B0600000101010101" pitchFamily="50" charset="-127"/>
+              </a:rPr>
+              <a:t>Update()-&gt;</a:t>
+            </a:r>
+            <a:r>
+              <a:rPr lang="en-US" altLang="ko-KR" sz="2800" dirty="0" err="1">
+                <a:solidFill>
+                  <a:schemeClr val="bg1"/>
+                </a:solidFill>
+                <a:latin typeface="나눔스퀘어 Light" panose="020B0600000101010101" pitchFamily="50" charset="-127"/>
+                <a:ea typeface="나눔스퀘어 Light" panose="020B0600000101010101" pitchFamily="50" charset="-127"/>
+              </a:rPr>
+              <a:t>Init</a:t>
+            </a:r>
+            <a:r>
+              <a:rPr lang="en-US" altLang="ko-KR" sz="2800" dirty="0">
+                <a:solidFill>
+                  <a:schemeClr val="bg1"/>
+                </a:solidFill>
+                <a:latin typeface="나눔스퀘어 Light" panose="020B0600000101010101" pitchFamily="50" charset="-127"/>
+                <a:ea typeface="나눔스퀘어 Light" panose="020B0600000101010101" pitchFamily="50" charset="-127"/>
+              </a:rPr>
+              <a:t>()</a:t>
+            </a:r>
+          </a:p>
+          <a:p>
+            <a:pPr marL="571500" indent="-571500">
+              <a:lnSpc>
+                <a:spcPct val="150000"/>
+              </a:lnSpc>
+              <a:buSzPct val="80000"/>
+              <a:buFont typeface="Wingdings" panose="05000000000000000000" pitchFamily="2" charset="2"/>
+              <a:buChar char="§"/>
+            </a:pPr>
+            <a:r>
+              <a:rPr lang="en-US" altLang="ko-KR" sz="2800" dirty="0" err="1">
+                <a:solidFill>
+                  <a:schemeClr val="bg1"/>
+                </a:solidFill>
+                <a:latin typeface="나눔스퀘어 Light" panose="020B0600000101010101" pitchFamily="50" charset="-127"/>
+                <a:ea typeface="나눔스퀘어 Light" panose="020B0600000101010101" pitchFamily="50" charset="-127"/>
+              </a:rPr>
+              <a:t>DeleteObject</a:t>
+            </a:r>
+            <a:r>
+              <a:rPr lang="en-US" altLang="ko-KR" sz="2800" dirty="0">
+                <a:solidFill>
+                  <a:schemeClr val="bg1"/>
+                </a:solidFill>
+                <a:latin typeface="나눔스퀘어 Light" panose="020B0600000101010101" pitchFamily="50" charset="-127"/>
+                <a:ea typeface="나눔스퀘어 Light" panose="020B0600000101010101" pitchFamily="50" charset="-127"/>
+              </a:rPr>
+              <a:t>(</a:t>
+            </a:r>
+            <a:r>
+              <a:rPr lang="en-US" altLang="ko-KR" sz="2800" dirty="0" err="1">
+                <a:solidFill>
+                  <a:schemeClr val="bg1"/>
+                </a:solidFill>
+                <a:latin typeface="나눔스퀘어 Light" panose="020B0600000101010101" pitchFamily="50" charset="-127"/>
+                <a:ea typeface="나눔스퀘어 Light" panose="020B0600000101010101" pitchFamily="50" charset="-127"/>
+              </a:rPr>
+              <a:t>oldbr</a:t>
+            </a:r>
+            <a:r>
+              <a:rPr lang="en-US" altLang="ko-KR" sz="2800" dirty="0">
+                <a:solidFill>
+                  <a:schemeClr val="bg1"/>
+                </a:solidFill>
+                <a:latin typeface="나눔스퀘어 Light" panose="020B0600000101010101" pitchFamily="50" charset="-127"/>
+                <a:ea typeface="나눔스퀘어 Light" panose="020B0600000101010101" pitchFamily="50" charset="-127"/>
+              </a:rPr>
+              <a:t>)</a:t>
+            </a:r>
+          </a:p>
+          <a:p>
+            <a:pPr marL="571500" indent="-571500">
+              <a:lnSpc>
+                <a:spcPct val="150000"/>
+              </a:lnSpc>
+              <a:buSzPct val="80000"/>
+              <a:buFont typeface="Wingdings" panose="05000000000000000000" pitchFamily="2" charset="2"/>
+              <a:buChar char="§"/>
+            </a:pPr>
+            <a:r>
+              <a:rPr lang="en-US" altLang="ko-KR" sz="2800" dirty="0">
+                <a:solidFill>
+                  <a:schemeClr val="bg1"/>
+                </a:solidFill>
+                <a:latin typeface="나눔스퀘어 Light" panose="020B0600000101010101" pitchFamily="50" charset="-127"/>
+                <a:ea typeface="나눔스퀘어 Light" panose="020B0600000101010101" pitchFamily="50" charset="-127"/>
+              </a:rPr>
+              <a:t>~</a:t>
+            </a:r>
+            <a:r>
+              <a:rPr lang="en-US" altLang="ko-KR" sz="2800" dirty="0" err="1">
+                <a:solidFill>
+                  <a:schemeClr val="bg1"/>
+                </a:solidFill>
+                <a:latin typeface="나눔스퀘어 Light" panose="020B0600000101010101" pitchFamily="50" charset="-127"/>
+                <a:ea typeface="나눔스퀘어 Light" panose="020B0600000101010101" pitchFamily="50" charset="-127"/>
+              </a:rPr>
+              <a:t>CEnemy</a:t>
+            </a:r>
+            <a:r>
+              <a:rPr lang="en-US" altLang="ko-KR" sz="2800" dirty="0">
+                <a:solidFill>
+                  <a:schemeClr val="bg1"/>
+                </a:solidFill>
+                <a:latin typeface="나눔스퀘어 Light" panose="020B0600000101010101" pitchFamily="50" charset="-127"/>
+                <a:ea typeface="나눔스퀘어 Light" panose="020B0600000101010101" pitchFamily="50" charset="-127"/>
+              </a:rPr>
+              <a:t>(){ delete </a:t>
+            </a:r>
+            <a:r>
+              <a:rPr lang="en-US" altLang="ko-KR" sz="2800" dirty="0" err="1">
+                <a:solidFill>
+                  <a:schemeClr val="bg1"/>
+                </a:solidFill>
+                <a:latin typeface="나눔스퀘어 Light" panose="020B0600000101010101" pitchFamily="50" charset="-127"/>
+                <a:ea typeface="나눔스퀘어 Light" panose="020B0600000101010101" pitchFamily="50" charset="-127"/>
+              </a:rPr>
+              <a:t>m_ptr</a:t>
+            </a:r>
+            <a:r>
+              <a:rPr lang="en-US" altLang="ko-KR" sz="2800" dirty="0">
+                <a:solidFill>
+                  <a:schemeClr val="bg1"/>
+                </a:solidFill>
+                <a:latin typeface="나눔스퀘어 Light" panose="020B0600000101010101" pitchFamily="50" charset="-127"/>
+                <a:ea typeface="나눔스퀘어 Light" panose="020B0600000101010101" pitchFamily="50" charset="-127"/>
+              </a:rPr>
+              <a:t>;}</a:t>
+            </a:r>
+          </a:p>
+          <a:p>
+            <a:pPr>
+              <a:lnSpc>
+                <a:spcPct val="150000"/>
+              </a:lnSpc>
+              <a:buSzPct val="80000"/>
+            </a:pPr>
+            <a:r>
+              <a:rPr lang="en-US" altLang="ko-KR" sz="2800" dirty="0">
+                <a:solidFill>
+                  <a:schemeClr val="bg1"/>
+                </a:solidFill>
+                <a:latin typeface="나눔스퀘어 Light" panose="020B0600000101010101" pitchFamily="50" charset="-127"/>
+                <a:ea typeface="나눔스퀘어 Light" panose="020B0600000101010101" pitchFamily="50" charset="-127"/>
+              </a:rPr>
+              <a:t>	  </a:t>
+            </a:r>
+            <a:r>
+              <a:rPr lang="ko-KR" altLang="en-US" sz="2800" dirty="0">
+                <a:solidFill>
+                  <a:schemeClr val="bg1"/>
+                </a:solidFill>
+                <a:latin typeface="나눔스퀘어 Light" panose="020B0600000101010101" pitchFamily="50" charset="-127"/>
+                <a:ea typeface="나눔스퀘어 Light" panose="020B0600000101010101" pitchFamily="50" charset="-127"/>
+              </a:rPr>
+              <a:t>와중에 복사생성하기</a:t>
+            </a:r>
+          </a:p>
+        </p:txBody>
+      </p:sp>
+    </p:spTree>
+    <p:extLst>
+      <p:ext uri="{BB962C8B-B14F-4D97-AF65-F5344CB8AC3E}">
+        <p14:creationId xmlns:p14="http://schemas.microsoft.com/office/powerpoint/2010/main" val="1458136404"/>
+      </p:ext>
+    </p:extLst>
+  </p:cSld>
+  <p:clrMapOvr>
+    <a:overrideClrMapping bg1="lt1" tx1="dk1" bg2="lt2" tx2="dk2" accent1="accent1" accent2="accent2" accent3="accent3" accent4="accent4" accent5="accent5" accent6="accent6" hlink="hlink" folHlink="folHlink"/>
+  </p:clrMapOvr>
+</p:sld>
+</file>
+
+<file path=ppt/slides/slide9.xml><?xml version="1.0" encoding="utf-8"?>
+<p:sld xmlns:a="http://schemas.openxmlformats.org/drawingml/2006/main" xmlns:r="http://schemas.openxmlformats.org/officeDocument/2006/relationships" xmlns:p="http://schemas.openxmlformats.org/presentationml/2006/main">
+  <p:cSld>
+    <p:spTree>
+      <p:nvGrpSpPr>
+        <p:cNvPr id="1" name=""/>
+        <p:cNvGrpSpPr/>
+        <p:nvPr/>
+      </p:nvGrpSpPr>
+      <p:grpSpPr>
+        <a:xfrm>
+          <a:off x="0" y="0"/>
+          <a:ext cx="0" cy="0"/>
+          <a:chOff x="0" y="0"/>
+          <a:chExt cx="0" cy="0"/>
+        </a:xfrm>
+      </p:grpSpPr>
+      <p:sp>
+        <p:nvSpPr>
+          <p:cNvPr id="29" name="Rectangle 23"/>
+          <p:cNvSpPr>
+            <a:spLocks noGrp="1" noRot="1" noChangeAspect="1" noMove="1" noResize="1" noEditPoints="1" noAdjustHandles="1" noChangeArrowheads="1" noChangeShapeType="1" noTextEdit="1"/>
+          </p:cNvSpPr>
+          <p:nvPr>
+            <p:extLst>
+              <p:ext uri="{386F3935-93C4-4BCD-93E2-E3B085C9AB24}">
+                <p16:designElem xmlns:p16="http://schemas.microsoft.com/office/powerpoint/2015/main" val="1"/>
+              </p:ext>
+            </p:extLst>
+          </p:nvPr>
+        </p:nvSpPr>
+        <p:spPr bwMode="white">
           <a:xfrm>
-            <a:off x="8558072" y="705348"/>
-            <a:ext cx="585927" cy="464575"/>
+            <a:off x="0" y="0"/>
+            <a:ext cx="9144000" cy="6858000"/>
           </a:xfrm>
           <a:prstGeom prst="rect">
             <a:avLst/>
           </a:prstGeom>
           <a:solidFill>
-            <a:srgbClr val="F02802"/>
+            <a:schemeClr val="bg1"/>
           </a:solidFill>
           <a:ln>
             <a:noFill/>
           </a:ln>
+          <a:effectLst/>
         </p:spPr>
-        <p:style>
-          <a:lnRef idx="2">
-            <a:schemeClr val="accent1">
-              <a:shade val="50000"/>
-            </a:schemeClr>
-          </a:lnRef>
-          <a:fillRef idx="1">
-            <a:schemeClr val="accent1"/>
-          </a:fillRef>
-          <a:effectRef idx="0">
-            <a:schemeClr val="accent1"/>
-          </a:effectRef>
-          <a:fontRef idx="minor">
-            <a:schemeClr val="lt1"/>
-          </a:fontRef>
-        </p:style>
-        <p:txBody>
-          <a:bodyPr rot="0" spcFirstLastPara="0" vertOverflow="overflow" horzOverflow="overflow" vert="horz" wrap="square" lIns="68580" tIns="34290" rIns="68580" bIns="34290" numCol="1" spcCol="0" rtlCol="0" fromWordArt="0" anchor="ctr" anchorCtr="0" forceAA="0" compatLnSpc="1">
-            <a:prstTxWarp prst="textNoShape">
-              <a:avLst/>
-            </a:prstTxWarp>
-            <a:noAutofit/>
-          </a:bodyPr>
-          <a:lstStyle/>
-          <a:p>
-            <a:pPr algn="ctr"/>
-            <a:endParaRPr lang="ko-KR" altLang="en-US" sz="1350"/>
-          </a:p>
-        </p:txBody>
-      </p:sp>
-      <p:sp>
-        <p:nvSpPr>
-          <p:cNvPr id="5" name="직사각형 4">
+      </p:sp>
+      <p:pic>
+        <p:nvPicPr>
+          <p:cNvPr id="11" name="그림 10" descr="스크린샷이(가) 표시된 사진&#10;&#10;매우 높은 신뢰도로 생성된 설명">
             <a:extLst>
               <a:ext uri="{FF2B5EF4-FFF2-40B4-BE49-F238E27FC236}">
-                <a16:creationId xmlns:a16="http://schemas.microsoft.com/office/drawing/2014/main" id="{D79F1DD2-F00C-4D6C-AFAB-08BC2B78C93F}"/>
+                <a16:creationId xmlns:a16="http://schemas.microsoft.com/office/drawing/2014/main" id="{E895A9BB-F6AA-4BFD-90C8-C84D64D1B5AF}"/>
               </a:ext>
             </a:extLst>
           </p:cNvPr>
-          <p:cNvSpPr/>
+          <p:cNvPicPr>
+            <a:picLocks noChangeAspect="1"/>
+          </p:cNvPicPr>
           <p:nvPr/>
-        </p:nvSpPr>
+        </p:nvPicPr>
+        <p:blipFill rotWithShape="1">
+          <a:blip r:embed="rId2"/>
+          <a:srcRect l="11013" t="931" r="21887" b="2"/>
+          <a:stretch/>
+        </p:blipFill>
         <p:spPr>
           <a:xfrm>
-            <a:off x="8558074" y="1169923"/>
-            <a:ext cx="585926" cy="464575"/>
+            <a:off x="3614166" y="11"/>
+            <a:ext cx="5529834" cy="6857989"/>
           </a:xfrm>
           <a:prstGeom prst="rect">
             <a:avLst/>
           </a:prstGeom>
-          <a:solidFill>
-            <a:srgbClr val="FFC000"/>
-          </a:solidFill>
-          <a:ln>
-            <a:noFill/>
-          </a:ln>
         </p:spPr>
-        <p:style>
-          <a:lnRef idx="2">
-            <a:schemeClr val="accent1">
-              <a:shade val="50000"/>
-            </a:schemeClr>
-          </a:lnRef>
-          <a:fillRef idx="1">
-            <a:schemeClr val="accent1"/>
-          </a:fillRef>
-          <a:effectRef idx="0">
-            <a:schemeClr val="accent1"/>
-          </a:effectRef>
-          <a:fontRef idx="minor">
-            <a:schemeClr val="lt1"/>
-          </a:fontRef>
-        </p:style>
-        <p:txBody>
-          <a:bodyPr rot="0" spcFirstLastPara="0" vertOverflow="overflow" horzOverflow="overflow" vert="horz" wrap="square" lIns="68580" tIns="34290" rIns="68580" bIns="34290" numCol="1" spcCol="0" rtlCol="0" fromWordArt="0" anchor="ctr" anchorCtr="0" forceAA="0" compatLnSpc="1">
-            <a:prstTxWarp prst="textNoShape">
-              <a:avLst/>
-            </a:prstTxWarp>
-            <a:noAutofit/>
-          </a:bodyPr>
-          <a:lstStyle/>
-          <a:p>
-            <a:pPr algn="ctr"/>
-            <a:endParaRPr lang="ko-KR" altLang="en-US" sz="1350"/>
-          </a:p>
-        </p:txBody>
-      </p:sp>
-      <p:sp>
-        <p:nvSpPr>
-          <p:cNvPr id="6" name="직사각형 5">
-            <a:extLst>
-              <a:ext uri="{FF2B5EF4-FFF2-40B4-BE49-F238E27FC236}">
-                <a16:creationId xmlns:a16="http://schemas.microsoft.com/office/drawing/2014/main" id="{21AE5ACF-1C54-4BD0-B099-D290D4268E11}"/>
-              </a:ext>
-            </a:extLst>
-          </p:cNvPr>
-          <p:cNvSpPr/>
-          <p:nvPr/>
+      </p:pic>
+      <p:sp>
+        <p:nvSpPr>
+          <p:cNvPr id="30" name="Freeform 8"/>
+          <p:cNvSpPr>
+            <a:spLocks noGrp="1" noRot="1" noChangeAspect="1" noMove="1" noResize="1" noEditPoints="1" noAdjustHandles="1" noChangeArrowheads="1" noChangeShapeType="1" noTextEdit="1"/>
+          </p:cNvSpPr>
+          <p:nvPr>
+            <p:extLst>
+              <p:ext uri="{386F3935-93C4-4BCD-93E2-E3B085C9AB24}">
+                <p16:designElem xmlns:p16="http://schemas.microsoft.com/office/powerpoint/2015/main" val="1"/>
+              </p:ext>
+            </p:extLst>
+          </p:nvPr>
         </p:nvSpPr>
         <p:spPr>
           <a:xfrm>
-            <a:off x="8558074" y="1634498"/>
-            <a:ext cx="585926" cy="464575"/>
+            <a:off x="-638" y="0"/>
+            <a:ext cx="7101526" cy="6857999"/>
           </a:xfrm>
-          <a:prstGeom prst="rect">
+          <a:custGeom>
             <a:avLst/>
-          </a:prstGeom>
+            <a:gdLst>
+              <a:gd name="connsiteX0" fmla="*/ 0 w 8078051"/>
+              <a:gd name="connsiteY0" fmla="*/ 0 h 5829300"/>
+              <a:gd name="connsiteX1" fmla="*/ 4453793 w 8078051"/>
+              <a:gd name="connsiteY1" fmla="*/ 0 h 5829300"/>
+              <a:gd name="connsiteX2" fmla="*/ 5363426 w 8078051"/>
+              <a:gd name="connsiteY2" fmla="*/ 0 h 5829300"/>
+              <a:gd name="connsiteX3" fmla="*/ 5368184 w 8078051"/>
+              <a:gd name="connsiteY3" fmla="*/ 0 h 5829300"/>
+              <a:gd name="connsiteX4" fmla="*/ 8078051 w 8078051"/>
+              <a:gd name="connsiteY4" fmla="*/ 5829300 h 5829300"/>
+              <a:gd name="connsiteX5" fmla="*/ 1743926 w 8078051"/>
+              <a:gd name="connsiteY5" fmla="*/ 5829300 h 5829300"/>
+              <a:gd name="connsiteX6" fmla="*/ 1744148 w 8078051"/>
+              <a:gd name="connsiteY6" fmla="*/ 5828822 h 5829300"/>
+              <a:gd name="connsiteX7" fmla="*/ 0 w 8078051"/>
+              <a:gd name="connsiteY7" fmla="*/ 5828822 h 5829300"/>
+            </a:gdLst>
+            <a:ahLst/>
+            <a:cxnLst>
+              <a:cxn ang="0">
+                <a:pos x="connsiteX0" y="connsiteY0"/>
+              </a:cxn>
+              <a:cxn ang="0">
+                <a:pos x="connsiteX1" y="connsiteY1"/>
+              </a:cxn>
+              <a:cxn ang="0">
+                <a:pos x="connsiteX2" y="connsiteY2"/>
+              </a:cxn>
+              <a:cxn ang="0">
+                <a:pos x="connsiteX3" y="connsiteY3"/>
+              </a:cxn>
+              <a:cxn ang="0">
+                <a:pos x="connsiteX4" y="connsiteY4"/>
+              </a:cxn>
+              <a:cxn ang="0">
+                <a:pos x="connsiteX5" y="connsiteY5"/>
+              </a:cxn>
+              <a:cxn ang="0">
+                <a:pos x="connsiteX6" y="connsiteY6"/>
+              </a:cxn>
+              <a:cxn ang="0">
+                <a:pos x="connsiteX7" y="connsiteY7"/>
+              </a:cxn>
+            </a:cxnLst>
+            <a:rect l="l" t="t" r="r" b="b"/>
+            <a:pathLst>
+              <a:path w="8078051" h="5829300">
+                <a:moveTo>
+                  <a:pt x="0" y="0"/>
+                </a:moveTo>
+                <a:lnTo>
+                  <a:pt x="4453793" y="0"/>
+                </a:lnTo>
+                <a:lnTo>
+                  <a:pt x="5363426" y="0"/>
+                </a:lnTo>
+                <a:lnTo>
+                  <a:pt x="5368184" y="0"/>
+                </a:lnTo>
+                <a:lnTo>
+                  <a:pt x="8078051" y="5829300"/>
+                </a:lnTo>
+                <a:lnTo>
+                  <a:pt x="1743926" y="5829300"/>
+                </a:lnTo>
+                <a:lnTo>
+                  <a:pt x="1744148" y="5828822"/>
+                </a:lnTo>
+                <a:lnTo>
+                  <a:pt x="0" y="5828822"/>
+                </a:lnTo>
+                <a:close/>
+              </a:path>
+            </a:pathLst>
+          </a:custGeom>
           <a:solidFill>
-            <a:srgbClr val="00B050"/>
-          </a:solidFill>
-          <a:ln>
-            <a:noFill/>
-          </a:ln>
-        </p:spPr>
-        <p:style>
-          <a:lnRef idx="2">
-            <a:schemeClr val="accent1">
-              <a:shade val="50000"/>
-            </a:schemeClr>
-          </a:lnRef>
-          <a:fillRef idx="1">
-            <a:schemeClr val="accent1"/>
-          </a:fillRef>
-          <a:effectRef idx="0">
-            <a:schemeClr val="accent1"/>
-          </a:effectRef>
-          <a:fontRef idx="minor">
-            <a:schemeClr val="lt1"/>
-          </a:fontRef>
-        </p:style>
-        <p:txBody>
-          <a:bodyPr rot="0" spcFirstLastPara="0" vertOverflow="overflow" horzOverflow="overflow" vert="horz" wrap="square" lIns="68580" tIns="34290" rIns="68580" bIns="34290" numCol="1" spcCol="0" rtlCol="0" fromWordArt="0" anchor="ctr" anchorCtr="0" forceAA="0" compatLnSpc="1">
-            <a:prstTxWarp prst="textNoShape">
-              <a:avLst/>
-            </a:prstTxWarp>
-            <a:noAutofit/>
-          </a:bodyPr>
-          <a:lstStyle/>
-          <a:p>
-            <a:pPr algn="ctr"/>
-            <a:endParaRPr lang="ko-KR" altLang="en-US" sz="1350"/>
-          </a:p>
-        </p:txBody>
-      </p:sp>
-      <p:sp>
-        <p:nvSpPr>
-          <p:cNvPr id="7" name="직사각형 6">
-            <a:extLst>
-              <a:ext uri="{FF2B5EF4-FFF2-40B4-BE49-F238E27FC236}">
-                <a16:creationId xmlns:a16="http://schemas.microsoft.com/office/drawing/2014/main" id="{2DDD51C6-C234-477F-82D3-909C3EB63704}"/>
-              </a:ext>
-            </a:extLst>
-          </p:cNvPr>
-          <p:cNvSpPr/>
-          <p:nvPr/>
-        </p:nvSpPr>
-        <p:spPr>
-          <a:xfrm>
-            <a:off x="7683910" y="2099073"/>
-            <a:ext cx="1460090" cy="464575"/>
-          </a:xfrm>
-          <a:prstGeom prst="rect">
-            <a:avLst/>
-          </a:prstGeom>
-          <a:solidFill>
-            <a:srgbClr val="00B9F6"/>
-          </a:solidFill>
-          <a:ln>
-            <a:noFill/>
-          </a:ln>
-        </p:spPr>
-        <p:style>
-          <a:lnRef idx="2">
-            <a:schemeClr val="accent1">
-              <a:shade val="50000"/>
-            </a:schemeClr>
-          </a:lnRef>
-          <a:fillRef idx="1">
-            <a:schemeClr val="accent1"/>
-          </a:fillRef>
-          <a:effectRef idx="0">
-            <a:schemeClr val="accent1"/>
-          </a:effectRef>
-          <a:fontRef idx="minor">
-            <a:schemeClr val="lt1"/>
-          </a:fontRef>
-        </p:style>
-        <p:txBody>
-          <a:bodyPr rot="0" spcFirstLastPara="0" vertOverflow="overflow" horzOverflow="overflow" vert="horz" wrap="square" lIns="68580" tIns="34290" rIns="68580" bIns="34290" numCol="1" spcCol="0" rtlCol="0" fromWordArt="0" anchor="ctr" anchorCtr="0" forceAA="0" compatLnSpc="1">
-            <a:prstTxWarp prst="textNoShape">
-              <a:avLst/>
-            </a:prstTxWarp>
-            <a:noAutofit/>
-          </a:bodyPr>
-          <a:lstStyle/>
-          <a:p>
-            <a:pPr algn="ctr"/>
-            <a:endParaRPr lang="ko-KR" altLang="en-US"/>
-          </a:p>
-        </p:txBody>
-      </p:sp>
-      <p:sp>
-        <p:nvSpPr>
-          <p:cNvPr id="8" name="직사각형 7">
-            <a:extLst>
-              <a:ext uri="{FF2B5EF4-FFF2-40B4-BE49-F238E27FC236}">
-                <a16:creationId xmlns:a16="http://schemas.microsoft.com/office/drawing/2014/main" id="{44D9E954-10CD-4D1C-9BB9-C52BCDB20A43}"/>
-              </a:ext>
-            </a:extLst>
-          </p:cNvPr>
-          <p:cNvSpPr/>
-          <p:nvPr/>
-        </p:nvSpPr>
-        <p:spPr>
-          <a:xfrm>
-            <a:off x="8558072" y="2563648"/>
-            <a:ext cx="585927" cy="464575"/>
-          </a:xfrm>
-          <a:prstGeom prst="rect">
-            <a:avLst/>
-          </a:prstGeom>
-          <a:solidFill>
-            <a:schemeClr val="bg2">
-              <a:lumMod val="50000"/>
+            <a:schemeClr val="tx1">
+              <a:lumMod val="85000"/>
+              <a:lumOff val="15000"/>
+              <a:alpha val="70000"/>
             </a:schemeClr>
           </a:solidFill>
           <a:ln>
@@ -9872,588 +9514,115 @@
           </a:fontRef>
         </p:style>
         <p:txBody>
-          <a:bodyPr rot="0" spcFirstLastPara="0" vertOverflow="overflow" horzOverflow="overflow" vert="horz" wrap="square" lIns="68580" tIns="34290" rIns="68580" bIns="34290" numCol="1" spcCol="0" rtlCol="0" fromWordArt="0" anchor="ctr" anchorCtr="0" forceAA="0" compatLnSpc="1">
-            <a:prstTxWarp prst="textNoShape">
-              <a:avLst/>
-            </a:prstTxWarp>
-            <a:noAutofit/>
-          </a:bodyPr>
+          <a:bodyPr rtlCol="0" anchor="ctr"/>
           <a:lstStyle/>
           <a:p>
             <a:pPr algn="ctr"/>
-            <a:endParaRPr lang="ko-KR" altLang="en-US"/>
-          </a:p>
-        </p:txBody>
-      </p:sp>
-      <p:sp>
-        <p:nvSpPr>
-          <p:cNvPr id="9" name="TextBox 8">
-            <a:extLst>
-              <a:ext uri="{FF2B5EF4-FFF2-40B4-BE49-F238E27FC236}">
-                <a16:creationId xmlns:a16="http://schemas.microsoft.com/office/drawing/2014/main" id="{DA4C68B3-2F4C-4149-8004-6F33AAE7274E}"/>
-              </a:ext>
-            </a:extLst>
-          </p:cNvPr>
-          <p:cNvSpPr txBox="1"/>
-          <p:nvPr/>
+            <a:endParaRPr lang="en-US" sz="1350"/>
+          </a:p>
+        </p:txBody>
+      </p:sp>
+      <p:sp>
+        <p:nvSpPr>
+          <p:cNvPr id="28" name="Freeform 11"/>
+          <p:cNvSpPr>
+            <a:spLocks noGrp="1" noRot="1" noChangeAspect="1" noMove="1" noResize="1" noEditPoints="1" noAdjustHandles="1" noChangeArrowheads="1" noChangeShapeType="1" noTextEdit="1"/>
+          </p:cNvSpPr>
+          <p:nvPr>
+            <p:extLst>
+              <p:ext uri="{386F3935-93C4-4BCD-93E2-E3B085C9AB24}">
+                <p16:designElem xmlns:p16="http://schemas.microsoft.com/office/powerpoint/2015/main" val="1"/>
+              </p:ext>
+            </p:extLst>
+          </p:nvPr>
         </p:nvSpPr>
         <p:spPr>
           <a:xfrm>
-            <a:off x="745726" y="618835"/>
-            <a:ext cx="5570756" cy="1015663"/>
+            <a:off x="-639" y="0"/>
+            <a:ext cx="6058539" cy="6857999"/>
           </a:xfrm>
-          <a:prstGeom prst="rect">
+          <a:custGeom>
             <a:avLst/>
-          </a:prstGeom>
-          <a:noFill/>
-        </p:spPr>
-        <p:txBody>
-          <a:bodyPr wrap="none" rtlCol="0">
-            <a:spAutoFit/>
-          </a:bodyPr>
-          <a:lstStyle/>
-          <a:p>
-            <a:r>
-              <a:rPr lang="ko-KR" altLang="en-US" sz="6000" dirty="0">
-                <a:solidFill>
-                  <a:schemeClr val="bg1"/>
-                </a:solidFill>
-                <a:latin typeface="나눔바른펜" panose="020B0503000000000000" pitchFamily="50" charset="-127"/>
-                <a:ea typeface="나눔바른펜" panose="020B0503000000000000" pitchFamily="50" charset="-127"/>
-              </a:rPr>
-              <a:t>주요제작리스트</a:t>
-            </a:r>
-          </a:p>
-        </p:txBody>
-      </p:sp>
-    </p:spTree>
-    <p:extLst>
-      <p:ext uri="{BB962C8B-B14F-4D97-AF65-F5344CB8AC3E}">
-        <p14:creationId xmlns:p14="http://schemas.microsoft.com/office/powerpoint/2010/main" val="45783522"/>
-      </p:ext>
-    </p:extLst>
-  </p:cSld>
-  <p:clrMapOvr>
-    <a:overrideClrMapping bg1="lt1" tx1="dk1" bg2="lt2" tx2="dk2" accent1="accent1" accent2="accent2" accent3="accent3" accent4="accent4" accent5="accent5" accent6="accent6" hlink="hlink" folHlink="folHlink"/>
-  </p:clrMapOvr>
-</p:sld>
-</file>
-
-<file path=ppt/slides/slide9.xml><?xml version="1.0" encoding="utf-8"?>
-<p:sld xmlns:a="http://schemas.openxmlformats.org/drawingml/2006/main" xmlns:r="http://schemas.openxmlformats.org/officeDocument/2006/relationships" xmlns:p="http://schemas.openxmlformats.org/presentationml/2006/main">
-  <p:cSld>
-    <p:bg>
-      <p:bgPr>
-        <a:solidFill>
-          <a:schemeClr val="tx1">
-            <a:lumMod val="85000"/>
-            <a:lumOff val="15000"/>
-          </a:schemeClr>
-        </a:solidFill>
-        <a:effectLst/>
-      </p:bgPr>
-    </p:bg>
-    <p:spTree>
-      <p:nvGrpSpPr>
-        <p:cNvPr id="1" name=""/>
-        <p:cNvGrpSpPr/>
-        <p:nvPr/>
-      </p:nvGrpSpPr>
-      <p:grpSpPr>
-        <a:xfrm>
-          <a:off x="0" y="0"/>
-          <a:ext cx="0" cy="0"/>
-          <a:chOff x="0" y="0"/>
-          <a:chExt cx="0" cy="0"/>
-        </a:xfrm>
-      </p:grpSpPr>
-      <p:sp>
-        <p:nvSpPr>
-          <p:cNvPr id="3" name="내용 개체 틀 2">
-            <a:extLst>
-              <a:ext uri="{FF2B5EF4-FFF2-40B4-BE49-F238E27FC236}">
-                <a16:creationId xmlns:a16="http://schemas.microsoft.com/office/drawing/2014/main" id="{972CE041-03FA-4BFB-AA4E-6057DEA64598}"/>
-              </a:ext>
-            </a:extLst>
-          </p:cNvPr>
-          <p:cNvSpPr>
-            <a:spLocks noGrp="1"/>
-          </p:cNvSpPr>
-          <p:nvPr>
-            <p:ph idx="1"/>
-          </p:nvPr>
-        </p:nvSpPr>
-        <p:spPr>
-          <a:xfrm>
-            <a:off x="628650" y="1825625"/>
-            <a:ext cx="7886700" cy="4351338"/>
-          </a:xfrm>
-        </p:spPr>
-        <p:txBody>
-          <a:bodyPr/>
-          <a:lstStyle/>
-          <a:p>
-            <a:r>
-              <a:rPr lang="en-US" altLang="ko-KR" dirty="0">
-                <a:solidFill>
-                  <a:schemeClr val="bg1"/>
-                </a:solidFill>
-              </a:rPr>
-              <a:t>Scene </a:t>
-            </a:r>
-            <a:r>
-              <a:rPr lang="ko-KR" altLang="en-US" dirty="0">
-                <a:solidFill>
-                  <a:schemeClr val="bg1"/>
-                </a:solidFill>
-              </a:rPr>
-              <a:t>만으로 불가능 했던 것</a:t>
-            </a:r>
-            <a:r>
-              <a:rPr lang="en-US" altLang="ko-KR" dirty="0">
-                <a:solidFill>
-                  <a:schemeClr val="bg1"/>
-                </a:solidFill>
-              </a:rPr>
-              <a:t>: </a:t>
-            </a:r>
-          </a:p>
-          <a:p>
-            <a:pPr marL="457200" lvl="1" indent="0">
-              <a:buNone/>
-            </a:pPr>
-            <a:r>
-              <a:rPr lang="en-US" altLang="ko-KR" dirty="0">
-                <a:solidFill>
-                  <a:schemeClr val="bg1"/>
-                </a:solidFill>
-              </a:rPr>
-              <a:t>game</a:t>
-            </a:r>
-            <a:r>
-              <a:rPr lang="ko-KR" altLang="en-US" dirty="0">
-                <a:solidFill>
-                  <a:schemeClr val="bg1"/>
-                </a:solidFill>
-              </a:rPr>
-              <a:t>과 </a:t>
-            </a:r>
-            <a:r>
-              <a:rPr lang="en-US" altLang="ko-KR" dirty="0">
-                <a:solidFill>
-                  <a:schemeClr val="bg1"/>
-                </a:solidFill>
-              </a:rPr>
-              <a:t>edit</a:t>
-            </a:r>
-            <a:r>
-              <a:rPr lang="ko-KR" altLang="en-US" dirty="0" err="1">
-                <a:solidFill>
-                  <a:schemeClr val="bg1"/>
-                </a:solidFill>
-              </a:rPr>
-              <a:t>씬과의</a:t>
-            </a:r>
-            <a:r>
-              <a:rPr lang="ko-KR" altLang="en-US" dirty="0">
-                <a:solidFill>
-                  <a:schemeClr val="bg1"/>
-                </a:solidFill>
-              </a:rPr>
-              <a:t> 상호작용 불가능</a:t>
-            </a:r>
-            <a:endParaRPr lang="en-US" altLang="ko-KR" dirty="0">
-              <a:solidFill>
-                <a:schemeClr val="bg1"/>
-              </a:solidFill>
-            </a:endParaRPr>
-          </a:p>
-          <a:p>
-            <a:endParaRPr lang="en-US" altLang="ko-KR" dirty="0">
-              <a:solidFill>
-                <a:schemeClr val="bg1"/>
-              </a:solidFill>
-            </a:endParaRPr>
-          </a:p>
-          <a:p>
-            <a:r>
-              <a:rPr lang="en-US" altLang="ko-KR" dirty="0">
-                <a:solidFill>
-                  <a:schemeClr val="bg1"/>
-                </a:solidFill>
-              </a:rPr>
-              <a:t>Scene</a:t>
-            </a:r>
-            <a:r>
-              <a:rPr lang="ko-KR" altLang="en-US" dirty="0">
-                <a:solidFill>
-                  <a:schemeClr val="bg1"/>
-                </a:solidFill>
-              </a:rPr>
-              <a:t>이 </a:t>
-            </a:r>
-            <a:r>
-              <a:rPr lang="en-US" altLang="ko-KR" dirty="0" err="1">
-                <a:solidFill>
-                  <a:schemeClr val="bg1"/>
-                </a:solidFill>
-              </a:rPr>
-              <a:t>FrameWork</a:t>
-            </a:r>
-            <a:r>
-              <a:rPr lang="en-US" altLang="ko-KR" dirty="0">
-                <a:solidFill>
-                  <a:schemeClr val="bg1"/>
-                </a:solidFill>
-              </a:rPr>
-              <a:t> </a:t>
-            </a:r>
-            <a:r>
-              <a:rPr lang="ko-KR" altLang="en-US" dirty="0">
-                <a:solidFill>
-                  <a:schemeClr val="bg1"/>
-                </a:solidFill>
-              </a:rPr>
-              <a:t>에 </a:t>
-            </a:r>
-            <a:r>
-              <a:rPr lang="ko-KR" altLang="en-US" dirty="0" err="1">
-                <a:solidFill>
-                  <a:schemeClr val="bg1"/>
-                </a:solidFill>
-              </a:rPr>
-              <a:t>들려있듯이</a:t>
-            </a:r>
-            <a:r>
-              <a:rPr lang="ko-KR" altLang="en-US" dirty="0">
-                <a:solidFill>
-                  <a:schemeClr val="bg1"/>
-                </a:solidFill>
-              </a:rPr>
-              <a:t> </a:t>
-            </a:r>
-            <a:r>
-              <a:rPr lang="en-US" altLang="ko-KR" dirty="0">
-                <a:solidFill>
-                  <a:schemeClr val="bg1"/>
-                </a:solidFill>
-              </a:rPr>
-              <a:t>Scene</a:t>
-            </a:r>
-            <a:r>
-              <a:rPr lang="ko-KR" altLang="en-US" dirty="0">
-                <a:solidFill>
-                  <a:schemeClr val="bg1"/>
-                </a:solidFill>
-              </a:rPr>
-              <a:t>에 </a:t>
-            </a:r>
-            <a:r>
-              <a:rPr lang="en-US" altLang="ko-KR" dirty="0" err="1">
-                <a:solidFill>
-                  <a:schemeClr val="bg1"/>
-                </a:solidFill>
-              </a:rPr>
-              <a:t>ChildScene</a:t>
-            </a:r>
-            <a:r>
-              <a:rPr lang="ko-KR" altLang="en-US" dirty="0">
-                <a:solidFill>
-                  <a:schemeClr val="bg1"/>
-                </a:solidFill>
-              </a:rPr>
-              <a:t>을 들려주었음</a:t>
-            </a:r>
-            <a:endParaRPr lang="en-US" altLang="ko-KR" dirty="0">
-              <a:solidFill>
-                <a:schemeClr val="bg1"/>
-              </a:solidFill>
-            </a:endParaRPr>
-          </a:p>
-          <a:p>
-            <a:r>
-              <a:rPr lang="en-US" altLang="ko-KR" dirty="0" err="1">
-                <a:solidFill>
-                  <a:schemeClr val="bg1"/>
-                </a:solidFill>
-              </a:rPr>
-              <a:t>ChildGetMessge</a:t>
-            </a:r>
-            <a:r>
-              <a:rPr lang="en-US" altLang="ko-KR" dirty="0">
-                <a:solidFill>
-                  <a:schemeClr val="bg1"/>
-                </a:solidFill>
-              </a:rPr>
-              <a:t> </a:t>
-            </a:r>
-            <a:r>
-              <a:rPr lang="ko-KR" altLang="en-US" dirty="0">
-                <a:solidFill>
-                  <a:schemeClr val="bg1"/>
-                </a:solidFill>
-              </a:rPr>
-              <a:t>함수로 상호작용 처리</a:t>
-            </a:r>
-            <a:endParaRPr lang="en-US" altLang="ko-KR" dirty="0">
-              <a:solidFill>
-                <a:schemeClr val="bg1"/>
-              </a:solidFill>
-            </a:endParaRPr>
-          </a:p>
-        </p:txBody>
-      </p:sp>
-      <p:sp>
-        <p:nvSpPr>
-          <p:cNvPr id="4" name="직사각형 3">
-            <a:extLst>
-              <a:ext uri="{FF2B5EF4-FFF2-40B4-BE49-F238E27FC236}">
-                <a16:creationId xmlns:a16="http://schemas.microsoft.com/office/drawing/2014/main" id="{88D854C0-A088-4C53-A201-2EAED2CC311D}"/>
-              </a:ext>
-            </a:extLst>
-          </p:cNvPr>
-          <p:cNvSpPr/>
-          <p:nvPr/>
-        </p:nvSpPr>
-        <p:spPr>
-          <a:xfrm>
-            <a:off x="8558072" y="705348"/>
-            <a:ext cx="585927" cy="464575"/>
-          </a:xfrm>
-          <a:prstGeom prst="rect">
-            <a:avLst/>
-          </a:prstGeom>
+            <a:gdLst>
+              <a:gd name="connsiteX0" fmla="*/ 0 w 8078052"/>
+              <a:gd name="connsiteY0" fmla="*/ 0 h 6858478"/>
+              <a:gd name="connsiteX1" fmla="*/ 3829872 w 8078052"/>
+              <a:gd name="connsiteY1" fmla="*/ 0 h 6858478"/>
+              <a:gd name="connsiteX2" fmla="*/ 4896100 w 8078052"/>
+              <a:gd name="connsiteY2" fmla="*/ 0 h 6858478"/>
+              <a:gd name="connsiteX3" fmla="*/ 4901677 w 8078052"/>
+              <a:gd name="connsiteY3" fmla="*/ 0 h 6858478"/>
+              <a:gd name="connsiteX4" fmla="*/ 8078052 w 8078052"/>
+              <a:gd name="connsiteY4" fmla="*/ 6858478 h 6858478"/>
+              <a:gd name="connsiteX5" fmla="*/ 653497 w 8078052"/>
+              <a:gd name="connsiteY5" fmla="*/ 6858478 h 6858478"/>
+              <a:gd name="connsiteX6" fmla="*/ 653757 w 8078052"/>
+              <a:gd name="connsiteY6" fmla="*/ 6857916 h 6858478"/>
+              <a:gd name="connsiteX7" fmla="*/ 0 w 8078052"/>
+              <a:gd name="connsiteY7" fmla="*/ 6857916 h 6858478"/>
+            </a:gdLst>
+            <a:ahLst/>
+            <a:cxnLst>
+              <a:cxn ang="0">
+                <a:pos x="connsiteX0" y="connsiteY0"/>
+              </a:cxn>
+              <a:cxn ang="0">
+                <a:pos x="connsiteX1" y="connsiteY1"/>
+              </a:cxn>
+              <a:cxn ang="0">
+                <a:pos x="connsiteX2" y="connsiteY2"/>
+              </a:cxn>
+              <a:cxn ang="0">
+                <a:pos x="connsiteX3" y="connsiteY3"/>
+              </a:cxn>
+              <a:cxn ang="0">
+                <a:pos x="connsiteX4" y="connsiteY4"/>
+              </a:cxn>
+              <a:cxn ang="0">
+                <a:pos x="connsiteX5" y="connsiteY5"/>
+              </a:cxn>
+              <a:cxn ang="0">
+                <a:pos x="connsiteX6" y="connsiteY6"/>
+              </a:cxn>
+              <a:cxn ang="0">
+                <a:pos x="connsiteX7" y="connsiteY7"/>
+              </a:cxn>
+            </a:cxnLst>
+            <a:rect l="l" t="t" r="r" b="b"/>
+            <a:pathLst>
+              <a:path w="8078052" h="6858478">
+                <a:moveTo>
+                  <a:pt x="0" y="0"/>
+                </a:moveTo>
+                <a:lnTo>
+                  <a:pt x="3829872" y="0"/>
+                </a:lnTo>
+                <a:lnTo>
+                  <a:pt x="4896100" y="0"/>
+                </a:lnTo>
+                <a:lnTo>
+                  <a:pt x="4901677" y="0"/>
+                </a:lnTo>
+                <a:lnTo>
+                  <a:pt x="8078052" y="6858478"/>
+                </a:lnTo>
+                <a:lnTo>
+                  <a:pt x="653497" y="6858478"/>
+                </a:lnTo>
+                <a:lnTo>
+                  <a:pt x="653757" y="6857916"/>
+                </a:lnTo>
+                <a:lnTo>
+                  <a:pt x="0" y="6857916"/>
+                </a:lnTo>
+                <a:close/>
+              </a:path>
+            </a:pathLst>
+          </a:custGeom>
           <a:solidFill>
-            <a:srgbClr val="F02802"/>
-          </a:solidFill>
-          <a:ln>
-            <a:noFill/>
-          </a:ln>
-        </p:spPr>
-        <p:style>
-          <a:lnRef idx="2">
-            <a:schemeClr val="accent1">
-              <a:shade val="50000"/>
-            </a:schemeClr>
-          </a:lnRef>
-          <a:fillRef idx="1">
-            <a:schemeClr val="accent1"/>
-          </a:fillRef>
-          <a:effectRef idx="0">
-            <a:schemeClr val="accent1"/>
-          </a:effectRef>
-          <a:fontRef idx="minor">
-            <a:schemeClr val="lt1"/>
-          </a:fontRef>
-        </p:style>
-        <p:txBody>
-          <a:bodyPr rot="0" spcFirstLastPara="0" vertOverflow="overflow" horzOverflow="overflow" vert="horz" wrap="square" lIns="68580" tIns="34290" rIns="68580" bIns="34290" numCol="1" spcCol="0" rtlCol="0" fromWordArt="0" anchor="ctr" anchorCtr="0" forceAA="0" compatLnSpc="1">
-            <a:prstTxWarp prst="textNoShape">
-              <a:avLst/>
-            </a:prstTxWarp>
-            <a:noAutofit/>
-          </a:bodyPr>
-          <a:lstStyle/>
-          <a:p>
-            <a:pPr algn="ctr"/>
-            <a:endParaRPr lang="ko-KR" altLang="en-US" sz="1350"/>
-          </a:p>
-        </p:txBody>
-      </p:sp>
-      <p:sp>
-        <p:nvSpPr>
-          <p:cNvPr id="5" name="직사각형 4">
-            <a:extLst>
-              <a:ext uri="{FF2B5EF4-FFF2-40B4-BE49-F238E27FC236}">
-                <a16:creationId xmlns:a16="http://schemas.microsoft.com/office/drawing/2014/main" id="{D79F1DD2-F00C-4D6C-AFAB-08BC2B78C93F}"/>
-              </a:ext>
-            </a:extLst>
-          </p:cNvPr>
-          <p:cNvSpPr/>
-          <p:nvPr/>
-        </p:nvSpPr>
-        <p:spPr>
-          <a:xfrm>
-            <a:off x="8558074" y="1169923"/>
-            <a:ext cx="585926" cy="464575"/>
-          </a:xfrm>
-          <a:prstGeom prst="rect">
-            <a:avLst/>
-          </a:prstGeom>
-          <a:solidFill>
-            <a:srgbClr val="FFC000"/>
-          </a:solidFill>
-          <a:ln>
-            <a:noFill/>
-          </a:ln>
-        </p:spPr>
-        <p:style>
-          <a:lnRef idx="2">
-            <a:schemeClr val="accent1">
-              <a:shade val="50000"/>
-            </a:schemeClr>
-          </a:lnRef>
-          <a:fillRef idx="1">
-            <a:schemeClr val="accent1"/>
-          </a:fillRef>
-          <a:effectRef idx="0">
-            <a:schemeClr val="accent1"/>
-          </a:effectRef>
-          <a:fontRef idx="minor">
-            <a:schemeClr val="lt1"/>
-          </a:fontRef>
-        </p:style>
-        <p:txBody>
-          <a:bodyPr rot="0" spcFirstLastPara="0" vertOverflow="overflow" horzOverflow="overflow" vert="horz" wrap="square" lIns="68580" tIns="34290" rIns="68580" bIns="34290" numCol="1" spcCol="0" rtlCol="0" fromWordArt="0" anchor="ctr" anchorCtr="0" forceAA="0" compatLnSpc="1">
-            <a:prstTxWarp prst="textNoShape">
-              <a:avLst/>
-            </a:prstTxWarp>
-            <a:noAutofit/>
-          </a:bodyPr>
-          <a:lstStyle/>
-          <a:p>
-            <a:pPr algn="ctr"/>
-            <a:endParaRPr lang="ko-KR" altLang="en-US" sz="1350"/>
-          </a:p>
-        </p:txBody>
-      </p:sp>
-      <p:sp>
-        <p:nvSpPr>
-          <p:cNvPr id="6" name="직사각형 5">
-            <a:extLst>
-              <a:ext uri="{FF2B5EF4-FFF2-40B4-BE49-F238E27FC236}">
-                <a16:creationId xmlns:a16="http://schemas.microsoft.com/office/drawing/2014/main" id="{21AE5ACF-1C54-4BD0-B099-D290D4268E11}"/>
-              </a:ext>
-            </a:extLst>
-          </p:cNvPr>
-          <p:cNvSpPr/>
-          <p:nvPr/>
-        </p:nvSpPr>
-        <p:spPr>
-          <a:xfrm>
-            <a:off x="8558074" y="1634498"/>
-            <a:ext cx="585926" cy="464575"/>
-          </a:xfrm>
-          <a:prstGeom prst="rect">
-            <a:avLst/>
-          </a:prstGeom>
-          <a:solidFill>
-            <a:srgbClr val="00B050"/>
-          </a:solidFill>
-          <a:ln>
-            <a:noFill/>
-          </a:ln>
-        </p:spPr>
-        <p:style>
-          <a:lnRef idx="2">
-            <a:schemeClr val="accent1">
-              <a:shade val="50000"/>
-            </a:schemeClr>
-          </a:lnRef>
-          <a:fillRef idx="1">
-            <a:schemeClr val="accent1"/>
-          </a:fillRef>
-          <a:effectRef idx="0">
-            <a:schemeClr val="accent1"/>
-          </a:effectRef>
-          <a:fontRef idx="minor">
-            <a:schemeClr val="lt1"/>
-          </a:fontRef>
-        </p:style>
-        <p:txBody>
-          <a:bodyPr rot="0" spcFirstLastPara="0" vertOverflow="overflow" horzOverflow="overflow" vert="horz" wrap="square" lIns="68580" tIns="34290" rIns="68580" bIns="34290" numCol="1" spcCol="0" rtlCol="0" fromWordArt="0" anchor="ctr" anchorCtr="0" forceAA="0" compatLnSpc="1">
-            <a:prstTxWarp prst="textNoShape">
-              <a:avLst/>
-            </a:prstTxWarp>
-            <a:noAutofit/>
-          </a:bodyPr>
-          <a:lstStyle/>
-          <a:p>
-            <a:pPr algn="ctr"/>
-            <a:endParaRPr lang="ko-KR" altLang="en-US" sz="1350"/>
-          </a:p>
-        </p:txBody>
-      </p:sp>
-      <p:sp>
-        <p:nvSpPr>
-          <p:cNvPr id="7" name="직사각형 6">
-            <a:extLst>
-              <a:ext uri="{FF2B5EF4-FFF2-40B4-BE49-F238E27FC236}">
-                <a16:creationId xmlns:a16="http://schemas.microsoft.com/office/drawing/2014/main" id="{2DDD51C6-C234-477F-82D3-909C3EB63704}"/>
-              </a:ext>
-            </a:extLst>
-          </p:cNvPr>
-          <p:cNvSpPr/>
-          <p:nvPr/>
-        </p:nvSpPr>
-        <p:spPr>
-          <a:xfrm>
-            <a:off x="7683910" y="2099073"/>
-            <a:ext cx="1460090" cy="464575"/>
-          </a:xfrm>
-          <a:prstGeom prst="rect">
-            <a:avLst/>
-          </a:prstGeom>
-          <a:solidFill>
-            <a:srgbClr val="00B9F6"/>
-          </a:solidFill>
-          <a:ln>
-            <a:noFill/>
-          </a:ln>
-        </p:spPr>
-        <p:style>
-          <a:lnRef idx="2">
-            <a:schemeClr val="accent1">
-              <a:shade val="50000"/>
-            </a:schemeClr>
-          </a:lnRef>
-          <a:fillRef idx="1">
-            <a:schemeClr val="accent1"/>
-          </a:fillRef>
-          <a:effectRef idx="0">
-            <a:schemeClr val="accent1"/>
-          </a:effectRef>
-          <a:fontRef idx="minor">
-            <a:schemeClr val="lt1"/>
-          </a:fontRef>
-        </p:style>
-        <p:txBody>
-          <a:bodyPr rot="0" spcFirstLastPara="0" vertOverflow="overflow" horzOverflow="overflow" vert="horz" wrap="square" lIns="68580" tIns="34290" rIns="68580" bIns="34290" numCol="1" spcCol="0" rtlCol="0" fromWordArt="0" anchor="ctr" anchorCtr="0" forceAA="0" compatLnSpc="1">
-            <a:prstTxWarp prst="textNoShape">
-              <a:avLst/>
-            </a:prstTxWarp>
-            <a:noAutofit/>
-          </a:bodyPr>
-          <a:lstStyle/>
-          <a:p>
-            <a:pPr algn="ctr"/>
-            <a:endParaRPr lang="ko-KR" altLang="en-US"/>
-          </a:p>
-        </p:txBody>
-      </p:sp>
-      <p:sp>
-        <p:nvSpPr>
-          <p:cNvPr id="8" name="직사각형 7">
-            <a:extLst>
-              <a:ext uri="{FF2B5EF4-FFF2-40B4-BE49-F238E27FC236}">
-                <a16:creationId xmlns:a16="http://schemas.microsoft.com/office/drawing/2014/main" id="{44D9E954-10CD-4D1C-9BB9-C52BCDB20A43}"/>
-              </a:ext>
-            </a:extLst>
-          </p:cNvPr>
-          <p:cNvSpPr/>
-          <p:nvPr/>
-        </p:nvSpPr>
-        <p:spPr>
-          <a:xfrm>
-            <a:off x="8558072" y="2563648"/>
-            <a:ext cx="585927" cy="464575"/>
-          </a:xfrm>
-          <a:prstGeom prst="rect">
-            <a:avLst/>
-          </a:prstGeom>
-          <a:solidFill>
-            <a:schemeClr val="bg2">
-              <a:lumMod val="50000"/>
+            <a:schemeClr val="tx1">
+              <a:lumMod val="85000"/>
+              <a:lumOff val="15000"/>
             </a:schemeClr>
           </a:solidFill>
           <a:ln>
@@ -10477,80 +9646,66 @@
           </a:fontRef>
         </p:style>
         <p:txBody>
-          <a:bodyPr rot="0" spcFirstLastPara="0" vertOverflow="overflow" horzOverflow="overflow" vert="horz" wrap="square" lIns="68580" tIns="34290" rIns="68580" bIns="34290" numCol="1" spcCol="0" rtlCol="0" fromWordArt="0" anchor="ctr" anchorCtr="0" forceAA="0" compatLnSpc="1">
-            <a:prstTxWarp prst="textNoShape">
-              <a:avLst/>
-            </a:prstTxWarp>
-            <a:noAutofit/>
-          </a:bodyPr>
+          <a:bodyPr rtlCol="0" anchor="ctr"/>
           <a:lstStyle/>
           <a:p>
             <a:pPr algn="ctr"/>
-            <a:endParaRPr lang="ko-KR" altLang="en-US"/>
-          </a:p>
-        </p:txBody>
-      </p:sp>
-      <p:sp>
-        <p:nvSpPr>
-          <p:cNvPr id="9" name="TextBox 8">
-            <a:extLst>
-              <a:ext uri="{FF2B5EF4-FFF2-40B4-BE49-F238E27FC236}">
-                <a16:creationId xmlns:a16="http://schemas.microsoft.com/office/drawing/2014/main" id="{DA4C68B3-2F4C-4149-8004-6F33AAE7274E}"/>
-              </a:ext>
-            </a:extLst>
-          </p:cNvPr>
+            <a:endParaRPr lang="en-US" sz="1350"/>
+          </a:p>
+        </p:txBody>
+      </p:sp>
+      <p:sp>
+        <p:nvSpPr>
+          <p:cNvPr id="10" name="TextBox 9"/>
           <p:cNvSpPr txBox="1"/>
           <p:nvPr/>
         </p:nvSpPr>
         <p:spPr>
           <a:xfrm>
-            <a:off x="745726" y="618835"/>
-            <a:ext cx="3437159" cy="1015663"/>
+            <a:off x="603504" y="2807494"/>
+            <a:ext cx="2805521" cy="761329"/>
           </a:xfrm>
           <a:prstGeom prst="rect">
             <a:avLst/>
           </a:prstGeom>
-          <a:noFill/>
         </p:spPr>
         <p:txBody>
-          <a:bodyPr wrap="none" rtlCol="0">
-            <a:spAutoFit/>
+          <a:bodyPr vert="horz" lIns="91440" tIns="45720" rIns="91440" bIns="45720" rtlCol="0" anchor="t">
+            <a:normAutofit/>
           </a:bodyPr>
           <a:lstStyle/>
           <a:p>
-            <a:r>
-              <a:rPr lang="ko-KR" altLang="en-US" sz="6000" dirty="0" err="1">
-                <a:solidFill>
-                  <a:schemeClr val="bg1"/>
-                </a:solidFill>
-              </a:rPr>
-              <a:t>차일드</a:t>
-            </a:r>
-            <a:r>
-              <a:rPr lang="ko-KR" altLang="en-US" sz="6000" dirty="0">
-                <a:solidFill>
-                  <a:schemeClr val="bg1"/>
-                </a:solidFill>
-              </a:rPr>
-              <a:t> 씬</a:t>
-            </a:r>
-            <a:endParaRPr lang="en-US" altLang="ko-KR" sz="6000" dirty="0">
-              <a:solidFill>
-                <a:schemeClr val="bg1"/>
-              </a:solidFill>
-            </a:endParaRPr>
+            <a:pPr defTabSz="914400">
+              <a:lnSpc>
+                <a:spcPct val="90000"/>
+              </a:lnSpc>
+              <a:spcBef>
+                <a:spcPct val="0"/>
+              </a:spcBef>
+            </a:pPr>
+            <a:r>
+              <a:rPr lang="ko-KR" altLang="en-US" sz="4050" dirty="0">
+                <a:solidFill>
+                  <a:srgbClr val="FFFFFF"/>
+                </a:solidFill>
+                <a:latin typeface="나눔스퀘어 Light" panose="020B0600000101010101" pitchFamily="50" charset="-127"/>
+                <a:ea typeface="나눔스퀘어 Light" panose="020B0600000101010101" pitchFamily="50" charset="-127"/>
+                <a:cs typeface="+mj-cs"/>
+              </a:rPr>
+              <a:t>제작과정</a:t>
+            </a:r>
           </a:p>
         </p:txBody>
       </p:sp>
     </p:spTree>
     <p:extLst>
       <p:ext uri="{BB962C8B-B14F-4D97-AF65-F5344CB8AC3E}">
-        <p14:creationId xmlns:p14="http://schemas.microsoft.com/office/powerpoint/2010/main" val="1042890885"/>
+        <p14:creationId xmlns:p14="http://schemas.microsoft.com/office/powerpoint/2010/main" val="3325879335"/>
       </p:ext>
     </p:extLst>
   </p:cSld>
   <p:clrMapOvr>
-    <a:overrideClrMapping bg1="lt1" tx1="dk1" bg2="lt2" tx2="dk2" accent1="accent1" accent2="accent2" accent3="accent3" accent4="accent4" accent5="accent5" accent6="accent6" hlink="hlink" folHlink="folHlink"/>
+    <a:masterClrMapping/>
   </p:clrMapOvr>
 </p:sld>
 </file>

--- a/발표자료/API 텀프로젝트 발표자료.pptx
+++ b/발표자료/API 텀프로젝트 발표자료.pptx
@@ -14,7 +14,8 @@
     <p:sldId id="266" r:id="rId8"/>
     <p:sldId id="264" r:id="rId9"/>
     <p:sldId id="261" r:id="rId10"/>
-    <p:sldId id="262" r:id="rId11"/>
+    <p:sldId id="269" r:id="rId11"/>
+    <p:sldId id="262" r:id="rId12"/>
   </p:sldIdLst>
   <p:sldSz cx="9144000" cy="6858000" type="screen4x3"/>
   <p:notesSz cx="6858000" cy="9144000"/>
@@ -3406,6 +3407,314 @@
 <file path=ppt/slides/slide10.xml><?xml version="1.0" encoding="utf-8"?>
 <p:sld xmlns:a="http://schemas.openxmlformats.org/drawingml/2006/main" xmlns:r="http://schemas.openxmlformats.org/officeDocument/2006/relationships" xmlns:p="http://schemas.openxmlformats.org/presentationml/2006/main">
   <p:cSld>
+    <p:spTree>
+      <p:nvGrpSpPr>
+        <p:cNvPr id="1" name=""/>
+        <p:cNvGrpSpPr/>
+        <p:nvPr/>
+      </p:nvGrpSpPr>
+      <p:grpSpPr>
+        <a:xfrm>
+          <a:off x="0" y="0"/>
+          <a:ext cx="0" cy="0"/>
+          <a:chOff x="0" y="0"/>
+          <a:chExt cx="0" cy="0"/>
+        </a:xfrm>
+      </p:grpSpPr>
+      <p:pic>
+        <p:nvPicPr>
+          <p:cNvPr id="5" name="그림 4">
+            <a:extLst>
+              <a:ext uri="{FF2B5EF4-FFF2-40B4-BE49-F238E27FC236}">
+                <a16:creationId xmlns:a16="http://schemas.microsoft.com/office/drawing/2014/main" id="{CA94D878-CD7C-4D09-8FC0-A1DFB921336E}"/>
+              </a:ext>
+            </a:extLst>
+          </p:cNvPr>
+          <p:cNvPicPr>
+            <a:picLocks noChangeAspect="1"/>
+          </p:cNvPicPr>
+          <p:nvPr/>
+        </p:nvPicPr>
+        <p:blipFill>
+          <a:blip r:embed="rId2">
+            <a:extLst>
+              <a:ext uri="{28A0092B-C50C-407E-A947-70E740481C1C}">
+                <a14:useLocalDpi xmlns:a14="http://schemas.microsoft.com/office/drawing/2010/main" val="0"/>
+              </a:ext>
+            </a:extLst>
+          </a:blip>
+          <a:stretch>
+            <a:fillRect/>
+          </a:stretch>
+        </p:blipFill>
+        <p:spPr>
+          <a:xfrm>
+            <a:off x="3181850" y="516806"/>
+            <a:ext cx="2676070" cy="2676070"/>
+          </a:xfrm>
+          <a:prstGeom prst="rect">
+            <a:avLst/>
+          </a:prstGeom>
+        </p:spPr>
+      </p:pic>
+      <p:sp>
+        <p:nvSpPr>
+          <p:cNvPr id="6" name="TextBox 5">
+            <a:extLst>
+              <a:ext uri="{FF2B5EF4-FFF2-40B4-BE49-F238E27FC236}">
+                <a16:creationId xmlns:a16="http://schemas.microsoft.com/office/drawing/2014/main" id="{F899C17E-AB09-44DA-9557-E2D085210585}"/>
+              </a:ext>
+            </a:extLst>
+          </p:cNvPr>
+          <p:cNvSpPr txBox="1"/>
+          <p:nvPr/>
+        </p:nvSpPr>
+        <p:spPr>
+          <a:xfrm>
+            <a:off x="3377677" y="2731211"/>
+            <a:ext cx="2284415" cy="923330"/>
+          </a:xfrm>
+          <a:prstGeom prst="rect">
+            <a:avLst/>
+          </a:prstGeom>
+          <a:noFill/>
+        </p:spPr>
+        <p:txBody>
+          <a:bodyPr wrap="square" rtlCol="0">
+            <a:spAutoFit/>
+          </a:bodyPr>
+          <a:lstStyle/>
+          <a:p>
+            <a:r>
+              <a:rPr lang="en-US" altLang="ko-KR" sz="5400" dirty="0">
+                <a:solidFill>
+                  <a:schemeClr val="bg1"/>
+                </a:solidFill>
+                <a:latin typeface="Bauhaus 93" panose="04030905020B02020C02" pitchFamily="82" charset="0"/>
+                <a:ea typeface="Adobe Fan Heiti Std B" panose="020B0700000000000000" pitchFamily="34" charset="-128"/>
+              </a:rPr>
+              <a:t>GitHub</a:t>
+            </a:r>
+            <a:endParaRPr lang="ko-KR" altLang="en-US" sz="5400" dirty="0">
+              <a:solidFill>
+                <a:schemeClr val="bg1"/>
+              </a:solidFill>
+              <a:latin typeface="Bauhaus 93" panose="04030905020B02020C02" pitchFamily="82" charset="0"/>
+            </a:endParaRPr>
+          </a:p>
+        </p:txBody>
+      </p:sp>
+      <p:pic>
+        <p:nvPicPr>
+          <p:cNvPr id="20" name="그림 19" descr="물건이(가) 표시된 사진&#10;&#10;매우 높은 신뢰도로 생성된 설명">
+            <a:extLst>
+              <a:ext uri="{FF2B5EF4-FFF2-40B4-BE49-F238E27FC236}">
+                <a16:creationId xmlns:a16="http://schemas.microsoft.com/office/drawing/2014/main" id="{37240033-BCAE-4C1B-B30A-1A82FE8E45CE}"/>
+              </a:ext>
+            </a:extLst>
+          </p:cNvPr>
+          <p:cNvPicPr>
+            <a:picLocks noChangeAspect="1"/>
+          </p:cNvPicPr>
+          <p:nvPr/>
+        </p:nvPicPr>
+        <p:blipFill rotWithShape="1">
+          <a:blip r:embed="rId3">
+            <a:extLst>
+              <a:ext uri="{28A0092B-C50C-407E-A947-70E740481C1C}">
+                <a14:useLocalDpi xmlns:a14="http://schemas.microsoft.com/office/drawing/2010/main" val="0"/>
+              </a:ext>
+            </a:extLst>
+          </a:blip>
+          <a:srcRect l="11456" t="-8817" r="57278" b="1"/>
+          <a:stretch/>
+        </p:blipFill>
+        <p:spPr>
+          <a:xfrm>
+            <a:off x="0" y="4264281"/>
+            <a:ext cx="2627287" cy="2286000"/>
+          </a:xfrm>
+          <a:prstGeom prst="rect">
+            <a:avLst/>
+          </a:prstGeom>
+        </p:spPr>
+      </p:pic>
+      <p:pic>
+        <p:nvPicPr>
+          <p:cNvPr id="22" name="그림 21" descr="물건이(가) 표시된 사진&#10;&#10;매우 높은 신뢰도로 생성된 설명">
+            <a:extLst>
+              <a:ext uri="{FF2B5EF4-FFF2-40B4-BE49-F238E27FC236}">
+                <a16:creationId xmlns:a16="http://schemas.microsoft.com/office/drawing/2014/main" id="{0B13E3E9-CFD5-40C9-A002-99D0ED65DA8C}"/>
+              </a:ext>
+            </a:extLst>
+          </p:cNvPr>
+          <p:cNvPicPr>
+            <a:picLocks noChangeAspect="1"/>
+          </p:cNvPicPr>
+          <p:nvPr/>
+        </p:nvPicPr>
+        <p:blipFill rotWithShape="1">
+          <a:blip r:embed="rId3">
+            <a:extLst>
+              <a:ext uri="{28A0092B-C50C-407E-A947-70E740481C1C}">
+                <a14:useLocalDpi xmlns:a14="http://schemas.microsoft.com/office/drawing/2010/main" val="0"/>
+              </a:ext>
+            </a:extLst>
+          </a:blip>
+          <a:srcRect l="60380" r="12911"/>
+          <a:stretch/>
+        </p:blipFill>
+        <p:spPr>
+          <a:xfrm>
+            <a:off x="6701737" y="4264281"/>
+            <a:ext cx="2442259" cy="2286000"/>
+          </a:xfrm>
+          <a:prstGeom prst="rect">
+            <a:avLst/>
+          </a:prstGeom>
+        </p:spPr>
+      </p:pic>
+      <p:cxnSp>
+        <p:nvCxnSpPr>
+          <p:cNvPr id="26" name="연결선: 구부러짐 25">
+            <a:extLst>
+              <a:ext uri="{FF2B5EF4-FFF2-40B4-BE49-F238E27FC236}">
+                <a16:creationId xmlns:a16="http://schemas.microsoft.com/office/drawing/2014/main" id="{84872880-9D64-4E57-8864-82B659DB4FB9}"/>
+              </a:ext>
+            </a:extLst>
+          </p:cNvPr>
+          <p:cNvCxnSpPr>
+            <a:cxnSpLocks/>
+            <a:stCxn id="20" idx="0"/>
+            <a:endCxn id="5" idx="1"/>
+          </p:cNvCxnSpPr>
+          <p:nvPr/>
+        </p:nvCxnSpPr>
+        <p:spPr>
+          <a:xfrm rot="5400000" flipH="1" flipV="1">
+            <a:off x="1043027" y="2125458"/>
+            <a:ext cx="2409440" cy="1868206"/>
+          </a:xfrm>
+          <a:prstGeom prst="curvedConnector2">
+            <a:avLst/>
+          </a:prstGeom>
+          <a:ln w="57150">
+            <a:solidFill>
+              <a:schemeClr val="bg1"/>
+            </a:solidFill>
+            <a:headEnd type="arrow" w="med" len="med"/>
+            <a:tailEnd type="arrow" w="med" len="med"/>
+          </a:ln>
+        </p:spPr>
+        <p:style>
+          <a:lnRef idx="1">
+            <a:schemeClr val="accent1"/>
+          </a:lnRef>
+          <a:fillRef idx="0">
+            <a:schemeClr val="accent1"/>
+          </a:fillRef>
+          <a:effectRef idx="0">
+            <a:schemeClr val="accent1"/>
+          </a:effectRef>
+          <a:fontRef idx="minor">
+            <a:schemeClr val="tx1"/>
+          </a:fontRef>
+        </p:style>
+      </p:cxnSp>
+      <p:cxnSp>
+        <p:nvCxnSpPr>
+          <p:cNvPr id="1024" name="연결선: 구부러짐 1023">
+            <a:extLst>
+              <a:ext uri="{FF2B5EF4-FFF2-40B4-BE49-F238E27FC236}">
+                <a16:creationId xmlns:a16="http://schemas.microsoft.com/office/drawing/2014/main" id="{3D4B7DC7-FD5C-453F-B90D-0FC664C9A7B9}"/>
+              </a:ext>
+            </a:extLst>
+          </p:cNvPr>
+          <p:cNvCxnSpPr>
+            <a:stCxn id="5" idx="3"/>
+            <a:endCxn id="22" idx="0"/>
+          </p:cNvCxnSpPr>
+          <p:nvPr/>
+        </p:nvCxnSpPr>
+        <p:spPr>
+          <a:xfrm>
+            <a:off x="5857920" y="1854841"/>
+            <a:ext cx="2064947" cy="2409440"/>
+          </a:xfrm>
+          <a:prstGeom prst="curvedConnector2">
+            <a:avLst/>
+          </a:prstGeom>
+          <a:ln w="57150">
+            <a:solidFill>
+              <a:schemeClr val="bg1"/>
+            </a:solidFill>
+            <a:headEnd type="arrow" w="med" len="med"/>
+            <a:tailEnd type="arrow" w="med" len="med"/>
+          </a:ln>
+        </p:spPr>
+        <p:style>
+          <a:lnRef idx="1">
+            <a:schemeClr val="accent1"/>
+          </a:lnRef>
+          <a:fillRef idx="0">
+            <a:schemeClr val="accent1"/>
+          </a:fillRef>
+          <a:effectRef idx="0">
+            <a:schemeClr val="accent1"/>
+          </a:effectRef>
+          <a:fontRef idx="minor">
+            <a:schemeClr val="tx1"/>
+          </a:fontRef>
+        </p:style>
+      </p:cxnSp>
+      <p:sp>
+        <p:nvSpPr>
+          <p:cNvPr id="1042" name="TextBox 1041">
+            <a:extLst>
+              <a:ext uri="{FF2B5EF4-FFF2-40B4-BE49-F238E27FC236}">
+                <a16:creationId xmlns:a16="http://schemas.microsoft.com/office/drawing/2014/main" id="{3E29EB25-B2AD-45CD-99DB-67C557C5B46D}"/>
+              </a:ext>
+            </a:extLst>
+          </p:cNvPr>
+          <p:cNvSpPr txBox="1"/>
+          <p:nvPr/>
+        </p:nvSpPr>
+        <p:spPr>
+          <a:xfrm>
+            <a:off x="3530278" y="266218"/>
+            <a:ext cx="184731" cy="369332"/>
+          </a:xfrm>
+          <a:prstGeom prst="rect">
+            <a:avLst/>
+          </a:prstGeom>
+          <a:noFill/>
+        </p:spPr>
+        <p:txBody>
+          <a:bodyPr wrap="none" rtlCol="0">
+            <a:spAutoFit/>
+          </a:bodyPr>
+          <a:lstStyle/>
+          <a:p>
+            <a:endParaRPr lang="ko-KR" altLang="en-US" dirty="0"/>
+          </a:p>
+        </p:txBody>
+      </p:sp>
+    </p:spTree>
+    <p:extLst>
+      <p:ext uri="{BB962C8B-B14F-4D97-AF65-F5344CB8AC3E}">
+        <p14:creationId xmlns:p14="http://schemas.microsoft.com/office/powerpoint/2010/main" val="338927286"/>
+      </p:ext>
+    </p:extLst>
+  </p:cSld>
+  <p:clrMapOvr>
+    <a:masterClrMapping/>
+  </p:clrMapOvr>
+</p:sld>
+</file>
+
+<file path=ppt/slides/slide11.xml><?xml version="1.0" encoding="utf-8"?>
+<p:sld xmlns:a="http://schemas.openxmlformats.org/drawingml/2006/main" xmlns:r="http://schemas.openxmlformats.org/officeDocument/2006/relationships" xmlns:p="http://schemas.openxmlformats.org/presentationml/2006/main">
+  <p:cSld>
     <p:bg>
       <p:bgPr>
         <a:solidFill>
@@ -9684,7 +9993,7 @@
               </a:spcBef>
             </a:pPr>
             <a:r>
-              <a:rPr lang="ko-KR" altLang="en-US" sz="4050" dirty="0">
+              <a:rPr lang="ko-KR" altLang="en-US" sz="4800" dirty="0">
                 <a:solidFill>
                   <a:srgbClr val="FFFFFF"/>
                 </a:solidFill>

--- a/발표자료/API 텀프로젝트 발표자료.pptx
+++ b/발표자료/API 텀프로젝트 발표자료.pptx
@@ -8,14 +8,14 @@
     <p:sldId id="256" r:id="rId2"/>
     <p:sldId id="263" r:id="rId3"/>
     <p:sldId id="258" r:id="rId4"/>
-    <p:sldId id="265" r:id="rId5"/>
-    <p:sldId id="268" r:id="rId6"/>
-    <p:sldId id="267" r:id="rId7"/>
-    <p:sldId id="266" r:id="rId8"/>
-    <p:sldId id="264" r:id="rId9"/>
-    <p:sldId id="261" r:id="rId10"/>
-    <p:sldId id="269" r:id="rId11"/>
-    <p:sldId id="262" r:id="rId12"/>
+    <p:sldId id="261" r:id="rId5"/>
+    <p:sldId id="269" r:id="rId6"/>
+    <p:sldId id="262" r:id="rId7"/>
+    <p:sldId id="265" r:id="rId8"/>
+    <p:sldId id="268" r:id="rId9"/>
+    <p:sldId id="267" r:id="rId10"/>
+    <p:sldId id="266" r:id="rId11"/>
+    <p:sldId id="264" r:id="rId12"/>
   </p:sldIdLst>
   <p:sldSz cx="9144000" cy="6858000" type="screen4x3"/>
   <p:notesSz cx="6858000" cy="9144000"/>
@@ -3407,6 +3407,2312 @@
 <file path=ppt/slides/slide10.xml><?xml version="1.0" encoding="utf-8"?>
 <p:sld xmlns:a="http://schemas.openxmlformats.org/drawingml/2006/main" xmlns:r="http://schemas.openxmlformats.org/officeDocument/2006/relationships" xmlns:p="http://schemas.openxmlformats.org/presentationml/2006/main">
   <p:cSld>
+    <p:bg>
+      <p:bgPr>
+        <a:solidFill>
+          <a:schemeClr val="tx1">
+            <a:lumMod val="85000"/>
+            <a:lumOff val="15000"/>
+          </a:schemeClr>
+        </a:solidFill>
+        <a:effectLst/>
+      </p:bgPr>
+    </p:bg>
+    <p:spTree>
+      <p:nvGrpSpPr>
+        <p:cNvPr id="1" name=""/>
+        <p:cNvGrpSpPr/>
+        <p:nvPr/>
+      </p:nvGrpSpPr>
+      <p:grpSpPr>
+        <a:xfrm>
+          <a:off x="0" y="0"/>
+          <a:ext cx="0" cy="0"/>
+          <a:chOff x="0" y="0"/>
+          <a:chExt cx="0" cy="0"/>
+        </a:xfrm>
+      </p:grpSpPr>
+      <p:sp>
+        <p:nvSpPr>
+          <p:cNvPr id="3" name="내용 개체 틀 2">
+            <a:extLst>
+              <a:ext uri="{FF2B5EF4-FFF2-40B4-BE49-F238E27FC236}">
+                <a16:creationId xmlns:a16="http://schemas.microsoft.com/office/drawing/2014/main" id="{972CE041-03FA-4BFB-AA4E-6057DEA64598}"/>
+              </a:ext>
+            </a:extLst>
+          </p:cNvPr>
+          <p:cNvSpPr>
+            <a:spLocks noGrp="1"/>
+          </p:cNvSpPr>
+          <p:nvPr>
+            <p:ph idx="1"/>
+          </p:nvPr>
+        </p:nvSpPr>
+        <p:spPr>
+          <a:xfrm>
+            <a:off x="628650" y="1825624"/>
+            <a:ext cx="7886700" cy="5032375"/>
+          </a:xfrm>
+        </p:spPr>
+        <p:txBody>
+          <a:bodyPr>
+            <a:normAutofit/>
+          </a:bodyPr>
+          <a:lstStyle/>
+          <a:p>
+            <a:r>
+              <a:rPr lang="ko-KR" altLang="en-US" dirty="0">
+                <a:solidFill>
+                  <a:schemeClr val="bg1"/>
+                </a:solidFill>
+              </a:rPr>
+              <a:t>적을 많이 생성했더니 </a:t>
+            </a:r>
+            <a:r>
+              <a:rPr lang="ko-KR" altLang="en-US" dirty="0" err="1">
+                <a:solidFill>
+                  <a:schemeClr val="bg1"/>
+                </a:solidFill>
+              </a:rPr>
+              <a:t>느려져</a:t>
+            </a:r>
+            <a:r>
+              <a:rPr lang="ko-KR" altLang="en-US" dirty="0">
+                <a:solidFill>
+                  <a:schemeClr val="bg1"/>
+                </a:solidFill>
+              </a:rPr>
+              <a:t> 버렸다</a:t>
+            </a:r>
+            <a:r>
+              <a:rPr lang="en-US" altLang="ko-KR" dirty="0">
+                <a:solidFill>
+                  <a:schemeClr val="bg1"/>
+                </a:solidFill>
+              </a:rPr>
+              <a:t>!</a:t>
+            </a:r>
+          </a:p>
+          <a:p>
+            <a:endParaRPr lang="en-US" altLang="ko-KR" dirty="0">
+              <a:solidFill>
+                <a:schemeClr val="bg1"/>
+              </a:solidFill>
+            </a:endParaRPr>
+          </a:p>
+          <a:p>
+            <a:pPr lvl="1">
+              <a:buFont typeface="Wingdings" panose="05000000000000000000" pitchFamily="2" charset="2"/>
+              <a:buChar char="à"/>
+            </a:pPr>
+            <a:r>
+              <a:rPr lang="ko-KR" altLang="en-US" dirty="0">
+                <a:solidFill>
+                  <a:schemeClr val="bg1"/>
+                </a:solidFill>
+              </a:rPr>
+              <a:t>적클래스</a:t>
+            </a:r>
+            <a:r>
+              <a:rPr lang="en-US" altLang="ko-KR" dirty="0">
+                <a:solidFill>
+                  <a:schemeClr val="bg1"/>
+                </a:solidFill>
+              </a:rPr>
+              <a:t>, </a:t>
+            </a:r>
+            <a:r>
+              <a:rPr lang="ko-KR" altLang="en-US" dirty="0">
+                <a:solidFill>
+                  <a:schemeClr val="bg1"/>
+                </a:solidFill>
+              </a:rPr>
+              <a:t>총알은 위치만 들고있게 아무것도 상속받지 말고 만들어볼까</a:t>
+            </a:r>
+            <a:r>
+              <a:rPr lang="en-US" altLang="ko-KR" dirty="0">
+                <a:solidFill>
+                  <a:schemeClr val="bg1"/>
+                </a:solidFill>
+              </a:rPr>
+              <a:t>??</a:t>
+            </a:r>
+          </a:p>
+          <a:p>
+            <a:pPr lvl="1">
+              <a:buFont typeface="Wingdings" panose="05000000000000000000" pitchFamily="2" charset="2"/>
+              <a:buChar char=""/>
+            </a:pPr>
+            <a:r>
+              <a:rPr lang="ko-KR" altLang="en-US" dirty="0">
+                <a:solidFill>
+                  <a:schemeClr val="bg1"/>
+                </a:solidFill>
+              </a:rPr>
+              <a:t>총알과 적 사이에 충돌검사를 공간분할로 처리해볼까</a:t>
+            </a:r>
+            <a:r>
+              <a:rPr lang="en-US" altLang="ko-KR" dirty="0">
+                <a:solidFill>
+                  <a:schemeClr val="bg1"/>
+                </a:solidFill>
+              </a:rPr>
+              <a:t>??</a:t>
+            </a:r>
+          </a:p>
+          <a:p>
+            <a:pPr lvl="1">
+              <a:buFont typeface="Wingdings" panose="05000000000000000000" pitchFamily="2" charset="2"/>
+              <a:buChar char=""/>
+            </a:pPr>
+            <a:r>
+              <a:rPr lang="ko-KR" altLang="en-US" dirty="0" err="1">
+                <a:solidFill>
+                  <a:schemeClr val="bg1"/>
+                </a:solidFill>
+              </a:rPr>
+              <a:t>투명값을</a:t>
+            </a:r>
+            <a:r>
+              <a:rPr lang="ko-KR" altLang="en-US" dirty="0">
+                <a:solidFill>
+                  <a:schemeClr val="bg1"/>
+                </a:solidFill>
+              </a:rPr>
+              <a:t> 사용하지 말아볼까</a:t>
+            </a:r>
+            <a:r>
+              <a:rPr lang="en-US" altLang="ko-KR" dirty="0">
+                <a:solidFill>
+                  <a:schemeClr val="bg1"/>
+                </a:solidFill>
+              </a:rPr>
+              <a:t>…</a:t>
+            </a:r>
+          </a:p>
+          <a:p>
+            <a:pPr lvl="1">
+              <a:buFont typeface="Wingdings" panose="05000000000000000000" pitchFamily="2" charset="2"/>
+              <a:buChar char=""/>
+            </a:pPr>
+            <a:endParaRPr lang="en-US" altLang="ko-KR" dirty="0">
+              <a:solidFill>
+                <a:schemeClr val="bg1"/>
+              </a:solidFill>
+            </a:endParaRPr>
+          </a:p>
+          <a:p>
+            <a:pPr lvl="1">
+              <a:buFont typeface="Wingdings" panose="05000000000000000000" pitchFamily="2" charset="2"/>
+              <a:buChar char=""/>
+            </a:pPr>
+            <a:endParaRPr lang="en-US" altLang="ko-KR" dirty="0">
+              <a:solidFill>
+                <a:schemeClr val="bg1"/>
+              </a:solidFill>
+            </a:endParaRPr>
+          </a:p>
+          <a:p>
+            <a:r>
+              <a:rPr lang="ko-KR" altLang="en-US" dirty="0">
+                <a:solidFill>
+                  <a:schemeClr val="bg1"/>
+                </a:solidFill>
+              </a:rPr>
+              <a:t>결과</a:t>
+            </a:r>
+            <a:r>
+              <a:rPr lang="en-US" altLang="ko-KR" dirty="0">
+                <a:solidFill>
+                  <a:schemeClr val="bg1"/>
+                </a:solidFill>
+              </a:rPr>
+              <a:t> : </a:t>
+            </a:r>
+            <a:r>
+              <a:rPr lang="ko-KR" altLang="en-US" dirty="0">
+                <a:solidFill>
+                  <a:schemeClr val="bg1"/>
+                </a:solidFill>
+              </a:rPr>
+              <a:t>회전 이미지를 </a:t>
+            </a:r>
+            <a:r>
+              <a:rPr lang="en-US" altLang="ko-KR" dirty="0" err="1">
+                <a:solidFill>
+                  <a:schemeClr val="bg1"/>
+                </a:solidFill>
+              </a:rPr>
+              <a:t>plgblt</a:t>
+            </a:r>
+            <a:r>
+              <a:rPr lang="ko-KR" altLang="en-US" dirty="0">
+                <a:solidFill>
+                  <a:schemeClr val="bg1"/>
+                </a:solidFill>
+              </a:rPr>
+              <a:t>대신 </a:t>
+            </a:r>
+            <a:r>
+              <a:rPr lang="ko-KR" altLang="en-US" dirty="0" err="1">
+                <a:solidFill>
+                  <a:schemeClr val="bg1"/>
+                </a:solidFill>
+              </a:rPr>
+              <a:t>스프라이트</a:t>
+            </a:r>
+            <a:r>
+              <a:rPr lang="ko-KR" altLang="en-US" dirty="0">
+                <a:solidFill>
+                  <a:schemeClr val="bg1"/>
+                </a:solidFill>
+              </a:rPr>
+              <a:t> 이미지로 바꾸니까  </a:t>
+            </a:r>
+            <a:r>
+              <a:rPr lang="ko-KR" altLang="en-US" dirty="0" err="1">
+                <a:solidFill>
+                  <a:schemeClr val="bg1"/>
+                </a:solidFill>
+              </a:rPr>
+              <a:t>잘됌</a:t>
+            </a:r>
+            <a:r>
+              <a:rPr lang="en-US" altLang="ko-KR" dirty="0">
+                <a:solidFill>
+                  <a:schemeClr val="bg1"/>
+                </a:solidFill>
+              </a:rPr>
+              <a:t>!</a:t>
+            </a:r>
+          </a:p>
+        </p:txBody>
+      </p:sp>
+      <p:sp>
+        <p:nvSpPr>
+          <p:cNvPr id="4" name="직사각형 3">
+            <a:extLst>
+              <a:ext uri="{FF2B5EF4-FFF2-40B4-BE49-F238E27FC236}">
+                <a16:creationId xmlns:a16="http://schemas.microsoft.com/office/drawing/2014/main" id="{88D854C0-A088-4C53-A201-2EAED2CC311D}"/>
+              </a:ext>
+            </a:extLst>
+          </p:cNvPr>
+          <p:cNvSpPr/>
+          <p:nvPr/>
+        </p:nvSpPr>
+        <p:spPr>
+          <a:xfrm>
+            <a:off x="8558072" y="705348"/>
+            <a:ext cx="585927" cy="464575"/>
+          </a:xfrm>
+          <a:prstGeom prst="rect">
+            <a:avLst/>
+          </a:prstGeom>
+          <a:solidFill>
+            <a:srgbClr val="F02802"/>
+          </a:solidFill>
+          <a:ln>
+            <a:noFill/>
+          </a:ln>
+        </p:spPr>
+        <p:style>
+          <a:lnRef idx="2">
+            <a:schemeClr val="accent1">
+              <a:shade val="50000"/>
+            </a:schemeClr>
+          </a:lnRef>
+          <a:fillRef idx="1">
+            <a:schemeClr val="accent1"/>
+          </a:fillRef>
+          <a:effectRef idx="0">
+            <a:schemeClr val="accent1"/>
+          </a:effectRef>
+          <a:fontRef idx="minor">
+            <a:schemeClr val="lt1"/>
+          </a:fontRef>
+        </p:style>
+        <p:txBody>
+          <a:bodyPr rot="0" spcFirstLastPara="0" vertOverflow="overflow" horzOverflow="overflow" vert="horz" wrap="square" lIns="68580" tIns="34290" rIns="68580" bIns="34290" numCol="1" spcCol="0" rtlCol="0" fromWordArt="0" anchor="ctr" anchorCtr="0" forceAA="0" compatLnSpc="1">
+            <a:prstTxWarp prst="textNoShape">
+              <a:avLst/>
+            </a:prstTxWarp>
+            <a:noAutofit/>
+          </a:bodyPr>
+          <a:lstStyle/>
+          <a:p>
+            <a:pPr algn="ctr"/>
+            <a:endParaRPr lang="ko-KR" altLang="en-US" sz="1350"/>
+          </a:p>
+        </p:txBody>
+      </p:sp>
+      <p:sp>
+        <p:nvSpPr>
+          <p:cNvPr id="5" name="직사각형 4">
+            <a:extLst>
+              <a:ext uri="{FF2B5EF4-FFF2-40B4-BE49-F238E27FC236}">
+                <a16:creationId xmlns:a16="http://schemas.microsoft.com/office/drawing/2014/main" id="{D79F1DD2-F00C-4D6C-AFAB-08BC2B78C93F}"/>
+              </a:ext>
+            </a:extLst>
+          </p:cNvPr>
+          <p:cNvSpPr/>
+          <p:nvPr/>
+        </p:nvSpPr>
+        <p:spPr>
+          <a:xfrm>
+            <a:off x="8558074" y="1169923"/>
+            <a:ext cx="585926" cy="464575"/>
+          </a:xfrm>
+          <a:prstGeom prst="rect">
+            <a:avLst/>
+          </a:prstGeom>
+          <a:solidFill>
+            <a:srgbClr val="FFC000"/>
+          </a:solidFill>
+          <a:ln>
+            <a:noFill/>
+          </a:ln>
+        </p:spPr>
+        <p:style>
+          <a:lnRef idx="2">
+            <a:schemeClr val="accent1">
+              <a:shade val="50000"/>
+            </a:schemeClr>
+          </a:lnRef>
+          <a:fillRef idx="1">
+            <a:schemeClr val="accent1"/>
+          </a:fillRef>
+          <a:effectRef idx="0">
+            <a:schemeClr val="accent1"/>
+          </a:effectRef>
+          <a:fontRef idx="minor">
+            <a:schemeClr val="lt1"/>
+          </a:fontRef>
+        </p:style>
+        <p:txBody>
+          <a:bodyPr rot="0" spcFirstLastPara="0" vertOverflow="overflow" horzOverflow="overflow" vert="horz" wrap="square" lIns="68580" tIns="34290" rIns="68580" bIns="34290" numCol="1" spcCol="0" rtlCol="0" fromWordArt="0" anchor="ctr" anchorCtr="0" forceAA="0" compatLnSpc="1">
+            <a:prstTxWarp prst="textNoShape">
+              <a:avLst/>
+            </a:prstTxWarp>
+            <a:noAutofit/>
+          </a:bodyPr>
+          <a:lstStyle/>
+          <a:p>
+            <a:pPr algn="ctr"/>
+            <a:endParaRPr lang="ko-KR" altLang="en-US" sz="1350"/>
+          </a:p>
+        </p:txBody>
+      </p:sp>
+      <p:sp>
+        <p:nvSpPr>
+          <p:cNvPr id="6" name="직사각형 5">
+            <a:extLst>
+              <a:ext uri="{FF2B5EF4-FFF2-40B4-BE49-F238E27FC236}">
+                <a16:creationId xmlns:a16="http://schemas.microsoft.com/office/drawing/2014/main" id="{21AE5ACF-1C54-4BD0-B099-D290D4268E11}"/>
+              </a:ext>
+            </a:extLst>
+          </p:cNvPr>
+          <p:cNvSpPr/>
+          <p:nvPr/>
+        </p:nvSpPr>
+        <p:spPr>
+          <a:xfrm>
+            <a:off x="8558074" y="1634498"/>
+            <a:ext cx="585926" cy="464575"/>
+          </a:xfrm>
+          <a:prstGeom prst="rect">
+            <a:avLst/>
+          </a:prstGeom>
+          <a:solidFill>
+            <a:srgbClr val="00B050"/>
+          </a:solidFill>
+          <a:ln>
+            <a:noFill/>
+          </a:ln>
+        </p:spPr>
+        <p:style>
+          <a:lnRef idx="2">
+            <a:schemeClr val="accent1">
+              <a:shade val="50000"/>
+            </a:schemeClr>
+          </a:lnRef>
+          <a:fillRef idx="1">
+            <a:schemeClr val="accent1"/>
+          </a:fillRef>
+          <a:effectRef idx="0">
+            <a:schemeClr val="accent1"/>
+          </a:effectRef>
+          <a:fontRef idx="minor">
+            <a:schemeClr val="lt1"/>
+          </a:fontRef>
+        </p:style>
+        <p:txBody>
+          <a:bodyPr rot="0" spcFirstLastPara="0" vertOverflow="overflow" horzOverflow="overflow" vert="horz" wrap="square" lIns="68580" tIns="34290" rIns="68580" bIns="34290" numCol="1" spcCol="0" rtlCol="0" fromWordArt="0" anchor="ctr" anchorCtr="0" forceAA="0" compatLnSpc="1">
+            <a:prstTxWarp prst="textNoShape">
+              <a:avLst/>
+            </a:prstTxWarp>
+            <a:noAutofit/>
+          </a:bodyPr>
+          <a:lstStyle/>
+          <a:p>
+            <a:pPr algn="ctr"/>
+            <a:endParaRPr lang="ko-KR" altLang="en-US" sz="1350"/>
+          </a:p>
+        </p:txBody>
+      </p:sp>
+      <p:sp>
+        <p:nvSpPr>
+          <p:cNvPr id="7" name="직사각형 6">
+            <a:extLst>
+              <a:ext uri="{FF2B5EF4-FFF2-40B4-BE49-F238E27FC236}">
+                <a16:creationId xmlns:a16="http://schemas.microsoft.com/office/drawing/2014/main" id="{2DDD51C6-C234-477F-82D3-909C3EB63704}"/>
+              </a:ext>
+            </a:extLst>
+          </p:cNvPr>
+          <p:cNvSpPr/>
+          <p:nvPr/>
+        </p:nvSpPr>
+        <p:spPr>
+          <a:xfrm>
+            <a:off x="7683910" y="2099073"/>
+            <a:ext cx="1460090" cy="464575"/>
+          </a:xfrm>
+          <a:prstGeom prst="rect">
+            <a:avLst/>
+          </a:prstGeom>
+          <a:solidFill>
+            <a:srgbClr val="00B9F6"/>
+          </a:solidFill>
+          <a:ln>
+            <a:noFill/>
+          </a:ln>
+        </p:spPr>
+        <p:style>
+          <a:lnRef idx="2">
+            <a:schemeClr val="accent1">
+              <a:shade val="50000"/>
+            </a:schemeClr>
+          </a:lnRef>
+          <a:fillRef idx="1">
+            <a:schemeClr val="accent1"/>
+          </a:fillRef>
+          <a:effectRef idx="0">
+            <a:schemeClr val="accent1"/>
+          </a:effectRef>
+          <a:fontRef idx="minor">
+            <a:schemeClr val="lt1"/>
+          </a:fontRef>
+        </p:style>
+        <p:txBody>
+          <a:bodyPr rot="0" spcFirstLastPara="0" vertOverflow="overflow" horzOverflow="overflow" vert="horz" wrap="square" lIns="68580" tIns="34290" rIns="68580" bIns="34290" numCol="1" spcCol="0" rtlCol="0" fromWordArt="0" anchor="ctr" anchorCtr="0" forceAA="0" compatLnSpc="1">
+            <a:prstTxWarp prst="textNoShape">
+              <a:avLst/>
+            </a:prstTxWarp>
+            <a:noAutofit/>
+          </a:bodyPr>
+          <a:lstStyle/>
+          <a:p>
+            <a:pPr algn="ctr"/>
+            <a:endParaRPr lang="ko-KR" altLang="en-US"/>
+          </a:p>
+        </p:txBody>
+      </p:sp>
+      <p:sp>
+        <p:nvSpPr>
+          <p:cNvPr id="8" name="직사각형 7">
+            <a:extLst>
+              <a:ext uri="{FF2B5EF4-FFF2-40B4-BE49-F238E27FC236}">
+                <a16:creationId xmlns:a16="http://schemas.microsoft.com/office/drawing/2014/main" id="{44D9E954-10CD-4D1C-9BB9-C52BCDB20A43}"/>
+              </a:ext>
+            </a:extLst>
+          </p:cNvPr>
+          <p:cNvSpPr/>
+          <p:nvPr/>
+        </p:nvSpPr>
+        <p:spPr>
+          <a:xfrm>
+            <a:off x="8558072" y="2563648"/>
+            <a:ext cx="585927" cy="464575"/>
+          </a:xfrm>
+          <a:prstGeom prst="rect">
+            <a:avLst/>
+          </a:prstGeom>
+          <a:solidFill>
+            <a:schemeClr val="bg2">
+              <a:lumMod val="50000"/>
+            </a:schemeClr>
+          </a:solidFill>
+          <a:ln>
+            <a:noFill/>
+          </a:ln>
+        </p:spPr>
+        <p:style>
+          <a:lnRef idx="2">
+            <a:schemeClr val="accent1">
+              <a:shade val="50000"/>
+            </a:schemeClr>
+          </a:lnRef>
+          <a:fillRef idx="1">
+            <a:schemeClr val="accent1"/>
+          </a:fillRef>
+          <a:effectRef idx="0">
+            <a:schemeClr val="accent1"/>
+          </a:effectRef>
+          <a:fontRef idx="minor">
+            <a:schemeClr val="lt1"/>
+          </a:fontRef>
+        </p:style>
+        <p:txBody>
+          <a:bodyPr rot="0" spcFirstLastPara="0" vertOverflow="overflow" horzOverflow="overflow" vert="horz" wrap="square" lIns="68580" tIns="34290" rIns="68580" bIns="34290" numCol="1" spcCol="0" rtlCol="0" fromWordArt="0" anchor="ctr" anchorCtr="0" forceAA="0" compatLnSpc="1">
+            <a:prstTxWarp prst="textNoShape">
+              <a:avLst/>
+            </a:prstTxWarp>
+            <a:noAutofit/>
+          </a:bodyPr>
+          <a:lstStyle/>
+          <a:p>
+            <a:pPr algn="ctr"/>
+            <a:endParaRPr lang="ko-KR" altLang="en-US"/>
+          </a:p>
+        </p:txBody>
+      </p:sp>
+      <p:sp>
+        <p:nvSpPr>
+          <p:cNvPr id="9" name="TextBox 8">
+            <a:extLst>
+              <a:ext uri="{FF2B5EF4-FFF2-40B4-BE49-F238E27FC236}">
+                <a16:creationId xmlns:a16="http://schemas.microsoft.com/office/drawing/2014/main" id="{DA4C68B3-2F4C-4149-8004-6F33AAE7274E}"/>
+              </a:ext>
+            </a:extLst>
+          </p:cNvPr>
+          <p:cNvSpPr txBox="1"/>
+          <p:nvPr/>
+        </p:nvSpPr>
+        <p:spPr>
+          <a:xfrm>
+            <a:off x="745726" y="618835"/>
+            <a:ext cx="5150769" cy="1015663"/>
+          </a:xfrm>
+          <a:prstGeom prst="rect">
+            <a:avLst/>
+          </a:prstGeom>
+          <a:noFill/>
+        </p:spPr>
+        <p:txBody>
+          <a:bodyPr wrap="none" rtlCol="0">
+            <a:spAutoFit/>
+          </a:bodyPr>
+          <a:lstStyle/>
+          <a:p>
+            <a:r>
+              <a:rPr lang="ko-KR" altLang="en-US" sz="6000" dirty="0">
+                <a:solidFill>
+                  <a:schemeClr val="bg1"/>
+                </a:solidFill>
+              </a:rPr>
+              <a:t>모든 일의 원흉</a:t>
+            </a:r>
+          </a:p>
+        </p:txBody>
+      </p:sp>
+    </p:spTree>
+    <p:extLst>
+      <p:ext uri="{BB962C8B-B14F-4D97-AF65-F5344CB8AC3E}">
+        <p14:creationId xmlns:p14="http://schemas.microsoft.com/office/powerpoint/2010/main" val="3602127356"/>
+      </p:ext>
+    </p:extLst>
+  </p:cSld>
+  <p:clrMapOvr>
+    <a:overrideClrMapping bg1="lt1" tx1="dk1" bg2="lt2" tx2="dk2" accent1="accent1" accent2="accent2" accent3="accent3" accent4="accent4" accent5="accent5" accent6="accent6" hlink="hlink" folHlink="folHlink"/>
+  </p:clrMapOvr>
+</p:sld>
+</file>
+
+<file path=ppt/slides/slide11.xml><?xml version="1.0" encoding="utf-8"?>
+<p:sld xmlns:a="http://schemas.openxmlformats.org/drawingml/2006/main" xmlns:r="http://schemas.openxmlformats.org/officeDocument/2006/relationships" xmlns:p="http://schemas.openxmlformats.org/presentationml/2006/main">
+  <p:cSld>
+    <p:bg>
+      <p:bgPr>
+        <a:solidFill>
+          <a:schemeClr val="tx1">
+            <a:lumMod val="85000"/>
+            <a:lumOff val="15000"/>
+          </a:schemeClr>
+        </a:solidFill>
+        <a:effectLst/>
+      </p:bgPr>
+    </p:bg>
+    <p:spTree>
+      <p:nvGrpSpPr>
+        <p:cNvPr id="1" name=""/>
+        <p:cNvGrpSpPr/>
+        <p:nvPr/>
+      </p:nvGrpSpPr>
+      <p:grpSpPr>
+        <a:xfrm>
+          <a:off x="0" y="0"/>
+          <a:ext cx="0" cy="0"/>
+          <a:chOff x="0" y="0"/>
+          <a:chExt cx="0" cy="0"/>
+        </a:xfrm>
+      </p:grpSpPr>
+      <p:sp>
+        <p:nvSpPr>
+          <p:cNvPr id="9" name="TextBox 8">
+            <a:extLst>
+              <a:ext uri="{FF2B5EF4-FFF2-40B4-BE49-F238E27FC236}">
+                <a16:creationId xmlns:a16="http://schemas.microsoft.com/office/drawing/2014/main" id="{98BA4068-8AB7-43EE-9DD1-194C3A4D3E4D}"/>
+              </a:ext>
+            </a:extLst>
+          </p:cNvPr>
+          <p:cNvSpPr txBox="1"/>
+          <p:nvPr/>
+        </p:nvSpPr>
+        <p:spPr>
+          <a:xfrm>
+            <a:off x="628650" y="708258"/>
+            <a:ext cx="3507692" cy="923330"/>
+          </a:xfrm>
+          <a:prstGeom prst="rect">
+            <a:avLst/>
+          </a:prstGeom>
+          <a:noFill/>
+        </p:spPr>
+        <p:txBody>
+          <a:bodyPr wrap="none" rtlCol="0">
+            <a:spAutoFit/>
+          </a:bodyPr>
+          <a:lstStyle/>
+          <a:p>
+            <a:r>
+              <a:rPr lang="ko-KR" altLang="en-US" sz="5400" dirty="0">
+                <a:solidFill>
+                  <a:schemeClr val="bg1"/>
+                </a:solidFill>
+                <a:latin typeface="나눔스퀘어 Light" panose="020B0600000101010101" pitchFamily="50" charset="-127"/>
+                <a:ea typeface="나눔스퀘어 Light" panose="020B0600000101010101" pitchFamily="50" charset="-127"/>
+              </a:rPr>
+              <a:t>오늘의 코딩</a:t>
+            </a:r>
+          </a:p>
+        </p:txBody>
+      </p:sp>
+      <p:sp>
+        <p:nvSpPr>
+          <p:cNvPr id="12" name="TextBox 11">
+            <a:extLst>
+              <a:ext uri="{FF2B5EF4-FFF2-40B4-BE49-F238E27FC236}">
+                <a16:creationId xmlns:a16="http://schemas.microsoft.com/office/drawing/2014/main" id="{ACC81FBE-4D9B-4CF4-8733-423A2722136A}"/>
+              </a:ext>
+            </a:extLst>
+          </p:cNvPr>
+          <p:cNvSpPr txBox="1"/>
+          <p:nvPr/>
+        </p:nvSpPr>
+        <p:spPr>
+          <a:xfrm>
+            <a:off x="628650" y="1750975"/>
+            <a:ext cx="4982774" cy="3970318"/>
+          </a:xfrm>
+          <a:prstGeom prst="rect">
+            <a:avLst/>
+          </a:prstGeom>
+          <a:noFill/>
+        </p:spPr>
+        <p:txBody>
+          <a:bodyPr wrap="none" rtlCol="0">
+            <a:spAutoFit/>
+          </a:bodyPr>
+          <a:lstStyle/>
+          <a:p>
+            <a:pPr marL="571500" indent="-571500">
+              <a:lnSpc>
+                <a:spcPct val="150000"/>
+              </a:lnSpc>
+              <a:buSzPct val="80000"/>
+              <a:buFont typeface="Wingdings" panose="05000000000000000000" pitchFamily="2" charset="2"/>
+              <a:buChar char="§"/>
+            </a:pPr>
+            <a:r>
+              <a:rPr lang="en-US" altLang="ko-KR" sz="2800" dirty="0">
+                <a:solidFill>
+                  <a:schemeClr val="bg1"/>
+                </a:solidFill>
+                <a:latin typeface="나눔스퀘어 Light" panose="020B0600000101010101" pitchFamily="50" charset="-127"/>
+                <a:ea typeface="나눔스퀘어 Light" panose="020B0600000101010101" pitchFamily="50" charset="-127"/>
+              </a:rPr>
+              <a:t>HELP, </a:t>
+            </a:r>
+            <a:r>
+              <a:rPr lang="en-US" altLang="ko-KR" sz="2800" dirty="0" err="1">
+                <a:solidFill>
+                  <a:schemeClr val="bg1"/>
+                </a:solidFill>
+                <a:latin typeface="나눔스퀘어 Light" panose="020B0600000101010101" pitchFamily="50" charset="-127"/>
+                <a:ea typeface="나눔스퀘어 Light" panose="020B0600000101010101" pitchFamily="50" charset="-127"/>
+              </a:rPr>
+              <a:t>Resorce</a:t>
+            </a:r>
+            <a:endParaRPr lang="en-US" altLang="ko-KR" sz="2800" dirty="0">
+              <a:solidFill>
+                <a:schemeClr val="bg1"/>
+              </a:solidFill>
+              <a:latin typeface="나눔스퀘어 Light" panose="020B0600000101010101" pitchFamily="50" charset="-127"/>
+              <a:ea typeface="나눔스퀘어 Light" panose="020B0600000101010101" pitchFamily="50" charset="-127"/>
+            </a:endParaRPr>
+          </a:p>
+          <a:p>
+            <a:pPr marL="571500" indent="-571500">
+              <a:lnSpc>
+                <a:spcPct val="150000"/>
+              </a:lnSpc>
+              <a:buSzPct val="80000"/>
+              <a:buFont typeface="Wingdings" panose="05000000000000000000" pitchFamily="2" charset="2"/>
+              <a:buChar char="§"/>
+            </a:pPr>
+            <a:r>
+              <a:rPr lang="ko-KR" altLang="en-US" sz="2800" dirty="0">
+                <a:solidFill>
+                  <a:schemeClr val="bg1"/>
+                </a:solidFill>
+                <a:latin typeface="나눔스퀘어 Light" panose="020B0600000101010101" pitchFamily="50" charset="-127"/>
+                <a:ea typeface="나눔스퀘어 Light" panose="020B0600000101010101" pitchFamily="50" charset="-127"/>
+              </a:rPr>
+              <a:t>쓰레기 값의 </a:t>
+            </a:r>
+            <a:r>
+              <a:rPr lang="en-US" altLang="ko-KR" sz="2800" dirty="0">
+                <a:solidFill>
+                  <a:schemeClr val="bg1"/>
+                </a:solidFill>
+                <a:latin typeface="나눔스퀘어 Light" panose="020B0600000101010101" pitchFamily="50" charset="-127"/>
+                <a:ea typeface="나눔스퀘어 Light" panose="020B0600000101010101" pitchFamily="50" charset="-127"/>
+              </a:rPr>
+              <a:t>bool</a:t>
+            </a:r>
+          </a:p>
+          <a:p>
+            <a:pPr marL="571500" indent="-571500">
+              <a:lnSpc>
+                <a:spcPct val="150000"/>
+              </a:lnSpc>
+              <a:buSzPct val="80000"/>
+              <a:buFont typeface="Wingdings" panose="05000000000000000000" pitchFamily="2" charset="2"/>
+              <a:buChar char="§"/>
+            </a:pPr>
+            <a:r>
+              <a:rPr lang="en-US" altLang="ko-KR" sz="2800" dirty="0">
+                <a:solidFill>
+                  <a:schemeClr val="bg1"/>
+                </a:solidFill>
+                <a:latin typeface="나눔스퀘어 Light" panose="020B0600000101010101" pitchFamily="50" charset="-127"/>
+                <a:ea typeface="나눔스퀘어 Light" panose="020B0600000101010101" pitchFamily="50" charset="-127"/>
+              </a:rPr>
+              <a:t>Update()-&gt;</a:t>
+            </a:r>
+            <a:r>
+              <a:rPr lang="en-US" altLang="ko-KR" sz="2800" dirty="0" err="1">
+                <a:solidFill>
+                  <a:schemeClr val="bg1"/>
+                </a:solidFill>
+                <a:latin typeface="나눔스퀘어 Light" panose="020B0600000101010101" pitchFamily="50" charset="-127"/>
+                <a:ea typeface="나눔스퀘어 Light" panose="020B0600000101010101" pitchFamily="50" charset="-127"/>
+              </a:rPr>
+              <a:t>Init</a:t>
+            </a:r>
+            <a:r>
+              <a:rPr lang="en-US" altLang="ko-KR" sz="2800" dirty="0">
+                <a:solidFill>
+                  <a:schemeClr val="bg1"/>
+                </a:solidFill>
+                <a:latin typeface="나눔스퀘어 Light" panose="020B0600000101010101" pitchFamily="50" charset="-127"/>
+                <a:ea typeface="나눔스퀘어 Light" panose="020B0600000101010101" pitchFamily="50" charset="-127"/>
+              </a:rPr>
+              <a:t>()</a:t>
+            </a:r>
+          </a:p>
+          <a:p>
+            <a:pPr marL="571500" indent="-571500">
+              <a:lnSpc>
+                <a:spcPct val="150000"/>
+              </a:lnSpc>
+              <a:buSzPct val="80000"/>
+              <a:buFont typeface="Wingdings" panose="05000000000000000000" pitchFamily="2" charset="2"/>
+              <a:buChar char="§"/>
+            </a:pPr>
+            <a:r>
+              <a:rPr lang="en-US" altLang="ko-KR" sz="2800" dirty="0" err="1">
+                <a:solidFill>
+                  <a:schemeClr val="bg1"/>
+                </a:solidFill>
+                <a:latin typeface="나눔스퀘어 Light" panose="020B0600000101010101" pitchFamily="50" charset="-127"/>
+                <a:ea typeface="나눔스퀘어 Light" panose="020B0600000101010101" pitchFamily="50" charset="-127"/>
+              </a:rPr>
+              <a:t>DeleteObject</a:t>
+            </a:r>
+            <a:r>
+              <a:rPr lang="en-US" altLang="ko-KR" sz="2800" dirty="0">
+                <a:solidFill>
+                  <a:schemeClr val="bg1"/>
+                </a:solidFill>
+                <a:latin typeface="나눔스퀘어 Light" panose="020B0600000101010101" pitchFamily="50" charset="-127"/>
+                <a:ea typeface="나눔스퀘어 Light" panose="020B0600000101010101" pitchFamily="50" charset="-127"/>
+              </a:rPr>
+              <a:t>(</a:t>
+            </a:r>
+            <a:r>
+              <a:rPr lang="en-US" altLang="ko-KR" sz="2800" dirty="0" err="1">
+                <a:solidFill>
+                  <a:schemeClr val="bg1"/>
+                </a:solidFill>
+                <a:latin typeface="나눔스퀘어 Light" panose="020B0600000101010101" pitchFamily="50" charset="-127"/>
+                <a:ea typeface="나눔스퀘어 Light" panose="020B0600000101010101" pitchFamily="50" charset="-127"/>
+              </a:rPr>
+              <a:t>oldbr</a:t>
+            </a:r>
+            <a:r>
+              <a:rPr lang="en-US" altLang="ko-KR" sz="2800" dirty="0">
+                <a:solidFill>
+                  <a:schemeClr val="bg1"/>
+                </a:solidFill>
+                <a:latin typeface="나눔스퀘어 Light" panose="020B0600000101010101" pitchFamily="50" charset="-127"/>
+                <a:ea typeface="나눔스퀘어 Light" panose="020B0600000101010101" pitchFamily="50" charset="-127"/>
+              </a:rPr>
+              <a:t>)</a:t>
+            </a:r>
+          </a:p>
+          <a:p>
+            <a:pPr marL="571500" indent="-571500">
+              <a:lnSpc>
+                <a:spcPct val="150000"/>
+              </a:lnSpc>
+              <a:buSzPct val="80000"/>
+              <a:buFont typeface="Wingdings" panose="05000000000000000000" pitchFamily="2" charset="2"/>
+              <a:buChar char="§"/>
+            </a:pPr>
+            <a:r>
+              <a:rPr lang="en-US" altLang="ko-KR" sz="2800" dirty="0">
+                <a:solidFill>
+                  <a:schemeClr val="bg1"/>
+                </a:solidFill>
+                <a:latin typeface="나눔스퀘어 Light" panose="020B0600000101010101" pitchFamily="50" charset="-127"/>
+                <a:ea typeface="나눔스퀘어 Light" panose="020B0600000101010101" pitchFamily="50" charset="-127"/>
+              </a:rPr>
+              <a:t>~</a:t>
+            </a:r>
+            <a:r>
+              <a:rPr lang="en-US" altLang="ko-KR" sz="2800" dirty="0" err="1">
+                <a:solidFill>
+                  <a:schemeClr val="bg1"/>
+                </a:solidFill>
+                <a:latin typeface="나눔스퀘어 Light" panose="020B0600000101010101" pitchFamily="50" charset="-127"/>
+                <a:ea typeface="나눔스퀘어 Light" panose="020B0600000101010101" pitchFamily="50" charset="-127"/>
+              </a:rPr>
+              <a:t>CEnemy</a:t>
+            </a:r>
+            <a:r>
+              <a:rPr lang="en-US" altLang="ko-KR" sz="2800" dirty="0">
+                <a:solidFill>
+                  <a:schemeClr val="bg1"/>
+                </a:solidFill>
+                <a:latin typeface="나눔스퀘어 Light" panose="020B0600000101010101" pitchFamily="50" charset="-127"/>
+                <a:ea typeface="나눔스퀘어 Light" panose="020B0600000101010101" pitchFamily="50" charset="-127"/>
+              </a:rPr>
+              <a:t>(){ delete </a:t>
+            </a:r>
+            <a:r>
+              <a:rPr lang="en-US" altLang="ko-KR" sz="2800" dirty="0" err="1">
+                <a:solidFill>
+                  <a:schemeClr val="bg1"/>
+                </a:solidFill>
+                <a:latin typeface="나눔스퀘어 Light" panose="020B0600000101010101" pitchFamily="50" charset="-127"/>
+                <a:ea typeface="나눔스퀘어 Light" panose="020B0600000101010101" pitchFamily="50" charset="-127"/>
+              </a:rPr>
+              <a:t>m_ptr</a:t>
+            </a:r>
+            <a:r>
+              <a:rPr lang="en-US" altLang="ko-KR" sz="2800" dirty="0">
+                <a:solidFill>
+                  <a:schemeClr val="bg1"/>
+                </a:solidFill>
+                <a:latin typeface="나눔스퀘어 Light" panose="020B0600000101010101" pitchFamily="50" charset="-127"/>
+                <a:ea typeface="나눔스퀘어 Light" panose="020B0600000101010101" pitchFamily="50" charset="-127"/>
+              </a:rPr>
+              <a:t>;}</a:t>
+            </a:r>
+          </a:p>
+          <a:p>
+            <a:pPr>
+              <a:lnSpc>
+                <a:spcPct val="150000"/>
+              </a:lnSpc>
+              <a:buSzPct val="80000"/>
+            </a:pPr>
+            <a:r>
+              <a:rPr lang="en-US" altLang="ko-KR" sz="2800" dirty="0">
+                <a:solidFill>
+                  <a:schemeClr val="bg1"/>
+                </a:solidFill>
+                <a:latin typeface="나눔스퀘어 Light" panose="020B0600000101010101" pitchFamily="50" charset="-127"/>
+                <a:ea typeface="나눔스퀘어 Light" panose="020B0600000101010101" pitchFamily="50" charset="-127"/>
+              </a:rPr>
+              <a:t>	  </a:t>
+            </a:r>
+            <a:r>
+              <a:rPr lang="ko-KR" altLang="en-US" sz="2800" dirty="0">
+                <a:solidFill>
+                  <a:schemeClr val="bg1"/>
+                </a:solidFill>
+                <a:latin typeface="나눔스퀘어 Light" panose="020B0600000101010101" pitchFamily="50" charset="-127"/>
+                <a:ea typeface="나눔스퀘어 Light" panose="020B0600000101010101" pitchFamily="50" charset="-127"/>
+              </a:rPr>
+              <a:t>와중에 복사생성하기</a:t>
+            </a:r>
+          </a:p>
+        </p:txBody>
+      </p:sp>
+    </p:spTree>
+    <p:extLst>
+      <p:ext uri="{BB962C8B-B14F-4D97-AF65-F5344CB8AC3E}">
+        <p14:creationId xmlns:p14="http://schemas.microsoft.com/office/powerpoint/2010/main" val="1458136404"/>
+      </p:ext>
+    </p:extLst>
+  </p:cSld>
+  <p:clrMapOvr>
+    <a:overrideClrMapping bg1="lt1" tx1="dk1" bg2="lt2" tx2="dk2" accent1="accent1" accent2="accent2" accent3="accent3" accent4="accent4" accent5="accent5" accent6="accent6" hlink="hlink" folHlink="folHlink"/>
+  </p:clrMapOvr>
+</p:sld>
+</file>
+
+<file path=ppt/slides/slide2.xml><?xml version="1.0" encoding="utf-8"?>
+<p:sld xmlns:a="http://schemas.openxmlformats.org/drawingml/2006/main" xmlns:r="http://schemas.openxmlformats.org/officeDocument/2006/relationships" xmlns:p="http://schemas.openxmlformats.org/presentationml/2006/main">
+  <p:cSld>
+    <p:bg>
+      <p:bgPr>
+        <a:solidFill>
+          <a:schemeClr val="tx1">
+            <a:lumMod val="85000"/>
+            <a:lumOff val="15000"/>
+          </a:schemeClr>
+        </a:solidFill>
+        <a:effectLst/>
+      </p:bgPr>
+    </p:bg>
+    <p:spTree>
+      <p:nvGrpSpPr>
+        <p:cNvPr id="1" name=""/>
+        <p:cNvGrpSpPr/>
+        <p:nvPr/>
+      </p:nvGrpSpPr>
+      <p:grpSpPr>
+        <a:xfrm>
+          <a:off x="0" y="0"/>
+          <a:ext cx="0" cy="0"/>
+          <a:chOff x="0" y="0"/>
+          <a:chExt cx="0" cy="0"/>
+        </a:xfrm>
+      </p:grpSpPr>
+      <p:sp>
+        <p:nvSpPr>
+          <p:cNvPr id="9" name="TextBox 8"/>
+          <p:cNvSpPr txBox="1"/>
+          <p:nvPr/>
+        </p:nvSpPr>
+        <p:spPr>
+          <a:xfrm>
+            <a:off x="270904" y="2930496"/>
+            <a:ext cx="2014013" cy="1015663"/>
+          </a:xfrm>
+          <a:prstGeom prst="rect">
+            <a:avLst/>
+          </a:prstGeom>
+          <a:noFill/>
+        </p:spPr>
+        <p:txBody>
+          <a:bodyPr wrap="none" rtlCol="0">
+            <a:spAutoFit/>
+          </a:bodyPr>
+          <a:lstStyle/>
+          <a:p>
+            <a:r>
+              <a:rPr lang="en-US" altLang="ko-KR" sz="6000" dirty="0">
+                <a:solidFill>
+                  <a:schemeClr val="bg1"/>
+                </a:solidFill>
+                <a:latin typeface="나눔스퀘어 Light" panose="020B0600000101010101" pitchFamily="50" charset="-127"/>
+                <a:ea typeface="나눔스퀘어 Light" panose="020B0600000101010101" pitchFamily="50" charset="-127"/>
+              </a:rPr>
+              <a:t>Index</a:t>
+            </a:r>
+            <a:endParaRPr lang="ko-KR" altLang="en-US" sz="6000" dirty="0">
+              <a:solidFill>
+                <a:schemeClr val="bg1"/>
+              </a:solidFill>
+              <a:latin typeface="나눔스퀘어 Light" panose="020B0600000101010101" pitchFamily="50" charset="-127"/>
+              <a:ea typeface="나눔스퀘어 Light" panose="020B0600000101010101" pitchFamily="50" charset="-127"/>
+            </a:endParaRPr>
+          </a:p>
+        </p:txBody>
+      </p:sp>
+      <p:sp>
+        <p:nvSpPr>
+          <p:cNvPr id="11" name="TextBox 10"/>
+          <p:cNvSpPr txBox="1"/>
+          <p:nvPr/>
+        </p:nvSpPr>
+        <p:spPr>
+          <a:xfrm>
+            <a:off x="4508879" y="1730167"/>
+            <a:ext cx="3414181" cy="3416320"/>
+          </a:xfrm>
+          <a:prstGeom prst="rect">
+            <a:avLst/>
+          </a:prstGeom>
+          <a:noFill/>
+        </p:spPr>
+        <p:txBody>
+          <a:bodyPr wrap="square" rtlCol="0">
+            <a:spAutoFit/>
+          </a:bodyPr>
+          <a:lstStyle/>
+          <a:p>
+            <a:pPr marL="571500" indent="-571500">
+              <a:lnSpc>
+                <a:spcPct val="150000"/>
+              </a:lnSpc>
+              <a:buSzPct val="80000"/>
+              <a:buFont typeface="Wingdings" panose="05000000000000000000" pitchFamily="2" charset="2"/>
+              <a:buChar char="§"/>
+            </a:pPr>
+            <a:r>
+              <a:rPr lang="ko-KR" altLang="en-US" sz="3600" dirty="0">
+                <a:solidFill>
+                  <a:schemeClr val="bg1"/>
+                </a:solidFill>
+                <a:latin typeface="나눔스퀘어 Light" panose="020B0600000101010101" pitchFamily="50" charset="-127"/>
+                <a:ea typeface="나눔스퀘어 Light" panose="020B0600000101010101" pitchFamily="50" charset="-127"/>
+              </a:rPr>
+              <a:t>게임소개</a:t>
+            </a:r>
+            <a:endParaRPr lang="en-US" altLang="ko-KR" sz="3600" dirty="0">
+              <a:solidFill>
+                <a:schemeClr val="bg1"/>
+              </a:solidFill>
+              <a:latin typeface="나눔스퀘어 Light" panose="020B0600000101010101" pitchFamily="50" charset="-127"/>
+              <a:ea typeface="나눔스퀘어 Light" panose="020B0600000101010101" pitchFamily="50" charset="-127"/>
+            </a:endParaRPr>
+          </a:p>
+          <a:p>
+            <a:pPr marL="1028700" lvl="1" indent="-571500">
+              <a:lnSpc>
+                <a:spcPct val="150000"/>
+              </a:lnSpc>
+              <a:buSzPct val="80000"/>
+              <a:buFont typeface="Wingdings" panose="05000000000000000000" pitchFamily="2" charset="2"/>
+              <a:buChar char="§"/>
+            </a:pPr>
+            <a:r>
+              <a:rPr lang="ko-KR" altLang="en-US" sz="3600" dirty="0">
+                <a:solidFill>
+                  <a:schemeClr val="bg1"/>
+                </a:solidFill>
+                <a:latin typeface="나눔스퀘어 Light" panose="020B0600000101010101" pitchFamily="50" charset="-127"/>
+                <a:ea typeface="나눔스퀘어 Light" panose="020B0600000101010101" pitchFamily="50" charset="-127"/>
+              </a:rPr>
+              <a:t>역할분담</a:t>
+            </a:r>
+            <a:endParaRPr lang="en-US" altLang="ko-KR" sz="3600" dirty="0">
+              <a:solidFill>
+                <a:schemeClr val="bg1"/>
+              </a:solidFill>
+              <a:latin typeface="나눔스퀘어 Light" panose="020B0600000101010101" pitchFamily="50" charset="-127"/>
+              <a:ea typeface="나눔스퀘어 Light" panose="020B0600000101010101" pitchFamily="50" charset="-127"/>
+            </a:endParaRPr>
+          </a:p>
+          <a:p>
+            <a:pPr marL="1028700" lvl="1" indent="-571500">
+              <a:lnSpc>
+                <a:spcPct val="150000"/>
+              </a:lnSpc>
+              <a:buSzPct val="80000"/>
+              <a:buFont typeface="Wingdings" panose="05000000000000000000" pitchFamily="2" charset="2"/>
+              <a:buChar char="§"/>
+            </a:pPr>
+            <a:r>
+              <a:rPr lang="ko-KR" altLang="en-US" sz="3600" dirty="0">
+                <a:solidFill>
+                  <a:schemeClr val="bg1"/>
+                </a:solidFill>
+                <a:latin typeface="나눔스퀘어 Light" panose="020B0600000101010101" pitchFamily="50" charset="-127"/>
+                <a:ea typeface="나눔스퀘어 Light" panose="020B0600000101010101" pitchFamily="50" charset="-127"/>
+              </a:rPr>
+              <a:t>제작과정</a:t>
+            </a:r>
+            <a:endParaRPr lang="en-US" altLang="ko-KR" sz="3600" dirty="0">
+              <a:solidFill>
+                <a:schemeClr val="bg1"/>
+              </a:solidFill>
+              <a:latin typeface="나눔스퀘어 Light" panose="020B0600000101010101" pitchFamily="50" charset="-127"/>
+              <a:ea typeface="나눔스퀘어 Light" panose="020B0600000101010101" pitchFamily="50" charset="-127"/>
+            </a:endParaRPr>
+          </a:p>
+          <a:p>
+            <a:pPr marL="571500" indent="-571500">
+              <a:lnSpc>
+                <a:spcPct val="150000"/>
+              </a:lnSpc>
+              <a:buSzPct val="80000"/>
+              <a:buFont typeface="Wingdings" panose="05000000000000000000" pitchFamily="2" charset="2"/>
+              <a:buChar char="§"/>
+            </a:pPr>
+            <a:r>
+              <a:rPr lang="ko-KR" altLang="en-US" sz="3600" dirty="0">
+                <a:solidFill>
+                  <a:schemeClr val="bg1"/>
+                </a:solidFill>
+                <a:latin typeface="나눔스퀘어 Light" panose="020B0600000101010101" pitchFamily="50" charset="-127"/>
+                <a:ea typeface="나눔스퀘어 Light" panose="020B0600000101010101" pitchFamily="50" charset="-127"/>
+              </a:rPr>
+              <a:t>구현내용</a:t>
+            </a:r>
+          </a:p>
+        </p:txBody>
+      </p:sp>
+      <p:sp>
+        <p:nvSpPr>
+          <p:cNvPr id="10" name="타원 9"/>
+          <p:cNvSpPr/>
+          <p:nvPr/>
+        </p:nvSpPr>
+        <p:spPr>
+          <a:xfrm>
+            <a:off x="-2172066" y="975150"/>
+            <a:ext cx="5040923" cy="4926358"/>
+          </a:xfrm>
+          <a:prstGeom prst="ellipse">
+            <a:avLst/>
+          </a:prstGeom>
+          <a:noFill/>
+          <a:ln w="19050">
+            <a:gradFill>
+              <a:gsLst>
+                <a:gs pos="0">
+                  <a:schemeClr val="accent1">
+                    <a:lumMod val="5000"/>
+                    <a:lumOff val="95000"/>
+                  </a:schemeClr>
+                </a:gs>
+                <a:gs pos="74000">
+                  <a:schemeClr val="accent1">
+                    <a:lumMod val="45000"/>
+                    <a:lumOff val="55000"/>
+                  </a:schemeClr>
+                </a:gs>
+                <a:gs pos="83000">
+                  <a:schemeClr val="accent1">
+                    <a:lumMod val="45000"/>
+                    <a:lumOff val="55000"/>
+                  </a:schemeClr>
+                </a:gs>
+                <a:gs pos="100000">
+                  <a:schemeClr val="accent1">
+                    <a:lumMod val="30000"/>
+                    <a:lumOff val="70000"/>
+                  </a:schemeClr>
+                </a:gs>
+              </a:gsLst>
+              <a:lin ang="5400000" scaled="1"/>
+            </a:gradFill>
+          </a:ln>
+        </p:spPr>
+        <p:style>
+          <a:lnRef idx="2">
+            <a:schemeClr val="accent1">
+              <a:shade val="50000"/>
+            </a:schemeClr>
+          </a:lnRef>
+          <a:fillRef idx="1">
+            <a:schemeClr val="accent1"/>
+          </a:fillRef>
+          <a:effectRef idx="0">
+            <a:schemeClr val="accent1"/>
+          </a:effectRef>
+          <a:fontRef idx="minor">
+            <a:schemeClr val="lt1"/>
+          </a:fontRef>
+        </p:style>
+        <p:txBody>
+          <a:bodyPr rtlCol="0" anchor="ctr"/>
+          <a:lstStyle/>
+          <a:p>
+            <a:pPr algn="ctr"/>
+            <a:endParaRPr lang="en-US" altLang="ko-KR" dirty="0"/>
+          </a:p>
+          <a:p>
+            <a:pPr algn="ctr"/>
+            <a:endParaRPr lang="ko-KR" altLang="en-US" dirty="0"/>
+          </a:p>
+        </p:txBody>
+      </p:sp>
+      <p:sp>
+        <p:nvSpPr>
+          <p:cNvPr id="12" name="타원 11"/>
+          <p:cNvSpPr/>
+          <p:nvPr/>
+        </p:nvSpPr>
+        <p:spPr>
+          <a:xfrm>
+            <a:off x="-2525973" y="1247178"/>
+            <a:ext cx="5020840" cy="4906731"/>
+          </a:xfrm>
+          <a:prstGeom prst="ellipse">
+            <a:avLst/>
+          </a:prstGeom>
+          <a:noFill/>
+          <a:ln w="19050">
+            <a:gradFill flip="none" rotWithShape="1">
+              <a:gsLst>
+                <a:gs pos="0">
+                  <a:srgbClr val="FFC000">
+                    <a:alpha val="81000"/>
+                  </a:srgbClr>
+                </a:gs>
+                <a:gs pos="100000">
+                  <a:srgbClr val="FF0000">
+                    <a:alpha val="67000"/>
+                  </a:srgbClr>
+                </a:gs>
+              </a:gsLst>
+              <a:lin ang="16200000" scaled="1"/>
+              <a:tileRect/>
+            </a:gradFill>
+          </a:ln>
+        </p:spPr>
+        <p:style>
+          <a:lnRef idx="2">
+            <a:schemeClr val="accent1">
+              <a:shade val="50000"/>
+            </a:schemeClr>
+          </a:lnRef>
+          <a:fillRef idx="1">
+            <a:schemeClr val="accent1"/>
+          </a:fillRef>
+          <a:effectRef idx="0">
+            <a:schemeClr val="accent1"/>
+          </a:effectRef>
+          <a:fontRef idx="minor">
+            <a:schemeClr val="lt1"/>
+          </a:fontRef>
+        </p:style>
+        <p:txBody>
+          <a:bodyPr rtlCol="0" anchor="ctr"/>
+          <a:lstStyle/>
+          <a:p>
+            <a:pPr algn="ctr"/>
+            <a:endParaRPr lang="ko-KR" altLang="en-US" dirty="0"/>
+          </a:p>
+        </p:txBody>
+      </p:sp>
+      <p:sp>
+        <p:nvSpPr>
+          <p:cNvPr id="13" name="타원 12"/>
+          <p:cNvSpPr/>
+          <p:nvPr/>
+        </p:nvSpPr>
+        <p:spPr>
+          <a:xfrm>
+            <a:off x="-1953058" y="723104"/>
+            <a:ext cx="4447925" cy="4906731"/>
+          </a:xfrm>
+          <a:prstGeom prst="ellipse">
+            <a:avLst/>
+          </a:prstGeom>
+          <a:noFill/>
+          <a:ln w="19050">
+            <a:gradFill flip="none" rotWithShape="1">
+              <a:gsLst>
+                <a:gs pos="0">
+                  <a:srgbClr val="FFDF79">
+                    <a:alpha val="80784"/>
+                  </a:srgbClr>
+                </a:gs>
+                <a:gs pos="100000">
+                  <a:srgbClr val="FF5B5B">
+                    <a:alpha val="66667"/>
+                  </a:srgbClr>
+                </a:gs>
+              </a:gsLst>
+              <a:lin ang="16200000" scaled="1"/>
+              <a:tileRect/>
+            </a:gradFill>
+          </a:ln>
+        </p:spPr>
+        <p:style>
+          <a:lnRef idx="2">
+            <a:schemeClr val="accent1">
+              <a:shade val="50000"/>
+            </a:schemeClr>
+          </a:lnRef>
+          <a:fillRef idx="1">
+            <a:schemeClr val="accent1"/>
+          </a:fillRef>
+          <a:effectRef idx="0">
+            <a:schemeClr val="accent1"/>
+          </a:effectRef>
+          <a:fontRef idx="minor">
+            <a:schemeClr val="lt1"/>
+          </a:fontRef>
+        </p:style>
+        <p:txBody>
+          <a:bodyPr rtlCol="0" anchor="ctr"/>
+          <a:lstStyle/>
+          <a:p>
+            <a:pPr algn="ctr"/>
+            <a:endParaRPr lang="ko-KR" altLang="en-US" dirty="0"/>
+          </a:p>
+        </p:txBody>
+      </p:sp>
+    </p:spTree>
+    <p:extLst>
+      <p:ext uri="{BB962C8B-B14F-4D97-AF65-F5344CB8AC3E}">
+        <p14:creationId xmlns:p14="http://schemas.microsoft.com/office/powerpoint/2010/main" val="1241990079"/>
+      </p:ext>
+    </p:extLst>
+  </p:cSld>
+  <p:clrMapOvr>
+    <a:masterClrMapping/>
+  </p:clrMapOvr>
+</p:sld>
+</file>
+
+<file path=ppt/slides/slide3.xml><?xml version="1.0" encoding="utf-8"?>
+<p:sld xmlns:a="http://schemas.openxmlformats.org/drawingml/2006/main" xmlns:r="http://schemas.openxmlformats.org/officeDocument/2006/relationships" xmlns:p="http://schemas.openxmlformats.org/presentationml/2006/main">
+  <p:cSld>
+    <p:bg>
+      <p:bgPr>
+        <a:solidFill>
+          <a:schemeClr val="tx1">
+            <a:lumMod val="85000"/>
+            <a:lumOff val="15000"/>
+          </a:schemeClr>
+        </a:solidFill>
+        <a:effectLst/>
+      </p:bgPr>
+    </p:bg>
+    <p:spTree>
+      <p:nvGrpSpPr>
+        <p:cNvPr id="1" name=""/>
+        <p:cNvGrpSpPr/>
+        <p:nvPr/>
+      </p:nvGrpSpPr>
+      <p:grpSpPr>
+        <a:xfrm>
+          <a:off x="0" y="0"/>
+          <a:ext cx="0" cy="0"/>
+          <a:chOff x="0" y="0"/>
+          <a:chExt cx="0" cy="0"/>
+        </a:xfrm>
+      </p:grpSpPr>
+      <p:sp>
+        <p:nvSpPr>
+          <p:cNvPr id="9" name="TextBox 8"/>
+          <p:cNvSpPr txBox="1"/>
+          <p:nvPr/>
+        </p:nvSpPr>
+        <p:spPr>
+          <a:xfrm>
+            <a:off x="674235" y="604195"/>
+            <a:ext cx="2422458" cy="830997"/>
+          </a:xfrm>
+          <a:prstGeom prst="rect">
+            <a:avLst/>
+          </a:prstGeom>
+          <a:noFill/>
+        </p:spPr>
+        <p:txBody>
+          <a:bodyPr wrap="none" rtlCol="0">
+            <a:spAutoFit/>
+          </a:bodyPr>
+          <a:lstStyle/>
+          <a:p>
+            <a:r>
+              <a:rPr lang="ko-KR" altLang="en-US" sz="4800" dirty="0">
+                <a:solidFill>
+                  <a:schemeClr val="bg1"/>
+                </a:solidFill>
+                <a:latin typeface="나눔스퀘어 Light" panose="020B0600000101010101" pitchFamily="50" charset="-127"/>
+                <a:ea typeface="나눔스퀘어 Light" panose="020B0600000101010101" pitchFamily="50" charset="-127"/>
+              </a:rPr>
+              <a:t>게임소개</a:t>
+            </a:r>
+          </a:p>
+        </p:txBody>
+      </p:sp>
+      <p:sp>
+        <p:nvSpPr>
+          <p:cNvPr id="10" name="TextBox 9"/>
+          <p:cNvSpPr txBox="1"/>
+          <p:nvPr/>
+        </p:nvSpPr>
+        <p:spPr>
+          <a:xfrm>
+            <a:off x="674235" y="2075283"/>
+            <a:ext cx="3744936" cy="3046988"/>
+          </a:xfrm>
+          <a:prstGeom prst="rect">
+            <a:avLst/>
+          </a:prstGeom>
+          <a:noFill/>
+        </p:spPr>
+        <p:txBody>
+          <a:bodyPr wrap="none" rtlCol="0">
+            <a:spAutoFit/>
+          </a:bodyPr>
+          <a:lstStyle/>
+          <a:p>
+            <a:pPr marL="571500" indent="-571500">
+              <a:lnSpc>
+                <a:spcPct val="150000"/>
+              </a:lnSpc>
+              <a:buSzPct val="80000"/>
+              <a:buFont typeface="Wingdings" panose="05000000000000000000" pitchFamily="2" charset="2"/>
+              <a:buChar char="§"/>
+            </a:pPr>
+            <a:r>
+              <a:rPr lang="ko-KR" altLang="en-US" sz="3200" dirty="0">
+                <a:solidFill>
+                  <a:schemeClr val="bg1"/>
+                </a:solidFill>
+                <a:latin typeface="나눔스퀘어 Light" panose="020B0600000101010101" pitchFamily="50" charset="-127"/>
+                <a:ea typeface="나눔스퀘어 Light" panose="020B0600000101010101" pitchFamily="50" charset="-127"/>
+              </a:rPr>
+              <a:t>제목 </a:t>
+            </a:r>
+            <a:r>
+              <a:rPr lang="en-US" altLang="ko-KR" sz="3200" dirty="0">
+                <a:solidFill>
+                  <a:schemeClr val="bg1"/>
+                </a:solidFill>
+                <a:latin typeface="나눔스퀘어 Light" panose="020B0600000101010101" pitchFamily="50" charset="-127"/>
+                <a:ea typeface="나눔스퀘어 Light" panose="020B0600000101010101" pitchFamily="50" charset="-127"/>
+              </a:rPr>
+              <a:t>: Satellite</a:t>
+            </a:r>
+          </a:p>
+          <a:p>
+            <a:pPr marL="571500" indent="-571500">
+              <a:lnSpc>
+                <a:spcPct val="150000"/>
+              </a:lnSpc>
+              <a:buSzPct val="80000"/>
+              <a:buFont typeface="Wingdings" panose="05000000000000000000" pitchFamily="2" charset="2"/>
+              <a:buChar char="§"/>
+            </a:pPr>
+            <a:r>
+              <a:rPr lang="ko-KR" altLang="en-US" sz="3200" dirty="0">
+                <a:solidFill>
+                  <a:schemeClr val="bg1"/>
+                </a:solidFill>
+                <a:latin typeface="나눔스퀘어 Light" panose="020B0600000101010101" pitchFamily="50" charset="-127"/>
+                <a:ea typeface="나눔스퀘어 Light" panose="020B0600000101010101" pitchFamily="50" charset="-127"/>
+              </a:rPr>
+              <a:t>장르</a:t>
+            </a:r>
+            <a:r>
+              <a:rPr lang="en-US" altLang="ko-KR" sz="3200" dirty="0">
+                <a:solidFill>
+                  <a:schemeClr val="bg1"/>
+                </a:solidFill>
+                <a:latin typeface="나눔스퀘어 Light" panose="020B0600000101010101" pitchFamily="50" charset="-127"/>
+                <a:ea typeface="나눔스퀘어 Light" panose="020B0600000101010101" pitchFamily="50" charset="-127"/>
+              </a:rPr>
+              <a:t> :</a:t>
+            </a:r>
+            <a:r>
+              <a:rPr lang="ko-KR" altLang="en-US" sz="3200" dirty="0">
+                <a:solidFill>
+                  <a:schemeClr val="bg1"/>
+                </a:solidFill>
+                <a:latin typeface="나눔스퀘어 Light" panose="020B0600000101010101" pitchFamily="50" charset="-127"/>
+                <a:ea typeface="나눔스퀘어 Light" panose="020B0600000101010101" pitchFamily="50" charset="-127"/>
+              </a:rPr>
+              <a:t> 디펜스</a:t>
+            </a:r>
+            <a:endParaRPr lang="en-US" altLang="ko-KR" sz="3200" dirty="0">
+              <a:solidFill>
+                <a:schemeClr val="bg1"/>
+              </a:solidFill>
+              <a:latin typeface="나눔스퀘어 Light" panose="020B0600000101010101" pitchFamily="50" charset="-127"/>
+              <a:ea typeface="나눔스퀘어 Light" panose="020B0600000101010101" pitchFamily="50" charset="-127"/>
+            </a:endParaRPr>
+          </a:p>
+          <a:p>
+            <a:pPr marL="571500" indent="-571500">
+              <a:lnSpc>
+                <a:spcPct val="150000"/>
+              </a:lnSpc>
+              <a:buSzPct val="80000"/>
+              <a:buFont typeface="Wingdings" panose="05000000000000000000" pitchFamily="2" charset="2"/>
+              <a:buChar char="§"/>
+            </a:pPr>
+            <a:r>
+              <a:rPr lang="ko-KR" altLang="en-US" sz="3200" dirty="0">
+                <a:solidFill>
+                  <a:schemeClr val="bg1"/>
+                </a:solidFill>
+                <a:latin typeface="나눔스퀘어 Light" panose="020B0600000101010101" pitchFamily="50" charset="-127"/>
+                <a:ea typeface="나눔스퀘어 Light" panose="020B0600000101010101" pitchFamily="50" charset="-127"/>
+              </a:rPr>
+              <a:t>목적 </a:t>
+            </a:r>
+            <a:r>
+              <a:rPr lang="en-US" altLang="ko-KR" sz="3200" dirty="0">
+                <a:solidFill>
+                  <a:schemeClr val="bg1"/>
+                </a:solidFill>
+                <a:latin typeface="나눔스퀘어 Light" panose="020B0600000101010101" pitchFamily="50" charset="-127"/>
+                <a:ea typeface="나눔스퀘어 Light" panose="020B0600000101010101" pitchFamily="50" charset="-127"/>
+              </a:rPr>
+              <a:t>: </a:t>
+            </a:r>
+            <a:r>
+              <a:rPr lang="ko-KR" altLang="en-US" sz="3200" dirty="0">
+                <a:solidFill>
+                  <a:schemeClr val="bg1"/>
+                </a:solidFill>
+                <a:latin typeface="나눔스퀘어 Light" panose="020B0600000101010101" pitchFamily="50" charset="-127"/>
+                <a:ea typeface="나눔스퀘어 Light" panose="020B0600000101010101" pitchFamily="50" charset="-127"/>
+              </a:rPr>
+              <a:t>행성방어</a:t>
+            </a:r>
+            <a:endParaRPr lang="en-US" altLang="ko-KR" sz="3200" dirty="0">
+              <a:solidFill>
+                <a:schemeClr val="bg1"/>
+              </a:solidFill>
+              <a:latin typeface="나눔스퀘어 Light" panose="020B0600000101010101" pitchFamily="50" charset="-127"/>
+              <a:ea typeface="나눔스퀘어 Light" panose="020B0600000101010101" pitchFamily="50" charset="-127"/>
+            </a:endParaRPr>
+          </a:p>
+          <a:p>
+            <a:pPr>
+              <a:lnSpc>
+                <a:spcPct val="150000"/>
+              </a:lnSpc>
+              <a:buSzPct val="80000"/>
+            </a:pPr>
+            <a:r>
+              <a:rPr lang="en-US" altLang="ko-KR" sz="3200" dirty="0">
+                <a:solidFill>
+                  <a:schemeClr val="bg1"/>
+                </a:solidFill>
+                <a:latin typeface="나눔스퀘어 Light" panose="020B0600000101010101" pitchFamily="50" charset="-127"/>
+                <a:ea typeface="나눔스퀘어 Light" panose="020B0600000101010101" pitchFamily="50" charset="-127"/>
+              </a:rPr>
+              <a:t>			  </a:t>
+            </a:r>
+            <a:r>
+              <a:rPr lang="ko-KR" altLang="en-US" sz="3200" dirty="0">
+                <a:solidFill>
+                  <a:schemeClr val="bg1"/>
+                </a:solidFill>
+                <a:latin typeface="나눔스퀘어 Light" panose="020B0600000101010101" pitchFamily="50" charset="-127"/>
+                <a:ea typeface="나눔스퀘어 Light" panose="020B0600000101010101" pitchFamily="50" charset="-127"/>
+              </a:rPr>
+              <a:t>소행성파괴</a:t>
+            </a:r>
+          </a:p>
+        </p:txBody>
+      </p:sp>
+      <p:grpSp>
+        <p:nvGrpSpPr>
+          <p:cNvPr id="2" name="그룹 1">
+            <a:extLst>
+              <a:ext uri="{FF2B5EF4-FFF2-40B4-BE49-F238E27FC236}">
+                <a16:creationId xmlns:a16="http://schemas.microsoft.com/office/drawing/2014/main" id="{11D15916-331D-4D05-8508-AE7199C2AF1A}"/>
+              </a:ext>
+            </a:extLst>
+          </p:cNvPr>
+          <p:cNvGrpSpPr/>
+          <p:nvPr/>
+        </p:nvGrpSpPr>
+        <p:grpSpPr>
+          <a:xfrm>
+            <a:off x="-1572508" y="-409499"/>
+            <a:ext cx="6193706" cy="6208415"/>
+            <a:chOff x="-1572508" y="-409499"/>
+            <a:chExt cx="6193706" cy="6208415"/>
+          </a:xfrm>
+        </p:grpSpPr>
+        <p:sp>
+          <p:nvSpPr>
+            <p:cNvPr id="11" name="타원 10"/>
+            <p:cNvSpPr/>
+            <p:nvPr/>
+          </p:nvSpPr>
+          <p:spPr>
+            <a:xfrm>
+              <a:off x="-1218601" y="-162445"/>
+              <a:ext cx="5839799" cy="5707078"/>
+            </a:xfrm>
+            <a:prstGeom prst="ellipse">
+              <a:avLst/>
+            </a:prstGeom>
+            <a:noFill/>
+            <a:ln w="19050">
+              <a:gradFill>
+                <a:gsLst>
+                  <a:gs pos="0">
+                    <a:schemeClr val="accent1">
+                      <a:lumMod val="5000"/>
+                      <a:lumOff val="95000"/>
+                      <a:alpha val="50000"/>
+                    </a:schemeClr>
+                  </a:gs>
+                  <a:gs pos="74000">
+                    <a:schemeClr val="accent1">
+                      <a:lumMod val="45000"/>
+                      <a:lumOff val="55000"/>
+                      <a:alpha val="50000"/>
+                    </a:schemeClr>
+                  </a:gs>
+                  <a:gs pos="83000">
+                    <a:schemeClr val="accent1">
+                      <a:lumMod val="45000"/>
+                      <a:lumOff val="55000"/>
+                      <a:alpha val="50000"/>
+                    </a:schemeClr>
+                  </a:gs>
+                  <a:gs pos="100000">
+                    <a:schemeClr val="accent1">
+                      <a:lumMod val="30000"/>
+                      <a:lumOff val="70000"/>
+                      <a:alpha val="50000"/>
+                    </a:schemeClr>
+                  </a:gs>
+                </a:gsLst>
+                <a:lin ang="5400000" scaled="1"/>
+              </a:gradFill>
+            </a:ln>
+          </p:spPr>
+          <p:style>
+            <a:lnRef idx="2">
+              <a:schemeClr val="accent1">
+                <a:shade val="50000"/>
+              </a:schemeClr>
+            </a:lnRef>
+            <a:fillRef idx="1">
+              <a:schemeClr val="accent1"/>
+            </a:fillRef>
+            <a:effectRef idx="0">
+              <a:schemeClr val="accent1"/>
+            </a:effectRef>
+            <a:fontRef idx="minor">
+              <a:schemeClr val="lt1"/>
+            </a:fontRef>
+          </p:style>
+          <p:txBody>
+            <a:bodyPr rtlCol="0" anchor="ctr"/>
+            <a:lstStyle/>
+            <a:p>
+              <a:pPr algn="ctr"/>
+              <a:endParaRPr lang="en-US" altLang="ko-KR" dirty="0">
+                <a:latin typeface="나눔스퀘어 Light" panose="020B0600000101010101" pitchFamily="50" charset="-127"/>
+                <a:ea typeface="나눔스퀘어 Light" panose="020B0600000101010101" pitchFamily="50" charset="-127"/>
+              </a:endParaRPr>
+            </a:p>
+            <a:p>
+              <a:pPr algn="ctr"/>
+              <a:endParaRPr lang="ko-KR" altLang="en-US" dirty="0">
+                <a:latin typeface="나눔스퀘어 Light" panose="020B0600000101010101" pitchFamily="50" charset="-127"/>
+                <a:ea typeface="나눔스퀘어 Light" panose="020B0600000101010101" pitchFamily="50" charset="-127"/>
+              </a:endParaRPr>
+            </a:p>
+          </p:txBody>
+        </p:sp>
+        <p:sp>
+          <p:nvSpPr>
+            <p:cNvPr id="12" name="타원 11"/>
+            <p:cNvSpPr/>
+            <p:nvPr/>
+          </p:nvSpPr>
+          <p:spPr>
+            <a:xfrm>
+              <a:off x="-1572508" y="114575"/>
+              <a:ext cx="5816534" cy="5684341"/>
+            </a:xfrm>
+            <a:prstGeom prst="ellipse">
+              <a:avLst/>
+            </a:prstGeom>
+            <a:noFill/>
+            <a:ln w="19050">
+              <a:gradFill flip="none" rotWithShape="1">
+                <a:gsLst>
+                  <a:gs pos="0">
+                    <a:srgbClr val="FFC000">
+                      <a:alpha val="50000"/>
+                    </a:srgbClr>
+                  </a:gs>
+                  <a:gs pos="100000">
+                    <a:srgbClr val="FF0000">
+                      <a:alpha val="50000"/>
+                    </a:srgbClr>
+                  </a:gs>
+                </a:gsLst>
+                <a:lin ang="16200000" scaled="1"/>
+                <a:tileRect/>
+              </a:gradFill>
+            </a:ln>
+          </p:spPr>
+          <p:style>
+            <a:lnRef idx="2">
+              <a:schemeClr val="accent1">
+                <a:shade val="50000"/>
+              </a:schemeClr>
+            </a:lnRef>
+            <a:fillRef idx="1">
+              <a:schemeClr val="accent1"/>
+            </a:fillRef>
+            <a:effectRef idx="0">
+              <a:schemeClr val="accent1"/>
+            </a:effectRef>
+            <a:fontRef idx="minor">
+              <a:schemeClr val="lt1"/>
+            </a:fontRef>
+          </p:style>
+          <p:txBody>
+            <a:bodyPr rtlCol="0" anchor="ctr"/>
+            <a:lstStyle/>
+            <a:p>
+              <a:pPr algn="ctr"/>
+              <a:endParaRPr lang="ko-KR" altLang="en-US" dirty="0"/>
+            </a:p>
+          </p:txBody>
+        </p:sp>
+        <p:sp>
+          <p:nvSpPr>
+            <p:cNvPr id="13" name="타원 12"/>
+            <p:cNvSpPr/>
+            <p:nvPr/>
+          </p:nvSpPr>
+          <p:spPr>
+            <a:xfrm>
+              <a:off x="-999593" y="-409499"/>
+              <a:ext cx="5152825" cy="5684341"/>
+            </a:xfrm>
+            <a:prstGeom prst="ellipse">
+              <a:avLst/>
+            </a:prstGeom>
+            <a:noFill/>
+            <a:ln w="19050">
+              <a:gradFill flip="none" rotWithShape="1">
+                <a:gsLst>
+                  <a:gs pos="0">
+                    <a:srgbClr val="FFDF79">
+                      <a:alpha val="50000"/>
+                    </a:srgbClr>
+                  </a:gs>
+                  <a:gs pos="100000">
+                    <a:srgbClr val="FF5B5B">
+                      <a:alpha val="50000"/>
+                    </a:srgbClr>
+                  </a:gs>
+                </a:gsLst>
+                <a:lin ang="16200000" scaled="1"/>
+                <a:tileRect/>
+              </a:gradFill>
+            </a:ln>
+          </p:spPr>
+          <p:style>
+            <a:lnRef idx="2">
+              <a:schemeClr val="accent1">
+                <a:shade val="50000"/>
+              </a:schemeClr>
+            </a:lnRef>
+            <a:fillRef idx="1">
+              <a:schemeClr val="accent1"/>
+            </a:fillRef>
+            <a:effectRef idx="0">
+              <a:schemeClr val="accent1"/>
+            </a:effectRef>
+            <a:fontRef idx="minor">
+              <a:schemeClr val="lt1"/>
+            </a:fontRef>
+          </p:style>
+          <p:txBody>
+            <a:bodyPr rtlCol="0" anchor="ctr"/>
+            <a:lstStyle/>
+            <a:p>
+              <a:pPr algn="ctr"/>
+              <a:endParaRPr lang="ko-KR" altLang="en-US" dirty="0">
+                <a:latin typeface="나눔스퀘어 Light" panose="020B0600000101010101" pitchFamily="50" charset="-127"/>
+                <a:ea typeface="나눔스퀘어 Light" panose="020B0600000101010101" pitchFamily="50" charset="-127"/>
+              </a:endParaRPr>
+            </a:p>
+          </p:txBody>
+        </p:sp>
+      </p:grpSp>
+      <p:sp>
+        <p:nvSpPr>
+          <p:cNvPr id="18" name="직사각형 17"/>
+          <p:cNvSpPr/>
+          <p:nvPr/>
+        </p:nvSpPr>
+        <p:spPr>
+          <a:xfrm rot="20700000">
+            <a:off x="-1829960" y="1179248"/>
+            <a:ext cx="12986795" cy="5392260"/>
+          </a:xfrm>
+          <a:prstGeom prst="rect">
+            <a:avLst/>
+          </a:prstGeom>
+          <a:solidFill>
+            <a:schemeClr val="bg1">
+              <a:lumMod val="50000"/>
+              <a:alpha val="10000"/>
+            </a:schemeClr>
+          </a:solidFill>
+          <a:ln>
+            <a:noFill/>
+          </a:ln>
+        </p:spPr>
+        <p:style>
+          <a:lnRef idx="2">
+            <a:schemeClr val="accent1">
+              <a:shade val="50000"/>
+            </a:schemeClr>
+          </a:lnRef>
+          <a:fillRef idx="1">
+            <a:schemeClr val="accent1"/>
+          </a:fillRef>
+          <a:effectRef idx="0">
+            <a:schemeClr val="accent1"/>
+          </a:effectRef>
+          <a:fontRef idx="minor">
+            <a:schemeClr val="lt1"/>
+          </a:fontRef>
+        </p:style>
+        <p:txBody>
+          <a:bodyPr rtlCol="0" anchor="ctr"/>
+          <a:lstStyle/>
+          <a:p>
+            <a:pPr algn="ctr"/>
+            <a:endParaRPr lang="ko-KR" altLang="en-US" dirty="0"/>
+          </a:p>
+        </p:txBody>
+      </p:sp>
+    </p:spTree>
+    <p:extLst>
+      <p:ext uri="{BB962C8B-B14F-4D97-AF65-F5344CB8AC3E}">
+        <p14:creationId xmlns:p14="http://schemas.microsoft.com/office/powerpoint/2010/main" val="1915591509"/>
+      </p:ext>
+    </p:extLst>
+  </p:cSld>
+  <p:clrMapOvr>
+    <a:masterClrMapping/>
+  </p:clrMapOvr>
+</p:sld>
+</file>
+
+<file path=ppt/slides/slide4.xml><?xml version="1.0" encoding="utf-8"?>
+<p:sld xmlns:a="http://schemas.openxmlformats.org/drawingml/2006/main" xmlns:r="http://schemas.openxmlformats.org/officeDocument/2006/relationships" xmlns:p="http://schemas.openxmlformats.org/presentationml/2006/main">
+  <p:cSld>
+    <p:spTree>
+      <p:nvGrpSpPr>
+        <p:cNvPr id="1" name=""/>
+        <p:cNvGrpSpPr/>
+        <p:nvPr/>
+      </p:nvGrpSpPr>
+      <p:grpSpPr>
+        <a:xfrm>
+          <a:off x="0" y="0"/>
+          <a:ext cx="0" cy="0"/>
+          <a:chOff x="0" y="0"/>
+          <a:chExt cx="0" cy="0"/>
+        </a:xfrm>
+      </p:grpSpPr>
+      <p:sp>
+        <p:nvSpPr>
+          <p:cNvPr id="35" name="Rectangle 34"/>
+          <p:cNvSpPr>
+            <a:spLocks noGrp="1" noRot="1" noChangeAspect="1" noMove="1" noResize="1" noEditPoints="1" noAdjustHandles="1" noChangeArrowheads="1" noChangeShapeType="1" noTextEdit="1"/>
+          </p:cNvSpPr>
+          <p:nvPr>
+            <p:extLst>
+              <p:ext uri="{386F3935-93C4-4BCD-93E2-E3B085C9AB24}">
+                <p16:designElem xmlns:p16="http://schemas.microsoft.com/office/powerpoint/2015/main" val="1"/>
+              </p:ext>
+            </p:extLst>
+          </p:nvPr>
+        </p:nvSpPr>
+        <p:spPr bwMode="white">
+          <a:xfrm>
+            <a:off x="0" y="0"/>
+            <a:ext cx="9144000" cy="6858000"/>
+          </a:xfrm>
+          <a:prstGeom prst="rect">
+            <a:avLst/>
+          </a:prstGeom>
+          <a:solidFill>
+            <a:schemeClr val="bg1"/>
+          </a:solidFill>
+          <a:ln>
+            <a:noFill/>
+          </a:ln>
+          <a:effectLst/>
+        </p:spPr>
+      </p:sp>
+      <p:pic>
+        <p:nvPicPr>
+          <p:cNvPr id="13" name="그림 12" descr="스크린샷이(가) 표시된 사진&#10;&#10;매우 높은 신뢰도로 생성된 설명">
+            <a:extLst>
+              <a:ext uri="{FF2B5EF4-FFF2-40B4-BE49-F238E27FC236}">
+                <a16:creationId xmlns:a16="http://schemas.microsoft.com/office/drawing/2014/main" id="{33E62964-0200-4B33-B44F-4079FFB977FB}"/>
+              </a:ext>
+            </a:extLst>
+          </p:cNvPr>
+          <p:cNvPicPr>
+            <a:picLocks noChangeAspect="1"/>
+          </p:cNvPicPr>
+          <p:nvPr/>
+        </p:nvPicPr>
+        <p:blipFill rotWithShape="1">
+          <a:blip r:embed="rId2"/>
+          <a:srcRect l="12218" r="23434" b="6389"/>
+          <a:stretch/>
+        </p:blipFill>
+        <p:spPr>
+          <a:xfrm>
+            <a:off x="3614166" y="10"/>
+            <a:ext cx="5529834" cy="6857989"/>
+          </a:xfrm>
+          <a:prstGeom prst="rect">
+            <a:avLst/>
+          </a:prstGeom>
+        </p:spPr>
+      </p:pic>
+      <p:sp>
+        <p:nvSpPr>
+          <p:cNvPr id="37" name="Freeform 8"/>
+          <p:cNvSpPr>
+            <a:spLocks noGrp="1" noRot="1" noChangeAspect="1" noMove="1" noResize="1" noEditPoints="1" noAdjustHandles="1" noChangeArrowheads="1" noChangeShapeType="1" noTextEdit="1"/>
+          </p:cNvSpPr>
+          <p:nvPr>
+            <p:extLst>
+              <p:ext uri="{386F3935-93C4-4BCD-93E2-E3B085C9AB24}">
+                <p16:designElem xmlns:p16="http://schemas.microsoft.com/office/powerpoint/2015/main" val="1"/>
+              </p:ext>
+            </p:extLst>
+          </p:nvPr>
+        </p:nvSpPr>
+        <p:spPr>
+          <a:xfrm>
+            <a:off x="-638" y="0"/>
+            <a:ext cx="7101526" cy="6857999"/>
+          </a:xfrm>
+          <a:custGeom>
+            <a:avLst/>
+            <a:gdLst>
+              <a:gd name="connsiteX0" fmla="*/ 0 w 8078051"/>
+              <a:gd name="connsiteY0" fmla="*/ 0 h 5829300"/>
+              <a:gd name="connsiteX1" fmla="*/ 4453793 w 8078051"/>
+              <a:gd name="connsiteY1" fmla="*/ 0 h 5829300"/>
+              <a:gd name="connsiteX2" fmla="*/ 5363426 w 8078051"/>
+              <a:gd name="connsiteY2" fmla="*/ 0 h 5829300"/>
+              <a:gd name="connsiteX3" fmla="*/ 5368184 w 8078051"/>
+              <a:gd name="connsiteY3" fmla="*/ 0 h 5829300"/>
+              <a:gd name="connsiteX4" fmla="*/ 8078051 w 8078051"/>
+              <a:gd name="connsiteY4" fmla="*/ 5829300 h 5829300"/>
+              <a:gd name="connsiteX5" fmla="*/ 1743926 w 8078051"/>
+              <a:gd name="connsiteY5" fmla="*/ 5829300 h 5829300"/>
+              <a:gd name="connsiteX6" fmla="*/ 1744148 w 8078051"/>
+              <a:gd name="connsiteY6" fmla="*/ 5828822 h 5829300"/>
+              <a:gd name="connsiteX7" fmla="*/ 0 w 8078051"/>
+              <a:gd name="connsiteY7" fmla="*/ 5828822 h 5829300"/>
+            </a:gdLst>
+            <a:ahLst/>
+            <a:cxnLst>
+              <a:cxn ang="0">
+                <a:pos x="connsiteX0" y="connsiteY0"/>
+              </a:cxn>
+              <a:cxn ang="0">
+                <a:pos x="connsiteX1" y="connsiteY1"/>
+              </a:cxn>
+              <a:cxn ang="0">
+                <a:pos x="connsiteX2" y="connsiteY2"/>
+              </a:cxn>
+              <a:cxn ang="0">
+                <a:pos x="connsiteX3" y="connsiteY3"/>
+              </a:cxn>
+              <a:cxn ang="0">
+                <a:pos x="connsiteX4" y="connsiteY4"/>
+              </a:cxn>
+              <a:cxn ang="0">
+                <a:pos x="connsiteX5" y="connsiteY5"/>
+              </a:cxn>
+              <a:cxn ang="0">
+                <a:pos x="connsiteX6" y="connsiteY6"/>
+              </a:cxn>
+              <a:cxn ang="0">
+                <a:pos x="connsiteX7" y="connsiteY7"/>
+              </a:cxn>
+            </a:cxnLst>
+            <a:rect l="l" t="t" r="r" b="b"/>
+            <a:pathLst>
+              <a:path w="8078051" h="5829300">
+                <a:moveTo>
+                  <a:pt x="0" y="0"/>
+                </a:moveTo>
+                <a:lnTo>
+                  <a:pt x="4453793" y="0"/>
+                </a:lnTo>
+                <a:lnTo>
+                  <a:pt x="5363426" y="0"/>
+                </a:lnTo>
+                <a:lnTo>
+                  <a:pt x="5368184" y="0"/>
+                </a:lnTo>
+                <a:lnTo>
+                  <a:pt x="8078051" y="5829300"/>
+                </a:lnTo>
+                <a:lnTo>
+                  <a:pt x="1743926" y="5829300"/>
+                </a:lnTo>
+                <a:lnTo>
+                  <a:pt x="1744148" y="5828822"/>
+                </a:lnTo>
+                <a:lnTo>
+                  <a:pt x="0" y="5828822"/>
+                </a:lnTo>
+                <a:close/>
+              </a:path>
+            </a:pathLst>
+          </a:custGeom>
+          <a:solidFill>
+            <a:schemeClr val="tx1">
+              <a:lumMod val="85000"/>
+              <a:lumOff val="15000"/>
+              <a:alpha val="70000"/>
+            </a:schemeClr>
+          </a:solidFill>
+          <a:ln>
+            <a:noFill/>
+          </a:ln>
+        </p:spPr>
+        <p:style>
+          <a:lnRef idx="2">
+            <a:schemeClr val="accent1">
+              <a:shade val="50000"/>
+            </a:schemeClr>
+          </a:lnRef>
+          <a:fillRef idx="1">
+            <a:schemeClr val="accent1"/>
+          </a:fillRef>
+          <a:effectRef idx="0">
+            <a:schemeClr val="accent1"/>
+          </a:effectRef>
+          <a:fontRef idx="minor">
+            <a:schemeClr val="lt1"/>
+          </a:fontRef>
+        </p:style>
+        <p:txBody>
+          <a:bodyPr rtlCol="0" anchor="ctr"/>
+          <a:lstStyle/>
+          <a:p>
+            <a:pPr algn="ctr"/>
+            <a:endParaRPr lang="en-US" sz="1350"/>
+          </a:p>
+        </p:txBody>
+      </p:sp>
+      <p:sp>
+        <p:nvSpPr>
+          <p:cNvPr id="39" name="Freeform 11"/>
+          <p:cNvSpPr>
+            <a:spLocks noGrp="1" noRot="1" noChangeAspect="1" noMove="1" noResize="1" noEditPoints="1" noAdjustHandles="1" noChangeArrowheads="1" noChangeShapeType="1" noTextEdit="1"/>
+          </p:cNvSpPr>
+          <p:nvPr>
+            <p:extLst>
+              <p:ext uri="{386F3935-93C4-4BCD-93E2-E3B085C9AB24}">
+                <p16:designElem xmlns:p16="http://schemas.microsoft.com/office/powerpoint/2015/main" val="1"/>
+              </p:ext>
+            </p:extLst>
+          </p:nvPr>
+        </p:nvSpPr>
+        <p:spPr>
+          <a:xfrm>
+            <a:off x="-639" y="0"/>
+            <a:ext cx="6058539" cy="6857999"/>
+          </a:xfrm>
+          <a:custGeom>
+            <a:avLst/>
+            <a:gdLst>
+              <a:gd name="connsiteX0" fmla="*/ 0 w 8078052"/>
+              <a:gd name="connsiteY0" fmla="*/ 0 h 6858478"/>
+              <a:gd name="connsiteX1" fmla="*/ 3829872 w 8078052"/>
+              <a:gd name="connsiteY1" fmla="*/ 0 h 6858478"/>
+              <a:gd name="connsiteX2" fmla="*/ 4896100 w 8078052"/>
+              <a:gd name="connsiteY2" fmla="*/ 0 h 6858478"/>
+              <a:gd name="connsiteX3" fmla="*/ 4901677 w 8078052"/>
+              <a:gd name="connsiteY3" fmla="*/ 0 h 6858478"/>
+              <a:gd name="connsiteX4" fmla="*/ 8078052 w 8078052"/>
+              <a:gd name="connsiteY4" fmla="*/ 6858478 h 6858478"/>
+              <a:gd name="connsiteX5" fmla="*/ 653497 w 8078052"/>
+              <a:gd name="connsiteY5" fmla="*/ 6858478 h 6858478"/>
+              <a:gd name="connsiteX6" fmla="*/ 653757 w 8078052"/>
+              <a:gd name="connsiteY6" fmla="*/ 6857916 h 6858478"/>
+              <a:gd name="connsiteX7" fmla="*/ 0 w 8078052"/>
+              <a:gd name="connsiteY7" fmla="*/ 6857916 h 6858478"/>
+            </a:gdLst>
+            <a:ahLst/>
+            <a:cxnLst>
+              <a:cxn ang="0">
+                <a:pos x="connsiteX0" y="connsiteY0"/>
+              </a:cxn>
+              <a:cxn ang="0">
+                <a:pos x="connsiteX1" y="connsiteY1"/>
+              </a:cxn>
+              <a:cxn ang="0">
+                <a:pos x="connsiteX2" y="connsiteY2"/>
+              </a:cxn>
+              <a:cxn ang="0">
+                <a:pos x="connsiteX3" y="connsiteY3"/>
+              </a:cxn>
+              <a:cxn ang="0">
+                <a:pos x="connsiteX4" y="connsiteY4"/>
+              </a:cxn>
+              <a:cxn ang="0">
+                <a:pos x="connsiteX5" y="connsiteY5"/>
+              </a:cxn>
+              <a:cxn ang="0">
+                <a:pos x="connsiteX6" y="connsiteY6"/>
+              </a:cxn>
+              <a:cxn ang="0">
+                <a:pos x="connsiteX7" y="connsiteY7"/>
+              </a:cxn>
+            </a:cxnLst>
+            <a:rect l="l" t="t" r="r" b="b"/>
+            <a:pathLst>
+              <a:path w="8078052" h="6858478">
+                <a:moveTo>
+                  <a:pt x="0" y="0"/>
+                </a:moveTo>
+                <a:lnTo>
+                  <a:pt x="3829872" y="0"/>
+                </a:lnTo>
+                <a:lnTo>
+                  <a:pt x="4896100" y="0"/>
+                </a:lnTo>
+                <a:lnTo>
+                  <a:pt x="4901677" y="0"/>
+                </a:lnTo>
+                <a:lnTo>
+                  <a:pt x="8078052" y="6858478"/>
+                </a:lnTo>
+                <a:lnTo>
+                  <a:pt x="653497" y="6858478"/>
+                </a:lnTo>
+                <a:lnTo>
+                  <a:pt x="653757" y="6857916"/>
+                </a:lnTo>
+                <a:lnTo>
+                  <a:pt x="0" y="6857916"/>
+                </a:lnTo>
+                <a:close/>
+              </a:path>
+            </a:pathLst>
+          </a:custGeom>
+          <a:solidFill>
+            <a:schemeClr val="tx1">
+              <a:lumMod val="85000"/>
+              <a:lumOff val="15000"/>
+            </a:schemeClr>
+          </a:solidFill>
+          <a:ln>
+            <a:noFill/>
+          </a:ln>
+        </p:spPr>
+        <p:style>
+          <a:lnRef idx="2">
+            <a:schemeClr val="accent1">
+              <a:shade val="50000"/>
+            </a:schemeClr>
+          </a:lnRef>
+          <a:fillRef idx="1">
+            <a:schemeClr val="accent1"/>
+          </a:fillRef>
+          <a:effectRef idx="0">
+            <a:schemeClr val="accent1"/>
+          </a:effectRef>
+          <a:fontRef idx="minor">
+            <a:schemeClr val="lt1"/>
+          </a:fontRef>
+        </p:style>
+        <p:txBody>
+          <a:bodyPr rtlCol="0" anchor="ctr"/>
+          <a:lstStyle/>
+          <a:p>
+            <a:pPr algn="ctr"/>
+            <a:endParaRPr lang="en-US" sz="1350"/>
+          </a:p>
+        </p:txBody>
+      </p:sp>
+      <p:sp>
+        <p:nvSpPr>
+          <p:cNvPr id="10" name="TextBox 9"/>
+          <p:cNvSpPr txBox="1"/>
+          <p:nvPr/>
+        </p:nvSpPr>
+        <p:spPr>
+          <a:xfrm>
+            <a:off x="603504" y="2807494"/>
+            <a:ext cx="3711321" cy="1988400"/>
+          </a:xfrm>
+          <a:prstGeom prst="rect">
+            <a:avLst/>
+          </a:prstGeom>
+        </p:spPr>
+        <p:txBody>
+          <a:bodyPr vert="horz" lIns="91440" tIns="45720" rIns="91440" bIns="45720" rtlCol="0" anchor="t">
+            <a:normAutofit/>
+          </a:bodyPr>
+          <a:lstStyle/>
+          <a:p>
+            <a:pPr defTabSz="914400">
+              <a:lnSpc>
+                <a:spcPct val="90000"/>
+              </a:lnSpc>
+              <a:spcBef>
+                <a:spcPct val="0"/>
+              </a:spcBef>
+            </a:pPr>
+            <a:r>
+              <a:rPr lang="ko-KR" altLang="en-US" sz="4050">
+                <a:solidFill>
+                  <a:srgbClr val="FFFFFF"/>
+                </a:solidFill>
+                <a:latin typeface="+mj-lt"/>
+                <a:ea typeface="+mj-ea"/>
+                <a:cs typeface="+mj-cs"/>
+              </a:rPr>
+              <a:t>제작과정</a:t>
+            </a:r>
+          </a:p>
+        </p:txBody>
+      </p:sp>
+    </p:spTree>
+    <p:extLst>
+      <p:ext uri="{BB962C8B-B14F-4D97-AF65-F5344CB8AC3E}">
+        <p14:creationId xmlns:p14="http://schemas.microsoft.com/office/powerpoint/2010/main" val="3325879335"/>
+      </p:ext>
+    </p:extLst>
+  </p:cSld>
+  <p:clrMapOvr>
+    <a:masterClrMapping/>
+  </p:clrMapOvr>
+</p:sld>
+</file>
+
+<file path=ppt/slides/slide5.xml><?xml version="1.0" encoding="utf-8"?>
+<p:sld xmlns:a="http://schemas.openxmlformats.org/drawingml/2006/main" xmlns:r="http://schemas.openxmlformats.org/officeDocument/2006/relationships" xmlns:p="http://schemas.openxmlformats.org/presentationml/2006/main">
+  <p:cSld>
     <p:spTree>
       <p:nvGrpSpPr>
         <p:cNvPr id="1" name=""/>
@@ -3712,7 +6018,7 @@
 </p:sld>
 </file>
 
-<file path=ppt/slides/slide11.xml><?xml version="1.0" encoding="utf-8"?>
+<file path=ppt/slides/slide6.xml><?xml version="1.0" encoding="utf-8"?>
 <p:sld xmlns:a="http://schemas.openxmlformats.org/drawingml/2006/main" xmlns:r="http://schemas.openxmlformats.org/officeDocument/2006/relationships" xmlns:p="http://schemas.openxmlformats.org/presentationml/2006/main">
   <p:cSld>
     <p:bg>
@@ -4835,6 +7141,35 @@
           </p:txBody>
         </p:sp>
       </p:grpSp>
+      <p:pic>
+        <p:nvPicPr>
+          <p:cNvPr id="31" name="그림 30">
+            <a:extLst>
+              <a:ext uri="{FF2B5EF4-FFF2-40B4-BE49-F238E27FC236}">
+                <a16:creationId xmlns:a16="http://schemas.microsoft.com/office/drawing/2014/main" id="{EFB023C0-0859-4991-9F83-E9C99F6646F3}"/>
+              </a:ext>
+            </a:extLst>
+          </p:cNvPr>
+          <p:cNvPicPr>
+            <a:picLocks noChangeAspect="1"/>
+          </p:cNvPicPr>
+          <p:nvPr/>
+        </p:nvPicPr>
+        <p:blipFill rotWithShape="1">
+          <a:blip r:embed="rId2"/>
+          <a:srcRect l="40584" t="75670" r="56018" b="13629"/>
+          <a:stretch/>
+        </p:blipFill>
+        <p:spPr>
+          <a:xfrm rot="1630306">
+            <a:off x="7926898" y="1052361"/>
+            <a:ext cx="310717" cy="550416"/>
+          </a:xfrm>
+          <a:prstGeom prst="rect">
+            <a:avLst/>
+          </a:prstGeom>
+        </p:spPr>
+      </p:pic>
     </p:spTree>
     <p:extLst>
       <p:ext uri="{BB962C8B-B14F-4D97-AF65-F5344CB8AC3E}">
@@ -4848,936 +7183,7 @@
 </p:sld>
 </file>
 
-<file path=ppt/slides/slide2.xml><?xml version="1.0" encoding="utf-8"?>
-<p:sld xmlns:a="http://schemas.openxmlformats.org/drawingml/2006/main" xmlns:r="http://schemas.openxmlformats.org/officeDocument/2006/relationships" xmlns:p="http://schemas.openxmlformats.org/presentationml/2006/main">
-  <p:cSld>
-    <p:bg>
-      <p:bgPr>
-        <a:solidFill>
-          <a:schemeClr val="tx1">
-            <a:lumMod val="85000"/>
-            <a:lumOff val="15000"/>
-          </a:schemeClr>
-        </a:solidFill>
-        <a:effectLst/>
-      </p:bgPr>
-    </p:bg>
-    <p:spTree>
-      <p:nvGrpSpPr>
-        <p:cNvPr id="1" name=""/>
-        <p:cNvGrpSpPr/>
-        <p:nvPr/>
-      </p:nvGrpSpPr>
-      <p:grpSpPr>
-        <a:xfrm>
-          <a:off x="0" y="0"/>
-          <a:ext cx="0" cy="0"/>
-          <a:chOff x="0" y="0"/>
-          <a:chExt cx="0" cy="0"/>
-        </a:xfrm>
-      </p:grpSpPr>
-      <p:sp>
-        <p:nvSpPr>
-          <p:cNvPr id="9" name="TextBox 8"/>
-          <p:cNvSpPr txBox="1"/>
-          <p:nvPr/>
-        </p:nvSpPr>
-        <p:spPr>
-          <a:xfrm>
-            <a:off x="270904" y="2930496"/>
-            <a:ext cx="2014013" cy="1015663"/>
-          </a:xfrm>
-          <a:prstGeom prst="rect">
-            <a:avLst/>
-          </a:prstGeom>
-          <a:noFill/>
-        </p:spPr>
-        <p:txBody>
-          <a:bodyPr wrap="none" rtlCol="0">
-            <a:spAutoFit/>
-          </a:bodyPr>
-          <a:lstStyle/>
-          <a:p>
-            <a:r>
-              <a:rPr lang="en-US" altLang="ko-KR" sz="6000" dirty="0">
-                <a:solidFill>
-                  <a:schemeClr val="bg1"/>
-                </a:solidFill>
-                <a:latin typeface="나눔스퀘어 Light" panose="020B0600000101010101" pitchFamily="50" charset="-127"/>
-                <a:ea typeface="나눔스퀘어 Light" panose="020B0600000101010101" pitchFamily="50" charset="-127"/>
-              </a:rPr>
-              <a:t>Index</a:t>
-            </a:r>
-            <a:endParaRPr lang="ko-KR" altLang="en-US" sz="6000" dirty="0">
-              <a:solidFill>
-                <a:schemeClr val="bg1"/>
-              </a:solidFill>
-              <a:latin typeface="나눔스퀘어 Light" panose="020B0600000101010101" pitchFamily="50" charset="-127"/>
-              <a:ea typeface="나눔스퀘어 Light" panose="020B0600000101010101" pitchFamily="50" charset="-127"/>
-            </a:endParaRPr>
-          </a:p>
-        </p:txBody>
-      </p:sp>
-      <p:sp>
-        <p:nvSpPr>
-          <p:cNvPr id="11" name="TextBox 10"/>
-          <p:cNvSpPr txBox="1"/>
-          <p:nvPr/>
-        </p:nvSpPr>
-        <p:spPr>
-          <a:xfrm>
-            <a:off x="4039338" y="1545502"/>
-            <a:ext cx="3414181" cy="3785652"/>
-          </a:xfrm>
-          <a:prstGeom prst="rect">
-            <a:avLst/>
-          </a:prstGeom>
-          <a:noFill/>
-        </p:spPr>
-        <p:txBody>
-          <a:bodyPr wrap="square" rtlCol="0">
-            <a:spAutoFit/>
-          </a:bodyPr>
-          <a:lstStyle/>
-          <a:p>
-            <a:pPr marL="571500" indent="-571500">
-              <a:lnSpc>
-                <a:spcPct val="150000"/>
-              </a:lnSpc>
-              <a:buSzPct val="80000"/>
-              <a:buFont typeface="Wingdings" panose="05000000000000000000" pitchFamily="2" charset="2"/>
-              <a:buChar char="§"/>
-            </a:pPr>
-            <a:r>
-              <a:rPr lang="ko-KR" altLang="en-US" sz="4000" dirty="0">
-                <a:solidFill>
-                  <a:schemeClr val="bg1"/>
-                </a:solidFill>
-                <a:latin typeface="나눔스퀘어 Light" panose="020B0600000101010101" pitchFamily="50" charset="-127"/>
-                <a:ea typeface="나눔스퀘어 Light" panose="020B0600000101010101" pitchFamily="50" charset="-127"/>
-              </a:rPr>
-              <a:t>게임소개</a:t>
-            </a:r>
-            <a:endParaRPr lang="en-US" altLang="ko-KR" sz="4000" dirty="0">
-              <a:solidFill>
-                <a:schemeClr val="bg1"/>
-              </a:solidFill>
-              <a:latin typeface="나눔스퀘어 Light" panose="020B0600000101010101" pitchFamily="50" charset="-127"/>
-              <a:ea typeface="나눔스퀘어 Light" panose="020B0600000101010101" pitchFamily="50" charset="-127"/>
-            </a:endParaRPr>
-          </a:p>
-          <a:p>
-            <a:pPr marL="1028700" lvl="1" indent="-571500">
-              <a:lnSpc>
-                <a:spcPct val="150000"/>
-              </a:lnSpc>
-              <a:buSzPct val="80000"/>
-              <a:buFont typeface="Wingdings" panose="05000000000000000000" pitchFamily="2" charset="2"/>
-              <a:buChar char="§"/>
-            </a:pPr>
-            <a:r>
-              <a:rPr lang="ko-KR" altLang="en-US" sz="4000" dirty="0">
-                <a:solidFill>
-                  <a:schemeClr val="bg1"/>
-                </a:solidFill>
-                <a:latin typeface="나눔스퀘어 Light" panose="020B0600000101010101" pitchFamily="50" charset="-127"/>
-                <a:ea typeface="나눔스퀘어 Light" panose="020B0600000101010101" pitchFamily="50" charset="-127"/>
-              </a:rPr>
-              <a:t>구현내용</a:t>
-            </a:r>
-            <a:endParaRPr lang="en-US" altLang="ko-KR" sz="4000" dirty="0">
-              <a:solidFill>
-                <a:schemeClr val="bg1"/>
-              </a:solidFill>
-              <a:latin typeface="나눔스퀘어 Light" panose="020B0600000101010101" pitchFamily="50" charset="-127"/>
-              <a:ea typeface="나눔스퀘어 Light" panose="020B0600000101010101" pitchFamily="50" charset="-127"/>
-            </a:endParaRPr>
-          </a:p>
-          <a:p>
-            <a:pPr marL="1028700" lvl="1" indent="-571500">
-              <a:lnSpc>
-                <a:spcPct val="150000"/>
-              </a:lnSpc>
-              <a:buSzPct val="80000"/>
-              <a:buFont typeface="Wingdings" panose="05000000000000000000" pitchFamily="2" charset="2"/>
-              <a:buChar char="§"/>
-            </a:pPr>
-            <a:r>
-              <a:rPr lang="ko-KR" altLang="en-US" sz="4000" dirty="0">
-                <a:solidFill>
-                  <a:schemeClr val="bg1"/>
-                </a:solidFill>
-                <a:latin typeface="나눔스퀘어 Light" panose="020B0600000101010101" pitchFamily="50" charset="-127"/>
-                <a:ea typeface="나눔스퀘어 Light" panose="020B0600000101010101" pitchFamily="50" charset="-127"/>
-              </a:rPr>
-              <a:t>역할분배</a:t>
-            </a:r>
-            <a:endParaRPr lang="en-US" altLang="ko-KR" sz="4000" dirty="0">
-              <a:solidFill>
-                <a:schemeClr val="bg1"/>
-              </a:solidFill>
-              <a:latin typeface="나눔스퀘어 Light" panose="020B0600000101010101" pitchFamily="50" charset="-127"/>
-              <a:ea typeface="나눔스퀘어 Light" panose="020B0600000101010101" pitchFamily="50" charset="-127"/>
-            </a:endParaRPr>
-          </a:p>
-          <a:p>
-            <a:pPr marL="571500" indent="-571500">
-              <a:lnSpc>
-                <a:spcPct val="150000"/>
-              </a:lnSpc>
-              <a:buSzPct val="80000"/>
-              <a:buFont typeface="Wingdings" panose="05000000000000000000" pitchFamily="2" charset="2"/>
-              <a:buChar char="§"/>
-            </a:pPr>
-            <a:r>
-              <a:rPr lang="ko-KR" altLang="en-US" sz="4000" dirty="0">
-                <a:solidFill>
-                  <a:schemeClr val="bg1"/>
-                </a:solidFill>
-                <a:latin typeface="나눔스퀘어 Light" panose="020B0600000101010101" pitchFamily="50" charset="-127"/>
-                <a:ea typeface="나눔스퀘어 Light" panose="020B0600000101010101" pitchFamily="50" charset="-127"/>
-              </a:rPr>
-              <a:t>제작과정</a:t>
-            </a:r>
-          </a:p>
-        </p:txBody>
-      </p:sp>
-      <p:sp>
-        <p:nvSpPr>
-          <p:cNvPr id="10" name="타원 9"/>
-          <p:cNvSpPr/>
-          <p:nvPr/>
-        </p:nvSpPr>
-        <p:spPr>
-          <a:xfrm>
-            <a:off x="-2172066" y="975150"/>
-            <a:ext cx="5040923" cy="4926358"/>
-          </a:xfrm>
-          <a:prstGeom prst="ellipse">
-            <a:avLst/>
-          </a:prstGeom>
-          <a:noFill/>
-          <a:ln w="19050">
-            <a:gradFill>
-              <a:gsLst>
-                <a:gs pos="0">
-                  <a:schemeClr val="accent1">
-                    <a:lumMod val="5000"/>
-                    <a:lumOff val="95000"/>
-                  </a:schemeClr>
-                </a:gs>
-                <a:gs pos="74000">
-                  <a:schemeClr val="accent1">
-                    <a:lumMod val="45000"/>
-                    <a:lumOff val="55000"/>
-                  </a:schemeClr>
-                </a:gs>
-                <a:gs pos="83000">
-                  <a:schemeClr val="accent1">
-                    <a:lumMod val="45000"/>
-                    <a:lumOff val="55000"/>
-                  </a:schemeClr>
-                </a:gs>
-                <a:gs pos="100000">
-                  <a:schemeClr val="accent1">
-                    <a:lumMod val="30000"/>
-                    <a:lumOff val="70000"/>
-                  </a:schemeClr>
-                </a:gs>
-              </a:gsLst>
-              <a:lin ang="5400000" scaled="1"/>
-            </a:gradFill>
-          </a:ln>
-        </p:spPr>
-        <p:style>
-          <a:lnRef idx="2">
-            <a:schemeClr val="accent1">
-              <a:shade val="50000"/>
-            </a:schemeClr>
-          </a:lnRef>
-          <a:fillRef idx="1">
-            <a:schemeClr val="accent1"/>
-          </a:fillRef>
-          <a:effectRef idx="0">
-            <a:schemeClr val="accent1"/>
-          </a:effectRef>
-          <a:fontRef idx="minor">
-            <a:schemeClr val="lt1"/>
-          </a:fontRef>
-        </p:style>
-        <p:txBody>
-          <a:bodyPr rtlCol="0" anchor="ctr"/>
-          <a:lstStyle/>
-          <a:p>
-            <a:pPr algn="ctr"/>
-            <a:endParaRPr lang="en-US" altLang="ko-KR" dirty="0"/>
-          </a:p>
-          <a:p>
-            <a:pPr algn="ctr"/>
-            <a:endParaRPr lang="ko-KR" altLang="en-US" dirty="0"/>
-          </a:p>
-        </p:txBody>
-      </p:sp>
-      <p:sp>
-        <p:nvSpPr>
-          <p:cNvPr id="12" name="타원 11"/>
-          <p:cNvSpPr/>
-          <p:nvPr/>
-        </p:nvSpPr>
-        <p:spPr>
-          <a:xfrm>
-            <a:off x="-2525973" y="1247178"/>
-            <a:ext cx="5020840" cy="4906731"/>
-          </a:xfrm>
-          <a:prstGeom prst="ellipse">
-            <a:avLst/>
-          </a:prstGeom>
-          <a:noFill/>
-          <a:ln w="19050">
-            <a:gradFill flip="none" rotWithShape="1">
-              <a:gsLst>
-                <a:gs pos="0">
-                  <a:srgbClr val="FFC000">
-                    <a:alpha val="81000"/>
-                  </a:srgbClr>
-                </a:gs>
-                <a:gs pos="100000">
-                  <a:srgbClr val="FF0000">
-                    <a:alpha val="67000"/>
-                  </a:srgbClr>
-                </a:gs>
-              </a:gsLst>
-              <a:lin ang="16200000" scaled="1"/>
-              <a:tileRect/>
-            </a:gradFill>
-          </a:ln>
-        </p:spPr>
-        <p:style>
-          <a:lnRef idx="2">
-            <a:schemeClr val="accent1">
-              <a:shade val="50000"/>
-            </a:schemeClr>
-          </a:lnRef>
-          <a:fillRef idx="1">
-            <a:schemeClr val="accent1"/>
-          </a:fillRef>
-          <a:effectRef idx="0">
-            <a:schemeClr val="accent1"/>
-          </a:effectRef>
-          <a:fontRef idx="minor">
-            <a:schemeClr val="lt1"/>
-          </a:fontRef>
-        </p:style>
-        <p:txBody>
-          <a:bodyPr rtlCol="0" anchor="ctr"/>
-          <a:lstStyle/>
-          <a:p>
-            <a:pPr algn="ctr"/>
-            <a:endParaRPr lang="ko-KR" altLang="en-US" dirty="0"/>
-          </a:p>
-        </p:txBody>
-      </p:sp>
-      <p:sp>
-        <p:nvSpPr>
-          <p:cNvPr id="13" name="타원 12"/>
-          <p:cNvSpPr/>
-          <p:nvPr/>
-        </p:nvSpPr>
-        <p:spPr>
-          <a:xfrm>
-            <a:off x="-1953058" y="723104"/>
-            <a:ext cx="4447925" cy="4906731"/>
-          </a:xfrm>
-          <a:prstGeom prst="ellipse">
-            <a:avLst/>
-          </a:prstGeom>
-          <a:noFill/>
-          <a:ln w="19050">
-            <a:gradFill flip="none" rotWithShape="1">
-              <a:gsLst>
-                <a:gs pos="0">
-                  <a:srgbClr val="FFDF79">
-                    <a:alpha val="80784"/>
-                  </a:srgbClr>
-                </a:gs>
-                <a:gs pos="100000">
-                  <a:srgbClr val="FF5B5B">
-                    <a:alpha val="66667"/>
-                  </a:srgbClr>
-                </a:gs>
-              </a:gsLst>
-              <a:lin ang="16200000" scaled="1"/>
-              <a:tileRect/>
-            </a:gradFill>
-          </a:ln>
-        </p:spPr>
-        <p:style>
-          <a:lnRef idx="2">
-            <a:schemeClr val="accent1">
-              <a:shade val="50000"/>
-            </a:schemeClr>
-          </a:lnRef>
-          <a:fillRef idx="1">
-            <a:schemeClr val="accent1"/>
-          </a:fillRef>
-          <a:effectRef idx="0">
-            <a:schemeClr val="accent1"/>
-          </a:effectRef>
-          <a:fontRef idx="minor">
-            <a:schemeClr val="lt1"/>
-          </a:fontRef>
-        </p:style>
-        <p:txBody>
-          <a:bodyPr rtlCol="0" anchor="ctr"/>
-          <a:lstStyle/>
-          <a:p>
-            <a:pPr algn="ctr"/>
-            <a:endParaRPr lang="ko-KR" altLang="en-US" dirty="0"/>
-          </a:p>
-        </p:txBody>
-      </p:sp>
-    </p:spTree>
-    <p:extLst>
-      <p:ext uri="{BB962C8B-B14F-4D97-AF65-F5344CB8AC3E}">
-        <p14:creationId xmlns:p14="http://schemas.microsoft.com/office/powerpoint/2010/main" val="1241990079"/>
-      </p:ext>
-    </p:extLst>
-  </p:cSld>
-  <p:clrMapOvr>
-    <a:masterClrMapping/>
-  </p:clrMapOvr>
-</p:sld>
-</file>
-
-<file path=ppt/slides/slide3.xml><?xml version="1.0" encoding="utf-8"?>
-<p:sld xmlns:a="http://schemas.openxmlformats.org/drawingml/2006/main" xmlns:r="http://schemas.openxmlformats.org/officeDocument/2006/relationships" xmlns:p="http://schemas.openxmlformats.org/presentationml/2006/main">
-  <p:cSld>
-    <p:bg>
-      <p:bgPr>
-        <a:solidFill>
-          <a:schemeClr val="tx1">
-            <a:lumMod val="85000"/>
-            <a:lumOff val="15000"/>
-          </a:schemeClr>
-        </a:solidFill>
-        <a:effectLst/>
-      </p:bgPr>
-    </p:bg>
-    <p:spTree>
-      <p:nvGrpSpPr>
-        <p:cNvPr id="1" name=""/>
-        <p:cNvGrpSpPr/>
-        <p:nvPr/>
-      </p:nvGrpSpPr>
-      <p:grpSpPr>
-        <a:xfrm>
-          <a:off x="0" y="0"/>
-          <a:ext cx="0" cy="0"/>
-          <a:chOff x="0" y="0"/>
-          <a:chExt cx="0" cy="0"/>
-        </a:xfrm>
-      </p:grpSpPr>
-      <p:sp>
-        <p:nvSpPr>
-          <p:cNvPr id="9" name="TextBox 8"/>
-          <p:cNvSpPr txBox="1"/>
-          <p:nvPr/>
-        </p:nvSpPr>
-        <p:spPr>
-          <a:xfrm>
-            <a:off x="674235" y="604195"/>
-            <a:ext cx="2422458" cy="830997"/>
-          </a:xfrm>
-          <a:prstGeom prst="rect">
-            <a:avLst/>
-          </a:prstGeom>
-          <a:noFill/>
-        </p:spPr>
-        <p:txBody>
-          <a:bodyPr wrap="none" rtlCol="0">
-            <a:spAutoFit/>
-          </a:bodyPr>
-          <a:lstStyle/>
-          <a:p>
-            <a:r>
-              <a:rPr lang="ko-KR" altLang="en-US" sz="4800" dirty="0">
-                <a:solidFill>
-                  <a:schemeClr val="bg1"/>
-                </a:solidFill>
-                <a:latin typeface="나눔스퀘어 Light" panose="020B0600000101010101" pitchFamily="50" charset="-127"/>
-                <a:ea typeface="나눔스퀘어 Light" panose="020B0600000101010101" pitchFamily="50" charset="-127"/>
-              </a:rPr>
-              <a:t>게임소개</a:t>
-            </a:r>
-          </a:p>
-        </p:txBody>
-      </p:sp>
-      <p:sp>
-        <p:nvSpPr>
-          <p:cNvPr id="10" name="TextBox 9"/>
-          <p:cNvSpPr txBox="1"/>
-          <p:nvPr/>
-        </p:nvSpPr>
-        <p:spPr>
-          <a:xfrm>
-            <a:off x="674235" y="2075283"/>
-            <a:ext cx="3744936" cy="3046988"/>
-          </a:xfrm>
-          <a:prstGeom prst="rect">
-            <a:avLst/>
-          </a:prstGeom>
-          <a:noFill/>
-        </p:spPr>
-        <p:txBody>
-          <a:bodyPr wrap="none" rtlCol="0">
-            <a:spAutoFit/>
-          </a:bodyPr>
-          <a:lstStyle/>
-          <a:p>
-            <a:pPr marL="571500" indent="-571500">
-              <a:lnSpc>
-                <a:spcPct val="150000"/>
-              </a:lnSpc>
-              <a:buSzPct val="80000"/>
-              <a:buFont typeface="Wingdings" panose="05000000000000000000" pitchFamily="2" charset="2"/>
-              <a:buChar char="§"/>
-            </a:pPr>
-            <a:r>
-              <a:rPr lang="ko-KR" altLang="en-US" sz="3200" dirty="0">
-                <a:solidFill>
-                  <a:schemeClr val="bg1"/>
-                </a:solidFill>
-                <a:latin typeface="나눔스퀘어 Light" panose="020B0600000101010101" pitchFamily="50" charset="-127"/>
-                <a:ea typeface="나눔스퀘어 Light" panose="020B0600000101010101" pitchFamily="50" charset="-127"/>
-              </a:rPr>
-              <a:t>제목 </a:t>
-            </a:r>
-            <a:r>
-              <a:rPr lang="en-US" altLang="ko-KR" sz="3200" dirty="0">
-                <a:solidFill>
-                  <a:schemeClr val="bg1"/>
-                </a:solidFill>
-                <a:latin typeface="나눔스퀘어 Light" panose="020B0600000101010101" pitchFamily="50" charset="-127"/>
-                <a:ea typeface="나눔스퀘어 Light" panose="020B0600000101010101" pitchFamily="50" charset="-127"/>
-              </a:rPr>
-              <a:t>: Satellite</a:t>
-            </a:r>
-          </a:p>
-          <a:p>
-            <a:pPr marL="571500" indent="-571500">
-              <a:lnSpc>
-                <a:spcPct val="150000"/>
-              </a:lnSpc>
-              <a:buSzPct val="80000"/>
-              <a:buFont typeface="Wingdings" panose="05000000000000000000" pitchFamily="2" charset="2"/>
-              <a:buChar char="§"/>
-            </a:pPr>
-            <a:r>
-              <a:rPr lang="ko-KR" altLang="en-US" sz="3200" dirty="0">
-                <a:solidFill>
-                  <a:schemeClr val="bg1"/>
-                </a:solidFill>
-                <a:latin typeface="나눔스퀘어 Light" panose="020B0600000101010101" pitchFamily="50" charset="-127"/>
-                <a:ea typeface="나눔스퀘어 Light" panose="020B0600000101010101" pitchFamily="50" charset="-127"/>
-              </a:rPr>
-              <a:t>장르</a:t>
-            </a:r>
-            <a:r>
-              <a:rPr lang="en-US" altLang="ko-KR" sz="3200" dirty="0">
-                <a:solidFill>
-                  <a:schemeClr val="bg1"/>
-                </a:solidFill>
-                <a:latin typeface="나눔스퀘어 Light" panose="020B0600000101010101" pitchFamily="50" charset="-127"/>
-                <a:ea typeface="나눔스퀘어 Light" panose="020B0600000101010101" pitchFamily="50" charset="-127"/>
-              </a:rPr>
-              <a:t> :</a:t>
-            </a:r>
-            <a:r>
-              <a:rPr lang="ko-KR" altLang="en-US" sz="3200" dirty="0">
-                <a:solidFill>
-                  <a:schemeClr val="bg1"/>
-                </a:solidFill>
-                <a:latin typeface="나눔스퀘어 Light" panose="020B0600000101010101" pitchFamily="50" charset="-127"/>
-                <a:ea typeface="나눔스퀘어 Light" panose="020B0600000101010101" pitchFamily="50" charset="-127"/>
-              </a:rPr>
-              <a:t> 디펜스</a:t>
-            </a:r>
-            <a:endParaRPr lang="en-US" altLang="ko-KR" sz="3200" dirty="0">
-              <a:solidFill>
-                <a:schemeClr val="bg1"/>
-              </a:solidFill>
-              <a:latin typeface="나눔스퀘어 Light" panose="020B0600000101010101" pitchFamily="50" charset="-127"/>
-              <a:ea typeface="나눔스퀘어 Light" panose="020B0600000101010101" pitchFamily="50" charset="-127"/>
-            </a:endParaRPr>
-          </a:p>
-          <a:p>
-            <a:pPr marL="571500" indent="-571500">
-              <a:lnSpc>
-                <a:spcPct val="150000"/>
-              </a:lnSpc>
-              <a:buSzPct val="80000"/>
-              <a:buFont typeface="Wingdings" panose="05000000000000000000" pitchFamily="2" charset="2"/>
-              <a:buChar char="§"/>
-            </a:pPr>
-            <a:r>
-              <a:rPr lang="ko-KR" altLang="en-US" sz="3200" dirty="0">
-                <a:solidFill>
-                  <a:schemeClr val="bg1"/>
-                </a:solidFill>
-                <a:latin typeface="나눔스퀘어 Light" panose="020B0600000101010101" pitchFamily="50" charset="-127"/>
-                <a:ea typeface="나눔스퀘어 Light" panose="020B0600000101010101" pitchFamily="50" charset="-127"/>
-              </a:rPr>
-              <a:t>목적 </a:t>
-            </a:r>
-            <a:r>
-              <a:rPr lang="en-US" altLang="ko-KR" sz="3200" dirty="0">
-                <a:solidFill>
-                  <a:schemeClr val="bg1"/>
-                </a:solidFill>
-                <a:latin typeface="나눔스퀘어 Light" panose="020B0600000101010101" pitchFamily="50" charset="-127"/>
-                <a:ea typeface="나눔스퀘어 Light" panose="020B0600000101010101" pitchFamily="50" charset="-127"/>
-              </a:rPr>
-              <a:t>: </a:t>
-            </a:r>
-            <a:r>
-              <a:rPr lang="ko-KR" altLang="en-US" sz="3200" dirty="0">
-                <a:solidFill>
-                  <a:schemeClr val="bg1"/>
-                </a:solidFill>
-                <a:latin typeface="나눔스퀘어 Light" panose="020B0600000101010101" pitchFamily="50" charset="-127"/>
-                <a:ea typeface="나눔스퀘어 Light" panose="020B0600000101010101" pitchFamily="50" charset="-127"/>
-              </a:rPr>
-              <a:t>행성방어</a:t>
-            </a:r>
-            <a:endParaRPr lang="en-US" altLang="ko-KR" sz="3200" dirty="0">
-              <a:solidFill>
-                <a:schemeClr val="bg1"/>
-              </a:solidFill>
-              <a:latin typeface="나눔스퀘어 Light" panose="020B0600000101010101" pitchFamily="50" charset="-127"/>
-              <a:ea typeface="나눔스퀘어 Light" panose="020B0600000101010101" pitchFamily="50" charset="-127"/>
-            </a:endParaRPr>
-          </a:p>
-          <a:p>
-            <a:pPr>
-              <a:lnSpc>
-                <a:spcPct val="150000"/>
-              </a:lnSpc>
-              <a:buSzPct val="80000"/>
-            </a:pPr>
-            <a:r>
-              <a:rPr lang="en-US" altLang="ko-KR" sz="3200" dirty="0">
-                <a:solidFill>
-                  <a:schemeClr val="bg1"/>
-                </a:solidFill>
-                <a:latin typeface="나눔스퀘어 Light" panose="020B0600000101010101" pitchFamily="50" charset="-127"/>
-                <a:ea typeface="나눔스퀘어 Light" panose="020B0600000101010101" pitchFamily="50" charset="-127"/>
-              </a:rPr>
-              <a:t>			  </a:t>
-            </a:r>
-            <a:r>
-              <a:rPr lang="ko-KR" altLang="en-US" sz="3200" dirty="0">
-                <a:solidFill>
-                  <a:schemeClr val="bg1"/>
-                </a:solidFill>
-                <a:latin typeface="나눔스퀘어 Light" panose="020B0600000101010101" pitchFamily="50" charset="-127"/>
-                <a:ea typeface="나눔스퀘어 Light" panose="020B0600000101010101" pitchFamily="50" charset="-127"/>
-              </a:rPr>
-              <a:t>소행성파괴</a:t>
-            </a:r>
-          </a:p>
-        </p:txBody>
-      </p:sp>
-      <p:grpSp>
-        <p:nvGrpSpPr>
-          <p:cNvPr id="2" name="그룹 1">
-            <a:extLst>
-              <a:ext uri="{FF2B5EF4-FFF2-40B4-BE49-F238E27FC236}">
-                <a16:creationId xmlns:a16="http://schemas.microsoft.com/office/drawing/2014/main" id="{11D15916-331D-4D05-8508-AE7199C2AF1A}"/>
-              </a:ext>
-            </a:extLst>
-          </p:cNvPr>
-          <p:cNvGrpSpPr/>
-          <p:nvPr/>
-        </p:nvGrpSpPr>
-        <p:grpSpPr>
-          <a:xfrm>
-            <a:off x="-1572508" y="-409499"/>
-            <a:ext cx="6193706" cy="6208415"/>
-            <a:chOff x="-1572508" y="-409499"/>
-            <a:chExt cx="6193706" cy="6208415"/>
-          </a:xfrm>
-        </p:grpSpPr>
-        <p:sp>
-          <p:nvSpPr>
-            <p:cNvPr id="11" name="타원 10"/>
-            <p:cNvSpPr/>
-            <p:nvPr/>
-          </p:nvSpPr>
-          <p:spPr>
-            <a:xfrm>
-              <a:off x="-1218601" y="-162445"/>
-              <a:ext cx="5839799" cy="5707078"/>
-            </a:xfrm>
-            <a:prstGeom prst="ellipse">
-              <a:avLst/>
-            </a:prstGeom>
-            <a:noFill/>
-            <a:ln w="19050">
-              <a:gradFill>
-                <a:gsLst>
-                  <a:gs pos="0">
-                    <a:schemeClr val="accent1">
-                      <a:lumMod val="5000"/>
-                      <a:lumOff val="95000"/>
-                      <a:alpha val="50000"/>
-                    </a:schemeClr>
-                  </a:gs>
-                  <a:gs pos="74000">
-                    <a:schemeClr val="accent1">
-                      <a:lumMod val="45000"/>
-                      <a:lumOff val="55000"/>
-                      <a:alpha val="50000"/>
-                    </a:schemeClr>
-                  </a:gs>
-                  <a:gs pos="83000">
-                    <a:schemeClr val="accent1">
-                      <a:lumMod val="45000"/>
-                      <a:lumOff val="55000"/>
-                      <a:alpha val="50000"/>
-                    </a:schemeClr>
-                  </a:gs>
-                  <a:gs pos="100000">
-                    <a:schemeClr val="accent1">
-                      <a:lumMod val="30000"/>
-                      <a:lumOff val="70000"/>
-                      <a:alpha val="50000"/>
-                    </a:schemeClr>
-                  </a:gs>
-                </a:gsLst>
-                <a:lin ang="5400000" scaled="1"/>
-              </a:gradFill>
-            </a:ln>
-          </p:spPr>
-          <p:style>
-            <a:lnRef idx="2">
-              <a:schemeClr val="accent1">
-                <a:shade val="50000"/>
-              </a:schemeClr>
-            </a:lnRef>
-            <a:fillRef idx="1">
-              <a:schemeClr val="accent1"/>
-            </a:fillRef>
-            <a:effectRef idx="0">
-              <a:schemeClr val="accent1"/>
-            </a:effectRef>
-            <a:fontRef idx="minor">
-              <a:schemeClr val="lt1"/>
-            </a:fontRef>
-          </p:style>
-          <p:txBody>
-            <a:bodyPr rtlCol="0" anchor="ctr"/>
-            <a:lstStyle/>
-            <a:p>
-              <a:pPr algn="ctr"/>
-              <a:endParaRPr lang="en-US" altLang="ko-KR" dirty="0">
-                <a:latin typeface="나눔스퀘어 Light" panose="020B0600000101010101" pitchFamily="50" charset="-127"/>
-                <a:ea typeface="나눔스퀘어 Light" panose="020B0600000101010101" pitchFamily="50" charset="-127"/>
-              </a:endParaRPr>
-            </a:p>
-            <a:p>
-              <a:pPr algn="ctr"/>
-              <a:endParaRPr lang="ko-KR" altLang="en-US" dirty="0">
-                <a:latin typeface="나눔스퀘어 Light" panose="020B0600000101010101" pitchFamily="50" charset="-127"/>
-                <a:ea typeface="나눔스퀘어 Light" panose="020B0600000101010101" pitchFamily="50" charset="-127"/>
-              </a:endParaRPr>
-            </a:p>
-          </p:txBody>
-        </p:sp>
-        <p:sp>
-          <p:nvSpPr>
-            <p:cNvPr id="12" name="타원 11"/>
-            <p:cNvSpPr/>
-            <p:nvPr/>
-          </p:nvSpPr>
-          <p:spPr>
-            <a:xfrm>
-              <a:off x="-1572508" y="114575"/>
-              <a:ext cx="5816534" cy="5684341"/>
-            </a:xfrm>
-            <a:prstGeom prst="ellipse">
-              <a:avLst/>
-            </a:prstGeom>
-            <a:noFill/>
-            <a:ln w="19050">
-              <a:gradFill flip="none" rotWithShape="1">
-                <a:gsLst>
-                  <a:gs pos="0">
-                    <a:srgbClr val="FFC000">
-                      <a:alpha val="50000"/>
-                    </a:srgbClr>
-                  </a:gs>
-                  <a:gs pos="100000">
-                    <a:srgbClr val="FF0000">
-                      <a:alpha val="50000"/>
-                    </a:srgbClr>
-                  </a:gs>
-                </a:gsLst>
-                <a:lin ang="16200000" scaled="1"/>
-                <a:tileRect/>
-              </a:gradFill>
-            </a:ln>
-          </p:spPr>
-          <p:style>
-            <a:lnRef idx="2">
-              <a:schemeClr val="accent1">
-                <a:shade val="50000"/>
-              </a:schemeClr>
-            </a:lnRef>
-            <a:fillRef idx="1">
-              <a:schemeClr val="accent1"/>
-            </a:fillRef>
-            <a:effectRef idx="0">
-              <a:schemeClr val="accent1"/>
-            </a:effectRef>
-            <a:fontRef idx="minor">
-              <a:schemeClr val="lt1"/>
-            </a:fontRef>
-          </p:style>
-          <p:txBody>
-            <a:bodyPr rtlCol="0" anchor="ctr"/>
-            <a:lstStyle/>
-            <a:p>
-              <a:pPr algn="ctr"/>
-              <a:endParaRPr lang="ko-KR" altLang="en-US" dirty="0"/>
-            </a:p>
-          </p:txBody>
-        </p:sp>
-        <p:sp>
-          <p:nvSpPr>
-            <p:cNvPr id="13" name="타원 12"/>
-            <p:cNvSpPr/>
-            <p:nvPr/>
-          </p:nvSpPr>
-          <p:spPr>
-            <a:xfrm>
-              <a:off x="-999593" y="-409499"/>
-              <a:ext cx="5152825" cy="5684341"/>
-            </a:xfrm>
-            <a:prstGeom prst="ellipse">
-              <a:avLst/>
-            </a:prstGeom>
-            <a:noFill/>
-            <a:ln w="19050">
-              <a:gradFill flip="none" rotWithShape="1">
-                <a:gsLst>
-                  <a:gs pos="0">
-                    <a:srgbClr val="FFDF79">
-                      <a:alpha val="50000"/>
-                    </a:srgbClr>
-                  </a:gs>
-                  <a:gs pos="100000">
-                    <a:srgbClr val="FF5B5B">
-                      <a:alpha val="50000"/>
-                    </a:srgbClr>
-                  </a:gs>
-                </a:gsLst>
-                <a:lin ang="16200000" scaled="1"/>
-                <a:tileRect/>
-              </a:gradFill>
-            </a:ln>
-          </p:spPr>
-          <p:style>
-            <a:lnRef idx="2">
-              <a:schemeClr val="accent1">
-                <a:shade val="50000"/>
-              </a:schemeClr>
-            </a:lnRef>
-            <a:fillRef idx="1">
-              <a:schemeClr val="accent1"/>
-            </a:fillRef>
-            <a:effectRef idx="0">
-              <a:schemeClr val="accent1"/>
-            </a:effectRef>
-            <a:fontRef idx="minor">
-              <a:schemeClr val="lt1"/>
-            </a:fontRef>
-          </p:style>
-          <p:txBody>
-            <a:bodyPr rtlCol="0" anchor="ctr"/>
-            <a:lstStyle/>
-            <a:p>
-              <a:pPr algn="ctr"/>
-              <a:endParaRPr lang="ko-KR" altLang="en-US" dirty="0">
-                <a:latin typeface="나눔스퀘어 Light" panose="020B0600000101010101" pitchFamily="50" charset="-127"/>
-                <a:ea typeface="나눔스퀘어 Light" panose="020B0600000101010101" pitchFamily="50" charset="-127"/>
-              </a:endParaRPr>
-            </a:p>
-          </p:txBody>
-        </p:sp>
-      </p:grpSp>
-      <p:sp>
-        <p:nvSpPr>
-          <p:cNvPr id="18" name="직사각형 17"/>
-          <p:cNvSpPr/>
-          <p:nvPr/>
-        </p:nvSpPr>
-        <p:spPr>
-          <a:xfrm rot="20700000">
-            <a:off x="-1829960" y="1179248"/>
-            <a:ext cx="12986795" cy="5392260"/>
-          </a:xfrm>
-          <a:prstGeom prst="rect">
-            <a:avLst/>
-          </a:prstGeom>
-          <a:solidFill>
-            <a:schemeClr val="bg1">
-              <a:lumMod val="50000"/>
-              <a:alpha val="10000"/>
-            </a:schemeClr>
-          </a:solidFill>
-          <a:ln>
-            <a:noFill/>
-          </a:ln>
-        </p:spPr>
-        <p:style>
-          <a:lnRef idx="2">
-            <a:schemeClr val="accent1">
-              <a:shade val="50000"/>
-            </a:schemeClr>
-          </a:lnRef>
-          <a:fillRef idx="1">
-            <a:schemeClr val="accent1"/>
-          </a:fillRef>
-          <a:effectRef idx="0">
-            <a:schemeClr val="accent1"/>
-          </a:effectRef>
-          <a:fontRef idx="minor">
-            <a:schemeClr val="lt1"/>
-          </a:fontRef>
-        </p:style>
-        <p:txBody>
-          <a:bodyPr rtlCol="0" anchor="ctr"/>
-          <a:lstStyle/>
-          <a:p>
-            <a:pPr algn="ctr"/>
-            <a:endParaRPr lang="ko-KR" altLang="en-US" dirty="0"/>
-          </a:p>
-        </p:txBody>
-      </p:sp>
-    </p:spTree>
-    <p:extLst>
-      <p:ext uri="{BB962C8B-B14F-4D97-AF65-F5344CB8AC3E}">
-        <p14:creationId xmlns:p14="http://schemas.microsoft.com/office/powerpoint/2010/main" val="1915591509"/>
-      </p:ext>
-    </p:extLst>
-  </p:cSld>
-  <p:clrMapOvr>
-    <a:masterClrMapping/>
-  </p:clrMapOvr>
-</p:sld>
-</file>
-
-<file path=ppt/slides/slide4.xml><?xml version="1.0" encoding="utf-8"?>
+<file path=ppt/slides/slide7.xml><?xml version="1.0" encoding="utf-8"?>
 <p:sld xmlns:a="http://schemas.openxmlformats.org/drawingml/2006/main" xmlns:r="http://schemas.openxmlformats.org/officeDocument/2006/relationships" xmlns:p="http://schemas.openxmlformats.org/presentationml/2006/main">
   <p:cSld>
     <p:bg>
@@ -6259,7 +7665,7 @@
 </p:sld>
 </file>
 
-<file path=ppt/slides/slide5.xml><?xml version="1.0" encoding="utf-8"?>
+<file path=ppt/slides/slide8.xml><?xml version="1.0" encoding="utf-8"?>
 <p:sld xmlns:a="http://schemas.openxmlformats.org/drawingml/2006/main" xmlns:r="http://schemas.openxmlformats.org/officeDocument/2006/relationships" xmlns:p="http://schemas.openxmlformats.org/presentationml/2006/main">
   <p:cSld>
     <p:bg>
@@ -6875,7 +8281,7 @@
 </p:sld>
 </file>
 
-<file path=ppt/slides/slide6.xml><?xml version="1.0" encoding="utf-8"?>
+<file path=ppt/slides/slide9.xml><?xml version="1.0" encoding="utf-8"?>
 <p:sld xmlns:a="http://schemas.openxmlformats.org/drawingml/2006/main" xmlns:r="http://schemas.openxmlformats.org/officeDocument/2006/relationships" xmlns:p="http://schemas.openxmlformats.org/presentationml/2006/main">
   <p:cSld>
     <p:bg>
@@ -8638,1383 +10044,6 @@
   </p:cSld>
   <p:clrMapOvr>
     <a:overrideClrMapping bg1="lt1" tx1="dk1" bg2="lt2" tx2="dk2" accent1="accent1" accent2="accent2" accent3="accent3" accent4="accent4" accent5="accent5" accent6="accent6" hlink="hlink" folHlink="folHlink"/>
-  </p:clrMapOvr>
-</p:sld>
-</file>
-
-<file path=ppt/slides/slide7.xml><?xml version="1.0" encoding="utf-8"?>
-<p:sld xmlns:a="http://schemas.openxmlformats.org/drawingml/2006/main" xmlns:r="http://schemas.openxmlformats.org/officeDocument/2006/relationships" xmlns:p="http://schemas.openxmlformats.org/presentationml/2006/main">
-  <p:cSld>
-    <p:bg>
-      <p:bgPr>
-        <a:solidFill>
-          <a:schemeClr val="tx1">
-            <a:lumMod val="85000"/>
-            <a:lumOff val="15000"/>
-          </a:schemeClr>
-        </a:solidFill>
-        <a:effectLst/>
-      </p:bgPr>
-    </p:bg>
-    <p:spTree>
-      <p:nvGrpSpPr>
-        <p:cNvPr id="1" name=""/>
-        <p:cNvGrpSpPr/>
-        <p:nvPr/>
-      </p:nvGrpSpPr>
-      <p:grpSpPr>
-        <a:xfrm>
-          <a:off x="0" y="0"/>
-          <a:ext cx="0" cy="0"/>
-          <a:chOff x="0" y="0"/>
-          <a:chExt cx="0" cy="0"/>
-        </a:xfrm>
-      </p:grpSpPr>
-      <p:sp>
-        <p:nvSpPr>
-          <p:cNvPr id="3" name="내용 개체 틀 2">
-            <a:extLst>
-              <a:ext uri="{FF2B5EF4-FFF2-40B4-BE49-F238E27FC236}">
-                <a16:creationId xmlns:a16="http://schemas.microsoft.com/office/drawing/2014/main" id="{972CE041-03FA-4BFB-AA4E-6057DEA64598}"/>
-              </a:ext>
-            </a:extLst>
-          </p:cNvPr>
-          <p:cNvSpPr>
-            <a:spLocks noGrp="1"/>
-          </p:cNvSpPr>
-          <p:nvPr>
-            <p:ph idx="1"/>
-          </p:nvPr>
-        </p:nvSpPr>
-        <p:spPr>
-          <a:xfrm>
-            <a:off x="628650" y="1825624"/>
-            <a:ext cx="7886700" cy="5032375"/>
-          </a:xfrm>
-        </p:spPr>
-        <p:txBody>
-          <a:bodyPr>
-            <a:normAutofit/>
-          </a:bodyPr>
-          <a:lstStyle/>
-          <a:p>
-            <a:r>
-              <a:rPr lang="ko-KR" altLang="en-US" dirty="0">
-                <a:solidFill>
-                  <a:schemeClr val="bg1"/>
-                </a:solidFill>
-              </a:rPr>
-              <a:t>적을 많이 생성했더니 </a:t>
-            </a:r>
-            <a:r>
-              <a:rPr lang="ko-KR" altLang="en-US" dirty="0" err="1">
-                <a:solidFill>
-                  <a:schemeClr val="bg1"/>
-                </a:solidFill>
-              </a:rPr>
-              <a:t>느려져</a:t>
-            </a:r>
-            <a:r>
-              <a:rPr lang="ko-KR" altLang="en-US" dirty="0">
-                <a:solidFill>
-                  <a:schemeClr val="bg1"/>
-                </a:solidFill>
-              </a:rPr>
-              <a:t> 버렸다</a:t>
-            </a:r>
-            <a:r>
-              <a:rPr lang="en-US" altLang="ko-KR" dirty="0">
-                <a:solidFill>
-                  <a:schemeClr val="bg1"/>
-                </a:solidFill>
-              </a:rPr>
-              <a:t>!</a:t>
-            </a:r>
-          </a:p>
-          <a:p>
-            <a:endParaRPr lang="en-US" altLang="ko-KR" dirty="0">
-              <a:solidFill>
-                <a:schemeClr val="bg1"/>
-              </a:solidFill>
-            </a:endParaRPr>
-          </a:p>
-          <a:p>
-            <a:pPr lvl="1">
-              <a:buFont typeface="Wingdings" panose="05000000000000000000" pitchFamily="2" charset="2"/>
-              <a:buChar char="à"/>
-            </a:pPr>
-            <a:r>
-              <a:rPr lang="ko-KR" altLang="en-US" dirty="0">
-                <a:solidFill>
-                  <a:schemeClr val="bg1"/>
-                </a:solidFill>
-              </a:rPr>
-              <a:t>적클래스</a:t>
-            </a:r>
-            <a:r>
-              <a:rPr lang="en-US" altLang="ko-KR" dirty="0">
-                <a:solidFill>
-                  <a:schemeClr val="bg1"/>
-                </a:solidFill>
-              </a:rPr>
-              <a:t>, </a:t>
-            </a:r>
-            <a:r>
-              <a:rPr lang="ko-KR" altLang="en-US" dirty="0">
-                <a:solidFill>
-                  <a:schemeClr val="bg1"/>
-                </a:solidFill>
-              </a:rPr>
-              <a:t>총알은 위치만 들고있게 아무것도 상속받지 말고 만들어볼까</a:t>
-            </a:r>
-            <a:r>
-              <a:rPr lang="en-US" altLang="ko-KR" dirty="0">
-                <a:solidFill>
-                  <a:schemeClr val="bg1"/>
-                </a:solidFill>
-              </a:rPr>
-              <a:t>??</a:t>
-            </a:r>
-          </a:p>
-          <a:p>
-            <a:pPr lvl="1">
-              <a:buFont typeface="Wingdings" panose="05000000000000000000" pitchFamily="2" charset="2"/>
-              <a:buChar char=""/>
-            </a:pPr>
-            <a:r>
-              <a:rPr lang="ko-KR" altLang="en-US" dirty="0">
-                <a:solidFill>
-                  <a:schemeClr val="bg1"/>
-                </a:solidFill>
-              </a:rPr>
-              <a:t>총알과 적 사이에 충돌검사를 공간분할로 처리해볼까</a:t>
-            </a:r>
-            <a:r>
-              <a:rPr lang="en-US" altLang="ko-KR" dirty="0">
-                <a:solidFill>
-                  <a:schemeClr val="bg1"/>
-                </a:solidFill>
-              </a:rPr>
-              <a:t>??</a:t>
-            </a:r>
-          </a:p>
-          <a:p>
-            <a:pPr lvl="1">
-              <a:buFont typeface="Wingdings" panose="05000000000000000000" pitchFamily="2" charset="2"/>
-              <a:buChar char=""/>
-            </a:pPr>
-            <a:r>
-              <a:rPr lang="ko-KR" altLang="en-US" dirty="0" err="1">
-                <a:solidFill>
-                  <a:schemeClr val="bg1"/>
-                </a:solidFill>
-              </a:rPr>
-              <a:t>투명값을</a:t>
-            </a:r>
-            <a:r>
-              <a:rPr lang="ko-KR" altLang="en-US" dirty="0">
-                <a:solidFill>
-                  <a:schemeClr val="bg1"/>
-                </a:solidFill>
-              </a:rPr>
-              <a:t> 사용하지 말아볼까</a:t>
-            </a:r>
-            <a:r>
-              <a:rPr lang="en-US" altLang="ko-KR" dirty="0">
-                <a:solidFill>
-                  <a:schemeClr val="bg1"/>
-                </a:solidFill>
-              </a:rPr>
-              <a:t>…</a:t>
-            </a:r>
-          </a:p>
-          <a:p>
-            <a:pPr lvl="1">
-              <a:buFont typeface="Wingdings" panose="05000000000000000000" pitchFamily="2" charset="2"/>
-              <a:buChar char=""/>
-            </a:pPr>
-            <a:endParaRPr lang="en-US" altLang="ko-KR" dirty="0">
-              <a:solidFill>
-                <a:schemeClr val="bg1"/>
-              </a:solidFill>
-            </a:endParaRPr>
-          </a:p>
-          <a:p>
-            <a:pPr lvl="1">
-              <a:buFont typeface="Wingdings" panose="05000000000000000000" pitchFamily="2" charset="2"/>
-              <a:buChar char=""/>
-            </a:pPr>
-            <a:endParaRPr lang="en-US" altLang="ko-KR" dirty="0">
-              <a:solidFill>
-                <a:schemeClr val="bg1"/>
-              </a:solidFill>
-            </a:endParaRPr>
-          </a:p>
-          <a:p>
-            <a:r>
-              <a:rPr lang="ko-KR" altLang="en-US" dirty="0">
-                <a:solidFill>
-                  <a:schemeClr val="bg1"/>
-                </a:solidFill>
-              </a:rPr>
-              <a:t>결과</a:t>
-            </a:r>
-            <a:r>
-              <a:rPr lang="en-US" altLang="ko-KR" dirty="0">
-                <a:solidFill>
-                  <a:schemeClr val="bg1"/>
-                </a:solidFill>
-              </a:rPr>
-              <a:t> : </a:t>
-            </a:r>
-            <a:r>
-              <a:rPr lang="ko-KR" altLang="en-US" dirty="0">
-                <a:solidFill>
-                  <a:schemeClr val="bg1"/>
-                </a:solidFill>
-              </a:rPr>
-              <a:t>회전 이미지를 </a:t>
-            </a:r>
-            <a:r>
-              <a:rPr lang="en-US" altLang="ko-KR" dirty="0" err="1">
-                <a:solidFill>
-                  <a:schemeClr val="bg1"/>
-                </a:solidFill>
-              </a:rPr>
-              <a:t>plgblt</a:t>
-            </a:r>
-            <a:r>
-              <a:rPr lang="ko-KR" altLang="en-US" dirty="0">
-                <a:solidFill>
-                  <a:schemeClr val="bg1"/>
-                </a:solidFill>
-              </a:rPr>
-              <a:t>대신 </a:t>
-            </a:r>
-            <a:r>
-              <a:rPr lang="ko-KR" altLang="en-US" dirty="0" err="1">
-                <a:solidFill>
-                  <a:schemeClr val="bg1"/>
-                </a:solidFill>
-              </a:rPr>
-              <a:t>스프라이트</a:t>
-            </a:r>
-            <a:r>
-              <a:rPr lang="ko-KR" altLang="en-US" dirty="0">
-                <a:solidFill>
-                  <a:schemeClr val="bg1"/>
-                </a:solidFill>
-              </a:rPr>
-              <a:t> 이미지로 바꾸니까  </a:t>
-            </a:r>
-            <a:r>
-              <a:rPr lang="ko-KR" altLang="en-US" dirty="0" err="1">
-                <a:solidFill>
-                  <a:schemeClr val="bg1"/>
-                </a:solidFill>
-              </a:rPr>
-              <a:t>잘됌</a:t>
-            </a:r>
-            <a:r>
-              <a:rPr lang="en-US" altLang="ko-KR" dirty="0">
-                <a:solidFill>
-                  <a:schemeClr val="bg1"/>
-                </a:solidFill>
-              </a:rPr>
-              <a:t>!</a:t>
-            </a:r>
-          </a:p>
-        </p:txBody>
-      </p:sp>
-      <p:sp>
-        <p:nvSpPr>
-          <p:cNvPr id="4" name="직사각형 3">
-            <a:extLst>
-              <a:ext uri="{FF2B5EF4-FFF2-40B4-BE49-F238E27FC236}">
-                <a16:creationId xmlns:a16="http://schemas.microsoft.com/office/drawing/2014/main" id="{88D854C0-A088-4C53-A201-2EAED2CC311D}"/>
-              </a:ext>
-            </a:extLst>
-          </p:cNvPr>
-          <p:cNvSpPr/>
-          <p:nvPr/>
-        </p:nvSpPr>
-        <p:spPr>
-          <a:xfrm>
-            <a:off x="8558072" y="705348"/>
-            <a:ext cx="585927" cy="464575"/>
-          </a:xfrm>
-          <a:prstGeom prst="rect">
-            <a:avLst/>
-          </a:prstGeom>
-          <a:solidFill>
-            <a:srgbClr val="F02802"/>
-          </a:solidFill>
-          <a:ln>
-            <a:noFill/>
-          </a:ln>
-        </p:spPr>
-        <p:style>
-          <a:lnRef idx="2">
-            <a:schemeClr val="accent1">
-              <a:shade val="50000"/>
-            </a:schemeClr>
-          </a:lnRef>
-          <a:fillRef idx="1">
-            <a:schemeClr val="accent1"/>
-          </a:fillRef>
-          <a:effectRef idx="0">
-            <a:schemeClr val="accent1"/>
-          </a:effectRef>
-          <a:fontRef idx="minor">
-            <a:schemeClr val="lt1"/>
-          </a:fontRef>
-        </p:style>
-        <p:txBody>
-          <a:bodyPr rot="0" spcFirstLastPara="0" vertOverflow="overflow" horzOverflow="overflow" vert="horz" wrap="square" lIns="68580" tIns="34290" rIns="68580" bIns="34290" numCol="1" spcCol="0" rtlCol="0" fromWordArt="0" anchor="ctr" anchorCtr="0" forceAA="0" compatLnSpc="1">
-            <a:prstTxWarp prst="textNoShape">
-              <a:avLst/>
-            </a:prstTxWarp>
-            <a:noAutofit/>
-          </a:bodyPr>
-          <a:lstStyle/>
-          <a:p>
-            <a:pPr algn="ctr"/>
-            <a:endParaRPr lang="ko-KR" altLang="en-US" sz="1350"/>
-          </a:p>
-        </p:txBody>
-      </p:sp>
-      <p:sp>
-        <p:nvSpPr>
-          <p:cNvPr id="5" name="직사각형 4">
-            <a:extLst>
-              <a:ext uri="{FF2B5EF4-FFF2-40B4-BE49-F238E27FC236}">
-                <a16:creationId xmlns:a16="http://schemas.microsoft.com/office/drawing/2014/main" id="{D79F1DD2-F00C-4D6C-AFAB-08BC2B78C93F}"/>
-              </a:ext>
-            </a:extLst>
-          </p:cNvPr>
-          <p:cNvSpPr/>
-          <p:nvPr/>
-        </p:nvSpPr>
-        <p:spPr>
-          <a:xfrm>
-            <a:off x="8558074" y="1169923"/>
-            <a:ext cx="585926" cy="464575"/>
-          </a:xfrm>
-          <a:prstGeom prst="rect">
-            <a:avLst/>
-          </a:prstGeom>
-          <a:solidFill>
-            <a:srgbClr val="FFC000"/>
-          </a:solidFill>
-          <a:ln>
-            <a:noFill/>
-          </a:ln>
-        </p:spPr>
-        <p:style>
-          <a:lnRef idx="2">
-            <a:schemeClr val="accent1">
-              <a:shade val="50000"/>
-            </a:schemeClr>
-          </a:lnRef>
-          <a:fillRef idx="1">
-            <a:schemeClr val="accent1"/>
-          </a:fillRef>
-          <a:effectRef idx="0">
-            <a:schemeClr val="accent1"/>
-          </a:effectRef>
-          <a:fontRef idx="minor">
-            <a:schemeClr val="lt1"/>
-          </a:fontRef>
-        </p:style>
-        <p:txBody>
-          <a:bodyPr rot="0" spcFirstLastPara="0" vertOverflow="overflow" horzOverflow="overflow" vert="horz" wrap="square" lIns="68580" tIns="34290" rIns="68580" bIns="34290" numCol="1" spcCol="0" rtlCol="0" fromWordArt="0" anchor="ctr" anchorCtr="0" forceAA="0" compatLnSpc="1">
-            <a:prstTxWarp prst="textNoShape">
-              <a:avLst/>
-            </a:prstTxWarp>
-            <a:noAutofit/>
-          </a:bodyPr>
-          <a:lstStyle/>
-          <a:p>
-            <a:pPr algn="ctr"/>
-            <a:endParaRPr lang="ko-KR" altLang="en-US" sz="1350"/>
-          </a:p>
-        </p:txBody>
-      </p:sp>
-      <p:sp>
-        <p:nvSpPr>
-          <p:cNvPr id="6" name="직사각형 5">
-            <a:extLst>
-              <a:ext uri="{FF2B5EF4-FFF2-40B4-BE49-F238E27FC236}">
-                <a16:creationId xmlns:a16="http://schemas.microsoft.com/office/drawing/2014/main" id="{21AE5ACF-1C54-4BD0-B099-D290D4268E11}"/>
-              </a:ext>
-            </a:extLst>
-          </p:cNvPr>
-          <p:cNvSpPr/>
-          <p:nvPr/>
-        </p:nvSpPr>
-        <p:spPr>
-          <a:xfrm>
-            <a:off x="8558074" y="1634498"/>
-            <a:ext cx="585926" cy="464575"/>
-          </a:xfrm>
-          <a:prstGeom prst="rect">
-            <a:avLst/>
-          </a:prstGeom>
-          <a:solidFill>
-            <a:srgbClr val="00B050"/>
-          </a:solidFill>
-          <a:ln>
-            <a:noFill/>
-          </a:ln>
-        </p:spPr>
-        <p:style>
-          <a:lnRef idx="2">
-            <a:schemeClr val="accent1">
-              <a:shade val="50000"/>
-            </a:schemeClr>
-          </a:lnRef>
-          <a:fillRef idx="1">
-            <a:schemeClr val="accent1"/>
-          </a:fillRef>
-          <a:effectRef idx="0">
-            <a:schemeClr val="accent1"/>
-          </a:effectRef>
-          <a:fontRef idx="minor">
-            <a:schemeClr val="lt1"/>
-          </a:fontRef>
-        </p:style>
-        <p:txBody>
-          <a:bodyPr rot="0" spcFirstLastPara="0" vertOverflow="overflow" horzOverflow="overflow" vert="horz" wrap="square" lIns="68580" tIns="34290" rIns="68580" bIns="34290" numCol="1" spcCol="0" rtlCol="0" fromWordArt="0" anchor="ctr" anchorCtr="0" forceAA="0" compatLnSpc="1">
-            <a:prstTxWarp prst="textNoShape">
-              <a:avLst/>
-            </a:prstTxWarp>
-            <a:noAutofit/>
-          </a:bodyPr>
-          <a:lstStyle/>
-          <a:p>
-            <a:pPr algn="ctr"/>
-            <a:endParaRPr lang="ko-KR" altLang="en-US" sz="1350"/>
-          </a:p>
-        </p:txBody>
-      </p:sp>
-      <p:sp>
-        <p:nvSpPr>
-          <p:cNvPr id="7" name="직사각형 6">
-            <a:extLst>
-              <a:ext uri="{FF2B5EF4-FFF2-40B4-BE49-F238E27FC236}">
-                <a16:creationId xmlns:a16="http://schemas.microsoft.com/office/drawing/2014/main" id="{2DDD51C6-C234-477F-82D3-909C3EB63704}"/>
-              </a:ext>
-            </a:extLst>
-          </p:cNvPr>
-          <p:cNvSpPr/>
-          <p:nvPr/>
-        </p:nvSpPr>
-        <p:spPr>
-          <a:xfrm>
-            <a:off x="7683910" y="2099073"/>
-            <a:ext cx="1460090" cy="464575"/>
-          </a:xfrm>
-          <a:prstGeom prst="rect">
-            <a:avLst/>
-          </a:prstGeom>
-          <a:solidFill>
-            <a:srgbClr val="00B9F6"/>
-          </a:solidFill>
-          <a:ln>
-            <a:noFill/>
-          </a:ln>
-        </p:spPr>
-        <p:style>
-          <a:lnRef idx="2">
-            <a:schemeClr val="accent1">
-              <a:shade val="50000"/>
-            </a:schemeClr>
-          </a:lnRef>
-          <a:fillRef idx="1">
-            <a:schemeClr val="accent1"/>
-          </a:fillRef>
-          <a:effectRef idx="0">
-            <a:schemeClr val="accent1"/>
-          </a:effectRef>
-          <a:fontRef idx="minor">
-            <a:schemeClr val="lt1"/>
-          </a:fontRef>
-        </p:style>
-        <p:txBody>
-          <a:bodyPr rot="0" spcFirstLastPara="0" vertOverflow="overflow" horzOverflow="overflow" vert="horz" wrap="square" lIns="68580" tIns="34290" rIns="68580" bIns="34290" numCol="1" spcCol="0" rtlCol="0" fromWordArt="0" anchor="ctr" anchorCtr="0" forceAA="0" compatLnSpc="1">
-            <a:prstTxWarp prst="textNoShape">
-              <a:avLst/>
-            </a:prstTxWarp>
-            <a:noAutofit/>
-          </a:bodyPr>
-          <a:lstStyle/>
-          <a:p>
-            <a:pPr algn="ctr"/>
-            <a:endParaRPr lang="ko-KR" altLang="en-US"/>
-          </a:p>
-        </p:txBody>
-      </p:sp>
-      <p:sp>
-        <p:nvSpPr>
-          <p:cNvPr id="8" name="직사각형 7">
-            <a:extLst>
-              <a:ext uri="{FF2B5EF4-FFF2-40B4-BE49-F238E27FC236}">
-                <a16:creationId xmlns:a16="http://schemas.microsoft.com/office/drawing/2014/main" id="{44D9E954-10CD-4D1C-9BB9-C52BCDB20A43}"/>
-              </a:ext>
-            </a:extLst>
-          </p:cNvPr>
-          <p:cNvSpPr/>
-          <p:nvPr/>
-        </p:nvSpPr>
-        <p:spPr>
-          <a:xfrm>
-            <a:off x="8558072" y="2563648"/>
-            <a:ext cx="585927" cy="464575"/>
-          </a:xfrm>
-          <a:prstGeom prst="rect">
-            <a:avLst/>
-          </a:prstGeom>
-          <a:solidFill>
-            <a:schemeClr val="bg2">
-              <a:lumMod val="50000"/>
-            </a:schemeClr>
-          </a:solidFill>
-          <a:ln>
-            <a:noFill/>
-          </a:ln>
-        </p:spPr>
-        <p:style>
-          <a:lnRef idx="2">
-            <a:schemeClr val="accent1">
-              <a:shade val="50000"/>
-            </a:schemeClr>
-          </a:lnRef>
-          <a:fillRef idx="1">
-            <a:schemeClr val="accent1"/>
-          </a:fillRef>
-          <a:effectRef idx="0">
-            <a:schemeClr val="accent1"/>
-          </a:effectRef>
-          <a:fontRef idx="minor">
-            <a:schemeClr val="lt1"/>
-          </a:fontRef>
-        </p:style>
-        <p:txBody>
-          <a:bodyPr rot="0" spcFirstLastPara="0" vertOverflow="overflow" horzOverflow="overflow" vert="horz" wrap="square" lIns="68580" tIns="34290" rIns="68580" bIns="34290" numCol="1" spcCol="0" rtlCol="0" fromWordArt="0" anchor="ctr" anchorCtr="0" forceAA="0" compatLnSpc="1">
-            <a:prstTxWarp prst="textNoShape">
-              <a:avLst/>
-            </a:prstTxWarp>
-            <a:noAutofit/>
-          </a:bodyPr>
-          <a:lstStyle/>
-          <a:p>
-            <a:pPr algn="ctr"/>
-            <a:endParaRPr lang="ko-KR" altLang="en-US"/>
-          </a:p>
-        </p:txBody>
-      </p:sp>
-      <p:sp>
-        <p:nvSpPr>
-          <p:cNvPr id="9" name="TextBox 8">
-            <a:extLst>
-              <a:ext uri="{FF2B5EF4-FFF2-40B4-BE49-F238E27FC236}">
-                <a16:creationId xmlns:a16="http://schemas.microsoft.com/office/drawing/2014/main" id="{DA4C68B3-2F4C-4149-8004-6F33AAE7274E}"/>
-              </a:ext>
-            </a:extLst>
-          </p:cNvPr>
-          <p:cNvSpPr txBox="1"/>
-          <p:nvPr/>
-        </p:nvSpPr>
-        <p:spPr>
-          <a:xfrm>
-            <a:off x="745726" y="618835"/>
-            <a:ext cx="5150769" cy="1015663"/>
-          </a:xfrm>
-          <a:prstGeom prst="rect">
-            <a:avLst/>
-          </a:prstGeom>
-          <a:noFill/>
-        </p:spPr>
-        <p:txBody>
-          <a:bodyPr wrap="none" rtlCol="0">
-            <a:spAutoFit/>
-          </a:bodyPr>
-          <a:lstStyle/>
-          <a:p>
-            <a:r>
-              <a:rPr lang="ko-KR" altLang="en-US" sz="6000" dirty="0">
-                <a:solidFill>
-                  <a:schemeClr val="bg1"/>
-                </a:solidFill>
-              </a:rPr>
-              <a:t>모든 일의 원흉</a:t>
-            </a:r>
-          </a:p>
-        </p:txBody>
-      </p:sp>
-    </p:spTree>
-    <p:extLst>
-      <p:ext uri="{BB962C8B-B14F-4D97-AF65-F5344CB8AC3E}">
-        <p14:creationId xmlns:p14="http://schemas.microsoft.com/office/powerpoint/2010/main" val="3602127356"/>
-      </p:ext>
-    </p:extLst>
-  </p:cSld>
-  <p:clrMapOvr>
-    <a:overrideClrMapping bg1="lt1" tx1="dk1" bg2="lt2" tx2="dk2" accent1="accent1" accent2="accent2" accent3="accent3" accent4="accent4" accent5="accent5" accent6="accent6" hlink="hlink" folHlink="folHlink"/>
-  </p:clrMapOvr>
-</p:sld>
-</file>
-
-<file path=ppt/slides/slide8.xml><?xml version="1.0" encoding="utf-8"?>
-<p:sld xmlns:a="http://schemas.openxmlformats.org/drawingml/2006/main" xmlns:r="http://schemas.openxmlformats.org/officeDocument/2006/relationships" xmlns:p="http://schemas.openxmlformats.org/presentationml/2006/main">
-  <p:cSld>
-    <p:bg>
-      <p:bgPr>
-        <a:solidFill>
-          <a:schemeClr val="tx1">
-            <a:lumMod val="85000"/>
-            <a:lumOff val="15000"/>
-          </a:schemeClr>
-        </a:solidFill>
-        <a:effectLst/>
-      </p:bgPr>
-    </p:bg>
-    <p:spTree>
-      <p:nvGrpSpPr>
-        <p:cNvPr id="1" name=""/>
-        <p:cNvGrpSpPr/>
-        <p:nvPr/>
-      </p:nvGrpSpPr>
-      <p:grpSpPr>
-        <a:xfrm>
-          <a:off x="0" y="0"/>
-          <a:ext cx="0" cy="0"/>
-          <a:chOff x="0" y="0"/>
-          <a:chExt cx="0" cy="0"/>
-        </a:xfrm>
-      </p:grpSpPr>
-      <p:sp>
-        <p:nvSpPr>
-          <p:cNvPr id="9" name="TextBox 8">
-            <a:extLst>
-              <a:ext uri="{FF2B5EF4-FFF2-40B4-BE49-F238E27FC236}">
-                <a16:creationId xmlns:a16="http://schemas.microsoft.com/office/drawing/2014/main" id="{98BA4068-8AB7-43EE-9DD1-194C3A4D3E4D}"/>
-              </a:ext>
-            </a:extLst>
-          </p:cNvPr>
-          <p:cNvSpPr txBox="1"/>
-          <p:nvPr/>
-        </p:nvSpPr>
-        <p:spPr>
-          <a:xfrm>
-            <a:off x="628650" y="708258"/>
-            <a:ext cx="3507692" cy="923330"/>
-          </a:xfrm>
-          <a:prstGeom prst="rect">
-            <a:avLst/>
-          </a:prstGeom>
-          <a:noFill/>
-        </p:spPr>
-        <p:txBody>
-          <a:bodyPr wrap="none" rtlCol="0">
-            <a:spAutoFit/>
-          </a:bodyPr>
-          <a:lstStyle/>
-          <a:p>
-            <a:r>
-              <a:rPr lang="ko-KR" altLang="en-US" sz="5400" dirty="0">
-                <a:solidFill>
-                  <a:schemeClr val="bg1"/>
-                </a:solidFill>
-                <a:latin typeface="나눔스퀘어 Light" panose="020B0600000101010101" pitchFamily="50" charset="-127"/>
-                <a:ea typeface="나눔스퀘어 Light" panose="020B0600000101010101" pitchFamily="50" charset="-127"/>
-              </a:rPr>
-              <a:t>오늘의 코딩</a:t>
-            </a:r>
-          </a:p>
-        </p:txBody>
-      </p:sp>
-      <p:sp>
-        <p:nvSpPr>
-          <p:cNvPr id="12" name="TextBox 11">
-            <a:extLst>
-              <a:ext uri="{FF2B5EF4-FFF2-40B4-BE49-F238E27FC236}">
-                <a16:creationId xmlns:a16="http://schemas.microsoft.com/office/drawing/2014/main" id="{ACC81FBE-4D9B-4CF4-8733-423A2722136A}"/>
-              </a:ext>
-            </a:extLst>
-          </p:cNvPr>
-          <p:cNvSpPr txBox="1"/>
-          <p:nvPr/>
-        </p:nvSpPr>
-        <p:spPr>
-          <a:xfrm>
-            <a:off x="628650" y="1750975"/>
-            <a:ext cx="4982774" cy="3970318"/>
-          </a:xfrm>
-          <a:prstGeom prst="rect">
-            <a:avLst/>
-          </a:prstGeom>
-          <a:noFill/>
-        </p:spPr>
-        <p:txBody>
-          <a:bodyPr wrap="none" rtlCol="0">
-            <a:spAutoFit/>
-          </a:bodyPr>
-          <a:lstStyle/>
-          <a:p>
-            <a:pPr marL="571500" indent="-571500">
-              <a:lnSpc>
-                <a:spcPct val="150000"/>
-              </a:lnSpc>
-              <a:buSzPct val="80000"/>
-              <a:buFont typeface="Wingdings" panose="05000000000000000000" pitchFamily="2" charset="2"/>
-              <a:buChar char="§"/>
-            </a:pPr>
-            <a:r>
-              <a:rPr lang="en-US" altLang="ko-KR" sz="2800" dirty="0">
-                <a:solidFill>
-                  <a:schemeClr val="bg1"/>
-                </a:solidFill>
-                <a:latin typeface="나눔스퀘어 Light" panose="020B0600000101010101" pitchFamily="50" charset="-127"/>
-                <a:ea typeface="나눔스퀘어 Light" panose="020B0600000101010101" pitchFamily="50" charset="-127"/>
-              </a:rPr>
-              <a:t>HELP, </a:t>
-            </a:r>
-            <a:r>
-              <a:rPr lang="en-US" altLang="ko-KR" sz="2800" dirty="0" err="1">
-                <a:solidFill>
-                  <a:schemeClr val="bg1"/>
-                </a:solidFill>
-                <a:latin typeface="나눔스퀘어 Light" panose="020B0600000101010101" pitchFamily="50" charset="-127"/>
-                <a:ea typeface="나눔스퀘어 Light" panose="020B0600000101010101" pitchFamily="50" charset="-127"/>
-              </a:rPr>
-              <a:t>Resorce</a:t>
-            </a:r>
-            <a:endParaRPr lang="en-US" altLang="ko-KR" sz="2800" dirty="0">
-              <a:solidFill>
-                <a:schemeClr val="bg1"/>
-              </a:solidFill>
-              <a:latin typeface="나눔스퀘어 Light" panose="020B0600000101010101" pitchFamily="50" charset="-127"/>
-              <a:ea typeface="나눔스퀘어 Light" panose="020B0600000101010101" pitchFamily="50" charset="-127"/>
-            </a:endParaRPr>
-          </a:p>
-          <a:p>
-            <a:pPr marL="571500" indent="-571500">
-              <a:lnSpc>
-                <a:spcPct val="150000"/>
-              </a:lnSpc>
-              <a:buSzPct val="80000"/>
-              <a:buFont typeface="Wingdings" panose="05000000000000000000" pitchFamily="2" charset="2"/>
-              <a:buChar char="§"/>
-            </a:pPr>
-            <a:r>
-              <a:rPr lang="ko-KR" altLang="en-US" sz="2800" dirty="0">
-                <a:solidFill>
-                  <a:schemeClr val="bg1"/>
-                </a:solidFill>
-                <a:latin typeface="나눔스퀘어 Light" panose="020B0600000101010101" pitchFamily="50" charset="-127"/>
-                <a:ea typeface="나눔스퀘어 Light" panose="020B0600000101010101" pitchFamily="50" charset="-127"/>
-              </a:rPr>
-              <a:t>쓰레기 값의 </a:t>
-            </a:r>
-            <a:r>
-              <a:rPr lang="en-US" altLang="ko-KR" sz="2800" dirty="0">
-                <a:solidFill>
-                  <a:schemeClr val="bg1"/>
-                </a:solidFill>
-                <a:latin typeface="나눔스퀘어 Light" panose="020B0600000101010101" pitchFamily="50" charset="-127"/>
-                <a:ea typeface="나눔스퀘어 Light" panose="020B0600000101010101" pitchFamily="50" charset="-127"/>
-              </a:rPr>
-              <a:t>bool</a:t>
-            </a:r>
-          </a:p>
-          <a:p>
-            <a:pPr marL="571500" indent="-571500">
-              <a:lnSpc>
-                <a:spcPct val="150000"/>
-              </a:lnSpc>
-              <a:buSzPct val="80000"/>
-              <a:buFont typeface="Wingdings" panose="05000000000000000000" pitchFamily="2" charset="2"/>
-              <a:buChar char="§"/>
-            </a:pPr>
-            <a:r>
-              <a:rPr lang="en-US" altLang="ko-KR" sz="2800" dirty="0">
-                <a:solidFill>
-                  <a:schemeClr val="bg1"/>
-                </a:solidFill>
-                <a:latin typeface="나눔스퀘어 Light" panose="020B0600000101010101" pitchFamily="50" charset="-127"/>
-                <a:ea typeface="나눔스퀘어 Light" panose="020B0600000101010101" pitchFamily="50" charset="-127"/>
-              </a:rPr>
-              <a:t>Update()-&gt;</a:t>
-            </a:r>
-            <a:r>
-              <a:rPr lang="en-US" altLang="ko-KR" sz="2800" dirty="0" err="1">
-                <a:solidFill>
-                  <a:schemeClr val="bg1"/>
-                </a:solidFill>
-                <a:latin typeface="나눔스퀘어 Light" panose="020B0600000101010101" pitchFamily="50" charset="-127"/>
-                <a:ea typeface="나눔스퀘어 Light" panose="020B0600000101010101" pitchFamily="50" charset="-127"/>
-              </a:rPr>
-              <a:t>Init</a:t>
-            </a:r>
-            <a:r>
-              <a:rPr lang="en-US" altLang="ko-KR" sz="2800" dirty="0">
-                <a:solidFill>
-                  <a:schemeClr val="bg1"/>
-                </a:solidFill>
-                <a:latin typeface="나눔스퀘어 Light" panose="020B0600000101010101" pitchFamily="50" charset="-127"/>
-                <a:ea typeface="나눔스퀘어 Light" panose="020B0600000101010101" pitchFamily="50" charset="-127"/>
-              </a:rPr>
-              <a:t>()</a:t>
-            </a:r>
-          </a:p>
-          <a:p>
-            <a:pPr marL="571500" indent="-571500">
-              <a:lnSpc>
-                <a:spcPct val="150000"/>
-              </a:lnSpc>
-              <a:buSzPct val="80000"/>
-              <a:buFont typeface="Wingdings" panose="05000000000000000000" pitchFamily="2" charset="2"/>
-              <a:buChar char="§"/>
-            </a:pPr>
-            <a:r>
-              <a:rPr lang="en-US" altLang="ko-KR" sz="2800" dirty="0" err="1">
-                <a:solidFill>
-                  <a:schemeClr val="bg1"/>
-                </a:solidFill>
-                <a:latin typeface="나눔스퀘어 Light" panose="020B0600000101010101" pitchFamily="50" charset="-127"/>
-                <a:ea typeface="나눔스퀘어 Light" panose="020B0600000101010101" pitchFamily="50" charset="-127"/>
-              </a:rPr>
-              <a:t>DeleteObject</a:t>
-            </a:r>
-            <a:r>
-              <a:rPr lang="en-US" altLang="ko-KR" sz="2800" dirty="0">
-                <a:solidFill>
-                  <a:schemeClr val="bg1"/>
-                </a:solidFill>
-                <a:latin typeface="나눔스퀘어 Light" panose="020B0600000101010101" pitchFamily="50" charset="-127"/>
-                <a:ea typeface="나눔스퀘어 Light" panose="020B0600000101010101" pitchFamily="50" charset="-127"/>
-              </a:rPr>
-              <a:t>(</a:t>
-            </a:r>
-            <a:r>
-              <a:rPr lang="en-US" altLang="ko-KR" sz="2800" dirty="0" err="1">
-                <a:solidFill>
-                  <a:schemeClr val="bg1"/>
-                </a:solidFill>
-                <a:latin typeface="나눔스퀘어 Light" panose="020B0600000101010101" pitchFamily="50" charset="-127"/>
-                <a:ea typeface="나눔스퀘어 Light" panose="020B0600000101010101" pitchFamily="50" charset="-127"/>
-              </a:rPr>
-              <a:t>oldbr</a:t>
-            </a:r>
-            <a:r>
-              <a:rPr lang="en-US" altLang="ko-KR" sz="2800" dirty="0">
-                <a:solidFill>
-                  <a:schemeClr val="bg1"/>
-                </a:solidFill>
-                <a:latin typeface="나눔스퀘어 Light" panose="020B0600000101010101" pitchFamily="50" charset="-127"/>
-                <a:ea typeface="나눔스퀘어 Light" panose="020B0600000101010101" pitchFamily="50" charset="-127"/>
-              </a:rPr>
-              <a:t>)</a:t>
-            </a:r>
-          </a:p>
-          <a:p>
-            <a:pPr marL="571500" indent="-571500">
-              <a:lnSpc>
-                <a:spcPct val="150000"/>
-              </a:lnSpc>
-              <a:buSzPct val="80000"/>
-              <a:buFont typeface="Wingdings" panose="05000000000000000000" pitchFamily="2" charset="2"/>
-              <a:buChar char="§"/>
-            </a:pPr>
-            <a:r>
-              <a:rPr lang="en-US" altLang="ko-KR" sz="2800" dirty="0">
-                <a:solidFill>
-                  <a:schemeClr val="bg1"/>
-                </a:solidFill>
-                <a:latin typeface="나눔스퀘어 Light" panose="020B0600000101010101" pitchFamily="50" charset="-127"/>
-                <a:ea typeface="나눔스퀘어 Light" panose="020B0600000101010101" pitchFamily="50" charset="-127"/>
-              </a:rPr>
-              <a:t>~</a:t>
-            </a:r>
-            <a:r>
-              <a:rPr lang="en-US" altLang="ko-KR" sz="2800" dirty="0" err="1">
-                <a:solidFill>
-                  <a:schemeClr val="bg1"/>
-                </a:solidFill>
-                <a:latin typeface="나눔스퀘어 Light" panose="020B0600000101010101" pitchFamily="50" charset="-127"/>
-                <a:ea typeface="나눔스퀘어 Light" panose="020B0600000101010101" pitchFamily="50" charset="-127"/>
-              </a:rPr>
-              <a:t>CEnemy</a:t>
-            </a:r>
-            <a:r>
-              <a:rPr lang="en-US" altLang="ko-KR" sz="2800" dirty="0">
-                <a:solidFill>
-                  <a:schemeClr val="bg1"/>
-                </a:solidFill>
-                <a:latin typeface="나눔스퀘어 Light" panose="020B0600000101010101" pitchFamily="50" charset="-127"/>
-                <a:ea typeface="나눔스퀘어 Light" panose="020B0600000101010101" pitchFamily="50" charset="-127"/>
-              </a:rPr>
-              <a:t>(){ delete </a:t>
-            </a:r>
-            <a:r>
-              <a:rPr lang="en-US" altLang="ko-KR" sz="2800" dirty="0" err="1">
-                <a:solidFill>
-                  <a:schemeClr val="bg1"/>
-                </a:solidFill>
-                <a:latin typeface="나눔스퀘어 Light" panose="020B0600000101010101" pitchFamily="50" charset="-127"/>
-                <a:ea typeface="나눔스퀘어 Light" panose="020B0600000101010101" pitchFamily="50" charset="-127"/>
-              </a:rPr>
-              <a:t>m_ptr</a:t>
-            </a:r>
-            <a:r>
-              <a:rPr lang="en-US" altLang="ko-KR" sz="2800" dirty="0">
-                <a:solidFill>
-                  <a:schemeClr val="bg1"/>
-                </a:solidFill>
-                <a:latin typeface="나눔스퀘어 Light" panose="020B0600000101010101" pitchFamily="50" charset="-127"/>
-                <a:ea typeface="나눔스퀘어 Light" panose="020B0600000101010101" pitchFamily="50" charset="-127"/>
-              </a:rPr>
-              <a:t>;}</a:t>
-            </a:r>
-          </a:p>
-          <a:p>
-            <a:pPr>
-              <a:lnSpc>
-                <a:spcPct val="150000"/>
-              </a:lnSpc>
-              <a:buSzPct val="80000"/>
-            </a:pPr>
-            <a:r>
-              <a:rPr lang="en-US" altLang="ko-KR" sz="2800" dirty="0">
-                <a:solidFill>
-                  <a:schemeClr val="bg1"/>
-                </a:solidFill>
-                <a:latin typeface="나눔스퀘어 Light" panose="020B0600000101010101" pitchFamily="50" charset="-127"/>
-                <a:ea typeface="나눔스퀘어 Light" panose="020B0600000101010101" pitchFamily="50" charset="-127"/>
-              </a:rPr>
-              <a:t>	  </a:t>
-            </a:r>
-            <a:r>
-              <a:rPr lang="ko-KR" altLang="en-US" sz="2800" dirty="0">
-                <a:solidFill>
-                  <a:schemeClr val="bg1"/>
-                </a:solidFill>
-                <a:latin typeface="나눔스퀘어 Light" panose="020B0600000101010101" pitchFamily="50" charset="-127"/>
-                <a:ea typeface="나눔스퀘어 Light" panose="020B0600000101010101" pitchFamily="50" charset="-127"/>
-              </a:rPr>
-              <a:t>와중에 복사생성하기</a:t>
-            </a:r>
-          </a:p>
-        </p:txBody>
-      </p:sp>
-    </p:spTree>
-    <p:extLst>
-      <p:ext uri="{BB962C8B-B14F-4D97-AF65-F5344CB8AC3E}">
-        <p14:creationId xmlns:p14="http://schemas.microsoft.com/office/powerpoint/2010/main" val="1458136404"/>
-      </p:ext>
-    </p:extLst>
-  </p:cSld>
-  <p:clrMapOvr>
-    <a:overrideClrMapping bg1="lt1" tx1="dk1" bg2="lt2" tx2="dk2" accent1="accent1" accent2="accent2" accent3="accent3" accent4="accent4" accent5="accent5" accent6="accent6" hlink="hlink" folHlink="folHlink"/>
-  </p:clrMapOvr>
-</p:sld>
-</file>
-
-<file path=ppt/slides/slide9.xml><?xml version="1.0" encoding="utf-8"?>
-<p:sld xmlns:a="http://schemas.openxmlformats.org/drawingml/2006/main" xmlns:r="http://schemas.openxmlformats.org/officeDocument/2006/relationships" xmlns:p="http://schemas.openxmlformats.org/presentationml/2006/main">
-  <p:cSld>
-    <p:spTree>
-      <p:nvGrpSpPr>
-        <p:cNvPr id="1" name=""/>
-        <p:cNvGrpSpPr/>
-        <p:nvPr/>
-      </p:nvGrpSpPr>
-      <p:grpSpPr>
-        <a:xfrm>
-          <a:off x="0" y="0"/>
-          <a:ext cx="0" cy="0"/>
-          <a:chOff x="0" y="0"/>
-          <a:chExt cx="0" cy="0"/>
-        </a:xfrm>
-      </p:grpSpPr>
-      <p:sp>
-        <p:nvSpPr>
-          <p:cNvPr id="29" name="Rectangle 23"/>
-          <p:cNvSpPr>
-            <a:spLocks noGrp="1" noRot="1" noChangeAspect="1" noMove="1" noResize="1" noEditPoints="1" noAdjustHandles="1" noChangeArrowheads="1" noChangeShapeType="1" noTextEdit="1"/>
-          </p:cNvSpPr>
-          <p:nvPr>
-            <p:extLst>
-              <p:ext uri="{386F3935-93C4-4BCD-93E2-E3B085C9AB24}">
-                <p16:designElem xmlns:p16="http://schemas.microsoft.com/office/powerpoint/2015/main" val="1"/>
-              </p:ext>
-            </p:extLst>
-          </p:nvPr>
-        </p:nvSpPr>
-        <p:spPr bwMode="white">
-          <a:xfrm>
-            <a:off x="0" y="0"/>
-            <a:ext cx="9144000" cy="6858000"/>
-          </a:xfrm>
-          <a:prstGeom prst="rect">
-            <a:avLst/>
-          </a:prstGeom>
-          <a:solidFill>
-            <a:schemeClr val="bg1"/>
-          </a:solidFill>
-          <a:ln>
-            <a:noFill/>
-          </a:ln>
-          <a:effectLst/>
-        </p:spPr>
-      </p:sp>
-      <p:pic>
-        <p:nvPicPr>
-          <p:cNvPr id="11" name="그림 10" descr="스크린샷이(가) 표시된 사진&#10;&#10;매우 높은 신뢰도로 생성된 설명">
-            <a:extLst>
-              <a:ext uri="{FF2B5EF4-FFF2-40B4-BE49-F238E27FC236}">
-                <a16:creationId xmlns:a16="http://schemas.microsoft.com/office/drawing/2014/main" id="{E895A9BB-F6AA-4BFD-90C8-C84D64D1B5AF}"/>
-              </a:ext>
-            </a:extLst>
-          </p:cNvPr>
-          <p:cNvPicPr>
-            <a:picLocks noChangeAspect="1"/>
-          </p:cNvPicPr>
-          <p:nvPr/>
-        </p:nvPicPr>
-        <p:blipFill rotWithShape="1">
-          <a:blip r:embed="rId2"/>
-          <a:srcRect l="11013" t="931" r="21887" b="2"/>
-          <a:stretch/>
-        </p:blipFill>
-        <p:spPr>
-          <a:xfrm>
-            <a:off x="3614166" y="11"/>
-            <a:ext cx="5529834" cy="6857989"/>
-          </a:xfrm>
-          <a:prstGeom prst="rect">
-            <a:avLst/>
-          </a:prstGeom>
-        </p:spPr>
-      </p:pic>
-      <p:sp>
-        <p:nvSpPr>
-          <p:cNvPr id="30" name="Freeform 8"/>
-          <p:cNvSpPr>
-            <a:spLocks noGrp="1" noRot="1" noChangeAspect="1" noMove="1" noResize="1" noEditPoints="1" noAdjustHandles="1" noChangeArrowheads="1" noChangeShapeType="1" noTextEdit="1"/>
-          </p:cNvSpPr>
-          <p:nvPr>
-            <p:extLst>
-              <p:ext uri="{386F3935-93C4-4BCD-93E2-E3B085C9AB24}">
-                <p16:designElem xmlns:p16="http://schemas.microsoft.com/office/powerpoint/2015/main" val="1"/>
-              </p:ext>
-            </p:extLst>
-          </p:nvPr>
-        </p:nvSpPr>
-        <p:spPr>
-          <a:xfrm>
-            <a:off x="-638" y="0"/>
-            <a:ext cx="7101526" cy="6857999"/>
-          </a:xfrm>
-          <a:custGeom>
-            <a:avLst/>
-            <a:gdLst>
-              <a:gd name="connsiteX0" fmla="*/ 0 w 8078051"/>
-              <a:gd name="connsiteY0" fmla="*/ 0 h 5829300"/>
-              <a:gd name="connsiteX1" fmla="*/ 4453793 w 8078051"/>
-              <a:gd name="connsiteY1" fmla="*/ 0 h 5829300"/>
-              <a:gd name="connsiteX2" fmla="*/ 5363426 w 8078051"/>
-              <a:gd name="connsiteY2" fmla="*/ 0 h 5829300"/>
-              <a:gd name="connsiteX3" fmla="*/ 5368184 w 8078051"/>
-              <a:gd name="connsiteY3" fmla="*/ 0 h 5829300"/>
-              <a:gd name="connsiteX4" fmla="*/ 8078051 w 8078051"/>
-              <a:gd name="connsiteY4" fmla="*/ 5829300 h 5829300"/>
-              <a:gd name="connsiteX5" fmla="*/ 1743926 w 8078051"/>
-              <a:gd name="connsiteY5" fmla="*/ 5829300 h 5829300"/>
-              <a:gd name="connsiteX6" fmla="*/ 1744148 w 8078051"/>
-              <a:gd name="connsiteY6" fmla="*/ 5828822 h 5829300"/>
-              <a:gd name="connsiteX7" fmla="*/ 0 w 8078051"/>
-              <a:gd name="connsiteY7" fmla="*/ 5828822 h 5829300"/>
-            </a:gdLst>
-            <a:ahLst/>
-            <a:cxnLst>
-              <a:cxn ang="0">
-                <a:pos x="connsiteX0" y="connsiteY0"/>
-              </a:cxn>
-              <a:cxn ang="0">
-                <a:pos x="connsiteX1" y="connsiteY1"/>
-              </a:cxn>
-              <a:cxn ang="0">
-                <a:pos x="connsiteX2" y="connsiteY2"/>
-              </a:cxn>
-              <a:cxn ang="0">
-                <a:pos x="connsiteX3" y="connsiteY3"/>
-              </a:cxn>
-              <a:cxn ang="0">
-                <a:pos x="connsiteX4" y="connsiteY4"/>
-              </a:cxn>
-              <a:cxn ang="0">
-                <a:pos x="connsiteX5" y="connsiteY5"/>
-              </a:cxn>
-              <a:cxn ang="0">
-                <a:pos x="connsiteX6" y="connsiteY6"/>
-              </a:cxn>
-              <a:cxn ang="0">
-                <a:pos x="connsiteX7" y="connsiteY7"/>
-              </a:cxn>
-            </a:cxnLst>
-            <a:rect l="l" t="t" r="r" b="b"/>
-            <a:pathLst>
-              <a:path w="8078051" h="5829300">
-                <a:moveTo>
-                  <a:pt x="0" y="0"/>
-                </a:moveTo>
-                <a:lnTo>
-                  <a:pt x="4453793" y="0"/>
-                </a:lnTo>
-                <a:lnTo>
-                  <a:pt x="5363426" y="0"/>
-                </a:lnTo>
-                <a:lnTo>
-                  <a:pt x="5368184" y="0"/>
-                </a:lnTo>
-                <a:lnTo>
-                  <a:pt x="8078051" y="5829300"/>
-                </a:lnTo>
-                <a:lnTo>
-                  <a:pt x="1743926" y="5829300"/>
-                </a:lnTo>
-                <a:lnTo>
-                  <a:pt x="1744148" y="5828822"/>
-                </a:lnTo>
-                <a:lnTo>
-                  <a:pt x="0" y="5828822"/>
-                </a:lnTo>
-                <a:close/>
-              </a:path>
-            </a:pathLst>
-          </a:custGeom>
-          <a:solidFill>
-            <a:schemeClr val="tx1">
-              <a:lumMod val="85000"/>
-              <a:lumOff val="15000"/>
-              <a:alpha val="70000"/>
-            </a:schemeClr>
-          </a:solidFill>
-          <a:ln>
-            <a:noFill/>
-          </a:ln>
-        </p:spPr>
-        <p:style>
-          <a:lnRef idx="2">
-            <a:schemeClr val="accent1">
-              <a:shade val="50000"/>
-            </a:schemeClr>
-          </a:lnRef>
-          <a:fillRef idx="1">
-            <a:schemeClr val="accent1"/>
-          </a:fillRef>
-          <a:effectRef idx="0">
-            <a:schemeClr val="accent1"/>
-          </a:effectRef>
-          <a:fontRef idx="minor">
-            <a:schemeClr val="lt1"/>
-          </a:fontRef>
-        </p:style>
-        <p:txBody>
-          <a:bodyPr rtlCol="0" anchor="ctr"/>
-          <a:lstStyle/>
-          <a:p>
-            <a:pPr algn="ctr"/>
-            <a:endParaRPr lang="en-US" sz="1350"/>
-          </a:p>
-        </p:txBody>
-      </p:sp>
-      <p:sp>
-        <p:nvSpPr>
-          <p:cNvPr id="28" name="Freeform 11"/>
-          <p:cNvSpPr>
-            <a:spLocks noGrp="1" noRot="1" noChangeAspect="1" noMove="1" noResize="1" noEditPoints="1" noAdjustHandles="1" noChangeArrowheads="1" noChangeShapeType="1" noTextEdit="1"/>
-          </p:cNvSpPr>
-          <p:nvPr>
-            <p:extLst>
-              <p:ext uri="{386F3935-93C4-4BCD-93E2-E3B085C9AB24}">
-                <p16:designElem xmlns:p16="http://schemas.microsoft.com/office/powerpoint/2015/main" val="1"/>
-              </p:ext>
-            </p:extLst>
-          </p:nvPr>
-        </p:nvSpPr>
-        <p:spPr>
-          <a:xfrm>
-            <a:off x="-639" y="0"/>
-            <a:ext cx="6058539" cy="6857999"/>
-          </a:xfrm>
-          <a:custGeom>
-            <a:avLst/>
-            <a:gdLst>
-              <a:gd name="connsiteX0" fmla="*/ 0 w 8078052"/>
-              <a:gd name="connsiteY0" fmla="*/ 0 h 6858478"/>
-              <a:gd name="connsiteX1" fmla="*/ 3829872 w 8078052"/>
-              <a:gd name="connsiteY1" fmla="*/ 0 h 6858478"/>
-              <a:gd name="connsiteX2" fmla="*/ 4896100 w 8078052"/>
-              <a:gd name="connsiteY2" fmla="*/ 0 h 6858478"/>
-              <a:gd name="connsiteX3" fmla="*/ 4901677 w 8078052"/>
-              <a:gd name="connsiteY3" fmla="*/ 0 h 6858478"/>
-              <a:gd name="connsiteX4" fmla="*/ 8078052 w 8078052"/>
-              <a:gd name="connsiteY4" fmla="*/ 6858478 h 6858478"/>
-              <a:gd name="connsiteX5" fmla="*/ 653497 w 8078052"/>
-              <a:gd name="connsiteY5" fmla="*/ 6858478 h 6858478"/>
-              <a:gd name="connsiteX6" fmla="*/ 653757 w 8078052"/>
-              <a:gd name="connsiteY6" fmla="*/ 6857916 h 6858478"/>
-              <a:gd name="connsiteX7" fmla="*/ 0 w 8078052"/>
-              <a:gd name="connsiteY7" fmla="*/ 6857916 h 6858478"/>
-            </a:gdLst>
-            <a:ahLst/>
-            <a:cxnLst>
-              <a:cxn ang="0">
-                <a:pos x="connsiteX0" y="connsiteY0"/>
-              </a:cxn>
-              <a:cxn ang="0">
-                <a:pos x="connsiteX1" y="connsiteY1"/>
-              </a:cxn>
-              <a:cxn ang="0">
-                <a:pos x="connsiteX2" y="connsiteY2"/>
-              </a:cxn>
-              <a:cxn ang="0">
-                <a:pos x="connsiteX3" y="connsiteY3"/>
-              </a:cxn>
-              <a:cxn ang="0">
-                <a:pos x="connsiteX4" y="connsiteY4"/>
-              </a:cxn>
-              <a:cxn ang="0">
-                <a:pos x="connsiteX5" y="connsiteY5"/>
-              </a:cxn>
-              <a:cxn ang="0">
-                <a:pos x="connsiteX6" y="connsiteY6"/>
-              </a:cxn>
-              <a:cxn ang="0">
-                <a:pos x="connsiteX7" y="connsiteY7"/>
-              </a:cxn>
-            </a:cxnLst>
-            <a:rect l="l" t="t" r="r" b="b"/>
-            <a:pathLst>
-              <a:path w="8078052" h="6858478">
-                <a:moveTo>
-                  <a:pt x="0" y="0"/>
-                </a:moveTo>
-                <a:lnTo>
-                  <a:pt x="3829872" y="0"/>
-                </a:lnTo>
-                <a:lnTo>
-                  <a:pt x="4896100" y="0"/>
-                </a:lnTo>
-                <a:lnTo>
-                  <a:pt x="4901677" y="0"/>
-                </a:lnTo>
-                <a:lnTo>
-                  <a:pt x="8078052" y="6858478"/>
-                </a:lnTo>
-                <a:lnTo>
-                  <a:pt x="653497" y="6858478"/>
-                </a:lnTo>
-                <a:lnTo>
-                  <a:pt x="653757" y="6857916"/>
-                </a:lnTo>
-                <a:lnTo>
-                  <a:pt x="0" y="6857916"/>
-                </a:lnTo>
-                <a:close/>
-              </a:path>
-            </a:pathLst>
-          </a:custGeom>
-          <a:solidFill>
-            <a:schemeClr val="tx1">
-              <a:lumMod val="85000"/>
-              <a:lumOff val="15000"/>
-            </a:schemeClr>
-          </a:solidFill>
-          <a:ln>
-            <a:noFill/>
-          </a:ln>
-        </p:spPr>
-        <p:style>
-          <a:lnRef idx="2">
-            <a:schemeClr val="accent1">
-              <a:shade val="50000"/>
-            </a:schemeClr>
-          </a:lnRef>
-          <a:fillRef idx="1">
-            <a:schemeClr val="accent1"/>
-          </a:fillRef>
-          <a:effectRef idx="0">
-            <a:schemeClr val="accent1"/>
-          </a:effectRef>
-          <a:fontRef idx="minor">
-            <a:schemeClr val="lt1"/>
-          </a:fontRef>
-        </p:style>
-        <p:txBody>
-          <a:bodyPr rtlCol="0" anchor="ctr"/>
-          <a:lstStyle/>
-          <a:p>
-            <a:pPr algn="ctr"/>
-            <a:endParaRPr lang="en-US" sz="1350"/>
-          </a:p>
-        </p:txBody>
-      </p:sp>
-      <p:sp>
-        <p:nvSpPr>
-          <p:cNvPr id="10" name="TextBox 9"/>
-          <p:cNvSpPr txBox="1"/>
-          <p:nvPr/>
-        </p:nvSpPr>
-        <p:spPr>
-          <a:xfrm>
-            <a:off x="603504" y="2807494"/>
-            <a:ext cx="2805521" cy="761329"/>
-          </a:xfrm>
-          <a:prstGeom prst="rect">
-            <a:avLst/>
-          </a:prstGeom>
-        </p:spPr>
-        <p:txBody>
-          <a:bodyPr vert="horz" lIns="91440" tIns="45720" rIns="91440" bIns="45720" rtlCol="0" anchor="t">
-            <a:normAutofit/>
-          </a:bodyPr>
-          <a:lstStyle/>
-          <a:p>
-            <a:pPr defTabSz="914400">
-              <a:lnSpc>
-                <a:spcPct val="90000"/>
-              </a:lnSpc>
-              <a:spcBef>
-                <a:spcPct val="0"/>
-              </a:spcBef>
-            </a:pPr>
-            <a:r>
-              <a:rPr lang="ko-KR" altLang="en-US" sz="4800" dirty="0">
-                <a:solidFill>
-                  <a:srgbClr val="FFFFFF"/>
-                </a:solidFill>
-                <a:latin typeface="나눔스퀘어 Light" panose="020B0600000101010101" pitchFamily="50" charset="-127"/>
-                <a:ea typeface="나눔스퀘어 Light" panose="020B0600000101010101" pitchFamily="50" charset="-127"/>
-                <a:cs typeface="+mj-cs"/>
-              </a:rPr>
-              <a:t>제작과정</a:t>
-            </a:r>
-          </a:p>
-        </p:txBody>
-      </p:sp>
-    </p:spTree>
-    <p:extLst>
-      <p:ext uri="{BB962C8B-B14F-4D97-AF65-F5344CB8AC3E}">
-        <p14:creationId xmlns:p14="http://schemas.microsoft.com/office/powerpoint/2010/main" val="3325879335"/>
-      </p:ext>
-    </p:extLst>
-  </p:cSld>
-  <p:clrMapOvr>
-    <a:masterClrMapping/>
   </p:clrMapOvr>
 </p:sld>
 </file>

--- a/발표자료/API 텀프로젝트 발표자료.pptx
+++ b/발표자료/API 텀프로젝트 발표자료.pptx
@@ -8,14 +8,15 @@
     <p:sldId id="256" r:id="rId2"/>
     <p:sldId id="263" r:id="rId3"/>
     <p:sldId id="258" r:id="rId4"/>
-    <p:sldId id="261" r:id="rId5"/>
-    <p:sldId id="269" r:id="rId6"/>
-    <p:sldId id="262" r:id="rId7"/>
-    <p:sldId id="265" r:id="rId8"/>
-    <p:sldId id="268" r:id="rId9"/>
-    <p:sldId id="267" r:id="rId10"/>
-    <p:sldId id="266" r:id="rId11"/>
-    <p:sldId id="264" r:id="rId12"/>
+    <p:sldId id="270" r:id="rId5"/>
+    <p:sldId id="261" r:id="rId6"/>
+    <p:sldId id="269" r:id="rId7"/>
+    <p:sldId id="262" r:id="rId8"/>
+    <p:sldId id="265" r:id="rId9"/>
+    <p:sldId id="268" r:id="rId10"/>
+    <p:sldId id="267" r:id="rId11"/>
+    <p:sldId id="266" r:id="rId12"/>
+    <p:sldId id="264" r:id="rId13"/>
   </p:sldIdLst>
   <p:sldSz cx="9144000" cy="6858000" type="screen4x3"/>
   <p:notesSz cx="6858000" cy="9144000"/>
@@ -269,7 +270,7 @@
           <a:p>
             <a:fld id="{42904C78-06FB-426E-8932-DB863AFFAC91}" type="datetimeFigureOut">
               <a:rPr lang="ko-KR" altLang="en-US" smtClean="0"/>
-              <a:t>2017-06-18</a:t>
+              <a:t>2017-06-19</a:t>
             </a:fld>
             <a:endParaRPr lang="ko-KR" altLang="en-US"/>
           </a:p>
@@ -439,7 +440,7 @@
           <a:p>
             <a:fld id="{42904C78-06FB-426E-8932-DB863AFFAC91}" type="datetimeFigureOut">
               <a:rPr lang="ko-KR" altLang="en-US" smtClean="0"/>
-              <a:t>2017-06-18</a:t>
+              <a:t>2017-06-19</a:t>
             </a:fld>
             <a:endParaRPr lang="ko-KR" altLang="en-US"/>
           </a:p>
@@ -619,7 +620,7 @@
           <a:p>
             <a:fld id="{42904C78-06FB-426E-8932-DB863AFFAC91}" type="datetimeFigureOut">
               <a:rPr lang="ko-KR" altLang="en-US" smtClean="0"/>
-              <a:t>2017-06-18</a:t>
+              <a:t>2017-06-19</a:t>
             </a:fld>
             <a:endParaRPr lang="ko-KR" altLang="en-US"/>
           </a:p>
@@ -800,7 +801,7 @@
           <a:p>
             <a:fld id="{42904C78-06FB-426E-8932-DB863AFFAC91}" type="datetimeFigureOut">
               <a:rPr lang="ko-KR" altLang="en-US" smtClean="0"/>
-              <a:t>2017-06-18</a:t>
+              <a:t>2017-06-19</a:t>
             </a:fld>
             <a:endParaRPr lang="ko-KR" altLang="en-US"/>
           </a:p>
@@ -1044,7 +1045,7 @@
           <a:p>
             <a:fld id="{42904C78-06FB-426E-8932-DB863AFFAC91}" type="datetimeFigureOut">
               <a:rPr lang="ko-KR" altLang="en-US" smtClean="0"/>
-              <a:t>2017-06-18</a:t>
+              <a:t>2017-06-19</a:t>
             </a:fld>
             <a:endParaRPr lang="ko-KR" altLang="en-US"/>
           </a:p>
@@ -1276,7 +1277,7 @@
           <a:p>
             <a:fld id="{42904C78-06FB-426E-8932-DB863AFFAC91}" type="datetimeFigureOut">
               <a:rPr lang="ko-KR" altLang="en-US" smtClean="0"/>
-              <a:t>2017-06-18</a:t>
+              <a:t>2017-06-19</a:t>
             </a:fld>
             <a:endParaRPr lang="ko-KR" altLang="en-US"/>
           </a:p>
@@ -1643,7 +1644,7 @@
           <a:p>
             <a:fld id="{42904C78-06FB-426E-8932-DB863AFFAC91}" type="datetimeFigureOut">
               <a:rPr lang="ko-KR" altLang="en-US" smtClean="0"/>
-              <a:t>2017-06-18</a:t>
+              <a:t>2017-06-19</a:t>
             </a:fld>
             <a:endParaRPr lang="ko-KR" altLang="en-US"/>
           </a:p>
@@ -1761,7 +1762,7 @@
           <a:p>
             <a:fld id="{42904C78-06FB-426E-8932-DB863AFFAC91}" type="datetimeFigureOut">
               <a:rPr lang="ko-KR" altLang="en-US" smtClean="0"/>
-              <a:t>2017-06-18</a:t>
+              <a:t>2017-06-19</a:t>
             </a:fld>
             <a:endParaRPr lang="ko-KR" altLang="en-US"/>
           </a:p>
@@ -1856,7 +1857,7 @@
           <a:p>
             <a:fld id="{42904C78-06FB-426E-8932-DB863AFFAC91}" type="datetimeFigureOut">
               <a:rPr lang="ko-KR" altLang="en-US" smtClean="0"/>
-              <a:t>2017-06-18</a:t>
+              <a:t>2017-06-19</a:t>
             </a:fld>
             <a:endParaRPr lang="ko-KR" altLang="en-US"/>
           </a:p>
@@ -2133,7 +2134,7 @@
           <a:p>
             <a:fld id="{42904C78-06FB-426E-8932-DB863AFFAC91}" type="datetimeFigureOut">
               <a:rPr lang="ko-KR" altLang="en-US" smtClean="0"/>
-              <a:t>2017-06-18</a:t>
+              <a:t>2017-06-19</a:t>
             </a:fld>
             <a:endParaRPr lang="ko-KR" altLang="en-US"/>
           </a:p>
@@ -2390,7 +2391,7 @@
           <a:p>
             <a:fld id="{42904C78-06FB-426E-8932-DB863AFFAC91}" type="datetimeFigureOut">
               <a:rPr lang="ko-KR" altLang="en-US" smtClean="0"/>
-              <a:t>2017-06-18</a:t>
+              <a:t>2017-06-19</a:t>
             </a:fld>
             <a:endParaRPr lang="ko-KR" altLang="en-US"/>
           </a:p>
@@ -2609,7 +2610,7 @@
           <a:p>
             <a:fld id="{42904C78-06FB-426E-8932-DB863AFFAC91}" type="datetimeFigureOut">
               <a:rPr lang="ko-KR" altLang="en-US" smtClean="0"/>
-              <a:t>2017-06-18</a:t>
+              <a:t>2017-06-19</a:t>
             </a:fld>
             <a:endParaRPr lang="ko-KR" altLang="en-US"/>
           </a:p>
@@ -3248,8 +3249,8 @@
         </p:nvSpPr>
         <p:spPr>
           <a:xfrm>
-            <a:off x="2427698" y="2692412"/>
-            <a:ext cx="2517036" cy="1323439"/>
+            <a:off x="2247907" y="2692412"/>
+            <a:ext cx="2983509" cy="1323439"/>
           </a:xfrm>
           <a:prstGeom prst="rect">
             <a:avLst/>
@@ -3275,22 +3276,15 @@
           </a:p>
           <a:p>
             <a:r>
-              <a:rPr lang="ko-KR" altLang="en-US" sz="4000" dirty="0" err="1">
+              <a:rPr lang="ko-KR" altLang="en-US" sz="4000" dirty="0">
                 <a:solidFill>
                   <a:schemeClr val="bg1"/>
                 </a:solidFill>
                 <a:latin typeface="나눔스퀘어 Light" panose="020B0600000101010101" pitchFamily="50" charset="-127"/>
                 <a:ea typeface="나눔스퀘어 Light" panose="020B0600000101010101" pitchFamily="50" charset="-127"/>
               </a:rPr>
-              <a:t>텀프로젝트</a:t>
-            </a:r>
-            <a:endParaRPr lang="ko-KR" altLang="en-US" sz="4000" dirty="0">
-              <a:solidFill>
-                <a:schemeClr val="bg1"/>
-              </a:solidFill>
-              <a:latin typeface="나눔스퀘어 Light" panose="020B0600000101010101" pitchFamily="50" charset="-127"/>
-              <a:ea typeface="나눔스퀘어 Light" panose="020B0600000101010101" pitchFamily="50" charset="-127"/>
-            </a:endParaRPr>
+              <a:t>기말프로젝트</a:t>
+            </a:r>
           </a:p>
         </p:txBody>
       </p:sp>
@@ -3432,6 +3426,154 @@
           <a:chExt cx="0" cy="0"/>
         </a:xfrm>
       </p:grpSpPr>
+      <p:pic>
+        <p:nvPicPr>
+          <p:cNvPr id="43" name="그림 42">
+            <a:extLst>
+              <a:ext uri="{FF2B5EF4-FFF2-40B4-BE49-F238E27FC236}">
+                <a16:creationId xmlns:a16="http://schemas.microsoft.com/office/drawing/2014/main" id="{BEBAC2EE-C006-4F8B-976F-ACF769FEE006}"/>
+              </a:ext>
+            </a:extLst>
+          </p:cNvPr>
+          <p:cNvPicPr>
+            <a:picLocks noChangeAspect="1"/>
+          </p:cNvPicPr>
+          <p:nvPr/>
+        </p:nvPicPr>
+        <p:blipFill>
+          <a:blip r:embed="rId3">
+            <a:extLst>
+              <a:ext uri="{28A0092B-C50C-407E-A947-70E740481C1C}">
+                <a14:useLocalDpi xmlns:a14="http://schemas.microsoft.com/office/drawing/2010/main" val="0"/>
+              </a:ext>
+            </a:extLst>
+          </a:blip>
+          <a:stretch>
+            <a:fillRect/>
+          </a:stretch>
+        </p:blipFill>
+        <p:spPr>
+          <a:xfrm rot="18872706">
+            <a:off x="4840291" y="3063733"/>
+            <a:ext cx="798000" cy="828000"/>
+          </a:xfrm>
+          <a:prstGeom prst="rect">
+            <a:avLst/>
+          </a:prstGeom>
+        </p:spPr>
+      </p:pic>
+      <p:sp>
+        <p:nvSpPr>
+          <p:cNvPr id="42" name="직사각형 41">
+            <a:extLst>
+              <a:ext uri="{FF2B5EF4-FFF2-40B4-BE49-F238E27FC236}">
+                <a16:creationId xmlns:a16="http://schemas.microsoft.com/office/drawing/2014/main" id="{CF35418B-D629-491F-89F5-D666E23C5A3A}"/>
+              </a:ext>
+            </a:extLst>
+          </p:cNvPr>
+          <p:cNvSpPr/>
+          <p:nvPr/>
+        </p:nvSpPr>
+        <p:spPr>
+          <a:xfrm>
+            <a:off x="6374621" y="3065287"/>
+            <a:ext cx="798990" cy="803649"/>
+          </a:xfrm>
+          <a:prstGeom prst="rect">
+            <a:avLst/>
+          </a:prstGeom>
+          <a:pattFill prst="wdDnDiag">
+            <a:fgClr>
+              <a:schemeClr val="accent4"/>
+            </a:fgClr>
+            <a:bgClr>
+              <a:schemeClr val="accent4">
+                <a:lumMod val="50000"/>
+              </a:schemeClr>
+            </a:bgClr>
+          </a:pattFill>
+        </p:spPr>
+        <p:style>
+          <a:lnRef idx="2">
+            <a:schemeClr val="accent1">
+              <a:shade val="50000"/>
+            </a:schemeClr>
+          </a:lnRef>
+          <a:fillRef idx="1">
+            <a:schemeClr val="accent1"/>
+          </a:fillRef>
+          <a:effectRef idx="0">
+            <a:schemeClr val="accent1"/>
+          </a:effectRef>
+          <a:fontRef idx="minor">
+            <a:schemeClr val="lt1"/>
+          </a:fontRef>
+        </p:style>
+        <p:txBody>
+          <a:bodyPr rtlCol="0" anchor="ctr"/>
+          <a:lstStyle/>
+          <a:p>
+            <a:pPr algn="ctr"/>
+            <a:endParaRPr lang="ko-KR" altLang="en-US"/>
+          </a:p>
+        </p:txBody>
+      </p:sp>
+      <p:sp>
+        <p:nvSpPr>
+          <p:cNvPr id="10" name="직사각형 9">
+            <a:extLst>
+              <a:ext uri="{FF2B5EF4-FFF2-40B4-BE49-F238E27FC236}">
+                <a16:creationId xmlns:a16="http://schemas.microsoft.com/office/drawing/2014/main" id="{BFBB1470-A95D-457F-8C59-E1598C10E6ED}"/>
+              </a:ext>
+            </a:extLst>
+          </p:cNvPr>
+          <p:cNvSpPr/>
+          <p:nvPr/>
+        </p:nvSpPr>
+        <p:spPr>
+          <a:xfrm>
+            <a:off x="1976800" y="2899695"/>
+            <a:ext cx="1124403" cy="1137304"/>
+          </a:xfrm>
+          <a:prstGeom prst="rect">
+            <a:avLst/>
+          </a:prstGeom>
+          <a:pattFill prst="wdDnDiag">
+            <a:fgClr>
+              <a:schemeClr val="accent4"/>
+            </a:fgClr>
+            <a:bgClr>
+              <a:schemeClr val="accent4">
+                <a:lumMod val="50000"/>
+              </a:schemeClr>
+            </a:bgClr>
+          </a:pattFill>
+        </p:spPr>
+        <p:style>
+          <a:lnRef idx="2">
+            <a:schemeClr val="accent1">
+              <a:shade val="50000"/>
+            </a:schemeClr>
+          </a:lnRef>
+          <a:fillRef idx="1">
+            <a:schemeClr val="accent1"/>
+          </a:fillRef>
+          <a:effectRef idx="0">
+            <a:schemeClr val="accent1"/>
+          </a:effectRef>
+          <a:fontRef idx="minor">
+            <a:schemeClr val="lt1"/>
+          </a:fontRef>
+        </p:style>
+        <p:txBody>
+          <a:bodyPr rtlCol="0" anchor="ctr"/>
+          <a:lstStyle/>
+          <a:p>
+            <a:pPr algn="ctr"/>
+            <a:endParaRPr lang="ko-KR" altLang="en-US" dirty="0"/>
+          </a:p>
+        </p:txBody>
+      </p:sp>
       <p:sp>
         <p:nvSpPr>
           <p:cNvPr id="3" name="내용 개체 틀 2">
@@ -3450,14 +3592,12 @@
         </p:nvSpPr>
         <p:spPr>
           <a:xfrm>
-            <a:off x="628650" y="1825624"/>
-            <a:ext cx="7886700" cy="5032375"/>
+            <a:off x="628650" y="1825625"/>
+            <a:ext cx="7886700" cy="738023"/>
           </a:xfrm>
         </p:spPr>
         <p:txBody>
-          <a:bodyPr>
-            <a:normAutofit/>
-          </a:bodyPr>
+          <a:bodyPr/>
           <a:lstStyle/>
           <a:p>
             <a:r>
@@ -3466,34 +3606,8 @@
                   <a:schemeClr val="bg1"/>
                 </a:solidFill>
               </a:rPr>
-              <a:t>적을 많이 생성했더니 </a:t>
-            </a:r>
-            <a:r>
-              <a:rPr lang="ko-KR" altLang="en-US" dirty="0" err="1">
-                <a:solidFill>
-                  <a:schemeClr val="bg1"/>
-                </a:solidFill>
-              </a:rPr>
-              <a:t>느려져</a:t>
-            </a:r>
-            <a:r>
-              <a:rPr lang="ko-KR" altLang="en-US" dirty="0">
-                <a:solidFill>
-                  <a:schemeClr val="bg1"/>
-                </a:solidFill>
-              </a:rPr>
-              <a:t> 버렸다</a:t>
-            </a:r>
-            <a:r>
-              <a:rPr lang="en-US" altLang="ko-KR" dirty="0">
-                <a:solidFill>
-                  <a:schemeClr val="bg1"/>
-                </a:solidFill>
-              </a:rPr>
-              <a:t>!</a:t>
-            </a:r>
-          </a:p>
-          <a:p>
+              <a:t>그리기 과정</a:t>
+            </a:r>
             <a:endParaRPr lang="en-US" altLang="ko-KR" dirty="0">
               <a:solidFill>
                 <a:schemeClr val="bg1"/>
@@ -3501,100 +3615,6 @@
             </a:endParaRPr>
           </a:p>
           <a:p>
-            <a:pPr lvl="1">
-              <a:buFont typeface="Wingdings" panose="05000000000000000000" pitchFamily="2" charset="2"/>
-              <a:buChar char="à"/>
-            </a:pPr>
-            <a:r>
-              <a:rPr lang="ko-KR" altLang="en-US" dirty="0">
-                <a:solidFill>
-                  <a:schemeClr val="bg1"/>
-                </a:solidFill>
-              </a:rPr>
-              <a:t>적클래스</a:t>
-            </a:r>
-            <a:r>
-              <a:rPr lang="en-US" altLang="ko-KR" dirty="0">
-                <a:solidFill>
-                  <a:schemeClr val="bg1"/>
-                </a:solidFill>
-              </a:rPr>
-              <a:t>, </a:t>
-            </a:r>
-            <a:r>
-              <a:rPr lang="ko-KR" altLang="en-US" dirty="0">
-                <a:solidFill>
-                  <a:schemeClr val="bg1"/>
-                </a:solidFill>
-              </a:rPr>
-              <a:t>총알은 위치만 들고있게 아무것도 상속받지 말고 만들어볼까</a:t>
-            </a:r>
-            <a:r>
-              <a:rPr lang="en-US" altLang="ko-KR" dirty="0">
-                <a:solidFill>
-                  <a:schemeClr val="bg1"/>
-                </a:solidFill>
-              </a:rPr>
-              <a:t>??</a:t>
-            </a:r>
-          </a:p>
-          <a:p>
-            <a:pPr lvl="1">
-              <a:buFont typeface="Wingdings" panose="05000000000000000000" pitchFamily="2" charset="2"/>
-              <a:buChar char=""/>
-            </a:pPr>
-            <a:r>
-              <a:rPr lang="ko-KR" altLang="en-US" dirty="0">
-                <a:solidFill>
-                  <a:schemeClr val="bg1"/>
-                </a:solidFill>
-              </a:rPr>
-              <a:t>총알과 적 사이에 충돌검사를 공간분할로 처리해볼까</a:t>
-            </a:r>
-            <a:r>
-              <a:rPr lang="en-US" altLang="ko-KR" dirty="0">
-                <a:solidFill>
-                  <a:schemeClr val="bg1"/>
-                </a:solidFill>
-              </a:rPr>
-              <a:t>??</a:t>
-            </a:r>
-          </a:p>
-          <a:p>
-            <a:pPr lvl="1">
-              <a:buFont typeface="Wingdings" panose="05000000000000000000" pitchFamily="2" charset="2"/>
-              <a:buChar char=""/>
-            </a:pPr>
-            <a:r>
-              <a:rPr lang="ko-KR" altLang="en-US" dirty="0" err="1">
-                <a:solidFill>
-                  <a:schemeClr val="bg1"/>
-                </a:solidFill>
-              </a:rPr>
-              <a:t>투명값을</a:t>
-            </a:r>
-            <a:r>
-              <a:rPr lang="ko-KR" altLang="en-US" dirty="0">
-                <a:solidFill>
-                  <a:schemeClr val="bg1"/>
-                </a:solidFill>
-              </a:rPr>
-              <a:t> 사용하지 말아볼까</a:t>
-            </a:r>
-            <a:r>
-              <a:rPr lang="en-US" altLang="ko-KR" dirty="0">
-                <a:solidFill>
-                  <a:schemeClr val="bg1"/>
-                </a:solidFill>
-              </a:rPr>
-              <a:t>…</a:t>
-            </a:r>
-          </a:p>
-          <a:p>
-            <a:pPr lvl="1">
-              <a:buFont typeface="Wingdings" panose="05000000000000000000" pitchFamily="2" charset="2"/>
-              <a:buChar char=""/>
-            </a:pPr>
             <a:endParaRPr lang="en-US" altLang="ko-KR" dirty="0">
               <a:solidFill>
                 <a:schemeClr val="bg1"/>
@@ -3602,89 +3622,11 @@
             </a:endParaRPr>
           </a:p>
           <a:p>
-            <a:pPr lvl="1">
-              <a:buFont typeface="Wingdings" panose="05000000000000000000" pitchFamily="2" charset="2"/>
-              <a:buChar char=""/>
-            </a:pPr>
-            <a:endParaRPr lang="en-US" altLang="ko-KR" dirty="0">
+            <a:endParaRPr lang="ko-KR" altLang="en-US" dirty="0">
               <a:solidFill>
                 <a:schemeClr val="bg1"/>
               </a:solidFill>
             </a:endParaRPr>
-          </a:p>
-          <a:p>
-            <a:r>
-              <a:rPr lang="ko-KR" altLang="en-US" dirty="0">
-                <a:solidFill>
-                  <a:schemeClr val="bg1"/>
-                </a:solidFill>
-              </a:rPr>
-              <a:t>결과</a:t>
-            </a:r>
-            <a:r>
-              <a:rPr lang="en-US" altLang="ko-KR" dirty="0">
-                <a:solidFill>
-                  <a:schemeClr val="bg1"/>
-                </a:solidFill>
-              </a:rPr>
-              <a:t> : </a:t>
-            </a:r>
-            <a:r>
-              <a:rPr lang="ko-KR" altLang="en-US" dirty="0">
-                <a:solidFill>
-                  <a:schemeClr val="bg1"/>
-                </a:solidFill>
-              </a:rPr>
-              <a:t>회전 이미지를 </a:t>
-            </a:r>
-            <a:r>
-              <a:rPr lang="en-US" altLang="ko-KR" dirty="0" err="1">
-                <a:solidFill>
-                  <a:schemeClr val="bg1"/>
-                </a:solidFill>
-              </a:rPr>
-              <a:t>plgblt</a:t>
-            </a:r>
-            <a:r>
-              <a:rPr lang="ko-KR" altLang="en-US" dirty="0">
-                <a:solidFill>
-                  <a:schemeClr val="bg1"/>
-                </a:solidFill>
-              </a:rPr>
-              <a:t>대신 </a:t>
-            </a:r>
-            <a:r>
-              <a:rPr lang="ko-KR" altLang="en-US" dirty="0" err="1">
-                <a:solidFill>
-                  <a:schemeClr val="bg1"/>
-                </a:solidFill>
-              </a:rPr>
-              <a:t>스프라이트</a:t>
-            </a:r>
-            <a:r>
-              <a:rPr lang="ko-KR" altLang="en-US" dirty="0">
-                <a:solidFill>
-                  <a:schemeClr val="bg1"/>
-                </a:solidFill>
-              </a:rPr>
-              <a:t> 이미지로 바꾸니까  </a:t>
-            </a:r>
-            <a:r>
-              <a:rPr lang="ko-KR" altLang="en-US" dirty="0" err="1">
-                <a:solidFill>
-                  <a:schemeClr val="bg1"/>
-                </a:solidFill>
-              </a:rPr>
-              <a:t>잘됌</a:t>
-            </a:r>
-            <a:r>
-              <a:rPr lang="en-US" altLang="ko-KR" dirty="0">
-                <a:solidFill>
-                  <a:schemeClr val="bg1"/>
-                </a:solidFill>
-              </a:rPr>
-              <a:t>!</a:t>
-            </a:r>
           </a:p>
         </p:txBody>
       </p:sp>
@@ -3990,6 +3932,1825 @@
         <p:spPr>
           <a:xfrm>
             <a:off x="745726" y="618835"/>
+            <a:ext cx="7307963" cy="1015663"/>
+          </a:xfrm>
+          <a:prstGeom prst="rect">
+            <a:avLst/>
+          </a:prstGeom>
+          <a:noFill/>
+        </p:spPr>
+        <p:txBody>
+          <a:bodyPr wrap="none" rtlCol="0">
+            <a:spAutoFit/>
+          </a:bodyPr>
+          <a:lstStyle/>
+          <a:p>
+            <a:r>
+              <a:rPr lang="en-US" altLang="ko-KR" sz="6000" dirty="0">
+                <a:solidFill>
+                  <a:schemeClr val="bg1"/>
+                </a:solidFill>
+              </a:rPr>
+              <a:t>Alpha </a:t>
+            </a:r>
+            <a:r>
+              <a:rPr lang="en-US" altLang="ko-KR" sz="6000" dirty="0" err="1">
+                <a:solidFill>
+                  <a:schemeClr val="bg1"/>
+                </a:solidFill>
+              </a:rPr>
+              <a:t>img</a:t>
+            </a:r>
+            <a:r>
+              <a:rPr lang="ko-KR" altLang="en-US" sz="6000" dirty="0">
+                <a:solidFill>
+                  <a:schemeClr val="bg1"/>
+                </a:solidFill>
+              </a:rPr>
+              <a:t> </a:t>
+            </a:r>
+            <a:r>
+              <a:rPr lang="en-US" altLang="ko-KR" sz="6000" dirty="0">
+                <a:solidFill>
+                  <a:schemeClr val="bg1"/>
+                </a:solidFill>
+              </a:rPr>
+              <a:t>rotate draw </a:t>
+            </a:r>
+          </a:p>
+        </p:txBody>
+      </p:sp>
+      <p:grpSp>
+        <p:nvGrpSpPr>
+          <p:cNvPr id="14" name="그룹 13">
+            <a:extLst>
+              <a:ext uri="{FF2B5EF4-FFF2-40B4-BE49-F238E27FC236}">
+                <a16:creationId xmlns:a16="http://schemas.microsoft.com/office/drawing/2014/main" id="{4B9002FC-FE28-4B48-A97D-E04409BA6847}"/>
+              </a:ext>
+            </a:extLst>
+          </p:cNvPr>
+          <p:cNvGrpSpPr/>
+          <p:nvPr/>
+        </p:nvGrpSpPr>
+        <p:grpSpPr>
+          <a:xfrm>
+            <a:off x="486601" y="3028223"/>
+            <a:ext cx="772357" cy="781235"/>
+            <a:chOff x="1722267" y="3124940"/>
+            <a:chExt cx="772357" cy="781235"/>
+          </a:xfrm>
+        </p:grpSpPr>
+        <p:sp>
+          <p:nvSpPr>
+            <p:cNvPr id="2" name="별: 꼭짓점 6개 1">
+              <a:extLst>
+                <a:ext uri="{FF2B5EF4-FFF2-40B4-BE49-F238E27FC236}">
+                  <a16:creationId xmlns:a16="http://schemas.microsoft.com/office/drawing/2014/main" id="{5EBF6C72-F8E0-442A-BB9E-717A60103512}"/>
+                </a:ext>
+              </a:extLst>
+            </p:cNvPr>
+            <p:cNvSpPr/>
+            <p:nvPr/>
+          </p:nvSpPr>
+          <p:spPr>
+            <a:xfrm>
+              <a:off x="1722267" y="3284738"/>
+              <a:ext cx="772357" cy="621437"/>
+            </a:xfrm>
+            <a:prstGeom prst="star6">
+              <a:avLst/>
+            </a:prstGeom>
+          </p:spPr>
+          <p:style>
+            <a:lnRef idx="2">
+              <a:schemeClr val="accent1">
+                <a:shade val="50000"/>
+              </a:schemeClr>
+            </a:lnRef>
+            <a:fillRef idx="1">
+              <a:schemeClr val="accent1"/>
+            </a:fillRef>
+            <a:effectRef idx="0">
+              <a:schemeClr val="accent1"/>
+            </a:effectRef>
+            <a:fontRef idx="minor">
+              <a:schemeClr val="lt1"/>
+            </a:fontRef>
+          </p:style>
+          <p:txBody>
+            <a:bodyPr rtlCol="0" anchor="ctr"/>
+            <a:lstStyle/>
+            <a:p>
+              <a:pPr algn="ctr"/>
+              <a:endParaRPr lang="ko-KR" altLang="en-US"/>
+            </a:p>
+          </p:txBody>
+        </p:sp>
+        <p:cxnSp>
+          <p:nvCxnSpPr>
+            <p:cNvPr id="12" name="직선 연결선 11">
+              <a:extLst>
+                <a:ext uri="{FF2B5EF4-FFF2-40B4-BE49-F238E27FC236}">
+                  <a16:creationId xmlns:a16="http://schemas.microsoft.com/office/drawing/2014/main" id="{F9F6CD15-D26F-411A-9A84-8897EE97BAAA}"/>
+                </a:ext>
+              </a:extLst>
+            </p:cNvPr>
+            <p:cNvCxnSpPr>
+              <a:cxnSpLocks/>
+            </p:cNvCxnSpPr>
+            <p:nvPr/>
+          </p:nvCxnSpPr>
+          <p:spPr>
+            <a:xfrm flipV="1">
+              <a:off x="2112885" y="3124940"/>
+              <a:ext cx="0" cy="488272"/>
+            </a:xfrm>
+            <a:prstGeom prst="line">
+              <a:avLst/>
+            </a:prstGeom>
+            <a:ln>
+              <a:solidFill>
+                <a:schemeClr val="bg1"/>
+              </a:solidFill>
+            </a:ln>
+          </p:spPr>
+          <p:style>
+            <a:lnRef idx="1">
+              <a:schemeClr val="accent1"/>
+            </a:lnRef>
+            <a:fillRef idx="0">
+              <a:schemeClr val="accent1"/>
+            </a:fillRef>
+            <a:effectRef idx="0">
+              <a:schemeClr val="accent1"/>
+            </a:effectRef>
+            <a:fontRef idx="minor">
+              <a:schemeClr val="tx1"/>
+            </a:fontRef>
+          </p:style>
+        </p:cxnSp>
+      </p:grpSp>
+      <p:grpSp>
+        <p:nvGrpSpPr>
+          <p:cNvPr id="15" name="그룹 14">
+            <a:extLst>
+              <a:ext uri="{FF2B5EF4-FFF2-40B4-BE49-F238E27FC236}">
+                <a16:creationId xmlns:a16="http://schemas.microsoft.com/office/drawing/2014/main" id="{437F54AE-1B8F-4983-9373-EDB18F4A3B6E}"/>
+              </a:ext>
+            </a:extLst>
+          </p:cNvPr>
+          <p:cNvGrpSpPr/>
+          <p:nvPr/>
+        </p:nvGrpSpPr>
+        <p:grpSpPr>
+          <a:xfrm>
+            <a:off x="2139519" y="3081489"/>
+            <a:ext cx="819611" cy="828000"/>
+            <a:chOff x="2139519" y="3081489"/>
+            <a:chExt cx="819611" cy="828000"/>
+          </a:xfrm>
+        </p:grpSpPr>
+        <p:sp>
+          <p:nvSpPr>
+            <p:cNvPr id="16" name="별: 꼭짓점 6개 15">
+              <a:extLst>
+                <a:ext uri="{FF2B5EF4-FFF2-40B4-BE49-F238E27FC236}">
+                  <a16:creationId xmlns:a16="http://schemas.microsoft.com/office/drawing/2014/main" id="{286C5129-E368-47FA-A914-1DEABE0F7EC7}"/>
+                </a:ext>
+              </a:extLst>
+            </p:cNvPr>
+            <p:cNvSpPr/>
+            <p:nvPr/>
+          </p:nvSpPr>
+          <p:spPr>
+            <a:xfrm rot="2747528">
+              <a:off x="2163447" y="3188225"/>
+              <a:ext cx="772357" cy="621437"/>
+            </a:xfrm>
+            <a:prstGeom prst="star6">
+              <a:avLst/>
+            </a:prstGeom>
+            <a:solidFill>
+              <a:schemeClr val="accent1"/>
+            </a:solidFill>
+            <a:ln>
+              <a:solidFill>
+                <a:schemeClr val="accent1">
+                  <a:alpha val="25000"/>
+                </a:schemeClr>
+              </a:solidFill>
+            </a:ln>
+          </p:spPr>
+          <p:style>
+            <a:lnRef idx="2">
+              <a:schemeClr val="accent1">
+                <a:shade val="50000"/>
+              </a:schemeClr>
+            </a:lnRef>
+            <a:fillRef idx="1">
+              <a:schemeClr val="accent1"/>
+            </a:fillRef>
+            <a:effectRef idx="0">
+              <a:schemeClr val="accent1"/>
+            </a:effectRef>
+            <a:fontRef idx="minor">
+              <a:schemeClr val="lt1"/>
+            </a:fontRef>
+          </p:style>
+          <p:txBody>
+            <a:bodyPr rtlCol="0" anchor="ctr"/>
+            <a:lstStyle/>
+            <a:p>
+              <a:pPr algn="ctr"/>
+              <a:endParaRPr lang="ko-KR" altLang="en-US" dirty="0"/>
+            </a:p>
+          </p:txBody>
+        </p:sp>
+        <p:cxnSp>
+          <p:nvCxnSpPr>
+            <p:cNvPr id="17" name="직선 연결선 16">
+              <a:extLst>
+                <a:ext uri="{FF2B5EF4-FFF2-40B4-BE49-F238E27FC236}">
+                  <a16:creationId xmlns:a16="http://schemas.microsoft.com/office/drawing/2014/main" id="{B7610B36-952C-4C34-A4D1-3FD31B34E3A1}"/>
+                </a:ext>
+              </a:extLst>
+            </p:cNvPr>
+            <p:cNvCxnSpPr>
+              <a:cxnSpLocks/>
+            </p:cNvCxnSpPr>
+            <p:nvPr/>
+          </p:nvCxnSpPr>
+          <p:spPr>
+            <a:xfrm rot="2747528" flipV="1">
+              <a:off x="2714994" y="3100143"/>
+              <a:ext cx="0" cy="488272"/>
+            </a:xfrm>
+            <a:prstGeom prst="line">
+              <a:avLst/>
+            </a:prstGeom>
+            <a:ln>
+              <a:solidFill>
+                <a:schemeClr val="bg1"/>
+              </a:solidFill>
+            </a:ln>
+          </p:spPr>
+          <p:style>
+            <a:lnRef idx="1">
+              <a:schemeClr val="accent1"/>
+            </a:lnRef>
+            <a:fillRef idx="0">
+              <a:schemeClr val="accent1"/>
+            </a:fillRef>
+            <a:effectRef idx="0">
+              <a:schemeClr val="accent1"/>
+            </a:effectRef>
+            <a:fontRef idx="minor">
+              <a:schemeClr val="tx1"/>
+            </a:fontRef>
+          </p:style>
+        </p:cxnSp>
+        <p:sp>
+          <p:nvSpPr>
+            <p:cNvPr id="18" name="직사각형 17">
+              <a:extLst>
+                <a:ext uri="{FF2B5EF4-FFF2-40B4-BE49-F238E27FC236}">
+                  <a16:creationId xmlns:a16="http://schemas.microsoft.com/office/drawing/2014/main" id="{52CEC46F-23CF-4862-9CB5-D9D0E8908913}"/>
+                </a:ext>
+              </a:extLst>
+            </p:cNvPr>
+            <p:cNvSpPr/>
+            <p:nvPr/>
+          </p:nvSpPr>
+          <p:spPr>
+            <a:xfrm>
+              <a:off x="2139519" y="3081489"/>
+              <a:ext cx="798990" cy="828000"/>
+            </a:xfrm>
+            <a:prstGeom prst="rect">
+              <a:avLst/>
+            </a:prstGeom>
+            <a:noFill/>
+            <a:ln w="38100"/>
+          </p:spPr>
+          <p:style>
+            <a:lnRef idx="2">
+              <a:schemeClr val="accent1">
+                <a:shade val="50000"/>
+              </a:schemeClr>
+            </a:lnRef>
+            <a:fillRef idx="1">
+              <a:schemeClr val="accent1"/>
+            </a:fillRef>
+            <a:effectRef idx="0">
+              <a:schemeClr val="accent1"/>
+            </a:effectRef>
+            <a:fontRef idx="minor">
+              <a:schemeClr val="lt1"/>
+            </a:fontRef>
+          </p:style>
+          <p:txBody>
+            <a:bodyPr rtlCol="0" anchor="ctr"/>
+            <a:lstStyle/>
+            <a:p>
+              <a:pPr algn="ctr"/>
+              <a:endParaRPr lang="ko-KR" altLang="en-US" dirty="0"/>
+            </a:p>
+          </p:txBody>
+        </p:sp>
+      </p:grpSp>
+      <p:grpSp>
+        <p:nvGrpSpPr>
+          <p:cNvPr id="21" name="그룹 20">
+            <a:extLst>
+              <a:ext uri="{FF2B5EF4-FFF2-40B4-BE49-F238E27FC236}">
+                <a16:creationId xmlns:a16="http://schemas.microsoft.com/office/drawing/2014/main" id="{BF64EE8A-8808-4377-B393-D64A2EDE5B0C}"/>
+              </a:ext>
+            </a:extLst>
+          </p:cNvPr>
+          <p:cNvGrpSpPr/>
+          <p:nvPr/>
+        </p:nvGrpSpPr>
+        <p:grpSpPr>
+          <a:xfrm rot="18864007">
+            <a:off x="3420177" y="3053417"/>
+            <a:ext cx="819611" cy="828000"/>
+            <a:chOff x="1883546" y="3180623"/>
+            <a:chExt cx="819611" cy="828000"/>
+          </a:xfrm>
+        </p:grpSpPr>
+        <p:cxnSp>
+          <p:nvCxnSpPr>
+            <p:cNvPr id="19" name="직선 연결선 18">
+              <a:extLst>
+                <a:ext uri="{FF2B5EF4-FFF2-40B4-BE49-F238E27FC236}">
+                  <a16:creationId xmlns:a16="http://schemas.microsoft.com/office/drawing/2014/main" id="{6B306001-993A-42A0-A771-D2A8E4556E48}"/>
+                </a:ext>
+              </a:extLst>
+            </p:cNvPr>
+            <p:cNvCxnSpPr>
+              <a:cxnSpLocks/>
+            </p:cNvCxnSpPr>
+            <p:nvPr/>
+          </p:nvCxnSpPr>
+          <p:spPr>
+            <a:xfrm rot="2747528" flipV="1">
+              <a:off x="2459021" y="3199277"/>
+              <a:ext cx="0" cy="488272"/>
+            </a:xfrm>
+            <a:prstGeom prst="line">
+              <a:avLst/>
+            </a:prstGeom>
+            <a:ln>
+              <a:solidFill>
+                <a:schemeClr val="bg1"/>
+              </a:solidFill>
+            </a:ln>
+          </p:spPr>
+          <p:style>
+            <a:lnRef idx="1">
+              <a:schemeClr val="accent1"/>
+            </a:lnRef>
+            <a:fillRef idx="0">
+              <a:schemeClr val="accent1"/>
+            </a:fillRef>
+            <a:effectRef idx="0">
+              <a:schemeClr val="accent1"/>
+            </a:effectRef>
+            <a:fontRef idx="minor">
+              <a:schemeClr val="tx1"/>
+            </a:fontRef>
+          </p:style>
+        </p:cxnSp>
+        <p:sp>
+          <p:nvSpPr>
+            <p:cNvPr id="20" name="직사각형 19">
+              <a:extLst>
+                <a:ext uri="{FF2B5EF4-FFF2-40B4-BE49-F238E27FC236}">
+                  <a16:creationId xmlns:a16="http://schemas.microsoft.com/office/drawing/2014/main" id="{62C68066-1EE3-4FF3-97ED-088BAFC2A94C}"/>
+                </a:ext>
+              </a:extLst>
+            </p:cNvPr>
+            <p:cNvSpPr/>
+            <p:nvPr/>
+          </p:nvSpPr>
+          <p:spPr>
+            <a:xfrm>
+              <a:off x="1883546" y="3180623"/>
+              <a:ext cx="798990" cy="828000"/>
+            </a:xfrm>
+            <a:prstGeom prst="rect">
+              <a:avLst/>
+            </a:prstGeom>
+            <a:noFill/>
+          </p:spPr>
+          <p:style>
+            <a:lnRef idx="2">
+              <a:schemeClr val="accent1">
+                <a:shade val="50000"/>
+              </a:schemeClr>
+            </a:lnRef>
+            <a:fillRef idx="1">
+              <a:schemeClr val="accent1"/>
+            </a:fillRef>
+            <a:effectRef idx="0">
+              <a:schemeClr val="accent1"/>
+            </a:effectRef>
+            <a:fontRef idx="minor">
+              <a:schemeClr val="lt1"/>
+            </a:fontRef>
+          </p:style>
+          <p:txBody>
+            <a:bodyPr rtlCol="0" anchor="ctr"/>
+            <a:lstStyle/>
+            <a:p>
+              <a:pPr algn="ctr"/>
+              <a:endParaRPr lang="ko-KR" altLang="en-US"/>
+            </a:p>
+          </p:txBody>
+        </p:sp>
+      </p:grpSp>
+      <p:grpSp>
+        <p:nvGrpSpPr>
+          <p:cNvPr id="51" name="그룹 50">
+            <a:extLst>
+              <a:ext uri="{FF2B5EF4-FFF2-40B4-BE49-F238E27FC236}">
+                <a16:creationId xmlns:a16="http://schemas.microsoft.com/office/drawing/2014/main" id="{3F5EAF58-3123-4294-8F73-138DF10848E0}"/>
+              </a:ext>
+            </a:extLst>
+          </p:cNvPr>
+          <p:cNvGrpSpPr/>
+          <p:nvPr/>
+        </p:nvGrpSpPr>
+        <p:grpSpPr>
+          <a:xfrm>
+            <a:off x="4819603" y="3057611"/>
+            <a:ext cx="828000" cy="819611"/>
+            <a:chOff x="4677559" y="3057611"/>
+            <a:chExt cx="828000" cy="819611"/>
+          </a:xfrm>
+        </p:grpSpPr>
+        <p:grpSp>
+          <p:nvGrpSpPr>
+            <p:cNvPr id="30" name="그룹 29">
+              <a:extLst>
+                <a:ext uri="{FF2B5EF4-FFF2-40B4-BE49-F238E27FC236}">
+                  <a16:creationId xmlns:a16="http://schemas.microsoft.com/office/drawing/2014/main" id="{6DA5B945-5518-4C14-9E3E-BA099407D158}"/>
+                </a:ext>
+              </a:extLst>
+            </p:cNvPr>
+            <p:cNvGrpSpPr/>
+            <p:nvPr/>
+          </p:nvGrpSpPr>
+          <p:grpSpPr>
+            <a:xfrm rot="18864007">
+              <a:off x="4681753" y="3053417"/>
+              <a:ext cx="819611" cy="828000"/>
+              <a:chOff x="1883546" y="3180623"/>
+              <a:chExt cx="819611" cy="828000"/>
+            </a:xfrm>
+          </p:grpSpPr>
+          <p:cxnSp>
+            <p:nvCxnSpPr>
+              <p:cNvPr id="31" name="직선 연결선 30">
+                <a:extLst>
+                  <a:ext uri="{FF2B5EF4-FFF2-40B4-BE49-F238E27FC236}">
+                    <a16:creationId xmlns:a16="http://schemas.microsoft.com/office/drawing/2014/main" id="{87409F69-2275-43E0-A951-143CDA8DEBED}"/>
+                  </a:ext>
+                </a:extLst>
+              </p:cNvPr>
+              <p:cNvCxnSpPr>
+                <a:cxnSpLocks/>
+              </p:cNvCxnSpPr>
+              <p:nvPr/>
+            </p:nvCxnSpPr>
+            <p:spPr>
+              <a:xfrm rot="2747528" flipV="1">
+                <a:off x="2459021" y="3199277"/>
+                <a:ext cx="0" cy="488272"/>
+              </a:xfrm>
+              <a:prstGeom prst="line">
+                <a:avLst/>
+              </a:prstGeom>
+              <a:ln>
+                <a:solidFill>
+                  <a:schemeClr val="bg1"/>
+                </a:solidFill>
+              </a:ln>
+            </p:spPr>
+            <p:style>
+              <a:lnRef idx="1">
+                <a:schemeClr val="accent1"/>
+              </a:lnRef>
+              <a:fillRef idx="0">
+                <a:schemeClr val="accent1"/>
+              </a:fillRef>
+              <a:effectRef idx="0">
+                <a:schemeClr val="accent1"/>
+              </a:effectRef>
+              <a:fontRef idx="minor">
+                <a:schemeClr val="tx1"/>
+              </a:fontRef>
+            </p:style>
+          </p:cxnSp>
+          <p:sp>
+            <p:nvSpPr>
+              <p:cNvPr id="32" name="직사각형 31">
+                <a:extLst>
+                  <a:ext uri="{FF2B5EF4-FFF2-40B4-BE49-F238E27FC236}">
+                    <a16:creationId xmlns:a16="http://schemas.microsoft.com/office/drawing/2014/main" id="{4B4E844F-41A0-4639-8D65-00935B9D2899}"/>
+                  </a:ext>
+                </a:extLst>
+              </p:cNvPr>
+              <p:cNvSpPr/>
+              <p:nvPr/>
+            </p:nvSpPr>
+            <p:spPr>
+              <a:xfrm>
+                <a:off x="1883546" y="3180623"/>
+                <a:ext cx="798990" cy="828000"/>
+              </a:xfrm>
+              <a:prstGeom prst="rect">
+                <a:avLst/>
+              </a:prstGeom>
+              <a:noFill/>
+            </p:spPr>
+            <p:style>
+              <a:lnRef idx="2">
+                <a:schemeClr val="accent1">
+                  <a:shade val="50000"/>
+                </a:schemeClr>
+              </a:lnRef>
+              <a:fillRef idx="1">
+                <a:schemeClr val="accent1"/>
+              </a:fillRef>
+              <a:effectRef idx="0">
+                <a:schemeClr val="accent1"/>
+              </a:effectRef>
+              <a:fontRef idx="minor">
+                <a:schemeClr val="lt1"/>
+              </a:fontRef>
+            </p:style>
+            <p:txBody>
+              <a:bodyPr rtlCol="0" anchor="ctr"/>
+              <a:lstStyle/>
+              <a:p>
+                <a:pPr algn="ctr"/>
+                <a:endParaRPr lang="ko-KR" altLang="en-US"/>
+              </a:p>
+            </p:txBody>
+          </p:sp>
+        </p:grpSp>
+        <p:sp>
+          <p:nvSpPr>
+            <p:cNvPr id="34" name="별: 꼭짓점 6개 33">
+              <a:extLst>
+                <a:ext uri="{FF2B5EF4-FFF2-40B4-BE49-F238E27FC236}">
+                  <a16:creationId xmlns:a16="http://schemas.microsoft.com/office/drawing/2014/main" id="{A19EFE0C-96D9-40BC-8F8C-808F8B511D92}"/>
+                </a:ext>
+              </a:extLst>
+            </p:cNvPr>
+            <p:cNvSpPr/>
+            <p:nvPr/>
+          </p:nvSpPr>
+          <p:spPr>
+            <a:xfrm>
+              <a:off x="4703559" y="3162324"/>
+              <a:ext cx="772357" cy="621437"/>
+            </a:xfrm>
+            <a:prstGeom prst="star6">
+              <a:avLst/>
+            </a:prstGeom>
+            <a:solidFill>
+              <a:schemeClr val="accent1">
+                <a:alpha val="50000"/>
+              </a:schemeClr>
+            </a:solidFill>
+            <a:ln>
+              <a:solidFill>
+                <a:schemeClr val="accent1">
+                  <a:shade val="50000"/>
+                  <a:alpha val="50000"/>
+                </a:schemeClr>
+              </a:solidFill>
+            </a:ln>
+          </p:spPr>
+          <p:style>
+            <a:lnRef idx="2">
+              <a:schemeClr val="accent1">
+                <a:shade val="50000"/>
+              </a:schemeClr>
+            </a:lnRef>
+            <a:fillRef idx="1">
+              <a:schemeClr val="accent1"/>
+            </a:fillRef>
+            <a:effectRef idx="0">
+              <a:schemeClr val="accent1"/>
+            </a:effectRef>
+            <a:fontRef idx="minor">
+              <a:schemeClr val="lt1"/>
+            </a:fontRef>
+          </p:style>
+          <p:txBody>
+            <a:bodyPr rtlCol="0" anchor="ctr"/>
+            <a:lstStyle/>
+            <a:p>
+              <a:pPr algn="ctr"/>
+              <a:endParaRPr lang="ko-KR" altLang="en-US" dirty="0"/>
+            </a:p>
+          </p:txBody>
+        </p:sp>
+      </p:grpSp>
+      <p:sp>
+        <p:nvSpPr>
+          <p:cNvPr id="46" name="TextBox 45">
+            <a:extLst>
+              <a:ext uri="{FF2B5EF4-FFF2-40B4-BE49-F238E27FC236}">
+                <a16:creationId xmlns:a16="http://schemas.microsoft.com/office/drawing/2014/main" id="{37A17348-C003-4A8F-9120-DB671AA93C6E}"/>
+              </a:ext>
+            </a:extLst>
+          </p:cNvPr>
+          <p:cNvSpPr txBox="1"/>
+          <p:nvPr/>
+        </p:nvSpPr>
+        <p:spPr>
+          <a:xfrm>
+            <a:off x="239470" y="3819041"/>
+            <a:ext cx="1428461" cy="784830"/>
+          </a:xfrm>
+          <a:prstGeom prst="rect">
+            <a:avLst/>
+          </a:prstGeom>
+          <a:noFill/>
+        </p:spPr>
+        <p:txBody>
+          <a:bodyPr wrap="square" rtlCol="0">
+            <a:spAutoFit/>
+          </a:bodyPr>
+          <a:lstStyle/>
+          <a:p>
+            <a:r>
+              <a:rPr lang="ko-KR" altLang="en-US" sz="1500" dirty="0">
+                <a:solidFill>
+                  <a:schemeClr val="bg1"/>
+                </a:solidFill>
+              </a:rPr>
+              <a:t>원본</a:t>
+            </a:r>
+            <a:r>
+              <a:rPr lang="en-US" altLang="ko-KR" sz="1500" dirty="0">
+                <a:solidFill>
+                  <a:schemeClr val="bg1"/>
+                </a:solidFill>
+              </a:rPr>
+              <a:t>-alpha </a:t>
+            </a:r>
+            <a:r>
+              <a:rPr lang="en-US" altLang="ko-KR" sz="1500" dirty="0" err="1">
+                <a:solidFill>
+                  <a:schemeClr val="bg1"/>
+                </a:solidFill>
+              </a:rPr>
+              <a:t>img</a:t>
+            </a:r>
+            <a:endParaRPr lang="en-US" altLang="ko-KR" sz="1500" dirty="0">
+              <a:solidFill>
+                <a:schemeClr val="bg1"/>
+              </a:solidFill>
+            </a:endParaRPr>
+          </a:p>
+          <a:p>
+            <a:r>
+              <a:rPr lang="en-US" altLang="ko-KR" sz="1500" dirty="0">
+                <a:solidFill>
+                  <a:schemeClr val="bg1"/>
+                </a:solidFill>
+              </a:rPr>
+              <a:t>Delta</a:t>
+            </a:r>
+            <a:r>
+              <a:rPr lang="ko-KR" altLang="en-US" sz="1500" dirty="0">
+                <a:solidFill>
+                  <a:schemeClr val="bg1"/>
+                </a:solidFill>
+              </a:rPr>
+              <a:t>만큼 </a:t>
+            </a:r>
+            <a:r>
+              <a:rPr lang="ko-KR" altLang="en-US" sz="1500" dirty="0" err="1">
+                <a:solidFill>
+                  <a:schemeClr val="bg1"/>
+                </a:solidFill>
+              </a:rPr>
+              <a:t>회전해야함</a:t>
+            </a:r>
+            <a:endParaRPr lang="ko-KR" altLang="en-US" sz="1500" dirty="0">
+              <a:solidFill>
+                <a:schemeClr val="bg1"/>
+              </a:solidFill>
+            </a:endParaRPr>
+          </a:p>
+        </p:txBody>
+      </p:sp>
+      <p:sp>
+        <p:nvSpPr>
+          <p:cNvPr id="48" name="TextBox 47">
+            <a:extLst>
+              <a:ext uri="{FF2B5EF4-FFF2-40B4-BE49-F238E27FC236}">
+                <a16:creationId xmlns:a16="http://schemas.microsoft.com/office/drawing/2014/main" id="{168AD978-157C-422A-84D7-9A119B2296CF}"/>
+              </a:ext>
+            </a:extLst>
+          </p:cNvPr>
+          <p:cNvSpPr txBox="1"/>
+          <p:nvPr/>
+        </p:nvSpPr>
+        <p:spPr>
+          <a:xfrm>
+            <a:off x="1894706" y="3992415"/>
+            <a:ext cx="1206498" cy="1015663"/>
+          </a:xfrm>
+          <a:prstGeom prst="rect">
+            <a:avLst/>
+          </a:prstGeom>
+          <a:noFill/>
+        </p:spPr>
+        <p:txBody>
+          <a:bodyPr wrap="square" rtlCol="0">
+            <a:spAutoFit/>
+          </a:bodyPr>
+          <a:lstStyle/>
+          <a:p>
+            <a:r>
+              <a:rPr lang="ko-KR" altLang="en-US" sz="1500">
+                <a:solidFill>
+                  <a:schemeClr val="bg1"/>
+                </a:solidFill>
+              </a:rPr>
+              <a:t>이미지가 회전되어 그려질 배경확보</a:t>
+            </a:r>
+            <a:endParaRPr lang="ko-KR" altLang="en-US" sz="1500" dirty="0">
+              <a:solidFill>
+                <a:schemeClr val="bg1"/>
+              </a:solidFill>
+            </a:endParaRPr>
+          </a:p>
+        </p:txBody>
+      </p:sp>
+      <p:sp>
+        <p:nvSpPr>
+          <p:cNvPr id="49" name="TextBox 48">
+            <a:extLst>
+              <a:ext uri="{FF2B5EF4-FFF2-40B4-BE49-F238E27FC236}">
+                <a16:creationId xmlns:a16="http://schemas.microsoft.com/office/drawing/2014/main" id="{5898894B-23FA-4327-A2FC-189E16B99FDA}"/>
+              </a:ext>
+            </a:extLst>
+          </p:cNvPr>
+          <p:cNvSpPr txBox="1"/>
+          <p:nvPr/>
+        </p:nvSpPr>
+        <p:spPr>
+          <a:xfrm>
+            <a:off x="3101204" y="4049873"/>
+            <a:ext cx="1479673" cy="553998"/>
+          </a:xfrm>
+          <a:prstGeom prst="rect">
+            <a:avLst/>
+          </a:prstGeom>
+          <a:noFill/>
+        </p:spPr>
+        <p:txBody>
+          <a:bodyPr wrap="square" rtlCol="0">
+            <a:spAutoFit/>
+          </a:bodyPr>
+          <a:lstStyle/>
+          <a:p>
+            <a:r>
+              <a:rPr lang="ko-KR" altLang="en-US" sz="1500" dirty="0">
+                <a:solidFill>
+                  <a:schemeClr val="bg1"/>
+                </a:solidFill>
+              </a:rPr>
+              <a:t>확보한 배경 </a:t>
+            </a:r>
+            <a:endParaRPr lang="en-US" altLang="ko-KR" sz="1500" dirty="0">
+              <a:solidFill>
+                <a:schemeClr val="bg1"/>
+              </a:solidFill>
+            </a:endParaRPr>
+          </a:p>
+          <a:p>
+            <a:r>
+              <a:rPr lang="en-US" altLang="ko-KR" sz="1500" dirty="0">
+                <a:solidFill>
+                  <a:schemeClr val="bg1"/>
+                </a:solidFill>
+              </a:rPr>
+              <a:t>–delta</a:t>
+            </a:r>
+            <a:r>
+              <a:rPr lang="ko-KR" altLang="en-US" sz="1500" dirty="0">
+                <a:solidFill>
+                  <a:schemeClr val="bg1"/>
+                </a:solidFill>
+              </a:rPr>
+              <a:t>만큼</a:t>
+            </a:r>
+            <a:r>
+              <a:rPr lang="en-US" altLang="ko-KR" sz="1500" dirty="0">
+                <a:solidFill>
+                  <a:schemeClr val="bg1"/>
+                </a:solidFill>
+              </a:rPr>
+              <a:t> </a:t>
+            </a:r>
+            <a:r>
+              <a:rPr lang="ko-KR" altLang="en-US" sz="1500" dirty="0">
+                <a:solidFill>
+                  <a:schemeClr val="bg1"/>
+                </a:solidFill>
+              </a:rPr>
+              <a:t>회전</a:t>
+            </a:r>
+          </a:p>
+        </p:txBody>
+      </p:sp>
+      <p:sp>
+        <p:nvSpPr>
+          <p:cNvPr id="50" name="TextBox 49">
+            <a:extLst>
+              <a:ext uri="{FF2B5EF4-FFF2-40B4-BE49-F238E27FC236}">
+                <a16:creationId xmlns:a16="http://schemas.microsoft.com/office/drawing/2014/main" id="{4E4B846B-670E-4AC8-97E3-B2AC0D12B5D5}"/>
+              </a:ext>
+            </a:extLst>
+          </p:cNvPr>
+          <p:cNvSpPr txBox="1"/>
+          <p:nvPr/>
+        </p:nvSpPr>
+        <p:spPr>
+          <a:xfrm>
+            <a:off x="4651085" y="4046390"/>
+            <a:ext cx="1479673" cy="784830"/>
+          </a:xfrm>
+          <a:prstGeom prst="rect">
+            <a:avLst/>
+          </a:prstGeom>
+          <a:noFill/>
+        </p:spPr>
+        <p:txBody>
+          <a:bodyPr wrap="square" rtlCol="0">
+            <a:spAutoFit/>
+          </a:bodyPr>
+          <a:lstStyle/>
+          <a:p>
+            <a:r>
+              <a:rPr lang="ko-KR" altLang="en-US" sz="1500" dirty="0" err="1">
+                <a:solidFill>
+                  <a:schemeClr val="bg1"/>
+                </a:solidFill>
+              </a:rPr>
+              <a:t>씨이미지</a:t>
+            </a:r>
+            <a:r>
+              <a:rPr lang="en-US" altLang="ko-KR" sz="1500" dirty="0">
+                <a:solidFill>
+                  <a:schemeClr val="bg1"/>
+                </a:solidFill>
+              </a:rPr>
+              <a:t>-draw</a:t>
+            </a:r>
+            <a:r>
+              <a:rPr lang="ko-KR" altLang="en-US" sz="1500" dirty="0">
+                <a:solidFill>
+                  <a:schemeClr val="bg1"/>
+                </a:solidFill>
+              </a:rPr>
+              <a:t>로 투명하게 그림</a:t>
+            </a:r>
+          </a:p>
+        </p:txBody>
+      </p:sp>
+      <p:sp>
+        <p:nvSpPr>
+          <p:cNvPr id="53" name="TextBox 52">
+            <a:extLst>
+              <a:ext uri="{FF2B5EF4-FFF2-40B4-BE49-F238E27FC236}">
+                <a16:creationId xmlns:a16="http://schemas.microsoft.com/office/drawing/2014/main" id="{53CB130A-C3A4-4F02-A594-FB7D3ADBBCA6}"/>
+              </a:ext>
+            </a:extLst>
+          </p:cNvPr>
+          <p:cNvSpPr txBox="1"/>
+          <p:nvPr/>
+        </p:nvSpPr>
+        <p:spPr>
+          <a:xfrm>
+            <a:off x="6222152" y="4036998"/>
+            <a:ext cx="1479673" cy="323165"/>
+          </a:xfrm>
+          <a:prstGeom prst="rect">
+            <a:avLst/>
+          </a:prstGeom>
+          <a:noFill/>
+        </p:spPr>
+        <p:txBody>
+          <a:bodyPr wrap="square" rtlCol="0">
+            <a:spAutoFit/>
+          </a:bodyPr>
+          <a:lstStyle/>
+          <a:p>
+            <a:r>
+              <a:rPr lang="en-US" altLang="ko-KR" sz="1500" dirty="0">
+                <a:solidFill>
+                  <a:schemeClr val="bg1"/>
+                </a:solidFill>
+              </a:rPr>
+              <a:t>delta</a:t>
+            </a:r>
+            <a:r>
+              <a:rPr lang="ko-KR" altLang="en-US" sz="1500" dirty="0">
+                <a:solidFill>
+                  <a:schemeClr val="bg1"/>
+                </a:solidFill>
+              </a:rPr>
+              <a:t>만큼</a:t>
+            </a:r>
+            <a:r>
+              <a:rPr lang="en-US" altLang="ko-KR" sz="1500" dirty="0">
+                <a:solidFill>
+                  <a:schemeClr val="bg1"/>
+                </a:solidFill>
+              </a:rPr>
+              <a:t> </a:t>
+            </a:r>
+            <a:r>
+              <a:rPr lang="ko-KR" altLang="en-US" sz="1500" dirty="0">
+                <a:solidFill>
+                  <a:schemeClr val="bg1"/>
+                </a:solidFill>
+              </a:rPr>
+              <a:t>회전</a:t>
+            </a:r>
+          </a:p>
+        </p:txBody>
+      </p:sp>
+      <p:pic>
+        <p:nvPicPr>
+          <p:cNvPr id="13" name="그림 12">
+            <a:extLst>
+              <a:ext uri="{FF2B5EF4-FFF2-40B4-BE49-F238E27FC236}">
+                <a16:creationId xmlns:a16="http://schemas.microsoft.com/office/drawing/2014/main" id="{1914EE3E-919D-48CF-9C95-0E28DDD1D494}"/>
+              </a:ext>
+            </a:extLst>
+          </p:cNvPr>
+          <p:cNvPicPr>
+            <a:picLocks noChangeAspect="1"/>
+          </p:cNvPicPr>
+          <p:nvPr/>
+        </p:nvPicPr>
+        <p:blipFill>
+          <a:blip r:embed="rId3">
+            <a:extLst>
+              <a:ext uri="{28A0092B-C50C-407E-A947-70E740481C1C}">
+                <a14:useLocalDpi xmlns:a14="http://schemas.microsoft.com/office/drawing/2010/main" val="0"/>
+              </a:ext>
+            </a:extLst>
+          </a:blip>
+          <a:stretch>
+            <a:fillRect/>
+          </a:stretch>
+        </p:blipFill>
+        <p:spPr>
+          <a:xfrm rot="18872706">
+            <a:off x="3428849" y="3063733"/>
+            <a:ext cx="798000" cy="828000"/>
+          </a:xfrm>
+          <a:prstGeom prst="rect">
+            <a:avLst/>
+          </a:prstGeom>
+        </p:spPr>
+      </p:pic>
+      <p:grpSp>
+        <p:nvGrpSpPr>
+          <p:cNvPr id="45" name="그룹 44">
+            <a:extLst>
+              <a:ext uri="{FF2B5EF4-FFF2-40B4-BE49-F238E27FC236}">
+                <a16:creationId xmlns:a16="http://schemas.microsoft.com/office/drawing/2014/main" id="{FA502E16-8151-45F0-AE72-226AF8AD36E6}"/>
+              </a:ext>
+            </a:extLst>
+          </p:cNvPr>
+          <p:cNvGrpSpPr/>
+          <p:nvPr/>
+        </p:nvGrpSpPr>
+        <p:grpSpPr>
+          <a:xfrm>
+            <a:off x="6372794" y="3054855"/>
+            <a:ext cx="819611" cy="828000"/>
+            <a:chOff x="2139519" y="3081489"/>
+            <a:chExt cx="819611" cy="828000"/>
+          </a:xfrm>
+        </p:grpSpPr>
+        <p:sp>
+          <p:nvSpPr>
+            <p:cNvPr id="47" name="별: 꼭짓점 6개 46">
+              <a:extLst>
+                <a:ext uri="{FF2B5EF4-FFF2-40B4-BE49-F238E27FC236}">
+                  <a16:creationId xmlns:a16="http://schemas.microsoft.com/office/drawing/2014/main" id="{CD7B4C8E-0BC1-4501-970B-633693E2F718}"/>
+                </a:ext>
+              </a:extLst>
+            </p:cNvPr>
+            <p:cNvSpPr/>
+            <p:nvPr/>
+          </p:nvSpPr>
+          <p:spPr>
+            <a:xfrm rot="2747528">
+              <a:off x="2163447" y="3188225"/>
+              <a:ext cx="772357" cy="621437"/>
+            </a:xfrm>
+            <a:prstGeom prst="star6">
+              <a:avLst/>
+            </a:prstGeom>
+            <a:solidFill>
+              <a:schemeClr val="accent1">
+                <a:alpha val="50000"/>
+              </a:schemeClr>
+            </a:solidFill>
+            <a:ln>
+              <a:solidFill>
+                <a:schemeClr val="accent1">
+                  <a:alpha val="50000"/>
+                </a:schemeClr>
+              </a:solidFill>
+            </a:ln>
+          </p:spPr>
+          <p:style>
+            <a:lnRef idx="2">
+              <a:schemeClr val="accent1">
+                <a:shade val="50000"/>
+              </a:schemeClr>
+            </a:lnRef>
+            <a:fillRef idx="1">
+              <a:schemeClr val="accent1"/>
+            </a:fillRef>
+            <a:effectRef idx="0">
+              <a:schemeClr val="accent1"/>
+            </a:effectRef>
+            <a:fontRef idx="minor">
+              <a:schemeClr val="lt1"/>
+            </a:fontRef>
+          </p:style>
+          <p:txBody>
+            <a:bodyPr rtlCol="0" anchor="ctr"/>
+            <a:lstStyle/>
+            <a:p>
+              <a:pPr algn="ctr"/>
+              <a:endParaRPr lang="ko-KR" altLang="en-US" dirty="0"/>
+            </a:p>
+          </p:txBody>
+        </p:sp>
+        <p:cxnSp>
+          <p:nvCxnSpPr>
+            <p:cNvPr id="54" name="직선 연결선 53">
+              <a:extLst>
+                <a:ext uri="{FF2B5EF4-FFF2-40B4-BE49-F238E27FC236}">
+                  <a16:creationId xmlns:a16="http://schemas.microsoft.com/office/drawing/2014/main" id="{4FC1A790-9FC4-42F5-9DE3-614567755C85}"/>
+                </a:ext>
+              </a:extLst>
+            </p:cNvPr>
+            <p:cNvCxnSpPr>
+              <a:cxnSpLocks/>
+            </p:cNvCxnSpPr>
+            <p:nvPr/>
+          </p:nvCxnSpPr>
+          <p:spPr>
+            <a:xfrm rot="2747528" flipV="1">
+              <a:off x="2714994" y="3100143"/>
+              <a:ext cx="0" cy="488272"/>
+            </a:xfrm>
+            <a:prstGeom prst="line">
+              <a:avLst/>
+            </a:prstGeom>
+            <a:ln>
+              <a:solidFill>
+                <a:schemeClr val="bg1"/>
+              </a:solidFill>
+            </a:ln>
+          </p:spPr>
+          <p:style>
+            <a:lnRef idx="1">
+              <a:schemeClr val="accent1"/>
+            </a:lnRef>
+            <a:fillRef idx="0">
+              <a:schemeClr val="accent1"/>
+            </a:fillRef>
+            <a:effectRef idx="0">
+              <a:schemeClr val="accent1"/>
+            </a:effectRef>
+            <a:fontRef idx="minor">
+              <a:schemeClr val="tx1"/>
+            </a:fontRef>
+          </p:style>
+        </p:cxnSp>
+        <p:sp>
+          <p:nvSpPr>
+            <p:cNvPr id="55" name="직사각형 54">
+              <a:extLst>
+                <a:ext uri="{FF2B5EF4-FFF2-40B4-BE49-F238E27FC236}">
+                  <a16:creationId xmlns:a16="http://schemas.microsoft.com/office/drawing/2014/main" id="{E5D7211C-FBA9-4357-8876-51B0E2B069BF}"/>
+                </a:ext>
+              </a:extLst>
+            </p:cNvPr>
+            <p:cNvSpPr/>
+            <p:nvPr/>
+          </p:nvSpPr>
+          <p:spPr>
+            <a:xfrm>
+              <a:off x="2139519" y="3081489"/>
+              <a:ext cx="798990" cy="828000"/>
+            </a:xfrm>
+            <a:prstGeom prst="rect">
+              <a:avLst/>
+            </a:prstGeom>
+            <a:noFill/>
+          </p:spPr>
+          <p:style>
+            <a:lnRef idx="2">
+              <a:schemeClr val="accent1">
+                <a:shade val="50000"/>
+              </a:schemeClr>
+            </a:lnRef>
+            <a:fillRef idx="1">
+              <a:schemeClr val="accent1"/>
+            </a:fillRef>
+            <a:effectRef idx="0">
+              <a:schemeClr val="accent1"/>
+            </a:effectRef>
+            <a:fontRef idx="minor">
+              <a:schemeClr val="lt1"/>
+            </a:fontRef>
+          </p:style>
+          <p:txBody>
+            <a:bodyPr rtlCol="0" anchor="ctr"/>
+            <a:lstStyle/>
+            <a:p>
+              <a:pPr algn="ctr"/>
+              <a:endParaRPr lang="ko-KR" altLang="en-US"/>
+            </a:p>
+          </p:txBody>
+        </p:sp>
+      </p:grpSp>
+      <p:sp>
+        <p:nvSpPr>
+          <p:cNvPr id="56" name="직사각형 55">
+            <a:extLst>
+              <a:ext uri="{FF2B5EF4-FFF2-40B4-BE49-F238E27FC236}">
+                <a16:creationId xmlns:a16="http://schemas.microsoft.com/office/drawing/2014/main" id="{C9198099-8735-481E-B9F1-A232AAE1121C}"/>
+              </a:ext>
+            </a:extLst>
+          </p:cNvPr>
+          <p:cNvSpPr/>
+          <p:nvPr/>
+        </p:nvSpPr>
+        <p:spPr>
+          <a:xfrm>
+            <a:off x="9370326" y="3383457"/>
+            <a:ext cx="798990" cy="827999"/>
+          </a:xfrm>
+          <a:prstGeom prst="rect">
+            <a:avLst/>
+          </a:prstGeom>
+          <a:pattFill prst="wdDnDiag">
+            <a:fgClr>
+              <a:schemeClr val="accent4"/>
+            </a:fgClr>
+            <a:bgClr>
+              <a:schemeClr val="accent4">
+                <a:lumMod val="50000"/>
+              </a:schemeClr>
+            </a:bgClr>
+          </a:pattFill>
+        </p:spPr>
+        <p:style>
+          <a:lnRef idx="2">
+            <a:schemeClr val="accent1">
+              <a:shade val="50000"/>
+            </a:schemeClr>
+          </a:lnRef>
+          <a:fillRef idx="1">
+            <a:schemeClr val="accent1"/>
+          </a:fillRef>
+          <a:effectRef idx="0">
+            <a:schemeClr val="accent1"/>
+          </a:effectRef>
+          <a:fontRef idx="minor">
+            <a:schemeClr val="lt1"/>
+          </a:fontRef>
+        </p:style>
+        <p:txBody>
+          <a:bodyPr rtlCol="0" anchor="ctr"/>
+          <a:lstStyle/>
+          <a:p>
+            <a:pPr algn="ctr"/>
+            <a:endParaRPr lang="ko-KR" altLang="en-US"/>
+          </a:p>
+        </p:txBody>
+      </p:sp>
+    </p:spTree>
+    <p:extLst>
+      <p:ext uri="{BB962C8B-B14F-4D97-AF65-F5344CB8AC3E}">
+        <p14:creationId xmlns:p14="http://schemas.microsoft.com/office/powerpoint/2010/main" val="1269153967"/>
+      </p:ext>
+    </p:extLst>
+  </p:cSld>
+  <p:clrMapOvr>
+    <a:overrideClrMapping bg1="lt1" tx1="dk1" bg2="lt2" tx2="dk2" accent1="accent1" accent2="accent2" accent3="accent3" accent4="accent4" accent5="accent5" accent6="accent6" hlink="hlink" folHlink="folHlink"/>
+  </p:clrMapOvr>
+</p:sld>
+</file>
+
+<file path=ppt/slides/slide11.xml><?xml version="1.0" encoding="utf-8"?>
+<p:sld xmlns:a="http://schemas.openxmlformats.org/drawingml/2006/main" xmlns:r="http://schemas.openxmlformats.org/officeDocument/2006/relationships" xmlns:p="http://schemas.openxmlformats.org/presentationml/2006/main">
+  <p:cSld>
+    <p:bg>
+      <p:bgPr>
+        <a:solidFill>
+          <a:schemeClr val="tx1">
+            <a:lumMod val="85000"/>
+            <a:lumOff val="15000"/>
+          </a:schemeClr>
+        </a:solidFill>
+        <a:effectLst/>
+      </p:bgPr>
+    </p:bg>
+    <p:spTree>
+      <p:nvGrpSpPr>
+        <p:cNvPr id="1" name=""/>
+        <p:cNvGrpSpPr/>
+        <p:nvPr/>
+      </p:nvGrpSpPr>
+      <p:grpSpPr>
+        <a:xfrm>
+          <a:off x="0" y="0"/>
+          <a:ext cx="0" cy="0"/>
+          <a:chOff x="0" y="0"/>
+          <a:chExt cx="0" cy="0"/>
+        </a:xfrm>
+      </p:grpSpPr>
+      <p:sp>
+        <p:nvSpPr>
+          <p:cNvPr id="3" name="내용 개체 틀 2">
+            <a:extLst>
+              <a:ext uri="{FF2B5EF4-FFF2-40B4-BE49-F238E27FC236}">
+                <a16:creationId xmlns:a16="http://schemas.microsoft.com/office/drawing/2014/main" id="{972CE041-03FA-4BFB-AA4E-6057DEA64598}"/>
+              </a:ext>
+            </a:extLst>
+          </p:cNvPr>
+          <p:cNvSpPr>
+            <a:spLocks noGrp="1"/>
+          </p:cNvSpPr>
+          <p:nvPr>
+            <p:ph idx="1"/>
+          </p:nvPr>
+        </p:nvSpPr>
+        <p:spPr>
+          <a:xfrm>
+            <a:off x="628650" y="1825624"/>
+            <a:ext cx="7886700" cy="5032375"/>
+          </a:xfrm>
+        </p:spPr>
+        <p:txBody>
+          <a:bodyPr>
+            <a:normAutofit/>
+          </a:bodyPr>
+          <a:lstStyle/>
+          <a:p>
+            <a:r>
+              <a:rPr lang="ko-KR" altLang="en-US" dirty="0">
+                <a:solidFill>
+                  <a:schemeClr val="bg1"/>
+                </a:solidFill>
+              </a:rPr>
+              <a:t>적을 많이 생성했더니 </a:t>
+            </a:r>
+            <a:r>
+              <a:rPr lang="ko-KR" altLang="en-US" dirty="0" err="1">
+                <a:solidFill>
+                  <a:schemeClr val="bg1"/>
+                </a:solidFill>
+              </a:rPr>
+              <a:t>느려져</a:t>
+            </a:r>
+            <a:r>
+              <a:rPr lang="ko-KR" altLang="en-US" dirty="0">
+                <a:solidFill>
+                  <a:schemeClr val="bg1"/>
+                </a:solidFill>
+              </a:rPr>
+              <a:t> 버렸다</a:t>
+            </a:r>
+            <a:r>
+              <a:rPr lang="en-US" altLang="ko-KR" dirty="0">
+                <a:solidFill>
+                  <a:schemeClr val="bg1"/>
+                </a:solidFill>
+              </a:rPr>
+              <a:t>!</a:t>
+            </a:r>
+          </a:p>
+          <a:p>
+            <a:endParaRPr lang="en-US" altLang="ko-KR" dirty="0">
+              <a:solidFill>
+                <a:schemeClr val="bg1"/>
+              </a:solidFill>
+            </a:endParaRPr>
+          </a:p>
+          <a:p>
+            <a:pPr lvl="1">
+              <a:buFont typeface="Wingdings" panose="05000000000000000000" pitchFamily="2" charset="2"/>
+              <a:buChar char="à"/>
+            </a:pPr>
+            <a:r>
+              <a:rPr lang="ko-KR" altLang="en-US" dirty="0">
+                <a:solidFill>
+                  <a:schemeClr val="bg1"/>
+                </a:solidFill>
+              </a:rPr>
+              <a:t>적클래스</a:t>
+            </a:r>
+            <a:r>
+              <a:rPr lang="en-US" altLang="ko-KR" dirty="0">
+                <a:solidFill>
+                  <a:schemeClr val="bg1"/>
+                </a:solidFill>
+              </a:rPr>
+              <a:t>, </a:t>
+            </a:r>
+            <a:r>
+              <a:rPr lang="ko-KR" altLang="en-US" dirty="0">
+                <a:solidFill>
+                  <a:schemeClr val="bg1"/>
+                </a:solidFill>
+              </a:rPr>
+              <a:t>총알은 위치만 들고있게 아무것도 상속받지 말고 만들어볼까</a:t>
+            </a:r>
+            <a:r>
+              <a:rPr lang="en-US" altLang="ko-KR" dirty="0">
+                <a:solidFill>
+                  <a:schemeClr val="bg1"/>
+                </a:solidFill>
+              </a:rPr>
+              <a:t>??</a:t>
+            </a:r>
+          </a:p>
+          <a:p>
+            <a:pPr lvl="1">
+              <a:buFont typeface="Wingdings" panose="05000000000000000000" pitchFamily="2" charset="2"/>
+              <a:buChar char=""/>
+            </a:pPr>
+            <a:r>
+              <a:rPr lang="ko-KR" altLang="en-US" dirty="0">
+                <a:solidFill>
+                  <a:schemeClr val="bg1"/>
+                </a:solidFill>
+              </a:rPr>
+              <a:t>총알과 적 사이에 충돌검사를 공간분할로 처리해볼까</a:t>
+            </a:r>
+            <a:r>
+              <a:rPr lang="en-US" altLang="ko-KR" dirty="0">
+                <a:solidFill>
+                  <a:schemeClr val="bg1"/>
+                </a:solidFill>
+              </a:rPr>
+              <a:t>??</a:t>
+            </a:r>
+          </a:p>
+          <a:p>
+            <a:pPr lvl="1">
+              <a:buFont typeface="Wingdings" panose="05000000000000000000" pitchFamily="2" charset="2"/>
+              <a:buChar char=""/>
+            </a:pPr>
+            <a:r>
+              <a:rPr lang="ko-KR" altLang="en-US" dirty="0" err="1">
+                <a:solidFill>
+                  <a:schemeClr val="bg1"/>
+                </a:solidFill>
+              </a:rPr>
+              <a:t>투명값을</a:t>
+            </a:r>
+            <a:r>
+              <a:rPr lang="ko-KR" altLang="en-US" dirty="0">
+                <a:solidFill>
+                  <a:schemeClr val="bg1"/>
+                </a:solidFill>
+              </a:rPr>
+              <a:t> 사용하지 말아볼까</a:t>
+            </a:r>
+            <a:r>
+              <a:rPr lang="en-US" altLang="ko-KR" dirty="0">
+                <a:solidFill>
+                  <a:schemeClr val="bg1"/>
+                </a:solidFill>
+              </a:rPr>
+              <a:t>…</a:t>
+            </a:r>
+          </a:p>
+          <a:p>
+            <a:pPr lvl="1">
+              <a:buFont typeface="Wingdings" panose="05000000000000000000" pitchFamily="2" charset="2"/>
+              <a:buChar char=""/>
+            </a:pPr>
+            <a:endParaRPr lang="en-US" altLang="ko-KR" dirty="0">
+              <a:solidFill>
+                <a:schemeClr val="bg1"/>
+              </a:solidFill>
+            </a:endParaRPr>
+          </a:p>
+          <a:p>
+            <a:pPr lvl="1">
+              <a:buFont typeface="Wingdings" panose="05000000000000000000" pitchFamily="2" charset="2"/>
+              <a:buChar char=""/>
+            </a:pPr>
+            <a:endParaRPr lang="en-US" altLang="ko-KR" dirty="0">
+              <a:solidFill>
+                <a:schemeClr val="bg1"/>
+              </a:solidFill>
+            </a:endParaRPr>
+          </a:p>
+          <a:p>
+            <a:r>
+              <a:rPr lang="ko-KR" altLang="en-US" dirty="0">
+                <a:solidFill>
+                  <a:schemeClr val="bg1"/>
+                </a:solidFill>
+              </a:rPr>
+              <a:t>결과</a:t>
+            </a:r>
+            <a:r>
+              <a:rPr lang="en-US" altLang="ko-KR" dirty="0">
+                <a:solidFill>
+                  <a:schemeClr val="bg1"/>
+                </a:solidFill>
+              </a:rPr>
+              <a:t> : </a:t>
+            </a:r>
+            <a:r>
+              <a:rPr lang="ko-KR" altLang="en-US" dirty="0">
+                <a:solidFill>
+                  <a:schemeClr val="bg1"/>
+                </a:solidFill>
+              </a:rPr>
+              <a:t>회전 이미지를 </a:t>
+            </a:r>
+            <a:r>
+              <a:rPr lang="en-US" altLang="ko-KR" dirty="0" err="1">
+                <a:solidFill>
+                  <a:schemeClr val="bg1"/>
+                </a:solidFill>
+              </a:rPr>
+              <a:t>plgblt</a:t>
+            </a:r>
+            <a:r>
+              <a:rPr lang="ko-KR" altLang="en-US" dirty="0">
+                <a:solidFill>
+                  <a:schemeClr val="bg1"/>
+                </a:solidFill>
+              </a:rPr>
+              <a:t>대신 </a:t>
+            </a:r>
+            <a:r>
+              <a:rPr lang="ko-KR" altLang="en-US" dirty="0" err="1">
+                <a:solidFill>
+                  <a:schemeClr val="bg1"/>
+                </a:solidFill>
+              </a:rPr>
+              <a:t>스프라이트</a:t>
+            </a:r>
+            <a:r>
+              <a:rPr lang="ko-KR" altLang="en-US" dirty="0">
+                <a:solidFill>
+                  <a:schemeClr val="bg1"/>
+                </a:solidFill>
+              </a:rPr>
+              <a:t> 이미지로 바꾸니까  </a:t>
+            </a:r>
+            <a:r>
+              <a:rPr lang="ko-KR" altLang="en-US" dirty="0" err="1">
+                <a:solidFill>
+                  <a:schemeClr val="bg1"/>
+                </a:solidFill>
+              </a:rPr>
+              <a:t>잘됌</a:t>
+            </a:r>
+            <a:r>
+              <a:rPr lang="en-US" altLang="ko-KR" dirty="0">
+                <a:solidFill>
+                  <a:schemeClr val="bg1"/>
+                </a:solidFill>
+              </a:rPr>
+              <a:t>!</a:t>
+            </a:r>
+          </a:p>
+        </p:txBody>
+      </p:sp>
+      <p:sp>
+        <p:nvSpPr>
+          <p:cNvPr id="4" name="직사각형 3">
+            <a:extLst>
+              <a:ext uri="{FF2B5EF4-FFF2-40B4-BE49-F238E27FC236}">
+                <a16:creationId xmlns:a16="http://schemas.microsoft.com/office/drawing/2014/main" id="{88D854C0-A088-4C53-A201-2EAED2CC311D}"/>
+              </a:ext>
+            </a:extLst>
+          </p:cNvPr>
+          <p:cNvSpPr/>
+          <p:nvPr/>
+        </p:nvSpPr>
+        <p:spPr>
+          <a:xfrm>
+            <a:off x="8558072" y="705348"/>
+            <a:ext cx="585927" cy="464575"/>
+          </a:xfrm>
+          <a:prstGeom prst="rect">
+            <a:avLst/>
+          </a:prstGeom>
+          <a:solidFill>
+            <a:srgbClr val="F02802"/>
+          </a:solidFill>
+          <a:ln>
+            <a:noFill/>
+          </a:ln>
+        </p:spPr>
+        <p:style>
+          <a:lnRef idx="2">
+            <a:schemeClr val="accent1">
+              <a:shade val="50000"/>
+            </a:schemeClr>
+          </a:lnRef>
+          <a:fillRef idx="1">
+            <a:schemeClr val="accent1"/>
+          </a:fillRef>
+          <a:effectRef idx="0">
+            <a:schemeClr val="accent1"/>
+          </a:effectRef>
+          <a:fontRef idx="minor">
+            <a:schemeClr val="lt1"/>
+          </a:fontRef>
+        </p:style>
+        <p:txBody>
+          <a:bodyPr rot="0" spcFirstLastPara="0" vertOverflow="overflow" horzOverflow="overflow" vert="horz" wrap="square" lIns="68580" tIns="34290" rIns="68580" bIns="34290" numCol="1" spcCol="0" rtlCol="0" fromWordArt="0" anchor="ctr" anchorCtr="0" forceAA="0" compatLnSpc="1">
+            <a:prstTxWarp prst="textNoShape">
+              <a:avLst/>
+            </a:prstTxWarp>
+            <a:noAutofit/>
+          </a:bodyPr>
+          <a:lstStyle/>
+          <a:p>
+            <a:pPr algn="ctr"/>
+            <a:endParaRPr lang="ko-KR" altLang="en-US" sz="1350"/>
+          </a:p>
+        </p:txBody>
+      </p:sp>
+      <p:sp>
+        <p:nvSpPr>
+          <p:cNvPr id="5" name="직사각형 4">
+            <a:extLst>
+              <a:ext uri="{FF2B5EF4-FFF2-40B4-BE49-F238E27FC236}">
+                <a16:creationId xmlns:a16="http://schemas.microsoft.com/office/drawing/2014/main" id="{D79F1DD2-F00C-4D6C-AFAB-08BC2B78C93F}"/>
+              </a:ext>
+            </a:extLst>
+          </p:cNvPr>
+          <p:cNvSpPr/>
+          <p:nvPr/>
+        </p:nvSpPr>
+        <p:spPr>
+          <a:xfrm>
+            <a:off x="8558074" y="1169923"/>
+            <a:ext cx="585926" cy="464575"/>
+          </a:xfrm>
+          <a:prstGeom prst="rect">
+            <a:avLst/>
+          </a:prstGeom>
+          <a:solidFill>
+            <a:srgbClr val="FFC000"/>
+          </a:solidFill>
+          <a:ln>
+            <a:noFill/>
+          </a:ln>
+        </p:spPr>
+        <p:style>
+          <a:lnRef idx="2">
+            <a:schemeClr val="accent1">
+              <a:shade val="50000"/>
+            </a:schemeClr>
+          </a:lnRef>
+          <a:fillRef idx="1">
+            <a:schemeClr val="accent1"/>
+          </a:fillRef>
+          <a:effectRef idx="0">
+            <a:schemeClr val="accent1"/>
+          </a:effectRef>
+          <a:fontRef idx="minor">
+            <a:schemeClr val="lt1"/>
+          </a:fontRef>
+        </p:style>
+        <p:txBody>
+          <a:bodyPr rot="0" spcFirstLastPara="0" vertOverflow="overflow" horzOverflow="overflow" vert="horz" wrap="square" lIns="68580" tIns="34290" rIns="68580" bIns="34290" numCol="1" spcCol="0" rtlCol="0" fromWordArt="0" anchor="ctr" anchorCtr="0" forceAA="0" compatLnSpc="1">
+            <a:prstTxWarp prst="textNoShape">
+              <a:avLst/>
+            </a:prstTxWarp>
+            <a:noAutofit/>
+          </a:bodyPr>
+          <a:lstStyle/>
+          <a:p>
+            <a:pPr algn="ctr"/>
+            <a:endParaRPr lang="ko-KR" altLang="en-US" sz="1350"/>
+          </a:p>
+        </p:txBody>
+      </p:sp>
+      <p:sp>
+        <p:nvSpPr>
+          <p:cNvPr id="6" name="직사각형 5">
+            <a:extLst>
+              <a:ext uri="{FF2B5EF4-FFF2-40B4-BE49-F238E27FC236}">
+                <a16:creationId xmlns:a16="http://schemas.microsoft.com/office/drawing/2014/main" id="{21AE5ACF-1C54-4BD0-B099-D290D4268E11}"/>
+              </a:ext>
+            </a:extLst>
+          </p:cNvPr>
+          <p:cNvSpPr/>
+          <p:nvPr/>
+        </p:nvSpPr>
+        <p:spPr>
+          <a:xfrm>
+            <a:off x="8558074" y="1634498"/>
+            <a:ext cx="585926" cy="464575"/>
+          </a:xfrm>
+          <a:prstGeom prst="rect">
+            <a:avLst/>
+          </a:prstGeom>
+          <a:solidFill>
+            <a:srgbClr val="00B050"/>
+          </a:solidFill>
+          <a:ln>
+            <a:noFill/>
+          </a:ln>
+        </p:spPr>
+        <p:style>
+          <a:lnRef idx="2">
+            <a:schemeClr val="accent1">
+              <a:shade val="50000"/>
+            </a:schemeClr>
+          </a:lnRef>
+          <a:fillRef idx="1">
+            <a:schemeClr val="accent1"/>
+          </a:fillRef>
+          <a:effectRef idx="0">
+            <a:schemeClr val="accent1"/>
+          </a:effectRef>
+          <a:fontRef idx="minor">
+            <a:schemeClr val="lt1"/>
+          </a:fontRef>
+        </p:style>
+        <p:txBody>
+          <a:bodyPr rot="0" spcFirstLastPara="0" vertOverflow="overflow" horzOverflow="overflow" vert="horz" wrap="square" lIns="68580" tIns="34290" rIns="68580" bIns="34290" numCol="1" spcCol="0" rtlCol="0" fromWordArt="0" anchor="ctr" anchorCtr="0" forceAA="0" compatLnSpc="1">
+            <a:prstTxWarp prst="textNoShape">
+              <a:avLst/>
+            </a:prstTxWarp>
+            <a:noAutofit/>
+          </a:bodyPr>
+          <a:lstStyle/>
+          <a:p>
+            <a:pPr algn="ctr"/>
+            <a:endParaRPr lang="ko-KR" altLang="en-US" sz="1350"/>
+          </a:p>
+        </p:txBody>
+      </p:sp>
+      <p:sp>
+        <p:nvSpPr>
+          <p:cNvPr id="7" name="직사각형 6">
+            <a:extLst>
+              <a:ext uri="{FF2B5EF4-FFF2-40B4-BE49-F238E27FC236}">
+                <a16:creationId xmlns:a16="http://schemas.microsoft.com/office/drawing/2014/main" id="{2DDD51C6-C234-477F-82D3-909C3EB63704}"/>
+              </a:ext>
+            </a:extLst>
+          </p:cNvPr>
+          <p:cNvSpPr/>
+          <p:nvPr/>
+        </p:nvSpPr>
+        <p:spPr>
+          <a:xfrm>
+            <a:off x="7683910" y="2099073"/>
+            <a:ext cx="1460090" cy="464575"/>
+          </a:xfrm>
+          <a:prstGeom prst="rect">
+            <a:avLst/>
+          </a:prstGeom>
+          <a:solidFill>
+            <a:srgbClr val="00B9F6"/>
+          </a:solidFill>
+          <a:ln>
+            <a:noFill/>
+          </a:ln>
+        </p:spPr>
+        <p:style>
+          <a:lnRef idx="2">
+            <a:schemeClr val="accent1">
+              <a:shade val="50000"/>
+            </a:schemeClr>
+          </a:lnRef>
+          <a:fillRef idx="1">
+            <a:schemeClr val="accent1"/>
+          </a:fillRef>
+          <a:effectRef idx="0">
+            <a:schemeClr val="accent1"/>
+          </a:effectRef>
+          <a:fontRef idx="minor">
+            <a:schemeClr val="lt1"/>
+          </a:fontRef>
+        </p:style>
+        <p:txBody>
+          <a:bodyPr rot="0" spcFirstLastPara="0" vertOverflow="overflow" horzOverflow="overflow" vert="horz" wrap="square" lIns="68580" tIns="34290" rIns="68580" bIns="34290" numCol="1" spcCol="0" rtlCol="0" fromWordArt="0" anchor="ctr" anchorCtr="0" forceAA="0" compatLnSpc="1">
+            <a:prstTxWarp prst="textNoShape">
+              <a:avLst/>
+            </a:prstTxWarp>
+            <a:noAutofit/>
+          </a:bodyPr>
+          <a:lstStyle/>
+          <a:p>
+            <a:pPr algn="ctr"/>
+            <a:endParaRPr lang="ko-KR" altLang="en-US"/>
+          </a:p>
+        </p:txBody>
+      </p:sp>
+      <p:sp>
+        <p:nvSpPr>
+          <p:cNvPr id="8" name="직사각형 7">
+            <a:extLst>
+              <a:ext uri="{FF2B5EF4-FFF2-40B4-BE49-F238E27FC236}">
+                <a16:creationId xmlns:a16="http://schemas.microsoft.com/office/drawing/2014/main" id="{44D9E954-10CD-4D1C-9BB9-C52BCDB20A43}"/>
+              </a:ext>
+            </a:extLst>
+          </p:cNvPr>
+          <p:cNvSpPr/>
+          <p:nvPr/>
+        </p:nvSpPr>
+        <p:spPr>
+          <a:xfrm>
+            <a:off x="8558072" y="2563648"/>
+            <a:ext cx="585927" cy="464575"/>
+          </a:xfrm>
+          <a:prstGeom prst="rect">
+            <a:avLst/>
+          </a:prstGeom>
+          <a:solidFill>
+            <a:schemeClr val="bg2">
+              <a:lumMod val="50000"/>
+            </a:schemeClr>
+          </a:solidFill>
+          <a:ln>
+            <a:noFill/>
+          </a:ln>
+        </p:spPr>
+        <p:style>
+          <a:lnRef idx="2">
+            <a:schemeClr val="accent1">
+              <a:shade val="50000"/>
+            </a:schemeClr>
+          </a:lnRef>
+          <a:fillRef idx="1">
+            <a:schemeClr val="accent1"/>
+          </a:fillRef>
+          <a:effectRef idx="0">
+            <a:schemeClr val="accent1"/>
+          </a:effectRef>
+          <a:fontRef idx="minor">
+            <a:schemeClr val="lt1"/>
+          </a:fontRef>
+        </p:style>
+        <p:txBody>
+          <a:bodyPr rot="0" spcFirstLastPara="0" vertOverflow="overflow" horzOverflow="overflow" vert="horz" wrap="square" lIns="68580" tIns="34290" rIns="68580" bIns="34290" numCol="1" spcCol="0" rtlCol="0" fromWordArt="0" anchor="ctr" anchorCtr="0" forceAA="0" compatLnSpc="1">
+            <a:prstTxWarp prst="textNoShape">
+              <a:avLst/>
+            </a:prstTxWarp>
+            <a:noAutofit/>
+          </a:bodyPr>
+          <a:lstStyle/>
+          <a:p>
+            <a:pPr algn="ctr"/>
+            <a:endParaRPr lang="ko-KR" altLang="en-US"/>
+          </a:p>
+        </p:txBody>
+      </p:sp>
+      <p:sp>
+        <p:nvSpPr>
+          <p:cNvPr id="9" name="TextBox 8">
+            <a:extLst>
+              <a:ext uri="{FF2B5EF4-FFF2-40B4-BE49-F238E27FC236}">
+                <a16:creationId xmlns:a16="http://schemas.microsoft.com/office/drawing/2014/main" id="{DA4C68B3-2F4C-4149-8004-6F33AAE7274E}"/>
+              </a:ext>
+            </a:extLst>
+          </p:cNvPr>
+          <p:cNvSpPr txBox="1"/>
+          <p:nvPr/>
+        </p:nvSpPr>
+        <p:spPr>
+          <a:xfrm>
+            <a:off x="745726" y="618835"/>
             <a:ext cx="5150769" cy="1015663"/>
           </a:xfrm>
           <a:prstGeom prst="rect">
@@ -4027,7 +5788,7 @@
 </p:sld>
 </file>
 
-<file path=ppt/slides/slide11.xml><?xml version="1.0" encoding="utf-8"?>
+<file path=ppt/slides/slide12.xml><?xml version="1.0" encoding="utf-8"?>
 <p:sld xmlns:a="http://schemas.openxmlformats.org/drawingml/2006/main" xmlns:r="http://schemas.openxmlformats.org/officeDocument/2006/relationships" xmlns:p="http://schemas.openxmlformats.org/presentationml/2006/main">
   <p:cSld>
     <p:bg>
@@ -5315,6 +7076,572 @@
 <file path=ppt/slides/slide4.xml><?xml version="1.0" encoding="utf-8"?>
 <p:sld xmlns:a="http://schemas.openxmlformats.org/drawingml/2006/main" xmlns:r="http://schemas.openxmlformats.org/officeDocument/2006/relationships" xmlns:p="http://schemas.openxmlformats.org/presentationml/2006/main">
   <p:cSld>
+    <p:bg>
+      <p:bgPr>
+        <a:solidFill>
+          <a:schemeClr val="tx1">
+            <a:lumMod val="85000"/>
+            <a:lumOff val="15000"/>
+          </a:schemeClr>
+        </a:solidFill>
+        <a:effectLst/>
+      </p:bgPr>
+    </p:bg>
+    <p:spTree>
+      <p:nvGrpSpPr>
+        <p:cNvPr id="1" name=""/>
+        <p:cNvGrpSpPr/>
+        <p:nvPr/>
+      </p:nvGrpSpPr>
+      <p:grpSpPr>
+        <a:xfrm>
+          <a:off x="0" y="0"/>
+          <a:ext cx="0" cy="0"/>
+          <a:chOff x="0" y="0"/>
+          <a:chExt cx="0" cy="0"/>
+        </a:xfrm>
+      </p:grpSpPr>
+      <p:sp>
+        <p:nvSpPr>
+          <p:cNvPr id="15" name="직사각형 14">
+            <a:extLst>
+              <a:ext uri="{FF2B5EF4-FFF2-40B4-BE49-F238E27FC236}">
+                <a16:creationId xmlns:a16="http://schemas.microsoft.com/office/drawing/2014/main" id="{2CCDE6D2-F24F-4E3E-9084-E417936056F3}"/>
+              </a:ext>
+            </a:extLst>
+          </p:cNvPr>
+          <p:cNvSpPr/>
+          <p:nvPr/>
+        </p:nvSpPr>
+        <p:spPr>
+          <a:xfrm rot="20700000">
+            <a:off x="-1829960" y="1179248"/>
+            <a:ext cx="12986795" cy="5392260"/>
+          </a:xfrm>
+          <a:prstGeom prst="rect">
+            <a:avLst/>
+          </a:prstGeom>
+          <a:solidFill>
+            <a:schemeClr val="bg1">
+              <a:lumMod val="50000"/>
+              <a:alpha val="10000"/>
+            </a:schemeClr>
+          </a:solidFill>
+          <a:ln>
+            <a:noFill/>
+          </a:ln>
+        </p:spPr>
+        <p:style>
+          <a:lnRef idx="2">
+            <a:schemeClr val="accent1">
+              <a:shade val="50000"/>
+            </a:schemeClr>
+          </a:lnRef>
+          <a:fillRef idx="1">
+            <a:schemeClr val="accent1"/>
+          </a:fillRef>
+          <a:effectRef idx="0">
+            <a:schemeClr val="accent1"/>
+          </a:effectRef>
+          <a:fontRef idx="minor">
+            <a:schemeClr val="lt1"/>
+          </a:fontRef>
+        </p:style>
+        <p:txBody>
+          <a:bodyPr rtlCol="0" anchor="ctr"/>
+          <a:lstStyle/>
+          <a:p>
+            <a:pPr algn="ctr"/>
+            <a:endParaRPr lang="ko-KR" altLang="en-US" dirty="0"/>
+          </a:p>
+        </p:txBody>
+      </p:sp>
+      <p:sp>
+        <p:nvSpPr>
+          <p:cNvPr id="9" name="TextBox 8"/>
+          <p:cNvSpPr txBox="1"/>
+          <p:nvPr/>
+        </p:nvSpPr>
+        <p:spPr>
+          <a:xfrm>
+            <a:off x="674235" y="604195"/>
+            <a:ext cx="2422458" cy="830997"/>
+          </a:xfrm>
+          <a:prstGeom prst="rect">
+            <a:avLst/>
+          </a:prstGeom>
+          <a:noFill/>
+        </p:spPr>
+        <p:txBody>
+          <a:bodyPr wrap="none" rtlCol="0">
+            <a:spAutoFit/>
+          </a:bodyPr>
+          <a:lstStyle/>
+          <a:p>
+            <a:r>
+              <a:rPr lang="ko-KR" altLang="en-US" sz="4800" dirty="0">
+                <a:solidFill>
+                  <a:schemeClr val="bg1"/>
+                </a:solidFill>
+                <a:latin typeface="나눔스퀘어 Light" panose="020B0600000101010101" pitchFamily="50" charset="-127"/>
+                <a:ea typeface="나눔스퀘어 Light" panose="020B0600000101010101" pitchFamily="50" charset="-127"/>
+              </a:rPr>
+              <a:t>역할분담</a:t>
+            </a:r>
+          </a:p>
+        </p:txBody>
+      </p:sp>
+      <p:sp>
+        <p:nvSpPr>
+          <p:cNvPr id="10" name="TextBox 9"/>
+          <p:cNvSpPr txBox="1"/>
+          <p:nvPr/>
+        </p:nvSpPr>
+        <p:spPr>
+          <a:xfrm>
+            <a:off x="397805" y="2084160"/>
+            <a:ext cx="3225563" cy="2308324"/>
+          </a:xfrm>
+          <a:prstGeom prst="rect">
+            <a:avLst/>
+          </a:prstGeom>
+          <a:noFill/>
+        </p:spPr>
+        <p:txBody>
+          <a:bodyPr wrap="none" rtlCol="0">
+            <a:spAutoFit/>
+          </a:bodyPr>
+          <a:lstStyle/>
+          <a:p>
+            <a:pPr marL="571500" indent="-571500">
+              <a:lnSpc>
+                <a:spcPct val="150000"/>
+              </a:lnSpc>
+              <a:buSzPct val="80000"/>
+              <a:buFont typeface="Wingdings" panose="05000000000000000000" pitchFamily="2" charset="2"/>
+              <a:buChar char="§"/>
+            </a:pPr>
+            <a:r>
+              <a:rPr lang="ko-KR" altLang="en-US" sz="3200" dirty="0">
+                <a:solidFill>
+                  <a:schemeClr val="bg1"/>
+                </a:solidFill>
+                <a:latin typeface="나눔스퀘어 Light" panose="020B0600000101010101" pitchFamily="50" charset="-127"/>
+                <a:ea typeface="나눔스퀘어 Light" panose="020B0600000101010101" pitchFamily="50" charset="-127"/>
+              </a:rPr>
+              <a:t>프레임워크</a:t>
+            </a:r>
+            <a:endParaRPr lang="en-US" altLang="ko-KR" sz="3200" dirty="0">
+              <a:solidFill>
+                <a:schemeClr val="bg1"/>
+              </a:solidFill>
+              <a:latin typeface="나눔스퀘어 Light" panose="020B0600000101010101" pitchFamily="50" charset="-127"/>
+              <a:ea typeface="나눔스퀘어 Light" panose="020B0600000101010101" pitchFamily="50" charset="-127"/>
+            </a:endParaRPr>
+          </a:p>
+          <a:p>
+            <a:pPr marL="571500" indent="-571500">
+              <a:lnSpc>
+                <a:spcPct val="150000"/>
+              </a:lnSpc>
+              <a:buSzPct val="80000"/>
+              <a:buFont typeface="Wingdings" panose="05000000000000000000" pitchFamily="2" charset="2"/>
+              <a:buChar char="§"/>
+            </a:pPr>
+            <a:r>
+              <a:rPr lang="ko-KR" altLang="en-US" sz="3200" dirty="0">
+                <a:solidFill>
+                  <a:schemeClr val="bg1"/>
+                </a:solidFill>
+                <a:latin typeface="나눔스퀘어 Light" panose="020B0600000101010101" pitchFamily="50" charset="-127"/>
+                <a:ea typeface="나눔스퀘어 Light" panose="020B0600000101010101" pitchFamily="50" charset="-127"/>
+              </a:rPr>
+              <a:t>사운드</a:t>
+            </a:r>
+            <a:r>
+              <a:rPr lang="en-US" altLang="ko-KR" sz="3200" dirty="0">
+                <a:solidFill>
+                  <a:schemeClr val="bg1"/>
+                </a:solidFill>
+                <a:latin typeface="나눔스퀘어 Light" panose="020B0600000101010101" pitchFamily="50" charset="-127"/>
+                <a:ea typeface="나눔스퀘어 Light" panose="020B0600000101010101" pitchFamily="50" charset="-127"/>
+              </a:rPr>
+              <a:t>(FMOD)</a:t>
+            </a:r>
+          </a:p>
+          <a:p>
+            <a:pPr marL="571500" indent="-571500">
+              <a:lnSpc>
+                <a:spcPct val="150000"/>
+              </a:lnSpc>
+              <a:buSzPct val="80000"/>
+              <a:buFont typeface="Wingdings" panose="05000000000000000000" pitchFamily="2" charset="2"/>
+              <a:buChar char="§"/>
+            </a:pPr>
+            <a:r>
+              <a:rPr lang="ko-KR" altLang="en-US" sz="3200" dirty="0">
+                <a:solidFill>
+                  <a:schemeClr val="bg1"/>
+                </a:solidFill>
+                <a:latin typeface="나눔스퀘어 Light" panose="020B0600000101010101" pitchFamily="50" charset="-127"/>
+                <a:ea typeface="나눔스퀘어 Light" panose="020B0600000101010101" pitchFamily="50" charset="-127"/>
+              </a:rPr>
+              <a:t>리소스</a:t>
+            </a:r>
+            <a:endParaRPr lang="en-US" altLang="ko-KR" sz="3200" dirty="0">
+              <a:solidFill>
+                <a:schemeClr val="bg1"/>
+              </a:solidFill>
+              <a:latin typeface="나눔스퀘어 Light" panose="020B0600000101010101" pitchFamily="50" charset="-127"/>
+              <a:ea typeface="나눔스퀘어 Light" panose="020B0600000101010101" pitchFamily="50" charset="-127"/>
+            </a:endParaRPr>
+          </a:p>
+        </p:txBody>
+      </p:sp>
+      <p:grpSp>
+        <p:nvGrpSpPr>
+          <p:cNvPr id="2" name="그룹 1">
+            <a:extLst>
+              <a:ext uri="{FF2B5EF4-FFF2-40B4-BE49-F238E27FC236}">
+                <a16:creationId xmlns:a16="http://schemas.microsoft.com/office/drawing/2014/main" id="{11D15916-331D-4D05-8508-AE7199C2AF1A}"/>
+              </a:ext>
+            </a:extLst>
+          </p:cNvPr>
+          <p:cNvGrpSpPr/>
+          <p:nvPr/>
+        </p:nvGrpSpPr>
+        <p:grpSpPr>
+          <a:xfrm>
+            <a:off x="-1572508" y="-409499"/>
+            <a:ext cx="6193706" cy="6208415"/>
+            <a:chOff x="-1572508" y="-409499"/>
+            <a:chExt cx="6193706" cy="6208415"/>
+          </a:xfrm>
+        </p:grpSpPr>
+        <p:sp>
+          <p:nvSpPr>
+            <p:cNvPr id="11" name="타원 10"/>
+            <p:cNvSpPr/>
+            <p:nvPr/>
+          </p:nvSpPr>
+          <p:spPr>
+            <a:xfrm>
+              <a:off x="-1218601" y="-162445"/>
+              <a:ext cx="5839799" cy="5707078"/>
+            </a:xfrm>
+            <a:prstGeom prst="ellipse">
+              <a:avLst/>
+            </a:prstGeom>
+            <a:noFill/>
+            <a:ln w="19050">
+              <a:gradFill>
+                <a:gsLst>
+                  <a:gs pos="0">
+                    <a:schemeClr val="accent1">
+                      <a:lumMod val="5000"/>
+                      <a:lumOff val="95000"/>
+                      <a:alpha val="50000"/>
+                    </a:schemeClr>
+                  </a:gs>
+                  <a:gs pos="74000">
+                    <a:schemeClr val="accent1">
+                      <a:lumMod val="45000"/>
+                      <a:lumOff val="55000"/>
+                      <a:alpha val="50000"/>
+                    </a:schemeClr>
+                  </a:gs>
+                  <a:gs pos="83000">
+                    <a:schemeClr val="accent1">
+                      <a:lumMod val="45000"/>
+                      <a:lumOff val="55000"/>
+                      <a:alpha val="50000"/>
+                    </a:schemeClr>
+                  </a:gs>
+                  <a:gs pos="100000">
+                    <a:schemeClr val="accent1">
+                      <a:lumMod val="30000"/>
+                      <a:lumOff val="70000"/>
+                      <a:alpha val="50000"/>
+                    </a:schemeClr>
+                  </a:gs>
+                </a:gsLst>
+                <a:lin ang="5400000" scaled="1"/>
+              </a:gradFill>
+            </a:ln>
+          </p:spPr>
+          <p:style>
+            <a:lnRef idx="2">
+              <a:schemeClr val="accent1">
+                <a:shade val="50000"/>
+              </a:schemeClr>
+            </a:lnRef>
+            <a:fillRef idx="1">
+              <a:schemeClr val="accent1"/>
+            </a:fillRef>
+            <a:effectRef idx="0">
+              <a:schemeClr val="accent1"/>
+            </a:effectRef>
+            <a:fontRef idx="minor">
+              <a:schemeClr val="lt1"/>
+            </a:fontRef>
+          </p:style>
+          <p:txBody>
+            <a:bodyPr rtlCol="0" anchor="ctr"/>
+            <a:lstStyle/>
+            <a:p>
+              <a:pPr algn="ctr"/>
+              <a:endParaRPr lang="en-US" altLang="ko-KR" dirty="0">
+                <a:latin typeface="나눔스퀘어 Light" panose="020B0600000101010101" pitchFamily="50" charset="-127"/>
+                <a:ea typeface="나눔스퀘어 Light" panose="020B0600000101010101" pitchFamily="50" charset="-127"/>
+              </a:endParaRPr>
+            </a:p>
+            <a:p>
+              <a:pPr algn="ctr"/>
+              <a:endParaRPr lang="ko-KR" altLang="en-US" dirty="0">
+                <a:latin typeface="나눔스퀘어 Light" panose="020B0600000101010101" pitchFamily="50" charset="-127"/>
+                <a:ea typeface="나눔스퀘어 Light" panose="020B0600000101010101" pitchFamily="50" charset="-127"/>
+              </a:endParaRPr>
+            </a:p>
+          </p:txBody>
+        </p:sp>
+        <p:sp>
+          <p:nvSpPr>
+            <p:cNvPr id="12" name="타원 11"/>
+            <p:cNvSpPr/>
+            <p:nvPr/>
+          </p:nvSpPr>
+          <p:spPr>
+            <a:xfrm>
+              <a:off x="-1572508" y="114575"/>
+              <a:ext cx="5816534" cy="5684341"/>
+            </a:xfrm>
+            <a:prstGeom prst="ellipse">
+              <a:avLst/>
+            </a:prstGeom>
+            <a:noFill/>
+            <a:ln w="19050">
+              <a:gradFill flip="none" rotWithShape="1">
+                <a:gsLst>
+                  <a:gs pos="0">
+                    <a:srgbClr val="FFC000">
+                      <a:alpha val="50000"/>
+                    </a:srgbClr>
+                  </a:gs>
+                  <a:gs pos="100000">
+                    <a:srgbClr val="FF0000">
+                      <a:alpha val="50000"/>
+                    </a:srgbClr>
+                  </a:gs>
+                </a:gsLst>
+                <a:lin ang="16200000" scaled="1"/>
+                <a:tileRect/>
+              </a:gradFill>
+            </a:ln>
+          </p:spPr>
+          <p:style>
+            <a:lnRef idx="2">
+              <a:schemeClr val="accent1">
+                <a:shade val="50000"/>
+              </a:schemeClr>
+            </a:lnRef>
+            <a:fillRef idx="1">
+              <a:schemeClr val="accent1"/>
+            </a:fillRef>
+            <a:effectRef idx="0">
+              <a:schemeClr val="accent1"/>
+            </a:effectRef>
+            <a:fontRef idx="minor">
+              <a:schemeClr val="lt1"/>
+            </a:fontRef>
+          </p:style>
+          <p:txBody>
+            <a:bodyPr rtlCol="0" anchor="ctr"/>
+            <a:lstStyle/>
+            <a:p>
+              <a:pPr algn="ctr"/>
+              <a:endParaRPr lang="ko-KR" altLang="en-US" dirty="0"/>
+            </a:p>
+          </p:txBody>
+        </p:sp>
+        <p:sp>
+          <p:nvSpPr>
+            <p:cNvPr id="13" name="타원 12"/>
+            <p:cNvSpPr/>
+            <p:nvPr/>
+          </p:nvSpPr>
+          <p:spPr>
+            <a:xfrm>
+              <a:off x="-999593" y="-409499"/>
+              <a:ext cx="5152825" cy="5684341"/>
+            </a:xfrm>
+            <a:prstGeom prst="ellipse">
+              <a:avLst/>
+            </a:prstGeom>
+            <a:noFill/>
+            <a:ln w="19050">
+              <a:gradFill flip="none" rotWithShape="1">
+                <a:gsLst>
+                  <a:gs pos="0">
+                    <a:srgbClr val="FFDF79">
+                      <a:alpha val="50000"/>
+                    </a:srgbClr>
+                  </a:gs>
+                  <a:gs pos="100000">
+                    <a:srgbClr val="FF5B5B">
+                      <a:alpha val="50000"/>
+                    </a:srgbClr>
+                  </a:gs>
+                </a:gsLst>
+                <a:lin ang="16200000" scaled="1"/>
+                <a:tileRect/>
+              </a:gradFill>
+            </a:ln>
+          </p:spPr>
+          <p:style>
+            <a:lnRef idx="2">
+              <a:schemeClr val="accent1">
+                <a:shade val="50000"/>
+              </a:schemeClr>
+            </a:lnRef>
+            <a:fillRef idx="1">
+              <a:schemeClr val="accent1"/>
+            </a:fillRef>
+            <a:effectRef idx="0">
+              <a:schemeClr val="accent1"/>
+            </a:effectRef>
+            <a:fontRef idx="minor">
+              <a:schemeClr val="lt1"/>
+            </a:fontRef>
+          </p:style>
+          <p:txBody>
+            <a:bodyPr rtlCol="0" anchor="ctr"/>
+            <a:lstStyle/>
+            <a:p>
+              <a:pPr algn="ctr"/>
+              <a:endParaRPr lang="ko-KR" altLang="en-US" dirty="0">
+                <a:latin typeface="나눔스퀘어 Light" panose="020B0600000101010101" pitchFamily="50" charset="-127"/>
+                <a:ea typeface="나눔스퀘어 Light" panose="020B0600000101010101" pitchFamily="50" charset="-127"/>
+              </a:endParaRPr>
+            </a:p>
+          </p:txBody>
+        </p:sp>
+      </p:grpSp>
+      <p:sp>
+        <p:nvSpPr>
+          <p:cNvPr id="14" name="TextBox 13">
+            <a:extLst>
+              <a:ext uri="{FF2B5EF4-FFF2-40B4-BE49-F238E27FC236}">
+                <a16:creationId xmlns:a16="http://schemas.microsoft.com/office/drawing/2014/main" id="{2B30D907-5CA7-470C-AE57-C546DC461452}"/>
+              </a:ext>
+            </a:extLst>
+          </p:cNvPr>
+          <p:cNvSpPr txBox="1"/>
+          <p:nvPr/>
+        </p:nvSpPr>
+        <p:spPr>
+          <a:xfrm>
+            <a:off x="4975105" y="2084160"/>
+            <a:ext cx="3002745" cy="2308324"/>
+          </a:xfrm>
+          <a:prstGeom prst="rect">
+            <a:avLst/>
+          </a:prstGeom>
+          <a:noFill/>
+        </p:spPr>
+        <p:txBody>
+          <a:bodyPr wrap="none" rtlCol="0">
+            <a:spAutoFit/>
+          </a:bodyPr>
+          <a:lstStyle/>
+          <a:p>
+            <a:pPr marL="571500" indent="-571500">
+              <a:lnSpc>
+                <a:spcPct val="150000"/>
+              </a:lnSpc>
+              <a:buSzPct val="80000"/>
+              <a:buFont typeface="Wingdings" panose="05000000000000000000" pitchFamily="2" charset="2"/>
+              <a:buChar char="§"/>
+            </a:pPr>
+            <a:r>
+              <a:rPr lang="ko-KR" altLang="en-US" sz="3200" dirty="0" err="1">
+                <a:solidFill>
+                  <a:schemeClr val="bg1"/>
+                </a:solidFill>
+                <a:latin typeface="나눔스퀘어 Light" panose="020B0600000101010101" pitchFamily="50" charset="-127"/>
+                <a:ea typeface="나눔스퀘어 Light" panose="020B0600000101010101" pitchFamily="50" charset="-127"/>
+              </a:rPr>
+              <a:t>게임오브젝트</a:t>
+            </a:r>
+            <a:endParaRPr lang="en-US" altLang="ko-KR" sz="3200" dirty="0">
+              <a:solidFill>
+                <a:schemeClr val="bg1"/>
+              </a:solidFill>
+              <a:latin typeface="나눔스퀘어 Light" panose="020B0600000101010101" pitchFamily="50" charset="-127"/>
+              <a:ea typeface="나눔스퀘어 Light" panose="020B0600000101010101" pitchFamily="50" charset="-127"/>
+            </a:endParaRPr>
+          </a:p>
+          <a:p>
+            <a:pPr marL="571500" indent="-571500">
+              <a:lnSpc>
+                <a:spcPct val="150000"/>
+              </a:lnSpc>
+              <a:buSzPct val="80000"/>
+              <a:buFont typeface="Wingdings" panose="05000000000000000000" pitchFamily="2" charset="2"/>
+              <a:buChar char="§"/>
+            </a:pPr>
+            <a:r>
+              <a:rPr lang="ko-KR" altLang="en-US" sz="3200" dirty="0">
+                <a:solidFill>
+                  <a:schemeClr val="bg1"/>
+                </a:solidFill>
+                <a:latin typeface="나눔스퀘어 Light" panose="020B0600000101010101" pitchFamily="50" charset="-127"/>
+                <a:ea typeface="나눔스퀘어 Light" panose="020B0600000101010101" pitchFamily="50" charset="-127"/>
+              </a:rPr>
+              <a:t>씬</a:t>
+            </a:r>
+            <a:endParaRPr lang="en-US" altLang="ko-KR" sz="3200" dirty="0">
+              <a:solidFill>
+                <a:schemeClr val="bg1"/>
+              </a:solidFill>
+              <a:latin typeface="나눔스퀘어 Light" panose="020B0600000101010101" pitchFamily="50" charset="-127"/>
+              <a:ea typeface="나눔스퀘어 Light" panose="020B0600000101010101" pitchFamily="50" charset="-127"/>
+            </a:endParaRPr>
+          </a:p>
+          <a:p>
+            <a:pPr marL="571500" indent="-571500">
+              <a:lnSpc>
+                <a:spcPct val="150000"/>
+              </a:lnSpc>
+              <a:buSzPct val="80000"/>
+              <a:buFont typeface="Wingdings" panose="05000000000000000000" pitchFamily="2" charset="2"/>
+              <a:buChar char="§"/>
+            </a:pPr>
+            <a:endParaRPr lang="ko-KR" altLang="en-US" sz="3200" dirty="0">
+              <a:solidFill>
+                <a:schemeClr val="bg1"/>
+              </a:solidFill>
+              <a:latin typeface="나눔스퀘어 Light" panose="020B0600000101010101" pitchFamily="50" charset="-127"/>
+              <a:ea typeface="나눔스퀘어 Light" panose="020B0600000101010101" pitchFamily="50" charset="-127"/>
+            </a:endParaRPr>
+          </a:p>
+        </p:txBody>
+      </p:sp>
+    </p:spTree>
+    <p:extLst>
+      <p:ext uri="{BB962C8B-B14F-4D97-AF65-F5344CB8AC3E}">
+        <p14:creationId xmlns:p14="http://schemas.microsoft.com/office/powerpoint/2010/main" val="413596192"/>
+      </p:ext>
+    </p:extLst>
+  </p:cSld>
+  <p:clrMapOvr>
+    <a:masterClrMapping/>
+  </p:clrMapOvr>
+</p:sld>
+</file>
+
+<file path=ppt/slides/slide5.xml><?xml version="1.0" encoding="utf-8"?>
+<p:sld xmlns:a="http://schemas.openxmlformats.org/drawingml/2006/main" xmlns:r="http://schemas.openxmlformats.org/officeDocument/2006/relationships" xmlns:p="http://schemas.openxmlformats.org/presentationml/2006/main">
+  <p:cSld>
     <p:spTree>
       <p:nvGrpSpPr>
         <p:cNvPr id="1" name=""/>
@@ -5710,7 +8037,7 @@
 </p:sld>
 </file>
 
-<file path=ppt/slides/slide5.xml><?xml version="1.0" encoding="utf-8"?>
+<file path=ppt/slides/slide6.xml><?xml version="1.0" encoding="utf-8"?>
 <p:sld xmlns:a="http://schemas.openxmlformats.org/drawingml/2006/main" xmlns:r="http://schemas.openxmlformats.org/officeDocument/2006/relationships" xmlns:p="http://schemas.openxmlformats.org/presentationml/2006/main">
   <p:cSld>
     <p:spTree>
@@ -6018,7 +8345,7 @@
 </p:sld>
 </file>
 
-<file path=ppt/slides/slide6.xml><?xml version="1.0" encoding="utf-8"?>
+<file path=ppt/slides/slide7.xml><?xml version="1.0" encoding="utf-8"?>
 <p:sld xmlns:a="http://schemas.openxmlformats.org/drawingml/2006/main" xmlns:r="http://schemas.openxmlformats.org/officeDocument/2006/relationships" xmlns:p="http://schemas.openxmlformats.org/presentationml/2006/main">
   <p:cSld>
     <p:bg>
@@ -7183,7 +9510,7 @@
 </p:sld>
 </file>
 
-<file path=ppt/slides/slide7.xml><?xml version="1.0" encoding="utf-8"?>
+<file path=ppt/slides/slide8.xml><?xml version="1.0" encoding="utf-8"?>
 <p:sld xmlns:a="http://schemas.openxmlformats.org/drawingml/2006/main" xmlns:r="http://schemas.openxmlformats.org/officeDocument/2006/relationships" xmlns:p="http://schemas.openxmlformats.org/presentationml/2006/main">
   <p:cSld>
     <p:bg>
@@ -7656,622 +9983,6 @@
     <p:extLst>
       <p:ext uri="{BB962C8B-B14F-4D97-AF65-F5344CB8AC3E}">
         <p14:creationId xmlns:p14="http://schemas.microsoft.com/office/powerpoint/2010/main" val="45783522"/>
-      </p:ext>
-    </p:extLst>
-  </p:cSld>
-  <p:clrMapOvr>
-    <a:overrideClrMapping bg1="lt1" tx1="dk1" bg2="lt2" tx2="dk2" accent1="accent1" accent2="accent2" accent3="accent3" accent4="accent4" accent5="accent5" accent6="accent6" hlink="hlink" folHlink="folHlink"/>
-  </p:clrMapOvr>
-</p:sld>
-</file>
-
-<file path=ppt/slides/slide8.xml><?xml version="1.0" encoding="utf-8"?>
-<p:sld xmlns:a="http://schemas.openxmlformats.org/drawingml/2006/main" xmlns:r="http://schemas.openxmlformats.org/officeDocument/2006/relationships" xmlns:p="http://schemas.openxmlformats.org/presentationml/2006/main">
-  <p:cSld>
-    <p:bg>
-      <p:bgPr>
-        <a:solidFill>
-          <a:schemeClr val="tx1">
-            <a:lumMod val="85000"/>
-            <a:lumOff val="15000"/>
-          </a:schemeClr>
-        </a:solidFill>
-        <a:effectLst/>
-      </p:bgPr>
-    </p:bg>
-    <p:spTree>
-      <p:nvGrpSpPr>
-        <p:cNvPr id="1" name=""/>
-        <p:cNvGrpSpPr/>
-        <p:nvPr/>
-      </p:nvGrpSpPr>
-      <p:grpSpPr>
-        <a:xfrm>
-          <a:off x="0" y="0"/>
-          <a:ext cx="0" cy="0"/>
-          <a:chOff x="0" y="0"/>
-          <a:chExt cx="0" cy="0"/>
-        </a:xfrm>
-      </p:grpSpPr>
-      <p:sp>
-        <p:nvSpPr>
-          <p:cNvPr id="3" name="내용 개체 틀 2">
-            <a:extLst>
-              <a:ext uri="{FF2B5EF4-FFF2-40B4-BE49-F238E27FC236}">
-                <a16:creationId xmlns:a16="http://schemas.microsoft.com/office/drawing/2014/main" id="{972CE041-03FA-4BFB-AA4E-6057DEA64598}"/>
-              </a:ext>
-            </a:extLst>
-          </p:cNvPr>
-          <p:cNvSpPr>
-            <a:spLocks noGrp="1"/>
-          </p:cNvSpPr>
-          <p:nvPr>
-            <p:ph idx="1"/>
-          </p:nvPr>
-        </p:nvSpPr>
-        <p:spPr>
-          <a:xfrm>
-            <a:off x="628650" y="1825625"/>
-            <a:ext cx="7886700" cy="4351338"/>
-          </a:xfrm>
-        </p:spPr>
-        <p:txBody>
-          <a:bodyPr/>
-          <a:lstStyle/>
-          <a:p>
-            <a:r>
-              <a:rPr lang="en-US" altLang="ko-KR" dirty="0">
-                <a:solidFill>
-                  <a:schemeClr val="bg1"/>
-                </a:solidFill>
-              </a:rPr>
-              <a:t>Scene </a:t>
-            </a:r>
-            <a:r>
-              <a:rPr lang="ko-KR" altLang="en-US" dirty="0">
-                <a:solidFill>
-                  <a:schemeClr val="bg1"/>
-                </a:solidFill>
-              </a:rPr>
-              <a:t>만으로 불가능 했던 것</a:t>
-            </a:r>
-            <a:r>
-              <a:rPr lang="en-US" altLang="ko-KR" dirty="0">
-                <a:solidFill>
-                  <a:schemeClr val="bg1"/>
-                </a:solidFill>
-              </a:rPr>
-              <a:t>: </a:t>
-            </a:r>
-          </a:p>
-          <a:p>
-            <a:pPr marL="457200" lvl="1" indent="0">
-              <a:buNone/>
-            </a:pPr>
-            <a:r>
-              <a:rPr lang="en-US" altLang="ko-KR" dirty="0">
-                <a:solidFill>
-                  <a:schemeClr val="bg1"/>
-                </a:solidFill>
-              </a:rPr>
-              <a:t>game</a:t>
-            </a:r>
-            <a:r>
-              <a:rPr lang="ko-KR" altLang="en-US" dirty="0">
-                <a:solidFill>
-                  <a:schemeClr val="bg1"/>
-                </a:solidFill>
-              </a:rPr>
-              <a:t>과 </a:t>
-            </a:r>
-            <a:r>
-              <a:rPr lang="en-US" altLang="ko-KR" dirty="0">
-                <a:solidFill>
-                  <a:schemeClr val="bg1"/>
-                </a:solidFill>
-              </a:rPr>
-              <a:t>edit</a:t>
-            </a:r>
-            <a:r>
-              <a:rPr lang="ko-KR" altLang="en-US" dirty="0" err="1">
-                <a:solidFill>
-                  <a:schemeClr val="bg1"/>
-                </a:solidFill>
-              </a:rPr>
-              <a:t>씬과의</a:t>
-            </a:r>
-            <a:r>
-              <a:rPr lang="ko-KR" altLang="en-US" dirty="0">
-                <a:solidFill>
-                  <a:schemeClr val="bg1"/>
-                </a:solidFill>
-              </a:rPr>
-              <a:t> 상호작용 불가능</a:t>
-            </a:r>
-            <a:endParaRPr lang="en-US" altLang="ko-KR" dirty="0">
-              <a:solidFill>
-                <a:schemeClr val="bg1"/>
-              </a:solidFill>
-            </a:endParaRPr>
-          </a:p>
-          <a:p>
-            <a:endParaRPr lang="en-US" altLang="ko-KR" dirty="0">
-              <a:solidFill>
-                <a:schemeClr val="bg1"/>
-              </a:solidFill>
-            </a:endParaRPr>
-          </a:p>
-          <a:p>
-            <a:r>
-              <a:rPr lang="en-US" altLang="ko-KR" dirty="0">
-                <a:solidFill>
-                  <a:schemeClr val="bg1"/>
-                </a:solidFill>
-              </a:rPr>
-              <a:t>Scene</a:t>
-            </a:r>
-            <a:r>
-              <a:rPr lang="ko-KR" altLang="en-US" dirty="0">
-                <a:solidFill>
-                  <a:schemeClr val="bg1"/>
-                </a:solidFill>
-              </a:rPr>
-              <a:t>이 </a:t>
-            </a:r>
-            <a:r>
-              <a:rPr lang="en-US" altLang="ko-KR" dirty="0" err="1">
-                <a:solidFill>
-                  <a:schemeClr val="bg1"/>
-                </a:solidFill>
-              </a:rPr>
-              <a:t>FrameWork</a:t>
-            </a:r>
-            <a:r>
-              <a:rPr lang="en-US" altLang="ko-KR" dirty="0">
-                <a:solidFill>
-                  <a:schemeClr val="bg1"/>
-                </a:solidFill>
-              </a:rPr>
-              <a:t> </a:t>
-            </a:r>
-            <a:r>
-              <a:rPr lang="ko-KR" altLang="en-US" dirty="0">
-                <a:solidFill>
-                  <a:schemeClr val="bg1"/>
-                </a:solidFill>
-              </a:rPr>
-              <a:t>에 </a:t>
-            </a:r>
-            <a:r>
-              <a:rPr lang="ko-KR" altLang="en-US" dirty="0" err="1">
-                <a:solidFill>
-                  <a:schemeClr val="bg1"/>
-                </a:solidFill>
-              </a:rPr>
-              <a:t>들려있듯이</a:t>
-            </a:r>
-            <a:r>
-              <a:rPr lang="ko-KR" altLang="en-US" dirty="0">
-                <a:solidFill>
-                  <a:schemeClr val="bg1"/>
-                </a:solidFill>
-              </a:rPr>
-              <a:t> </a:t>
-            </a:r>
-            <a:r>
-              <a:rPr lang="en-US" altLang="ko-KR" dirty="0">
-                <a:solidFill>
-                  <a:schemeClr val="bg1"/>
-                </a:solidFill>
-              </a:rPr>
-              <a:t>Scene</a:t>
-            </a:r>
-            <a:r>
-              <a:rPr lang="ko-KR" altLang="en-US" dirty="0">
-                <a:solidFill>
-                  <a:schemeClr val="bg1"/>
-                </a:solidFill>
-              </a:rPr>
-              <a:t>에 </a:t>
-            </a:r>
-            <a:r>
-              <a:rPr lang="en-US" altLang="ko-KR" dirty="0" err="1">
-                <a:solidFill>
-                  <a:schemeClr val="bg1"/>
-                </a:solidFill>
-              </a:rPr>
-              <a:t>ChildScene</a:t>
-            </a:r>
-            <a:r>
-              <a:rPr lang="ko-KR" altLang="en-US" dirty="0">
-                <a:solidFill>
-                  <a:schemeClr val="bg1"/>
-                </a:solidFill>
-              </a:rPr>
-              <a:t>을 들려주었음</a:t>
-            </a:r>
-            <a:endParaRPr lang="en-US" altLang="ko-KR" dirty="0">
-              <a:solidFill>
-                <a:schemeClr val="bg1"/>
-              </a:solidFill>
-            </a:endParaRPr>
-          </a:p>
-          <a:p>
-            <a:r>
-              <a:rPr lang="en-US" altLang="ko-KR" dirty="0" err="1">
-                <a:solidFill>
-                  <a:schemeClr val="bg1"/>
-                </a:solidFill>
-              </a:rPr>
-              <a:t>ChildGetMessge</a:t>
-            </a:r>
-            <a:r>
-              <a:rPr lang="en-US" altLang="ko-KR" dirty="0">
-                <a:solidFill>
-                  <a:schemeClr val="bg1"/>
-                </a:solidFill>
-              </a:rPr>
-              <a:t> </a:t>
-            </a:r>
-            <a:r>
-              <a:rPr lang="ko-KR" altLang="en-US" dirty="0">
-                <a:solidFill>
-                  <a:schemeClr val="bg1"/>
-                </a:solidFill>
-              </a:rPr>
-              <a:t>함수로 상호작용 처리</a:t>
-            </a:r>
-            <a:endParaRPr lang="en-US" altLang="ko-KR" dirty="0">
-              <a:solidFill>
-                <a:schemeClr val="bg1"/>
-              </a:solidFill>
-            </a:endParaRPr>
-          </a:p>
-        </p:txBody>
-      </p:sp>
-      <p:sp>
-        <p:nvSpPr>
-          <p:cNvPr id="4" name="직사각형 3">
-            <a:extLst>
-              <a:ext uri="{FF2B5EF4-FFF2-40B4-BE49-F238E27FC236}">
-                <a16:creationId xmlns:a16="http://schemas.microsoft.com/office/drawing/2014/main" id="{88D854C0-A088-4C53-A201-2EAED2CC311D}"/>
-              </a:ext>
-            </a:extLst>
-          </p:cNvPr>
-          <p:cNvSpPr/>
-          <p:nvPr/>
-        </p:nvSpPr>
-        <p:spPr>
-          <a:xfrm>
-            <a:off x="8558072" y="705348"/>
-            <a:ext cx="585927" cy="464575"/>
-          </a:xfrm>
-          <a:prstGeom prst="rect">
-            <a:avLst/>
-          </a:prstGeom>
-          <a:solidFill>
-            <a:srgbClr val="F02802"/>
-          </a:solidFill>
-          <a:ln>
-            <a:noFill/>
-          </a:ln>
-        </p:spPr>
-        <p:style>
-          <a:lnRef idx="2">
-            <a:schemeClr val="accent1">
-              <a:shade val="50000"/>
-            </a:schemeClr>
-          </a:lnRef>
-          <a:fillRef idx="1">
-            <a:schemeClr val="accent1"/>
-          </a:fillRef>
-          <a:effectRef idx="0">
-            <a:schemeClr val="accent1"/>
-          </a:effectRef>
-          <a:fontRef idx="minor">
-            <a:schemeClr val="lt1"/>
-          </a:fontRef>
-        </p:style>
-        <p:txBody>
-          <a:bodyPr rot="0" spcFirstLastPara="0" vertOverflow="overflow" horzOverflow="overflow" vert="horz" wrap="square" lIns="68580" tIns="34290" rIns="68580" bIns="34290" numCol="1" spcCol="0" rtlCol="0" fromWordArt="0" anchor="ctr" anchorCtr="0" forceAA="0" compatLnSpc="1">
-            <a:prstTxWarp prst="textNoShape">
-              <a:avLst/>
-            </a:prstTxWarp>
-            <a:noAutofit/>
-          </a:bodyPr>
-          <a:lstStyle/>
-          <a:p>
-            <a:pPr algn="ctr"/>
-            <a:endParaRPr lang="ko-KR" altLang="en-US" sz="1350"/>
-          </a:p>
-        </p:txBody>
-      </p:sp>
-      <p:sp>
-        <p:nvSpPr>
-          <p:cNvPr id="5" name="직사각형 4">
-            <a:extLst>
-              <a:ext uri="{FF2B5EF4-FFF2-40B4-BE49-F238E27FC236}">
-                <a16:creationId xmlns:a16="http://schemas.microsoft.com/office/drawing/2014/main" id="{D79F1DD2-F00C-4D6C-AFAB-08BC2B78C93F}"/>
-              </a:ext>
-            </a:extLst>
-          </p:cNvPr>
-          <p:cNvSpPr/>
-          <p:nvPr/>
-        </p:nvSpPr>
-        <p:spPr>
-          <a:xfrm>
-            <a:off x="8558074" y="1169923"/>
-            <a:ext cx="585926" cy="464575"/>
-          </a:xfrm>
-          <a:prstGeom prst="rect">
-            <a:avLst/>
-          </a:prstGeom>
-          <a:solidFill>
-            <a:srgbClr val="FFC000"/>
-          </a:solidFill>
-          <a:ln>
-            <a:noFill/>
-          </a:ln>
-        </p:spPr>
-        <p:style>
-          <a:lnRef idx="2">
-            <a:schemeClr val="accent1">
-              <a:shade val="50000"/>
-            </a:schemeClr>
-          </a:lnRef>
-          <a:fillRef idx="1">
-            <a:schemeClr val="accent1"/>
-          </a:fillRef>
-          <a:effectRef idx="0">
-            <a:schemeClr val="accent1"/>
-          </a:effectRef>
-          <a:fontRef idx="minor">
-            <a:schemeClr val="lt1"/>
-          </a:fontRef>
-        </p:style>
-        <p:txBody>
-          <a:bodyPr rot="0" spcFirstLastPara="0" vertOverflow="overflow" horzOverflow="overflow" vert="horz" wrap="square" lIns="68580" tIns="34290" rIns="68580" bIns="34290" numCol="1" spcCol="0" rtlCol="0" fromWordArt="0" anchor="ctr" anchorCtr="0" forceAA="0" compatLnSpc="1">
-            <a:prstTxWarp prst="textNoShape">
-              <a:avLst/>
-            </a:prstTxWarp>
-            <a:noAutofit/>
-          </a:bodyPr>
-          <a:lstStyle/>
-          <a:p>
-            <a:pPr algn="ctr"/>
-            <a:endParaRPr lang="ko-KR" altLang="en-US" sz="1350"/>
-          </a:p>
-        </p:txBody>
-      </p:sp>
-      <p:sp>
-        <p:nvSpPr>
-          <p:cNvPr id="6" name="직사각형 5">
-            <a:extLst>
-              <a:ext uri="{FF2B5EF4-FFF2-40B4-BE49-F238E27FC236}">
-                <a16:creationId xmlns:a16="http://schemas.microsoft.com/office/drawing/2014/main" id="{21AE5ACF-1C54-4BD0-B099-D290D4268E11}"/>
-              </a:ext>
-            </a:extLst>
-          </p:cNvPr>
-          <p:cNvSpPr/>
-          <p:nvPr/>
-        </p:nvSpPr>
-        <p:spPr>
-          <a:xfrm>
-            <a:off x="8558074" y="1634498"/>
-            <a:ext cx="585926" cy="464575"/>
-          </a:xfrm>
-          <a:prstGeom prst="rect">
-            <a:avLst/>
-          </a:prstGeom>
-          <a:solidFill>
-            <a:srgbClr val="00B050"/>
-          </a:solidFill>
-          <a:ln>
-            <a:noFill/>
-          </a:ln>
-        </p:spPr>
-        <p:style>
-          <a:lnRef idx="2">
-            <a:schemeClr val="accent1">
-              <a:shade val="50000"/>
-            </a:schemeClr>
-          </a:lnRef>
-          <a:fillRef idx="1">
-            <a:schemeClr val="accent1"/>
-          </a:fillRef>
-          <a:effectRef idx="0">
-            <a:schemeClr val="accent1"/>
-          </a:effectRef>
-          <a:fontRef idx="minor">
-            <a:schemeClr val="lt1"/>
-          </a:fontRef>
-        </p:style>
-        <p:txBody>
-          <a:bodyPr rot="0" spcFirstLastPara="0" vertOverflow="overflow" horzOverflow="overflow" vert="horz" wrap="square" lIns="68580" tIns="34290" rIns="68580" bIns="34290" numCol="1" spcCol="0" rtlCol="0" fromWordArt="0" anchor="ctr" anchorCtr="0" forceAA="0" compatLnSpc="1">
-            <a:prstTxWarp prst="textNoShape">
-              <a:avLst/>
-            </a:prstTxWarp>
-            <a:noAutofit/>
-          </a:bodyPr>
-          <a:lstStyle/>
-          <a:p>
-            <a:pPr algn="ctr"/>
-            <a:endParaRPr lang="ko-KR" altLang="en-US" sz="1350"/>
-          </a:p>
-        </p:txBody>
-      </p:sp>
-      <p:sp>
-        <p:nvSpPr>
-          <p:cNvPr id="7" name="직사각형 6">
-            <a:extLst>
-              <a:ext uri="{FF2B5EF4-FFF2-40B4-BE49-F238E27FC236}">
-                <a16:creationId xmlns:a16="http://schemas.microsoft.com/office/drawing/2014/main" id="{2DDD51C6-C234-477F-82D3-909C3EB63704}"/>
-              </a:ext>
-            </a:extLst>
-          </p:cNvPr>
-          <p:cNvSpPr/>
-          <p:nvPr/>
-        </p:nvSpPr>
-        <p:spPr>
-          <a:xfrm>
-            <a:off x="7683910" y="2099073"/>
-            <a:ext cx="1460090" cy="464575"/>
-          </a:xfrm>
-          <a:prstGeom prst="rect">
-            <a:avLst/>
-          </a:prstGeom>
-          <a:solidFill>
-            <a:srgbClr val="00B9F6"/>
-          </a:solidFill>
-          <a:ln>
-            <a:noFill/>
-          </a:ln>
-        </p:spPr>
-        <p:style>
-          <a:lnRef idx="2">
-            <a:schemeClr val="accent1">
-              <a:shade val="50000"/>
-            </a:schemeClr>
-          </a:lnRef>
-          <a:fillRef idx="1">
-            <a:schemeClr val="accent1"/>
-          </a:fillRef>
-          <a:effectRef idx="0">
-            <a:schemeClr val="accent1"/>
-          </a:effectRef>
-          <a:fontRef idx="minor">
-            <a:schemeClr val="lt1"/>
-          </a:fontRef>
-        </p:style>
-        <p:txBody>
-          <a:bodyPr rot="0" spcFirstLastPara="0" vertOverflow="overflow" horzOverflow="overflow" vert="horz" wrap="square" lIns="68580" tIns="34290" rIns="68580" bIns="34290" numCol="1" spcCol="0" rtlCol="0" fromWordArt="0" anchor="ctr" anchorCtr="0" forceAA="0" compatLnSpc="1">
-            <a:prstTxWarp prst="textNoShape">
-              <a:avLst/>
-            </a:prstTxWarp>
-            <a:noAutofit/>
-          </a:bodyPr>
-          <a:lstStyle/>
-          <a:p>
-            <a:pPr algn="ctr"/>
-            <a:endParaRPr lang="ko-KR" altLang="en-US"/>
-          </a:p>
-        </p:txBody>
-      </p:sp>
-      <p:sp>
-        <p:nvSpPr>
-          <p:cNvPr id="8" name="직사각형 7">
-            <a:extLst>
-              <a:ext uri="{FF2B5EF4-FFF2-40B4-BE49-F238E27FC236}">
-                <a16:creationId xmlns:a16="http://schemas.microsoft.com/office/drawing/2014/main" id="{44D9E954-10CD-4D1C-9BB9-C52BCDB20A43}"/>
-              </a:ext>
-            </a:extLst>
-          </p:cNvPr>
-          <p:cNvSpPr/>
-          <p:nvPr/>
-        </p:nvSpPr>
-        <p:spPr>
-          <a:xfrm>
-            <a:off x="8558072" y="2563648"/>
-            <a:ext cx="585927" cy="464575"/>
-          </a:xfrm>
-          <a:prstGeom prst="rect">
-            <a:avLst/>
-          </a:prstGeom>
-          <a:solidFill>
-            <a:schemeClr val="bg2">
-              <a:lumMod val="50000"/>
-            </a:schemeClr>
-          </a:solidFill>
-          <a:ln>
-            <a:noFill/>
-          </a:ln>
-        </p:spPr>
-        <p:style>
-          <a:lnRef idx="2">
-            <a:schemeClr val="accent1">
-              <a:shade val="50000"/>
-            </a:schemeClr>
-          </a:lnRef>
-          <a:fillRef idx="1">
-            <a:schemeClr val="accent1"/>
-          </a:fillRef>
-          <a:effectRef idx="0">
-            <a:schemeClr val="accent1"/>
-          </a:effectRef>
-          <a:fontRef idx="minor">
-            <a:schemeClr val="lt1"/>
-          </a:fontRef>
-        </p:style>
-        <p:txBody>
-          <a:bodyPr rot="0" spcFirstLastPara="0" vertOverflow="overflow" horzOverflow="overflow" vert="horz" wrap="square" lIns="68580" tIns="34290" rIns="68580" bIns="34290" numCol="1" spcCol="0" rtlCol="0" fromWordArt="0" anchor="ctr" anchorCtr="0" forceAA="0" compatLnSpc="1">
-            <a:prstTxWarp prst="textNoShape">
-              <a:avLst/>
-            </a:prstTxWarp>
-            <a:noAutofit/>
-          </a:bodyPr>
-          <a:lstStyle/>
-          <a:p>
-            <a:pPr algn="ctr"/>
-            <a:endParaRPr lang="ko-KR" altLang="en-US"/>
-          </a:p>
-        </p:txBody>
-      </p:sp>
-      <p:sp>
-        <p:nvSpPr>
-          <p:cNvPr id="9" name="TextBox 8">
-            <a:extLst>
-              <a:ext uri="{FF2B5EF4-FFF2-40B4-BE49-F238E27FC236}">
-                <a16:creationId xmlns:a16="http://schemas.microsoft.com/office/drawing/2014/main" id="{DA4C68B3-2F4C-4149-8004-6F33AAE7274E}"/>
-              </a:ext>
-            </a:extLst>
-          </p:cNvPr>
-          <p:cNvSpPr txBox="1"/>
-          <p:nvPr/>
-        </p:nvSpPr>
-        <p:spPr>
-          <a:xfrm>
-            <a:off x="745726" y="618835"/>
-            <a:ext cx="3437159" cy="1015663"/>
-          </a:xfrm>
-          <a:prstGeom prst="rect">
-            <a:avLst/>
-          </a:prstGeom>
-          <a:noFill/>
-        </p:spPr>
-        <p:txBody>
-          <a:bodyPr wrap="none" rtlCol="0">
-            <a:spAutoFit/>
-          </a:bodyPr>
-          <a:lstStyle/>
-          <a:p>
-            <a:r>
-              <a:rPr lang="ko-KR" altLang="en-US" sz="6000" dirty="0" err="1">
-                <a:solidFill>
-                  <a:schemeClr val="bg1"/>
-                </a:solidFill>
-              </a:rPr>
-              <a:t>차일드</a:t>
-            </a:r>
-            <a:r>
-              <a:rPr lang="ko-KR" altLang="en-US" sz="6000" dirty="0">
-                <a:solidFill>
-                  <a:schemeClr val="bg1"/>
-                </a:solidFill>
-              </a:rPr>
-              <a:t> 씬</a:t>
-            </a:r>
-            <a:endParaRPr lang="en-US" altLang="ko-KR" sz="6000" dirty="0">
-              <a:solidFill>
-                <a:schemeClr val="bg1"/>
-              </a:solidFill>
-            </a:endParaRPr>
-          </a:p>
-        </p:txBody>
-      </p:sp>
-    </p:spTree>
-    <p:extLst>
-      <p:ext uri="{BB962C8B-B14F-4D97-AF65-F5344CB8AC3E}">
-        <p14:creationId xmlns:p14="http://schemas.microsoft.com/office/powerpoint/2010/main" val="1042890885"/>
       </p:ext>
     </p:extLst>
   </p:cSld>
@@ -8309,154 +10020,6 @@
           <a:chExt cx="0" cy="0"/>
         </a:xfrm>
       </p:grpSpPr>
-      <p:pic>
-        <p:nvPicPr>
-          <p:cNvPr id="43" name="그림 42">
-            <a:extLst>
-              <a:ext uri="{FF2B5EF4-FFF2-40B4-BE49-F238E27FC236}">
-                <a16:creationId xmlns:a16="http://schemas.microsoft.com/office/drawing/2014/main" id="{BEBAC2EE-C006-4F8B-976F-ACF769FEE006}"/>
-              </a:ext>
-            </a:extLst>
-          </p:cNvPr>
-          <p:cNvPicPr>
-            <a:picLocks noChangeAspect="1"/>
-          </p:cNvPicPr>
-          <p:nvPr/>
-        </p:nvPicPr>
-        <p:blipFill>
-          <a:blip r:embed="rId3">
-            <a:extLst>
-              <a:ext uri="{28A0092B-C50C-407E-A947-70E740481C1C}">
-                <a14:useLocalDpi xmlns:a14="http://schemas.microsoft.com/office/drawing/2010/main" val="0"/>
-              </a:ext>
-            </a:extLst>
-          </a:blip>
-          <a:stretch>
-            <a:fillRect/>
-          </a:stretch>
-        </p:blipFill>
-        <p:spPr>
-          <a:xfrm rot="18872706">
-            <a:off x="4840291" y="3063733"/>
-            <a:ext cx="798000" cy="828000"/>
-          </a:xfrm>
-          <a:prstGeom prst="rect">
-            <a:avLst/>
-          </a:prstGeom>
-        </p:spPr>
-      </p:pic>
-      <p:sp>
-        <p:nvSpPr>
-          <p:cNvPr id="42" name="직사각형 41">
-            <a:extLst>
-              <a:ext uri="{FF2B5EF4-FFF2-40B4-BE49-F238E27FC236}">
-                <a16:creationId xmlns:a16="http://schemas.microsoft.com/office/drawing/2014/main" id="{CF35418B-D629-491F-89F5-D666E23C5A3A}"/>
-              </a:ext>
-            </a:extLst>
-          </p:cNvPr>
-          <p:cNvSpPr/>
-          <p:nvPr/>
-        </p:nvSpPr>
-        <p:spPr>
-          <a:xfrm>
-            <a:off x="6374621" y="3065287"/>
-            <a:ext cx="798990" cy="803649"/>
-          </a:xfrm>
-          <a:prstGeom prst="rect">
-            <a:avLst/>
-          </a:prstGeom>
-          <a:pattFill prst="wdDnDiag">
-            <a:fgClr>
-              <a:schemeClr val="accent4"/>
-            </a:fgClr>
-            <a:bgClr>
-              <a:schemeClr val="accent4">
-                <a:lumMod val="50000"/>
-              </a:schemeClr>
-            </a:bgClr>
-          </a:pattFill>
-        </p:spPr>
-        <p:style>
-          <a:lnRef idx="2">
-            <a:schemeClr val="accent1">
-              <a:shade val="50000"/>
-            </a:schemeClr>
-          </a:lnRef>
-          <a:fillRef idx="1">
-            <a:schemeClr val="accent1"/>
-          </a:fillRef>
-          <a:effectRef idx="0">
-            <a:schemeClr val="accent1"/>
-          </a:effectRef>
-          <a:fontRef idx="minor">
-            <a:schemeClr val="lt1"/>
-          </a:fontRef>
-        </p:style>
-        <p:txBody>
-          <a:bodyPr rtlCol="0" anchor="ctr"/>
-          <a:lstStyle/>
-          <a:p>
-            <a:pPr algn="ctr"/>
-            <a:endParaRPr lang="ko-KR" altLang="en-US"/>
-          </a:p>
-        </p:txBody>
-      </p:sp>
-      <p:sp>
-        <p:nvSpPr>
-          <p:cNvPr id="10" name="직사각형 9">
-            <a:extLst>
-              <a:ext uri="{FF2B5EF4-FFF2-40B4-BE49-F238E27FC236}">
-                <a16:creationId xmlns:a16="http://schemas.microsoft.com/office/drawing/2014/main" id="{BFBB1470-A95D-457F-8C59-E1598C10E6ED}"/>
-              </a:ext>
-            </a:extLst>
-          </p:cNvPr>
-          <p:cNvSpPr/>
-          <p:nvPr/>
-        </p:nvSpPr>
-        <p:spPr>
-          <a:xfrm>
-            <a:off x="1976800" y="2899695"/>
-            <a:ext cx="1124403" cy="1137304"/>
-          </a:xfrm>
-          <a:prstGeom prst="rect">
-            <a:avLst/>
-          </a:prstGeom>
-          <a:pattFill prst="wdDnDiag">
-            <a:fgClr>
-              <a:schemeClr val="accent4"/>
-            </a:fgClr>
-            <a:bgClr>
-              <a:schemeClr val="accent4">
-                <a:lumMod val="50000"/>
-              </a:schemeClr>
-            </a:bgClr>
-          </a:pattFill>
-        </p:spPr>
-        <p:style>
-          <a:lnRef idx="2">
-            <a:schemeClr val="accent1">
-              <a:shade val="50000"/>
-            </a:schemeClr>
-          </a:lnRef>
-          <a:fillRef idx="1">
-            <a:schemeClr val="accent1"/>
-          </a:fillRef>
-          <a:effectRef idx="0">
-            <a:schemeClr val="accent1"/>
-          </a:effectRef>
-          <a:fontRef idx="minor">
-            <a:schemeClr val="lt1"/>
-          </a:fontRef>
-        </p:style>
-        <p:txBody>
-          <a:bodyPr rtlCol="0" anchor="ctr"/>
-          <a:lstStyle/>
-          <a:p>
-            <a:pPr algn="ctr"/>
-            <a:endParaRPr lang="ko-KR" altLang="en-US" dirty="0"/>
-          </a:p>
-        </p:txBody>
-      </p:sp>
       <p:sp>
         <p:nvSpPr>
           <p:cNvPr id="3" name="내용 개체 틀 2">
@@ -8476,7 +10039,7 @@
         <p:spPr>
           <a:xfrm>
             <a:off x="628650" y="1825625"/>
-            <a:ext cx="7886700" cy="738023"/>
+            <a:ext cx="7886700" cy="4351338"/>
           </a:xfrm>
         </p:spPr>
         <p:txBody>
@@ -8484,12 +10047,73 @@
           <a:lstStyle/>
           <a:p>
             <a:r>
+              <a:rPr lang="en-US" altLang="ko-KR" dirty="0">
+                <a:solidFill>
+                  <a:schemeClr val="bg1"/>
+                </a:solidFill>
+              </a:rPr>
+              <a:t>Scene </a:t>
+            </a:r>
+            <a:r>
               <a:rPr lang="ko-KR" altLang="en-US" dirty="0">
                 <a:solidFill>
                   <a:schemeClr val="bg1"/>
                 </a:solidFill>
               </a:rPr>
-              <a:t>그리기 과정</a:t>
+              <a:t>만으로 불가능 했던 것</a:t>
+            </a:r>
+            <a:r>
+              <a:rPr lang="en-US" altLang="ko-KR" dirty="0">
+                <a:solidFill>
+                  <a:schemeClr val="bg1"/>
+                </a:solidFill>
+              </a:rPr>
+              <a:t>: </a:t>
+            </a:r>
+          </a:p>
+          <a:p>
+            <a:pPr marL="457200" lvl="1" indent="0">
+              <a:buNone/>
+            </a:pPr>
+            <a:r>
+              <a:rPr lang="en-US" altLang="ko-KR" dirty="0">
+                <a:solidFill>
+                  <a:schemeClr val="bg1"/>
+                </a:solidFill>
+              </a:rPr>
+              <a:t>game</a:t>
+            </a:r>
+            <a:r>
+              <a:rPr lang="ko-KR" altLang="en-US" dirty="0">
+                <a:solidFill>
+                  <a:schemeClr val="bg1"/>
+                </a:solidFill>
+              </a:rPr>
+              <a:t>과 </a:t>
+            </a:r>
+            <a:r>
+              <a:rPr lang="en-US" altLang="ko-KR" dirty="0">
+                <a:solidFill>
+                  <a:schemeClr val="bg1"/>
+                </a:solidFill>
+              </a:rPr>
+              <a:t>edit</a:t>
+            </a:r>
+            <a:r>
+              <a:rPr lang="ko-KR" altLang="en-US" dirty="0" err="1">
+                <a:solidFill>
+                  <a:schemeClr val="bg1"/>
+                </a:solidFill>
+              </a:rPr>
+              <a:t>씬과의</a:t>
+            </a:r>
+            <a:r>
+              <a:rPr lang="ko-KR" altLang="en-US" dirty="0">
+                <a:solidFill>
+                  <a:schemeClr val="bg1"/>
+                </a:solidFill>
+              </a:rPr>
+              <a:t> 상호작용 불가능</a:t>
             </a:r>
             <a:endParaRPr lang="en-US" altLang="ko-KR" dirty="0">
               <a:solidFill>
@@ -8505,7 +10129,126 @@
             </a:endParaRPr>
           </a:p>
           <a:p>
-            <a:endParaRPr lang="ko-KR" altLang="en-US" dirty="0">
+            <a:r>
+              <a:rPr lang="en-US" altLang="ko-KR" dirty="0">
+                <a:solidFill>
+                  <a:schemeClr val="bg1"/>
+                </a:solidFill>
+              </a:rPr>
+              <a:t>Scene</a:t>
+            </a:r>
+            <a:r>
+              <a:rPr lang="ko-KR" altLang="en-US" dirty="0">
+                <a:solidFill>
+                  <a:schemeClr val="bg1"/>
+                </a:solidFill>
+              </a:rPr>
+              <a:t>이 </a:t>
+            </a:r>
+            <a:r>
+              <a:rPr lang="en-US" altLang="ko-KR" dirty="0" err="1">
+                <a:solidFill>
+                  <a:schemeClr val="bg1"/>
+                </a:solidFill>
+              </a:rPr>
+              <a:t>FrameWork</a:t>
+            </a:r>
+            <a:r>
+              <a:rPr lang="en-US" altLang="ko-KR" dirty="0">
+                <a:solidFill>
+                  <a:schemeClr val="bg1"/>
+                </a:solidFill>
+              </a:rPr>
+              <a:t> </a:t>
+            </a:r>
+            <a:r>
+              <a:rPr lang="ko-KR" altLang="en-US" dirty="0">
+                <a:solidFill>
+                  <a:schemeClr val="bg1"/>
+                </a:solidFill>
+              </a:rPr>
+              <a:t>에 </a:t>
+            </a:r>
+            <a:r>
+              <a:rPr lang="ko-KR" altLang="en-US" dirty="0" err="1">
+                <a:solidFill>
+                  <a:schemeClr val="bg1"/>
+                </a:solidFill>
+              </a:rPr>
+              <a:t>들려있듯이</a:t>
+            </a:r>
+            <a:r>
+              <a:rPr lang="ko-KR" altLang="en-US" dirty="0">
+                <a:solidFill>
+                  <a:schemeClr val="bg1"/>
+                </a:solidFill>
+              </a:rPr>
+              <a:t> </a:t>
+            </a:r>
+            <a:r>
+              <a:rPr lang="en-US" altLang="ko-KR" dirty="0">
+                <a:solidFill>
+                  <a:schemeClr val="bg1"/>
+                </a:solidFill>
+              </a:rPr>
+              <a:t>Scene</a:t>
+            </a:r>
+            <a:r>
+              <a:rPr lang="ko-KR" altLang="en-US" dirty="0">
+                <a:solidFill>
+                  <a:schemeClr val="bg1"/>
+                </a:solidFill>
+              </a:rPr>
+              <a:t>에 </a:t>
+            </a:r>
+            <a:r>
+              <a:rPr lang="en-US" altLang="ko-KR" dirty="0" err="1">
+                <a:solidFill>
+                  <a:schemeClr val="bg1"/>
+                </a:solidFill>
+              </a:rPr>
+              <a:t>ChildScene</a:t>
+            </a:r>
+            <a:r>
+              <a:rPr lang="ko-KR" altLang="en-US" dirty="0">
+                <a:solidFill>
+                  <a:schemeClr val="bg1"/>
+                </a:solidFill>
+              </a:rPr>
+              <a:t>을 들려주었음</a:t>
+            </a:r>
+            <a:endParaRPr lang="en-US" altLang="ko-KR" dirty="0">
+              <a:solidFill>
+                <a:schemeClr val="bg1"/>
+              </a:solidFill>
+            </a:endParaRPr>
+          </a:p>
+          <a:p>
+            <a:r>
+              <a:rPr lang="en-US" altLang="ko-KR" dirty="0" err="1">
+                <a:solidFill>
+                  <a:schemeClr val="bg1"/>
+                </a:solidFill>
+              </a:rPr>
+              <a:t>ChildGetMessge</a:t>
+            </a:r>
+            <a:r>
+              <a:rPr lang="en-US" altLang="ko-KR" dirty="0">
+                <a:solidFill>
+                  <a:schemeClr val="bg1"/>
+                </a:solidFill>
+              </a:rPr>
+              <a:t> </a:t>
+            </a:r>
+            <a:r>
+              <a:rPr lang="ko-KR" altLang="en-US" dirty="0">
+                <a:solidFill>
+                  <a:schemeClr val="bg1"/>
+                </a:solidFill>
+              </a:rPr>
+              <a:t>함수로 상호작용 처리</a:t>
+            </a:r>
+            <a:endParaRPr lang="en-US" altLang="ko-KR" dirty="0">
               <a:solidFill>
                 <a:schemeClr val="bg1"/>
               </a:solidFill>
@@ -8815,7 +10558,7 @@
         <p:spPr>
           <a:xfrm>
             <a:off x="745726" y="618835"/>
-            <a:ext cx="7307963" cy="1015663"/>
+            <a:ext cx="3437159" cy="1015663"/>
           </a:xfrm>
           <a:prstGeom prst="rect">
             <a:avLst/>
@@ -8829,20 +10572,12 @@
           <a:lstStyle/>
           <a:p>
             <a:r>
-              <a:rPr lang="en-US" altLang="ko-KR" sz="6000" dirty="0">
-                <a:solidFill>
-                  <a:schemeClr val="bg1"/>
-                </a:solidFill>
-              </a:rPr>
-              <a:t>Alpha </a:t>
-            </a:r>
-            <a:r>
-              <a:rPr lang="en-US" altLang="ko-KR" sz="6000" dirty="0" err="1">
-                <a:solidFill>
-                  <a:schemeClr val="bg1"/>
-                </a:solidFill>
-              </a:rPr>
-              <a:t>img</a:t>
+              <a:rPr lang="ko-KR" altLang="en-US" sz="6000" dirty="0" err="1">
+                <a:solidFill>
+                  <a:schemeClr val="bg1"/>
+                </a:solidFill>
+              </a:rPr>
+              <a:t>차일드</a:t>
             </a:r>
             <a:r>
               <a:rPr lang="ko-KR" altLang="en-US" sz="6000" dirty="0">
@@ -8850,1195 +10585,20 @@
                   <a:schemeClr val="bg1"/>
                 </a:solidFill>
               </a:rPr>
-              <a:t> </a:t>
-            </a:r>
-            <a:r>
-              <a:rPr lang="en-US" altLang="ko-KR" sz="6000" dirty="0">
-                <a:solidFill>
-                  <a:schemeClr val="bg1"/>
-                </a:solidFill>
-              </a:rPr>
-              <a:t>rotate draw </a:t>
-            </a:r>
-          </a:p>
-        </p:txBody>
-      </p:sp>
-      <p:grpSp>
-        <p:nvGrpSpPr>
-          <p:cNvPr id="14" name="그룹 13">
-            <a:extLst>
-              <a:ext uri="{FF2B5EF4-FFF2-40B4-BE49-F238E27FC236}">
-                <a16:creationId xmlns:a16="http://schemas.microsoft.com/office/drawing/2014/main" id="{4B9002FC-FE28-4B48-A97D-E04409BA6847}"/>
-              </a:ext>
-            </a:extLst>
-          </p:cNvPr>
-          <p:cNvGrpSpPr/>
-          <p:nvPr/>
-        </p:nvGrpSpPr>
-        <p:grpSpPr>
-          <a:xfrm>
-            <a:off x="486601" y="3028223"/>
-            <a:ext cx="772357" cy="781235"/>
-            <a:chOff x="1722267" y="3124940"/>
-            <a:chExt cx="772357" cy="781235"/>
-          </a:xfrm>
-        </p:grpSpPr>
-        <p:sp>
-          <p:nvSpPr>
-            <p:cNvPr id="2" name="별: 꼭짓점 6개 1">
-              <a:extLst>
-                <a:ext uri="{FF2B5EF4-FFF2-40B4-BE49-F238E27FC236}">
-                  <a16:creationId xmlns:a16="http://schemas.microsoft.com/office/drawing/2014/main" id="{5EBF6C72-F8E0-442A-BB9E-717A60103512}"/>
-                </a:ext>
-              </a:extLst>
-            </p:cNvPr>
-            <p:cNvSpPr/>
-            <p:nvPr/>
-          </p:nvSpPr>
-          <p:spPr>
-            <a:xfrm>
-              <a:off x="1722267" y="3284738"/>
-              <a:ext cx="772357" cy="621437"/>
-            </a:xfrm>
-            <a:prstGeom prst="star6">
-              <a:avLst/>
-            </a:prstGeom>
-          </p:spPr>
-          <p:style>
-            <a:lnRef idx="2">
-              <a:schemeClr val="accent1">
-                <a:shade val="50000"/>
-              </a:schemeClr>
-            </a:lnRef>
-            <a:fillRef idx="1">
-              <a:schemeClr val="accent1"/>
-            </a:fillRef>
-            <a:effectRef idx="0">
-              <a:schemeClr val="accent1"/>
-            </a:effectRef>
-            <a:fontRef idx="minor">
-              <a:schemeClr val="lt1"/>
-            </a:fontRef>
-          </p:style>
-          <p:txBody>
-            <a:bodyPr rtlCol="0" anchor="ctr"/>
-            <a:lstStyle/>
-            <a:p>
-              <a:pPr algn="ctr"/>
-              <a:endParaRPr lang="ko-KR" altLang="en-US"/>
-            </a:p>
-          </p:txBody>
-        </p:sp>
-        <p:cxnSp>
-          <p:nvCxnSpPr>
-            <p:cNvPr id="12" name="직선 연결선 11">
-              <a:extLst>
-                <a:ext uri="{FF2B5EF4-FFF2-40B4-BE49-F238E27FC236}">
-                  <a16:creationId xmlns:a16="http://schemas.microsoft.com/office/drawing/2014/main" id="{F9F6CD15-D26F-411A-9A84-8897EE97BAAA}"/>
-                </a:ext>
-              </a:extLst>
-            </p:cNvPr>
-            <p:cNvCxnSpPr>
-              <a:cxnSpLocks/>
-            </p:cNvCxnSpPr>
-            <p:nvPr/>
-          </p:nvCxnSpPr>
-          <p:spPr>
-            <a:xfrm flipV="1">
-              <a:off x="2112885" y="3124940"/>
-              <a:ext cx="0" cy="488272"/>
-            </a:xfrm>
-            <a:prstGeom prst="line">
-              <a:avLst/>
-            </a:prstGeom>
-            <a:ln>
-              <a:solidFill>
-                <a:schemeClr val="bg1"/>
-              </a:solidFill>
-            </a:ln>
-          </p:spPr>
-          <p:style>
-            <a:lnRef idx="1">
-              <a:schemeClr val="accent1"/>
-            </a:lnRef>
-            <a:fillRef idx="0">
-              <a:schemeClr val="accent1"/>
-            </a:fillRef>
-            <a:effectRef idx="0">
-              <a:schemeClr val="accent1"/>
-            </a:effectRef>
-            <a:fontRef idx="minor">
-              <a:schemeClr val="tx1"/>
-            </a:fontRef>
-          </p:style>
-        </p:cxnSp>
-      </p:grpSp>
-      <p:grpSp>
-        <p:nvGrpSpPr>
-          <p:cNvPr id="15" name="그룹 14">
-            <a:extLst>
-              <a:ext uri="{FF2B5EF4-FFF2-40B4-BE49-F238E27FC236}">
-                <a16:creationId xmlns:a16="http://schemas.microsoft.com/office/drawing/2014/main" id="{437F54AE-1B8F-4983-9373-EDB18F4A3B6E}"/>
-              </a:ext>
-            </a:extLst>
-          </p:cNvPr>
-          <p:cNvGrpSpPr/>
-          <p:nvPr/>
-        </p:nvGrpSpPr>
-        <p:grpSpPr>
-          <a:xfrm>
-            <a:off x="2139519" y="3081489"/>
-            <a:ext cx="819611" cy="828000"/>
-            <a:chOff x="2139519" y="3081489"/>
-            <a:chExt cx="819611" cy="828000"/>
-          </a:xfrm>
-        </p:grpSpPr>
-        <p:sp>
-          <p:nvSpPr>
-            <p:cNvPr id="16" name="별: 꼭짓점 6개 15">
-              <a:extLst>
-                <a:ext uri="{FF2B5EF4-FFF2-40B4-BE49-F238E27FC236}">
-                  <a16:creationId xmlns:a16="http://schemas.microsoft.com/office/drawing/2014/main" id="{286C5129-E368-47FA-A914-1DEABE0F7EC7}"/>
-                </a:ext>
-              </a:extLst>
-            </p:cNvPr>
-            <p:cNvSpPr/>
-            <p:nvPr/>
-          </p:nvSpPr>
-          <p:spPr>
-            <a:xfrm rot="2747528">
-              <a:off x="2163447" y="3188225"/>
-              <a:ext cx="772357" cy="621437"/>
-            </a:xfrm>
-            <a:prstGeom prst="star6">
-              <a:avLst/>
-            </a:prstGeom>
-            <a:solidFill>
-              <a:schemeClr val="accent1"/>
-            </a:solidFill>
-            <a:ln>
-              <a:solidFill>
-                <a:schemeClr val="accent1">
-                  <a:alpha val="25000"/>
-                </a:schemeClr>
-              </a:solidFill>
-            </a:ln>
-          </p:spPr>
-          <p:style>
-            <a:lnRef idx="2">
-              <a:schemeClr val="accent1">
-                <a:shade val="50000"/>
-              </a:schemeClr>
-            </a:lnRef>
-            <a:fillRef idx="1">
-              <a:schemeClr val="accent1"/>
-            </a:fillRef>
-            <a:effectRef idx="0">
-              <a:schemeClr val="accent1"/>
-            </a:effectRef>
-            <a:fontRef idx="minor">
-              <a:schemeClr val="lt1"/>
-            </a:fontRef>
-          </p:style>
-          <p:txBody>
-            <a:bodyPr rtlCol="0" anchor="ctr"/>
-            <a:lstStyle/>
-            <a:p>
-              <a:pPr algn="ctr"/>
-              <a:endParaRPr lang="ko-KR" altLang="en-US" dirty="0"/>
-            </a:p>
-          </p:txBody>
-        </p:sp>
-        <p:cxnSp>
-          <p:nvCxnSpPr>
-            <p:cNvPr id="17" name="직선 연결선 16">
-              <a:extLst>
-                <a:ext uri="{FF2B5EF4-FFF2-40B4-BE49-F238E27FC236}">
-                  <a16:creationId xmlns:a16="http://schemas.microsoft.com/office/drawing/2014/main" id="{B7610B36-952C-4C34-A4D1-3FD31B34E3A1}"/>
-                </a:ext>
-              </a:extLst>
-            </p:cNvPr>
-            <p:cNvCxnSpPr>
-              <a:cxnSpLocks/>
-            </p:cNvCxnSpPr>
-            <p:nvPr/>
-          </p:nvCxnSpPr>
-          <p:spPr>
-            <a:xfrm rot="2747528" flipV="1">
-              <a:off x="2714994" y="3100143"/>
-              <a:ext cx="0" cy="488272"/>
-            </a:xfrm>
-            <a:prstGeom prst="line">
-              <a:avLst/>
-            </a:prstGeom>
-            <a:ln>
-              <a:solidFill>
-                <a:schemeClr val="bg1"/>
-              </a:solidFill>
-            </a:ln>
-          </p:spPr>
-          <p:style>
-            <a:lnRef idx="1">
-              <a:schemeClr val="accent1"/>
-            </a:lnRef>
-            <a:fillRef idx="0">
-              <a:schemeClr val="accent1"/>
-            </a:fillRef>
-            <a:effectRef idx="0">
-              <a:schemeClr val="accent1"/>
-            </a:effectRef>
-            <a:fontRef idx="minor">
-              <a:schemeClr val="tx1"/>
-            </a:fontRef>
-          </p:style>
-        </p:cxnSp>
-        <p:sp>
-          <p:nvSpPr>
-            <p:cNvPr id="18" name="직사각형 17">
-              <a:extLst>
-                <a:ext uri="{FF2B5EF4-FFF2-40B4-BE49-F238E27FC236}">
-                  <a16:creationId xmlns:a16="http://schemas.microsoft.com/office/drawing/2014/main" id="{52CEC46F-23CF-4862-9CB5-D9D0E8908913}"/>
-                </a:ext>
-              </a:extLst>
-            </p:cNvPr>
-            <p:cNvSpPr/>
-            <p:nvPr/>
-          </p:nvSpPr>
-          <p:spPr>
-            <a:xfrm>
-              <a:off x="2139519" y="3081489"/>
-              <a:ext cx="798990" cy="828000"/>
-            </a:xfrm>
-            <a:prstGeom prst="rect">
-              <a:avLst/>
-            </a:prstGeom>
-            <a:noFill/>
-            <a:ln w="38100"/>
-          </p:spPr>
-          <p:style>
-            <a:lnRef idx="2">
-              <a:schemeClr val="accent1">
-                <a:shade val="50000"/>
-              </a:schemeClr>
-            </a:lnRef>
-            <a:fillRef idx="1">
-              <a:schemeClr val="accent1"/>
-            </a:fillRef>
-            <a:effectRef idx="0">
-              <a:schemeClr val="accent1"/>
-            </a:effectRef>
-            <a:fontRef idx="minor">
-              <a:schemeClr val="lt1"/>
-            </a:fontRef>
-          </p:style>
-          <p:txBody>
-            <a:bodyPr rtlCol="0" anchor="ctr"/>
-            <a:lstStyle/>
-            <a:p>
-              <a:pPr algn="ctr"/>
-              <a:endParaRPr lang="ko-KR" altLang="en-US" dirty="0"/>
-            </a:p>
-          </p:txBody>
-        </p:sp>
-      </p:grpSp>
-      <p:grpSp>
-        <p:nvGrpSpPr>
-          <p:cNvPr id="21" name="그룹 20">
-            <a:extLst>
-              <a:ext uri="{FF2B5EF4-FFF2-40B4-BE49-F238E27FC236}">
-                <a16:creationId xmlns:a16="http://schemas.microsoft.com/office/drawing/2014/main" id="{BF64EE8A-8808-4377-B393-D64A2EDE5B0C}"/>
-              </a:ext>
-            </a:extLst>
-          </p:cNvPr>
-          <p:cNvGrpSpPr/>
-          <p:nvPr/>
-        </p:nvGrpSpPr>
-        <p:grpSpPr>
-          <a:xfrm rot="18864007">
-            <a:off x="3420177" y="3053417"/>
-            <a:ext cx="819611" cy="828000"/>
-            <a:chOff x="1883546" y="3180623"/>
-            <a:chExt cx="819611" cy="828000"/>
-          </a:xfrm>
-        </p:grpSpPr>
-        <p:cxnSp>
-          <p:nvCxnSpPr>
-            <p:cNvPr id="19" name="직선 연결선 18">
-              <a:extLst>
-                <a:ext uri="{FF2B5EF4-FFF2-40B4-BE49-F238E27FC236}">
-                  <a16:creationId xmlns:a16="http://schemas.microsoft.com/office/drawing/2014/main" id="{6B306001-993A-42A0-A771-D2A8E4556E48}"/>
-                </a:ext>
-              </a:extLst>
-            </p:cNvPr>
-            <p:cNvCxnSpPr>
-              <a:cxnSpLocks/>
-            </p:cNvCxnSpPr>
-            <p:nvPr/>
-          </p:nvCxnSpPr>
-          <p:spPr>
-            <a:xfrm rot="2747528" flipV="1">
-              <a:off x="2459021" y="3199277"/>
-              <a:ext cx="0" cy="488272"/>
-            </a:xfrm>
-            <a:prstGeom prst="line">
-              <a:avLst/>
-            </a:prstGeom>
-            <a:ln>
-              <a:solidFill>
-                <a:schemeClr val="bg1"/>
-              </a:solidFill>
-            </a:ln>
-          </p:spPr>
-          <p:style>
-            <a:lnRef idx="1">
-              <a:schemeClr val="accent1"/>
-            </a:lnRef>
-            <a:fillRef idx="0">
-              <a:schemeClr val="accent1"/>
-            </a:fillRef>
-            <a:effectRef idx="0">
-              <a:schemeClr val="accent1"/>
-            </a:effectRef>
-            <a:fontRef idx="minor">
-              <a:schemeClr val="tx1"/>
-            </a:fontRef>
-          </p:style>
-        </p:cxnSp>
-        <p:sp>
-          <p:nvSpPr>
-            <p:cNvPr id="20" name="직사각형 19">
-              <a:extLst>
-                <a:ext uri="{FF2B5EF4-FFF2-40B4-BE49-F238E27FC236}">
-                  <a16:creationId xmlns:a16="http://schemas.microsoft.com/office/drawing/2014/main" id="{62C68066-1EE3-4FF3-97ED-088BAFC2A94C}"/>
-                </a:ext>
-              </a:extLst>
-            </p:cNvPr>
-            <p:cNvSpPr/>
-            <p:nvPr/>
-          </p:nvSpPr>
-          <p:spPr>
-            <a:xfrm>
-              <a:off x="1883546" y="3180623"/>
-              <a:ext cx="798990" cy="828000"/>
-            </a:xfrm>
-            <a:prstGeom prst="rect">
-              <a:avLst/>
-            </a:prstGeom>
-            <a:noFill/>
-          </p:spPr>
-          <p:style>
-            <a:lnRef idx="2">
-              <a:schemeClr val="accent1">
-                <a:shade val="50000"/>
-              </a:schemeClr>
-            </a:lnRef>
-            <a:fillRef idx="1">
-              <a:schemeClr val="accent1"/>
-            </a:fillRef>
-            <a:effectRef idx="0">
-              <a:schemeClr val="accent1"/>
-            </a:effectRef>
-            <a:fontRef idx="minor">
-              <a:schemeClr val="lt1"/>
-            </a:fontRef>
-          </p:style>
-          <p:txBody>
-            <a:bodyPr rtlCol="0" anchor="ctr"/>
-            <a:lstStyle/>
-            <a:p>
-              <a:pPr algn="ctr"/>
-              <a:endParaRPr lang="ko-KR" altLang="en-US"/>
-            </a:p>
-          </p:txBody>
-        </p:sp>
-      </p:grpSp>
-      <p:grpSp>
-        <p:nvGrpSpPr>
-          <p:cNvPr id="51" name="그룹 50">
-            <a:extLst>
-              <a:ext uri="{FF2B5EF4-FFF2-40B4-BE49-F238E27FC236}">
-                <a16:creationId xmlns:a16="http://schemas.microsoft.com/office/drawing/2014/main" id="{3F5EAF58-3123-4294-8F73-138DF10848E0}"/>
-              </a:ext>
-            </a:extLst>
-          </p:cNvPr>
-          <p:cNvGrpSpPr/>
-          <p:nvPr/>
-        </p:nvGrpSpPr>
-        <p:grpSpPr>
-          <a:xfrm>
-            <a:off x="4819603" y="3057611"/>
-            <a:ext cx="828000" cy="819611"/>
-            <a:chOff x="4677559" y="3057611"/>
-            <a:chExt cx="828000" cy="819611"/>
-          </a:xfrm>
-        </p:grpSpPr>
-        <p:grpSp>
-          <p:nvGrpSpPr>
-            <p:cNvPr id="30" name="그룹 29">
-              <a:extLst>
-                <a:ext uri="{FF2B5EF4-FFF2-40B4-BE49-F238E27FC236}">
-                  <a16:creationId xmlns:a16="http://schemas.microsoft.com/office/drawing/2014/main" id="{6DA5B945-5518-4C14-9E3E-BA099407D158}"/>
-                </a:ext>
-              </a:extLst>
-            </p:cNvPr>
-            <p:cNvGrpSpPr/>
-            <p:nvPr/>
-          </p:nvGrpSpPr>
-          <p:grpSpPr>
-            <a:xfrm rot="18864007">
-              <a:off x="4681753" y="3053417"/>
-              <a:ext cx="819611" cy="828000"/>
-              <a:chOff x="1883546" y="3180623"/>
-              <a:chExt cx="819611" cy="828000"/>
-            </a:xfrm>
-          </p:grpSpPr>
-          <p:cxnSp>
-            <p:nvCxnSpPr>
-              <p:cNvPr id="31" name="직선 연결선 30">
-                <a:extLst>
-                  <a:ext uri="{FF2B5EF4-FFF2-40B4-BE49-F238E27FC236}">
-                    <a16:creationId xmlns:a16="http://schemas.microsoft.com/office/drawing/2014/main" id="{87409F69-2275-43E0-A951-143CDA8DEBED}"/>
-                  </a:ext>
-                </a:extLst>
-              </p:cNvPr>
-              <p:cNvCxnSpPr>
-                <a:cxnSpLocks/>
-              </p:cNvCxnSpPr>
-              <p:nvPr/>
-            </p:nvCxnSpPr>
-            <p:spPr>
-              <a:xfrm rot="2747528" flipV="1">
-                <a:off x="2459021" y="3199277"/>
-                <a:ext cx="0" cy="488272"/>
-              </a:xfrm>
-              <a:prstGeom prst="line">
-                <a:avLst/>
-              </a:prstGeom>
-              <a:ln>
-                <a:solidFill>
-                  <a:schemeClr val="bg1"/>
-                </a:solidFill>
-              </a:ln>
-            </p:spPr>
-            <p:style>
-              <a:lnRef idx="1">
-                <a:schemeClr val="accent1"/>
-              </a:lnRef>
-              <a:fillRef idx="0">
-                <a:schemeClr val="accent1"/>
-              </a:fillRef>
-              <a:effectRef idx="0">
-                <a:schemeClr val="accent1"/>
-              </a:effectRef>
-              <a:fontRef idx="minor">
-                <a:schemeClr val="tx1"/>
-              </a:fontRef>
-            </p:style>
-          </p:cxnSp>
-          <p:sp>
-            <p:nvSpPr>
-              <p:cNvPr id="32" name="직사각형 31">
-                <a:extLst>
-                  <a:ext uri="{FF2B5EF4-FFF2-40B4-BE49-F238E27FC236}">
-                    <a16:creationId xmlns:a16="http://schemas.microsoft.com/office/drawing/2014/main" id="{4B4E844F-41A0-4639-8D65-00935B9D2899}"/>
-                  </a:ext>
-                </a:extLst>
-              </p:cNvPr>
-              <p:cNvSpPr/>
-              <p:nvPr/>
-            </p:nvSpPr>
-            <p:spPr>
-              <a:xfrm>
-                <a:off x="1883546" y="3180623"/>
-                <a:ext cx="798990" cy="828000"/>
-              </a:xfrm>
-              <a:prstGeom prst="rect">
-                <a:avLst/>
-              </a:prstGeom>
-              <a:noFill/>
-            </p:spPr>
-            <p:style>
-              <a:lnRef idx="2">
-                <a:schemeClr val="accent1">
-                  <a:shade val="50000"/>
-                </a:schemeClr>
-              </a:lnRef>
-              <a:fillRef idx="1">
-                <a:schemeClr val="accent1"/>
-              </a:fillRef>
-              <a:effectRef idx="0">
-                <a:schemeClr val="accent1"/>
-              </a:effectRef>
-              <a:fontRef idx="minor">
-                <a:schemeClr val="lt1"/>
-              </a:fontRef>
-            </p:style>
-            <p:txBody>
-              <a:bodyPr rtlCol="0" anchor="ctr"/>
-              <a:lstStyle/>
-              <a:p>
-                <a:pPr algn="ctr"/>
-                <a:endParaRPr lang="ko-KR" altLang="en-US"/>
-              </a:p>
-            </p:txBody>
-          </p:sp>
-        </p:grpSp>
-        <p:sp>
-          <p:nvSpPr>
-            <p:cNvPr id="34" name="별: 꼭짓점 6개 33">
-              <a:extLst>
-                <a:ext uri="{FF2B5EF4-FFF2-40B4-BE49-F238E27FC236}">
-                  <a16:creationId xmlns:a16="http://schemas.microsoft.com/office/drawing/2014/main" id="{A19EFE0C-96D9-40BC-8F8C-808F8B511D92}"/>
-                </a:ext>
-              </a:extLst>
-            </p:cNvPr>
-            <p:cNvSpPr/>
-            <p:nvPr/>
-          </p:nvSpPr>
-          <p:spPr>
-            <a:xfrm>
-              <a:off x="4703559" y="3162324"/>
-              <a:ext cx="772357" cy="621437"/>
-            </a:xfrm>
-            <a:prstGeom prst="star6">
-              <a:avLst/>
-            </a:prstGeom>
-            <a:solidFill>
-              <a:schemeClr val="accent1">
-                <a:alpha val="50000"/>
-              </a:schemeClr>
-            </a:solidFill>
-            <a:ln>
-              <a:solidFill>
-                <a:schemeClr val="accent1">
-                  <a:shade val="50000"/>
-                  <a:alpha val="50000"/>
-                </a:schemeClr>
-              </a:solidFill>
-            </a:ln>
-          </p:spPr>
-          <p:style>
-            <a:lnRef idx="2">
-              <a:schemeClr val="accent1">
-                <a:shade val="50000"/>
-              </a:schemeClr>
-            </a:lnRef>
-            <a:fillRef idx="1">
-              <a:schemeClr val="accent1"/>
-            </a:fillRef>
-            <a:effectRef idx="0">
-              <a:schemeClr val="accent1"/>
-            </a:effectRef>
-            <a:fontRef idx="minor">
-              <a:schemeClr val="lt1"/>
-            </a:fontRef>
-          </p:style>
-          <p:txBody>
-            <a:bodyPr rtlCol="0" anchor="ctr"/>
-            <a:lstStyle/>
-            <a:p>
-              <a:pPr algn="ctr"/>
-              <a:endParaRPr lang="ko-KR" altLang="en-US" dirty="0"/>
-            </a:p>
-          </p:txBody>
-        </p:sp>
-      </p:grpSp>
-      <p:sp>
-        <p:nvSpPr>
-          <p:cNvPr id="46" name="TextBox 45">
-            <a:extLst>
-              <a:ext uri="{FF2B5EF4-FFF2-40B4-BE49-F238E27FC236}">
-                <a16:creationId xmlns:a16="http://schemas.microsoft.com/office/drawing/2014/main" id="{37A17348-C003-4A8F-9120-DB671AA93C6E}"/>
-              </a:ext>
-            </a:extLst>
-          </p:cNvPr>
-          <p:cNvSpPr txBox="1"/>
-          <p:nvPr/>
-        </p:nvSpPr>
-        <p:spPr>
-          <a:xfrm>
-            <a:off x="239470" y="3819041"/>
-            <a:ext cx="1428461" cy="784830"/>
-          </a:xfrm>
-          <a:prstGeom prst="rect">
-            <a:avLst/>
-          </a:prstGeom>
-          <a:noFill/>
-        </p:spPr>
-        <p:txBody>
-          <a:bodyPr wrap="square" rtlCol="0">
-            <a:spAutoFit/>
-          </a:bodyPr>
-          <a:lstStyle/>
-          <a:p>
-            <a:r>
-              <a:rPr lang="ko-KR" altLang="en-US" sz="1500" dirty="0">
-                <a:solidFill>
-                  <a:schemeClr val="bg1"/>
-                </a:solidFill>
-              </a:rPr>
-              <a:t>원본</a:t>
-            </a:r>
-            <a:r>
-              <a:rPr lang="en-US" altLang="ko-KR" sz="1500" dirty="0">
-                <a:solidFill>
-                  <a:schemeClr val="bg1"/>
-                </a:solidFill>
-              </a:rPr>
-              <a:t>-alpha </a:t>
-            </a:r>
-            <a:r>
-              <a:rPr lang="en-US" altLang="ko-KR" sz="1500" dirty="0" err="1">
-                <a:solidFill>
-                  <a:schemeClr val="bg1"/>
-                </a:solidFill>
-              </a:rPr>
-              <a:t>img</a:t>
-            </a:r>
-            <a:endParaRPr lang="en-US" altLang="ko-KR" sz="1500" dirty="0">
+              <a:t> 씬</a:t>
+            </a:r>
+            <a:endParaRPr lang="en-US" altLang="ko-KR" sz="6000" dirty="0">
               <a:solidFill>
                 <a:schemeClr val="bg1"/>
               </a:solidFill>
             </a:endParaRPr>
           </a:p>
-          <a:p>
-            <a:r>
-              <a:rPr lang="en-US" altLang="ko-KR" sz="1500" dirty="0">
-                <a:solidFill>
-                  <a:schemeClr val="bg1"/>
-                </a:solidFill>
-              </a:rPr>
-              <a:t>Delta</a:t>
-            </a:r>
-            <a:r>
-              <a:rPr lang="ko-KR" altLang="en-US" sz="1500" dirty="0">
-                <a:solidFill>
-                  <a:schemeClr val="bg1"/>
-                </a:solidFill>
-              </a:rPr>
-              <a:t>만큼 </a:t>
-            </a:r>
-            <a:r>
-              <a:rPr lang="ko-KR" altLang="en-US" sz="1500" dirty="0" err="1">
-                <a:solidFill>
-                  <a:schemeClr val="bg1"/>
-                </a:solidFill>
-              </a:rPr>
-              <a:t>회전해야함</a:t>
-            </a:r>
-            <a:endParaRPr lang="ko-KR" altLang="en-US" sz="1500" dirty="0">
-              <a:solidFill>
-                <a:schemeClr val="bg1"/>
-              </a:solidFill>
-            </a:endParaRPr>
-          </a:p>
-        </p:txBody>
-      </p:sp>
-      <p:sp>
-        <p:nvSpPr>
-          <p:cNvPr id="48" name="TextBox 47">
-            <a:extLst>
-              <a:ext uri="{FF2B5EF4-FFF2-40B4-BE49-F238E27FC236}">
-                <a16:creationId xmlns:a16="http://schemas.microsoft.com/office/drawing/2014/main" id="{168AD978-157C-422A-84D7-9A119B2296CF}"/>
-              </a:ext>
-            </a:extLst>
-          </p:cNvPr>
-          <p:cNvSpPr txBox="1"/>
-          <p:nvPr/>
-        </p:nvSpPr>
-        <p:spPr>
-          <a:xfrm>
-            <a:off x="1894706" y="3992415"/>
-            <a:ext cx="1206498" cy="1015663"/>
-          </a:xfrm>
-          <a:prstGeom prst="rect">
-            <a:avLst/>
-          </a:prstGeom>
-          <a:noFill/>
-        </p:spPr>
-        <p:txBody>
-          <a:bodyPr wrap="square" rtlCol="0">
-            <a:spAutoFit/>
-          </a:bodyPr>
-          <a:lstStyle/>
-          <a:p>
-            <a:r>
-              <a:rPr lang="ko-KR" altLang="en-US" sz="1500">
-                <a:solidFill>
-                  <a:schemeClr val="bg1"/>
-                </a:solidFill>
-              </a:rPr>
-              <a:t>이미지가 회전되어 그려질 배경확보</a:t>
-            </a:r>
-            <a:endParaRPr lang="ko-KR" altLang="en-US" sz="1500" dirty="0">
-              <a:solidFill>
-                <a:schemeClr val="bg1"/>
-              </a:solidFill>
-            </a:endParaRPr>
-          </a:p>
-        </p:txBody>
-      </p:sp>
-      <p:sp>
-        <p:nvSpPr>
-          <p:cNvPr id="49" name="TextBox 48">
-            <a:extLst>
-              <a:ext uri="{FF2B5EF4-FFF2-40B4-BE49-F238E27FC236}">
-                <a16:creationId xmlns:a16="http://schemas.microsoft.com/office/drawing/2014/main" id="{5898894B-23FA-4327-A2FC-189E16B99FDA}"/>
-              </a:ext>
-            </a:extLst>
-          </p:cNvPr>
-          <p:cNvSpPr txBox="1"/>
-          <p:nvPr/>
-        </p:nvSpPr>
-        <p:spPr>
-          <a:xfrm>
-            <a:off x="3101204" y="4049873"/>
-            <a:ext cx="1479673" cy="553998"/>
-          </a:xfrm>
-          <a:prstGeom prst="rect">
-            <a:avLst/>
-          </a:prstGeom>
-          <a:noFill/>
-        </p:spPr>
-        <p:txBody>
-          <a:bodyPr wrap="square" rtlCol="0">
-            <a:spAutoFit/>
-          </a:bodyPr>
-          <a:lstStyle/>
-          <a:p>
-            <a:r>
-              <a:rPr lang="ko-KR" altLang="en-US" sz="1500" dirty="0">
-                <a:solidFill>
-                  <a:schemeClr val="bg1"/>
-                </a:solidFill>
-              </a:rPr>
-              <a:t>확보한 배경 </a:t>
-            </a:r>
-            <a:endParaRPr lang="en-US" altLang="ko-KR" sz="1500" dirty="0">
-              <a:solidFill>
-                <a:schemeClr val="bg1"/>
-              </a:solidFill>
-            </a:endParaRPr>
-          </a:p>
-          <a:p>
-            <a:r>
-              <a:rPr lang="en-US" altLang="ko-KR" sz="1500" dirty="0">
-                <a:solidFill>
-                  <a:schemeClr val="bg1"/>
-                </a:solidFill>
-              </a:rPr>
-              <a:t>–delta</a:t>
-            </a:r>
-            <a:r>
-              <a:rPr lang="ko-KR" altLang="en-US" sz="1500" dirty="0">
-                <a:solidFill>
-                  <a:schemeClr val="bg1"/>
-                </a:solidFill>
-              </a:rPr>
-              <a:t>만큼</a:t>
-            </a:r>
-            <a:r>
-              <a:rPr lang="en-US" altLang="ko-KR" sz="1500" dirty="0">
-                <a:solidFill>
-                  <a:schemeClr val="bg1"/>
-                </a:solidFill>
-              </a:rPr>
-              <a:t> </a:t>
-            </a:r>
-            <a:r>
-              <a:rPr lang="ko-KR" altLang="en-US" sz="1500" dirty="0">
-                <a:solidFill>
-                  <a:schemeClr val="bg1"/>
-                </a:solidFill>
-              </a:rPr>
-              <a:t>회전</a:t>
-            </a:r>
-          </a:p>
-        </p:txBody>
-      </p:sp>
-      <p:sp>
-        <p:nvSpPr>
-          <p:cNvPr id="50" name="TextBox 49">
-            <a:extLst>
-              <a:ext uri="{FF2B5EF4-FFF2-40B4-BE49-F238E27FC236}">
-                <a16:creationId xmlns:a16="http://schemas.microsoft.com/office/drawing/2014/main" id="{4E4B846B-670E-4AC8-97E3-B2AC0D12B5D5}"/>
-              </a:ext>
-            </a:extLst>
-          </p:cNvPr>
-          <p:cNvSpPr txBox="1"/>
-          <p:nvPr/>
-        </p:nvSpPr>
-        <p:spPr>
-          <a:xfrm>
-            <a:off x="4651085" y="4046390"/>
-            <a:ext cx="1479673" cy="784830"/>
-          </a:xfrm>
-          <a:prstGeom prst="rect">
-            <a:avLst/>
-          </a:prstGeom>
-          <a:noFill/>
-        </p:spPr>
-        <p:txBody>
-          <a:bodyPr wrap="square" rtlCol="0">
-            <a:spAutoFit/>
-          </a:bodyPr>
-          <a:lstStyle/>
-          <a:p>
-            <a:r>
-              <a:rPr lang="ko-KR" altLang="en-US" sz="1500" dirty="0" err="1">
-                <a:solidFill>
-                  <a:schemeClr val="bg1"/>
-                </a:solidFill>
-              </a:rPr>
-              <a:t>씨이미지</a:t>
-            </a:r>
-            <a:r>
-              <a:rPr lang="en-US" altLang="ko-KR" sz="1500" dirty="0">
-                <a:solidFill>
-                  <a:schemeClr val="bg1"/>
-                </a:solidFill>
-              </a:rPr>
-              <a:t>-draw</a:t>
-            </a:r>
-            <a:r>
-              <a:rPr lang="ko-KR" altLang="en-US" sz="1500" dirty="0">
-                <a:solidFill>
-                  <a:schemeClr val="bg1"/>
-                </a:solidFill>
-              </a:rPr>
-              <a:t>로 투명하게 그림</a:t>
-            </a:r>
-          </a:p>
-        </p:txBody>
-      </p:sp>
-      <p:sp>
-        <p:nvSpPr>
-          <p:cNvPr id="53" name="TextBox 52">
-            <a:extLst>
-              <a:ext uri="{FF2B5EF4-FFF2-40B4-BE49-F238E27FC236}">
-                <a16:creationId xmlns:a16="http://schemas.microsoft.com/office/drawing/2014/main" id="{53CB130A-C3A4-4F02-A594-FB7D3ADBBCA6}"/>
-              </a:ext>
-            </a:extLst>
-          </p:cNvPr>
-          <p:cNvSpPr txBox="1"/>
-          <p:nvPr/>
-        </p:nvSpPr>
-        <p:spPr>
-          <a:xfrm>
-            <a:off x="6222152" y="4036998"/>
-            <a:ext cx="1479673" cy="323165"/>
-          </a:xfrm>
-          <a:prstGeom prst="rect">
-            <a:avLst/>
-          </a:prstGeom>
-          <a:noFill/>
-        </p:spPr>
-        <p:txBody>
-          <a:bodyPr wrap="square" rtlCol="0">
-            <a:spAutoFit/>
-          </a:bodyPr>
-          <a:lstStyle/>
-          <a:p>
-            <a:r>
-              <a:rPr lang="en-US" altLang="ko-KR" sz="1500" dirty="0">
-                <a:solidFill>
-                  <a:schemeClr val="bg1"/>
-                </a:solidFill>
-              </a:rPr>
-              <a:t>delta</a:t>
-            </a:r>
-            <a:r>
-              <a:rPr lang="ko-KR" altLang="en-US" sz="1500" dirty="0">
-                <a:solidFill>
-                  <a:schemeClr val="bg1"/>
-                </a:solidFill>
-              </a:rPr>
-              <a:t>만큼</a:t>
-            </a:r>
-            <a:r>
-              <a:rPr lang="en-US" altLang="ko-KR" sz="1500" dirty="0">
-                <a:solidFill>
-                  <a:schemeClr val="bg1"/>
-                </a:solidFill>
-              </a:rPr>
-              <a:t> </a:t>
-            </a:r>
-            <a:r>
-              <a:rPr lang="ko-KR" altLang="en-US" sz="1500" dirty="0">
-                <a:solidFill>
-                  <a:schemeClr val="bg1"/>
-                </a:solidFill>
-              </a:rPr>
-              <a:t>회전</a:t>
-            </a:r>
-          </a:p>
-        </p:txBody>
-      </p:sp>
-      <p:pic>
-        <p:nvPicPr>
-          <p:cNvPr id="13" name="그림 12">
-            <a:extLst>
-              <a:ext uri="{FF2B5EF4-FFF2-40B4-BE49-F238E27FC236}">
-                <a16:creationId xmlns:a16="http://schemas.microsoft.com/office/drawing/2014/main" id="{1914EE3E-919D-48CF-9C95-0E28DDD1D494}"/>
-              </a:ext>
-            </a:extLst>
-          </p:cNvPr>
-          <p:cNvPicPr>
-            <a:picLocks noChangeAspect="1"/>
-          </p:cNvPicPr>
-          <p:nvPr/>
-        </p:nvPicPr>
-        <p:blipFill>
-          <a:blip r:embed="rId3">
-            <a:extLst>
-              <a:ext uri="{28A0092B-C50C-407E-A947-70E740481C1C}">
-                <a14:useLocalDpi xmlns:a14="http://schemas.microsoft.com/office/drawing/2010/main" val="0"/>
-              </a:ext>
-            </a:extLst>
-          </a:blip>
-          <a:stretch>
-            <a:fillRect/>
-          </a:stretch>
-        </p:blipFill>
-        <p:spPr>
-          <a:xfrm rot="18872706">
-            <a:off x="3428849" y="3063733"/>
-            <a:ext cx="798000" cy="828000"/>
-          </a:xfrm>
-          <a:prstGeom prst="rect">
-            <a:avLst/>
-          </a:prstGeom>
-        </p:spPr>
-      </p:pic>
-      <p:grpSp>
-        <p:nvGrpSpPr>
-          <p:cNvPr id="45" name="그룹 44">
-            <a:extLst>
-              <a:ext uri="{FF2B5EF4-FFF2-40B4-BE49-F238E27FC236}">
-                <a16:creationId xmlns:a16="http://schemas.microsoft.com/office/drawing/2014/main" id="{FA502E16-8151-45F0-AE72-226AF8AD36E6}"/>
-              </a:ext>
-            </a:extLst>
-          </p:cNvPr>
-          <p:cNvGrpSpPr/>
-          <p:nvPr/>
-        </p:nvGrpSpPr>
-        <p:grpSpPr>
-          <a:xfrm>
-            <a:off x="6372794" y="3054855"/>
-            <a:ext cx="819611" cy="828000"/>
-            <a:chOff x="2139519" y="3081489"/>
-            <a:chExt cx="819611" cy="828000"/>
-          </a:xfrm>
-        </p:grpSpPr>
-        <p:sp>
-          <p:nvSpPr>
-            <p:cNvPr id="47" name="별: 꼭짓점 6개 46">
-              <a:extLst>
-                <a:ext uri="{FF2B5EF4-FFF2-40B4-BE49-F238E27FC236}">
-                  <a16:creationId xmlns:a16="http://schemas.microsoft.com/office/drawing/2014/main" id="{CD7B4C8E-0BC1-4501-970B-633693E2F718}"/>
-                </a:ext>
-              </a:extLst>
-            </p:cNvPr>
-            <p:cNvSpPr/>
-            <p:nvPr/>
-          </p:nvSpPr>
-          <p:spPr>
-            <a:xfrm rot="2747528">
-              <a:off x="2163447" y="3188225"/>
-              <a:ext cx="772357" cy="621437"/>
-            </a:xfrm>
-            <a:prstGeom prst="star6">
-              <a:avLst/>
-            </a:prstGeom>
-            <a:solidFill>
-              <a:schemeClr val="accent1">
-                <a:alpha val="50000"/>
-              </a:schemeClr>
-            </a:solidFill>
-            <a:ln>
-              <a:solidFill>
-                <a:schemeClr val="accent1">
-                  <a:alpha val="50000"/>
-                </a:schemeClr>
-              </a:solidFill>
-            </a:ln>
-          </p:spPr>
-          <p:style>
-            <a:lnRef idx="2">
-              <a:schemeClr val="accent1">
-                <a:shade val="50000"/>
-              </a:schemeClr>
-            </a:lnRef>
-            <a:fillRef idx="1">
-              <a:schemeClr val="accent1"/>
-            </a:fillRef>
-            <a:effectRef idx="0">
-              <a:schemeClr val="accent1"/>
-            </a:effectRef>
-            <a:fontRef idx="minor">
-              <a:schemeClr val="lt1"/>
-            </a:fontRef>
-          </p:style>
-          <p:txBody>
-            <a:bodyPr rtlCol="0" anchor="ctr"/>
-            <a:lstStyle/>
-            <a:p>
-              <a:pPr algn="ctr"/>
-              <a:endParaRPr lang="ko-KR" altLang="en-US" dirty="0"/>
-            </a:p>
-          </p:txBody>
-        </p:sp>
-        <p:cxnSp>
-          <p:nvCxnSpPr>
-            <p:cNvPr id="54" name="직선 연결선 53">
-              <a:extLst>
-                <a:ext uri="{FF2B5EF4-FFF2-40B4-BE49-F238E27FC236}">
-                  <a16:creationId xmlns:a16="http://schemas.microsoft.com/office/drawing/2014/main" id="{4FC1A790-9FC4-42F5-9DE3-614567755C85}"/>
-                </a:ext>
-              </a:extLst>
-            </p:cNvPr>
-            <p:cNvCxnSpPr>
-              <a:cxnSpLocks/>
-            </p:cNvCxnSpPr>
-            <p:nvPr/>
-          </p:nvCxnSpPr>
-          <p:spPr>
-            <a:xfrm rot="2747528" flipV="1">
-              <a:off x="2714994" y="3100143"/>
-              <a:ext cx="0" cy="488272"/>
-            </a:xfrm>
-            <a:prstGeom prst="line">
-              <a:avLst/>
-            </a:prstGeom>
-            <a:ln>
-              <a:solidFill>
-                <a:schemeClr val="bg1"/>
-              </a:solidFill>
-            </a:ln>
-          </p:spPr>
-          <p:style>
-            <a:lnRef idx="1">
-              <a:schemeClr val="accent1"/>
-            </a:lnRef>
-            <a:fillRef idx="0">
-              <a:schemeClr val="accent1"/>
-            </a:fillRef>
-            <a:effectRef idx="0">
-              <a:schemeClr val="accent1"/>
-            </a:effectRef>
-            <a:fontRef idx="minor">
-              <a:schemeClr val="tx1"/>
-            </a:fontRef>
-          </p:style>
-        </p:cxnSp>
-        <p:sp>
-          <p:nvSpPr>
-            <p:cNvPr id="55" name="직사각형 54">
-              <a:extLst>
-                <a:ext uri="{FF2B5EF4-FFF2-40B4-BE49-F238E27FC236}">
-                  <a16:creationId xmlns:a16="http://schemas.microsoft.com/office/drawing/2014/main" id="{E5D7211C-FBA9-4357-8876-51B0E2B069BF}"/>
-                </a:ext>
-              </a:extLst>
-            </p:cNvPr>
-            <p:cNvSpPr/>
-            <p:nvPr/>
-          </p:nvSpPr>
-          <p:spPr>
-            <a:xfrm>
-              <a:off x="2139519" y="3081489"/>
-              <a:ext cx="798990" cy="828000"/>
-            </a:xfrm>
-            <a:prstGeom prst="rect">
-              <a:avLst/>
-            </a:prstGeom>
-            <a:noFill/>
-          </p:spPr>
-          <p:style>
-            <a:lnRef idx="2">
-              <a:schemeClr val="accent1">
-                <a:shade val="50000"/>
-              </a:schemeClr>
-            </a:lnRef>
-            <a:fillRef idx="1">
-              <a:schemeClr val="accent1"/>
-            </a:fillRef>
-            <a:effectRef idx="0">
-              <a:schemeClr val="accent1"/>
-            </a:effectRef>
-            <a:fontRef idx="minor">
-              <a:schemeClr val="lt1"/>
-            </a:fontRef>
-          </p:style>
-          <p:txBody>
-            <a:bodyPr rtlCol="0" anchor="ctr"/>
-            <a:lstStyle/>
-            <a:p>
-              <a:pPr algn="ctr"/>
-              <a:endParaRPr lang="ko-KR" altLang="en-US"/>
-            </a:p>
-          </p:txBody>
-        </p:sp>
-      </p:grpSp>
-      <p:sp>
-        <p:nvSpPr>
-          <p:cNvPr id="56" name="직사각형 55">
-            <a:extLst>
-              <a:ext uri="{FF2B5EF4-FFF2-40B4-BE49-F238E27FC236}">
-                <a16:creationId xmlns:a16="http://schemas.microsoft.com/office/drawing/2014/main" id="{C9198099-8735-481E-B9F1-A232AAE1121C}"/>
-              </a:ext>
-            </a:extLst>
-          </p:cNvPr>
-          <p:cNvSpPr/>
-          <p:nvPr/>
-        </p:nvSpPr>
-        <p:spPr>
-          <a:xfrm>
-            <a:off x="9370326" y="3383457"/>
-            <a:ext cx="798990" cy="827999"/>
-          </a:xfrm>
-          <a:prstGeom prst="rect">
-            <a:avLst/>
-          </a:prstGeom>
-          <a:pattFill prst="wdDnDiag">
-            <a:fgClr>
-              <a:schemeClr val="accent4"/>
-            </a:fgClr>
-            <a:bgClr>
-              <a:schemeClr val="accent4">
-                <a:lumMod val="50000"/>
-              </a:schemeClr>
-            </a:bgClr>
-          </a:pattFill>
-        </p:spPr>
-        <p:style>
-          <a:lnRef idx="2">
-            <a:schemeClr val="accent1">
-              <a:shade val="50000"/>
-            </a:schemeClr>
-          </a:lnRef>
-          <a:fillRef idx="1">
-            <a:schemeClr val="accent1"/>
-          </a:fillRef>
-          <a:effectRef idx="0">
-            <a:schemeClr val="accent1"/>
-          </a:effectRef>
-          <a:fontRef idx="minor">
-            <a:schemeClr val="lt1"/>
-          </a:fontRef>
-        </p:style>
-        <p:txBody>
-          <a:bodyPr rtlCol="0" anchor="ctr"/>
-          <a:lstStyle/>
-          <a:p>
-            <a:pPr algn="ctr"/>
-            <a:endParaRPr lang="ko-KR" altLang="en-US"/>
-          </a:p>
         </p:txBody>
       </p:sp>
     </p:spTree>
     <p:extLst>
       <p:ext uri="{BB962C8B-B14F-4D97-AF65-F5344CB8AC3E}">
-        <p14:creationId xmlns:p14="http://schemas.microsoft.com/office/powerpoint/2010/main" val="1269153967"/>
+        <p14:creationId xmlns:p14="http://schemas.microsoft.com/office/powerpoint/2010/main" val="1042890885"/>
       </p:ext>
     </p:extLst>
   </p:cSld>

--- a/발표자료/API 텀프로젝트 발표자료.pptx
+++ b/발표자료/API 텀프로젝트 발표자료.pptx
@@ -7626,6 +7626,63 @@
           </a:p>
         </p:txBody>
       </p:sp>
+      <p:sp>
+        <p:nvSpPr>
+          <p:cNvPr id="16" name="사각형: 둥근 모서리 15">
+            <a:extLst>
+              <a:ext uri="{FF2B5EF4-FFF2-40B4-BE49-F238E27FC236}">
+                <a16:creationId xmlns:a16="http://schemas.microsoft.com/office/drawing/2014/main" id="{FB93CB99-66E6-4940-9E2B-D05DEB8725D6}"/>
+              </a:ext>
+            </a:extLst>
+          </p:cNvPr>
+          <p:cNvSpPr/>
+          <p:nvPr/>
+        </p:nvSpPr>
+        <p:spPr>
+          <a:xfrm rot="5400000">
+            <a:off x="2217314" y="3805032"/>
+            <a:ext cx="4670444" cy="90794"/>
+          </a:xfrm>
+          <a:prstGeom prst="roundRect">
+            <a:avLst/>
+          </a:prstGeom>
+          <a:noFill/>
+          <a:ln w="19050">
+            <a:solidFill>
+              <a:schemeClr val="bg1">
+                <a:lumMod val="65000"/>
+              </a:schemeClr>
+            </a:solidFill>
+          </a:ln>
+        </p:spPr>
+        <p:style>
+          <a:lnRef idx="2">
+            <a:schemeClr val="accent1">
+              <a:shade val="50000"/>
+            </a:schemeClr>
+          </a:lnRef>
+          <a:fillRef idx="1">
+            <a:schemeClr val="accent1"/>
+          </a:fillRef>
+          <a:effectRef idx="0">
+            <a:schemeClr val="accent1"/>
+          </a:effectRef>
+          <a:fontRef idx="minor">
+            <a:schemeClr val="lt1"/>
+          </a:fontRef>
+        </p:style>
+        <p:txBody>
+          <a:bodyPr rtlCol="0" anchor="ctr"/>
+          <a:lstStyle/>
+          <a:p>
+            <a:pPr algn="ctr"/>
+            <a:endParaRPr lang="ko-KR" altLang="en-US">
+              <a:latin typeface="나눔바른펜" panose="020B0503000000000000" pitchFamily="50" charset="-127"/>
+              <a:ea typeface="나눔바른펜" panose="020B0503000000000000" pitchFamily="50" charset="-127"/>
+            </a:endParaRPr>
+          </a:p>
+        </p:txBody>
+      </p:sp>
     </p:spTree>
     <p:extLst>
       <p:ext uri="{BB962C8B-B14F-4D97-AF65-F5344CB8AC3E}">
@@ -7989,8 +8046,8 @@
         </p:nvSpPr>
         <p:spPr>
           <a:xfrm>
-            <a:off x="603504" y="2807494"/>
-            <a:ext cx="3711321" cy="1988400"/>
+            <a:off x="574325" y="2536852"/>
+            <a:ext cx="2465516" cy="892147"/>
           </a:xfrm>
           <a:prstGeom prst="rect">
             <a:avLst/>
@@ -8011,12 +8068,12 @@
               </a:spcBef>
             </a:pPr>
             <a:r>
-              <a:rPr lang="ko-KR" altLang="en-US" sz="4050">
+              <a:rPr lang="ko-KR" altLang="en-US" sz="4800" dirty="0">
                 <a:solidFill>
                   <a:srgbClr val="FFFFFF"/>
                 </a:solidFill>
-                <a:latin typeface="+mj-lt"/>
-                <a:ea typeface="+mj-ea"/>
+                <a:latin typeface="나눔스퀘어 Light" panose="020B0600000101010101" pitchFamily="50" charset="-127"/>
+                <a:ea typeface="나눔스퀘어 Light" panose="020B0600000101010101" pitchFamily="50" charset="-127"/>
                 <a:cs typeface="+mj-cs"/>
               </a:rPr>
               <a:t>제작과정</a:t>

--- a/발표자료/API 텀프로젝트 발표자료.pptx
+++ b/발표자료/API 텀프로젝트 발표자료.pptx
@@ -12,11 +12,12 @@
     <p:sldId id="261" r:id="rId6"/>
     <p:sldId id="269" r:id="rId7"/>
     <p:sldId id="262" r:id="rId8"/>
-    <p:sldId id="265" r:id="rId9"/>
-    <p:sldId id="268" r:id="rId10"/>
-    <p:sldId id="267" r:id="rId11"/>
-    <p:sldId id="266" r:id="rId12"/>
-    <p:sldId id="264" r:id="rId13"/>
+    <p:sldId id="271" r:id="rId9"/>
+    <p:sldId id="265" r:id="rId10"/>
+    <p:sldId id="268" r:id="rId11"/>
+    <p:sldId id="267" r:id="rId12"/>
+    <p:sldId id="266" r:id="rId13"/>
+    <p:sldId id="264" r:id="rId14"/>
   </p:sldIdLst>
   <p:sldSz cx="9144000" cy="6858000" type="screen4x3"/>
   <p:notesSz cx="6858000" cy="9144000"/>
@@ -3426,6 +3427,335 @@
           <a:chExt cx="0" cy="0"/>
         </a:xfrm>
       </p:grpSpPr>
+      <p:sp>
+        <p:nvSpPr>
+          <p:cNvPr id="3" name="내용 개체 틀 2">
+            <a:extLst>
+              <a:ext uri="{FF2B5EF4-FFF2-40B4-BE49-F238E27FC236}">
+                <a16:creationId xmlns:a16="http://schemas.microsoft.com/office/drawing/2014/main" id="{972CE041-03FA-4BFB-AA4E-6057DEA64598}"/>
+              </a:ext>
+            </a:extLst>
+          </p:cNvPr>
+          <p:cNvSpPr>
+            <a:spLocks noGrp="1"/>
+          </p:cNvSpPr>
+          <p:nvPr>
+            <p:ph idx="1"/>
+          </p:nvPr>
+        </p:nvSpPr>
+        <p:spPr>
+          <a:xfrm>
+            <a:off x="628650" y="1825625"/>
+            <a:ext cx="7886700" cy="4351338"/>
+          </a:xfrm>
+        </p:spPr>
+        <p:txBody>
+          <a:bodyPr/>
+          <a:lstStyle/>
+          <a:p>
+            <a:r>
+              <a:rPr lang="en-US" altLang="ko-KR" dirty="0">
+                <a:solidFill>
+                  <a:schemeClr val="bg1"/>
+                </a:solidFill>
+              </a:rPr>
+              <a:t>Scene </a:t>
+            </a:r>
+            <a:r>
+              <a:rPr lang="ko-KR" altLang="en-US" dirty="0">
+                <a:solidFill>
+                  <a:schemeClr val="bg1"/>
+                </a:solidFill>
+              </a:rPr>
+              <a:t>만으로 불가능 했던 것</a:t>
+            </a:r>
+            <a:r>
+              <a:rPr lang="en-US" altLang="ko-KR" dirty="0">
+                <a:solidFill>
+                  <a:schemeClr val="bg1"/>
+                </a:solidFill>
+              </a:rPr>
+              <a:t>: </a:t>
+            </a:r>
+          </a:p>
+          <a:p>
+            <a:pPr marL="457200" lvl="1" indent="0">
+              <a:buNone/>
+            </a:pPr>
+            <a:r>
+              <a:rPr lang="en-US" altLang="ko-KR" dirty="0">
+                <a:solidFill>
+                  <a:schemeClr val="bg1"/>
+                </a:solidFill>
+              </a:rPr>
+              <a:t>game</a:t>
+            </a:r>
+            <a:r>
+              <a:rPr lang="ko-KR" altLang="en-US" dirty="0">
+                <a:solidFill>
+                  <a:schemeClr val="bg1"/>
+                </a:solidFill>
+              </a:rPr>
+              <a:t>과 </a:t>
+            </a:r>
+            <a:r>
+              <a:rPr lang="en-US" altLang="ko-KR" dirty="0">
+                <a:solidFill>
+                  <a:schemeClr val="bg1"/>
+                </a:solidFill>
+              </a:rPr>
+              <a:t>edit</a:t>
+            </a:r>
+            <a:r>
+              <a:rPr lang="ko-KR" altLang="en-US" dirty="0" err="1">
+                <a:solidFill>
+                  <a:schemeClr val="bg1"/>
+                </a:solidFill>
+              </a:rPr>
+              <a:t>씬과의</a:t>
+            </a:r>
+            <a:r>
+              <a:rPr lang="ko-KR" altLang="en-US" dirty="0">
+                <a:solidFill>
+                  <a:schemeClr val="bg1"/>
+                </a:solidFill>
+              </a:rPr>
+              <a:t> 상호작용 불가능</a:t>
+            </a:r>
+            <a:endParaRPr lang="en-US" altLang="ko-KR" dirty="0">
+              <a:solidFill>
+                <a:schemeClr val="bg1"/>
+              </a:solidFill>
+            </a:endParaRPr>
+          </a:p>
+          <a:p>
+            <a:endParaRPr lang="en-US" altLang="ko-KR" dirty="0">
+              <a:solidFill>
+                <a:schemeClr val="bg1"/>
+              </a:solidFill>
+            </a:endParaRPr>
+          </a:p>
+          <a:p>
+            <a:r>
+              <a:rPr lang="en-US" altLang="ko-KR" dirty="0">
+                <a:solidFill>
+                  <a:schemeClr val="bg1"/>
+                </a:solidFill>
+              </a:rPr>
+              <a:t>Scene</a:t>
+            </a:r>
+            <a:r>
+              <a:rPr lang="ko-KR" altLang="en-US" dirty="0">
+                <a:solidFill>
+                  <a:schemeClr val="bg1"/>
+                </a:solidFill>
+              </a:rPr>
+              <a:t>이 </a:t>
+            </a:r>
+            <a:r>
+              <a:rPr lang="en-US" altLang="ko-KR" dirty="0" err="1">
+                <a:solidFill>
+                  <a:schemeClr val="bg1"/>
+                </a:solidFill>
+              </a:rPr>
+              <a:t>FrameWork</a:t>
+            </a:r>
+            <a:r>
+              <a:rPr lang="en-US" altLang="ko-KR" dirty="0">
+                <a:solidFill>
+                  <a:schemeClr val="bg1"/>
+                </a:solidFill>
+              </a:rPr>
+              <a:t> </a:t>
+            </a:r>
+            <a:r>
+              <a:rPr lang="ko-KR" altLang="en-US" dirty="0">
+                <a:solidFill>
+                  <a:schemeClr val="bg1"/>
+                </a:solidFill>
+              </a:rPr>
+              <a:t>에 </a:t>
+            </a:r>
+            <a:r>
+              <a:rPr lang="ko-KR" altLang="en-US" dirty="0" err="1">
+                <a:solidFill>
+                  <a:schemeClr val="bg1"/>
+                </a:solidFill>
+              </a:rPr>
+              <a:t>들려있듯이</a:t>
+            </a:r>
+            <a:r>
+              <a:rPr lang="ko-KR" altLang="en-US" dirty="0">
+                <a:solidFill>
+                  <a:schemeClr val="bg1"/>
+                </a:solidFill>
+              </a:rPr>
+              <a:t> </a:t>
+            </a:r>
+            <a:r>
+              <a:rPr lang="en-US" altLang="ko-KR" dirty="0">
+                <a:solidFill>
+                  <a:schemeClr val="bg1"/>
+                </a:solidFill>
+              </a:rPr>
+              <a:t>Scene</a:t>
+            </a:r>
+            <a:r>
+              <a:rPr lang="ko-KR" altLang="en-US" dirty="0">
+                <a:solidFill>
+                  <a:schemeClr val="bg1"/>
+                </a:solidFill>
+              </a:rPr>
+              <a:t>에 </a:t>
+            </a:r>
+            <a:r>
+              <a:rPr lang="en-US" altLang="ko-KR" dirty="0" err="1">
+                <a:solidFill>
+                  <a:schemeClr val="bg1"/>
+                </a:solidFill>
+              </a:rPr>
+              <a:t>ChildScene</a:t>
+            </a:r>
+            <a:r>
+              <a:rPr lang="ko-KR" altLang="en-US" dirty="0">
+                <a:solidFill>
+                  <a:schemeClr val="bg1"/>
+                </a:solidFill>
+              </a:rPr>
+              <a:t>을 들려주었음</a:t>
+            </a:r>
+            <a:endParaRPr lang="en-US" altLang="ko-KR" dirty="0">
+              <a:solidFill>
+                <a:schemeClr val="bg1"/>
+              </a:solidFill>
+            </a:endParaRPr>
+          </a:p>
+          <a:p>
+            <a:r>
+              <a:rPr lang="en-US" altLang="ko-KR" dirty="0" err="1">
+                <a:solidFill>
+                  <a:schemeClr val="bg1"/>
+                </a:solidFill>
+              </a:rPr>
+              <a:t>ChildGetMessge</a:t>
+            </a:r>
+            <a:r>
+              <a:rPr lang="en-US" altLang="ko-KR" dirty="0">
+                <a:solidFill>
+                  <a:schemeClr val="bg1"/>
+                </a:solidFill>
+              </a:rPr>
+              <a:t> </a:t>
+            </a:r>
+            <a:r>
+              <a:rPr lang="ko-KR" altLang="en-US" dirty="0">
+                <a:solidFill>
+                  <a:schemeClr val="bg1"/>
+                </a:solidFill>
+              </a:rPr>
+              <a:t>함수로 상호작용 처리</a:t>
+            </a:r>
+            <a:endParaRPr lang="en-US" altLang="ko-KR" dirty="0">
+              <a:solidFill>
+                <a:schemeClr val="bg1"/>
+              </a:solidFill>
+            </a:endParaRPr>
+          </a:p>
+        </p:txBody>
+      </p:sp>
+      <p:sp>
+        <p:nvSpPr>
+          <p:cNvPr id="9" name="TextBox 8">
+            <a:extLst>
+              <a:ext uri="{FF2B5EF4-FFF2-40B4-BE49-F238E27FC236}">
+                <a16:creationId xmlns:a16="http://schemas.microsoft.com/office/drawing/2014/main" id="{DA4C68B3-2F4C-4149-8004-6F33AAE7274E}"/>
+              </a:ext>
+            </a:extLst>
+          </p:cNvPr>
+          <p:cNvSpPr txBox="1"/>
+          <p:nvPr/>
+        </p:nvSpPr>
+        <p:spPr>
+          <a:xfrm>
+            <a:off x="745726" y="618835"/>
+            <a:ext cx="3437159" cy="1015663"/>
+          </a:xfrm>
+          <a:prstGeom prst="rect">
+            <a:avLst/>
+          </a:prstGeom>
+          <a:noFill/>
+        </p:spPr>
+        <p:txBody>
+          <a:bodyPr wrap="none" rtlCol="0">
+            <a:spAutoFit/>
+          </a:bodyPr>
+          <a:lstStyle/>
+          <a:p>
+            <a:r>
+              <a:rPr lang="ko-KR" altLang="en-US" sz="6000" dirty="0" err="1">
+                <a:solidFill>
+                  <a:schemeClr val="bg1"/>
+                </a:solidFill>
+              </a:rPr>
+              <a:t>차일드</a:t>
+            </a:r>
+            <a:r>
+              <a:rPr lang="ko-KR" altLang="en-US" sz="6000" dirty="0">
+                <a:solidFill>
+                  <a:schemeClr val="bg1"/>
+                </a:solidFill>
+              </a:rPr>
+              <a:t> 씬</a:t>
+            </a:r>
+            <a:endParaRPr lang="en-US" altLang="ko-KR" sz="6000" dirty="0">
+              <a:solidFill>
+                <a:schemeClr val="bg1"/>
+              </a:solidFill>
+            </a:endParaRPr>
+          </a:p>
+        </p:txBody>
+      </p:sp>
+    </p:spTree>
+    <p:extLst>
+      <p:ext uri="{BB962C8B-B14F-4D97-AF65-F5344CB8AC3E}">
+        <p14:creationId xmlns:p14="http://schemas.microsoft.com/office/powerpoint/2010/main" val="1042890885"/>
+      </p:ext>
+    </p:extLst>
+  </p:cSld>
+  <p:clrMapOvr>
+    <a:overrideClrMapping bg1="lt1" tx1="dk1" bg2="lt2" tx2="dk2" accent1="accent1" accent2="accent2" accent3="accent3" accent4="accent4" accent5="accent5" accent6="accent6" hlink="hlink" folHlink="folHlink"/>
+  </p:clrMapOvr>
+</p:sld>
+</file>
+
+<file path=ppt/slides/slide11.xml><?xml version="1.0" encoding="utf-8"?>
+<p:sld xmlns:a="http://schemas.openxmlformats.org/drawingml/2006/main" xmlns:r="http://schemas.openxmlformats.org/officeDocument/2006/relationships" xmlns:p="http://schemas.openxmlformats.org/presentationml/2006/main">
+  <p:cSld>
+    <p:bg>
+      <p:bgPr>
+        <a:solidFill>
+          <a:schemeClr val="tx1">
+            <a:lumMod val="85000"/>
+            <a:lumOff val="15000"/>
+          </a:schemeClr>
+        </a:solidFill>
+        <a:effectLst/>
+      </p:bgPr>
+    </p:bg>
+    <p:spTree>
+      <p:nvGrpSpPr>
+        <p:cNvPr id="1" name=""/>
+        <p:cNvGrpSpPr/>
+        <p:nvPr/>
+      </p:nvGrpSpPr>
+      <p:grpSpPr>
+        <a:xfrm>
+          <a:off x="0" y="0"/>
+          <a:ext cx="0" cy="0"/>
+          <a:chOff x="0" y="0"/>
+          <a:chExt cx="0" cy="0"/>
+        </a:xfrm>
+      </p:grpSpPr>
       <p:pic>
         <p:nvPicPr>
           <p:cNvPr id="43" name="그림 42">
@@ -3627,293 +3957,6 @@
                 <a:schemeClr val="bg1"/>
               </a:solidFill>
             </a:endParaRPr>
-          </a:p>
-        </p:txBody>
-      </p:sp>
-      <p:sp>
-        <p:nvSpPr>
-          <p:cNvPr id="4" name="직사각형 3">
-            <a:extLst>
-              <a:ext uri="{FF2B5EF4-FFF2-40B4-BE49-F238E27FC236}">
-                <a16:creationId xmlns:a16="http://schemas.microsoft.com/office/drawing/2014/main" id="{88D854C0-A088-4C53-A201-2EAED2CC311D}"/>
-              </a:ext>
-            </a:extLst>
-          </p:cNvPr>
-          <p:cNvSpPr/>
-          <p:nvPr/>
-        </p:nvSpPr>
-        <p:spPr>
-          <a:xfrm>
-            <a:off x="8558072" y="705348"/>
-            <a:ext cx="585927" cy="464575"/>
-          </a:xfrm>
-          <a:prstGeom prst="rect">
-            <a:avLst/>
-          </a:prstGeom>
-          <a:solidFill>
-            <a:srgbClr val="F02802"/>
-          </a:solidFill>
-          <a:ln>
-            <a:noFill/>
-          </a:ln>
-        </p:spPr>
-        <p:style>
-          <a:lnRef idx="2">
-            <a:schemeClr val="accent1">
-              <a:shade val="50000"/>
-            </a:schemeClr>
-          </a:lnRef>
-          <a:fillRef idx="1">
-            <a:schemeClr val="accent1"/>
-          </a:fillRef>
-          <a:effectRef idx="0">
-            <a:schemeClr val="accent1"/>
-          </a:effectRef>
-          <a:fontRef idx="minor">
-            <a:schemeClr val="lt1"/>
-          </a:fontRef>
-        </p:style>
-        <p:txBody>
-          <a:bodyPr rot="0" spcFirstLastPara="0" vertOverflow="overflow" horzOverflow="overflow" vert="horz" wrap="square" lIns="68580" tIns="34290" rIns="68580" bIns="34290" numCol="1" spcCol="0" rtlCol="0" fromWordArt="0" anchor="ctr" anchorCtr="0" forceAA="0" compatLnSpc="1">
-            <a:prstTxWarp prst="textNoShape">
-              <a:avLst/>
-            </a:prstTxWarp>
-            <a:noAutofit/>
-          </a:bodyPr>
-          <a:lstStyle/>
-          <a:p>
-            <a:pPr algn="ctr"/>
-            <a:endParaRPr lang="ko-KR" altLang="en-US" sz="1350"/>
-          </a:p>
-        </p:txBody>
-      </p:sp>
-      <p:sp>
-        <p:nvSpPr>
-          <p:cNvPr id="5" name="직사각형 4">
-            <a:extLst>
-              <a:ext uri="{FF2B5EF4-FFF2-40B4-BE49-F238E27FC236}">
-                <a16:creationId xmlns:a16="http://schemas.microsoft.com/office/drawing/2014/main" id="{D79F1DD2-F00C-4D6C-AFAB-08BC2B78C93F}"/>
-              </a:ext>
-            </a:extLst>
-          </p:cNvPr>
-          <p:cNvSpPr/>
-          <p:nvPr/>
-        </p:nvSpPr>
-        <p:spPr>
-          <a:xfrm>
-            <a:off x="8558074" y="1169923"/>
-            <a:ext cx="585926" cy="464575"/>
-          </a:xfrm>
-          <a:prstGeom prst="rect">
-            <a:avLst/>
-          </a:prstGeom>
-          <a:solidFill>
-            <a:srgbClr val="FFC000"/>
-          </a:solidFill>
-          <a:ln>
-            <a:noFill/>
-          </a:ln>
-        </p:spPr>
-        <p:style>
-          <a:lnRef idx="2">
-            <a:schemeClr val="accent1">
-              <a:shade val="50000"/>
-            </a:schemeClr>
-          </a:lnRef>
-          <a:fillRef idx="1">
-            <a:schemeClr val="accent1"/>
-          </a:fillRef>
-          <a:effectRef idx="0">
-            <a:schemeClr val="accent1"/>
-          </a:effectRef>
-          <a:fontRef idx="minor">
-            <a:schemeClr val="lt1"/>
-          </a:fontRef>
-        </p:style>
-        <p:txBody>
-          <a:bodyPr rot="0" spcFirstLastPara="0" vertOverflow="overflow" horzOverflow="overflow" vert="horz" wrap="square" lIns="68580" tIns="34290" rIns="68580" bIns="34290" numCol="1" spcCol="0" rtlCol="0" fromWordArt="0" anchor="ctr" anchorCtr="0" forceAA="0" compatLnSpc="1">
-            <a:prstTxWarp prst="textNoShape">
-              <a:avLst/>
-            </a:prstTxWarp>
-            <a:noAutofit/>
-          </a:bodyPr>
-          <a:lstStyle/>
-          <a:p>
-            <a:pPr algn="ctr"/>
-            <a:endParaRPr lang="ko-KR" altLang="en-US" sz="1350"/>
-          </a:p>
-        </p:txBody>
-      </p:sp>
-      <p:sp>
-        <p:nvSpPr>
-          <p:cNvPr id="6" name="직사각형 5">
-            <a:extLst>
-              <a:ext uri="{FF2B5EF4-FFF2-40B4-BE49-F238E27FC236}">
-                <a16:creationId xmlns:a16="http://schemas.microsoft.com/office/drawing/2014/main" id="{21AE5ACF-1C54-4BD0-B099-D290D4268E11}"/>
-              </a:ext>
-            </a:extLst>
-          </p:cNvPr>
-          <p:cNvSpPr/>
-          <p:nvPr/>
-        </p:nvSpPr>
-        <p:spPr>
-          <a:xfrm>
-            <a:off x="8558074" y="1634498"/>
-            <a:ext cx="585926" cy="464575"/>
-          </a:xfrm>
-          <a:prstGeom prst="rect">
-            <a:avLst/>
-          </a:prstGeom>
-          <a:solidFill>
-            <a:srgbClr val="00B050"/>
-          </a:solidFill>
-          <a:ln>
-            <a:noFill/>
-          </a:ln>
-        </p:spPr>
-        <p:style>
-          <a:lnRef idx="2">
-            <a:schemeClr val="accent1">
-              <a:shade val="50000"/>
-            </a:schemeClr>
-          </a:lnRef>
-          <a:fillRef idx="1">
-            <a:schemeClr val="accent1"/>
-          </a:fillRef>
-          <a:effectRef idx="0">
-            <a:schemeClr val="accent1"/>
-          </a:effectRef>
-          <a:fontRef idx="minor">
-            <a:schemeClr val="lt1"/>
-          </a:fontRef>
-        </p:style>
-        <p:txBody>
-          <a:bodyPr rot="0" spcFirstLastPara="0" vertOverflow="overflow" horzOverflow="overflow" vert="horz" wrap="square" lIns="68580" tIns="34290" rIns="68580" bIns="34290" numCol="1" spcCol="0" rtlCol="0" fromWordArt="0" anchor="ctr" anchorCtr="0" forceAA="0" compatLnSpc="1">
-            <a:prstTxWarp prst="textNoShape">
-              <a:avLst/>
-            </a:prstTxWarp>
-            <a:noAutofit/>
-          </a:bodyPr>
-          <a:lstStyle/>
-          <a:p>
-            <a:pPr algn="ctr"/>
-            <a:endParaRPr lang="ko-KR" altLang="en-US" sz="1350"/>
-          </a:p>
-        </p:txBody>
-      </p:sp>
-      <p:sp>
-        <p:nvSpPr>
-          <p:cNvPr id="7" name="직사각형 6">
-            <a:extLst>
-              <a:ext uri="{FF2B5EF4-FFF2-40B4-BE49-F238E27FC236}">
-                <a16:creationId xmlns:a16="http://schemas.microsoft.com/office/drawing/2014/main" id="{2DDD51C6-C234-477F-82D3-909C3EB63704}"/>
-              </a:ext>
-            </a:extLst>
-          </p:cNvPr>
-          <p:cNvSpPr/>
-          <p:nvPr/>
-        </p:nvSpPr>
-        <p:spPr>
-          <a:xfrm>
-            <a:off x="7683910" y="2099073"/>
-            <a:ext cx="1460090" cy="464575"/>
-          </a:xfrm>
-          <a:prstGeom prst="rect">
-            <a:avLst/>
-          </a:prstGeom>
-          <a:solidFill>
-            <a:srgbClr val="00B9F6"/>
-          </a:solidFill>
-          <a:ln>
-            <a:noFill/>
-          </a:ln>
-        </p:spPr>
-        <p:style>
-          <a:lnRef idx="2">
-            <a:schemeClr val="accent1">
-              <a:shade val="50000"/>
-            </a:schemeClr>
-          </a:lnRef>
-          <a:fillRef idx="1">
-            <a:schemeClr val="accent1"/>
-          </a:fillRef>
-          <a:effectRef idx="0">
-            <a:schemeClr val="accent1"/>
-          </a:effectRef>
-          <a:fontRef idx="minor">
-            <a:schemeClr val="lt1"/>
-          </a:fontRef>
-        </p:style>
-        <p:txBody>
-          <a:bodyPr rot="0" spcFirstLastPara="0" vertOverflow="overflow" horzOverflow="overflow" vert="horz" wrap="square" lIns="68580" tIns="34290" rIns="68580" bIns="34290" numCol="1" spcCol="0" rtlCol="0" fromWordArt="0" anchor="ctr" anchorCtr="0" forceAA="0" compatLnSpc="1">
-            <a:prstTxWarp prst="textNoShape">
-              <a:avLst/>
-            </a:prstTxWarp>
-            <a:noAutofit/>
-          </a:bodyPr>
-          <a:lstStyle/>
-          <a:p>
-            <a:pPr algn="ctr"/>
-            <a:endParaRPr lang="ko-KR" altLang="en-US"/>
-          </a:p>
-        </p:txBody>
-      </p:sp>
-      <p:sp>
-        <p:nvSpPr>
-          <p:cNvPr id="8" name="직사각형 7">
-            <a:extLst>
-              <a:ext uri="{FF2B5EF4-FFF2-40B4-BE49-F238E27FC236}">
-                <a16:creationId xmlns:a16="http://schemas.microsoft.com/office/drawing/2014/main" id="{44D9E954-10CD-4D1C-9BB9-C52BCDB20A43}"/>
-              </a:ext>
-            </a:extLst>
-          </p:cNvPr>
-          <p:cNvSpPr/>
-          <p:nvPr/>
-        </p:nvSpPr>
-        <p:spPr>
-          <a:xfrm>
-            <a:off x="8558072" y="2563648"/>
-            <a:ext cx="585927" cy="464575"/>
-          </a:xfrm>
-          <a:prstGeom prst="rect">
-            <a:avLst/>
-          </a:prstGeom>
-          <a:solidFill>
-            <a:schemeClr val="bg2">
-              <a:lumMod val="50000"/>
-            </a:schemeClr>
-          </a:solidFill>
-          <a:ln>
-            <a:noFill/>
-          </a:ln>
-        </p:spPr>
-        <p:style>
-          <a:lnRef idx="2">
-            <a:schemeClr val="accent1">
-              <a:shade val="50000"/>
-            </a:schemeClr>
-          </a:lnRef>
-          <a:fillRef idx="1">
-            <a:schemeClr val="accent1"/>
-          </a:fillRef>
-          <a:effectRef idx="0">
-            <a:schemeClr val="accent1"/>
-          </a:effectRef>
-          <a:fontRef idx="minor">
-            <a:schemeClr val="lt1"/>
-          </a:fontRef>
-        </p:style>
-        <p:txBody>
-          <a:bodyPr rot="0" spcFirstLastPara="0" vertOverflow="overflow" horzOverflow="overflow" vert="horz" wrap="square" lIns="68580" tIns="34290" rIns="68580" bIns="34290" numCol="1" spcCol="0" rtlCol="0" fromWordArt="0" anchor="ctr" anchorCtr="0" forceAA="0" compatLnSpc="1">
-            <a:prstTxWarp prst="textNoShape">
-              <a:avLst/>
-            </a:prstTxWarp>
-            <a:noAutofit/>
-          </a:bodyPr>
-          <a:lstStyle/>
-          <a:p>
-            <a:pPr algn="ctr"/>
-            <a:endParaRPr lang="ko-KR" altLang="en-US"/>
           </a:p>
         </p:txBody>
       </p:sp>
@@ -5110,7 +5153,7 @@
         </p:nvSpPr>
         <p:spPr>
           <a:xfrm>
-            <a:off x="9370326" y="3383457"/>
+            <a:off x="10071662" y="3318583"/>
             <a:ext cx="798990" cy="827999"/>
           </a:xfrm>
           <a:prstGeom prst="rect">
@@ -5156,629 +5199,6 @@
     <p:extLst>
       <p:ext uri="{BB962C8B-B14F-4D97-AF65-F5344CB8AC3E}">
         <p14:creationId xmlns:p14="http://schemas.microsoft.com/office/powerpoint/2010/main" val="1269153967"/>
-      </p:ext>
-    </p:extLst>
-  </p:cSld>
-  <p:clrMapOvr>
-    <a:overrideClrMapping bg1="lt1" tx1="dk1" bg2="lt2" tx2="dk2" accent1="accent1" accent2="accent2" accent3="accent3" accent4="accent4" accent5="accent5" accent6="accent6" hlink="hlink" folHlink="folHlink"/>
-  </p:clrMapOvr>
-</p:sld>
-</file>
-
-<file path=ppt/slides/slide11.xml><?xml version="1.0" encoding="utf-8"?>
-<p:sld xmlns:a="http://schemas.openxmlformats.org/drawingml/2006/main" xmlns:r="http://schemas.openxmlformats.org/officeDocument/2006/relationships" xmlns:p="http://schemas.openxmlformats.org/presentationml/2006/main">
-  <p:cSld>
-    <p:bg>
-      <p:bgPr>
-        <a:solidFill>
-          <a:schemeClr val="tx1">
-            <a:lumMod val="85000"/>
-            <a:lumOff val="15000"/>
-          </a:schemeClr>
-        </a:solidFill>
-        <a:effectLst/>
-      </p:bgPr>
-    </p:bg>
-    <p:spTree>
-      <p:nvGrpSpPr>
-        <p:cNvPr id="1" name=""/>
-        <p:cNvGrpSpPr/>
-        <p:nvPr/>
-      </p:nvGrpSpPr>
-      <p:grpSpPr>
-        <a:xfrm>
-          <a:off x="0" y="0"/>
-          <a:ext cx="0" cy="0"/>
-          <a:chOff x="0" y="0"/>
-          <a:chExt cx="0" cy="0"/>
-        </a:xfrm>
-      </p:grpSpPr>
-      <p:sp>
-        <p:nvSpPr>
-          <p:cNvPr id="3" name="내용 개체 틀 2">
-            <a:extLst>
-              <a:ext uri="{FF2B5EF4-FFF2-40B4-BE49-F238E27FC236}">
-                <a16:creationId xmlns:a16="http://schemas.microsoft.com/office/drawing/2014/main" id="{972CE041-03FA-4BFB-AA4E-6057DEA64598}"/>
-              </a:ext>
-            </a:extLst>
-          </p:cNvPr>
-          <p:cNvSpPr>
-            <a:spLocks noGrp="1"/>
-          </p:cNvSpPr>
-          <p:nvPr>
-            <p:ph idx="1"/>
-          </p:nvPr>
-        </p:nvSpPr>
-        <p:spPr>
-          <a:xfrm>
-            <a:off x="628650" y="1825624"/>
-            <a:ext cx="7886700" cy="5032375"/>
-          </a:xfrm>
-        </p:spPr>
-        <p:txBody>
-          <a:bodyPr>
-            <a:normAutofit/>
-          </a:bodyPr>
-          <a:lstStyle/>
-          <a:p>
-            <a:r>
-              <a:rPr lang="ko-KR" altLang="en-US" dirty="0">
-                <a:solidFill>
-                  <a:schemeClr val="bg1"/>
-                </a:solidFill>
-              </a:rPr>
-              <a:t>적을 많이 생성했더니 </a:t>
-            </a:r>
-            <a:r>
-              <a:rPr lang="ko-KR" altLang="en-US" dirty="0" err="1">
-                <a:solidFill>
-                  <a:schemeClr val="bg1"/>
-                </a:solidFill>
-              </a:rPr>
-              <a:t>느려져</a:t>
-            </a:r>
-            <a:r>
-              <a:rPr lang="ko-KR" altLang="en-US" dirty="0">
-                <a:solidFill>
-                  <a:schemeClr val="bg1"/>
-                </a:solidFill>
-              </a:rPr>
-              <a:t> 버렸다</a:t>
-            </a:r>
-            <a:r>
-              <a:rPr lang="en-US" altLang="ko-KR" dirty="0">
-                <a:solidFill>
-                  <a:schemeClr val="bg1"/>
-                </a:solidFill>
-              </a:rPr>
-              <a:t>!</a:t>
-            </a:r>
-          </a:p>
-          <a:p>
-            <a:endParaRPr lang="en-US" altLang="ko-KR" dirty="0">
-              <a:solidFill>
-                <a:schemeClr val="bg1"/>
-              </a:solidFill>
-            </a:endParaRPr>
-          </a:p>
-          <a:p>
-            <a:pPr lvl="1">
-              <a:buFont typeface="Wingdings" panose="05000000000000000000" pitchFamily="2" charset="2"/>
-              <a:buChar char="à"/>
-            </a:pPr>
-            <a:r>
-              <a:rPr lang="ko-KR" altLang="en-US" dirty="0">
-                <a:solidFill>
-                  <a:schemeClr val="bg1"/>
-                </a:solidFill>
-              </a:rPr>
-              <a:t>적클래스</a:t>
-            </a:r>
-            <a:r>
-              <a:rPr lang="en-US" altLang="ko-KR" dirty="0">
-                <a:solidFill>
-                  <a:schemeClr val="bg1"/>
-                </a:solidFill>
-              </a:rPr>
-              <a:t>, </a:t>
-            </a:r>
-            <a:r>
-              <a:rPr lang="ko-KR" altLang="en-US" dirty="0">
-                <a:solidFill>
-                  <a:schemeClr val="bg1"/>
-                </a:solidFill>
-              </a:rPr>
-              <a:t>총알은 위치만 들고있게 아무것도 상속받지 말고 만들어볼까</a:t>
-            </a:r>
-            <a:r>
-              <a:rPr lang="en-US" altLang="ko-KR" dirty="0">
-                <a:solidFill>
-                  <a:schemeClr val="bg1"/>
-                </a:solidFill>
-              </a:rPr>
-              <a:t>??</a:t>
-            </a:r>
-          </a:p>
-          <a:p>
-            <a:pPr lvl="1">
-              <a:buFont typeface="Wingdings" panose="05000000000000000000" pitchFamily="2" charset="2"/>
-              <a:buChar char=""/>
-            </a:pPr>
-            <a:r>
-              <a:rPr lang="ko-KR" altLang="en-US" dirty="0">
-                <a:solidFill>
-                  <a:schemeClr val="bg1"/>
-                </a:solidFill>
-              </a:rPr>
-              <a:t>총알과 적 사이에 충돌검사를 공간분할로 처리해볼까</a:t>
-            </a:r>
-            <a:r>
-              <a:rPr lang="en-US" altLang="ko-KR" dirty="0">
-                <a:solidFill>
-                  <a:schemeClr val="bg1"/>
-                </a:solidFill>
-              </a:rPr>
-              <a:t>??</a:t>
-            </a:r>
-          </a:p>
-          <a:p>
-            <a:pPr lvl="1">
-              <a:buFont typeface="Wingdings" panose="05000000000000000000" pitchFamily="2" charset="2"/>
-              <a:buChar char=""/>
-            </a:pPr>
-            <a:r>
-              <a:rPr lang="ko-KR" altLang="en-US" dirty="0" err="1">
-                <a:solidFill>
-                  <a:schemeClr val="bg1"/>
-                </a:solidFill>
-              </a:rPr>
-              <a:t>투명값을</a:t>
-            </a:r>
-            <a:r>
-              <a:rPr lang="ko-KR" altLang="en-US" dirty="0">
-                <a:solidFill>
-                  <a:schemeClr val="bg1"/>
-                </a:solidFill>
-              </a:rPr>
-              <a:t> 사용하지 말아볼까</a:t>
-            </a:r>
-            <a:r>
-              <a:rPr lang="en-US" altLang="ko-KR" dirty="0">
-                <a:solidFill>
-                  <a:schemeClr val="bg1"/>
-                </a:solidFill>
-              </a:rPr>
-              <a:t>…</a:t>
-            </a:r>
-          </a:p>
-          <a:p>
-            <a:pPr lvl="1">
-              <a:buFont typeface="Wingdings" panose="05000000000000000000" pitchFamily="2" charset="2"/>
-              <a:buChar char=""/>
-            </a:pPr>
-            <a:endParaRPr lang="en-US" altLang="ko-KR" dirty="0">
-              <a:solidFill>
-                <a:schemeClr val="bg1"/>
-              </a:solidFill>
-            </a:endParaRPr>
-          </a:p>
-          <a:p>
-            <a:pPr lvl="1">
-              <a:buFont typeface="Wingdings" panose="05000000000000000000" pitchFamily="2" charset="2"/>
-              <a:buChar char=""/>
-            </a:pPr>
-            <a:endParaRPr lang="en-US" altLang="ko-KR" dirty="0">
-              <a:solidFill>
-                <a:schemeClr val="bg1"/>
-              </a:solidFill>
-            </a:endParaRPr>
-          </a:p>
-          <a:p>
-            <a:r>
-              <a:rPr lang="ko-KR" altLang="en-US" dirty="0">
-                <a:solidFill>
-                  <a:schemeClr val="bg1"/>
-                </a:solidFill>
-              </a:rPr>
-              <a:t>결과</a:t>
-            </a:r>
-            <a:r>
-              <a:rPr lang="en-US" altLang="ko-KR" dirty="0">
-                <a:solidFill>
-                  <a:schemeClr val="bg1"/>
-                </a:solidFill>
-              </a:rPr>
-              <a:t> : </a:t>
-            </a:r>
-            <a:r>
-              <a:rPr lang="ko-KR" altLang="en-US" dirty="0">
-                <a:solidFill>
-                  <a:schemeClr val="bg1"/>
-                </a:solidFill>
-              </a:rPr>
-              <a:t>회전 이미지를 </a:t>
-            </a:r>
-            <a:r>
-              <a:rPr lang="en-US" altLang="ko-KR" dirty="0" err="1">
-                <a:solidFill>
-                  <a:schemeClr val="bg1"/>
-                </a:solidFill>
-              </a:rPr>
-              <a:t>plgblt</a:t>
-            </a:r>
-            <a:r>
-              <a:rPr lang="ko-KR" altLang="en-US" dirty="0">
-                <a:solidFill>
-                  <a:schemeClr val="bg1"/>
-                </a:solidFill>
-              </a:rPr>
-              <a:t>대신 </a:t>
-            </a:r>
-            <a:r>
-              <a:rPr lang="ko-KR" altLang="en-US" dirty="0" err="1">
-                <a:solidFill>
-                  <a:schemeClr val="bg1"/>
-                </a:solidFill>
-              </a:rPr>
-              <a:t>스프라이트</a:t>
-            </a:r>
-            <a:r>
-              <a:rPr lang="ko-KR" altLang="en-US" dirty="0">
-                <a:solidFill>
-                  <a:schemeClr val="bg1"/>
-                </a:solidFill>
-              </a:rPr>
-              <a:t> 이미지로 바꾸니까  </a:t>
-            </a:r>
-            <a:r>
-              <a:rPr lang="ko-KR" altLang="en-US" dirty="0" err="1">
-                <a:solidFill>
-                  <a:schemeClr val="bg1"/>
-                </a:solidFill>
-              </a:rPr>
-              <a:t>잘됌</a:t>
-            </a:r>
-            <a:r>
-              <a:rPr lang="en-US" altLang="ko-KR" dirty="0">
-                <a:solidFill>
-                  <a:schemeClr val="bg1"/>
-                </a:solidFill>
-              </a:rPr>
-              <a:t>!</a:t>
-            </a:r>
-          </a:p>
-        </p:txBody>
-      </p:sp>
-      <p:sp>
-        <p:nvSpPr>
-          <p:cNvPr id="4" name="직사각형 3">
-            <a:extLst>
-              <a:ext uri="{FF2B5EF4-FFF2-40B4-BE49-F238E27FC236}">
-                <a16:creationId xmlns:a16="http://schemas.microsoft.com/office/drawing/2014/main" id="{88D854C0-A088-4C53-A201-2EAED2CC311D}"/>
-              </a:ext>
-            </a:extLst>
-          </p:cNvPr>
-          <p:cNvSpPr/>
-          <p:nvPr/>
-        </p:nvSpPr>
-        <p:spPr>
-          <a:xfrm>
-            <a:off x="8558072" y="705348"/>
-            <a:ext cx="585927" cy="464575"/>
-          </a:xfrm>
-          <a:prstGeom prst="rect">
-            <a:avLst/>
-          </a:prstGeom>
-          <a:solidFill>
-            <a:srgbClr val="F02802"/>
-          </a:solidFill>
-          <a:ln>
-            <a:noFill/>
-          </a:ln>
-        </p:spPr>
-        <p:style>
-          <a:lnRef idx="2">
-            <a:schemeClr val="accent1">
-              <a:shade val="50000"/>
-            </a:schemeClr>
-          </a:lnRef>
-          <a:fillRef idx="1">
-            <a:schemeClr val="accent1"/>
-          </a:fillRef>
-          <a:effectRef idx="0">
-            <a:schemeClr val="accent1"/>
-          </a:effectRef>
-          <a:fontRef idx="minor">
-            <a:schemeClr val="lt1"/>
-          </a:fontRef>
-        </p:style>
-        <p:txBody>
-          <a:bodyPr rot="0" spcFirstLastPara="0" vertOverflow="overflow" horzOverflow="overflow" vert="horz" wrap="square" lIns="68580" tIns="34290" rIns="68580" bIns="34290" numCol="1" spcCol="0" rtlCol="0" fromWordArt="0" anchor="ctr" anchorCtr="0" forceAA="0" compatLnSpc="1">
-            <a:prstTxWarp prst="textNoShape">
-              <a:avLst/>
-            </a:prstTxWarp>
-            <a:noAutofit/>
-          </a:bodyPr>
-          <a:lstStyle/>
-          <a:p>
-            <a:pPr algn="ctr"/>
-            <a:endParaRPr lang="ko-KR" altLang="en-US" sz="1350"/>
-          </a:p>
-        </p:txBody>
-      </p:sp>
-      <p:sp>
-        <p:nvSpPr>
-          <p:cNvPr id="5" name="직사각형 4">
-            <a:extLst>
-              <a:ext uri="{FF2B5EF4-FFF2-40B4-BE49-F238E27FC236}">
-                <a16:creationId xmlns:a16="http://schemas.microsoft.com/office/drawing/2014/main" id="{D79F1DD2-F00C-4D6C-AFAB-08BC2B78C93F}"/>
-              </a:ext>
-            </a:extLst>
-          </p:cNvPr>
-          <p:cNvSpPr/>
-          <p:nvPr/>
-        </p:nvSpPr>
-        <p:spPr>
-          <a:xfrm>
-            <a:off x="8558074" y="1169923"/>
-            <a:ext cx="585926" cy="464575"/>
-          </a:xfrm>
-          <a:prstGeom prst="rect">
-            <a:avLst/>
-          </a:prstGeom>
-          <a:solidFill>
-            <a:srgbClr val="FFC000"/>
-          </a:solidFill>
-          <a:ln>
-            <a:noFill/>
-          </a:ln>
-        </p:spPr>
-        <p:style>
-          <a:lnRef idx="2">
-            <a:schemeClr val="accent1">
-              <a:shade val="50000"/>
-            </a:schemeClr>
-          </a:lnRef>
-          <a:fillRef idx="1">
-            <a:schemeClr val="accent1"/>
-          </a:fillRef>
-          <a:effectRef idx="0">
-            <a:schemeClr val="accent1"/>
-          </a:effectRef>
-          <a:fontRef idx="minor">
-            <a:schemeClr val="lt1"/>
-          </a:fontRef>
-        </p:style>
-        <p:txBody>
-          <a:bodyPr rot="0" spcFirstLastPara="0" vertOverflow="overflow" horzOverflow="overflow" vert="horz" wrap="square" lIns="68580" tIns="34290" rIns="68580" bIns="34290" numCol="1" spcCol="0" rtlCol="0" fromWordArt="0" anchor="ctr" anchorCtr="0" forceAA="0" compatLnSpc="1">
-            <a:prstTxWarp prst="textNoShape">
-              <a:avLst/>
-            </a:prstTxWarp>
-            <a:noAutofit/>
-          </a:bodyPr>
-          <a:lstStyle/>
-          <a:p>
-            <a:pPr algn="ctr"/>
-            <a:endParaRPr lang="ko-KR" altLang="en-US" sz="1350"/>
-          </a:p>
-        </p:txBody>
-      </p:sp>
-      <p:sp>
-        <p:nvSpPr>
-          <p:cNvPr id="6" name="직사각형 5">
-            <a:extLst>
-              <a:ext uri="{FF2B5EF4-FFF2-40B4-BE49-F238E27FC236}">
-                <a16:creationId xmlns:a16="http://schemas.microsoft.com/office/drawing/2014/main" id="{21AE5ACF-1C54-4BD0-B099-D290D4268E11}"/>
-              </a:ext>
-            </a:extLst>
-          </p:cNvPr>
-          <p:cNvSpPr/>
-          <p:nvPr/>
-        </p:nvSpPr>
-        <p:spPr>
-          <a:xfrm>
-            <a:off x="8558074" y="1634498"/>
-            <a:ext cx="585926" cy="464575"/>
-          </a:xfrm>
-          <a:prstGeom prst="rect">
-            <a:avLst/>
-          </a:prstGeom>
-          <a:solidFill>
-            <a:srgbClr val="00B050"/>
-          </a:solidFill>
-          <a:ln>
-            <a:noFill/>
-          </a:ln>
-        </p:spPr>
-        <p:style>
-          <a:lnRef idx="2">
-            <a:schemeClr val="accent1">
-              <a:shade val="50000"/>
-            </a:schemeClr>
-          </a:lnRef>
-          <a:fillRef idx="1">
-            <a:schemeClr val="accent1"/>
-          </a:fillRef>
-          <a:effectRef idx="0">
-            <a:schemeClr val="accent1"/>
-          </a:effectRef>
-          <a:fontRef idx="minor">
-            <a:schemeClr val="lt1"/>
-          </a:fontRef>
-        </p:style>
-        <p:txBody>
-          <a:bodyPr rot="0" spcFirstLastPara="0" vertOverflow="overflow" horzOverflow="overflow" vert="horz" wrap="square" lIns="68580" tIns="34290" rIns="68580" bIns="34290" numCol="1" spcCol="0" rtlCol="0" fromWordArt="0" anchor="ctr" anchorCtr="0" forceAA="0" compatLnSpc="1">
-            <a:prstTxWarp prst="textNoShape">
-              <a:avLst/>
-            </a:prstTxWarp>
-            <a:noAutofit/>
-          </a:bodyPr>
-          <a:lstStyle/>
-          <a:p>
-            <a:pPr algn="ctr"/>
-            <a:endParaRPr lang="ko-KR" altLang="en-US" sz="1350"/>
-          </a:p>
-        </p:txBody>
-      </p:sp>
-      <p:sp>
-        <p:nvSpPr>
-          <p:cNvPr id="7" name="직사각형 6">
-            <a:extLst>
-              <a:ext uri="{FF2B5EF4-FFF2-40B4-BE49-F238E27FC236}">
-                <a16:creationId xmlns:a16="http://schemas.microsoft.com/office/drawing/2014/main" id="{2DDD51C6-C234-477F-82D3-909C3EB63704}"/>
-              </a:ext>
-            </a:extLst>
-          </p:cNvPr>
-          <p:cNvSpPr/>
-          <p:nvPr/>
-        </p:nvSpPr>
-        <p:spPr>
-          <a:xfrm>
-            <a:off x="7683910" y="2099073"/>
-            <a:ext cx="1460090" cy="464575"/>
-          </a:xfrm>
-          <a:prstGeom prst="rect">
-            <a:avLst/>
-          </a:prstGeom>
-          <a:solidFill>
-            <a:srgbClr val="00B9F6"/>
-          </a:solidFill>
-          <a:ln>
-            <a:noFill/>
-          </a:ln>
-        </p:spPr>
-        <p:style>
-          <a:lnRef idx="2">
-            <a:schemeClr val="accent1">
-              <a:shade val="50000"/>
-            </a:schemeClr>
-          </a:lnRef>
-          <a:fillRef idx="1">
-            <a:schemeClr val="accent1"/>
-          </a:fillRef>
-          <a:effectRef idx="0">
-            <a:schemeClr val="accent1"/>
-          </a:effectRef>
-          <a:fontRef idx="minor">
-            <a:schemeClr val="lt1"/>
-          </a:fontRef>
-        </p:style>
-        <p:txBody>
-          <a:bodyPr rot="0" spcFirstLastPara="0" vertOverflow="overflow" horzOverflow="overflow" vert="horz" wrap="square" lIns="68580" tIns="34290" rIns="68580" bIns="34290" numCol="1" spcCol="0" rtlCol="0" fromWordArt="0" anchor="ctr" anchorCtr="0" forceAA="0" compatLnSpc="1">
-            <a:prstTxWarp prst="textNoShape">
-              <a:avLst/>
-            </a:prstTxWarp>
-            <a:noAutofit/>
-          </a:bodyPr>
-          <a:lstStyle/>
-          <a:p>
-            <a:pPr algn="ctr"/>
-            <a:endParaRPr lang="ko-KR" altLang="en-US"/>
-          </a:p>
-        </p:txBody>
-      </p:sp>
-      <p:sp>
-        <p:nvSpPr>
-          <p:cNvPr id="8" name="직사각형 7">
-            <a:extLst>
-              <a:ext uri="{FF2B5EF4-FFF2-40B4-BE49-F238E27FC236}">
-                <a16:creationId xmlns:a16="http://schemas.microsoft.com/office/drawing/2014/main" id="{44D9E954-10CD-4D1C-9BB9-C52BCDB20A43}"/>
-              </a:ext>
-            </a:extLst>
-          </p:cNvPr>
-          <p:cNvSpPr/>
-          <p:nvPr/>
-        </p:nvSpPr>
-        <p:spPr>
-          <a:xfrm>
-            <a:off x="8558072" y="2563648"/>
-            <a:ext cx="585927" cy="464575"/>
-          </a:xfrm>
-          <a:prstGeom prst="rect">
-            <a:avLst/>
-          </a:prstGeom>
-          <a:solidFill>
-            <a:schemeClr val="bg2">
-              <a:lumMod val="50000"/>
-            </a:schemeClr>
-          </a:solidFill>
-          <a:ln>
-            <a:noFill/>
-          </a:ln>
-        </p:spPr>
-        <p:style>
-          <a:lnRef idx="2">
-            <a:schemeClr val="accent1">
-              <a:shade val="50000"/>
-            </a:schemeClr>
-          </a:lnRef>
-          <a:fillRef idx="1">
-            <a:schemeClr val="accent1"/>
-          </a:fillRef>
-          <a:effectRef idx="0">
-            <a:schemeClr val="accent1"/>
-          </a:effectRef>
-          <a:fontRef idx="minor">
-            <a:schemeClr val="lt1"/>
-          </a:fontRef>
-        </p:style>
-        <p:txBody>
-          <a:bodyPr rot="0" spcFirstLastPara="0" vertOverflow="overflow" horzOverflow="overflow" vert="horz" wrap="square" lIns="68580" tIns="34290" rIns="68580" bIns="34290" numCol="1" spcCol="0" rtlCol="0" fromWordArt="0" anchor="ctr" anchorCtr="0" forceAA="0" compatLnSpc="1">
-            <a:prstTxWarp prst="textNoShape">
-              <a:avLst/>
-            </a:prstTxWarp>
-            <a:noAutofit/>
-          </a:bodyPr>
-          <a:lstStyle/>
-          <a:p>
-            <a:pPr algn="ctr"/>
-            <a:endParaRPr lang="ko-KR" altLang="en-US"/>
-          </a:p>
-        </p:txBody>
-      </p:sp>
-      <p:sp>
-        <p:nvSpPr>
-          <p:cNvPr id="9" name="TextBox 8">
-            <a:extLst>
-              <a:ext uri="{FF2B5EF4-FFF2-40B4-BE49-F238E27FC236}">
-                <a16:creationId xmlns:a16="http://schemas.microsoft.com/office/drawing/2014/main" id="{DA4C68B3-2F4C-4149-8004-6F33AAE7274E}"/>
-              </a:ext>
-            </a:extLst>
-          </p:cNvPr>
-          <p:cNvSpPr txBox="1"/>
-          <p:nvPr/>
-        </p:nvSpPr>
-        <p:spPr>
-          <a:xfrm>
-            <a:off x="745726" y="618835"/>
-            <a:ext cx="5150769" cy="1015663"/>
-          </a:xfrm>
-          <a:prstGeom prst="rect">
-            <a:avLst/>
-          </a:prstGeom>
-          <a:noFill/>
-        </p:spPr>
-        <p:txBody>
-          <a:bodyPr wrap="none" rtlCol="0">
-            <a:spAutoFit/>
-          </a:bodyPr>
-          <a:lstStyle/>
-          <a:p>
-            <a:r>
-              <a:rPr lang="ko-KR" altLang="en-US" sz="6000" dirty="0">
-                <a:solidFill>
-                  <a:schemeClr val="bg1"/>
-                </a:solidFill>
-              </a:rPr>
-              <a:t>모든 일의 원흉</a:t>
-            </a:r>
-          </a:p>
-        </p:txBody>
-      </p:sp>
-    </p:spTree>
-    <p:extLst>
-      <p:ext uri="{BB962C8B-B14F-4D97-AF65-F5344CB8AC3E}">
-        <p14:creationId xmlns:p14="http://schemas.microsoft.com/office/powerpoint/2010/main" val="3602127356"/>
       </p:ext>
     </p:extLst>
   </p:cSld>
@@ -5818,6 +5238,342 @@
       </p:grpSpPr>
       <p:sp>
         <p:nvSpPr>
+          <p:cNvPr id="3" name="내용 개체 틀 2">
+            <a:extLst>
+              <a:ext uri="{FF2B5EF4-FFF2-40B4-BE49-F238E27FC236}">
+                <a16:creationId xmlns:a16="http://schemas.microsoft.com/office/drawing/2014/main" id="{972CE041-03FA-4BFB-AA4E-6057DEA64598}"/>
+              </a:ext>
+            </a:extLst>
+          </p:cNvPr>
+          <p:cNvSpPr>
+            <a:spLocks noGrp="1"/>
+          </p:cNvSpPr>
+          <p:nvPr>
+            <p:ph idx="1"/>
+          </p:nvPr>
+        </p:nvSpPr>
+        <p:spPr>
+          <a:xfrm>
+            <a:off x="628650" y="1825624"/>
+            <a:ext cx="7886700" cy="5032375"/>
+          </a:xfrm>
+        </p:spPr>
+        <p:txBody>
+          <a:bodyPr>
+            <a:normAutofit/>
+          </a:bodyPr>
+          <a:lstStyle/>
+          <a:p>
+            <a:r>
+              <a:rPr lang="ko-KR" altLang="en-US" dirty="0">
+                <a:solidFill>
+                  <a:schemeClr val="bg1"/>
+                </a:solidFill>
+              </a:rPr>
+              <a:t>적을 많이 생성했더니 </a:t>
+            </a:r>
+            <a:r>
+              <a:rPr lang="ko-KR" altLang="en-US" dirty="0" err="1">
+                <a:solidFill>
+                  <a:schemeClr val="bg1"/>
+                </a:solidFill>
+              </a:rPr>
+              <a:t>느려져</a:t>
+            </a:r>
+            <a:r>
+              <a:rPr lang="ko-KR" altLang="en-US" dirty="0">
+                <a:solidFill>
+                  <a:schemeClr val="bg1"/>
+                </a:solidFill>
+              </a:rPr>
+              <a:t> 버렸다</a:t>
+            </a:r>
+            <a:r>
+              <a:rPr lang="en-US" altLang="ko-KR" dirty="0">
+                <a:solidFill>
+                  <a:schemeClr val="bg1"/>
+                </a:solidFill>
+              </a:rPr>
+              <a:t>!</a:t>
+            </a:r>
+          </a:p>
+          <a:p>
+            <a:endParaRPr lang="en-US" altLang="ko-KR" dirty="0">
+              <a:solidFill>
+                <a:schemeClr val="bg1"/>
+              </a:solidFill>
+            </a:endParaRPr>
+          </a:p>
+          <a:p>
+            <a:pPr lvl="1">
+              <a:buFont typeface="Wingdings" panose="05000000000000000000" pitchFamily="2" charset="2"/>
+              <a:buChar char="à"/>
+            </a:pPr>
+            <a:r>
+              <a:rPr lang="ko-KR" altLang="en-US" dirty="0">
+                <a:solidFill>
+                  <a:schemeClr val="bg1"/>
+                </a:solidFill>
+              </a:rPr>
+              <a:t>적클래스</a:t>
+            </a:r>
+            <a:r>
+              <a:rPr lang="en-US" altLang="ko-KR" dirty="0">
+                <a:solidFill>
+                  <a:schemeClr val="bg1"/>
+                </a:solidFill>
+              </a:rPr>
+              <a:t>, </a:t>
+            </a:r>
+            <a:r>
+              <a:rPr lang="ko-KR" altLang="en-US" dirty="0">
+                <a:solidFill>
+                  <a:schemeClr val="bg1"/>
+                </a:solidFill>
+              </a:rPr>
+              <a:t>총알은 위치만 들고있게 아무것도 상속받지 말고 만들어볼까</a:t>
+            </a:r>
+            <a:r>
+              <a:rPr lang="en-US" altLang="ko-KR" dirty="0">
+                <a:solidFill>
+                  <a:schemeClr val="bg1"/>
+                </a:solidFill>
+              </a:rPr>
+              <a:t>??</a:t>
+            </a:r>
+          </a:p>
+          <a:p>
+            <a:pPr lvl="1">
+              <a:buFont typeface="Wingdings" panose="05000000000000000000" pitchFamily="2" charset="2"/>
+              <a:buChar char=""/>
+            </a:pPr>
+            <a:r>
+              <a:rPr lang="ko-KR" altLang="en-US" dirty="0">
+                <a:solidFill>
+                  <a:schemeClr val="bg1"/>
+                </a:solidFill>
+              </a:rPr>
+              <a:t>총알과 적 사이에 충돌검사를 공간분할로 처리해볼까</a:t>
+            </a:r>
+            <a:r>
+              <a:rPr lang="en-US" altLang="ko-KR" dirty="0">
+                <a:solidFill>
+                  <a:schemeClr val="bg1"/>
+                </a:solidFill>
+              </a:rPr>
+              <a:t>??</a:t>
+            </a:r>
+          </a:p>
+          <a:p>
+            <a:pPr lvl="1">
+              <a:buFont typeface="Wingdings" panose="05000000000000000000" pitchFamily="2" charset="2"/>
+              <a:buChar char=""/>
+            </a:pPr>
+            <a:r>
+              <a:rPr lang="ko-KR" altLang="en-US" dirty="0" err="1">
+                <a:solidFill>
+                  <a:schemeClr val="bg1"/>
+                </a:solidFill>
+              </a:rPr>
+              <a:t>투명값을</a:t>
+            </a:r>
+            <a:r>
+              <a:rPr lang="ko-KR" altLang="en-US" dirty="0">
+                <a:solidFill>
+                  <a:schemeClr val="bg1"/>
+                </a:solidFill>
+              </a:rPr>
+              <a:t> 사용하지 말아볼까</a:t>
+            </a:r>
+            <a:r>
+              <a:rPr lang="en-US" altLang="ko-KR" dirty="0">
+                <a:solidFill>
+                  <a:schemeClr val="bg1"/>
+                </a:solidFill>
+              </a:rPr>
+              <a:t>…</a:t>
+            </a:r>
+          </a:p>
+          <a:p>
+            <a:pPr lvl="1">
+              <a:buFont typeface="Wingdings" panose="05000000000000000000" pitchFamily="2" charset="2"/>
+              <a:buChar char=""/>
+            </a:pPr>
+            <a:endParaRPr lang="en-US" altLang="ko-KR" dirty="0">
+              <a:solidFill>
+                <a:schemeClr val="bg1"/>
+              </a:solidFill>
+            </a:endParaRPr>
+          </a:p>
+          <a:p>
+            <a:pPr lvl="1">
+              <a:buFont typeface="Wingdings" panose="05000000000000000000" pitchFamily="2" charset="2"/>
+              <a:buChar char=""/>
+            </a:pPr>
+            <a:endParaRPr lang="en-US" altLang="ko-KR" dirty="0">
+              <a:solidFill>
+                <a:schemeClr val="bg1"/>
+              </a:solidFill>
+            </a:endParaRPr>
+          </a:p>
+          <a:p>
+            <a:r>
+              <a:rPr lang="ko-KR" altLang="en-US" dirty="0">
+                <a:solidFill>
+                  <a:schemeClr val="bg1"/>
+                </a:solidFill>
+              </a:rPr>
+              <a:t>결과</a:t>
+            </a:r>
+            <a:r>
+              <a:rPr lang="en-US" altLang="ko-KR" dirty="0">
+                <a:solidFill>
+                  <a:schemeClr val="bg1"/>
+                </a:solidFill>
+              </a:rPr>
+              <a:t> : </a:t>
+            </a:r>
+            <a:r>
+              <a:rPr lang="ko-KR" altLang="en-US" dirty="0">
+                <a:solidFill>
+                  <a:schemeClr val="bg1"/>
+                </a:solidFill>
+              </a:rPr>
+              <a:t>회전 이미지를 </a:t>
+            </a:r>
+            <a:r>
+              <a:rPr lang="en-US" altLang="ko-KR" dirty="0" err="1">
+                <a:solidFill>
+                  <a:schemeClr val="bg1"/>
+                </a:solidFill>
+              </a:rPr>
+              <a:t>plgblt</a:t>
+            </a:r>
+            <a:r>
+              <a:rPr lang="ko-KR" altLang="en-US" dirty="0">
+                <a:solidFill>
+                  <a:schemeClr val="bg1"/>
+                </a:solidFill>
+              </a:rPr>
+              <a:t>대신 </a:t>
+            </a:r>
+            <a:r>
+              <a:rPr lang="ko-KR" altLang="en-US" dirty="0" err="1">
+                <a:solidFill>
+                  <a:schemeClr val="bg1"/>
+                </a:solidFill>
+              </a:rPr>
+              <a:t>스프라이트</a:t>
+            </a:r>
+            <a:r>
+              <a:rPr lang="ko-KR" altLang="en-US" dirty="0">
+                <a:solidFill>
+                  <a:schemeClr val="bg1"/>
+                </a:solidFill>
+              </a:rPr>
+              <a:t> 이미지로 바꾸니까  </a:t>
+            </a:r>
+            <a:r>
+              <a:rPr lang="ko-KR" altLang="en-US" dirty="0" err="1">
+                <a:solidFill>
+                  <a:schemeClr val="bg1"/>
+                </a:solidFill>
+              </a:rPr>
+              <a:t>잘됌</a:t>
+            </a:r>
+            <a:r>
+              <a:rPr lang="en-US" altLang="ko-KR" dirty="0">
+                <a:solidFill>
+                  <a:schemeClr val="bg1"/>
+                </a:solidFill>
+              </a:rPr>
+              <a:t>!</a:t>
+            </a:r>
+          </a:p>
+        </p:txBody>
+      </p:sp>
+      <p:sp>
+        <p:nvSpPr>
+          <p:cNvPr id="9" name="TextBox 8">
+            <a:extLst>
+              <a:ext uri="{FF2B5EF4-FFF2-40B4-BE49-F238E27FC236}">
+                <a16:creationId xmlns:a16="http://schemas.microsoft.com/office/drawing/2014/main" id="{DA4C68B3-2F4C-4149-8004-6F33AAE7274E}"/>
+              </a:ext>
+            </a:extLst>
+          </p:cNvPr>
+          <p:cNvSpPr txBox="1"/>
+          <p:nvPr/>
+        </p:nvSpPr>
+        <p:spPr>
+          <a:xfrm>
+            <a:off x="745726" y="618835"/>
+            <a:ext cx="5150769" cy="1015663"/>
+          </a:xfrm>
+          <a:prstGeom prst="rect">
+            <a:avLst/>
+          </a:prstGeom>
+          <a:noFill/>
+        </p:spPr>
+        <p:txBody>
+          <a:bodyPr wrap="none" rtlCol="0">
+            <a:spAutoFit/>
+          </a:bodyPr>
+          <a:lstStyle/>
+          <a:p>
+            <a:r>
+              <a:rPr lang="ko-KR" altLang="en-US" sz="6000" dirty="0">
+                <a:solidFill>
+                  <a:schemeClr val="bg1"/>
+                </a:solidFill>
+              </a:rPr>
+              <a:t>모든 일의 원흉</a:t>
+            </a:r>
+          </a:p>
+        </p:txBody>
+      </p:sp>
+    </p:spTree>
+    <p:extLst>
+      <p:ext uri="{BB962C8B-B14F-4D97-AF65-F5344CB8AC3E}">
+        <p14:creationId xmlns:p14="http://schemas.microsoft.com/office/powerpoint/2010/main" val="3602127356"/>
+      </p:ext>
+    </p:extLst>
+  </p:cSld>
+  <p:clrMapOvr>
+    <a:overrideClrMapping bg1="lt1" tx1="dk1" bg2="lt2" tx2="dk2" accent1="accent1" accent2="accent2" accent3="accent3" accent4="accent4" accent5="accent5" accent6="accent6" hlink="hlink" folHlink="folHlink"/>
+  </p:clrMapOvr>
+</p:sld>
+</file>
+
+<file path=ppt/slides/slide13.xml><?xml version="1.0" encoding="utf-8"?>
+<p:sld xmlns:a="http://schemas.openxmlformats.org/drawingml/2006/main" xmlns:r="http://schemas.openxmlformats.org/officeDocument/2006/relationships" xmlns:p="http://schemas.openxmlformats.org/presentationml/2006/main">
+  <p:cSld>
+    <p:bg>
+      <p:bgPr>
+        <a:solidFill>
+          <a:schemeClr val="tx1">
+            <a:lumMod val="85000"/>
+            <a:lumOff val="15000"/>
+          </a:schemeClr>
+        </a:solidFill>
+        <a:effectLst/>
+      </p:bgPr>
+    </p:bg>
+    <p:spTree>
+      <p:nvGrpSpPr>
+        <p:cNvPr id="1" name=""/>
+        <p:cNvGrpSpPr/>
+        <p:nvPr/>
+      </p:nvGrpSpPr>
+      <p:grpSpPr>
+        <a:xfrm>
+          <a:off x="0" y="0"/>
+          <a:ext cx="0" cy="0"/>
+          <a:chOff x="0" y="0"/>
+          <a:chExt cx="0" cy="0"/>
+        </a:xfrm>
+      </p:grpSpPr>
+      <p:sp>
+        <p:nvSpPr>
           <p:cNvPr id="9" name="TextBox 8">
             <a:extLst>
               <a:ext uri="{FF2B5EF4-FFF2-40B4-BE49-F238E27FC236}">
@@ -5830,8 +5586,8 @@
         </p:nvSpPr>
         <p:spPr>
           <a:xfrm>
-            <a:off x="628650" y="708258"/>
-            <a:ext cx="3507692" cy="923330"/>
+            <a:off x="628650" y="550646"/>
+            <a:ext cx="3927678" cy="1200329"/>
           </a:xfrm>
           <a:prstGeom prst="rect">
             <a:avLst/>
@@ -5852,8 +5608,25 @@
                 <a:latin typeface="나눔스퀘어 Light" panose="020B0600000101010101" pitchFamily="50" charset="-127"/>
                 <a:ea typeface="나눔스퀘어 Light" panose="020B0600000101010101" pitchFamily="50" charset="-127"/>
               </a:rPr>
-              <a:t>오늘의 코딩</a:t>
-            </a:r>
+              <a:t>오늘의 </a:t>
+            </a:r>
+            <a:r>
+              <a:rPr lang="ko-KR" altLang="en-US" sz="7200" dirty="0">
+                <a:solidFill>
+                  <a:schemeClr val="bg1"/>
+                </a:solidFill>
+                <a:latin typeface="나눔스퀘어 Light" panose="020B0600000101010101" pitchFamily="50" charset="-127"/>
+                <a:ea typeface="나눔스퀘어 Light" panose="020B0600000101010101" pitchFamily="50" charset="-127"/>
+              </a:rPr>
+              <a:t>코딩</a:t>
+            </a:r>
+            <a:endParaRPr lang="ko-KR" altLang="en-US" sz="5400" dirty="0">
+              <a:solidFill>
+                <a:schemeClr val="bg1"/>
+              </a:solidFill>
+              <a:latin typeface="나눔스퀘어 Light" panose="020B0600000101010101" pitchFamily="50" charset="-127"/>
+              <a:ea typeface="나눔스퀘어 Light" panose="020B0600000101010101" pitchFamily="50" charset="-127"/>
+            </a:endParaRPr>
           </a:p>
         </p:txBody>
       </p:sp>
@@ -5901,25 +5674,8 @@
                 <a:latin typeface="나눔스퀘어 Light" panose="020B0600000101010101" pitchFamily="50" charset="-127"/>
                 <a:ea typeface="나눔스퀘어 Light" panose="020B0600000101010101" pitchFamily="50" charset="-127"/>
               </a:rPr>
-              <a:t>HELP, </a:t>
-            </a:r>
-            <a:r>
-              <a:rPr lang="en-US" altLang="ko-KR" sz="2800" dirty="0" err="1">
-                <a:solidFill>
-                  <a:schemeClr val="bg1"/>
-                </a:solidFill>
-                <a:latin typeface="나눔스퀘어 Light" panose="020B0600000101010101" pitchFamily="50" charset="-127"/>
-                <a:ea typeface="나눔스퀘어 Light" panose="020B0600000101010101" pitchFamily="50" charset="-127"/>
-              </a:rPr>
-              <a:t>Resorce</a:t>
-            </a:r>
-            <a:endParaRPr lang="en-US" altLang="ko-KR" sz="2800" dirty="0">
-              <a:solidFill>
-                <a:schemeClr val="bg1"/>
-              </a:solidFill>
-              <a:latin typeface="나눔스퀘어 Light" panose="020B0600000101010101" pitchFamily="50" charset="-127"/>
-              <a:ea typeface="나눔스퀘어 Light" panose="020B0600000101010101" pitchFamily="50" charset="-127"/>
-            </a:endParaRPr>
+              <a:t>HELP, Resource</a:t>
+            </a:r>
           </a:p>
           <a:p>
             <a:pPr marL="571500" indent="-571500">
@@ -9570,17 +9326,6 @@
 <file path=ppt/slides/slide8.xml><?xml version="1.0" encoding="utf-8"?>
 <p:sld xmlns:a="http://schemas.openxmlformats.org/drawingml/2006/main" xmlns:r="http://schemas.openxmlformats.org/officeDocument/2006/relationships" xmlns:p="http://schemas.openxmlformats.org/presentationml/2006/main">
   <p:cSld>
-    <p:bg>
-      <p:bgPr>
-        <a:solidFill>
-          <a:schemeClr val="tx1">
-            <a:lumMod val="85000"/>
-            <a:lumOff val="15000"/>
-          </a:schemeClr>
-        </a:solidFill>
-        <a:effectLst/>
-      </p:bgPr>
-    </p:bg>
     <p:spTree>
       <p:nvGrpSpPr>
         <p:cNvPr id="1" name=""/>
@@ -9597,368 +9342,166 @@
       </p:grpSpPr>
       <p:sp>
         <p:nvSpPr>
-          <p:cNvPr id="3" name="내용 개체 틀 2">
-            <a:extLst>
-              <a:ext uri="{FF2B5EF4-FFF2-40B4-BE49-F238E27FC236}">
-                <a16:creationId xmlns:a16="http://schemas.microsoft.com/office/drawing/2014/main" id="{972CE041-03FA-4BFB-AA4E-6057DEA64598}"/>
-              </a:ext>
-            </a:extLst>
-          </p:cNvPr>
+          <p:cNvPr id="44" name="Rectangle 43"/>
           <p:cNvSpPr>
-            <a:spLocks noGrp="1"/>
+            <a:spLocks noGrp="1" noRot="1" noChangeAspect="1" noMove="1" noResize="1" noEditPoints="1" noAdjustHandles="1" noChangeArrowheads="1" noChangeShapeType="1" noTextEdit="1"/>
           </p:cNvSpPr>
           <p:nvPr>
-            <p:ph idx="1"/>
+            <p:extLst>
+              <p:ext uri="{386F3935-93C4-4BCD-93E2-E3B085C9AB24}">
+                <p16:designElem xmlns:p16="http://schemas.microsoft.com/office/powerpoint/2015/main" val="1"/>
+              </p:ext>
+            </p:extLst>
           </p:nvPr>
         </p:nvSpPr>
-        <p:spPr/>
-        <p:txBody>
-          <a:bodyPr/>
-          <a:lstStyle/>
-          <a:p>
-            <a:r>
-              <a:rPr lang="ko-KR" altLang="en-US" dirty="0" err="1">
-                <a:solidFill>
-                  <a:schemeClr val="bg1"/>
-                </a:solidFill>
-              </a:rPr>
-              <a:t>차일드</a:t>
-            </a:r>
-            <a:r>
-              <a:rPr lang="ko-KR" altLang="en-US" dirty="0">
-                <a:solidFill>
-                  <a:schemeClr val="bg1"/>
-                </a:solidFill>
-              </a:rPr>
-              <a:t> 씬</a:t>
-            </a:r>
-            <a:endParaRPr lang="en-US" altLang="ko-KR" dirty="0">
-              <a:solidFill>
-                <a:schemeClr val="bg1"/>
-              </a:solidFill>
-            </a:endParaRPr>
-          </a:p>
-          <a:p>
-            <a:r>
-              <a:rPr lang="en-US" altLang="ko-KR" dirty="0">
-                <a:solidFill>
-                  <a:schemeClr val="bg1"/>
-                </a:solidFill>
-              </a:rPr>
-              <a:t>Alpha </a:t>
-            </a:r>
-            <a:r>
-              <a:rPr lang="en-US" altLang="ko-KR" dirty="0" err="1">
-                <a:solidFill>
-                  <a:schemeClr val="bg1"/>
-                </a:solidFill>
-              </a:rPr>
-              <a:t>img</a:t>
-            </a:r>
-            <a:r>
-              <a:rPr lang="ko-KR" altLang="en-US" dirty="0">
-                <a:solidFill>
-                  <a:schemeClr val="bg1"/>
-                </a:solidFill>
-              </a:rPr>
-              <a:t> </a:t>
-            </a:r>
-            <a:r>
-              <a:rPr lang="en-US" altLang="ko-KR" dirty="0">
-                <a:solidFill>
-                  <a:schemeClr val="bg1"/>
-                </a:solidFill>
-              </a:rPr>
-              <a:t>rotate draw </a:t>
-            </a:r>
-          </a:p>
-          <a:p>
-            <a:r>
-              <a:rPr lang="ko-KR" altLang="en-US" dirty="0">
-                <a:solidFill>
-                  <a:schemeClr val="bg1"/>
-                </a:solidFill>
-              </a:rPr>
-              <a:t>모든 일의 원흉</a:t>
-            </a:r>
-            <a:r>
-              <a:rPr lang="en-US" altLang="ko-KR" dirty="0">
-                <a:solidFill>
-                  <a:schemeClr val="bg1"/>
-                </a:solidFill>
-              </a:rPr>
-              <a:t>- </a:t>
-            </a:r>
-            <a:r>
-              <a:rPr lang="ko-KR" altLang="en-US" dirty="0" err="1">
-                <a:solidFill>
-                  <a:schemeClr val="bg1"/>
-                </a:solidFill>
-              </a:rPr>
-              <a:t>느려진</a:t>
-            </a:r>
-            <a:r>
-              <a:rPr lang="ko-KR" altLang="en-US" dirty="0">
-                <a:solidFill>
-                  <a:schemeClr val="bg1"/>
-                </a:solidFill>
-              </a:rPr>
-              <a:t> 프로젝트</a:t>
-            </a:r>
-          </a:p>
-        </p:txBody>
-      </p:sp>
-      <p:sp>
-        <p:nvSpPr>
-          <p:cNvPr id="4" name="직사각형 3">
-            <a:extLst>
-              <a:ext uri="{FF2B5EF4-FFF2-40B4-BE49-F238E27FC236}">
-                <a16:creationId xmlns:a16="http://schemas.microsoft.com/office/drawing/2014/main" id="{88D854C0-A088-4C53-A201-2EAED2CC311D}"/>
-              </a:ext>
-            </a:extLst>
-          </p:cNvPr>
-          <p:cNvSpPr/>
-          <p:nvPr/>
-        </p:nvSpPr>
-        <p:spPr>
+        <p:spPr bwMode="white">
           <a:xfrm>
-            <a:off x="8558072" y="705348"/>
-            <a:ext cx="585927" cy="464575"/>
+            <a:off x="0" y="0"/>
+            <a:ext cx="9144000" cy="6858000"/>
           </a:xfrm>
           <a:prstGeom prst="rect">
             <a:avLst/>
           </a:prstGeom>
           <a:solidFill>
-            <a:srgbClr val="F02802"/>
+            <a:schemeClr val="bg1"/>
           </a:solidFill>
           <a:ln>
             <a:noFill/>
           </a:ln>
+          <a:effectLst/>
         </p:spPr>
-        <p:style>
-          <a:lnRef idx="2">
-            <a:schemeClr val="accent1">
-              <a:shade val="50000"/>
-            </a:schemeClr>
-          </a:lnRef>
-          <a:fillRef idx="1">
-            <a:schemeClr val="accent1"/>
-          </a:fillRef>
-          <a:effectRef idx="0">
-            <a:schemeClr val="accent1"/>
-          </a:effectRef>
-          <a:fontRef idx="minor">
-            <a:schemeClr val="lt1"/>
-          </a:fontRef>
-        </p:style>
-        <p:txBody>
-          <a:bodyPr rot="0" spcFirstLastPara="0" vertOverflow="overflow" horzOverflow="overflow" vert="horz" wrap="square" lIns="68580" tIns="34290" rIns="68580" bIns="34290" numCol="1" spcCol="0" rtlCol="0" fromWordArt="0" anchor="ctr" anchorCtr="0" forceAA="0" compatLnSpc="1">
-            <a:prstTxWarp prst="textNoShape">
-              <a:avLst/>
-            </a:prstTxWarp>
-            <a:noAutofit/>
-          </a:bodyPr>
-          <a:lstStyle/>
-          <a:p>
-            <a:pPr algn="ctr"/>
-            <a:endParaRPr lang="ko-KR" altLang="en-US" sz="1350"/>
-          </a:p>
-        </p:txBody>
-      </p:sp>
-      <p:sp>
-        <p:nvSpPr>
-          <p:cNvPr id="5" name="직사각형 4">
+      </p:sp>
+      <p:pic>
+        <p:nvPicPr>
+          <p:cNvPr id="3" name="그림 2">
             <a:extLst>
               <a:ext uri="{FF2B5EF4-FFF2-40B4-BE49-F238E27FC236}">
-                <a16:creationId xmlns:a16="http://schemas.microsoft.com/office/drawing/2014/main" id="{D79F1DD2-F00C-4D6C-AFAB-08BC2B78C93F}"/>
+                <a16:creationId xmlns:a16="http://schemas.microsoft.com/office/drawing/2014/main" id="{D29E8E1D-AB50-4E97-B820-8B070B4C13A6}"/>
               </a:ext>
             </a:extLst>
           </p:cNvPr>
-          <p:cNvSpPr/>
+          <p:cNvPicPr>
+            <a:picLocks noChangeAspect="1"/>
+          </p:cNvPicPr>
           <p:nvPr/>
-        </p:nvSpPr>
+        </p:nvPicPr>
+        <p:blipFill rotWithShape="1">
+          <a:blip r:embed="rId2"/>
+          <a:srcRect l="6747" t="14287" r="46182" b="12037"/>
+          <a:stretch/>
+        </p:blipFill>
         <p:spPr>
           <a:xfrm>
-            <a:off x="8558074" y="1169923"/>
-            <a:ext cx="585926" cy="464575"/>
+            <a:off x="3804165" y="781827"/>
+            <a:ext cx="6250546" cy="5294344"/>
           </a:xfrm>
           <a:prstGeom prst="rect">
             <a:avLst/>
           </a:prstGeom>
-          <a:solidFill>
-            <a:srgbClr val="FFC000"/>
-          </a:solidFill>
-          <a:ln>
-            <a:noFill/>
-          </a:ln>
         </p:spPr>
-        <p:style>
-          <a:lnRef idx="2">
-            <a:schemeClr val="accent1">
-              <a:shade val="50000"/>
-            </a:schemeClr>
-          </a:lnRef>
-          <a:fillRef idx="1">
-            <a:schemeClr val="accent1"/>
-          </a:fillRef>
-          <a:effectRef idx="0">
-            <a:schemeClr val="accent1"/>
-          </a:effectRef>
-          <a:fontRef idx="minor">
-            <a:schemeClr val="lt1"/>
-          </a:fontRef>
-        </p:style>
-        <p:txBody>
-          <a:bodyPr rot="0" spcFirstLastPara="0" vertOverflow="overflow" horzOverflow="overflow" vert="horz" wrap="square" lIns="68580" tIns="34290" rIns="68580" bIns="34290" numCol="1" spcCol="0" rtlCol="0" fromWordArt="0" anchor="ctr" anchorCtr="0" forceAA="0" compatLnSpc="1">
-            <a:prstTxWarp prst="textNoShape">
-              <a:avLst/>
-            </a:prstTxWarp>
-            <a:noAutofit/>
-          </a:bodyPr>
-          <a:lstStyle/>
-          <a:p>
-            <a:pPr algn="ctr"/>
-            <a:endParaRPr lang="ko-KR" altLang="en-US" sz="1350"/>
-          </a:p>
-        </p:txBody>
-      </p:sp>
-      <p:sp>
-        <p:nvSpPr>
-          <p:cNvPr id="6" name="직사각형 5">
-            <a:extLst>
-              <a:ext uri="{FF2B5EF4-FFF2-40B4-BE49-F238E27FC236}">
-                <a16:creationId xmlns:a16="http://schemas.microsoft.com/office/drawing/2014/main" id="{21AE5ACF-1C54-4BD0-B099-D290D4268E11}"/>
-              </a:ext>
-            </a:extLst>
-          </p:cNvPr>
-          <p:cNvSpPr/>
-          <p:nvPr/>
+      </p:pic>
+      <p:sp>
+        <p:nvSpPr>
+          <p:cNvPr id="46" name="Freeform 8"/>
+          <p:cNvSpPr>
+            <a:spLocks noGrp="1" noRot="1" noChangeAspect="1" noMove="1" noResize="1" noEditPoints="1" noAdjustHandles="1" noChangeArrowheads="1" noChangeShapeType="1" noTextEdit="1"/>
+          </p:cNvSpPr>
+          <p:nvPr>
+            <p:extLst>
+              <p:ext uri="{386F3935-93C4-4BCD-93E2-E3B085C9AB24}">
+                <p16:designElem xmlns:p16="http://schemas.microsoft.com/office/powerpoint/2015/main" val="1"/>
+              </p:ext>
+            </p:extLst>
+          </p:nvPr>
         </p:nvSpPr>
         <p:spPr>
           <a:xfrm>
-            <a:off x="8558074" y="1634498"/>
-            <a:ext cx="585926" cy="464575"/>
+            <a:off x="-638" y="0"/>
+            <a:ext cx="7101526" cy="6857999"/>
           </a:xfrm>
-          <a:prstGeom prst="rect">
+          <a:custGeom>
             <a:avLst/>
-          </a:prstGeom>
+            <a:gdLst>
+              <a:gd name="connsiteX0" fmla="*/ 0 w 8078051"/>
+              <a:gd name="connsiteY0" fmla="*/ 0 h 5829300"/>
+              <a:gd name="connsiteX1" fmla="*/ 4453793 w 8078051"/>
+              <a:gd name="connsiteY1" fmla="*/ 0 h 5829300"/>
+              <a:gd name="connsiteX2" fmla="*/ 5363426 w 8078051"/>
+              <a:gd name="connsiteY2" fmla="*/ 0 h 5829300"/>
+              <a:gd name="connsiteX3" fmla="*/ 5368184 w 8078051"/>
+              <a:gd name="connsiteY3" fmla="*/ 0 h 5829300"/>
+              <a:gd name="connsiteX4" fmla="*/ 8078051 w 8078051"/>
+              <a:gd name="connsiteY4" fmla="*/ 5829300 h 5829300"/>
+              <a:gd name="connsiteX5" fmla="*/ 1743926 w 8078051"/>
+              <a:gd name="connsiteY5" fmla="*/ 5829300 h 5829300"/>
+              <a:gd name="connsiteX6" fmla="*/ 1744148 w 8078051"/>
+              <a:gd name="connsiteY6" fmla="*/ 5828822 h 5829300"/>
+              <a:gd name="connsiteX7" fmla="*/ 0 w 8078051"/>
+              <a:gd name="connsiteY7" fmla="*/ 5828822 h 5829300"/>
+            </a:gdLst>
+            <a:ahLst/>
+            <a:cxnLst>
+              <a:cxn ang="0">
+                <a:pos x="connsiteX0" y="connsiteY0"/>
+              </a:cxn>
+              <a:cxn ang="0">
+                <a:pos x="connsiteX1" y="connsiteY1"/>
+              </a:cxn>
+              <a:cxn ang="0">
+                <a:pos x="connsiteX2" y="connsiteY2"/>
+              </a:cxn>
+              <a:cxn ang="0">
+                <a:pos x="connsiteX3" y="connsiteY3"/>
+              </a:cxn>
+              <a:cxn ang="0">
+                <a:pos x="connsiteX4" y="connsiteY4"/>
+              </a:cxn>
+              <a:cxn ang="0">
+                <a:pos x="connsiteX5" y="connsiteY5"/>
+              </a:cxn>
+              <a:cxn ang="0">
+                <a:pos x="connsiteX6" y="connsiteY6"/>
+              </a:cxn>
+              <a:cxn ang="0">
+                <a:pos x="connsiteX7" y="connsiteY7"/>
+              </a:cxn>
+            </a:cxnLst>
+            <a:rect l="l" t="t" r="r" b="b"/>
+            <a:pathLst>
+              <a:path w="8078051" h="5829300">
+                <a:moveTo>
+                  <a:pt x="0" y="0"/>
+                </a:moveTo>
+                <a:lnTo>
+                  <a:pt x="4453793" y="0"/>
+                </a:lnTo>
+                <a:lnTo>
+                  <a:pt x="5363426" y="0"/>
+                </a:lnTo>
+                <a:lnTo>
+                  <a:pt x="5368184" y="0"/>
+                </a:lnTo>
+                <a:lnTo>
+                  <a:pt x="8078051" y="5829300"/>
+                </a:lnTo>
+                <a:lnTo>
+                  <a:pt x="1743926" y="5829300"/>
+                </a:lnTo>
+                <a:lnTo>
+                  <a:pt x="1744148" y="5828822"/>
+                </a:lnTo>
+                <a:lnTo>
+                  <a:pt x="0" y="5828822"/>
+                </a:lnTo>
+                <a:close/>
+              </a:path>
+            </a:pathLst>
+          </a:custGeom>
           <a:solidFill>
-            <a:srgbClr val="00B050"/>
-          </a:solidFill>
-          <a:ln>
-            <a:noFill/>
-          </a:ln>
-        </p:spPr>
-        <p:style>
-          <a:lnRef idx="2">
-            <a:schemeClr val="accent1">
-              <a:shade val="50000"/>
-            </a:schemeClr>
-          </a:lnRef>
-          <a:fillRef idx="1">
-            <a:schemeClr val="accent1"/>
-          </a:fillRef>
-          <a:effectRef idx="0">
-            <a:schemeClr val="accent1"/>
-          </a:effectRef>
-          <a:fontRef idx="minor">
-            <a:schemeClr val="lt1"/>
-          </a:fontRef>
-        </p:style>
-        <p:txBody>
-          <a:bodyPr rot="0" spcFirstLastPara="0" vertOverflow="overflow" horzOverflow="overflow" vert="horz" wrap="square" lIns="68580" tIns="34290" rIns="68580" bIns="34290" numCol="1" spcCol="0" rtlCol="0" fromWordArt="0" anchor="ctr" anchorCtr="0" forceAA="0" compatLnSpc="1">
-            <a:prstTxWarp prst="textNoShape">
-              <a:avLst/>
-            </a:prstTxWarp>
-            <a:noAutofit/>
-          </a:bodyPr>
-          <a:lstStyle/>
-          <a:p>
-            <a:pPr algn="ctr"/>
-            <a:endParaRPr lang="ko-KR" altLang="en-US" sz="1350"/>
-          </a:p>
-        </p:txBody>
-      </p:sp>
-      <p:sp>
-        <p:nvSpPr>
-          <p:cNvPr id="7" name="직사각형 6">
-            <a:extLst>
-              <a:ext uri="{FF2B5EF4-FFF2-40B4-BE49-F238E27FC236}">
-                <a16:creationId xmlns:a16="http://schemas.microsoft.com/office/drawing/2014/main" id="{2DDD51C6-C234-477F-82D3-909C3EB63704}"/>
-              </a:ext>
-            </a:extLst>
-          </p:cNvPr>
-          <p:cNvSpPr/>
-          <p:nvPr/>
-        </p:nvSpPr>
-        <p:spPr>
-          <a:xfrm>
-            <a:off x="7683910" y="2099073"/>
-            <a:ext cx="1460090" cy="464575"/>
-          </a:xfrm>
-          <a:prstGeom prst="rect">
-            <a:avLst/>
-          </a:prstGeom>
-          <a:solidFill>
-            <a:srgbClr val="00B9F6"/>
-          </a:solidFill>
-          <a:ln>
-            <a:noFill/>
-          </a:ln>
-        </p:spPr>
-        <p:style>
-          <a:lnRef idx="2">
-            <a:schemeClr val="accent1">
-              <a:shade val="50000"/>
-            </a:schemeClr>
-          </a:lnRef>
-          <a:fillRef idx="1">
-            <a:schemeClr val="accent1"/>
-          </a:fillRef>
-          <a:effectRef idx="0">
-            <a:schemeClr val="accent1"/>
-          </a:effectRef>
-          <a:fontRef idx="minor">
-            <a:schemeClr val="lt1"/>
-          </a:fontRef>
-        </p:style>
-        <p:txBody>
-          <a:bodyPr rot="0" spcFirstLastPara="0" vertOverflow="overflow" horzOverflow="overflow" vert="horz" wrap="square" lIns="68580" tIns="34290" rIns="68580" bIns="34290" numCol="1" spcCol="0" rtlCol="0" fromWordArt="0" anchor="ctr" anchorCtr="0" forceAA="0" compatLnSpc="1">
-            <a:prstTxWarp prst="textNoShape">
-              <a:avLst/>
-            </a:prstTxWarp>
-            <a:noAutofit/>
-          </a:bodyPr>
-          <a:lstStyle/>
-          <a:p>
-            <a:pPr algn="ctr"/>
-            <a:endParaRPr lang="ko-KR" altLang="en-US"/>
-          </a:p>
-        </p:txBody>
-      </p:sp>
-      <p:sp>
-        <p:nvSpPr>
-          <p:cNvPr id="8" name="직사각형 7">
-            <a:extLst>
-              <a:ext uri="{FF2B5EF4-FFF2-40B4-BE49-F238E27FC236}">
-                <a16:creationId xmlns:a16="http://schemas.microsoft.com/office/drawing/2014/main" id="{44D9E954-10CD-4D1C-9BB9-C52BCDB20A43}"/>
-              </a:ext>
-            </a:extLst>
-          </p:cNvPr>
-          <p:cNvSpPr/>
-          <p:nvPr/>
-        </p:nvSpPr>
-        <p:spPr>
-          <a:xfrm>
-            <a:off x="8558072" y="2563648"/>
-            <a:ext cx="585927" cy="464575"/>
-          </a:xfrm>
-          <a:prstGeom prst="rect">
-            <a:avLst/>
-          </a:prstGeom>
-          <a:solidFill>
-            <a:schemeClr val="bg2">
-              <a:lumMod val="50000"/>
+            <a:schemeClr val="tx1">
+              <a:lumMod val="85000"/>
+              <a:lumOff val="15000"/>
+              <a:alpha val="70000"/>
             </a:schemeClr>
           </a:solidFill>
           <a:ln>
@@ -9982,25 +9525,152 @@
           </a:fontRef>
         </p:style>
         <p:txBody>
-          <a:bodyPr rot="0" spcFirstLastPara="0" vertOverflow="overflow" horzOverflow="overflow" vert="horz" wrap="square" lIns="68580" tIns="34290" rIns="68580" bIns="34290" numCol="1" spcCol="0" rtlCol="0" fromWordArt="0" anchor="ctr" anchorCtr="0" forceAA="0" compatLnSpc="1">
-            <a:prstTxWarp prst="textNoShape">
-              <a:avLst/>
-            </a:prstTxWarp>
-            <a:noAutofit/>
-          </a:bodyPr>
+          <a:bodyPr rtlCol="0" anchor="ctr"/>
           <a:lstStyle/>
           <a:p>
             <a:pPr algn="ctr"/>
-            <a:endParaRPr lang="ko-KR" altLang="en-US"/>
-          </a:p>
-        </p:txBody>
-      </p:sp>
-      <p:sp>
-        <p:nvSpPr>
-          <p:cNvPr id="9" name="TextBox 8">
+            <a:endParaRPr lang="en-US" sz="1350"/>
+          </a:p>
+        </p:txBody>
+      </p:sp>
+      <p:sp>
+        <p:nvSpPr>
+          <p:cNvPr id="48" name="Freeform 11"/>
+          <p:cNvSpPr>
+            <a:spLocks noGrp="1" noRot="1" noChangeAspect="1" noMove="1" noResize="1" noEditPoints="1" noAdjustHandles="1" noChangeArrowheads="1" noChangeShapeType="1" noTextEdit="1"/>
+          </p:cNvSpPr>
+          <p:nvPr>
+            <p:extLst>
+              <p:ext uri="{386F3935-93C4-4BCD-93E2-E3B085C9AB24}">
+                <p16:designElem xmlns:p16="http://schemas.microsoft.com/office/powerpoint/2015/main" val="1"/>
+              </p:ext>
+            </p:extLst>
+          </p:nvPr>
+        </p:nvSpPr>
+        <p:spPr>
+          <a:xfrm>
+            <a:off x="-639" y="0"/>
+            <a:ext cx="6058539" cy="6857999"/>
+          </a:xfrm>
+          <a:custGeom>
+            <a:avLst/>
+            <a:gdLst>
+              <a:gd name="connsiteX0" fmla="*/ 0 w 8078052"/>
+              <a:gd name="connsiteY0" fmla="*/ 0 h 6858478"/>
+              <a:gd name="connsiteX1" fmla="*/ 3829872 w 8078052"/>
+              <a:gd name="connsiteY1" fmla="*/ 0 h 6858478"/>
+              <a:gd name="connsiteX2" fmla="*/ 4896100 w 8078052"/>
+              <a:gd name="connsiteY2" fmla="*/ 0 h 6858478"/>
+              <a:gd name="connsiteX3" fmla="*/ 4901677 w 8078052"/>
+              <a:gd name="connsiteY3" fmla="*/ 0 h 6858478"/>
+              <a:gd name="connsiteX4" fmla="*/ 8078052 w 8078052"/>
+              <a:gd name="connsiteY4" fmla="*/ 6858478 h 6858478"/>
+              <a:gd name="connsiteX5" fmla="*/ 653497 w 8078052"/>
+              <a:gd name="connsiteY5" fmla="*/ 6858478 h 6858478"/>
+              <a:gd name="connsiteX6" fmla="*/ 653757 w 8078052"/>
+              <a:gd name="connsiteY6" fmla="*/ 6857916 h 6858478"/>
+              <a:gd name="connsiteX7" fmla="*/ 0 w 8078052"/>
+              <a:gd name="connsiteY7" fmla="*/ 6857916 h 6858478"/>
+            </a:gdLst>
+            <a:ahLst/>
+            <a:cxnLst>
+              <a:cxn ang="0">
+                <a:pos x="connsiteX0" y="connsiteY0"/>
+              </a:cxn>
+              <a:cxn ang="0">
+                <a:pos x="connsiteX1" y="connsiteY1"/>
+              </a:cxn>
+              <a:cxn ang="0">
+                <a:pos x="connsiteX2" y="connsiteY2"/>
+              </a:cxn>
+              <a:cxn ang="0">
+                <a:pos x="connsiteX3" y="connsiteY3"/>
+              </a:cxn>
+              <a:cxn ang="0">
+                <a:pos x="connsiteX4" y="connsiteY4"/>
+              </a:cxn>
+              <a:cxn ang="0">
+                <a:pos x="connsiteX5" y="connsiteY5"/>
+              </a:cxn>
+              <a:cxn ang="0">
+                <a:pos x="connsiteX6" y="connsiteY6"/>
+              </a:cxn>
+              <a:cxn ang="0">
+                <a:pos x="connsiteX7" y="connsiteY7"/>
+              </a:cxn>
+            </a:cxnLst>
+            <a:rect l="l" t="t" r="r" b="b"/>
+            <a:pathLst>
+              <a:path w="8078052" h="6858478">
+                <a:moveTo>
+                  <a:pt x="0" y="0"/>
+                </a:moveTo>
+                <a:lnTo>
+                  <a:pt x="3829872" y="0"/>
+                </a:lnTo>
+                <a:lnTo>
+                  <a:pt x="4896100" y="0"/>
+                </a:lnTo>
+                <a:lnTo>
+                  <a:pt x="4901677" y="0"/>
+                </a:lnTo>
+                <a:lnTo>
+                  <a:pt x="8078052" y="6858478"/>
+                </a:lnTo>
+                <a:lnTo>
+                  <a:pt x="653497" y="6858478"/>
+                </a:lnTo>
+                <a:lnTo>
+                  <a:pt x="653757" y="6857916"/>
+                </a:lnTo>
+                <a:lnTo>
+                  <a:pt x="0" y="6857916"/>
+                </a:lnTo>
+                <a:close/>
+              </a:path>
+            </a:pathLst>
+          </a:custGeom>
+          <a:solidFill>
+            <a:schemeClr val="tx1">
+              <a:lumMod val="85000"/>
+              <a:lumOff val="15000"/>
+            </a:schemeClr>
+          </a:solidFill>
+          <a:ln>
+            <a:noFill/>
+          </a:ln>
+        </p:spPr>
+        <p:style>
+          <a:lnRef idx="2">
+            <a:schemeClr val="accent1">
+              <a:shade val="50000"/>
+            </a:schemeClr>
+          </a:lnRef>
+          <a:fillRef idx="1">
+            <a:schemeClr val="accent1"/>
+          </a:fillRef>
+          <a:effectRef idx="0">
+            <a:schemeClr val="accent1"/>
+          </a:effectRef>
+          <a:fontRef idx="minor">
+            <a:schemeClr val="lt1"/>
+          </a:fontRef>
+        </p:style>
+        <p:txBody>
+          <a:bodyPr rtlCol="0" anchor="ctr"/>
+          <a:lstStyle/>
+          <a:p>
+            <a:pPr algn="ctr"/>
+            <a:endParaRPr lang="en-US" sz="1350"/>
+          </a:p>
+        </p:txBody>
+      </p:sp>
+      <p:sp>
+        <p:nvSpPr>
+          <p:cNvPr id="12" name="TextBox 11">
             <a:extLst>
               <a:ext uri="{FF2B5EF4-FFF2-40B4-BE49-F238E27FC236}">
-                <a16:creationId xmlns:a16="http://schemas.microsoft.com/office/drawing/2014/main" id="{DA4C68B3-2F4C-4149-8004-6F33AAE7274E}"/>
+                <a16:creationId xmlns:a16="http://schemas.microsoft.com/office/drawing/2014/main" id="{11859DFD-33C5-4693-9FD8-1C2DBE18735A}"/>
               </a:ext>
             </a:extLst>
           </p:cNvPr>
@@ -10009,29 +9679,37 @@
         </p:nvSpPr>
         <p:spPr>
           <a:xfrm>
-            <a:off x="745726" y="618835"/>
-            <a:ext cx="5570756" cy="1015663"/>
+            <a:off x="574325" y="2536852"/>
+            <a:ext cx="2465516" cy="892147"/>
           </a:xfrm>
           <a:prstGeom prst="rect">
             <a:avLst/>
           </a:prstGeom>
-          <a:noFill/>
         </p:spPr>
         <p:txBody>
-          <a:bodyPr wrap="none" rtlCol="0">
-            <a:spAutoFit/>
+          <a:bodyPr vert="horz" lIns="91440" tIns="45720" rIns="91440" bIns="45720" rtlCol="0" anchor="t">
+            <a:normAutofit/>
           </a:bodyPr>
           <a:lstStyle/>
           <a:p>
-            <a:r>
-              <a:rPr lang="ko-KR" altLang="en-US" sz="6000" dirty="0">
-                <a:solidFill>
-                  <a:schemeClr val="bg1"/>
-                </a:solidFill>
-                <a:latin typeface="나눔바른펜" panose="020B0503000000000000" pitchFamily="50" charset="-127"/>
-                <a:ea typeface="나눔바른펜" panose="020B0503000000000000" pitchFamily="50" charset="-127"/>
-              </a:rPr>
-              <a:t>주요제작리스트</a:t>
+            <a:pPr defTabSz="914400">
+              <a:lnSpc>
+                <a:spcPct val="90000"/>
+              </a:lnSpc>
+              <a:spcBef>
+                <a:spcPct val="0"/>
+              </a:spcBef>
+            </a:pPr>
+            <a:r>
+              <a:rPr lang="ko-KR" altLang="en-US" sz="4800" dirty="0">
+                <a:solidFill>
+                  <a:srgbClr val="FFFFFF"/>
+                </a:solidFill>
+                <a:latin typeface="나눔스퀘어 Light" panose="020B0600000101010101" pitchFamily="50" charset="-127"/>
+                <a:ea typeface="나눔스퀘어 Light" panose="020B0600000101010101" pitchFamily="50" charset="-127"/>
+                <a:cs typeface="+mj-cs"/>
+              </a:rPr>
+              <a:t>구현내용</a:t>
             </a:r>
           </a:p>
         </p:txBody>
@@ -10039,12 +9717,12 @@
     </p:spTree>
     <p:extLst>
       <p:ext uri="{BB962C8B-B14F-4D97-AF65-F5344CB8AC3E}">
-        <p14:creationId xmlns:p14="http://schemas.microsoft.com/office/powerpoint/2010/main" val="45783522"/>
+        <p14:creationId xmlns:p14="http://schemas.microsoft.com/office/powerpoint/2010/main" val="1617143734"/>
       </p:ext>
     </p:extLst>
   </p:cSld>
   <p:clrMapOvr>
-    <a:overrideClrMapping bg1="lt1" tx1="dk1" bg2="lt2" tx2="dk2" accent1="accent1" accent2="accent2" accent3="accent3" accent4="accent4" accent5="accent5" accent6="accent6" hlink="hlink" folHlink="folHlink"/>
+    <a:masterClrMapping/>
   </p:clrMapOvr>
 </p:sld>
 </file>
@@ -10093,23 +9771,18 @@
             <p:ph idx="1"/>
           </p:nvPr>
         </p:nvSpPr>
-        <p:spPr>
-          <a:xfrm>
-            <a:off x="628650" y="1825625"/>
-            <a:ext cx="7886700" cy="4351338"/>
-          </a:xfrm>
-        </p:spPr>
+        <p:spPr/>
         <p:txBody>
           <a:bodyPr/>
           <a:lstStyle/>
           <a:p>
             <a:r>
-              <a:rPr lang="en-US" altLang="ko-KR" dirty="0">
-                <a:solidFill>
-                  <a:schemeClr val="bg1"/>
-                </a:solidFill>
-              </a:rPr>
-              <a:t>Scene </a:t>
+              <a:rPr lang="ko-KR" altLang="en-US" dirty="0" err="1">
+                <a:solidFill>
+                  <a:schemeClr val="bg1"/>
+                </a:solidFill>
+              </a:rPr>
+              <a:t>차일드</a:t>
             </a:r>
             <a:r>
               <a:rPr lang="ko-KR" altLang="en-US" dirty="0">
@@ -10117,60 +9790,7 @@
                   <a:schemeClr val="bg1"/>
                 </a:solidFill>
               </a:rPr>
-              <a:t>만으로 불가능 했던 것</a:t>
-            </a:r>
-            <a:r>
-              <a:rPr lang="en-US" altLang="ko-KR" dirty="0">
-                <a:solidFill>
-                  <a:schemeClr val="bg1"/>
-                </a:solidFill>
-              </a:rPr>
-              <a:t>: </a:t>
-            </a:r>
-          </a:p>
-          <a:p>
-            <a:pPr marL="457200" lvl="1" indent="0">
-              <a:buNone/>
-            </a:pPr>
-            <a:r>
-              <a:rPr lang="en-US" altLang="ko-KR" dirty="0">
-                <a:solidFill>
-                  <a:schemeClr val="bg1"/>
-                </a:solidFill>
-              </a:rPr>
-              <a:t>game</a:t>
-            </a:r>
-            <a:r>
-              <a:rPr lang="ko-KR" altLang="en-US" dirty="0">
-                <a:solidFill>
-                  <a:schemeClr val="bg1"/>
-                </a:solidFill>
-              </a:rPr>
-              <a:t>과 </a:t>
-            </a:r>
-            <a:r>
-              <a:rPr lang="en-US" altLang="ko-KR" dirty="0">
-                <a:solidFill>
-                  <a:schemeClr val="bg1"/>
-                </a:solidFill>
-              </a:rPr>
-              <a:t>edit</a:t>
-            </a:r>
-            <a:r>
-              <a:rPr lang="ko-KR" altLang="en-US" dirty="0" err="1">
-                <a:solidFill>
-                  <a:schemeClr val="bg1"/>
-                </a:solidFill>
-              </a:rPr>
-              <a:t>씬과의</a:t>
-            </a:r>
-            <a:r>
-              <a:rPr lang="ko-KR" altLang="en-US" dirty="0">
-                <a:solidFill>
-                  <a:schemeClr val="bg1"/>
-                </a:solidFill>
-              </a:rPr>
-              <a:t> 상호작용 불가능</a:t>
+              <a:t> 씬</a:t>
             </a:r>
             <a:endParaRPr lang="en-US" altLang="ko-KR" dirty="0">
               <a:solidFill>
@@ -10179,20 +9799,21 @@
             </a:endParaRPr>
           </a:p>
           <a:p>
-            <a:endParaRPr lang="en-US" altLang="ko-KR" dirty="0">
-              <a:solidFill>
-                <a:schemeClr val="bg1"/>
-              </a:solidFill>
-            </a:endParaRPr>
-          </a:p>
-          <a:p>
             <a:r>
               <a:rPr lang="en-US" altLang="ko-KR" dirty="0">
                 <a:solidFill>
                   <a:schemeClr val="bg1"/>
                 </a:solidFill>
               </a:rPr>
-              <a:t>Scene</a:t>
+              <a:t>Alpha </a:t>
+            </a:r>
+            <a:r>
+              <a:rPr lang="en-US" altLang="ko-KR" dirty="0" err="1">
+                <a:solidFill>
+                  <a:schemeClr val="bg1"/>
+                </a:solidFill>
+              </a:rPr>
+              <a:t>img</a:t>
             </a:r>
             <a:r>
               <a:rPr lang="ko-KR" altLang="en-US" dirty="0">
@@ -10200,15 +9821,7 @@
                   <a:schemeClr val="bg1"/>
                 </a:solidFill>
               </a:rPr>
-              <a:t>이 </a:t>
-            </a:r>
-            <a:r>
-              <a:rPr lang="en-US" altLang="ko-KR" dirty="0" err="1">
-                <a:solidFill>
-                  <a:schemeClr val="bg1"/>
-                </a:solidFill>
-              </a:rPr>
-              <a:t>FrameWork</a:t>
+              <a:t> </a:t>
             </a:r>
             <a:r>
               <a:rPr lang="en-US" altLang="ko-KR" dirty="0">
@@ -10216,15 +9829,25 @@
                   <a:schemeClr val="bg1"/>
                 </a:solidFill>
               </a:rPr>
-              <a:t> </a:t>
-            </a:r>
+              <a:t>rotate draw </a:t>
+            </a:r>
+          </a:p>
+          <a:p>
             <a:r>
               <a:rPr lang="ko-KR" altLang="en-US" dirty="0">
                 <a:solidFill>
                   <a:schemeClr val="bg1"/>
                 </a:solidFill>
               </a:rPr>
-              <a:t>에 </a:t>
+              <a:t>모든 일의 원흉</a:t>
+            </a:r>
+            <a:r>
+              <a:rPr lang="en-US" altLang="ko-KR" dirty="0">
+                <a:solidFill>
+                  <a:schemeClr val="bg1"/>
+                </a:solidFill>
+              </a:rPr>
+              <a:t>- </a:t>
             </a:r>
             <a:r>
               <a:rPr lang="ko-KR" altLang="en-US" dirty="0" err="1">
@@ -10232,7 +9855,7 @@
                   <a:schemeClr val="bg1"/>
                 </a:solidFill>
               </a:rPr>
-              <a:t>들려있듯이</a:t>
+              <a:t>느려진</a:t>
             </a:r>
             <a:r>
               <a:rPr lang="ko-KR" altLang="en-US" dirty="0">
@@ -10240,363 +9863,8 @@
                   <a:schemeClr val="bg1"/>
                 </a:solidFill>
               </a:rPr>
-              <a:t> </a:t>
-            </a:r>
-            <a:r>
-              <a:rPr lang="en-US" altLang="ko-KR" dirty="0">
-                <a:solidFill>
-                  <a:schemeClr val="bg1"/>
-                </a:solidFill>
-              </a:rPr>
-              <a:t>Scene</a:t>
-            </a:r>
-            <a:r>
-              <a:rPr lang="ko-KR" altLang="en-US" dirty="0">
-                <a:solidFill>
-                  <a:schemeClr val="bg1"/>
-                </a:solidFill>
-              </a:rPr>
-              <a:t>에 </a:t>
-            </a:r>
-            <a:r>
-              <a:rPr lang="en-US" altLang="ko-KR" dirty="0" err="1">
-                <a:solidFill>
-                  <a:schemeClr val="bg1"/>
-                </a:solidFill>
-              </a:rPr>
-              <a:t>ChildScene</a:t>
-            </a:r>
-            <a:r>
-              <a:rPr lang="ko-KR" altLang="en-US" dirty="0">
-                <a:solidFill>
-                  <a:schemeClr val="bg1"/>
-                </a:solidFill>
-              </a:rPr>
-              <a:t>을 들려주었음</a:t>
-            </a:r>
-            <a:endParaRPr lang="en-US" altLang="ko-KR" dirty="0">
-              <a:solidFill>
-                <a:schemeClr val="bg1"/>
-              </a:solidFill>
-            </a:endParaRPr>
-          </a:p>
-          <a:p>
-            <a:r>
-              <a:rPr lang="en-US" altLang="ko-KR" dirty="0" err="1">
-                <a:solidFill>
-                  <a:schemeClr val="bg1"/>
-                </a:solidFill>
-              </a:rPr>
-              <a:t>ChildGetMessge</a:t>
-            </a:r>
-            <a:r>
-              <a:rPr lang="en-US" altLang="ko-KR" dirty="0">
-                <a:solidFill>
-                  <a:schemeClr val="bg1"/>
-                </a:solidFill>
-              </a:rPr>
-              <a:t> </a:t>
-            </a:r>
-            <a:r>
-              <a:rPr lang="ko-KR" altLang="en-US" dirty="0">
-                <a:solidFill>
-                  <a:schemeClr val="bg1"/>
-                </a:solidFill>
-              </a:rPr>
-              <a:t>함수로 상호작용 처리</a:t>
-            </a:r>
-            <a:endParaRPr lang="en-US" altLang="ko-KR" dirty="0">
-              <a:solidFill>
-                <a:schemeClr val="bg1"/>
-              </a:solidFill>
-            </a:endParaRPr>
-          </a:p>
-        </p:txBody>
-      </p:sp>
-      <p:sp>
-        <p:nvSpPr>
-          <p:cNvPr id="4" name="직사각형 3">
-            <a:extLst>
-              <a:ext uri="{FF2B5EF4-FFF2-40B4-BE49-F238E27FC236}">
-                <a16:creationId xmlns:a16="http://schemas.microsoft.com/office/drawing/2014/main" id="{88D854C0-A088-4C53-A201-2EAED2CC311D}"/>
-              </a:ext>
-            </a:extLst>
-          </p:cNvPr>
-          <p:cNvSpPr/>
-          <p:nvPr/>
-        </p:nvSpPr>
-        <p:spPr>
-          <a:xfrm>
-            <a:off x="8558072" y="705348"/>
-            <a:ext cx="585927" cy="464575"/>
-          </a:xfrm>
-          <a:prstGeom prst="rect">
-            <a:avLst/>
-          </a:prstGeom>
-          <a:solidFill>
-            <a:srgbClr val="F02802"/>
-          </a:solidFill>
-          <a:ln>
-            <a:noFill/>
-          </a:ln>
-        </p:spPr>
-        <p:style>
-          <a:lnRef idx="2">
-            <a:schemeClr val="accent1">
-              <a:shade val="50000"/>
-            </a:schemeClr>
-          </a:lnRef>
-          <a:fillRef idx="1">
-            <a:schemeClr val="accent1"/>
-          </a:fillRef>
-          <a:effectRef idx="0">
-            <a:schemeClr val="accent1"/>
-          </a:effectRef>
-          <a:fontRef idx="minor">
-            <a:schemeClr val="lt1"/>
-          </a:fontRef>
-        </p:style>
-        <p:txBody>
-          <a:bodyPr rot="0" spcFirstLastPara="0" vertOverflow="overflow" horzOverflow="overflow" vert="horz" wrap="square" lIns="68580" tIns="34290" rIns="68580" bIns="34290" numCol="1" spcCol="0" rtlCol="0" fromWordArt="0" anchor="ctr" anchorCtr="0" forceAA="0" compatLnSpc="1">
-            <a:prstTxWarp prst="textNoShape">
-              <a:avLst/>
-            </a:prstTxWarp>
-            <a:noAutofit/>
-          </a:bodyPr>
-          <a:lstStyle/>
-          <a:p>
-            <a:pPr algn="ctr"/>
-            <a:endParaRPr lang="ko-KR" altLang="en-US" sz="1350"/>
-          </a:p>
-        </p:txBody>
-      </p:sp>
-      <p:sp>
-        <p:nvSpPr>
-          <p:cNvPr id="5" name="직사각형 4">
-            <a:extLst>
-              <a:ext uri="{FF2B5EF4-FFF2-40B4-BE49-F238E27FC236}">
-                <a16:creationId xmlns:a16="http://schemas.microsoft.com/office/drawing/2014/main" id="{D79F1DD2-F00C-4D6C-AFAB-08BC2B78C93F}"/>
-              </a:ext>
-            </a:extLst>
-          </p:cNvPr>
-          <p:cNvSpPr/>
-          <p:nvPr/>
-        </p:nvSpPr>
-        <p:spPr>
-          <a:xfrm>
-            <a:off x="8558074" y="1169923"/>
-            <a:ext cx="585926" cy="464575"/>
-          </a:xfrm>
-          <a:prstGeom prst="rect">
-            <a:avLst/>
-          </a:prstGeom>
-          <a:solidFill>
-            <a:srgbClr val="FFC000"/>
-          </a:solidFill>
-          <a:ln>
-            <a:noFill/>
-          </a:ln>
-        </p:spPr>
-        <p:style>
-          <a:lnRef idx="2">
-            <a:schemeClr val="accent1">
-              <a:shade val="50000"/>
-            </a:schemeClr>
-          </a:lnRef>
-          <a:fillRef idx="1">
-            <a:schemeClr val="accent1"/>
-          </a:fillRef>
-          <a:effectRef idx="0">
-            <a:schemeClr val="accent1"/>
-          </a:effectRef>
-          <a:fontRef idx="minor">
-            <a:schemeClr val="lt1"/>
-          </a:fontRef>
-        </p:style>
-        <p:txBody>
-          <a:bodyPr rot="0" spcFirstLastPara="0" vertOverflow="overflow" horzOverflow="overflow" vert="horz" wrap="square" lIns="68580" tIns="34290" rIns="68580" bIns="34290" numCol="1" spcCol="0" rtlCol="0" fromWordArt="0" anchor="ctr" anchorCtr="0" forceAA="0" compatLnSpc="1">
-            <a:prstTxWarp prst="textNoShape">
-              <a:avLst/>
-            </a:prstTxWarp>
-            <a:noAutofit/>
-          </a:bodyPr>
-          <a:lstStyle/>
-          <a:p>
-            <a:pPr algn="ctr"/>
-            <a:endParaRPr lang="ko-KR" altLang="en-US" sz="1350"/>
-          </a:p>
-        </p:txBody>
-      </p:sp>
-      <p:sp>
-        <p:nvSpPr>
-          <p:cNvPr id="6" name="직사각형 5">
-            <a:extLst>
-              <a:ext uri="{FF2B5EF4-FFF2-40B4-BE49-F238E27FC236}">
-                <a16:creationId xmlns:a16="http://schemas.microsoft.com/office/drawing/2014/main" id="{21AE5ACF-1C54-4BD0-B099-D290D4268E11}"/>
-              </a:ext>
-            </a:extLst>
-          </p:cNvPr>
-          <p:cNvSpPr/>
-          <p:nvPr/>
-        </p:nvSpPr>
-        <p:spPr>
-          <a:xfrm>
-            <a:off x="8558074" y="1634498"/>
-            <a:ext cx="585926" cy="464575"/>
-          </a:xfrm>
-          <a:prstGeom prst="rect">
-            <a:avLst/>
-          </a:prstGeom>
-          <a:solidFill>
-            <a:srgbClr val="00B050"/>
-          </a:solidFill>
-          <a:ln>
-            <a:noFill/>
-          </a:ln>
-        </p:spPr>
-        <p:style>
-          <a:lnRef idx="2">
-            <a:schemeClr val="accent1">
-              <a:shade val="50000"/>
-            </a:schemeClr>
-          </a:lnRef>
-          <a:fillRef idx="1">
-            <a:schemeClr val="accent1"/>
-          </a:fillRef>
-          <a:effectRef idx="0">
-            <a:schemeClr val="accent1"/>
-          </a:effectRef>
-          <a:fontRef idx="minor">
-            <a:schemeClr val="lt1"/>
-          </a:fontRef>
-        </p:style>
-        <p:txBody>
-          <a:bodyPr rot="0" spcFirstLastPara="0" vertOverflow="overflow" horzOverflow="overflow" vert="horz" wrap="square" lIns="68580" tIns="34290" rIns="68580" bIns="34290" numCol="1" spcCol="0" rtlCol="0" fromWordArt="0" anchor="ctr" anchorCtr="0" forceAA="0" compatLnSpc="1">
-            <a:prstTxWarp prst="textNoShape">
-              <a:avLst/>
-            </a:prstTxWarp>
-            <a:noAutofit/>
-          </a:bodyPr>
-          <a:lstStyle/>
-          <a:p>
-            <a:pPr algn="ctr"/>
-            <a:endParaRPr lang="ko-KR" altLang="en-US" sz="1350"/>
-          </a:p>
-        </p:txBody>
-      </p:sp>
-      <p:sp>
-        <p:nvSpPr>
-          <p:cNvPr id="7" name="직사각형 6">
-            <a:extLst>
-              <a:ext uri="{FF2B5EF4-FFF2-40B4-BE49-F238E27FC236}">
-                <a16:creationId xmlns:a16="http://schemas.microsoft.com/office/drawing/2014/main" id="{2DDD51C6-C234-477F-82D3-909C3EB63704}"/>
-              </a:ext>
-            </a:extLst>
-          </p:cNvPr>
-          <p:cNvSpPr/>
-          <p:nvPr/>
-        </p:nvSpPr>
-        <p:spPr>
-          <a:xfrm>
-            <a:off x="7683910" y="2099073"/>
-            <a:ext cx="1460090" cy="464575"/>
-          </a:xfrm>
-          <a:prstGeom prst="rect">
-            <a:avLst/>
-          </a:prstGeom>
-          <a:solidFill>
-            <a:srgbClr val="00B9F6"/>
-          </a:solidFill>
-          <a:ln>
-            <a:noFill/>
-          </a:ln>
-        </p:spPr>
-        <p:style>
-          <a:lnRef idx="2">
-            <a:schemeClr val="accent1">
-              <a:shade val="50000"/>
-            </a:schemeClr>
-          </a:lnRef>
-          <a:fillRef idx="1">
-            <a:schemeClr val="accent1"/>
-          </a:fillRef>
-          <a:effectRef idx="0">
-            <a:schemeClr val="accent1"/>
-          </a:effectRef>
-          <a:fontRef idx="minor">
-            <a:schemeClr val="lt1"/>
-          </a:fontRef>
-        </p:style>
-        <p:txBody>
-          <a:bodyPr rot="0" spcFirstLastPara="0" vertOverflow="overflow" horzOverflow="overflow" vert="horz" wrap="square" lIns="68580" tIns="34290" rIns="68580" bIns="34290" numCol="1" spcCol="0" rtlCol="0" fromWordArt="0" anchor="ctr" anchorCtr="0" forceAA="0" compatLnSpc="1">
-            <a:prstTxWarp prst="textNoShape">
-              <a:avLst/>
-            </a:prstTxWarp>
-            <a:noAutofit/>
-          </a:bodyPr>
-          <a:lstStyle/>
-          <a:p>
-            <a:pPr algn="ctr"/>
-            <a:endParaRPr lang="ko-KR" altLang="en-US"/>
-          </a:p>
-        </p:txBody>
-      </p:sp>
-      <p:sp>
-        <p:nvSpPr>
-          <p:cNvPr id="8" name="직사각형 7">
-            <a:extLst>
-              <a:ext uri="{FF2B5EF4-FFF2-40B4-BE49-F238E27FC236}">
-                <a16:creationId xmlns:a16="http://schemas.microsoft.com/office/drawing/2014/main" id="{44D9E954-10CD-4D1C-9BB9-C52BCDB20A43}"/>
-              </a:ext>
-            </a:extLst>
-          </p:cNvPr>
-          <p:cNvSpPr/>
-          <p:nvPr/>
-        </p:nvSpPr>
-        <p:spPr>
-          <a:xfrm>
-            <a:off x="8558072" y="2563648"/>
-            <a:ext cx="585927" cy="464575"/>
-          </a:xfrm>
-          <a:prstGeom prst="rect">
-            <a:avLst/>
-          </a:prstGeom>
-          <a:solidFill>
-            <a:schemeClr val="bg2">
-              <a:lumMod val="50000"/>
-            </a:schemeClr>
-          </a:solidFill>
-          <a:ln>
-            <a:noFill/>
-          </a:ln>
-        </p:spPr>
-        <p:style>
-          <a:lnRef idx="2">
-            <a:schemeClr val="accent1">
-              <a:shade val="50000"/>
-            </a:schemeClr>
-          </a:lnRef>
-          <a:fillRef idx="1">
-            <a:schemeClr val="accent1"/>
-          </a:fillRef>
-          <a:effectRef idx="0">
-            <a:schemeClr val="accent1"/>
-          </a:effectRef>
-          <a:fontRef idx="minor">
-            <a:schemeClr val="lt1"/>
-          </a:fontRef>
-        </p:style>
-        <p:txBody>
-          <a:bodyPr rot="0" spcFirstLastPara="0" vertOverflow="overflow" horzOverflow="overflow" vert="horz" wrap="square" lIns="68580" tIns="34290" rIns="68580" bIns="34290" numCol="1" spcCol="0" rtlCol="0" fromWordArt="0" anchor="ctr" anchorCtr="0" forceAA="0" compatLnSpc="1">
-            <a:prstTxWarp prst="textNoShape">
-              <a:avLst/>
-            </a:prstTxWarp>
-            <a:noAutofit/>
-          </a:bodyPr>
-          <a:lstStyle/>
-          <a:p>
-            <a:pPr algn="ctr"/>
-            <a:endParaRPr lang="ko-KR" altLang="en-US"/>
+              <a:t> 프로젝트</a:t>
+            </a:r>
           </a:p>
         </p:txBody>
       </p:sp>
@@ -10615,7 +9883,7 @@
         <p:spPr>
           <a:xfrm>
             <a:off x="745726" y="618835"/>
-            <a:ext cx="3437159" cy="1015663"/>
+            <a:ext cx="5570756" cy="1015663"/>
           </a:xfrm>
           <a:prstGeom prst="rect">
             <a:avLst/>
@@ -10629,33 +9897,22 @@
           <a:lstStyle/>
           <a:p>
             <a:r>
-              <a:rPr lang="ko-KR" altLang="en-US" sz="6000" dirty="0" err="1">
-                <a:solidFill>
-                  <a:schemeClr val="bg1"/>
-                </a:solidFill>
-              </a:rPr>
-              <a:t>차일드</a:t>
-            </a:r>
-            <a:r>
               <a:rPr lang="ko-KR" altLang="en-US" sz="6000" dirty="0">
                 <a:solidFill>
                   <a:schemeClr val="bg1"/>
                 </a:solidFill>
-              </a:rPr>
-              <a:t> 씬</a:t>
-            </a:r>
-            <a:endParaRPr lang="en-US" altLang="ko-KR" sz="6000" dirty="0">
-              <a:solidFill>
-                <a:schemeClr val="bg1"/>
-              </a:solidFill>
-            </a:endParaRPr>
+                <a:latin typeface="나눔바른펜" panose="020B0503000000000000" pitchFamily="50" charset="-127"/>
+                <a:ea typeface="나눔바른펜" panose="020B0503000000000000" pitchFamily="50" charset="-127"/>
+              </a:rPr>
+              <a:t>주요제작리스트</a:t>
+            </a:r>
           </a:p>
         </p:txBody>
       </p:sp>
     </p:spTree>
     <p:extLst>
       <p:ext uri="{BB962C8B-B14F-4D97-AF65-F5344CB8AC3E}">
-        <p14:creationId xmlns:p14="http://schemas.microsoft.com/office/powerpoint/2010/main" val="1042890885"/>
+        <p14:creationId xmlns:p14="http://schemas.microsoft.com/office/powerpoint/2010/main" val="45783522"/>
       </p:ext>
     </p:extLst>
   </p:cSld>

--- a/발표자료/API 텀프로젝트 발표자료.pptx
+++ b/발표자료/API 텀프로젝트 발표자료.pptx
@@ -13,9 +13,9 @@
     <p:sldId id="269" r:id="rId7"/>
     <p:sldId id="262" r:id="rId8"/>
     <p:sldId id="271" r:id="rId9"/>
-    <p:sldId id="265" r:id="rId10"/>
+    <p:sldId id="272" r:id="rId10"/>
     <p:sldId id="268" r:id="rId11"/>
-    <p:sldId id="267" r:id="rId12"/>
+    <p:sldId id="273" r:id="rId12"/>
     <p:sldId id="266" r:id="rId13"/>
     <p:sldId id="264" r:id="rId14"/>
   </p:sldIdLst>
@@ -3251,7 +3251,7 @@
         <p:spPr>
           <a:xfrm>
             <a:off x="2247907" y="2692412"/>
-            <a:ext cx="2983509" cy="1323439"/>
+            <a:ext cx="2983509" cy="1384995"/>
           </a:xfrm>
           <a:prstGeom prst="rect">
             <a:avLst/>
@@ -3265,11 +3265,11 @@
           <a:lstStyle/>
           <a:p>
             <a:r>
-              <a:rPr lang="en-US" altLang="ko-KR" sz="4000" dirty="0">
-                <a:solidFill>
-                  <a:schemeClr val="bg1"/>
-                </a:solidFill>
-                <a:latin typeface="나눔스퀘어 Light" panose="020B0600000101010101" pitchFamily="50" charset="-127"/>
+              <a:rPr lang="en-US" altLang="ko-KR" sz="4400" dirty="0">
+                <a:solidFill>
+                  <a:schemeClr val="bg1"/>
+                </a:solidFill>
+                <a:latin typeface="+mj-lt"/>
                 <a:ea typeface="나눔스퀘어 Light" panose="020B0600000101010101" pitchFamily="50" charset="-127"/>
               </a:rPr>
               <a:t>WIN API</a:t>
@@ -3429,246 +3429,10 @@
       </p:grpSpPr>
       <p:sp>
         <p:nvSpPr>
-          <p:cNvPr id="3" name="내용 개체 틀 2">
+          <p:cNvPr id="14" name="TextBox 13">
             <a:extLst>
               <a:ext uri="{FF2B5EF4-FFF2-40B4-BE49-F238E27FC236}">
-                <a16:creationId xmlns:a16="http://schemas.microsoft.com/office/drawing/2014/main" id="{972CE041-03FA-4BFB-AA4E-6057DEA64598}"/>
-              </a:ext>
-            </a:extLst>
-          </p:cNvPr>
-          <p:cNvSpPr>
-            <a:spLocks noGrp="1"/>
-          </p:cNvSpPr>
-          <p:nvPr>
-            <p:ph idx="1"/>
-          </p:nvPr>
-        </p:nvSpPr>
-        <p:spPr>
-          <a:xfrm>
-            <a:off x="628650" y="1825625"/>
-            <a:ext cx="7886700" cy="4351338"/>
-          </a:xfrm>
-        </p:spPr>
-        <p:txBody>
-          <a:bodyPr/>
-          <a:lstStyle/>
-          <a:p>
-            <a:r>
-              <a:rPr lang="en-US" altLang="ko-KR" dirty="0">
-                <a:solidFill>
-                  <a:schemeClr val="bg1"/>
-                </a:solidFill>
-              </a:rPr>
-              <a:t>Scene </a:t>
-            </a:r>
-            <a:r>
-              <a:rPr lang="ko-KR" altLang="en-US" dirty="0">
-                <a:solidFill>
-                  <a:schemeClr val="bg1"/>
-                </a:solidFill>
-              </a:rPr>
-              <a:t>만으로 불가능 했던 것</a:t>
-            </a:r>
-            <a:r>
-              <a:rPr lang="en-US" altLang="ko-KR" dirty="0">
-                <a:solidFill>
-                  <a:schemeClr val="bg1"/>
-                </a:solidFill>
-              </a:rPr>
-              <a:t>: </a:t>
-            </a:r>
-          </a:p>
-          <a:p>
-            <a:pPr marL="457200" lvl="1" indent="0">
-              <a:buNone/>
-            </a:pPr>
-            <a:r>
-              <a:rPr lang="en-US" altLang="ko-KR" dirty="0">
-                <a:solidFill>
-                  <a:schemeClr val="bg1"/>
-                </a:solidFill>
-              </a:rPr>
-              <a:t>game</a:t>
-            </a:r>
-            <a:r>
-              <a:rPr lang="ko-KR" altLang="en-US" dirty="0">
-                <a:solidFill>
-                  <a:schemeClr val="bg1"/>
-                </a:solidFill>
-              </a:rPr>
-              <a:t>과 </a:t>
-            </a:r>
-            <a:r>
-              <a:rPr lang="en-US" altLang="ko-KR" dirty="0">
-                <a:solidFill>
-                  <a:schemeClr val="bg1"/>
-                </a:solidFill>
-              </a:rPr>
-              <a:t>edit</a:t>
-            </a:r>
-            <a:r>
-              <a:rPr lang="ko-KR" altLang="en-US" dirty="0" err="1">
-                <a:solidFill>
-                  <a:schemeClr val="bg1"/>
-                </a:solidFill>
-              </a:rPr>
-              <a:t>씬과의</a:t>
-            </a:r>
-            <a:r>
-              <a:rPr lang="ko-KR" altLang="en-US" dirty="0">
-                <a:solidFill>
-                  <a:schemeClr val="bg1"/>
-                </a:solidFill>
-              </a:rPr>
-              <a:t> 상호작용 불가능</a:t>
-            </a:r>
-            <a:endParaRPr lang="en-US" altLang="ko-KR" dirty="0">
-              <a:solidFill>
-                <a:schemeClr val="bg1"/>
-              </a:solidFill>
-            </a:endParaRPr>
-          </a:p>
-          <a:p>
-            <a:endParaRPr lang="en-US" altLang="ko-KR" dirty="0">
-              <a:solidFill>
-                <a:schemeClr val="bg1"/>
-              </a:solidFill>
-            </a:endParaRPr>
-          </a:p>
-          <a:p>
-            <a:r>
-              <a:rPr lang="en-US" altLang="ko-KR" dirty="0">
-                <a:solidFill>
-                  <a:schemeClr val="bg1"/>
-                </a:solidFill>
-              </a:rPr>
-              <a:t>Scene</a:t>
-            </a:r>
-            <a:r>
-              <a:rPr lang="ko-KR" altLang="en-US" dirty="0">
-                <a:solidFill>
-                  <a:schemeClr val="bg1"/>
-                </a:solidFill>
-              </a:rPr>
-              <a:t>이 </a:t>
-            </a:r>
-            <a:r>
-              <a:rPr lang="en-US" altLang="ko-KR" dirty="0" err="1">
-                <a:solidFill>
-                  <a:schemeClr val="bg1"/>
-                </a:solidFill>
-              </a:rPr>
-              <a:t>FrameWork</a:t>
-            </a:r>
-            <a:r>
-              <a:rPr lang="en-US" altLang="ko-KR" dirty="0">
-                <a:solidFill>
-                  <a:schemeClr val="bg1"/>
-                </a:solidFill>
-              </a:rPr>
-              <a:t> </a:t>
-            </a:r>
-            <a:r>
-              <a:rPr lang="ko-KR" altLang="en-US" dirty="0">
-                <a:solidFill>
-                  <a:schemeClr val="bg1"/>
-                </a:solidFill>
-              </a:rPr>
-              <a:t>에 </a:t>
-            </a:r>
-            <a:r>
-              <a:rPr lang="ko-KR" altLang="en-US" dirty="0" err="1">
-                <a:solidFill>
-                  <a:schemeClr val="bg1"/>
-                </a:solidFill>
-              </a:rPr>
-              <a:t>들려있듯이</a:t>
-            </a:r>
-            <a:r>
-              <a:rPr lang="ko-KR" altLang="en-US" dirty="0">
-                <a:solidFill>
-                  <a:schemeClr val="bg1"/>
-                </a:solidFill>
-              </a:rPr>
-              <a:t> </a:t>
-            </a:r>
-            <a:r>
-              <a:rPr lang="en-US" altLang="ko-KR" dirty="0">
-                <a:solidFill>
-                  <a:schemeClr val="bg1"/>
-                </a:solidFill>
-              </a:rPr>
-              <a:t>Scene</a:t>
-            </a:r>
-            <a:r>
-              <a:rPr lang="ko-KR" altLang="en-US" dirty="0">
-                <a:solidFill>
-                  <a:schemeClr val="bg1"/>
-                </a:solidFill>
-              </a:rPr>
-              <a:t>에 </a:t>
-            </a:r>
-            <a:r>
-              <a:rPr lang="en-US" altLang="ko-KR" dirty="0" err="1">
-                <a:solidFill>
-                  <a:schemeClr val="bg1"/>
-                </a:solidFill>
-              </a:rPr>
-              <a:t>ChildScene</a:t>
-            </a:r>
-            <a:r>
-              <a:rPr lang="ko-KR" altLang="en-US" dirty="0">
-                <a:solidFill>
-                  <a:schemeClr val="bg1"/>
-                </a:solidFill>
-              </a:rPr>
-              <a:t>을 들려주었음</a:t>
-            </a:r>
-            <a:endParaRPr lang="en-US" altLang="ko-KR" dirty="0">
-              <a:solidFill>
-                <a:schemeClr val="bg1"/>
-              </a:solidFill>
-            </a:endParaRPr>
-          </a:p>
-          <a:p>
-            <a:r>
-              <a:rPr lang="en-US" altLang="ko-KR" dirty="0" err="1">
-                <a:solidFill>
-                  <a:schemeClr val="bg1"/>
-                </a:solidFill>
-              </a:rPr>
-              <a:t>ChildGetMessge</a:t>
-            </a:r>
-            <a:r>
-              <a:rPr lang="en-US" altLang="ko-KR" dirty="0">
-                <a:solidFill>
-                  <a:schemeClr val="bg1"/>
-                </a:solidFill>
-              </a:rPr>
-              <a:t> </a:t>
-            </a:r>
-            <a:r>
-              <a:rPr lang="ko-KR" altLang="en-US" dirty="0">
-                <a:solidFill>
-                  <a:schemeClr val="bg1"/>
-                </a:solidFill>
-              </a:rPr>
-              <a:t>함수로 상호작용 처리</a:t>
-            </a:r>
-            <a:endParaRPr lang="en-US" altLang="ko-KR" dirty="0">
-              <a:solidFill>
-                <a:schemeClr val="bg1"/>
-              </a:solidFill>
-            </a:endParaRPr>
-          </a:p>
-        </p:txBody>
-      </p:sp>
-      <p:sp>
-        <p:nvSpPr>
-          <p:cNvPr id="9" name="TextBox 8">
-            <a:extLst>
-              <a:ext uri="{FF2B5EF4-FFF2-40B4-BE49-F238E27FC236}">
-                <a16:creationId xmlns:a16="http://schemas.microsoft.com/office/drawing/2014/main" id="{DA4C68B3-2F4C-4149-8004-6F33AAE7274E}"/>
+                <a16:creationId xmlns:a16="http://schemas.microsoft.com/office/drawing/2014/main" id="{A52E3A51-A3BB-4A0D-B799-A3C6AEDC18C1}"/>
               </a:ext>
             </a:extLst>
           </p:cNvPr>
@@ -3677,8 +3441,8 @@
         </p:nvSpPr>
         <p:spPr>
           <a:xfrm>
-            <a:off x="745726" y="618835"/>
-            <a:ext cx="3437159" cy="1015663"/>
+            <a:off x="3383211" y="580001"/>
+            <a:ext cx="2377574" cy="769441"/>
           </a:xfrm>
           <a:prstGeom prst="rect">
             <a:avLst/>
@@ -3692,29 +3456,602 @@
           <a:lstStyle/>
           <a:p>
             <a:r>
-              <a:rPr lang="ko-KR" altLang="en-US" sz="6000" dirty="0" err="1">
-                <a:solidFill>
-                  <a:schemeClr val="bg1"/>
-                </a:solidFill>
+              <a:rPr lang="ko-KR" altLang="en-US" sz="4400" dirty="0" err="1">
+                <a:solidFill>
+                  <a:schemeClr val="bg1"/>
+                </a:solidFill>
+                <a:latin typeface="나눔스퀘어 Light" panose="020B0600000101010101" pitchFamily="50" charset="-127"/>
+                <a:ea typeface="나눔스퀘어 Light" panose="020B0600000101010101" pitchFamily="50" charset="-127"/>
               </a:rPr>
               <a:t>차일드</a:t>
             </a:r>
             <a:r>
-              <a:rPr lang="ko-KR" altLang="en-US" sz="6000" dirty="0">
-                <a:solidFill>
-                  <a:schemeClr val="bg1"/>
-                </a:solidFill>
+              <a:rPr lang="ko-KR" altLang="en-US" sz="4400" dirty="0">
+                <a:solidFill>
+                  <a:schemeClr val="bg1"/>
+                </a:solidFill>
+                <a:latin typeface="나눔스퀘어 Light" panose="020B0600000101010101" pitchFamily="50" charset="-127"/>
+                <a:ea typeface="나눔스퀘어 Light" panose="020B0600000101010101" pitchFamily="50" charset="-127"/>
               </a:rPr>
               <a:t> 씬</a:t>
             </a:r>
-            <a:endParaRPr lang="en-US" altLang="ko-KR" sz="6000" dirty="0">
+          </a:p>
+        </p:txBody>
+      </p:sp>
+      <p:sp>
+        <p:nvSpPr>
+          <p:cNvPr id="15" name="사각형: 둥근 모서리 14">
+            <a:extLst>
+              <a:ext uri="{FF2B5EF4-FFF2-40B4-BE49-F238E27FC236}">
+                <a16:creationId xmlns:a16="http://schemas.microsoft.com/office/drawing/2014/main" id="{C8686637-2F86-4706-AC9A-1B6706026570}"/>
+              </a:ext>
+            </a:extLst>
+          </p:cNvPr>
+          <p:cNvSpPr/>
+          <p:nvPr/>
+        </p:nvSpPr>
+        <p:spPr>
+          <a:xfrm>
+            <a:off x="2385892" y="2131782"/>
+            <a:ext cx="4372211" cy="735724"/>
+          </a:xfrm>
+          <a:prstGeom prst="roundRect">
+            <a:avLst/>
+          </a:prstGeom>
+          <a:solidFill>
+            <a:schemeClr val="bg1">
+              <a:lumMod val="65000"/>
+              <a:alpha val="34000"/>
+            </a:schemeClr>
+          </a:solidFill>
+          <a:ln>
+            <a:noFill/>
+          </a:ln>
+        </p:spPr>
+        <p:style>
+          <a:lnRef idx="2">
+            <a:schemeClr val="accent1">
+              <a:shade val="50000"/>
+            </a:schemeClr>
+          </a:lnRef>
+          <a:fillRef idx="1">
+            <a:schemeClr val="accent1"/>
+          </a:fillRef>
+          <a:effectRef idx="0">
+            <a:schemeClr val="accent1"/>
+          </a:effectRef>
+          <a:fontRef idx="minor">
+            <a:schemeClr val="lt1"/>
+          </a:fontRef>
+        </p:style>
+        <p:txBody>
+          <a:bodyPr rtlCol="0" anchor="ctr"/>
+          <a:lstStyle/>
+          <a:p>
+            <a:pPr algn="ctr"/>
+            <a:r>
+              <a:rPr lang="en-US" altLang="ko-KR" sz="2000" dirty="0">
+                <a:latin typeface="나눔스퀘어 Light" panose="020B0600000101010101" pitchFamily="50" charset="-127"/>
+                <a:ea typeface="나눔스퀘어 Light" panose="020B0600000101010101" pitchFamily="50" charset="-127"/>
+              </a:rPr>
+              <a:t>Scene</a:t>
+            </a:r>
+            <a:r>
+              <a:rPr lang="ko-KR" altLang="en-US" sz="2000" dirty="0">
+                <a:latin typeface="나눔스퀘어 Light" panose="020B0600000101010101" pitchFamily="50" charset="-127"/>
+                <a:ea typeface="나눔스퀘어 Light" panose="020B0600000101010101" pitchFamily="50" charset="-127"/>
+              </a:rPr>
+              <a:t> 만으로는 </a:t>
+            </a:r>
+            <a:r>
+              <a:rPr lang="en-US" altLang="ko-KR" sz="2000" dirty="0">
+                <a:latin typeface="나눔스퀘어 Light" panose="020B0600000101010101" pitchFamily="50" charset="-127"/>
+                <a:ea typeface="나눔스퀘어 Light" panose="020B0600000101010101" pitchFamily="50" charset="-127"/>
+              </a:rPr>
+              <a:t>game</a:t>
+            </a:r>
+            <a:r>
+              <a:rPr lang="ko-KR" altLang="en-US" sz="2000" dirty="0" err="1">
+                <a:latin typeface="나눔스퀘어 Light" panose="020B0600000101010101" pitchFamily="50" charset="-127"/>
+                <a:ea typeface="나눔스퀘어 Light" panose="020B0600000101010101" pitchFamily="50" charset="-127"/>
+              </a:rPr>
+              <a:t>씬과</a:t>
+            </a:r>
+            <a:r>
+              <a:rPr lang="ko-KR" altLang="en-US" sz="2000" dirty="0">
+                <a:latin typeface="나눔스퀘어 Light" panose="020B0600000101010101" pitchFamily="50" charset="-127"/>
+                <a:ea typeface="나눔스퀘어 Light" panose="020B0600000101010101" pitchFamily="50" charset="-127"/>
+              </a:rPr>
+              <a:t> </a:t>
+            </a:r>
+            <a:r>
+              <a:rPr lang="en-US" altLang="ko-KR" sz="2000" dirty="0">
+                <a:latin typeface="나눔스퀘어 Light" panose="020B0600000101010101" pitchFamily="50" charset="-127"/>
+                <a:ea typeface="나눔스퀘어 Light" panose="020B0600000101010101" pitchFamily="50" charset="-127"/>
+              </a:rPr>
+              <a:t>edit</a:t>
+            </a:r>
+            <a:r>
+              <a:rPr lang="ko-KR" altLang="en-US" sz="2000" dirty="0" err="1">
+                <a:latin typeface="나눔스퀘어 Light" panose="020B0600000101010101" pitchFamily="50" charset="-127"/>
+                <a:ea typeface="나눔스퀘어 Light" panose="020B0600000101010101" pitchFamily="50" charset="-127"/>
+              </a:rPr>
+              <a:t>씬과의</a:t>
+            </a:r>
+            <a:r>
+              <a:rPr lang="ko-KR" altLang="en-US" sz="2000" dirty="0">
+                <a:latin typeface="나눔스퀘어 Light" panose="020B0600000101010101" pitchFamily="50" charset="-127"/>
+                <a:ea typeface="나눔스퀘어 Light" panose="020B0600000101010101" pitchFamily="50" charset="-127"/>
+              </a:rPr>
+              <a:t> 상호작용 불가능</a:t>
+            </a:r>
+          </a:p>
+        </p:txBody>
+      </p:sp>
+      <p:sp>
+        <p:nvSpPr>
+          <p:cNvPr id="19" name="사각형: 둥근 모서리 18">
+            <a:extLst>
+              <a:ext uri="{FF2B5EF4-FFF2-40B4-BE49-F238E27FC236}">
+                <a16:creationId xmlns:a16="http://schemas.microsoft.com/office/drawing/2014/main" id="{C29F8AED-B1B2-44E4-8641-76B217B95F79}"/>
+              </a:ext>
+            </a:extLst>
+          </p:cNvPr>
+          <p:cNvSpPr/>
+          <p:nvPr/>
+        </p:nvSpPr>
+        <p:spPr>
+          <a:xfrm>
+            <a:off x="212951" y="4152411"/>
+            <a:ext cx="4186329" cy="1387980"/>
+          </a:xfrm>
+          <a:prstGeom prst="roundRect">
+            <a:avLst/>
+          </a:prstGeom>
+          <a:solidFill>
+            <a:schemeClr val="bg1">
+              <a:lumMod val="65000"/>
+              <a:alpha val="34000"/>
+            </a:schemeClr>
+          </a:solidFill>
+          <a:ln>
+            <a:noFill/>
+          </a:ln>
+        </p:spPr>
+        <p:style>
+          <a:lnRef idx="2">
+            <a:schemeClr val="accent1">
+              <a:shade val="50000"/>
+            </a:schemeClr>
+          </a:lnRef>
+          <a:fillRef idx="1">
+            <a:schemeClr val="accent1"/>
+          </a:fillRef>
+          <a:effectRef idx="0">
+            <a:schemeClr val="accent1"/>
+          </a:effectRef>
+          <a:fontRef idx="minor">
+            <a:schemeClr val="lt1"/>
+          </a:fontRef>
+        </p:style>
+        <p:txBody>
+          <a:bodyPr rtlCol="0" anchor="ctr"/>
+          <a:lstStyle/>
+          <a:p>
+            <a:pPr algn="ctr">
+              <a:lnSpc>
+                <a:spcPct val="150000"/>
+              </a:lnSpc>
+              <a:buSzPct val="80000"/>
+            </a:pPr>
+            <a:r>
+              <a:rPr lang="en-US" altLang="ko-KR" sz="2000" dirty="0">
+                <a:solidFill>
+                  <a:schemeClr val="bg1"/>
+                </a:solidFill>
+                <a:latin typeface="나눔스퀘어 Light" panose="020B0600000101010101" pitchFamily="50" charset="-127"/>
+                <a:ea typeface="나눔스퀘어 Light" panose="020B0600000101010101" pitchFamily="50" charset="-127"/>
+              </a:rPr>
+              <a:t>Scene</a:t>
+            </a:r>
+            <a:r>
+              <a:rPr lang="ko-KR" altLang="en-US" sz="2000" dirty="0">
+                <a:solidFill>
+                  <a:schemeClr val="bg1"/>
+                </a:solidFill>
+                <a:latin typeface="나눔스퀘어 Light" panose="020B0600000101010101" pitchFamily="50" charset="-127"/>
+                <a:ea typeface="나눔스퀘어 Light" panose="020B0600000101010101" pitchFamily="50" charset="-127"/>
+              </a:rPr>
+              <a:t>이 </a:t>
+            </a:r>
+            <a:r>
+              <a:rPr lang="en-US" altLang="ko-KR" sz="2000" dirty="0" err="1">
+                <a:solidFill>
+                  <a:schemeClr val="bg1"/>
+                </a:solidFill>
+                <a:latin typeface="나눔스퀘어 Light" panose="020B0600000101010101" pitchFamily="50" charset="-127"/>
+                <a:ea typeface="나눔스퀘어 Light" panose="020B0600000101010101" pitchFamily="50" charset="-127"/>
+              </a:rPr>
+              <a:t>FrameWork</a:t>
+            </a:r>
+            <a:r>
+              <a:rPr lang="en-US" altLang="ko-KR" sz="2000" dirty="0">
+                <a:solidFill>
+                  <a:schemeClr val="bg1"/>
+                </a:solidFill>
+                <a:latin typeface="나눔스퀘어 Light" panose="020B0600000101010101" pitchFamily="50" charset="-127"/>
+                <a:ea typeface="나눔스퀘어 Light" panose="020B0600000101010101" pitchFamily="50" charset="-127"/>
+              </a:rPr>
+              <a:t> </a:t>
+            </a:r>
+            <a:r>
+              <a:rPr lang="ko-KR" altLang="en-US" sz="2000" dirty="0">
+                <a:solidFill>
+                  <a:schemeClr val="bg1"/>
+                </a:solidFill>
+                <a:latin typeface="나눔스퀘어 Light" panose="020B0600000101010101" pitchFamily="50" charset="-127"/>
+                <a:ea typeface="나눔스퀘어 Light" panose="020B0600000101010101" pitchFamily="50" charset="-127"/>
+              </a:rPr>
+              <a:t>에 </a:t>
+            </a:r>
+            <a:r>
+              <a:rPr lang="ko-KR" altLang="en-US" sz="2000" dirty="0" err="1">
+                <a:solidFill>
+                  <a:schemeClr val="bg1"/>
+                </a:solidFill>
+                <a:latin typeface="나눔스퀘어 Light" panose="020B0600000101010101" pitchFamily="50" charset="-127"/>
+                <a:ea typeface="나눔스퀘어 Light" panose="020B0600000101010101" pitchFamily="50" charset="-127"/>
+              </a:rPr>
+              <a:t>들려있듯이</a:t>
+            </a:r>
+            <a:endParaRPr lang="en-US" altLang="ko-KR" sz="2000" dirty="0">
               <a:solidFill>
                 <a:schemeClr val="bg1"/>
               </a:solidFill>
+              <a:latin typeface="나눔스퀘어 Light" panose="020B0600000101010101" pitchFamily="50" charset="-127"/>
+              <a:ea typeface="나눔스퀘어 Light" panose="020B0600000101010101" pitchFamily="50" charset="-127"/>
             </a:endParaRPr>
           </a:p>
-        </p:txBody>
-      </p:sp>
+          <a:p>
+            <a:pPr algn="ctr">
+              <a:lnSpc>
+                <a:spcPct val="150000"/>
+              </a:lnSpc>
+              <a:buSzPct val="80000"/>
+            </a:pPr>
+            <a:r>
+              <a:rPr lang="en-US" altLang="ko-KR" sz="2000" dirty="0">
+                <a:solidFill>
+                  <a:schemeClr val="bg1"/>
+                </a:solidFill>
+                <a:latin typeface="나눔스퀘어 Light" panose="020B0600000101010101" pitchFamily="50" charset="-127"/>
+                <a:ea typeface="나눔스퀘어 Light" panose="020B0600000101010101" pitchFamily="50" charset="-127"/>
+              </a:rPr>
+              <a:t>Scene</a:t>
+            </a:r>
+            <a:r>
+              <a:rPr lang="ko-KR" altLang="en-US" sz="2000" dirty="0">
+                <a:solidFill>
+                  <a:schemeClr val="bg1"/>
+                </a:solidFill>
+                <a:latin typeface="나눔스퀘어 Light" panose="020B0600000101010101" pitchFamily="50" charset="-127"/>
+                <a:ea typeface="나눔스퀘어 Light" panose="020B0600000101010101" pitchFamily="50" charset="-127"/>
+              </a:rPr>
+              <a:t>에 </a:t>
+            </a:r>
+            <a:r>
+              <a:rPr lang="en-US" altLang="ko-KR" sz="2000" dirty="0" err="1">
+                <a:solidFill>
+                  <a:schemeClr val="bg1"/>
+                </a:solidFill>
+                <a:latin typeface="나눔스퀘어 Light" panose="020B0600000101010101" pitchFamily="50" charset="-127"/>
+                <a:ea typeface="나눔스퀘어 Light" panose="020B0600000101010101" pitchFamily="50" charset="-127"/>
+              </a:rPr>
+              <a:t>ChildScene</a:t>
+            </a:r>
+            <a:r>
+              <a:rPr lang="ko-KR" altLang="en-US" sz="2000" dirty="0">
+                <a:solidFill>
+                  <a:schemeClr val="bg1"/>
+                </a:solidFill>
+                <a:latin typeface="나눔스퀘어 Light" panose="020B0600000101010101" pitchFamily="50" charset="-127"/>
+                <a:ea typeface="나눔스퀘어 Light" panose="020B0600000101010101" pitchFamily="50" charset="-127"/>
+              </a:rPr>
+              <a:t>을 들려주었음</a:t>
+            </a:r>
+            <a:endParaRPr lang="en-US" altLang="ko-KR" sz="2000" dirty="0">
+              <a:solidFill>
+                <a:schemeClr val="bg1"/>
+              </a:solidFill>
+              <a:latin typeface="나눔스퀘어 Light" panose="020B0600000101010101" pitchFamily="50" charset="-127"/>
+              <a:ea typeface="나눔스퀘어 Light" panose="020B0600000101010101" pitchFamily="50" charset="-127"/>
+            </a:endParaRPr>
+          </a:p>
+        </p:txBody>
+      </p:sp>
+      <p:sp>
+        <p:nvSpPr>
+          <p:cNvPr id="20" name="사각형: 둥근 모서리 19">
+            <a:extLst>
+              <a:ext uri="{FF2B5EF4-FFF2-40B4-BE49-F238E27FC236}">
+                <a16:creationId xmlns:a16="http://schemas.microsoft.com/office/drawing/2014/main" id="{9EBFD73D-60D3-499D-BD50-FB72FCC80CC0}"/>
+              </a:ext>
+            </a:extLst>
+          </p:cNvPr>
+          <p:cNvSpPr/>
+          <p:nvPr/>
+        </p:nvSpPr>
+        <p:spPr>
+          <a:xfrm>
+            <a:off x="4746218" y="4152411"/>
+            <a:ext cx="4186329" cy="1387980"/>
+          </a:xfrm>
+          <a:prstGeom prst="roundRect">
+            <a:avLst/>
+          </a:prstGeom>
+          <a:solidFill>
+            <a:schemeClr val="bg1">
+              <a:lumMod val="65000"/>
+              <a:alpha val="34000"/>
+            </a:schemeClr>
+          </a:solidFill>
+          <a:ln>
+            <a:noFill/>
+          </a:ln>
+        </p:spPr>
+        <p:style>
+          <a:lnRef idx="2">
+            <a:schemeClr val="accent1">
+              <a:shade val="50000"/>
+            </a:schemeClr>
+          </a:lnRef>
+          <a:fillRef idx="1">
+            <a:schemeClr val="accent1"/>
+          </a:fillRef>
+          <a:effectRef idx="0">
+            <a:schemeClr val="accent1"/>
+          </a:effectRef>
+          <a:fontRef idx="minor">
+            <a:schemeClr val="lt1"/>
+          </a:fontRef>
+        </p:style>
+        <p:txBody>
+          <a:bodyPr rtlCol="0" anchor="ctr"/>
+          <a:lstStyle/>
+          <a:p>
+            <a:pPr algn="ctr">
+              <a:lnSpc>
+                <a:spcPct val="150000"/>
+              </a:lnSpc>
+              <a:buSzPct val="80000"/>
+            </a:pPr>
+            <a:r>
+              <a:rPr lang="en-US" altLang="ko-KR" sz="2000" dirty="0" err="1">
+                <a:solidFill>
+                  <a:schemeClr val="bg1"/>
+                </a:solidFill>
+                <a:latin typeface="나눔스퀘어 Light" panose="020B0600000101010101" pitchFamily="50" charset="-127"/>
+                <a:ea typeface="나눔스퀘어 Light" panose="020B0600000101010101" pitchFamily="50" charset="-127"/>
+              </a:rPr>
+              <a:t>ChildGetMessge</a:t>
+            </a:r>
+            <a:r>
+              <a:rPr lang="en-US" altLang="ko-KR" sz="2000" dirty="0">
+                <a:solidFill>
+                  <a:schemeClr val="bg1"/>
+                </a:solidFill>
+                <a:latin typeface="나눔스퀘어 Light" panose="020B0600000101010101" pitchFamily="50" charset="-127"/>
+                <a:ea typeface="나눔스퀘어 Light" panose="020B0600000101010101" pitchFamily="50" charset="-127"/>
+              </a:rPr>
+              <a:t> </a:t>
+            </a:r>
+            <a:r>
+              <a:rPr lang="ko-KR" altLang="en-US" sz="2000" dirty="0">
+                <a:solidFill>
+                  <a:schemeClr val="bg1"/>
+                </a:solidFill>
+                <a:latin typeface="나눔스퀘어 Light" panose="020B0600000101010101" pitchFamily="50" charset="-127"/>
+                <a:ea typeface="나눔스퀘어 Light" panose="020B0600000101010101" pitchFamily="50" charset="-127"/>
+              </a:rPr>
+              <a:t>함수로</a:t>
+            </a:r>
+            <a:endParaRPr lang="en-US" altLang="ko-KR" sz="2000" dirty="0">
+              <a:solidFill>
+                <a:schemeClr val="bg1"/>
+              </a:solidFill>
+              <a:latin typeface="나눔스퀘어 Light" panose="020B0600000101010101" pitchFamily="50" charset="-127"/>
+              <a:ea typeface="나눔스퀘어 Light" panose="020B0600000101010101" pitchFamily="50" charset="-127"/>
+            </a:endParaRPr>
+          </a:p>
+          <a:p>
+            <a:pPr algn="ctr">
+              <a:lnSpc>
+                <a:spcPct val="150000"/>
+              </a:lnSpc>
+              <a:buSzPct val="80000"/>
+            </a:pPr>
+            <a:r>
+              <a:rPr lang="ko-KR" altLang="en-US" sz="2000" dirty="0">
+                <a:solidFill>
+                  <a:schemeClr val="bg1"/>
+                </a:solidFill>
+                <a:latin typeface="나눔스퀘어 Light" panose="020B0600000101010101" pitchFamily="50" charset="-127"/>
+                <a:ea typeface="나눔스퀘어 Light" panose="020B0600000101010101" pitchFamily="50" charset="-127"/>
+              </a:rPr>
+              <a:t>상호작용 처리</a:t>
+            </a:r>
+          </a:p>
+        </p:txBody>
+      </p:sp>
+      <p:pic>
+        <p:nvPicPr>
+          <p:cNvPr id="27" name="그래픽 26" descr="경고">
+            <a:extLst>
+              <a:ext uri="{FF2B5EF4-FFF2-40B4-BE49-F238E27FC236}">
+                <a16:creationId xmlns:a16="http://schemas.microsoft.com/office/drawing/2014/main" id="{02B4733A-129E-457B-9289-941B426C83C4}"/>
+              </a:ext>
+            </a:extLst>
+          </p:cNvPr>
+          <p:cNvPicPr>
+            <a:picLocks noChangeAspect="1"/>
+          </p:cNvPicPr>
+          <p:nvPr/>
+        </p:nvPicPr>
+        <p:blipFill>
+          <a:blip r:embed="rId3">
+            <a:extLst>
+              <a:ext uri="{28A0092B-C50C-407E-A947-70E740481C1C}">
+                <a14:useLocalDpi xmlns:a14="http://schemas.microsoft.com/office/drawing/2010/main" val="0"/>
+              </a:ext>
+              <a:ext uri="{96DAC541-7B7A-43D3-8B79-37D633B846F1}">
+                <asvg:svgBlip xmlns:asvg="http://schemas.microsoft.com/office/drawing/2016/SVG/main" r:embed="rId4"/>
+              </a:ext>
+            </a:extLst>
+          </a:blip>
+          <a:stretch>
+            <a:fillRect/>
+          </a:stretch>
+        </p:blipFill>
+        <p:spPr>
+          <a:xfrm>
+            <a:off x="5760785" y="642107"/>
+            <a:ext cx="645228" cy="645228"/>
+          </a:xfrm>
+          <a:prstGeom prst="rect">
+            <a:avLst/>
+          </a:prstGeom>
+        </p:spPr>
+      </p:pic>
+      <p:pic>
+        <p:nvPicPr>
+          <p:cNvPr id="28" name="그래픽 27" descr="경고">
+            <a:extLst>
+              <a:ext uri="{FF2B5EF4-FFF2-40B4-BE49-F238E27FC236}">
+                <a16:creationId xmlns:a16="http://schemas.microsoft.com/office/drawing/2014/main" id="{64A35A49-4D80-4175-9BBD-1B2649FB2B99}"/>
+              </a:ext>
+            </a:extLst>
+          </p:cNvPr>
+          <p:cNvPicPr>
+            <a:picLocks noChangeAspect="1"/>
+          </p:cNvPicPr>
+          <p:nvPr/>
+        </p:nvPicPr>
+        <p:blipFill>
+          <a:blip r:embed="rId3">
+            <a:extLst>
+              <a:ext uri="{28A0092B-C50C-407E-A947-70E740481C1C}">
+                <a14:useLocalDpi xmlns:a14="http://schemas.microsoft.com/office/drawing/2010/main" val="0"/>
+              </a:ext>
+              <a:ext uri="{96DAC541-7B7A-43D3-8B79-37D633B846F1}">
+                <asvg:svgBlip xmlns:asvg="http://schemas.microsoft.com/office/drawing/2016/SVG/main" r:embed="rId4"/>
+              </a:ext>
+            </a:extLst>
+          </a:blip>
+          <a:stretch>
+            <a:fillRect/>
+          </a:stretch>
+        </p:blipFill>
+        <p:spPr>
+          <a:xfrm>
+            <a:off x="2737983" y="642107"/>
+            <a:ext cx="645228" cy="645228"/>
+          </a:xfrm>
+          <a:prstGeom prst="rect">
+            <a:avLst/>
+          </a:prstGeom>
+        </p:spPr>
+      </p:pic>
+      <p:cxnSp>
+        <p:nvCxnSpPr>
+          <p:cNvPr id="32" name="연결선: 꺾임 31">
+            <a:extLst>
+              <a:ext uri="{FF2B5EF4-FFF2-40B4-BE49-F238E27FC236}">
+                <a16:creationId xmlns:a16="http://schemas.microsoft.com/office/drawing/2014/main" id="{52E41DE9-E4EE-4544-961E-9DFCD7F1B986}"/>
+              </a:ext>
+            </a:extLst>
+          </p:cNvPr>
+          <p:cNvCxnSpPr>
+            <a:stCxn id="19" idx="0"/>
+            <a:endCxn id="20" idx="0"/>
+          </p:cNvCxnSpPr>
+          <p:nvPr/>
+        </p:nvCxnSpPr>
+        <p:spPr>
+          <a:xfrm rot="5400000" flipH="1" flipV="1">
+            <a:off x="4572749" y="1885778"/>
+            <a:ext cx="12700" cy="4533267"/>
+          </a:xfrm>
+          <a:prstGeom prst="bentConnector3">
+            <a:avLst>
+              <a:gd name="adj1" fmla="val 4280000"/>
+            </a:avLst>
+          </a:prstGeom>
+          <a:ln w="22225">
+            <a:solidFill>
+              <a:schemeClr val="bg1"/>
+            </a:solidFill>
+            <a:prstDash val="solid"/>
+          </a:ln>
+        </p:spPr>
+        <p:style>
+          <a:lnRef idx="1">
+            <a:schemeClr val="accent1"/>
+          </a:lnRef>
+          <a:fillRef idx="0">
+            <a:schemeClr val="accent1"/>
+          </a:fillRef>
+          <a:effectRef idx="0">
+            <a:schemeClr val="accent1"/>
+          </a:effectRef>
+          <a:fontRef idx="minor">
+            <a:schemeClr val="tx1"/>
+          </a:fontRef>
+        </p:style>
+      </p:cxnSp>
+      <p:cxnSp>
+        <p:nvCxnSpPr>
+          <p:cNvPr id="35" name="직선 연결선 34">
+            <a:extLst>
+              <a:ext uri="{FF2B5EF4-FFF2-40B4-BE49-F238E27FC236}">
+                <a16:creationId xmlns:a16="http://schemas.microsoft.com/office/drawing/2014/main" id="{3A1AE915-B9FF-4ED5-BE76-5976E3FB853F}"/>
+              </a:ext>
+            </a:extLst>
+          </p:cNvPr>
+          <p:cNvCxnSpPr>
+            <a:stCxn id="15" idx="2"/>
+          </p:cNvCxnSpPr>
+          <p:nvPr/>
+        </p:nvCxnSpPr>
+        <p:spPr>
+          <a:xfrm flipH="1">
+            <a:off x="4571997" y="2867506"/>
+            <a:ext cx="1" cy="759614"/>
+          </a:xfrm>
+          <a:prstGeom prst="line">
+            <a:avLst/>
+          </a:prstGeom>
+          <a:ln w="22225">
+            <a:solidFill>
+              <a:schemeClr val="bg1"/>
+            </a:solidFill>
+            <a:prstDash val="solid"/>
+          </a:ln>
+        </p:spPr>
+        <p:style>
+          <a:lnRef idx="1">
+            <a:schemeClr val="accent1"/>
+          </a:lnRef>
+          <a:fillRef idx="0">
+            <a:schemeClr val="accent1"/>
+          </a:fillRef>
+          <a:effectRef idx="0">
+            <a:schemeClr val="accent1"/>
+          </a:effectRef>
+          <a:fontRef idx="minor">
+            <a:schemeClr val="tx1"/>
+          </a:fontRef>
+        </p:style>
+      </p:cxnSp>
     </p:spTree>
     <p:extLst>
       <p:ext uri="{BB962C8B-B14F-4D97-AF65-F5344CB8AC3E}">
@@ -3756,48 +4093,73 @@
           <a:chExt cx="0" cy="0"/>
         </a:xfrm>
       </p:grpSpPr>
-      <p:pic>
-        <p:nvPicPr>
-          <p:cNvPr id="43" name="그림 42">
+      <p:sp>
+        <p:nvSpPr>
+          <p:cNvPr id="14" name="TextBox 13">
             <a:extLst>
               <a:ext uri="{FF2B5EF4-FFF2-40B4-BE49-F238E27FC236}">
-                <a16:creationId xmlns:a16="http://schemas.microsoft.com/office/drawing/2014/main" id="{BEBAC2EE-C006-4F8B-976F-ACF769FEE006}"/>
+                <a16:creationId xmlns:a16="http://schemas.microsoft.com/office/drawing/2014/main" id="{A52E3A51-A3BB-4A0D-B799-A3C6AEDC18C1}"/>
               </a:ext>
             </a:extLst>
           </p:cNvPr>
-          <p:cNvPicPr>
-            <a:picLocks noChangeAspect="1"/>
-          </p:cNvPicPr>
+          <p:cNvSpPr txBox="1"/>
           <p:nvPr/>
-        </p:nvPicPr>
-        <p:blipFill>
-          <a:blip r:embed="rId3">
-            <a:extLst>
-              <a:ext uri="{28A0092B-C50C-407E-A947-70E740481C1C}">
-                <a14:useLocalDpi xmlns:a14="http://schemas.microsoft.com/office/drawing/2010/main" val="0"/>
-              </a:ext>
-            </a:extLst>
-          </a:blip>
-          <a:stretch>
-            <a:fillRect/>
-          </a:stretch>
-        </p:blipFill>
+        </p:nvSpPr>
         <p:spPr>
-          <a:xfrm rot="18872706">
-            <a:off x="4840291" y="3063733"/>
-            <a:ext cx="798000" cy="828000"/>
+          <a:xfrm>
+            <a:off x="2083309" y="607090"/>
+            <a:ext cx="5325817" cy="707886"/>
           </a:xfrm>
           <a:prstGeom prst="rect">
             <a:avLst/>
           </a:prstGeom>
+          <a:noFill/>
         </p:spPr>
-      </p:pic>
-      <p:sp>
-        <p:nvSpPr>
-          <p:cNvPr id="42" name="직사각형 41">
+        <p:txBody>
+          <a:bodyPr wrap="none" rtlCol="0">
+            <a:spAutoFit/>
+          </a:bodyPr>
+          <a:lstStyle/>
+          <a:p>
+            <a:r>
+              <a:rPr lang="en-US" altLang="ko-KR" sz="4000" dirty="0">
+                <a:solidFill>
+                  <a:schemeClr val="bg1"/>
+                </a:solidFill>
+                <a:latin typeface="나눔스퀘어 Light" panose="020B0600000101010101" pitchFamily="50" charset="-127"/>
+                <a:ea typeface="나눔스퀘어 Light" panose="020B0600000101010101" pitchFamily="50" charset="-127"/>
+              </a:rPr>
+              <a:t>Alpha </a:t>
+            </a:r>
+            <a:r>
+              <a:rPr lang="en-US" altLang="ko-KR" sz="4000" dirty="0" err="1">
+                <a:solidFill>
+                  <a:schemeClr val="bg1"/>
+                </a:solidFill>
+                <a:latin typeface="나눔스퀘어 Light" panose="020B0600000101010101" pitchFamily="50" charset="-127"/>
+                <a:ea typeface="나눔스퀘어 Light" panose="020B0600000101010101" pitchFamily="50" charset="-127"/>
+              </a:rPr>
+              <a:t>img</a:t>
+            </a:r>
+            <a:r>
+              <a:rPr lang="en-US" altLang="ko-KR" sz="4000" dirty="0">
+                <a:solidFill>
+                  <a:schemeClr val="bg1"/>
+                </a:solidFill>
+                <a:latin typeface="나눔스퀘어 Light" panose="020B0600000101010101" pitchFamily="50" charset="-127"/>
+                <a:ea typeface="나눔스퀘어 Light" panose="020B0600000101010101" pitchFamily="50" charset="-127"/>
+              </a:rPr>
+              <a:t> rotate draw </a:t>
+            </a:r>
+          </a:p>
+        </p:txBody>
+      </p:sp>
+      <p:sp>
+        <p:nvSpPr>
+          <p:cNvPr id="15" name="사각형: 둥근 모서리 14">
             <a:extLst>
               <a:ext uri="{FF2B5EF4-FFF2-40B4-BE49-F238E27FC236}">
-                <a16:creationId xmlns:a16="http://schemas.microsoft.com/office/drawing/2014/main" id="{CF35418B-D629-491F-89F5-D666E23C5A3A}"/>
+                <a16:creationId xmlns:a16="http://schemas.microsoft.com/office/drawing/2014/main" id="{C8686637-2F86-4706-AC9A-1B6706026570}"/>
               </a:ext>
             </a:extLst>
           </p:cNvPr>
@@ -3806,22 +4168,21 @@
         </p:nvSpPr>
         <p:spPr>
           <a:xfrm>
-            <a:off x="6374621" y="3065287"/>
-            <a:ext cx="798990" cy="803649"/>
-          </a:xfrm>
-          <a:prstGeom prst="rect">
+            <a:off x="2950624" y="2131782"/>
+            <a:ext cx="3242743" cy="735724"/>
+          </a:xfrm>
+          <a:prstGeom prst="roundRect">
             <a:avLst/>
           </a:prstGeom>
-          <a:pattFill prst="wdDnDiag">
-            <a:fgClr>
-              <a:schemeClr val="accent4"/>
-            </a:fgClr>
-            <a:bgClr>
-              <a:schemeClr val="accent4">
-                <a:lumMod val="50000"/>
-              </a:schemeClr>
-            </a:bgClr>
-          </a:pattFill>
+          <a:solidFill>
+            <a:schemeClr val="bg1">
+              <a:lumMod val="65000"/>
+              <a:alpha val="34000"/>
+            </a:schemeClr>
+          </a:solidFill>
+          <a:ln>
+            <a:noFill/>
+          </a:ln>
         </p:spPr>
         <p:style>
           <a:lnRef idx="2">
@@ -3844,16 +4205,26 @@
           <a:lstStyle/>
           <a:p>
             <a:pPr algn="ctr"/>
-            <a:endParaRPr lang="ko-KR" altLang="en-US"/>
-          </a:p>
-        </p:txBody>
-      </p:sp>
-      <p:sp>
-        <p:nvSpPr>
-          <p:cNvPr id="10" name="직사각형 9">
+            <a:r>
+              <a:rPr lang="ko-KR" altLang="en-US" sz="2000">
+                <a:latin typeface="나눔스퀘어 Light" panose="020B0600000101010101" pitchFamily="50" charset="-127"/>
+                <a:ea typeface="나눔스퀘어 Light" panose="020B0600000101010101" pitchFamily="50" charset="-127"/>
+              </a:rPr>
+              <a:t>그리기 과정</a:t>
+            </a:r>
+            <a:endParaRPr lang="ko-KR" altLang="en-US" sz="2000" dirty="0">
+              <a:latin typeface="나눔스퀘어 Light" panose="020B0600000101010101" pitchFamily="50" charset="-127"/>
+              <a:ea typeface="나눔스퀘어 Light" panose="020B0600000101010101" pitchFamily="50" charset="-127"/>
+            </a:endParaRPr>
+          </a:p>
+        </p:txBody>
+      </p:sp>
+      <p:sp>
+        <p:nvSpPr>
+          <p:cNvPr id="19" name="사각형: 둥근 모서리 18">
             <a:extLst>
               <a:ext uri="{FF2B5EF4-FFF2-40B4-BE49-F238E27FC236}">
-                <a16:creationId xmlns:a16="http://schemas.microsoft.com/office/drawing/2014/main" id="{BFBB1470-A95D-457F-8C59-E1598C10E6ED}"/>
+                <a16:creationId xmlns:a16="http://schemas.microsoft.com/office/drawing/2014/main" id="{C29F8AED-B1B2-44E4-8641-76B217B95F79}"/>
               </a:ext>
             </a:extLst>
           </p:cNvPr>
@@ -3862,22 +4233,21 @@
         </p:nvSpPr>
         <p:spPr>
           <a:xfrm>
-            <a:off x="1976800" y="2899695"/>
-            <a:ext cx="1124403" cy="1137304"/>
-          </a:xfrm>
-          <a:prstGeom prst="rect">
+            <a:off x="202992" y="3393440"/>
+            <a:ext cx="8738009" cy="2631440"/>
+          </a:xfrm>
+          <a:prstGeom prst="roundRect">
             <a:avLst/>
           </a:prstGeom>
-          <a:pattFill prst="wdDnDiag">
-            <a:fgClr>
-              <a:schemeClr val="accent4"/>
-            </a:fgClr>
-            <a:bgClr>
-              <a:schemeClr val="accent4">
-                <a:lumMod val="50000"/>
-              </a:schemeClr>
-            </a:bgClr>
-          </a:pattFill>
+          <a:solidFill>
+            <a:schemeClr val="bg1">
+              <a:lumMod val="65000"/>
+              <a:alpha val="34000"/>
+            </a:schemeClr>
+          </a:solidFill>
+          <a:ln>
+            <a:noFill/>
+          </a:ln>
         </p:spPr>
         <p:style>
           <a:lnRef idx="2">
@@ -3899,73 +4269,205 @@
           <a:bodyPr rtlCol="0" anchor="ctr"/>
           <a:lstStyle/>
           <a:p>
-            <a:pPr algn="ctr"/>
-            <a:endParaRPr lang="ko-KR" altLang="en-US" dirty="0"/>
-          </a:p>
-        </p:txBody>
-      </p:sp>
-      <p:sp>
-        <p:nvSpPr>
-          <p:cNvPr id="3" name="내용 개체 틀 2">
+            <a:pPr algn="ctr">
+              <a:lnSpc>
+                <a:spcPct val="150000"/>
+              </a:lnSpc>
+              <a:buSzPct val="80000"/>
+            </a:pPr>
+            <a:endParaRPr lang="en-US" altLang="ko-KR" sz="2000" dirty="0">
+              <a:solidFill>
+                <a:schemeClr val="bg1"/>
+              </a:solidFill>
+              <a:latin typeface="나눔스퀘어 Light" panose="020B0600000101010101" pitchFamily="50" charset="-127"/>
+              <a:ea typeface="나눔스퀘어 Light" panose="020B0600000101010101" pitchFamily="50" charset="-127"/>
+            </a:endParaRPr>
+          </a:p>
+        </p:txBody>
+      </p:sp>
+      <p:pic>
+        <p:nvPicPr>
+          <p:cNvPr id="27" name="그래픽 26" descr="경고">
             <a:extLst>
               <a:ext uri="{FF2B5EF4-FFF2-40B4-BE49-F238E27FC236}">
-                <a16:creationId xmlns:a16="http://schemas.microsoft.com/office/drawing/2014/main" id="{972CE041-03FA-4BFB-AA4E-6057DEA64598}"/>
+                <a16:creationId xmlns:a16="http://schemas.microsoft.com/office/drawing/2014/main" id="{02B4733A-129E-457B-9289-941B426C83C4}"/>
               </a:ext>
             </a:extLst>
           </p:cNvPr>
-          <p:cNvSpPr>
-            <a:spLocks noGrp="1"/>
-          </p:cNvSpPr>
-          <p:nvPr>
-            <p:ph idx="1"/>
-          </p:nvPr>
-        </p:nvSpPr>
+          <p:cNvPicPr>
+            <a:picLocks noChangeAspect="1"/>
+          </p:cNvPicPr>
+          <p:nvPr/>
+        </p:nvPicPr>
+        <p:blipFill>
+          <a:blip r:embed="rId3">
+            <a:extLst>
+              <a:ext uri="{28A0092B-C50C-407E-A947-70E740481C1C}">
+                <a14:useLocalDpi xmlns:a14="http://schemas.microsoft.com/office/drawing/2010/main" val="0"/>
+              </a:ext>
+              <a:ext uri="{96DAC541-7B7A-43D3-8B79-37D633B846F1}">
+                <asvg:svgBlip xmlns:asvg="http://schemas.microsoft.com/office/drawing/2016/SVG/main" r:embed="rId4"/>
+              </a:ext>
+            </a:extLst>
+          </a:blip>
+          <a:stretch>
+            <a:fillRect/>
+          </a:stretch>
+        </p:blipFill>
         <p:spPr>
           <a:xfrm>
-            <a:off x="628650" y="1825625"/>
-            <a:ext cx="7886700" cy="738023"/>
-          </a:xfrm>
+            <a:off x="7183610" y="607090"/>
+            <a:ext cx="645228" cy="645228"/>
+          </a:xfrm>
+          <a:prstGeom prst="rect">
+            <a:avLst/>
+          </a:prstGeom>
         </p:spPr>
-        <p:txBody>
-          <a:bodyPr/>
-          <a:lstStyle/>
-          <a:p>
-            <a:r>
-              <a:rPr lang="ko-KR" altLang="en-US" dirty="0">
-                <a:solidFill>
-                  <a:schemeClr val="bg1"/>
-                </a:solidFill>
-              </a:rPr>
-              <a:t>그리기 과정</a:t>
-            </a:r>
-            <a:endParaRPr lang="en-US" altLang="ko-KR" dirty="0">
-              <a:solidFill>
-                <a:schemeClr val="bg1"/>
-              </a:solidFill>
-            </a:endParaRPr>
-          </a:p>
-          <a:p>
-            <a:endParaRPr lang="en-US" altLang="ko-KR" dirty="0">
-              <a:solidFill>
-                <a:schemeClr val="bg1"/>
-              </a:solidFill>
-            </a:endParaRPr>
-          </a:p>
-          <a:p>
-            <a:endParaRPr lang="ko-KR" altLang="en-US" dirty="0">
-              <a:solidFill>
-                <a:schemeClr val="bg1"/>
-              </a:solidFill>
-            </a:endParaRPr>
-          </a:p>
-        </p:txBody>
-      </p:sp>
-      <p:sp>
-        <p:nvSpPr>
-          <p:cNvPr id="9" name="TextBox 8">
+      </p:pic>
+      <p:pic>
+        <p:nvPicPr>
+          <p:cNvPr id="28" name="그래픽 27" descr="경고">
             <a:extLst>
               <a:ext uri="{FF2B5EF4-FFF2-40B4-BE49-F238E27FC236}">
-                <a16:creationId xmlns:a16="http://schemas.microsoft.com/office/drawing/2014/main" id="{DA4C68B3-2F4C-4149-8004-6F33AAE7274E}"/>
+                <a16:creationId xmlns:a16="http://schemas.microsoft.com/office/drawing/2014/main" id="{64A35A49-4D80-4175-9BBD-1B2649FB2B99}"/>
+              </a:ext>
+            </a:extLst>
+          </p:cNvPr>
+          <p:cNvPicPr>
+            <a:picLocks noChangeAspect="1"/>
+          </p:cNvPicPr>
+          <p:nvPr/>
+        </p:nvPicPr>
+        <p:blipFill>
+          <a:blip r:embed="rId3">
+            <a:extLst>
+              <a:ext uri="{28A0092B-C50C-407E-A947-70E740481C1C}">
+                <a14:useLocalDpi xmlns:a14="http://schemas.microsoft.com/office/drawing/2010/main" val="0"/>
+              </a:ext>
+              <a:ext uri="{96DAC541-7B7A-43D3-8B79-37D633B846F1}">
+                <asvg:svgBlip xmlns:asvg="http://schemas.microsoft.com/office/drawing/2016/SVG/main" r:embed="rId4"/>
+              </a:ext>
+            </a:extLst>
+          </a:blip>
+          <a:stretch>
+            <a:fillRect/>
+          </a:stretch>
+        </p:blipFill>
+        <p:spPr>
+          <a:xfrm>
+            <a:off x="1438081" y="607090"/>
+            <a:ext cx="645228" cy="645228"/>
+          </a:xfrm>
+          <a:prstGeom prst="rect">
+            <a:avLst/>
+          </a:prstGeom>
+        </p:spPr>
+      </p:pic>
+      <p:cxnSp>
+        <p:nvCxnSpPr>
+          <p:cNvPr id="35" name="직선 연결선 34">
+            <a:extLst>
+              <a:ext uri="{FF2B5EF4-FFF2-40B4-BE49-F238E27FC236}">
+                <a16:creationId xmlns:a16="http://schemas.microsoft.com/office/drawing/2014/main" id="{3A1AE915-B9FF-4ED5-BE76-5976E3FB853F}"/>
+              </a:ext>
+            </a:extLst>
+          </p:cNvPr>
+          <p:cNvCxnSpPr>
+            <a:cxnSpLocks/>
+            <a:stCxn id="15" idx="2"/>
+            <a:endCxn id="19" idx="0"/>
+          </p:cNvCxnSpPr>
+          <p:nvPr/>
+        </p:nvCxnSpPr>
+        <p:spPr>
+          <a:xfrm>
+            <a:off x="4571996" y="2867506"/>
+            <a:ext cx="1" cy="525934"/>
+          </a:xfrm>
+          <a:prstGeom prst="line">
+            <a:avLst/>
+          </a:prstGeom>
+          <a:ln w="22225">
+            <a:solidFill>
+              <a:schemeClr val="bg1"/>
+            </a:solidFill>
+            <a:prstDash val="solid"/>
+          </a:ln>
+        </p:spPr>
+        <p:style>
+          <a:lnRef idx="1">
+            <a:schemeClr val="accent1"/>
+          </a:lnRef>
+          <a:fillRef idx="0">
+            <a:schemeClr val="accent1"/>
+          </a:fillRef>
+          <a:effectRef idx="0">
+            <a:schemeClr val="accent1"/>
+          </a:effectRef>
+          <a:fontRef idx="minor">
+            <a:schemeClr val="tx1"/>
+          </a:fontRef>
+        </p:style>
+      </p:cxnSp>
+      <p:sp>
+        <p:nvSpPr>
+          <p:cNvPr id="18" name="직사각형 17">
+            <a:extLst>
+              <a:ext uri="{FF2B5EF4-FFF2-40B4-BE49-F238E27FC236}">
+                <a16:creationId xmlns:a16="http://schemas.microsoft.com/office/drawing/2014/main" id="{EE32BD68-CC19-4586-A702-529496D500C2}"/>
+              </a:ext>
+            </a:extLst>
+          </p:cNvPr>
+          <p:cNvSpPr/>
+          <p:nvPr/>
+        </p:nvSpPr>
+        <p:spPr>
+          <a:xfrm>
+            <a:off x="2346385" y="3601334"/>
+            <a:ext cx="1019623" cy="1031321"/>
+          </a:xfrm>
+          <a:prstGeom prst="rect">
+            <a:avLst/>
+          </a:prstGeom>
+          <a:blipFill>
+            <a:blip r:embed="rId5"/>
+            <a:tile tx="0" ty="0" sx="100000" sy="100000" flip="none" algn="tl"/>
+          </a:blipFill>
+        </p:spPr>
+        <p:style>
+          <a:lnRef idx="2">
+            <a:schemeClr val="accent1">
+              <a:shade val="50000"/>
+            </a:schemeClr>
+          </a:lnRef>
+          <a:fillRef idx="1">
+            <a:schemeClr val="accent1"/>
+          </a:fillRef>
+          <a:effectRef idx="0">
+            <a:schemeClr val="accent1"/>
+          </a:effectRef>
+          <a:fontRef idx="minor">
+            <a:schemeClr val="lt1"/>
+          </a:fontRef>
+        </p:style>
+        <p:txBody>
+          <a:bodyPr rtlCol="0" anchor="ctr"/>
+          <a:lstStyle/>
+          <a:p>
+            <a:pPr algn="ctr"/>
+            <a:endParaRPr lang="ko-KR" altLang="en-US" dirty="0">
+              <a:latin typeface="나눔스퀘어 Light" panose="020B0600000101010101" pitchFamily="50" charset="-127"/>
+              <a:ea typeface="나눔스퀘어 Light" panose="020B0600000101010101" pitchFamily="50" charset="-127"/>
+            </a:endParaRPr>
+          </a:p>
+        </p:txBody>
+      </p:sp>
+      <p:sp>
+        <p:nvSpPr>
+          <p:cNvPr id="40" name="TextBox 39">
+            <a:extLst>
+              <a:ext uri="{FF2B5EF4-FFF2-40B4-BE49-F238E27FC236}">
+                <a16:creationId xmlns:a16="http://schemas.microsoft.com/office/drawing/2014/main" id="{1D907EF6-AD7C-4E36-B69B-C5ACC181CCDE}"/>
               </a:ext>
             </a:extLst>
           </p:cNvPr>
@@ -3974,8 +4476,8 @@
         </p:nvSpPr>
         <p:spPr>
           <a:xfrm>
-            <a:off x="745726" y="618835"/>
-            <a:ext cx="7307963" cy="1015663"/>
+            <a:off x="229241" y="4925555"/>
+            <a:ext cx="1931275" cy="553998"/>
           </a:xfrm>
           <a:prstGeom prst="rect">
             <a:avLst/>
@@ -3983,52 +4485,355 @@
           <a:noFill/>
         </p:spPr>
         <p:txBody>
-          <a:bodyPr wrap="none" rtlCol="0">
+          <a:bodyPr wrap="square" rtlCol="0">
             <a:spAutoFit/>
           </a:bodyPr>
           <a:lstStyle/>
           <a:p>
-            <a:r>
-              <a:rPr lang="en-US" altLang="ko-KR" sz="6000" dirty="0">
-                <a:solidFill>
-                  <a:schemeClr val="bg1"/>
-                </a:solidFill>
-              </a:rPr>
-              <a:t>Alpha </a:t>
-            </a:r>
-            <a:r>
-              <a:rPr lang="en-US" altLang="ko-KR" sz="6000" dirty="0" err="1">
-                <a:solidFill>
-                  <a:schemeClr val="bg1"/>
-                </a:solidFill>
+            <a:pPr algn="ctr"/>
+            <a:r>
+              <a:rPr lang="en-US" altLang="ko-KR" sz="1400" dirty="0">
+                <a:solidFill>
+                  <a:schemeClr val="bg1"/>
+                </a:solidFill>
+                <a:latin typeface="나눔스퀘어 Light" panose="020B0600000101010101" pitchFamily="50" charset="-127"/>
+                <a:ea typeface="나눔스퀘어 Light" panose="020B0600000101010101" pitchFamily="50" charset="-127"/>
+              </a:rPr>
+              <a:t>alpha </a:t>
+            </a:r>
+            <a:r>
+              <a:rPr lang="en-US" altLang="ko-KR" sz="1400" dirty="0" err="1">
+                <a:solidFill>
+                  <a:schemeClr val="bg1"/>
+                </a:solidFill>
+                <a:latin typeface="나눔스퀘어 Light" panose="020B0600000101010101" pitchFamily="50" charset="-127"/>
+                <a:ea typeface="나눔스퀘어 Light" panose="020B0600000101010101" pitchFamily="50" charset="-127"/>
               </a:rPr>
               <a:t>img</a:t>
             </a:r>
             <a:r>
-              <a:rPr lang="ko-KR" altLang="en-US" sz="6000" dirty="0">
-                <a:solidFill>
-                  <a:schemeClr val="bg1"/>
-                </a:solidFill>
+              <a:rPr lang="en-US" altLang="ko-KR" sz="1400" dirty="0">
+                <a:solidFill>
+                  <a:schemeClr val="bg1"/>
+                </a:solidFill>
+                <a:latin typeface="나눔스퀘어 Light" panose="020B0600000101010101" pitchFamily="50" charset="-127"/>
+                <a:ea typeface="나눔스퀘어 Light" panose="020B0600000101010101" pitchFamily="50" charset="-127"/>
+              </a:rPr>
+              <a:t> Delta</a:t>
+            </a:r>
+            <a:r>
+              <a:rPr lang="ko-KR" altLang="en-US" sz="1500" dirty="0">
+                <a:solidFill>
+                  <a:schemeClr val="bg1"/>
+                </a:solidFill>
+                <a:latin typeface="나눔스퀘어 Light" panose="020B0600000101010101" pitchFamily="50" charset="-127"/>
+                <a:ea typeface="나눔스퀘어 Light" panose="020B0600000101010101" pitchFamily="50" charset="-127"/>
+              </a:rPr>
+              <a:t>만큼 </a:t>
+            </a:r>
+            <a:r>
+              <a:rPr lang="ko-KR" altLang="en-US" sz="1500" dirty="0" err="1">
+                <a:solidFill>
+                  <a:schemeClr val="bg1"/>
+                </a:solidFill>
+                <a:latin typeface="나눔스퀘어 Light" panose="020B0600000101010101" pitchFamily="50" charset="-127"/>
+                <a:ea typeface="나눔스퀘어 Light" panose="020B0600000101010101" pitchFamily="50" charset="-127"/>
+              </a:rPr>
+              <a:t>회전해야함</a:t>
+            </a:r>
+            <a:endParaRPr lang="ko-KR" altLang="en-US" sz="1500" dirty="0">
+              <a:solidFill>
+                <a:schemeClr val="bg1"/>
+              </a:solidFill>
+              <a:latin typeface="나눔스퀘어 Light" panose="020B0600000101010101" pitchFamily="50" charset="-127"/>
+              <a:ea typeface="나눔스퀘어 Light" panose="020B0600000101010101" pitchFamily="50" charset="-127"/>
+            </a:endParaRPr>
+          </a:p>
+        </p:txBody>
+      </p:sp>
+      <p:sp>
+        <p:nvSpPr>
+          <p:cNvPr id="41" name="TextBox 40">
+            <a:extLst>
+              <a:ext uri="{FF2B5EF4-FFF2-40B4-BE49-F238E27FC236}">
+                <a16:creationId xmlns:a16="http://schemas.microsoft.com/office/drawing/2014/main" id="{33E470A7-4555-43C4-A985-5CE688292810}"/>
+              </a:ext>
+            </a:extLst>
+          </p:cNvPr>
+          <p:cNvSpPr txBox="1"/>
+          <p:nvPr/>
+        </p:nvSpPr>
+        <p:spPr>
+          <a:xfrm>
+            <a:off x="2119836" y="4838218"/>
+            <a:ext cx="1461859" cy="784830"/>
+          </a:xfrm>
+          <a:prstGeom prst="rect">
+            <a:avLst/>
+          </a:prstGeom>
+          <a:noFill/>
+        </p:spPr>
+        <p:txBody>
+          <a:bodyPr wrap="square" rtlCol="0">
+            <a:spAutoFit/>
+          </a:bodyPr>
+          <a:lstStyle/>
+          <a:p>
+            <a:pPr algn="ctr"/>
+            <a:r>
+              <a:rPr lang="ko-KR" altLang="en-US" sz="1500" dirty="0">
+                <a:solidFill>
+                  <a:schemeClr val="bg1"/>
+                </a:solidFill>
+                <a:latin typeface="나눔스퀘어 Light" panose="020B0600000101010101" pitchFamily="50" charset="-127"/>
+                <a:ea typeface="나눔스퀘어 Light" panose="020B0600000101010101" pitchFamily="50" charset="-127"/>
+              </a:rPr>
+              <a:t>이미지가 회전되어 그려질 배경확보</a:t>
+            </a:r>
+          </a:p>
+        </p:txBody>
+      </p:sp>
+      <p:sp>
+        <p:nvSpPr>
+          <p:cNvPr id="42" name="TextBox 41">
+            <a:extLst>
+              <a:ext uri="{FF2B5EF4-FFF2-40B4-BE49-F238E27FC236}">
+                <a16:creationId xmlns:a16="http://schemas.microsoft.com/office/drawing/2014/main" id="{36D0AB98-F174-4643-976F-AE1F58557446}"/>
+              </a:ext>
+            </a:extLst>
+          </p:cNvPr>
+          <p:cNvSpPr txBox="1"/>
+          <p:nvPr/>
+        </p:nvSpPr>
+        <p:spPr>
+          <a:xfrm>
+            <a:off x="3872697" y="4964639"/>
+            <a:ext cx="1398593" cy="553998"/>
+          </a:xfrm>
+          <a:prstGeom prst="rect">
+            <a:avLst/>
+          </a:prstGeom>
+          <a:noFill/>
+        </p:spPr>
+        <p:txBody>
+          <a:bodyPr wrap="square" rtlCol="0">
+            <a:spAutoFit/>
+          </a:bodyPr>
+          <a:lstStyle/>
+          <a:p>
+            <a:pPr algn="ctr"/>
+            <a:r>
+              <a:rPr lang="ko-KR" altLang="en-US" sz="1500" dirty="0">
+                <a:solidFill>
+                  <a:schemeClr val="bg1"/>
+                </a:solidFill>
+                <a:latin typeface="나눔스퀘어 Light" panose="020B0600000101010101" pitchFamily="50" charset="-127"/>
+                <a:ea typeface="나눔스퀘어 Light" panose="020B0600000101010101" pitchFamily="50" charset="-127"/>
+              </a:rPr>
+              <a:t>확보한 배경 </a:t>
+            </a:r>
+            <a:endParaRPr lang="en-US" altLang="ko-KR" sz="1500" dirty="0">
+              <a:solidFill>
+                <a:schemeClr val="bg1"/>
+              </a:solidFill>
+              <a:latin typeface="나눔스퀘어 Light" panose="020B0600000101010101" pitchFamily="50" charset="-127"/>
+              <a:ea typeface="나눔스퀘어 Light" panose="020B0600000101010101" pitchFamily="50" charset="-127"/>
+            </a:endParaRPr>
+          </a:p>
+          <a:p>
+            <a:pPr algn="ctr"/>
+            <a:r>
+              <a:rPr lang="en-US" altLang="ko-KR" sz="1500" dirty="0">
+                <a:solidFill>
+                  <a:schemeClr val="bg1"/>
+                </a:solidFill>
+                <a:latin typeface="나눔스퀘어 Light" panose="020B0600000101010101" pitchFamily="50" charset="-127"/>
+                <a:ea typeface="나눔스퀘어 Light" panose="020B0600000101010101" pitchFamily="50" charset="-127"/>
+              </a:rPr>
+              <a:t>delta</a:t>
+            </a:r>
+            <a:r>
+              <a:rPr lang="ko-KR" altLang="en-US" sz="1500" dirty="0">
+                <a:solidFill>
+                  <a:schemeClr val="bg1"/>
+                </a:solidFill>
+                <a:latin typeface="나눔스퀘어 Light" panose="020B0600000101010101" pitchFamily="50" charset="-127"/>
+                <a:ea typeface="나눔스퀘어 Light" panose="020B0600000101010101" pitchFamily="50" charset="-127"/>
+              </a:rPr>
+              <a:t>만큼</a:t>
+            </a:r>
+            <a:r>
+              <a:rPr lang="en-US" altLang="ko-KR" sz="1500" dirty="0">
+                <a:solidFill>
+                  <a:schemeClr val="bg1"/>
+                </a:solidFill>
+                <a:latin typeface="나눔스퀘어 Light" panose="020B0600000101010101" pitchFamily="50" charset="-127"/>
+                <a:ea typeface="나눔스퀘어 Light" panose="020B0600000101010101" pitchFamily="50" charset="-127"/>
               </a:rPr>
               <a:t> </a:t>
             </a:r>
             <a:r>
-              <a:rPr lang="en-US" altLang="ko-KR" sz="6000" dirty="0">
-                <a:solidFill>
-                  <a:schemeClr val="bg1"/>
-                </a:solidFill>
-              </a:rPr>
-              <a:t>rotate draw </a:t>
+              <a:rPr lang="ko-KR" altLang="en-US" sz="1500" dirty="0">
+                <a:solidFill>
+                  <a:schemeClr val="bg1"/>
+                </a:solidFill>
+                <a:latin typeface="나눔스퀘어 Light" panose="020B0600000101010101" pitchFamily="50" charset="-127"/>
+                <a:ea typeface="나눔스퀘어 Light" panose="020B0600000101010101" pitchFamily="50" charset="-127"/>
+              </a:rPr>
+              <a:t>회전</a:t>
+            </a:r>
+          </a:p>
+        </p:txBody>
+      </p:sp>
+      <p:sp>
+        <p:nvSpPr>
+          <p:cNvPr id="43" name="TextBox 42">
+            <a:extLst>
+              <a:ext uri="{FF2B5EF4-FFF2-40B4-BE49-F238E27FC236}">
+                <a16:creationId xmlns:a16="http://schemas.microsoft.com/office/drawing/2014/main" id="{FD2C830B-FB0D-44EC-BE21-4F8A14414A02}"/>
+              </a:ext>
+            </a:extLst>
+          </p:cNvPr>
+          <p:cNvSpPr txBox="1"/>
+          <p:nvPr/>
+        </p:nvSpPr>
+        <p:spPr>
+          <a:xfrm>
+            <a:off x="5472290" y="4976494"/>
+            <a:ext cx="1525780" cy="553998"/>
+          </a:xfrm>
+          <a:prstGeom prst="rect">
+            <a:avLst/>
+          </a:prstGeom>
+          <a:noFill/>
+        </p:spPr>
+        <p:txBody>
+          <a:bodyPr wrap="square" rtlCol="0">
+            <a:spAutoFit/>
+          </a:bodyPr>
+          <a:lstStyle/>
+          <a:p>
+            <a:pPr algn="ctr"/>
+            <a:r>
+              <a:rPr lang="ko-KR" altLang="en-US" sz="1500" dirty="0" err="1">
+                <a:solidFill>
+                  <a:schemeClr val="bg1"/>
+                </a:solidFill>
+                <a:latin typeface="나눔스퀘어 Light" panose="020B0600000101010101" pitchFamily="50" charset="-127"/>
+                <a:ea typeface="나눔스퀘어 Light" panose="020B0600000101010101" pitchFamily="50" charset="-127"/>
+              </a:rPr>
+              <a:t>씨이미지</a:t>
+            </a:r>
+            <a:r>
+              <a:rPr lang="ko-KR" altLang="en-US" sz="1500" dirty="0">
+                <a:solidFill>
+                  <a:schemeClr val="bg1"/>
+                </a:solidFill>
+                <a:latin typeface="나눔스퀘어 Light" panose="020B0600000101010101" pitchFamily="50" charset="-127"/>
+                <a:ea typeface="나눔스퀘어 Light" panose="020B0600000101010101" pitchFamily="50" charset="-127"/>
+              </a:rPr>
+              <a:t> </a:t>
+            </a:r>
+            <a:r>
+              <a:rPr lang="en-US" altLang="ko-KR" sz="1500" dirty="0">
+                <a:solidFill>
+                  <a:schemeClr val="bg1"/>
+                </a:solidFill>
+                <a:latin typeface="나눔스퀘어 Light" panose="020B0600000101010101" pitchFamily="50" charset="-127"/>
+                <a:ea typeface="나눔스퀘어 Light" panose="020B0600000101010101" pitchFamily="50" charset="-127"/>
+              </a:rPr>
+              <a:t>draw</a:t>
+            </a:r>
+            <a:r>
+              <a:rPr lang="ko-KR" altLang="en-US" sz="1500" dirty="0">
+                <a:solidFill>
+                  <a:schemeClr val="bg1"/>
+                </a:solidFill>
+                <a:latin typeface="나눔스퀘어 Light" panose="020B0600000101010101" pitchFamily="50" charset="-127"/>
+                <a:ea typeface="나눔스퀘어 Light" panose="020B0600000101010101" pitchFamily="50" charset="-127"/>
+              </a:rPr>
+              <a:t>로 투명하게 그림</a:t>
+            </a:r>
+          </a:p>
+        </p:txBody>
+      </p:sp>
+      <p:sp>
+        <p:nvSpPr>
+          <p:cNvPr id="44" name="TextBox 43">
+            <a:extLst>
+              <a:ext uri="{FF2B5EF4-FFF2-40B4-BE49-F238E27FC236}">
+                <a16:creationId xmlns:a16="http://schemas.microsoft.com/office/drawing/2014/main" id="{F171D83D-AFAC-4A84-A03C-F30F98FC991B}"/>
+              </a:ext>
+            </a:extLst>
+          </p:cNvPr>
+          <p:cNvSpPr txBox="1"/>
+          <p:nvPr/>
+        </p:nvSpPr>
+        <p:spPr>
+          <a:xfrm>
+            <a:off x="7125380" y="5040972"/>
+            <a:ext cx="1348060" cy="323165"/>
+          </a:xfrm>
+          <a:prstGeom prst="rect">
+            <a:avLst/>
+          </a:prstGeom>
+          <a:noFill/>
+        </p:spPr>
+        <p:txBody>
+          <a:bodyPr wrap="square" rtlCol="0">
+            <a:spAutoFit/>
+          </a:bodyPr>
+          <a:lstStyle/>
+          <a:p>
+            <a:r>
+              <a:rPr lang="en-US" altLang="ko-KR" sz="1500" dirty="0">
+                <a:solidFill>
+                  <a:schemeClr val="bg1"/>
+                </a:solidFill>
+                <a:latin typeface="나눔스퀘어 Light" panose="020B0600000101010101" pitchFamily="50" charset="-127"/>
+                <a:ea typeface="나눔스퀘어 Light" panose="020B0600000101010101" pitchFamily="50" charset="-127"/>
+              </a:rPr>
+              <a:t>delta</a:t>
+            </a:r>
+            <a:r>
+              <a:rPr lang="ko-KR" altLang="en-US" sz="1500" dirty="0">
+                <a:solidFill>
+                  <a:schemeClr val="bg1"/>
+                </a:solidFill>
+                <a:latin typeface="나눔스퀘어 Light" panose="020B0600000101010101" pitchFamily="50" charset="-127"/>
+                <a:ea typeface="나눔스퀘어 Light" panose="020B0600000101010101" pitchFamily="50" charset="-127"/>
+              </a:rPr>
+              <a:t>만큼</a:t>
+            </a:r>
+            <a:r>
+              <a:rPr lang="en-US" altLang="ko-KR" sz="1500" dirty="0">
+                <a:solidFill>
+                  <a:schemeClr val="bg1"/>
+                </a:solidFill>
+                <a:latin typeface="나눔스퀘어 Light" panose="020B0600000101010101" pitchFamily="50" charset="-127"/>
+                <a:ea typeface="나눔스퀘어 Light" panose="020B0600000101010101" pitchFamily="50" charset="-127"/>
+              </a:rPr>
+              <a:t> </a:t>
+            </a:r>
+            <a:r>
+              <a:rPr lang="ko-KR" altLang="en-US" sz="1500" dirty="0">
+                <a:solidFill>
+                  <a:schemeClr val="bg1"/>
+                </a:solidFill>
+                <a:latin typeface="나눔스퀘어 Light" panose="020B0600000101010101" pitchFamily="50" charset="-127"/>
+                <a:ea typeface="나눔스퀘어 Light" panose="020B0600000101010101" pitchFamily="50" charset="-127"/>
+              </a:rPr>
+              <a:t>회전</a:t>
             </a:r>
           </a:p>
         </p:txBody>
       </p:sp>
       <p:grpSp>
         <p:nvGrpSpPr>
-          <p:cNvPr id="14" name="그룹 13">
+          <p:cNvPr id="10" name="그룹 9">
             <a:extLst>
               <a:ext uri="{FF2B5EF4-FFF2-40B4-BE49-F238E27FC236}">
-                <a16:creationId xmlns:a16="http://schemas.microsoft.com/office/drawing/2014/main" id="{4B9002FC-FE28-4B48-A97D-E04409BA6847}"/>
+                <a16:creationId xmlns:a16="http://schemas.microsoft.com/office/drawing/2014/main" id="{817E2363-943A-4B5F-A023-EFB90861F4ED}"/>
               </a:ext>
             </a:extLst>
           </p:cNvPr>
@@ -4037,18 +4842,174 @@
         </p:nvGrpSpPr>
         <p:grpSpPr>
           <a:xfrm>
-            <a:off x="486601" y="3028223"/>
-            <a:ext cx="772357" cy="781235"/>
-            <a:chOff x="1722267" y="3124940"/>
-            <a:chExt cx="772357" cy="781235"/>
+            <a:off x="711430" y="3659105"/>
+            <a:ext cx="914400" cy="945472"/>
+            <a:chOff x="522886" y="2468572"/>
+            <a:chExt cx="914400" cy="945472"/>
+          </a:xfrm>
+        </p:grpSpPr>
+        <p:pic>
+          <p:nvPicPr>
+            <p:cNvPr id="9" name="그래픽 8" descr="지구본 유럽-아프리카">
+              <a:extLst>
+                <a:ext uri="{FF2B5EF4-FFF2-40B4-BE49-F238E27FC236}">
+                  <a16:creationId xmlns:a16="http://schemas.microsoft.com/office/drawing/2014/main" id="{A3757828-67F3-4F12-932B-3390A1BD90C5}"/>
+                </a:ext>
+              </a:extLst>
+            </p:cNvPr>
+            <p:cNvPicPr>
+              <a:picLocks noChangeAspect="1"/>
+            </p:cNvPicPr>
+            <p:nvPr/>
+          </p:nvPicPr>
+          <p:blipFill>
+            <a:blip r:embed="rId6">
+              <a:extLst>
+                <a:ext uri="{28A0092B-C50C-407E-A947-70E740481C1C}">
+                  <a14:useLocalDpi xmlns:a14="http://schemas.microsoft.com/office/drawing/2010/main" val="0"/>
+                </a:ext>
+                <a:ext uri="{96DAC541-7B7A-43D3-8B79-37D633B846F1}">
+                  <asvg:svgBlip xmlns:asvg="http://schemas.microsoft.com/office/drawing/2016/SVG/main" r:embed="rId7"/>
+                </a:ext>
+              </a:extLst>
+            </a:blip>
+            <a:stretch>
+              <a:fillRect/>
+            </a:stretch>
+          </p:blipFill>
+          <p:spPr>
+            <a:xfrm>
+              <a:off x="522886" y="2499644"/>
+              <a:ext cx="914400" cy="914400"/>
+            </a:xfrm>
+            <a:prstGeom prst="rect">
+              <a:avLst/>
+            </a:prstGeom>
+          </p:spPr>
+        </p:pic>
+        <p:cxnSp>
+          <p:nvCxnSpPr>
+            <p:cNvPr id="23" name="직선 연결선 22">
+              <a:extLst>
+                <a:ext uri="{FF2B5EF4-FFF2-40B4-BE49-F238E27FC236}">
+                  <a16:creationId xmlns:a16="http://schemas.microsoft.com/office/drawing/2014/main" id="{69778F0E-58AF-4465-86A7-D1BE95A2E95A}"/>
+                </a:ext>
+              </a:extLst>
+            </p:cNvPr>
+            <p:cNvCxnSpPr>
+              <a:cxnSpLocks/>
+            </p:cNvCxnSpPr>
+            <p:nvPr/>
+          </p:nvCxnSpPr>
+          <p:spPr>
+            <a:xfrm flipV="1">
+              <a:off x="980086" y="2468572"/>
+              <a:ext cx="0" cy="488272"/>
+            </a:xfrm>
+            <a:prstGeom prst="line">
+              <a:avLst/>
+            </a:prstGeom>
+            <a:ln w="25400">
+              <a:solidFill>
+                <a:schemeClr val="bg1"/>
+              </a:solidFill>
+            </a:ln>
+          </p:spPr>
+          <p:style>
+            <a:lnRef idx="1">
+              <a:schemeClr val="accent1"/>
+            </a:lnRef>
+            <a:fillRef idx="0">
+              <a:schemeClr val="accent1"/>
+            </a:fillRef>
+            <a:effectRef idx="0">
+              <a:schemeClr val="accent1"/>
+            </a:effectRef>
+            <a:fontRef idx="minor">
+              <a:schemeClr val="tx1"/>
+            </a:fontRef>
+          </p:style>
+        </p:cxnSp>
+      </p:grpSp>
+      <p:sp>
+        <p:nvSpPr>
+          <p:cNvPr id="51" name="직사각형 50">
+            <a:extLst>
+              <a:ext uri="{FF2B5EF4-FFF2-40B4-BE49-F238E27FC236}">
+                <a16:creationId xmlns:a16="http://schemas.microsoft.com/office/drawing/2014/main" id="{E5A06A92-9E88-45AC-B8D9-1AD0841C2D5B}"/>
+              </a:ext>
+            </a:extLst>
+          </p:cNvPr>
+          <p:cNvSpPr/>
+          <p:nvPr/>
+        </p:nvSpPr>
+        <p:spPr>
+          <a:xfrm rot="2700000">
+            <a:off x="4199790" y="3741972"/>
+            <a:ext cx="744408" cy="752949"/>
+          </a:xfrm>
+          <a:prstGeom prst="rect">
+            <a:avLst/>
+          </a:prstGeom>
+          <a:blipFill>
+            <a:blip r:embed="rId5"/>
+            <a:tile tx="0" ty="0" sx="100000" sy="100000" flip="none" algn="tl"/>
+          </a:blipFill>
+        </p:spPr>
+        <p:style>
+          <a:lnRef idx="2">
+            <a:schemeClr val="accent1">
+              <a:shade val="50000"/>
+            </a:schemeClr>
+          </a:lnRef>
+          <a:fillRef idx="1">
+            <a:schemeClr val="accent1"/>
+          </a:fillRef>
+          <a:effectRef idx="0">
+            <a:schemeClr val="accent1"/>
+          </a:effectRef>
+          <a:fontRef idx="minor">
+            <a:schemeClr val="lt1"/>
+          </a:fontRef>
+        </p:style>
+        <p:txBody>
+          <a:bodyPr rtlCol="0" anchor="ctr"/>
+          <a:lstStyle/>
+          <a:p>
+            <a:pPr algn="ctr"/>
+            <a:endParaRPr lang="ko-KR" altLang="en-US" dirty="0">
+              <a:latin typeface="나눔스퀘어 Light" panose="020B0600000101010101" pitchFamily="50" charset="-127"/>
+              <a:ea typeface="나눔스퀘어 Light" panose="020B0600000101010101" pitchFamily="50" charset="-127"/>
+            </a:endParaRPr>
+          </a:p>
+        </p:txBody>
+      </p:sp>
+      <p:grpSp>
+        <p:nvGrpSpPr>
+          <p:cNvPr id="13" name="그룹 12">
+            <a:extLst>
+              <a:ext uri="{FF2B5EF4-FFF2-40B4-BE49-F238E27FC236}">
+                <a16:creationId xmlns:a16="http://schemas.microsoft.com/office/drawing/2014/main" id="{5B20937F-5269-4CA6-8A42-17C5FA5419F5}"/>
+              </a:ext>
+            </a:extLst>
+          </p:cNvPr>
+          <p:cNvGrpSpPr/>
+          <p:nvPr/>
+        </p:nvGrpSpPr>
+        <p:grpSpPr>
+          <a:xfrm>
+            <a:off x="5777980" y="3661202"/>
+            <a:ext cx="914400" cy="945472"/>
+            <a:chOff x="5844974" y="3637301"/>
+            <a:chExt cx="914400" cy="945472"/>
           </a:xfrm>
         </p:grpSpPr>
         <p:sp>
           <p:nvSpPr>
-            <p:cNvPr id="2" name="별: 꼭짓점 6개 1">
+            <p:cNvPr id="52" name="직사각형 51">
               <a:extLst>
                 <a:ext uri="{FF2B5EF4-FFF2-40B4-BE49-F238E27FC236}">
-                  <a16:creationId xmlns:a16="http://schemas.microsoft.com/office/drawing/2014/main" id="{5EBF6C72-F8E0-442A-BB9E-717A60103512}"/>
+                  <a16:creationId xmlns:a16="http://schemas.microsoft.com/office/drawing/2014/main" id="{B433D0D6-3DE1-4E7F-9466-32EFF4CD5AAA}"/>
                 </a:ext>
               </a:extLst>
             </p:cNvPr>
@@ -4056,13 +5017,17 @@
             <p:nvPr/>
           </p:nvSpPr>
           <p:spPr>
-            <a:xfrm>
-              <a:off x="1722267" y="3284738"/>
-              <a:ext cx="772357" cy="621437"/>
+            <a:xfrm rot="2700000">
+              <a:off x="5932655" y="3741971"/>
+              <a:ext cx="744408" cy="752949"/>
             </a:xfrm>
-            <a:prstGeom prst="star6">
+            <a:prstGeom prst="rect">
               <a:avLst/>
             </a:prstGeom>
+            <a:blipFill>
+              <a:blip r:embed="rId5"/>
+              <a:tile tx="0" ty="0" sx="100000" sy="100000" flip="none" algn="tl"/>
+            </a:blipFill>
           </p:spPr>
           <p:style>
             <a:lnRef idx="2">
@@ -4085,60 +5050,123 @@
             <a:lstStyle/>
             <a:p>
               <a:pPr algn="ctr"/>
-              <a:endParaRPr lang="ko-KR" altLang="en-US"/>
+              <a:endParaRPr lang="ko-KR" altLang="en-US" dirty="0">
+                <a:latin typeface="나눔스퀘어 Light" panose="020B0600000101010101" pitchFamily="50" charset="-127"/>
+                <a:ea typeface="나눔스퀘어 Light" panose="020B0600000101010101" pitchFamily="50" charset="-127"/>
+              </a:endParaRPr>
             </a:p>
           </p:txBody>
         </p:sp>
-        <p:cxnSp>
-          <p:nvCxnSpPr>
-            <p:cNvPr id="12" name="직선 연결선 11">
+        <p:grpSp>
+          <p:nvGrpSpPr>
+            <p:cNvPr id="53" name="그룹 52">
               <a:extLst>
                 <a:ext uri="{FF2B5EF4-FFF2-40B4-BE49-F238E27FC236}">
-                  <a16:creationId xmlns:a16="http://schemas.microsoft.com/office/drawing/2014/main" id="{F9F6CD15-D26F-411A-9A84-8897EE97BAAA}"/>
+                  <a16:creationId xmlns:a16="http://schemas.microsoft.com/office/drawing/2014/main" id="{7DF77F43-CE76-496E-967A-66CF24EFC460}"/>
                 </a:ext>
               </a:extLst>
             </p:cNvPr>
-            <p:cNvCxnSpPr>
-              <a:cxnSpLocks/>
-            </p:cNvCxnSpPr>
+            <p:cNvGrpSpPr/>
             <p:nvPr/>
-          </p:nvCxnSpPr>
-          <p:spPr>
-            <a:xfrm flipV="1">
-              <a:off x="2112885" y="3124940"/>
-              <a:ext cx="0" cy="488272"/>
+          </p:nvGrpSpPr>
+          <p:grpSpPr>
+            <a:xfrm>
+              <a:off x="5844974" y="3637301"/>
+              <a:ext cx="914400" cy="945472"/>
+              <a:chOff x="522886" y="2468572"/>
+              <a:chExt cx="914400" cy="945472"/>
             </a:xfrm>
-            <a:prstGeom prst="line">
-              <a:avLst/>
-            </a:prstGeom>
-            <a:ln>
-              <a:solidFill>
-                <a:schemeClr val="bg1"/>
-              </a:solidFill>
-            </a:ln>
-          </p:spPr>
-          <p:style>
-            <a:lnRef idx="1">
-              <a:schemeClr val="accent1"/>
-            </a:lnRef>
-            <a:fillRef idx="0">
-              <a:schemeClr val="accent1"/>
-            </a:fillRef>
-            <a:effectRef idx="0">
-              <a:schemeClr val="accent1"/>
-            </a:effectRef>
-            <a:fontRef idx="minor">
-              <a:schemeClr val="tx1"/>
-            </a:fontRef>
-          </p:style>
-        </p:cxnSp>
+          </p:grpSpPr>
+          <p:pic>
+            <p:nvPicPr>
+              <p:cNvPr id="54" name="그래픽 53" descr="지구본 유럽-아프리카">
+                <a:extLst>
+                  <a:ext uri="{FF2B5EF4-FFF2-40B4-BE49-F238E27FC236}">
+                    <a16:creationId xmlns:a16="http://schemas.microsoft.com/office/drawing/2014/main" id="{B0E91DB3-0519-4A76-B6C6-D144E43FCFD5}"/>
+                  </a:ext>
+                </a:extLst>
+              </p:cNvPr>
+              <p:cNvPicPr>
+                <a:picLocks noChangeAspect="1"/>
+              </p:cNvPicPr>
+              <p:nvPr/>
+            </p:nvPicPr>
+            <p:blipFill>
+              <a:blip r:embed="rId8">
+                <a:extLst>
+                  <a:ext uri="{28A0092B-C50C-407E-A947-70E740481C1C}">
+                    <a14:useLocalDpi xmlns:a14="http://schemas.microsoft.com/office/drawing/2010/main" val="0"/>
+                  </a:ext>
+                  <a:ext uri="{96DAC541-7B7A-43D3-8B79-37D633B846F1}">
+                    <asvg:svgBlip xmlns:asvg="http://schemas.microsoft.com/office/drawing/2016/SVG/main" r:embed="rId9"/>
+                  </a:ext>
+                </a:extLst>
+              </a:blip>
+              <a:stretch>
+                <a:fillRect/>
+              </a:stretch>
+            </p:blipFill>
+            <p:spPr>
+              <a:xfrm>
+                <a:off x="522886" y="2499644"/>
+                <a:ext cx="914400" cy="914400"/>
+              </a:xfrm>
+              <a:prstGeom prst="rect">
+                <a:avLst/>
+              </a:prstGeom>
+            </p:spPr>
+          </p:pic>
+          <p:cxnSp>
+            <p:nvCxnSpPr>
+              <p:cNvPr id="55" name="직선 연결선 54">
+                <a:extLst>
+                  <a:ext uri="{FF2B5EF4-FFF2-40B4-BE49-F238E27FC236}">
+                    <a16:creationId xmlns:a16="http://schemas.microsoft.com/office/drawing/2014/main" id="{A48574EF-CCAB-4864-A8C3-E3FC56757943}"/>
+                  </a:ext>
+                </a:extLst>
+              </p:cNvPr>
+              <p:cNvCxnSpPr>
+                <a:cxnSpLocks/>
+              </p:cNvCxnSpPr>
+              <p:nvPr/>
+            </p:nvCxnSpPr>
+            <p:spPr>
+              <a:xfrm flipV="1">
+                <a:off x="980086" y="2468572"/>
+                <a:ext cx="0" cy="488272"/>
+              </a:xfrm>
+              <a:prstGeom prst="line">
+                <a:avLst/>
+              </a:prstGeom>
+              <a:ln w="25400">
+                <a:solidFill>
+                  <a:schemeClr val="bg1"/>
+                </a:solidFill>
+              </a:ln>
+            </p:spPr>
+            <p:style>
+              <a:lnRef idx="1">
+                <a:schemeClr val="accent1"/>
+              </a:lnRef>
+              <a:fillRef idx="0">
+                <a:schemeClr val="accent1"/>
+              </a:fillRef>
+              <a:effectRef idx="0">
+                <a:schemeClr val="accent1"/>
+              </a:effectRef>
+              <a:fontRef idx="minor">
+                <a:schemeClr val="tx1"/>
+              </a:fontRef>
+            </p:style>
+          </p:cxnSp>
+        </p:grpSp>
       </p:grpSp>
       <p:grpSp>
         <p:nvGrpSpPr>
-          <p:cNvPr id="15" name="그룹 14">
+          <p:cNvPr id="12" name="그룹 11">
             <a:extLst>
               <a:ext uri="{FF2B5EF4-FFF2-40B4-BE49-F238E27FC236}">
-                <a16:creationId xmlns:a16="http://schemas.microsoft.com/office/drawing/2014/main" id="{437F54AE-1B8F-4983-9373-EDB18F4A3B6E}"/>
+                <a16:creationId xmlns:a16="http://schemas.microsoft.com/office/drawing/2014/main" id="{114B8DE0-714D-4A62-8A4C-2D815908D663}"/>
               </a:ext>
             </a:extLst>
           </p:cNvPr>
@@ -4146,19 +5174,19 @@
           <p:nvPr/>
         </p:nvGrpSpPr>
         <p:grpSpPr>
-          <a:xfrm>
-            <a:off x="2139519" y="3081489"/>
-            <a:ext cx="819611" cy="828000"/>
-            <a:chOff x="2139519" y="3081489"/>
-            <a:chExt cx="819611" cy="828000"/>
+          <a:xfrm rot="2700000">
+            <a:off x="7152331" y="3452247"/>
+            <a:ext cx="1254777" cy="1321948"/>
+            <a:chOff x="7429700" y="3651386"/>
+            <a:chExt cx="914400" cy="945472"/>
           </a:xfrm>
         </p:grpSpPr>
         <p:sp>
           <p:nvSpPr>
-            <p:cNvPr id="16" name="별: 꼭짓점 6개 15">
+            <p:cNvPr id="56" name="직사각형 55">
               <a:extLst>
                 <a:ext uri="{FF2B5EF4-FFF2-40B4-BE49-F238E27FC236}">
-                  <a16:creationId xmlns:a16="http://schemas.microsoft.com/office/drawing/2014/main" id="{286C5129-E368-47FA-A914-1DEABE0F7EC7}"/>
+                  <a16:creationId xmlns:a16="http://schemas.microsoft.com/office/drawing/2014/main" id="{23317CF0-EEDF-442C-A8EC-ADDF7582E5C7}"/>
                 </a:ext>
               </a:extLst>
             </p:cNvPr>
@@ -4166,23 +5194,17 @@
             <p:nvPr/>
           </p:nvSpPr>
           <p:spPr>
-            <a:xfrm rot="2747528">
-              <a:off x="2163447" y="3188225"/>
-              <a:ext cx="772357" cy="621437"/>
+            <a:xfrm rot="2700000">
+              <a:off x="7517381" y="3756056"/>
+              <a:ext cx="744408" cy="752949"/>
             </a:xfrm>
-            <a:prstGeom prst="star6">
+            <a:prstGeom prst="rect">
               <a:avLst/>
             </a:prstGeom>
-            <a:solidFill>
-              <a:schemeClr val="accent1"/>
-            </a:solidFill>
-            <a:ln>
-              <a:solidFill>
-                <a:schemeClr val="accent1">
-                  <a:alpha val="25000"/>
-                </a:schemeClr>
-              </a:solidFill>
-            </a:ln>
+            <a:blipFill>
+              <a:blip r:embed="rId5"/>
+              <a:tile tx="0" ty="0" sx="100000" sy="100000" flip="none" algn="tl"/>
+            </a:blipFill>
           </p:spPr>
           <p:style>
             <a:lnRef idx="2">
@@ -4205,239 +5227,19 @@
             <a:lstStyle/>
             <a:p>
               <a:pPr algn="ctr"/>
-              <a:endParaRPr lang="ko-KR" altLang="en-US" dirty="0"/>
+              <a:endParaRPr lang="ko-KR" altLang="en-US" dirty="0">
+                <a:latin typeface="나눔스퀘어 Light" panose="020B0600000101010101" pitchFamily="50" charset="-127"/>
+                <a:ea typeface="나눔스퀘어 Light" panose="020B0600000101010101" pitchFamily="50" charset="-127"/>
+              </a:endParaRPr>
             </a:p>
           </p:txBody>
         </p:sp>
-        <p:cxnSp>
-          <p:nvCxnSpPr>
-            <p:cNvPr id="17" name="직선 연결선 16">
+        <p:grpSp>
+          <p:nvGrpSpPr>
+            <p:cNvPr id="57" name="그룹 56">
               <a:extLst>
                 <a:ext uri="{FF2B5EF4-FFF2-40B4-BE49-F238E27FC236}">
-                  <a16:creationId xmlns:a16="http://schemas.microsoft.com/office/drawing/2014/main" id="{B7610B36-952C-4C34-A4D1-3FD31B34E3A1}"/>
-                </a:ext>
-              </a:extLst>
-            </p:cNvPr>
-            <p:cNvCxnSpPr>
-              <a:cxnSpLocks/>
-            </p:cNvCxnSpPr>
-            <p:nvPr/>
-          </p:nvCxnSpPr>
-          <p:spPr>
-            <a:xfrm rot="2747528" flipV="1">
-              <a:off x="2714994" y="3100143"/>
-              <a:ext cx="0" cy="488272"/>
-            </a:xfrm>
-            <a:prstGeom prst="line">
-              <a:avLst/>
-            </a:prstGeom>
-            <a:ln>
-              <a:solidFill>
-                <a:schemeClr val="bg1"/>
-              </a:solidFill>
-            </a:ln>
-          </p:spPr>
-          <p:style>
-            <a:lnRef idx="1">
-              <a:schemeClr val="accent1"/>
-            </a:lnRef>
-            <a:fillRef idx="0">
-              <a:schemeClr val="accent1"/>
-            </a:fillRef>
-            <a:effectRef idx="0">
-              <a:schemeClr val="accent1"/>
-            </a:effectRef>
-            <a:fontRef idx="minor">
-              <a:schemeClr val="tx1"/>
-            </a:fontRef>
-          </p:style>
-        </p:cxnSp>
-        <p:sp>
-          <p:nvSpPr>
-            <p:cNvPr id="18" name="직사각형 17">
-              <a:extLst>
-                <a:ext uri="{FF2B5EF4-FFF2-40B4-BE49-F238E27FC236}">
-                  <a16:creationId xmlns:a16="http://schemas.microsoft.com/office/drawing/2014/main" id="{52CEC46F-23CF-4862-9CB5-D9D0E8908913}"/>
-                </a:ext>
-              </a:extLst>
-            </p:cNvPr>
-            <p:cNvSpPr/>
-            <p:nvPr/>
-          </p:nvSpPr>
-          <p:spPr>
-            <a:xfrm>
-              <a:off x="2139519" y="3081489"/>
-              <a:ext cx="798990" cy="828000"/>
-            </a:xfrm>
-            <a:prstGeom prst="rect">
-              <a:avLst/>
-            </a:prstGeom>
-            <a:noFill/>
-            <a:ln w="38100"/>
-          </p:spPr>
-          <p:style>
-            <a:lnRef idx="2">
-              <a:schemeClr val="accent1">
-                <a:shade val="50000"/>
-              </a:schemeClr>
-            </a:lnRef>
-            <a:fillRef idx="1">
-              <a:schemeClr val="accent1"/>
-            </a:fillRef>
-            <a:effectRef idx="0">
-              <a:schemeClr val="accent1"/>
-            </a:effectRef>
-            <a:fontRef idx="minor">
-              <a:schemeClr val="lt1"/>
-            </a:fontRef>
-          </p:style>
-          <p:txBody>
-            <a:bodyPr rtlCol="0" anchor="ctr"/>
-            <a:lstStyle/>
-            <a:p>
-              <a:pPr algn="ctr"/>
-              <a:endParaRPr lang="ko-KR" altLang="en-US" dirty="0"/>
-            </a:p>
-          </p:txBody>
-        </p:sp>
-      </p:grpSp>
-      <p:grpSp>
-        <p:nvGrpSpPr>
-          <p:cNvPr id="21" name="그룹 20">
-            <a:extLst>
-              <a:ext uri="{FF2B5EF4-FFF2-40B4-BE49-F238E27FC236}">
-                <a16:creationId xmlns:a16="http://schemas.microsoft.com/office/drawing/2014/main" id="{BF64EE8A-8808-4377-B393-D64A2EDE5B0C}"/>
-              </a:ext>
-            </a:extLst>
-          </p:cNvPr>
-          <p:cNvGrpSpPr/>
-          <p:nvPr/>
-        </p:nvGrpSpPr>
-        <p:grpSpPr>
-          <a:xfrm rot="18864007">
-            <a:off x="3420177" y="3053417"/>
-            <a:ext cx="819611" cy="828000"/>
-            <a:chOff x="1883546" y="3180623"/>
-            <a:chExt cx="819611" cy="828000"/>
-          </a:xfrm>
-        </p:grpSpPr>
-        <p:cxnSp>
-          <p:nvCxnSpPr>
-            <p:cNvPr id="19" name="직선 연결선 18">
-              <a:extLst>
-                <a:ext uri="{FF2B5EF4-FFF2-40B4-BE49-F238E27FC236}">
-                  <a16:creationId xmlns:a16="http://schemas.microsoft.com/office/drawing/2014/main" id="{6B306001-993A-42A0-A771-D2A8E4556E48}"/>
-                </a:ext>
-              </a:extLst>
-            </p:cNvPr>
-            <p:cNvCxnSpPr>
-              <a:cxnSpLocks/>
-            </p:cNvCxnSpPr>
-            <p:nvPr/>
-          </p:nvCxnSpPr>
-          <p:spPr>
-            <a:xfrm rot="2747528" flipV="1">
-              <a:off x="2459021" y="3199277"/>
-              <a:ext cx="0" cy="488272"/>
-            </a:xfrm>
-            <a:prstGeom prst="line">
-              <a:avLst/>
-            </a:prstGeom>
-            <a:ln>
-              <a:solidFill>
-                <a:schemeClr val="bg1"/>
-              </a:solidFill>
-            </a:ln>
-          </p:spPr>
-          <p:style>
-            <a:lnRef idx="1">
-              <a:schemeClr val="accent1"/>
-            </a:lnRef>
-            <a:fillRef idx="0">
-              <a:schemeClr val="accent1"/>
-            </a:fillRef>
-            <a:effectRef idx="0">
-              <a:schemeClr val="accent1"/>
-            </a:effectRef>
-            <a:fontRef idx="minor">
-              <a:schemeClr val="tx1"/>
-            </a:fontRef>
-          </p:style>
-        </p:cxnSp>
-        <p:sp>
-          <p:nvSpPr>
-            <p:cNvPr id="20" name="직사각형 19">
-              <a:extLst>
-                <a:ext uri="{FF2B5EF4-FFF2-40B4-BE49-F238E27FC236}">
-                  <a16:creationId xmlns:a16="http://schemas.microsoft.com/office/drawing/2014/main" id="{62C68066-1EE3-4FF3-97ED-088BAFC2A94C}"/>
-                </a:ext>
-              </a:extLst>
-            </p:cNvPr>
-            <p:cNvSpPr/>
-            <p:nvPr/>
-          </p:nvSpPr>
-          <p:spPr>
-            <a:xfrm>
-              <a:off x="1883546" y="3180623"/>
-              <a:ext cx="798990" cy="828000"/>
-            </a:xfrm>
-            <a:prstGeom prst="rect">
-              <a:avLst/>
-            </a:prstGeom>
-            <a:noFill/>
-          </p:spPr>
-          <p:style>
-            <a:lnRef idx="2">
-              <a:schemeClr val="accent1">
-                <a:shade val="50000"/>
-              </a:schemeClr>
-            </a:lnRef>
-            <a:fillRef idx="1">
-              <a:schemeClr val="accent1"/>
-            </a:fillRef>
-            <a:effectRef idx="0">
-              <a:schemeClr val="accent1"/>
-            </a:effectRef>
-            <a:fontRef idx="minor">
-              <a:schemeClr val="lt1"/>
-            </a:fontRef>
-          </p:style>
-          <p:txBody>
-            <a:bodyPr rtlCol="0" anchor="ctr"/>
-            <a:lstStyle/>
-            <a:p>
-              <a:pPr algn="ctr"/>
-              <a:endParaRPr lang="ko-KR" altLang="en-US"/>
-            </a:p>
-          </p:txBody>
-        </p:sp>
-      </p:grpSp>
-      <p:grpSp>
-        <p:nvGrpSpPr>
-          <p:cNvPr id="51" name="그룹 50">
-            <a:extLst>
-              <a:ext uri="{FF2B5EF4-FFF2-40B4-BE49-F238E27FC236}">
-                <a16:creationId xmlns:a16="http://schemas.microsoft.com/office/drawing/2014/main" id="{3F5EAF58-3123-4294-8F73-138DF10848E0}"/>
-              </a:ext>
-            </a:extLst>
-          </p:cNvPr>
-          <p:cNvGrpSpPr/>
-          <p:nvPr/>
-        </p:nvGrpSpPr>
-        <p:grpSpPr>
-          <a:xfrm>
-            <a:off x="4819603" y="3057611"/>
-            <a:ext cx="828000" cy="819611"/>
-            <a:chOff x="4677559" y="3057611"/>
-            <a:chExt cx="828000" cy="819611"/>
-          </a:xfrm>
-        </p:grpSpPr>
-        <p:grpSp>
-          <p:nvGrpSpPr>
-            <p:cNvPr id="30" name="그룹 29">
-              <a:extLst>
-                <a:ext uri="{FF2B5EF4-FFF2-40B4-BE49-F238E27FC236}">
-                  <a16:creationId xmlns:a16="http://schemas.microsoft.com/office/drawing/2014/main" id="{6DA5B945-5518-4C14-9E3E-BA099407D158}"/>
+                  <a16:creationId xmlns:a16="http://schemas.microsoft.com/office/drawing/2014/main" id="{17DCE562-4481-4351-A2CE-6E8E0BFE06EA}"/>
                 </a:ext>
               </a:extLst>
             </p:cNvPr>
@@ -4445,19 +5247,58 @@
             <p:nvPr/>
           </p:nvGrpSpPr>
           <p:grpSpPr>
-            <a:xfrm rot="18864007">
-              <a:off x="4681753" y="3053417"/>
-              <a:ext cx="819611" cy="828000"/>
-              <a:chOff x="1883546" y="3180623"/>
-              <a:chExt cx="819611" cy="828000"/>
+            <a:xfrm>
+              <a:off x="7429700" y="3651386"/>
+              <a:ext cx="914400" cy="945472"/>
+              <a:chOff x="522886" y="2468572"/>
+              <a:chExt cx="914400" cy="945472"/>
             </a:xfrm>
           </p:grpSpPr>
+          <p:pic>
+            <p:nvPicPr>
+              <p:cNvPr id="58" name="그래픽 57" descr="지구본 유럽-아프리카">
+                <a:extLst>
+                  <a:ext uri="{FF2B5EF4-FFF2-40B4-BE49-F238E27FC236}">
+                    <a16:creationId xmlns:a16="http://schemas.microsoft.com/office/drawing/2014/main" id="{0C8371CB-3AC2-416A-9E6C-AE3DAAAD302C}"/>
+                  </a:ext>
+                </a:extLst>
+              </p:cNvPr>
+              <p:cNvPicPr>
+                <a:picLocks noChangeAspect="1"/>
+              </p:cNvPicPr>
+              <p:nvPr/>
+            </p:nvPicPr>
+            <p:blipFill>
+              <a:blip r:embed="rId8">
+                <a:extLst>
+                  <a:ext uri="{28A0092B-C50C-407E-A947-70E740481C1C}">
+                    <a14:useLocalDpi xmlns:a14="http://schemas.microsoft.com/office/drawing/2010/main" val="0"/>
+                  </a:ext>
+                  <a:ext uri="{96DAC541-7B7A-43D3-8B79-37D633B846F1}">
+                    <asvg:svgBlip xmlns:asvg="http://schemas.microsoft.com/office/drawing/2016/SVG/main" r:embed="rId9"/>
+                  </a:ext>
+                </a:extLst>
+              </a:blip>
+              <a:stretch>
+                <a:fillRect/>
+              </a:stretch>
+            </p:blipFill>
+            <p:spPr>
+              <a:xfrm>
+                <a:off x="522886" y="2499644"/>
+                <a:ext cx="914400" cy="914400"/>
+              </a:xfrm>
+              <a:prstGeom prst="rect">
+                <a:avLst/>
+              </a:prstGeom>
+            </p:spPr>
+          </p:pic>
           <p:cxnSp>
             <p:nvCxnSpPr>
-              <p:cNvPr id="31" name="직선 연결선 30">
+              <p:cNvPr id="59" name="직선 연결선 58">
                 <a:extLst>
                   <a:ext uri="{FF2B5EF4-FFF2-40B4-BE49-F238E27FC236}">
-                    <a16:creationId xmlns:a16="http://schemas.microsoft.com/office/drawing/2014/main" id="{87409F69-2275-43E0-A951-143CDA8DEBED}"/>
+                    <a16:creationId xmlns:a16="http://schemas.microsoft.com/office/drawing/2014/main" id="{9DA9D833-97E5-4E2C-A4AB-64ED9B8CB4A7}"/>
                   </a:ext>
                 </a:extLst>
               </p:cNvPr>
@@ -4467,14 +5308,14 @@
               <p:nvPr/>
             </p:nvCxnSpPr>
             <p:spPr>
-              <a:xfrm rot="2747528" flipV="1">
-                <a:off x="2459021" y="3199277"/>
+              <a:xfrm flipV="1">
+                <a:off x="980086" y="2468572"/>
                 <a:ext cx="0" cy="488272"/>
               </a:xfrm>
               <a:prstGeom prst="line">
                 <a:avLst/>
               </a:prstGeom>
-              <a:ln>
+              <a:ln w="25400">
                 <a:solidFill>
                   <a:schemeClr val="bg1"/>
                 </a:solidFill>
@@ -4495,710 +5336,12 @@
               </a:fontRef>
             </p:style>
           </p:cxnSp>
-          <p:sp>
-            <p:nvSpPr>
-              <p:cNvPr id="32" name="직사각형 31">
-                <a:extLst>
-                  <a:ext uri="{FF2B5EF4-FFF2-40B4-BE49-F238E27FC236}">
-                    <a16:creationId xmlns:a16="http://schemas.microsoft.com/office/drawing/2014/main" id="{4B4E844F-41A0-4639-8D65-00935B9D2899}"/>
-                  </a:ext>
-                </a:extLst>
-              </p:cNvPr>
-              <p:cNvSpPr/>
-              <p:nvPr/>
-            </p:nvSpPr>
-            <p:spPr>
-              <a:xfrm>
-                <a:off x="1883546" y="3180623"/>
-                <a:ext cx="798990" cy="828000"/>
-              </a:xfrm>
-              <a:prstGeom prst="rect">
-                <a:avLst/>
-              </a:prstGeom>
-              <a:noFill/>
-            </p:spPr>
-            <p:style>
-              <a:lnRef idx="2">
-                <a:schemeClr val="accent1">
-                  <a:shade val="50000"/>
-                </a:schemeClr>
-              </a:lnRef>
-              <a:fillRef idx="1">
-                <a:schemeClr val="accent1"/>
-              </a:fillRef>
-              <a:effectRef idx="0">
-                <a:schemeClr val="accent1"/>
-              </a:effectRef>
-              <a:fontRef idx="minor">
-                <a:schemeClr val="lt1"/>
-              </a:fontRef>
-            </p:style>
-            <p:txBody>
-              <a:bodyPr rtlCol="0" anchor="ctr"/>
-              <a:lstStyle/>
-              <a:p>
-                <a:pPr algn="ctr"/>
-                <a:endParaRPr lang="ko-KR" altLang="en-US"/>
-              </a:p>
-            </p:txBody>
-          </p:sp>
         </p:grpSp>
-        <p:sp>
-          <p:nvSpPr>
-            <p:cNvPr id="34" name="별: 꼭짓점 6개 33">
-              <a:extLst>
-                <a:ext uri="{FF2B5EF4-FFF2-40B4-BE49-F238E27FC236}">
-                  <a16:creationId xmlns:a16="http://schemas.microsoft.com/office/drawing/2014/main" id="{A19EFE0C-96D9-40BC-8F8C-808F8B511D92}"/>
-                </a:ext>
-              </a:extLst>
-            </p:cNvPr>
-            <p:cNvSpPr/>
-            <p:nvPr/>
-          </p:nvSpPr>
-          <p:spPr>
-            <a:xfrm>
-              <a:off x="4703559" y="3162324"/>
-              <a:ext cx="772357" cy="621437"/>
-            </a:xfrm>
-            <a:prstGeom prst="star6">
-              <a:avLst/>
-            </a:prstGeom>
-            <a:solidFill>
-              <a:schemeClr val="accent1">
-                <a:alpha val="50000"/>
-              </a:schemeClr>
-            </a:solidFill>
-            <a:ln>
-              <a:solidFill>
-                <a:schemeClr val="accent1">
-                  <a:shade val="50000"/>
-                  <a:alpha val="50000"/>
-                </a:schemeClr>
-              </a:solidFill>
-            </a:ln>
-          </p:spPr>
-          <p:style>
-            <a:lnRef idx="2">
-              <a:schemeClr val="accent1">
-                <a:shade val="50000"/>
-              </a:schemeClr>
-            </a:lnRef>
-            <a:fillRef idx="1">
-              <a:schemeClr val="accent1"/>
-            </a:fillRef>
-            <a:effectRef idx="0">
-              <a:schemeClr val="accent1"/>
-            </a:effectRef>
-            <a:fontRef idx="minor">
-              <a:schemeClr val="lt1"/>
-            </a:fontRef>
-          </p:style>
-          <p:txBody>
-            <a:bodyPr rtlCol="0" anchor="ctr"/>
-            <a:lstStyle/>
-            <a:p>
-              <a:pPr algn="ctr"/>
-              <a:endParaRPr lang="ko-KR" altLang="en-US" dirty="0"/>
-            </a:p>
-          </p:txBody>
-        </p:sp>
       </p:grpSp>
-      <p:sp>
-        <p:nvSpPr>
-          <p:cNvPr id="46" name="TextBox 45">
-            <a:extLst>
-              <a:ext uri="{FF2B5EF4-FFF2-40B4-BE49-F238E27FC236}">
-                <a16:creationId xmlns:a16="http://schemas.microsoft.com/office/drawing/2014/main" id="{37A17348-C003-4A8F-9120-DB671AA93C6E}"/>
-              </a:ext>
-            </a:extLst>
-          </p:cNvPr>
-          <p:cNvSpPr txBox="1"/>
-          <p:nvPr/>
-        </p:nvSpPr>
-        <p:spPr>
-          <a:xfrm>
-            <a:off x="239470" y="3819041"/>
-            <a:ext cx="1428461" cy="784830"/>
-          </a:xfrm>
-          <a:prstGeom prst="rect">
-            <a:avLst/>
-          </a:prstGeom>
-          <a:noFill/>
-        </p:spPr>
-        <p:txBody>
-          <a:bodyPr wrap="square" rtlCol="0">
-            <a:spAutoFit/>
-          </a:bodyPr>
-          <a:lstStyle/>
-          <a:p>
-            <a:r>
-              <a:rPr lang="ko-KR" altLang="en-US" sz="1500" dirty="0">
-                <a:solidFill>
-                  <a:schemeClr val="bg1"/>
-                </a:solidFill>
-              </a:rPr>
-              <a:t>원본</a:t>
-            </a:r>
-            <a:r>
-              <a:rPr lang="en-US" altLang="ko-KR" sz="1500" dirty="0">
-                <a:solidFill>
-                  <a:schemeClr val="bg1"/>
-                </a:solidFill>
-              </a:rPr>
-              <a:t>-alpha </a:t>
-            </a:r>
-            <a:r>
-              <a:rPr lang="en-US" altLang="ko-KR" sz="1500" dirty="0" err="1">
-                <a:solidFill>
-                  <a:schemeClr val="bg1"/>
-                </a:solidFill>
-              </a:rPr>
-              <a:t>img</a:t>
-            </a:r>
-            <a:endParaRPr lang="en-US" altLang="ko-KR" sz="1500" dirty="0">
-              <a:solidFill>
-                <a:schemeClr val="bg1"/>
-              </a:solidFill>
-            </a:endParaRPr>
-          </a:p>
-          <a:p>
-            <a:r>
-              <a:rPr lang="en-US" altLang="ko-KR" sz="1500" dirty="0">
-                <a:solidFill>
-                  <a:schemeClr val="bg1"/>
-                </a:solidFill>
-              </a:rPr>
-              <a:t>Delta</a:t>
-            </a:r>
-            <a:r>
-              <a:rPr lang="ko-KR" altLang="en-US" sz="1500" dirty="0">
-                <a:solidFill>
-                  <a:schemeClr val="bg1"/>
-                </a:solidFill>
-              </a:rPr>
-              <a:t>만큼 </a:t>
-            </a:r>
-            <a:r>
-              <a:rPr lang="ko-KR" altLang="en-US" sz="1500" dirty="0" err="1">
-                <a:solidFill>
-                  <a:schemeClr val="bg1"/>
-                </a:solidFill>
-              </a:rPr>
-              <a:t>회전해야함</a:t>
-            </a:r>
-            <a:endParaRPr lang="ko-KR" altLang="en-US" sz="1500" dirty="0">
-              <a:solidFill>
-                <a:schemeClr val="bg1"/>
-              </a:solidFill>
-            </a:endParaRPr>
-          </a:p>
-        </p:txBody>
-      </p:sp>
-      <p:sp>
-        <p:nvSpPr>
-          <p:cNvPr id="48" name="TextBox 47">
-            <a:extLst>
-              <a:ext uri="{FF2B5EF4-FFF2-40B4-BE49-F238E27FC236}">
-                <a16:creationId xmlns:a16="http://schemas.microsoft.com/office/drawing/2014/main" id="{168AD978-157C-422A-84D7-9A119B2296CF}"/>
-              </a:ext>
-            </a:extLst>
-          </p:cNvPr>
-          <p:cNvSpPr txBox="1"/>
-          <p:nvPr/>
-        </p:nvSpPr>
-        <p:spPr>
-          <a:xfrm>
-            <a:off x="1894706" y="3992415"/>
-            <a:ext cx="1206498" cy="1015663"/>
-          </a:xfrm>
-          <a:prstGeom prst="rect">
-            <a:avLst/>
-          </a:prstGeom>
-          <a:noFill/>
-        </p:spPr>
-        <p:txBody>
-          <a:bodyPr wrap="square" rtlCol="0">
-            <a:spAutoFit/>
-          </a:bodyPr>
-          <a:lstStyle/>
-          <a:p>
-            <a:r>
-              <a:rPr lang="ko-KR" altLang="en-US" sz="1500">
-                <a:solidFill>
-                  <a:schemeClr val="bg1"/>
-                </a:solidFill>
-              </a:rPr>
-              <a:t>이미지가 회전되어 그려질 배경확보</a:t>
-            </a:r>
-            <a:endParaRPr lang="ko-KR" altLang="en-US" sz="1500" dirty="0">
-              <a:solidFill>
-                <a:schemeClr val="bg1"/>
-              </a:solidFill>
-            </a:endParaRPr>
-          </a:p>
-        </p:txBody>
-      </p:sp>
-      <p:sp>
-        <p:nvSpPr>
-          <p:cNvPr id="49" name="TextBox 48">
-            <a:extLst>
-              <a:ext uri="{FF2B5EF4-FFF2-40B4-BE49-F238E27FC236}">
-                <a16:creationId xmlns:a16="http://schemas.microsoft.com/office/drawing/2014/main" id="{5898894B-23FA-4327-A2FC-189E16B99FDA}"/>
-              </a:ext>
-            </a:extLst>
-          </p:cNvPr>
-          <p:cNvSpPr txBox="1"/>
-          <p:nvPr/>
-        </p:nvSpPr>
-        <p:spPr>
-          <a:xfrm>
-            <a:off x="3101204" y="4049873"/>
-            <a:ext cx="1479673" cy="553998"/>
-          </a:xfrm>
-          <a:prstGeom prst="rect">
-            <a:avLst/>
-          </a:prstGeom>
-          <a:noFill/>
-        </p:spPr>
-        <p:txBody>
-          <a:bodyPr wrap="square" rtlCol="0">
-            <a:spAutoFit/>
-          </a:bodyPr>
-          <a:lstStyle/>
-          <a:p>
-            <a:r>
-              <a:rPr lang="ko-KR" altLang="en-US" sz="1500" dirty="0">
-                <a:solidFill>
-                  <a:schemeClr val="bg1"/>
-                </a:solidFill>
-              </a:rPr>
-              <a:t>확보한 배경 </a:t>
-            </a:r>
-            <a:endParaRPr lang="en-US" altLang="ko-KR" sz="1500" dirty="0">
-              <a:solidFill>
-                <a:schemeClr val="bg1"/>
-              </a:solidFill>
-            </a:endParaRPr>
-          </a:p>
-          <a:p>
-            <a:r>
-              <a:rPr lang="en-US" altLang="ko-KR" sz="1500" dirty="0">
-                <a:solidFill>
-                  <a:schemeClr val="bg1"/>
-                </a:solidFill>
-              </a:rPr>
-              <a:t>–delta</a:t>
-            </a:r>
-            <a:r>
-              <a:rPr lang="ko-KR" altLang="en-US" sz="1500" dirty="0">
-                <a:solidFill>
-                  <a:schemeClr val="bg1"/>
-                </a:solidFill>
-              </a:rPr>
-              <a:t>만큼</a:t>
-            </a:r>
-            <a:r>
-              <a:rPr lang="en-US" altLang="ko-KR" sz="1500" dirty="0">
-                <a:solidFill>
-                  <a:schemeClr val="bg1"/>
-                </a:solidFill>
-              </a:rPr>
-              <a:t> </a:t>
-            </a:r>
-            <a:r>
-              <a:rPr lang="ko-KR" altLang="en-US" sz="1500" dirty="0">
-                <a:solidFill>
-                  <a:schemeClr val="bg1"/>
-                </a:solidFill>
-              </a:rPr>
-              <a:t>회전</a:t>
-            </a:r>
-          </a:p>
-        </p:txBody>
-      </p:sp>
-      <p:sp>
-        <p:nvSpPr>
-          <p:cNvPr id="50" name="TextBox 49">
-            <a:extLst>
-              <a:ext uri="{FF2B5EF4-FFF2-40B4-BE49-F238E27FC236}">
-                <a16:creationId xmlns:a16="http://schemas.microsoft.com/office/drawing/2014/main" id="{4E4B846B-670E-4AC8-97E3-B2AC0D12B5D5}"/>
-              </a:ext>
-            </a:extLst>
-          </p:cNvPr>
-          <p:cNvSpPr txBox="1"/>
-          <p:nvPr/>
-        </p:nvSpPr>
-        <p:spPr>
-          <a:xfrm>
-            <a:off x="4651085" y="4046390"/>
-            <a:ext cx="1479673" cy="784830"/>
-          </a:xfrm>
-          <a:prstGeom prst="rect">
-            <a:avLst/>
-          </a:prstGeom>
-          <a:noFill/>
-        </p:spPr>
-        <p:txBody>
-          <a:bodyPr wrap="square" rtlCol="0">
-            <a:spAutoFit/>
-          </a:bodyPr>
-          <a:lstStyle/>
-          <a:p>
-            <a:r>
-              <a:rPr lang="ko-KR" altLang="en-US" sz="1500" dirty="0" err="1">
-                <a:solidFill>
-                  <a:schemeClr val="bg1"/>
-                </a:solidFill>
-              </a:rPr>
-              <a:t>씨이미지</a:t>
-            </a:r>
-            <a:r>
-              <a:rPr lang="en-US" altLang="ko-KR" sz="1500" dirty="0">
-                <a:solidFill>
-                  <a:schemeClr val="bg1"/>
-                </a:solidFill>
-              </a:rPr>
-              <a:t>-draw</a:t>
-            </a:r>
-            <a:r>
-              <a:rPr lang="ko-KR" altLang="en-US" sz="1500" dirty="0">
-                <a:solidFill>
-                  <a:schemeClr val="bg1"/>
-                </a:solidFill>
-              </a:rPr>
-              <a:t>로 투명하게 그림</a:t>
-            </a:r>
-          </a:p>
-        </p:txBody>
-      </p:sp>
-      <p:sp>
-        <p:nvSpPr>
-          <p:cNvPr id="53" name="TextBox 52">
-            <a:extLst>
-              <a:ext uri="{FF2B5EF4-FFF2-40B4-BE49-F238E27FC236}">
-                <a16:creationId xmlns:a16="http://schemas.microsoft.com/office/drawing/2014/main" id="{53CB130A-C3A4-4F02-A594-FB7D3ADBBCA6}"/>
-              </a:ext>
-            </a:extLst>
-          </p:cNvPr>
-          <p:cNvSpPr txBox="1"/>
-          <p:nvPr/>
-        </p:nvSpPr>
-        <p:spPr>
-          <a:xfrm>
-            <a:off x="6222152" y="4036998"/>
-            <a:ext cx="1479673" cy="323165"/>
-          </a:xfrm>
-          <a:prstGeom prst="rect">
-            <a:avLst/>
-          </a:prstGeom>
-          <a:noFill/>
-        </p:spPr>
-        <p:txBody>
-          <a:bodyPr wrap="square" rtlCol="0">
-            <a:spAutoFit/>
-          </a:bodyPr>
-          <a:lstStyle/>
-          <a:p>
-            <a:r>
-              <a:rPr lang="en-US" altLang="ko-KR" sz="1500" dirty="0">
-                <a:solidFill>
-                  <a:schemeClr val="bg1"/>
-                </a:solidFill>
-              </a:rPr>
-              <a:t>delta</a:t>
-            </a:r>
-            <a:r>
-              <a:rPr lang="ko-KR" altLang="en-US" sz="1500" dirty="0">
-                <a:solidFill>
-                  <a:schemeClr val="bg1"/>
-                </a:solidFill>
-              </a:rPr>
-              <a:t>만큼</a:t>
-            </a:r>
-            <a:r>
-              <a:rPr lang="en-US" altLang="ko-KR" sz="1500" dirty="0">
-                <a:solidFill>
-                  <a:schemeClr val="bg1"/>
-                </a:solidFill>
-              </a:rPr>
-              <a:t> </a:t>
-            </a:r>
-            <a:r>
-              <a:rPr lang="ko-KR" altLang="en-US" sz="1500" dirty="0">
-                <a:solidFill>
-                  <a:schemeClr val="bg1"/>
-                </a:solidFill>
-              </a:rPr>
-              <a:t>회전</a:t>
-            </a:r>
-          </a:p>
-        </p:txBody>
-      </p:sp>
-      <p:pic>
-        <p:nvPicPr>
-          <p:cNvPr id="13" name="그림 12">
-            <a:extLst>
-              <a:ext uri="{FF2B5EF4-FFF2-40B4-BE49-F238E27FC236}">
-                <a16:creationId xmlns:a16="http://schemas.microsoft.com/office/drawing/2014/main" id="{1914EE3E-919D-48CF-9C95-0E28DDD1D494}"/>
-              </a:ext>
-            </a:extLst>
-          </p:cNvPr>
-          <p:cNvPicPr>
-            <a:picLocks noChangeAspect="1"/>
-          </p:cNvPicPr>
-          <p:nvPr/>
-        </p:nvPicPr>
-        <p:blipFill>
-          <a:blip r:embed="rId3">
-            <a:extLst>
-              <a:ext uri="{28A0092B-C50C-407E-A947-70E740481C1C}">
-                <a14:useLocalDpi xmlns:a14="http://schemas.microsoft.com/office/drawing/2010/main" val="0"/>
-              </a:ext>
-            </a:extLst>
-          </a:blip>
-          <a:stretch>
-            <a:fillRect/>
-          </a:stretch>
-        </p:blipFill>
-        <p:spPr>
-          <a:xfrm rot="18872706">
-            <a:off x="3428849" y="3063733"/>
-            <a:ext cx="798000" cy="828000"/>
-          </a:xfrm>
-          <a:prstGeom prst="rect">
-            <a:avLst/>
-          </a:prstGeom>
-        </p:spPr>
-      </p:pic>
-      <p:grpSp>
-        <p:nvGrpSpPr>
-          <p:cNvPr id="45" name="그룹 44">
-            <a:extLst>
-              <a:ext uri="{FF2B5EF4-FFF2-40B4-BE49-F238E27FC236}">
-                <a16:creationId xmlns:a16="http://schemas.microsoft.com/office/drawing/2014/main" id="{FA502E16-8151-45F0-AE72-226AF8AD36E6}"/>
-              </a:ext>
-            </a:extLst>
-          </p:cNvPr>
-          <p:cNvGrpSpPr/>
-          <p:nvPr/>
-        </p:nvGrpSpPr>
-        <p:grpSpPr>
-          <a:xfrm>
-            <a:off x="6372794" y="3054855"/>
-            <a:ext cx="819611" cy="828000"/>
-            <a:chOff x="2139519" y="3081489"/>
-            <a:chExt cx="819611" cy="828000"/>
-          </a:xfrm>
-        </p:grpSpPr>
-        <p:sp>
-          <p:nvSpPr>
-            <p:cNvPr id="47" name="별: 꼭짓점 6개 46">
-              <a:extLst>
-                <a:ext uri="{FF2B5EF4-FFF2-40B4-BE49-F238E27FC236}">
-                  <a16:creationId xmlns:a16="http://schemas.microsoft.com/office/drawing/2014/main" id="{CD7B4C8E-0BC1-4501-970B-633693E2F718}"/>
-                </a:ext>
-              </a:extLst>
-            </p:cNvPr>
-            <p:cNvSpPr/>
-            <p:nvPr/>
-          </p:nvSpPr>
-          <p:spPr>
-            <a:xfrm rot="2747528">
-              <a:off x="2163447" y="3188225"/>
-              <a:ext cx="772357" cy="621437"/>
-            </a:xfrm>
-            <a:prstGeom prst="star6">
-              <a:avLst/>
-            </a:prstGeom>
-            <a:solidFill>
-              <a:schemeClr val="accent1">
-                <a:alpha val="50000"/>
-              </a:schemeClr>
-            </a:solidFill>
-            <a:ln>
-              <a:solidFill>
-                <a:schemeClr val="accent1">
-                  <a:alpha val="50000"/>
-                </a:schemeClr>
-              </a:solidFill>
-            </a:ln>
-          </p:spPr>
-          <p:style>
-            <a:lnRef idx="2">
-              <a:schemeClr val="accent1">
-                <a:shade val="50000"/>
-              </a:schemeClr>
-            </a:lnRef>
-            <a:fillRef idx="1">
-              <a:schemeClr val="accent1"/>
-            </a:fillRef>
-            <a:effectRef idx="0">
-              <a:schemeClr val="accent1"/>
-            </a:effectRef>
-            <a:fontRef idx="minor">
-              <a:schemeClr val="lt1"/>
-            </a:fontRef>
-          </p:style>
-          <p:txBody>
-            <a:bodyPr rtlCol="0" anchor="ctr"/>
-            <a:lstStyle/>
-            <a:p>
-              <a:pPr algn="ctr"/>
-              <a:endParaRPr lang="ko-KR" altLang="en-US" dirty="0"/>
-            </a:p>
-          </p:txBody>
-        </p:sp>
-        <p:cxnSp>
-          <p:nvCxnSpPr>
-            <p:cNvPr id="54" name="직선 연결선 53">
-              <a:extLst>
-                <a:ext uri="{FF2B5EF4-FFF2-40B4-BE49-F238E27FC236}">
-                  <a16:creationId xmlns:a16="http://schemas.microsoft.com/office/drawing/2014/main" id="{4FC1A790-9FC4-42F5-9DE3-614567755C85}"/>
-                </a:ext>
-              </a:extLst>
-            </p:cNvPr>
-            <p:cNvCxnSpPr>
-              <a:cxnSpLocks/>
-            </p:cNvCxnSpPr>
-            <p:nvPr/>
-          </p:nvCxnSpPr>
-          <p:spPr>
-            <a:xfrm rot="2747528" flipV="1">
-              <a:off x="2714994" y="3100143"/>
-              <a:ext cx="0" cy="488272"/>
-            </a:xfrm>
-            <a:prstGeom prst="line">
-              <a:avLst/>
-            </a:prstGeom>
-            <a:ln>
-              <a:solidFill>
-                <a:schemeClr val="bg1"/>
-              </a:solidFill>
-            </a:ln>
-          </p:spPr>
-          <p:style>
-            <a:lnRef idx="1">
-              <a:schemeClr val="accent1"/>
-            </a:lnRef>
-            <a:fillRef idx="0">
-              <a:schemeClr val="accent1"/>
-            </a:fillRef>
-            <a:effectRef idx="0">
-              <a:schemeClr val="accent1"/>
-            </a:effectRef>
-            <a:fontRef idx="minor">
-              <a:schemeClr val="tx1"/>
-            </a:fontRef>
-          </p:style>
-        </p:cxnSp>
-        <p:sp>
-          <p:nvSpPr>
-            <p:cNvPr id="55" name="직사각형 54">
-              <a:extLst>
-                <a:ext uri="{FF2B5EF4-FFF2-40B4-BE49-F238E27FC236}">
-                  <a16:creationId xmlns:a16="http://schemas.microsoft.com/office/drawing/2014/main" id="{E5D7211C-FBA9-4357-8876-51B0E2B069BF}"/>
-                </a:ext>
-              </a:extLst>
-            </p:cNvPr>
-            <p:cNvSpPr/>
-            <p:nvPr/>
-          </p:nvSpPr>
-          <p:spPr>
-            <a:xfrm>
-              <a:off x="2139519" y="3081489"/>
-              <a:ext cx="798990" cy="828000"/>
-            </a:xfrm>
-            <a:prstGeom prst="rect">
-              <a:avLst/>
-            </a:prstGeom>
-            <a:noFill/>
-          </p:spPr>
-          <p:style>
-            <a:lnRef idx="2">
-              <a:schemeClr val="accent1">
-                <a:shade val="50000"/>
-              </a:schemeClr>
-            </a:lnRef>
-            <a:fillRef idx="1">
-              <a:schemeClr val="accent1"/>
-            </a:fillRef>
-            <a:effectRef idx="0">
-              <a:schemeClr val="accent1"/>
-            </a:effectRef>
-            <a:fontRef idx="minor">
-              <a:schemeClr val="lt1"/>
-            </a:fontRef>
-          </p:style>
-          <p:txBody>
-            <a:bodyPr rtlCol="0" anchor="ctr"/>
-            <a:lstStyle/>
-            <a:p>
-              <a:pPr algn="ctr"/>
-              <a:endParaRPr lang="ko-KR" altLang="en-US"/>
-            </a:p>
-          </p:txBody>
-        </p:sp>
-      </p:grpSp>
-      <p:sp>
-        <p:nvSpPr>
-          <p:cNvPr id="56" name="직사각형 55">
-            <a:extLst>
-              <a:ext uri="{FF2B5EF4-FFF2-40B4-BE49-F238E27FC236}">
-                <a16:creationId xmlns:a16="http://schemas.microsoft.com/office/drawing/2014/main" id="{C9198099-8735-481E-B9F1-A232AAE1121C}"/>
-              </a:ext>
-            </a:extLst>
-          </p:cNvPr>
-          <p:cNvSpPr/>
-          <p:nvPr/>
-        </p:nvSpPr>
-        <p:spPr>
-          <a:xfrm>
-            <a:off x="10071662" y="3318583"/>
-            <a:ext cx="798990" cy="827999"/>
-          </a:xfrm>
-          <a:prstGeom prst="rect">
-            <a:avLst/>
-          </a:prstGeom>
-          <a:pattFill prst="wdDnDiag">
-            <a:fgClr>
-              <a:schemeClr val="accent4"/>
-            </a:fgClr>
-            <a:bgClr>
-              <a:schemeClr val="accent4">
-                <a:lumMod val="50000"/>
-              </a:schemeClr>
-            </a:bgClr>
-          </a:pattFill>
-        </p:spPr>
-        <p:style>
-          <a:lnRef idx="2">
-            <a:schemeClr val="accent1">
-              <a:shade val="50000"/>
-            </a:schemeClr>
-          </a:lnRef>
-          <a:fillRef idx="1">
-            <a:schemeClr val="accent1"/>
-          </a:fillRef>
-          <a:effectRef idx="0">
-            <a:schemeClr val="accent1"/>
-          </a:effectRef>
-          <a:fontRef idx="minor">
-            <a:schemeClr val="lt1"/>
-          </a:fontRef>
-        </p:style>
-        <p:txBody>
-          <a:bodyPr rtlCol="0" anchor="ctr"/>
-          <a:lstStyle/>
-          <a:p>
-            <a:pPr algn="ctr"/>
-            <a:endParaRPr lang="ko-KR" altLang="en-US"/>
-          </a:p>
-        </p:txBody>
-      </p:sp>
     </p:spTree>
     <p:extLst>
       <p:ext uri="{BB962C8B-B14F-4D97-AF65-F5344CB8AC3E}">
-        <p14:creationId xmlns:p14="http://schemas.microsoft.com/office/powerpoint/2010/main" val="1269153967"/>
+        <p14:creationId xmlns:p14="http://schemas.microsoft.com/office/powerpoint/2010/main" val="3282665952"/>
       </p:ext>
     </p:extLst>
   </p:cSld>
@@ -5269,6 +5412,8 @@
                 <a:solidFill>
                   <a:schemeClr val="bg1"/>
                 </a:solidFill>
+                <a:latin typeface="나눔스퀘어 Light" panose="020B0600000101010101" pitchFamily="50" charset="-127"/>
+                <a:ea typeface="나눔스퀘어 Light" panose="020B0600000101010101" pitchFamily="50" charset="-127"/>
               </a:rPr>
               <a:t>적을 많이 생성했더니 </a:t>
             </a:r>
@@ -5277,6 +5422,8 @@
                 <a:solidFill>
                   <a:schemeClr val="bg1"/>
                 </a:solidFill>
+                <a:latin typeface="나눔스퀘어 Light" panose="020B0600000101010101" pitchFamily="50" charset="-127"/>
+                <a:ea typeface="나눔스퀘어 Light" panose="020B0600000101010101" pitchFamily="50" charset="-127"/>
               </a:rPr>
               <a:t>느려져</a:t>
             </a:r>
@@ -5285,6 +5432,8 @@
                 <a:solidFill>
                   <a:schemeClr val="bg1"/>
                 </a:solidFill>
+                <a:latin typeface="나눔스퀘어 Light" panose="020B0600000101010101" pitchFamily="50" charset="-127"/>
+                <a:ea typeface="나눔스퀘어 Light" panose="020B0600000101010101" pitchFamily="50" charset="-127"/>
               </a:rPr>
               <a:t> 버렸다</a:t>
             </a:r>
@@ -5293,6 +5442,8 @@
                 <a:solidFill>
                   <a:schemeClr val="bg1"/>
                 </a:solidFill>
+                <a:latin typeface="나눔스퀘어 Light" panose="020B0600000101010101" pitchFamily="50" charset="-127"/>
+                <a:ea typeface="나눔스퀘어 Light" panose="020B0600000101010101" pitchFamily="50" charset="-127"/>
               </a:rPr>
               <a:t>!</a:t>
             </a:r>
@@ -5302,6 +5453,8 @@
               <a:solidFill>
                 <a:schemeClr val="bg1"/>
               </a:solidFill>
+              <a:latin typeface="나눔스퀘어 Light" panose="020B0600000101010101" pitchFamily="50" charset="-127"/>
+              <a:ea typeface="나눔스퀘어 Light" panose="020B0600000101010101" pitchFamily="50" charset="-127"/>
             </a:endParaRPr>
           </a:p>
           <a:p>
@@ -5314,6 +5467,8 @@
                 <a:solidFill>
                   <a:schemeClr val="bg1"/>
                 </a:solidFill>
+                <a:latin typeface="나눔스퀘어 Light" panose="020B0600000101010101" pitchFamily="50" charset="-127"/>
+                <a:ea typeface="나눔스퀘어 Light" panose="020B0600000101010101" pitchFamily="50" charset="-127"/>
               </a:rPr>
               <a:t>적클래스</a:t>
             </a:r>
@@ -5322,6 +5477,8 @@
                 <a:solidFill>
                   <a:schemeClr val="bg1"/>
                 </a:solidFill>
+                <a:latin typeface="나눔스퀘어 Light" panose="020B0600000101010101" pitchFamily="50" charset="-127"/>
+                <a:ea typeface="나눔스퀘어 Light" panose="020B0600000101010101" pitchFamily="50" charset="-127"/>
               </a:rPr>
               <a:t>, </a:t>
             </a:r>
@@ -5330,6 +5487,8 @@
                 <a:solidFill>
                   <a:schemeClr val="bg1"/>
                 </a:solidFill>
+                <a:latin typeface="나눔스퀘어 Light" panose="020B0600000101010101" pitchFamily="50" charset="-127"/>
+                <a:ea typeface="나눔스퀘어 Light" panose="020B0600000101010101" pitchFamily="50" charset="-127"/>
               </a:rPr>
               <a:t>총알은 위치만 들고있게 아무것도 상속받지 말고 만들어볼까</a:t>
             </a:r>
@@ -5338,6 +5497,8 @@
                 <a:solidFill>
                   <a:schemeClr val="bg1"/>
                 </a:solidFill>
+                <a:latin typeface="나눔스퀘어 Light" panose="020B0600000101010101" pitchFamily="50" charset="-127"/>
+                <a:ea typeface="나눔스퀘어 Light" panose="020B0600000101010101" pitchFamily="50" charset="-127"/>
               </a:rPr>
               <a:t>??</a:t>
             </a:r>
@@ -5352,6 +5513,8 @@
                 <a:solidFill>
                   <a:schemeClr val="bg1"/>
                 </a:solidFill>
+                <a:latin typeface="나눔스퀘어 Light" panose="020B0600000101010101" pitchFamily="50" charset="-127"/>
+                <a:ea typeface="나눔스퀘어 Light" panose="020B0600000101010101" pitchFamily="50" charset="-127"/>
               </a:rPr>
               <a:t>총알과 적 사이에 충돌검사를 공간분할로 처리해볼까</a:t>
             </a:r>
@@ -5360,6 +5523,8 @@
                 <a:solidFill>
                   <a:schemeClr val="bg1"/>
                 </a:solidFill>
+                <a:latin typeface="나눔스퀘어 Light" panose="020B0600000101010101" pitchFamily="50" charset="-127"/>
+                <a:ea typeface="나눔스퀘어 Light" panose="020B0600000101010101" pitchFamily="50" charset="-127"/>
               </a:rPr>
               <a:t>??</a:t>
             </a:r>
@@ -5374,6 +5539,8 @@
                 <a:solidFill>
                   <a:schemeClr val="bg1"/>
                 </a:solidFill>
+                <a:latin typeface="나눔스퀘어 Light" panose="020B0600000101010101" pitchFamily="50" charset="-127"/>
+                <a:ea typeface="나눔스퀘어 Light" panose="020B0600000101010101" pitchFamily="50" charset="-127"/>
               </a:rPr>
               <a:t>투명값을</a:t>
             </a:r>
@@ -5382,6 +5549,8 @@
                 <a:solidFill>
                   <a:schemeClr val="bg1"/>
                 </a:solidFill>
+                <a:latin typeface="나눔스퀘어 Light" panose="020B0600000101010101" pitchFamily="50" charset="-127"/>
+                <a:ea typeface="나눔스퀘어 Light" panose="020B0600000101010101" pitchFamily="50" charset="-127"/>
               </a:rPr>
               <a:t> 사용하지 말아볼까</a:t>
             </a:r>
@@ -5390,6 +5559,8 @@
                 <a:solidFill>
                   <a:schemeClr val="bg1"/>
                 </a:solidFill>
+                <a:latin typeface="나눔스퀘어 Light" panose="020B0600000101010101" pitchFamily="50" charset="-127"/>
+                <a:ea typeface="나눔스퀘어 Light" panose="020B0600000101010101" pitchFamily="50" charset="-127"/>
               </a:rPr>
               <a:t>…</a:t>
             </a:r>
@@ -5403,6 +5574,8 @@
               <a:solidFill>
                 <a:schemeClr val="bg1"/>
               </a:solidFill>
+              <a:latin typeface="나눔스퀘어 Light" panose="020B0600000101010101" pitchFamily="50" charset="-127"/>
+              <a:ea typeface="나눔스퀘어 Light" panose="020B0600000101010101" pitchFamily="50" charset="-127"/>
             </a:endParaRPr>
           </a:p>
           <a:p>
@@ -5414,6 +5587,8 @@
               <a:solidFill>
                 <a:schemeClr val="bg1"/>
               </a:solidFill>
+              <a:latin typeface="나눔스퀘어 Light" panose="020B0600000101010101" pitchFamily="50" charset="-127"/>
+              <a:ea typeface="나눔스퀘어 Light" panose="020B0600000101010101" pitchFamily="50" charset="-127"/>
             </a:endParaRPr>
           </a:p>
           <a:p>
@@ -5422,6 +5597,8 @@
                 <a:solidFill>
                   <a:schemeClr val="bg1"/>
                 </a:solidFill>
+                <a:latin typeface="나눔스퀘어 Light" panose="020B0600000101010101" pitchFamily="50" charset="-127"/>
+                <a:ea typeface="나눔스퀘어 Light" panose="020B0600000101010101" pitchFamily="50" charset="-127"/>
               </a:rPr>
               <a:t>결과</a:t>
             </a:r>
@@ -5430,6 +5607,8 @@
                 <a:solidFill>
                   <a:schemeClr val="bg1"/>
                 </a:solidFill>
+                <a:latin typeface="나눔스퀘어 Light" panose="020B0600000101010101" pitchFamily="50" charset="-127"/>
+                <a:ea typeface="나눔스퀘어 Light" panose="020B0600000101010101" pitchFamily="50" charset="-127"/>
               </a:rPr>
               <a:t> : </a:t>
             </a:r>
@@ -5438,6 +5617,8 @@
                 <a:solidFill>
                   <a:schemeClr val="bg1"/>
                 </a:solidFill>
+                <a:latin typeface="나눔스퀘어 Light" panose="020B0600000101010101" pitchFamily="50" charset="-127"/>
+                <a:ea typeface="나눔스퀘어 Light" panose="020B0600000101010101" pitchFamily="50" charset="-127"/>
               </a:rPr>
               <a:t>회전 이미지를 </a:t>
             </a:r>
@@ -5446,6 +5627,8 @@
                 <a:solidFill>
                   <a:schemeClr val="bg1"/>
                 </a:solidFill>
+                <a:latin typeface="나눔스퀘어 Light" panose="020B0600000101010101" pitchFamily="50" charset="-127"/>
+                <a:ea typeface="나눔스퀘어 Light" panose="020B0600000101010101" pitchFamily="50" charset="-127"/>
               </a:rPr>
               <a:t>plgblt</a:t>
             </a:r>
@@ -5454,6 +5637,8 @@
                 <a:solidFill>
                   <a:schemeClr val="bg1"/>
                 </a:solidFill>
+                <a:latin typeface="나눔스퀘어 Light" panose="020B0600000101010101" pitchFamily="50" charset="-127"/>
+                <a:ea typeface="나눔스퀘어 Light" panose="020B0600000101010101" pitchFamily="50" charset="-127"/>
               </a:rPr>
               <a:t>대신 </a:t>
             </a:r>
@@ -5462,6 +5647,8 @@
                 <a:solidFill>
                   <a:schemeClr val="bg1"/>
                 </a:solidFill>
+                <a:latin typeface="나눔스퀘어 Light" panose="020B0600000101010101" pitchFamily="50" charset="-127"/>
+                <a:ea typeface="나눔스퀘어 Light" panose="020B0600000101010101" pitchFamily="50" charset="-127"/>
               </a:rPr>
               <a:t>스프라이트</a:t>
             </a:r>
@@ -5470,6 +5657,8 @@
                 <a:solidFill>
                   <a:schemeClr val="bg1"/>
                 </a:solidFill>
+                <a:latin typeface="나눔스퀘어 Light" panose="020B0600000101010101" pitchFamily="50" charset="-127"/>
+                <a:ea typeface="나눔스퀘어 Light" panose="020B0600000101010101" pitchFamily="50" charset="-127"/>
               </a:rPr>
               <a:t> 이미지로 바꾸니까  </a:t>
             </a:r>
@@ -5478,6 +5667,8 @@
                 <a:solidFill>
                   <a:schemeClr val="bg1"/>
                 </a:solidFill>
+                <a:latin typeface="나눔스퀘어 Light" panose="020B0600000101010101" pitchFamily="50" charset="-127"/>
+                <a:ea typeface="나눔스퀘어 Light" panose="020B0600000101010101" pitchFamily="50" charset="-127"/>
               </a:rPr>
               <a:t>잘됌</a:t>
             </a:r>
@@ -5486,6 +5677,8 @@
                 <a:solidFill>
                   <a:schemeClr val="bg1"/>
                 </a:solidFill>
+                <a:latin typeface="나눔스퀘어 Light" panose="020B0600000101010101" pitchFamily="50" charset="-127"/>
+                <a:ea typeface="나눔스퀘어 Light" panose="020B0600000101010101" pitchFamily="50" charset="-127"/>
               </a:rPr>
               <a:t>!</a:t>
             </a:r>
@@ -5494,10 +5687,10 @@
       </p:sp>
       <p:sp>
         <p:nvSpPr>
-          <p:cNvPr id="9" name="TextBox 8">
+          <p:cNvPr id="10" name="TextBox 9">
             <a:extLst>
               <a:ext uri="{FF2B5EF4-FFF2-40B4-BE49-F238E27FC236}">
-                <a16:creationId xmlns:a16="http://schemas.microsoft.com/office/drawing/2014/main" id="{DA4C68B3-2F4C-4149-8004-6F33AAE7274E}"/>
+                <a16:creationId xmlns:a16="http://schemas.microsoft.com/office/drawing/2014/main" id="{EAB7E83D-62F5-4F4C-94E7-6F9C73EF849E}"/>
               </a:ext>
             </a:extLst>
           </p:cNvPr>
@@ -5506,8 +5699,8 @@
         </p:nvSpPr>
         <p:spPr>
           <a:xfrm>
-            <a:off x="745726" y="618835"/>
-            <a:ext cx="5150769" cy="1015663"/>
+            <a:off x="674235" y="604195"/>
+            <a:ext cx="2422458" cy="830997"/>
           </a:xfrm>
           <a:prstGeom prst="rect">
             <a:avLst/>
@@ -5521,16 +5714,264 @@
           <a:lstStyle/>
           <a:p>
             <a:r>
-              <a:rPr lang="ko-KR" altLang="en-US" sz="6000" dirty="0">
-                <a:solidFill>
-                  <a:schemeClr val="bg1"/>
-                </a:solidFill>
-              </a:rPr>
-              <a:t>모든 일의 원흉</a:t>
-            </a:r>
-          </a:p>
-        </p:txBody>
-      </p:sp>
+              <a:rPr lang="ko-KR" altLang="en-US" sz="4800" dirty="0">
+                <a:solidFill>
+                  <a:schemeClr val="bg1"/>
+                </a:solidFill>
+                <a:latin typeface="나눔스퀘어 Light" panose="020B0600000101010101" pitchFamily="50" charset="-127"/>
+                <a:ea typeface="나눔스퀘어 Light" panose="020B0600000101010101" pitchFamily="50" charset="-127"/>
+              </a:rPr>
+              <a:t>개발이슈</a:t>
+            </a:r>
+          </a:p>
+        </p:txBody>
+      </p:sp>
+      <p:grpSp>
+        <p:nvGrpSpPr>
+          <p:cNvPr id="11" name="그룹 10">
+            <a:extLst>
+              <a:ext uri="{FF2B5EF4-FFF2-40B4-BE49-F238E27FC236}">
+                <a16:creationId xmlns:a16="http://schemas.microsoft.com/office/drawing/2014/main" id="{A0A63D7C-95F8-4DCB-A696-631EF2DFD7F4}"/>
+              </a:ext>
+            </a:extLst>
+          </p:cNvPr>
+          <p:cNvGrpSpPr/>
+          <p:nvPr/>
+        </p:nvGrpSpPr>
+        <p:grpSpPr>
+          <a:xfrm>
+            <a:off x="-1572508" y="-409499"/>
+            <a:ext cx="6193706" cy="6208415"/>
+            <a:chOff x="-1572508" y="-409499"/>
+            <a:chExt cx="6193706" cy="6208415"/>
+          </a:xfrm>
+        </p:grpSpPr>
+        <p:sp>
+          <p:nvSpPr>
+            <p:cNvPr id="12" name="타원 11">
+              <a:extLst>
+                <a:ext uri="{FF2B5EF4-FFF2-40B4-BE49-F238E27FC236}">
+                  <a16:creationId xmlns:a16="http://schemas.microsoft.com/office/drawing/2014/main" id="{71E82608-47D2-40B9-99F7-3D15A618477E}"/>
+                </a:ext>
+              </a:extLst>
+            </p:cNvPr>
+            <p:cNvSpPr/>
+            <p:nvPr/>
+          </p:nvSpPr>
+          <p:spPr>
+            <a:xfrm>
+              <a:off x="-1218601" y="-162445"/>
+              <a:ext cx="5839799" cy="5707078"/>
+            </a:xfrm>
+            <a:prstGeom prst="ellipse">
+              <a:avLst/>
+            </a:prstGeom>
+            <a:noFill/>
+            <a:ln w="19050">
+              <a:gradFill>
+                <a:gsLst>
+                  <a:gs pos="0">
+                    <a:schemeClr val="accent1">
+                      <a:lumMod val="5000"/>
+                      <a:lumOff val="95000"/>
+                      <a:alpha val="50000"/>
+                    </a:schemeClr>
+                  </a:gs>
+                  <a:gs pos="74000">
+                    <a:schemeClr val="accent1">
+                      <a:lumMod val="45000"/>
+                      <a:lumOff val="55000"/>
+                      <a:alpha val="50000"/>
+                    </a:schemeClr>
+                  </a:gs>
+                  <a:gs pos="83000">
+                    <a:schemeClr val="accent1">
+                      <a:lumMod val="45000"/>
+                      <a:lumOff val="55000"/>
+                      <a:alpha val="50000"/>
+                    </a:schemeClr>
+                  </a:gs>
+                  <a:gs pos="100000">
+                    <a:schemeClr val="accent1">
+                      <a:lumMod val="30000"/>
+                      <a:lumOff val="70000"/>
+                      <a:alpha val="50000"/>
+                    </a:schemeClr>
+                  </a:gs>
+                </a:gsLst>
+                <a:lin ang="5400000" scaled="1"/>
+              </a:gradFill>
+            </a:ln>
+          </p:spPr>
+          <p:style>
+            <a:lnRef idx="2">
+              <a:schemeClr val="accent1">
+                <a:shade val="50000"/>
+              </a:schemeClr>
+            </a:lnRef>
+            <a:fillRef idx="1">
+              <a:schemeClr val="accent1"/>
+            </a:fillRef>
+            <a:effectRef idx="0">
+              <a:schemeClr val="accent1"/>
+            </a:effectRef>
+            <a:fontRef idx="minor">
+              <a:schemeClr val="lt1"/>
+            </a:fontRef>
+          </p:style>
+          <p:txBody>
+            <a:bodyPr rtlCol="0" anchor="ctr"/>
+            <a:lstStyle/>
+            <a:p>
+              <a:pPr algn="ctr"/>
+              <a:endParaRPr lang="en-US" altLang="ko-KR" dirty="0">
+                <a:latin typeface="나눔스퀘어 Light" panose="020B0600000101010101" pitchFamily="50" charset="-127"/>
+                <a:ea typeface="나눔스퀘어 Light" panose="020B0600000101010101" pitchFamily="50" charset="-127"/>
+              </a:endParaRPr>
+            </a:p>
+            <a:p>
+              <a:pPr algn="ctr"/>
+              <a:endParaRPr lang="ko-KR" altLang="en-US" dirty="0">
+                <a:latin typeface="나눔스퀘어 Light" panose="020B0600000101010101" pitchFamily="50" charset="-127"/>
+                <a:ea typeface="나눔스퀘어 Light" panose="020B0600000101010101" pitchFamily="50" charset="-127"/>
+              </a:endParaRPr>
+            </a:p>
+          </p:txBody>
+        </p:sp>
+        <p:sp>
+          <p:nvSpPr>
+            <p:cNvPr id="13" name="타원 12">
+              <a:extLst>
+                <a:ext uri="{FF2B5EF4-FFF2-40B4-BE49-F238E27FC236}">
+                  <a16:creationId xmlns:a16="http://schemas.microsoft.com/office/drawing/2014/main" id="{F8960400-35DD-4CAD-88EB-287442E6DE06}"/>
+                </a:ext>
+              </a:extLst>
+            </p:cNvPr>
+            <p:cNvSpPr/>
+            <p:nvPr/>
+          </p:nvSpPr>
+          <p:spPr>
+            <a:xfrm>
+              <a:off x="-1572508" y="114575"/>
+              <a:ext cx="5816534" cy="5684341"/>
+            </a:xfrm>
+            <a:prstGeom prst="ellipse">
+              <a:avLst/>
+            </a:prstGeom>
+            <a:noFill/>
+            <a:ln w="19050">
+              <a:gradFill flip="none" rotWithShape="1">
+                <a:gsLst>
+                  <a:gs pos="0">
+                    <a:srgbClr val="FFC000">
+                      <a:alpha val="50000"/>
+                    </a:srgbClr>
+                  </a:gs>
+                  <a:gs pos="100000">
+                    <a:srgbClr val="FF0000">
+                      <a:alpha val="50000"/>
+                    </a:srgbClr>
+                  </a:gs>
+                </a:gsLst>
+                <a:lin ang="16200000" scaled="1"/>
+                <a:tileRect/>
+              </a:gradFill>
+            </a:ln>
+          </p:spPr>
+          <p:style>
+            <a:lnRef idx="2">
+              <a:schemeClr val="accent1">
+                <a:shade val="50000"/>
+              </a:schemeClr>
+            </a:lnRef>
+            <a:fillRef idx="1">
+              <a:schemeClr val="accent1"/>
+            </a:fillRef>
+            <a:effectRef idx="0">
+              <a:schemeClr val="accent1"/>
+            </a:effectRef>
+            <a:fontRef idx="minor">
+              <a:schemeClr val="lt1"/>
+            </a:fontRef>
+          </p:style>
+          <p:txBody>
+            <a:bodyPr rtlCol="0" anchor="ctr"/>
+            <a:lstStyle/>
+            <a:p>
+              <a:pPr algn="ctr"/>
+              <a:endParaRPr lang="ko-KR" altLang="en-US" dirty="0"/>
+            </a:p>
+          </p:txBody>
+        </p:sp>
+        <p:sp>
+          <p:nvSpPr>
+            <p:cNvPr id="14" name="타원 13">
+              <a:extLst>
+                <a:ext uri="{FF2B5EF4-FFF2-40B4-BE49-F238E27FC236}">
+                  <a16:creationId xmlns:a16="http://schemas.microsoft.com/office/drawing/2014/main" id="{55F323DE-F5F5-4A15-89E8-4500AEF4E100}"/>
+                </a:ext>
+              </a:extLst>
+            </p:cNvPr>
+            <p:cNvSpPr/>
+            <p:nvPr/>
+          </p:nvSpPr>
+          <p:spPr>
+            <a:xfrm>
+              <a:off x="-999593" y="-409499"/>
+              <a:ext cx="5152825" cy="5684341"/>
+            </a:xfrm>
+            <a:prstGeom prst="ellipse">
+              <a:avLst/>
+            </a:prstGeom>
+            <a:noFill/>
+            <a:ln w="19050">
+              <a:gradFill flip="none" rotWithShape="1">
+                <a:gsLst>
+                  <a:gs pos="0">
+                    <a:srgbClr val="FFDF79">
+                      <a:alpha val="50000"/>
+                    </a:srgbClr>
+                  </a:gs>
+                  <a:gs pos="100000">
+                    <a:srgbClr val="FF5B5B">
+                      <a:alpha val="50000"/>
+                    </a:srgbClr>
+                  </a:gs>
+                </a:gsLst>
+                <a:lin ang="16200000" scaled="1"/>
+                <a:tileRect/>
+              </a:gradFill>
+            </a:ln>
+          </p:spPr>
+          <p:style>
+            <a:lnRef idx="2">
+              <a:schemeClr val="accent1">
+                <a:shade val="50000"/>
+              </a:schemeClr>
+            </a:lnRef>
+            <a:fillRef idx="1">
+              <a:schemeClr val="accent1"/>
+            </a:fillRef>
+            <a:effectRef idx="0">
+              <a:schemeClr val="accent1"/>
+            </a:effectRef>
+            <a:fontRef idx="minor">
+              <a:schemeClr val="lt1"/>
+            </a:fontRef>
+          </p:style>
+          <p:txBody>
+            <a:bodyPr rtlCol="0" anchor="ctr"/>
+            <a:lstStyle/>
+            <a:p>
+              <a:pPr algn="ctr"/>
+              <a:endParaRPr lang="ko-KR" altLang="en-US" dirty="0">
+                <a:latin typeface="나눔스퀘어 Light" panose="020B0600000101010101" pitchFamily="50" charset="-127"/>
+                <a:ea typeface="나눔스퀘어 Light" panose="020B0600000101010101" pitchFamily="50" charset="-127"/>
+              </a:endParaRPr>
+            </a:p>
+          </p:txBody>
+        </p:sp>
+      </p:grpSp>
     </p:spTree>
     <p:extLst>
       <p:ext uri="{BB962C8B-B14F-4D97-AF65-F5344CB8AC3E}">
@@ -5572,12 +6013,145 @@
           <a:chExt cx="0" cy="0"/>
         </a:xfrm>
       </p:grpSpPr>
-      <p:sp>
-        <p:nvSpPr>
-          <p:cNvPr id="9" name="TextBox 8">
+      <p:grpSp>
+        <p:nvGrpSpPr>
+          <p:cNvPr id="18" name="그룹 17">
             <a:extLst>
               <a:ext uri="{FF2B5EF4-FFF2-40B4-BE49-F238E27FC236}">
-                <a16:creationId xmlns:a16="http://schemas.microsoft.com/office/drawing/2014/main" id="{98BA4068-8AB7-43EE-9DD1-194C3A4D3E4D}"/>
+                <a16:creationId xmlns:a16="http://schemas.microsoft.com/office/drawing/2014/main" id="{77740B90-95D4-4C2F-8B80-12A27300CE55}"/>
+              </a:ext>
+            </a:extLst>
+          </p:cNvPr>
+          <p:cNvGrpSpPr/>
+          <p:nvPr/>
+        </p:nvGrpSpPr>
+        <p:grpSpPr>
+          <a:xfrm>
+            <a:off x="2652810" y="1504757"/>
+            <a:ext cx="3773025" cy="3641351"/>
+            <a:chOff x="2505855" y="1526382"/>
+            <a:chExt cx="4077826" cy="3935515"/>
+          </a:xfrm>
+        </p:grpSpPr>
+        <p:sp>
+          <p:nvSpPr>
+            <p:cNvPr id="8" name="TextBox 7">
+              <a:extLst>
+                <a:ext uri="{FF2B5EF4-FFF2-40B4-BE49-F238E27FC236}">
+                  <a16:creationId xmlns:a16="http://schemas.microsoft.com/office/drawing/2014/main" id="{E81B216D-3A18-4FF8-BEAB-EC2C29C8460E}"/>
+                </a:ext>
+              </a:extLst>
+            </p:cNvPr>
+            <p:cNvSpPr txBox="1"/>
+            <p:nvPr/>
+          </p:nvSpPr>
+          <p:spPr>
+            <a:xfrm>
+              <a:off x="3613375" y="2813552"/>
+              <a:ext cx="1862785" cy="1929312"/>
+            </a:xfrm>
+            <a:prstGeom prst="rect">
+              <a:avLst/>
+            </a:prstGeom>
+            <a:noFill/>
+          </p:spPr>
+          <p:txBody>
+            <a:bodyPr wrap="none" rtlCol="0">
+              <a:spAutoFit/>
+            </a:bodyPr>
+            <a:lstStyle/>
+            <a:p>
+              <a:r>
+                <a:rPr lang="ko-KR" altLang="en-US" sz="4400" dirty="0">
+                  <a:solidFill>
+                    <a:schemeClr val="bg1"/>
+                  </a:solidFill>
+                  <a:latin typeface="나눔스퀘어 Light" panose="020B0600000101010101" pitchFamily="50" charset="-127"/>
+                  <a:ea typeface="나눔스퀘어 Light" panose="020B0600000101010101" pitchFamily="50" charset="-127"/>
+                </a:rPr>
+                <a:t>오늘의</a:t>
+              </a:r>
+              <a:endParaRPr lang="en-US" altLang="ko-KR" sz="4400" dirty="0">
+                <a:solidFill>
+                  <a:schemeClr val="bg1"/>
+                </a:solidFill>
+                <a:latin typeface="나눔스퀘어 Light" panose="020B0600000101010101" pitchFamily="50" charset="-127"/>
+                <a:ea typeface="나눔스퀘어 Light" panose="020B0600000101010101" pitchFamily="50" charset="-127"/>
+              </a:endParaRPr>
+            </a:p>
+            <a:p>
+              <a:r>
+                <a:rPr lang="ko-KR" altLang="en-US" sz="6600" dirty="0">
+                  <a:solidFill>
+                    <a:schemeClr val="bg1"/>
+                  </a:solidFill>
+                  <a:latin typeface="나눔스퀘어 Light" panose="020B0600000101010101" pitchFamily="50" charset="-127"/>
+                  <a:ea typeface="나눔스퀘어 Light" panose="020B0600000101010101" pitchFamily="50" charset="-127"/>
+                </a:rPr>
+                <a:t>코딩</a:t>
+              </a:r>
+            </a:p>
+          </p:txBody>
+        </p:sp>
+        <p:sp>
+          <p:nvSpPr>
+            <p:cNvPr id="2" name="오각형 1">
+              <a:extLst>
+                <a:ext uri="{FF2B5EF4-FFF2-40B4-BE49-F238E27FC236}">
+                  <a16:creationId xmlns:a16="http://schemas.microsoft.com/office/drawing/2014/main" id="{D83B2FF3-4143-4CEB-9CA9-DFCB020389BC}"/>
+                </a:ext>
+              </a:extLst>
+            </p:cNvPr>
+            <p:cNvSpPr/>
+            <p:nvPr/>
+          </p:nvSpPr>
+          <p:spPr>
+            <a:xfrm>
+              <a:off x="2505855" y="1526382"/>
+              <a:ext cx="4077826" cy="3935515"/>
+            </a:xfrm>
+            <a:prstGeom prst="pentagon">
+              <a:avLst/>
+            </a:prstGeom>
+            <a:noFill/>
+            <a:ln w="28575">
+              <a:solidFill>
+                <a:schemeClr val="bg1"/>
+              </a:solidFill>
+            </a:ln>
+          </p:spPr>
+          <p:style>
+            <a:lnRef idx="2">
+              <a:schemeClr val="accent1">
+                <a:shade val="50000"/>
+              </a:schemeClr>
+            </a:lnRef>
+            <a:fillRef idx="1">
+              <a:schemeClr val="accent1"/>
+            </a:fillRef>
+            <a:effectRef idx="0">
+              <a:schemeClr val="accent1"/>
+            </a:effectRef>
+            <a:fontRef idx="minor">
+              <a:schemeClr val="lt1"/>
+            </a:fontRef>
+          </p:style>
+          <p:txBody>
+            <a:bodyPr rtlCol="0" anchor="ctr"/>
+            <a:lstStyle/>
+            <a:p>
+              <a:pPr algn="ctr"/>
+              <a:endParaRPr lang="ko-KR" altLang="en-US"/>
+            </a:p>
+          </p:txBody>
+        </p:sp>
+      </p:grpSp>
+      <p:sp>
+        <p:nvSpPr>
+          <p:cNvPr id="13" name="TextBox 12">
+            <a:extLst>
+              <a:ext uri="{FF2B5EF4-FFF2-40B4-BE49-F238E27FC236}">
+                <a16:creationId xmlns:a16="http://schemas.microsoft.com/office/drawing/2014/main" id="{FB588FD0-59B7-4EF3-97AB-BE724015169D}"/>
               </a:ext>
             </a:extLst>
           </p:cNvPr>
@@ -5586,8 +6160,8 @@
         </p:nvSpPr>
         <p:spPr>
           <a:xfrm>
-            <a:off x="628650" y="550646"/>
-            <a:ext cx="3927678" cy="1200329"/>
+            <a:off x="3449215" y="705762"/>
+            <a:ext cx="2180212" cy="461665"/>
           </a:xfrm>
           <a:prstGeom prst="rect">
             <a:avLst/>
@@ -5601,41 +6175,41 @@
           <a:lstStyle/>
           <a:p>
             <a:r>
-              <a:rPr lang="ko-KR" altLang="en-US" sz="5400" dirty="0">
-                <a:solidFill>
-                  <a:schemeClr val="bg1"/>
-                </a:solidFill>
-                <a:latin typeface="나눔스퀘어 Light" panose="020B0600000101010101" pitchFamily="50" charset="-127"/>
-                <a:ea typeface="나눔스퀘어 Light" panose="020B0600000101010101" pitchFamily="50" charset="-127"/>
-              </a:rPr>
-              <a:t>오늘의 </a:t>
-            </a:r>
-            <a:r>
-              <a:rPr lang="ko-KR" altLang="en-US" sz="7200" dirty="0">
-                <a:solidFill>
-                  <a:schemeClr val="bg1"/>
-                </a:solidFill>
-                <a:latin typeface="나눔스퀘어 Light" panose="020B0600000101010101" pitchFamily="50" charset="-127"/>
-                <a:ea typeface="나눔스퀘어 Light" panose="020B0600000101010101" pitchFamily="50" charset="-127"/>
-              </a:rPr>
-              <a:t>코딩</a:t>
-            </a:r>
-            <a:endParaRPr lang="ko-KR" altLang="en-US" sz="5400" dirty="0">
+              <a:rPr lang="en-US" altLang="ko-KR" sz="2400" dirty="0">
+                <a:solidFill>
+                  <a:schemeClr val="bg1"/>
+                </a:solidFill>
+                <a:latin typeface="나눔스퀘어" panose="020B0600000101010101" pitchFamily="50" charset="-127"/>
+                <a:ea typeface="나눔스퀘어" panose="020B0600000101010101" pitchFamily="50" charset="-127"/>
+              </a:rPr>
+              <a:t>HELP, </a:t>
+            </a:r>
+            <a:r>
+              <a:rPr lang="en-US" altLang="ko-KR" sz="2400" dirty="0" err="1">
+                <a:solidFill>
+                  <a:schemeClr val="bg1"/>
+                </a:solidFill>
+                <a:latin typeface="나눔스퀘어" panose="020B0600000101010101" pitchFamily="50" charset="-127"/>
+                <a:ea typeface="나눔스퀘어" panose="020B0600000101010101" pitchFamily="50" charset="-127"/>
+              </a:rPr>
+              <a:t>Resorce</a:t>
+            </a:r>
+            <a:endParaRPr lang="ko-KR" altLang="en-US" sz="2400" dirty="0">
               <a:solidFill>
                 <a:schemeClr val="bg1"/>
               </a:solidFill>
-              <a:latin typeface="나눔스퀘어 Light" panose="020B0600000101010101" pitchFamily="50" charset="-127"/>
-              <a:ea typeface="나눔스퀘어 Light" panose="020B0600000101010101" pitchFamily="50" charset="-127"/>
+              <a:latin typeface="나눔스퀘어" panose="020B0600000101010101" pitchFamily="50" charset="-127"/>
+              <a:ea typeface="나눔스퀘어" panose="020B0600000101010101" pitchFamily="50" charset="-127"/>
             </a:endParaRPr>
           </a:p>
         </p:txBody>
       </p:sp>
       <p:sp>
         <p:nvSpPr>
-          <p:cNvPr id="12" name="TextBox 11">
+          <p:cNvPr id="14" name="TextBox 13">
             <a:extLst>
               <a:ext uri="{FF2B5EF4-FFF2-40B4-BE49-F238E27FC236}">
-                <a16:creationId xmlns:a16="http://schemas.microsoft.com/office/drawing/2014/main" id="{ACC81FBE-4D9B-4CF4-8733-423A2722136A}"/>
+                <a16:creationId xmlns:a16="http://schemas.microsoft.com/office/drawing/2014/main" id="{B052A68F-8E0C-4D74-8016-96DF8F829F4F}"/>
               </a:ext>
             </a:extLst>
           </p:cNvPr>
@@ -5644,8 +6218,8 @@
         </p:nvSpPr>
         <p:spPr>
           <a:xfrm>
-            <a:off x="628650" y="1750975"/>
-            <a:ext cx="4982774" cy="3970318"/>
+            <a:off x="6601557" y="2234051"/>
+            <a:ext cx="1698029" cy="461665"/>
           </a:xfrm>
           <a:prstGeom prst="rect">
             <a:avLst/>
@@ -5658,224 +6232,255 @@
           </a:bodyPr>
           <a:lstStyle/>
           <a:p>
-            <a:pPr marL="571500" indent="-571500">
-              <a:lnSpc>
-                <a:spcPct val="150000"/>
-              </a:lnSpc>
-              <a:buSzPct val="80000"/>
-              <a:buFont typeface="Wingdings" panose="05000000000000000000" pitchFamily="2" charset="2"/>
-              <a:buChar char="§"/>
-            </a:pPr>
-            <a:r>
-              <a:rPr lang="en-US" altLang="ko-KR" sz="2800" dirty="0">
-                <a:solidFill>
-                  <a:schemeClr val="bg1"/>
-                </a:solidFill>
-                <a:latin typeface="나눔스퀘어 Light" panose="020B0600000101010101" pitchFamily="50" charset="-127"/>
-                <a:ea typeface="나눔스퀘어 Light" panose="020B0600000101010101" pitchFamily="50" charset="-127"/>
-              </a:rPr>
-              <a:t>HELP, Resource</a:t>
-            </a:r>
-          </a:p>
-          <a:p>
-            <a:pPr marL="571500" indent="-571500">
-              <a:lnSpc>
-                <a:spcPct val="150000"/>
-              </a:lnSpc>
-              <a:buSzPct val="80000"/>
-              <a:buFont typeface="Wingdings" panose="05000000000000000000" pitchFamily="2" charset="2"/>
-              <a:buChar char="§"/>
-            </a:pPr>
-            <a:r>
-              <a:rPr lang="ko-KR" altLang="en-US" sz="2800" dirty="0">
-                <a:solidFill>
-                  <a:schemeClr val="bg1"/>
-                </a:solidFill>
-                <a:latin typeface="나눔스퀘어 Light" panose="020B0600000101010101" pitchFamily="50" charset="-127"/>
-                <a:ea typeface="나눔스퀘어 Light" panose="020B0600000101010101" pitchFamily="50" charset="-127"/>
-              </a:rPr>
-              <a:t>쓰레기 값의 </a:t>
-            </a:r>
-            <a:r>
-              <a:rPr lang="en-US" altLang="ko-KR" sz="2800" dirty="0">
-                <a:solidFill>
-                  <a:schemeClr val="bg1"/>
-                </a:solidFill>
-                <a:latin typeface="나눔스퀘어 Light" panose="020B0600000101010101" pitchFamily="50" charset="-127"/>
-                <a:ea typeface="나눔스퀘어 Light" panose="020B0600000101010101" pitchFamily="50" charset="-127"/>
+            <a:r>
+              <a:rPr lang="ko-KR" altLang="en-US" sz="2400" dirty="0">
+                <a:solidFill>
+                  <a:schemeClr val="bg1"/>
+                </a:solidFill>
+                <a:latin typeface="나눔스퀘어" panose="020B0600000101010101" pitchFamily="50" charset="-127"/>
+                <a:ea typeface="나눔스퀘어" panose="020B0600000101010101" pitchFamily="50" charset="-127"/>
+              </a:rPr>
+              <a:t>쓰레기 </a:t>
+            </a:r>
+            <a:r>
+              <a:rPr lang="en-US" altLang="ko-KR" sz="2400" dirty="0">
+                <a:solidFill>
+                  <a:schemeClr val="bg1"/>
+                </a:solidFill>
+                <a:latin typeface="나눔스퀘어" panose="020B0600000101010101" pitchFamily="50" charset="-127"/>
+                <a:ea typeface="나눔스퀘어" panose="020B0600000101010101" pitchFamily="50" charset="-127"/>
               </a:rPr>
               <a:t>bool</a:t>
             </a:r>
           </a:p>
-          <a:p>
-            <a:pPr marL="571500" indent="-571500">
-              <a:lnSpc>
-                <a:spcPct val="150000"/>
-              </a:lnSpc>
-              <a:buSzPct val="80000"/>
-              <a:buFont typeface="Wingdings" panose="05000000000000000000" pitchFamily="2" charset="2"/>
-              <a:buChar char="§"/>
-            </a:pPr>
-            <a:r>
-              <a:rPr lang="en-US" altLang="ko-KR" sz="2800" dirty="0">
-                <a:solidFill>
-                  <a:schemeClr val="bg1"/>
-                </a:solidFill>
-                <a:latin typeface="나눔스퀘어 Light" panose="020B0600000101010101" pitchFamily="50" charset="-127"/>
-                <a:ea typeface="나눔스퀘어 Light" panose="020B0600000101010101" pitchFamily="50" charset="-127"/>
+        </p:txBody>
+      </p:sp>
+      <p:sp>
+        <p:nvSpPr>
+          <p:cNvPr id="15" name="TextBox 14">
+            <a:extLst>
+              <a:ext uri="{FF2B5EF4-FFF2-40B4-BE49-F238E27FC236}">
+                <a16:creationId xmlns:a16="http://schemas.microsoft.com/office/drawing/2014/main" id="{FDCBA970-50A3-4CFD-847C-1548E1F6015F}"/>
+              </a:ext>
+            </a:extLst>
+          </p:cNvPr>
+          <p:cNvSpPr txBox="1"/>
+          <p:nvPr/>
+        </p:nvSpPr>
+        <p:spPr>
+          <a:xfrm>
+            <a:off x="142731" y="2234050"/>
+            <a:ext cx="2334357" cy="461665"/>
+          </a:xfrm>
+          <a:prstGeom prst="rect">
+            <a:avLst/>
+          </a:prstGeom>
+          <a:noFill/>
+        </p:spPr>
+        <p:txBody>
+          <a:bodyPr wrap="none" rtlCol="0">
+            <a:spAutoFit/>
+          </a:bodyPr>
+          <a:lstStyle/>
+          <a:p>
+            <a:r>
+              <a:rPr lang="en-US" altLang="ko-KR" sz="2400" dirty="0">
+                <a:solidFill>
+                  <a:schemeClr val="bg1"/>
+                </a:solidFill>
+                <a:latin typeface="나눔스퀘어" panose="020B0600000101010101" pitchFamily="50" charset="-127"/>
+                <a:ea typeface="나눔스퀘어" panose="020B0600000101010101" pitchFamily="50" charset="-127"/>
               </a:rPr>
               <a:t>Update()-&gt;</a:t>
             </a:r>
             <a:r>
-              <a:rPr lang="en-US" altLang="ko-KR" sz="2800" dirty="0" err="1">
-                <a:solidFill>
-                  <a:schemeClr val="bg1"/>
-                </a:solidFill>
-                <a:latin typeface="나눔스퀘어 Light" panose="020B0600000101010101" pitchFamily="50" charset="-127"/>
-                <a:ea typeface="나눔스퀘어 Light" panose="020B0600000101010101" pitchFamily="50" charset="-127"/>
+              <a:rPr lang="en-US" altLang="ko-KR" sz="2400" dirty="0" err="1">
+                <a:solidFill>
+                  <a:schemeClr val="bg1"/>
+                </a:solidFill>
+                <a:latin typeface="나눔스퀘어" panose="020B0600000101010101" pitchFamily="50" charset="-127"/>
+                <a:ea typeface="나눔스퀘어" panose="020B0600000101010101" pitchFamily="50" charset="-127"/>
               </a:rPr>
               <a:t>Init</a:t>
             </a:r>
             <a:r>
-              <a:rPr lang="en-US" altLang="ko-KR" sz="2800" dirty="0">
-                <a:solidFill>
-                  <a:schemeClr val="bg1"/>
-                </a:solidFill>
-                <a:latin typeface="나눔스퀘어 Light" panose="020B0600000101010101" pitchFamily="50" charset="-127"/>
-                <a:ea typeface="나눔스퀘어 Light" panose="020B0600000101010101" pitchFamily="50" charset="-127"/>
+              <a:rPr lang="en-US" altLang="ko-KR" sz="2400" dirty="0">
+                <a:solidFill>
+                  <a:schemeClr val="bg1"/>
+                </a:solidFill>
+                <a:latin typeface="나눔스퀘어" panose="020B0600000101010101" pitchFamily="50" charset="-127"/>
+                <a:ea typeface="나눔스퀘어" panose="020B0600000101010101" pitchFamily="50" charset="-127"/>
               </a:rPr>
               <a:t>()</a:t>
             </a:r>
           </a:p>
-          <a:p>
-            <a:pPr marL="571500" indent="-571500">
-              <a:lnSpc>
-                <a:spcPct val="150000"/>
-              </a:lnSpc>
-              <a:buSzPct val="80000"/>
-              <a:buFont typeface="Wingdings" panose="05000000000000000000" pitchFamily="2" charset="2"/>
-              <a:buChar char="§"/>
-            </a:pPr>
-            <a:r>
-              <a:rPr lang="en-US" altLang="ko-KR" sz="2800" dirty="0" err="1">
-                <a:solidFill>
-                  <a:schemeClr val="bg1"/>
-                </a:solidFill>
-                <a:latin typeface="나눔스퀘어 Light" panose="020B0600000101010101" pitchFamily="50" charset="-127"/>
-                <a:ea typeface="나눔스퀘어 Light" panose="020B0600000101010101" pitchFamily="50" charset="-127"/>
+        </p:txBody>
+      </p:sp>
+      <p:sp>
+        <p:nvSpPr>
+          <p:cNvPr id="16" name="TextBox 15">
+            <a:extLst>
+              <a:ext uri="{FF2B5EF4-FFF2-40B4-BE49-F238E27FC236}">
+                <a16:creationId xmlns:a16="http://schemas.microsoft.com/office/drawing/2014/main" id="{926ECD7D-6E70-40CC-8995-D65BE69344F7}"/>
+              </a:ext>
+            </a:extLst>
+          </p:cNvPr>
+          <p:cNvSpPr txBox="1"/>
+          <p:nvPr/>
+        </p:nvSpPr>
+        <p:spPr>
+          <a:xfrm>
+            <a:off x="5999661" y="5483437"/>
+            <a:ext cx="2901820" cy="461665"/>
+          </a:xfrm>
+          <a:prstGeom prst="rect">
+            <a:avLst/>
+          </a:prstGeom>
+          <a:noFill/>
+        </p:spPr>
+        <p:txBody>
+          <a:bodyPr wrap="none" rtlCol="0">
+            <a:spAutoFit/>
+          </a:bodyPr>
+          <a:lstStyle/>
+          <a:p>
+            <a:r>
+              <a:rPr lang="en-US" altLang="ko-KR" sz="2400" dirty="0" err="1">
+                <a:solidFill>
+                  <a:schemeClr val="bg1"/>
+                </a:solidFill>
+                <a:latin typeface="나눔스퀘어" panose="020B0600000101010101" pitchFamily="50" charset="-127"/>
+                <a:ea typeface="나눔스퀘어" panose="020B0600000101010101" pitchFamily="50" charset="-127"/>
               </a:rPr>
               <a:t>DeleteObject</a:t>
             </a:r>
             <a:r>
-              <a:rPr lang="en-US" altLang="ko-KR" sz="2800" dirty="0">
-                <a:solidFill>
-                  <a:schemeClr val="bg1"/>
-                </a:solidFill>
-                <a:latin typeface="나눔스퀘어 Light" panose="020B0600000101010101" pitchFamily="50" charset="-127"/>
-                <a:ea typeface="나눔스퀘어 Light" panose="020B0600000101010101" pitchFamily="50" charset="-127"/>
+              <a:rPr lang="en-US" altLang="ko-KR" sz="2400" dirty="0">
+                <a:solidFill>
+                  <a:schemeClr val="bg1"/>
+                </a:solidFill>
+                <a:latin typeface="나눔스퀘어" panose="020B0600000101010101" pitchFamily="50" charset="-127"/>
+                <a:ea typeface="나눔스퀘어" panose="020B0600000101010101" pitchFamily="50" charset="-127"/>
               </a:rPr>
               <a:t>(</a:t>
             </a:r>
             <a:r>
-              <a:rPr lang="en-US" altLang="ko-KR" sz="2800" dirty="0" err="1">
-                <a:solidFill>
-                  <a:schemeClr val="bg1"/>
-                </a:solidFill>
-                <a:latin typeface="나눔스퀘어 Light" panose="020B0600000101010101" pitchFamily="50" charset="-127"/>
-                <a:ea typeface="나눔스퀘어 Light" panose="020B0600000101010101" pitchFamily="50" charset="-127"/>
+              <a:rPr lang="en-US" altLang="ko-KR" sz="2400" dirty="0" err="1">
+                <a:solidFill>
+                  <a:schemeClr val="bg1"/>
+                </a:solidFill>
+                <a:latin typeface="나눔스퀘어" panose="020B0600000101010101" pitchFamily="50" charset="-127"/>
+                <a:ea typeface="나눔스퀘어" panose="020B0600000101010101" pitchFamily="50" charset="-127"/>
               </a:rPr>
               <a:t>oldbr</a:t>
             </a:r>
             <a:r>
-              <a:rPr lang="en-US" altLang="ko-KR" sz="2800" dirty="0">
-                <a:solidFill>
-                  <a:schemeClr val="bg1"/>
-                </a:solidFill>
-                <a:latin typeface="나눔스퀘어 Light" panose="020B0600000101010101" pitchFamily="50" charset="-127"/>
-                <a:ea typeface="나눔스퀘어 Light" panose="020B0600000101010101" pitchFamily="50" charset="-127"/>
+              <a:rPr lang="en-US" altLang="ko-KR" sz="2400" dirty="0">
+                <a:solidFill>
+                  <a:schemeClr val="bg1"/>
+                </a:solidFill>
+                <a:latin typeface="나눔스퀘어" panose="020B0600000101010101" pitchFamily="50" charset="-127"/>
+                <a:ea typeface="나눔스퀘어" panose="020B0600000101010101" pitchFamily="50" charset="-127"/>
               </a:rPr>
               <a:t>)</a:t>
             </a:r>
           </a:p>
-          <a:p>
-            <a:pPr marL="571500" indent="-571500">
-              <a:lnSpc>
-                <a:spcPct val="150000"/>
-              </a:lnSpc>
-              <a:buSzPct val="80000"/>
-              <a:buFont typeface="Wingdings" panose="05000000000000000000" pitchFamily="2" charset="2"/>
-              <a:buChar char="§"/>
-            </a:pPr>
-            <a:r>
-              <a:rPr lang="en-US" altLang="ko-KR" sz="2800" dirty="0">
-                <a:solidFill>
-                  <a:schemeClr val="bg1"/>
-                </a:solidFill>
-                <a:latin typeface="나눔스퀘어 Light" panose="020B0600000101010101" pitchFamily="50" charset="-127"/>
-                <a:ea typeface="나눔스퀘어 Light" panose="020B0600000101010101" pitchFamily="50" charset="-127"/>
+        </p:txBody>
+      </p:sp>
+      <p:sp>
+        <p:nvSpPr>
+          <p:cNvPr id="17" name="TextBox 16">
+            <a:extLst>
+              <a:ext uri="{FF2B5EF4-FFF2-40B4-BE49-F238E27FC236}">
+                <a16:creationId xmlns:a16="http://schemas.microsoft.com/office/drawing/2014/main" id="{A0FB18E3-686C-4293-BFC7-48C16A8AA076}"/>
+              </a:ext>
+            </a:extLst>
+          </p:cNvPr>
+          <p:cNvSpPr txBox="1"/>
+          <p:nvPr/>
+        </p:nvSpPr>
+        <p:spPr>
+          <a:xfrm>
+            <a:off x="423844" y="5144882"/>
+            <a:ext cx="2781531" cy="1138773"/>
+          </a:xfrm>
+          <a:prstGeom prst="rect">
+            <a:avLst/>
+          </a:prstGeom>
+          <a:noFill/>
+        </p:spPr>
+        <p:txBody>
+          <a:bodyPr wrap="none" rtlCol="0">
+            <a:spAutoFit/>
+          </a:bodyPr>
+          <a:lstStyle/>
+          <a:p>
+            <a:r>
+              <a:rPr lang="en-US" altLang="ko-KR" sz="2400" dirty="0">
+                <a:solidFill>
+                  <a:schemeClr val="bg1"/>
+                </a:solidFill>
+                <a:latin typeface="나눔스퀘어" panose="020B0600000101010101" pitchFamily="50" charset="-127"/>
+                <a:ea typeface="나눔스퀘어" panose="020B0600000101010101" pitchFamily="50" charset="-127"/>
               </a:rPr>
               <a:t>~</a:t>
             </a:r>
             <a:r>
-              <a:rPr lang="en-US" altLang="ko-KR" sz="2800" dirty="0" err="1">
-                <a:solidFill>
-                  <a:schemeClr val="bg1"/>
-                </a:solidFill>
-                <a:latin typeface="나눔스퀘어 Light" panose="020B0600000101010101" pitchFamily="50" charset="-127"/>
-                <a:ea typeface="나눔스퀘어 Light" panose="020B0600000101010101" pitchFamily="50" charset="-127"/>
+              <a:rPr lang="en-US" altLang="ko-KR" sz="2400" dirty="0" err="1">
+                <a:solidFill>
+                  <a:schemeClr val="bg1"/>
+                </a:solidFill>
+                <a:latin typeface="나눔스퀘어" panose="020B0600000101010101" pitchFamily="50" charset="-127"/>
+                <a:ea typeface="나눔스퀘어" panose="020B0600000101010101" pitchFamily="50" charset="-127"/>
               </a:rPr>
               <a:t>CEnemy</a:t>
             </a:r>
             <a:r>
-              <a:rPr lang="en-US" altLang="ko-KR" sz="2800" dirty="0">
-                <a:solidFill>
-                  <a:schemeClr val="bg1"/>
-                </a:solidFill>
-                <a:latin typeface="나눔스퀘어 Light" panose="020B0600000101010101" pitchFamily="50" charset="-127"/>
-                <a:ea typeface="나눔스퀘어 Light" panose="020B0600000101010101" pitchFamily="50" charset="-127"/>
-              </a:rPr>
-              <a:t>(){ delete </a:t>
-            </a:r>
-            <a:r>
-              <a:rPr lang="en-US" altLang="ko-KR" sz="2800" dirty="0" err="1">
-                <a:solidFill>
-                  <a:schemeClr val="bg1"/>
-                </a:solidFill>
-                <a:latin typeface="나눔스퀘어 Light" panose="020B0600000101010101" pitchFamily="50" charset="-127"/>
-                <a:ea typeface="나눔스퀘어 Light" panose="020B0600000101010101" pitchFamily="50" charset="-127"/>
+              <a:rPr lang="en-US" altLang="ko-KR" sz="2400" dirty="0">
+                <a:solidFill>
+                  <a:schemeClr val="bg1"/>
+                </a:solidFill>
+                <a:latin typeface="나눔스퀘어" panose="020B0600000101010101" pitchFamily="50" charset="-127"/>
+                <a:ea typeface="나눔스퀘어" panose="020B0600000101010101" pitchFamily="50" charset="-127"/>
+              </a:rPr>
+              <a:t>( )</a:t>
+            </a:r>
+          </a:p>
+          <a:p>
+            <a:r>
+              <a:rPr lang="en-US" altLang="ko-KR" sz="2400" dirty="0">
+                <a:solidFill>
+                  <a:schemeClr val="bg1"/>
+                </a:solidFill>
+                <a:latin typeface="나눔스퀘어" panose="020B0600000101010101" pitchFamily="50" charset="-127"/>
+                <a:ea typeface="나눔스퀘어" panose="020B0600000101010101" pitchFamily="50" charset="-127"/>
+              </a:rPr>
+              <a:t>	{delete </a:t>
+            </a:r>
+            <a:r>
+              <a:rPr lang="en-US" altLang="ko-KR" sz="2400" dirty="0" err="1">
+                <a:solidFill>
+                  <a:schemeClr val="bg1"/>
+                </a:solidFill>
+                <a:latin typeface="나눔스퀘어" panose="020B0600000101010101" pitchFamily="50" charset="-127"/>
+                <a:ea typeface="나눔스퀘어" panose="020B0600000101010101" pitchFamily="50" charset="-127"/>
               </a:rPr>
               <a:t>m_ptr</a:t>
             </a:r>
             <a:r>
-              <a:rPr lang="en-US" altLang="ko-KR" sz="2800" dirty="0">
-                <a:solidFill>
-                  <a:schemeClr val="bg1"/>
-                </a:solidFill>
-                <a:latin typeface="나눔스퀘어 Light" panose="020B0600000101010101" pitchFamily="50" charset="-127"/>
-                <a:ea typeface="나눔스퀘어 Light" panose="020B0600000101010101" pitchFamily="50" charset="-127"/>
+              <a:rPr lang="en-US" altLang="ko-KR" sz="2400" dirty="0">
+                <a:solidFill>
+                  <a:schemeClr val="bg1"/>
+                </a:solidFill>
+                <a:latin typeface="나눔스퀘어" panose="020B0600000101010101" pitchFamily="50" charset="-127"/>
+                <a:ea typeface="나눔스퀘어" panose="020B0600000101010101" pitchFamily="50" charset="-127"/>
               </a:rPr>
               <a:t>;}</a:t>
             </a:r>
           </a:p>
           <a:p>
-            <a:pPr>
-              <a:lnSpc>
-                <a:spcPct val="150000"/>
-              </a:lnSpc>
-              <a:buSzPct val="80000"/>
-            </a:pPr>
-            <a:r>
-              <a:rPr lang="en-US" altLang="ko-KR" sz="2800" dirty="0">
-                <a:solidFill>
-                  <a:schemeClr val="bg1"/>
-                </a:solidFill>
-                <a:latin typeface="나눔스퀘어 Light" panose="020B0600000101010101" pitchFamily="50" charset="-127"/>
-                <a:ea typeface="나눔스퀘어 Light" panose="020B0600000101010101" pitchFamily="50" charset="-127"/>
-              </a:rPr>
-              <a:t>	  </a:t>
-            </a:r>
-            <a:r>
-              <a:rPr lang="ko-KR" altLang="en-US" sz="2800" dirty="0">
+            <a:r>
+              <a:rPr lang="ko-KR" altLang="en-US" sz="2000" dirty="0">
                 <a:solidFill>
                   <a:schemeClr val="bg1"/>
                 </a:solidFill>
@@ -5936,7 +6541,7 @@
         </p:nvSpPr>
         <p:spPr>
           <a:xfrm>
-            <a:off x="270904" y="2930496"/>
+            <a:off x="557526" y="2908529"/>
             <a:ext cx="2014013" cy="1015663"/>
           </a:xfrm>
           <a:prstGeom prst="rect">
@@ -6102,8 +6707,8 @@
         </p:nvSpPr>
         <p:spPr>
           <a:xfrm>
-            <a:off x="-2172066" y="975150"/>
-            <a:ext cx="5040923" cy="4926358"/>
+            <a:off x="-1979026" y="758495"/>
+            <a:ext cx="5439353" cy="5315733"/>
           </a:xfrm>
           <a:prstGeom prst="ellipse">
             <a:avLst/>
@@ -6178,8 +6783,8 @@
         </p:nvSpPr>
         <p:spPr>
           <a:xfrm>
-            <a:off x="-2525973" y="1247178"/>
-            <a:ext cx="5020840" cy="4906731"/>
+            <a:off x="-2332934" y="1032074"/>
+            <a:ext cx="5417683" cy="5294555"/>
           </a:xfrm>
           <a:prstGeom prst="ellipse">
             <a:avLst/>
@@ -6237,8 +6842,8 @@
         </p:nvSpPr>
         <p:spPr>
           <a:xfrm>
-            <a:off x="-1953058" y="723104"/>
-            <a:ext cx="4447925" cy="4906731"/>
+            <a:off x="-1760018" y="508000"/>
+            <a:ext cx="4799485" cy="5294555"/>
           </a:xfrm>
           <a:prstGeom prst="ellipse">
             <a:avLst/>
@@ -9392,8 +9997,37 @@
         </p:blipFill>
         <p:spPr>
           <a:xfrm>
-            <a:off x="3804165" y="781827"/>
-            <a:ext cx="6250546" cy="5294344"/>
+            <a:off x="4054399" y="1145367"/>
+            <a:ext cx="5392148" cy="4567263"/>
+          </a:xfrm>
+          <a:prstGeom prst="rect">
+            <a:avLst/>
+          </a:prstGeom>
+        </p:spPr>
+      </p:pic>
+      <p:pic>
+        <p:nvPicPr>
+          <p:cNvPr id="5" name="그림 4">
+            <a:extLst>
+              <a:ext uri="{FF2B5EF4-FFF2-40B4-BE49-F238E27FC236}">
+                <a16:creationId xmlns:a16="http://schemas.microsoft.com/office/drawing/2014/main" id="{61ADE347-CDF4-4691-A6AB-2D64FFC9AFB0}"/>
+              </a:ext>
+            </a:extLst>
+          </p:cNvPr>
+          <p:cNvPicPr>
+            <a:picLocks noChangeAspect="1"/>
+          </p:cNvPicPr>
+          <p:nvPr/>
+        </p:nvPicPr>
+        <p:blipFill rotWithShape="1">
+          <a:blip r:embed="rId3"/>
+          <a:srcRect l="25243" t="9741" r="30680" b="69202"/>
+          <a:stretch/>
+        </p:blipFill>
+        <p:spPr>
+          <a:xfrm>
+            <a:off x="1087029" y="-295353"/>
+            <a:ext cx="5663444" cy="1440719"/>
           </a:xfrm>
           <a:prstGeom prst="rect">
             <a:avLst/>
@@ -9757,133 +10391,63 @@
       </p:grpSpPr>
       <p:sp>
         <p:nvSpPr>
-          <p:cNvPr id="3" name="내용 개체 틀 2">
-            <a:extLst>
-              <a:ext uri="{FF2B5EF4-FFF2-40B4-BE49-F238E27FC236}">
-                <a16:creationId xmlns:a16="http://schemas.microsoft.com/office/drawing/2014/main" id="{972CE041-03FA-4BFB-AA4E-6057DEA64598}"/>
-              </a:ext>
-            </a:extLst>
-          </p:cNvPr>
-          <p:cNvSpPr>
-            <a:spLocks noGrp="1"/>
-          </p:cNvSpPr>
-          <p:nvPr>
-            <p:ph idx="1"/>
-          </p:nvPr>
-        </p:nvSpPr>
-        <p:spPr/>
-        <p:txBody>
-          <a:bodyPr/>
+          <p:cNvPr id="18" name="직사각형 17"/>
+          <p:cNvSpPr/>
+          <p:nvPr/>
+        </p:nvSpPr>
+        <p:spPr>
+          <a:xfrm rot="20700000">
+            <a:off x="-1829960" y="1179248"/>
+            <a:ext cx="12986795" cy="5392260"/>
+          </a:xfrm>
+          <a:prstGeom prst="rect">
+            <a:avLst/>
+          </a:prstGeom>
+          <a:solidFill>
+            <a:schemeClr val="bg1">
+              <a:lumMod val="50000"/>
+              <a:alpha val="10000"/>
+            </a:schemeClr>
+          </a:solidFill>
+          <a:ln>
+            <a:noFill/>
+          </a:ln>
+        </p:spPr>
+        <p:style>
+          <a:lnRef idx="2">
+            <a:schemeClr val="accent1">
+              <a:shade val="50000"/>
+            </a:schemeClr>
+          </a:lnRef>
+          <a:fillRef idx="1">
+            <a:schemeClr val="accent1"/>
+          </a:fillRef>
+          <a:effectRef idx="0">
+            <a:schemeClr val="accent1"/>
+          </a:effectRef>
+          <a:fontRef idx="minor">
+            <a:schemeClr val="lt1"/>
+          </a:fontRef>
+        </p:style>
+        <p:txBody>
+          <a:bodyPr rtlCol="0" anchor="ctr"/>
           <a:lstStyle/>
           <a:p>
-            <a:r>
-              <a:rPr lang="ko-KR" altLang="en-US" dirty="0" err="1">
-                <a:solidFill>
-                  <a:schemeClr val="bg1"/>
-                </a:solidFill>
-              </a:rPr>
-              <a:t>차일드</a:t>
-            </a:r>
-            <a:r>
-              <a:rPr lang="ko-KR" altLang="en-US" dirty="0">
-                <a:solidFill>
-                  <a:schemeClr val="bg1"/>
-                </a:solidFill>
-              </a:rPr>
-              <a:t> 씬</a:t>
-            </a:r>
-            <a:endParaRPr lang="en-US" altLang="ko-KR" dirty="0">
-              <a:solidFill>
-                <a:schemeClr val="bg1"/>
-              </a:solidFill>
-            </a:endParaRPr>
-          </a:p>
-          <a:p>
-            <a:r>
-              <a:rPr lang="en-US" altLang="ko-KR" dirty="0">
-                <a:solidFill>
-                  <a:schemeClr val="bg1"/>
-                </a:solidFill>
-              </a:rPr>
-              <a:t>Alpha </a:t>
-            </a:r>
-            <a:r>
-              <a:rPr lang="en-US" altLang="ko-KR" dirty="0" err="1">
-                <a:solidFill>
-                  <a:schemeClr val="bg1"/>
-                </a:solidFill>
-              </a:rPr>
-              <a:t>img</a:t>
-            </a:r>
-            <a:r>
-              <a:rPr lang="ko-KR" altLang="en-US" dirty="0">
-                <a:solidFill>
-                  <a:schemeClr val="bg1"/>
-                </a:solidFill>
-              </a:rPr>
-              <a:t> </a:t>
-            </a:r>
-            <a:r>
-              <a:rPr lang="en-US" altLang="ko-KR" dirty="0">
-                <a:solidFill>
-                  <a:schemeClr val="bg1"/>
-                </a:solidFill>
-              </a:rPr>
-              <a:t>rotate draw </a:t>
-            </a:r>
-          </a:p>
-          <a:p>
-            <a:r>
-              <a:rPr lang="ko-KR" altLang="en-US" dirty="0">
-                <a:solidFill>
-                  <a:schemeClr val="bg1"/>
-                </a:solidFill>
-              </a:rPr>
-              <a:t>모든 일의 원흉</a:t>
-            </a:r>
-            <a:r>
-              <a:rPr lang="en-US" altLang="ko-KR" dirty="0">
-                <a:solidFill>
-                  <a:schemeClr val="bg1"/>
-                </a:solidFill>
-              </a:rPr>
-              <a:t>- </a:t>
-            </a:r>
-            <a:r>
-              <a:rPr lang="ko-KR" altLang="en-US" dirty="0" err="1">
-                <a:solidFill>
-                  <a:schemeClr val="bg1"/>
-                </a:solidFill>
-              </a:rPr>
-              <a:t>느려진</a:t>
-            </a:r>
-            <a:r>
-              <a:rPr lang="ko-KR" altLang="en-US" dirty="0">
-                <a:solidFill>
-                  <a:schemeClr val="bg1"/>
-                </a:solidFill>
-              </a:rPr>
-              <a:t> 프로젝트</a:t>
-            </a:r>
-          </a:p>
-        </p:txBody>
-      </p:sp>
-      <p:sp>
-        <p:nvSpPr>
-          <p:cNvPr id="9" name="TextBox 8">
-            <a:extLst>
-              <a:ext uri="{FF2B5EF4-FFF2-40B4-BE49-F238E27FC236}">
-                <a16:creationId xmlns:a16="http://schemas.microsoft.com/office/drawing/2014/main" id="{DA4C68B3-2F4C-4149-8004-6F33AAE7274E}"/>
-              </a:ext>
-            </a:extLst>
-          </p:cNvPr>
+            <a:pPr algn="ctr"/>
+            <a:endParaRPr lang="ko-KR" altLang="en-US" dirty="0"/>
+          </a:p>
+        </p:txBody>
+      </p:sp>
+      <p:sp>
+        <p:nvSpPr>
+          <p:cNvPr id="9" name="TextBox 8"/>
           <p:cNvSpPr txBox="1"/>
           <p:nvPr/>
         </p:nvSpPr>
         <p:spPr>
           <a:xfrm>
-            <a:off x="745726" y="618835"/>
-            <a:ext cx="5570756" cy="1015663"/>
+            <a:off x="674235" y="604195"/>
+            <a:ext cx="2422458" cy="830997"/>
           </a:xfrm>
           <a:prstGeom prst="rect">
             <a:avLst/>
@@ -9897,27 +10461,348 @@
           <a:lstStyle/>
           <a:p>
             <a:r>
-              <a:rPr lang="ko-KR" altLang="en-US" sz="6000" dirty="0">
-                <a:solidFill>
-                  <a:schemeClr val="bg1"/>
-                </a:solidFill>
-                <a:latin typeface="나눔바른펜" panose="020B0503000000000000" pitchFamily="50" charset="-127"/>
-                <a:ea typeface="나눔바른펜" panose="020B0503000000000000" pitchFamily="50" charset="-127"/>
-              </a:rPr>
-              <a:t>주요제작리스트</a:t>
-            </a:r>
-          </a:p>
-        </p:txBody>
-      </p:sp>
+              <a:rPr lang="ko-KR" altLang="en-US" sz="4800" dirty="0">
+                <a:solidFill>
+                  <a:schemeClr val="bg1"/>
+                </a:solidFill>
+                <a:latin typeface="나눔스퀘어 Light" panose="020B0600000101010101" pitchFamily="50" charset="-127"/>
+                <a:ea typeface="나눔스퀘어 Light" panose="020B0600000101010101" pitchFamily="50" charset="-127"/>
+              </a:rPr>
+              <a:t>핵심기술</a:t>
+            </a:r>
+          </a:p>
+        </p:txBody>
+      </p:sp>
+      <p:sp>
+        <p:nvSpPr>
+          <p:cNvPr id="10" name="TextBox 9"/>
+          <p:cNvSpPr txBox="1"/>
+          <p:nvPr/>
+        </p:nvSpPr>
+        <p:spPr>
+          <a:xfrm>
+            <a:off x="674235" y="2075283"/>
+            <a:ext cx="4775282" cy="1498615"/>
+          </a:xfrm>
+          <a:prstGeom prst="rect">
+            <a:avLst/>
+          </a:prstGeom>
+          <a:noFill/>
+        </p:spPr>
+        <p:txBody>
+          <a:bodyPr wrap="none" rtlCol="0">
+            <a:spAutoFit/>
+          </a:bodyPr>
+          <a:lstStyle/>
+          <a:p>
+            <a:pPr marL="571500" indent="-571500">
+              <a:lnSpc>
+                <a:spcPct val="150000"/>
+              </a:lnSpc>
+              <a:buSzPct val="80000"/>
+              <a:buFont typeface="Wingdings" panose="05000000000000000000" pitchFamily="2" charset="2"/>
+              <a:buChar char="§"/>
+            </a:pPr>
+            <a:r>
+              <a:rPr lang="ko-KR" altLang="en-US" sz="3200" dirty="0" err="1">
+                <a:solidFill>
+                  <a:schemeClr val="bg1"/>
+                </a:solidFill>
+                <a:latin typeface="나눔스퀘어 Light" panose="020B0600000101010101" pitchFamily="50" charset="-127"/>
+                <a:ea typeface="나눔스퀘어 Light" panose="020B0600000101010101" pitchFamily="50" charset="-127"/>
+              </a:rPr>
+              <a:t>차일드</a:t>
+            </a:r>
+            <a:r>
+              <a:rPr lang="ko-KR" altLang="en-US" sz="3200" dirty="0">
+                <a:solidFill>
+                  <a:schemeClr val="bg1"/>
+                </a:solidFill>
+                <a:latin typeface="나눔스퀘어 Light" panose="020B0600000101010101" pitchFamily="50" charset="-127"/>
+                <a:ea typeface="나눔스퀘어 Light" panose="020B0600000101010101" pitchFamily="50" charset="-127"/>
+              </a:rPr>
+              <a:t> 씬</a:t>
+            </a:r>
+          </a:p>
+          <a:p>
+            <a:pPr marL="571500" indent="-571500">
+              <a:lnSpc>
+                <a:spcPct val="150000"/>
+              </a:lnSpc>
+              <a:buSzPct val="80000"/>
+              <a:buFont typeface="Wingdings" panose="05000000000000000000" pitchFamily="2" charset="2"/>
+              <a:buChar char="§"/>
+            </a:pPr>
+            <a:r>
+              <a:rPr lang="en-US" altLang="ko-KR" sz="3200" dirty="0">
+                <a:solidFill>
+                  <a:schemeClr val="bg1"/>
+                </a:solidFill>
+                <a:latin typeface="나눔스퀘어 Light" panose="020B0600000101010101" pitchFamily="50" charset="-127"/>
+                <a:ea typeface="나눔스퀘어 Light" panose="020B0600000101010101" pitchFamily="50" charset="-127"/>
+              </a:rPr>
+              <a:t>Alpha </a:t>
+            </a:r>
+            <a:r>
+              <a:rPr lang="en-US" altLang="ko-KR" sz="3200" dirty="0" err="1">
+                <a:solidFill>
+                  <a:schemeClr val="bg1"/>
+                </a:solidFill>
+                <a:latin typeface="나눔스퀘어 Light" panose="020B0600000101010101" pitchFamily="50" charset="-127"/>
+                <a:ea typeface="나눔스퀘어 Light" panose="020B0600000101010101" pitchFamily="50" charset="-127"/>
+              </a:rPr>
+              <a:t>img</a:t>
+            </a:r>
+            <a:r>
+              <a:rPr lang="en-US" altLang="ko-KR" sz="3200" dirty="0">
+                <a:solidFill>
+                  <a:schemeClr val="bg1"/>
+                </a:solidFill>
+                <a:latin typeface="나눔스퀘어 Light" panose="020B0600000101010101" pitchFamily="50" charset="-127"/>
+                <a:ea typeface="나눔스퀘어 Light" panose="020B0600000101010101" pitchFamily="50" charset="-127"/>
+              </a:rPr>
+              <a:t> rotate draw</a:t>
+            </a:r>
+          </a:p>
+        </p:txBody>
+      </p:sp>
+      <p:grpSp>
+        <p:nvGrpSpPr>
+          <p:cNvPr id="2" name="그룹 1">
+            <a:extLst>
+              <a:ext uri="{FF2B5EF4-FFF2-40B4-BE49-F238E27FC236}">
+                <a16:creationId xmlns:a16="http://schemas.microsoft.com/office/drawing/2014/main" id="{11D15916-331D-4D05-8508-AE7199C2AF1A}"/>
+              </a:ext>
+            </a:extLst>
+          </p:cNvPr>
+          <p:cNvGrpSpPr/>
+          <p:nvPr/>
+        </p:nvGrpSpPr>
+        <p:grpSpPr>
+          <a:xfrm>
+            <a:off x="-1572508" y="-409499"/>
+            <a:ext cx="6193706" cy="6208415"/>
+            <a:chOff x="-1572508" y="-409499"/>
+            <a:chExt cx="6193706" cy="6208415"/>
+          </a:xfrm>
+        </p:grpSpPr>
+        <p:sp>
+          <p:nvSpPr>
+            <p:cNvPr id="11" name="타원 10"/>
+            <p:cNvSpPr/>
+            <p:nvPr/>
+          </p:nvSpPr>
+          <p:spPr>
+            <a:xfrm>
+              <a:off x="-1218601" y="-162445"/>
+              <a:ext cx="5839799" cy="5707078"/>
+            </a:xfrm>
+            <a:prstGeom prst="ellipse">
+              <a:avLst/>
+            </a:prstGeom>
+            <a:noFill/>
+            <a:ln w="19050">
+              <a:gradFill>
+                <a:gsLst>
+                  <a:gs pos="0">
+                    <a:schemeClr val="accent1">
+                      <a:lumMod val="5000"/>
+                      <a:lumOff val="95000"/>
+                      <a:alpha val="50000"/>
+                    </a:schemeClr>
+                  </a:gs>
+                  <a:gs pos="74000">
+                    <a:schemeClr val="accent1">
+                      <a:lumMod val="45000"/>
+                      <a:lumOff val="55000"/>
+                      <a:alpha val="50000"/>
+                    </a:schemeClr>
+                  </a:gs>
+                  <a:gs pos="83000">
+                    <a:schemeClr val="accent1">
+                      <a:lumMod val="45000"/>
+                      <a:lumOff val="55000"/>
+                      <a:alpha val="50000"/>
+                    </a:schemeClr>
+                  </a:gs>
+                  <a:gs pos="100000">
+                    <a:schemeClr val="accent1">
+                      <a:lumMod val="30000"/>
+                      <a:lumOff val="70000"/>
+                      <a:alpha val="50000"/>
+                    </a:schemeClr>
+                  </a:gs>
+                </a:gsLst>
+                <a:lin ang="5400000" scaled="1"/>
+              </a:gradFill>
+            </a:ln>
+          </p:spPr>
+          <p:style>
+            <a:lnRef idx="2">
+              <a:schemeClr val="accent1">
+                <a:shade val="50000"/>
+              </a:schemeClr>
+            </a:lnRef>
+            <a:fillRef idx="1">
+              <a:schemeClr val="accent1"/>
+            </a:fillRef>
+            <a:effectRef idx="0">
+              <a:schemeClr val="accent1"/>
+            </a:effectRef>
+            <a:fontRef idx="minor">
+              <a:schemeClr val="lt1"/>
+            </a:fontRef>
+          </p:style>
+          <p:txBody>
+            <a:bodyPr rtlCol="0" anchor="ctr"/>
+            <a:lstStyle/>
+            <a:p>
+              <a:pPr algn="ctr"/>
+              <a:endParaRPr lang="en-US" altLang="ko-KR" dirty="0">
+                <a:latin typeface="나눔스퀘어 Light" panose="020B0600000101010101" pitchFamily="50" charset="-127"/>
+                <a:ea typeface="나눔스퀘어 Light" panose="020B0600000101010101" pitchFamily="50" charset="-127"/>
+              </a:endParaRPr>
+            </a:p>
+            <a:p>
+              <a:pPr algn="ctr"/>
+              <a:endParaRPr lang="ko-KR" altLang="en-US" dirty="0">
+                <a:latin typeface="나눔스퀘어 Light" panose="020B0600000101010101" pitchFamily="50" charset="-127"/>
+                <a:ea typeface="나눔스퀘어 Light" panose="020B0600000101010101" pitchFamily="50" charset="-127"/>
+              </a:endParaRPr>
+            </a:p>
+          </p:txBody>
+        </p:sp>
+        <p:sp>
+          <p:nvSpPr>
+            <p:cNvPr id="12" name="타원 11"/>
+            <p:cNvSpPr/>
+            <p:nvPr/>
+          </p:nvSpPr>
+          <p:spPr>
+            <a:xfrm>
+              <a:off x="-1572508" y="114575"/>
+              <a:ext cx="5816534" cy="5684341"/>
+            </a:xfrm>
+            <a:prstGeom prst="ellipse">
+              <a:avLst/>
+            </a:prstGeom>
+            <a:noFill/>
+            <a:ln w="19050">
+              <a:gradFill flip="none" rotWithShape="1">
+                <a:gsLst>
+                  <a:gs pos="0">
+                    <a:srgbClr val="FFC000">
+                      <a:alpha val="50000"/>
+                    </a:srgbClr>
+                  </a:gs>
+                  <a:gs pos="100000">
+                    <a:srgbClr val="FF0000">
+                      <a:alpha val="50000"/>
+                    </a:srgbClr>
+                  </a:gs>
+                </a:gsLst>
+                <a:lin ang="16200000" scaled="1"/>
+                <a:tileRect/>
+              </a:gradFill>
+            </a:ln>
+          </p:spPr>
+          <p:style>
+            <a:lnRef idx="2">
+              <a:schemeClr val="accent1">
+                <a:shade val="50000"/>
+              </a:schemeClr>
+            </a:lnRef>
+            <a:fillRef idx="1">
+              <a:schemeClr val="accent1"/>
+            </a:fillRef>
+            <a:effectRef idx="0">
+              <a:schemeClr val="accent1"/>
+            </a:effectRef>
+            <a:fontRef idx="minor">
+              <a:schemeClr val="lt1"/>
+            </a:fontRef>
+          </p:style>
+          <p:txBody>
+            <a:bodyPr rtlCol="0" anchor="ctr"/>
+            <a:lstStyle/>
+            <a:p>
+              <a:pPr algn="ctr"/>
+              <a:endParaRPr lang="ko-KR" altLang="en-US" dirty="0"/>
+            </a:p>
+          </p:txBody>
+        </p:sp>
+        <p:sp>
+          <p:nvSpPr>
+            <p:cNvPr id="13" name="타원 12"/>
+            <p:cNvSpPr/>
+            <p:nvPr/>
+          </p:nvSpPr>
+          <p:spPr>
+            <a:xfrm>
+              <a:off x="-999593" y="-409499"/>
+              <a:ext cx="5152825" cy="5684341"/>
+            </a:xfrm>
+            <a:prstGeom prst="ellipse">
+              <a:avLst/>
+            </a:prstGeom>
+            <a:noFill/>
+            <a:ln w="19050">
+              <a:gradFill flip="none" rotWithShape="1">
+                <a:gsLst>
+                  <a:gs pos="0">
+                    <a:srgbClr val="FFDF79">
+                      <a:alpha val="50000"/>
+                    </a:srgbClr>
+                  </a:gs>
+                  <a:gs pos="100000">
+                    <a:srgbClr val="FF5B5B">
+                      <a:alpha val="50000"/>
+                    </a:srgbClr>
+                  </a:gs>
+                </a:gsLst>
+                <a:lin ang="16200000" scaled="1"/>
+                <a:tileRect/>
+              </a:gradFill>
+            </a:ln>
+          </p:spPr>
+          <p:style>
+            <a:lnRef idx="2">
+              <a:schemeClr val="accent1">
+                <a:shade val="50000"/>
+              </a:schemeClr>
+            </a:lnRef>
+            <a:fillRef idx="1">
+              <a:schemeClr val="accent1"/>
+            </a:fillRef>
+            <a:effectRef idx="0">
+              <a:schemeClr val="accent1"/>
+            </a:effectRef>
+            <a:fontRef idx="minor">
+              <a:schemeClr val="lt1"/>
+            </a:fontRef>
+          </p:style>
+          <p:txBody>
+            <a:bodyPr rtlCol="0" anchor="ctr"/>
+            <a:lstStyle/>
+            <a:p>
+              <a:pPr algn="ctr"/>
+              <a:endParaRPr lang="ko-KR" altLang="en-US" dirty="0">
+                <a:latin typeface="나눔스퀘어 Light" panose="020B0600000101010101" pitchFamily="50" charset="-127"/>
+                <a:ea typeface="나눔스퀘어 Light" panose="020B0600000101010101" pitchFamily="50" charset="-127"/>
+              </a:endParaRPr>
+            </a:p>
+          </p:txBody>
+        </p:sp>
+      </p:grpSp>
     </p:spTree>
     <p:extLst>
       <p:ext uri="{BB962C8B-B14F-4D97-AF65-F5344CB8AC3E}">
-        <p14:creationId xmlns:p14="http://schemas.microsoft.com/office/powerpoint/2010/main" val="45783522"/>
+        <p14:creationId xmlns:p14="http://schemas.microsoft.com/office/powerpoint/2010/main" val="2895396226"/>
       </p:ext>
     </p:extLst>
   </p:cSld>
   <p:clrMapOvr>
-    <a:overrideClrMapping bg1="lt1" tx1="dk1" bg2="lt2" tx2="dk2" accent1="accent1" accent2="accent2" accent3="accent3" accent4="accent4" accent5="accent5" accent6="accent6" hlink="hlink" folHlink="folHlink"/>
+    <a:masterClrMapping/>
   </p:clrMapOvr>
 </p:sld>
 </file>
@@ -10353,47 +11238,4 @@
     </a:folHlink>
   </a:clrScheme>
 </a:themeOverride>
-</file>
-
-<file path=ppt/theme/themeOverride5.xml><?xml version="1.0" encoding="utf-8"?>
-<a:themeOverride xmlns:a="http://schemas.openxmlformats.org/drawingml/2006/main">
-  <a:clrScheme name="Office 테마">
-    <a:dk1>
-      <a:sysClr val="windowText" lastClr="000000"/>
-    </a:dk1>
-    <a:lt1>
-      <a:sysClr val="window" lastClr="FFFFFF"/>
-    </a:lt1>
-    <a:dk2>
-      <a:srgbClr val="44546A"/>
-    </a:dk2>
-    <a:lt2>
-      <a:srgbClr val="E7E6E6"/>
-    </a:lt2>
-    <a:accent1>
-      <a:srgbClr val="4472C4"/>
-    </a:accent1>
-    <a:accent2>
-      <a:srgbClr val="ED7D31"/>
-    </a:accent2>
-    <a:accent3>
-      <a:srgbClr val="A5A5A5"/>
-    </a:accent3>
-    <a:accent4>
-      <a:srgbClr val="FFC000"/>
-    </a:accent4>
-    <a:accent5>
-      <a:srgbClr val="5B9BD5"/>
-    </a:accent5>
-    <a:accent6>
-      <a:srgbClr val="70AD47"/>
-    </a:accent6>
-    <a:hlink>
-      <a:srgbClr val="0563C1"/>
-    </a:hlink>
-    <a:folHlink>
-      <a:srgbClr val="954F72"/>
-    </a:folHlink>
-  </a:clrScheme>
-</a:themeOverride>
 </file>
--- a/발표자료/API 텀프로젝트 발표자료.pptx
+++ b/발표자료/API 텀프로젝트 발표자료.pptx
@@ -3883,84 +3883,6 @@
           </a:p>
         </p:txBody>
       </p:sp>
-      <p:pic>
-        <p:nvPicPr>
-          <p:cNvPr id="27" name="그래픽 26" descr="경고">
-            <a:extLst>
-              <a:ext uri="{FF2B5EF4-FFF2-40B4-BE49-F238E27FC236}">
-                <a16:creationId xmlns:a16="http://schemas.microsoft.com/office/drawing/2014/main" id="{02B4733A-129E-457B-9289-941B426C83C4}"/>
-              </a:ext>
-            </a:extLst>
-          </p:cNvPr>
-          <p:cNvPicPr>
-            <a:picLocks noChangeAspect="1"/>
-          </p:cNvPicPr>
-          <p:nvPr/>
-        </p:nvPicPr>
-        <p:blipFill>
-          <a:blip r:embed="rId3">
-            <a:extLst>
-              <a:ext uri="{28A0092B-C50C-407E-A947-70E740481C1C}">
-                <a14:useLocalDpi xmlns:a14="http://schemas.microsoft.com/office/drawing/2010/main" val="0"/>
-              </a:ext>
-              <a:ext uri="{96DAC541-7B7A-43D3-8B79-37D633B846F1}">
-                <asvg:svgBlip xmlns:asvg="http://schemas.microsoft.com/office/drawing/2016/SVG/main" r:embed="rId4"/>
-              </a:ext>
-            </a:extLst>
-          </a:blip>
-          <a:stretch>
-            <a:fillRect/>
-          </a:stretch>
-        </p:blipFill>
-        <p:spPr>
-          <a:xfrm>
-            <a:off x="5760785" y="642107"/>
-            <a:ext cx="645228" cy="645228"/>
-          </a:xfrm>
-          <a:prstGeom prst="rect">
-            <a:avLst/>
-          </a:prstGeom>
-        </p:spPr>
-      </p:pic>
-      <p:pic>
-        <p:nvPicPr>
-          <p:cNvPr id="28" name="그래픽 27" descr="경고">
-            <a:extLst>
-              <a:ext uri="{FF2B5EF4-FFF2-40B4-BE49-F238E27FC236}">
-                <a16:creationId xmlns:a16="http://schemas.microsoft.com/office/drawing/2014/main" id="{64A35A49-4D80-4175-9BBD-1B2649FB2B99}"/>
-              </a:ext>
-            </a:extLst>
-          </p:cNvPr>
-          <p:cNvPicPr>
-            <a:picLocks noChangeAspect="1"/>
-          </p:cNvPicPr>
-          <p:nvPr/>
-        </p:nvPicPr>
-        <p:blipFill>
-          <a:blip r:embed="rId3">
-            <a:extLst>
-              <a:ext uri="{28A0092B-C50C-407E-A947-70E740481C1C}">
-                <a14:useLocalDpi xmlns:a14="http://schemas.microsoft.com/office/drawing/2010/main" val="0"/>
-              </a:ext>
-              <a:ext uri="{96DAC541-7B7A-43D3-8B79-37D633B846F1}">
-                <asvg:svgBlip xmlns:asvg="http://schemas.microsoft.com/office/drawing/2016/SVG/main" r:embed="rId4"/>
-              </a:ext>
-            </a:extLst>
-          </a:blip>
-          <a:stretch>
-            <a:fillRect/>
-          </a:stretch>
-        </p:blipFill>
-        <p:spPr>
-          <a:xfrm>
-            <a:off x="2737983" y="642107"/>
-            <a:ext cx="645228" cy="645228"/>
-          </a:xfrm>
-          <a:prstGeom prst="rect">
-            <a:avLst/>
-          </a:prstGeom>
-        </p:spPr>
-      </p:pic>
       <p:cxnSp>
         <p:nvCxnSpPr>
           <p:cNvPr id="32" name="연결선: 꺾임 31">
@@ -4285,84 +4207,6 @@
           </a:p>
         </p:txBody>
       </p:sp>
-      <p:pic>
-        <p:nvPicPr>
-          <p:cNvPr id="27" name="그래픽 26" descr="경고">
-            <a:extLst>
-              <a:ext uri="{FF2B5EF4-FFF2-40B4-BE49-F238E27FC236}">
-                <a16:creationId xmlns:a16="http://schemas.microsoft.com/office/drawing/2014/main" id="{02B4733A-129E-457B-9289-941B426C83C4}"/>
-              </a:ext>
-            </a:extLst>
-          </p:cNvPr>
-          <p:cNvPicPr>
-            <a:picLocks noChangeAspect="1"/>
-          </p:cNvPicPr>
-          <p:nvPr/>
-        </p:nvPicPr>
-        <p:blipFill>
-          <a:blip r:embed="rId3">
-            <a:extLst>
-              <a:ext uri="{28A0092B-C50C-407E-A947-70E740481C1C}">
-                <a14:useLocalDpi xmlns:a14="http://schemas.microsoft.com/office/drawing/2010/main" val="0"/>
-              </a:ext>
-              <a:ext uri="{96DAC541-7B7A-43D3-8B79-37D633B846F1}">
-                <asvg:svgBlip xmlns:asvg="http://schemas.microsoft.com/office/drawing/2016/SVG/main" r:embed="rId4"/>
-              </a:ext>
-            </a:extLst>
-          </a:blip>
-          <a:stretch>
-            <a:fillRect/>
-          </a:stretch>
-        </p:blipFill>
-        <p:spPr>
-          <a:xfrm>
-            <a:off x="7183610" y="607090"/>
-            <a:ext cx="645228" cy="645228"/>
-          </a:xfrm>
-          <a:prstGeom prst="rect">
-            <a:avLst/>
-          </a:prstGeom>
-        </p:spPr>
-      </p:pic>
-      <p:pic>
-        <p:nvPicPr>
-          <p:cNvPr id="28" name="그래픽 27" descr="경고">
-            <a:extLst>
-              <a:ext uri="{FF2B5EF4-FFF2-40B4-BE49-F238E27FC236}">
-                <a16:creationId xmlns:a16="http://schemas.microsoft.com/office/drawing/2014/main" id="{64A35A49-4D80-4175-9BBD-1B2649FB2B99}"/>
-              </a:ext>
-            </a:extLst>
-          </p:cNvPr>
-          <p:cNvPicPr>
-            <a:picLocks noChangeAspect="1"/>
-          </p:cNvPicPr>
-          <p:nvPr/>
-        </p:nvPicPr>
-        <p:blipFill>
-          <a:blip r:embed="rId3">
-            <a:extLst>
-              <a:ext uri="{28A0092B-C50C-407E-A947-70E740481C1C}">
-                <a14:useLocalDpi xmlns:a14="http://schemas.microsoft.com/office/drawing/2010/main" val="0"/>
-              </a:ext>
-              <a:ext uri="{96DAC541-7B7A-43D3-8B79-37D633B846F1}">
-                <asvg:svgBlip xmlns:asvg="http://schemas.microsoft.com/office/drawing/2016/SVG/main" r:embed="rId4"/>
-              </a:ext>
-            </a:extLst>
-          </a:blip>
-          <a:stretch>
-            <a:fillRect/>
-          </a:stretch>
-        </p:blipFill>
-        <p:spPr>
-          <a:xfrm>
-            <a:off x="1438081" y="607090"/>
-            <a:ext cx="645228" cy="645228"/>
-          </a:xfrm>
-          <a:prstGeom prst="rect">
-            <a:avLst/>
-          </a:prstGeom>
-        </p:spPr>
-      </p:pic>
       <p:cxnSp>
         <p:nvCxnSpPr>
           <p:cNvPr id="35" name="직선 연결선 34">
@@ -4423,14 +4267,14 @@
         </p:nvSpPr>
         <p:spPr>
           <a:xfrm>
-            <a:off x="2346385" y="3601334"/>
+            <a:off x="2346385" y="3796646"/>
             <a:ext cx="1019623" cy="1031321"/>
           </a:xfrm>
           <a:prstGeom prst="rect">
             <a:avLst/>
           </a:prstGeom>
           <a:blipFill>
-            <a:blip r:embed="rId5"/>
+            <a:blip r:embed="rId3"/>
             <a:tile tx="0" ty="0" sx="100000" sy="100000" flip="none" algn="tl"/>
           </a:blipFill>
         </p:spPr>
@@ -4476,7 +4320,7 @@
         </p:nvSpPr>
         <p:spPr>
           <a:xfrm>
-            <a:off x="229241" y="4925555"/>
+            <a:off x="229241" y="5120867"/>
             <a:ext cx="1931275" cy="553998"/>
           </a:xfrm>
           <a:prstGeom prst="rect">
@@ -4565,7 +4409,7 @@
         </p:nvSpPr>
         <p:spPr>
           <a:xfrm>
-            <a:off x="2119836" y="4838218"/>
+            <a:off x="2119836" y="5033530"/>
             <a:ext cx="1461859" cy="784830"/>
           </a:xfrm>
           <a:prstGeom prst="rect">
@@ -4607,7 +4451,7 @@
         </p:nvSpPr>
         <p:spPr>
           <a:xfrm>
-            <a:off x="3872697" y="4964639"/>
+            <a:off x="3872697" y="5159951"/>
             <a:ext cx="1398593" cy="553998"/>
           </a:xfrm>
           <a:prstGeom prst="rect">
@@ -4699,7 +4543,7 @@
         </p:nvSpPr>
         <p:spPr>
           <a:xfrm>
-            <a:off x="5472290" y="4976494"/>
+            <a:off x="5472290" y="5171806"/>
             <a:ext cx="1525780" cy="553998"/>
           </a:xfrm>
           <a:prstGeom prst="rect">
@@ -4771,7 +4615,7 @@
         </p:nvSpPr>
         <p:spPr>
           <a:xfrm>
-            <a:off x="7125380" y="5040972"/>
+            <a:off x="7125380" y="5236284"/>
             <a:ext cx="1348060" cy="323165"/>
           </a:xfrm>
           <a:prstGeom prst="rect">
@@ -4842,7 +4686,7 @@
         </p:nvGrpSpPr>
         <p:grpSpPr>
           <a:xfrm>
-            <a:off x="711430" y="3659105"/>
+            <a:off x="711430" y="3854417"/>
             <a:ext cx="914400" cy="945472"/>
             <a:chOff x="522886" y="2468572"/>
             <a:chExt cx="914400" cy="945472"/>
@@ -4863,13 +4707,13 @@
             <p:nvPr/>
           </p:nvPicPr>
           <p:blipFill>
-            <a:blip r:embed="rId6">
+            <a:blip r:embed="rId4">
               <a:extLst>
                 <a:ext uri="{28A0092B-C50C-407E-A947-70E740481C1C}">
                   <a14:useLocalDpi xmlns:a14="http://schemas.microsoft.com/office/drawing/2010/main" val="0"/>
                 </a:ext>
                 <a:ext uri="{96DAC541-7B7A-43D3-8B79-37D633B846F1}">
-                  <asvg:svgBlip xmlns:asvg="http://schemas.microsoft.com/office/drawing/2016/SVG/main" r:embed="rId7"/>
+                  <asvg:svgBlip xmlns:asvg="http://schemas.microsoft.com/office/drawing/2016/SVG/main" r:embed="rId5"/>
                 </a:ext>
               </a:extLst>
             </a:blip>
@@ -4945,14 +4789,14 @@
         </p:nvSpPr>
         <p:spPr>
           <a:xfrm rot="2700000">
-            <a:off x="4199790" y="3741972"/>
+            <a:off x="4199790" y="3937284"/>
             <a:ext cx="744408" cy="752949"/>
           </a:xfrm>
           <a:prstGeom prst="rect">
             <a:avLst/>
           </a:prstGeom>
           <a:blipFill>
-            <a:blip r:embed="rId5"/>
+            <a:blip r:embed="rId3"/>
             <a:tile tx="0" ty="0" sx="100000" sy="100000" flip="none" algn="tl"/>
           </a:blipFill>
         </p:spPr>
@@ -4998,7 +4842,7 @@
         </p:nvGrpSpPr>
         <p:grpSpPr>
           <a:xfrm>
-            <a:off x="5777980" y="3661202"/>
+            <a:off x="5777980" y="3856514"/>
             <a:ext cx="914400" cy="945472"/>
             <a:chOff x="5844974" y="3637301"/>
             <a:chExt cx="914400" cy="945472"/>
@@ -5025,7 +4869,7 @@
               <a:avLst/>
             </a:prstGeom>
             <a:blipFill>
-              <a:blip r:embed="rId5"/>
+              <a:blip r:embed="rId3"/>
               <a:tile tx="0" ty="0" sx="100000" sy="100000" flip="none" algn="tl"/>
             </a:blipFill>
           </p:spPr>
@@ -5092,13 +4936,13 @@
               <p:nvPr/>
             </p:nvPicPr>
             <p:blipFill>
-              <a:blip r:embed="rId8">
+              <a:blip r:embed="rId6">
                 <a:extLst>
                   <a:ext uri="{28A0092B-C50C-407E-A947-70E740481C1C}">
                     <a14:useLocalDpi xmlns:a14="http://schemas.microsoft.com/office/drawing/2010/main" val="0"/>
                   </a:ext>
                   <a:ext uri="{96DAC541-7B7A-43D3-8B79-37D633B846F1}">
-                    <asvg:svgBlip xmlns:asvg="http://schemas.microsoft.com/office/drawing/2016/SVG/main" r:embed="rId9"/>
+                    <asvg:svgBlip xmlns:asvg="http://schemas.microsoft.com/office/drawing/2016/SVG/main" r:embed="rId7"/>
                   </a:ext>
                 </a:extLst>
               </a:blip>
@@ -5175,7 +5019,7 @@
         </p:nvGrpSpPr>
         <p:grpSpPr>
           <a:xfrm rot="2700000">
-            <a:off x="7152331" y="3452247"/>
+            <a:off x="7152331" y="3647559"/>
             <a:ext cx="1254777" cy="1321948"/>
             <a:chOff x="7429700" y="3651386"/>
             <a:chExt cx="914400" cy="945472"/>
@@ -5202,7 +5046,7 @@
               <a:avLst/>
             </a:prstGeom>
             <a:blipFill>
-              <a:blip r:embed="rId5"/>
+              <a:blip r:embed="rId3"/>
               <a:tile tx="0" ty="0" sx="100000" sy="100000" flip="none" algn="tl"/>
             </a:blipFill>
           </p:spPr>
@@ -5269,13 +5113,13 @@
               <p:nvPr/>
             </p:nvPicPr>
             <p:blipFill>
-              <a:blip r:embed="rId8">
+              <a:blip r:embed="rId6">
                 <a:extLst>
                   <a:ext uri="{28A0092B-C50C-407E-A947-70E740481C1C}">
                     <a14:useLocalDpi xmlns:a14="http://schemas.microsoft.com/office/drawing/2010/main" val="0"/>
                   </a:ext>
                   <a:ext uri="{96DAC541-7B7A-43D3-8B79-37D633B846F1}">
-                    <asvg:svgBlip xmlns:asvg="http://schemas.microsoft.com/office/drawing/2016/SVG/main" r:embed="rId9"/>
+                    <asvg:svgBlip xmlns:asvg="http://schemas.microsoft.com/office/drawing/2016/SVG/main" r:embed="rId7"/>
                   </a:ext>
                 </a:extLst>
               </a:blip>
@@ -5381,32 +5225,55 @@
       </p:grpSpPr>
       <p:sp>
         <p:nvSpPr>
-          <p:cNvPr id="3" name="내용 개체 틀 2">
+          <p:cNvPr id="41" name="사각형: 둥근 모서리 40">
             <a:extLst>
               <a:ext uri="{FF2B5EF4-FFF2-40B4-BE49-F238E27FC236}">
-                <a16:creationId xmlns:a16="http://schemas.microsoft.com/office/drawing/2014/main" id="{972CE041-03FA-4BFB-AA4E-6057DEA64598}"/>
+                <a16:creationId xmlns:a16="http://schemas.microsoft.com/office/drawing/2014/main" id="{4DB9DD06-D8EA-4C25-B88F-A64DB85B9D27}"/>
               </a:ext>
             </a:extLst>
           </p:cNvPr>
-          <p:cNvSpPr>
-            <a:spLocks noGrp="1"/>
-          </p:cNvSpPr>
-          <p:nvPr>
-            <p:ph idx="1"/>
-          </p:nvPr>
+          <p:cNvSpPr/>
+          <p:nvPr/>
         </p:nvSpPr>
         <p:spPr>
           <a:xfrm>
-            <a:off x="628650" y="1825624"/>
-            <a:ext cx="7886700" cy="5032375"/>
-          </a:xfrm>
+            <a:off x="192251" y="5592933"/>
+            <a:ext cx="8749750" cy="840164"/>
+          </a:xfrm>
+          <a:prstGeom prst="roundRect">
+            <a:avLst/>
+          </a:prstGeom>
+          <a:solidFill>
+            <a:schemeClr val="bg1">
+              <a:lumMod val="65000"/>
+              <a:alpha val="34000"/>
+            </a:schemeClr>
+          </a:solidFill>
+          <a:ln>
+            <a:noFill/>
+          </a:ln>
         </p:spPr>
-        <p:txBody>
-          <a:bodyPr>
-            <a:normAutofit/>
-          </a:bodyPr>
+        <p:style>
+          <a:lnRef idx="2">
+            <a:schemeClr val="accent1">
+              <a:shade val="50000"/>
+            </a:schemeClr>
+          </a:lnRef>
+          <a:fillRef idx="1">
+            <a:schemeClr val="accent1"/>
+          </a:fillRef>
+          <a:effectRef idx="0">
+            <a:schemeClr val="accent1"/>
+          </a:effectRef>
+          <a:fontRef idx="minor">
+            <a:schemeClr val="lt1"/>
+          </a:fontRef>
+        </p:style>
+        <p:txBody>
+          <a:bodyPr rtlCol="0" anchor="ctr"/>
           <a:lstStyle/>
           <a:p>
+            <a:pPr algn="ctr"/>
             <a:r>
               <a:rPr lang="ko-KR" altLang="en-US" dirty="0">
                 <a:solidFill>
@@ -5415,7 +5282,57 @@
                 <a:latin typeface="나눔스퀘어 Light" panose="020B0600000101010101" pitchFamily="50" charset="-127"/>
                 <a:ea typeface="나눔스퀘어 Light" panose="020B0600000101010101" pitchFamily="50" charset="-127"/>
               </a:rPr>
-              <a:t>적을 많이 생성했더니 </a:t>
+              <a:t>결론</a:t>
+            </a:r>
+            <a:r>
+              <a:rPr lang="en-US" altLang="ko-KR" dirty="0">
+                <a:solidFill>
+                  <a:schemeClr val="bg1"/>
+                </a:solidFill>
+                <a:latin typeface="나눔스퀘어 Light" panose="020B0600000101010101" pitchFamily="50" charset="-127"/>
+                <a:ea typeface="나눔스퀘어 Light" panose="020B0600000101010101" pitchFamily="50" charset="-127"/>
+              </a:rPr>
+              <a:t> : </a:t>
+            </a:r>
+            <a:r>
+              <a:rPr lang="ko-KR" altLang="en-US" dirty="0">
+                <a:solidFill>
+                  <a:schemeClr val="bg1"/>
+                </a:solidFill>
+                <a:latin typeface="나눔스퀘어 Light" panose="020B0600000101010101" pitchFamily="50" charset="-127"/>
+                <a:ea typeface="나눔스퀘어 Light" panose="020B0600000101010101" pitchFamily="50" charset="-127"/>
+              </a:rPr>
+              <a:t>적 오브젝트의 회전을 </a:t>
+            </a:r>
+            <a:r>
+              <a:rPr lang="en-US" altLang="ko-KR" dirty="0" err="1">
+                <a:solidFill>
+                  <a:schemeClr val="bg1"/>
+                </a:solidFill>
+                <a:latin typeface="나눔스퀘어 Light" panose="020B0600000101010101" pitchFamily="50" charset="-127"/>
+                <a:ea typeface="나눔스퀘어 Light" panose="020B0600000101010101" pitchFamily="50" charset="-127"/>
+              </a:rPr>
+              <a:t>plgblt</a:t>
+            </a:r>
+            <a:r>
+              <a:rPr lang="en-US" altLang="ko-KR" dirty="0">
+                <a:solidFill>
+                  <a:schemeClr val="bg1"/>
+                </a:solidFill>
+                <a:latin typeface="나눔스퀘어 Light" panose="020B0600000101010101" pitchFamily="50" charset="-127"/>
+                <a:ea typeface="나눔스퀘어 Light" panose="020B0600000101010101" pitchFamily="50" charset="-127"/>
+              </a:rPr>
+              <a:t> </a:t>
+            </a:r>
+            <a:r>
+              <a:rPr lang="ko-KR" altLang="en-US" dirty="0">
+                <a:solidFill>
+                  <a:schemeClr val="bg1"/>
+                </a:solidFill>
+                <a:latin typeface="나눔스퀘어 Light" panose="020B0600000101010101" pitchFamily="50" charset="-127"/>
+                <a:ea typeface="나눔스퀘어 Light" panose="020B0600000101010101" pitchFamily="50" charset="-127"/>
+              </a:rPr>
+              <a:t>대신 </a:t>
             </a:r>
             <a:r>
               <a:rPr lang="ko-KR" altLang="en-US" dirty="0" err="1">
@@ -5425,7 +5342,7 @@
                 <a:latin typeface="나눔스퀘어 Light" panose="020B0600000101010101" pitchFamily="50" charset="-127"/>
                 <a:ea typeface="나눔스퀘어 Light" panose="020B0600000101010101" pitchFamily="50" charset="-127"/>
               </a:rPr>
-              <a:t>느려져</a:t>
+              <a:t>스프라이트로</a:t>
             </a:r>
             <a:r>
               <a:rPr lang="ko-KR" altLang="en-US" dirty="0">
@@ -5435,20 +5352,8 @@
                 <a:latin typeface="나눔스퀘어 Light" panose="020B0600000101010101" pitchFamily="50" charset="-127"/>
                 <a:ea typeface="나눔스퀘어 Light" panose="020B0600000101010101" pitchFamily="50" charset="-127"/>
               </a:rPr>
-              <a:t> 버렸다</a:t>
-            </a:r>
-            <a:r>
-              <a:rPr lang="en-US" altLang="ko-KR" dirty="0">
-                <a:solidFill>
-                  <a:schemeClr val="bg1"/>
-                </a:solidFill>
-                <a:latin typeface="나눔스퀘어 Light" panose="020B0600000101010101" pitchFamily="50" charset="-127"/>
-                <a:ea typeface="나눔스퀘어 Light" panose="020B0600000101010101" pitchFamily="50" charset="-127"/>
-              </a:rPr>
-              <a:t>!</a:t>
-            </a:r>
-          </a:p>
-          <a:p>
+              <a:t> 바꾼 후 해결</a:t>
+            </a:r>
             <a:endParaRPr lang="en-US" altLang="ko-KR" dirty="0">
               <a:solidFill>
                 <a:schemeClr val="bg1"/>
@@ -5458,10 +5363,7 @@
             </a:endParaRPr>
           </a:p>
           <a:p>
-            <a:pPr lvl="1">
-              <a:buFont typeface="Wingdings" panose="05000000000000000000" pitchFamily="2" charset="2"/>
-              <a:buChar char="à"/>
-            </a:pPr>
+            <a:pPr algn="ctr"/>
             <a:r>
               <a:rPr lang="ko-KR" altLang="en-US" dirty="0">
                 <a:solidFill>
@@ -5470,8 +5372,274 @@
                 <a:latin typeface="나눔스퀘어 Light" panose="020B0600000101010101" pitchFamily="50" charset="-127"/>
                 <a:ea typeface="나눔스퀘어 Light" panose="020B0600000101010101" pitchFamily="50" charset="-127"/>
               </a:rPr>
-              <a:t>적클래스</a:t>
-            </a:r>
+              <a:t>회전 </a:t>
+            </a:r>
+            <a:r>
+              <a:rPr lang="ko-KR" altLang="en-US" dirty="0" err="1">
+                <a:solidFill>
+                  <a:schemeClr val="bg1"/>
+                </a:solidFill>
+                <a:latin typeface="나눔스퀘어 Light" panose="020B0600000101010101" pitchFamily="50" charset="-127"/>
+                <a:ea typeface="나눔스퀘어 Light" panose="020B0600000101010101" pitchFamily="50" charset="-127"/>
+              </a:rPr>
+              <a:t>연산량의</a:t>
+            </a:r>
+            <a:r>
+              <a:rPr lang="ko-KR" altLang="en-US" dirty="0">
+                <a:solidFill>
+                  <a:schemeClr val="bg1"/>
+                </a:solidFill>
+                <a:latin typeface="나눔스퀘어 Light" panose="020B0600000101010101" pitchFamily="50" charset="-127"/>
+                <a:ea typeface="나눔스퀘어 Light" panose="020B0600000101010101" pitchFamily="50" charset="-127"/>
+              </a:rPr>
+              <a:t> 문제</a:t>
+            </a:r>
+            <a:endParaRPr lang="ko-KR" altLang="en-US" dirty="0"/>
+          </a:p>
+        </p:txBody>
+      </p:sp>
+      <p:sp>
+        <p:nvSpPr>
+          <p:cNvPr id="15" name="TextBox 14">
+            <a:extLst>
+              <a:ext uri="{FF2B5EF4-FFF2-40B4-BE49-F238E27FC236}">
+                <a16:creationId xmlns:a16="http://schemas.microsoft.com/office/drawing/2014/main" id="{8FC090F9-84F9-4210-BDC8-AF99350E098B}"/>
+              </a:ext>
+            </a:extLst>
+          </p:cNvPr>
+          <p:cNvSpPr txBox="1"/>
+          <p:nvPr/>
+        </p:nvSpPr>
+        <p:spPr>
+          <a:xfrm>
+            <a:off x="3401233" y="580001"/>
+            <a:ext cx="2377574" cy="769441"/>
+          </a:xfrm>
+          <a:prstGeom prst="rect">
+            <a:avLst/>
+          </a:prstGeom>
+          <a:noFill/>
+        </p:spPr>
+        <p:txBody>
+          <a:bodyPr wrap="none" rtlCol="0">
+            <a:spAutoFit/>
+          </a:bodyPr>
+          <a:lstStyle/>
+          <a:p>
+            <a:r>
+              <a:rPr lang="ko-KR" altLang="en-US" sz="4400" dirty="0">
+                <a:solidFill>
+                  <a:schemeClr val="bg1"/>
+                </a:solidFill>
+                <a:latin typeface="나눔스퀘어 Light" panose="020B0600000101010101" pitchFamily="50" charset="-127"/>
+                <a:ea typeface="나눔스퀘어 Light" panose="020B0600000101010101" pitchFamily="50" charset="-127"/>
+              </a:rPr>
+              <a:t>개발 이슈</a:t>
+            </a:r>
+          </a:p>
+        </p:txBody>
+      </p:sp>
+      <p:pic>
+        <p:nvPicPr>
+          <p:cNvPr id="17" name="그래픽 16" descr="경고">
+            <a:extLst>
+              <a:ext uri="{FF2B5EF4-FFF2-40B4-BE49-F238E27FC236}">
+                <a16:creationId xmlns:a16="http://schemas.microsoft.com/office/drawing/2014/main" id="{3A84FF2C-8230-4D60-BCED-722F96C3E29A}"/>
+              </a:ext>
+            </a:extLst>
+          </p:cNvPr>
+          <p:cNvPicPr>
+            <a:picLocks noChangeAspect="1"/>
+          </p:cNvPicPr>
+          <p:nvPr/>
+        </p:nvPicPr>
+        <p:blipFill>
+          <a:blip r:embed="rId3">
+            <a:extLst>
+              <a:ext uri="{28A0092B-C50C-407E-A947-70E740481C1C}">
+                <a14:useLocalDpi xmlns:a14="http://schemas.microsoft.com/office/drawing/2010/main" val="0"/>
+              </a:ext>
+              <a:ext uri="{96DAC541-7B7A-43D3-8B79-37D633B846F1}">
+                <asvg:svgBlip xmlns:asvg="http://schemas.microsoft.com/office/drawing/2016/SVG/main" r:embed="rId4"/>
+              </a:ext>
+            </a:extLst>
+          </a:blip>
+          <a:stretch>
+            <a:fillRect/>
+          </a:stretch>
+        </p:blipFill>
+        <p:spPr>
+          <a:xfrm>
+            <a:off x="5743029" y="642107"/>
+            <a:ext cx="645228" cy="645228"/>
+          </a:xfrm>
+          <a:prstGeom prst="rect">
+            <a:avLst/>
+          </a:prstGeom>
+        </p:spPr>
+      </p:pic>
+      <p:pic>
+        <p:nvPicPr>
+          <p:cNvPr id="18" name="그래픽 17" descr="경고">
+            <a:extLst>
+              <a:ext uri="{FF2B5EF4-FFF2-40B4-BE49-F238E27FC236}">
+                <a16:creationId xmlns:a16="http://schemas.microsoft.com/office/drawing/2014/main" id="{63ACAE8C-D7EA-4028-80D2-08D330E9B429}"/>
+              </a:ext>
+            </a:extLst>
+          </p:cNvPr>
+          <p:cNvPicPr>
+            <a:picLocks noChangeAspect="1"/>
+          </p:cNvPicPr>
+          <p:nvPr/>
+        </p:nvPicPr>
+        <p:blipFill>
+          <a:blip r:embed="rId3">
+            <a:extLst>
+              <a:ext uri="{28A0092B-C50C-407E-A947-70E740481C1C}">
+                <a14:useLocalDpi xmlns:a14="http://schemas.microsoft.com/office/drawing/2010/main" val="0"/>
+              </a:ext>
+              <a:ext uri="{96DAC541-7B7A-43D3-8B79-37D633B846F1}">
+                <asvg:svgBlip xmlns:asvg="http://schemas.microsoft.com/office/drawing/2016/SVG/main" r:embed="rId4"/>
+              </a:ext>
+            </a:extLst>
+          </a:blip>
+          <a:stretch>
+            <a:fillRect/>
+          </a:stretch>
+        </p:blipFill>
+        <p:spPr>
+          <a:xfrm>
+            <a:off x="2737983" y="642107"/>
+            <a:ext cx="645228" cy="645228"/>
+          </a:xfrm>
+          <a:prstGeom prst="rect">
+            <a:avLst/>
+          </a:prstGeom>
+        </p:spPr>
+      </p:pic>
+      <p:sp>
+        <p:nvSpPr>
+          <p:cNvPr id="19" name="사각형: 둥근 모서리 18">
+            <a:extLst>
+              <a:ext uri="{FF2B5EF4-FFF2-40B4-BE49-F238E27FC236}">
+                <a16:creationId xmlns:a16="http://schemas.microsoft.com/office/drawing/2014/main" id="{44B2F710-CDF4-45E5-858D-5E5E20B30F99}"/>
+              </a:ext>
+            </a:extLst>
+          </p:cNvPr>
+          <p:cNvSpPr/>
+          <p:nvPr/>
+        </p:nvSpPr>
+        <p:spPr>
+          <a:xfrm>
+            <a:off x="2385892" y="1912326"/>
+            <a:ext cx="4372211" cy="735724"/>
+          </a:xfrm>
+          <a:prstGeom prst="roundRect">
+            <a:avLst/>
+          </a:prstGeom>
+          <a:solidFill>
+            <a:schemeClr val="bg1">
+              <a:lumMod val="65000"/>
+              <a:alpha val="34000"/>
+            </a:schemeClr>
+          </a:solidFill>
+          <a:ln>
+            <a:noFill/>
+          </a:ln>
+        </p:spPr>
+        <p:style>
+          <a:lnRef idx="2">
+            <a:schemeClr val="accent1">
+              <a:shade val="50000"/>
+            </a:schemeClr>
+          </a:lnRef>
+          <a:fillRef idx="1">
+            <a:schemeClr val="accent1"/>
+          </a:fillRef>
+          <a:effectRef idx="0">
+            <a:schemeClr val="accent1"/>
+          </a:effectRef>
+          <a:fontRef idx="minor">
+            <a:schemeClr val="lt1"/>
+          </a:fontRef>
+        </p:style>
+        <p:txBody>
+          <a:bodyPr rtlCol="0" anchor="ctr"/>
+          <a:lstStyle/>
+          <a:p>
+            <a:pPr algn="ctr"/>
+            <a:r>
+              <a:rPr lang="ko-KR" altLang="en-US" sz="2000" dirty="0">
+                <a:latin typeface="나눔스퀘어 Light" panose="020B0600000101010101" pitchFamily="50" charset="-127"/>
+                <a:ea typeface="나눔스퀘어 Light" panose="020B0600000101010101" pitchFamily="50" charset="-127"/>
+              </a:rPr>
+              <a:t>다수의 적 생성 시 게임이 </a:t>
+            </a:r>
+            <a:r>
+              <a:rPr lang="ko-KR" altLang="en-US" sz="2000" dirty="0" err="1">
+                <a:latin typeface="나눔스퀘어 Light" panose="020B0600000101010101" pitchFamily="50" charset="-127"/>
+                <a:ea typeface="나눔스퀘어 Light" panose="020B0600000101010101" pitchFamily="50" charset="-127"/>
+              </a:rPr>
+              <a:t>느려짐</a:t>
+            </a:r>
+            <a:endParaRPr lang="ko-KR" altLang="en-US" sz="2000" dirty="0">
+              <a:latin typeface="나눔스퀘어 Light" panose="020B0600000101010101" pitchFamily="50" charset="-127"/>
+              <a:ea typeface="나눔스퀘어 Light" panose="020B0600000101010101" pitchFamily="50" charset="-127"/>
+            </a:endParaRPr>
+          </a:p>
+        </p:txBody>
+      </p:sp>
+      <p:sp>
+        <p:nvSpPr>
+          <p:cNvPr id="20" name="사각형: 둥근 모서리 19">
+            <a:extLst>
+              <a:ext uri="{FF2B5EF4-FFF2-40B4-BE49-F238E27FC236}">
+                <a16:creationId xmlns:a16="http://schemas.microsoft.com/office/drawing/2014/main" id="{AB764235-DD84-4C21-A920-8E0254B949CC}"/>
+              </a:ext>
+            </a:extLst>
+          </p:cNvPr>
+          <p:cNvSpPr/>
+          <p:nvPr/>
+        </p:nvSpPr>
+        <p:spPr>
+          <a:xfrm>
+            <a:off x="192251" y="3358387"/>
+            <a:ext cx="2725360" cy="1617454"/>
+          </a:xfrm>
+          <a:prstGeom prst="roundRect">
+            <a:avLst/>
+          </a:prstGeom>
+          <a:solidFill>
+            <a:schemeClr val="bg1">
+              <a:lumMod val="65000"/>
+              <a:alpha val="34000"/>
+            </a:schemeClr>
+          </a:solidFill>
+          <a:ln>
+            <a:noFill/>
+          </a:ln>
+        </p:spPr>
+        <p:style>
+          <a:lnRef idx="2">
+            <a:schemeClr val="accent1">
+              <a:shade val="50000"/>
+            </a:schemeClr>
+          </a:lnRef>
+          <a:fillRef idx="1">
+            <a:schemeClr val="accent1"/>
+          </a:fillRef>
+          <a:effectRef idx="0">
+            <a:schemeClr val="accent1"/>
+          </a:effectRef>
+          <a:fontRef idx="minor">
+            <a:schemeClr val="lt1"/>
+          </a:fontRef>
+        </p:style>
+        <p:txBody>
+          <a:bodyPr rtlCol="0" anchor="ctr"/>
+          <a:lstStyle/>
+          <a:p>
+            <a:pPr lvl="1"/>
             <a:r>
               <a:rPr lang="en-US" altLang="ko-KR" dirty="0">
                 <a:solidFill>
@@ -5480,7 +5648,17 @@
                 <a:latin typeface="나눔스퀘어 Light" panose="020B0600000101010101" pitchFamily="50" charset="-127"/>
                 <a:ea typeface="나눔스퀘어 Light" panose="020B0600000101010101" pitchFamily="50" charset="-127"/>
               </a:rPr>
-              <a:t>, </a:t>
+              <a:t>    </a:t>
+            </a:r>
+            <a:r>
+              <a:rPr lang="ko-KR" altLang="en-US" dirty="0" err="1">
+                <a:solidFill>
+                  <a:schemeClr val="bg1"/>
+                </a:solidFill>
+                <a:latin typeface="나눔스퀘어 Light" panose="020B0600000101010101" pitchFamily="50" charset="-127"/>
+                <a:ea typeface="나눔스퀘어 Light" panose="020B0600000101010101" pitchFamily="50" charset="-127"/>
+              </a:rPr>
+              <a:t>투명값</a:t>
             </a:r>
             <a:r>
               <a:rPr lang="ko-KR" altLang="en-US" dirty="0">
@@ -5490,86 +5668,8 @@
                 <a:latin typeface="나눔스퀘어 Light" panose="020B0600000101010101" pitchFamily="50" charset="-127"/>
                 <a:ea typeface="나눔스퀘어 Light" panose="020B0600000101010101" pitchFamily="50" charset="-127"/>
               </a:rPr>
-              <a:t>총알은 위치만 들고있게 아무것도 상속받지 말고 만들어볼까</a:t>
-            </a:r>
-            <a:r>
-              <a:rPr lang="en-US" altLang="ko-KR" dirty="0">
-                <a:solidFill>
-                  <a:schemeClr val="bg1"/>
-                </a:solidFill>
-                <a:latin typeface="나눔스퀘어 Light" panose="020B0600000101010101" pitchFamily="50" charset="-127"/>
-                <a:ea typeface="나눔스퀘어 Light" panose="020B0600000101010101" pitchFamily="50" charset="-127"/>
-              </a:rPr>
-              <a:t>??</a:t>
-            </a:r>
-          </a:p>
-          <a:p>
-            <a:pPr lvl="1">
-              <a:buFont typeface="Wingdings" panose="05000000000000000000" pitchFamily="2" charset="2"/>
-              <a:buChar char=""/>
-            </a:pPr>
-            <a:r>
-              <a:rPr lang="ko-KR" altLang="en-US" dirty="0">
-                <a:solidFill>
-                  <a:schemeClr val="bg1"/>
-                </a:solidFill>
-                <a:latin typeface="나눔스퀘어 Light" panose="020B0600000101010101" pitchFamily="50" charset="-127"/>
-                <a:ea typeface="나눔스퀘어 Light" panose="020B0600000101010101" pitchFamily="50" charset="-127"/>
-              </a:rPr>
-              <a:t>총알과 적 사이에 충돌검사를 공간분할로 처리해볼까</a:t>
-            </a:r>
-            <a:r>
-              <a:rPr lang="en-US" altLang="ko-KR" dirty="0">
-                <a:solidFill>
-                  <a:schemeClr val="bg1"/>
-                </a:solidFill>
-                <a:latin typeface="나눔스퀘어 Light" panose="020B0600000101010101" pitchFamily="50" charset="-127"/>
-                <a:ea typeface="나눔스퀘어 Light" panose="020B0600000101010101" pitchFamily="50" charset="-127"/>
-              </a:rPr>
-              <a:t>??</a:t>
-            </a:r>
-          </a:p>
-          <a:p>
-            <a:pPr lvl="1">
-              <a:buFont typeface="Wingdings" panose="05000000000000000000" pitchFamily="2" charset="2"/>
-              <a:buChar char=""/>
-            </a:pPr>
-            <a:r>
-              <a:rPr lang="ko-KR" altLang="en-US" dirty="0" err="1">
-                <a:solidFill>
-                  <a:schemeClr val="bg1"/>
-                </a:solidFill>
-                <a:latin typeface="나눔스퀘어 Light" panose="020B0600000101010101" pitchFamily="50" charset="-127"/>
-                <a:ea typeface="나눔스퀘어 Light" panose="020B0600000101010101" pitchFamily="50" charset="-127"/>
-              </a:rPr>
-              <a:t>투명값을</a:t>
-            </a:r>
-            <a:r>
-              <a:rPr lang="ko-KR" altLang="en-US" dirty="0">
-                <a:solidFill>
-                  <a:schemeClr val="bg1"/>
-                </a:solidFill>
-                <a:latin typeface="나눔스퀘어 Light" panose="020B0600000101010101" pitchFamily="50" charset="-127"/>
-                <a:ea typeface="나눔스퀘어 Light" panose="020B0600000101010101" pitchFamily="50" charset="-127"/>
-              </a:rPr>
-              <a:t> 사용하지 말아볼까</a:t>
-            </a:r>
-            <a:r>
-              <a:rPr lang="en-US" altLang="ko-KR" dirty="0">
-                <a:solidFill>
-                  <a:schemeClr val="bg1"/>
-                </a:solidFill>
-                <a:latin typeface="나눔스퀘어 Light" panose="020B0600000101010101" pitchFamily="50" charset="-127"/>
-                <a:ea typeface="나눔스퀘어 Light" panose="020B0600000101010101" pitchFamily="50" charset="-127"/>
-              </a:rPr>
-              <a:t>…</a:t>
-            </a:r>
-          </a:p>
-          <a:p>
-            <a:pPr lvl="1">
-              <a:buFont typeface="Wingdings" panose="05000000000000000000" pitchFamily="2" charset="2"/>
-              <a:buChar char=""/>
-            </a:pPr>
+              <a:t> 제거</a:t>
+            </a:r>
             <a:endParaRPr lang="en-US" altLang="ko-KR" dirty="0">
               <a:solidFill>
                 <a:schemeClr val="bg1"/>
@@ -5578,11 +5678,155 @@
               <a:ea typeface="나눔스퀘어 Light" panose="020B0600000101010101" pitchFamily="50" charset="-127"/>
             </a:endParaRPr>
           </a:p>
-          <a:p>
-            <a:pPr lvl="1">
-              <a:buFont typeface="Wingdings" panose="05000000000000000000" pitchFamily="2" charset="2"/>
-              <a:buChar char=""/>
-            </a:pPr>
+        </p:txBody>
+      </p:sp>
+      <p:cxnSp>
+        <p:nvCxnSpPr>
+          <p:cNvPr id="23" name="직선 연결선 22">
+            <a:extLst>
+              <a:ext uri="{FF2B5EF4-FFF2-40B4-BE49-F238E27FC236}">
+                <a16:creationId xmlns:a16="http://schemas.microsoft.com/office/drawing/2014/main" id="{64ECF34F-9D14-41CB-A157-18B35B87D5D8}"/>
+              </a:ext>
+            </a:extLst>
+          </p:cNvPr>
+          <p:cNvCxnSpPr>
+            <a:cxnSpLocks/>
+            <a:stCxn id="19" idx="2"/>
+            <a:endCxn id="26" idx="0"/>
+          </p:cNvCxnSpPr>
+          <p:nvPr/>
+        </p:nvCxnSpPr>
+        <p:spPr>
+          <a:xfrm flipH="1">
+            <a:off x="4567126" y="2648050"/>
+            <a:ext cx="4872" cy="727121"/>
+          </a:xfrm>
+          <a:prstGeom prst="line">
+            <a:avLst/>
+          </a:prstGeom>
+          <a:ln w="22225">
+            <a:solidFill>
+              <a:schemeClr val="bg1"/>
+            </a:solidFill>
+            <a:prstDash val="solid"/>
+          </a:ln>
+        </p:spPr>
+        <p:style>
+          <a:lnRef idx="1">
+            <a:schemeClr val="accent1"/>
+          </a:lnRef>
+          <a:fillRef idx="0">
+            <a:schemeClr val="accent1"/>
+          </a:fillRef>
+          <a:effectRef idx="0">
+            <a:schemeClr val="accent1"/>
+          </a:effectRef>
+          <a:fontRef idx="minor">
+            <a:schemeClr val="tx1"/>
+          </a:fontRef>
+        </p:style>
+      </p:cxnSp>
+      <p:sp>
+        <p:nvSpPr>
+          <p:cNvPr id="26" name="사각형: 둥근 모서리 25">
+            <a:extLst>
+              <a:ext uri="{FF2B5EF4-FFF2-40B4-BE49-F238E27FC236}">
+                <a16:creationId xmlns:a16="http://schemas.microsoft.com/office/drawing/2014/main" id="{5CC9A600-BC9C-4309-B413-0697E76D07C3}"/>
+              </a:ext>
+            </a:extLst>
+          </p:cNvPr>
+          <p:cNvSpPr/>
+          <p:nvPr/>
+        </p:nvSpPr>
+        <p:spPr>
+          <a:xfrm>
+            <a:off x="3204446" y="3375171"/>
+            <a:ext cx="2725360" cy="1617454"/>
+          </a:xfrm>
+          <a:prstGeom prst="roundRect">
+            <a:avLst/>
+          </a:prstGeom>
+          <a:solidFill>
+            <a:schemeClr val="bg1">
+              <a:lumMod val="65000"/>
+              <a:alpha val="34000"/>
+            </a:schemeClr>
+          </a:solidFill>
+          <a:ln>
+            <a:noFill/>
+          </a:ln>
+        </p:spPr>
+        <p:style>
+          <a:lnRef idx="2">
+            <a:schemeClr val="accent1">
+              <a:shade val="50000"/>
+            </a:schemeClr>
+          </a:lnRef>
+          <a:fillRef idx="1">
+            <a:schemeClr val="accent1"/>
+          </a:fillRef>
+          <a:effectRef idx="0">
+            <a:schemeClr val="accent1"/>
+          </a:effectRef>
+          <a:fontRef idx="minor">
+            <a:schemeClr val="lt1"/>
+          </a:fontRef>
+        </p:style>
+        <p:txBody>
+          <a:bodyPr rtlCol="0" anchor="ctr"/>
+          <a:lstStyle/>
+          <a:p>
+            <a:pPr lvl="1"/>
+            <a:r>
+              <a:rPr lang="ko-KR" altLang="en-US" dirty="0">
+                <a:solidFill>
+                  <a:schemeClr val="bg1"/>
+                </a:solidFill>
+                <a:latin typeface="나눔스퀘어 Light" panose="020B0600000101010101" pitchFamily="50" charset="-127"/>
+                <a:ea typeface="나눔스퀘어 Light" panose="020B0600000101010101" pitchFamily="50" charset="-127"/>
+              </a:rPr>
+              <a:t>  총알 </a:t>
+            </a:r>
+            <a:r>
+              <a:rPr lang="en-US" altLang="ko-KR" dirty="0">
+                <a:solidFill>
+                  <a:schemeClr val="bg1"/>
+                </a:solidFill>
+                <a:latin typeface="나눔스퀘어 Light" panose="020B0600000101010101" pitchFamily="50" charset="-127"/>
+                <a:ea typeface="나눔스퀘어 Light" panose="020B0600000101010101" pitchFamily="50" charset="-127"/>
+              </a:rPr>
+              <a:t>– </a:t>
+            </a:r>
+            <a:r>
+              <a:rPr lang="ko-KR" altLang="en-US" dirty="0">
+                <a:solidFill>
+                  <a:schemeClr val="bg1"/>
+                </a:solidFill>
+                <a:latin typeface="나눔스퀘어 Light" panose="020B0600000101010101" pitchFamily="50" charset="-127"/>
+                <a:ea typeface="나눔스퀘어 Light" panose="020B0600000101010101" pitchFamily="50" charset="-127"/>
+              </a:rPr>
+              <a:t>적</a:t>
+            </a:r>
+            <a:r>
+              <a:rPr lang="en-US" altLang="ko-KR" dirty="0">
+                <a:solidFill>
+                  <a:schemeClr val="bg1"/>
+                </a:solidFill>
+                <a:latin typeface="나눔스퀘어 Light" panose="020B0600000101010101" pitchFamily="50" charset="-127"/>
+                <a:ea typeface="나눔스퀘어 Light" panose="020B0600000101010101" pitchFamily="50" charset="-127"/>
+              </a:rPr>
+              <a:t> </a:t>
+            </a:r>
+            <a:r>
+              <a:rPr lang="ko-KR" altLang="en-US" dirty="0">
+                <a:solidFill>
+                  <a:schemeClr val="bg1"/>
+                </a:solidFill>
+                <a:latin typeface="나눔스퀘어 Light" panose="020B0600000101010101" pitchFamily="50" charset="-127"/>
+                <a:ea typeface="나눔스퀘어 Light" panose="020B0600000101010101" pitchFamily="50" charset="-127"/>
+              </a:rPr>
+              <a:t>충돌</a:t>
+            </a:r>
             <a:endParaRPr lang="en-US" altLang="ko-KR" dirty="0">
               <a:solidFill>
                 <a:schemeClr val="bg1"/>
@@ -5592,6 +5836,7 @@
             </a:endParaRPr>
           </a:p>
           <a:p>
+            <a:pPr lvl="1"/>
             <a:r>
               <a:rPr lang="ko-KR" altLang="en-US" dirty="0">
                 <a:solidFill>
@@ -5600,97 +5845,134 @@
                 <a:latin typeface="나눔스퀘어 Light" panose="020B0600000101010101" pitchFamily="50" charset="-127"/>
                 <a:ea typeface="나눔스퀘어 Light" panose="020B0600000101010101" pitchFamily="50" charset="-127"/>
               </a:rPr>
-              <a:t>결과</a:t>
-            </a:r>
-            <a:r>
-              <a:rPr lang="en-US" altLang="ko-KR" dirty="0">
-                <a:solidFill>
-                  <a:schemeClr val="bg1"/>
-                </a:solidFill>
-                <a:latin typeface="나눔스퀘어 Light" panose="020B0600000101010101" pitchFamily="50" charset="-127"/>
-                <a:ea typeface="나눔스퀘어 Light" panose="020B0600000101010101" pitchFamily="50" charset="-127"/>
-              </a:rPr>
-              <a:t> : </a:t>
-            </a:r>
-            <a:r>
-              <a:rPr lang="ko-KR" altLang="en-US" dirty="0">
-                <a:solidFill>
-                  <a:schemeClr val="bg1"/>
-                </a:solidFill>
-                <a:latin typeface="나눔스퀘어 Light" panose="020B0600000101010101" pitchFamily="50" charset="-127"/>
-                <a:ea typeface="나눔스퀘어 Light" panose="020B0600000101010101" pitchFamily="50" charset="-127"/>
-              </a:rPr>
-              <a:t>회전 이미지를 </a:t>
-            </a:r>
-            <a:r>
-              <a:rPr lang="en-US" altLang="ko-KR" dirty="0" err="1">
-                <a:solidFill>
-                  <a:schemeClr val="bg1"/>
-                </a:solidFill>
-                <a:latin typeface="나눔스퀘어 Light" panose="020B0600000101010101" pitchFamily="50" charset="-127"/>
-                <a:ea typeface="나눔스퀘어 Light" panose="020B0600000101010101" pitchFamily="50" charset="-127"/>
-              </a:rPr>
-              <a:t>plgblt</a:t>
-            </a:r>
-            <a:r>
-              <a:rPr lang="ko-KR" altLang="en-US" dirty="0">
-                <a:solidFill>
-                  <a:schemeClr val="bg1"/>
-                </a:solidFill>
-                <a:latin typeface="나눔스퀘어 Light" panose="020B0600000101010101" pitchFamily="50" charset="-127"/>
-                <a:ea typeface="나눔스퀘어 Light" panose="020B0600000101010101" pitchFamily="50" charset="-127"/>
-              </a:rPr>
-              <a:t>대신 </a:t>
-            </a:r>
-            <a:r>
-              <a:rPr lang="ko-KR" altLang="en-US" dirty="0" err="1">
-                <a:solidFill>
-                  <a:schemeClr val="bg1"/>
-                </a:solidFill>
-                <a:latin typeface="나눔스퀘어 Light" panose="020B0600000101010101" pitchFamily="50" charset="-127"/>
-                <a:ea typeface="나눔스퀘어 Light" panose="020B0600000101010101" pitchFamily="50" charset="-127"/>
-              </a:rPr>
-              <a:t>스프라이트</a:t>
-            </a:r>
-            <a:r>
-              <a:rPr lang="ko-KR" altLang="en-US" dirty="0">
-                <a:solidFill>
-                  <a:schemeClr val="bg1"/>
-                </a:solidFill>
-                <a:latin typeface="나눔스퀘어 Light" panose="020B0600000101010101" pitchFamily="50" charset="-127"/>
-                <a:ea typeface="나눔스퀘어 Light" panose="020B0600000101010101" pitchFamily="50" charset="-127"/>
-              </a:rPr>
-              <a:t> 이미지로 바꾸니까  </a:t>
-            </a:r>
-            <a:r>
-              <a:rPr lang="ko-KR" altLang="en-US" dirty="0" err="1">
-                <a:solidFill>
-                  <a:schemeClr val="bg1"/>
-                </a:solidFill>
-                <a:latin typeface="나눔스퀘어 Light" panose="020B0600000101010101" pitchFamily="50" charset="-127"/>
-                <a:ea typeface="나눔스퀘어 Light" panose="020B0600000101010101" pitchFamily="50" charset="-127"/>
-              </a:rPr>
-              <a:t>잘됌</a:t>
-            </a:r>
-            <a:r>
-              <a:rPr lang="en-US" altLang="ko-KR" dirty="0">
-                <a:solidFill>
-                  <a:schemeClr val="bg1"/>
-                </a:solidFill>
-                <a:latin typeface="나눔스퀘어 Light" panose="020B0600000101010101" pitchFamily="50" charset="-127"/>
-                <a:ea typeface="나눔스퀘어 Light" panose="020B0600000101010101" pitchFamily="50" charset="-127"/>
-              </a:rPr>
-              <a:t>!</a:t>
-            </a:r>
-          </a:p>
-        </p:txBody>
-      </p:sp>
-      <p:sp>
-        <p:nvSpPr>
-          <p:cNvPr id="10" name="TextBox 9">
+              <a:t>      공간분할</a:t>
+            </a:r>
+            <a:endParaRPr lang="en-US" altLang="ko-KR" dirty="0">
+              <a:solidFill>
+                <a:schemeClr val="bg1"/>
+              </a:solidFill>
+              <a:latin typeface="나눔스퀘어 Light" panose="020B0600000101010101" pitchFamily="50" charset="-127"/>
+              <a:ea typeface="나눔스퀘어 Light" panose="020B0600000101010101" pitchFamily="50" charset="-127"/>
+            </a:endParaRPr>
+          </a:p>
+        </p:txBody>
+      </p:sp>
+      <p:sp>
+        <p:nvSpPr>
+          <p:cNvPr id="27" name="사각형: 둥근 모서리 26">
             <a:extLst>
               <a:ext uri="{FF2B5EF4-FFF2-40B4-BE49-F238E27FC236}">
-                <a16:creationId xmlns:a16="http://schemas.microsoft.com/office/drawing/2014/main" id="{EAB7E83D-62F5-4F4C-94E7-6F9C73EF849E}"/>
+                <a16:creationId xmlns:a16="http://schemas.microsoft.com/office/drawing/2014/main" id="{8BC73108-300F-48A2-B229-692E1FDF8A1C}"/>
+              </a:ext>
+            </a:extLst>
+          </p:cNvPr>
+          <p:cNvSpPr/>
+          <p:nvPr/>
+        </p:nvSpPr>
+        <p:spPr>
+          <a:xfrm>
+            <a:off x="6216641" y="3356641"/>
+            <a:ext cx="2725360" cy="1617454"/>
+          </a:xfrm>
+          <a:prstGeom prst="roundRect">
+            <a:avLst/>
+          </a:prstGeom>
+          <a:solidFill>
+            <a:schemeClr val="bg1">
+              <a:lumMod val="65000"/>
+              <a:alpha val="34000"/>
+            </a:schemeClr>
+          </a:solidFill>
+          <a:ln>
+            <a:noFill/>
+          </a:ln>
+        </p:spPr>
+        <p:style>
+          <a:lnRef idx="2">
+            <a:schemeClr val="accent1">
+              <a:shade val="50000"/>
+            </a:schemeClr>
+          </a:lnRef>
+          <a:fillRef idx="1">
+            <a:schemeClr val="accent1"/>
+          </a:fillRef>
+          <a:effectRef idx="0">
+            <a:schemeClr val="accent1"/>
+          </a:effectRef>
+          <a:fontRef idx="minor">
+            <a:schemeClr val="lt1"/>
+          </a:fontRef>
+        </p:style>
+        <p:txBody>
+          <a:bodyPr rtlCol="0" anchor="ctr"/>
+          <a:lstStyle/>
+          <a:p>
+            <a:pPr lvl="1"/>
+            <a:endParaRPr lang="en-US" altLang="ko-KR" dirty="0">
+              <a:solidFill>
+                <a:schemeClr val="bg1"/>
+              </a:solidFill>
+              <a:latin typeface="나눔스퀘어 Light" panose="020B0600000101010101" pitchFamily="50" charset="-127"/>
+              <a:ea typeface="나눔스퀘어 Light" panose="020B0600000101010101" pitchFamily="50" charset="-127"/>
+            </a:endParaRPr>
+          </a:p>
+        </p:txBody>
+      </p:sp>
+      <p:cxnSp>
+        <p:nvCxnSpPr>
+          <p:cNvPr id="36" name="연결선: 꺾임 35">
+            <a:extLst>
+              <a:ext uri="{FF2B5EF4-FFF2-40B4-BE49-F238E27FC236}">
+                <a16:creationId xmlns:a16="http://schemas.microsoft.com/office/drawing/2014/main" id="{D575D950-C8B7-4C28-9568-14686AB6F20B}"/>
+              </a:ext>
+            </a:extLst>
+          </p:cNvPr>
+          <p:cNvCxnSpPr>
+            <a:cxnSpLocks/>
+            <a:stCxn id="20" idx="0"/>
+            <a:endCxn id="27" idx="0"/>
+          </p:cNvCxnSpPr>
+          <p:nvPr/>
+        </p:nvCxnSpPr>
+        <p:spPr>
+          <a:xfrm rot="5400000" flipH="1" flipV="1">
+            <a:off x="4566253" y="345319"/>
+            <a:ext cx="1746" cy="6024390"/>
+          </a:xfrm>
+          <a:prstGeom prst="bentConnector3">
+            <a:avLst>
+              <a:gd name="adj1" fmla="val 13192784"/>
+            </a:avLst>
+          </a:prstGeom>
+          <a:ln w="19050">
+            <a:solidFill>
+              <a:schemeClr val="bg1">
+                <a:lumMod val="85000"/>
+              </a:schemeClr>
+            </a:solidFill>
+          </a:ln>
+        </p:spPr>
+        <p:style>
+          <a:lnRef idx="1">
+            <a:schemeClr val="accent1"/>
+          </a:lnRef>
+          <a:fillRef idx="0">
+            <a:schemeClr val="accent1"/>
+          </a:fillRef>
+          <a:effectRef idx="0">
+            <a:schemeClr val="accent1"/>
+          </a:effectRef>
+          <a:fontRef idx="minor">
+            <a:schemeClr val="tx1"/>
+          </a:fontRef>
+        </p:style>
+      </p:cxnSp>
+      <p:sp>
+        <p:nvSpPr>
+          <p:cNvPr id="40" name="TextBox 39">
+            <a:extLst>
+              <a:ext uri="{FF2B5EF4-FFF2-40B4-BE49-F238E27FC236}">
+                <a16:creationId xmlns:a16="http://schemas.microsoft.com/office/drawing/2014/main" id="{95D4AFF8-BA4A-4089-A191-7B3F13B6CC15}"/>
               </a:ext>
             </a:extLst>
           </p:cNvPr>
@@ -5699,8 +5981,8 @@
         </p:nvSpPr>
         <p:spPr>
           <a:xfrm>
-            <a:off x="674235" y="604195"/>
-            <a:ext cx="2422458" cy="830997"/>
+            <a:off x="6629400" y="3739328"/>
+            <a:ext cx="2020824" cy="1200329"/>
           </a:xfrm>
           <a:prstGeom prst="rect">
             <a:avLst/>
@@ -5708,270 +5990,55 @@
           <a:noFill/>
         </p:spPr>
         <p:txBody>
-          <a:bodyPr wrap="none" rtlCol="0">
+          <a:bodyPr wrap="square" rtlCol="0">
             <a:spAutoFit/>
           </a:bodyPr>
           <a:lstStyle/>
           <a:p>
-            <a:r>
-              <a:rPr lang="ko-KR" altLang="en-US" sz="4800" dirty="0">
-                <a:solidFill>
-                  <a:schemeClr val="bg1"/>
-                </a:solidFill>
-                <a:latin typeface="나눔스퀘어 Light" panose="020B0600000101010101" pitchFamily="50" charset="-127"/>
-                <a:ea typeface="나눔스퀘어 Light" panose="020B0600000101010101" pitchFamily="50" charset="-127"/>
-              </a:rPr>
-              <a:t>개발이슈</a:t>
-            </a:r>
-          </a:p>
-        </p:txBody>
-      </p:sp>
-      <p:grpSp>
-        <p:nvGrpSpPr>
-          <p:cNvPr id="11" name="그룹 10">
-            <a:extLst>
-              <a:ext uri="{FF2B5EF4-FFF2-40B4-BE49-F238E27FC236}">
-                <a16:creationId xmlns:a16="http://schemas.microsoft.com/office/drawing/2014/main" id="{A0A63D7C-95F8-4DCB-A696-631EF2DFD7F4}"/>
-              </a:ext>
-            </a:extLst>
-          </p:cNvPr>
-          <p:cNvGrpSpPr/>
-          <p:nvPr/>
-        </p:nvGrpSpPr>
-        <p:grpSpPr>
-          <a:xfrm>
-            <a:off x="-1572508" y="-409499"/>
-            <a:ext cx="6193706" cy="6208415"/>
-            <a:chOff x="-1572508" y="-409499"/>
-            <a:chExt cx="6193706" cy="6208415"/>
-          </a:xfrm>
-        </p:grpSpPr>
-        <p:sp>
-          <p:nvSpPr>
-            <p:cNvPr id="12" name="타원 11">
-              <a:extLst>
-                <a:ext uri="{FF2B5EF4-FFF2-40B4-BE49-F238E27FC236}">
-                  <a16:creationId xmlns:a16="http://schemas.microsoft.com/office/drawing/2014/main" id="{71E82608-47D2-40B9-99F7-3D15A618477E}"/>
-                </a:ext>
-              </a:extLst>
-            </p:cNvPr>
-            <p:cNvSpPr/>
-            <p:nvPr/>
-          </p:nvSpPr>
-          <p:spPr>
-            <a:xfrm>
-              <a:off x="-1218601" y="-162445"/>
-              <a:ext cx="5839799" cy="5707078"/>
-            </a:xfrm>
-            <a:prstGeom prst="ellipse">
-              <a:avLst/>
-            </a:prstGeom>
-            <a:noFill/>
-            <a:ln w="19050">
-              <a:gradFill>
-                <a:gsLst>
-                  <a:gs pos="0">
-                    <a:schemeClr val="accent1">
-                      <a:lumMod val="5000"/>
-                      <a:lumOff val="95000"/>
-                      <a:alpha val="50000"/>
-                    </a:schemeClr>
-                  </a:gs>
-                  <a:gs pos="74000">
-                    <a:schemeClr val="accent1">
-                      <a:lumMod val="45000"/>
-                      <a:lumOff val="55000"/>
-                      <a:alpha val="50000"/>
-                    </a:schemeClr>
-                  </a:gs>
-                  <a:gs pos="83000">
-                    <a:schemeClr val="accent1">
-                      <a:lumMod val="45000"/>
-                      <a:lumOff val="55000"/>
-                      <a:alpha val="50000"/>
-                    </a:schemeClr>
-                  </a:gs>
-                  <a:gs pos="100000">
-                    <a:schemeClr val="accent1">
-                      <a:lumMod val="30000"/>
-                      <a:lumOff val="70000"/>
-                      <a:alpha val="50000"/>
-                    </a:schemeClr>
-                  </a:gs>
-                </a:gsLst>
-                <a:lin ang="5400000" scaled="1"/>
-              </a:gradFill>
-            </a:ln>
-          </p:spPr>
-          <p:style>
-            <a:lnRef idx="2">
-              <a:schemeClr val="accent1">
-                <a:shade val="50000"/>
-              </a:schemeClr>
-            </a:lnRef>
-            <a:fillRef idx="1">
-              <a:schemeClr val="accent1"/>
-            </a:fillRef>
-            <a:effectRef idx="0">
-              <a:schemeClr val="accent1"/>
-            </a:effectRef>
-            <a:fontRef idx="minor">
-              <a:schemeClr val="lt1"/>
-            </a:fontRef>
-          </p:style>
-          <p:txBody>
-            <a:bodyPr rtlCol="0" anchor="ctr"/>
-            <a:lstStyle/>
-            <a:p>
-              <a:pPr algn="ctr"/>
-              <a:endParaRPr lang="en-US" altLang="ko-KR" dirty="0">
-                <a:latin typeface="나눔스퀘어 Light" panose="020B0600000101010101" pitchFamily="50" charset="-127"/>
-                <a:ea typeface="나눔스퀘어 Light" panose="020B0600000101010101" pitchFamily="50" charset="-127"/>
-              </a:endParaRPr>
-            </a:p>
-            <a:p>
-              <a:pPr algn="ctr"/>
-              <a:endParaRPr lang="ko-KR" altLang="en-US" dirty="0">
-                <a:latin typeface="나눔스퀘어 Light" panose="020B0600000101010101" pitchFamily="50" charset="-127"/>
-                <a:ea typeface="나눔스퀘어 Light" panose="020B0600000101010101" pitchFamily="50" charset="-127"/>
-              </a:endParaRPr>
-            </a:p>
-          </p:txBody>
-        </p:sp>
-        <p:sp>
-          <p:nvSpPr>
-            <p:cNvPr id="13" name="타원 12">
-              <a:extLst>
-                <a:ext uri="{FF2B5EF4-FFF2-40B4-BE49-F238E27FC236}">
-                  <a16:creationId xmlns:a16="http://schemas.microsoft.com/office/drawing/2014/main" id="{F8960400-35DD-4CAD-88EB-287442E6DE06}"/>
-                </a:ext>
-              </a:extLst>
-            </p:cNvPr>
-            <p:cNvSpPr/>
-            <p:nvPr/>
-          </p:nvSpPr>
-          <p:spPr>
-            <a:xfrm>
-              <a:off x="-1572508" y="114575"/>
-              <a:ext cx="5816534" cy="5684341"/>
-            </a:xfrm>
-            <a:prstGeom prst="ellipse">
-              <a:avLst/>
-            </a:prstGeom>
-            <a:noFill/>
-            <a:ln w="19050">
-              <a:gradFill flip="none" rotWithShape="1">
-                <a:gsLst>
-                  <a:gs pos="0">
-                    <a:srgbClr val="FFC000">
-                      <a:alpha val="50000"/>
-                    </a:srgbClr>
-                  </a:gs>
-                  <a:gs pos="100000">
-                    <a:srgbClr val="FF0000">
-                      <a:alpha val="50000"/>
-                    </a:srgbClr>
-                  </a:gs>
-                </a:gsLst>
-                <a:lin ang="16200000" scaled="1"/>
-                <a:tileRect/>
-              </a:gradFill>
-            </a:ln>
-          </p:spPr>
-          <p:style>
-            <a:lnRef idx="2">
-              <a:schemeClr val="accent1">
-                <a:shade val="50000"/>
-              </a:schemeClr>
-            </a:lnRef>
-            <a:fillRef idx="1">
-              <a:schemeClr val="accent1"/>
-            </a:fillRef>
-            <a:effectRef idx="0">
-              <a:schemeClr val="accent1"/>
-            </a:effectRef>
-            <a:fontRef idx="minor">
-              <a:schemeClr val="lt1"/>
-            </a:fontRef>
-          </p:style>
-          <p:txBody>
-            <a:bodyPr rtlCol="0" anchor="ctr"/>
-            <a:lstStyle/>
-            <a:p>
-              <a:pPr algn="ctr"/>
-              <a:endParaRPr lang="ko-KR" altLang="en-US" dirty="0"/>
-            </a:p>
-          </p:txBody>
-        </p:sp>
-        <p:sp>
-          <p:nvSpPr>
-            <p:cNvPr id="14" name="타원 13">
-              <a:extLst>
-                <a:ext uri="{FF2B5EF4-FFF2-40B4-BE49-F238E27FC236}">
-                  <a16:creationId xmlns:a16="http://schemas.microsoft.com/office/drawing/2014/main" id="{55F323DE-F5F5-4A15-89E8-4500AEF4E100}"/>
-                </a:ext>
-              </a:extLst>
-            </p:cNvPr>
-            <p:cNvSpPr/>
-            <p:nvPr/>
-          </p:nvSpPr>
-          <p:spPr>
-            <a:xfrm>
-              <a:off x="-999593" y="-409499"/>
-              <a:ext cx="5152825" cy="5684341"/>
-            </a:xfrm>
-            <a:prstGeom prst="ellipse">
-              <a:avLst/>
-            </a:prstGeom>
-            <a:noFill/>
-            <a:ln w="19050">
-              <a:gradFill flip="none" rotWithShape="1">
-                <a:gsLst>
-                  <a:gs pos="0">
-                    <a:srgbClr val="FFDF79">
-                      <a:alpha val="50000"/>
-                    </a:srgbClr>
-                  </a:gs>
-                  <a:gs pos="100000">
-                    <a:srgbClr val="FF5B5B">
-                      <a:alpha val="50000"/>
-                    </a:srgbClr>
-                  </a:gs>
-                </a:gsLst>
-                <a:lin ang="16200000" scaled="1"/>
-                <a:tileRect/>
-              </a:gradFill>
-            </a:ln>
-          </p:spPr>
-          <p:style>
-            <a:lnRef idx="2">
-              <a:schemeClr val="accent1">
-                <a:shade val="50000"/>
-              </a:schemeClr>
-            </a:lnRef>
-            <a:fillRef idx="1">
-              <a:schemeClr val="accent1"/>
-            </a:fillRef>
-            <a:effectRef idx="0">
-              <a:schemeClr val="accent1"/>
-            </a:effectRef>
-            <a:fontRef idx="minor">
-              <a:schemeClr val="lt1"/>
-            </a:fontRef>
-          </p:style>
-          <p:txBody>
-            <a:bodyPr rtlCol="0" anchor="ctr"/>
-            <a:lstStyle/>
-            <a:p>
-              <a:pPr algn="ctr"/>
-              <a:endParaRPr lang="ko-KR" altLang="en-US" dirty="0">
-                <a:latin typeface="나눔스퀘어 Light" panose="020B0600000101010101" pitchFamily="50" charset="-127"/>
-                <a:ea typeface="나눔스퀘어 Light" panose="020B0600000101010101" pitchFamily="50" charset="-127"/>
-              </a:endParaRPr>
-            </a:p>
-          </p:txBody>
-        </p:sp>
-      </p:grpSp>
+            <a:pPr algn="ctr"/>
+            <a:r>
+              <a:rPr lang="ko-KR" altLang="en-US" dirty="0">
+                <a:solidFill>
+                  <a:schemeClr val="bg1"/>
+                </a:solidFill>
+                <a:latin typeface="나눔스퀘어 Light" panose="020B0600000101010101" pitchFamily="50" charset="-127"/>
+                <a:ea typeface="나눔스퀘어 Light" panose="020B0600000101010101" pitchFamily="50" charset="-127"/>
+              </a:rPr>
+              <a:t>적</a:t>
+            </a:r>
+            <a:r>
+              <a:rPr lang="en-US" altLang="ko-KR" dirty="0">
+                <a:solidFill>
+                  <a:schemeClr val="bg1"/>
+                </a:solidFill>
+                <a:latin typeface="나눔스퀘어 Light" panose="020B0600000101010101" pitchFamily="50" charset="-127"/>
+                <a:ea typeface="나눔스퀘어 Light" panose="020B0600000101010101" pitchFamily="50" charset="-127"/>
+              </a:rPr>
+              <a:t>, </a:t>
+            </a:r>
+            <a:r>
+              <a:rPr lang="ko-KR" altLang="en-US" dirty="0">
+                <a:solidFill>
+                  <a:schemeClr val="bg1"/>
+                </a:solidFill>
+                <a:latin typeface="나눔스퀘어 Light" panose="020B0600000101010101" pitchFamily="50" charset="-127"/>
+                <a:ea typeface="나눔스퀘어 Light" panose="020B0600000101010101" pitchFamily="50" charset="-127"/>
+              </a:rPr>
+              <a:t>총알 오브젝트가 위치만 들고있도록 상속 제거</a:t>
+            </a:r>
+            <a:endParaRPr lang="en-US" altLang="ko-KR" dirty="0">
+              <a:solidFill>
+                <a:schemeClr val="bg1"/>
+              </a:solidFill>
+              <a:latin typeface="나눔스퀘어 Light" panose="020B0600000101010101" pitchFamily="50" charset="-127"/>
+              <a:ea typeface="나눔스퀘어 Light" panose="020B0600000101010101" pitchFamily="50" charset="-127"/>
+            </a:endParaRPr>
+          </a:p>
+          <a:p>
+            <a:endParaRPr lang="ko-KR" altLang="en-US" dirty="0"/>
+          </a:p>
+        </p:txBody>
+      </p:sp>
     </p:spTree>
     <p:extLst>
       <p:ext uri="{BB962C8B-B14F-4D97-AF65-F5344CB8AC3E}">

--- a/발표자료/API 텀프로젝트 발표자료.pptx
+++ b/발표자료/API 텀프로젝트 발표자료.pptx
@@ -271,7 +271,7 @@
           <a:p>
             <a:fld id="{42904C78-06FB-426E-8932-DB863AFFAC91}" type="datetimeFigureOut">
               <a:rPr lang="ko-KR" altLang="en-US" smtClean="0"/>
-              <a:t>2017-06-19</a:t>
+              <a:t>2017-06-20</a:t>
             </a:fld>
             <a:endParaRPr lang="ko-KR" altLang="en-US"/>
           </a:p>
@@ -441,7 +441,7 @@
           <a:p>
             <a:fld id="{42904C78-06FB-426E-8932-DB863AFFAC91}" type="datetimeFigureOut">
               <a:rPr lang="ko-KR" altLang="en-US" smtClean="0"/>
-              <a:t>2017-06-19</a:t>
+              <a:t>2017-06-20</a:t>
             </a:fld>
             <a:endParaRPr lang="ko-KR" altLang="en-US"/>
           </a:p>
@@ -621,7 +621,7 @@
           <a:p>
             <a:fld id="{42904C78-06FB-426E-8932-DB863AFFAC91}" type="datetimeFigureOut">
               <a:rPr lang="ko-KR" altLang="en-US" smtClean="0"/>
-              <a:t>2017-06-19</a:t>
+              <a:t>2017-06-20</a:t>
             </a:fld>
             <a:endParaRPr lang="ko-KR" altLang="en-US"/>
           </a:p>
@@ -802,7 +802,7 @@
           <a:p>
             <a:fld id="{42904C78-06FB-426E-8932-DB863AFFAC91}" type="datetimeFigureOut">
               <a:rPr lang="ko-KR" altLang="en-US" smtClean="0"/>
-              <a:t>2017-06-19</a:t>
+              <a:t>2017-06-20</a:t>
             </a:fld>
             <a:endParaRPr lang="ko-KR" altLang="en-US"/>
           </a:p>
@@ -1046,7 +1046,7 @@
           <a:p>
             <a:fld id="{42904C78-06FB-426E-8932-DB863AFFAC91}" type="datetimeFigureOut">
               <a:rPr lang="ko-KR" altLang="en-US" smtClean="0"/>
-              <a:t>2017-06-19</a:t>
+              <a:t>2017-06-20</a:t>
             </a:fld>
             <a:endParaRPr lang="ko-KR" altLang="en-US"/>
           </a:p>
@@ -1278,7 +1278,7 @@
           <a:p>
             <a:fld id="{42904C78-06FB-426E-8932-DB863AFFAC91}" type="datetimeFigureOut">
               <a:rPr lang="ko-KR" altLang="en-US" smtClean="0"/>
-              <a:t>2017-06-19</a:t>
+              <a:t>2017-06-20</a:t>
             </a:fld>
             <a:endParaRPr lang="ko-KR" altLang="en-US"/>
           </a:p>
@@ -1645,7 +1645,7 @@
           <a:p>
             <a:fld id="{42904C78-06FB-426E-8932-DB863AFFAC91}" type="datetimeFigureOut">
               <a:rPr lang="ko-KR" altLang="en-US" smtClean="0"/>
-              <a:t>2017-06-19</a:t>
+              <a:t>2017-06-20</a:t>
             </a:fld>
             <a:endParaRPr lang="ko-KR" altLang="en-US"/>
           </a:p>
@@ -1763,7 +1763,7 @@
           <a:p>
             <a:fld id="{42904C78-06FB-426E-8932-DB863AFFAC91}" type="datetimeFigureOut">
               <a:rPr lang="ko-KR" altLang="en-US" smtClean="0"/>
-              <a:t>2017-06-19</a:t>
+              <a:t>2017-06-20</a:t>
             </a:fld>
             <a:endParaRPr lang="ko-KR" altLang="en-US"/>
           </a:p>
@@ -1858,7 +1858,7 @@
           <a:p>
             <a:fld id="{42904C78-06FB-426E-8932-DB863AFFAC91}" type="datetimeFigureOut">
               <a:rPr lang="ko-KR" altLang="en-US" smtClean="0"/>
-              <a:t>2017-06-19</a:t>
+              <a:t>2017-06-20</a:t>
             </a:fld>
             <a:endParaRPr lang="ko-KR" altLang="en-US"/>
           </a:p>
@@ -2135,7 +2135,7 @@
           <a:p>
             <a:fld id="{42904C78-06FB-426E-8932-DB863AFFAC91}" type="datetimeFigureOut">
               <a:rPr lang="ko-KR" altLang="en-US" smtClean="0"/>
-              <a:t>2017-06-19</a:t>
+              <a:t>2017-06-20</a:t>
             </a:fld>
             <a:endParaRPr lang="ko-KR" altLang="en-US"/>
           </a:p>
@@ -2392,7 +2392,7 @@
           <a:p>
             <a:fld id="{42904C78-06FB-426E-8932-DB863AFFAC91}" type="datetimeFigureOut">
               <a:rPr lang="ko-KR" altLang="en-US" smtClean="0"/>
-              <a:t>2017-06-19</a:t>
+              <a:t>2017-06-20</a:t>
             </a:fld>
             <a:endParaRPr lang="ko-KR" altLang="en-US"/>
           </a:p>
@@ -2611,7 +2611,7 @@
           <a:p>
             <a:fld id="{42904C78-06FB-426E-8932-DB863AFFAC91}" type="datetimeFigureOut">
               <a:rPr lang="ko-KR" altLang="en-US" smtClean="0"/>
-              <a:t>2017-06-19</a:t>
+              <a:t>2017-06-20</a:t>
             </a:fld>
             <a:endParaRPr lang="ko-KR" altLang="en-US"/>
           </a:p>
@@ -5365,6 +5365,16 @@
           <a:p>
             <a:pPr algn="ctr"/>
             <a:r>
+              <a:rPr lang="en-US" altLang="ko-KR" dirty="0" err="1">
+                <a:solidFill>
+                  <a:schemeClr val="bg1"/>
+                </a:solidFill>
+                <a:latin typeface="나눔스퀘어 Light" panose="020B0600000101010101" pitchFamily="50" charset="-127"/>
+                <a:ea typeface="나눔스퀘어 Light" panose="020B0600000101010101" pitchFamily="50" charset="-127"/>
+              </a:rPr>
+              <a:t>plgblt</a:t>
+            </a:r>
+            <a:r>
               <a:rPr lang="ko-KR" altLang="en-US" dirty="0">
                 <a:solidFill>
                   <a:schemeClr val="bg1"/>
@@ -5372,7 +5382,7 @@
                 <a:latin typeface="나눔스퀘어 Light" panose="020B0600000101010101" pitchFamily="50" charset="-127"/>
                 <a:ea typeface="나눔스퀘어 Light" panose="020B0600000101010101" pitchFamily="50" charset="-127"/>
               </a:rPr>
-              <a:t>회전 </a:t>
+              <a:t> </a:t>
             </a:r>
             <a:r>
               <a:rPr lang="ko-KR" altLang="en-US" dirty="0" err="1">
@@ -6080,12 +6090,472 @@
           <a:chExt cx="0" cy="0"/>
         </a:xfrm>
       </p:grpSpPr>
+      <p:sp>
+        <p:nvSpPr>
+          <p:cNvPr id="8" name="TextBox 7">
+            <a:extLst>
+              <a:ext uri="{FF2B5EF4-FFF2-40B4-BE49-F238E27FC236}">
+                <a16:creationId xmlns:a16="http://schemas.microsoft.com/office/drawing/2014/main" id="{E81B216D-3A18-4FF8-BEAB-EC2C29C8460E}"/>
+              </a:ext>
+            </a:extLst>
+          </p:cNvPr>
+          <p:cNvSpPr txBox="1"/>
+          <p:nvPr/>
+        </p:nvSpPr>
+        <p:spPr>
+          <a:xfrm>
+            <a:off x="3677547" y="2695716"/>
+            <a:ext cx="1723549" cy="1785104"/>
+          </a:xfrm>
+          <a:prstGeom prst="rect">
+            <a:avLst/>
+          </a:prstGeom>
+          <a:noFill/>
+        </p:spPr>
+        <p:txBody>
+          <a:bodyPr wrap="none" rtlCol="0">
+            <a:spAutoFit/>
+          </a:bodyPr>
+          <a:lstStyle/>
+          <a:p>
+            <a:r>
+              <a:rPr lang="ko-KR" altLang="en-US" sz="4400" dirty="0">
+                <a:solidFill>
+                  <a:schemeClr val="bg1"/>
+                </a:solidFill>
+                <a:latin typeface="나눔스퀘어 Light" panose="020B0600000101010101" pitchFamily="50" charset="-127"/>
+                <a:ea typeface="나눔스퀘어 Light" panose="020B0600000101010101" pitchFamily="50" charset="-127"/>
+              </a:rPr>
+              <a:t>오늘의</a:t>
+            </a:r>
+            <a:endParaRPr lang="en-US" altLang="ko-KR" sz="4400" dirty="0">
+              <a:solidFill>
+                <a:schemeClr val="bg1"/>
+              </a:solidFill>
+              <a:latin typeface="나눔스퀘어 Light" panose="020B0600000101010101" pitchFamily="50" charset="-127"/>
+              <a:ea typeface="나눔스퀘어 Light" panose="020B0600000101010101" pitchFamily="50" charset="-127"/>
+            </a:endParaRPr>
+          </a:p>
+          <a:p>
+            <a:r>
+              <a:rPr lang="ko-KR" altLang="en-US" sz="6600" dirty="0">
+                <a:solidFill>
+                  <a:schemeClr val="bg1"/>
+                </a:solidFill>
+                <a:latin typeface="나눔스퀘어 Light" panose="020B0600000101010101" pitchFamily="50" charset="-127"/>
+                <a:ea typeface="나눔스퀘어 Light" panose="020B0600000101010101" pitchFamily="50" charset="-127"/>
+              </a:rPr>
+              <a:t>코딩</a:t>
+            </a:r>
+          </a:p>
+        </p:txBody>
+      </p:sp>
+      <p:sp>
+        <p:nvSpPr>
+          <p:cNvPr id="2" name="오각형 1">
+            <a:extLst>
+              <a:ext uri="{FF2B5EF4-FFF2-40B4-BE49-F238E27FC236}">
+                <a16:creationId xmlns:a16="http://schemas.microsoft.com/office/drawing/2014/main" id="{D83B2FF3-4143-4CEB-9CA9-DFCB020389BC}"/>
+              </a:ext>
+            </a:extLst>
+          </p:cNvPr>
+          <p:cNvSpPr/>
+          <p:nvPr/>
+        </p:nvSpPr>
+        <p:spPr>
+          <a:xfrm>
+            <a:off x="2652810" y="1504757"/>
+            <a:ext cx="3773025" cy="3641351"/>
+          </a:xfrm>
+          <a:prstGeom prst="pentagon">
+            <a:avLst/>
+          </a:prstGeom>
+          <a:noFill/>
+          <a:ln w="28575">
+            <a:solidFill>
+              <a:schemeClr val="bg1">
+                <a:alpha val="0"/>
+              </a:schemeClr>
+            </a:solidFill>
+          </a:ln>
+        </p:spPr>
+        <p:style>
+          <a:lnRef idx="2">
+            <a:schemeClr val="accent1">
+              <a:shade val="50000"/>
+            </a:schemeClr>
+          </a:lnRef>
+          <a:fillRef idx="1">
+            <a:schemeClr val="accent1"/>
+          </a:fillRef>
+          <a:effectRef idx="0">
+            <a:schemeClr val="accent1"/>
+          </a:effectRef>
+          <a:fontRef idx="minor">
+            <a:schemeClr val="lt1"/>
+          </a:fontRef>
+        </p:style>
+        <p:txBody>
+          <a:bodyPr rtlCol="0" anchor="ctr"/>
+          <a:lstStyle/>
+          <a:p>
+            <a:pPr algn="ctr"/>
+            <a:endParaRPr lang="ko-KR" altLang="en-US"/>
+          </a:p>
+        </p:txBody>
+      </p:sp>
+      <p:sp>
+        <p:nvSpPr>
+          <p:cNvPr id="13" name="TextBox 12">
+            <a:extLst>
+              <a:ext uri="{FF2B5EF4-FFF2-40B4-BE49-F238E27FC236}">
+                <a16:creationId xmlns:a16="http://schemas.microsoft.com/office/drawing/2014/main" id="{FB588FD0-59B7-4EF3-97AB-BE724015169D}"/>
+              </a:ext>
+            </a:extLst>
+          </p:cNvPr>
+          <p:cNvSpPr txBox="1"/>
+          <p:nvPr/>
+        </p:nvSpPr>
+        <p:spPr>
+          <a:xfrm>
+            <a:off x="3449215" y="705762"/>
+            <a:ext cx="2180212" cy="461665"/>
+          </a:xfrm>
+          <a:prstGeom prst="rect">
+            <a:avLst/>
+          </a:prstGeom>
+          <a:noFill/>
+        </p:spPr>
+        <p:txBody>
+          <a:bodyPr wrap="none" rtlCol="0">
+            <a:spAutoFit/>
+          </a:bodyPr>
+          <a:lstStyle/>
+          <a:p>
+            <a:r>
+              <a:rPr lang="en-US" altLang="ko-KR" sz="2400" dirty="0">
+                <a:solidFill>
+                  <a:schemeClr val="bg1"/>
+                </a:solidFill>
+                <a:latin typeface="나눔스퀘어" panose="020B0600000101010101" pitchFamily="50" charset="-127"/>
+                <a:ea typeface="나눔스퀘어" panose="020B0600000101010101" pitchFamily="50" charset="-127"/>
+              </a:rPr>
+              <a:t>HELP, </a:t>
+            </a:r>
+            <a:r>
+              <a:rPr lang="en-US" altLang="ko-KR" sz="2400" dirty="0" err="1">
+                <a:solidFill>
+                  <a:schemeClr val="bg1"/>
+                </a:solidFill>
+                <a:latin typeface="나눔스퀘어" panose="020B0600000101010101" pitchFamily="50" charset="-127"/>
+                <a:ea typeface="나눔스퀘어" panose="020B0600000101010101" pitchFamily="50" charset="-127"/>
+              </a:rPr>
+              <a:t>Resorce</a:t>
+            </a:r>
+            <a:endParaRPr lang="ko-KR" altLang="en-US" sz="2400" dirty="0">
+              <a:solidFill>
+                <a:schemeClr val="bg1"/>
+              </a:solidFill>
+              <a:latin typeface="나눔스퀘어" panose="020B0600000101010101" pitchFamily="50" charset="-127"/>
+              <a:ea typeface="나눔스퀘어" panose="020B0600000101010101" pitchFamily="50" charset="-127"/>
+            </a:endParaRPr>
+          </a:p>
+        </p:txBody>
+      </p:sp>
+      <p:sp>
+        <p:nvSpPr>
+          <p:cNvPr id="14" name="TextBox 13">
+            <a:extLst>
+              <a:ext uri="{FF2B5EF4-FFF2-40B4-BE49-F238E27FC236}">
+                <a16:creationId xmlns:a16="http://schemas.microsoft.com/office/drawing/2014/main" id="{B052A68F-8E0C-4D74-8016-96DF8F829F4F}"/>
+              </a:ext>
+            </a:extLst>
+          </p:cNvPr>
+          <p:cNvSpPr txBox="1"/>
+          <p:nvPr/>
+        </p:nvSpPr>
+        <p:spPr>
+          <a:xfrm>
+            <a:off x="6601557" y="2234051"/>
+            <a:ext cx="1698029" cy="461665"/>
+          </a:xfrm>
+          <a:prstGeom prst="rect">
+            <a:avLst/>
+          </a:prstGeom>
+          <a:noFill/>
+        </p:spPr>
+        <p:txBody>
+          <a:bodyPr wrap="none" rtlCol="0">
+            <a:spAutoFit/>
+          </a:bodyPr>
+          <a:lstStyle/>
+          <a:p>
+            <a:r>
+              <a:rPr lang="ko-KR" altLang="en-US" sz="2400" dirty="0">
+                <a:solidFill>
+                  <a:schemeClr val="bg1"/>
+                </a:solidFill>
+                <a:latin typeface="나눔스퀘어" panose="020B0600000101010101" pitchFamily="50" charset="-127"/>
+                <a:ea typeface="나눔스퀘어" panose="020B0600000101010101" pitchFamily="50" charset="-127"/>
+              </a:rPr>
+              <a:t>쓰레기 </a:t>
+            </a:r>
+            <a:r>
+              <a:rPr lang="en-US" altLang="ko-KR" sz="2400" dirty="0">
+                <a:solidFill>
+                  <a:schemeClr val="bg1"/>
+                </a:solidFill>
+                <a:latin typeface="나눔스퀘어" panose="020B0600000101010101" pitchFamily="50" charset="-127"/>
+                <a:ea typeface="나눔스퀘어" panose="020B0600000101010101" pitchFamily="50" charset="-127"/>
+              </a:rPr>
+              <a:t>bool</a:t>
+            </a:r>
+          </a:p>
+        </p:txBody>
+      </p:sp>
+      <p:sp>
+        <p:nvSpPr>
+          <p:cNvPr id="15" name="TextBox 14">
+            <a:extLst>
+              <a:ext uri="{FF2B5EF4-FFF2-40B4-BE49-F238E27FC236}">
+                <a16:creationId xmlns:a16="http://schemas.microsoft.com/office/drawing/2014/main" id="{FDCBA970-50A3-4CFD-847C-1548E1F6015F}"/>
+              </a:ext>
+            </a:extLst>
+          </p:cNvPr>
+          <p:cNvSpPr txBox="1"/>
+          <p:nvPr/>
+        </p:nvSpPr>
+        <p:spPr>
+          <a:xfrm>
+            <a:off x="142731" y="2234050"/>
+            <a:ext cx="2334357" cy="461665"/>
+          </a:xfrm>
+          <a:prstGeom prst="rect">
+            <a:avLst/>
+          </a:prstGeom>
+          <a:noFill/>
+        </p:spPr>
+        <p:txBody>
+          <a:bodyPr wrap="none" rtlCol="0">
+            <a:spAutoFit/>
+          </a:bodyPr>
+          <a:lstStyle/>
+          <a:p>
+            <a:r>
+              <a:rPr lang="en-US" altLang="ko-KR" sz="2400" dirty="0">
+                <a:solidFill>
+                  <a:schemeClr val="bg1"/>
+                </a:solidFill>
+                <a:latin typeface="나눔스퀘어" panose="020B0600000101010101" pitchFamily="50" charset="-127"/>
+                <a:ea typeface="나눔스퀘어" panose="020B0600000101010101" pitchFamily="50" charset="-127"/>
+              </a:rPr>
+              <a:t>Update()-&gt;</a:t>
+            </a:r>
+            <a:r>
+              <a:rPr lang="en-US" altLang="ko-KR" sz="2400" dirty="0" err="1">
+                <a:solidFill>
+                  <a:schemeClr val="bg1"/>
+                </a:solidFill>
+                <a:latin typeface="나눔스퀘어" panose="020B0600000101010101" pitchFamily="50" charset="-127"/>
+                <a:ea typeface="나눔스퀘어" panose="020B0600000101010101" pitchFamily="50" charset="-127"/>
+              </a:rPr>
+              <a:t>Init</a:t>
+            </a:r>
+            <a:r>
+              <a:rPr lang="en-US" altLang="ko-KR" sz="2400" dirty="0">
+                <a:solidFill>
+                  <a:schemeClr val="bg1"/>
+                </a:solidFill>
+                <a:latin typeface="나눔스퀘어" panose="020B0600000101010101" pitchFamily="50" charset="-127"/>
+                <a:ea typeface="나눔스퀘어" panose="020B0600000101010101" pitchFamily="50" charset="-127"/>
+              </a:rPr>
+              <a:t>()</a:t>
+            </a:r>
+          </a:p>
+        </p:txBody>
+      </p:sp>
+      <p:sp>
+        <p:nvSpPr>
+          <p:cNvPr id="16" name="TextBox 15">
+            <a:extLst>
+              <a:ext uri="{FF2B5EF4-FFF2-40B4-BE49-F238E27FC236}">
+                <a16:creationId xmlns:a16="http://schemas.microsoft.com/office/drawing/2014/main" id="{926ECD7D-6E70-40CC-8995-D65BE69344F7}"/>
+              </a:ext>
+            </a:extLst>
+          </p:cNvPr>
+          <p:cNvSpPr txBox="1"/>
+          <p:nvPr/>
+        </p:nvSpPr>
+        <p:spPr>
+          <a:xfrm>
+            <a:off x="5999661" y="5483437"/>
+            <a:ext cx="2901820" cy="461665"/>
+          </a:xfrm>
+          <a:prstGeom prst="rect">
+            <a:avLst/>
+          </a:prstGeom>
+          <a:noFill/>
+        </p:spPr>
+        <p:txBody>
+          <a:bodyPr wrap="none" rtlCol="0">
+            <a:spAutoFit/>
+          </a:bodyPr>
+          <a:lstStyle/>
+          <a:p>
+            <a:r>
+              <a:rPr lang="en-US" altLang="ko-KR" sz="2400" dirty="0" err="1">
+                <a:solidFill>
+                  <a:schemeClr val="bg1"/>
+                </a:solidFill>
+                <a:latin typeface="나눔스퀘어" panose="020B0600000101010101" pitchFamily="50" charset="-127"/>
+                <a:ea typeface="나눔스퀘어" panose="020B0600000101010101" pitchFamily="50" charset="-127"/>
+              </a:rPr>
+              <a:t>DeleteObject</a:t>
+            </a:r>
+            <a:r>
+              <a:rPr lang="en-US" altLang="ko-KR" sz="2400" dirty="0">
+                <a:solidFill>
+                  <a:schemeClr val="bg1"/>
+                </a:solidFill>
+                <a:latin typeface="나눔스퀘어" panose="020B0600000101010101" pitchFamily="50" charset="-127"/>
+                <a:ea typeface="나눔스퀘어" panose="020B0600000101010101" pitchFamily="50" charset="-127"/>
+              </a:rPr>
+              <a:t>(</a:t>
+            </a:r>
+            <a:r>
+              <a:rPr lang="en-US" altLang="ko-KR" sz="2400" dirty="0" err="1">
+                <a:solidFill>
+                  <a:schemeClr val="bg1"/>
+                </a:solidFill>
+                <a:latin typeface="나눔스퀘어" panose="020B0600000101010101" pitchFamily="50" charset="-127"/>
+                <a:ea typeface="나눔스퀘어" panose="020B0600000101010101" pitchFamily="50" charset="-127"/>
+              </a:rPr>
+              <a:t>oldbr</a:t>
+            </a:r>
+            <a:r>
+              <a:rPr lang="en-US" altLang="ko-KR" sz="2400" dirty="0">
+                <a:solidFill>
+                  <a:schemeClr val="bg1"/>
+                </a:solidFill>
+                <a:latin typeface="나눔스퀘어" panose="020B0600000101010101" pitchFamily="50" charset="-127"/>
+                <a:ea typeface="나눔스퀘어" panose="020B0600000101010101" pitchFamily="50" charset="-127"/>
+              </a:rPr>
+              <a:t>)</a:t>
+            </a:r>
+          </a:p>
+        </p:txBody>
+      </p:sp>
+      <p:sp>
+        <p:nvSpPr>
+          <p:cNvPr id="17" name="TextBox 16">
+            <a:extLst>
+              <a:ext uri="{FF2B5EF4-FFF2-40B4-BE49-F238E27FC236}">
+                <a16:creationId xmlns:a16="http://schemas.microsoft.com/office/drawing/2014/main" id="{A0FB18E3-686C-4293-BFC7-48C16A8AA076}"/>
+              </a:ext>
+            </a:extLst>
+          </p:cNvPr>
+          <p:cNvSpPr txBox="1"/>
+          <p:nvPr/>
+        </p:nvSpPr>
+        <p:spPr>
+          <a:xfrm>
+            <a:off x="423844" y="5144882"/>
+            <a:ext cx="2781531" cy="1138773"/>
+          </a:xfrm>
+          <a:prstGeom prst="rect">
+            <a:avLst/>
+          </a:prstGeom>
+          <a:noFill/>
+        </p:spPr>
+        <p:txBody>
+          <a:bodyPr wrap="none" rtlCol="0">
+            <a:spAutoFit/>
+          </a:bodyPr>
+          <a:lstStyle/>
+          <a:p>
+            <a:r>
+              <a:rPr lang="en-US" altLang="ko-KR" sz="2400" dirty="0">
+                <a:solidFill>
+                  <a:schemeClr val="bg1"/>
+                </a:solidFill>
+                <a:latin typeface="나눔스퀘어" panose="020B0600000101010101" pitchFamily="50" charset="-127"/>
+                <a:ea typeface="나눔스퀘어" panose="020B0600000101010101" pitchFamily="50" charset="-127"/>
+              </a:rPr>
+              <a:t>~</a:t>
+            </a:r>
+            <a:r>
+              <a:rPr lang="en-US" altLang="ko-KR" sz="2400" dirty="0" err="1">
+                <a:solidFill>
+                  <a:schemeClr val="bg1"/>
+                </a:solidFill>
+                <a:latin typeface="나눔스퀘어" panose="020B0600000101010101" pitchFamily="50" charset="-127"/>
+                <a:ea typeface="나눔스퀘어" panose="020B0600000101010101" pitchFamily="50" charset="-127"/>
+              </a:rPr>
+              <a:t>CEnemy</a:t>
+            </a:r>
+            <a:r>
+              <a:rPr lang="en-US" altLang="ko-KR" sz="2400" dirty="0">
+                <a:solidFill>
+                  <a:schemeClr val="bg1"/>
+                </a:solidFill>
+                <a:latin typeface="나눔스퀘어" panose="020B0600000101010101" pitchFamily="50" charset="-127"/>
+                <a:ea typeface="나눔스퀘어" panose="020B0600000101010101" pitchFamily="50" charset="-127"/>
+              </a:rPr>
+              <a:t>( )</a:t>
+            </a:r>
+          </a:p>
+          <a:p>
+            <a:r>
+              <a:rPr lang="en-US" altLang="ko-KR" sz="2400" dirty="0">
+                <a:solidFill>
+                  <a:schemeClr val="bg1"/>
+                </a:solidFill>
+                <a:latin typeface="나눔스퀘어" panose="020B0600000101010101" pitchFamily="50" charset="-127"/>
+                <a:ea typeface="나눔스퀘어" panose="020B0600000101010101" pitchFamily="50" charset="-127"/>
+              </a:rPr>
+              <a:t>	{delete </a:t>
+            </a:r>
+            <a:r>
+              <a:rPr lang="en-US" altLang="ko-KR" sz="2400" dirty="0" err="1">
+                <a:solidFill>
+                  <a:schemeClr val="bg1"/>
+                </a:solidFill>
+                <a:latin typeface="나눔스퀘어" panose="020B0600000101010101" pitchFamily="50" charset="-127"/>
+                <a:ea typeface="나눔스퀘어" panose="020B0600000101010101" pitchFamily="50" charset="-127"/>
+              </a:rPr>
+              <a:t>m_ptr</a:t>
+            </a:r>
+            <a:r>
+              <a:rPr lang="en-US" altLang="ko-KR" sz="2400" dirty="0">
+                <a:solidFill>
+                  <a:schemeClr val="bg1"/>
+                </a:solidFill>
+                <a:latin typeface="나눔스퀘어" panose="020B0600000101010101" pitchFamily="50" charset="-127"/>
+                <a:ea typeface="나눔스퀘어" panose="020B0600000101010101" pitchFamily="50" charset="-127"/>
+              </a:rPr>
+              <a:t>;}</a:t>
+            </a:r>
+          </a:p>
+          <a:p>
+            <a:r>
+              <a:rPr lang="ko-KR" altLang="en-US" sz="2000" dirty="0">
+                <a:solidFill>
+                  <a:schemeClr val="bg1"/>
+                </a:solidFill>
+                <a:latin typeface="나눔스퀘어 Light" panose="020B0600000101010101" pitchFamily="50" charset="-127"/>
+                <a:ea typeface="나눔스퀘어 Light" panose="020B0600000101010101" pitchFamily="50" charset="-127"/>
+              </a:rPr>
+              <a:t>와중에 복사생성하기</a:t>
+            </a:r>
+          </a:p>
+        </p:txBody>
+      </p:sp>
       <p:grpSp>
         <p:nvGrpSpPr>
-          <p:cNvPr id="18" name="그룹 17">
+          <p:cNvPr id="10" name="그룹 9">
             <a:extLst>
               <a:ext uri="{FF2B5EF4-FFF2-40B4-BE49-F238E27FC236}">
-                <a16:creationId xmlns:a16="http://schemas.microsoft.com/office/drawing/2014/main" id="{77740B90-95D4-4C2F-8B80-12A27300CE55}"/>
+                <a16:creationId xmlns:a16="http://schemas.microsoft.com/office/drawing/2014/main" id="{B167B1C7-95E5-468C-BC68-ECA67139C0C4}"/>
               </a:ext>
             </a:extLst>
           </p:cNvPr>
@@ -6094,78 +6564,18 @@
         </p:nvGrpSpPr>
         <p:grpSpPr>
           <a:xfrm>
-            <a:off x="2652810" y="1504757"/>
-            <a:ext cx="3773025" cy="3641351"/>
-            <a:chOff x="2505855" y="1526382"/>
-            <a:chExt cx="4077826" cy="3935515"/>
+            <a:off x="2385905" y="1432805"/>
+            <a:ext cx="4271319" cy="4281463"/>
+            <a:chOff x="-1572508" y="-409499"/>
+            <a:chExt cx="6193706" cy="6208415"/>
           </a:xfrm>
         </p:grpSpPr>
         <p:sp>
           <p:nvSpPr>
-            <p:cNvPr id="8" name="TextBox 7">
+            <p:cNvPr id="11" name="타원 10">
               <a:extLst>
                 <a:ext uri="{FF2B5EF4-FFF2-40B4-BE49-F238E27FC236}">
-                  <a16:creationId xmlns:a16="http://schemas.microsoft.com/office/drawing/2014/main" id="{E81B216D-3A18-4FF8-BEAB-EC2C29C8460E}"/>
-                </a:ext>
-              </a:extLst>
-            </p:cNvPr>
-            <p:cNvSpPr txBox="1"/>
-            <p:nvPr/>
-          </p:nvSpPr>
-          <p:spPr>
-            <a:xfrm>
-              <a:off x="3613375" y="2813552"/>
-              <a:ext cx="1862785" cy="1929312"/>
-            </a:xfrm>
-            <a:prstGeom prst="rect">
-              <a:avLst/>
-            </a:prstGeom>
-            <a:noFill/>
-          </p:spPr>
-          <p:txBody>
-            <a:bodyPr wrap="none" rtlCol="0">
-              <a:spAutoFit/>
-            </a:bodyPr>
-            <a:lstStyle/>
-            <a:p>
-              <a:r>
-                <a:rPr lang="ko-KR" altLang="en-US" sz="4400" dirty="0">
-                  <a:solidFill>
-                    <a:schemeClr val="bg1"/>
-                  </a:solidFill>
-                  <a:latin typeface="나눔스퀘어 Light" panose="020B0600000101010101" pitchFamily="50" charset="-127"/>
-                  <a:ea typeface="나눔스퀘어 Light" panose="020B0600000101010101" pitchFamily="50" charset="-127"/>
-                </a:rPr>
-                <a:t>오늘의</a:t>
-              </a:r>
-              <a:endParaRPr lang="en-US" altLang="ko-KR" sz="4400" dirty="0">
-                <a:solidFill>
-                  <a:schemeClr val="bg1"/>
-                </a:solidFill>
-                <a:latin typeface="나눔스퀘어 Light" panose="020B0600000101010101" pitchFamily="50" charset="-127"/>
-                <a:ea typeface="나눔스퀘어 Light" panose="020B0600000101010101" pitchFamily="50" charset="-127"/>
-              </a:endParaRPr>
-            </a:p>
-            <a:p>
-              <a:r>
-                <a:rPr lang="ko-KR" altLang="en-US" sz="6600" dirty="0">
-                  <a:solidFill>
-                    <a:schemeClr val="bg1"/>
-                  </a:solidFill>
-                  <a:latin typeface="나눔스퀘어 Light" panose="020B0600000101010101" pitchFamily="50" charset="-127"/>
-                  <a:ea typeface="나눔스퀘어 Light" panose="020B0600000101010101" pitchFamily="50" charset="-127"/>
-                </a:rPr>
-                <a:t>코딩</a:t>
-              </a:r>
-            </a:p>
-          </p:txBody>
-        </p:sp>
-        <p:sp>
-          <p:nvSpPr>
-            <p:cNvPr id="2" name="오각형 1">
-              <a:extLst>
-                <a:ext uri="{FF2B5EF4-FFF2-40B4-BE49-F238E27FC236}">
-                  <a16:creationId xmlns:a16="http://schemas.microsoft.com/office/drawing/2014/main" id="{D83B2FF3-4143-4CEB-9CA9-DFCB020389BC}"/>
+                  <a16:creationId xmlns:a16="http://schemas.microsoft.com/office/drawing/2014/main" id="{ACB9E004-CABA-4179-8074-0A33725E1FAC}"/>
                 </a:ext>
               </a:extLst>
             </p:cNvPr>
@@ -6174,17 +6584,47 @@
           </p:nvSpPr>
           <p:spPr>
             <a:xfrm>
-              <a:off x="2505855" y="1526382"/>
-              <a:ext cx="4077826" cy="3935515"/>
+              <a:off x="-1218601" y="-162445"/>
+              <a:ext cx="5839799" cy="5707078"/>
             </a:xfrm>
-            <a:prstGeom prst="pentagon">
+            <a:prstGeom prst="ellipse">
               <a:avLst/>
             </a:prstGeom>
             <a:noFill/>
-            <a:ln w="28575">
-              <a:solidFill>
-                <a:schemeClr val="bg1"/>
-              </a:solidFill>
+            <a:ln w="19050">
+              <a:gradFill>
+                <a:gsLst>
+                  <a:gs pos="0">
+                    <a:schemeClr val="accent1">
+                      <a:lumMod val="5000"/>
+                      <a:lumOff val="95000"/>
+                      <a:alpha val="50000"/>
+                    </a:schemeClr>
+                  </a:gs>
+                  <a:gs pos="74000">
+                    <a:schemeClr val="accent1">
+                      <a:lumMod val="45000"/>
+                      <a:lumOff val="55000"/>
+                      <a:alpha val="50000"/>
+                    </a:schemeClr>
+                  </a:gs>
+                  <a:gs pos="83000">
+                    <a:schemeClr val="accent1">
+                      <a:lumMod val="45000"/>
+                      <a:lumOff val="55000"/>
+                      <a:alpha val="50000"/>
+                    </a:schemeClr>
+                  </a:gs>
+                  <a:gs pos="100000">
+                    <a:schemeClr val="accent1">
+                      <a:lumMod val="30000"/>
+                      <a:lumOff val="70000"/>
+                      <a:alpha val="50000"/>
+                    </a:schemeClr>
+                  </a:gs>
+                </a:gsLst>
+                <a:lin ang="5400000" scaled="1"/>
+              </a:gradFill>
             </a:ln>
           </p:spPr>
           <p:style>
@@ -6208,357 +6648,154 @@
             <a:lstStyle/>
             <a:p>
               <a:pPr algn="ctr"/>
-              <a:endParaRPr lang="ko-KR" altLang="en-US"/>
+              <a:endParaRPr lang="en-US" altLang="ko-KR" dirty="0">
+                <a:latin typeface="나눔스퀘어 Light" panose="020B0600000101010101" pitchFamily="50" charset="-127"/>
+                <a:ea typeface="나눔스퀘어 Light" panose="020B0600000101010101" pitchFamily="50" charset="-127"/>
+              </a:endParaRPr>
+            </a:p>
+            <a:p>
+              <a:pPr algn="ctr"/>
+              <a:endParaRPr lang="ko-KR" altLang="en-US" dirty="0">
+                <a:latin typeface="나눔스퀘어 Light" panose="020B0600000101010101" pitchFamily="50" charset="-127"/>
+                <a:ea typeface="나눔스퀘어 Light" panose="020B0600000101010101" pitchFamily="50" charset="-127"/>
+              </a:endParaRPr>
+            </a:p>
+          </p:txBody>
+        </p:sp>
+        <p:sp>
+          <p:nvSpPr>
+            <p:cNvPr id="12" name="타원 11">
+              <a:extLst>
+                <a:ext uri="{FF2B5EF4-FFF2-40B4-BE49-F238E27FC236}">
+                  <a16:creationId xmlns:a16="http://schemas.microsoft.com/office/drawing/2014/main" id="{E9CF1B7F-33F2-4D64-B482-89CC04321643}"/>
+                </a:ext>
+              </a:extLst>
+            </p:cNvPr>
+            <p:cNvSpPr/>
+            <p:nvPr/>
+          </p:nvSpPr>
+          <p:spPr>
+            <a:xfrm>
+              <a:off x="-1572508" y="114575"/>
+              <a:ext cx="5816534" cy="5684341"/>
+            </a:xfrm>
+            <a:prstGeom prst="ellipse">
+              <a:avLst/>
+            </a:prstGeom>
+            <a:noFill/>
+            <a:ln w="19050">
+              <a:gradFill flip="none" rotWithShape="1">
+                <a:gsLst>
+                  <a:gs pos="0">
+                    <a:srgbClr val="FFC000">
+                      <a:alpha val="50000"/>
+                    </a:srgbClr>
+                  </a:gs>
+                  <a:gs pos="100000">
+                    <a:srgbClr val="FF0000">
+                      <a:alpha val="50000"/>
+                    </a:srgbClr>
+                  </a:gs>
+                </a:gsLst>
+                <a:lin ang="16200000" scaled="1"/>
+                <a:tileRect/>
+              </a:gradFill>
+            </a:ln>
+          </p:spPr>
+          <p:style>
+            <a:lnRef idx="2">
+              <a:schemeClr val="accent1">
+                <a:shade val="50000"/>
+              </a:schemeClr>
+            </a:lnRef>
+            <a:fillRef idx="1">
+              <a:schemeClr val="accent1"/>
+            </a:fillRef>
+            <a:effectRef idx="0">
+              <a:schemeClr val="accent1"/>
+            </a:effectRef>
+            <a:fontRef idx="minor">
+              <a:schemeClr val="lt1"/>
+            </a:fontRef>
+          </p:style>
+          <p:txBody>
+            <a:bodyPr rtlCol="0" anchor="ctr"/>
+            <a:lstStyle/>
+            <a:p>
+              <a:pPr algn="ctr"/>
+              <a:endParaRPr lang="ko-KR" altLang="en-US" dirty="0"/>
+            </a:p>
+          </p:txBody>
+        </p:sp>
+        <p:sp>
+          <p:nvSpPr>
+            <p:cNvPr id="19" name="타원 18">
+              <a:extLst>
+                <a:ext uri="{FF2B5EF4-FFF2-40B4-BE49-F238E27FC236}">
+                  <a16:creationId xmlns:a16="http://schemas.microsoft.com/office/drawing/2014/main" id="{2612A20E-B8FE-48A7-9D74-148870FF165D}"/>
+                </a:ext>
+              </a:extLst>
+            </p:cNvPr>
+            <p:cNvSpPr/>
+            <p:nvPr/>
+          </p:nvSpPr>
+          <p:spPr>
+            <a:xfrm>
+              <a:off x="-999593" y="-409499"/>
+              <a:ext cx="5152825" cy="5684341"/>
+            </a:xfrm>
+            <a:prstGeom prst="ellipse">
+              <a:avLst/>
+            </a:prstGeom>
+            <a:noFill/>
+            <a:ln w="19050">
+              <a:gradFill flip="none" rotWithShape="1">
+                <a:gsLst>
+                  <a:gs pos="0">
+                    <a:srgbClr val="FFDF79">
+                      <a:alpha val="50000"/>
+                    </a:srgbClr>
+                  </a:gs>
+                  <a:gs pos="100000">
+                    <a:srgbClr val="FF5B5B">
+                      <a:alpha val="50000"/>
+                    </a:srgbClr>
+                  </a:gs>
+                </a:gsLst>
+                <a:lin ang="16200000" scaled="1"/>
+                <a:tileRect/>
+              </a:gradFill>
+            </a:ln>
+          </p:spPr>
+          <p:style>
+            <a:lnRef idx="2">
+              <a:schemeClr val="accent1">
+                <a:shade val="50000"/>
+              </a:schemeClr>
+            </a:lnRef>
+            <a:fillRef idx="1">
+              <a:schemeClr val="accent1"/>
+            </a:fillRef>
+            <a:effectRef idx="0">
+              <a:schemeClr val="accent1"/>
+            </a:effectRef>
+            <a:fontRef idx="minor">
+              <a:schemeClr val="lt1"/>
+            </a:fontRef>
+          </p:style>
+          <p:txBody>
+            <a:bodyPr rtlCol="0" anchor="ctr"/>
+            <a:lstStyle/>
+            <a:p>
+              <a:pPr algn="ctr"/>
+              <a:endParaRPr lang="ko-KR" altLang="en-US" dirty="0">
+                <a:latin typeface="나눔스퀘어 Light" panose="020B0600000101010101" pitchFamily="50" charset="-127"/>
+                <a:ea typeface="나눔스퀘어 Light" panose="020B0600000101010101" pitchFamily="50" charset="-127"/>
+              </a:endParaRPr>
             </a:p>
           </p:txBody>
         </p:sp>
       </p:grpSp>
-      <p:sp>
-        <p:nvSpPr>
-          <p:cNvPr id="13" name="TextBox 12">
-            <a:extLst>
-              <a:ext uri="{FF2B5EF4-FFF2-40B4-BE49-F238E27FC236}">
-                <a16:creationId xmlns:a16="http://schemas.microsoft.com/office/drawing/2014/main" id="{FB588FD0-59B7-4EF3-97AB-BE724015169D}"/>
-              </a:ext>
-            </a:extLst>
-          </p:cNvPr>
-          <p:cNvSpPr txBox="1"/>
-          <p:nvPr/>
-        </p:nvSpPr>
-        <p:spPr>
-          <a:xfrm>
-            <a:off x="3449215" y="705762"/>
-            <a:ext cx="2180212" cy="461665"/>
-          </a:xfrm>
-          <a:prstGeom prst="rect">
-            <a:avLst/>
-          </a:prstGeom>
-          <a:noFill/>
-        </p:spPr>
-        <p:txBody>
-          <a:bodyPr wrap="none" rtlCol="0">
-            <a:spAutoFit/>
-          </a:bodyPr>
-          <a:lstStyle/>
-          <a:p>
-            <a:r>
-              <a:rPr lang="en-US" altLang="ko-KR" sz="2400" dirty="0">
-                <a:solidFill>
-                  <a:schemeClr val="bg1"/>
-                </a:solidFill>
-                <a:latin typeface="나눔스퀘어" panose="020B0600000101010101" pitchFamily="50" charset="-127"/>
-                <a:ea typeface="나눔스퀘어" panose="020B0600000101010101" pitchFamily="50" charset="-127"/>
-              </a:rPr>
-              <a:t>HELP, </a:t>
-            </a:r>
-            <a:r>
-              <a:rPr lang="en-US" altLang="ko-KR" sz="2400" dirty="0" err="1">
-                <a:solidFill>
-                  <a:schemeClr val="bg1"/>
-                </a:solidFill>
-                <a:latin typeface="나눔스퀘어" panose="020B0600000101010101" pitchFamily="50" charset="-127"/>
-                <a:ea typeface="나눔스퀘어" panose="020B0600000101010101" pitchFamily="50" charset="-127"/>
-              </a:rPr>
-              <a:t>Resorce</a:t>
-            </a:r>
-            <a:endParaRPr lang="ko-KR" altLang="en-US" sz="2400" dirty="0">
-              <a:solidFill>
-                <a:schemeClr val="bg1"/>
-              </a:solidFill>
-              <a:latin typeface="나눔스퀘어" panose="020B0600000101010101" pitchFamily="50" charset="-127"/>
-              <a:ea typeface="나눔스퀘어" panose="020B0600000101010101" pitchFamily="50" charset="-127"/>
-            </a:endParaRPr>
-          </a:p>
-        </p:txBody>
-      </p:sp>
-      <p:sp>
-        <p:nvSpPr>
-          <p:cNvPr id="14" name="TextBox 13">
-            <a:extLst>
-              <a:ext uri="{FF2B5EF4-FFF2-40B4-BE49-F238E27FC236}">
-                <a16:creationId xmlns:a16="http://schemas.microsoft.com/office/drawing/2014/main" id="{B052A68F-8E0C-4D74-8016-96DF8F829F4F}"/>
-              </a:ext>
-            </a:extLst>
-          </p:cNvPr>
-          <p:cNvSpPr txBox="1"/>
-          <p:nvPr/>
-        </p:nvSpPr>
-        <p:spPr>
-          <a:xfrm>
-            <a:off x="6601557" y="2234051"/>
-            <a:ext cx="1698029" cy="461665"/>
-          </a:xfrm>
-          <a:prstGeom prst="rect">
-            <a:avLst/>
-          </a:prstGeom>
-          <a:noFill/>
-        </p:spPr>
-        <p:txBody>
-          <a:bodyPr wrap="none" rtlCol="0">
-            <a:spAutoFit/>
-          </a:bodyPr>
-          <a:lstStyle/>
-          <a:p>
-            <a:r>
-              <a:rPr lang="ko-KR" altLang="en-US" sz="2400" dirty="0">
-                <a:solidFill>
-                  <a:schemeClr val="bg1"/>
-                </a:solidFill>
-                <a:latin typeface="나눔스퀘어" panose="020B0600000101010101" pitchFamily="50" charset="-127"/>
-                <a:ea typeface="나눔스퀘어" panose="020B0600000101010101" pitchFamily="50" charset="-127"/>
-              </a:rPr>
-              <a:t>쓰레기 </a:t>
-            </a:r>
-            <a:r>
-              <a:rPr lang="en-US" altLang="ko-KR" sz="2400" dirty="0">
-                <a:solidFill>
-                  <a:schemeClr val="bg1"/>
-                </a:solidFill>
-                <a:latin typeface="나눔스퀘어" panose="020B0600000101010101" pitchFamily="50" charset="-127"/>
-                <a:ea typeface="나눔스퀘어" panose="020B0600000101010101" pitchFamily="50" charset="-127"/>
-              </a:rPr>
-              <a:t>bool</a:t>
-            </a:r>
-          </a:p>
-        </p:txBody>
-      </p:sp>
-      <p:sp>
-        <p:nvSpPr>
-          <p:cNvPr id="15" name="TextBox 14">
-            <a:extLst>
-              <a:ext uri="{FF2B5EF4-FFF2-40B4-BE49-F238E27FC236}">
-                <a16:creationId xmlns:a16="http://schemas.microsoft.com/office/drawing/2014/main" id="{FDCBA970-50A3-4CFD-847C-1548E1F6015F}"/>
-              </a:ext>
-            </a:extLst>
-          </p:cNvPr>
-          <p:cNvSpPr txBox="1"/>
-          <p:nvPr/>
-        </p:nvSpPr>
-        <p:spPr>
-          <a:xfrm>
-            <a:off x="142731" y="2234050"/>
-            <a:ext cx="2334357" cy="461665"/>
-          </a:xfrm>
-          <a:prstGeom prst="rect">
-            <a:avLst/>
-          </a:prstGeom>
-          <a:noFill/>
-        </p:spPr>
-        <p:txBody>
-          <a:bodyPr wrap="none" rtlCol="0">
-            <a:spAutoFit/>
-          </a:bodyPr>
-          <a:lstStyle/>
-          <a:p>
-            <a:r>
-              <a:rPr lang="en-US" altLang="ko-KR" sz="2400" dirty="0">
-                <a:solidFill>
-                  <a:schemeClr val="bg1"/>
-                </a:solidFill>
-                <a:latin typeface="나눔스퀘어" panose="020B0600000101010101" pitchFamily="50" charset="-127"/>
-                <a:ea typeface="나눔스퀘어" panose="020B0600000101010101" pitchFamily="50" charset="-127"/>
-              </a:rPr>
-              <a:t>Update()-&gt;</a:t>
-            </a:r>
-            <a:r>
-              <a:rPr lang="en-US" altLang="ko-KR" sz="2400" dirty="0" err="1">
-                <a:solidFill>
-                  <a:schemeClr val="bg1"/>
-                </a:solidFill>
-                <a:latin typeface="나눔스퀘어" panose="020B0600000101010101" pitchFamily="50" charset="-127"/>
-                <a:ea typeface="나눔스퀘어" panose="020B0600000101010101" pitchFamily="50" charset="-127"/>
-              </a:rPr>
-              <a:t>Init</a:t>
-            </a:r>
-            <a:r>
-              <a:rPr lang="en-US" altLang="ko-KR" sz="2400" dirty="0">
-                <a:solidFill>
-                  <a:schemeClr val="bg1"/>
-                </a:solidFill>
-                <a:latin typeface="나눔스퀘어" panose="020B0600000101010101" pitchFamily="50" charset="-127"/>
-                <a:ea typeface="나눔스퀘어" panose="020B0600000101010101" pitchFamily="50" charset="-127"/>
-              </a:rPr>
-              <a:t>()</a:t>
-            </a:r>
-          </a:p>
-        </p:txBody>
-      </p:sp>
-      <p:sp>
-        <p:nvSpPr>
-          <p:cNvPr id="16" name="TextBox 15">
-            <a:extLst>
-              <a:ext uri="{FF2B5EF4-FFF2-40B4-BE49-F238E27FC236}">
-                <a16:creationId xmlns:a16="http://schemas.microsoft.com/office/drawing/2014/main" id="{926ECD7D-6E70-40CC-8995-D65BE69344F7}"/>
-              </a:ext>
-            </a:extLst>
-          </p:cNvPr>
-          <p:cNvSpPr txBox="1"/>
-          <p:nvPr/>
-        </p:nvSpPr>
-        <p:spPr>
-          <a:xfrm>
-            <a:off x="5999661" y="5483437"/>
-            <a:ext cx="2901820" cy="461665"/>
-          </a:xfrm>
-          <a:prstGeom prst="rect">
-            <a:avLst/>
-          </a:prstGeom>
-          <a:noFill/>
-        </p:spPr>
-        <p:txBody>
-          <a:bodyPr wrap="none" rtlCol="0">
-            <a:spAutoFit/>
-          </a:bodyPr>
-          <a:lstStyle/>
-          <a:p>
-            <a:r>
-              <a:rPr lang="en-US" altLang="ko-KR" sz="2400" dirty="0" err="1">
-                <a:solidFill>
-                  <a:schemeClr val="bg1"/>
-                </a:solidFill>
-                <a:latin typeface="나눔스퀘어" panose="020B0600000101010101" pitchFamily="50" charset="-127"/>
-                <a:ea typeface="나눔스퀘어" panose="020B0600000101010101" pitchFamily="50" charset="-127"/>
-              </a:rPr>
-              <a:t>DeleteObject</a:t>
-            </a:r>
-            <a:r>
-              <a:rPr lang="en-US" altLang="ko-KR" sz="2400" dirty="0">
-                <a:solidFill>
-                  <a:schemeClr val="bg1"/>
-                </a:solidFill>
-                <a:latin typeface="나눔스퀘어" panose="020B0600000101010101" pitchFamily="50" charset="-127"/>
-                <a:ea typeface="나눔스퀘어" panose="020B0600000101010101" pitchFamily="50" charset="-127"/>
-              </a:rPr>
-              <a:t>(</a:t>
-            </a:r>
-            <a:r>
-              <a:rPr lang="en-US" altLang="ko-KR" sz="2400" dirty="0" err="1">
-                <a:solidFill>
-                  <a:schemeClr val="bg1"/>
-                </a:solidFill>
-                <a:latin typeface="나눔스퀘어" panose="020B0600000101010101" pitchFamily="50" charset="-127"/>
-                <a:ea typeface="나눔스퀘어" panose="020B0600000101010101" pitchFamily="50" charset="-127"/>
-              </a:rPr>
-              <a:t>oldbr</a:t>
-            </a:r>
-            <a:r>
-              <a:rPr lang="en-US" altLang="ko-KR" sz="2400" dirty="0">
-                <a:solidFill>
-                  <a:schemeClr val="bg1"/>
-                </a:solidFill>
-                <a:latin typeface="나눔스퀘어" panose="020B0600000101010101" pitchFamily="50" charset="-127"/>
-                <a:ea typeface="나눔스퀘어" panose="020B0600000101010101" pitchFamily="50" charset="-127"/>
-              </a:rPr>
-              <a:t>)</a:t>
-            </a:r>
-          </a:p>
-        </p:txBody>
-      </p:sp>
-      <p:sp>
-        <p:nvSpPr>
-          <p:cNvPr id="17" name="TextBox 16">
-            <a:extLst>
-              <a:ext uri="{FF2B5EF4-FFF2-40B4-BE49-F238E27FC236}">
-                <a16:creationId xmlns:a16="http://schemas.microsoft.com/office/drawing/2014/main" id="{A0FB18E3-686C-4293-BFC7-48C16A8AA076}"/>
-              </a:ext>
-            </a:extLst>
-          </p:cNvPr>
-          <p:cNvSpPr txBox="1"/>
-          <p:nvPr/>
-        </p:nvSpPr>
-        <p:spPr>
-          <a:xfrm>
-            <a:off x="423844" y="5144882"/>
-            <a:ext cx="2781531" cy="1138773"/>
-          </a:xfrm>
-          <a:prstGeom prst="rect">
-            <a:avLst/>
-          </a:prstGeom>
-          <a:noFill/>
-        </p:spPr>
-        <p:txBody>
-          <a:bodyPr wrap="none" rtlCol="0">
-            <a:spAutoFit/>
-          </a:bodyPr>
-          <a:lstStyle/>
-          <a:p>
-            <a:r>
-              <a:rPr lang="en-US" altLang="ko-KR" sz="2400" dirty="0">
-                <a:solidFill>
-                  <a:schemeClr val="bg1"/>
-                </a:solidFill>
-                <a:latin typeface="나눔스퀘어" panose="020B0600000101010101" pitchFamily="50" charset="-127"/>
-                <a:ea typeface="나눔스퀘어" panose="020B0600000101010101" pitchFamily="50" charset="-127"/>
-              </a:rPr>
-              <a:t>~</a:t>
-            </a:r>
-            <a:r>
-              <a:rPr lang="en-US" altLang="ko-KR" sz="2400" dirty="0" err="1">
-                <a:solidFill>
-                  <a:schemeClr val="bg1"/>
-                </a:solidFill>
-                <a:latin typeface="나눔스퀘어" panose="020B0600000101010101" pitchFamily="50" charset="-127"/>
-                <a:ea typeface="나눔스퀘어" panose="020B0600000101010101" pitchFamily="50" charset="-127"/>
-              </a:rPr>
-              <a:t>CEnemy</a:t>
-            </a:r>
-            <a:r>
-              <a:rPr lang="en-US" altLang="ko-KR" sz="2400" dirty="0">
-                <a:solidFill>
-                  <a:schemeClr val="bg1"/>
-                </a:solidFill>
-                <a:latin typeface="나눔스퀘어" panose="020B0600000101010101" pitchFamily="50" charset="-127"/>
-                <a:ea typeface="나눔스퀘어" panose="020B0600000101010101" pitchFamily="50" charset="-127"/>
-              </a:rPr>
-              <a:t>( )</a:t>
-            </a:r>
-          </a:p>
-          <a:p>
-            <a:r>
-              <a:rPr lang="en-US" altLang="ko-KR" sz="2400" dirty="0">
-                <a:solidFill>
-                  <a:schemeClr val="bg1"/>
-                </a:solidFill>
-                <a:latin typeface="나눔스퀘어" panose="020B0600000101010101" pitchFamily="50" charset="-127"/>
-                <a:ea typeface="나눔스퀘어" panose="020B0600000101010101" pitchFamily="50" charset="-127"/>
-              </a:rPr>
-              <a:t>	{delete </a:t>
-            </a:r>
-            <a:r>
-              <a:rPr lang="en-US" altLang="ko-KR" sz="2400" dirty="0" err="1">
-                <a:solidFill>
-                  <a:schemeClr val="bg1"/>
-                </a:solidFill>
-                <a:latin typeface="나눔스퀘어" panose="020B0600000101010101" pitchFamily="50" charset="-127"/>
-                <a:ea typeface="나눔스퀘어" panose="020B0600000101010101" pitchFamily="50" charset="-127"/>
-              </a:rPr>
-              <a:t>m_ptr</a:t>
-            </a:r>
-            <a:r>
-              <a:rPr lang="en-US" altLang="ko-KR" sz="2400" dirty="0">
-                <a:solidFill>
-                  <a:schemeClr val="bg1"/>
-                </a:solidFill>
-                <a:latin typeface="나눔스퀘어" panose="020B0600000101010101" pitchFamily="50" charset="-127"/>
-                <a:ea typeface="나눔스퀘어" panose="020B0600000101010101" pitchFamily="50" charset="-127"/>
-              </a:rPr>
-              <a:t>;}</a:t>
-            </a:r>
-          </a:p>
-          <a:p>
-            <a:r>
-              <a:rPr lang="ko-KR" altLang="en-US" sz="2000" dirty="0">
-                <a:solidFill>
-                  <a:schemeClr val="bg1"/>
-                </a:solidFill>
-                <a:latin typeface="나눔스퀘어 Light" panose="020B0600000101010101" pitchFamily="50" charset="-127"/>
-                <a:ea typeface="나눔스퀘어 Light" panose="020B0600000101010101" pitchFamily="50" charset="-127"/>
-              </a:rPr>
-              <a:t>와중에 복사생성하기</a:t>
-            </a:r>
-          </a:p>
-        </p:txBody>
-      </p:sp>
     </p:spTree>
     <p:extLst>
       <p:ext uri="{BB962C8B-B14F-4D97-AF65-F5344CB8AC3E}">
@@ -6608,7 +6845,7 @@
         </p:nvSpPr>
         <p:spPr>
           <a:xfrm>
-            <a:off x="557526" y="2908529"/>
+            <a:off x="527046" y="2908529"/>
             <a:ext cx="2014013" cy="1015663"/>
           </a:xfrm>
           <a:prstGeom prst="rect">
@@ -7003,6 +7240,55 @@
       </p:grpSpPr>
       <p:sp>
         <p:nvSpPr>
+          <p:cNvPr id="18" name="직사각형 17"/>
+          <p:cNvSpPr/>
+          <p:nvPr/>
+        </p:nvSpPr>
+        <p:spPr>
+          <a:xfrm rot="20700000">
+            <a:off x="-1829960" y="1179248"/>
+            <a:ext cx="12986795" cy="5392260"/>
+          </a:xfrm>
+          <a:prstGeom prst="rect">
+            <a:avLst/>
+          </a:prstGeom>
+          <a:solidFill>
+            <a:schemeClr val="bg1">
+              <a:lumMod val="50000"/>
+              <a:alpha val="10000"/>
+            </a:schemeClr>
+          </a:solidFill>
+          <a:ln>
+            <a:noFill/>
+          </a:ln>
+        </p:spPr>
+        <p:style>
+          <a:lnRef idx="2">
+            <a:schemeClr val="accent1">
+              <a:shade val="50000"/>
+            </a:schemeClr>
+          </a:lnRef>
+          <a:fillRef idx="1">
+            <a:schemeClr val="accent1"/>
+          </a:fillRef>
+          <a:effectRef idx="0">
+            <a:schemeClr val="accent1"/>
+          </a:effectRef>
+          <a:fontRef idx="minor">
+            <a:schemeClr val="lt1"/>
+          </a:fontRef>
+        </p:style>
+        <p:txBody>
+          <a:bodyPr rtlCol="0" anchor="ctr"/>
+          <a:lstStyle/>
+          <a:p>
+            <a:pPr algn="ctr"/>
+            <a:endParaRPr lang="ko-KR" altLang="en-US" dirty="0"/>
+          </a:p>
+        </p:txBody>
+      </p:sp>
+      <p:sp>
+        <p:nvSpPr>
           <p:cNvPr id="9" name="TextBox 8"/>
           <p:cNvSpPr txBox="1"/>
           <p:nvPr/>
@@ -7045,7 +7331,7 @@
         <p:spPr>
           <a:xfrm>
             <a:off x="674235" y="2075283"/>
-            <a:ext cx="3744936" cy="3046988"/>
+            <a:ext cx="5654112" cy="3046988"/>
           </a:xfrm>
           <a:prstGeom prst="rect">
             <a:avLst/>
@@ -7171,7 +7457,27 @@
                 <a:latin typeface="나눔스퀘어 Light" panose="020B0600000101010101" pitchFamily="50" charset="-127"/>
                 <a:ea typeface="나눔스퀘어 Light" panose="020B0600000101010101" pitchFamily="50" charset="-127"/>
               </a:rPr>
-              <a:t>행성방어</a:t>
+              <a:t>행성방어 </a:t>
+            </a:r>
+            <a:r>
+              <a:rPr lang="en-US" altLang="ko-KR" sz="3200" dirty="0">
+                <a:solidFill>
+                  <a:schemeClr val="bg1"/>
+                </a:solidFill>
+                <a:latin typeface="나눔스퀘어 Light" panose="020B0600000101010101" pitchFamily="50" charset="-127"/>
+                <a:ea typeface="나눔스퀘어 Light" panose="020B0600000101010101" pitchFamily="50" charset="-127"/>
+              </a:rPr>
+              <a:t>&amp; </a:t>
+            </a:r>
+            <a:r>
+              <a:rPr lang="ko-KR" altLang="en-US" sz="3200" dirty="0">
+                <a:solidFill>
+                  <a:schemeClr val="bg1"/>
+                </a:solidFill>
+                <a:latin typeface="나눔스퀘어 Light" panose="020B0600000101010101" pitchFamily="50" charset="-127"/>
+                <a:ea typeface="나눔스퀘어 Light" panose="020B0600000101010101" pitchFamily="50" charset="-127"/>
+              </a:rPr>
+              <a:t>소행성파괴</a:t>
             </a:r>
             <a:endParaRPr lang="en-US" altLang="ko-KR" sz="3200" dirty="0">
               <a:solidFill>
@@ -7182,32 +7488,51 @@
             </a:endParaRPr>
           </a:p>
           <a:p>
-            <a:pPr>
+            <a:pPr marL="571500" lvl="0" indent="-571500">
               <a:lnSpc>
                 <a:spcPct val="150000"/>
               </a:lnSpc>
               <a:buSzPct val="80000"/>
+              <a:buFont typeface="Wingdings" panose="05000000000000000000" pitchFamily="2" charset="2"/>
+              <a:buChar char="§"/>
             </a:pPr>
             <a:r>
+              <a:rPr lang="ko-KR" altLang="en-US" sz="3200" dirty="0">
+                <a:solidFill>
+                  <a:prstClr val="white"/>
+                </a:solidFill>
+                <a:latin typeface="나눔스퀘어 Light" panose="020B0600000101010101" pitchFamily="50" charset="-127"/>
+                <a:ea typeface="나눔스퀘어 Light" panose="020B0600000101010101" pitchFamily="50" charset="-127"/>
+              </a:rPr>
+              <a:t>특징 </a:t>
+            </a:r>
+            <a:r>
               <a:rPr lang="en-US" altLang="ko-KR" sz="3200" dirty="0">
                 <a:solidFill>
-                  <a:schemeClr val="bg1"/>
-                </a:solidFill>
-                <a:latin typeface="나눔스퀘어 Light" panose="020B0600000101010101" pitchFamily="50" charset="-127"/>
-                <a:ea typeface="나눔스퀘어 Light" panose="020B0600000101010101" pitchFamily="50" charset="-127"/>
-              </a:rPr>
-              <a:t>			  </a:t>
+                  <a:prstClr val="white"/>
+                </a:solidFill>
+                <a:latin typeface="나눔스퀘어 Light" panose="020B0600000101010101" pitchFamily="50" charset="-127"/>
+                <a:ea typeface="나눔스퀘어 Light" panose="020B0600000101010101" pitchFamily="50" charset="-127"/>
+              </a:rPr>
+              <a:t>: </a:t>
             </a:r>
             <a:r>
               <a:rPr lang="ko-KR" altLang="en-US" sz="3200" dirty="0">
                 <a:solidFill>
-                  <a:schemeClr val="bg1"/>
-                </a:solidFill>
-                <a:latin typeface="나눔스퀘어 Light" panose="020B0600000101010101" pitchFamily="50" charset="-127"/>
-                <a:ea typeface="나눔스퀘어 Light" panose="020B0600000101010101" pitchFamily="50" charset="-127"/>
-              </a:rPr>
-              <a:t>소행성파괴</a:t>
-            </a:r>
+                  <a:prstClr val="white"/>
+                </a:solidFill>
+                <a:latin typeface="나눔스퀘어 Light" panose="020B0600000101010101" pitchFamily="50" charset="-127"/>
+                <a:ea typeface="나눔스퀘어 Light" panose="020B0600000101010101" pitchFamily="50" charset="-127"/>
+              </a:rPr>
+              <a:t>회전</a:t>
+            </a:r>
+            <a:endParaRPr lang="ko-KR" altLang="en-US" sz="3200" dirty="0">
+              <a:solidFill>
+                <a:schemeClr val="bg1"/>
+              </a:solidFill>
+              <a:latin typeface="나눔스퀘어 Light" panose="020B0600000101010101" pitchFamily="50" charset="-127"/>
+              <a:ea typeface="나눔스퀘어 Light" panose="020B0600000101010101" pitchFamily="50" charset="-127"/>
+            </a:endParaRPr>
           </a:p>
         </p:txBody>
       </p:sp>
@@ -7439,55 +7764,6 @@
           </p:txBody>
         </p:sp>
       </p:grpSp>
-      <p:sp>
-        <p:nvSpPr>
-          <p:cNvPr id="18" name="직사각형 17"/>
-          <p:cNvSpPr/>
-          <p:nvPr/>
-        </p:nvSpPr>
-        <p:spPr>
-          <a:xfrm rot="20700000">
-            <a:off x="-1829960" y="1179248"/>
-            <a:ext cx="12986795" cy="5392260"/>
-          </a:xfrm>
-          <a:prstGeom prst="rect">
-            <a:avLst/>
-          </a:prstGeom>
-          <a:solidFill>
-            <a:schemeClr val="bg1">
-              <a:lumMod val="50000"/>
-              <a:alpha val="10000"/>
-            </a:schemeClr>
-          </a:solidFill>
-          <a:ln>
-            <a:noFill/>
-          </a:ln>
-        </p:spPr>
-        <p:style>
-          <a:lnRef idx="2">
-            <a:schemeClr val="accent1">
-              <a:shade val="50000"/>
-            </a:schemeClr>
-          </a:lnRef>
-          <a:fillRef idx="1">
-            <a:schemeClr val="accent1"/>
-          </a:fillRef>
-          <a:effectRef idx="0">
-            <a:schemeClr val="accent1"/>
-          </a:effectRef>
-          <a:fontRef idx="minor">
-            <a:schemeClr val="lt1"/>
-          </a:fontRef>
-        </p:style>
-        <p:txBody>
-          <a:bodyPr rtlCol="0" anchor="ctr"/>
-          <a:lstStyle/>
-          <a:p>
-            <a:pPr algn="ctr"/>
-            <a:endParaRPr lang="ko-KR" altLang="en-US" dirty="0"/>
-          </a:p>
-        </p:txBody>
-      </p:sp>
     </p:spTree>
     <p:extLst>
       <p:ext uri="{BB962C8B-B14F-4D97-AF65-F5344CB8AC3E}">
@@ -7529,12 +7805,408 @@
           <a:chExt cx="0" cy="0"/>
         </a:xfrm>
       </p:grpSpPr>
-      <p:sp>
-        <p:nvSpPr>
-          <p:cNvPr id="15" name="직사각형 14">
+      <p:grpSp>
+        <p:nvGrpSpPr>
+          <p:cNvPr id="6" name="그룹 5">
             <a:extLst>
               <a:ext uri="{FF2B5EF4-FFF2-40B4-BE49-F238E27FC236}">
-                <a16:creationId xmlns:a16="http://schemas.microsoft.com/office/drawing/2014/main" id="{2CCDE6D2-F24F-4E3E-9084-E417936056F3}"/>
+                <a16:creationId xmlns:a16="http://schemas.microsoft.com/office/drawing/2014/main" id="{CE411942-5EB8-4A73-B658-F548F50DDC2F}"/>
+              </a:ext>
+            </a:extLst>
+          </p:cNvPr>
+          <p:cNvGrpSpPr/>
+          <p:nvPr/>
+        </p:nvGrpSpPr>
+        <p:grpSpPr>
+          <a:xfrm>
+            <a:off x="821380" y="1961386"/>
+            <a:ext cx="4267871" cy="4278006"/>
+            <a:chOff x="922367" y="2076999"/>
+            <a:chExt cx="4267871" cy="4278006"/>
+          </a:xfrm>
+        </p:grpSpPr>
+        <p:sp>
+          <p:nvSpPr>
+            <p:cNvPr id="4" name="타원 3">
+              <a:extLst>
+                <a:ext uri="{FF2B5EF4-FFF2-40B4-BE49-F238E27FC236}">
+                  <a16:creationId xmlns:a16="http://schemas.microsoft.com/office/drawing/2014/main" id="{0912D379-A901-4DC5-B5AD-F617517663AB}"/>
+                </a:ext>
+              </a:extLst>
+            </p:cNvPr>
+            <p:cNvSpPr/>
+            <p:nvPr/>
+          </p:nvSpPr>
+          <p:spPr>
+            <a:xfrm>
+              <a:off x="1116152" y="2288607"/>
+              <a:ext cx="3854725" cy="3854725"/>
+            </a:xfrm>
+            <a:prstGeom prst="ellipse">
+              <a:avLst/>
+            </a:prstGeom>
+            <a:solidFill>
+              <a:schemeClr val="bg1">
+                <a:lumMod val="75000"/>
+                <a:alpha val="50000"/>
+              </a:schemeClr>
+            </a:solidFill>
+            <a:ln>
+              <a:noFill/>
+            </a:ln>
+          </p:spPr>
+          <p:style>
+            <a:lnRef idx="2">
+              <a:schemeClr val="accent1">
+                <a:shade val="50000"/>
+              </a:schemeClr>
+            </a:lnRef>
+            <a:fillRef idx="1">
+              <a:schemeClr val="accent1"/>
+            </a:fillRef>
+            <a:effectRef idx="0">
+              <a:schemeClr val="accent1"/>
+            </a:effectRef>
+            <a:fontRef idx="minor">
+              <a:schemeClr val="lt1"/>
+            </a:fontRef>
+          </p:style>
+          <p:txBody>
+            <a:bodyPr rtlCol="0" anchor="ctr"/>
+            <a:lstStyle/>
+            <a:p>
+              <a:pPr lvl="0" algn="ctr">
+                <a:lnSpc>
+                  <a:spcPct val="150000"/>
+                </a:lnSpc>
+                <a:buSzPct val="80000"/>
+              </a:pPr>
+              <a:r>
+                <a:rPr lang="ko-KR" altLang="en-US" sz="2800" dirty="0">
+                  <a:solidFill>
+                    <a:prstClr val="white"/>
+                  </a:solidFill>
+                  <a:latin typeface="나눔스퀘어 Light" panose="020B0600000101010101" pitchFamily="50" charset="-127"/>
+                  <a:ea typeface="나눔스퀘어 Light" panose="020B0600000101010101" pitchFamily="50" charset="-127"/>
+                </a:rPr>
+                <a:t>프레임워크</a:t>
+              </a:r>
+              <a:endParaRPr lang="en-US" altLang="ko-KR" sz="2800" dirty="0">
+                <a:solidFill>
+                  <a:prstClr val="white"/>
+                </a:solidFill>
+                <a:latin typeface="나눔스퀘어 Light" panose="020B0600000101010101" pitchFamily="50" charset="-127"/>
+                <a:ea typeface="나눔스퀘어 Light" panose="020B0600000101010101" pitchFamily="50" charset="-127"/>
+              </a:endParaRPr>
+            </a:p>
+            <a:p>
+              <a:pPr lvl="0" algn="ctr">
+                <a:lnSpc>
+                  <a:spcPct val="150000"/>
+                </a:lnSpc>
+                <a:buSzPct val="80000"/>
+              </a:pPr>
+              <a:r>
+                <a:rPr lang="ko-KR" altLang="en-US" sz="2800" dirty="0">
+                  <a:solidFill>
+                    <a:prstClr val="white"/>
+                  </a:solidFill>
+                  <a:latin typeface="나눔스퀘어 Light" panose="020B0600000101010101" pitchFamily="50" charset="-127"/>
+                  <a:ea typeface="나눔스퀘어 Light" panose="020B0600000101010101" pitchFamily="50" charset="-127"/>
+                </a:rPr>
+                <a:t>사운드 </a:t>
+              </a:r>
+              <a:r>
+                <a:rPr lang="en-US" altLang="ko-KR" sz="2800" dirty="0">
+                  <a:solidFill>
+                    <a:prstClr val="white"/>
+                  </a:solidFill>
+                  <a:latin typeface="나눔스퀘어 Light" panose="020B0600000101010101" pitchFamily="50" charset="-127"/>
+                  <a:ea typeface="나눔스퀘어 Light" panose="020B0600000101010101" pitchFamily="50" charset="-127"/>
+                </a:rPr>
+                <a:t>(FMOD)</a:t>
+              </a:r>
+            </a:p>
+            <a:p>
+              <a:pPr lvl="0" algn="ctr">
+                <a:lnSpc>
+                  <a:spcPct val="150000"/>
+                </a:lnSpc>
+                <a:buSzPct val="80000"/>
+              </a:pPr>
+              <a:r>
+                <a:rPr lang="ko-KR" altLang="en-US" sz="2800" dirty="0">
+                  <a:solidFill>
+                    <a:prstClr val="white"/>
+                  </a:solidFill>
+                  <a:latin typeface="나눔스퀘어 Light" panose="020B0600000101010101" pitchFamily="50" charset="-127"/>
+                  <a:ea typeface="나눔스퀘어 Light" panose="020B0600000101010101" pitchFamily="50" charset="-127"/>
+                </a:rPr>
+                <a:t>리소스</a:t>
+              </a:r>
+              <a:endParaRPr lang="en-US" altLang="ko-KR" sz="2800" dirty="0">
+                <a:solidFill>
+                  <a:prstClr val="white"/>
+                </a:solidFill>
+                <a:latin typeface="나눔스퀘어 Light" panose="020B0600000101010101" pitchFamily="50" charset="-127"/>
+                <a:ea typeface="나눔스퀘어 Light" panose="020B0600000101010101" pitchFamily="50" charset="-127"/>
+              </a:endParaRPr>
+            </a:p>
+          </p:txBody>
+        </p:sp>
+        <p:grpSp>
+          <p:nvGrpSpPr>
+            <p:cNvPr id="18" name="그룹 17">
+              <a:extLst>
+                <a:ext uri="{FF2B5EF4-FFF2-40B4-BE49-F238E27FC236}">
+                  <a16:creationId xmlns:a16="http://schemas.microsoft.com/office/drawing/2014/main" id="{C53D0097-FD84-4D98-B00E-C368D33B098B}"/>
+                </a:ext>
+              </a:extLst>
+            </p:cNvPr>
+            <p:cNvGrpSpPr/>
+            <p:nvPr/>
+          </p:nvGrpSpPr>
+          <p:grpSpPr>
+            <a:xfrm>
+              <a:off x="922367" y="2076999"/>
+              <a:ext cx="4267871" cy="4278006"/>
+              <a:chOff x="-1572508" y="-409499"/>
+              <a:chExt cx="6193706" cy="6208415"/>
+            </a:xfrm>
+          </p:grpSpPr>
+          <p:sp>
+            <p:nvSpPr>
+              <p:cNvPr id="19" name="타원 18">
+                <a:extLst>
+                  <a:ext uri="{FF2B5EF4-FFF2-40B4-BE49-F238E27FC236}">
+                    <a16:creationId xmlns:a16="http://schemas.microsoft.com/office/drawing/2014/main" id="{360C5B6E-353B-4FD6-BF31-DDBA8429AF97}"/>
+                  </a:ext>
+                </a:extLst>
+              </p:cNvPr>
+              <p:cNvSpPr/>
+              <p:nvPr/>
+            </p:nvSpPr>
+            <p:spPr>
+              <a:xfrm>
+                <a:off x="-1218601" y="-162445"/>
+                <a:ext cx="5839799" cy="5707078"/>
+              </a:xfrm>
+              <a:prstGeom prst="ellipse">
+                <a:avLst/>
+              </a:prstGeom>
+              <a:noFill/>
+              <a:ln w="19050">
+                <a:gradFill>
+                  <a:gsLst>
+                    <a:gs pos="0">
+                      <a:schemeClr val="accent1">
+                        <a:lumMod val="5000"/>
+                        <a:lumOff val="95000"/>
+                        <a:alpha val="50000"/>
+                      </a:schemeClr>
+                    </a:gs>
+                    <a:gs pos="74000">
+                      <a:schemeClr val="accent1">
+                        <a:lumMod val="45000"/>
+                        <a:lumOff val="55000"/>
+                        <a:alpha val="50000"/>
+                      </a:schemeClr>
+                    </a:gs>
+                    <a:gs pos="83000">
+                      <a:schemeClr val="accent1">
+                        <a:lumMod val="45000"/>
+                        <a:lumOff val="55000"/>
+                        <a:alpha val="50000"/>
+                      </a:schemeClr>
+                    </a:gs>
+                    <a:gs pos="100000">
+                      <a:schemeClr val="accent1">
+                        <a:lumMod val="30000"/>
+                        <a:lumOff val="70000"/>
+                        <a:alpha val="50000"/>
+                      </a:schemeClr>
+                    </a:gs>
+                  </a:gsLst>
+                  <a:lin ang="5400000" scaled="1"/>
+                </a:gradFill>
+              </a:ln>
+            </p:spPr>
+            <p:style>
+              <a:lnRef idx="2">
+                <a:schemeClr val="accent1">
+                  <a:shade val="50000"/>
+                </a:schemeClr>
+              </a:lnRef>
+              <a:fillRef idx="1">
+                <a:schemeClr val="accent1"/>
+              </a:fillRef>
+              <a:effectRef idx="0">
+                <a:schemeClr val="accent1"/>
+              </a:effectRef>
+              <a:fontRef idx="minor">
+                <a:schemeClr val="lt1"/>
+              </a:fontRef>
+            </p:style>
+            <p:txBody>
+              <a:bodyPr rtlCol="0" anchor="ctr"/>
+              <a:lstStyle/>
+              <a:p>
+                <a:pPr algn="ctr"/>
+                <a:endParaRPr lang="en-US" altLang="ko-KR" dirty="0">
+                  <a:latin typeface="나눔스퀘어 Light" panose="020B0600000101010101" pitchFamily="50" charset="-127"/>
+                  <a:ea typeface="나눔스퀘어 Light" panose="020B0600000101010101" pitchFamily="50" charset="-127"/>
+                </a:endParaRPr>
+              </a:p>
+              <a:p>
+                <a:pPr algn="ctr"/>
+                <a:endParaRPr lang="ko-KR" altLang="en-US" dirty="0">
+                  <a:latin typeface="나눔스퀘어 Light" panose="020B0600000101010101" pitchFamily="50" charset="-127"/>
+                  <a:ea typeface="나눔스퀘어 Light" panose="020B0600000101010101" pitchFamily="50" charset="-127"/>
+                </a:endParaRPr>
+              </a:p>
+            </p:txBody>
+          </p:sp>
+          <p:sp>
+            <p:nvSpPr>
+              <p:cNvPr id="20" name="타원 19">
+                <a:extLst>
+                  <a:ext uri="{FF2B5EF4-FFF2-40B4-BE49-F238E27FC236}">
+                    <a16:creationId xmlns:a16="http://schemas.microsoft.com/office/drawing/2014/main" id="{C89E5DFD-21A0-47B8-B530-42A1C311A5B9}"/>
+                  </a:ext>
+                </a:extLst>
+              </p:cNvPr>
+              <p:cNvSpPr/>
+              <p:nvPr/>
+            </p:nvSpPr>
+            <p:spPr>
+              <a:xfrm>
+                <a:off x="-1572508" y="114575"/>
+                <a:ext cx="5816534" cy="5684341"/>
+              </a:xfrm>
+              <a:prstGeom prst="ellipse">
+                <a:avLst/>
+              </a:prstGeom>
+              <a:noFill/>
+              <a:ln w="19050">
+                <a:gradFill flip="none" rotWithShape="1">
+                  <a:gsLst>
+                    <a:gs pos="0">
+                      <a:srgbClr val="FFC000">
+                        <a:alpha val="50000"/>
+                      </a:srgbClr>
+                    </a:gs>
+                    <a:gs pos="100000">
+                      <a:srgbClr val="FF0000">
+                        <a:alpha val="50000"/>
+                      </a:srgbClr>
+                    </a:gs>
+                  </a:gsLst>
+                  <a:lin ang="16200000" scaled="1"/>
+                  <a:tileRect/>
+                </a:gradFill>
+              </a:ln>
+            </p:spPr>
+            <p:style>
+              <a:lnRef idx="2">
+                <a:schemeClr val="accent1">
+                  <a:shade val="50000"/>
+                </a:schemeClr>
+              </a:lnRef>
+              <a:fillRef idx="1">
+                <a:schemeClr val="accent1"/>
+              </a:fillRef>
+              <a:effectRef idx="0">
+                <a:schemeClr val="accent1"/>
+              </a:effectRef>
+              <a:fontRef idx="minor">
+                <a:schemeClr val="lt1"/>
+              </a:fontRef>
+            </p:style>
+            <p:txBody>
+              <a:bodyPr rtlCol="0" anchor="ctr"/>
+              <a:lstStyle/>
+              <a:p>
+                <a:pPr algn="ctr"/>
+                <a:endParaRPr lang="ko-KR" altLang="en-US" dirty="0"/>
+              </a:p>
+            </p:txBody>
+          </p:sp>
+          <p:sp>
+            <p:nvSpPr>
+              <p:cNvPr id="21" name="타원 20">
+                <a:extLst>
+                  <a:ext uri="{FF2B5EF4-FFF2-40B4-BE49-F238E27FC236}">
+                    <a16:creationId xmlns:a16="http://schemas.microsoft.com/office/drawing/2014/main" id="{99EFBA2D-6EA7-4EFB-99F2-B6370FB291AB}"/>
+                  </a:ext>
+                </a:extLst>
+              </p:cNvPr>
+              <p:cNvSpPr/>
+              <p:nvPr/>
+            </p:nvSpPr>
+            <p:spPr>
+              <a:xfrm>
+                <a:off x="-999593" y="-409499"/>
+                <a:ext cx="5152825" cy="5684341"/>
+              </a:xfrm>
+              <a:prstGeom prst="ellipse">
+                <a:avLst/>
+              </a:prstGeom>
+              <a:noFill/>
+              <a:ln w="19050">
+                <a:gradFill flip="none" rotWithShape="1">
+                  <a:gsLst>
+                    <a:gs pos="0">
+                      <a:srgbClr val="FFDF79">
+                        <a:alpha val="50000"/>
+                      </a:srgbClr>
+                    </a:gs>
+                    <a:gs pos="100000">
+                      <a:srgbClr val="FF5B5B">
+                        <a:alpha val="50000"/>
+                      </a:srgbClr>
+                    </a:gs>
+                  </a:gsLst>
+                  <a:lin ang="16200000" scaled="1"/>
+                  <a:tileRect/>
+                </a:gradFill>
+              </a:ln>
+            </p:spPr>
+            <p:style>
+              <a:lnRef idx="2">
+                <a:schemeClr val="accent1">
+                  <a:shade val="50000"/>
+                </a:schemeClr>
+              </a:lnRef>
+              <a:fillRef idx="1">
+                <a:schemeClr val="accent1"/>
+              </a:fillRef>
+              <a:effectRef idx="0">
+                <a:schemeClr val="accent1"/>
+              </a:effectRef>
+              <a:fontRef idx="minor">
+                <a:schemeClr val="lt1"/>
+              </a:fontRef>
+            </p:style>
+            <p:txBody>
+              <a:bodyPr rtlCol="0" anchor="ctr"/>
+              <a:lstStyle/>
+              <a:p>
+                <a:pPr algn="ctr"/>
+                <a:endParaRPr lang="ko-KR" altLang="en-US" dirty="0">
+                  <a:latin typeface="나눔스퀘어 Light" panose="020B0600000101010101" pitchFamily="50" charset="-127"/>
+                  <a:ea typeface="나눔스퀘어 Light" panose="020B0600000101010101" pitchFamily="50" charset="-127"/>
+                </a:endParaRPr>
+              </a:p>
+            </p:txBody>
+          </p:sp>
+        </p:grpSp>
+      </p:grpSp>
+      <p:sp>
+        <p:nvSpPr>
+          <p:cNvPr id="17" name="타원 16">
+            <a:extLst>
+              <a:ext uri="{FF2B5EF4-FFF2-40B4-BE49-F238E27FC236}">
+                <a16:creationId xmlns:a16="http://schemas.microsoft.com/office/drawing/2014/main" id="{0FC22DF0-7767-4C10-8FDE-200B5275A7A0}"/>
               </a:ext>
             </a:extLst>
           </p:cNvPr>
@@ -7542,17 +8214,17 @@
           <p:nvPr/>
         </p:nvSpPr>
         <p:spPr>
-          <a:xfrm rot="20700000">
-            <a:off x="-1829960" y="1179248"/>
-            <a:ext cx="12986795" cy="5392260"/>
-          </a:xfrm>
-          <a:prstGeom prst="rect">
+          <a:xfrm>
+            <a:off x="4309601" y="2172994"/>
+            <a:ext cx="3854725" cy="3854725"/>
+          </a:xfrm>
+          <a:prstGeom prst="ellipse">
             <a:avLst/>
           </a:prstGeom>
           <a:solidFill>
             <a:schemeClr val="bg1">
-              <a:lumMod val="50000"/>
-              <a:alpha val="10000"/>
+              <a:lumMod val="75000"/>
+              <a:alpha val="50000"/>
             </a:schemeClr>
           </a:solidFill>
           <a:ln>
@@ -7579,146 +8251,78 @@
           <a:bodyPr rtlCol="0" anchor="ctr"/>
           <a:lstStyle/>
           <a:p>
-            <a:pPr algn="ctr"/>
-            <a:endParaRPr lang="ko-KR" altLang="en-US" dirty="0"/>
-          </a:p>
-        </p:txBody>
-      </p:sp>
-      <p:sp>
-        <p:nvSpPr>
-          <p:cNvPr id="9" name="TextBox 8"/>
-          <p:cNvSpPr txBox="1"/>
-          <p:nvPr/>
-        </p:nvSpPr>
-        <p:spPr>
-          <a:xfrm>
-            <a:off x="674235" y="604195"/>
-            <a:ext cx="2422458" cy="830997"/>
-          </a:xfrm>
-          <a:prstGeom prst="rect">
-            <a:avLst/>
-          </a:prstGeom>
-          <a:noFill/>
-        </p:spPr>
-        <p:txBody>
-          <a:bodyPr wrap="none" rtlCol="0">
-            <a:spAutoFit/>
-          </a:bodyPr>
-          <a:lstStyle/>
-          <a:p>
-            <a:r>
-              <a:rPr lang="ko-KR" altLang="en-US" sz="4800" dirty="0">
-                <a:solidFill>
-                  <a:schemeClr val="bg1"/>
-                </a:solidFill>
-                <a:latin typeface="나눔스퀘어 Light" panose="020B0600000101010101" pitchFamily="50" charset="-127"/>
-                <a:ea typeface="나눔스퀘어 Light" panose="020B0600000101010101" pitchFamily="50" charset="-127"/>
-              </a:rPr>
-              <a:t>역할분담</a:t>
-            </a:r>
-          </a:p>
-        </p:txBody>
-      </p:sp>
-      <p:sp>
-        <p:nvSpPr>
-          <p:cNvPr id="10" name="TextBox 9"/>
-          <p:cNvSpPr txBox="1"/>
-          <p:nvPr/>
-        </p:nvSpPr>
-        <p:spPr>
-          <a:xfrm>
-            <a:off x="397805" y="2084160"/>
-            <a:ext cx="3225563" cy="2308324"/>
-          </a:xfrm>
-          <a:prstGeom prst="rect">
-            <a:avLst/>
-          </a:prstGeom>
-          <a:noFill/>
-        </p:spPr>
-        <p:txBody>
-          <a:bodyPr wrap="none" rtlCol="0">
-            <a:spAutoFit/>
-          </a:bodyPr>
-          <a:lstStyle/>
-          <a:p>
-            <a:pPr marL="571500" indent="-571500">
+            <a:pPr lvl="0" algn="ctr">
               <a:lnSpc>
                 <a:spcPct val="150000"/>
               </a:lnSpc>
               <a:buSzPct val="80000"/>
-              <a:buFont typeface="Wingdings" panose="05000000000000000000" pitchFamily="2" charset="2"/>
-              <a:buChar char="§"/>
             </a:pPr>
             <a:r>
-              <a:rPr lang="ko-KR" altLang="en-US" sz="3200" dirty="0">
-                <a:solidFill>
-                  <a:schemeClr val="bg1"/>
-                </a:solidFill>
-                <a:latin typeface="나눔스퀘어 Light" panose="020B0600000101010101" pitchFamily="50" charset="-127"/>
-                <a:ea typeface="나눔스퀘어 Light" panose="020B0600000101010101" pitchFamily="50" charset="-127"/>
-              </a:rPr>
-              <a:t>프레임워크</a:t>
-            </a:r>
-            <a:endParaRPr lang="en-US" altLang="ko-KR" sz="3200" dirty="0">
+              <a:rPr lang="ko-KR" altLang="en-US" sz="2800" dirty="0" err="1">
+                <a:solidFill>
+                  <a:prstClr val="white"/>
+                </a:solidFill>
+                <a:latin typeface="나눔스퀘어 Light" panose="020B0600000101010101" pitchFamily="50" charset="-127"/>
+                <a:ea typeface="나눔스퀘어 Light" panose="020B0600000101010101" pitchFamily="50" charset="-127"/>
+              </a:rPr>
+              <a:t>게임오브젝트</a:t>
+            </a:r>
+            <a:endParaRPr lang="en-US" altLang="ko-KR" sz="2800" dirty="0">
               <a:solidFill>
-                <a:schemeClr val="bg1"/>
+                <a:prstClr val="white"/>
               </a:solidFill>
               <a:latin typeface="나눔스퀘어 Light" panose="020B0600000101010101" pitchFamily="50" charset="-127"/>
               <a:ea typeface="나눔스퀘어 Light" panose="020B0600000101010101" pitchFamily="50" charset="-127"/>
             </a:endParaRPr>
           </a:p>
           <a:p>
-            <a:pPr marL="571500" indent="-571500">
+            <a:pPr lvl="0" algn="ctr">
               <a:lnSpc>
                 <a:spcPct val="150000"/>
               </a:lnSpc>
               <a:buSzPct val="80000"/>
-              <a:buFont typeface="Wingdings" panose="05000000000000000000" pitchFamily="2" charset="2"/>
-              <a:buChar char="§"/>
             </a:pPr>
             <a:r>
-              <a:rPr lang="ko-KR" altLang="en-US" sz="3200" dirty="0">
-                <a:solidFill>
-                  <a:schemeClr val="bg1"/>
-                </a:solidFill>
-                <a:latin typeface="나눔스퀘어 Light" panose="020B0600000101010101" pitchFamily="50" charset="-127"/>
-                <a:ea typeface="나눔스퀘어 Light" panose="020B0600000101010101" pitchFamily="50" charset="-127"/>
-              </a:rPr>
-              <a:t>사운드</a:t>
-            </a:r>
-            <a:r>
-              <a:rPr lang="en-US" altLang="ko-KR" sz="3200" dirty="0">
-                <a:solidFill>
-                  <a:schemeClr val="bg1"/>
-                </a:solidFill>
-                <a:latin typeface="나눔스퀘어 Light" panose="020B0600000101010101" pitchFamily="50" charset="-127"/>
-                <a:ea typeface="나눔스퀘어 Light" panose="020B0600000101010101" pitchFamily="50" charset="-127"/>
-              </a:rPr>
-              <a:t>(FMOD)</a:t>
-            </a:r>
-          </a:p>
-          <a:p>
-            <a:pPr marL="571500" indent="-571500">
+              <a:rPr lang="ko-KR" altLang="en-US" sz="2800" dirty="0">
+                <a:solidFill>
+                  <a:prstClr val="white"/>
+                </a:solidFill>
+                <a:latin typeface="나눔스퀘어 Light" panose="020B0600000101010101" pitchFamily="50" charset="-127"/>
+                <a:ea typeface="나눔스퀘어 Light" panose="020B0600000101010101" pitchFamily="50" charset="-127"/>
+              </a:rPr>
+              <a:t>씬 </a:t>
+            </a:r>
+            <a:r>
+              <a:rPr lang="en-US" altLang="ko-KR" sz="2800" dirty="0">
+                <a:solidFill>
+                  <a:prstClr val="white"/>
+                </a:solidFill>
+                <a:latin typeface="나눔스퀘어 Light" panose="020B0600000101010101" pitchFamily="50" charset="-127"/>
+                <a:ea typeface="나눔스퀘어 Light" panose="020B0600000101010101" pitchFamily="50" charset="-127"/>
+              </a:rPr>
+              <a:t>(Scene)</a:t>
+            </a:r>
+          </a:p>
+          <a:p>
+            <a:pPr lvl="0" algn="ctr">
               <a:lnSpc>
                 <a:spcPct val="150000"/>
               </a:lnSpc>
               <a:buSzPct val="80000"/>
-              <a:buFont typeface="Wingdings" panose="05000000000000000000" pitchFamily="2" charset="2"/>
-              <a:buChar char="§"/>
             </a:pPr>
             <a:r>
-              <a:rPr lang="ko-KR" altLang="en-US" sz="3200" dirty="0">
-                <a:solidFill>
-                  <a:schemeClr val="bg1"/>
-                </a:solidFill>
-                <a:latin typeface="나눔스퀘어 Light" panose="020B0600000101010101" pitchFamily="50" charset="-127"/>
-                <a:ea typeface="나눔스퀘어 Light" panose="020B0600000101010101" pitchFamily="50" charset="-127"/>
-              </a:rPr>
-              <a:t>리소스</a:t>
-            </a:r>
-            <a:endParaRPr lang="en-US" altLang="ko-KR" sz="3200" dirty="0">
+              <a:rPr lang="ko-KR" altLang="en-US" sz="2800" dirty="0">
+                <a:solidFill>
+                  <a:prstClr val="white"/>
+                </a:solidFill>
+                <a:latin typeface="나눔스퀘어 Light" panose="020B0600000101010101" pitchFamily="50" charset="-127"/>
+                <a:ea typeface="나눔스퀘어 Light" panose="020B0600000101010101" pitchFamily="50" charset="-127"/>
+              </a:rPr>
+              <a:t>발표</a:t>
+            </a:r>
+            <a:endParaRPr lang="en-US" altLang="ko-KR" sz="2800" dirty="0">
               <a:solidFill>
-                <a:schemeClr val="bg1"/>
+                <a:prstClr val="white"/>
               </a:solidFill>
               <a:latin typeface="나눔스퀘어 Light" panose="020B0600000101010101" pitchFamily="50" charset="-127"/>
               <a:ea typeface="나눔스퀘어 Light" panose="020B0600000101010101" pitchFamily="50" charset="-127"/>
@@ -7728,10 +8332,10 @@
       </p:sp>
       <p:grpSp>
         <p:nvGrpSpPr>
-          <p:cNvPr id="2" name="그룹 1">
+          <p:cNvPr id="26" name="그룹 25">
             <a:extLst>
               <a:ext uri="{FF2B5EF4-FFF2-40B4-BE49-F238E27FC236}">
-                <a16:creationId xmlns:a16="http://schemas.microsoft.com/office/drawing/2014/main" id="{11D15916-331D-4D05-8508-AE7199C2AF1A}"/>
+                <a16:creationId xmlns:a16="http://schemas.microsoft.com/office/drawing/2014/main" id="{6698DC0E-AF99-4F56-8718-0CFA6D35C5A0}"/>
               </a:ext>
             </a:extLst>
           </p:cNvPr>
@@ -7739,16 +8343,22 @@
           <p:nvPr/>
         </p:nvGrpSpPr>
         <p:grpSpPr>
-          <a:xfrm>
-            <a:off x="-1572508" y="-409499"/>
-            <a:ext cx="6193706" cy="6208415"/>
+          <a:xfrm rot="21433893">
+            <a:off x="4119384" y="1961386"/>
+            <a:ext cx="4267871" cy="4278006"/>
             <a:chOff x="-1572508" y="-409499"/>
             <a:chExt cx="6193706" cy="6208415"/>
           </a:xfrm>
         </p:grpSpPr>
         <p:sp>
           <p:nvSpPr>
-            <p:cNvPr id="11" name="타원 10"/>
+            <p:cNvPr id="27" name="타원 26">
+              <a:extLst>
+                <a:ext uri="{FF2B5EF4-FFF2-40B4-BE49-F238E27FC236}">
+                  <a16:creationId xmlns:a16="http://schemas.microsoft.com/office/drawing/2014/main" id="{56185A8D-9A90-4AA0-926F-722C0E8D0609}"/>
+                </a:ext>
+              </a:extLst>
+            </p:cNvPr>
             <p:cNvSpPr/>
             <p:nvPr/>
           </p:nvSpPr>
@@ -7834,7 +8444,13 @@
         </p:sp>
         <p:sp>
           <p:nvSpPr>
-            <p:cNvPr id="12" name="타원 11"/>
+            <p:cNvPr id="28" name="타원 27">
+              <a:extLst>
+                <a:ext uri="{FF2B5EF4-FFF2-40B4-BE49-F238E27FC236}">
+                  <a16:creationId xmlns:a16="http://schemas.microsoft.com/office/drawing/2014/main" id="{B3B510D7-AE67-44DB-BEF8-4AAB209FC6C3}"/>
+                </a:ext>
+              </a:extLst>
+            </p:cNvPr>
             <p:cNvSpPr/>
             <p:nvPr/>
           </p:nvSpPr>
@@ -7893,7 +8509,13 @@
         </p:sp>
         <p:sp>
           <p:nvSpPr>
-            <p:cNvPr id="13" name="타원 12"/>
+            <p:cNvPr id="29" name="타원 28">
+              <a:extLst>
+                <a:ext uri="{FF2B5EF4-FFF2-40B4-BE49-F238E27FC236}">
+                  <a16:creationId xmlns:a16="http://schemas.microsoft.com/office/drawing/2014/main" id="{9569AB1C-69F6-435F-A121-FB8A12A40D58}"/>
+                </a:ext>
+              </a:extLst>
+            </p:cNvPr>
             <p:cNvSpPr/>
             <p:nvPr/>
           </p:nvSpPr>
@@ -7956,10 +8578,10 @@
       </p:grpSp>
       <p:sp>
         <p:nvSpPr>
-          <p:cNvPr id="14" name="TextBox 13">
+          <p:cNvPr id="22" name="TextBox 21">
             <a:extLst>
               <a:ext uri="{FF2B5EF4-FFF2-40B4-BE49-F238E27FC236}">
-                <a16:creationId xmlns:a16="http://schemas.microsoft.com/office/drawing/2014/main" id="{2B30D907-5CA7-470C-AE57-C546DC461452}"/>
+                <a16:creationId xmlns:a16="http://schemas.microsoft.com/office/drawing/2014/main" id="{3B834EC6-488B-4D11-AABF-FB676B06F1FD}"/>
               </a:ext>
             </a:extLst>
           </p:cNvPr>
@@ -7968,8 +8590,8 @@
         </p:nvSpPr>
         <p:spPr>
           <a:xfrm>
-            <a:off x="4975105" y="2084160"/>
-            <a:ext cx="3002745" cy="2308324"/>
+            <a:off x="258291" y="1955363"/>
+            <a:ext cx="1305165" cy="584775"/>
           </a:xfrm>
           <a:prstGeom prst="rect">
             <a:avLst/>
@@ -7982,41 +8604,6 @@
           </a:bodyPr>
           <a:lstStyle/>
           <a:p>
-            <a:pPr marL="571500" indent="-571500">
-              <a:lnSpc>
-                <a:spcPct val="150000"/>
-              </a:lnSpc>
-              <a:buSzPct val="80000"/>
-              <a:buFont typeface="Wingdings" panose="05000000000000000000" pitchFamily="2" charset="2"/>
-              <a:buChar char="§"/>
-            </a:pPr>
-            <a:r>
-              <a:rPr lang="ko-KR" altLang="en-US" sz="3200" dirty="0" err="1">
-                <a:solidFill>
-                  <a:schemeClr val="bg1"/>
-                </a:solidFill>
-                <a:latin typeface="나눔스퀘어 Light" panose="020B0600000101010101" pitchFamily="50" charset="-127"/>
-                <a:ea typeface="나눔스퀘어 Light" panose="020B0600000101010101" pitchFamily="50" charset="-127"/>
-              </a:rPr>
-              <a:t>게임오브젝트</a:t>
-            </a:r>
-            <a:endParaRPr lang="en-US" altLang="ko-KR" sz="3200" dirty="0">
-              <a:solidFill>
-                <a:schemeClr val="bg1"/>
-              </a:solidFill>
-              <a:latin typeface="나눔스퀘어 Light" panose="020B0600000101010101" pitchFamily="50" charset="-127"/>
-              <a:ea typeface="나눔스퀘어 Light" panose="020B0600000101010101" pitchFamily="50" charset="-127"/>
-            </a:endParaRPr>
-          </a:p>
-          <a:p>
-            <a:pPr marL="571500" indent="-571500">
-              <a:lnSpc>
-                <a:spcPct val="150000"/>
-              </a:lnSpc>
-              <a:buSzPct val="80000"/>
-              <a:buFont typeface="Wingdings" panose="05000000000000000000" pitchFamily="2" charset="2"/>
-              <a:buChar char="§"/>
-            </a:pPr>
             <a:r>
               <a:rPr lang="ko-KR" altLang="en-US" sz="3200" dirty="0">
                 <a:solidFill>
@@ -8025,57 +8612,117 @@
                 <a:latin typeface="나눔스퀘어 Light" panose="020B0600000101010101" pitchFamily="50" charset="-127"/>
                 <a:ea typeface="나눔스퀘어 Light" panose="020B0600000101010101" pitchFamily="50" charset="-127"/>
               </a:rPr>
-              <a:t>씬</a:t>
-            </a:r>
-            <a:endParaRPr lang="en-US" altLang="ko-KR" sz="3200" dirty="0">
-              <a:solidFill>
-                <a:schemeClr val="bg1"/>
-              </a:solidFill>
-              <a:latin typeface="나눔스퀘어 Light" panose="020B0600000101010101" pitchFamily="50" charset="-127"/>
-              <a:ea typeface="나눔스퀘어 Light" panose="020B0600000101010101" pitchFamily="50" charset="-127"/>
-            </a:endParaRPr>
-          </a:p>
-          <a:p>
-            <a:pPr marL="571500" indent="-571500">
-              <a:lnSpc>
-                <a:spcPct val="150000"/>
-              </a:lnSpc>
-              <a:buSzPct val="80000"/>
-              <a:buFont typeface="Wingdings" panose="05000000000000000000" pitchFamily="2" charset="2"/>
-              <a:buChar char="§"/>
-            </a:pPr>
-            <a:endParaRPr lang="ko-KR" altLang="en-US" sz="3200" dirty="0">
-              <a:solidFill>
-                <a:schemeClr val="bg1"/>
-              </a:solidFill>
-              <a:latin typeface="나눔스퀘어 Light" panose="020B0600000101010101" pitchFamily="50" charset="-127"/>
-              <a:ea typeface="나눔스퀘어 Light" panose="020B0600000101010101" pitchFamily="50" charset="-127"/>
-            </a:endParaRPr>
-          </a:p>
-        </p:txBody>
-      </p:sp>
-      <p:sp>
-        <p:nvSpPr>
-          <p:cNvPr id="16" name="사각형: 둥근 모서리 15">
+              <a:t>이세영</a:t>
+            </a:r>
+          </a:p>
+        </p:txBody>
+      </p:sp>
+      <p:sp>
+        <p:nvSpPr>
+          <p:cNvPr id="23" name="TextBox 22">
             <a:extLst>
               <a:ext uri="{FF2B5EF4-FFF2-40B4-BE49-F238E27FC236}">
-                <a16:creationId xmlns:a16="http://schemas.microsoft.com/office/drawing/2014/main" id="{FB93CB99-66E6-4940-9E2B-D05DEB8725D6}"/>
+                <a16:creationId xmlns:a16="http://schemas.microsoft.com/office/drawing/2014/main" id="{5BE41DAF-613D-4CB8-866A-FD63D83AA686}"/>
               </a:ext>
             </a:extLst>
           </p:cNvPr>
-          <p:cNvSpPr/>
+          <p:cNvSpPr txBox="1"/>
           <p:nvPr/>
         </p:nvSpPr>
         <p:spPr>
-          <a:xfrm rot="5400000">
-            <a:off x="2217314" y="3805032"/>
-            <a:ext cx="4670444" cy="90794"/>
-          </a:xfrm>
-          <a:prstGeom prst="roundRect">
+          <a:xfrm>
+            <a:off x="7717495" y="1955363"/>
+            <a:ext cx="1305165" cy="584775"/>
+          </a:xfrm>
+          <a:prstGeom prst="rect">
             <a:avLst/>
           </a:prstGeom>
           <a:noFill/>
-          <a:ln w="19050">
+        </p:spPr>
+        <p:txBody>
+          <a:bodyPr wrap="none" rtlCol="0">
+            <a:spAutoFit/>
+          </a:bodyPr>
+          <a:lstStyle/>
+          <a:p>
+            <a:r>
+              <a:rPr lang="ko-KR" altLang="en-US" sz="3200" dirty="0">
+                <a:solidFill>
+                  <a:schemeClr val="bg1"/>
+                </a:solidFill>
+                <a:latin typeface="나눔스퀘어 Light" panose="020B0600000101010101" pitchFamily="50" charset="-127"/>
+                <a:ea typeface="나눔스퀘어 Light" panose="020B0600000101010101" pitchFamily="50" charset="-127"/>
+              </a:rPr>
+              <a:t>송주희</a:t>
+            </a:r>
+          </a:p>
+        </p:txBody>
+      </p:sp>
+      <p:sp>
+        <p:nvSpPr>
+          <p:cNvPr id="24" name="TextBox 23">
+            <a:extLst>
+              <a:ext uri="{FF2B5EF4-FFF2-40B4-BE49-F238E27FC236}">
+                <a16:creationId xmlns:a16="http://schemas.microsoft.com/office/drawing/2014/main" id="{AFB53A9B-5CED-4ADE-9B79-531BADD74C3B}"/>
+              </a:ext>
+            </a:extLst>
+          </p:cNvPr>
+          <p:cNvSpPr txBox="1"/>
+          <p:nvPr/>
+        </p:nvSpPr>
+        <p:spPr>
+          <a:xfrm>
+            <a:off x="674235" y="604195"/>
+            <a:ext cx="2422458" cy="830997"/>
+          </a:xfrm>
+          <a:prstGeom prst="rect">
+            <a:avLst/>
+          </a:prstGeom>
+          <a:noFill/>
+        </p:spPr>
+        <p:txBody>
+          <a:bodyPr wrap="none" rtlCol="0">
+            <a:spAutoFit/>
+          </a:bodyPr>
+          <a:lstStyle/>
+          <a:p>
+            <a:r>
+              <a:rPr lang="ko-KR" altLang="en-US" sz="4800" dirty="0">
+                <a:solidFill>
+                  <a:schemeClr val="bg1"/>
+                </a:solidFill>
+                <a:latin typeface="나눔스퀘어 Light" panose="020B0600000101010101" pitchFamily="50" charset="-127"/>
+                <a:ea typeface="나눔스퀘어 Light" panose="020B0600000101010101" pitchFamily="50" charset="-127"/>
+              </a:rPr>
+              <a:t>역할분담</a:t>
+            </a:r>
+          </a:p>
+        </p:txBody>
+      </p:sp>
+      <p:cxnSp>
+        <p:nvCxnSpPr>
+          <p:cNvPr id="12" name="연결선: 구부러짐 11">
+            <a:extLst>
+              <a:ext uri="{FF2B5EF4-FFF2-40B4-BE49-F238E27FC236}">
+                <a16:creationId xmlns:a16="http://schemas.microsoft.com/office/drawing/2014/main" id="{4CB4B664-E6CE-4590-8501-0D05AF2C7CAA}"/>
+              </a:ext>
+            </a:extLst>
+          </p:cNvPr>
+          <p:cNvCxnSpPr>
+            <a:cxnSpLocks/>
+            <a:stCxn id="22" idx="2"/>
+          </p:cNvCxnSpPr>
+          <p:nvPr/>
+        </p:nvCxnSpPr>
+        <p:spPr>
+          <a:xfrm rot="16200000" flipH="1">
+            <a:off x="914425" y="2536586"/>
+            <a:ext cx="469730" cy="476833"/>
+          </a:xfrm>
+          <a:prstGeom prst="curvedConnector2">
+            <a:avLst/>
+          </a:prstGeom>
+          <a:ln w="12700">
             <a:solidFill>
               <a:schemeClr val="bg1">
                 <a:lumMod val="65000"/>
@@ -8084,33 +8731,66 @@
           </a:ln>
         </p:spPr>
         <p:style>
-          <a:lnRef idx="2">
-            <a:schemeClr val="accent1">
-              <a:shade val="50000"/>
-            </a:schemeClr>
+          <a:lnRef idx="1">
+            <a:schemeClr val="accent1"/>
           </a:lnRef>
-          <a:fillRef idx="1">
+          <a:fillRef idx="0">
             <a:schemeClr val="accent1"/>
           </a:fillRef>
           <a:effectRef idx="0">
             <a:schemeClr val="accent1"/>
           </a:effectRef>
           <a:fontRef idx="minor">
-            <a:schemeClr val="lt1"/>
+            <a:schemeClr val="tx1"/>
           </a:fontRef>
         </p:style>
-        <p:txBody>
-          <a:bodyPr rtlCol="0" anchor="ctr"/>
-          <a:lstStyle/>
-          <a:p>
-            <a:pPr algn="ctr"/>
-            <a:endParaRPr lang="ko-KR" altLang="en-US">
-              <a:latin typeface="나눔바른펜" panose="020B0503000000000000" pitchFamily="50" charset="-127"/>
-              <a:ea typeface="나눔바른펜" panose="020B0503000000000000" pitchFamily="50" charset="-127"/>
-            </a:endParaRPr>
-          </a:p>
-        </p:txBody>
-      </p:sp>
+      </p:cxnSp>
+      <p:cxnSp>
+        <p:nvCxnSpPr>
+          <p:cNvPr id="30" name="연결선: 구부러짐 29">
+            <a:extLst>
+              <a:ext uri="{FF2B5EF4-FFF2-40B4-BE49-F238E27FC236}">
+                <a16:creationId xmlns:a16="http://schemas.microsoft.com/office/drawing/2014/main" id="{6755C4DD-281A-49B5-9264-D2FB9AA97179}"/>
+              </a:ext>
+            </a:extLst>
+          </p:cNvPr>
+          <p:cNvCxnSpPr>
+            <a:cxnSpLocks/>
+            <a:stCxn id="23" idx="2"/>
+          </p:cNvCxnSpPr>
+          <p:nvPr/>
+        </p:nvCxnSpPr>
+        <p:spPr>
+          <a:xfrm rot="5400000">
+            <a:off x="7863721" y="2503513"/>
+            <a:ext cx="469732" cy="542983"/>
+          </a:xfrm>
+          <a:prstGeom prst="curvedConnector2">
+            <a:avLst/>
+          </a:prstGeom>
+          <a:ln w="12700">
+            <a:solidFill>
+              <a:schemeClr val="bg1">
+                <a:lumMod val="65000"/>
+              </a:schemeClr>
+            </a:solidFill>
+          </a:ln>
+        </p:spPr>
+        <p:style>
+          <a:lnRef idx="1">
+            <a:schemeClr val="accent1"/>
+          </a:lnRef>
+          <a:fillRef idx="0">
+            <a:schemeClr val="accent1"/>
+          </a:fillRef>
+          <a:effectRef idx="0">
+            <a:schemeClr val="accent1"/>
+          </a:effectRef>
+          <a:fontRef idx="minor">
+            <a:schemeClr val="tx1"/>
+          </a:fontRef>
+        </p:style>
+      </p:cxnSp>
     </p:spTree>
     <p:extLst>
       <p:ext uri="{BB962C8B-B14F-4D97-AF65-F5344CB8AC3E}">

--- a/발표자료/API 텀프로젝트 발표자료.pptx
+++ b/발표자료/API 텀프로젝트 발표자료.pptx
@@ -271,7 +271,7 @@
           <a:p>
             <a:fld id="{42904C78-06FB-426E-8932-DB863AFFAC91}" type="datetimeFigureOut">
               <a:rPr lang="ko-KR" altLang="en-US" smtClean="0"/>
-              <a:t>2017-06-20</a:t>
+              <a:t>2017-06-21</a:t>
             </a:fld>
             <a:endParaRPr lang="ko-KR" altLang="en-US"/>
           </a:p>
@@ -441,7 +441,7 @@
           <a:p>
             <a:fld id="{42904C78-06FB-426E-8932-DB863AFFAC91}" type="datetimeFigureOut">
               <a:rPr lang="ko-KR" altLang="en-US" smtClean="0"/>
-              <a:t>2017-06-20</a:t>
+              <a:t>2017-06-21</a:t>
             </a:fld>
             <a:endParaRPr lang="ko-KR" altLang="en-US"/>
           </a:p>
@@ -621,7 +621,7 @@
           <a:p>
             <a:fld id="{42904C78-06FB-426E-8932-DB863AFFAC91}" type="datetimeFigureOut">
               <a:rPr lang="ko-KR" altLang="en-US" smtClean="0"/>
-              <a:t>2017-06-20</a:t>
+              <a:t>2017-06-21</a:t>
             </a:fld>
             <a:endParaRPr lang="ko-KR" altLang="en-US"/>
           </a:p>
@@ -802,7 +802,7 @@
           <a:p>
             <a:fld id="{42904C78-06FB-426E-8932-DB863AFFAC91}" type="datetimeFigureOut">
               <a:rPr lang="ko-KR" altLang="en-US" smtClean="0"/>
-              <a:t>2017-06-20</a:t>
+              <a:t>2017-06-21</a:t>
             </a:fld>
             <a:endParaRPr lang="ko-KR" altLang="en-US"/>
           </a:p>
@@ -1046,7 +1046,7 @@
           <a:p>
             <a:fld id="{42904C78-06FB-426E-8932-DB863AFFAC91}" type="datetimeFigureOut">
               <a:rPr lang="ko-KR" altLang="en-US" smtClean="0"/>
-              <a:t>2017-06-20</a:t>
+              <a:t>2017-06-21</a:t>
             </a:fld>
             <a:endParaRPr lang="ko-KR" altLang="en-US"/>
           </a:p>
@@ -1278,7 +1278,7 @@
           <a:p>
             <a:fld id="{42904C78-06FB-426E-8932-DB863AFFAC91}" type="datetimeFigureOut">
               <a:rPr lang="ko-KR" altLang="en-US" smtClean="0"/>
-              <a:t>2017-06-20</a:t>
+              <a:t>2017-06-21</a:t>
             </a:fld>
             <a:endParaRPr lang="ko-KR" altLang="en-US"/>
           </a:p>
@@ -1645,7 +1645,7 @@
           <a:p>
             <a:fld id="{42904C78-06FB-426E-8932-DB863AFFAC91}" type="datetimeFigureOut">
               <a:rPr lang="ko-KR" altLang="en-US" smtClean="0"/>
-              <a:t>2017-06-20</a:t>
+              <a:t>2017-06-21</a:t>
             </a:fld>
             <a:endParaRPr lang="ko-KR" altLang="en-US"/>
           </a:p>
@@ -1763,7 +1763,7 @@
           <a:p>
             <a:fld id="{42904C78-06FB-426E-8932-DB863AFFAC91}" type="datetimeFigureOut">
               <a:rPr lang="ko-KR" altLang="en-US" smtClean="0"/>
-              <a:t>2017-06-20</a:t>
+              <a:t>2017-06-21</a:t>
             </a:fld>
             <a:endParaRPr lang="ko-KR" altLang="en-US"/>
           </a:p>
@@ -1858,7 +1858,7 @@
           <a:p>
             <a:fld id="{42904C78-06FB-426E-8932-DB863AFFAC91}" type="datetimeFigureOut">
               <a:rPr lang="ko-KR" altLang="en-US" smtClean="0"/>
-              <a:t>2017-06-20</a:t>
+              <a:t>2017-06-21</a:t>
             </a:fld>
             <a:endParaRPr lang="ko-KR" altLang="en-US"/>
           </a:p>
@@ -2135,7 +2135,7 @@
           <a:p>
             <a:fld id="{42904C78-06FB-426E-8932-DB863AFFAC91}" type="datetimeFigureOut">
               <a:rPr lang="ko-KR" altLang="en-US" smtClean="0"/>
-              <a:t>2017-06-20</a:t>
+              <a:t>2017-06-21</a:t>
             </a:fld>
             <a:endParaRPr lang="ko-KR" altLang="en-US"/>
           </a:p>
@@ -2392,7 +2392,7 @@
           <a:p>
             <a:fld id="{42904C78-06FB-426E-8932-DB863AFFAC91}" type="datetimeFigureOut">
               <a:rPr lang="ko-KR" altLang="en-US" smtClean="0"/>
-              <a:t>2017-06-20</a:t>
+              <a:t>2017-06-21</a:t>
             </a:fld>
             <a:endParaRPr lang="ko-KR" altLang="en-US"/>
           </a:p>
@@ -2611,7 +2611,7 @@
           <a:p>
             <a:fld id="{42904C78-06FB-426E-8932-DB863AFFAC91}" type="datetimeFigureOut">
               <a:rPr lang="ko-KR" altLang="en-US" smtClean="0"/>
-              <a:t>2017-06-20</a:t>
+              <a:t>2017-06-21</a:t>
             </a:fld>
             <a:endParaRPr lang="ko-KR" altLang="en-US"/>
           </a:p>
@@ -9944,7 +9944,7 @@
         <p:spPr>
           <a:xfrm>
             <a:off x="464729" y="1108962"/>
-            <a:ext cx="1492716" cy="1631216"/>
+            <a:ext cx="1980029" cy="1631216"/>
           </a:xfrm>
           <a:prstGeom prst="rect">
             <a:avLst/>
@@ -9996,7 +9996,7 @@
                 <a:latin typeface="나눔바른펜" panose="020B0503000000000000" pitchFamily="50" charset="-127"/>
                 <a:ea typeface="나눔바른펜" panose="020B0503000000000000" pitchFamily="50" charset="-127"/>
               </a:rPr>
-              <a:t>부모클래스</a:t>
+              <a:t>오브젝트클래스</a:t>
             </a:r>
             <a:endParaRPr lang="en-US" altLang="ko-KR" sz="2000" dirty="0">
               <a:solidFill>
@@ -10065,7 +10065,7 @@
         <p:spPr>
           <a:xfrm>
             <a:off x="2477246" y="4184586"/>
-            <a:ext cx="1383712" cy="1631216"/>
+            <a:ext cx="1723549" cy="1323439"/>
           </a:xfrm>
           <a:prstGeom prst="rect">
             <a:avLst/>
@@ -10091,26 +10091,7 @@
           </a:p>
           <a:p>
             <a:r>
-              <a:rPr lang="ko-KR" altLang="en-US" sz="2000" dirty="0" err="1">
-                <a:solidFill>
-                  <a:schemeClr val="bg1"/>
-                </a:solidFill>
-                <a:latin typeface="나눔바른펜" panose="020B0503000000000000" pitchFamily="50" charset="-127"/>
-                <a:ea typeface="나눔바른펜" panose="020B0503000000000000" pitchFamily="50" charset="-127"/>
-              </a:rPr>
-              <a:t>차일드클래스</a:t>
-            </a:r>
-            <a:endParaRPr lang="en-US" altLang="ko-KR" sz="2000" dirty="0">
-              <a:solidFill>
-                <a:schemeClr val="bg1"/>
-              </a:solidFill>
-              <a:latin typeface="나눔바른펜" panose="020B0503000000000000" pitchFamily="50" charset="-127"/>
-              <a:ea typeface="나눔바른펜" panose="020B0503000000000000" pitchFamily="50" charset="-127"/>
-            </a:endParaRPr>
-          </a:p>
-          <a:p>
-            <a:r>
-              <a:rPr lang="ko-KR" altLang="en-US" sz="2000" dirty="0">
+              <a:rPr lang="ko-KR" altLang="en-US" sz="2000">
                 <a:solidFill>
                   <a:schemeClr val="bg1"/>
                 </a:solidFill>

--- a/발표자료/API 텀프로젝트 발표자료.pptx
+++ b/발표자료/API 텀프로젝트 발표자료.pptx
@@ -1,6 +1,6 @@
 
 <file path=ppt/presentation.xml><?xml version="1.0" encoding="utf-8"?>
-<p:presentation xmlns:a="http://schemas.openxmlformats.org/drawingml/2006/main" xmlns:r="http://schemas.openxmlformats.org/officeDocument/2006/relationships" xmlns:p="http://schemas.openxmlformats.org/presentationml/2006/main" saveSubsetFonts="1">
+<p:presentation xmlns:a="http://schemas.openxmlformats.org/drawingml/2006/main" xmlns:r="http://schemas.openxmlformats.org/officeDocument/2006/relationships" xmlns:p="http://schemas.openxmlformats.org/presentationml/2006/main" embedTrueTypeFonts="1" saveSubsetFonts="1">
   <p:sldMasterIdLst>
     <p:sldMasterId id="2147483660" r:id="rId1"/>
   </p:sldMasterIdLst>
@@ -21,6 +21,47 @@
   </p:sldIdLst>
   <p:sldSz cx="9144000" cy="6858000" type="screen4x3"/>
   <p:notesSz cx="6858000" cy="9144000"/>
+  <p:embeddedFontLst>
+    <p:embeddedFont>
+      <p:font typeface="맑은 고딕" panose="020B0503020000020004" pitchFamily="50" charset="-127"/>
+      <p:regular r:id="rId15"/>
+      <p:bold r:id="rId16"/>
+    </p:embeddedFont>
+    <p:embeddedFont>
+      <p:font typeface="나눔스퀘어" panose="020B0600000101010101" pitchFamily="50" charset="-127"/>
+      <p:regular r:id="rId17"/>
+    </p:embeddedFont>
+    <p:embeddedFont>
+      <p:font typeface="Bauhaus 93" panose="04030905020B02020C02" pitchFamily="82" charset="0"/>
+      <p:regular r:id="rId18"/>
+    </p:embeddedFont>
+    <p:embeddedFont>
+      <p:font typeface="Calibri Light" panose="020F0302020204030204" pitchFamily="34" charset="0"/>
+      <p:regular r:id="rId19"/>
+      <p:italic r:id="rId20"/>
+    </p:embeddedFont>
+    <p:embeddedFont>
+      <p:font typeface="Yu Gothic" panose="020B0400000000000000" pitchFamily="34" charset="-128"/>
+      <p:regular r:id="rId21"/>
+      <p:bold r:id="rId22"/>
+    </p:embeddedFont>
+    <p:embeddedFont>
+      <p:font typeface="나눔바른펜" panose="020B0503000000000000" pitchFamily="50" charset="-127"/>
+      <p:regular r:id="rId23"/>
+      <p:bold r:id="rId24"/>
+    </p:embeddedFont>
+    <p:embeddedFont>
+      <p:font typeface="Calibri" panose="020F0502020204030204" pitchFamily="34" charset="0"/>
+      <p:regular r:id="rId25"/>
+      <p:bold r:id="rId26"/>
+      <p:italic r:id="rId27"/>
+      <p:boldItalic r:id="rId28"/>
+    </p:embeddedFont>
+    <p:embeddedFont>
+      <p:font typeface="나눔스퀘어 Light" panose="020B0600000101010101" pitchFamily="50" charset="-127"/>
+      <p:regular r:id="rId29"/>
+    </p:embeddedFont>
+  </p:embeddedFontLst>
   <p:defaultTextStyle>
     <a:defPPr>
       <a:defRPr lang="en-US"/>
@@ -9289,7 +9330,7 @@
                   <a:schemeClr val="bg1"/>
                 </a:solidFill>
                 <a:latin typeface="Bauhaus 93" panose="04030905020B02020C02" pitchFamily="82" charset="0"/>
-                <a:ea typeface="Adobe Fan Heiti Std B" panose="020B0700000000000000" pitchFamily="34" charset="-128"/>
+                <a:ea typeface="Yu Gothic" panose="020B0400000000000000" pitchFamily="34" charset="-128"/>
               </a:rPr>
               <a:t>GitHub</a:t>
             </a:r>

--- a/발표자료/API 텀프로젝트 발표자료.pptx
+++ b/발표자료/API 텀프로젝트 발표자료.pptx
@@ -4451,8 +4451,8 @@
         </p:nvSpPr>
         <p:spPr>
           <a:xfrm>
-            <a:off x="3872697" y="5159951"/>
-            <a:ext cx="1398593" cy="553998"/>
+            <a:off x="3863619" y="5168829"/>
+            <a:ext cx="1460940" cy="553998"/>
           </a:xfrm>
           <a:prstGeom prst="rect">
             <a:avLst/>
@@ -4494,7 +4494,7 @@
                 <a:latin typeface="나눔스퀘어 Light" panose="020B0600000101010101" pitchFamily="50" charset="-127"/>
                 <a:ea typeface="나눔스퀘어 Light" panose="020B0600000101010101" pitchFamily="50" charset="-127"/>
               </a:rPr>
-              <a:t>delta</a:t>
+              <a:t>-delta</a:t>
             </a:r>
             <a:r>
               <a:rPr lang="ko-KR" altLang="en-US" sz="1500" dirty="0">
@@ -10091,7 +10091,7 @@
           </a:p>
           <a:p>
             <a:r>
-              <a:rPr lang="ko-KR" altLang="en-US" sz="2000">
+              <a:rPr lang="ko-KR" altLang="en-US" sz="2000" dirty="0">
                 <a:solidFill>
                   <a:schemeClr val="bg1"/>
                 </a:solidFill>
